--- a/coursePresentation.pptx
+++ b/coursePresentation.pptx
@@ -5,10 +5,10 @@
     <p:sldMasterId id="2147484906" r:id="rId1"/>
   </p:sldMasterIdLst>
   <p:notesMasterIdLst>
-    <p:notesMasterId r:id="rId35"/>
+    <p:notesMasterId r:id="rId37"/>
   </p:notesMasterIdLst>
   <p:handoutMasterIdLst>
-    <p:handoutMasterId r:id="rId36"/>
+    <p:handoutMasterId r:id="rId38"/>
   </p:handoutMasterIdLst>
   <p:sldIdLst>
     <p:sldId id="257" r:id="rId2"/>
@@ -43,7 +43,9 @@
     <p:sldId id="349" r:id="rId31"/>
     <p:sldId id="350" r:id="rId32"/>
     <p:sldId id="351" r:id="rId33"/>
-    <p:sldId id="334" r:id="rId34"/>
+    <p:sldId id="352" r:id="rId34"/>
+    <p:sldId id="353" r:id="rId35"/>
+    <p:sldId id="334" r:id="rId36"/>
   </p:sldIdLst>
   <p:sldSz cx="9144000" cy="6858000" type="screen4x3"/>
   <p:notesSz cx="6858000" cy="9144000"/>
@@ -933,7 +935,7 @@
           <a:lstStyle/>
           <a:p>
             <a:pPr eaLnBrk="1" hangingPunct="1"/>
-            <a:endParaRPr lang="en-AU">
+            <a:endParaRPr lang="en-AU" dirty="0">
               <a:latin typeface="Arial" pitchFamily="-112" charset="0"/>
               <a:ea typeface="ＭＳ Ｐゴシック" pitchFamily="-112" charset="-128"/>
             </a:endParaRPr>
@@ -1711,7 +1713,7 @@
             <a:fld id="{A4A6734C-E115-4BC5-9FB0-F9BF6FABFDA0}" type="datetimeFigureOut">
               <a:rPr lang="en-US" smtClean="0"/>
               <a:pPr/>
-              <a:t>4/25/2014</a:t>
+              <a:t>4/27/2014</a:t>
             </a:fld>
             <a:endParaRPr lang="en-US"/>
           </a:p>
@@ -3839,7 +3841,7 @@
             <a:fld id="{A4A6734C-E115-4BC5-9FB0-F9BF6FABFDA0}" type="datetimeFigureOut">
               <a:rPr lang="en-US" smtClean="0"/>
               <a:pPr/>
-              <a:t>4/25/2014</a:t>
+              <a:t>4/27/2014</a:t>
             </a:fld>
             <a:endParaRPr lang="en-US"/>
           </a:p>
@@ -10895,7 +10897,7 @@
           <a:p>
             <a:r>
               <a:rPr lang="en-US" dirty="0" smtClean="0"/>
-              <a:t>Why have unchecked exceptions?</a:t>
+              <a:t>Errors and Exceptions</a:t>
             </a:r>
             <a:endParaRPr lang="en-US" dirty="0"/>
           </a:p>
@@ -10925,6 +10927,348 @@
                 <a:defRPr/>
               </a:pPr>
               <a:t>33</a:t>
+            </a:fld>
+            <a:endParaRPr lang="en-CA"/>
+          </a:p>
+        </p:txBody>
+      </p:sp>
+      <p:sp>
+        <p:nvSpPr>
+          <p:cNvPr id="4" name="TextBox 3"/>
+          <p:cNvSpPr txBox="1"/>
+          <p:nvPr/>
+        </p:nvSpPr>
+        <p:spPr>
+          <a:xfrm>
+            <a:off x="1066800" y="1905000"/>
+            <a:ext cx="7239000" cy="3785652"/>
+          </a:xfrm>
+          <a:prstGeom prst="rect">
+            <a:avLst/>
+          </a:prstGeom>
+          <a:noFill/>
+        </p:spPr>
+        <p:txBody>
+          <a:bodyPr wrap="square" rtlCol="0">
+            <a:spAutoFit/>
+          </a:bodyPr>
+          <a:lstStyle/>
+          <a:p>
+            <a:r>
+              <a:rPr lang="en-US" dirty="0"/>
+              <a:t>An Error "indicates serious problems that a reasonable application should not try to catch."</a:t>
+            </a:r>
+          </a:p>
+          <a:p>
+            <a:r>
+              <a:rPr lang="en-US" dirty="0"/>
+              <a:t>while</a:t>
+            </a:r>
+          </a:p>
+          <a:p>
+            <a:r>
+              <a:rPr lang="en-US" dirty="0"/>
+              <a:t>An Exception "indicates conditions that a reasonable application might want to catch</a:t>
+            </a:r>
+            <a:r>
+              <a:rPr lang="en-US" dirty="0" smtClean="0"/>
+              <a:t>.“</a:t>
+            </a:r>
+          </a:p>
+          <a:p>
+            <a:endParaRPr lang="en-US" dirty="0"/>
+          </a:p>
+          <a:p>
+            <a:r>
+              <a:rPr lang="en-US" dirty="0" smtClean="0"/>
+              <a:t>Most likely you will never write or catch an Error</a:t>
+            </a:r>
+          </a:p>
+          <a:p>
+            <a:r>
+              <a:rPr lang="en-US" dirty="0" smtClean="0"/>
+              <a:t>See </a:t>
+            </a:r>
+            <a:r>
+              <a:rPr lang="en-US" dirty="0" err="1" smtClean="0"/>
+              <a:t>ErrorDemo</a:t>
+            </a:r>
+            <a:endParaRPr lang="en-US" dirty="0" smtClean="0"/>
+          </a:p>
+          <a:p>
+            <a:endParaRPr lang="en-US" dirty="0"/>
+          </a:p>
+          <a:p>
+            <a:endParaRPr lang="en-US" dirty="0"/>
+          </a:p>
+        </p:txBody>
+      </p:sp>
+    </p:spTree>
+    <p:extLst>
+      <p:ext uri="{BB962C8B-B14F-4D97-AF65-F5344CB8AC3E}">
+        <p14:creationId xmlns:p14="http://schemas.microsoft.com/office/powerpoint/2010/main" val="1786202589"/>
+      </p:ext>
+    </p:extLst>
+  </p:cSld>
+  <p:clrMapOvr>
+    <a:masterClrMapping/>
+  </p:clrMapOvr>
+</p:sld>
+</file>
+
+<file path=ppt/slides/slide34.xml><?xml version="1.0" encoding="utf-8"?>
+<p:sld xmlns:a="http://schemas.openxmlformats.org/drawingml/2006/main" xmlns:r="http://schemas.openxmlformats.org/officeDocument/2006/relationships" xmlns:p="http://schemas.openxmlformats.org/presentationml/2006/main">
+  <p:cSld>
+    <p:spTree>
+      <p:nvGrpSpPr>
+        <p:cNvPr id="1" name=""/>
+        <p:cNvGrpSpPr/>
+        <p:nvPr/>
+      </p:nvGrpSpPr>
+      <p:grpSpPr>
+        <a:xfrm>
+          <a:off x="0" y="0"/>
+          <a:ext cx="0" cy="0"/>
+          <a:chOff x="0" y="0"/>
+          <a:chExt cx="0" cy="0"/>
+        </a:xfrm>
+      </p:grpSpPr>
+      <p:sp>
+        <p:nvSpPr>
+          <p:cNvPr id="2" name="Title 1"/>
+          <p:cNvSpPr>
+            <a:spLocks noGrp="1"/>
+          </p:cNvSpPr>
+          <p:nvPr>
+            <p:ph type="title"/>
+          </p:nvPr>
+        </p:nvSpPr>
+        <p:spPr/>
+        <p:txBody>
+          <a:bodyPr/>
+          <a:lstStyle/>
+          <a:p>
+            <a:r>
+              <a:rPr lang="en-US" dirty="0" smtClean="0"/>
+              <a:t>More about Exceptions</a:t>
+            </a:r>
+            <a:endParaRPr lang="en-US" dirty="0"/>
+          </a:p>
+        </p:txBody>
+      </p:sp>
+      <p:sp>
+        <p:nvSpPr>
+          <p:cNvPr id="3" name="Slide Number Placeholder 2"/>
+          <p:cNvSpPr>
+            <a:spLocks noGrp="1"/>
+          </p:cNvSpPr>
+          <p:nvPr>
+            <p:ph type="sldNum" sz="quarter" idx="12"/>
+          </p:nvPr>
+        </p:nvSpPr>
+        <p:spPr/>
+        <p:txBody>
+          <a:bodyPr/>
+          <a:lstStyle/>
+          <a:p>
+            <a:pPr>
+              <a:defRPr/>
+            </a:pPr>
+            <a:fld id="{B2451C39-31DD-6D4B-9BED-758CF6C1BA6A}" type="slidenum">
+              <a:rPr lang="en-CA" smtClean="0"/>
+              <a:pPr>
+                <a:defRPr/>
+              </a:pPr>
+              <a:t>34</a:t>
+            </a:fld>
+            <a:endParaRPr lang="en-CA"/>
+          </a:p>
+        </p:txBody>
+      </p:sp>
+      <p:sp>
+        <p:nvSpPr>
+          <p:cNvPr id="4" name="TextBox 3"/>
+          <p:cNvSpPr txBox="1"/>
+          <p:nvPr/>
+        </p:nvSpPr>
+        <p:spPr>
+          <a:xfrm>
+            <a:off x="1066800" y="2286000"/>
+            <a:ext cx="6858000" cy="3416320"/>
+          </a:xfrm>
+          <a:prstGeom prst="rect">
+            <a:avLst/>
+          </a:prstGeom>
+          <a:noFill/>
+        </p:spPr>
+        <p:txBody>
+          <a:bodyPr wrap="square" rtlCol="0">
+            <a:spAutoFit/>
+          </a:bodyPr>
+          <a:lstStyle/>
+          <a:p>
+            <a:r>
+              <a:rPr lang="en-US" dirty="0" smtClean="0"/>
+              <a:t>Come in two </a:t>
+            </a:r>
+            <a:r>
+              <a:rPr lang="en-US" dirty="0" err="1" smtClean="0"/>
+              <a:t>flavours</a:t>
+            </a:r>
+            <a:endParaRPr lang="en-US" dirty="0" smtClean="0"/>
+          </a:p>
+          <a:p>
+            <a:pPr marL="457200" indent="-457200">
+              <a:buFont typeface="+mj-lt"/>
+              <a:buAutoNum type="arabicPeriod"/>
+            </a:pPr>
+            <a:r>
+              <a:rPr lang="en-US" dirty="0" smtClean="0"/>
+              <a:t>Checked</a:t>
+            </a:r>
+          </a:p>
+          <a:p>
+            <a:pPr marL="914400" lvl="1" indent="-457200">
+              <a:buFont typeface="Arial" pitchFamily="34" charset="0"/>
+              <a:buChar char="•"/>
+            </a:pPr>
+            <a:r>
+              <a:rPr lang="en-US" dirty="0" smtClean="0"/>
+              <a:t>You should catch it or let bubble up (aka exception propagation)</a:t>
+            </a:r>
+          </a:p>
+          <a:p>
+            <a:pPr marL="914400" lvl="1" indent="-457200">
+              <a:buFont typeface="Arial" pitchFamily="34" charset="0"/>
+              <a:buChar char="•"/>
+            </a:pPr>
+            <a:r>
+              <a:rPr lang="en-US" dirty="0" smtClean="0"/>
+              <a:t>See </a:t>
+            </a:r>
+            <a:r>
+              <a:rPr lang="en-US" dirty="0" err="1" smtClean="0"/>
+              <a:t>SimpsonsDemo</a:t>
+            </a:r>
+            <a:r>
+              <a:rPr lang="en-US" dirty="0" smtClean="0"/>
+              <a:t> </a:t>
+            </a:r>
+          </a:p>
+          <a:p>
+            <a:pPr marL="457200" indent="-457200">
+              <a:buFont typeface="+mj-lt"/>
+              <a:buAutoNum type="arabicPeriod"/>
+            </a:pPr>
+            <a:r>
+              <a:rPr lang="en-US" dirty="0" smtClean="0"/>
+              <a:t>Unchecked</a:t>
+            </a:r>
+          </a:p>
+          <a:p>
+            <a:pPr marL="914400" lvl="1" indent="-457200">
+              <a:buFont typeface="Arial" pitchFamily="34" charset="0"/>
+              <a:buChar char="•"/>
+            </a:pPr>
+            <a:r>
+              <a:rPr lang="en-US" dirty="0" smtClean="0"/>
+              <a:t>It bubbles to the top</a:t>
+            </a:r>
+          </a:p>
+          <a:p>
+            <a:pPr marL="914400" lvl="1" indent="-457200">
+              <a:buFont typeface="Arial" pitchFamily="34" charset="0"/>
+              <a:buChar char="•"/>
+            </a:pPr>
+            <a:r>
+              <a:rPr lang="en-US" dirty="0" smtClean="0"/>
+              <a:t>Unchecked Exceptions extend </a:t>
+            </a:r>
+            <a:r>
+              <a:rPr lang="en-US" smtClean="0"/>
+              <a:t>RuntimeException</a:t>
+            </a:r>
+            <a:endParaRPr lang="en-US" dirty="0"/>
+          </a:p>
+        </p:txBody>
+      </p:sp>
+    </p:spTree>
+    <p:extLst>
+      <p:ext uri="{BB962C8B-B14F-4D97-AF65-F5344CB8AC3E}">
+        <p14:creationId xmlns:p14="http://schemas.microsoft.com/office/powerpoint/2010/main" val="3828008236"/>
+      </p:ext>
+    </p:extLst>
+  </p:cSld>
+  <p:clrMapOvr>
+    <a:masterClrMapping/>
+  </p:clrMapOvr>
+</p:sld>
+</file>
+
+<file path=ppt/slides/slide35.xml><?xml version="1.0" encoding="utf-8"?>
+<p:sld xmlns:a="http://schemas.openxmlformats.org/drawingml/2006/main" xmlns:r="http://schemas.openxmlformats.org/officeDocument/2006/relationships" xmlns:p="http://schemas.openxmlformats.org/presentationml/2006/main">
+  <p:cSld>
+    <p:spTree>
+      <p:nvGrpSpPr>
+        <p:cNvPr id="1" name=""/>
+        <p:cNvGrpSpPr/>
+        <p:nvPr/>
+      </p:nvGrpSpPr>
+      <p:grpSpPr>
+        <a:xfrm>
+          <a:off x="0" y="0"/>
+          <a:ext cx="0" cy="0"/>
+          <a:chOff x="0" y="0"/>
+          <a:chExt cx="0" cy="0"/>
+        </a:xfrm>
+      </p:grpSpPr>
+      <p:sp>
+        <p:nvSpPr>
+          <p:cNvPr id="2" name="Title 1"/>
+          <p:cNvSpPr>
+            <a:spLocks noGrp="1"/>
+          </p:cNvSpPr>
+          <p:nvPr>
+            <p:ph type="title"/>
+          </p:nvPr>
+        </p:nvSpPr>
+        <p:spPr/>
+        <p:txBody>
+          <a:bodyPr/>
+          <a:lstStyle/>
+          <a:p>
+            <a:r>
+              <a:rPr lang="en-US" dirty="0" smtClean="0"/>
+              <a:t>Why have unchecked exceptions?</a:t>
+            </a:r>
+            <a:endParaRPr lang="en-US" dirty="0"/>
+          </a:p>
+        </p:txBody>
+      </p:sp>
+      <p:sp>
+        <p:nvSpPr>
+          <p:cNvPr id="3" name="Slide Number Placeholder 2"/>
+          <p:cNvSpPr>
+            <a:spLocks noGrp="1"/>
+          </p:cNvSpPr>
+          <p:nvPr>
+            <p:ph type="sldNum" sz="quarter" idx="12"/>
+          </p:nvPr>
+        </p:nvSpPr>
+        <p:spPr/>
+        <p:txBody>
+          <a:bodyPr/>
+          <a:lstStyle/>
+          <a:p>
+            <a:pPr>
+              <a:defRPr/>
+            </a:pPr>
+            <a:fld id="{B2451C39-31DD-6D4B-9BED-758CF6C1BA6A}" type="slidenum">
+              <a:rPr lang="en-CA" smtClean="0"/>
+              <a:pPr>
+                <a:defRPr/>
+              </a:pPr>
+              <a:t>35</a:t>
             </a:fld>
             <a:endParaRPr lang="en-CA"/>
           </a:p>

--- a/coursePresentation.pptx
+++ b/coursePresentation.pptx
@@ -11094,7 +11094,7 @@
         <p:spPr>
           <a:xfrm>
             <a:off x="1066800" y="2286000"/>
-            <a:ext cx="6858000" cy="3416320"/>
+            <a:ext cx="6858000" cy="4524315"/>
           </a:xfrm>
           <a:prstGeom prst="rect">
             <a:avLst/>
@@ -11185,8 +11185,23 @@
               <a:t>Unchecked Exceptions extend </a:t>
             </a:r>
             <a:r>
-              <a:rPr lang="en-US" smtClean="0"/>
+              <a:rPr lang="en-US" dirty="0" err="1" smtClean="0"/>
               <a:t>RuntimeException</a:t>
+            </a:r>
+            <a:endParaRPr lang="en-US" dirty="0" smtClean="0"/>
+          </a:p>
+          <a:p>
+            <a:pPr marL="914400" lvl="1" indent="-457200">
+              <a:buFont typeface="Arial" pitchFamily="34" charset="0"/>
+              <a:buChar char="•"/>
+            </a:pPr>
+            <a:r>
+              <a:rPr lang="en-US" dirty="0" smtClean="0"/>
+              <a:t>See </a:t>
+            </a:r>
+            <a:r>
+              <a:rPr lang="en-US"/>
+              <a:t>SimpsonsWithPossibleRuntimeExceptionDemo</a:t>
             </a:r>
             <a:endParaRPr lang="en-US" dirty="0"/>
           </a:p>

--- a/coursePresentation.pptx
+++ b/coursePresentation.pptx
@@ -5,10 +5,10 @@
     <p:sldMasterId id="2147484906" r:id="rId1"/>
   </p:sldMasterIdLst>
   <p:notesMasterIdLst>
-    <p:notesMasterId r:id="rId37"/>
+    <p:notesMasterId r:id="rId38"/>
   </p:notesMasterIdLst>
   <p:handoutMasterIdLst>
-    <p:handoutMasterId r:id="rId38"/>
+    <p:handoutMasterId r:id="rId39"/>
   </p:handoutMasterIdLst>
   <p:sldIdLst>
     <p:sldId id="257" r:id="rId2"/>
@@ -46,6 +46,7 @@
     <p:sldId id="352" r:id="rId34"/>
     <p:sldId id="353" r:id="rId35"/>
     <p:sldId id="334" r:id="rId36"/>
+    <p:sldId id="354" r:id="rId37"/>
   </p:sldIdLst>
   <p:sldSz cx="9144000" cy="6858000" type="screen4x3"/>
   <p:notesSz cx="6858000" cy="9144000"/>
@@ -9018,7 +9019,7 @@
         <p:spPr>
           <a:xfrm>
             <a:off x="1447800" y="1981200"/>
-            <a:ext cx="7162800" cy="2308324"/>
+            <a:ext cx="7162800" cy="1938992"/>
           </a:xfrm>
           <a:prstGeom prst="rect">
             <a:avLst/>
@@ -9037,7 +9038,11 @@
             </a:pPr>
             <a:r>
               <a:rPr lang="en-US" dirty="0" smtClean="0"/>
-              <a:t>Somewhere in a galaxy far, far away (actually not that far), you will find more packages and classes in rt.jar</a:t>
+              <a:t>Most Core API classes can be found in </a:t>
+            </a:r>
+            <a:r>
+              <a:rPr lang="en-US" dirty="0" smtClean="0"/>
+              <a:t>rt.jar</a:t>
             </a:r>
           </a:p>
           <a:p>
@@ -9045,7 +9050,7 @@
               <a:buFont typeface="Arial" pitchFamily="34" charset="0"/>
               <a:buChar char="•"/>
             </a:pPr>
-            <a:endParaRPr lang="en-US" dirty="0"/>
+            <a:endParaRPr lang="en-US" dirty="0" smtClean="0"/>
           </a:p>
           <a:p>
             <a:pPr marL="342900" indent="-342900">
@@ -9053,14 +9058,10 @@
               <a:buChar char="•"/>
             </a:pPr>
             <a:r>
-              <a:rPr lang="en-US" dirty="0" err="1"/>
-              <a:t>j</a:t>
-            </a:r>
-            <a:r>
-              <a:rPr lang="en-US" dirty="0" err="1" smtClean="0"/>
-              <a:t>ava.math</a:t>
-            </a:r>
-            <a:endParaRPr lang="en-US" dirty="0" smtClean="0"/>
+              <a:rPr lang="en-US" dirty="0" smtClean="0"/>
+              <a:t>In particular, I’d like to focus on</a:t>
+            </a:r>
+            <a:endParaRPr lang="en-US" dirty="0"/>
           </a:p>
           <a:p>
             <a:pPr marL="342900" indent="-342900">
@@ -9074,6 +9075,17 @@
             <a:r>
               <a:rPr lang="en-US" dirty="0" err="1" smtClean="0"/>
               <a:t>ava.math</a:t>
+            </a:r>
+            <a:endParaRPr lang="en-US" dirty="0" smtClean="0"/>
+          </a:p>
+          <a:p>
+            <a:pPr marL="342900" indent="-342900">
+              <a:buFont typeface="Arial" pitchFamily="34" charset="0"/>
+              <a:buChar char="•"/>
+            </a:pPr>
+            <a:r>
+              <a:rPr lang="en-US" dirty="0" err="1" smtClean="0"/>
+              <a:t>java.util</a:t>
             </a:r>
             <a:endParaRPr lang="en-US" dirty="0"/>
           </a:p>
@@ -9177,7 +9189,7 @@
         <p:spPr>
           <a:xfrm>
             <a:off x="762000" y="2286000"/>
-            <a:ext cx="7467600" cy="1200329"/>
+            <a:ext cx="7467600" cy="1938992"/>
           </a:xfrm>
           <a:prstGeom prst="rect">
             <a:avLst/>
@@ -9196,17 +9208,12 @@
             </a:pPr>
             <a:r>
               <a:rPr lang="en-US" dirty="0" err="1" smtClean="0"/>
-              <a:t>maxValue</a:t>
+              <a:t>java.math</a:t>
             </a:r>
             <a:r>
               <a:rPr lang="en-US" dirty="0" smtClean="0"/>
-              <a:t>: (2^32)^</a:t>
-            </a:r>
-            <a:r>
-              <a:rPr lang="en-US" dirty="0" err="1" smtClean="0"/>
-              <a:t>Integer.MAX_VALUE</a:t>
-            </a:r>
-            <a:endParaRPr lang="en-US" dirty="0" smtClean="0"/>
+              <a:t> belongs</a:t>
+            </a:r>
           </a:p>
           <a:p>
             <a:pPr marL="342900" indent="-342900">
@@ -9214,8 +9221,45 @@
               <a:buChar char="•"/>
             </a:pPr>
             <a:r>
+              <a:rPr lang="en-US" dirty="0" err="1" smtClean="0"/>
+              <a:t>maxValue</a:t>
+            </a:r>
+            <a:r>
               <a:rPr lang="en-US" dirty="0" smtClean="0"/>
-              <a:t>Unless you are dealing with really large numbers use Integer</a:t>
+              <a:t>: (2^32)^</a:t>
+            </a:r>
+            <a:r>
+              <a:rPr lang="en-US" dirty="0" err="1" smtClean="0"/>
+              <a:t>Integer.MAX_VALUE</a:t>
+            </a:r>
+            <a:endParaRPr lang="en-US" dirty="0" smtClean="0"/>
+          </a:p>
+          <a:p>
+            <a:pPr marL="342900" indent="-342900">
+              <a:buFont typeface="Arial" pitchFamily="34" charset="0"/>
+              <a:buChar char="•"/>
+            </a:pPr>
+            <a:r>
+              <a:rPr lang="en-US" dirty="0" smtClean="0"/>
+              <a:t>Unless you are dealing with really large numbers use </a:t>
+            </a:r>
+            <a:r>
+              <a:rPr lang="en-US" dirty="0" smtClean="0"/>
+              <a:t>Integer</a:t>
+            </a:r>
+          </a:p>
+          <a:p>
+            <a:pPr marL="342900" indent="-342900">
+              <a:buFont typeface="Arial" pitchFamily="34" charset="0"/>
+              <a:buChar char="•"/>
+            </a:pPr>
+            <a:r>
+              <a:rPr lang="en-US" dirty="0" smtClean="0"/>
+              <a:t>Not as exciting as its sibling … </a:t>
+            </a:r>
+            <a:r>
+              <a:rPr lang="en-US" dirty="0" err="1" smtClean="0"/>
+              <a:t>BigDecimal</a:t>
             </a:r>
             <a:endParaRPr lang="en-US" dirty="0"/>
           </a:p>
@@ -9340,7 +9384,11 @@
           <a:p>
             <a:r>
               <a:rPr lang="en-US" dirty="0" smtClean="0"/>
-              <a:t>See Demo</a:t>
+              <a:t>See </a:t>
+            </a:r>
+            <a:r>
+              <a:rPr lang="en-US" smtClean="0"/>
+              <a:t>BigDecimalExample</a:t>
             </a:r>
             <a:endParaRPr lang="en-US" dirty="0"/>
           </a:p>
@@ -11200,7 +11248,7 @@
               <a:t>See </a:t>
             </a:r>
             <a:r>
-              <a:rPr lang="en-US"/>
+              <a:rPr lang="en-US" dirty="0" err="1"/>
               <a:t>SimpsonsWithPossibleRuntimeExceptionDemo</a:t>
             </a:r>
             <a:endParaRPr lang="en-US" dirty="0"/>
@@ -11365,6 +11413,143 @@
     <p:extLst>
       <p:ext uri="{BB962C8B-B14F-4D97-AF65-F5344CB8AC3E}">
         <p14:creationId xmlns:p14="http://schemas.microsoft.com/office/powerpoint/2010/main" val="1516566185"/>
+      </p:ext>
+    </p:extLst>
+  </p:cSld>
+  <p:clrMapOvr>
+    <a:masterClrMapping/>
+  </p:clrMapOvr>
+</p:sld>
+</file>
+
+<file path=ppt/slides/slide36.xml><?xml version="1.0" encoding="utf-8"?>
+<p:sld xmlns:a="http://schemas.openxmlformats.org/drawingml/2006/main" xmlns:r="http://schemas.openxmlformats.org/officeDocument/2006/relationships" xmlns:p="http://schemas.openxmlformats.org/presentationml/2006/main">
+  <p:cSld>
+    <p:spTree>
+      <p:nvGrpSpPr>
+        <p:cNvPr id="1" name=""/>
+        <p:cNvGrpSpPr/>
+        <p:nvPr/>
+      </p:nvGrpSpPr>
+      <p:grpSpPr>
+        <a:xfrm>
+          <a:off x="0" y="0"/>
+          <a:ext cx="0" cy="0"/>
+          <a:chOff x="0" y="0"/>
+          <a:chExt cx="0" cy="0"/>
+        </a:xfrm>
+      </p:grpSpPr>
+      <p:sp>
+        <p:nvSpPr>
+          <p:cNvPr id="2" name="Title 1"/>
+          <p:cNvSpPr>
+            <a:spLocks noGrp="1"/>
+          </p:cNvSpPr>
+          <p:nvPr>
+            <p:ph type="title"/>
+          </p:nvPr>
+        </p:nvSpPr>
+        <p:spPr/>
+        <p:txBody>
+          <a:bodyPr/>
+          <a:lstStyle/>
+          <a:p>
+            <a:r>
+              <a:rPr lang="en-US" dirty="0" smtClean="0"/>
+              <a:t>Homework</a:t>
+            </a:r>
+            <a:endParaRPr lang="en-US" dirty="0"/>
+          </a:p>
+        </p:txBody>
+      </p:sp>
+      <p:sp>
+        <p:nvSpPr>
+          <p:cNvPr id="3" name="Slide Number Placeholder 2"/>
+          <p:cNvSpPr>
+            <a:spLocks noGrp="1"/>
+          </p:cNvSpPr>
+          <p:nvPr>
+            <p:ph type="sldNum" sz="quarter" idx="12"/>
+          </p:nvPr>
+        </p:nvSpPr>
+        <p:spPr/>
+        <p:txBody>
+          <a:bodyPr/>
+          <a:lstStyle/>
+          <a:p>
+            <a:pPr>
+              <a:defRPr/>
+            </a:pPr>
+            <a:fld id="{B2451C39-31DD-6D4B-9BED-758CF6C1BA6A}" type="slidenum">
+              <a:rPr lang="en-CA" smtClean="0"/>
+              <a:pPr>
+                <a:defRPr/>
+              </a:pPr>
+              <a:t>36</a:t>
+            </a:fld>
+            <a:endParaRPr lang="en-CA"/>
+          </a:p>
+        </p:txBody>
+      </p:sp>
+      <p:sp>
+        <p:nvSpPr>
+          <p:cNvPr id="4" name="TextBox 3"/>
+          <p:cNvSpPr txBox="1"/>
+          <p:nvPr/>
+        </p:nvSpPr>
+        <p:spPr>
+          <a:xfrm>
+            <a:off x="838201" y="1447800"/>
+            <a:ext cx="6248400" cy="1569660"/>
+          </a:xfrm>
+          <a:prstGeom prst="rect">
+            <a:avLst/>
+          </a:prstGeom>
+          <a:noFill/>
+        </p:spPr>
+        <p:txBody>
+          <a:bodyPr wrap="square" rtlCol="0">
+            <a:spAutoFit/>
+          </a:bodyPr>
+          <a:lstStyle/>
+          <a:p>
+            <a:r>
+              <a:rPr lang="en-US" dirty="0" smtClean="0"/>
+              <a:t>Read BRIEFLY: </a:t>
+            </a:r>
+          </a:p>
+          <a:p>
+            <a:pPr marL="342900" indent="-342900">
+              <a:buFont typeface="Arial" pitchFamily="34" charset="0"/>
+              <a:buChar char="•"/>
+            </a:pPr>
+            <a:r>
+              <a:rPr lang="en-US" dirty="0">
+                <a:hlinkClick r:id="rId2"/>
+              </a:rPr>
+              <a:t>http://</a:t>
+            </a:r>
+            <a:r>
+              <a:rPr lang="en-US" dirty="0" smtClean="0">
+                <a:hlinkClick r:id="rId2"/>
+              </a:rPr>
+              <a:t>docs.oracle.com/javase/7/docs/api/java/util/package-summary.html</a:t>
+            </a:r>
+            <a:endParaRPr lang="en-US" dirty="0" smtClean="0"/>
+          </a:p>
+          <a:p>
+            <a:pPr marL="342900" indent="-342900">
+              <a:buFont typeface="Arial" pitchFamily="34" charset="0"/>
+              <a:buChar char="•"/>
+            </a:pPr>
+            <a:endParaRPr lang="en-US" dirty="0"/>
+          </a:p>
+        </p:txBody>
+      </p:sp>
+    </p:spTree>
+    <p:extLst>
+      <p:ext uri="{BB962C8B-B14F-4D97-AF65-F5344CB8AC3E}">
+        <p14:creationId xmlns:p14="http://schemas.microsoft.com/office/powerpoint/2010/main" val="3465469814"/>
       </p:ext>
     </p:extLst>
   </p:cSld>

--- a/coursePresentation.pptx
+++ b/coursePresentation.pptx
@@ -9387,7 +9387,7 @@
               <a:t>See </a:t>
             </a:r>
             <a:r>
-              <a:rPr lang="en-US" smtClean="0"/>
+              <a:rPr lang="en-US" dirty="0" err="1" smtClean="0"/>
               <a:t>BigDecimalExample</a:t>
             </a:r>
             <a:endParaRPr lang="en-US" dirty="0"/>
@@ -9517,8 +9517,8 @@
         </p:nvSpPr>
         <p:spPr>
           <a:xfrm>
-            <a:off x="1371600" y="2362200"/>
-            <a:ext cx="7601761" cy="3046988"/>
+            <a:off x="1371601" y="2362200"/>
+            <a:ext cx="7162800" cy="3785652"/>
           </a:xfrm>
           <a:prstGeom prst="rect">
             <a:avLst/>
@@ -9526,7 +9526,7 @@
           <a:noFill/>
         </p:spPr>
         <p:txBody>
-          <a:bodyPr wrap="none" rtlCol="0">
+          <a:bodyPr wrap="square" rtlCol="0">
             <a:spAutoFit/>
           </a:bodyPr>
           <a:lstStyle/>
@@ -9575,8 +9575,21 @@
             </a:r>
             <a:r>
               <a:rPr lang="en-US" dirty="0" smtClean="0"/>
-              <a:t> (Demo)</a:t>
-            </a:r>
+              <a:t> </a:t>
+            </a:r>
+            <a:r>
+              <a:rPr lang="en-US" dirty="0" smtClean="0"/>
+              <a:t>(</a:t>
+            </a:r>
+            <a:r>
+              <a:rPr lang="en-US" dirty="0" err="1" smtClean="0"/>
+              <a:t>RandomExample</a:t>
+            </a:r>
+            <a:r>
+              <a:rPr lang="en-US" dirty="0" smtClean="0"/>
+              <a:t>)</a:t>
+            </a:r>
+            <a:endParaRPr lang="en-US" dirty="0" smtClean="0"/>
           </a:p>
           <a:p>
             <a:pPr marL="342900" indent="-342900">
@@ -9604,8 +9617,21 @@
             </a:r>
             <a:r>
               <a:rPr lang="en-US" dirty="0" smtClean="0"/>
-              <a:t> (Demo)</a:t>
-            </a:r>
+              <a:t> </a:t>
+            </a:r>
+            <a:r>
+              <a:rPr lang="en-US" dirty="0" smtClean="0"/>
+              <a:t>(</a:t>
+            </a:r>
+            <a:r>
+              <a:rPr lang="en-US" dirty="0" err="1"/>
+              <a:t>DateAndGregorianCalendarExample</a:t>
+            </a:r>
+            <a:r>
+              <a:rPr lang="en-US" dirty="0" smtClean="0"/>
+              <a:t>)</a:t>
+            </a:r>
+            <a:endParaRPr lang="en-US" dirty="0" smtClean="0"/>
           </a:p>
           <a:p>
             <a:pPr marL="800100" lvl="1" indent="-342900">
@@ -9680,8 +9706,20 @@
           <a:lstStyle/>
           <a:p>
             <a:r>
-              <a:rPr lang="en-US" dirty="0" err="1"/>
+              <a:rPr lang="en-US" dirty="0" err="1" smtClean="0"/>
               <a:t>java.util</a:t>
+            </a:r>
+            <a:r>
+              <a:rPr lang="en-US" dirty="0" smtClean="0"/>
+              <a:t> (</a:t>
+            </a:r>
+            <a:r>
+              <a:rPr lang="en-US" dirty="0" err="1" smtClean="0"/>
+              <a:t>cont</a:t>
+            </a:r>
+            <a:r>
+              <a:rPr lang="en-US" dirty="0" smtClean="0"/>
+              <a:t>)</a:t>
             </a:r>
             <a:endParaRPr lang="en-US" dirty="0"/>
           </a:p>
@@ -9725,7 +9763,7 @@
         <p:spPr>
           <a:xfrm>
             <a:off x="990600" y="1828800"/>
-            <a:ext cx="7239000" cy="2677656"/>
+            <a:ext cx="7239000" cy="3785652"/>
           </a:xfrm>
           <a:prstGeom prst="rect">
             <a:avLst/>
@@ -9743,16 +9781,17 @@
               <a:buChar char="•"/>
             </a:pPr>
             <a:r>
-              <a:rPr lang="en-US" dirty="0" err="1"/>
+              <a:rPr lang="en-US" dirty="0" err="1" smtClean="0"/>
               <a:t>java.util.Timer</a:t>
             </a:r>
-            <a:endParaRPr lang="en-US" dirty="0"/>
-          </a:p>
-          <a:p>
-            <a:pPr marL="342900" indent="-342900">
-              <a:buFont typeface="Arial" pitchFamily="34" charset="0"/>
-              <a:buChar char="•"/>
-            </a:pPr>
+            <a:r>
+              <a:rPr lang="en-US" dirty="0"/>
+              <a:t> </a:t>
+            </a:r>
+            <a:r>
+              <a:rPr lang="en-US" dirty="0" smtClean="0"/>
+              <a:t>and </a:t>
+            </a:r>
             <a:r>
               <a:rPr lang="en-US" dirty="0" err="1" smtClean="0"/>
               <a:t>java.util.TimerTask</a:t>
@@ -9780,6 +9819,58 @@
               <a:rPr lang="en-US" dirty="0"/>
               <a:t> class can be used to schedule a task to be run one-time or to be run at regular intervals. </a:t>
             </a:r>
+            <a:endParaRPr lang="en-US" dirty="0" smtClean="0"/>
+          </a:p>
+          <a:p>
+            <a:pPr marL="800100" lvl="1" indent="-342900">
+              <a:buFont typeface="Arial" pitchFamily="34" charset="0"/>
+              <a:buChar char="•"/>
+            </a:pPr>
+            <a:r>
+              <a:rPr lang="en-US" dirty="0"/>
+              <a:t>A </a:t>
+            </a:r>
+            <a:r>
+              <a:rPr lang="en-US" dirty="0" err="1" smtClean="0"/>
+              <a:t>TimerTask</a:t>
+            </a:r>
+            <a:r>
+              <a:rPr lang="en-US" dirty="0" smtClean="0"/>
+              <a:t> </a:t>
+            </a:r>
+            <a:r>
+              <a:rPr lang="en-US" dirty="0"/>
+              <a:t>that can be scheduled for one-time or repeated execution by a Timer</a:t>
+            </a:r>
+            <a:r>
+              <a:rPr lang="en-US" dirty="0" smtClean="0"/>
+              <a:t>.</a:t>
+            </a:r>
+          </a:p>
+          <a:p>
+            <a:pPr marL="800100" lvl="1" indent="-342900">
+              <a:buFont typeface="Arial" pitchFamily="34" charset="0"/>
+              <a:buChar char="•"/>
+            </a:pPr>
+            <a:r>
+              <a:rPr lang="en-US" dirty="0" smtClean="0"/>
+              <a:t>Think of this pair as Batman and Alfred</a:t>
+            </a:r>
+          </a:p>
+          <a:p>
+            <a:pPr marL="800100" lvl="1" indent="-342900">
+              <a:buFont typeface="Arial" pitchFamily="34" charset="0"/>
+              <a:buChar char="•"/>
+            </a:pPr>
+            <a:r>
+              <a:rPr lang="en-US" dirty="0" smtClean="0"/>
+              <a:t>See </a:t>
+            </a:r>
+            <a:r>
+              <a:rPr lang="en-US"/>
+              <a:t>MyTimerTaskExample</a:t>
+            </a:r>
+            <a:endParaRPr lang="en-US" dirty="0"/>
           </a:p>
         </p:txBody>
       </p:sp>

--- a/coursePresentation.pptx
+++ b/coursePresentation.pptx
@@ -9867,7 +9867,7 @@
               <a:t>See </a:t>
             </a:r>
             <a:r>
-              <a:rPr lang="en-US"/>
+              <a:rPr lang="en-US" dirty="0" err="1"/>
               <a:t>MyTimerTaskExample</a:t>
             </a:r>
             <a:endParaRPr lang="en-US" dirty="0"/>
@@ -10208,8 +10208,8 @@
               <a:buChar char="•"/>
             </a:pPr>
             <a:r>
-              <a:rPr lang="en-US" dirty="0" smtClean="0"/>
-              <a:t>Demo</a:t>
+              <a:rPr lang="en-US" dirty="0" err="1"/>
+              <a:t>AnnotationExample</a:t>
             </a:r>
             <a:endParaRPr lang="en-US" dirty="0"/>
           </a:p>
@@ -10595,7 +10595,7 @@
         <p:spPr>
           <a:xfrm>
             <a:off x="1219200" y="2057400"/>
-            <a:ext cx="2566728" cy="1200329"/>
+            <a:ext cx="7171259" cy="1200329"/>
           </a:xfrm>
           <a:prstGeom prst="rect">
             <a:avLst/>
@@ -10638,7 +10638,23 @@
             </a:r>
             <a:r>
               <a:rPr lang="en-US" dirty="0" smtClean="0"/>
-              <a:t> (Demo)</a:t>
+              <a:t> </a:t>
+            </a:r>
+            <a:r>
+              <a:rPr lang="en-US" dirty="0" smtClean="0"/>
+              <a:t>(See </a:t>
+            </a:r>
+            <a:r>
+              <a:rPr lang="en-US" dirty="0" err="1" smtClean="0"/>
+              <a:t>MyTestCase</a:t>
+            </a:r>
+            <a:r>
+              <a:rPr lang="en-US" dirty="0" smtClean="0"/>
+              <a:t> and </a:t>
+            </a:r>
+            <a:r>
+              <a:rPr lang="en-US" smtClean="0"/>
+              <a:t>MyTestCase.launch)</a:t>
             </a:r>
             <a:endParaRPr lang="en-US" dirty="0"/>
           </a:p>

--- a/coursePresentation.pptx
+++ b/coursePresentation.pptx
@@ -10653,8 +10653,12 @@
               <a:t> and </a:t>
             </a:r>
             <a:r>
-              <a:rPr lang="en-US" smtClean="0"/>
-              <a:t>MyTestCase.launch)</a:t>
+              <a:rPr lang="en-US" dirty="0" err="1" smtClean="0"/>
+              <a:t>MyTestCase.launch</a:t>
+            </a:r>
+            <a:r>
+              <a:rPr lang="en-US" dirty="0" smtClean="0"/>
+              <a:t>)</a:t>
             </a:r>
             <a:endParaRPr lang="en-US" dirty="0"/>
           </a:p>
@@ -10839,7 +10843,7 @@
         <p:spPr>
           <a:xfrm>
             <a:off x="914400" y="5638800"/>
-            <a:ext cx="1007007" cy="461665"/>
+            <a:ext cx="6900992" cy="461665"/>
           </a:xfrm>
           <a:prstGeom prst="rect">
             <a:avLst/>
@@ -10854,7 +10858,19 @@
           <a:p>
             <a:r>
               <a:rPr lang="en-US" dirty="0" smtClean="0"/>
-              <a:t>Demo</a:t>
+              <a:t>See </a:t>
+            </a:r>
+            <a:r>
+              <a:rPr lang="en-US" dirty="0" err="1" smtClean="0"/>
+              <a:t>TrafficLightDemo</a:t>
+            </a:r>
+            <a:r>
+              <a:rPr lang="en-US" dirty="0" smtClean="0"/>
+              <a:t> and </a:t>
+            </a:r>
+            <a:r>
+              <a:rPr lang="en-US" dirty="0" err="1"/>
+              <a:t>TrafficLightFixedDemo</a:t>
             </a:r>
             <a:endParaRPr lang="en-US" dirty="0"/>
           </a:p>
@@ -11205,7 +11221,7 @@
           <a:p>
             <a:r>
               <a:rPr lang="en-US" dirty="0" smtClean="0"/>
-              <a:t>More about Exceptions</a:t>
+              <a:t>Exceptions</a:t>
             </a:r>
             <a:endParaRPr lang="en-US" dirty="0"/>
           </a:p>
@@ -11606,8 +11622,8 @@
         </p:nvSpPr>
         <p:spPr>
           <a:xfrm>
-            <a:off x="838201" y="1447800"/>
-            <a:ext cx="6248400" cy="1569660"/>
+            <a:off x="838200" y="1600200"/>
+            <a:ext cx="6781799" cy="4893647"/>
           </a:xfrm>
           <a:prstGeom prst="rect">
             <a:avLst/>
@@ -11622,7 +11638,7 @@
           <a:p>
             <a:r>
               <a:rPr lang="en-US" dirty="0" smtClean="0"/>
-              <a:t>Read BRIEFLY: </a:t>
+              <a:t>Scan BRIEFLY: </a:t>
             </a:r>
           </a:p>
           <a:p>
@@ -11649,6 +11665,84 @@
               <a:buFont typeface="Arial" pitchFamily="34" charset="0"/>
               <a:buChar char="•"/>
             </a:pPr>
+            <a:r>
+              <a:rPr lang="en-US" dirty="0">
+                <a:hlinkClick r:id="rId3"/>
+              </a:rPr>
+              <a:t>http://</a:t>
+            </a:r>
+            <a:r>
+              <a:rPr lang="en-US" dirty="0" smtClean="0">
+                <a:hlinkClick r:id="rId3"/>
+              </a:rPr>
+              <a:t>docs.oracle.com/javase/7/docs/api/java/math/package-summary.html</a:t>
+            </a:r>
+            <a:endParaRPr lang="en-US" dirty="0" smtClean="0"/>
+          </a:p>
+          <a:p>
+            <a:pPr marL="342900" indent="-342900">
+              <a:buFont typeface="Arial" pitchFamily="34" charset="0"/>
+              <a:buChar char="•"/>
+            </a:pPr>
+            <a:endParaRPr lang="en-US" dirty="0"/>
+          </a:p>
+          <a:p>
+            <a:r>
+              <a:rPr lang="en-US" dirty="0" smtClean="0"/>
+              <a:t>Read </a:t>
+            </a:r>
+          </a:p>
+          <a:p>
+            <a:pPr marL="342900" indent="-342900">
+              <a:buFont typeface="Arial" pitchFamily="34" charset="0"/>
+              <a:buChar char="•"/>
+            </a:pPr>
+            <a:r>
+              <a:rPr lang="en-US" dirty="0">
+                <a:hlinkClick r:id="rId4"/>
+              </a:rPr>
+              <a:t>http://docs.oracle.com/javase/tutorial/java/annotations</a:t>
+            </a:r>
+            <a:r>
+              <a:rPr lang="en-US" dirty="0" smtClean="0">
+                <a:hlinkClick r:id="rId4"/>
+              </a:rPr>
+              <a:t>/</a:t>
+            </a:r>
+            <a:endParaRPr lang="en-US" dirty="0" smtClean="0"/>
+          </a:p>
+          <a:p>
+            <a:pPr marL="342900" indent="-342900">
+              <a:buFont typeface="Arial" pitchFamily="34" charset="0"/>
+              <a:buChar char="•"/>
+            </a:pPr>
+            <a:r>
+              <a:rPr lang="en-US" dirty="0">
+                <a:hlinkClick r:id="rId5"/>
+              </a:rPr>
+              <a:t>http://</a:t>
+            </a:r>
+            <a:r>
+              <a:rPr lang="en-US" dirty="0" smtClean="0">
+                <a:hlinkClick r:id="rId5"/>
+              </a:rPr>
+              <a:t>docs.oracle.com/javase/tutorial/java/javaOO/enum.html</a:t>
+            </a:r>
+            <a:endParaRPr lang="en-US" dirty="0" smtClean="0"/>
+          </a:p>
+          <a:p>
+            <a:pPr marL="342900" indent="-342900">
+              <a:buFont typeface="Arial" pitchFamily="34" charset="0"/>
+              <a:buChar char="•"/>
+            </a:pPr>
+            <a:r>
+              <a:rPr lang="en-US" dirty="0"/>
+              <a:t>http://docs.oracle.com/javase/tutorial/essential/exceptions</a:t>
+            </a:r>
+            <a:r>
+              <a:rPr lang="en-US" dirty="0" smtClean="0"/>
+              <a:t>/</a:t>
+            </a:r>
             <a:endParaRPr lang="en-US" dirty="0"/>
           </a:p>
         </p:txBody>

--- a/coursePresentation.pptx
+++ b/coursePresentation.pptx
@@ -1714,7 +1714,7 @@
             <a:fld id="{A4A6734C-E115-4BC5-9FB0-F9BF6FABFDA0}" type="datetimeFigureOut">
               <a:rPr lang="en-US" smtClean="0"/>
               <a:pPr/>
-              <a:t>4/27/2014</a:t>
+              <a:t>4/28/2014</a:t>
             </a:fld>
             <a:endParaRPr lang="en-US"/>
           </a:p>
@@ -3842,7 +3842,7 @@
             <a:fld id="{A4A6734C-E115-4BC5-9FB0-F9BF6FABFDA0}" type="datetimeFigureOut">
               <a:rPr lang="en-US" smtClean="0"/>
               <a:pPr/>
-              <a:t>4/27/2014</a:t>
+              <a:t>4/28/2014</a:t>
             </a:fld>
             <a:endParaRPr lang="en-US"/>
           </a:p>
@@ -9038,11 +9038,7 @@
             </a:pPr>
             <a:r>
               <a:rPr lang="en-US" dirty="0" smtClean="0"/>
-              <a:t>Most Core API classes can be found in </a:t>
-            </a:r>
-            <a:r>
-              <a:rPr lang="en-US" dirty="0" smtClean="0"/>
-              <a:t>rt.jar</a:t>
+              <a:t>Most Core API classes can be found in rt.jar</a:t>
             </a:r>
           </a:p>
           <a:p>
@@ -9241,11 +9237,7 @@
             </a:pPr>
             <a:r>
               <a:rPr lang="en-US" dirty="0" smtClean="0"/>
-              <a:t>Unless you are dealing with really large numbers use </a:t>
-            </a:r>
-            <a:r>
-              <a:rPr lang="en-US" dirty="0" smtClean="0"/>
-              <a:t>Integer</a:t>
+              <a:t>Unless you are dealing with really large numbers use Integer</a:t>
             </a:r>
           </a:p>
           <a:p>
@@ -9575,11 +9567,7 @@
             </a:r>
             <a:r>
               <a:rPr lang="en-US" dirty="0" smtClean="0"/>
-              <a:t> </a:t>
-            </a:r>
-            <a:r>
-              <a:rPr lang="en-US" dirty="0" smtClean="0"/>
-              <a:t>(</a:t>
+              <a:t> (</a:t>
             </a:r>
             <a:r>
               <a:rPr lang="en-US" dirty="0" err="1" smtClean="0"/>
@@ -9589,7 +9577,6 @@
               <a:rPr lang="en-US" dirty="0" smtClean="0"/>
               <a:t>)</a:t>
             </a:r>
-            <a:endParaRPr lang="en-US" dirty="0" smtClean="0"/>
           </a:p>
           <a:p>
             <a:pPr marL="342900" indent="-342900">
@@ -9617,11 +9604,7 @@
             </a:r>
             <a:r>
               <a:rPr lang="en-US" dirty="0" smtClean="0"/>
-              <a:t> </a:t>
-            </a:r>
-            <a:r>
-              <a:rPr lang="en-US" dirty="0" smtClean="0"/>
-              <a:t>(</a:t>
+              <a:t> (</a:t>
             </a:r>
             <a:r>
               <a:rPr lang="en-US" dirty="0" err="1"/>
@@ -9631,7 +9614,6 @@
               <a:rPr lang="en-US" dirty="0" smtClean="0"/>
               <a:t>)</a:t>
             </a:r>
-            <a:endParaRPr lang="en-US" dirty="0" smtClean="0"/>
           </a:p>
           <a:p>
             <a:pPr marL="800100" lvl="1" indent="-342900">
@@ -10638,11 +10620,7 @@
             </a:r>
             <a:r>
               <a:rPr lang="en-US" dirty="0" smtClean="0"/>
-              <a:t> </a:t>
-            </a:r>
-            <a:r>
-              <a:rPr lang="en-US" dirty="0" smtClean="0"/>
-              <a:t>(See </a:t>
+              <a:t> (See </a:t>
             </a:r>
             <a:r>
               <a:rPr lang="en-US" dirty="0" err="1" smtClean="0"/>

--- a/coursePresentation.pptx
+++ b/coursePresentation.pptx
@@ -5,10 +5,10 @@
     <p:sldMasterId id="2147484906" r:id="rId1"/>
   </p:sldMasterIdLst>
   <p:notesMasterIdLst>
-    <p:notesMasterId r:id="rId38"/>
+    <p:notesMasterId r:id="rId39"/>
   </p:notesMasterIdLst>
   <p:handoutMasterIdLst>
-    <p:handoutMasterId r:id="rId39"/>
+    <p:handoutMasterId r:id="rId40"/>
   </p:handoutMasterIdLst>
   <p:sldIdLst>
     <p:sldId id="257" r:id="rId2"/>
@@ -39,14 +39,15 @@
     <p:sldId id="345" r:id="rId27"/>
     <p:sldId id="346" r:id="rId28"/>
     <p:sldId id="347" r:id="rId29"/>
-    <p:sldId id="348" r:id="rId30"/>
-    <p:sldId id="349" r:id="rId31"/>
-    <p:sldId id="350" r:id="rId32"/>
-    <p:sldId id="351" r:id="rId33"/>
-    <p:sldId id="352" r:id="rId34"/>
-    <p:sldId id="353" r:id="rId35"/>
-    <p:sldId id="334" r:id="rId36"/>
-    <p:sldId id="354" r:id="rId37"/>
+    <p:sldId id="355" r:id="rId30"/>
+    <p:sldId id="348" r:id="rId31"/>
+    <p:sldId id="349" r:id="rId32"/>
+    <p:sldId id="350" r:id="rId33"/>
+    <p:sldId id="351" r:id="rId34"/>
+    <p:sldId id="352" r:id="rId35"/>
+    <p:sldId id="353" r:id="rId36"/>
+    <p:sldId id="334" r:id="rId37"/>
+    <p:sldId id="354" r:id="rId38"/>
   </p:sldIdLst>
   <p:sldSz cx="9144000" cy="6858000" type="screen4x3"/>
   <p:notesSz cx="6858000" cy="9144000"/>
@@ -10244,7 +10245,7 @@
           <a:p>
             <a:r>
               <a:rPr lang="en-US" dirty="0" smtClean="0"/>
-              <a:t>Building custom annotations</a:t>
+              <a:t>Annotations - Interesting so far?</a:t>
             </a:r>
             <a:endParaRPr lang="en-US" dirty="0"/>
           </a:p>
@@ -10287,8 +10288,8 @@
         </p:nvSpPr>
         <p:spPr>
           <a:xfrm>
-            <a:off x="762001" y="2057400"/>
-            <a:ext cx="7924800" cy="1569660"/>
+            <a:off x="1219201" y="2286000"/>
+            <a:ext cx="7391400" cy="1200329"/>
           </a:xfrm>
           <a:prstGeom prst="rect">
             <a:avLst/>
@@ -10307,29 +10308,32 @@
             </a:pPr>
             <a:r>
               <a:rPr lang="en-US" dirty="0" smtClean="0"/>
-              <a:t>In all honesty … you probably won’t be doing this</a:t>
-            </a:r>
-          </a:p>
-          <a:p>
-            <a:pPr marL="342900" indent="-342900">
-              <a:buFont typeface="Arial" pitchFamily="34" charset="0"/>
-              <a:buChar char="•"/>
-            </a:pPr>
+              <a:t>Did it really do anything so far besides giving me a warning (compiler) or error (like using Override but spelling </a:t>
+            </a:r>
+            <a:r>
+              <a:rPr lang="en-US" dirty="0" err="1" smtClean="0"/>
+              <a:t>toString</a:t>
+            </a:r>
             <a:r>
               <a:rPr lang="en-US" dirty="0" smtClean="0"/>
-              <a:t>But </a:t>
-            </a:r>
-            <a:r>
-              <a:rPr lang="en-US" dirty="0"/>
-              <a:t>if you’re curious … http://docs.oracle.com/javase/tutorial/java/annotations/declaring.html</a:t>
-            </a:r>
+              <a:t> as </a:t>
+            </a:r>
+            <a:r>
+              <a:rPr lang="en-US" dirty="0" err="1" smtClean="0"/>
+              <a:t>toStrin</a:t>
+            </a:r>
+            <a:r>
+              <a:rPr lang="en-US" smtClean="0"/>
+              <a:t>)?</a:t>
+            </a:r>
+            <a:endParaRPr lang="en-US" dirty="0" smtClean="0"/>
           </a:p>
         </p:txBody>
       </p:sp>
     </p:spTree>
     <p:extLst>
       <p:ext uri="{BB962C8B-B14F-4D97-AF65-F5344CB8AC3E}">
-        <p14:creationId xmlns:p14="http://schemas.microsoft.com/office/powerpoint/2010/main" val="2935766704"/>
+        <p14:creationId xmlns:p14="http://schemas.microsoft.com/office/powerpoint/2010/main" val="4166644789"/>
       </p:ext>
     </p:extLst>
   </p:cSld>
@@ -10533,7 +10537,7 @@
           <a:p>
             <a:r>
               <a:rPr lang="en-US" dirty="0" smtClean="0"/>
-              <a:t>Other examples of annotations</a:t>
+              <a:t>Building custom annotations</a:t>
             </a:r>
             <a:endParaRPr lang="en-US" dirty="0"/>
           </a:p>
@@ -10576,8 +10580,8 @@
         </p:nvSpPr>
         <p:spPr>
           <a:xfrm>
-            <a:off x="1219200" y="2057400"/>
-            <a:ext cx="7171259" cy="1200329"/>
+            <a:off x="762001" y="2057400"/>
+            <a:ext cx="7924800" cy="1569660"/>
           </a:xfrm>
           <a:prstGeom prst="rect">
             <a:avLst/>
@@ -10585,7 +10589,7 @@
           <a:noFill/>
         </p:spPr>
         <p:txBody>
-          <a:bodyPr wrap="none" rtlCol="0">
+          <a:bodyPr wrap="square" rtlCol="0">
             <a:spAutoFit/>
           </a:bodyPr>
           <a:lstStyle/>
@@ -10596,7 +10600,7 @@
             </a:pPr>
             <a:r>
               <a:rPr lang="en-US" dirty="0" smtClean="0"/>
-              <a:t>In Frameworks</a:t>
+              <a:t>In all honesty … you probably won’t be doing this</a:t>
             </a:r>
           </a:p>
           <a:p>
@@ -10606,46 +10610,19 @@
             </a:pPr>
             <a:r>
               <a:rPr lang="en-US" dirty="0" smtClean="0"/>
-              <a:t>JPA</a:t>
-            </a:r>
-          </a:p>
-          <a:p>
-            <a:pPr marL="342900" indent="-342900">
-              <a:buFont typeface="Arial" pitchFamily="34" charset="0"/>
-              <a:buChar char="•"/>
-            </a:pPr>
-            <a:r>
-              <a:rPr lang="en-US" dirty="0" err="1" smtClean="0"/>
-              <a:t>Junit</a:t>
-            </a:r>
-            <a:r>
-              <a:rPr lang="en-US" dirty="0" smtClean="0"/>
-              <a:t> (See </a:t>
-            </a:r>
-            <a:r>
-              <a:rPr lang="en-US" dirty="0" err="1" smtClean="0"/>
-              <a:t>MyTestCase</a:t>
-            </a:r>
-            <a:r>
-              <a:rPr lang="en-US" dirty="0" smtClean="0"/>
-              <a:t> and </a:t>
-            </a:r>
-            <a:r>
-              <a:rPr lang="en-US" dirty="0" err="1" smtClean="0"/>
-              <a:t>MyTestCase.launch</a:t>
-            </a:r>
-            <a:r>
-              <a:rPr lang="en-US" dirty="0" smtClean="0"/>
-              <a:t>)</a:t>
-            </a:r>
-            <a:endParaRPr lang="en-US" dirty="0"/>
+              <a:t>But </a:t>
+            </a:r>
+            <a:r>
+              <a:rPr lang="en-US" dirty="0"/>
+              <a:t>if you’re curious … http://docs.oracle.com/javase/tutorial/java/annotations/declaring.html</a:t>
+            </a:r>
           </a:p>
         </p:txBody>
       </p:sp>
     </p:spTree>
     <p:extLst>
       <p:ext uri="{BB962C8B-B14F-4D97-AF65-F5344CB8AC3E}">
-        <p14:creationId xmlns:p14="http://schemas.microsoft.com/office/powerpoint/2010/main" val="638963775"/>
+        <p14:creationId xmlns:p14="http://schemas.microsoft.com/office/powerpoint/2010/main" val="2935766704"/>
       </p:ext>
     </p:extLst>
   </p:cSld>
@@ -10688,8 +10665,8 @@
           <a:lstStyle/>
           <a:p>
             <a:r>
-              <a:rPr lang="en-US" dirty="0" err="1" smtClean="0"/>
-              <a:t>Enums</a:t>
+              <a:rPr lang="en-US" dirty="0" smtClean="0"/>
+              <a:t>Other examples of annotations</a:t>
             </a:r>
             <a:endParaRPr lang="en-US" dirty="0"/>
           </a:p>
@@ -10732,8 +10709,8 @@
         </p:nvSpPr>
         <p:spPr>
           <a:xfrm>
-            <a:off x="762000" y="1828800"/>
-            <a:ext cx="7543800" cy="830997"/>
+            <a:off x="1219200" y="2057400"/>
+            <a:ext cx="7171259" cy="2308324"/>
           </a:xfrm>
           <a:prstGeom prst="rect">
             <a:avLst/>
@@ -10741,114 +10718,88 @@
           <a:noFill/>
         </p:spPr>
         <p:txBody>
-          <a:bodyPr wrap="square" rtlCol="0">
-            <a:spAutoFit/>
-          </a:bodyPr>
-          <a:lstStyle/>
-          <a:p>
-            <a:r>
-              <a:rPr lang="en-US" dirty="0"/>
-              <a:t>An </a:t>
-            </a:r>
-            <a:r>
-              <a:rPr lang="en-US" i="1" dirty="0" err="1"/>
-              <a:t>enum</a:t>
-            </a:r>
-            <a:r>
-              <a:rPr lang="en-US" i="1" dirty="0"/>
-              <a:t> type</a:t>
-            </a:r>
-            <a:r>
-              <a:rPr lang="en-US" dirty="0"/>
-              <a:t> is a special data type that enables for a variable to be a set of predefined constants.</a:t>
-            </a:r>
-          </a:p>
-        </p:txBody>
-      </p:sp>
-      <p:sp>
-        <p:nvSpPr>
-          <p:cNvPr id="5" name="TextBox 4"/>
-          <p:cNvSpPr txBox="1"/>
-          <p:nvPr/>
-        </p:nvSpPr>
-        <p:spPr>
-          <a:xfrm>
-            <a:off x="762000" y="3505200"/>
-            <a:ext cx="7965514" cy="1200329"/>
-          </a:xfrm>
-          <a:prstGeom prst="rect">
-            <a:avLst/>
-          </a:prstGeom>
-          <a:noFill/>
-        </p:spPr>
-        <p:txBody>
           <a:bodyPr wrap="none" rtlCol="0">
             <a:spAutoFit/>
           </a:bodyPr>
           <a:lstStyle/>
           <a:p>
+            <a:pPr marL="342900" indent="-342900">
+              <a:buFont typeface="Arial" pitchFamily="34" charset="0"/>
+              <a:buChar char="•"/>
+            </a:pPr>
             <a:r>
               <a:rPr lang="en-US" dirty="0" smtClean="0"/>
-              <a:t>What many green traffic lights are in the Array below?</a:t>
-            </a:r>
-          </a:p>
-          <a:p>
-            <a:endParaRPr lang="en-US" dirty="0"/>
-          </a:p>
-          <a:p>
+              <a:t>In Frameworks</a:t>
+            </a:r>
+          </a:p>
+          <a:p>
+            <a:pPr marL="342900" indent="-342900">
+              <a:buFont typeface="Arial" pitchFamily="34" charset="0"/>
+              <a:buChar char="•"/>
+            </a:pPr>
             <a:r>
               <a:rPr lang="en-US" dirty="0" smtClean="0"/>
-              <a:t>String[] </a:t>
-            </a:r>
+              <a:t>JPA</a:t>
+            </a:r>
+          </a:p>
+          <a:p>
+            <a:pPr marL="342900" indent="-342900">
+              <a:buFont typeface="Arial" pitchFamily="34" charset="0"/>
+              <a:buChar char="•"/>
+            </a:pPr>
             <a:r>
               <a:rPr lang="en-US" dirty="0" err="1" smtClean="0"/>
-              <a:t>trafficLights</a:t>
+              <a:t>Junit</a:t>
             </a:r>
             <a:r>
               <a:rPr lang="en-US" dirty="0" smtClean="0"/>
-              <a:t> = {“green”, “Green”, “GREEN”, “red”};</a:t>
-            </a:r>
-            <a:endParaRPr lang="en-US" dirty="0"/>
-          </a:p>
-        </p:txBody>
-      </p:sp>
-      <p:sp>
-        <p:nvSpPr>
-          <p:cNvPr id="6" name="TextBox 5"/>
-          <p:cNvSpPr txBox="1"/>
-          <p:nvPr/>
-        </p:nvSpPr>
-        <p:spPr>
-          <a:xfrm>
-            <a:off x="914400" y="5638800"/>
-            <a:ext cx="6900992" cy="461665"/>
-          </a:xfrm>
-          <a:prstGeom prst="rect">
-            <a:avLst/>
-          </a:prstGeom>
-          <a:noFill/>
-        </p:spPr>
-        <p:txBody>
-          <a:bodyPr wrap="none" rtlCol="0">
-            <a:spAutoFit/>
-          </a:bodyPr>
-          <a:lstStyle/>
-          <a:p>
-            <a:r>
-              <a:rPr lang="en-US" dirty="0" smtClean="0"/>
-              <a:t>See </a:t>
+              <a:t> (See </a:t>
             </a:r>
             <a:r>
               <a:rPr lang="en-US" dirty="0" err="1" smtClean="0"/>
-              <a:t>TrafficLightDemo</a:t>
+              <a:t>MyTestCase</a:t>
             </a:r>
             <a:r>
               <a:rPr lang="en-US" dirty="0" smtClean="0"/>
               <a:t> and </a:t>
             </a:r>
             <a:r>
-              <a:rPr lang="en-US" dirty="0" err="1"/>
-              <a:t>TrafficLightFixedDemo</a:t>
+              <a:rPr lang="en-US" dirty="0" err="1" smtClean="0"/>
+              <a:t>MyTestCase.launch</a:t>
+            </a:r>
+            <a:r>
+              <a:rPr lang="en-US" dirty="0" smtClean="0"/>
+              <a:t>)</a:t>
+            </a:r>
+          </a:p>
+          <a:p>
+            <a:pPr marL="342900" indent="-342900">
+              <a:buFont typeface="Arial" pitchFamily="34" charset="0"/>
+              <a:buChar char="•"/>
+            </a:pPr>
+            <a:r>
+              <a:rPr lang="en-US" dirty="0" smtClean="0"/>
+              <a:t>Spring</a:t>
+            </a:r>
+          </a:p>
+          <a:p>
+            <a:pPr marL="342900" indent="-342900">
+              <a:buFont typeface="Arial" pitchFamily="34" charset="0"/>
+              <a:buChar char="•"/>
+            </a:pPr>
+            <a:r>
+              <a:rPr lang="en-US" dirty="0" smtClean="0"/>
+              <a:t>Various Web Service Stacks</a:t>
+            </a:r>
+          </a:p>
+          <a:p>
+            <a:pPr marL="342900" indent="-342900">
+              <a:buFont typeface="Arial" pitchFamily="34" charset="0"/>
+              <a:buChar char="•"/>
+            </a:pPr>
+            <a:r>
+              <a:rPr lang="en-US" dirty="0" smtClean="0"/>
+              <a:t>Various parsers</a:t>
             </a:r>
             <a:endParaRPr lang="en-US" dirty="0"/>
           </a:p>
@@ -10857,7 +10808,7 @@
     </p:spTree>
     <p:extLst>
       <p:ext uri="{BB962C8B-B14F-4D97-AF65-F5344CB8AC3E}">
-        <p14:creationId xmlns:p14="http://schemas.microsoft.com/office/powerpoint/2010/main" val="2997315743"/>
+        <p14:creationId xmlns:p14="http://schemas.microsoft.com/office/powerpoint/2010/main" val="638963775"/>
       </p:ext>
     </p:extLst>
   </p:cSld>
@@ -10903,10 +10854,6 @@
               <a:rPr lang="en-US" dirty="0" err="1" smtClean="0"/>
               <a:t>Enums</a:t>
             </a:r>
-            <a:r>
-              <a:rPr lang="en-US" dirty="0" smtClean="0"/>
-              <a:t> with properties</a:t>
-            </a:r>
             <a:endParaRPr lang="en-US" dirty="0"/>
           </a:p>
         </p:txBody>
@@ -10948,8 +10895,8 @@
         </p:nvSpPr>
         <p:spPr>
           <a:xfrm>
-            <a:off x="838200" y="1752600"/>
-            <a:ext cx="7168950" cy="1200329"/>
+            <a:off x="762000" y="1828800"/>
+            <a:ext cx="7543800" cy="830997"/>
           </a:xfrm>
           <a:prstGeom prst="rect">
             <a:avLst/>
@@ -10957,43 +10904,114 @@
           <a:noFill/>
         </p:spPr>
         <p:txBody>
+          <a:bodyPr wrap="square" rtlCol="0">
+            <a:spAutoFit/>
+          </a:bodyPr>
+          <a:lstStyle/>
+          <a:p>
+            <a:r>
+              <a:rPr lang="en-US" dirty="0"/>
+              <a:t>An </a:t>
+            </a:r>
+            <a:r>
+              <a:rPr lang="en-US" i="1" dirty="0" err="1"/>
+              <a:t>enum</a:t>
+            </a:r>
+            <a:r>
+              <a:rPr lang="en-US" i="1" dirty="0"/>
+              <a:t> type</a:t>
+            </a:r>
+            <a:r>
+              <a:rPr lang="en-US" dirty="0"/>
+              <a:t> is a special data type that enables for a variable to be a set of predefined constants.</a:t>
+            </a:r>
+          </a:p>
+        </p:txBody>
+      </p:sp>
+      <p:sp>
+        <p:nvSpPr>
+          <p:cNvPr id="5" name="TextBox 4"/>
+          <p:cNvSpPr txBox="1"/>
+          <p:nvPr/>
+        </p:nvSpPr>
+        <p:spPr>
+          <a:xfrm>
+            <a:off x="762000" y="3505200"/>
+            <a:ext cx="7965514" cy="1200329"/>
+          </a:xfrm>
+          <a:prstGeom prst="rect">
+            <a:avLst/>
+          </a:prstGeom>
+          <a:noFill/>
+        </p:spPr>
+        <p:txBody>
           <a:bodyPr wrap="none" rtlCol="0">
             <a:spAutoFit/>
           </a:bodyPr>
           <a:lstStyle/>
           <a:p>
-            <a:pPr marL="342900" indent="-342900">
-              <a:buFont typeface="Arial" pitchFamily="34" charset="0"/>
-              <a:buChar char="•"/>
-            </a:pPr>
             <a:r>
               <a:rPr lang="en-US" dirty="0" smtClean="0"/>
-              <a:t>What if you want MORE information on an </a:t>
+              <a:t>What many green traffic lights are in the Array below?</a:t>
+            </a:r>
+          </a:p>
+          <a:p>
+            <a:endParaRPr lang="en-US" dirty="0"/>
+          </a:p>
+          <a:p>
+            <a:r>
+              <a:rPr lang="en-US" dirty="0" smtClean="0"/>
+              <a:t>String[] </a:t>
             </a:r>
             <a:r>
               <a:rPr lang="en-US" dirty="0" err="1" smtClean="0"/>
-              <a:t>Enum</a:t>
-            </a:r>
-            <a:endParaRPr lang="en-US" dirty="0" smtClean="0"/>
-          </a:p>
-          <a:p>
-            <a:pPr marL="342900" indent="-342900">
-              <a:buFont typeface="Arial" pitchFamily="34" charset="0"/>
-              <a:buChar char="•"/>
-            </a:pPr>
+              <a:t>trafficLights</a:t>
+            </a:r>
             <a:r>
               <a:rPr lang="en-US" dirty="0" smtClean="0"/>
-              <a:t>Such as a description?</a:t>
-            </a:r>
-          </a:p>
-          <a:p>
-            <a:pPr marL="342900" indent="-342900">
-              <a:buFont typeface="Arial" pitchFamily="34" charset="0"/>
-              <a:buChar char="•"/>
-            </a:pPr>
-            <a:r>
-              <a:rPr lang="en-US" smtClean="0"/>
-              <a:t>See CountryEnumDemo</a:t>
+              <a:t> = {“green”, “Green”, “GREEN”, “red”};</a:t>
+            </a:r>
+            <a:endParaRPr lang="en-US" dirty="0"/>
+          </a:p>
+        </p:txBody>
+      </p:sp>
+      <p:sp>
+        <p:nvSpPr>
+          <p:cNvPr id="6" name="TextBox 5"/>
+          <p:cNvSpPr txBox="1"/>
+          <p:nvPr/>
+        </p:nvSpPr>
+        <p:spPr>
+          <a:xfrm>
+            <a:off x="914400" y="5638800"/>
+            <a:ext cx="6900992" cy="461665"/>
+          </a:xfrm>
+          <a:prstGeom prst="rect">
+            <a:avLst/>
+          </a:prstGeom>
+          <a:noFill/>
+        </p:spPr>
+        <p:txBody>
+          <a:bodyPr wrap="none" rtlCol="0">
+            <a:spAutoFit/>
+          </a:bodyPr>
+          <a:lstStyle/>
+          <a:p>
+            <a:r>
+              <a:rPr lang="en-US" dirty="0" smtClean="0"/>
+              <a:t>See </a:t>
+            </a:r>
+            <a:r>
+              <a:rPr lang="en-US" dirty="0" err="1" smtClean="0"/>
+              <a:t>TrafficLightDemo</a:t>
+            </a:r>
+            <a:r>
+              <a:rPr lang="en-US" dirty="0" smtClean="0"/>
+              <a:t> and </a:t>
+            </a:r>
+            <a:r>
+              <a:rPr lang="en-US" dirty="0" err="1"/>
+              <a:t>TrafficLightFixedDemo</a:t>
             </a:r>
             <a:endParaRPr lang="en-US" dirty="0"/>
           </a:p>
@@ -11002,7 +11020,7 @@
     </p:spTree>
     <p:extLst>
       <p:ext uri="{BB962C8B-B14F-4D97-AF65-F5344CB8AC3E}">
-        <p14:creationId xmlns:p14="http://schemas.microsoft.com/office/powerpoint/2010/main" val="221166151"/>
+        <p14:creationId xmlns:p14="http://schemas.microsoft.com/office/powerpoint/2010/main" val="2997315743"/>
       </p:ext>
     </p:extLst>
   </p:cSld>
@@ -11045,8 +11063,12 @@
           <a:lstStyle/>
           <a:p>
             <a:r>
+              <a:rPr lang="en-US" dirty="0" err="1" smtClean="0"/>
+              <a:t>Enums</a:t>
+            </a:r>
+            <a:r>
               <a:rPr lang="en-US" dirty="0" smtClean="0"/>
-              <a:t>Errors and Exceptions</a:t>
+              <a:t> with properties</a:t>
             </a:r>
             <a:endParaRPr lang="en-US" dirty="0"/>
           </a:p>
@@ -11089,8 +11111,8 @@
         </p:nvSpPr>
         <p:spPr>
           <a:xfrm>
-            <a:off x="1066800" y="1905000"/>
-            <a:ext cx="7239000" cy="3785652"/>
+            <a:off x="838200" y="1752600"/>
+            <a:ext cx="7168950" cy="1200329"/>
           </a:xfrm>
           <a:prstGeom prst="rect">
             <a:avLst/>
@@ -11098,56 +11120,44 @@
           <a:noFill/>
         </p:spPr>
         <p:txBody>
-          <a:bodyPr wrap="square" rtlCol="0">
+          <a:bodyPr wrap="none" rtlCol="0">
             <a:spAutoFit/>
           </a:bodyPr>
           <a:lstStyle/>
           <a:p>
-            <a:r>
-              <a:rPr lang="en-US" dirty="0"/>
-              <a:t>An Error "indicates serious problems that a reasonable application should not try to catch."</a:t>
-            </a:r>
-          </a:p>
-          <a:p>
-            <a:r>
-              <a:rPr lang="en-US" dirty="0"/>
-              <a:t>while</a:t>
-            </a:r>
-          </a:p>
-          <a:p>
-            <a:r>
-              <a:rPr lang="en-US" dirty="0"/>
-              <a:t>An Exception "indicates conditions that a reasonable application might want to catch</a:t>
-            </a:r>
+            <a:pPr marL="342900" indent="-342900">
+              <a:buFont typeface="Arial" pitchFamily="34" charset="0"/>
+              <a:buChar char="•"/>
+            </a:pPr>
             <a:r>
               <a:rPr lang="en-US" dirty="0" smtClean="0"/>
-              <a:t>.“</a:t>
-            </a:r>
-          </a:p>
-          <a:p>
-            <a:endParaRPr lang="en-US" dirty="0"/>
-          </a:p>
-          <a:p>
+              <a:t>What if you want MORE information on an </a:t>
+            </a:r>
+            <a:r>
+              <a:rPr lang="en-US" dirty="0" err="1" smtClean="0"/>
+              <a:t>Enum</a:t>
+            </a:r>
+            <a:endParaRPr lang="en-US" dirty="0" smtClean="0"/>
+          </a:p>
+          <a:p>
+            <a:pPr marL="342900" indent="-342900">
+              <a:buFont typeface="Arial" pitchFamily="34" charset="0"/>
+              <a:buChar char="•"/>
+            </a:pPr>
             <a:r>
               <a:rPr lang="en-US" dirty="0" smtClean="0"/>
-              <a:t>Most likely you will never write or catch an Error</a:t>
-            </a:r>
-          </a:p>
-          <a:p>
-            <a:r>
-              <a:rPr lang="en-US" dirty="0" smtClean="0"/>
-              <a:t>See </a:t>
-            </a:r>
-            <a:r>
-              <a:rPr lang="en-US" dirty="0" err="1" smtClean="0"/>
-              <a:t>ErrorDemo</a:t>
-            </a:r>
-            <a:endParaRPr lang="en-US" dirty="0" smtClean="0"/>
-          </a:p>
-          <a:p>
-            <a:endParaRPr lang="en-US" dirty="0"/>
-          </a:p>
-          <a:p>
+              <a:t>Such as a description?</a:t>
+            </a:r>
+          </a:p>
+          <a:p>
+            <a:pPr marL="342900" indent="-342900">
+              <a:buFont typeface="Arial" pitchFamily="34" charset="0"/>
+              <a:buChar char="•"/>
+            </a:pPr>
+            <a:r>
+              <a:rPr lang="en-US" smtClean="0"/>
+              <a:t>See CountryEnumDemo</a:t>
+            </a:r>
             <a:endParaRPr lang="en-US" dirty="0"/>
           </a:p>
         </p:txBody>
@@ -11155,7 +11165,7 @@
     </p:spTree>
     <p:extLst>
       <p:ext uri="{BB962C8B-B14F-4D97-AF65-F5344CB8AC3E}">
-        <p14:creationId xmlns:p14="http://schemas.microsoft.com/office/powerpoint/2010/main" val="1786202589"/>
+        <p14:creationId xmlns:p14="http://schemas.microsoft.com/office/powerpoint/2010/main" val="221166151"/>
       </p:ext>
     </p:extLst>
   </p:cSld>
@@ -11199,7 +11209,7 @@
           <a:p>
             <a:r>
               <a:rPr lang="en-US" dirty="0" smtClean="0"/>
-              <a:t>Exceptions</a:t>
+              <a:t>Errors and Exceptions</a:t>
             </a:r>
             <a:endParaRPr lang="en-US" dirty="0"/>
           </a:p>
@@ -11242,8 +11252,8 @@
         </p:nvSpPr>
         <p:spPr>
           <a:xfrm>
-            <a:off x="1066800" y="2286000"/>
-            <a:ext cx="6858000" cy="4524315"/>
+            <a:off x="1066800" y="1905000"/>
+            <a:ext cx="7239000" cy="3785652"/>
           </a:xfrm>
           <a:prstGeom prst="rect">
             <a:avLst/>
@@ -11257,101 +11267,50 @@
           <a:lstStyle/>
           <a:p>
             <a:r>
+              <a:rPr lang="en-US" dirty="0"/>
+              <a:t>An Error "indicates serious problems that a reasonable application should not try to catch."</a:t>
+            </a:r>
+          </a:p>
+          <a:p>
+            <a:r>
+              <a:rPr lang="en-US" dirty="0"/>
+              <a:t>while</a:t>
+            </a:r>
+          </a:p>
+          <a:p>
+            <a:r>
+              <a:rPr lang="en-US" dirty="0"/>
+              <a:t>An Exception "indicates conditions that a reasonable application might want to catch</a:t>
+            </a:r>
+            <a:r>
               <a:rPr lang="en-US" dirty="0" smtClean="0"/>
-              <a:t>Come in two </a:t>
-            </a:r>
-            <a:r>
-              <a:rPr lang="en-US" dirty="0" err="1" smtClean="0"/>
-              <a:t>flavours</a:t>
-            </a:r>
-            <a:endParaRPr lang="en-US" dirty="0" smtClean="0"/>
-          </a:p>
-          <a:p>
-            <a:pPr marL="457200" indent="-457200">
-              <a:buFont typeface="+mj-lt"/>
-              <a:buAutoNum type="arabicPeriod"/>
-            </a:pPr>
+              <a:t>.“</a:t>
+            </a:r>
+          </a:p>
+          <a:p>
+            <a:endParaRPr lang="en-US" dirty="0"/>
+          </a:p>
+          <a:p>
             <a:r>
               <a:rPr lang="en-US" dirty="0" smtClean="0"/>
-              <a:t>Checked</a:t>
-            </a:r>
-          </a:p>
-          <a:p>
-            <a:pPr marL="914400" lvl="1" indent="-457200">
-              <a:buFont typeface="Arial" pitchFamily="34" charset="0"/>
-              <a:buChar char="•"/>
-            </a:pPr>
-            <a:r>
-              <a:rPr lang="en-US" dirty="0" smtClean="0"/>
-              <a:t>You should catch it or let bubble up (aka exception propagation)</a:t>
-            </a:r>
-          </a:p>
-          <a:p>
-            <a:pPr marL="914400" lvl="1" indent="-457200">
-              <a:buFont typeface="Arial" pitchFamily="34" charset="0"/>
-              <a:buChar char="•"/>
-            </a:pPr>
+              <a:t>Most likely you will never write or catch an Error</a:t>
+            </a:r>
+          </a:p>
+          <a:p>
             <a:r>
               <a:rPr lang="en-US" dirty="0" smtClean="0"/>
               <a:t>See </a:t>
             </a:r>
             <a:r>
               <a:rPr lang="en-US" dirty="0" err="1" smtClean="0"/>
-              <a:t>SimpsonsDemo</a:t>
-            </a:r>
-            <a:r>
-              <a:rPr lang="en-US" dirty="0" smtClean="0"/>
-              <a:t> </a:t>
-            </a:r>
-          </a:p>
-          <a:p>
-            <a:pPr marL="457200" indent="-457200">
-              <a:buFont typeface="+mj-lt"/>
-              <a:buAutoNum type="arabicPeriod"/>
-            </a:pPr>
-            <a:r>
-              <a:rPr lang="en-US" dirty="0" smtClean="0"/>
-              <a:t>Unchecked</a:t>
-            </a:r>
-          </a:p>
-          <a:p>
-            <a:pPr marL="914400" lvl="1" indent="-457200">
-              <a:buFont typeface="Arial" pitchFamily="34" charset="0"/>
-              <a:buChar char="•"/>
-            </a:pPr>
-            <a:r>
-              <a:rPr lang="en-US" dirty="0" smtClean="0"/>
-              <a:t>It bubbles to the top</a:t>
-            </a:r>
-          </a:p>
-          <a:p>
-            <a:pPr marL="914400" lvl="1" indent="-457200">
-              <a:buFont typeface="Arial" pitchFamily="34" charset="0"/>
-              <a:buChar char="•"/>
-            </a:pPr>
-            <a:r>
-              <a:rPr lang="en-US" dirty="0" smtClean="0"/>
-              <a:t>Unchecked Exceptions extend </a:t>
-            </a:r>
-            <a:r>
-              <a:rPr lang="en-US" dirty="0" err="1" smtClean="0"/>
-              <a:t>RuntimeException</a:t>
+              <a:t>ErrorDemo</a:t>
             </a:r>
             <a:endParaRPr lang="en-US" dirty="0" smtClean="0"/>
           </a:p>
           <a:p>
-            <a:pPr marL="914400" lvl="1" indent="-457200">
-              <a:buFont typeface="Arial" pitchFamily="34" charset="0"/>
-              <a:buChar char="•"/>
-            </a:pPr>
-            <a:r>
-              <a:rPr lang="en-US" dirty="0" smtClean="0"/>
-              <a:t>See </a:t>
-            </a:r>
-            <a:r>
-              <a:rPr lang="en-US" dirty="0" err="1"/>
-              <a:t>SimpsonsWithPossibleRuntimeExceptionDemo</a:t>
-            </a:r>
+            <a:endParaRPr lang="en-US" dirty="0"/>
+          </a:p>
+          <a:p>
             <a:endParaRPr lang="en-US" dirty="0"/>
           </a:p>
         </p:txBody>
@@ -11359,7 +11318,7 @@
     </p:spTree>
     <p:extLst>
       <p:ext uri="{BB962C8B-B14F-4D97-AF65-F5344CB8AC3E}">
-        <p14:creationId xmlns:p14="http://schemas.microsoft.com/office/powerpoint/2010/main" val="3828008236"/>
+        <p14:creationId xmlns:p14="http://schemas.microsoft.com/office/powerpoint/2010/main" val="1786202589"/>
       </p:ext>
     </p:extLst>
   </p:cSld>
@@ -11403,7 +11362,7 @@
           <a:p>
             <a:r>
               <a:rPr lang="en-US" dirty="0" smtClean="0"/>
-              <a:t>Why have unchecked exceptions?</a:t>
+              <a:t>Exceptions</a:t>
             </a:r>
             <a:endParaRPr lang="en-US" dirty="0"/>
           </a:p>
@@ -11446,8 +11405,8 @@
         </p:nvSpPr>
         <p:spPr>
           <a:xfrm>
-            <a:off x="838201" y="2133600"/>
-            <a:ext cx="7696200" cy="3046988"/>
+            <a:off x="1066800" y="2286000"/>
+            <a:ext cx="6858000" cy="4524315"/>
           </a:xfrm>
           <a:prstGeom prst="rect">
             <a:avLst/>
@@ -11461,59 +11420,109 @@
           <a:lstStyle/>
           <a:p>
             <a:r>
-              <a:rPr lang="en-US" dirty="0"/>
-              <a:t>http://docs.oracle.com/javase/tutorial/essential/exceptions/runtime.html</a:t>
-            </a:r>
-          </a:p>
-          <a:p>
-            <a:r>
               <a:rPr lang="en-US" dirty="0" smtClean="0"/>
-              <a:t>Here's </a:t>
-            </a:r>
-            <a:r>
-              <a:rPr lang="en-US" dirty="0"/>
-              <a:t>the bottom line guideline: If a client can reasonably </a:t>
+              <a:t>Come in two </a:t>
+            </a:r>
+            <a:r>
+              <a:rPr lang="en-US" dirty="0" err="1" smtClean="0"/>
+              <a:t>flavours</a:t>
             </a:r>
             <a:endParaRPr lang="en-US" dirty="0" smtClean="0"/>
           </a:p>
           <a:p>
+            <a:pPr marL="457200" indent="-457200">
+              <a:buFont typeface="+mj-lt"/>
+              <a:buAutoNum type="arabicPeriod"/>
+            </a:pPr>
             <a:r>
               <a:rPr lang="en-US" dirty="0" smtClean="0"/>
-              <a:t>be </a:t>
-            </a:r>
-            <a:r>
-              <a:rPr lang="en-US" dirty="0"/>
-              <a:t>expected to recover from an exception, make it a </a:t>
+              <a:t>Checked</a:t>
+            </a:r>
+          </a:p>
+          <a:p>
+            <a:pPr marL="914400" lvl="1" indent="-457200">
+              <a:buFont typeface="Arial" pitchFamily="34" charset="0"/>
+              <a:buChar char="•"/>
+            </a:pPr>
+            <a:r>
+              <a:rPr lang="en-US" dirty="0" smtClean="0"/>
+              <a:t>You should catch it or let bubble up (aka exception propagation)</a:t>
+            </a:r>
+          </a:p>
+          <a:p>
+            <a:pPr marL="914400" lvl="1" indent="-457200">
+              <a:buFont typeface="Arial" pitchFamily="34" charset="0"/>
+              <a:buChar char="•"/>
+            </a:pPr>
+            <a:r>
+              <a:rPr lang="en-US" dirty="0" smtClean="0"/>
+              <a:t>See </a:t>
+            </a:r>
+            <a:r>
+              <a:rPr lang="en-US" dirty="0" err="1" smtClean="0"/>
+              <a:t>SimpsonsDemo</a:t>
+            </a:r>
+            <a:r>
+              <a:rPr lang="en-US" dirty="0" smtClean="0"/>
+              <a:t> </a:t>
+            </a:r>
+          </a:p>
+          <a:p>
+            <a:pPr marL="457200" indent="-457200">
+              <a:buFont typeface="+mj-lt"/>
+              <a:buAutoNum type="arabicPeriod"/>
+            </a:pPr>
+            <a:r>
+              <a:rPr lang="en-US" dirty="0" smtClean="0"/>
+              <a:t>Unchecked</a:t>
+            </a:r>
+          </a:p>
+          <a:p>
+            <a:pPr marL="914400" lvl="1" indent="-457200">
+              <a:buFont typeface="Arial" pitchFamily="34" charset="0"/>
+              <a:buChar char="•"/>
+            </a:pPr>
+            <a:r>
+              <a:rPr lang="en-US" dirty="0" smtClean="0"/>
+              <a:t>It bubbles to the top</a:t>
+            </a:r>
+          </a:p>
+          <a:p>
+            <a:pPr marL="914400" lvl="1" indent="-457200">
+              <a:buFont typeface="Arial" pitchFamily="34" charset="0"/>
+              <a:buChar char="•"/>
+            </a:pPr>
+            <a:r>
+              <a:rPr lang="en-US" dirty="0" smtClean="0"/>
+              <a:t>Unchecked Exceptions extend </a:t>
+            </a:r>
+            <a:r>
+              <a:rPr lang="en-US" dirty="0" err="1" smtClean="0"/>
+              <a:t>RuntimeException</a:t>
             </a:r>
             <a:endParaRPr lang="en-US" dirty="0" smtClean="0"/>
           </a:p>
           <a:p>
+            <a:pPr marL="914400" lvl="1" indent="-457200">
+              <a:buFont typeface="Arial" pitchFamily="34" charset="0"/>
+              <a:buChar char="•"/>
+            </a:pPr>
             <a:r>
               <a:rPr lang="en-US" dirty="0" smtClean="0"/>
-              <a:t>checked </a:t>
-            </a:r>
-            <a:r>
-              <a:rPr lang="en-US" dirty="0"/>
-              <a:t>exception. If a client cannot do anything to recover </a:t>
-            </a:r>
-            <a:endParaRPr lang="en-US" dirty="0" smtClean="0"/>
-          </a:p>
-          <a:p>
-            <a:r>
-              <a:rPr lang="en-US" dirty="0" smtClean="0"/>
-              <a:t>from </a:t>
-            </a:r>
-            <a:r>
-              <a:rPr lang="en-US" dirty="0"/>
-              <a:t>the exception, make it an unchecked exception.</a:t>
-            </a:r>
+              <a:t>See </a:t>
+            </a:r>
+            <a:r>
+              <a:rPr lang="en-US" dirty="0" err="1"/>
+              <a:t>SimpsonsWithPossibleRuntimeExceptionDemo</a:t>
+            </a:r>
+            <a:endParaRPr lang="en-US" dirty="0"/>
           </a:p>
         </p:txBody>
       </p:sp>
     </p:spTree>
     <p:extLst>
       <p:ext uri="{BB962C8B-B14F-4D97-AF65-F5344CB8AC3E}">
-        <p14:creationId xmlns:p14="http://schemas.microsoft.com/office/powerpoint/2010/main" val="1516566185"/>
+        <p14:creationId xmlns:p14="http://schemas.microsoft.com/office/powerpoint/2010/main" val="3828008236"/>
       </p:ext>
     </p:extLst>
   </p:cSld>
@@ -11557,7 +11566,7 @@
           <a:p>
             <a:r>
               <a:rPr lang="en-US" dirty="0" smtClean="0"/>
-              <a:t>Homework</a:t>
+              <a:t>Why have unchecked exceptions?</a:t>
             </a:r>
             <a:endParaRPr lang="en-US" dirty="0"/>
           </a:p>
@@ -11587,6 +11596,160 @@
                 <a:defRPr/>
               </a:pPr>
               <a:t>36</a:t>
+            </a:fld>
+            <a:endParaRPr lang="en-CA"/>
+          </a:p>
+        </p:txBody>
+      </p:sp>
+      <p:sp>
+        <p:nvSpPr>
+          <p:cNvPr id="4" name="TextBox 3"/>
+          <p:cNvSpPr txBox="1"/>
+          <p:nvPr/>
+        </p:nvSpPr>
+        <p:spPr>
+          <a:xfrm>
+            <a:off x="838201" y="2133600"/>
+            <a:ext cx="7696200" cy="3046988"/>
+          </a:xfrm>
+          <a:prstGeom prst="rect">
+            <a:avLst/>
+          </a:prstGeom>
+          <a:noFill/>
+        </p:spPr>
+        <p:txBody>
+          <a:bodyPr wrap="square" rtlCol="0">
+            <a:spAutoFit/>
+          </a:bodyPr>
+          <a:lstStyle/>
+          <a:p>
+            <a:r>
+              <a:rPr lang="en-US" dirty="0"/>
+              <a:t>http://docs.oracle.com/javase/tutorial/essential/exceptions/runtime.html</a:t>
+            </a:r>
+          </a:p>
+          <a:p>
+            <a:r>
+              <a:rPr lang="en-US" dirty="0" smtClean="0"/>
+              <a:t>Here's </a:t>
+            </a:r>
+            <a:r>
+              <a:rPr lang="en-US" dirty="0"/>
+              <a:t>the bottom line guideline: If a client can reasonably </a:t>
+            </a:r>
+            <a:endParaRPr lang="en-US" dirty="0" smtClean="0"/>
+          </a:p>
+          <a:p>
+            <a:r>
+              <a:rPr lang="en-US" dirty="0" smtClean="0"/>
+              <a:t>be </a:t>
+            </a:r>
+            <a:r>
+              <a:rPr lang="en-US" dirty="0"/>
+              <a:t>expected to recover from an exception, make it a </a:t>
+            </a:r>
+            <a:endParaRPr lang="en-US" dirty="0" smtClean="0"/>
+          </a:p>
+          <a:p>
+            <a:r>
+              <a:rPr lang="en-US" dirty="0" smtClean="0"/>
+              <a:t>checked </a:t>
+            </a:r>
+            <a:r>
+              <a:rPr lang="en-US" dirty="0"/>
+              <a:t>exception. If a client cannot do anything to recover </a:t>
+            </a:r>
+            <a:endParaRPr lang="en-US" dirty="0" smtClean="0"/>
+          </a:p>
+          <a:p>
+            <a:r>
+              <a:rPr lang="en-US" dirty="0" smtClean="0"/>
+              <a:t>from </a:t>
+            </a:r>
+            <a:r>
+              <a:rPr lang="en-US" dirty="0"/>
+              <a:t>the exception, make it an unchecked exception.</a:t>
+            </a:r>
+          </a:p>
+        </p:txBody>
+      </p:sp>
+    </p:spTree>
+    <p:extLst>
+      <p:ext uri="{BB962C8B-B14F-4D97-AF65-F5344CB8AC3E}">
+        <p14:creationId xmlns:p14="http://schemas.microsoft.com/office/powerpoint/2010/main" val="1516566185"/>
+      </p:ext>
+    </p:extLst>
+  </p:cSld>
+  <p:clrMapOvr>
+    <a:masterClrMapping/>
+  </p:clrMapOvr>
+</p:sld>
+</file>
+
+<file path=ppt/slides/slide37.xml><?xml version="1.0" encoding="utf-8"?>
+<p:sld xmlns:a="http://schemas.openxmlformats.org/drawingml/2006/main" xmlns:r="http://schemas.openxmlformats.org/officeDocument/2006/relationships" xmlns:p="http://schemas.openxmlformats.org/presentationml/2006/main">
+  <p:cSld>
+    <p:spTree>
+      <p:nvGrpSpPr>
+        <p:cNvPr id="1" name=""/>
+        <p:cNvGrpSpPr/>
+        <p:nvPr/>
+      </p:nvGrpSpPr>
+      <p:grpSpPr>
+        <a:xfrm>
+          <a:off x="0" y="0"/>
+          <a:ext cx="0" cy="0"/>
+          <a:chOff x="0" y="0"/>
+          <a:chExt cx="0" cy="0"/>
+        </a:xfrm>
+      </p:grpSpPr>
+      <p:sp>
+        <p:nvSpPr>
+          <p:cNvPr id="2" name="Title 1"/>
+          <p:cNvSpPr>
+            <a:spLocks noGrp="1"/>
+          </p:cNvSpPr>
+          <p:nvPr>
+            <p:ph type="title"/>
+          </p:nvPr>
+        </p:nvSpPr>
+        <p:spPr/>
+        <p:txBody>
+          <a:bodyPr/>
+          <a:lstStyle/>
+          <a:p>
+            <a:r>
+              <a:rPr lang="en-US" dirty="0" smtClean="0"/>
+              <a:t>Homework</a:t>
+            </a:r>
+            <a:endParaRPr lang="en-US" dirty="0"/>
+          </a:p>
+        </p:txBody>
+      </p:sp>
+      <p:sp>
+        <p:nvSpPr>
+          <p:cNvPr id="3" name="Slide Number Placeholder 2"/>
+          <p:cNvSpPr>
+            <a:spLocks noGrp="1"/>
+          </p:cNvSpPr>
+          <p:nvPr>
+            <p:ph type="sldNum" sz="quarter" idx="12"/>
+          </p:nvPr>
+        </p:nvSpPr>
+        <p:spPr/>
+        <p:txBody>
+          <a:bodyPr/>
+          <a:lstStyle/>
+          <a:p>
+            <a:pPr>
+              <a:defRPr/>
+            </a:pPr>
+            <a:fld id="{B2451C39-31DD-6D4B-9BED-758CF6C1BA6A}" type="slidenum">
+              <a:rPr lang="en-CA" smtClean="0"/>
+              <a:pPr>
+                <a:defRPr/>
+              </a:pPr>
+              <a:t>37</a:t>
             </a:fld>
             <a:endParaRPr lang="en-CA"/>
           </a:p>

--- a/coursePresentation.pptx
+++ b/coursePresentation.pptx
@@ -5,10 +5,10 @@
     <p:sldMasterId id="2147484906" r:id="rId1"/>
   </p:sldMasterIdLst>
   <p:notesMasterIdLst>
-    <p:notesMasterId r:id="rId39"/>
+    <p:notesMasterId r:id="rId48"/>
   </p:notesMasterIdLst>
   <p:handoutMasterIdLst>
-    <p:handoutMasterId r:id="rId40"/>
+    <p:handoutMasterId r:id="rId49"/>
   </p:handoutMasterIdLst>
   <p:sldIdLst>
     <p:sldId id="257" r:id="rId2"/>
@@ -48,6 +48,15 @@
     <p:sldId id="353" r:id="rId36"/>
     <p:sldId id="334" r:id="rId37"/>
     <p:sldId id="354" r:id="rId38"/>
+    <p:sldId id="356" r:id="rId39"/>
+    <p:sldId id="357" r:id="rId40"/>
+    <p:sldId id="358" r:id="rId41"/>
+    <p:sldId id="359" r:id="rId42"/>
+    <p:sldId id="360" r:id="rId43"/>
+    <p:sldId id="361" r:id="rId44"/>
+    <p:sldId id="362" r:id="rId45"/>
+    <p:sldId id="363" r:id="rId46"/>
+    <p:sldId id="364" r:id="rId47"/>
   </p:sldIdLst>
   <p:sldSz cx="9144000" cy="6858000" type="screen4x3"/>
   <p:notesSz cx="6858000" cy="9144000"/>
@@ -176,6 +185,22 @@
       </a:defRPr>
     </a:lvl9pPr>
   </p:defaultTextStyle>
+  <p:extLst>
+    <p:ext uri="{EFAFB233-063F-42B5-8137-9DF3F51BA10A}">
+      <p15:sldGuideLst xmlns:p15="http://schemas.microsoft.com/office/powerpoint/2012/main">
+        <p15:guide id="1" orient="horz" pos="4029">
+          <p15:clr>
+            <a:srgbClr val="A4A3A4"/>
+          </p15:clr>
+        </p15:guide>
+        <p15:guide id="2" pos="2880">
+          <p15:clr>
+            <a:srgbClr val="A4A3A4"/>
+          </p15:clr>
+        </p15:guide>
+      </p15:sldGuideLst>
+    </p:ext>
+  </p:extLst>
 </p:presentation>
 </file>
 
@@ -945,6 +970,11 @@
         </p:txBody>
       </p:sp>
     </p:spTree>
+    <p:extLst>
+      <p:ext uri="{BB962C8B-B14F-4D97-AF65-F5344CB8AC3E}">
+        <p14:creationId xmlns:p14="http://schemas.microsoft.com/office/powerpoint/2010/main" val="3929349555"/>
+      </p:ext>
+    </p:extLst>
   </p:cSld>
   <p:clrMapOvr>
     <a:masterClrMapping/>
@@ -1049,6 +1079,11 @@
         </p:txBody>
       </p:sp>
     </p:spTree>
+    <p:extLst>
+      <p:ext uri="{BB962C8B-B14F-4D97-AF65-F5344CB8AC3E}">
+        <p14:creationId xmlns:p14="http://schemas.microsoft.com/office/powerpoint/2010/main" val="2441896263"/>
+      </p:ext>
+    </p:extLst>
   </p:cSld>
   <p:clrMapOvr>
     <a:masterClrMapping/>
@@ -1153,6 +1188,11 @@
         </p:txBody>
       </p:sp>
     </p:spTree>
+    <p:extLst>
+      <p:ext uri="{BB962C8B-B14F-4D97-AF65-F5344CB8AC3E}">
+        <p14:creationId xmlns:p14="http://schemas.microsoft.com/office/powerpoint/2010/main" val="80869934"/>
+      </p:ext>
+    </p:extLst>
   </p:cSld>
   <p:clrMapOvr>
     <a:masterClrMapping/>
@@ -1257,6 +1297,11 @@
         </p:txBody>
       </p:sp>
     </p:spTree>
+    <p:extLst>
+      <p:ext uri="{BB962C8B-B14F-4D97-AF65-F5344CB8AC3E}">
+        <p14:creationId xmlns:p14="http://schemas.microsoft.com/office/powerpoint/2010/main" val="3330430546"/>
+      </p:ext>
+    </p:extLst>
   </p:cSld>
   <p:clrMapOvr>
     <a:masterClrMapping/>
@@ -1361,6 +1406,11 @@
         </p:txBody>
       </p:sp>
     </p:spTree>
+    <p:extLst>
+      <p:ext uri="{BB962C8B-B14F-4D97-AF65-F5344CB8AC3E}">
+        <p14:creationId xmlns:p14="http://schemas.microsoft.com/office/powerpoint/2010/main" val="608684318"/>
+      </p:ext>
+    </p:extLst>
   </p:cSld>
   <p:clrMapOvr>
     <a:masterClrMapping/>
@@ -1465,6 +1515,11 @@
         </p:txBody>
       </p:sp>
     </p:spTree>
+    <p:extLst>
+      <p:ext uri="{BB962C8B-B14F-4D97-AF65-F5344CB8AC3E}">
+        <p14:creationId xmlns:p14="http://schemas.microsoft.com/office/powerpoint/2010/main" val="3676606055"/>
+      </p:ext>
+    </p:extLst>
   </p:cSld>
   <p:clrMapOvr>
     <a:masterClrMapping/>
@@ -1569,6 +1624,11 @@
         </p:txBody>
       </p:sp>
     </p:spTree>
+    <p:extLst>
+      <p:ext uri="{BB962C8B-B14F-4D97-AF65-F5344CB8AC3E}">
+        <p14:creationId xmlns:p14="http://schemas.microsoft.com/office/powerpoint/2010/main" val="1094734105"/>
+      </p:ext>
+    </p:extLst>
   </p:cSld>
   <p:clrMapOvr>
     <a:masterClrMapping/>
@@ -1673,6 +1733,11 @@
         </p:txBody>
       </p:sp>
     </p:spTree>
+    <p:extLst>
+      <p:ext uri="{BB962C8B-B14F-4D97-AF65-F5344CB8AC3E}">
+        <p14:creationId xmlns:p14="http://schemas.microsoft.com/office/powerpoint/2010/main" val="535479399"/>
+      </p:ext>
+    </p:extLst>
   </p:cSld>
   <p:clrMapOvr>
     <a:masterClrMapping/>
@@ -1715,7 +1780,7 @@
             <a:fld id="{A4A6734C-E115-4BC5-9FB0-F9BF6FABFDA0}" type="datetimeFigureOut">
               <a:rPr lang="en-US" smtClean="0"/>
               <a:pPr/>
-              <a:t>4/28/2014</a:t>
+              <a:t>5/9/2014</a:t>
             </a:fld>
             <a:endParaRPr lang="en-US"/>
           </a:p>
@@ -3843,7 +3908,7 @@
             <a:fld id="{A4A6734C-E115-4BC5-9FB0-F9BF6FABFDA0}" type="datetimeFigureOut">
               <a:rPr lang="en-US" smtClean="0"/>
               <a:pPr/>
-              <a:t>4/28/2014</a:t>
+              <a:t>5/9/2014</a:t>
             </a:fld>
             <a:endParaRPr lang="en-US"/>
           </a:p>
@@ -11901,6 +11966,286 @@
 </p:sld>
 </file>
 
+<file path=ppt/slides/slide38.xml><?xml version="1.0" encoding="utf-8"?>
+<p:sld xmlns:a="http://schemas.openxmlformats.org/drawingml/2006/main" xmlns:r="http://schemas.openxmlformats.org/officeDocument/2006/relationships" xmlns:p="http://schemas.openxmlformats.org/presentationml/2006/main">
+  <p:cSld>
+    <p:spTree>
+      <p:nvGrpSpPr>
+        <p:cNvPr id="1" name=""/>
+        <p:cNvGrpSpPr/>
+        <p:nvPr/>
+      </p:nvGrpSpPr>
+      <p:grpSpPr>
+        <a:xfrm>
+          <a:off x="0" y="0"/>
+          <a:ext cx="0" cy="0"/>
+          <a:chOff x="0" y="0"/>
+          <a:chExt cx="0" cy="0"/>
+        </a:xfrm>
+      </p:grpSpPr>
+      <p:sp>
+        <p:nvSpPr>
+          <p:cNvPr id="2" name="Title 1"/>
+          <p:cNvSpPr>
+            <a:spLocks noGrp="1"/>
+          </p:cNvSpPr>
+          <p:nvPr>
+            <p:ph type="title"/>
+          </p:nvPr>
+        </p:nvSpPr>
+        <p:spPr/>
+        <p:txBody>
+          <a:bodyPr/>
+          <a:lstStyle/>
+          <a:p>
+            <a:r>
+              <a:rPr lang="en-US" dirty="0" smtClean="0"/>
+              <a:t>Generics</a:t>
+            </a:r>
+            <a:endParaRPr lang="en-US" dirty="0"/>
+          </a:p>
+        </p:txBody>
+      </p:sp>
+      <p:sp>
+        <p:nvSpPr>
+          <p:cNvPr id="3" name="Slide Number Placeholder 2"/>
+          <p:cNvSpPr>
+            <a:spLocks noGrp="1"/>
+          </p:cNvSpPr>
+          <p:nvPr>
+            <p:ph type="sldNum" sz="quarter" idx="12"/>
+          </p:nvPr>
+        </p:nvSpPr>
+        <p:spPr/>
+        <p:txBody>
+          <a:bodyPr/>
+          <a:lstStyle/>
+          <a:p>
+            <a:pPr>
+              <a:defRPr/>
+            </a:pPr>
+            <a:fld id="{B2451C39-31DD-6D4B-9BED-758CF6C1BA6A}" type="slidenum">
+              <a:rPr lang="en-CA" smtClean="0"/>
+              <a:pPr>
+                <a:defRPr/>
+              </a:pPr>
+              <a:t>38</a:t>
+            </a:fld>
+            <a:endParaRPr lang="en-CA"/>
+          </a:p>
+        </p:txBody>
+      </p:sp>
+      <p:sp>
+        <p:nvSpPr>
+          <p:cNvPr id="4" name="TextBox 3"/>
+          <p:cNvSpPr txBox="1"/>
+          <p:nvPr/>
+        </p:nvSpPr>
+        <p:spPr>
+          <a:xfrm>
+            <a:off x="1066800" y="2209800"/>
+            <a:ext cx="2895600" cy="461665"/>
+          </a:xfrm>
+          <a:prstGeom prst="rect">
+            <a:avLst/>
+          </a:prstGeom>
+          <a:noFill/>
+        </p:spPr>
+        <p:txBody>
+          <a:bodyPr wrap="square" rtlCol="0">
+            <a:spAutoFit/>
+          </a:bodyPr>
+          <a:lstStyle/>
+          <a:p>
+            <a:endParaRPr lang="en-US" dirty="0"/>
+          </a:p>
+        </p:txBody>
+      </p:sp>
+      <p:sp>
+        <p:nvSpPr>
+          <p:cNvPr id="9" name="TextBox 8"/>
+          <p:cNvSpPr txBox="1"/>
+          <p:nvPr/>
+        </p:nvSpPr>
+        <p:spPr>
+          <a:xfrm>
+            <a:off x="1295400" y="1981200"/>
+            <a:ext cx="6807313" cy="1569660"/>
+          </a:xfrm>
+          <a:prstGeom prst="rect">
+            <a:avLst/>
+          </a:prstGeom>
+          <a:noFill/>
+        </p:spPr>
+        <p:txBody>
+          <a:bodyPr wrap="none" rtlCol="0">
+            <a:spAutoFit/>
+          </a:bodyPr>
+          <a:lstStyle/>
+          <a:p>
+            <a:r>
+              <a:rPr lang="en-US" dirty="0" smtClean="0"/>
+              <a:t>A generic type is a generic class or interface that</a:t>
+            </a:r>
+          </a:p>
+          <a:p>
+            <a:r>
+              <a:rPr lang="en-US" dirty="0" smtClean="0"/>
+              <a:t>Is parameterized over types</a:t>
+            </a:r>
+          </a:p>
+          <a:p>
+            <a:endParaRPr lang="en-US" dirty="0"/>
+          </a:p>
+          <a:p>
+            <a:r>
+              <a:rPr lang="en-US" dirty="0" smtClean="0"/>
+              <a:t>See </a:t>
+            </a:r>
+            <a:r>
+              <a:rPr lang="en-US" dirty="0" err="1" smtClean="0"/>
+              <a:t>GenericDemo</a:t>
+            </a:r>
+            <a:endParaRPr lang="en-US" dirty="0"/>
+          </a:p>
+        </p:txBody>
+      </p:sp>
+    </p:spTree>
+    <p:extLst>
+      <p:ext uri="{BB962C8B-B14F-4D97-AF65-F5344CB8AC3E}">
+        <p14:creationId xmlns:p14="http://schemas.microsoft.com/office/powerpoint/2010/main" val="4030432887"/>
+      </p:ext>
+    </p:extLst>
+  </p:cSld>
+  <p:clrMapOvr>
+    <a:masterClrMapping/>
+  </p:clrMapOvr>
+</p:sld>
+</file>
+
+<file path=ppt/slides/slide39.xml><?xml version="1.0" encoding="utf-8"?>
+<p:sld xmlns:a="http://schemas.openxmlformats.org/drawingml/2006/main" xmlns:r="http://schemas.openxmlformats.org/officeDocument/2006/relationships" xmlns:p="http://schemas.openxmlformats.org/presentationml/2006/main">
+  <p:cSld>
+    <p:spTree>
+      <p:nvGrpSpPr>
+        <p:cNvPr id="1" name=""/>
+        <p:cNvGrpSpPr/>
+        <p:nvPr/>
+      </p:nvGrpSpPr>
+      <p:grpSpPr>
+        <a:xfrm>
+          <a:off x="0" y="0"/>
+          <a:ext cx="0" cy="0"/>
+          <a:chOff x="0" y="0"/>
+          <a:chExt cx="0" cy="0"/>
+        </a:xfrm>
+      </p:grpSpPr>
+      <p:sp>
+        <p:nvSpPr>
+          <p:cNvPr id="2" name="Title 1"/>
+          <p:cNvSpPr>
+            <a:spLocks noGrp="1"/>
+          </p:cNvSpPr>
+          <p:nvPr>
+            <p:ph type="title"/>
+          </p:nvPr>
+        </p:nvSpPr>
+        <p:spPr/>
+        <p:txBody>
+          <a:bodyPr/>
+          <a:lstStyle/>
+          <a:p>
+            <a:r>
+              <a:rPr lang="en-US" dirty="0" smtClean="0"/>
+              <a:t>Collections</a:t>
+            </a:r>
+            <a:endParaRPr lang="en-US" dirty="0"/>
+          </a:p>
+        </p:txBody>
+      </p:sp>
+      <p:sp>
+        <p:nvSpPr>
+          <p:cNvPr id="3" name="Slide Number Placeholder 2"/>
+          <p:cNvSpPr>
+            <a:spLocks noGrp="1"/>
+          </p:cNvSpPr>
+          <p:nvPr>
+            <p:ph type="sldNum" sz="quarter" idx="12"/>
+          </p:nvPr>
+        </p:nvSpPr>
+        <p:spPr/>
+        <p:txBody>
+          <a:bodyPr/>
+          <a:lstStyle/>
+          <a:p>
+            <a:pPr>
+              <a:defRPr/>
+            </a:pPr>
+            <a:fld id="{B2451C39-31DD-6D4B-9BED-758CF6C1BA6A}" type="slidenum">
+              <a:rPr lang="en-CA" smtClean="0"/>
+              <a:pPr>
+                <a:defRPr/>
+              </a:pPr>
+              <a:t>39</a:t>
+            </a:fld>
+            <a:endParaRPr lang="en-CA"/>
+          </a:p>
+        </p:txBody>
+      </p:sp>
+      <p:sp>
+        <p:nvSpPr>
+          <p:cNvPr id="4" name="TextBox 3"/>
+          <p:cNvSpPr txBox="1"/>
+          <p:nvPr/>
+        </p:nvSpPr>
+        <p:spPr>
+          <a:xfrm>
+            <a:off x="914400" y="1524000"/>
+            <a:ext cx="7086600" cy="3785652"/>
+          </a:xfrm>
+          <a:prstGeom prst="rect">
+            <a:avLst/>
+          </a:prstGeom>
+          <a:noFill/>
+        </p:spPr>
+        <p:txBody>
+          <a:bodyPr wrap="square" rtlCol="0">
+            <a:spAutoFit/>
+          </a:bodyPr>
+          <a:lstStyle/>
+          <a:p>
+            <a:r>
+              <a:rPr lang="en-US" dirty="0"/>
+              <a:t>A collections framework is a unified architecture for representing and manipulating collections. All collections frameworks contain the following:</a:t>
+            </a:r>
+          </a:p>
+          <a:p>
+            <a:endParaRPr lang="en-US" dirty="0"/>
+          </a:p>
+          <a:p>
+            <a:r>
+              <a:rPr lang="en-US" dirty="0"/>
+              <a:t>    Interfaces: These are abstract data types that represent collections. Interfaces allow collections to be manipulated independently of the details of their representation. In object-oriented languages, interfaces generally form a hierarchy.</a:t>
+            </a:r>
+          </a:p>
+          <a:p>
+            <a:endParaRPr lang="en-US" dirty="0"/>
+          </a:p>
+        </p:txBody>
+      </p:sp>
+    </p:spTree>
+    <p:extLst>
+      <p:ext uri="{BB962C8B-B14F-4D97-AF65-F5344CB8AC3E}">
+        <p14:creationId xmlns:p14="http://schemas.microsoft.com/office/powerpoint/2010/main" val="2811888938"/>
+      </p:ext>
+    </p:extLst>
+  </p:cSld>
+  <p:clrMapOvr>
+    <a:masterClrMapping/>
+  </p:clrMapOvr>
+</p:sld>
+</file>
+
 <file path=ppt/slides/slide4.xml><?xml version="1.0" encoding="utf-8"?>
 <p:sld xmlns:a="http://schemas.openxmlformats.org/drawingml/2006/main" xmlns:r="http://schemas.openxmlformats.org/officeDocument/2006/relationships" xmlns:p="http://schemas.openxmlformats.org/presentationml/2006/main">
   <p:cSld>
@@ -12176,6 +12521,1075 @@
       </p:par>
     </p:tnLst>
   </p:timing>
+</p:sld>
+</file>
+
+<file path=ppt/slides/slide40.xml><?xml version="1.0" encoding="utf-8"?>
+<p:sld xmlns:a="http://schemas.openxmlformats.org/drawingml/2006/main" xmlns:r="http://schemas.openxmlformats.org/officeDocument/2006/relationships" xmlns:p="http://schemas.openxmlformats.org/presentationml/2006/main">
+  <p:cSld>
+    <p:spTree>
+      <p:nvGrpSpPr>
+        <p:cNvPr id="1" name=""/>
+        <p:cNvGrpSpPr/>
+        <p:nvPr/>
+      </p:nvGrpSpPr>
+      <p:grpSpPr>
+        <a:xfrm>
+          <a:off x="0" y="0"/>
+          <a:ext cx="0" cy="0"/>
+          <a:chOff x="0" y="0"/>
+          <a:chExt cx="0" cy="0"/>
+        </a:xfrm>
+      </p:grpSpPr>
+      <p:sp>
+        <p:nvSpPr>
+          <p:cNvPr id="2" name="Title 1"/>
+          <p:cNvSpPr>
+            <a:spLocks noGrp="1"/>
+          </p:cNvSpPr>
+          <p:nvPr>
+            <p:ph type="title"/>
+          </p:nvPr>
+        </p:nvSpPr>
+        <p:spPr/>
+        <p:txBody>
+          <a:bodyPr/>
+          <a:lstStyle/>
+          <a:p>
+            <a:r>
+              <a:rPr lang="en-US" dirty="0" smtClean="0"/>
+              <a:t>Collections (</a:t>
+            </a:r>
+            <a:r>
+              <a:rPr lang="en-US" dirty="0" err="1" smtClean="0"/>
+              <a:t>cont</a:t>
+            </a:r>
+            <a:r>
+              <a:rPr lang="en-US" dirty="0" smtClean="0"/>
+              <a:t>)</a:t>
+            </a:r>
+            <a:endParaRPr lang="en-US" dirty="0"/>
+          </a:p>
+        </p:txBody>
+      </p:sp>
+      <p:sp>
+        <p:nvSpPr>
+          <p:cNvPr id="3" name="Slide Number Placeholder 2"/>
+          <p:cNvSpPr>
+            <a:spLocks noGrp="1"/>
+          </p:cNvSpPr>
+          <p:nvPr>
+            <p:ph type="sldNum" sz="quarter" idx="12"/>
+          </p:nvPr>
+        </p:nvSpPr>
+        <p:spPr/>
+        <p:txBody>
+          <a:bodyPr/>
+          <a:lstStyle/>
+          <a:p>
+            <a:pPr>
+              <a:defRPr/>
+            </a:pPr>
+            <a:fld id="{B2451C39-31DD-6D4B-9BED-758CF6C1BA6A}" type="slidenum">
+              <a:rPr lang="en-CA" smtClean="0"/>
+              <a:pPr>
+                <a:defRPr/>
+              </a:pPr>
+              <a:t>40</a:t>
+            </a:fld>
+            <a:endParaRPr lang="en-CA"/>
+          </a:p>
+        </p:txBody>
+      </p:sp>
+      <p:sp>
+        <p:nvSpPr>
+          <p:cNvPr id="4" name="TextBox 3"/>
+          <p:cNvSpPr txBox="1"/>
+          <p:nvPr/>
+        </p:nvSpPr>
+        <p:spPr>
+          <a:xfrm>
+            <a:off x="1295400" y="2362200"/>
+            <a:ext cx="7467600" cy="4154984"/>
+          </a:xfrm>
+          <a:prstGeom prst="rect">
+            <a:avLst/>
+          </a:prstGeom>
+          <a:noFill/>
+        </p:spPr>
+        <p:txBody>
+          <a:bodyPr wrap="square" rtlCol="0">
+            <a:spAutoFit/>
+          </a:bodyPr>
+          <a:lstStyle/>
+          <a:p>
+            <a:r>
+              <a:rPr lang="en-US" dirty="0"/>
+              <a:t> Implementations: These are the concrete implementations of the collection interfaces. In essence, they are reusable data structures.</a:t>
+            </a:r>
+          </a:p>
+          <a:p>
+            <a:r>
+              <a:rPr lang="en-US" dirty="0"/>
+              <a:t>    Algorithms: These are the methods that perform useful computations, such as searching and sorting, on objects that implement collection interfaces. The algorithms are said to be polymorphic: that is, the same method can be used on many different implementations of the appropriate collection interface. In essence, algorithms are reusable functionality.</a:t>
+            </a:r>
+          </a:p>
+        </p:txBody>
+      </p:sp>
+    </p:spTree>
+    <p:extLst>
+      <p:ext uri="{BB962C8B-B14F-4D97-AF65-F5344CB8AC3E}">
+        <p14:creationId xmlns:p14="http://schemas.microsoft.com/office/powerpoint/2010/main" val="3882324180"/>
+      </p:ext>
+    </p:extLst>
+  </p:cSld>
+  <p:clrMapOvr>
+    <a:masterClrMapping/>
+  </p:clrMapOvr>
+</p:sld>
+</file>
+
+<file path=ppt/slides/slide41.xml><?xml version="1.0" encoding="utf-8"?>
+<p:sld xmlns:a="http://schemas.openxmlformats.org/drawingml/2006/main" xmlns:r="http://schemas.openxmlformats.org/officeDocument/2006/relationships" xmlns:p="http://schemas.openxmlformats.org/presentationml/2006/main">
+  <p:cSld>
+    <p:spTree>
+      <p:nvGrpSpPr>
+        <p:cNvPr id="1" name=""/>
+        <p:cNvGrpSpPr/>
+        <p:nvPr/>
+      </p:nvGrpSpPr>
+      <p:grpSpPr>
+        <a:xfrm>
+          <a:off x="0" y="0"/>
+          <a:ext cx="0" cy="0"/>
+          <a:chOff x="0" y="0"/>
+          <a:chExt cx="0" cy="0"/>
+        </a:xfrm>
+      </p:grpSpPr>
+      <p:sp>
+        <p:nvSpPr>
+          <p:cNvPr id="2" name="Title 1"/>
+          <p:cNvSpPr>
+            <a:spLocks noGrp="1"/>
+          </p:cNvSpPr>
+          <p:nvPr>
+            <p:ph type="title"/>
+          </p:nvPr>
+        </p:nvSpPr>
+        <p:spPr/>
+        <p:txBody>
+          <a:bodyPr/>
+          <a:lstStyle/>
+          <a:p>
+            <a:r>
+              <a:rPr lang="en-US" dirty="0" smtClean="0"/>
+              <a:t>Collections (</a:t>
+            </a:r>
+            <a:r>
+              <a:rPr lang="en-US" dirty="0" err="1" smtClean="0"/>
+              <a:t>cont</a:t>
+            </a:r>
+            <a:r>
+              <a:rPr lang="en-US" dirty="0" smtClean="0"/>
+              <a:t>)</a:t>
+            </a:r>
+            <a:endParaRPr lang="en-US" dirty="0"/>
+          </a:p>
+        </p:txBody>
+      </p:sp>
+      <p:sp>
+        <p:nvSpPr>
+          <p:cNvPr id="3" name="Slide Number Placeholder 2"/>
+          <p:cNvSpPr>
+            <a:spLocks noGrp="1"/>
+          </p:cNvSpPr>
+          <p:nvPr>
+            <p:ph type="sldNum" sz="quarter" idx="12"/>
+          </p:nvPr>
+        </p:nvSpPr>
+        <p:spPr/>
+        <p:txBody>
+          <a:bodyPr/>
+          <a:lstStyle/>
+          <a:p>
+            <a:pPr>
+              <a:defRPr/>
+            </a:pPr>
+            <a:fld id="{B2451C39-31DD-6D4B-9BED-758CF6C1BA6A}" type="slidenum">
+              <a:rPr lang="en-CA" smtClean="0"/>
+              <a:pPr>
+                <a:defRPr/>
+              </a:pPr>
+              <a:t>41</a:t>
+            </a:fld>
+            <a:endParaRPr lang="en-CA"/>
+          </a:p>
+        </p:txBody>
+      </p:sp>
+      <p:sp>
+        <p:nvSpPr>
+          <p:cNvPr id="4" name="TextBox 3"/>
+          <p:cNvSpPr txBox="1"/>
+          <p:nvPr/>
+        </p:nvSpPr>
+        <p:spPr>
+          <a:xfrm>
+            <a:off x="2282825" y="5157788"/>
+            <a:ext cx="184731" cy="461665"/>
+          </a:xfrm>
+          <a:prstGeom prst="rect">
+            <a:avLst/>
+          </a:prstGeom>
+          <a:noFill/>
+        </p:spPr>
+        <p:txBody>
+          <a:bodyPr wrap="none" rtlCol="0">
+            <a:spAutoFit/>
+          </a:bodyPr>
+          <a:lstStyle/>
+          <a:p>
+            <a:endParaRPr lang="en-US" dirty="0"/>
+          </a:p>
+        </p:txBody>
+      </p:sp>
+      <p:pic>
+        <p:nvPicPr>
+          <p:cNvPr id="2050" name="Picture 2" descr="Two interface trees, one starting with Collection and including Set, SortedSet, List, and Queue, and the other starting with Map and including SortedMap."/>
+          <p:cNvPicPr>
+            <a:picLocks noChangeAspect="1" noChangeArrowheads="1"/>
+          </p:cNvPicPr>
+          <p:nvPr/>
+        </p:nvPicPr>
+        <p:blipFill>
+          <a:blip r:embed="rId2">
+            <a:extLst>
+              <a:ext uri="{28A0092B-C50C-407E-A947-70E740481C1C}">
+                <a14:useLocalDpi xmlns:a14="http://schemas.microsoft.com/office/drawing/2010/main" val="0"/>
+              </a:ext>
+            </a:extLst>
+          </a:blip>
+          <a:srcRect/>
+          <a:stretch>
+            <a:fillRect/>
+          </a:stretch>
+        </p:blipFill>
+        <p:spPr bwMode="auto">
+          <a:xfrm>
+            <a:off x="1447800" y="2514600"/>
+            <a:ext cx="4171950" cy="1228726"/>
+          </a:xfrm>
+          <a:prstGeom prst="rect">
+            <a:avLst/>
+          </a:prstGeom>
+          <a:noFill/>
+          <a:extLst>
+            <a:ext uri="{909E8E84-426E-40DD-AFC4-6F175D3DCCD1}">
+              <a14:hiddenFill xmlns:a14="http://schemas.microsoft.com/office/drawing/2010/main">
+                <a:solidFill>
+                  <a:srgbClr val="FFFFFF"/>
+                </a:solidFill>
+              </a14:hiddenFill>
+            </a:ext>
+          </a:extLst>
+        </p:spPr>
+      </p:pic>
+      <p:sp>
+        <p:nvSpPr>
+          <p:cNvPr id="5" name="TextBox 4"/>
+          <p:cNvSpPr txBox="1"/>
+          <p:nvPr/>
+        </p:nvSpPr>
+        <p:spPr>
+          <a:xfrm>
+            <a:off x="1447800" y="4953000"/>
+            <a:ext cx="6878806" cy="461665"/>
+          </a:xfrm>
+          <a:prstGeom prst="rect">
+            <a:avLst/>
+          </a:prstGeom>
+          <a:noFill/>
+        </p:spPr>
+        <p:txBody>
+          <a:bodyPr wrap="none" rtlCol="0">
+            <a:spAutoFit/>
+          </a:bodyPr>
+          <a:lstStyle/>
+          <a:p>
+            <a:r>
+              <a:rPr lang="en-US" dirty="0" smtClean="0"/>
+              <a:t>Notice that Map doesn’t </a:t>
+            </a:r>
+            <a:r>
+              <a:rPr lang="en-US" dirty="0" err="1" smtClean="0"/>
+              <a:t>exend</a:t>
+            </a:r>
+            <a:r>
+              <a:rPr lang="en-US" dirty="0" smtClean="0"/>
+              <a:t> Collection &lt;sigh/&gt;</a:t>
+            </a:r>
+            <a:endParaRPr lang="en-US" dirty="0"/>
+          </a:p>
+        </p:txBody>
+      </p:sp>
+    </p:spTree>
+    <p:extLst>
+      <p:ext uri="{BB962C8B-B14F-4D97-AF65-F5344CB8AC3E}">
+        <p14:creationId xmlns:p14="http://schemas.microsoft.com/office/powerpoint/2010/main" val="4103143080"/>
+      </p:ext>
+    </p:extLst>
+  </p:cSld>
+  <p:clrMapOvr>
+    <a:masterClrMapping/>
+  </p:clrMapOvr>
+</p:sld>
+</file>
+
+<file path=ppt/slides/slide42.xml><?xml version="1.0" encoding="utf-8"?>
+<p:sld xmlns:a="http://schemas.openxmlformats.org/drawingml/2006/main" xmlns:r="http://schemas.openxmlformats.org/officeDocument/2006/relationships" xmlns:p="http://schemas.openxmlformats.org/presentationml/2006/main">
+  <p:cSld>
+    <p:spTree>
+      <p:nvGrpSpPr>
+        <p:cNvPr id="1" name=""/>
+        <p:cNvGrpSpPr/>
+        <p:nvPr/>
+      </p:nvGrpSpPr>
+      <p:grpSpPr>
+        <a:xfrm>
+          <a:off x="0" y="0"/>
+          <a:ext cx="0" cy="0"/>
+          <a:chOff x="0" y="0"/>
+          <a:chExt cx="0" cy="0"/>
+        </a:xfrm>
+      </p:grpSpPr>
+      <p:sp>
+        <p:nvSpPr>
+          <p:cNvPr id="2" name="Title 1"/>
+          <p:cNvSpPr>
+            <a:spLocks noGrp="1"/>
+          </p:cNvSpPr>
+          <p:nvPr>
+            <p:ph type="title"/>
+          </p:nvPr>
+        </p:nvSpPr>
+        <p:spPr/>
+        <p:txBody>
+          <a:bodyPr/>
+          <a:lstStyle/>
+          <a:p>
+            <a:r>
+              <a:rPr lang="en-US" dirty="0" smtClean="0"/>
+              <a:t>Collections (</a:t>
+            </a:r>
+            <a:r>
+              <a:rPr lang="en-US" dirty="0" err="1" smtClean="0"/>
+              <a:t>cont</a:t>
+            </a:r>
+            <a:r>
+              <a:rPr lang="en-US" dirty="0" smtClean="0"/>
+              <a:t>)</a:t>
+            </a:r>
+            <a:endParaRPr lang="en-US" dirty="0"/>
+          </a:p>
+        </p:txBody>
+      </p:sp>
+      <p:sp>
+        <p:nvSpPr>
+          <p:cNvPr id="3" name="Slide Number Placeholder 2"/>
+          <p:cNvSpPr>
+            <a:spLocks noGrp="1"/>
+          </p:cNvSpPr>
+          <p:nvPr>
+            <p:ph type="sldNum" sz="quarter" idx="12"/>
+          </p:nvPr>
+        </p:nvSpPr>
+        <p:spPr/>
+        <p:txBody>
+          <a:bodyPr/>
+          <a:lstStyle/>
+          <a:p>
+            <a:pPr>
+              <a:defRPr/>
+            </a:pPr>
+            <a:fld id="{B2451C39-31DD-6D4B-9BED-758CF6C1BA6A}" type="slidenum">
+              <a:rPr lang="en-CA" smtClean="0"/>
+              <a:pPr>
+                <a:defRPr/>
+              </a:pPr>
+              <a:t>42</a:t>
+            </a:fld>
+            <a:endParaRPr lang="en-CA"/>
+          </a:p>
+        </p:txBody>
+      </p:sp>
+      <p:sp>
+        <p:nvSpPr>
+          <p:cNvPr id="4" name="TextBox 3"/>
+          <p:cNvSpPr txBox="1"/>
+          <p:nvPr/>
+        </p:nvSpPr>
+        <p:spPr>
+          <a:xfrm>
+            <a:off x="1219201" y="2286000"/>
+            <a:ext cx="7086600" cy="1569660"/>
+          </a:xfrm>
+          <a:prstGeom prst="rect">
+            <a:avLst/>
+          </a:prstGeom>
+          <a:noFill/>
+        </p:spPr>
+        <p:txBody>
+          <a:bodyPr wrap="square" rtlCol="0">
+            <a:spAutoFit/>
+          </a:bodyPr>
+          <a:lstStyle/>
+          <a:p>
+            <a:r>
+              <a:rPr lang="en-US" dirty="0" smtClean="0"/>
+              <a:t>Lots of implementing classes of </a:t>
+            </a:r>
+            <a:r>
+              <a:rPr lang="en-US" dirty="0" err="1" smtClean="0"/>
+              <a:t>java.util.Collection</a:t>
+            </a:r>
+            <a:endParaRPr lang="en-US" dirty="0" smtClean="0"/>
+          </a:p>
+          <a:p>
+            <a:endParaRPr lang="en-US" dirty="0"/>
+          </a:p>
+          <a:p>
+            <a:r>
+              <a:rPr lang="en-US" dirty="0"/>
+              <a:t>http://docs.oracle.com/javase/7/docs/api/java/util/Collection.html</a:t>
+            </a:r>
+          </a:p>
+        </p:txBody>
+      </p:sp>
+    </p:spTree>
+    <p:extLst>
+      <p:ext uri="{BB962C8B-B14F-4D97-AF65-F5344CB8AC3E}">
+        <p14:creationId xmlns:p14="http://schemas.microsoft.com/office/powerpoint/2010/main" val="3405186156"/>
+      </p:ext>
+    </p:extLst>
+  </p:cSld>
+  <p:clrMapOvr>
+    <a:masterClrMapping/>
+  </p:clrMapOvr>
+</p:sld>
+</file>
+
+<file path=ppt/slides/slide43.xml><?xml version="1.0" encoding="utf-8"?>
+<p:sld xmlns:a="http://schemas.openxmlformats.org/drawingml/2006/main" xmlns:r="http://schemas.openxmlformats.org/officeDocument/2006/relationships" xmlns:p="http://schemas.openxmlformats.org/presentationml/2006/main">
+  <p:cSld>
+    <p:spTree>
+      <p:nvGrpSpPr>
+        <p:cNvPr id="1" name=""/>
+        <p:cNvGrpSpPr/>
+        <p:nvPr/>
+      </p:nvGrpSpPr>
+      <p:grpSpPr>
+        <a:xfrm>
+          <a:off x="0" y="0"/>
+          <a:ext cx="0" cy="0"/>
+          <a:chOff x="0" y="0"/>
+          <a:chExt cx="0" cy="0"/>
+        </a:xfrm>
+      </p:grpSpPr>
+      <p:sp>
+        <p:nvSpPr>
+          <p:cNvPr id="2" name="Title 1"/>
+          <p:cNvSpPr>
+            <a:spLocks noGrp="1"/>
+          </p:cNvSpPr>
+          <p:nvPr>
+            <p:ph type="title"/>
+          </p:nvPr>
+        </p:nvSpPr>
+        <p:spPr/>
+        <p:txBody>
+          <a:bodyPr/>
+          <a:lstStyle/>
+          <a:p>
+            <a:r>
+              <a:rPr lang="en-US" dirty="0" smtClean="0"/>
+              <a:t>Collections (</a:t>
+            </a:r>
+            <a:r>
+              <a:rPr lang="en-US" dirty="0" err="1" smtClean="0"/>
+              <a:t>cont</a:t>
+            </a:r>
+            <a:r>
+              <a:rPr lang="en-US" dirty="0" smtClean="0"/>
+              <a:t>)</a:t>
+            </a:r>
+            <a:endParaRPr lang="en-US" dirty="0"/>
+          </a:p>
+        </p:txBody>
+      </p:sp>
+      <p:sp>
+        <p:nvSpPr>
+          <p:cNvPr id="3" name="Slide Number Placeholder 2"/>
+          <p:cNvSpPr>
+            <a:spLocks noGrp="1"/>
+          </p:cNvSpPr>
+          <p:nvPr>
+            <p:ph type="sldNum" sz="quarter" idx="12"/>
+          </p:nvPr>
+        </p:nvSpPr>
+        <p:spPr/>
+        <p:txBody>
+          <a:bodyPr/>
+          <a:lstStyle/>
+          <a:p>
+            <a:pPr>
+              <a:defRPr/>
+            </a:pPr>
+            <a:fld id="{B2451C39-31DD-6D4B-9BED-758CF6C1BA6A}" type="slidenum">
+              <a:rPr lang="en-CA" smtClean="0"/>
+              <a:pPr>
+                <a:defRPr/>
+              </a:pPr>
+              <a:t>43</a:t>
+            </a:fld>
+            <a:endParaRPr lang="en-CA"/>
+          </a:p>
+        </p:txBody>
+      </p:sp>
+      <p:sp>
+        <p:nvSpPr>
+          <p:cNvPr id="4" name="TextBox 3"/>
+          <p:cNvSpPr txBox="1"/>
+          <p:nvPr/>
+        </p:nvSpPr>
+        <p:spPr>
+          <a:xfrm>
+            <a:off x="1143000" y="2133600"/>
+            <a:ext cx="3494867" cy="1938992"/>
+          </a:xfrm>
+          <a:prstGeom prst="rect">
+            <a:avLst/>
+          </a:prstGeom>
+          <a:noFill/>
+        </p:spPr>
+        <p:txBody>
+          <a:bodyPr wrap="none" rtlCol="0">
+            <a:spAutoFit/>
+          </a:bodyPr>
+          <a:lstStyle/>
+          <a:p>
+            <a:pPr marL="342900" indent="-342900">
+              <a:buFont typeface="Arial" panose="020B0604020202020204" pitchFamily="34" charset="0"/>
+              <a:buChar char="•"/>
+            </a:pPr>
+            <a:r>
+              <a:rPr lang="en-US" dirty="0" smtClean="0"/>
+              <a:t>List</a:t>
+            </a:r>
+          </a:p>
+          <a:p>
+            <a:pPr marL="342900" indent="-342900">
+              <a:buFont typeface="Arial" panose="020B0604020202020204" pitchFamily="34" charset="0"/>
+              <a:buChar char="•"/>
+            </a:pPr>
+            <a:r>
+              <a:rPr lang="en-US" dirty="0" smtClean="0"/>
+              <a:t>Set</a:t>
+            </a:r>
+          </a:p>
+          <a:p>
+            <a:pPr marL="342900" indent="-342900">
+              <a:buFont typeface="Arial" panose="020B0604020202020204" pitchFamily="34" charset="0"/>
+              <a:buChar char="•"/>
+            </a:pPr>
+            <a:r>
+              <a:rPr lang="en-US" dirty="0" smtClean="0"/>
+              <a:t>Map</a:t>
+            </a:r>
+          </a:p>
+          <a:p>
+            <a:pPr marL="342900" indent="-342900">
+              <a:buFont typeface="Arial" panose="020B0604020202020204" pitchFamily="34" charset="0"/>
+              <a:buChar char="•"/>
+            </a:pPr>
+            <a:endParaRPr lang="en-US" dirty="0"/>
+          </a:p>
+          <a:p>
+            <a:pPr marL="342900" indent="-342900">
+              <a:buFont typeface="Arial" panose="020B0604020202020204" pitchFamily="34" charset="0"/>
+              <a:buChar char="•"/>
+            </a:pPr>
+            <a:r>
+              <a:rPr lang="en-US" dirty="0" smtClean="0"/>
+              <a:t>See </a:t>
+            </a:r>
+            <a:r>
+              <a:rPr lang="en-US" dirty="0" err="1" smtClean="0"/>
+              <a:t>CollectionsDemo</a:t>
+            </a:r>
+            <a:endParaRPr lang="en-US" dirty="0"/>
+          </a:p>
+        </p:txBody>
+      </p:sp>
+    </p:spTree>
+    <p:extLst>
+      <p:ext uri="{BB962C8B-B14F-4D97-AF65-F5344CB8AC3E}">
+        <p14:creationId xmlns:p14="http://schemas.microsoft.com/office/powerpoint/2010/main" val="3718649572"/>
+      </p:ext>
+    </p:extLst>
+  </p:cSld>
+  <p:clrMapOvr>
+    <a:masterClrMapping/>
+  </p:clrMapOvr>
+</p:sld>
+</file>
+
+<file path=ppt/slides/slide44.xml><?xml version="1.0" encoding="utf-8"?>
+<p:sld xmlns:a="http://schemas.openxmlformats.org/drawingml/2006/main" xmlns:r="http://schemas.openxmlformats.org/officeDocument/2006/relationships" xmlns:p="http://schemas.openxmlformats.org/presentationml/2006/main">
+  <p:cSld>
+    <p:spTree>
+      <p:nvGrpSpPr>
+        <p:cNvPr id="1" name=""/>
+        <p:cNvGrpSpPr/>
+        <p:nvPr/>
+      </p:nvGrpSpPr>
+      <p:grpSpPr>
+        <a:xfrm>
+          <a:off x="0" y="0"/>
+          <a:ext cx="0" cy="0"/>
+          <a:chOff x="0" y="0"/>
+          <a:chExt cx="0" cy="0"/>
+        </a:xfrm>
+      </p:grpSpPr>
+      <p:sp>
+        <p:nvSpPr>
+          <p:cNvPr id="2" name="Title 1"/>
+          <p:cNvSpPr>
+            <a:spLocks noGrp="1"/>
+          </p:cNvSpPr>
+          <p:nvPr>
+            <p:ph type="title"/>
+          </p:nvPr>
+        </p:nvSpPr>
+        <p:spPr/>
+        <p:txBody>
+          <a:bodyPr/>
+          <a:lstStyle/>
+          <a:p>
+            <a:r>
+              <a:rPr lang="en-US" dirty="0"/>
+              <a:t>Collections (</a:t>
+            </a:r>
+            <a:r>
+              <a:rPr lang="en-US" dirty="0" err="1"/>
+              <a:t>cont</a:t>
+            </a:r>
+            <a:r>
+              <a:rPr lang="en-US" dirty="0"/>
+              <a:t>)</a:t>
+            </a:r>
+          </a:p>
+        </p:txBody>
+      </p:sp>
+      <p:sp>
+        <p:nvSpPr>
+          <p:cNvPr id="3" name="Slide Number Placeholder 2"/>
+          <p:cNvSpPr>
+            <a:spLocks noGrp="1"/>
+          </p:cNvSpPr>
+          <p:nvPr>
+            <p:ph type="sldNum" sz="quarter" idx="12"/>
+          </p:nvPr>
+        </p:nvSpPr>
+        <p:spPr/>
+        <p:txBody>
+          <a:bodyPr/>
+          <a:lstStyle/>
+          <a:p>
+            <a:pPr>
+              <a:defRPr/>
+            </a:pPr>
+            <a:fld id="{B2451C39-31DD-6D4B-9BED-758CF6C1BA6A}" type="slidenum">
+              <a:rPr lang="en-CA" smtClean="0"/>
+              <a:pPr>
+                <a:defRPr/>
+              </a:pPr>
+              <a:t>44</a:t>
+            </a:fld>
+            <a:endParaRPr lang="en-CA"/>
+          </a:p>
+        </p:txBody>
+      </p:sp>
+      <p:sp>
+        <p:nvSpPr>
+          <p:cNvPr id="4" name="TextBox 3"/>
+          <p:cNvSpPr txBox="1"/>
+          <p:nvPr/>
+        </p:nvSpPr>
+        <p:spPr>
+          <a:xfrm>
+            <a:off x="990601" y="2438400"/>
+            <a:ext cx="7848600" cy="1600200"/>
+          </a:xfrm>
+          <a:prstGeom prst="rect">
+            <a:avLst/>
+          </a:prstGeom>
+          <a:noFill/>
+        </p:spPr>
+        <p:txBody>
+          <a:bodyPr wrap="square" rtlCol="0">
+            <a:spAutoFit/>
+          </a:bodyPr>
+          <a:lstStyle/>
+          <a:p>
+            <a:r>
+              <a:rPr lang="en-US" dirty="0" err="1"/>
+              <a:t>j</a:t>
+            </a:r>
+            <a:r>
+              <a:rPr lang="en-US" dirty="0" err="1" smtClean="0"/>
+              <a:t>ava.util.Vector</a:t>
+            </a:r>
+            <a:r>
+              <a:rPr lang="en-US" dirty="0" smtClean="0"/>
+              <a:t>, </a:t>
+            </a:r>
+            <a:r>
+              <a:rPr lang="en-US" dirty="0" err="1" smtClean="0"/>
+              <a:t>java.util.Hashtable</a:t>
+            </a:r>
+            <a:r>
+              <a:rPr lang="en-US" dirty="0" smtClean="0"/>
+              <a:t> – avoid if possible</a:t>
+            </a:r>
+          </a:p>
+          <a:p>
+            <a:r>
+              <a:rPr lang="en-US" dirty="0" smtClean="0"/>
+              <a:t>Because it is synchronized (meaning </a:t>
+            </a:r>
+            <a:r>
+              <a:rPr lang="en-US" dirty="0" err="1" smtClean="0"/>
+              <a:t>threadsafe</a:t>
+            </a:r>
+            <a:r>
+              <a:rPr lang="en-US" dirty="0" smtClean="0"/>
+              <a:t> but slower)</a:t>
+            </a:r>
+          </a:p>
+          <a:p>
+            <a:endParaRPr lang="en-US" dirty="0"/>
+          </a:p>
+        </p:txBody>
+      </p:sp>
+    </p:spTree>
+    <p:extLst>
+      <p:ext uri="{BB962C8B-B14F-4D97-AF65-F5344CB8AC3E}">
+        <p14:creationId xmlns:p14="http://schemas.microsoft.com/office/powerpoint/2010/main" val="755165747"/>
+      </p:ext>
+    </p:extLst>
+  </p:cSld>
+  <p:clrMapOvr>
+    <a:masterClrMapping/>
+  </p:clrMapOvr>
+</p:sld>
+</file>
+
+<file path=ppt/slides/slide45.xml><?xml version="1.0" encoding="utf-8"?>
+<p:sld xmlns:a="http://schemas.openxmlformats.org/drawingml/2006/main" xmlns:r="http://schemas.openxmlformats.org/officeDocument/2006/relationships" xmlns:p="http://schemas.openxmlformats.org/presentationml/2006/main">
+  <p:cSld>
+    <p:spTree>
+      <p:nvGrpSpPr>
+        <p:cNvPr id="1" name=""/>
+        <p:cNvGrpSpPr/>
+        <p:nvPr/>
+      </p:nvGrpSpPr>
+      <p:grpSpPr>
+        <a:xfrm>
+          <a:off x="0" y="0"/>
+          <a:ext cx="0" cy="0"/>
+          <a:chOff x="0" y="0"/>
+          <a:chExt cx="0" cy="0"/>
+        </a:xfrm>
+      </p:grpSpPr>
+      <p:sp>
+        <p:nvSpPr>
+          <p:cNvPr id="2" name="Title 1"/>
+          <p:cNvSpPr>
+            <a:spLocks noGrp="1"/>
+          </p:cNvSpPr>
+          <p:nvPr>
+            <p:ph type="title"/>
+          </p:nvPr>
+        </p:nvSpPr>
+        <p:spPr/>
+        <p:txBody>
+          <a:bodyPr/>
+          <a:lstStyle/>
+          <a:p>
+            <a:r>
+              <a:rPr lang="en-US" dirty="0" smtClean="0"/>
+              <a:t>Collections (</a:t>
+            </a:r>
+            <a:r>
+              <a:rPr lang="en-US" dirty="0" err="1" smtClean="0"/>
+              <a:t>cont</a:t>
+            </a:r>
+            <a:r>
+              <a:rPr lang="en-US" dirty="0" smtClean="0"/>
+              <a:t>)</a:t>
+            </a:r>
+            <a:endParaRPr lang="en-US" dirty="0"/>
+          </a:p>
+        </p:txBody>
+      </p:sp>
+      <p:sp>
+        <p:nvSpPr>
+          <p:cNvPr id="3" name="Slide Number Placeholder 2"/>
+          <p:cNvSpPr>
+            <a:spLocks noGrp="1"/>
+          </p:cNvSpPr>
+          <p:nvPr>
+            <p:ph type="sldNum" sz="quarter" idx="12"/>
+          </p:nvPr>
+        </p:nvSpPr>
+        <p:spPr/>
+        <p:txBody>
+          <a:bodyPr/>
+          <a:lstStyle/>
+          <a:p>
+            <a:pPr>
+              <a:defRPr/>
+            </a:pPr>
+            <a:fld id="{B2451C39-31DD-6D4B-9BED-758CF6C1BA6A}" type="slidenum">
+              <a:rPr lang="en-CA" smtClean="0"/>
+              <a:pPr>
+                <a:defRPr/>
+              </a:pPr>
+              <a:t>45</a:t>
+            </a:fld>
+            <a:endParaRPr lang="en-CA"/>
+          </a:p>
+        </p:txBody>
+      </p:sp>
+      <p:sp>
+        <p:nvSpPr>
+          <p:cNvPr id="4" name="TextBox 3"/>
+          <p:cNvSpPr txBox="1"/>
+          <p:nvPr/>
+        </p:nvSpPr>
+        <p:spPr>
+          <a:xfrm>
+            <a:off x="990601" y="2286000"/>
+            <a:ext cx="6857999" cy="2677656"/>
+          </a:xfrm>
+          <a:prstGeom prst="rect">
+            <a:avLst/>
+          </a:prstGeom>
+          <a:noFill/>
+        </p:spPr>
+        <p:txBody>
+          <a:bodyPr wrap="square" rtlCol="0">
+            <a:spAutoFit/>
+          </a:bodyPr>
+          <a:lstStyle/>
+          <a:p>
+            <a:r>
+              <a:rPr lang="en-US" dirty="0" smtClean="0"/>
+              <a:t>Comparable and Comparator</a:t>
+            </a:r>
+          </a:p>
+          <a:p>
+            <a:pPr lvl="1"/>
+            <a:r>
+              <a:rPr lang="en-US" dirty="0" smtClean="0"/>
+              <a:t>Comparable </a:t>
+            </a:r>
+            <a:r>
+              <a:rPr lang="en-US" dirty="0"/>
+              <a:t>is implemented by a class in order to be able to comparing object of itself with some other objects. The class itself must implement the interface in order to be able to compare its instance(s). The method required for implementation is </a:t>
+            </a:r>
+            <a:r>
+              <a:rPr lang="en-US" i="1" dirty="0" err="1"/>
+              <a:t>compareTo</a:t>
+            </a:r>
+            <a:r>
+              <a:rPr lang="en-US" i="1" dirty="0"/>
+              <a:t>()</a:t>
+            </a:r>
+            <a:r>
+              <a:rPr lang="en-US" dirty="0"/>
+              <a:t>. </a:t>
+            </a:r>
+          </a:p>
+        </p:txBody>
+      </p:sp>
+    </p:spTree>
+    <p:extLst>
+      <p:ext uri="{BB962C8B-B14F-4D97-AF65-F5344CB8AC3E}">
+        <p14:creationId xmlns:p14="http://schemas.microsoft.com/office/powerpoint/2010/main" val="3911673136"/>
+      </p:ext>
+    </p:extLst>
+  </p:cSld>
+  <p:clrMapOvr>
+    <a:masterClrMapping/>
+  </p:clrMapOvr>
+</p:sld>
+</file>
+
+<file path=ppt/slides/slide46.xml><?xml version="1.0" encoding="utf-8"?>
+<p:sld xmlns:a="http://schemas.openxmlformats.org/drawingml/2006/main" xmlns:r="http://schemas.openxmlformats.org/officeDocument/2006/relationships" xmlns:p="http://schemas.openxmlformats.org/presentationml/2006/main">
+  <p:cSld>
+    <p:spTree>
+      <p:nvGrpSpPr>
+        <p:cNvPr id="1" name=""/>
+        <p:cNvGrpSpPr/>
+        <p:nvPr/>
+      </p:nvGrpSpPr>
+      <p:grpSpPr>
+        <a:xfrm>
+          <a:off x="0" y="0"/>
+          <a:ext cx="0" cy="0"/>
+          <a:chOff x="0" y="0"/>
+          <a:chExt cx="0" cy="0"/>
+        </a:xfrm>
+      </p:grpSpPr>
+      <p:sp>
+        <p:nvSpPr>
+          <p:cNvPr id="2" name="Title 1"/>
+          <p:cNvSpPr>
+            <a:spLocks noGrp="1"/>
+          </p:cNvSpPr>
+          <p:nvPr>
+            <p:ph type="title"/>
+          </p:nvPr>
+        </p:nvSpPr>
+        <p:spPr/>
+        <p:txBody>
+          <a:bodyPr/>
+          <a:lstStyle/>
+          <a:p>
+            <a:r>
+              <a:rPr lang="en-US" dirty="0" smtClean="0"/>
+              <a:t>Collections (</a:t>
+            </a:r>
+            <a:r>
+              <a:rPr lang="en-US" dirty="0" err="1" smtClean="0"/>
+              <a:t>cont</a:t>
+            </a:r>
+            <a:r>
+              <a:rPr lang="en-US" dirty="0" smtClean="0"/>
+              <a:t>)</a:t>
+            </a:r>
+            <a:endParaRPr lang="en-US" dirty="0"/>
+          </a:p>
+        </p:txBody>
+      </p:sp>
+      <p:sp>
+        <p:nvSpPr>
+          <p:cNvPr id="3" name="Slide Number Placeholder 2"/>
+          <p:cNvSpPr>
+            <a:spLocks noGrp="1"/>
+          </p:cNvSpPr>
+          <p:nvPr>
+            <p:ph type="sldNum" sz="quarter" idx="12"/>
+          </p:nvPr>
+        </p:nvSpPr>
+        <p:spPr/>
+        <p:txBody>
+          <a:bodyPr/>
+          <a:lstStyle/>
+          <a:p>
+            <a:pPr>
+              <a:defRPr/>
+            </a:pPr>
+            <a:fld id="{B2451C39-31DD-6D4B-9BED-758CF6C1BA6A}" type="slidenum">
+              <a:rPr lang="en-CA" smtClean="0"/>
+              <a:pPr>
+                <a:defRPr/>
+              </a:pPr>
+              <a:t>46</a:t>
+            </a:fld>
+            <a:endParaRPr lang="en-CA"/>
+          </a:p>
+        </p:txBody>
+      </p:sp>
+      <p:sp>
+        <p:nvSpPr>
+          <p:cNvPr id="5" name="TextBox 4"/>
+          <p:cNvSpPr txBox="1"/>
+          <p:nvPr/>
+        </p:nvSpPr>
+        <p:spPr>
+          <a:xfrm>
+            <a:off x="1075510" y="1696881"/>
+            <a:ext cx="7772399" cy="4893647"/>
+          </a:xfrm>
+          <a:prstGeom prst="rect">
+            <a:avLst/>
+          </a:prstGeom>
+          <a:noFill/>
+        </p:spPr>
+        <p:txBody>
+          <a:bodyPr wrap="square" rtlCol="0">
+            <a:spAutoFit/>
+          </a:bodyPr>
+          <a:lstStyle/>
+          <a:p>
+            <a:r>
+              <a:rPr lang="en-US" dirty="0"/>
+              <a:t>Comparator is capable if comparing objects based on different attributes. e.g. 2 men can be compared based on `name` or `age` etc. (this can not be done using comparable. )</a:t>
+            </a:r>
+          </a:p>
+          <a:p>
+            <a:r>
+              <a:rPr lang="en-US" dirty="0"/>
+              <a:t>The method required to implement is </a:t>
+            </a:r>
+            <a:r>
+              <a:rPr lang="en-US" i="1" dirty="0"/>
+              <a:t>compare()</a:t>
+            </a:r>
+            <a:r>
+              <a:rPr lang="en-US" dirty="0"/>
+              <a:t>. Now let's use another way to compare those TV by size. The common use of Comparator is sorting. Both Collections and Arrays classes provide a sort method which use a Comparator</a:t>
+            </a:r>
+            <a:r>
+              <a:rPr lang="en-US" dirty="0" smtClean="0"/>
+              <a:t>.</a:t>
+            </a:r>
+          </a:p>
+          <a:p>
+            <a:pPr lvl="1"/>
+            <a:endParaRPr lang="en-US" dirty="0"/>
+          </a:p>
+          <a:p>
+            <a:r>
+              <a:rPr lang="en-US" dirty="0"/>
+              <a:t>See: </a:t>
+            </a:r>
+            <a:r>
+              <a:rPr lang="en-US" u="sng" dirty="0" err="1"/>
+              <a:t>ComparatorAndComparableDemo</a:t>
+            </a:r>
+            <a:endParaRPr lang="en-US" dirty="0"/>
+          </a:p>
+          <a:p>
+            <a:endParaRPr lang="en-US" dirty="0"/>
+          </a:p>
+          <a:p>
+            <a:endParaRPr lang="en-US" dirty="0"/>
+          </a:p>
+        </p:txBody>
+      </p:sp>
+    </p:spTree>
+    <p:extLst>
+      <p:ext uri="{BB962C8B-B14F-4D97-AF65-F5344CB8AC3E}">
+        <p14:creationId xmlns:p14="http://schemas.microsoft.com/office/powerpoint/2010/main" val="3854839947"/>
+      </p:ext>
+    </p:extLst>
+  </p:cSld>
+  <p:clrMapOvr>
+    <a:masterClrMapping/>
+  </p:clrMapOvr>
 </p:sld>
 </file>
 

--- a/coursePresentation.pptx
+++ b/coursePresentation.pptx
@@ -5,10 +5,10 @@
     <p:sldMasterId id="2147484906" r:id="rId1"/>
   </p:sldMasterIdLst>
   <p:notesMasterIdLst>
-    <p:notesMasterId r:id="rId48"/>
+    <p:notesMasterId r:id="rId49"/>
   </p:notesMasterIdLst>
   <p:handoutMasterIdLst>
-    <p:handoutMasterId r:id="rId49"/>
+    <p:handoutMasterId r:id="rId50"/>
   </p:handoutMasterIdLst>
   <p:sldIdLst>
     <p:sldId id="257" r:id="rId2"/>
@@ -57,6 +57,7 @@
     <p:sldId id="362" r:id="rId45"/>
     <p:sldId id="363" r:id="rId46"/>
     <p:sldId id="364" r:id="rId47"/>
+    <p:sldId id="365" r:id="rId48"/>
   </p:sldIdLst>
   <p:sldSz cx="9144000" cy="6858000" type="screen4x3"/>
   <p:notesSz cx="6858000" cy="9144000"/>
@@ -13584,6 +13585,130 @@
     <p:extLst>
       <p:ext uri="{BB962C8B-B14F-4D97-AF65-F5344CB8AC3E}">
         <p14:creationId xmlns:p14="http://schemas.microsoft.com/office/powerpoint/2010/main" val="3854839947"/>
+      </p:ext>
+    </p:extLst>
+  </p:cSld>
+  <p:clrMapOvr>
+    <a:masterClrMapping/>
+  </p:clrMapOvr>
+</p:sld>
+</file>
+
+<file path=ppt/slides/slide47.xml><?xml version="1.0" encoding="utf-8"?>
+<p:sld xmlns:a="http://schemas.openxmlformats.org/drawingml/2006/main" xmlns:r="http://schemas.openxmlformats.org/officeDocument/2006/relationships" xmlns:p="http://schemas.openxmlformats.org/presentationml/2006/main">
+  <p:cSld>
+    <p:spTree>
+      <p:nvGrpSpPr>
+        <p:cNvPr id="1" name=""/>
+        <p:cNvGrpSpPr/>
+        <p:nvPr/>
+      </p:nvGrpSpPr>
+      <p:grpSpPr>
+        <a:xfrm>
+          <a:off x="0" y="0"/>
+          <a:ext cx="0" cy="0"/>
+          <a:chOff x="0" y="0"/>
+          <a:chExt cx="0" cy="0"/>
+        </a:xfrm>
+      </p:grpSpPr>
+      <p:sp>
+        <p:nvSpPr>
+          <p:cNvPr id="2" name="Title 1"/>
+          <p:cNvSpPr>
+            <a:spLocks noGrp="1"/>
+          </p:cNvSpPr>
+          <p:nvPr>
+            <p:ph type="title"/>
+          </p:nvPr>
+        </p:nvSpPr>
+        <p:spPr/>
+        <p:txBody>
+          <a:bodyPr/>
+          <a:lstStyle/>
+          <a:p>
+            <a:r>
+              <a:rPr lang="en-US" dirty="0" smtClean="0"/>
+              <a:t>Homework</a:t>
+            </a:r>
+            <a:endParaRPr lang="en-US" dirty="0"/>
+          </a:p>
+        </p:txBody>
+      </p:sp>
+      <p:sp>
+        <p:nvSpPr>
+          <p:cNvPr id="3" name="Slide Number Placeholder 2"/>
+          <p:cNvSpPr>
+            <a:spLocks noGrp="1"/>
+          </p:cNvSpPr>
+          <p:nvPr>
+            <p:ph type="sldNum" sz="quarter" idx="12"/>
+          </p:nvPr>
+        </p:nvSpPr>
+        <p:spPr/>
+        <p:txBody>
+          <a:bodyPr/>
+          <a:lstStyle/>
+          <a:p>
+            <a:pPr>
+              <a:defRPr/>
+            </a:pPr>
+            <a:fld id="{B2451C39-31DD-6D4B-9BED-758CF6C1BA6A}" type="slidenum">
+              <a:rPr lang="en-CA" smtClean="0"/>
+              <a:pPr>
+                <a:defRPr/>
+              </a:pPr>
+              <a:t>47</a:t>
+            </a:fld>
+            <a:endParaRPr lang="en-CA"/>
+          </a:p>
+        </p:txBody>
+      </p:sp>
+      <p:sp>
+        <p:nvSpPr>
+          <p:cNvPr id="5" name="TextBox 4"/>
+          <p:cNvSpPr txBox="1"/>
+          <p:nvPr/>
+        </p:nvSpPr>
+        <p:spPr>
+          <a:xfrm>
+            <a:off x="990601" y="1828800"/>
+            <a:ext cx="7620000" cy="1569660"/>
+          </a:xfrm>
+          <a:prstGeom prst="rect">
+            <a:avLst/>
+          </a:prstGeom>
+          <a:noFill/>
+        </p:spPr>
+        <p:txBody>
+          <a:bodyPr wrap="square" rtlCol="0">
+            <a:spAutoFit/>
+          </a:bodyPr>
+          <a:lstStyle/>
+          <a:p>
+            <a:r>
+              <a:rPr lang="en-US" dirty="0" smtClean="0"/>
+              <a:t>Read:</a:t>
+            </a:r>
+          </a:p>
+          <a:p>
+            <a:r>
+              <a:rPr lang="en-US"/>
+              <a:t>http://docs.oracle.com/javase/tutorial/java/generics/</a:t>
+            </a:r>
+            <a:endParaRPr lang="en-US" dirty="0" smtClean="0"/>
+          </a:p>
+          <a:p>
+            <a:r>
+              <a:rPr lang="en-US" dirty="0"/>
+              <a:t>http://docs.oracle.com/javase/tutorial/collections/interfaces/index.html</a:t>
+            </a:r>
+          </a:p>
+        </p:txBody>
+      </p:sp>
+    </p:spTree>
+    <p:extLst>
+      <p:ext uri="{BB962C8B-B14F-4D97-AF65-F5344CB8AC3E}">
+        <p14:creationId xmlns:p14="http://schemas.microsoft.com/office/powerpoint/2010/main" val="154125699"/>
       </p:ext>
     </p:extLst>
   </p:cSld>

--- a/coursePresentation.pptx
+++ b/coursePresentation.pptx
@@ -188,7 +188,7 @@
   </p:defaultTextStyle>
   <p:extLst>
     <p:ext uri="{EFAFB233-063F-42B5-8137-9DF3F51BA10A}">
-      <p15:sldGuideLst xmlns:p15="http://schemas.microsoft.com/office/powerpoint/2012/main">
+      <p15:sldGuideLst xmlns:p15="http://schemas.microsoft.com/office/powerpoint/2012/main" xmlns="">
         <p15:guide id="1" orient="horz" pos="4029">
           <p15:clr>
             <a:srgbClr val="A4A3A4"/>
@@ -12312,8 +12312,16 @@
               </a:tabLst>
             </a:pPr>
             <a:r>
-              <a:rPr lang="en-US" sz="2000" dirty="0" smtClean="0"/>
-              <a:t>Labs</a:t>
+              <a:rPr lang="en-US" sz="2000" smtClean="0"/>
+              <a:t>Assignments</a:t>
+            </a:r>
+            <a:r>
+              <a:rPr lang="en-US" sz="2000" smtClean="0">
+                <a:solidFill>
+                  <a:schemeClr val="accent3"/>
+                </a:solidFill>
+              </a:rPr>
+              <a:t> </a:t>
             </a:r>
             <a:r>
               <a:rPr lang="en-US" sz="2000" dirty="0" smtClean="0">
@@ -12321,11 +12329,19 @@
                   <a:schemeClr val="accent3"/>
                 </a:solidFill>
               </a:rPr>
-              <a:t> x 9</a:t>
+              <a:t>x 2</a:t>
             </a:r>
             <a:r>
               <a:rPr lang="en-US" sz="2000" dirty="0" smtClean="0"/>
-              <a:t>	30%</a:t>
+              <a:t>	</a:t>
+            </a:r>
+            <a:r>
+              <a:rPr lang="en-US" sz="2000" dirty="0" smtClean="0"/>
+              <a:t>30</a:t>
+            </a:r>
+            <a:r>
+              <a:rPr lang="en-US" sz="2000" dirty="0" smtClean="0"/>
+              <a:t>%</a:t>
             </a:r>
           </a:p>
           <a:p>
@@ -12339,7 +12355,7 @@
             </a:pPr>
             <a:r>
               <a:rPr lang="en-US" sz="2000" dirty="0" smtClean="0"/>
-              <a:t>Assignments</a:t>
+              <a:t>Quizzes</a:t>
             </a:r>
             <a:r>
               <a:rPr lang="en-US" sz="2000" dirty="0" smtClean="0">
@@ -12347,11 +12363,19 @@
                   <a:schemeClr val="accent3"/>
                 </a:solidFill>
               </a:rPr>
-              <a:t> x 2</a:t>
+              <a:t> x </a:t>
+            </a:r>
+            <a:r>
+              <a:rPr lang="en-US" sz="2000" dirty="0" smtClean="0">
+                <a:solidFill>
+                  <a:schemeClr val="accent3"/>
+                </a:solidFill>
+              </a:rPr>
+              <a:t>2</a:t>
             </a:r>
             <a:r>
               <a:rPr lang="en-US" sz="2000" dirty="0" smtClean="0"/>
-              <a:t>	20%</a:t>
+              <a:t>	10%</a:t>
             </a:r>
           </a:p>
           <a:p>
@@ -12365,19 +12389,15 @@
             </a:pPr>
             <a:r>
               <a:rPr lang="en-US" sz="2000" dirty="0" smtClean="0"/>
-              <a:t>Quizzes</a:t>
-            </a:r>
-            <a:r>
-              <a:rPr lang="en-US" sz="2000" dirty="0" smtClean="0">
-                <a:solidFill>
-                  <a:schemeClr val="accent3"/>
-                </a:solidFill>
-              </a:rPr>
-              <a:t> x 4</a:t>
+              <a:t>Mid term exam	</a:t>
             </a:r>
             <a:r>
               <a:rPr lang="en-US" sz="2000" dirty="0" smtClean="0"/>
-              <a:t>	10%</a:t>
+              <a:t>20</a:t>
+            </a:r>
+            <a:r>
+              <a:rPr lang="en-US" sz="2000" dirty="0" smtClean="0"/>
+              <a:t>%</a:t>
             </a:r>
           </a:p>
           <a:p>
@@ -12391,21 +12411,15 @@
             </a:pPr>
             <a:r>
               <a:rPr lang="en-US" sz="2000" dirty="0" smtClean="0"/>
-              <a:t>Mid term exam	10%</a:t>
-            </a:r>
-          </a:p>
-          <a:p>
-            <a:pPr>
-              <a:lnSpc>
-                <a:spcPct val="90000"/>
-              </a:lnSpc>
-              <a:tabLst>
-                <a:tab pos="2874963" algn="l"/>
-              </a:tabLst>
-            </a:pPr>
+              <a:t>Final exam	</a:t>
+            </a:r>
             <a:r>
               <a:rPr lang="en-US" sz="2000" dirty="0" smtClean="0"/>
-              <a:t>Final exam	30%</a:t>
+              <a:t>40</a:t>
+            </a:r>
+            <a:r>
+              <a:rPr lang="en-US" sz="2000" dirty="0" smtClean="0"/>
+              <a:t>%</a:t>
             </a:r>
           </a:p>
           <a:p>

--- a/coursePresentation.pptx
+++ b/coursePresentation.pptx
@@ -12312,8 +12312,16 @@
               </a:tabLst>
             </a:pPr>
             <a:r>
-              <a:rPr lang="en-US" sz="2000" smtClean="0"/>
+              <a:rPr lang="en-US" sz="2000" dirty="0" smtClean="0"/>
               <a:t>Assignments</a:t>
+            </a:r>
+            <a:r>
+              <a:rPr lang="en-US" sz="2000" dirty="0" smtClean="0">
+                <a:solidFill>
+                  <a:schemeClr val="accent3"/>
+                </a:solidFill>
+              </a:rPr>
+              <a:t> </a:t>
             </a:r>
             <a:r>
               <a:rPr lang="en-US" sz="2000" smtClean="0">
@@ -12321,15 +12329,15 @@
                   <a:schemeClr val="accent3"/>
                 </a:solidFill>
               </a:rPr>
-              <a:t> </a:t>
-            </a:r>
-            <a:r>
-              <a:rPr lang="en-US" sz="2000" dirty="0" smtClean="0">
+              <a:t>x </a:t>
+            </a:r>
+            <a:r>
+              <a:rPr lang="en-US" sz="2000" smtClean="0">
                 <a:solidFill>
                   <a:schemeClr val="accent3"/>
                 </a:solidFill>
               </a:rPr>
-              <a:t>x 2</a:t>
+              <a:t>12</a:t>
             </a:r>
             <a:r>
               <a:rPr lang="en-US" sz="2000" dirty="0" smtClean="0"/>

--- a/coursePresentation.pptx
+++ b/coursePresentation.pptx
@@ -5,10 +5,10 @@
     <p:sldMasterId id="2147484906" r:id="rId1"/>
   </p:sldMasterIdLst>
   <p:notesMasterIdLst>
-    <p:notesMasterId r:id="rId49"/>
+    <p:notesMasterId r:id="rId57"/>
   </p:notesMasterIdLst>
   <p:handoutMasterIdLst>
-    <p:handoutMasterId r:id="rId50"/>
+    <p:handoutMasterId r:id="rId58"/>
   </p:handoutMasterIdLst>
   <p:sldIdLst>
     <p:sldId id="257" r:id="rId2"/>
@@ -58,6 +58,14 @@
     <p:sldId id="363" r:id="rId46"/>
     <p:sldId id="364" r:id="rId47"/>
     <p:sldId id="365" r:id="rId48"/>
+    <p:sldId id="366" r:id="rId49"/>
+    <p:sldId id="367" r:id="rId50"/>
+    <p:sldId id="368" r:id="rId51"/>
+    <p:sldId id="369" r:id="rId52"/>
+    <p:sldId id="370" r:id="rId53"/>
+    <p:sldId id="371" r:id="rId54"/>
+    <p:sldId id="372" r:id="rId55"/>
+    <p:sldId id="373" r:id="rId56"/>
   </p:sldIdLst>
   <p:sldSz cx="9144000" cy="6858000" type="screen4x3"/>
   <p:notesSz cx="6858000" cy="9144000"/>
@@ -12324,7 +12332,7 @@
               <a:t> </a:t>
             </a:r>
             <a:r>
-              <a:rPr lang="en-US" sz="2000" smtClean="0">
+              <a:rPr lang="en-US" sz="2000" dirty="0" smtClean="0">
                 <a:solidFill>
                   <a:schemeClr val="accent3"/>
                 </a:solidFill>
@@ -12332,7 +12340,7 @@
               <a:t>x </a:t>
             </a:r>
             <a:r>
-              <a:rPr lang="en-US" sz="2000" smtClean="0">
+              <a:rPr lang="en-US" sz="2000" dirty="0" smtClean="0">
                 <a:solidFill>
                   <a:schemeClr val="accent3"/>
                 </a:solidFill>
@@ -13740,6 +13748,458 @@
 </p:sld>
 </file>
 
+<file path=ppt/slides/slide48.xml><?xml version="1.0" encoding="utf-8"?>
+<p:sld xmlns:a="http://schemas.openxmlformats.org/drawingml/2006/main" xmlns:r="http://schemas.openxmlformats.org/officeDocument/2006/relationships" xmlns:p="http://schemas.openxmlformats.org/presentationml/2006/main">
+  <p:cSld>
+    <p:spTree>
+      <p:nvGrpSpPr>
+        <p:cNvPr id="1" name=""/>
+        <p:cNvGrpSpPr/>
+        <p:nvPr/>
+      </p:nvGrpSpPr>
+      <p:grpSpPr>
+        <a:xfrm>
+          <a:off x="0" y="0"/>
+          <a:ext cx="0" cy="0"/>
+          <a:chOff x="0" y="0"/>
+          <a:chExt cx="0" cy="0"/>
+        </a:xfrm>
+      </p:grpSpPr>
+      <p:sp>
+        <p:nvSpPr>
+          <p:cNvPr id="2" name="Title 1"/>
+          <p:cNvSpPr>
+            <a:spLocks noGrp="1"/>
+          </p:cNvSpPr>
+          <p:nvPr>
+            <p:ph type="title"/>
+          </p:nvPr>
+        </p:nvSpPr>
+        <p:spPr/>
+        <p:txBody>
+          <a:bodyPr/>
+          <a:lstStyle/>
+          <a:p>
+            <a:r>
+              <a:rPr lang="en-US" dirty="0" smtClean="0"/>
+              <a:t>Java File IO and libraries</a:t>
+            </a:r>
+            <a:endParaRPr lang="en-US" dirty="0"/>
+          </a:p>
+        </p:txBody>
+      </p:sp>
+      <p:sp>
+        <p:nvSpPr>
+          <p:cNvPr id="3" name="Slide Number Placeholder 2"/>
+          <p:cNvSpPr>
+            <a:spLocks noGrp="1"/>
+          </p:cNvSpPr>
+          <p:nvPr>
+            <p:ph type="sldNum" sz="quarter" idx="12"/>
+          </p:nvPr>
+        </p:nvSpPr>
+        <p:spPr/>
+        <p:txBody>
+          <a:bodyPr/>
+          <a:lstStyle/>
+          <a:p>
+            <a:pPr>
+              <a:defRPr/>
+            </a:pPr>
+            <a:fld id="{B2451C39-31DD-6D4B-9BED-758CF6C1BA6A}" type="slidenum">
+              <a:rPr lang="en-CA" smtClean="0"/>
+              <a:pPr>
+                <a:defRPr/>
+              </a:pPr>
+              <a:t>48</a:t>
+            </a:fld>
+            <a:endParaRPr lang="en-CA"/>
+          </a:p>
+        </p:txBody>
+      </p:sp>
+      <p:sp>
+        <p:nvSpPr>
+          <p:cNvPr id="4" name="TextBox 3"/>
+          <p:cNvSpPr txBox="1"/>
+          <p:nvPr/>
+        </p:nvSpPr>
+        <p:spPr>
+          <a:xfrm>
+            <a:off x="914400" y="2209800"/>
+            <a:ext cx="7701147" cy="3785652"/>
+          </a:xfrm>
+          <a:prstGeom prst="rect">
+            <a:avLst/>
+          </a:prstGeom>
+          <a:noFill/>
+        </p:spPr>
+        <p:txBody>
+          <a:bodyPr wrap="none" rtlCol="0">
+            <a:spAutoFit/>
+          </a:bodyPr>
+          <a:lstStyle/>
+          <a:p>
+            <a:pPr marL="342900" indent="-342900">
+              <a:buFont typeface="Arial" pitchFamily="34" charset="0"/>
+              <a:buChar char="•"/>
+            </a:pPr>
+            <a:r>
+              <a:rPr lang="en-US" dirty="0" smtClean="0"/>
+              <a:t>Bit of recap from last week</a:t>
+            </a:r>
+          </a:p>
+          <a:p>
+            <a:pPr marL="342900" indent="-342900">
+              <a:buFont typeface="Arial" pitchFamily="34" charset="0"/>
+              <a:buChar char="•"/>
+            </a:pPr>
+            <a:r>
+              <a:rPr lang="en-US" dirty="0" smtClean="0"/>
+              <a:t>Java collections (pretty useful and powerful)</a:t>
+            </a:r>
+          </a:p>
+          <a:p>
+            <a:pPr marL="342900" indent="-342900">
+              <a:buFont typeface="Arial" pitchFamily="34" charset="0"/>
+              <a:buChar char="•"/>
+            </a:pPr>
+            <a:r>
+              <a:rPr lang="en-US" dirty="0" smtClean="0"/>
+              <a:t>The </a:t>
+            </a:r>
+            <a:r>
+              <a:rPr lang="en-US" dirty="0" err="1" smtClean="0"/>
+              <a:t>java.util</a:t>
+            </a:r>
+            <a:r>
+              <a:rPr lang="en-US" dirty="0" smtClean="0"/>
+              <a:t> package comes with the JRE (rt.jar)</a:t>
+            </a:r>
+          </a:p>
+          <a:p>
+            <a:pPr marL="342900" indent="-342900">
+              <a:buFont typeface="Arial" pitchFamily="34" charset="0"/>
+              <a:buChar char="•"/>
+            </a:pPr>
+            <a:r>
+              <a:rPr lang="en-US" dirty="0" smtClean="0"/>
+              <a:t>There is a package for Java IO</a:t>
+            </a:r>
+          </a:p>
+          <a:p>
+            <a:pPr marL="342900" indent="-342900">
+              <a:buFont typeface="Arial" pitchFamily="34" charset="0"/>
+              <a:buChar char="•"/>
+            </a:pPr>
+            <a:r>
+              <a:rPr lang="en-US" dirty="0" smtClean="0"/>
+              <a:t>java.io</a:t>
+            </a:r>
+          </a:p>
+          <a:p>
+            <a:pPr marL="342900" indent="-342900">
+              <a:buFont typeface="Arial" pitchFamily="34" charset="0"/>
+              <a:buChar char="•"/>
+            </a:pPr>
+            <a:r>
+              <a:rPr lang="en-US" dirty="0" smtClean="0"/>
+              <a:t>I *could* talk about certain classes in java.io</a:t>
+            </a:r>
+          </a:p>
+          <a:p>
+            <a:pPr marL="342900" indent="-342900">
+              <a:buFont typeface="Arial" pitchFamily="34" charset="0"/>
+              <a:buChar char="•"/>
+            </a:pPr>
+            <a:r>
+              <a:rPr lang="en-US" dirty="0" smtClean="0"/>
+              <a:t>Examples </a:t>
+            </a:r>
+            <a:r>
+              <a:rPr lang="en-US" dirty="0" err="1" smtClean="0"/>
+              <a:t>java.io.File</a:t>
+            </a:r>
+            <a:r>
+              <a:rPr lang="en-US" dirty="0" smtClean="0"/>
+              <a:t>, </a:t>
+            </a:r>
+            <a:r>
+              <a:rPr lang="en-US" dirty="0" err="1" smtClean="0"/>
+              <a:t>java.io.FileInputStream</a:t>
+            </a:r>
+            <a:r>
+              <a:rPr lang="en-US" dirty="0" smtClean="0"/>
+              <a:t>, </a:t>
+            </a:r>
+          </a:p>
+          <a:p>
+            <a:pPr marL="342900" indent="-342900">
+              <a:buFont typeface="Arial" pitchFamily="34" charset="0"/>
+              <a:buChar char="•"/>
+            </a:pPr>
+            <a:r>
+              <a:rPr lang="en-US" dirty="0" err="1" smtClean="0"/>
+              <a:t>java.io.FileOutputStream</a:t>
+            </a:r>
+            <a:r>
+              <a:rPr lang="en-US" dirty="0" smtClean="0"/>
+              <a:t>, </a:t>
+            </a:r>
+            <a:r>
+              <a:rPr lang="en-US" dirty="0" err="1" smtClean="0"/>
+              <a:t>java.io.FileReader</a:t>
+            </a:r>
+            <a:r>
+              <a:rPr lang="en-US" dirty="0" smtClean="0"/>
+              <a:t>, </a:t>
+            </a:r>
+          </a:p>
+          <a:p>
+            <a:pPr marL="342900" indent="-342900">
+              <a:buFont typeface="Arial" pitchFamily="34" charset="0"/>
+              <a:buChar char="•"/>
+            </a:pPr>
+            <a:r>
+              <a:rPr lang="en-US" dirty="0" err="1" smtClean="0"/>
+              <a:t>java.io.FileWriter</a:t>
+            </a:r>
+            <a:endParaRPr lang="en-US" dirty="0" smtClean="0"/>
+          </a:p>
+          <a:p>
+            <a:pPr marL="342900" indent="-342900">
+              <a:buFont typeface="Arial" pitchFamily="34" charset="0"/>
+              <a:buChar char="•"/>
+            </a:pPr>
+            <a:r>
+              <a:rPr lang="en-US" dirty="0" smtClean="0"/>
+              <a:t>But I’ll let you read about those classes yourselves ;)</a:t>
+            </a:r>
+            <a:endParaRPr lang="en-US" dirty="0"/>
+          </a:p>
+        </p:txBody>
+      </p:sp>
+    </p:spTree>
+    <p:extLst>
+      <p:ext uri="{BB962C8B-B14F-4D97-AF65-F5344CB8AC3E}">
+        <p14:creationId xmlns:p14="http://schemas.microsoft.com/office/powerpoint/2010/main" val="2945432036"/>
+      </p:ext>
+    </p:extLst>
+  </p:cSld>
+  <p:clrMapOvr>
+    <a:masterClrMapping/>
+  </p:clrMapOvr>
+</p:sld>
+</file>
+
+<file path=ppt/slides/slide49.xml><?xml version="1.0" encoding="utf-8"?>
+<p:sld xmlns:a="http://schemas.openxmlformats.org/drawingml/2006/main" xmlns:r="http://schemas.openxmlformats.org/officeDocument/2006/relationships" xmlns:p="http://schemas.openxmlformats.org/presentationml/2006/main">
+  <p:cSld>
+    <p:spTree>
+      <p:nvGrpSpPr>
+        <p:cNvPr id="1" name=""/>
+        <p:cNvGrpSpPr/>
+        <p:nvPr/>
+      </p:nvGrpSpPr>
+      <p:grpSpPr>
+        <a:xfrm>
+          <a:off x="0" y="0"/>
+          <a:ext cx="0" cy="0"/>
+          <a:chOff x="0" y="0"/>
+          <a:chExt cx="0" cy="0"/>
+        </a:xfrm>
+      </p:grpSpPr>
+      <p:sp>
+        <p:nvSpPr>
+          <p:cNvPr id="2" name="Title 1"/>
+          <p:cNvSpPr>
+            <a:spLocks noGrp="1"/>
+          </p:cNvSpPr>
+          <p:nvPr>
+            <p:ph type="title"/>
+          </p:nvPr>
+        </p:nvSpPr>
+        <p:spPr/>
+        <p:txBody>
+          <a:bodyPr/>
+          <a:lstStyle/>
+          <a:p>
+            <a:r>
+              <a:rPr lang="en-US" dirty="0" smtClean="0"/>
+              <a:t>BETTER than java.io</a:t>
+            </a:r>
+            <a:endParaRPr lang="en-US" dirty="0"/>
+          </a:p>
+        </p:txBody>
+      </p:sp>
+      <p:sp>
+        <p:nvSpPr>
+          <p:cNvPr id="3" name="Slide Number Placeholder 2"/>
+          <p:cNvSpPr>
+            <a:spLocks noGrp="1"/>
+          </p:cNvSpPr>
+          <p:nvPr>
+            <p:ph type="sldNum" sz="quarter" idx="12"/>
+          </p:nvPr>
+        </p:nvSpPr>
+        <p:spPr/>
+        <p:txBody>
+          <a:bodyPr/>
+          <a:lstStyle/>
+          <a:p>
+            <a:pPr>
+              <a:defRPr/>
+            </a:pPr>
+            <a:fld id="{B2451C39-31DD-6D4B-9BED-758CF6C1BA6A}" type="slidenum">
+              <a:rPr lang="en-CA" smtClean="0"/>
+              <a:pPr>
+                <a:defRPr/>
+              </a:pPr>
+              <a:t>49</a:t>
+            </a:fld>
+            <a:endParaRPr lang="en-CA"/>
+          </a:p>
+        </p:txBody>
+      </p:sp>
+      <p:sp>
+        <p:nvSpPr>
+          <p:cNvPr id="5" name="TextBox 4"/>
+          <p:cNvSpPr txBox="1"/>
+          <p:nvPr/>
+        </p:nvSpPr>
+        <p:spPr>
+          <a:xfrm>
+            <a:off x="1219200" y="1905000"/>
+            <a:ext cx="7222042" cy="3785652"/>
+          </a:xfrm>
+          <a:prstGeom prst="rect">
+            <a:avLst/>
+          </a:prstGeom>
+          <a:noFill/>
+        </p:spPr>
+        <p:txBody>
+          <a:bodyPr wrap="none" rtlCol="0">
+            <a:spAutoFit/>
+          </a:bodyPr>
+          <a:lstStyle/>
+          <a:p>
+            <a:pPr marL="342900" indent="-342900">
+              <a:buFont typeface="Arial" pitchFamily="34" charset="0"/>
+              <a:buChar char="•"/>
+            </a:pPr>
+            <a:r>
+              <a:rPr lang="en-US" dirty="0" smtClean="0"/>
+              <a:t>To be fair, there are many Java libraries out there</a:t>
+            </a:r>
+          </a:p>
+          <a:p>
+            <a:pPr marL="342900" indent="-342900">
+              <a:buFont typeface="Arial" pitchFamily="34" charset="0"/>
+              <a:buChar char="•"/>
+            </a:pPr>
+            <a:r>
+              <a:rPr lang="en-US" dirty="0" smtClean="0"/>
+              <a:t>There are even other libraries outside</a:t>
+            </a:r>
+          </a:p>
+          <a:p>
+            <a:pPr marL="342900" indent="-342900">
+              <a:buFont typeface="Arial" pitchFamily="34" charset="0"/>
+              <a:buChar char="•"/>
+            </a:pPr>
+            <a:r>
+              <a:rPr lang="en-US" dirty="0" smtClean="0"/>
+              <a:t>Of core java that do collections and java.io</a:t>
+            </a:r>
+          </a:p>
+          <a:p>
+            <a:pPr marL="342900" indent="-342900">
+              <a:buFont typeface="Arial" pitchFamily="34" charset="0"/>
+              <a:buChar char="•"/>
+            </a:pPr>
+            <a:r>
+              <a:rPr lang="en-US" dirty="0" smtClean="0"/>
+              <a:t>I’m going to choose Apache Commons </a:t>
+            </a:r>
+            <a:r>
+              <a:rPr lang="en-US" dirty="0" err="1" smtClean="0"/>
+              <a:t>IOUtils</a:t>
+            </a:r>
+            <a:endParaRPr lang="en-US" dirty="0" smtClean="0"/>
+          </a:p>
+          <a:p>
+            <a:pPr marL="342900" indent="-342900">
+              <a:buFont typeface="Arial" pitchFamily="34" charset="0"/>
+              <a:buChar char="•"/>
+            </a:pPr>
+            <a:r>
+              <a:rPr lang="en-US" dirty="0" smtClean="0"/>
+              <a:t>A few reasons why …</a:t>
+            </a:r>
+          </a:p>
+          <a:p>
+            <a:pPr marL="800100" lvl="1" indent="-342900">
+              <a:buFont typeface="Arial" pitchFamily="34" charset="0"/>
+              <a:buChar char="•"/>
+            </a:pPr>
+            <a:r>
+              <a:rPr lang="en-US" dirty="0" smtClean="0"/>
+              <a:t>java.io is </a:t>
+            </a:r>
+            <a:r>
+              <a:rPr lang="en-US" dirty="0" err="1" smtClean="0"/>
+              <a:t>kinda</a:t>
+            </a:r>
+            <a:r>
+              <a:rPr lang="en-US" dirty="0" smtClean="0"/>
+              <a:t> low-level (if you really want</a:t>
+            </a:r>
+          </a:p>
+          <a:p>
+            <a:pPr lvl="1"/>
+            <a:r>
+              <a:rPr lang="en-US" dirty="0"/>
+              <a:t>t</a:t>
+            </a:r>
+            <a:r>
+              <a:rPr lang="en-US" dirty="0" smtClean="0"/>
+              <a:t>o do low-level stuff, do it in C)</a:t>
+            </a:r>
+          </a:p>
+          <a:p>
+            <a:pPr marL="800100" lvl="1" indent="-342900">
+              <a:buFont typeface="Arial" pitchFamily="34" charset="0"/>
+              <a:buChar char="•"/>
+            </a:pPr>
+            <a:r>
+              <a:rPr lang="en-US" dirty="0" smtClean="0"/>
+              <a:t>Want to introduce you to Maven</a:t>
+            </a:r>
+          </a:p>
+          <a:p>
+            <a:pPr marL="800100" lvl="1" indent="-342900">
+              <a:buFont typeface="Arial" pitchFamily="34" charset="0"/>
+              <a:buChar char="•"/>
+            </a:pPr>
+            <a:endParaRPr lang="en-US" dirty="0" smtClean="0"/>
+          </a:p>
+          <a:p>
+            <a:endParaRPr lang="en-US" dirty="0"/>
+          </a:p>
+        </p:txBody>
+      </p:sp>
+    </p:spTree>
+    <p:extLst>
+      <p:ext uri="{BB962C8B-B14F-4D97-AF65-F5344CB8AC3E}">
+        <p14:creationId xmlns:p14="http://schemas.microsoft.com/office/powerpoint/2010/main" val="827105165"/>
+      </p:ext>
+    </p:extLst>
+  </p:cSld>
+  <p:clrMapOvr>
+    <a:masterClrMapping/>
+  </p:clrMapOvr>
+</p:sld>
+</file>
+
 <file path=ppt/slides/slide5.xml><?xml version="1.0" encoding="utf-8"?>
 <p:sld xmlns:a="http://schemas.openxmlformats.org/drawingml/2006/main" xmlns:r="http://schemas.openxmlformats.org/officeDocument/2006/relationships" xmlns:p="http://schemas.openxmlformats.org/presentationml/2006/main">
   <p:cSld>
@@ -13911,6 +14371,1210 @@
       </p:par>
     </p:tnLst>
   </p:timing>
+</p:sld>
+</file>
+
+<file path=ppt/slides/slide50.xml><?xml version="1.0" encoding="utf-8"?>
+<p:sld xmlns:a="http://schemas.openxmlformats.org/drawingml/2006/main" xmlns:r="http://schemas.openxmlformats.org/officeDocument/2006/relationships" xmlns:p="http://schemas.openxmlformats.org/presentationml/2006/main">
+  <p:cSld>
+    <p:spTree>
+      <p:nvGrpSpPr>
+        <p:cNvPr id="1" name=""/>
+        <p:cNvGrpSpPr/>
+        <p:nvPr/>
+      </p:nvGrpSpPr>
+      <p:grpSpPr>
+        <a:xfrm>
+          <a:off x="0" y="0"/>
+          <a:ext cx="0" cy="0"/>
+          <a:chOff x="0" y="0"/>
+          <a:chExt cx="0" cy="0"/>
+        </a:xfrm>
+      </p:grpSpPr>
+      <p:sp>
+        <p:nvSpPr>
+          <p:cNvPr id="2" name="Title 1"/>
+          <p:cNvSpPr>
+            <a:spLocks noGrp="1"/>
+          </p:cNvSpPr>
+          <p:nvPr>
+            <p:ph type="title"/>
+          </p:nvPr>
+        </p:nvSpPr>
+        <p:spPr/>
+        <p:txBody>
+          <a:bodyPr/>
+          <a:lstStyle/>
+          <a:p>
+            <a:r>
+              <a:rPr lang="en-US" dirty="0" smtClean="0"/>
+              <a:t>Maven</a:t>
+            </a:r>
+            <a:endParaRPr lang="en-US" dirty="0"/>
+          </a:p>
+        </p:txBody>
+      </p:sp>
+      <p:sp>
+        <p:nvSpPr>
+          <p:cNvPr id="3" name="Slide Number Placeholder 2"/>
+          <p:cNvSpPr>
+            <a:spLocks noGrp="1"/>
+          </p:cNvSpPr>
+          <p:nvPr>
+            <p:ph type="sldNum" sz="quarter" idx="12"/>
+          </p:nvPr>
+        </p:nvSpPr>
+        <p:spPr/>
+        <p:txBody>
+          <a:bodyPr/>
+          <a:lstStyle/>
+          <a:p>
+            <a:pPr>
+              <a:defRPr/>
+            </a:pPr>
+            <a:fld id="{B2451C39-31DD-6D4B-9BED-758CF6C1BA6A}" type="slidenum">
+              <a:rPr lang="en-CA" smtClean="0"/>
+              <a:pPr>
+                <a:defRPr/>
+              </a:pPr>
+              <a:t>50</a:t>
+            </a:fld>
+            <a:endParaRPr lang="en-CA"/>
+          </a:p>
+        </p:txBody>
+      </p:sp>
+      <p:sp>
+        <p:nvSpPr>
+          <p:cNvPr id="4" name="TextBox 3"/>
+          <p:cNvSpPr txBox="1"/>
+          <p:nvPr/>
+        </p:nvSpPr>
+        <p:spPr>
+          <a:xfrm>
+            <a:off x="990600" y="2286000"/>
+            <a:ext cx="7924800" cy="2677656"/>
+          </a:xfrm>
+          <a:prstGeom prst="rect">
+            <a:avLst/>
+          </a:prstGeom>
+          <a:noFill/>
+        </p:spPr>
+        <p:txBody>
+          <a:bodyPr wrap="square" rtlCol="0">
+            <a:spAutoFit/>
+          </a:bodyPr>
+          <a:lstStyle/>
+          <a:p>
+            <a:pPr marL="342900" indent="-342900">
+              <a:buFont typeface="Arial" pitchFamily="34" charset="0"/>
+              <a:buChar char="•"/>
+            </a:pPr>
+            <a:r>
+              <a:rPr lang="en-US" dirty="0"/>
+              <a:t>Apache Maven is a software project management and comprehension tool. Based on the concept of a project object model (POM), Maven can manage a project's build, reporting and documentation from a central piece of information</a:t>
+            </a:r>
+            <a:r>
+              <a:rPr lang="en-US" dirty="0" smtClean="0"/>
+              <a:t>.</a:t>
+            </a:r>
+          </a:p>
+          <a:p>
+            <a:pPr marL="342900" indent="-342900">
+              <a:buFont typeface="Arial" pitchFamily="34" charset="0"/>
+              <a:buChar char="•"/>
+            </a:pPr>
+            <a:r>
+              <a:rPr lang="en-US" dirty="0" smtClean="0"/>
+              <a:t>In short, it’s a tool to help you manage libraries ;)</a:t>
+            </a:r>
+          </a:p>
+          <a:p>
+            <a:pPr marL="342900" indent="-342900">
+              <a:buFont typeface="Arial" pitchFamily="34" charset="0"/>
+              <a:buChar char="•"/>
+            </a:pPr>
+            <a:endParaRPr lang="en-US" dirty="0"/>
+          </a:p>
+        </p:txBody>
+      </p:sp>
+    </p:spTree>
+    <p:extLst>
+      <p:ext uri="{BB962C8B-B14F-4D97-AF65-F5344CB8AC3E}">
+        <p14:creationId xmlns:p14="http://schemas.microsoft.com/office/powerpoint/2010/main" val="3908752352"/>
+      </p:ext>
+    </p:extLst>
+  </p:cSld>
+  <p:clrMapOvr>
+    <a:masterClrMapping/>
+  </p:clrMapOvr>
+</p:sld>
+</file>
+
+<file path=ppt/slides/slide51.xml><?xml version="1.0" encoding="utf-8"?>
+<p:sld xmlns:a="http://schemas.openxmlformats.org/drawingml/2006/main" xmlns:r="http://schemas.openxmlformats.org/officeDocument/2006/relationships" xmlns:p="http://schemas.openxmlformats.org/presentationml/2006/main">
+  <p:cSld>
+    <p:spTree>
+      <p:nvGrpSpPr>
+        <p:cNvPr id="1" name=""/>
+        <p:cNvGrpSpPr/>
+        <p:nvPr/>
+      </p:nvGrpSpPr>
+      <p:grpSpPr>
+        <a:xfrm>
+          <a:off x="0" y="0"/>
+          <a:ext cx="0" cy="0"/>
+          <a:chOff x="0" y="0"/>
+          <a:chExt cx="0" cy="0"/>
+        </a:xfrm>
+      </p:grpSpPr>
+      <p:sp>
+        <p:nvSpPr>
+          <p:cNvPr id="2" name="Title 1"/>
+          <p:cNvSpPr>
+            <a:spLocks noGrp="1"/>
+          </p:cNvSpPr>
+          <p:nvPr>
+            <p:ph type="title"/>
+          </p:nvPr>
+        </p:nvSpPr>
+        <p:spPr/>
+        <p:txBody>
+          <a:bodyPr/>
+          <a:lstStyle/>
+          <a:p>
+            <a:r>
+              <a:rPr lang="en-US" dirty="0" smtClean="0"/>
+              <a:t>Maven – How to via Eclipse</a:t>
+            </a:r>
+            <a:endParaRPr lang="en-US" dirty="0"/>
+          </a:p>
+        </p:txBody>
+      </p:sp>
+      <p:sp>
+        <p:nvSpPr>
+          <p:cNvPr id="3" name="Slide Number Placeholder 2"/>
+          <p:cNvSpPr>
+            <a:spLocks noGrp="1"/>
+          </p:cNvSpPr>
+          <p:nvPr>
+            <p:ph type="sldNum" sz="quarter" idx="12"/>
+          </p:nvPr>
+        </p:nvSpPr>
+        <p:spPr/>
+        <p:txBody>
+          <a:bodyPr/>
+          <a:lstStyle/>
+          <a:p>
+            <a:pPr>
+              <a:defRPr/>
+            </a:pPr>
+            <a:fld id="{B2451C39-31DD-6D4B-9BED-758CF6C1BA6A}" type="slidenum">
+              <a:rPr lang="en-CA" smtClean="0"/>
+              <a:pPr>
+                <a:defRPr/>
+              </a:pPr>
+              <a:t>51</a:t>
+            </a:fld>
+            <a:endParaRPr lang="en-CA"/>
+          </a:p>
+        </p:txBody>
+      </p:sp>
+      <p:sp>
+        <p:nvSpPr>
+          <p:cNvPr id="4" name="TextBox 3"/>
+          <p:cNvSpPr txBox="1"/>
+          <p:nvPr/>
+        </p:nvSpPr>
+        <p:spPr>
+          <a:xfrm>
+            <a:off x="1524000" y="2057400"/>
+            <a:ext cx="5801588" cy="2677656"/>
+          </a:xfrm>
+          <a:prstGeom prst="rect">
+            <a:avLst/>
+          </a:prstGeom>
+          <a:noFill/>
+        </p:spPr>
+        <p:txBody>
+          <a:bodyPr wrap="none" rtlCol="0">
+            <a:spAutoFit/>
+          </a:bodyPr>
+          <a:lstStyle/>
+          <a:p>
+            <a:pPr marL="342900" indent="-342900">
+              <a:buFont typeface="Arial" pitchFamily="34" charset="0"/>
+              <a:buChar char="•"/>
+            </a:pPr>
+            <a:r>
+              <a:rPr lang="en-US" dirty="0" smtClean="0"/>
+              <a:t>Create a New Java project (or just use</a:t>
+            </a:r>
+          </a:p>
+          <a:p>
+            <a:r>
+              <a:rPr lang="en-US" dirty="0" smtClean="0"/>
+              <a:t>Your existing one)</a:t>
+            </a:r>
+          </a:p>
+          <a:p>
+            <a:pPr marL="342900" indent="-342900">
+              <a:buFont typeface="Arial" pitchFamily="34" charset="0"/>
+              <a:buChar char="•"/>
+            </a:pPr>
+            <a:r>
+              <a:rPr lang="en-US" dirty="0" smtClean="0"/>
+              <a:t>Left click on Project root -&gt;Configure-&gt;</a:t>
+            </a:r>
+          </a:p>
+          <a:p>
+            <a:r>
+              <a:rPr lang="en-US" dirty="0" smtClean="0"/>
+              <a:t>	Convert to Maven Project</a:t>
+            </a:r>
+          </a:p>
+          <a:p>
+            <a:pPr marL="342900" indent="-342900">
+              <a:buFont typeface="Arial" pitchFamily="34" charset="0"/>
+              <a:buChar char="•"/>
+            </a:pPr>
+            <a:r>
+              <a:rPr lang="en-US" dirty="0" smtClean="0"/>
+              <a:t>Accept the defaults</a:t>
+            </a:r>
+          </a:p>
+          <a:p>
+            <a:pPr marL="342900" indent="-342900">
+              <a:buFont typeface="Arial" pitchFamily="34" charset="0"/>
+              <a:buChar char="•"/>
+            </a:pPr>
+            <a:r>
+              <a:rPr lang="en-US" dirty="0" smtClean="0"/>
+              <a:t>Modify pom.xml to get it compatible </a:t>
+            </a:r>
+          </a:p>
+          <a:p>
+            <a:r>
+              <a:rPr lang="en-US" dirty="0" smtClean="0"/>
+              <a:t>With Java1.7 …</a:t>
+            </a:r>
+            <a:endParaRPr lang="en-US" dirty="0"/>
+          </a:p>
+        </p:txBody>
+      </p:sp>
+    </p:spTree>
+    <p:extLst>
+      <p:ext uri="{BB962C8B-B14F-4D97-AF65-F5344CB8AC3E}">
+        <p14:creationId xmlns:p14="http://schemas.microsoft.com/office/powerpoint/2010/main" val="3447937394"/>
+      </p:ext>
+    </p:extLst>
+  </p:cSld>
+  <p:clrMapOvr>
+    <a:masterClrMapping/>
+  </p:clrMapOvr>
+</p:sld>
+</file>
+
+<file path=ppt/slides/slide52.xml><?xml version="1.0" encoding="utf-8"?>
+<p:sld xmlns:a="http://schemas.openxmlformats.org/drawingml/2006/main" xmlns:r="http://schemas.openxmlformats.org/officeDocument/2006/relationships" xmlns:p="http://schemas.openxmlformats.org/presentationml/2006/main">
+  <p:cSld>
+    <p:spTree>
+      <p:nvGrpSpPr>
+        <p:cNvPr id="1" name=""/>
+        <p:cNvGrpSpPr/>
+        <p:nvPr/>
+      </p:nvGrpSpPr>
+      <p:grpSpPr>
+        <a:xfrm>
+          <a:off x="0" y="0"/>
+          <a:ext cx="0" cy="0"/>
+          <a:chOff x="0" y="0"/>
+          <a:chExt cx="0" cy="0"/>
+        </a:xfrm>
+      </p:grpSpPr>
+      <p:sp>
+        <p:nvSpPr>
+          <p:cNvPr id="2" name="Title 1"/>
+          <p:cNvSpPr>
+            <a:spLocks noGrp="1"/>
+          </p:cNvSpPr>
+          <p:nvPr>
+            <p:ph type="title"/>
+          </p:nvPr>
+        </p:nvSpPr>
+        <p:spPr/>
+        <p:txBody>
+          <a:bodyPr/>
+          <a:lstStyle/>
+          <a:p>
+            <a:r>
+              <a:rPr lang="en-US" dirty="0" smtClean="0"/>
+              <a:t>Maven – </a:t>
+            </a:r>
+            <a:r>
+              <a:rPr lang="en-US" dirty="0" err="1" smtClean="0"/>
+              <a:t>cont</a:t>
+            </a:r>
+            <a:endParaRPr lang="en-US" dirty="0"/>
+          </a:p>
+        </p:txBody>
+      </p:sp>
+      <p:sp>
+        <p:nvSpPr>
+          <p:cNvPr id="3" name="Slide Number Placeholder 2"/>
+          <p:cNvSpPr>
+            <a:spLocks noGrp="1"/>
+          </p:cNvSpPr>
+          <p:nvPr>
+            <p:ph type="sldNum" sz="quarter" idx="12"/>
+          </p:nvPr>
+        </p:nvSpPr>
+        <p:spPr/>
+        <p:txBody>
+          <a:bodyPr/>
+          <a:lstStyle/>
+          <a:p>
+            <a:pPr>
+              <a:defRPr/>
+            </a:pPr>
+            <a:fld id="{B2451C39-31DD-6D4B-9BED-758CF6C1BA6A}" type="slidenum">
+              <a:rPr lang="en-CA" smtClean="0"/>
+              <a:pPr>
+                <a:defRPr/>
+              </a:pPr>
+              <a:t>52</a:t>
+            </a:fld>
+            <a:endParaRPr lang="en-CA"/>
+          </a:p>
+        </p:txBody>
+      </p:sp>
+      <p:sp>
+        <p:nvSpPr>
+          <p:cNvPr id="5" name="TextBox 4"/>
+          <p:cNvSpPr txBox="1"/>
+          <p:nvPr/>
+        </p:nvSpPr>
+        <p:spPr>
+          <a:xfrm>
+            <a:off x="762001" y="1828800"/>
+            <a:ext cx="8305800" cy="4893647"/>
+          </a:xfrm>
+          <a:prstGeom prst="rect">
+            <a:avLst/>
+          </a:prstGeom>
+          <a:noFill/>
+        </p:spPr>
+        <p:txBody>
+          <a:bodyPr wrap="square" rtlCol="0">
+            <a:spAutoFit/>
+          </a:bodyPr>
+          <a:lstStyle/>
+          <a:p>
+            <a:pPr marL="342900" indent="-342900">
+              <a:buFont typeface="Arial" pitchFamily="34" charset="0"/>
+              <a:buChar char="•"/>
+            </a:pPr>
+            <a:r>
+              <a:rPr lang="en-US" dirty="0" smtClean="0"/>
+              <a:t>Change the maven compiler setting</a:t>
+            </a:r>
+          </a:p>
+          <a:p>
+            <a:pPr marL="342900" indent="-342900">
+              <a:buFont typeface="Arial" pitchFamily="34" charset="0"/>
+              <a:buChar char="•"/>
+            </a:pPr>
+            <a:r>
+              <a:rPr lang="en-US" dirty="0">
+                <a:hlinkClick r:id="rId2"/>
+              </a:rPr>
+              <a:t>http://</a:t>
+            </a:r>
+            <a:r>
+              <a:rPr lang="en-US" dirty="0" smtClean="0">
+                <a:hlinkClick r:id="rId2"/>
+              </a:rPr>
+              <a:t>stackoverflow.com/questions/3539139/what-causes-a-new-maven-project-in-eclipse-to-use-java-1-5-instead-of-java-1-6-b</a:t>
+            </a:r>
+            <a:endParaRPr lang="en-US" dirty="0" smtClean="0"/>
+          </a:p>
+          <a:p>
+            <a:r>
+              <a:rPr lang="en-US" dirty="0"/>
+              <a:t>&lt;plugin&gt;</a:t>
+            </a:r>
+          </a:p>
+          <a:p>
+            <a:r>
+              <a:rPr lang="en-US" dirty="0"/>
+              <a:t>&lt;</a:t>
+            </a:r>
+            <a:r>
+              <a:rPr lang="en-US" dirty="0" err="1"/>
+              <a:t>artifactId</a:t>
+            </a:r>
+            <a:r>
+              <a:rPr lang="en-US" dirty="0"/>
+              <a:t>&gt;</a:t>
+            </a:r>
+            <a:r>
+              <a:rPr lang="en-US" u="sng" dirty="0"/>
+              <a:t>maven-compiler-plugin&lt;/</a:t>
+            </a:r>
+            <a:r>
+              <a:rPr lang="en-US" u="sng" dirty="0" err="1"/>
+              <a:t>artifactId</a:t>
+            </a:r>
+            <a:r>
+              <a:rPr lang="en-US" u="sng" dirty="0"/>
+              <a:t>&gt;</a:t>
+            </a:r>
+          </a:p>
+          <a:p>
+            <a:r>
+              <a:rPr lang="en-US" dirty="0"/>
+              <a:t>&lt;version&gt;3.1&lt;/version&gt;</a:t>
+            </a:r>
+          </a:p>
+          <a:p>
+            <a:r>
+              <a:rPr lang="en-US" dirty="0"/>
+              <a:t> &lt;configuration&gt;</a:t>
+            </a:r>
+          </a:p>
+          <a:p>
+            <a:r>
+              <a:rPr lang="en-US" dirty="0"/>
+              <a:t>    &lt;source&gt;1.7&lt;/source&gt;</a:t>
+            </a:r>
+          </a:p>
+          <a:p>
+            <a:r>
+              <a:rPr lang="en-US" dirty="0"/>
+              <a:t>    &lt;target&gt;1.7&lt;/target&gt;</a:t>
+            </a:r>
+          </a:p>
+          <a:p>
+            <a:r>
+              <a:rPr lang="en-US" dirty="0"/>
+              <a:t>  &lt;/configuration&gt;</a:t>
+            </a:r>
+          </a:p>
+          <a:p>
+            <a:r>
+              <a:rPr lang="en-US" dirty="0"/>
+              <a:t>&lt;/plugin</a:t>
+            </a:r>
+            <a:r>
+              <a:rPr lang="en-US" dirty="0" smtClean="0"/>
+              <a:t>&gt;</a:t>
+            </a:r>
+          </a:p>
+          <a:p>
+            <a:pPr marL="342900" indent="-342900">
+              <a:buFont typeface="Arial" pitchFamily="34" charset="0"/>
+              <a:buChar char="•"/>
+            </a:pPr>
+            <a:r>
+              <a:rPr lang="en-US" dirty="0" smtClean="0"/>
+              <a:t>Right click, Maven-Update Project</a:t>
+            </a:r>
+            <a:endParaRPr lang="en-US" dirty="0"/>
+          </a:p>
+        </p:txBody>
+      </p:sp>
+    </p:spTree>
+    <p:extLst>
+      <p:ext uri="{BB962C8B-B14F-4D97-AF65-F5344CB8AC3E}">
+        <p14:creationId xmlns:p14="http://schemas.microsoft.com/office/powerpoint/2010/main" val="3658695625"/>
+      </p:ext>
+    </p:extLst>
+  </p:cSld>
+  <p:clrMapOvr>
+    <a:masterClrMapping/>
+  </p:clrMapOvr>
+</p:sld>
+</file>
+
+<file path=ppt/slides/slide53.xml><?xml version="1.0" encoding="utf-8"?>
+<p:sld xmlns:a="http://schemas.openxmlformats.org/drawingml/2006/main" xmlns:r="http://schemas.openxmlformats.org/officeDocument/2006/relationships" xmlns:p="http://schemas.openxmlformats.org/presentationml/2006/main">
+  <p:cSld>
+    <p:spTree>
+      <p:nvGrpSpPr>
+        <p:cNvPr id="1" name=""/>
+        <p:cNvGrpSpPr/>
+        <p:nvPr/>
+      </p:nvGrpSpPr>
+      <p:grpSpPr>
+        <a:xfrm>
+          <a:off x="0" y="0"/>
+          <a:ext cx="0" cy="0"/>
+          <a:chOff x="0" y="0"/>
+          <a:chExt cx="0" cy="0"/>
+        </a:xfrm>
+      </p:grpSpPr>
+      <p:sp>
+        <p:nvSpPr>
+          <p:cNvPr id="2" name="Title 1"/>
+          <p:cNvSpPr>
+            <a:spLocks noGrp="1"/>
+          </p:cNvSpPr>
+          <p:nvPr>
+            <p:ph type="title"/>
+          </p:nvPr>
+        </p:nvSpPr>
+        <p:spPr/>
+        <p:txBody>
+          <a:bodyPr/>
+          <a:lstStyle/>
+          <a:p>
+            <a:r>
+              <a:rPr lang="en-US" dirty="0" smtClean="0"/>
+              <a:t>Add a library from Maven</a:t>
+            </a:r>
+            <a:endParaRPr lang="en-US" dirty="0"/>
+          </a:p>
+        </p:txBody>
+      </p:sp>
+      <p:sp>
+        <p:nvSpPr>
+          <p:cNvPr id="3" name="Slide Number Placeholder 2"/>
+          <p:cNvSpPr>
+            <a:spLocks noGrp="1"/>
+          </p:cNvSpPr>
+          <p:nvPr>
+            <p:ph type="sldNum" sz="quarter" idx="12"/>
+          </p:nvPr>
+        </p:nvSpPr>
+        <p:spPr/>
+        <p:txBody>
+          <a:bodyPr/>
+          <a:lstStyle/>
+          <a:p>
+            <a:pPr>
+              <a:defRPr/>
+            </a:pPr>
+            <a:fld id="{B2451C39-31DD-6D4B-9BED-758CF6C1BA6A}" type="slidenum">
+              <a:rPr lang="en-CA" smtClean="0"/>
+              <a:pPr>
+                <a:defRPr/>
+              </a:pPr>
+              <a:t>53</a:t>
+            </a:fld>
+            <a:endParaRPr lang="en-CA"/>
+          </a:p>
+        </p:txBody>
+      </p:sp>
+      <p:sp>
+        <p:nvSpPr>
+          <p:cNvPr id="4" name="TextBox 3"/>
+          <p:cNvSpPr txBox="1"/>
+          <p:nvPr/>
+        </p:nvSpPr>
+        <p:spPr>
+          <a:xfrm>
+            <a:off x="1295400" y="1981200"/>
+            <a:ext cx="5949064" cy="5632311"/>
+          </a:xfrm>
+          <a:prstGeom prst="rect">
+            <a:avLst/>
+          </a:prstGeom>
+          <a:noFill/>
+        </p:spPr>
+        <p:txBody>
+          <a:bodyPr wrap="none" rtlCol="0">
+            <a:spAutoFit/>
+          </a:bodyPr>
+          <a:lstStyle/>
+          <a:p>
+            <a:pPr marL="342900" indent="-342900">
+              <a:buFont typeface="Arial" pitchFamily="34" charset="0"/>
+              <a:buChar char="•"/>
+            </a:pPr>
+            <a:r>
+              <a:rPr lang="en-US" dirty="0" smtClean="0"/>
+              <a:t>Aka as adding a dependency</a:t>
+            </a:r>
+          </a:p>
+          <a:p>
+            <a:pPr marL="342900" indent="-342900">
+              <a:buFont typeface="Arial" pitchFamily="34" charset="0"/>
+              <a:buChar char="•"/>
+            </a:pPr>
+            <a:r>
+              <a:rPr lang="en-US" dirty="0"/>
+              <a:t>Visit: </a:t>
+            </a:r>
+            <a:r>
+              <a:rPr lang="en-US" dirty="0">
+                <a:hlinkClick r:id="rId2"/>
+              </a:rPr>
+              <a:t>http://mvnrepository.com</a:t>
+            </a:r>
+            <a:r>
+              <a:rPr lang="en-US" dirty="0" smtClean="0">
+                <a:hlinkClick r:id="rId2"/>
+              </a:rPr>
+              <a:t>/</a:t>
+            </a:r>
+            <a:endParaRPr lang="en-US" dirty="0" smtClean="0"/>
+          </a:p>
+          <a:p>
+            <a:pPr marL="342900" indent="-342900">
+              <a:buFont typeface="Arial" pitchFamily="34" charset="0"/>
+              <a:buChar char="•"/>
+            </a:pPr>
+            <a:r>
+              <a:rPr lang="en-US" dirty="0" smtClean="0"/>
+              <a:t>Search for Commons IO</a:t>
+            </a:r>
+          </a:p>
+          <a:p>
+            <a:pPr marL="342900" indent="-342900">
+              <a:buFont typeface="Arial" pitchFamily="34" charset="0"/>
+              <a:buChar char="•"/>
+            </a:pPr>
+            <a:r>
+              <a:rPr lang="en-US" dirty="0" smtClean="0"/>
+              <a:t>Select a version</a:t>
+            </a:r>
+          </a:p>
+          <a:p>
+            <a:pPr marL="342900" indent="-342900">
+              <a:buFont typeface="Arial" pitchFamily="34" charset="0"/>
+              <a:buChar char="•"/>
+            </a:pPr>
+            <a:r>
+              <a:rPr lang="en-US" dirty="0" smtClean="0"/>
+              <a:t>Copy and paste the dependency</a:t>
+            </a:r>
+          </a:p>
+          <a:p>
+            <a:pPr marL="342900" indent="-342900">
+              <a:buFont typeface="Arial" pitchFamily="34" charset="0"/>
+              <a:buChar char="•"/>
+            </a:pPr>
+            <a:r>
+              <a:rPr lang="en-US" dirty="0"/>
+              <a:t>&lt;dependency&gt;</a:t>
+            </a:r>
+          </a:p>
+          <a:p>
+            <a:pPr marL="342900" indent="-342900">
+              <a:buFont typeface="Arial" pitchFamily="34" charset="0"/>
+              <a:buChar char="•"/>
+            </a:pPr>
+            <a:r>
+              <a:rPr lang="en-US" dirty="0"/>
+              <a:t>	&lt;</a:t>
+            </a:r>
+            <a:r>
+              <a:rPr lang="en-US" dirty="0" err="1"/>
+              <a:t>groupId</a:t>
+            </a:r>
+            <a:r>
+              <a:rPr lang="en-US" dirty="0"/>
+              <a:t>&gt;commons-</a:t>
+            </a:r>
+            <a:r>
+              <a:rPr lang="en-US" dirty="0" err="1"/>
+              <a:t>io</a:t>
+            </a:r>
+            <a:r>
+              <a:rPr lang="en-US" dirty="0"/>
+              <a:t>&lt;/</a:t>
+            </a:r>
+            <a:r>
+              <a:rPr lang="en-US" dirty="0" err="1"/>
+              <a:t>groupId</a:t>
+            </a:r>
+            <a:r>
+              <a:rPr lang="en-US" dirty="0"/>
+              <a:t>&gt;</a:t>
+            </a:r>
+          </a:p>
+          <a:p>
+            <a:pPr marL="342900" indent="-342900">
+              <a:buFont typeface="Arial" pitchFamily="34" charset="0"/>
+              <a:buChar char="•"/>
+            </a:pPr>
+            <a:r>
+              <a:rPr lang="en-US" dirty="0"/>
+              <a:t>	&lt;</a:t>
+            </a:r>
+            <a:r>
+              <a:rPr lang="en-US" dirty="0" err="1"/>
+              <a:t>artifactId</a:t>
+            </a:r>
+            <a:r>
+              <a:rPr lang="en-US" dirty="0"/>
+              <a:t>&gt;commons-</a:t>
+            </a:r>
+            <a:r>
+              <a:rPr lang="en-US" dirty="0" err="1"/>
+              <a:t>io</a:t>
+            </a:r>
+            <a:r>
+              <a:rPr lang="en-US" dirty="0"/>
+              <a:t>&lt;/</a:t>
+            </a:r>
+            <a:r>
+              <a:rPr lang="en-US" dirty="0" err="1"/>
+              <a:t>artifactId</a:t>
+            </a:r>
+            <a:r>
+              <a:rPr lang="en-US" dirty="0"/>
+              <a:t>&gt;</a:t>
+            </a:r>
+          </a:p>
+          <a:p>
+            <a:pPr marL="342900" indent="-342900">
+              <a:buFont typeface="Arial" pitchFamily="34" charset="0"/>
+              <a:buChar char="•"/>
+            </a:pPr>
+            <a:r>
+              <a:rPr lang="en-US" dirty="0"/>
+              <a:t>	&lt;version&gt;2.4&lt;/version&gt;</a:t>
+            </a:r>
+          </a:p>
+          <a:p>
+            <a:pPr marL="342900" indent="-342900">
+              <a:buFont typeface="Arial" pitchFamily="34" charset="0"/>
+              <a:buChar char="•"/>
+            </a:pPr>
+            <a:r>
+              <a:rPr lang="en-US" dirty="0"/>
+              <a:t>&lt;/dependency&gt;</a:t>
+            </a:r>
+          </a:p>
+          <a:p>
+            <a:pPr marL="342900" indent="-342900">
+              <a:buFont typeface="Arial" pitchFamily="34" charset="0"/>
+              <a:buChar char="•"/>
+            </a:pPr>
+            <a:r>
+              <a:rPr lang="en-US" dirty="0"/>
+              <a:t> </a:t>
+            </a:r>
+            <a:r>
+              <a:rPr lang="en-US" dirty="0" smtClean="0"/>
+              <a:t>Note: &lt;</a:t>
+            </a:r>
+            <a:r>
+              <a:rPr lang="en-US" dirty="0" err="1" smtClean="0"/>
+              <a:t>depency</a:t>
+            </a:r>
+            <a:r>
+              <a:rPr lang="en-US" dirty="0" smtClean="0"/>
+              <a:t>&gt; should be a child</a:t>
+            </a:r>
+          </a:p>
+          <a:p>
+            <a:pPr marL="342900" indent="-342900">
+              <a:buFont typeface="Arial" pitchFamily="34" charset="0"/>
+              <a:buChar char="•"/>
+            </a:pPr>
+            <a:r>
+              <a:rPr lang="en-US" dirty="0" smtClean="0"/>
+              <a:t>Of &lt;dependencies&gt;</a:t>
+            </a:r>
+          </a:p>
+          <a:p>
+            <a:pPr marL="342900" indent="-342900">
+              <a:buFont typeface="Arial" pitchFamily="34" charset="0"/>
+              <a:buChar char="•"/>
+            </a:pPr>
+            <a:r>
+              <a:rPr lang="en-US" dirty="0" smtClean="0"/>
+              <a:t>Root-&gt;Maven-&gt;Update Project</a:t>
+            </a:r>
+          </a:p>
+          <a:p>
+            <a:pPr marL="342900" indent="-342900">
+              <a:buFont typeface="Arial" pitchFamily="34" charset="0"/>
+              <a:buChar char="•"/>
+            </a:pPr>
+            <a:endParaRPr lang="en-US" dirty="0" smtClean="0"/>
+          </a:p>
+          <a:p>
+            <a:endParaRPr lang="en-US" dirty="0"/>
+          </a:p>
+        </p:txBody>
+      </p:sp>
+    </p:spTree>
+    <p:extLst>
+      <p:ext uri="{BB962C8B-B14F-4D97-AF65-F5344CB8AC3E}">
+        <p14:creationId xmlns:p14="http://schemas.microsoft.com/office/powerpoint/2010/main" val="2006945522"/>
+      </p:ext>
+    </p:extLst>
+  </p:cSld>
+  <p:clrMapOvr>
+    <a:masterClrMapping/>
+  </p:clrMapOvr>
+</p:sld>
+</file>
+
+<file path=ppt/slides/slide54.xml><?xml version="1.0" encoding="utf-8"?>
+<p:sld xmlns:a="http://schemas.openxmlformats.org/drawingml/2006/main" xmlns:r="http://schemas.openxmlformats.org/officeDocument/2006/relationships" xmlns:p="http://schemas.openxmlformats.org/presentationml/2006/main">
+  <p:cSld>
+    <p:spTree>
+      <p:nvGrpSpPr>
+        <p:cNvPr id="1" name=""/>
+        <p:cNvGrpSpPr/>
+        <p:nvPr/>
+      </p:nvGrpSpPr>
+      <p:grpSpPr>
+        <a:xfrm>
+          <a:off x="0" y="0"/>
+          <a:ext cx="0" cy="0"/>
+          <a:chOff x="0" y="0"/>
+          <a:chExt cx="0" cy="0"/>
+        </a:xfrm>
+      </p:grpSpPr>
+      <p:sp>
+        <p:nvSpPr>
+          <p:cNvPr id="2" name="Title 1"/>
+          <p:cNvSpPr>
+            <a:spLocks noGrp="1"/>
+          </p:cNvSpPr>
+          <p:nvPr>
+            <p:ph type="title"/>
+          </p:nvPr>
+        </p:nvSpPr>
+        <p:spPr/>
+        <p:txBody>
+          <a:bodyPr/>
+          <a:lstStyle/>
+          <a:p>
+            <a:r>
+              <a:rPr lang="en-US" dirty="0" smtClean="0"/>
+              <a:t>Maven – check your build path</a:t>
+            </a:r>
+            <a:endParaRPr lang="en-US" dirty="0"/>
+          </a:p>
+        </p:txBody>
+      </p:sp>
+      <p:sp>
+        <p:nvSpPr>
+          <p:cNvPr id="3" name="Slide Number Placeholder 2"/>
+          <p:cNvSpPr>
+            <a:spLocks noGrp="1"/>
+          </p:cNvSpPr>
+          <p:nvPr>
+            <p:ph type="sldNum" sz="quarter" idx="12"/>
+          </p:nvPr>
+        </p:nvSpPr>
+        <p:spPr/>
+        <p:txBody>
+          <a:bodyPr/>
+          <a:lstStyle/>
+          <a:p>
+            <a:pPr>
+              <a:defRPr/>
+            </a:pPr>
+            <a:fld id="{B2451C39-31DD-6D4B-9BED-758CF6C1BA6A}" type="slidenum">
+              <a:rPr lang="en-CA" smtClean="0"/>
+              <a:pPr>
+                <a:defRPr/>
+              </a:pPr>
+              <a:t>54</a:t>
+            </a:fld>
+            <a:endParaRPr lang="en-CA"/>
+          </a:p>
+        </p:txBody>
+      </p:sp>
+      <p:pic>
+        <p:nvPicPr>
+          <p:cNvPr id="1026" name="Picture 2"/>
+          <p:cNvPicPr>
+            <a:picLocks noChangeAspect="1" noChangeArrowheads="1"/>
+          </p:cNvPicPr>
+          <p:nvPr/>
+        </p:nvPicPr>
+        <p:blipFill>
+          <a:blip r:embed="rId2">
+            <a:extLst>
+              <a:ext uri="{28A0092B-C50C-407E-A947-70E740481C1C}">
+                <a14:useLocalDpi xmlns:a14="http://schemas.microsoft.com/office/drawing/2010/main" val="0"/>
+              </a:ext>
+            </a:extLst>
+          </a:blip>
+          <a:srcRect/>
+          <a:stretch>
+            <a:fillRect/>
+          </a:stretch>
+        </p:blipFill>
+        <p:spPr bwMode="auto">
+          <a:xfrm>
+            <a:off x="304800" y="1311980"/>
+            <a:ext cx="7620000" cy="5424012"/>
+          </a:xfrm>
+          <a:prstGeom prst="rect">
+            <a:avLst/>
+          </a:prstGeom>
+          <a:noFill/>
+          <a:ln>
+            <a:noFill/>
+          </a:ln>
+          <a:effectLst/>
+          <a:extLst>
+            <a:ext uri="{909E8E84-426E-40DD-AFC4-6F175D3DCCD1}">
+              <a14:hiddenFill xmlns:a14="http://schemas.microsoft.com/office/drawing/2010/main">
+                <a:solidFill>
+                  <a:schemeClr val="accent1"/>
+                </a:solidFill>
+              </a14:hiddenFill>
+            </a:ext>
+            <a:ext uri="{91240B29-F687-4F45-9708-019B960494DF}">
+              <a14:hiddenLine xmlns:a14="http://schemas.microsoft.com/office/drawing/2010/main" w="9525">
+                <a:solidFill>
+                  <a:schemeClr val="tx1"/>
+                </a:solidFill>
+                <a:miter lim="800000"/>
+                <a:headEnd/>
+                <a:tailEnd/>
+              </a14:hiddenLine>
+            </a:ext>
+            <a:ext uri="{AF507438-7753-43E0-B8FC-AC1667EBCBE1}">
+              <a14:hiddenEffects xmlns:a14="http://schemas.microsoft.com/office/drawing/2010/main">
+                <a:effectLst>
+                  <a:outerShdw dist="35921" dir="2700000" algn="ctr" rotWithShape="0">
+                    <a:schemeClr val="bg2"/>
+                  </a:outerShdw>
+                </a:effectLst>
+              </a14:hiddenEffects>
+            </a:ext>
+          </a:extLst>
+        </p:spPr>
+      </p:pic>
+    </p:spTree>
+    <p:extLst>
+      <p:ext uri="{BB962C8B-B14F-4D97-AF65-F5344CB8AC3E}">
+        <p14:creationId xmlns:p14="http://schemas.microsoft.com/office/powerpoint/2010/main" val="665928192"/>
+      </p:ext>
+    </p:extLst>
+  </p:cSld>
+  <p:clrMapOvr>
+    <a:masterClrMapping/>
+  </p:clrMapOvr>
+</p:sld>
+</file>
+
+<file path=ppt/slides/slide55.xml><?xml version="1.0" encoding="utf-8"?>
+<p:sld xmlns:a="http://schemas.openxmlformats.org/drawingml/2006/main" xmlns:r="http://schemas.openxmlformats.org/officeDocument/2006/relationships" xmlns:p="http://schemas.openxmlformats.org/presentationml/2006/main">
+  <p:cSld>
+    <p:spTree>
+      <p:nvGrpSpPr>
+        <p:cNvPr id="1" name=""/>
+        <p:cNvGrpSpPr/>
+        <p:nvPr/>
+      </p:nvGrpSpPr>
+      <p:grpSpPr>
+        <a:xfrm>
+          <a:off x="0" y="0"/>
+          <a:ext cx="0" cy="0"/>
+          <a:chOff x="0" y="0"/>
+          <a:chExt cx="0" cy="0"/>
+        </a:xfrm>
+      </p:grpSpPr>
+      <p:sp>
+        <p:nvSpPr>
+          <p:cNvPr id="2" name="Title 1"/>
+          <p:cNvSpPr>
+            <a:spLocks noGrp="1"/>
+          </p:cNvSpPr>
+          <p:nvPr>
+            <p:ph type="title"/>
+          </p:nvPr>
+        </p:nvSpPr>
+        <p:spPr/>
+        <p:txBody>
+          <a:bodyPr/>
+          <a:lstStyle/>
+          <a:p>
+            <a:r>
+              <a:rPr lang="en-US" dirty="0" smtClean="0"/>
+              <a:t>Maven – good to go, let’s use Commons IO</a:t>
+            </a:r>
+            <a:endParaRPr lang="en-US" dirty="0"/>
+          </a:p>
+        </p:txBody>
+      </p:sp>
+      <p:sp>
+        <p:nvSpPr>
+          <p:cNvPr id="3" name="Slide Number Placeholder 2"/>
+          <p:cNvSpPr>
+            <a:spLocks noGrp="1"/>
+          </p:cNvSpPr>
+          <p:nvPr>
+            <p:ph type="sldNum" sz="quarter" idx="12"/>
+          </p:nvPr>
+        </p:nvSpPr>
+        <p:spPr/>
+        <p:txBody>
+          <a:bodyPr/>
+          <a:lstStyle/>
+          <a:p>
+            <a:pPr>
+              <a:defRPr/>
+            </a:pPr>
+            <a:fld id="{B2451C39-31DD-6D4B-9BED-758CF6C1BA6A}" type="slidenum">
+              <a:rPr lang="en-CA" smtClean="0"/>
+              <a:pPr>
+                <a:defRPr/>
+              </a:pPr>
+              <a:t>55</a:t>
+            </a:fld>
+            <a:endParaRPr lang="en-CA"/>
+          </a:p>
+        </p:txBody>
+      </p:sp>
+      <p:sp>
+        <p:nvSpPr>
+          <p:cNvPr id="4" name="TextBox 3"/>
+          <p:cNvSpPr txBox="1"/>
+          <p:nvPr/>
+        </p:nvSpPr>
+        <p:spPr>
+          <a:xfrm>
+            <a:off x="1524000" y="2514600"/>
+            <a:ext cx="7656263" cy="3416320"/>
+          </a:xfrm>
+          <a:prstGeom prst="rect">
+            <a:avLst/>
+          </a:prstGeom>
+          <a:noFill/>
+        </p:spPr>
+        <p:txBody>
+          <a:bodyPr wrap="none" rtlCol="0">
+            <a:spAutoFit/>
+          </a:bodyPr>
+          <a:lstStyle/>
+          <a:p>
+            <a:pPr marL="342900" indent="-342900">
+              <a:buFont typeface="Arial" pitchFamily="34" charset="0"/>
+              <a:buChar char="•"/>
+            </a:pPr>
+            <a:r>
+              <a:rPr lang="en-US" dirty="0" smtClean="0"/>
+              <a:t>Create a new class with a main()</a:t>
+            </a:r>
+          </a:p>
+          <a:p>
+            <a:pPr marL="342900" indent="-342900">
+              <a:buFont typeface="Arial" pitchFamily="34" charset="0"/>
+              <a:buChar char="•"/>
+            </a:pPr>
+            <a:r>
+              <a:rPr lang="en-US" dirty="0" smtClean="0"/>
+              <a:t>In the body, type: </a:t>
+            </a:r>
+            <a:r>
+              <a:rPr lang="en-US" dirty="0" err="1" smtClean="0"/>
+              <a:t>FileUti</a:t>
+            </a:r>
+            <a:r>
+              <a:rPr lang="en-US" dirty="0" smtClean="0"/>
+              <a:t>… (CTRL-Space)</a:t>
+            </a:r>
+          </a:p>
+          <a:p>
+            <a:pPr marL="342900" indent="-342900">
+              <a:buFont typeface="Arial" pitchFamily="34" charset="0"/>
+              <a:buChar char="•"/>
+            </a:pPr>
+            <a:r>
+              <a:rPr lang="en-US" dirty="0" smtClean="0"/>
+              <a:t>If code completion, finds it you are gold!</a:t>
+            </a:r>
+          </a:p>
+          <a:p>
+            <a:pPr marL="342900" indent="-342900">
+              <a:buFont typeface="Arial" pitchFamily="34" charset="0"/>
+              <a:buChar char="•"/>
+            </a:pPr>
+            <a:r>
+              <a:rPr lang="en-US" dirty="0" smtClean="0"/>
+              <a:t>See: </a:t>
+            </a:r>
+            <a:r>
+              <a:rPr lang="en-US" dirty="0" err="1" smtClean="0"/>
+              <a:t>FileUtilsDemo</a:t>
+            </a:r>
+            <a:endParaRPr lang="en-US" dirty="0" smtClean="0"/>
+          </a:p>
+          <a:p>
+            <a:pPr marL="342900" indent="-342900">
+              <a:buFont typeface="Arial" pitchFamily="34" charset="0"/>
+              <a:buChar char="•"/>
+            </a:pPr>
+            <a:r>
+              <a:rPr lang="en-US" dirty="0" smtClean="0"/>
+              <a:t>Lots of other APIs in </a:t>
+            </a:r>
+            <a:r>
+              <a:rPr lang="en-US" dirty="0" err="1" smtClean="0"/>
+              <a:t>FileUtils</a:t>
+            </a:r>
+            <a:r>
+              <a:rPr lang="en-US" dirty="0" smtClean="0"/>
+              <a:t> (CTRL-Space)</a:t>
+            </a:r>
+          </a:p>
+          <a:p>
+            <a:r>
+              <a:rPr lang="en-US" dirty="0" smtClean="0"/>
+              <a:t>Is your friend!</a:t>
+            </a:r>
+          </a:p>
+          <a:p>
+            <a:pPr marL="342900" indent="-342900">
+              <a:buFont typeface="Arial" pitchFamily="34" charset="0"/>
+              <a:buChar char="•"/>
+            </a:pPr>
+            <a:r>
+              <a:rPr lang="en-US" dirty="0" smtClean="0"/>
+              <a:t>F3 -&gt; if you want to read the source code of </a:t>
+            </a:r>
+            <a:r>
+              <a:rPr lang="en-US" dirty="0" err="1" smtClean="0"/>
+              <a:t>FileUtils</a:t>
+            </a:r>
+            <a:endParaRPr lang="en-US" dirty="0" smtClean="0"/>
+          </a:p>
+          <a:p>
+            <a:pPr marL="342900" indent="-342900">
+              <a:buFont typeface="Arial" pitchFamily="34" charset="0"/>
+              <a:buChar char="•"/>
+            </a:pPr>
+            <a:r>
+              <a:rPr lang="en-US" dirty="0" smtClean="0"/>
+              <a:t>… or you can just use java.io </a:t>
+            </a:r>
+            <a:r>
+              <a:rPr lang="en-US" smtClean="0"/>
+              <a:t>package directly</a:t>
+            </a:r>
+            <a:endParaRPr lang="en-US" dirty="0" smtClean="0"/>
+          </a:p>
+          <a:p>
+            <a:pPr marL="342900" indent="-342900">
+              <a:buFont typeface="Arial" pitchFamily="34" charset="0"/>
+              <a:buChar char="•"/>
+            </a:pPr>
+            <a:endParaRPr lang="en-US" dirty="0"/>
+          </a:p>
+        </p:txBody>
+      </p:sp>
+    </p:spTree>
+    <p:extLst>
+      <p:ext uri="{BB962C8B-B14F-4D97-AF65-F5344CB8AC3E}">
+        <p14:creationId xmlns:p14="http://schemas.microsoft.com/office/powerpoint/2010/main" val="281575785"/>
+      </p:ext>
+    </p:extLst>
+  </p:cSld>
+  <p:clrMapOvr>
+    <a:masterClrMapping/>
+  </p:clrMapOvr>
 </p:sld>
 </file>
 

--- a/coursePresentation.pptx
+++ b/coursePresentation.pptx
@@ -5,10 +5,10 @@
     <p:sldMasterId id="2147484906" r:id="rId1"/>
   </p:sldMasterIdLst>
   <p:notesMasterIdLst>
-    <p:notesMasterId r:id="rId57"/>
+    <p:notesMasterId r:id="rId59"/>
   </p:notesMasterIdLst>
   <p:handoutMasterIdLst>
-    <p:handoutMasterId r:id="rId58"/>
+    <p:handoutMasterId r:id="rId60"/>
   </p:handoutMasterIdLst>
   <p:sldIdLst>
     <p:sldId id="257" r:id="rId2"/>
@@ -66,6 +66,8 @@
     <p:sldId id="371" r:id="rId54"/>
     <p:sldId id="372" r:id="rId55"/>
     <p:sldId id="373" r:id="rId56"/>
+    <p:sldId id="374" r:id="rId57"/>
+    <p:sldId id="375" r:id="rId58"/>
   </p:sldIdLst>
   <p:sldSz cx="9144000" cy="6858000" type="screen4x3"/>
   <p:notesSz cx="6858000" cy="9144000"/>
@@ -15548,13 +15550,8 @@
             </a:pPr>
             <a:r>
               <a:rPr lang="en-US" dirty="0" smtClean="0"/>
-              <a:t>… or you can just use java.io </a:t>
-            </a:r>
-            <a:r>
-              <a:rPr lang="en-US" smtClean="0"/>
-              <a:t>package directly</a:t>
-            </a:r>
-            <a:endParaRPr lang="en-US" dirty="0" smtClean="0"/>
+              <a:t>… or you can just use java.io package directly</a:t>
+            </a:r>
           </a:p>
           <a:p>
             <a:pPr marL="342900" indent="-342900">
@@ -15569,6 +15566,397 @@
     <p:extLst>
       <p:ext uri="{BB962C8B-B14F-4D97-AF65-F5344CB8AC3E}">
         <p14:creationId xmlns:p14="http://schemas.microsoft.com/office/powerpoint/2010/main" val="281575785"/>
+      </p:ext>
+    </p:extLst>
+  </p:cSld>
+  <p:clrMapOvr>
+    <a:masterClrMapping/>
+  </p:clrMapOvr>
+</p:sld>
+</file>
+
+<file path=ppt/slides/slide56.xml><?xml version="1.0" encoding="utf-8"?>
+<p:sld xmlns:a="http://schemas.openxmlformats.org/drawingml/2006/main" xmlns:r="http://schemas.openxmlformats.org/officeDocument/2006/relationships" xmlns:p="http://schemas.openxmlformats.org/presentationml/2006/main">
+  <p:cSld>
+    <p:spTree>
+      <p:nvGrpSpPr>
+        <p:cNvPr id="1" name=""/>
+        <p:cNvGrpSpPr/>
+        <p:nvPr/>
+      </p:nvGrpSpPr>
+      <p:grpSpPr>
+        <a:xfrm>
+          <a:off x="0" y="0"/>
+          <a:ext cx="0" cy="0"/>
+          <a:chOff x="0" y="0"/>
+          <a:chExt cx="0" cy="0"/>
+        </a:xfrm>
+      </p:grpSpPr>
+      <p:sp>
+        <p:nvSpPr>
+          <p:cNvPr id="2" name="Title 1"/>
+          <p:cNvSpPr>
+            <a:spLocks noGrp="1"/>
+          </p:cNvSpPr>
+          <p:nvPr>
+            <p:ph type="title"/>
+          </p:nvPr>
+        </p:nvSpPr>
+        <p:spPr/>
+        <p:txBody>
+          <a:bodyPr/>
+          <a:lstStyle/>
+          <a:p>
+            <a:r>
+              <a:rPr lang="en-US" dirty="0" smtClean="0"/>
+              <a:t>Java .properties</a:t>
+            </a:r>
+            <a:endParaRPr lang="en-US" dirty="0"/>
+          </a:p>
+        </p:txBody>
+      </p:sp>
+      <p:sp>
+        <p:nvSpPr>
+          <p:cNvPr id="3" name="Slide Number Placeholder 2"/>
+          <p:cNvSpPr>
+            <a:spLocks noGrp="1"/>
+          </p:cNvSpPr>
+          <p:nvPr>
+            <p:ph type="sldNum" sz="quarter" idx="12"/>
+          </p:nvPr>
+        </p:nvSpPr>
+        <p:spPr/>
+        <p:txBody>
+          <a:bodyPr/>
+          <a:lstStyle/>
+          <a:p>
+            <a:pPr>
+              <a:defRPr/>
+            </a:pPr>
+            <a:fld id="{B2451C39-31DD-6D4B-9BED-758CF6C1BA6A}" type="slidenum">
+              <a:rPr lang="en-CA" smtClean="0"/>
+              <a:pPr>
+                <a:defRPr/>
+              </a:pPr>
+              <a:t>56</a:t>
+            </a:fld>
+            <a:endParaRPr lang="en-CA"/>
+          </a:p>
+        </p:txBody>
+      </p:sp>
+      <p:sp>
+        <p:nvSpPr>
+          <p:cNvPr id="4" name="TextBox 3"/>
+          <p:cNvSpPr txBox="1"/>
+          <p:nvPr/>
+        </p:nvSpPr>
+        <p:spPr>
+          <a:xfrm>
+            <a:off x="990601" y="2057400"/>
+            <a:ext cx="7010399" cy="3046988"/>
+          </a:xfrm>
+          <a:prstGeom prst="rect">
+            <a:avLst/>
+          </a:prstGeom>
+          <a:noFill/>
+        </p:spPr>
+        <p:txBody>
+          <a:bodyPr wrap="square" rtlCol="0">
+            <a:spAutoFit/>
+          </a:bodyPr>
+          <a:lstStyle/>
+          <a:p>
+            <a:r>
+              <a:rPr lang="en-US" b="1" dirty="0"/>
+              <a:t>.properties</a:t>
+            </a:r>
+            <a:r>
+              <a:rPr lang="en-US" dirty="0"/>
+              <a:t> is a </a:t>
+            </a:r>
+            <a:r>
+              <a:rPr lang="en-US" dirty="0">
+                <a:hlinkClick r:id="rId2" tooltip="File extension"/>
+              </a:rPr>
+              <a:t>file extension</a:t>
+            </a:r>
+            <a:r>
+              <a:rPr lang="en-US" dirty="0"/>
+              <a:t> for </a:t>
+            </a:r>
+            <a:r>
+              <a:rPr lang="en-US" dirty="0">
+                <a:hlinkClick r:id="rId3" tooltip="Computer file"/>
+              </a:rPr>
+              <a:t>files</a:t>
+            </a:r>
+            <a:r>
+              <a:rPr lang="en-US" dirty="0"/>
+              <a:t> mainly used in </a:t>
+            </a:r>
+            <a:r>
+              <a:rPr lang="en-US" dirty="0">
+                <a:hlinkClick r:id="rId4" tooltip="Java (programming language)"/>
+              </a:rPr>
+              <a:t>Java</a:t>
+            </a:r>
+            <a:r>
+              <a:rPr lang="en-US" dirty="0"/>
+              <a:t> related technologies to store the configurable parameters of an </a:t>
+            </a:r>
+            <a:r>
+              <a:rPr lang="en-US" dirty="0">
+                <a:hlinkClick r:id="rId5" tooltip="Application software"/>
+              </a:rPr>
+              <a:t>application</a:t>
+            </a:r>
+            <a:r>
+              <a:rPr lang="en-US" dirty="0"/>
+              <a:t>. </a:t>
+            </a:r>
+            <a:endParaRPr lang="en-US" dirty="0" smtClean="0"/>
+          </a:p>
+          <a:p>
+            <a:endParaRPr lang="en-US" dirty="0"/>
+          </a:p>
+          <a:p>
+            <a:r>
+              <a:rPr lang="en-US" dirty="0" smtClean="0"/>
+              <a:t>We can use </a:t>
+            </a:r>
+            <a:r>
+              <a:rPr lang="en-US" dirty="0" err="1" smtClean="0"/>
+              <a:t>java.util.Properties</a:t>
+            </a:r>
+            <a:r>
+              <a:rPr lang="en-US" dirty="0" smtClean="0"/>
+              <a:t> …</a:t>
+            </a:r>
+          </a:p>
+          <a:p>
+            <a:r>
+              <a:rPr lang="en-US" dirty="0" smtClean="0"/>
+              <a:t>But like java.io (or rather Commons IO), there are</a:t>
+            </a:r>
+          </a:p>
+          <a:p>
+            <a:r>
+              <a:rPr lang="en-US" dirty="0" smtClean="0"/>
+              <a:t>Open source libraries that are easier (and more </a:t>
+            </a:r>
+          </a:p>
+          <a:p>
+            <a:r>
+              <a:rPr lang="en-US" dirty="0" smtClean="0"/>
+              <a:t>Powerful for you to learn)</a:t>
+            </a:r>
+            <a:endParaRPr lang="en-US" dirty="0"/>
+          </a:p>
+        </p:txBody>
+      </p:sp>
+    </p:spTree>
+    <p:extLst>
+      <p:ext uri="{BB962C8B-B14F-4D97-AF65-F5344CB8AC3E}">
+        <p14:creationId xmlns:p14="http://schemas.microsoft.com/office/powerpoint/2010/main" val="2322005384"/>
+      </p:ext>
+    </p:extLst>
+  </p:cSld>
+  <p:clrMapOvr>
+    <a:masterClrMapping/>
+  </p:clrMapOvr>
+</p:sld>
+</file>
+
+<file path=ppt/slides/slide57.xml><?xml version="1.0" encoding="utf-8"?>
+<p:sld xmlns:a="http://schemas.openxmlformats.org/drawingml/2006/main" xmlns:r="http://schemas.openxmlformats.org/officeDocument/2006/relationships" xmlns:p="http://schemas.openxmlformats.org/presentationml/2006/main">
+  <p:cSld>
+    <p:spTree>
+      <p:nvGrpSpPr>
+        <p:cNvPr id="1" name=""/>
+        <p:cNvGrpSpPr/>
+        <p:nvPr/>
+      </p:nvGrpSpPr>
+      <p:grpSpPr>
+        <a:xfrm>
+          <a:off x="0" y="0"/>
+          <a:ext cx="0" cy="0"/>
+          <a:chOff x="0" y="0"/>
+          <a:chExt cx="0" cy="0"/>
+        </a:xfrm>
+      </p:grpSpPr>
+      <p:sp>
+        <p:nvSpPr>
+          <p:cNvPr id="2" name="Title 1"/>
+          <p:cNvSpPr>
+            <a:spLocks noGrp="1"/>
+          </p:cNvSpPr>
+          <p:nvPr>
+            <p:ph type="title"/>
+          </p:nvPr>
+        </p:nvSpPr>
+        <p:spPr/>
+        <p:txBody>
+          <a:bodyPr/>
+          <a:lstStyle/>
+          <a:p>
+            <a:r>
+              <a:rPr lang="en-US" dirty="0" smtClean="0"/>
+              <a:t>Commons Configuration</a:t>
+            </a:r>
+            <a:endParaRPr lang="en-US" dirty="0"/>
+          </a:p>
+        </p:txBody>
+      </p:sp>
+      <p:sp>
+        <p:nvSpPr>
+          <p:cNvPr id="3" name="Slide Number Placeholder 2"/>
+          <p:cNvSpPr>
+            <a:spLocks noGrp="1"/>
+          </p:cNvSpPr>
+          <p:nvPr>
+            <p:ph type="sldNum" sz="quarter" idx="12"/>
+          </p:nvPr>
+        </p:nvSpPr>
+        <p:spPr/>
+        <p:txBody>
+          <a:bodyPr/>
+          <a:lstStyle/>
+          <a:p>
+            <a:pPr>
+              <a:defRPr/>
+            </a:pPr>
+            <a:fld id="{B2451C39-31DD-6D4B-9BED-758CF6C1BA6A}" type="slidenum">
+              <a:rPr lang="en-CA" smtClean="0"/>
+              <a:pPr>
+                <a:defRPr/>
+              </a:pPr>
+              <a:t>57</a:t>
+            </a:fld>
+            <a:endParaRPr lang="en-CA"/>
+          </a:p>
+        </p:txBody>
+      </p:sp>
+      <p:sp>
+        <p:nvSpPr>
+          <p:cNvPr id="4" name="TextBox 3"/>
+          <p:cNvSpPr txBox="1"/>
+          <p:nvPr/>
+        </p:nvSpPr>
+        <p:spPr>
+          <a:xfrm>
+            <a:off x="1219200" y="1828800"/>
+            <a:ext cx="7086600" cy="4524315"/>
+          </a:xfrm>
+          <a:prstGeom prst="rect">
+            <a:avLst/>
+          </a:prstGeom>
+          <a:noFill/>
+        </p:spPr>
+        <p:txBody>
+          <a:bodyPr wrap="square" rtlCol="0">
+            <a:spAutoFit/>
+          </a:bodyPr>
+          <a:lstStyle/>
+          <a:p>
+            <a:r>
+              <a:rPr lang="en-US" dirty="0">
+                <a:hlinkClick r:id="rId2"/>
+              </a:rPr>
+              <a:t>http://</a:t>
+            </a:r>
+            <a:r>
+              <a:rPr lang="en-US" dirty="0" smtClean="0">
+                <a:hlinkClick r:id="rId2"/>
+              </a:rPr>
+              <a:t>mvnrepository.com/artifact/commons-configuration/commons-configuration/1.10</a:t>
+            </a:r>
+            <a:endParaRPr lang="en-US" dirty="0" smtClean="0"/>
+          </a:p>
+          <a:p>
+            <a:endParaRPr lang="en-US" dirty="0"/>
+          </a:p>
+          <a:p>
+            <a:r>
+              <a:rPr lang="en-US" dirty="0"/>
+              <a:t>&lt;dependency&gt;</a:t>
+            </a:r>
+          </a:p>
+          <a:p>
+            <a:r>
+              <a:rPr lang="en-US" dirty="0"/>
+              <a:t>	&lt;</a:t>
+            </a:r>
+            <a:r>
+              <a:rPr lang="en-US" dirty="0" err="1"/>
+              <a:t>groupId</a:t>
+            </a:r>
+            <a:r>
+              <a:rPr lang="en-US" dirty="0"/>
+              <a:t>&gt;commons-configuration&lt;/</a:t>
+            </a:r>
+            <a:r>
+              <a:rPr lang="en-US" dirty="0" err="1"/>
+              <a:t>groupId</a:t>
+            </a:r>
+            <a:r>
+              <a:rPr lang="en-US" dirty="0"/>
+              <a:t>&gt;</a:t>
+            </a:r>
+          </a:p>
+          <a:p>
+            <a:r>
+              <a:rPr lang="en-US" dirty="0"/>
+              <a:t>	&lt;</a:t>
+            </a:r>
+            <a:r>
+              <a:rPr lang="en-US" dirty="0" err="1"/>
+              <a:t>artifactId</a:t>
+            </a:r>
+            <a:r>
+              <a:rPr lang="en-US" dirty="0"/>
+              <a:t>&gt;commons-configuration&lt;/</a:t>
+            </a:r>
+            <a:r>
+              <a:rPr lang="en-US" dirty="0" err="1"/>
+              <a:t>artifactId</a:t>
+            </a:r>
+            <a:r>
+              <a:rPr lang="en-US" dirty="0"/>
+              <a:t>&gt;</a:t>
+            </a:r>
+          </a:p>
+          <a:p>
+            <a:r>
+              <a:rPr lang="en-US" dirty="0"/>
+              <a:t>	&lt;version&gt;1.10&lt;/version&gt;</a:t>
+            </a:r>
+          </a:p>
+          <a:p>
+            <a:r>
+              <a:rPr lang="en-US" dirty="0"/>
+              <a:t>&lt;/dependency&gt;</a:t>
+            </a:r>
+          </a:p>
+          <a:p>
+            <a:r>
+              <a:rPr lang="en-US" dirty="0"/>
+              <a:t> </a:t>
+            </a:r>
+            <a:endParaRPr lang="en-US" dirty="0" smtClean="0"/>
+          </a:p>
+          <a:p>
+            <a:r>
+              <a:rPr lang="en-US" smtClean="0"/>
+              <a:t>Maven again!!</a:t>
+            </a:r>
+            <a:endParaRPr lang="en-US" dirty="0"/>
+          </a:p>
+        </p:txBody>
+      </p:sp>
+    </p:spTree>
+    <p:extLst>
+      <p:ext uri="{BB962C8B-B14F-4D97-AF65-F5344CB8AC3E}">
+        <p14:creationId xmlns:p14="http://schemas.microsoft.com/office/powerpoint/2010/main" val="563292169"/>
       </p:ext>
     </p:extLst>
   </p:cSld>

--- a/coursePresentation.pptx
+++ b/coursePresentation.pptx
@@ -5,10 +5,10 @@
     <p:sldMasterId id="2147484906" r:id="rId1"/>
   </p:sldMasterIdLst>
   <p:notesMasterIdLst>
-    <p:notesMasterId r:id="rId59"/>
+    <p:notesMasterId r:id="rId61"/>
   </p:notesMasterIdLst>
   <p:handoutMasterIdLst>
-    <p:handoutMasterId r:id="rId60"/>
+    <p:handoutMasterId r:id="rId62"/>
   </p:handoutMasterIdLst>
   <p:sldIdLst>
     <p:sldId id="257" r:id="rId2"/>
@@ -68,6 +68,8 @@
     <p:sldId id="373" r:id="rId56"/>
     <p:sldId id="374" r:id="rId57"/>
     <p:sldId id="375" r:id="rId58"/>
+    <p:sldId id="376" r:id="rId59"/>
+    <p:sldId id="378" r:id="rId60"/>
   </p:sldIdLst>
   <p:sldSz cx="9144000" cy="6858000" type="screen4x3"/>
   <p:notesSz cx="6858000" cy="9144000"/>
@@ -15845,7 +15847,7 @@
         <p:spPr>
           <a:xfrm>
             <a:off x="1219200" y="1828800"/>
-            <a:ext cx="7086600" cy="4524315"/>
+            <a:ext cx="7086600" cy="4893647"/>
           </a:xfrm>
           <a:prstGeom prst="rect">
             <a:avLst/>
@@ -15946,8 +15948,18 @@
           </a:p>
           <a:p>
             <a:r>
-              <a:rPr lang="en-US" smtClean="0"/>
+              <a:rPr lang="en-US" dirty="0" smtClean="0"/>
               <a:t>Maven again!!</a:t>
+            </a:r>
+          </a:p>
+          <a:p>
+            <a:r>
+              <a:rPr lang="en-US" dirty="0" smtClean="0"/>
+              <a:t>See: </a:t>
+            </a:r>
+            <a:r>
+              <a:rPr lang="en-US" dirty="0" err="1"/>
+              <a:t>PropertiesDemo</a:t>
             </a:r>
             <a:endParaRPr lang="en-US" dirty="0"/>
           </a:p>
@@ -15957,6 +15969,333 @@
     <p:extLst>
       <p:ext uri="{BB962C8B-B14F-4D97-AF65-F5344CB8AC3E}">
         <p14:creationId xmlns:p14="http://schemas.microsoft.com/office/powerpoint/2010/main" val="563292169"/>
+      </p:ext>
+    </p:extLst>
+  </p:cSld>
+  <p:clrMapOvr>
+    <a:masterClrMapping/>
+  </p:clrMapOvr>
+</p:sld>
+</file>
+
+<file path=ppt/slides/slide58.xml><?xml version="1.0" encoding="utf-8"?>
+<p:sld xmlns:a="http://schemas.openxmlformats.org/drawingml/2006/main" xmlns:r="http://schemas.openxmlformats.org/officeDocument/2006/relationships" xmlns:p="http://schemas.openxmlformats.org/presentationml/2006/main">
+  <p:cSld>
+    <p:spTree>
+      <p:nvGrpSpPr>
+        <p:cNvPr id="1" name=""/>
+        <p:cNvGrpSpPr/>
+        <p:nvPr/>
+      </p:nvGrpSpPr>
+      <p:grpSpPr>
+        <a:xfrm>
+          <a:off x="0" y="0"/>
+          <a:ext cx="0" cy="0"/>
+          <a:chOff x="0" y="0"/>
+          <a:chExt cx="0" cy="0"/>
+        </a:xfrm>
+      </p:grpSpPr>
+      <p:sp>
+        <p:nvSpPr>
+          <p:cNvPr id="2" name="Title 1"/>
+          <p:cNvSpPr>
+            <a:spLocks noGrp="1"/>
+          </p:cNvSpPr>
+          <p:nvPr>
+            <p:ph type="title"/>
+          </p:nvPr>
+        </p:nvSpPr>
+        <p:spPr/>
+        <p:txBody>
+          <a:bodyPr/>
+          <a:lstStyle/>
+          <a:p>
+            <a:r>
+              <a:rPr lang="en-US" dirty="0" smtClean="0"/>
+              <a:t>Logging</a:t>
+            </a:r>
+            <a:endParaRPr lang="en-US" dirty="0"/>
+          </a:p>
+        </p:txBody>
+      </p:sp>
+      <p:sp>
+        <p:nvSpPr>
+          <p:cNvPr id="3" name="Slide Number Placeholder 2"/>
+          <p:cNvSpPr>
+            <a:spLocks noGrp="1"/>
+          </p:cNvSpPr>
+          <p:nvPr>
+            <p:ph type="sldNum" sz="quarter" idx="12"/>
+          </p:nvPr>
+        </p:nvSpPr>
+        <p:spPr/>
+        <p:txBody>
+          <a:bodyPr/>
+          <a:lstStyle/>
+          <a:p>
+            <a:pPr>
+              <a:defRPr/>
+            </a:pPr>
+            <a:fld id="{B2451C39-31DD-6D4B-9BED-758CF6C1BA6A}" type="slidenum">
+              <a:rPr lang="en-CA" smtClean="0"/>
+              <a:pPr>
+                <a:defRPr/>
+              </a:pPr>
+              <a:t>58</a:t>
+            </a:fld>
+            <a:endParaRPr lang="en-CA"/>
+          </a:p>
+        </p:txBody>
+      </p:sp>
+      <p:sp>
+        <p:nvSpPr>
+          <p:cNvPr id="4" name="TextBox 3"/>
+          <p:cNvSpPr txBox="1"/>
+          <p:nvPr/>
+        </p:nvSpPr>
+        <p:spPr>
+          <a:xfrm>
+            <a:off x="1066800" y="2209800"/>
+            <a:ext cx="6211957" cy="1569660"/>
+          </a:xfrm>
+          <a:prstGeom prst="rect">
+            <a:avLst/>
+          </a:prstGeom>
+          <a:noFill/>
+        </p:spPr>
+        <p:txBody>
+          <a:bodyPr wrap="none" rtlCol="0">
+            <a:spAutoFit/>
+          </a:bodyPr>
+          <a:lstStyle/>
+          <a:p>
+            <a:r>
+              <a:rPr lang="en-US" dirty="0" smtClean="0"/>
+              <a:t>Java comes with a logging framework called</a:t>
+            </a:r>
+          </a:p>
+          <a:p>
+            <a:r>
+              <a:rPr lang="en-US" dirty="0" err="1" smtClean="0"/>
+              <a:t>java.util.logging</a:t>
+            </a:r>
+            <a:endParaRPr lang="en-US" dirty="0" smtClean="0"/>
+          </a:p>
+          <a:p>
+            <a:endParaRPr lang="en-US" dirty="0"/>
+          </a:p>
+          <a:p>
+            <a:r>
+              <a:rPr lang="en-US" dirty="0" smtClean="0"/>
+              <a:t>But keeping to the theme of Maven …</a:t>
+            </a:r>
+            <a:endParaRPr lang="en-US" dirty="0"/>
+          </a:p>
+        </p:txBody>
+      </p:sp>
+    </p:spTree>
+    <p:extLst>
+      <p:ext uri="{BB962C8B-B14F-4D97-AF65-F5344CB8AC3E}">
+        <p14:creationId xmlns:p14="http://schemas.microsoft.com/office/powerpoint/2010/main" val="1865721204"/>
+      </p:ext>
+    </p:extLst>
+  </p:cSld>
+  <p:clrMapOvr>
+    <a:masterClrMapping/>
+  </p:clrMapOvr>
+</p:sld>
+</file>
+
+<file path=ppt/slides/slide59.xml><?xml version="1.0" encoding="utf-8"?>
+<p:sld xmlns:a="http://schemas.openxmlformats.org/drawingml/2006/main" xmlns:r="http://schemas.openxmlformats.org/officeDocument/2006/relationships" xmlns:p="http://schemas.openxmlformats.org/presentationml/2006/main">
+  <p:cSld>
+    <p:spTree>
+      <p:nvGrpSpPr>
+        <p:cNvPr id="1" name=""/>
+        <p:cNvGrpSpPr/>
+        <p:nvPr/>
+      </p:nvGrpSpPr>
+      <p:grpSpPr>
+        <a:xfrm>
+          <a:off x="0" y="0"/>
+          <a:ext cx="0" cy="0"/>
+          <a:chOff x="0" y="0"/>
+          <a:chExt cx="0" cy="0"/>
+        </a:xfrm>
+      </p:grpSpPr>
+      <p:sp>
+        <p:nvSpPr>
+          <p:cNvPr id="2" name="Title 1"/>
+          <p:cNvSpPr>
+            <a:spLocks noGrp="1"/>
+          </p:cNvSpPr>
+          <p:nvPr>
+            <p:ph type="title"/>
+          </p:nvPr>
+        </p:nvSpPr>
+        <p:spPr/>
+        <p:txBody>
+          <a:bodyPr/>
+          <a:lstStyle/>
+          <a:p>
+            <a:r>
+              <a:rPr lang="en-US" dirty="0" smtClean="0"/>
+              <a:t>Log4j</a:t>
+            </a:r>
+            <a:br>
+              <a:rPr lang="en-US" dirty="0" smtClean="0"/>
+            </a:br>
+            <a:endParaRPr lang="en-US" dirty="0"/>
+          </a:p>
+        </p:txBody>
+      </p:sp>
+      <p:sp>
+        <p:nvSpPr>
+          <p:cNvPr id="3" name="Slide Number Placeholder 2"/>
+          <p:cNvSpPr>
+            <a:spLocks noGrp="1"/>
+          </p:cNvSpPr>
+          <p:nvPr>
+            <p:ph type="sldNum" sz="quarter" idx="12"/>
+          </p:nvPr>
+        </p:nvSpPr>
+        <p:spPr/>
+        <p:txBody>
+          <a:bodyPr/>
+          <a:lstStyle/>
+          <a:p>
+            <a:pPr>
+              <a:defRPr/>
+            </a:pPr>
+            <a:fld id="{B2451C39-31DD-6D4B-9BED-758CF6C1BA6A}" type="slidenum">
+              <a:rPr lang="en-CA" smtClean="0"/>
+              <a:pPr>
+                <a:defRPr/>
+              </a:pPr>
+              <a:t>59</a:t>
+            </a:fld>
+            <a:endParaRPr lang="en-CA"/>
+          </a:p>
+        </p:txBody>
+      </p:sp>
+      <p:sp>
+        <p:nvSpPr>
+          <p:cNvPr id="4" name="TextBox 3"/>
+          <p:cNvSpPr txBox="1"/>
+          <p:nvPr/>
+        </p:nvSpPr>
+        <p:spPr>
+          <a:xfrm>
+            <a:off x="838200" y="1981200"/>
+            <a:ext cx="6955366" cy="3046988"/>
+          </a:xfrm>
+          <a:prstGeom prst="rect">
+            <a:avLst/>
+          </a:prstGeom>
+          <a:noFill/>
+        </p:spPr>
+        <p:txBody>
+          <a:bodyPr wrap="none" rtlCol="0">
+            <a:spAutoFit/>
+          </a:bodyPr>
+          <a:lstStyle/>
+          <a:p>
+            <a:r>
+              <a:rPr lang="en-US" dirty="0">
+                <a:hlinkClick r:id="rId2"/>
+              </a:rPr>
+              <a:t>http://</a:t>
+            </a:r>
+            <a:r>
+              <a:rPr lang="en-US" dirty="0" smtClean="0">
+                <a:hlinkClick r:id="rId2"/>
+              </a:rPr>
+              <a:t>mvnrepository.com/artifact/log4j/log4j/1.2.17</a:t>
+            </a:r>
+            <a:endParaRPr lang="en-US" dirty="0" smtClean="0"/>
+          </a:p>
+          <a:p>
+            <a:r>
+              <a:rPr lang="en-US" dirty="0"/>
+              <a:t>&lt;dependency&gt;</a:t>
+            </a:r>
+          </a:p>
+          <a:p>
+            <a:r>
+              <a:rPr lang="en-US" dirty="0"/>
+              <a:t>	&lt;</a:t>
+            </a:r>
+            <a:r>
+              <a:rPr lang="en-US" dirty="0" err="1"/>
+              <a:t>groupId</a:t>
+            </a:r>
+            <a:r>
+              <a:rPr lang="en-US" dirty="0"/>
+              <a:t>&gt;log4j&lt;/</a:t>
+            </a:r>
+            <a:r>
+              <a:rPr lang="en-US" dirty="0" err="1"/>
+              <a:t>groupId</a:t>
+            </a:r>
+            <a:r>
+              <a:rPr lang="en-US" dirty="0"/>
+              <a:t>&gt;</a:t>
+            </a:r>
+          </a:p>
+          <a:p>
+            <a:r>
+              <a:rPr lang="en-US" dirty="0"/>
+              <a:t>	&lt;</a:t>
+            </a:r>
+            <a:r>
+              <a:rPr lang="en-US" dirty="0" err="1"/>
+              <a:t>artifactId</a:t>
+            </a:r>
+            <a:r>
+              <a:rPr lang="en-US" dirty="0"/>
+              <a:t>&gt;log4j&lt;/</a:t>
+            </a:r>
+            <a:r>
+              <a:rPr lang="en-US" dirty="0" err="1"/>
+              <a:t>artifactId</a:t>
+            </a:r>
+            <a:r>
+              <a:rPr lang="en-US" dirty="0"/>
+              <a:t>&gt;</a:t>
+            </a:r>
+          </a:p>
+          <a:p>
+            <a:r>
+              <a:rPr lang="en-US" dirty="0"/>
+              <a:t>	&lt;version&gt;1.2.17&lt;/version&gt;</a:t>
+            </a:r>
+          </a:p>
+          <a:p>
+            <a:r>
+              <a:rPr lang="en-US" dirty="0"/>
+              <a:t>&lt;/dependency</a:t>
+            </a:r>
+            <a:r>
+              <a:rPr lang="en-US" dirty="0" smtClean="0"/>
+              <a:t>&gt;</a:t>
+            </a:r>
+          </a:p>
+          <a:p>
+            <a:endParaRPr lang="en-US" dirty="0"/>
+          </a:p>
+          <a:p>
+            <a:r>
+              <a:rPr lang="en-US" smtClean="0"/>
+              <a:t>See Log4jDemo</a:t>
+            </a:r>
+            <a:endParaRPr lang="en-US" dirty="0"/>
+          </a:p>
+        </p:txBody>
+      </p:sp>
+    </p:spTree>
+    <p:extLst>
+      <p:ext uri="{BB962C8B-B14F-4D97-AF65-F5344CB8AC3E}">
+        <p14:creationId xmlns:p14="http://schemas.microsoft.com/office/powerpoint/2010/main" val="786796786"/>
       </p:ext>
     </p:extLst>
   </p:cSld>

--- a/coursePresentation.pptx
+++ b/coursePresentation.pptx
@@ -5,10 +5,10 @@
     <p:sldMasterId id="2147484906" r:id="rId1"/>
   </p:sldMasterIdLst>
   <p:notesMasterIdLst>
-    <p:notesMasterId r:id="rId61"/>
+    <p:notesMasterId r:id="rId65"/>
   </p:notesMasterIdLst>
   <p:handoutMasterIdLst>
-    <p:handoutMasterId r:id="rId62"/>
+    <p:handoutMasterId r:id="rId66"/>
   </p:handoutMasterIdLst>
   <p:sldIdLst>
     <p:sldId id="257" r:id="rId2"/>
@@ -70,6 +70,10 @@
     <p:sldId id="375" r:id="rId58"/>
     <p:sldId id="376" r:id="rId59"/>
     <p:sldId id="378" r:id="rId60"/>
+    <p:sldId id="380" r:id="rId61"/>
+    <p:sldId id="381" r:id="rId62"/>
+    <p:sldId id="382" r:id="rId63"/>
+    <p:sldId id="379" r:id="rId64"/>
   </p:sldIdLst>
   <p:sldSz cx="9144000" cy="6858000" type="screen4x3"/>
   <p:notesSz cx="6858000" cy="9144000"/>
@@ -16285,7 +16289,7 @@
           </a:p>
           <a:p>
             <a:r>
-              <a:rPr lang="en-US" smtClean="0"/>
+              <a:rPr lang="en-US" dirty="0" smtClean="0"/>
               <a:t>See Log4jDemo</a:t>
             </a:r>
             <a:endParaRPr lang="en-US" dirty="0"/>
@@ -16487,6 +16491,649 @@
       </p:par>
     </p:tnLst>
   </p:timing>
+</p:sld>
+</file>
+
+<file path=ppt/slides/slide60.xml><?xml version="1.0" encoding="utf-8"?>
+<p:sld xmlns:a="http://schemas.openxmlformats.org/drawingml/2006/main" xmlns:r="http://schemas.openxmlformats.org/officeDocument/2006/relationships" xmlns:p="http://schemas.openxmlformats.org/presentationml/2006/main">
+  <p:cSld>
+    <p:spTree>
+      <p:nvGrpSpPr>
+        <p:cNvPr id="1" name=""/>
+        <p:cNvGrpSpPr/>
+        <p:nvPr/>
+      </p:nvGrpSpPr>
+      <p:grpSpPr>
+        <a:xfrm>
+          <a:off x="0" y="0"/>
+          <a:ext cx="0" cy="0"/>
+          <a:chOff x="0" y="0"/>
+          <a:chExt cx="0" cy="0"/>
+        </a:xfrm>
+      </p:grpSpPr>
+      <p:sp>
+        <p:nvSpPr>
+          <p:cNvPr id="2" name="Title 1"/>
+          <p:cNvSpPr>
+            <a:spLocks noGrp="1"/>
+          </p:cNvSpPr>
+          <p:nvPr>
+            <p:ph type="title"/>
+          </p:nvPr>
+        </p:nvSpPr>
+        <p:spPr/>
+        <p:txBody>
+          <a:bodyPr/>
+          <a:lstStyle/>
+          <a:p>
+            <a:r>
+              <a:rPr lang="en-US" dirty="0" smtClean="0"/>
+              <a:t>Jackson – Java objects to JSON</a:t>
+            </a:r>
+            <a:endParaRPr lang="en-US" dirty="0"/>
+          </a:p>
+        </p:txBody>
+      </p:sp>
+      <p:sp>
+        <p:nvSpPr>
+          <p:cNvPr id="3" name="Slide Number Placeholder 2"/>
+          <p:cNvSpPr>
+            <a:spLocks noGrp="1"/>
+          </p:cNvSpPr>
+          <p:nvPr>
+            <p:ph type="sldNum" sz="quarter" idx="12"/>
+          </p:nvPr>
+        </p:nvSpPr>
+        <p:spPr/>
+        <p:txBody>
+          <a:bodyPr/>
+          <a:lstStyle/>
+          <a:p>
+            <a:pPr>
+              <a:defRPr/>
+            </a:pPr>
+            <a:fld id="{B2451C39-31DD-6D4B-9BED-758CF6C1BA6A}" type="slidenum">
+              <a:rPr lang="en-CA" smtClean="0"/>
+              <a:pPr>
+                <a:defRPr/>
+              </a:pPr>
+              <a:t>60</a:t>
+            </a:fld>
+            <a:endParaRPr lang="en-CA"/>
+          </a:p>
+        </p:txBody>
+      </p:sp>
+      <p:sp>
+        <p:nvSpPr>
+          <p:cNvPr id="4" name="TextBox 3"/>
+          <p:cNvSpPr txBox="1"/>
+          <p:nvPr/>
+        </p:nvSpPr>
+        <p:spPr>
+          <a:xfrm>
+            <a:off x="1066800" y="1905000"/>
+            <a:ext cx="7986482" cy="1938992"/>
+          </a:xfrm>
+          <a:prstGeom prst="rect">
+            <a:avLst/>
+          </a:prstGeom>
+          <a:noFill/>
+        </p:spPr>
+        <p:txBody>
+          <a:bodyPr wrap="none" rtlCol="0">
+            <a:spAutoFit/>
+          </a:bodyPr>
+          <a:lstStyle/>
+          <a:p>
+            <a:pPr marL="342900" indent="-342900">
+              <a:buFont typeface="Arial" pitchFamily="34" charset="0"/>
+              <a:buChar char="•"/>
+            </a:pPr>
+            <a:r>
+              <a:rPr lang="en-US" dirty="0" smtClean="0"/>
+              <a:t>JSON (</a:t>
+            </a:r>
+            <a:r>
+              <a:rPr lang="en-US" dirty="0" err="1" smtClean="0"/>
+              <a:t>Javascript</a:t>
+            </a:r>
+            <a:r>
+              <a:rPr lang="en-US" dirty="0" smtClean="0"/>
+              <a:t> object notation) is a common</a:t>
+            </a:r>
+          </a:p>
+          <a:p>
+            <a:r>
+              <a:rPr lang="en-US" dirty="0" smtClean="0"/>
+              <a:t>Way to send messages outside of the </a:t>
+            </a:r>
+            <a:r>
+              <a:rPr lang="en-US" dirty="0" err="1" smtClean="0"/>
+              <a:t>javaworld</a:t>
+            </a:r>
+            <a:endParaRPr lang="en-US" dirty="0" smtClean="0"/>
+          </a:p>
+          <a:p>
+            <a:pPr marL="342900" indent="-342900">
+              <a:buFont typeface="Arial" pitchFamily="34" charset="0"/>
+              <a:buChar char="•"/>
+            </a:pPr>
+            <a:r>
+              <a:rPr lang="en-US" dirty="0" smtClean="0"/>
+              <a:t>You’ve seen the </a:t>
+            </a:r>
+            <a:r>
+              <a:rPr lang="en-US" dirty="0" err="1" smtClean="0"/>
+              <a:t>toString</a:t>
+            </a:r>
+            <a:r>
+              <a:rPr lang="en-US" dirty="0" smtClean="0"/>
+              <a:t> method for data model (aka</a:t>
+            </a:r>
+          </a:p>
+          <a:p>
+            <a:r>
+              <a:rPr lang="en-US" dirty="0" smtClean="0"/>
+              <a:t>POJO (plain, old, java objects), but what does JSON look</a:t>
+            </a:r>
+          </a:p>
+          <a:p>
+            <a:r>
+              <a:rPr lang="en-US" dirty="0" smtClean="0"/>
+              <a:t>Like?</a:t>
+            </a:r>
+          </a:p>
+        </p:txBody>
+      </p:sp>
+    </p:spTree>
+    <p:extLst>
+      <p:ext uri="{BB962C8B-B14F-4D97-AF65-F5344CB8AC3E}">
+        <p14:creationId xmlns:p14="http://schemas.microsoft.com/office/powerpoint/2010/main" val="605961814"/>
+      </p:ext>
+    </p:extLst>
+  </p:cSld>
+  <p:clrMapOvr>
+    <a:masterClrMapping/>
+  </p:clrMapOvr>
+</p:sld>
+</file>
+
+<file path=ppt/slides/slide61.xml><?xml version="1.0" encoding="utf-8"?>
+<p:sld xmlns:a="http://schemas.openxmlformats.org/drawingml/2006/main" xmlns:r="http://schemas.openxmlformats.org/officeDocument/2006/relationships" xmlns:p="http://schemas.openxmlformats.org/presentationml/2006/main">
+  <p:cSld>
+    <p:spTree>
+      <p:nvGrpSpPr>
+        <p:cNvPr id="1" name=""/>
+        <p:cNvGrpSpPr/>
+        <p:nvPr/>
+      </p:nvGrpSpPr>
+      <p:grpSpPr>
+        <a:xfrm>
+          <a:off x="0" y="0"/>
+          <a:ext cx="0" cy="0"/>
+          <a:chOff x="0" y="0"/>
+          <a:chExt cx="0" cy="0"/>
+        </a:xfrm>
+      </p:grpSpPr>
+      <p:sp>
+        <p:nvSpPr>
+          <p:cNvPr id="2" name="Title 1"/>
+          <p:cNvSpPr>
+            <a:spLocks noGrp="1"/>
+          </p:cNvSpPr>
+          <p:nvPr>
+            <p:ph type="title"/>
+          </p:nvPr>
+        </p:nvSpPr>
+        <p:spPr/>
+        <p:txBody>
+          <a:bodyPr/>
+          <a:lstStyle/>
+          <a:p>
+            <a:r>
+              <a:rPr lang="en-US" dirty="0" smtClean="0"/>
+              <a:t>Jackson </a:t>
+            </a:r>
+            <a:r>
+              <a:rPr lang="en-US" dirty="0" err="1" smtClean="0"/>
+              <a:t>cont</a:t>
+            </a:r>
+            <a:endParaRPr lang="en-US" dirty="0"/>
+          </a:p>
+        </p:txBody>
+      </p:sp>
+      <p:sp>
+        <p:nvSpPr>
+          <p:cNvPr id="3" name="Slide Number Placeholder 2"/>
+          <p:cNvSpPr>
+            <a:spLocks noGrp="1"/>
+          </p:cNvSpPr>
+          <p:nvPr>
+            <p:ph type="sldNum" sz="quarter" idx="12"/>
+          </p:nvPr>
+        </p:nvSpPr>
+        <p:spPr/>
+        <p:txBody>
+          <a:bodyPr/>
+          <a:lstStyle/>
+          <a:p>
+            <a:pPr>
+              <a:defRPr/>
+            </a:pPr>
+            <a:fld id="{B2451C39-31DD-6D4B-9BED-758CF6C1BA6A}" type="slidenum">
+              <a:rPr lang="en-CA" smtClean="0"/>
+              <a:pPr>
+                <a:defRPr/>
+              </a:pPr>
+              <a:t>61</a:t>
+            </a:fld>
+            <a:endParaRPr lang="en-CA"/>
+          </a:p>
+        </p:txBody>
+      </p:sp>
+      <p:sp>
+        <p:nvSpPr>
+          <p:cNvPr id="6" name="TextBox 5"/>
+          <p:cNvSpPr txBox="1"/>
+          <p:nvPr/>
+        </p:nvSpPr>
+        <p:spPr>
+          <a:xfrm>
+            <a:off x="990601" y="1981200"/>
+            <a:ext cx="7467599" cy="3046988"/>
+          </a:xfrm>
+          <a:prstGeom prst="rect">
+            <a:avLst/>
+          </a:prstGeom>
+          <a:noFill/>
+        </p:spPr>
+        <p:txBody>
+          <a:bodyPr wrap="square" rtlCol="0">
+            <a:spAutoFit/>
+          </a:bodyPr>
+          <a:lstStyle/>
+          <a:p>
+            <a:r>
+              <a:rPr lang="en-US" dirty="0"/>
+              <a:t>&lt;dependency&gt; &lt;</a:t>
+            </a:r>
+            <a:r>
+              <a:rPr lang="en-US" dirty="0" err="1"/>
+              <a:t>groupId</a:t>
+            </a:r>
+            <a:r>
+              <a:rPr lang="en-US" dirty="0"/>
+              <a:t>&gt;</a:t>
+            </a:r>
+            <a:r>
+              <a:rPr lang="en-US" dirty="0" err="1"/>
+              <a:t>org.codehaus.jackson</a:t>
+            </a:r>
+            <a:r>
+              <a:rPr lang="en-US" dirty="0"/>
+              <a:t>&lt;/</a:t>
+            </a:r>
+            <a:r>
+              <a:rPr lang="en-US" dirty="0" err="1"/>
+              <a:t>groupId</a:t>
+            </a:r>
+            <a:r>
+              <a:rPr lang="en-US" dirty="0"/>
+              <a:t>&gt; &lt;</a:t>
+            </a:r>
+            <a:r>
+              <a:rPr lang="en-US" dirty="0" err="1"/>
+              <a:t>artifactId</a:t>
+            </a:r>
+            <a:r>
+              <a:rPr lang="en-US" dirty="0"/>
+              <a:t>&gt;</a:t>
+            </a:r>
+            <a:r>
+              <a:rPr lang="en-US" dirty="0" err="1"/>
+              <a:t>jackson</a:t>
+            </a:r>
+            <a:r>
+              <a:rPr lang="en-US" dirty="0"/>
+              <a:t>-mapper-</a:t>
+            </a:r>
+            <a:r>
+              <a:rPr lang="en-US" dirty="0" err="1"/>
+              <a:t>asl</a:t>
+            </a:r>
+            <a:r>
+              <a:rPr lang="en-US" dirty="0"/>
+              <a:t>&lt;/</a:t>
+            </a:r>
+            <a:r>
+              <a:rPr lang="en-US" dirty="0" err="1"/>
+              <a:t>artifactId</a:t>
+            </a:r>
+            <a:r>
+              <a:rPr lang="en-US" dirty="0"/>
+              <a:t>&gt; &lt;version&gt;1.9.2&lt;/version&gt; &lt;/dependency&gt; &lt;dependency&gt; &lt;</a:t>
+            </a:r>
+            <a:r>
+              <a:rPr lang="en-US" dirty="0" err="1"/>
+              <a:t>groupId</a:t>
+            </a:r>
+            <a:r>
+              <a:rPr lang="en-US" dirty="0"/>
+              <a:t>&gt;</a:t>
+            </a:r>
+            <a:r>
+              <a:rPr lang="en-US" dirty="0" err="1"/>
+              <a:t>org.codehaus.jackson</a:t>
+            </a:r>
+            <a:r>
+              <a:rPr lang="en-US" dirty="0"/>
+              <a:t>&lt;/</a:t>
+            </a:r>
+            <a:r>
+              <a:rPr lang="en-US" dirty="0" err="1"/>
+              <a:t>groupId</a:t>
+            </a:r>
+            <a:r>
+              <a:rPr lang="en-US" dirty="0"/>
+              <a:t>&gt; &lt;</a:t>
+            </a:r>
+            <a:r>
+              <a:rPr lang="en-US" dirty="0" err="1"/>
+              <a:t>artifactId</a:t>
+            </a:r>
+            <a:r>
+              <a:rPr lang="en-US" dirty="0"/>
+              <a:t>&gt;</a:t>
+            </a:r>
+            <a:r>
+              <a:rPr lang="en-US" dirty="0" err="1"/>
+              <a:t>jackson</a:t>
+            </a:r>
+            <a:r>
+              <a:rPr lang="en-US" dirty="0"/>
+              <a:t>-core-</a:t>
+            </a:r>
+            <a:r>
+              <a:rPr lang="en-US" dirty="0" err="1"/>
+              <a:t>asl</a:t>
+            </a:r>
+            <a:r>
+              <a:rPr lang="en-US" dirty="0"/>
+              <a:t>&lt;/</a:t>
+            </a:r>
+            <a:r>
+              <a:rPr lang="en-US" dirty="0" err="1"/>
+              <a:t>artifactId</a:t>
+            </a:r>
+            <a:r>
+              <a:rPr lang="en-US" dirty="0"/>
+              <a:t>&gt; &lt;version&gt;1.9.2&lt;/version&gt; &lt;/dependency&gt;</a:t>
+            </a:r>
+          </a:p>
+        </p:txBody>
+      </p:sp>
+    </p:spTree>
+    <p:extLst>
+      <p:ext uri="{BB962C8B-B14F-4D97-AF65-F5344CB8AC3E}">
+        <p14:creationId xmlns:p14="http://schemas.microsoft.com/office/powerpoint/2010/main" val="1016834296"/>
+      </p:ext>
+    </p:extLst>
+  </p:cSld>
+  <p:clrMapOvr>
+    <a:masterClrMapping/>
+  </p:clrMapOvr>
+</p:sld>
+</file>
+
+<file path=ppt/slides/slide62.xml><?xml version="1.0" encoding="utf-8"?>
+<p:sld xmlns:a="http://schemas.openxmlformats.org/drawingml/2006/main" xmlns:r="http://schemas.openxmlformats.org/officeDocument/2006/relationships" xmlns:p="http://schemas.openxmlformats.org/presentationml/2006/main">
+  <p:cSld>
+    <p:spTree>
+      <p:nvGrpSpPr>
+        <p:cNvPr id="1" name=""/>
+        <p:cNvGrpSpPr/>
+        <p:nvPr/>
+      </p:nvGrpSpPr>
+      <p:grpSpPr>
+        <a:xfrm>
+          <a:off x="0" y="0"/>
+          <a:ext cx="0" cy="0"/>
+          <a:chOff x="0" y="0"/>
+          <a:chExt cx="0" cy="0"/>
+        </a:xfrm>
+      </p:grpSpPr>
+      <p:sp>
+        <p:nvSpPr>
+          <p:cNvPr id="2" name="Title 1"/>
+          <p:cNvSpPr>
+            <a:spLocks noGrp="1"/>
+          </p:cNvSpPr>
+          <p:nvPr>
+            <p:ph type="title"/>
+          </p:nvPr>
+        </p:nvSpPr>
+        <p:spPr/>
+        <p:txBody>
+          <a:bodyPr/>
+          <a:lstStyle/>
+          <a:p>
+            <a:r>
+              <a:rPr lang="en-US" dirty="0" smtClean="0"/>
+              <a:t>Jackson </a:t>
+            </a:r>
+            <a:r>
+              <a:rPr lang="en-US" dirty="0" err="1" smtClean="0"/>
+              <a:t>cont</a:t>
+            </a:r>
+            <a:endParaRPr lang="en-US" dirty="0"/>
+          </a:p>
+        </p:txBody>
+      </p:sp>
+      <p:sp>
+        <p:nvSpPr>
+          <p:cNvPr id="3" name="Slide Number Placeholder 2"/>
+          <p:cNvSpPr>
+            <a:spLocks noGrp="1"/>
+          </p:cNvSpPr>
+          <p:nvPr>
+            <p:ph type="sldNum" sz="quarter" idx="12"/>
+          </p:nvPr>
+        </p:nvSpPr>
+        <p:spPr/>
+        <p:txBody>
+          <a:bodyPr/>
+          <a:lstStyle/>
+          <a:p>
+            <a:pPr>
+              <a:defRPr/>
+            </a:pPr>
+            <a:fld id="{B2451C39-31DD-6D4B-9BED-758CF6C1BA6A}" type="slidenum">
+              <a:rPr lang="en-CA" smtClean="0"/>
+              <a:pPr>
+                <a:defRPr/>
+              </a:pPr>
+              <a:t>62</a:t>
+            </a:fld>
+            <a:endParaRPr lang="en-CA"/>
+          </a:p>
+        </p:txBody>
+      </p:sp>
+      <p:sp>
+        <p:nvSpPr>
+          <p:cNvPr id="4" name="TextBox 3"/>
+          <p:cNvSpPr txBox="1"/>
+          <p:nvPr/>
+        </p:nvSpPr>
+        <p:spPr>
+          <a:xfrm>
+            <a:off x="1600200" y="2133600"/>
+            <a:ext cx="6309741" cy="830997"/>
+          </a:xfrm>
+          <a:prstGeom prst="rect">
+            <a:avLst/>
+          </a:prstGeom>
+          <a:noFill/>
+        </p:spPr>
+        <p:txBody>
+          <a:bodyPr wrap="none" rtlCol="0">
+            <a:spAutoFit/>
+          </a:bodyPr>
+          <a:lstStyle/>
+          <a:p>
+            <a:r>
+              <a:rPr lang="en-US" dirty="0" smtClean="0"/>
+              <a:t>See: </a:t>
+            </a:r>
+            <a:r>
+              <a:rPr lang="en-US" dirty="0" err="1" smtClean="0"/>
+              <a:t>JacksonDemo</a:t>
+            </a:r>
+            <a:endParaRPr lang="en-US" dirty="0" smtClean="0"/>
+          </a:p>
+          <a:p>
+            <a:r>
+              <a:rPr lang="en-US" dirty="0" smtClean="0"/>
+              <a:t>Feel free to use Jackson instead of </a:t>
+            </a:r>
+            <a:r>
+              <a:rPr lang="en-US" dirty="0" err="1" smtClean="0"/>
+              <a:t>toString</a:t>
+            </a:r>
+            <a:r>
+              <a:rPr lang="en-US" dirty="0" smtClean="0"/>
+              <a:t>()</a:t>
+            </a:r>
+            <a:endParaRPr lang="en-US" dirty="0"/>
+          </a:p>
+        </p:txBody>
+      </p:sp>
+    </p:spTree>
+    <p:extLst>
+      <p:ext uri="{BB962C8B-B14F-4D97-AF65-F5344CB8AC3E}">
+        <p14:creationId xmlns:p14="http://schemas.microsoft.com/office/powerpoint/2010/main" val="1222159334"/>
+      </p:ext>
+    </p:extLst>
+  </p:cSld>
+  <p:clrMapOvr>
+    <a:masterClrMapping/>
+  </p:clrMapOvr>
+</p:sld>
+</file>
+
+<file path=ppt/slides/slide63.xml><?xml version="1.0" encoding="utf-8"?>
+<p:sld xmlns:a="http://schemas.openxmlformats.org/drawingml/2006/main" xmlns:r="http://schemas.openxmlformats.org/officeDocument/2006/relationships" xmlns:p="http://schemas.openxmlformats.org/presentationml/2006/main">
+  <p:cSld>
+    <p:spTree>
+      <p:nvGrpSpPr>
+        <p:cNvPr id="1" name=""/>
+        <p:cNvGrpSpPr/>
+        <p:nvPr/>
+      </p:nvGrpSpPr>
+      <p:grpSpPr>
+        <a:xfrm>
+          <a:off x="0" y="0"/>
+          <a:ext cx="0" cy="0"/>
+          <a:chOff x="0" y="0"/>
+          <a:chExt cx="0" cy="0"/>
+        </a:xfrm>
+      </p:grpSpPr>
+      <p:sp>
+        <p:nvSpPr>
+          <p:cNvPr id="2" name="Title 1"/>
+          <p:cNvSpPr>
+            <a:spLocks noGrp="1"/>
+          </p:cNvSpPr>
+          <p:nvPr>
+            <p:ph type="title"/>
+          </p:nvPr>
+        </p:nvSpPr>
+        <p:spPr/>
+        <p:txBody>
+          <a:bodyPr/>
+          <a:lstStyle/>
+          <a:p>
+            <a:r>
+              <a:rPr lang="en-US" dirty="0" smtClean="0"/>
+              <a:t>Homework</a:t>
+            </a:r>
+            <a:endParaRPr lang="en-US" dirty="0"/>
+          </a:p>
+        </p:txBody>
+      </p:sp>
+      <p:sp>
+        <p:nvSpPr>
+          <p:cNvPr id="3" name="Slide Number Placeholder 2"/>
+          <p:cNvSpPr>
+            <a:spLocks noGrp="1"/>
+          </p:cNvSpPr>
+          <p:nvPr>
+            <p:ph type="sldNum" sz="quarter" idx="12"/>
+          </p:nvPr>
+        </p:nvSpPr>
+        <p:spPr/>
+        <p:txBody>
+          <a:bodyPr/>
+          <a:lstStyle/>
+          <a:p>
+            <a:pPr>
+              <a:defRPr/>
+            </a:pPr>
+            <a:fld id="{B2451C39-31DD-6D4B-9BED-758CF6C1BA6A}" type="slidenum">
+              <a:rPr lang="en-CA" smtClean="0"/>
+              <a:pPr>
+                <a:defRPr/>
+              </a:pPr>
+              <a:t>63</a:t>
+            </a:fld>
+            <a:endParaRPr lang="en-CA"/>
+          </a:p>
+        </p:txBody>
+      </p:sp>
+      <p:sp>
+        <p:nvSpPr>
+          <p:cNvPr id="4" name="Rectangle 3"/>
+          <p:cNvSpPr/>
+          <p:nvPr/>
+        </p:nvSpPr>
+        <p:spPr>
+          <a:xfrm>
+            <a:off x="2760446" y="3198168"/>
+            <a:ext cx="2787943" cy="830997"/>
+          </a:xfrm>
+          <a:prstGeom prst="rect">
+            <a:avLst/>
+          </a:prstGeom>
+        </p:spPr>
+        <p:txBody>
+          <a:bodyPr wrap="none">
+            <a:spAutoFit/>
+          </a:bodyPr>
+          <a:lstStyle/>
+          <a:p>
+            <a:r>
+              <a:rPr lang="en-US" dirty="0" smtClean="0"/>
+              <a:t>Read up on Maven</a:t>
+            </a:r>
+          </a:p>
+          <a:p>
+            <a:r>
+              <a:rPr lang="en-US" dirty="0" smtClean="0"/>
+              <a:t>Study for midterm</a:t>
+            </a:r>
+            <a:endParaRPr lang="en-US" dirty="0"/>
+          </a:p>
+        </p:txBody>
+      </p:sp>
+    </p:spTree>
+    <p:extLst>
+      <p:ext uri="{BB962C8B-B14F-4D97-AF65-F5344CB8AC3E}">
+        <p14:creationId xmlns:p14="http://schemas.microsoft.com/office/powerpoint/2010/main" val="2910948405"/>
+      </p:ext>
+    </p:extLst>
+  </p:cSld>
+  <p:clrMapOvr>
+    <a:masterClrMapping/>
+  </p:clrMapOvr>
 </p:sld>
 </file>
 

--- a/coursePresentation.pptx
+++ b/coursePresentation.pptx
@@ -5,10 +5,10 @@
     <p:sldMasterId id="2147484906" r:id="rId1"/>
   </p:sldMasterIdLst>
   <p:notesMasterIdLst>
-    <p:notesMasterId r:id="rId65"/>
+    <p:notesMasterId r:id="rId69"/>
   </p:notesMasterIdLst>
   <p:handoutMasterIdLst>
-    <p:handoutMasterId r:id="rId66"/>
+    <p:handoutMasterId r:id="rId70"/>
   </p:handoutMasterIdLst>
   <p:sldIdLst>
     <p:sldId id="257" r:id="rId2"/>
@@ -74,6 +74,10 @@
     <p:sldId id="381" r:id="rId62"/>
     <p:sldId id="382" r:id="rId63"/>
     <p:sldId id="379" r:id="rId64"/>
+    <p:sldId id="383" r:id="rId65"/>
+    <p:sldId id="384" r:id="rId66"/>
+    <p:sldId id="385" r:id="rId67"/>
+    <p:sldId id="386" r:id="rId68"/>
   </p:sldIdLst>
   <p:sldSz cx="9144000" cy="6858000" type="screen4x3"/>
   <p:notesSz cx="6858000" cy="9144000"/>
@@ -17128,6 +17132,741 @@
     <p:extLst>
       <p:ext uri="{BB962C8B-B14F-4D97-AF65-F5344CB8AC3E}">
         <p14:creationId xmlns:p14="http://schemas.microsoft.com/office/powerpoint/2010/main" val="2910948405"/>
+      </p:ext>
+    </p:extLst>
+  </p:cSld>
+  <p:clrMapOvr>
+    <a:masterClrMapping/>
+  </p:clrMapOvr>
+</p:sld>
+</file>
+
+<file path=ppt/slides/slide64.xml><?xml version="1.0" encoding="utf-8"?>
+<p:sld xmlns:a="http://schemas.openxmlformats.org/drawingml/2006/main" xmlns:r="http://schemas.openxmlformats.org/officeDocument/2006/relationships" xmlns:p="http://schemas.openxmlformats.org/presentationml/2006/main">
+  <p:cSld>
+    <p:spTree>
+      <p:nvGrpSpPr>
+        <p:cNvPr id="1" name=""/>
+        <p:cNvGrpSpPr/>
+        <p:nvPr/>
+      </p:nvGrpSpPr>
+      <p:grpSpPr>
+        <a:xfrm>
+          <a:off x="0" y="0"/>
+          <a:ext cx="0" cy="0"/>
+          <a:chOff x="0" y="0"/>
+          <a:chExt cx="0" cy="0"/>
+        </a:xfrm>
+      </p:grpSpPr>
+      <p:sp>
+        <p:nvSpPr>
+          <p:cNvPr id="2" name="Title 1"/>
+          <p:cNvSpPr>
+            <a:spLocks noGrp="1"/>
+          </p:cNvSpPr>
+          <p:nvPr>
+            <p:ph type="title"/>
+          </p:nvPr>
+        </p:nvSpPr>
+        <p:spPr/>
+        <p:txBody>
+          <a:bodyPr/>
+          <a:lstStyle/>
+          <a:p>
+            <a:r>
+              <a:rPr lang="en-US" dirty="0" err="1" smtClean="0"/>
+              <a:t>JavaFx</a:t>
+            </a:r>
+            <a:endParaRPr lang="en-US" dirty="0"/>
+          </a:p>
+        </p:txBody>
+      </p:sp>
+      <p:sp>
+        <p:nvSpPr>
+          <p:cNvPr id="3" name="Slide Number Placeholder 2"/>
+          <p:cNvSpPr>
+            <a:spLocks noGrp="1"/>
+          </p:cNvSpPr>
+          <p:nvPr>
+            <p:ph type="sldNum" sz="quarter" idx="12"/>
+          </p:nvPr>
+        </p:nvSpPr>
+        <p:spPr/>
+        <p:txBody>
+          <a:bodyPr/>
+          <a:lstStyle/>
+          <a:p>
+            <a:pPr>
+              <a:defRPr/>
+            </a:pPr>
+            <a:fld id="{B2451C39-31DD-6D4B-9BED-758CF6C1BA6A}" type="slidenum">
+              <a:rPr lang="en-CA" smtClean="0"/>
+              <a:pPr>
+                <a:defRPr/>
+              </a:pPr>
+              <a:t>64</a:t>
+            </a:fld>
+            <a:endParaRPr lang="en-CA"/>
+          </a:p>
+        </p:txBody>
+      </p:sp>
+      <p:sp>
+        <p:nvSpPr>
+          <p:cNvPr id="4" name="TextBox 3"/>
+          <p:cNvSpPr txBox="1"/>
+          <p:nvPr/>
+        </p:nvSpPr>
+        <p:spPr>
+          <a:xfrm>
+            <a:off x="1371601" y="1905000"/>
+            <a:ext cx="7086600" cy="3416320"/>
+          </a:xfrm>
+          <a:prstGeom prst="rect">
+            <a:avLst/>
+          </a:prstGeom>
+          <a:noFill/>
+        </p:spPr>
+        <p:txBody>
+          <a:bodyPr wrap="square" rtlCol="0">
+            <a:spAutoFit/>
+          </a:bodyPr>
+          <a:lstStyle/>
+          <a:p>
+            <a:pPr marL="342900" indent="-342900">
+              <a:buFont typeface="Arial" pitchFamily="34" charset="0"/>
+              <a:buChar char="•"/>
+            </a:pPr>
+            <a:r>
+              <a:rPr lang="en-US" dirty="0" smtClean="0"/>
+              <a:t>The De-facto way of Java desktop applications</a:t>
+            </a:r>
+          </a:p>
+          <a:p>
+            <a:pPr marL="342900" indent="-342900">
+              <a:buFont typeface="Arial" pitchFamily="34" charset="0"/>
+              <a:buChar char="•"/>
+            </a:pPr>
+            <a:r>
+              <a:rPr lang="en-US" dirty="0" smtClean="0"/>
+              <a:t>Successor of AWT, Swing</a:t>
+            </a:r>
+          </a:p>
+          <a:p>
+            <a:pPr marL="342900" indent="-342900">
+              <a:buFont typeface="Arial" pitchFamily="34" charset="0"/>
+              <a:buChar char="•"/>
+            </a:pPr>
+            <a:r>
+              <a:rPr lang="en-US" dirty="0" smtClean="0"/>
+              <a:t>Use Scene Builder plugin for eclipse</a:t>
+            </a:r>
+          </a:p>
+          <a:p>
+            <a:pPr marL="342900" indent="-342900">
+              <a:buFont typeface="Arial" pitchFamily="34" charset="0"/>
+              <a:buChar char="•"/>
+            </a:pPr>
+            <a:r>
+              <a:rPr lang="en-US" dirty="0">
+                <a:hlinkClick r:id="rId2"/>
+              </a:rPr>
+              <a:t>http://</a:t>
+            </a:r>
+            <a:r>
+              <a:rPr lang="en-US" dirty="0" smtClean="0">
+                <a:hlinkClick r:id="rId2"/>
+              </a:rPr>
+              <a:t>www.eclipse.org/efxclipse/install.html</a:t>
+            </a:r>
+            <a:endParaRPr lang="en-US" dirty="0" smtClean="0"/>
+          </a:p>
+          <a:p>
+            <a:pPr marL="342900" indent="-342900">
+              <a:buFont typeface="Arial" pitchFamily="34" charset="0"/>
+              <a:buChar char="•"/>
+            </a:pPr>
+            <a:r>
+              <a:rPr lang="en-US" dirty="0">
+                <a:hlinkClick r:id="rId3"/>
+              </a:rPr>
+              <a:t>http://download.eclipse.org/modeling/tmf/xtext/updates/composite/releases</a:t>
+            </a:r>
+            <a:r>
+              <a:rPr lang="en-US" dirty="0" smtClean="0">
+                <a:hlinkClick r:id="rId3"/>
+              </a:rPr>
+              <a:t>/</a:t>
+            </a:r>
+            <a:endParaRPr lang="en-US" dirty="0" smtClean="0"/>
+          </a:p>
+          <a:p>
+            <a:pPr marL="342900" indent="-342900">
+              <a:buFont typeface="Arial" pitchFamily="34" charset="0"/>
+              <a:buChar char="•"/>
+            </a:pPr>
+            <a:r>
+              <a:rPr lang="en-US" dirty="0">
+                <a:hlinkClick r:id="rId4"/>
+              </a:rPr>
+              <a:t>http://download.eclipse.org/efxclipse/updates-released/0.9.0/site</a:t>
+            </a:r>
+            <a:endParaRPr lang="en-US" dirty="0" smtClean="0"/>
+          </a:p>
+          <a:p>
+            <a:pPr marL="342900" indent="-342900">
+              <a:buFont typeface="Arial" pitchFamily="34" charset="0"/>
+              <a:buChar char="•"/>
+            </a:pPr>
+            <a:endParaRPr lang="en-US" dirty="0"/>
+          </a:p>
+        </p:txBody>
+      </p:sp>
+    </p:spTree>
+    <p:extLst>
+      <p:ext uri="{BB962C8B-B14F-4D97-AF65-F5344CB8AC3E}">
+        <p14:creationId xmlns:p14="http://schemas.microsoft.com/office/powerpoint/2010/main" val="1758683530"/>
+      </p:ext>
+    </p:extLst>
+  </p:cSld>
+  <p:clrMapOvr>
+    <a:masterClrMapping/>
+  </p:clrMapOvr>
+</p:sld>
+</file>
+
+<file path=ppt/slides/slide65.xml><?xml version="1.0" encoding="utf-8"?>
+<p:sld xmlns:a="http://schemas.openxmlformats.org/drawingml/2006/main" xmlns:r="http://schemas.openxmlformats.org/officeDocument/2006/relationships" xmlns:p="http://schemas.openxmlformats.org/presentationml/2006/main">
+  <p:cSld>
+    <p:spTree>
+      <p:nvGrpSpPr>
+        <p:cNvPr id="1" name=""/>
+        <p:cNvGrpSpPr/>
+        <p:nvPr/>
+      </p:nvGrpSpPr>
+      <p:grpSpPr>
+        <a:xfrm>
+          <a:off x="0" y="0"/>
+          <a:ext cx="0" cy="0"/>
+          <a:chOff x="0" y="0"/>
+          <a:chExt cx="0" cy="0"/>
+        </a:xfrm>
+      </p:grpSpPr>
+      <p:sp>
+        <p:nvSpPr>
+          <p:cNvPr id="2" name="Title 1"/>
+          <p:cNvSpPr>
+            <a:spLocks noGrp="1"/>
+          </p:cNvSpPr>
+          <p:nvPr>
+            <p:ph type="title"/>
+          </p:nvPr>
+        </p:nvSpPr>
+        <p:spPr/>
+        <p:txBody>
+          <a:bodyPr/>
+          <a:lstStyle/>
+          <a:p>
+            <a:r>
+              <a:rPr lang="en-US" dirty="0" err="1" smtClean="0"/>
+              <a:t>JavaFx</a:t>
+            </a:r>
+            <a:r>
+              <a:rPr lang="en-US" dirty="0" smtClean="0"/>
+              <a:t> (</a:t>
+            </a:r>
+            <a:r>
+              <a:rPr lang="en-US" dirty="0" err="1" smtClean="0"/>
+              <a:t>cont</a:t>
+            </a:r>
+            <a:r>
+              <a:rPr lang="en-US" dirty="0" smtClean="0"/>
+              <a:t>)</a:t>
+            </a:r>
+            <a:endParaRPr lang="en-US" dirty="0"/>
+          </a:p>
+        </p:txBody>
+      </p:sp>
+      <p:sp>
+        <p:nvSpPr>
+          <p:cNvPr id="3" name="Slide Number Placeholder 2"/>
+          <p:cNvSpPr>
+            <a:spLocks noGrp="1"/>
+          </p:cNvSpPr>
+          <p:nvPr>
+            <p:ph type="sldNum" sz="quarter" idx="12"/>
+          </p:nvPr>
+        </p:nvSpPr>
+        <p:spPr/>
+        <p:txBody>
+          <a:bodyPr/>
+          <a:lstStyle/>
+          <a:p>
+            <a:pPr>
+              <a:defRPr/>
+            </a:pPr>
+            <a:fld id="{B2451C39-31DD-6D4B-9BED-758CF6C1BA6A}" type="slidenum">
+              <a:rPr lang="en-CA" smtClean="0"/>
+              <a:pPr>
+                <a:defRPr/>
+              </a:pPr>
+              <a:t>65</a:t>
+            </a:fld>
+            <a:endParaRPr lang="en-CA"/>
+          </a:p>
+        </p:txBody>
+      </p:sp>
+      <p:sp>
+        <p:nvSpPr>
+          <p:cNvPr id="4" name="TextBox 3"/>
+          <p:cNvSpPr txBox="1"/>
+          <p:nvPr/>
+        </p:nvSpPr>
+        <p:spPr>
+          <a:xfrm>
+            <a:off x="1447800" y="1752600"/>
+            <a:ext cx="6705600" cy="1938992"/>
+          </a:xfrm>
+          <a:prstGeom prst="rect">
+            <a:avLst/>
+          </a:prstGeom>
+          <a:noFill/>
+        </p:spPr>
+        <p:txBody>
+          <a:bodyPr wrap="square" rtlCol="0">
+            <a:spAutoFit/>
+          </a:bodyPr>
+          <a:lstStyle/>
+          <a:p>
+            <a:r>
+              <a:rPr lang="en-US" dirty="0" smtClean="0"/>
+              <a:t>Tutorial: </a:t>
+            </a:r>
+            <a:r>
+              <a:rPr lang="en-US" dirty="0" smtClean="0">
+                <a:hlinkClick r:id="rId2"/>
+              </a:rPr>
+              <a:t>http</a:t>
+            </a:r>
+            <a:r>
+              <a:rPr lang="en-US" dirty="0">
+                <a:hlinkClick r:id="rId2"/>
+              </a:rPr>
+              <a:t>://</a:t>
+            </a:r>
+            <a:r>
+              <a:rPr lang="en-US" dirty="0" smtClean="0">
+                <a:hlinkClick r:id="rId2"/>
+              </a:rPr>
+              <a:t>docs.oracle.com/javafx/scenebuilder/1/use_java_ides/sb-with-eclipse.htm</a:t>
+            </a:r>
+            <a:endParaRPr lang="en-US" dirty="0" smtClean="0"/>
+          </a:p>
+          <a:p>
+            <a:endParaRPr lang="en-US" dirty="0" smtClean="0"/>
+          </a:p>
+          <a:p>
+            <a:endParaRPr lang="en-US" dirty="0" smtClean="0"/>
+          </a:p>
+        </p:txBody>
+      </p:sp>
+      <p:pic>
+        <p:nvPicPr>
+          <p:cNvPr id="6" name="Picture 2"/>
+          <p:cNvPicPr>
+            <a:picLocks noChangeAspect="1" noChangeArrowheads="1"/>
+          </p:cNvPicPr>
+          <p:nvPr/>
+        </p:nvPicPr>
+        <p:blipFill>
+          <a:blip r:embed="rId3">
+            <a:extLst>
+              <a:ext uri="{28A0092B-C50C-407E-A947-70E740481C1C}">
+                <a14:useLocalDpi xmlns:a14="http://schemas.microsoft.com/office/drawing/2010/main" val="0"/>
+              </a:ext>
+            </a:extLst>
+          </a:blip>
+          <a:srcRect/>
+          <a:stretch>
+            <a:fillRect/>
+          </a:stretch>
+        </p:blipFill>
+        <p:spPr bwMode="auto">
+          <a:xfrm>
+            <a:off x="2099398" y="3048000"/>
+            <a:ext cx="3338512" cy="3179535"/>
+          </a:xfrm>
+          <a:prstGeom prst="rect">
+            <a:avLst/>
+          </a:prstGeom>
+          <a:noFill/>
+          <a:ln>
+            <a:noFill/>
+          </a:ln>
+          <a:effectLst/>
+          <a:extLst>
+            <a:ext uri="{909E8E84-426E-40DD-AFC4-6F175D3DCCD1}">
+              <a14:hiddenFill xmlns:a14="http://schemas.microsoft.com/office/drawing/2010/main">
+                <a:solidFill>
+                  <a:schemeClr val="accent1"/>
+                </a:solidFill>
+              </a14:hiddenFill>
+            </a:ext>
+            <a:ext uri="{91240B29-F687-4F45-9708-019B960494DF}">
+              <a14:hiddenLine xmlns:a14="http://schemas.microsoft.com/office/drawing/2010/main" w="9525">
+                <a:solidFill>
+                  <a:schemeClr val="tx1"/>
+                </a:solidFill>
+                <a:miter lim="800000"/>
+                <a:headEnd/>
+                <a:tailEnd/>
+              </a14:hiddenLine>
+            </a:ext>
+            <a:ext uri="{AF507438-7753-43E0-B8FC-AC1667EBCBE1}">
+              <a14:hiddenEffects xmlns:a14="http://schemas.microsoft.com/office/drawing/2010/main">
+                <a:effectLst>
+                  <a:outerShdw dist="35921" dir="2700000" algn="ctr" rotWithShape="0">
+                    <a:schemeClr val="bg2"/>
+                  </a:outerShdw>
+                </a:effectLst>
+              </a14:hiddenEffects>
+            </a:ext>
+          </a:extLst>
+        </p:spPr>
+      </p:pic>
+    </p:spTree>
+    <p:extLst>
+      <p:ext uri="{BB962C8B-B14F-4D97-AF65-F5344CB8AC3E}">
+        <p14:creationId xmlns:p14="http://schemas.microsoft.com/office/powerpoint/2010/main" val="2391453768"/>
+      </p:ext>
+    </p:extLst>
+  </p:cSld>
+  <p:clrMapOvr>
+    <a:masterClrMapping/>
+  </p:clrMapOvr>
+</p:sld>
+</file>
+
+<file path=ppt/slides/slide66.xml><?xml version="1.0" encoding="utf-8"?>
+<p:sld xmlns:a="http://schemas.openxmlformats.org/drawingml/2006/main" xmlns:r="http://schemas.openxmlformats.org/officeDocument/2006/relationships" xmlns:p="http://schemas.openxmlformats.org/presentationml/2006/main">
+  <p:cSld>
+    <p:spTree>
+      <p:nvGrpSpPr>
+        <p:cNvPr id="1" name=""/>
+        <p:cNvGrpSpPr/>
+        <p:nvPr/>
+      </p:nvGrpSpPr>
+      <p:grpSpPr>
+        <a:xfrm>
+          <a:off x="0" y="0"/>
+          <a:ext cx="0" cy="0"/>
+          <a:chOff x="0" y="0"/>
+          <a:chExt cx="0" cy="0"/>
+        </a:xfrm>
+      </p:grpSpPr>
+      <p:sp>
+        <p:nvSpPr>
+          <p:cNvPr id="2" name="Title 1"/>
+          <p:cNvSpPr>
+            <a:spLocks noGrp="1"/>
+          </p:cNvSpPr>
+          <p:nvPr>
+            <p:ph type="title"/>
+          </p:nvPr>
+        </p:nvSpPr>
+        <p:spPr/>
+        <p:txBody>
+          <a:bodyPr/>
+          <a:lstStyle/>
+          <a:p>
+            <a:r>
+              <a:rPr lang="en-US" dirty="0" err="1" smtClean="0"/>
+              <a:t>JavaFx</a:t>
+            </a:r>
+            <a:r>
+              <a:rPr lang="en-US" dirty="0" smtClean="0"/>
+              <a:t> (</a:t>
+            </a:r>
+            <a:r>
+              <a:rPr lang="en-US" dirty="0" err="1" smtClean="0"/>
+              <a:t>cont</a:t>
+            </a:r>
+            <a:r>
+              <a:rPr lang="en-US" dirty="0" smtClean="0"/>
+              <a:t>)</a:t>
+            </a:r>
+            <a:endParaRPr lang="en-US" dirty="0"/>
+          </a:p>
+        </p:txBody>
+      </p:sp>
+      <p:sp>
+        <p:nvSpPr>
+          <p:cNvPr id="3" name="Slide Number Placeholder 2"/>
+          <p:cNvSpPr>
+            <a:spLocks noGrp="1"/>
+          </p:cNvSpPr>
+          <p:nvPr>
+            <p:ph type="sldNum" sz="quarter" idx="12"/>
+          </p:nvPr>
+        </p:nvSpPr>
+        <p:spPr/>
+        <p:txBody>
+          <a:bodyPr/>
+          <a:lstStyle/>
+          <a:p>
+            <a:pPr>
+              <a:defRPr/>
+            </a:pPr>
+            <a:fld id="{B2451C39-31DD-6D4B-9BED-758CF6C1BA6A}" type="slidenum">
+              <a:rPr lang="en-CA" smtClean="0"/>
+              <a:pPr>
+                <a:defRPr/>
+              </a:pPr>
+              <a:t>66</a:t>
+            </a:fld>
+            <a:endParaRPr lang="en-CA"/>
+          </a:p>
+        </p:txBody>
+      </p:sp>
+      <p:sp>
+        <p:nvSpPr>
+          <p:cNvPr id="4" name="TextBox 3"/>
+          <p:cNvSpPr txBox="1"/>
+          <p:nvPr/>
+        </p:nvSpPr>
+        <p:spPr>
+          <a:xfrm>
+            <a:off x="1371600" y="2133600"/>
+            <a:ext cx="7580345" cy="1200329"/>
+          </a:xfrm>
+          <a:prstGeom prst="rect">
+            <a:avLst/>
+          </a:prstGeom>
+          <a:noFill/>
+        </p:spPr>
+        <p:txBody>
+          <a:bodyPr wrap="none" rtlCol="0">
+            <a:spAutoFit/>
+          </a:bodyPr>
+          <a:lstStyle/>
+          <a:p>
+            <a:r>
+              <a:rPr lang="en-US" dirty="0"/>
+              <a:t>Or take a look at my Demo: </a:t>
+            </a:r>
+            <a:r>
+              <a:rPr lang="en-US" dirty="0" err="1"/>
+              <a:t>JavaFXMainDemo</a:t>
+            </a:r>
+            <a:endParaRPr lang="en-US" dirty="0"/>
+          </a:p>
+          <a:p>
+            <a:r>
+              <a:rPr lang="en-US" dirty="0" smtClean="0"/>
+              <a:t>Note, if you have Scene Builder installed, you</a:t>
+            </a:r>
+          </a:p>
+          <a:p>
+            <a:r>
+              <a:rPr lang="en-US" dirty="0" smtClean="0"/>
+              <a:t>Can view </a:t>
+            </a:r>
+            <a:r>
+              <a:rPr lang="en-US" dirty="0" err="1" smtClean="0"/>
+              <a:t>Teacher.fxml</a:t>
+            </a:r>
+            <a:r>
+              <a:rPr lang="en-US" dirty="0" smtClean="0"/>
+              <a:t> with “Open with Scene Builder”</a:t>
+            </a:r>
+            <a:endParaRPr lang="en-US" dirty="0"/>
+          </a:p>
+        </p:txBody>
+      </p:sp>
+    </p:spTree>
+    <p:extLst>
+      <p:ext uri="{BB962C8B-B14F-4D97-AF65-F5344CB8AC3E}">
+        <p14:creationId xmlns:p14="http://schemas.microsoft.com/office/powerpoint/2010/main" val="2925371443"/>
+      </p:ext>
+    </p:extLst>
+  </p:cSld>
+  <p:clrMapOvr>
+    <a:masterClrMapping/>
+  </p:clrMapOvr>
+</p:sld>
+</file>
+
+<file path=ppt/slides/slide67.xml><?xml version="1.0" encoding="utf-8"?>
+<p:sld xmlns:a="http://schemas.openxmlformats.org/drawingml/2006/main" xmlns:r="http://schemas.openxmlformats.org/officeDocument/2006/relationships" xmlns:p="http://schemas.openxmlformats.org/presentationml/2006/main">
+  <p:cSld>
+    <p:spTree>
+      <p:nvGrpSpPr>
+        <p:cNvPr id="1" name=""/>
+        <p:cNvGrpSpPr/>
+        <p:nvPr/>
+      </p:nvGrpSpPr>
+      <p:grpSpPr>
+        <a:xfrm>
+          <a:off x="0" y="0"/>
+          <a:ext cx="0" cy="0"/>
+          <a:chOff x="0" y="0"/>
+          <a:chExt cx="0" cy="0"/>
+        </a:xfrm>
+      </p:grpSpPr>
+      <p:sp>
+        <p:nvSpPr>
+          <p:cNvPr id="2" name="Title 1"/>
+          <p:cNvSpPr>
+            <a:spLocks noGrp="1"/>
+          </p:cNvSpPr>
+          <p:nvPr>
+            <p:ph type="title"/>
+          </p:nvPr>
+        </p:nvSpPr>
+        <p:spPr/>
+        <p:txBody>
+          <a:bodyPr/>
+          <a:lstStyle/>
+          <a:p>
+            <a:r>
+              <a:rPr lang="en-US" dirty="0" smtClean="0"/>
+              <a:t>Lots of bugs in my Application …</a:t>
+            </a:r>
+            <a:endParaRPr lang="en-US" dirty="0"/>
+          </a:p>
+        </p:txBody>
+      </p:sp>
+      <p:sp>
+        <p:nvSpPr>
+          <p:cNvPr id="3" name="Slide Number Placeholder 2"/>
+          <p:cNvSpPr>
+            <a:spLocks noGrp="1"/>
+          </p:cNvSpPr>
+          <p:nvPr>
+            <p:ph type="sldNum" sz="quarter" idx="12"/>
+          </p:nvPr>
+        </p:nvSpPr>
+        <p:spPr/>
+        <p:txBody>
+          <a:bodyPr/>
+          <a:lstStyle/>
+          <a:p>
+            <a:pPr>
+              <a:defRPr/>
+            </a:pPr>
+            <a:fld id="{B2451C39-31DD-6D4B-9BED-758CF6C1BA6A}" type="slidenum">
+              <a:rPr lang="en-CA" smtClean="0"/>
+              <a:pPr>
+                <a:defRPr/>
+              </a:pPr>
+              <a:t>67</a:t>
+            </a:fld>
+            <a:endParaRPr lang="en-CA"/>
+          </a:p>
+        </p:txBody>
+      </p:sp>
+      <p:sp>
+        <p:nvSpPr>
+          <p:cNvPr id="4" name="TextBox 3"/>
+          <p:cNvSpPr txBox="1"/>
+          <p:nvPr/>
+        </p:nvSpPr>
+        <p:spPr>
+          <a:xfrm>
+            <a:off x="1600201" y="1752600"/>
+            <a:ext cx="6934200" cy="3416320"/>
+          </a:xfrm>
+          <a:prstGeom prst="rect">
+            <a:avLst/>
+          </a:prstGeom>
+          <a:noFill/>
+        </p:spPr>
+        <p:txBody>
+          <a:bodyPr wrap="square" rtlCol="0">
+            <a:spAutoFit/>
+          </a:bodyPr>
+          <a:lstStyle/>
+          <a:p>
+            <a:pPr marL="342900" indent="-342900">
+              <a:buFont typeface="Arial" pitchFamily="34" charset="0"/>
+              <a:buChar char="•"/>
+            </a:pPr>
+            <a:r>
+              <a:rPr lang="en-US" dirty="0" smtClean="0"/>
+              <a:t>But that’s OK, because it’s a Demo</a:t>
+            </a:r>
+          </a:p>
+          <a:p>
+            <a:pPr marL="342900" indent="-342900">
+              <a:buFont typeface="Arial" pitchFamily="34" charset="0"/>
+              <a:buChar char="•"/>
+            </a:pPr>
+            <a:r>
+              <a:rPr lang="en-US" dirty="0" smtClean="0"/>
+              <a:t>Your job is to do something similar with</a:t>
+            </a:r>
+          </a:p>
+          <a:p>
+            <a:r>
+              <a:rPr lang="en-US" dirty="0" smtClean="0"/>
+              <a:t>your project.  Start simple.  Begin with just</a:t>
+            </a:r>
+          </a:p>
+          <a:p>
+            <a:r>
+              <a:rPr lang="en-US" dirty="0" smtClean="0"/>
+              <a:t>One of your data models and create the table,</a:t>
+            </a:r>
+          </a:p>
+          <a:p>
+            <a:r>
+              <a:rPr lang="en-US" dirty="0" smtClean="0"/>
+              <a:t>New, Save, Delete buttons</a:t>
+            </a:r>
+          </a:p>
+          <a:p>
+            <a:pPr marL="342900" indent="-342900">
+              <a:buFont typeface="Arial" pitchFamily="34" charset="0"/>
+              <a:buChar char="•"/>
+            </a:pPr>
+            <a:r>
+              <a:rPr lang="en-US" dirty="0" smtClean="0"/>
+              <a:t>Re-use as much of my code as you want</a:t>
+            </a:r>
+          </a:p>
+          <a:p>
+            <a:pPr marL="342900" indent="-342900">
+              <a:buFont typeface="Arial" pitchFamily="34" charset="0"/>
+              <a:buChar char="•"/>
+            </a:pPr>
+            <a:r>
+              <a:rPr lang="en-US" dirty="0" smtClean="0"/>
+              <a:t>Honestly, the BEST way to learn Java </a:t>
+            </a:r>
+            <a:r>
+              <a:rPr lang="en-US" dirty="0" err="1" smtClean="0"/>
+              <a:t>Fx</a:t>
+            </a:r>
+            <a:r>
+              <a:rPr lang="en-US" dirty="0" smtClean="0"/>
+              <a:t> is by</a:t>
+            </a:r>
+          </a:p>
+          <a:p>
+            <a:pPr marL="342900" indent="-342900">
+              <a:buFont typeface="Arial" pitchFamily="34" charset="0"/>
+              <a:buChar char="•"/>
+            </a:pPr>
+            <a:r>
+              <a:rPr lang="en-US" dirty="0" smtClean="0"/>
+              <a:t>Digging into a project … program, program, program!</a:t>
+            </a:r>
+          </a:p>
+        </p:txBody>
+      </p:sp>
+    </p:spTree>
+    <p:extLst>
+      <p:ext uri="{BB962C8B-B14F-4D97-AF65-F5344CB8AC3E}">
+        <p14:creationId xmlns:p14="http://schemas.microsoft.com/office/powerpoint/2010/main" val="2215259785"/>
       </p:ext>
     </p:extLst>
   </p:cSld>

--- a/coursePresentation.pptx
+++ b/coursePresentation.pptx
@@ -5,10 +5,10 @@
     <p:sldMasterId id="2147484906" r:id="rId1"/>
   </p:sldMasterIdLst>
   <p:notesMasterIdLst>
-    <p:notesMasterId r:id="rId69"/>
+    <p:notesMasterId r:id="rId77"/>
   </p:notesMasterIdLst>
   <p:handoutMasterIdLst>
-    <p:handoutMasterId r:id="rId70"/>
+    <p:handoutMasterId r:id="rId78"/>
   </p:handoutMasterIdLst>
   <p:sldIdLst>
     <p:sldId id="257" r:id="rId2"/>
@@ -78,6 +78,14 @@
     <p:sldId id="384" r:id="rId66"/>
     <p:sldId id="385" r:id="rId67"/>
     <p:sldId id="386" r:id="rId68"/>
+    <p:sldId id="387" r:id="rId69"/>
+    <p:sldId id="388" r:id="rId70"/>
+    <p:sldId id="389" r:id="rId71"/>
+    <p:sldId id="390" r:id="rId72"/>
+    <p:sldId id="391" r:id="rId73"/>
+    <p:sldId id="392" r:id="rId74"/>
+    <p:sldId id="393" r:id="rId75"/>
+    <p:sldId id="394" r:id="rId76"/>
   </p:sldIdLst>
   <p:sldSz cx="9144000" cy="6858000" type="screen4x3"/>
   <p:notesSz cx="6858000" cy="9144000"/>
@@ -17876,6 +17884,268 @@
 </p:sld>
 </file>
 
+<file path=ppt/slides/slide68.xml><?xml version="1.0" encoding="utf-8"?>
+<p:sld xmlns:a="http://schemas.openxmlformats.org/drawingml/2006/main" xmlns:r="http://schemas.openxmlformats.org/officeDocument/2006/relationships" xmlns:p="http://schemas.openxmlformats.org/presentationml/2006/main">
+  <p:cSld>
+    <p:spTree>
+      <p:nvGrpSpPr>
+        <p:cNvPr id="1" name=""/>
+        <p:cNvGrpSpPr/>
+        <p:nvPr/>
+      </p:nvGrpSpPr>
+      <p:grpSpPr>
+        <a:xfrm>
+          <a:off x="0" y="0"/>
+          <a:ext cx="0" cy="0"/>
+          <a:chOff x="0" y="0"/>
+          <a:chExt cx="0" cy="0"/>
+        </a:xfrm>
+      </p:grpSpPr>
+      <p:sp>
+        <p:nvSpPr>
+          <p:cNvPr id="2" name="Title 1"/>
+          <p:cNvSpPr>
+            <a:spLocks noGrp="1"/>
+          </p:cNvSpPr>
+          <p:nvPr>
+            <p:ph type="title"/>
+          </p:nvPr>
+        </p:nvSpPr>
+        <p:spPr/>
+        <p:txBody>
+          <a:bodyPr/>
+          <a:lstStyle/>
+          <a:p>
+            <a:r>
+              <a:rPr lang="en-US" dirty="0" smtClean="0"/>
+              <a:t>Homework</a:t>
+            </a:r>
+            <a:endParaRPr lang="en-US" dirty="0"/>
+          </a:p>
+        </p:txBody>
+      </p:sp>
+      <p:sp>
+        <p:nvSpPr>
+          <p:cNvPr id="3" name="Slide Number Placeholder 2"/>
+          <p:cNvSpPr>
+            <a:spLocks noGrp="1"/>
+          </p:cNvSpPr>
+          <p:nvPr>
+            <p:ph type="sldNum" sz="quarter" idx="12"/>
+          </p:nvPr>
+        </p:nvSpPr>
+        <p:spPr/>
+        <p:txBody>
+          <a:bodyPr/>
+          <a:lstStyle/>
+          <a:p>
+            <a:pPr>
+              <a:defRPr/>
+            </a:pPr>
+            <a:fld id="{B2451C39-31DD-6D4B-9BED-758CF6C1BA6A}" type="slidenum">
+              <a:rPr lang="en-CA" smtClean="0"/>
+              <a:pPr>
+                <a:defRPr/>
+              </a:pPr>
+              <a:t>68</a:t>
+            </a:fld>
+            <a:endParaRPr lang="en-CA"/>
+          </a:p>
+        </p:txBody>
+      </p:sp>
+      <p:sp>
+        <p:nvSpPr>
+          <p:cNvPr id="4" name="TextBox 3"/>
+          <p:cNvSpPr txBox="1"/>
+          <p:nvPr/>
+        </p:nvSpPr>
+        <p:spPr>
+          <a:xfrm>
+            <a:off x="1371600" y="2057400"/>
+            <a:ext cx="2906565" cy="461665"/>
+          </a:xfrm>
+          <a:prstGeom prst="rect">
+            <a:avLst/>
+          </a:prstGeom>
+          <a:noFill/>
+        </p:spPr>
+        <p:txBody>
+          <a:bodyPr wrap="none" rtlCol="0">
+            <a:spAutoFit/>
+          </a:bodyPr>
+          <a:lstStyle/>
+          <a:p>
+            <a:r>
+              <a:rPr lang="en-US" dirty="0" smtClean="0"/>
+              <a:t>Read up on </a:t>
+            </a:r>
+            <a:r>
+              <a:rPr lang="en-US" dirty="0" err="1" smtClean="0"/>
+              <a:t>JavaFX</a:t>
+            </a:r>
+            <a:endParaRPr lang="en-US" dirty="0"/>
+          </a:p>
+        </p:txBody>
+      </p:sp>
+    </p:spTree>
+    <p:extLst>
+      <p:ext uri="{BB962C8B-B14F-4D97-AF65-F5344CB8AC3E}">
+        <p14:creationId xmlns:p14="http://schemas.microsoft.com/office/powerpoint/2010/main" val="3853638706"/>
+      </p:ext>
+    </p:extLst>
+  </p:cSld>
+  <p:clrMapOvr>
+    <a:masterClrMapping/>
+  </p:clrMapOvr>
+</p:sld>
+</file>
+
+<file path=ppt/slides/slide69.xml><?xml version="1.0" encoding="utf-8"?>
+<p:sld xmlns:a="http://schemas.openxmlformats.org/drawingml/2006/main" xmlns:r="http://schemas.openxmlformats.org/officeDocument/2006/relationships" xmlns:p="http://schemas.openxmlformats.org/presentationml/2006/main">
+  <p:cSld>
+    <p:spTree>
+      <p:nvGrpSpPr>
+        <p:cNvPr id="1" name=""/>
+        <p:cNvGrpSpPr/>
+        <p:nvPr/>
+      </p:nvGrpSpPr>
+      <p:grpSpPr>
+        <a:xfrm>
+          <a:off x="0" y="0"/>
+          <a:ext cx="0" cy="0"/>
+          <a:chOff x="0" y="0"/>
+          <a:chExt cx="0" cy="0"/>
+        </a:xfrm>
+      </p:grpSpPr>
+      <p:sp>
+        <p:nvSpPr>
+          <p:cNvPr id="2" name="Title 1"/>
+          <p:cNvSpPr>
+            <a:spLocks noGrp="1"/>
+          </p:cNvSpPr>
+          <p:nvPr>
+            <p:ph type="title"/>
+          </p:nvPr>
+        </p:nvSpPr>
+        <p:spPr/>
+        <p:txBody>
+          <a:bodyPr/>
+          <a:lstStyle/>
+          <a:p>
+            <a:r>
+              <a:rPr lang="en-US" dirty="0" smtClean="0"/>
+              <a:t>Java applets</a:t>
+            </a:r>
+            <a:endParaRPr lang="en-US" dirty="0"/>
+          </a:p>
+        </p:txBody>
+      </p:sp>
+      <p:sp>
+        <p:nvSpPr>
+          <p:cNvPr id="3" name="Slide Number Placeholder 2"/>
+          <p:cNvSpPr>
+            <a:spLocks noGrp="1"/>
+          </p:cNvSpPr>
+          <p:nvPr>
+            <p:ph type="sldNum" sz="quarter" idx="12"/>
+          </p:nvPr>
+        </p:nvSpPr>
+        <p:spPr/>
+        <p:txBody>
+          <a:bodyPr/>
+          <a:lstStyle/>
+          <a:p>
+            <a:pPr>
+              <a:defRPr/>
+            </a:pPr>
+            <a:fld id="{B2451C39-31DD-6D4B-9BED-758CF6C1BA6A}" type="slidenum">
+              <a:rPr lang="en-CA" smtClean="0"/>
+              <a:pPr>
+                <a:defRPr/>
+              </a:pPr>
+              <a:t>69</a:t>
+            </a:fld>
+            <a:endParaRPr lang="en-CA"/>
+          </a:p>
+        </p:txBody>
+      </p:sp>
+      <p:sp>
+        <p:nvSpPr>
+          <p:cNvPr id="4" name="TextBox 3"/>
+          <p:cNvSpPr txBox="1"/>
+          <p:nvPr/>
+        </p:nvSpPr>
+        <p:spPr>
+          <a:xfrm>
+            <a:off x="1600200" y="2438400"/>
+            <a:ext cx="5957080" cy="1569660"/>
+          </a:xfrm>
+          <a:prstGeom prst="rect">
+            <a:avLst/>
+          </a:prstGeom>
+          <a:noFill/>
+        </p:spPr>
+        <p:txBody>
+          <a:bodyPr wrap="none" rtlCol="0">
+            <a:spAutoFit/>
+          </a:bodyPr>
+          <a:lstStyle/>
+          <a:p>
+            <a:pPr marL="342900" indent="-342900">
+              <a:buFont typeface="Arial" pitchFamily="34" charset="0"/>
+              <a:buChar char="•"/>
+            </a:pPr>
+            <a:r>
+              <a:rPr lang="en-US" dirty="0" smtClean="0"/>
+              <a:t>What is an applet?</a:t>
+            </a:r>
+          </a:p>
+          <a:p>
+            <a:pPr marL="342900" indent="-342900">
+              <a:buFont typeface="Arial" pitchFamily="34" charset="0"/>
+              <a:buChar char="•"/>
+            </a:pPr>
+            <a:r>
+              <a:rPr lang="en-US" dirty="0" smtClean="0"/>
+              <a:t>It’s a way to show your java application</a:t>
+            </a:r>
+          </a:p>
+          <a:p>
+            <a:pPr marL="342900" indent="-342900">
+              <a:buFont typeface="Arial" pitchFamily="34" charset="0"/>
+              <a:buChar char="•"/>
+            </a:pPr>
+            <a:r>
+              <a:rPr lang="en-US" dirty="0" smtClean="0"/>
+              <a:t>On a webpage … think of it like a plugin</a:t>
+            </a:r>
+          </a:p>
+          <a:p>
+            <a:pPr marL="342900" indent="-342900">
+              <a:buFont typeface="Arial" pitchFamily="34" charset="0"/>
+              <a:buChar char="•"/>
+            </a:pPr>
+            <a:r>
+              <a:rPr lang="en-US" dirty="0" smtClean="0"/>
+              <a:t>Similar to Flash</a:t>
+            </a:r>
+            <a:endParaRPr lang="en-US" dirty="0"/>
+          </a:p>
+        </p:txBody>
+      </p:sp>
+    </p:spTree>
+    <p:extLst>
+      <p:ext uri="{BB962C8B-B14F-4D97-AF65-F5344CB8AC3E}">
+        <p14:creationId xmlns:p14="http://schemas.microsoft.com/office/powerpoint/2010/main" val="2587190784"/>
+      </p:ext>
+    </p:extLst>
+  </p:cSld>
+  <p:clrMapOvr>
+    <a:masterClrMapping/>
+  </p:clrMapOvr>
+</p:sld>
+</file>
+
 <file path=ppt/slides/slide7.xml><?xml version="1.0" encoding="utf-8"?>
 <p:sld xmlns:a="http://schemas.openxmlformats.org/drawingml/2006/main" xmlns:r="http://schemas.openxmlformats.org/officeDocument/2006/relationships" xmlns:p="http://schemas.openxmlformats.org/presentationml/2006/main">
   <p:cSld>
@@ -18101,6 +18371,993 @@
       </p:par>
     </p:tnLst>
   </p:timing>
+</p:sld>
+</file>
+
+<file path=ppt/slides/slide70.xml><?xml version="1.0" encoding="utf-8"?>
+<p:sld xmlns:a="http://schemas.openxmlformats.org/drawingml/2006/main" xmlns:r="http://schemas.openxmlformats.org/officeDocument/2006/relationships" xmlns:p="http://schemas.openxmlformats.org/presentationml/2006/main">
+  <p:cSld>
+    <p:spTree>
+      <p:nvGrpSpPr>
+        <p:cNvPr id="1" name=""/>
+        <p:cNvGrpSpPr/>
+        <p:nvPr/>
+      </p:nvGrpSpPr>
+      <p:grpSpPr>
+        <a:xfrm>
+          <a:off x="0" y="0"/>
+          <a:ext cx="0" cy="0"/>
+          <a:chOff x="0" y="0"/>
+          <a:chExt cx="0" cy="0"/>
+        </a:xfrm>
+      </p:grpSpPr>
+      <p:sp>
+        <p:nvSpPr>
+          <p:cNvPr id="2" name="Title 1"/>
+          <p:cNvSpPr>
+            <a:spLocks noGrp="1"/>
+          </p:cNvSpPr>
+          <p:nvPr>
+            <p:ph type="title"/>
+          </p:nvPr>
+        </p:nvSpPr>
+        <p:spPr/>
+        <p:txBody>
+          <a:bodyPr/>
+          <a:lstStyle/>
+          <a:p>
+            <a:r>
+              <a:rPr lang="en-US" dirty="0" smtClean="0"/>
+              <a:t>Food for thought…</a:t>
+            </a:r>
+            <a:endParaRPr lang="en-US" dirty="0"/>
+          </a:p>
+        </p:txBody>
+      </p:sp>
+      <p:sp>
+        <p:nvSpPr>
+          <p:cNvPr id="3" name="Slide Number Placeholder 2"/>
+          <p:cNvSpPr>
+            <a:spLocks noGrp="1"/>
+          </p:cNvSpPr>
+          <p:nvPr>
+            <p:ph type="sldNum" sz="quarter" idx="12"/>
+          </p:nvPr>
+        </p:nvSpPr>
+        <p:spPr/>
+        <p:txBody>
+          <a:bodyPr/>
+          <a:lstStyle/>
+          <a:p>
+            <a:pPr>
+              <a:defRPr/>
+            </a:pPr>
+            <a:fld id="{B2451C39-31DD-6D4B-9BED-758CF6C1BA6A}" type="slidenum">
+              <a:rPr lang="en-CA" smtClean="0"/>
+              <a:pPr>
+                <a:defRPr/>
+              </a:pPr>
+              <a:t>70</a:t>
+            </a:fld>
+            <a:endParaRPr lang="en-CA"/>
+          </a:p>
+        </p:txBody>
+      </p:sp>
+      <p:sp>
+        <p:nvSpPr>
+          <p:cNvPr id="4" name="TextBox 3"/>
+          <p:cNvSpPr txBox="1"/>
+          <p:nvPr/>
+        </p:nvSpPr>
+        <p:spPr>
+          <a:xfrm>
+            <a:off x="1371600" y="1828800"/>
+            <a:ext cx="4831772" cy="1938992"/>
+          </a:xfrm>
+          <a:prstGeom prst="rect">
+            <a:avLst/>
+          </a:prstGeom>
+          <a:noFill/>
+        </p:spPr>
+        <p:txBody>
+          <a:bodyPr wrap="none" rtlCol="0">
+            <a:spAutoFit/>
+          </a:bodyPr>
+          <a:lstStyle/>
+          <a:p>
+            <a:pPr marL="342900" indent="-342900">
+              <a:buFont typeface="Arial" pitchFamily="34" charset="0"/>
+              <a:buChar char="•"/>
+            </a:pPr>
+            <a:r>
+              <a:rPr lang="en-US" dirty="0" smtClean="0"/>
+              <a:t>Maybe after this course …</a:t>
+            </a:r>
+          </a:p>
+          <a:p>
+            <a:pPr marL="342900" indent="-342900">
+              <a:buFont typeface="Arial" pitchFamily="34" charset="0"/>
+              <a:buChar char="•"/>
+            </a:pPr>
+            <a:r>
+              <a:rPr lang="en-US" dirty="0" smtClean="0"/>
+              <a:t>I REALLY hate Java…</a:t>
+            </a:r>
+          </a:p>
+          <a:p>
+            <a:pPr marL="342900" indent="-342900">
+              <a:buFont typeface="Arial" pitchFamily="34" charset="0"/>
+              <a:buChar char="•"/>
+            </a:pPr>
+            <a:r>
+              <a:rPr lang="en-US" dirty="0" smtClean="0"/>
+              <a:t>Or I REALLY love it</a:t>
+            </a:r>
+          </a:p>
+          <a:p>
+            <a:pPr marL="342900" indent="-342900">
+              <a:buFont typeface="Arial" pitchFamily="34" charset="0"/>
+              <a:buChar char="•"/>
+            </a:pPr>
+            <a:r>
+              <a:rPr lang="en-US" dirty="0" smtClean="0"/>
+              <a:t>But was that all you learned?</a:t>
+            </a:r>
+          </a:p>
+          <a:p>
+            <a:pPr marL="342900" indent="-342900">
+              <a:buFont typeface="Arial" pitchFamily="34" charset="0"/>
+              <a:buChar char="•"/>
+            </a:pPr>
+            <a:r>
+              <a:rPr lang="en-US" dirty="0" smtClean="0"/>
+              <a:t>I had a hidden agenda all along</a:t>
+            </a:r>
+            <a:endParaRPr lang="en-US" dirty="0"/>
+          </a:p>
+        </p:txBody>
+      </p:sp>
+    </p:spTree>
+    <p:extLst>
+      <p:ext uri="{BB962C8B-B14F-4D97-AF65-F5344CB8AC3E}">
+        <p14:creationId xmlns:p14="http://schemas.microsoft.com/office/powerpoint/2010/main" val="568372925"/>
+      </p:ext>
+    </p:extLst>
+  </p:cSld>
+  <p:clrMapOvr>
+    <a:masterClrMapping/>
+  </p:clrMapOvr>
+</p:sld>
+</file>
+
+<file path=ppt/slides/slide71.xml><?xml version="1.0" encoding="utf-8"?>
+<p:sld xmlns:a="http://schemas.openxmlformats.org/drawingml/2006/main" xmlns:r="http://schemas.openxmlformats.org/officeDocument/2006/relationships" xmlns:p="http://schemas.openxmlformats.org/presentationml/2006/main">
+  <p:cSld>
+    <p:spTree>
+      <p:nvGrpSpPr>
+        <p:cNvPr id="1" name=""/>
+        <p:cNvGrpSpPr/>
+        <p:nvPr/>
+      </p:nvGrpSpPr>
+      <p:grpSpPr>
+        <a:xfrm>
+          <a:off x="0" y="0"/>
+          <a:ext cx="0" cy="0"/>
+          <a:chOff x="0" y="0"/>
+          <a:chExt cx="0" cy="0"/>
+        </a:xfrm>
+      </p:grpSpPr>
+      <p:sp>
+        <p:nvSpPr>
+          <p:cNvPr id="2" name="Title 1"/>
+          <p:cNvSpPr>
+            <a:spLocks noGrp="1"/>
+          </p:cNvSpPr>
+          <p:nvPr>
+            <p:ph type="title"/>
+          </p:nvPr>
+        </p:nvSpPr>
+        <p:spPr/>
+        <p:txBody>
+          <a:bodyPr/>
+          <a:lstStyle/>
+          <a:p>
+            <a:r>
+              <a:rPr lang="en-US" dirty="0" smtClean="0"/>
+              <a:t>Well, what else did we learn?</a:t>
+            </a:r>
+            <a:endParaRPr lang="en-US" dirty="0"/>
+          </a:p>
+        </p:txBody>
+      </p:sp>
+      <p:sp>
+        <p:nvSpPr>
+          <p:cNvPr id="3" name="Slide Number Placeholder 2"/>
+          <p:cNvSpPr>
+            <a:spLocks noGrp="1"/>
+          </p:cNvSpPr>
+          <p:nvPr>
+            <p:ph type="sldNum" sz="quarter" idx="12"/>
+          </p:nvPr>
+        </p:nvSpPr>
+        <p:spPr/>
+        <p:txBody>
+          <a:bodyPr/>
+          <a:lstStyle/>
+          <a:p>
+            <a:pPr>
+              <a:defRPr/>
+            </a:pPr>
+            <a:fld id="{B2451C39-31DD-6D4B-9BED-758CF6C1BA6A}" type="slidenum">
+              <a:rPr lang="en-CA" smtClean="0"/>
+              <a:pPr>
+                <a:defRPr/>
+              </a:pPr>
+              <a:t>71</a:t>
+            </a:fld>
+            <a:endParaRPr lang="en-CA"/>
+          </a:p>
+        </p:txBody>
+      </p:sp>
+      <p:sp>
+        <p:nvSpPr>
+          <p:cNvPr id="4" name="TextBox 3"/>
+          <p:cNvSpPr txBox="1"/>
+          <p:nvPr/>
+        </p:nvSpPr>
+        <p:spPr>
+          <a:xfrm>
+            <a:off x="1447800" y="1905000"/>
+            <a:ext cx="7124066" cy="1938992"/>
+          </a:xfrm>
+          <a:prstGeom prst="rect">
+            <a:avLst/>
+          </a:prstGeom>
+          <a:noFill/>
+        </p:spPr>
+        <p:txBody>
+          <a:bodyPr wrap="none" rtlCol="0">
+            <a:spAutoFit/>
+          </a:bodyPr>
+          <a:lstStyle/>
+          <a:p>
+            <a:pPr marL="342900" indent="-342900">
+              <a:buFont typeface="Arial" pitchFamily="34" charset="0"/>
+              <a:buChar char="•"/>
+            </a:pPr>
+            <a:r>
+              <a:rPr lang="en-US" dirty="0" smtClean="0"/>
+              <a:t>Maven – although Maven is specific</a:t>
+            </a:r>
+          </a:p>
+          <a:p>
+            <a:pPr marL="342900" indent="-342900">
+              <a:buFont typeface="Arial" pitchFamily="34" charset="0"/>
+              <a:buChar char="•"/>
+            </a:pPr>
+            <a:r>
+              <a:rPr lang="en-US" dirty="0" smtClean="0"/>
+              <a:t>To java, the concept is universal.  Have</a:t>
+            </a:r>
+          </a:p>
+          <a:p>
+            <a:pPr marL="342900" indent="-342900">
+              <a:buFont typeface="Arial" pitchFamily="34" charset="0"/>
+              <a:buChar char="•"/>
+            </a:pPr>
+            <a:r>
+              <a:rPr lang="en-US" dirty="0" smtClean="0"/>
+              <a:t>A repository of libraries somewhere and</a:t>
+            </a:r>
+          </a:p>
+          <a:p>
+            <a:pPr marL="342900" indent="-342900">
+              <a:buFont typeface="Arial" pitchFamily="34" charset="0"/>
+              <a:buChar char="•"/>
+            </a:pPr>
+            <a:r>
+              <a:rPr lang="en-US" dirty="0" smtClean="0"/>
+              <a:t>Let a tool download them with their </a:t>
+            </a:r>
+            <a:r>
+              <a:rPr lang="en-US" dirty="0" err="1" smtClean="0"/>
+              <a:t>dependecies</a:t>
+            </a:r>
+            <a:endParaRPr lang="en-US" dirty="0" smtClean="0"/>
+          </a:p>
+          <a:p>
+            <a:pPr marL="342900" indent="-342900">
+              <a:buFont typeface="Arial" pitchFamily="34" charset="0"/>
+              <a:buChar char="•"/>
+            </a:pPr>
+            <a:r>
+              <a:rPr lang="en-US" dirty="0" smtClean="0"/>
+              <a:t>And help you build artifacts</a:t>
+            </a:r>
+            <a:endParaRPr lang="en-US" dirty="0"/>
+          </a:p>
+        </p:txBody>
+      </p:sp>
+    </p:spTree>
+    <p:extLst>
+      <p:ext uri="{BB962C8B-B14F-4D97-AF65-F5344CB8AC3E}">
+        <p14:creationId xmlns:p14="http://schemas.microsoft.com/office/powerpoint/2010/main" val="3404509170"/>
+      </p:ext>
+    </p:extLst>
+  </p:cSld>
+  <p:clrMapOvr>
+    <a:masterClrMapping/>
+  </p:clrMapOvr>
+</p:sld>
+</file>
+
+<file path=ppt/slides/slide72.xml><?xml version="1.0" encoding="utf-8"?>
+<p:sld xmlns:a="http://schemas.openxmlformats.org/drawingml/2006/main" xmlns:r="http://schemas.openxmlformats.org/officeDocument/2006/relationships" xmlns:p="http://schemas.openxmlformats.org/presentationml/2006/main">
+  <p:cSld>
+    <p:spTree>
+      <p:nvGrpSpPr>
+        <p:cNvPr id="1" name=""/>
+        <p:cNvGrpSpPr/>
+        <p:nvPr/>
+      </p:nvGrpSpPr>
+      <p:grpSpPr>
+        <a:xfrm>
+          <a:off x="0" y="0"/>
+          <a:ext cx="0" cy="0"/>
+          <a:chOff x="0" y="0"/>
+          <a:chExt cx="0" cy="0"/>
+        </a:xfrm>
+      </p:grpSpPr>
+      <p:sp>
+        <p:nvSpPr>
+          <p:cNvPr id="2" name="Title 1"/>
+          <p:cNvSpPr>
+            <a:spLocks noGrp="1"/>
+          </p:cNvSpPr>
+          <p:nvPr>
+            <p:ph type="title"/>
+          </p:nvPr>
+        </p:nvSpPr>
+        <p:spPr/>
+        <p:txBody>
+          <a:bodyPr/>
+          <a:lstStyle/>
+          <a:p>
+            <a:r>
+              <a:rPr lang="en-US" dirty="0" err="1" smtClean="0"/>
+              <a:t>Git</a:t>
+            </a:r>
+            <a:r>
+              <a:rPr lang="en-US" dirty="0" smtClean="0"/>
+              <a:t>, </a:t>
+            </a:r>
+            <a:r>
+              <a:rPr lang="en-US" dirty="0" err="1" smtClean="0"/>
+              <a:t>Github</a:t>
+            </a:r>
+            <a:endParaRPr lang="en-US" dirty="0"/>
+          </a:p>
+        </p:txBody>
+      </p:sp>
+      <p:sp>
+        <p:nvSpPr>
+          <p:cNvPr id="3" name="Slide Number Placeholder 2"/>
+          <p:cNvSpPr>
+            <a:spLocks noGrp="1"/>
+          </p:cNvSpPr>
+          <p:nvPr>
+            <p:ph type="sldNum" sz="quarter" idx="12"/>
+          </p:nvPr>
+        </p:nvSpPr>
+        <p:spPr/>
+        <p:txBody>
+          <a:bodyPr/>
+          <a:lstStyle/>
+          <a:p>
+            <a:pPr>
+              <a:defRPr/>
+            </a:pPr>
+            <a:fld id="{B2451C39-31DD-6D4B-9BED-758CF6C1BA6A}" type="slidenum">
+              <a:rPr lang="en-CA" smtClean="0"/>
+              <a:pPr>
+                <a:defRPr/>
+              </a:pPr>
+              <a:t>72</a:t>
+            </a:fld>
+            <a:endParaRPr lang="en-CA"/>
+          </a:p>
+        </p:txBody>
+      </p:sp>
+      <p:sp>
+        <p:nvSpPr>
+          <p:cNvPr id="4" name="TextBox 3"/>
+          <p:cNvSpPr txBox="1"/>
+          <p:nvPr/>
+        </p:nvSpPr>
+        <p:spPr>
+          <a:xfrm>
+            <a:off x="1143000" y="2209800"/>
+            <a:ext cx="7837402" cy="4154984"/>
+          </a:xfrm>
+          <a:prstGeom prst="rect">
+            <a:avLst/>
+          </a:prstGeom>
+          <a:noFill/>
+        </p:spPr>
+        <p:txBody>
+          <a:bodyPr wrap="none" rtlCol="0">
+            <a:spAutoFit/>
+          </a:bodyPr>
+          <a:lstStyle/>
+          <a:p>
+            <a:pPr marL="342900" indent="-342900">
+              <a:buFont typeface="Arial" pitchFamily="34" charset="0"/>
+              <a:buChar char="•"/>
+            </a:pPr>
+            <a:r>
+              <a:rPr lang="en-US" dirty="0" smtClean="0"/>
+              <a:t>I strongly recommend you use </a:t>
+            </a:r>
+            <a:r>
+              <a:rPr lang="en-US" dirty="0" err="1" smtClean="0"/>
+              <a:t>Git</a:t>
+            </a:r>
+            <a:r>
+              <a:rPr lang="en-US" dirty="0" smtClean="0"/>
+              <a:t> for your</a:t>
+            </a:r>
+          </a:p>
+          <a:p>
+            <a:r>
+              <a:rPr lang="en-US" dirty="0" smtClean="0"/>
+              <a:t>Other courses or personal projects or work.  Revision</a:t>
+            </a:r>
+          </a:p>
+          <a:p>
+            <a:r>
+              <a:rPr lang="en-US" dirty="0"/>
+              <a:t>m</a:t>
+            </a:r>
+            <a:r>
+              <a:rPr lang="en-US" dirty="0" smtClean="0"/>
+              <a:t>anagement is crucial in software engineering.  Without</a:t>
+            </a:r>
+          </a:p>
+          <a:p>
+            <a:r>
+              <a:rPr lang="en-US" dirty="0" err="1" smtClean="0"/>
+              <a:t>Git</a:t>
+            </a:r>
+            <a:r>
+              <a:rPr lang="en-US" dirty="0" smtClean="0"/>
+              <a:t>, how else would you go back to a previous revision</a:t>
+            </a:r>
+          </a:p>
+          <a:p>
+            <a:pPr marL="342900" indent="-342900">
+              <a:buFont typeface="Arial" pitchFamily="34" charset="0"/>
+              <a:buChar char="•"/>
+            </a:pPr>
+            <a:r>
+              <a:rPr lang="en-US" dirty="0" err="1" smtClean="0"/>
+              <a:t>GitHub</a:t>
+            </a:r>
+            <a:r>
+              <a:rPr lang="en-US" dirty="0" smtClean="0"/>
+              <a:t> and </a:t>
+            </a:r>
+            <a:r>
+              <a:rPr lang="en-US" dirty="0" err="1" smtClean="0"/>
+              <a:t>GitHub</a:t>
+            </a:r>
+            <a:r>
+              <a:rPr lang="en-US" dirty="0" smtClean="0"/>
+              <a:t> pages ties you into the open</a:t>
+            </a:r>
+          </a:p>
+          <a:p>
+            <a:r>
+              <a:rPr lang="en-US" dirty="0" smtClean="0"/>
+              <a:t>Source community.  Open source is good.  You now</a:t>
+            </a:r>
+          </a:p>
+          <a:p>
+            <a:r>
+              <a:rPr lang="en-US" dirty="0" smtClean="0"/>
+              <a:t>Have an open source project on </a:t>
+            </a:r>
+            <a:r>
+              <a:rPr lang="en-US" dirty="0" err="1" smtClean="0"/>
+              <a:t>GitHub</a:t>
+            </a:r>
+            <a:r>
+              <a:rPr lang="en-US" dirty="0" smtClean="0"/>
+              <a:t>.  Congrats.</a:t>
+            </a:r>
+          </a:p>
+          <a:p>
+            <a:r>
+              <a:rPr lang="en-US" dirty="0" smtClean="0"/>
+              <a:t>If you never created a homepage before, well, use</a:t>
+            </a:r>
+          </a:p>
+          <a:p>
+            <a:r>
+              <a:rPr lang="en-US" dirty="0" err="1" smtClean="0"/>
+              <a:t>GitHub</a:t>
+            </a:r>
+            <a:r>
+              <a:rPr lang="en-US" dirty="0" smtClean="0"/>
+              <a:t> pages.  Great for letting employers see your</a:t>
+            </a:r>
+          </a:p>
+          <a:p>
+            <a:r>
+              <a:rPr lang="en-US" dirty="0" smtClean="0"/>
+              <a:t>Project and let them see your coding style too!  Again,</a:t>
+            </a:r>
+          </a:p>
+          <a:p>
+            <a:r>
+              <a:rPr lang="en-US" dirty="0" smtClean="0"/>
+              <a:t>NOT java specific.</a:t>
+            </a:r>
+          </a:p>
+        </p:txBody>
+      </p:sp>
+    </p:spTree>
+    <p:extLst>
+      <p:ext uri="{BB962C8B-B14F-4D97-AF65-F5344CB8AC3E}">
+        <p14:creationId xmlns:p14="http://schemas.microsoft.com/office/powerpoint/2010/main" val="3442297372"/>
+      </p:ext>
+    </p:extLst>
+  </p:cSld>
+  <p:clrMapOvr>
+    <a:masterClrMapping/>
+  </p:clrMapOvr>
+</p:sld>
+</file>
+
+<file path=ppt/slides/slide73.xml><?xml version="1.0" encoding="utf-8"?>
+<p:sld xmlns:a="http://schemas.openxmlformats.org/drawingml/2006/main" xmlns:r="http://schemas.openxmlformats.org/officeDocument/2006/relationships" xmlns:p="http://schemas.openxmlformats.org/presentationml/2006/main">
+  <p:cSld>
+    <p:spTree>
+      <p:nvGrpSpPr>
+        <p:cNvPr id="1" name=""/>
+        <p:cNvGrpSpPr/>
+        <p:nvPr/>
+      </p:nvGrpSpPr>
+      <p:grpSpPr>
+        <a:xfrm>
+          <a:off x="0" y="0"/>
+          <a:ext cx="0" cy="0"/>
+          <a:chOff x="0" y="0"/>
+          <a:chExt cx="0" cy="0"/>
+        </a:xfrm>
+      </p:grpSpPr>
+      <p:sp>
+        <p:nvSpPr>
+          <p:cNvPr id="2" name="Title 1"/>
+          <p:cNvSpPr>
+            <a:spLocks noGrp="1"/>
+          </p:cNvSpPr>
+          <p:nvPr>
+            <p:ph type="title"/>
+          </p:nvPr>
+        </p:nvSpPr>
+        <p:spPr/>
+        <p:txBody>
+          <a:bodyPr/>
+          <a:lstStyle/>
+          <a:p>
+            <a:r>
+              <a:rPr lang="en-US" dirty="0" smtClean="0"/>
+              <a:t>MVC</a:t>
+            </a:r>
+            <a:endParaRPr lang="en-US" dirty="0"/>
+          </a:p>
+        </p:txBody>
+      </p:sp>
+      <p:sp>
+        <p:nvSpPr>
+          <p:cNvPr id="3" name="Slide Number Placeholder 2"/>
+          <p:cNvSpPr>
+            <a:spLocks noGrp="1"/>
+          </p:cNvSpPr>
+          <p:nvPr>
+            <p:ph type="sldNum" sz="quarter" idx="12"/>
+          </p:nvPr>
+        </p:nvSpPr>
+        <p:spPr/>
+        <p:txBody>
+          <a:bodyPr/>
+          <a:lstStyle/>
+          <a:p>
+            <a:pPr>
+              <a:defRPr/>
+            </a:pPr>
+            <a:fld id="{B2451C39-31DD-6D4B-9BED-758CF6C1BA6A}" type="slidenum">
+              <a:rPr lang="en-CA" smtClean="0"/>
+              <a:pPr>
+                <a:defRPr/>
+              </a:pPr>
+              <a:t>73</a:t>
+            </a:fld>
+            <a:endParaRPr lang="en-CA"/>
+          </a:p>
+        </p:txBody>
+      </p:sp>
+      <p:sp>
+        <p:nvSpPr>
+          <p:cNvPr id="4" name="TextBox 3"/>
+          <p:cNvSpPr txBox="1"/>
+          <p:nvPr/>
+        </p:nvSpPr>
+        <p:spPr>
+          <a:xfrm>
+            <a:off x="1371600" y="2286000"/>
+            <a:ext cx="7117333" cy="1569660"/>
+          </a:xfrm>
+          <a:prstGeom prst="rect">
+            <a:avLst/>
+          </a:prstGeom>
+          <a:noFill/>
+        </p:spPr>
+        <p:txBody>
+          <a:bodyPr wrap="none" rtlCol="0">
+            <a:spAutoFit/>
+          </a:bodyPr>
+          <a:lstStyle/>
+          <a:p>
+            <a:pPr marL="342900" indent="-342900">
+              <a:buFont typeface="Arial" pitchFamily="34" charset="0"/>
+              <a:buChar char="•"/>
+            </a:pPr>
+            <a:r>
+              <a:rPr lang="en-US" dirty="0" smtClean="0"/>
+              <a:t>Hopefully, you learned a few design patterns</a:t>
+            </a:r>
+          </a:p>
+          <a:p>
+            <a:pPr marL="342900" indent="-342900">
+              <a:buFont typeface="Arial" pitchFamily="34" charset="0"/>
+              <a:buChar char="•"/>
+            </a:pPr>
+            <a:r>
+              <a:rPr lang="en-US" dirty="0" smtClean="0"/>
+              <a:t>Like MVC.  In later courses, you’ll learn MVP,</a:t>
+            </a:r>
+          </a:p>
+          <a:p>
+            <a:pPr marL="342900" indent="-342900">
+              <a:buFont typeface="Arial" pitchFamily="34" charset="0"/>
+              <a:buChar char="•"/>
+            </a:pPr>
+            <a:r>
+              <a:rPr lang="en-US" dirty="0" smtClean="0"/>
+              <a:t>MVVM, and MVW.   Again design patterns aren’t</a:t>
+            </a:r>
+          </a:p>
+          <a:p>
+            <a:pPr marL="342900" indent="-342900">
+              <a:buFont typeface="Arial" pitchFamily="34" charset="0"/>
+              <a:buChar char="•"/>
+            </a:pPr>
+            <a:r>
+              <a:rPr lang="en-US" dirty="0" smtClean="0"/>
+              <a:t>Specific to Java</a:t>
+            </a:r>
+            <a:endParaRPr lang="en-US" dirty="0"/>
+          </a:p>
+        </p:txBody>
+      </p:sp>
+    </p:spTree>
+    <p:extLst>
+      <p:ext uri="{BB962C8B-B14F-4D97-AF65-F5344CB8AC3E}">
+        <p14:creationId xmlns:p14="http://schemas.microsoft.com/office/powerpoint/2010/main" val="1883758025"/>
+      </p:ext>
+    </p:extLst>
+  </p:cSld>
+  <p:clrMapOvr>
+    <a:masterClrMapping/>
+  </p:clrMapOvr>
+</p:sld>
+</file>
+
+<file path=ppt/slides/slide74.xml><?xml version="1.0" encoding="utf-8"?>
+<p:sld xmlns:a="http://schemas.openxmlformats.org/drawingml/2006/main" xmlns:r="http://schemas.openxmlformats.org/officeDocument/2006/relationships" xmlns:p="http://schemas.openxmlformats.org/presentationml/2006/main">
+  <p:cSld>
+    <p:spTree>
+      <p:nvGrpSpPr>
+        <p:cNvPr id="1" name=""/>
+        <p:cNvGrpSpPr/>
+        <p:nvPr/>
+      </p:nvGrpSpPr>
+      <p:grpSpPr>
+        <a:xfrm>
+          <a:off x="0" y="0"/>
+          <a:ext cx="0" cy="0"/>
+          <a:chOff x="0" y="0"/>
+          <a:chExt cx="0" cy="0"/>
+        </a:xfrm>
+      </p:grpSpPr>
+      <p:sp>
+        <p:nvSpPr>
+          <p:cNvPr id="2" name="Title 1"/>
+          <p:cNvSpPr>
+            <a:spLocks noGrp="1"/>
+          </p:cNvSpPr>
+          <p:nvPr>
+            <p:ph type="title"/>
+          </p:nvPr>
+        </p:nvSpPr>
+        <p:spPr/>
+        <p:txBody>
+          <a:bodyPr/>
+          <a:lstStyle/>
+          <a:p>
+            <a:r>
+              <a:rPr lang="en-US" dirty="0" smtClean="0"/>
+              <a:t>And most of all …</a:t>
+            </a:r>
+            <a:endParaRPr lang="en-US" dirty="0"/>
+          </a:p>
+        </p:txBody>
+      </p:sp>
+      <p:sp>
+        <p:nvSpPr>
+          <p:cNvPr id="3" name="Slide Number Placeholder 2"/>
+          <p:cNvSpPr>
+            <a:spLocks noGrp="1"/>
+          </p:cNvSpPr>
+          <p:nvPr>
+            <p:ph type="sldNum" sz="quarter" idx="12"/>
+          </p:nvPr>
+        </p:nvSpPr>
+        <p:spPr/>
+        <p:txBody>
+          <a:bodyPr/>
+          <a:lstStyle/>
+          <a:p>
+            <a:pPr>
+              <a:defRPr/>
+            </a:pPr>
+            <a:fld id="{B2451C39-31DD-6D4B-9BED-758CF6C1BA6A}" type="slidenum">
+              <a:rPr lang="en-CA" smtClean="0"/>
+              <a:pPr>
+                <a:defRPr/>
+              </a:pPr>
+              <a:t>74</a:t>
+            </a:fld>
+            <a:endParaRPr lang="en-CA"/>
+          </a:p>
+        </p:txBody>
+      </p:sp>
+      <p:sp>
+        <p:nvSpPr>
+          <p:cNvPr id="4" name="TextBox 3"/>
+          <p:cNvSpPr txBox="1"/>
+          <p:nvPr/>
+        </p:nvSpPr>
+        <p:spPr>
+          <a:xfrm>
+            <a:off x="1447800" y="2057400"/>
+            <a:ext cx="7111242" cy="3416320"/>
+          </a:xfrm>
+          <a:prstGeom prst="rect">
+            <a:avLst/>
+          </a:prstGeom>
+          <a:noFill/>
+        </p:spPr>
+        <p:txBody>
+          <a:bodyPr wrap="none" rtlCol="0">
+            <a:spAutoFit/>
+          </a:bodyPr>
+          <a:lstStyle/>
+          <a:p>
+            <a:pPr marL="342900" indent="-342900">
+              <a:buFont typeface="Arial" pitchFamily="34" charset="0"/>
+              <a:buChar char="•"/>
+            </a:pPr>
+            <a:r>
+              <a:rPr lang="en-US" dirty="0" smtClean="0"/>
+              <a:t>Software engineering and banging your</a:t>
+            </a:r>
+          </a:p>
+          <a:p>
+            <a:r>
+              <a:rPr lang="en-US" dirty="0"/>
+              <a:t>h</a:t>
+            </a:r>
+            <a:r>
+              <a:rPr lang="en-US" dirty="0" smtClean="0"/>
+              <a:t>ead against your keyboard.  This was a</a:t>
+            </a:r>
+          </a:p>
+          <a:p>
+            <a:r>
+              <a:rPr lang="en-US" dirty="0"/>
+              <a:t>p</a:t>
+            </a:r>
+            <a:r>
+              <a:rPr lang="en-US" dirty="0" smtClean="0"/>
+              <a:t>ut as much or as little as you want in this</a:t>
+            </a:r>
+          </a:p>
+          <a:p>
+            <a:r>
+              <a:rPr lang="en-US" dirty="0" smtClean="0"/>
+              <a:t>Course.  The project was yours from Day1.</a:t>
+            </a:r>
+          </a:p>
+          <a:p>
+            <a:r>
+              <a:rPr lang="en-US" dirty="0" smtClean="0"/>
+              <a:t>I personally grew quite attached to my first</a:t>
+            </a:r>
+          </a:p>
+          <a:p>
+            <a:r>
+              <a:rPr lang="en-US" dirty="0" smtClean="0"/>
+              <a:t>Software engineering project.  For me it was</a:t>
+            </a:r>
+          </a:p>
+          <a:p>
+            <a:r>
+              <a:rPr lang="en-US" dirty="0" smtClean="0"/>
+              <a:t>Fun.  I programmed it in C.  I don’t use C anymore,</a:t>
+            </a:r>
+          </a:p>
+          <a:p>
+            <a:r>
+              <a:rPr lang="en-US" dirty="0" smtClean="0"/>
+              <a:t>But it was the build your own, manage your own</a:t>
+            </a:r>
+          </a:p>
+          <a:p>
+            <a:r>
+              <a:rPr lang="en-US" dirty="0"/>
+              <a:t>a</a:t>
+            </a:r>
+            <a:r>
+              <a:rPr lang="en-US" dirty="0" smtClean="0"/>
+              <a:t>spect that still keeps me motivated in this field.</a:t>
+            </a:r>
+          </a:p>
+        </p:txBody>
+      </p:sp>
+    </p:spTree>
+    <p:extLst>
+      <p:ext uri="{BB962C8B-B14F-4D97-AF65-F5344CB8AC3E}">
+        <p14:creationId xmlns:p14="http://schemas.microsoft.com/office/powerpoint/2010/main" val="1560099199"/>
+      </p:ext>
+    </p:extLst>
+  </p:cSld>
+  <p:clrMapOvr>
+    <a:masterClrMapping/>
+  </p:clrMapOvr>
+</p:sld>
+</file>
+
+<file path=ppt/slides/slide75.xml><?xml version="1.0" encoding="utf-8"?>
+<p:sld xmlns:a="http://schemas.openxmlformats.org/drawingml/2006/main" xmlns:r="http://schemas.openxmlformats.org/officeDocument/2006/relationships" xmlns:p="http://schemas.openxmlformats.org/presentationml/2006/main">
+  <p:cSld>
+    <p:spTree>
+      <p:nvGrpSpPr>
+        <p:cNvPr id="1" name=""/>
+        <p:cNvGrpSpPr/>
+        <p:nvPr/>
+      </p:nvGrpSpPr>
+      <p:grpSpPr>
+        <a:xfrm>
+          <a:off x="0" y="0"/>
+          <a:ext cx="0" cy="0"/>
+          <a:chOff x="0" y="0"/>
+          <a:chExt cx="0" cy="0"/>
+        </a:xfrm>
+      </p:grpSpPr>
+      <p:sp>
+        <p:nvSpPr>
+          <p:cNvPr id="2" name="Title 1"/>
+          <p:cNvSpPr>
+            <a:spLocks noGrp="1"/>
+          </p:cNvSpPr>
+          <p:nvPr>
+            <p:ph type="title"/>
+          </p:nvPr>
+        </p:nvSpPr>
+        <p:spPr/>
+        <p:txBody>
+          <a:bodyPr/>
+          <a:lstStyle/>
+          <a:p>
+            <a:r>
+              <a:rPr lang="en-US" dirty="0" smtClean="0"/>
+              <a:t>Thank-you</a:t>
+            </a:r>
+            <a:endParaRPr lang="en-US" dirty="0"/>
+          </a:p>
+        </p:txBody>
+      </p:sp>
+      <p:sp>
+        <p:nvSpPr>
+          <p:cNvPr id="3" name="Slide Number Placeholder 2"/>
+          <p:cNvSpPr>
+            <a:spLocks noGrp="1"/>
+          </p:cNvSpPr>
+          <p:nvPr>
+            <p:ph type="sldNum" sz="quarter" idx="12"/>
+          </p:nvPr>
+        </p:nvSpPr>
+        <p:spPr/>
+        <p:txBody>
+          <a:bodyPr/>
+          <a:lstStyle/>
+          <a:p>
+            <a:pPr>
+              <a:defRPr/>
+            </a:pPr>
+            <a:fld id="{B2451C39-31DD-6D4B-9BED-758CF6C1BA6A}" type="slidenum">
+              <a:rPr lang="en-CA" smtClean="0"/>
+              <a:pPr>
+                <a:defRPr/>
+              </a:pPr>
+              <a:t>75</a:t>
+            </a:fld>
+            <a:endParaRPr lang="en-CA"/>
+          </a:p>
+        </p:txBody>
+      </p:sp>
+      <p:sp>
+        <p:nvSpPr>
+          <p:cNvPr id="4" name="TextBox 3"/>
+          <p:cNvSpPr txBox="1"/>
+          <p:nvPr/>
+        </p:nvSpPr>
+        <p:spPr>
+          <a:xfrm>
+            <a:off x="1295400" y="2590800"/>
+            <a:ext cx="6070893" cy="830997"/>
+          </a:xfrm>
+          <a:prstGeom prst="rect">
+            <a:avLst/>
+          </a:prstGeom>
+          <a:noFill/>
+        </p:spPr>
+        <p:txBody>
+          <a:bodyPr wrap="none" rtlCol="0">
+            <a:spAutoFit/>
+          </a:bodyPr>
+          <a:lstStyle/>
+          <a:p>
+            <a:r>
+              <a:rPr lang="en-US" dirty="0" smtClean="0"/>
+              <a:t>Thank-you very much for taking this course</a:t>
+            </a:r>
+          </a:p>
+          <a:p>
+            <a:r>
+              <a:rPr lang="en-US" dirty="0" smtClean="0"/>
+              <a:t>I really hope you all had a </a:t>
+            </a:r>
+            <a:r>
+              <a:rPr lang="en-US" smtClean="0"/>
+              <a:t>great time</a:t>
+            </a:r>
+            <a:endParaRPr lang="en-US"/>
+          </a:p>
+        </p:txBody>
+      </p:sp>
+    </p:spTree>
+    <p:extLst>
+      <p:ext uri="{BB962C8B-B14F-4D97-AF65-F5344CB8AC3E}">
+        <p14:creationId xmlns:p14="http://schemas.microsoft.com/office/powerpoint/2010/main" val="1027203661"/>
+      </p:ext>
+    </p:extLst>
+  </p:cSld>
+  <p:clrMapOvr>
+    <a:masterClrMapping/>
+  </p:clrMapOvr>
 </p:sld>
 </file>
 

--- a/coursePresentation.pptx
+++ b/coursePresentation.pptx
@@ -18034,7 +18034,11 @@
           <a:p>
             <a:r>
               <a:rPr lang="en-US" dirty="0" smtClean="0"/>
-              <a:t>Java applets</a:t>
+              <a:t>Java applets / </a:t>
+            </a:r>
+            <a:r>
+              <a:rPr lang="en-US" dirty="0" err="1" smtClean="0"/>
+              <a:t>Webstart</a:t>
             </a:r>
             <a:endParaRPr lang="en-US" dirty="0"/>
           </a:p>
@@ -18078,7 +18082,7 @@
         <p:spPr>
           <a:xfrm>
             <a:off x="1600200" y="2438400"/>
-            <a:ext cx="5957080" cy="1569660"/>
+            <a:ext cx="6298519" cy="3416320"/>
           </a:xfrm>
           <a:prstGeom prst="rect">
             <a:avLst/>
@@ -18111,13 +18115,23 @@
             </a:r>
           </a:p>
           <a:p>
+            <a:r>
+              <a:rPr lang="en-US" dirty="0"/>
+              <a:t>o</a:t>
+            </a:r>
+            <a:r>
+              <a:rPr lang="en-US" dirty="0" smtClean="0"/>
+              <a:t>n a webpage … think of it like a plugin</a:t>
+            </a:r>
+          </a:p>
+          <a:p>
             <a:pPr marL="342900" indent="-342900">
               <a:buFont typeface="Arial" pitchFamily="34" charset="0"/>
               <a:buChar char="•"/>
             </a:pPr>
             <a:r>
               <a:rPr lang="en-US" dirty="0" smtClean="0"/>
-              <a:t>On a webpage … think of it like a plugin</a:t>
+              <a:t>Similar to Flash</a:t>
             </a:r>
           </a:p>
           <a:p>
@@ -18127,7 +18141,64 @@
             </a:pPr>
             <a:r>
               <a:rPr lang="en-US" dirty="0" smtClean="0"/>
-              <a:t>Similar to Flash</a:t>
+              <a:t>Applets were the *OLDER* way to present</a:t>
+            </a:r>
+          </a:p>
+          <a:p>
+            <a:r>
+              <a:rPr lang="en-US" dirty="0" smtClean="0"/>
+              <a:t>Java applications on the </a:t>
+            </a:r>
+            <a:r>
+              <a:rPr lang="en-US" dirty="0" err="1" smtClean="0"/>
+              <a:t>brower</a:t>
+            </a:r>
+            <a:endParaRPr lang="en-US" dirty="0" smtClean="0"/>
+          </a:p>
+          <a:p>
+            <a:pPr marL="342900" indent="-342900">
+              <a:buFont typeface="Arial" pitchFamily="34" charset="0"/>
+              <a:buChar char="•"/>
+            </a:pPr>
+            <a:r>
+              <a:rPr lang="en-US" dirty="0" smtClean="0"/>
+              <a:t>When ran/deployed, they look pretty much</a:t>
+            </a:r>
+          </a:p>
+          <a:p>
+            <a:pPr marL="342900" indent="-342900">
+              <a:buFont typeface="Arial" pitchFamily="34" charset="0"/>
+              <a:buChar char="•"/>
+            </a:pPr>
+            <a:r>
+              <a:rPr lang="en-US" dirty="0" smtClean="0"/>
+              <a:t>The same – hey its just Java </a:t>
+            </a:r>
+            <a:r>
+              <a:rPr lang="en-US" dirty="0" err="1" smtClean="0"/>
+              <a:t>Fx</a:t>
+            </a:r>
+            <a:r>
+              <a:rPr lang="en-US" dirty="0" smtClean="0"/>
+              <a:t> ;)</a:t>
+            </a:r>
+          </a:p>
+          <a:p>
+            <a:pPr marL="342900" indent="-342900">
+              <a:buFont typeface="Arial" pitchFamily="34" charset="0"/>
+              <a:buChar char="•"/>
+            </a:pPr>
+            <a:r>
+              <a:rPr lang="en-US" dirty="0" smtClean="0"/>
+              <a:t>Syntax for </a:t>
+            </a:r>
+            <a:r>
+              <a:rPr lang="en-US" dirty="0" err="1" smtClean="0"/>
+              <a:t>Webstart</a:t>
+            </a:r>
+            <a:r>
+              <a:rPr lang="en-US" dirty="0" smtClean="0"/>
+              <a:t> is better Applets</a:t>
             </a:r>
             <a:endParaRPr lang="en-US" dirty="0"/>
           </a:p>
@@ -19273,7 +19344,7 @@
           <a:p>
             <a:r>
               <a:rPr lang="en-US" dirty="0" smtClean="0"/>
-              <a:t>Thank-you</a:t>
+              <a:t>Thank-you + Optional Homework</a:t>
             </a:r>
             <a:endParaRPr lang="en-US" dirty="0"/>
           </a:p>
@@ -19317,7 +19388,7 @@
         <p:spPr>
           <a:xfrm>
             <a:off x="1295400" y="2590800"/>
-            <a:ext cx="6070893" cy="830997"/>
+            <a:ext cx="6070893" cy="1569660"/>
           </a:xfrm>
           <a:prstGeom prst="rect">
             <a:avLst/>
@@ -19338,11 +19409,20 @@
           <a:p>
             <a:r>
               <a:rPr lang="en-US" dirty="0" smtClean="0"/>
-              <a:t>I really hope you all had a </a:t>
+              <a:t>I really hope you all had a great time</a:t>
+            </a:r>
+          </a:p>
+          <a:p>
+            <a:endParaRPr lang="en-US" dirty="0"/>
+          </a:p>
+          <a:p>
+            <a:r>
+              <a:rPr lang="en-US"/>
+              <a:t>Survey </a:t>
             </a:r>
             <a:r>
               <a:rPr lang="en-US" smtClean="0"/>
-              <a:t>great time</a:t>
+              <a:t>Monkey</a:t>
             </a:r>
             <a:endParaRPr lang="en-US"/>
           </a:p>

--- a/coursePresentation.pptx
+++ b/coursePresentation.pptx
@@ -19417,12 +19417,12 @@
           </a:p>
           <a:p>
             <a:r>
-              <a:rPr lang="en-US"/>
+              <a:rPr lang="en-US" dirty="0"/>
               <a:t>Survey </a:t>
             </a:r>
             <a:r>
               <a:rPr lang="en-US" smtClean="0"/>
-              <a:t>Monkey</a:t>
+              <a:t>Monkey link</a:t>
             </a:r>
             <a:endParaRPr lang="en-US"/>
           </a:p>

--- a/coursePresentation.pptx
+++ b/coursePresentation.pptx
@@ -5,10 +5,10 @@
     <p:sldMasterId id="2147484906" r:id="rId1"/>
   </p:sldMasterIdLst>
   <p:notesMasterIdLst>
-    <p:notesMasterId r:id="rId77"/>
+    <p:notesMasterId r:id="rId80"/>
   </p:notesMasterIdLst>
   <p:handoutMasterIdLst>
-    <p:handoutMasterId r:id="rId78"/>
+    <p:handoutMasterId r:id="rId81"/>
   </p:handoutMasterIdLst>
   <p:sldIdLst>
     <p:sldId id="257" r:id="rId2"/>
@@ -80,12 +80,15 @@
     <p:sldId id="386" r:id="rId68"/>
     <p:sldId id="387" r:id="rId69"/>
     <p:sldId id="388" r:id="rId70"/>
-    <p:sldId id="389" r:id="rId71"/>
-    <p:sldId id="390" r:id="rId72"/>
-    <p:sldId id="391" r:id="rId73"/>
-    <p:sldId id="392" r:id="rId74"/>
-    <p:sldId id="393" r:id="rId75"/>
-    <p:sldId id="394" r:id="rId76"/>
+    <p:sldId id="395" r:id="rId71"/>
+    <p:sldId id="396" r:id="rId72"/>
+    <p:sldId id="397" r:id="rId73"/>
+    <p:sldId id="389" r:id="rId74"/>
+    <p:sldId id="390" r:id="rId75"/>
+    <p:sldId id="391" r:id="rId76"/>
+    <p:sldId id="392" r:id="rId77"/>
+    <p:sldId id="393" r:id="rId78"/>
+    <p:sldId id="394" r:id="rId79"/>
   </p:sldIdLst>
   <p:sldSz cx="9144000" cy="6858000" type="screen4x3"/>
   <p:notesSz cx="6858000" cy="9144000"/>
@@ -18479,7 +18482,7 @@
           <a:p>
             <a:r>
               <a:rPr lang="en-US" dirty="0" smtClean="0"/>
-              <a:t>Food for thought…</a:t>
+              <a:t>There’s a plugin for that</a:t>
             </a:r>
             <a:endParaRPr lang="en-US" dirty="0"/>
           </a:p>
@@ -18522,8 +18525,8 @@
         </p:nvSpPr>
         <p:spPr>
           <a:xfrm>
-            <a:off x="1371600" y="1828800"/>
-            <a:ext cx="4831772" cy="1938992"/>
+            <a:off x="1524001" y="1981200"/>
+            <a:ext cx="6553200" cy="5262979"/>
           </a:xfrm>
           <a:prstGeom prst="rect">
             <a:avLst/>
@@ -18531,19 +18534,63 @@
           <a:noFill/>
         </p:spPr>
         <p:txBody>
-          <a:bodyPr wrap="none" rtlCol="0">
+          <a:bodyPr wrap="square" rtlCol="0">
             <a:spAutoFit/>
           </a:bodyPr>
           <a:lstStyle/>
+          <a:p>
+            <a:r>
+              <a:rPr lang="en-US" dirty="0"/>
+              <a:t>Read: </a:t>
+            </a:r>
+            <a:r>
+              <a:rPr lang="en-US" dirty="0">
+                <a:hlinkClick r:id="rId2"/>
+              </a:rPr>
+              <a:t>http://</a:t>
+            </a:r>
+            <a:r>
+              <a:rPr lang="en-US" dirty="0" smtClean="0">
+                <a:hlinkClick r:id="rId2"/>
+              </a:rPr>
+              <a:t>zenjava.com/javafx/maven/index.html</a:t>
+            </a:r>
+            <a:endParaRPr lang="en-US" dirty="0" smtClean="0"/>
+          </a:p>
+          <a:p>
+            <a:r>
+              <a:rPr lang="en-US" dirty="0" smtClean="0"/>
+              <a:t>Use my pom.xml as reference (especially the configuration section)</a:t>
+            </a:r>
+          </a:p>
+          <a:p>
+            <a:r>
+              <a:rPr lang="en-US" dirty="0" smtClean="0"/>
+              <a:t>Basic steps</a:t>
+            </a:r>
+          </a:p>
           <a:p>
             <a:pPr marL="342900" indent="-342900">
               <a:buFont typeface="Arial" pitchFamily="34" charset="0"/>
               <a:buChar char="•"/>
             </a:pPr>
             <a:r>
-              <a:rPr lang="en-US" dirty="0" smtClean="0"/>
-              <a:t>Maybe after this course …</a:t>
-            </a:r>
+              <a:rPr lang="en-US" dirty="0"/>
+              <a:t>Install plugin: see </a:t>
+            </a:r>
+            <a:r>
+              <a:rPr lang="en-US" dirty="0">
+                <a:hlinkClick r:id="rId3"/>
+              </a:rPr>
+              <a:t>http://</a:t>
+            </a:r>
+            <a:r>
+              <a:rPr lang="en-US" dirty="0" smtClean="0">
+                <a:hlinkClick r:id="rId3"/>
+              </a:rPr>
+              <a:t>zenjava.com/javafx/maven/basic-config.html</a:t>
+            </a:r>
+            <a:endParaRPr lang="en-US" dirty="0" smtClean="0"/>
           </a:p>
           <a:p>
             <a:pPr marL="342900" indent="-342900">
@@ -18551,8 +18598,24 @@
               <a:buChar char="•"/>
             </a:pPr>
             <a:r>
-              <a:rPr lang="en-US" dirty="0" smtClean="0"/>
-              <a:t>I REALLY hate Java…</a:t>
+              <a:rPr lang="en-US" dirty="0" err="1"/>
+              <a:t>mvn</a:t>
+            </a:r>
+            <a:r>
+              <a:rPr lang="en-US" dirty="0"/>
+              <a:t> </a:t>
+            </a:r>
+            <a:r>
+              <a:rPr lang="en-US" dirty="0" smtClean="0"/>
+              <a:t>com.zenjava:javafx-maven-plugin:2.0:fix-classpath (hint anytime you see </a:t>
+            </a:r>
+            <a:r>
+              <a:rPr lang="en-US" dirty="0" err="1" smtClean="0"/>
+              <a:t>mvn</a:t>
+            </a:r>
+            <a:r>
+              <a:rPr lang="en-US" dirty="0" smtClean="0"/>
+              <a:t> … goal, in Eclipse its Run As…Maven build (fill in the Goal with that long string), Run</a:t>
             </a:r>
           </a:p>
           <a:p>
@@ -18560,30 +18623,6 @@
               <a:buFont typeface="Arial" pitchFamily="34" charset="0"/>
               <a:buChar char="•"/>
             </a:pPr>
-            <a:r>
-              <a:rPr lang="en-US" dirty="0" smtClean="0"/>
-              <a:t>Or I REALLY love it</a:t>
-            </a:r>
-          </a:p>
-          <a:p>
-            <a:pPr marL="342900" indent="-342900">
-              <a:buFont typeface="Arial" pitchFamily="34" charset="0"/>
-              <a:buChar char="•"/>
-            </a:pPr>
-            <a:r>
-              <a:rPr lang="en-US" dirty="0" smtClean="0"/>
-              <a:t>But was that all you learned?</a:t>
-            </a:r>
-          </a:p>
-          <a:p>
-            <a:pPr marL="342900" indent="-342900">
-              <a:buFont typeface="Arial" pitchFamily="34" charset="0"/>
-              <a:buChar char="•"/>
-            </a:pPr>
-            <a:r>
-              <a:rPr lang="en-US" dirty="0" smtClean="0"/>
-              <a:t>I had a hidden agenda all along</a:t>
-            </a:r>
             <a:endParaRPr lang="en-US" dirty="0"/>
           </a:p>
         </p:txBody>
@@ -18591,7 +18630,7 @@
     </p:spTree>
     <p:extLst>
       <p:ext uri="{BB962C8B-B14F-4D97-AF65-F5344CB8AC3E}">
-        <p14:creationId xmlns:p14="http://schemas.microsoft.com/office/powerpoint/2010/main" val="568372925"/>
+        <p14:creationId xmlns:p14="http://schemas.microsoft.com/office/powerpoint/2010/main" val="2756682193"/>
       </p:ext>
     </p:extLst>
   </p:cSld>
@@ -18634,8 +18673,28 @@
           <a:lstStyle/>
           <a:p>
             <a:r>
-              <a:rPr lang="en-US" dirty="0" smtClean="0"/>
-              <a:t>Well, what else did we learn?</a:t>
+              <a:rPr lang="en-US" dirty="0" err="1" smtClean="0"/>
+              <a:t>Cont</a:t>
+            </a:r>
+            <a:r>
+              <a:rPr lang="en-US" dirty="0" smtClean="0"/>
+              <a:t> </a:t>
+            </a:r>
+            <a:r>
+              <a:rPr lang="en-US" dirty="0"/>
+              <a:t>(Maven, </a:t>
+            </a:r>
+            <a:r>
+              <a:rPr lang="en-US" dirty="0" err="1"/>
+              <a:t>JavaFx</a:t>
+            </a:r>
+            <a:r>
+              <a:rPr lang="en-US" dirty="0"/>
+              <a:t>)</a:t>
+            </a:r>
+            <a:r>
+              <a:rPr lang="en-US" dirty="0" smtClean="0"/>
+              <a:t>…</a:t>
             </a:r>
             <a:endParaRPr lang="en-US" dirty="0"/>
           </a:p>
@@ -18678,8 +18737,8 @@
         </p:nvSpPr>
         <p:spPr>
           <a:xfrm>
-            <a:off x="1447800" y="1905000"/>
-            <a:ext cx="7124066" cy="1938992"/>
+            <a:off x="1752600" y="1676400"/>
+            <a:ext cx="184731" cy="461665"/>
           </a:xfrm>
           <a:prstGeom prst="rect">
             <a:avLst/>
@@ -18692,13 +18751,73 @@
           </a:bodyPr>
           <a:lstStyle/>
           <a:p>
+            <a:endParaRPr lang="en-US" dirty="0"/>
+          </a:p>
+        </p:txBody>
+      </p:sp>
+      <p:sp>
+        <p:nvSpPr>
+          <p:cNvPr id="5" name="TextBox 4"/>
+          <p:cNvSpPr txBox="1"/>
+          <p:nvPr/>
+        </p:nvSpPr>
+        <p:spPr>
+          <a:xfrm>
+            <a:off x="1371601" y="1600200"/>
+            <a:ext cx="7696200" cy="4154984"/>
+          </a:xfrm>
+          <a:prstGeom prst="rect">
+            <a:avLst/>
+          </a:prstGeom>
+          <a:noFill/>
+        </p:spPr>
+        <p:txBody>
+          <a:bodyPr wrap="square" rtlCol="0">
+            <a:spAutoFit/>
+          </a:bodyPr>
+          <a:lstStyle/>
+          <a:p>
             <a:pPr marL="342900" indent="-342900">
               <a:buFont typeface="Arial" pitchFamily="34" charset="0"/>
               <a:buChar char="•"/>
             </a:pPr>
             <a:r>
               <a:rPr lang="en-US" dirty="0" smtClean="0"/>
-              <a:t>Maven – although Maven is specific</a:t>
+              <a:t>Generate a </a:t>
+            </a:r>
+            <a:r>
+              <a:rPr lang="en-US" dirty="0" err="1" smtClean="0"/>
+              <a:t>keystore</a:t>
+            </a:r>
+            <a:r>
+              <a:rPr lang="en-US" dirty="0" smtClean="0"/>
+              <a:t> … </a:t>
+            </a:r>
+            <a:r>
+              <a:rPr lang="en-US" dirty="0" err="1" smtClean="0"/>
+              <a:t>keystore</a:t>
+            </a:r>
+            <a:r>
+              <a:rPr lang="en-US" dirty="0" smtClean="0"/>
+              <a:t> …</a:t>
+            </a:r>
+          </a:p>
+          <a:p>
+            <a:r>
+              <a:rPr lang="en-US" dirty="0" smtClean="0"/>
+              <a:t>A big can of worms … its all related with security,</a:t>
+            </a:r>
+          </a:p>
+          <a:p>
+            <a:r>
+              <a:rPr lang="en-US" dirty="0" smtClean="0"/>
+              <a:t>And personally, it makes me sick, but without these</a:t>
+            </a:r>
+          </a:p>
+          <a:p>
+            <a:r>
+              <a:rPr lang="en-US" dirty="0" smtClean="0"/>
+              <a:t>Instructions, it just won’t work</a:t>
             </a:r>
           </a:p>
           <a:p>
@@ -18708,7 +18827,19 @@
             </a:pPr>
             <a:r>
               <a:rPr lang="en-US" dirty="0" smtClean="0"/>
-              <a:t>To java, the concept is universal.  Have</a:t>
+              <a:t>Anyways: </a:t>
+            </a:r>
+            <a:r>
+              <a:rPr lang="en-US" dirty="0" err="1" smtClean="0"/>
+              <a:t>mvn</a:t>
+            </a:r>
+            <a:r>
+              <a:rPr lang="en-US" dirty="0"/>
+              <a:t> </a:t>
+            </a:r>
+            <a:r>
+              <a:rPr lang="en-US" dirty="0" smtClean="0"/>
+              <a:t>com.zenjava:javafx-maven-plugin:2.0:generate-key-store</a:t>
             </a:r>
           </a:p>
           <a:p>
@@ -18718,7 +18849,23 @@
             </a:pPr>
             <a:r>
               <a:rPr lang="en-US" dirty="0" smtClean="0"/>
-              <a:t>A repository of libraries somewhere and</a:t>
+              <a:t>Make sure you have a similar pom.xml </a:t>
+            </a:r>
+            <a:r>
+              <a:rPr lang="en-US" dirty="0" err="1" smtClean="0"/>
+              <a:t>config</a:t>
+            </a:r>
+            <a:r>
+              <a:rPr lang="en-US" dirty="0" smtClean="0"/>
+              <a:t> to mine for the </a:t>
+            </a:r>
+            <a:r>
+              <a:rPr lang="en-US" dirty="0" err="1" smtClean="0"/>
+              <a:t>certXXX</a:t>
+            </a:r>
+            <a:r>
+              <a:rPr lang="en-US" dirty="0" smtClean="0"/>
+              <a:t> stuff</a:t>
             </a:r>
           </a:p>
           <a:p>
@@ -18728,13 +18875,16 @@
             </a:pPr>
             <a:r>
               <a:rPr lang="en-US" dirty="0" smtClean="0"/>
-              <a:t>Let a tool download them with their </a:t>
+              <a:t>Next, create your </a:t>
             </a:r>
             <a:r>
               <a:rPr lang="en-US" dirty="0" err="1" smtClean="0"/>
-              <a:t>dependecies</a:t>
-            </a:r>
-            <a:endParaRPr lang="en-US" dirty="0" smtClean="0"/>
+              <a:t>webstart</a:t>
+            </a:r>
+            <a:r>
+              <a:rPr lang="en-US" dirty="0" smtClean="0"/>
+              <a:t> page:</a:t>
+            </a:r>
           </a:p>
           <a:p>
             <a:pPr marL="342900" indent="-342900">
@@ -18742,8 +18892,23 @@
               <a:buChar char="•"/>
             </a:pPr>
             <a:r>
-              <a:rPr lang="en-US" dirty="0" smtClean="0"/>
-              <a:t>And help you build artifacts</a:t>
+              <a:rPr lang="en-US" dirty="0" err="1" smtClean="0"/>
+              <a:t>mvn</a:t>
+            </a:r>
+            <a:r>
+              <a:rPr lang="en-US" dirty="0"/>
+              <a:t> com.zenjava:javafx-maven-plugin:2.0:web </a:t>
+            </a:r>
+            <a:endParaRPr lang="en-US" dirty="0" smtClean="0"/>
+          </a:p>
+          <a:p>
+            <a:pPr marL="342900" indent="-342900">
+              <a:buFont typeface="Arial" pitchFamily="34" charset="0"/>
+              <a:buChar char="•"/>
+            </a:pPr>
+            <a:r>
+              <a:rPr lang="en-US" dirty="0" smtClean="0"/>
+              <a:t>Launch the file in your new “showcase” directory</a:t>
             </a:r>
             <a:endParaRPr lang="en-US" dirty="0"/>
           </a:p>
@@ -18752,7 +18917,7 @@
     </p:spTree>
     <p:extLst>
       <p:ext uri="{BB962C8B-B14F-4D97-AF65-F5344CB8AC3E}">
-        <p14:creationId xmlns:p14="http://schemas.microsoft.com/office/powerpoint/2010/main" val="3404509170"/>
+        <p14:creationId xmlns:p14="http://schemas.microsoft.com/office/powerpoint/2010/main" val="3856607364"/>
       </p:ext>
     </p:extLst>
   </p:cSld>
@@ -18796,15 +18961,19 @@
           <a:p>
             <a:r>
               <a:rPr lang="en-US" dirty="0" err="1" smtClean="0"/>
-              <a:t>Git</a:t>
-            </a:r>
-            <a:r>
-              <a:rPr lang="en-US" dirty="0" smtClean="0"/>
-              <a:t>, </a:t>
+              <a:t>Cont</a:t>
+            </a:r>
+            <a:r>
+              <a:rPr lang="en-US" dirty="0" smtClean="0"/>
+              <a:t> (Maven, </a:t>
             </a:r>
             <a:r>
               <a:rPr lang="en-US" dirty="0" err="1" smtClean="0"/>
-              <a:t>Github</a:t>
+              <a:t>JavaFx</a:t>
+            </a:r>
+            <a:r>
+              <a:rPr lang="en-US" dirty="0" smtClean="0"/>
+              <a:t>)</a:t>
             </a:r>
             <a:endParaRPr lang="en-US" dirty="0"/>
           </a:p>
@@ -18847,8 +19016,8 @@
         </p:nvSpPr>
         <p:spPr>
           <a:xfrm>
-            <a:off x="1143000" y="2209800"/>
-            <a:ext cx="7837402" cy="4154984"/>
+            <a:off x="1371600" y="1752600"/>
+            <a:ext cx="6324600" cy="1200329"/>
           </a:xfrm>
           <a:prstGeom prst="rect">
             <a:avLst/>
@@ -18856,7 +19025,7 @@
           <a:noFill/>
         </p:spPr>
         <p:txBody>
-          <a:bodyPr wrap="none" rtlCol="0">
+          <a:bodyPr wrap="square" rtlCol="0">
             <a:spAutoFit/>
           </a:bodyPr>
           <a:lstStyle/>
@@ -18867,119 +19036,20 @@
             </a:pPr>
             <a:r>
               <a:rPr lang="en-US" dirty="0" smtClean="0"/>
-              <a:t>I strongly recommend you use </a:t>
-            </a:r>
-            <a:r>
-              <a:rPr lang="en-US" dirty="0" err="1" smtClean="0"/>
-              <a:t>Git</a:t>
-            </a:r>
-            <a:r>
-              <a:rPr lang="en-US" dirty="0" smtClean="0"/>
-              <a:t> for your</a:t>
-            </a:r>
-          </a:p>
-          <a:p>
-            <a:r>
-              <a:rPr lang="en-US" dirty="0" smtClean="0"/>
-              <a:t>Other courses or personal projects or work.  Revision</a:t>
-            </a:r>
-          </a:p>
-          <a:p>
-            <a:r>
-              <a:rPr lang="en-US" dirty="0"/>
-              <a:t>m</a:t>
-            </a:r>
-            <a:r>
-              <a:rPr lang="en-US" dirty="0" smtClean="0"/>
-              <a:t>anagement is crucial in software engineering.  Without</a:t>
-            </a:r>
-          </a:p>
-          <a:p>
-            <a:r>
-              <a:rPr lang="en-US" dirty="0" err="1" smtClean="0"/>
-              <a:t>Git</a:t>
-            </a:r>
-            <a:r>
-              <a:rPr lang="en-US" dirty="0" smtClean="0"/>
-              <a:t>, how else would you go back to a previous revision</a:t>
-            </a:r>
-          </a:p>
-          <a:p>
-            <a:pPr marL="342900" indent="-342900">
-              <a:buFont typeface="Arial" pitchFamily="34" charset="0"/>
-              <a:buChar char="•"/>
-            </a:pPr>
-            <a:r>
-              <a:rPr lang="en-US" dirty="0" err="1" smtClean="0"/>
-              <a:t>GitHub</a:t>
-            </a:r>
-            <a:r>
-              <a:rPr lang="en-US" dirty="0" smtClean="0"/>
-              <a:t> and </a:t>
-            </a:r>
-            <a:r>
-              <a:rPr lang="en-US" dirty="0" err="1" smtClean="0"/>
-              <a:t>GitHub</a:t>
-            </a:r>
-            <a:r>
-              <a:rPr lang="en-US" dirty="0" smtClean="0"/>
-              <a:t> pages ties you into the open</a:t>
-            </a:r>
-          </a:p>
-          <a:p>
-            <a:r>
-              <a:rPr lang="en-US" dirty="0" smtClean="0"/>
-              <a:t>Source community.  Open source is good.  You now</a:t>
-            </a:r>
-          </a:p>
-          <a:p>
-            <a:r>
-              <a:rPr lang="en-US" dirty="0" smtClean="0"/>
-              <a:t>Have an open source project on </a:t>
-            </a:r>
-            <a:r>
-              <a:rPr lang="en-US" dirty="0" err="1" smtClean="0"/>
-              <a:t>GitHub</a:t>
-            </a:r>
-            <a:r>
-              <a:rPr lang="en-US" dirty="0" smtClean="0"/>
-              <a:t>.  Congrats.</a:t>
-            </a:r>
-          </a:p>
-          <a:p>
-            <a:r>
-              <a:rPr lang="en-US" dirty="0" smtClean="0"/>
-              <a:t>If you never created a homepage before, well, use</a:t>
-            </a:r>
-          </a:p>
-          <a:p>
-            <a:r>
-              <a:rPr lang="en-US" dirty="0" err="1" smtClean="0"/>
-              <a:t>GitHub</a:t>
-            </a:r>
-            <a:r>
-              <a:rPr lang="en-US" dirty="0" smtClean="0"/>
-              <a:t> pages.  Great for letting employers see your</a:t>
-            </a:r>
-          </a:p>
-          <a:p>
-            <a:r>
-              <a:rPr lang="en-US" dirty="0" smtClean="0"/>
-              <a:t>Project and let them see your coding style too!  Again,</a:t>
-            </a:r>
-          </a:p>
-          <a:p>
-            <a:r>
-              <a:rPr lang="en-US" dirty="0" smtClean="0"/>
-              <a:t>NOT java specific.</a:t>
-            </a:r>
+              <a:t>Security Errors … yeah, that’s the can of worms I was talking about.  To </a:t>
+            </a:r>
+            <a:r>
+              <a:rPr lang="en-US" smtClean="0"/>
+              <a:t>fix them, see: </a:t>
+            </a:r>
+            <a:endParaRPr lang="en-US" dirty="0"/>
           </a:p>
         </p:txBody>
       </p:sp>
     </p:spTree>
     <p:extLst>
       <p:ext uri="{BB962C8B-B14F-4D97-AF65-F5344CB8AC3E}">
-        <p14:creationId xmlns:p14="http://schemas.microsoft.com/office/powerpoint/2010/main" val="3442297372"/>
+        <p14:creationId xmlns:p14="http://schemas.microsoft.com/office/powerpoint/2010/main" val="4243719274"/>
       </p:ext>
     </p:extLst>
   </p:cSld>
@@ -19023,7 +19093,7 @@
           <a:p>
             <a:r>
               <a:rPr lang="en-US" dirty="0" smtClean="0"/>
-              <a:t>MVC</a:t>
+              <a:t>Food for thought…</a:t>
             </a:r>
             <a:endParaRPr lang="en-US" dirty="0"/>
           </a:p>
@@ -19066,8 +19136,8 @@
         </p:nvSpPr>
         <p:spPr>
           <a:xfrm>
-            <a:off x="1371600" y="2286000"/>
-            <a:ext cx="7117333" cy="1569660"/>
+            <a:off x="1371600" y="1828800"/>
+            <a:ext cx="4831772" cy="1938992"/>
           </a:xfrm>
           <a:prstGeom prst="rect">
             <a:avLst/>
@@ -19086,7 +19156,7 @@
             </a:pPr>
             <a:r>
               <a:rPr lang="en-US" dirty="0" smtClean="0"/>
-              <a:t>Hopefully, you learned a few design patterns</a:t>
+              <a:t>Maybe after this course …</a:t>
             </a:r>
           </a:p>
           <a:p>
@@ -19096,7 +19166,7 @@
             </a:pPr>
             <a:r>
               <a:rPr lang="en-US" dirty="0" smtClean="0"/>
-              <a:t>Like MVC.  In later courses, you’ll learn MVP,</a:t>
+              <a:t>I REALLY hate Java…</a:t>
             </a:r>
           </a:p>
           <a:p>
@@ -19106,7 +19176,7 @@
             </a:pPr>
             <a:r>
               <a:rPr lang="en-US" dirty="0" smtClean="0"/>
-              <a:t>MVVM, and MVW.   Again design patterns aren’t</a:t>
+              <a:t>Or I REALLY love it</a:t>
             </a:r>
           </a:p>
           <a:p>
@@ -19116,7 +19186,17 @@
             </a:pPr>
             <a:r>
               <a:rPr lang="en-US" dirty="0" smtClean="0"/>
-              <a:t>Specific to Java</a:t>
+              <a:t>But was that all you learned?</a:t>
+            </a:r>
+          </a:p>
+          <a:p>
+            <a:pPr marL="342900" indent="-342900">
+              <a:buFont typeface="Arial" pitchFamily="34" charset="0"/>
+              <a:buChar char="•"/>
+            </a:pPr>
+            <a:r>
+              <a:rPr lang="en-US" dirty="0" smtClean="0"/>
+              <a:t>I had a hidden agenda all along</a:t>
             </a:r>
             <a:endParaRPr lang="en-US" dirty="0"/>
           </a:p>
@@ -19125,7 +19205,7 @@
     </p:spTree>
     <p:extLst>
       <p:ext uri="{BB962C8B-B14F-4D97-AF65-F5344CB8AC3E}">
-        <p14:creationId xmlns:p14="http://schemas.microsoft.com/office/powerpoint/2010/main" val="1883758025"/>
+        <p14:creationId xmlns:p14="http://schemas.microsoft.com/office/powerpoint/2010/main" val="568372925"/>
       </p:ext>
     </p:extLst>
   </p:cSld>
@@ -19169,7 +19249,7 @@
           <a:p>
             <a:r>
               <a:rPr lang="en-US" dirty="0" smtClean="0"/>
-              <a:t>And most of all …</a:t>
+              <a:t>Well, what else did we learn?</a:t>
             </a:r>
             <a:endParaRPr lang="en-US" dirty="0"/>
           </a:p>
@@ -19212,8 +19292,8 @@
         </p:nvSpPr>
         <p:spPr>
           <a:xfrm>
-            <a:off x="1447800" y="2057400"/>
-            <a:ext cx="7111242" cy="3416320"/>
+            <a:off x="1447800" y="1905000"/>
+            <a:ext cx="7124066" cy="1938992"/>
           </a:xfrm>
           <a:prstGeom prst="rect">
             <a:avLst/>
@@ -19232,75 +19312,61 @@
             </a:pPr>
             <a:r>
               <a:rPr lang="en-US" dirty="0" smtClean="0"/>
-              <a:t>Software engineering and banging your</a:t>
-            </a:r>
-          </a:p>
-          <a:p>
-            <a:r>
-              <a:rPr lang="en-US" dirty="0"/>
-              <a:t>h</a:t>
-            </a:r>
-            <a:r>
-              <a:rPr lang="en-US" dirty="0" smtClean="0"/>
-              <a:t>ead against your keyboard.  This was a</a:t>
-            </a:r>
-          </a:p>
-          <a:p>
-            <a:r>
-              <a:rPr lang="en-US" dirty="0"/>
-              <a:t>p</a:t>
-            </a:r>
-            <a:r>
-              <a:rPr lang="en-US" dirty="0" smtClean="0"/>
-              <a:t>ut as much or as little as you want in this</a:t>
-            </a:r>
-          </a:p>
-          <a:p>
-            <a:r>
-              <a:rPr lang="en-US" dirty="0" smtClean="0"/>
-              <a:t>Course.  The project was yours from Day1.</a:t>
-            </a:r>
-          </a:p>
-          <a:p>
-            <a:r>
-              <a:rPr lang="en-US" dirty="0" smtClean="0"/>
-              <a:t>I personally grew quite attached to my first</a:t>
-            </a:r>
-          </a:p>
-          <a:p>
-            <a:r>
-              <a:rPr lang="en-US" dirty="0" smtClean="0"/>
-              <a:t>Software engineering project.  For me it was</a:t>
-            </a:r>
-          </a:p>
-          <a:p>
-            <a:r>
-              <a:rPr lang="en-US" dirty="0" smtClean="0"/>
-              <a:t>Fun.  I programmed it in C.  I don’t use C anymore,</a:t>
-            </a:r>
-          </a:p>
-          <a:p>
-            <a:r>
-              <a:rPr lang="en-US" dirty="0" smtClean="0"/>
-              <a:t>But it was the build your own, manage your own</a:t>
-            </a:r>
-          </a:p>
-          <a:p>
-            <a:r>
-              <a:rPr lang="en-US" dirty="0"/>
-              <a:t>a</a:t>
-            </a:r>
-            <a:r>
-              <a:rPr lang="en-US" dirty="0" smtClean="0"/>
-              <a:t>spect that still keeps me motivated in this field.</a:t>
-            </a:r>
+              <a:t>Maven – although Maven is specific</a:t>
+            </a:r>
+          </a:p>
+          <a:p>
+            <a:pPr marL="342900" indent="-342900">
+              <a:buFont typeface="Arial" pitchFamily="34" charset="0"/>
+              <a:buChar char="•"/>
+            </a:pPr>
+            <a:r>
+              <a:rPr lang="en-US" dirty="0" smtClean="0"/>
+              <a:t>To java, the concept is universal.  Have</a:t>
+            </a:r>
+          </a:p>
+          <a:p>
+            <a:pPr marL="342900" indent="-342900">
+              <a:buFont typeface="Arial" pitchFamily="34" charset="0"/>
+              <a:buChar char="•"/>
+            </a:pPr>
+            <a:r>
+              <a:rPr lang="en-US" dirty="0" smtClean="0"/>
+              <a:t>A repository of libraries somewhere and</a:t>
+            </a:r>
+          </a:p>
+          <a:p>
+            <a:pPr marL="342900" indent="-342900">
+              <a:buFont typeface="Arial" pitchFamily="34" charset="0"/>
+              <a:buChar char="•"/>
+            </a:pPr>
+            <a:r>
+              <a:rPr lang="en-US" dirty="0" smtClean="0"/>
+              <a:t>Let a tool download them with their </a:t>
+            </a:r>
+            <a:r>
+              <a:rPr lang="en-US" dirty="0" err="1" smtClean="0"/>
+              <a:t>dependecies</a:t>
+            </a:r>
+            <a:endParaRPr lang="en-US" dirty="0" smtClean="0"/>
+          </a:p>
+          <a:p>
+            <a:pPr marL="342900" indent="-342900">
+              <a:buFont typeface="Arial" pitchFamily="34" charset="0"/>
+              <a:buChar char="•"/>
+            </a:pPr>
+            <a:r>
+              <a:rPr lang="en-US" dirty="0" smtClean="0"/>
+              <a:t>And help you build artifacts</a:t>
+            </a:r>
+            <a:endParaRPr lang="en-US" dirty="0"/>
           </a:p>
         </p:txBody>
       </p:sp>
     </p:spTree>
     <p:extLst>
       <p:ext uri="{BB962C8B-B14F-4D97-AF65-F5344CB8AC3E}">
-        <p14:creationId xmlns:p14="http://schemas.microsoft.com/office/powerpoint/2010/main" val="1560099199"/>
+        <p14:creationId xmlns:p14="http://schemas.microsoft.com/office/powerpoint/2010/main" val="3404509170"/>
       </p:ext>
     </p:extLst>
   </p:cSld>
@@ -19343,8 +19409,16 @@
           <a:lstStyle/>
           <a:p>
             <a:r>
-              <a:rPr lang="en-US" dirty="0" smtClean="0"/>
-              <a:t>Thank-you + Optional Homework</a:t>
+              <a:rPr lang="en-US" dirty="0" err="1" smtClean="0"/>
+              <a:t>Git</a:t>
+            </a:r>
+            <a:r>
+              <a:rPr lang="en-US" dirty="0" smtClean="0"/>
+              <a:t>, </a:t>
+            </a:r>
+            <a:r>
+              <a:rPr lang="en-US" dirty="0" err="1" smtClean="0"/>
+              <a:t>Github</a:t>
             </a:r>
             <a:endParaRPr lang="en-US" dirty="0"/>
           </a:p>
@@ -19374,6 +19448,546 @@
                 <a:defRPr/>
               </a:pPr>
               <a:t>75</a:t>
+            </a:fld>
+            <a:endParaRPr lang="en-CA"/>
+          </a:p>
+        </p:txBody>
+      </p:sp>
+      <p:sp>
+        <p:nvSpPr>
+          <p:cNvPr id="4" name="TextBox 3"/>
+          <p:cNvSpPr txBox="1"/>
+          <p:nvPr/>
+        </p:nvSpPr>
+        <p:spPr>
+          <a:xfrm>
+            <a:off x="1143000" y="2209800"/>
+            <a:ext cx="7837402" cy="4154984"/>
+          </a:xfrm>
+          <a:prstGeom prst="rect">
+            <a:avLst/>
+          </a:prstGeom>
+          <a:noFill/>
+        </p:spPr>
+        <p:txBody>
+          <a:bodyPr wrap="none" rtlCol="0">
+            <a:spAutoFit/>
+          </a:bodyPr>
+          <a:lstStyle/>
+          <a:p>
+            <a:pPr marL="342900" indent="-342900">
+              <a:buFont typeface="Arial" pitchFamily="34" charset="0"/>
+              <a:buChar char="•"/>
+            </a:pPr>
+            <a:r>
+              <a:rPr lang="en-US" dirty="0" smtClean="0"/>
+              <a:t>I strongly recommend you use </a:t>
+            </a:r>
+            <a:r>
+              <a:rPr lang="en-US" dirty="0" err="1" smtClean="0"/>
+              <a:t>Git</a:t>
+            </a:r>
+            <a:r>
+              <a:rPr lang="en-US" dirty="0" smtClean="0"/>
+              <a:t> for your</a:t>
+            </a:r>
+          </a:p>
+          <a:p>
+            <a:r>
+              <a:rPr lang="en-US" dirty="0" smtClean="0"/>
+              <a:t>Other courses or personal projects or work.  Revision</a:t>
+            </a:r>
+          </a:p>
+          <a:p>
+            <a:r>
+              <a:rPr lang="en-US" dirty="0"/>
+              <a:t>m</a:t>
+            </a:r>
+            <a:r>
+              <a:rPr lang="en-US" dirty="0" smtClean="0"/>
+              <a:t>anagement is crucial in software engineering.  Without</a:t>
+            </a:r>
+          </a:p>
+          <a:p>
+            <a:r>
+              <a:rPr lang="en-US" dirty="0" err="1" smtClean="0"/>
+              <a:t>Git</a:t>
+            </a:r>
+            <a:r>
+              <a:rPr lang="en-US" dirty="0" smtClean="0"/>
+              <a:t>, how else would you go back to a previous revision</a:t>
+            </a:r>
+          </a:p>
+          <a:p>
+            <a:pPr marL="342900" indent="-342900">
+              <a:buFont typeface="Arial" pitchFamily="34" charset="0"/>
+              <a:buChar char="•"/>
+            </a:pPr>
+            <a:r>
+              <a:rPr lang="en-US" dirty="0" err="1" smtClean="0"/>
+              <a:t>GitHub</a:t>
+            </a:r>
+            <a:r>
+              <a:rPr lang="en-US" dirty="0" smtClean="0"/>
+              <a:t> and </a:t>
+            </a:r>
+            <a:r>
+              <a:rPr lang="en-US" dirty="0" err="1" smtClean="0"/>
+              <a:t>GitHub</a:t>
+            </a:r>
+            <a:r>
+              <a:rPr lang="en-US" dirty="0" smtClean="0"/>
+              <a:t> pages ties you into the open</a:t>
+            </a:r>
+          </a:p>
+          <a:p>
+            <a:r>
+              <a:rPr lang="en-US" dirty="0" smtClean="0"/>
+              <a:t>Source community.  Open source is good.  You now</a:t>
+            </a:r>
+          </a:p>
+          <a:p>
+            <a:r>
+              <a:rPr lang="en-US" dirty="0" smtClean="0"/>
+              <a:t>Have an open source project on </a:t>
+            </a:r>
+            <a:r>
+              <a:rPr lang="en-US" dirty="0" err="1" smtClean="0"/>
+              <a:t>GitHub</a:t>
+            </a:r>
+            <a:r>
+              <a:rPr lang="en-US" dirty="0" smtClean="0"/>
+              <a:t>.  Congrats.</a:t>
+            </a:r>
+          </a:p>
+          <a:p>
+            <a:r>
+              <a:rPr lang="en-US" dirty="0" smtClean="0"/>
+              <a:t>If you never created a homepage before, well, use</a:t>
+            </a:r>
+          </a:p>
+          <a:p>
+            <a:r>
+              <a:rPr lang="en-US" dirty="0" err="1" smtClean="0"/>
+              <a:t>GitHub</a:t>
+            </a:r>
+            <a:r>
+              <a:rPr lang="en-US" dirty="0" smtClean="0"/>
+              <a:t> pages.  Great for letting employers see your</a:t>
+            </a:r>
+          </a:p>
+          <a:p>
+            <a:r>
+              <a:rPr lang="en-US" dirty="0" smtClean="0"/>
+              <a:t>Project and let them see your coding style too!  Again,</a:t>
+            </a:r>
+          </a:p>
+          <a:p>
+            <a:r>
+              <a:rPr lang="en-US" dirty="0" smtClean="0"/>
+              <a:t>NOT java specific.</a:t>
+            </a:r>
+          </a:p>
+        </p:txBody>
+      </p:sp>
+    </p:spTree>
+    <p:extLst>
+      <p:ext uri="{BB962C8B-B14F-4D97-AF65-F5344CB8AC3E}">
+        <p14:creationId xmlns:p14="http://schemas.microsoft.com/office/powerpoint/2010/main" val="3442297372"/>
+      </p:ext>
+    </p:extLst>
+  </p:cSld>
+  <p:clrMapOvr>
+    <a:masterClrMapping/>
+  </p:clrMapOvr>
+</p:sld>
+</file>
+
+<file path=ppt/slides/slide76.xml><?xml version="1.0" encoding="utf-8"?>
+<p:sld xmlns:a="http://schemas.openxmlformats.org/drawingml/2006/main" xmlns:r="http://schemas.openxmlformats.org/officeDocument/2006/relationships" xmlns:p="http://schemas.openxmlformats.org/presentationml/2006/main">
+  <p:cSld>
+    <p:spTree>
+      <p:nvGrpSpPr>
+        <p:cNvPr id="1" name=""/>
+        <p:cNvGrpSpPr/>
+        <p:nvPr/>
+      </p:nvGrpSpPr>
+      <p:grpSpPr>
+        <a:xfrm>
+          <a:off x="0" y="0"/>
+          <a:ext cx="0" cy="0"/>
+          <a:chOff x="0" y="0"/>
+          <a:chExt cx="0" cy="0"/>
+        </a:xfrm>
+      </p:grpSpPr>
+      <p:sp>
+        <p:nvSpPr>
+          <p:cNvPr id="2" name="Title 1"/>
+          <p:cNvSpPr>
+            <a:spLocks noGrp="1"/>
+          </p:cNvSpPr>
+          <p:nvPr>
+            <p:ph type="title"/>
+          </p:nvPr>
+        </p:nvSpPr>
+        <p:spPr/>
+        <p:txBody>
+          <a:bodyPr/>
+          <a:lstStyle/>
+          <a:p>
+            <a:r>
+              <a:rPr lang="en-US" dirty="0" smtClean="0"/>
+              <a:t>MVC</a:t>
+            </a:r>
+            <a:endParaRPr lang="en-US" dirty="0"/>
+          </a:p>
+        </p:txBody>
+      </p:sp>
+      <p:sp>
+        <p:nvSpPr>
+          <p:cNvPr id="3" name="Slide Number Placeholder 2"/>
+          <p:cNvSpPr>
+            <a:spLocks noGrp="1"/>
+          </p:cNvSpPr>
+          <p:nvPr>
+            <p:ph type="sldNum" sz="quarter" idx="12"/>
+          </p:nvPr>
+        </p:nvSpPr>
+        <p:spPr/>
+        <p:txBody>
+          <a:bodyPr/>
+          <a:lstStyle/>
+          <a:p>
+            <a:pPr>
+              <a:defRPr/>
+            </a:pPr>
+            <a:fld id="{B2451C39-31DD-6D4B-9BED-758CF6C1BA6A}" type="slidenum">
+              <a:rPr lang="en-CA" smtClean="0"/>
+              <a:pPr>
+                <a:defRPr/>
+              </a:pPr>
+              <a:t>76</a:t>
+            </a:fld>
+            <a:endParaRPr lang="en-CA"/>
+          </a:p>
+        </p:txBody>
+      </p:sp>
+      <p:sp>
+        <p:nvSpPr>
+          <p:cNvPr id="4" name="TextBox 3"/>
+          <p:cNvSpPr txBox="1"/>
+          <p:nvPr/>
+        </p:nvSpPr>
+        <p:spPr>
+          <a:xfrm>
+            <a:off x="1371600" y="2286000"/>
+            <a:ext cx="7117333" cy="1569660"/>
+          </a:xfrm>
+          <a:prstGeom prst="rect">
+            <a:avLst/>
+          </a:prstGeom>
+          <a:noFill/>
+        </p:spPr>
+        <p:txBody>
+          <a:bodyPr wrap="none" rtlCol="0">
+            <a:spAutoFit/>
+          </a:bodyPr>
+          <a:lstStyle/>
+          <a:p>
+            <a:pPr marL="342900" indent="-342900">
+              <a:buFont typeface="Arial" pitchFamily="34" charset="0"/>
+              <a:buChar char="•"/>
+            </a:pPr>
+            <a:r>
+              <a:rPr lang="en-US" dirty="0" smtClean="0"/>
+              <a:t>Hopefully, you learned a few design patterns</a:t>
+            </a:r>
+          </a:p>
+          <a:p>
+            <a:pPr marL="342900" indent="-342900">
+              <a:buFont typeface="Arial" pitchFamily="34" charset="0"/>
+              <a:buChar char="•"/>
+            </a:pPr>
+            <a:r>
+              <a:rPr lang="en-US" dirty="0" smtClean="0"/>
+              <a:t>Like MVC.  In later courses, you’ll learn MVP,</a:t>
+            </a:r>
+          </a:p>
+          <a:p>
+            <a:pPr marL="342900" indent="-342900">
+              <a:buFont typeface="Arial" pitchFamily="34" charset="0"/>
+              <a:buChar char="•"/>
+            </a:pPr>
+            <a:r>
+              <a:rPr lang="en-US" dirty="0" smtClean="0"/>
+              <a:t>MVVM, and MVW.   Again design patterns aren’t</a:t>
+            </a:r>
+          </a:p>
+          <a:p>
+            <a:pPr marL="342900" indent="-342900">
+              <a:buFont typeface="Arial" pitchFamily="34" charset="0"/>
+              <a:buChar char="•"/>
+            </a:pPr>
+            <a:r>
+              <a:rPr lang="en-US" dirty="0" smtClean="0"/>
+              <a:t>Specific to Java</a:t>
+            </a:r>
+            <a:endParaRPr lang="en-US" dirty="0"/>
+          </a:p>
+        </p:txBody>
+      </p:sp>
+    </p:spTree>
+    <p:extLst>
+      <p:ext uri="{BB962C8B-B14F-4D97-AF65-F5344CB8AC3E}">
+        <p14:creationId xmlns:p14="http://schemas.microsoft.com/office/powerpoint/2010/main" val="1883758025"/>
+      </p:ext>
+    </p:extLst>
+  </p:cSld>
+  <p:clrMapOvr>
+    <a:masterClrMapping/>
+  </p:clrMapOvr>
+</p:sld>
+</file>
+
+<file path=ppt/slides/slide77.xml><?xml version="1.0" encoding="utf-8"?>
+<p:sld xmlns:a="http://schemas.openxmlformats.org/drawingml/2006/main" xmlns:r="http://schemas.openxmlformats.org/officeDocument/2006/relationships" xmlns:p="http://schemas.openxmlformats.org/presentationml/2006/main">
+  <p:cSld>
+    <p:spTree>
+      <p:nvGrpSpPr>
+        <p:cNvPr id="1" name=""/>
+        <p:cNvGrpSpPr/>
+        <p:nvPr/>
+      </p:nvGrpSpPr>
+      <p:grpSpPr>
+        <a:xfrm>
+          <a:off x="0" y="0"/>
+          <a:ext cx="0" cy="0"/>
+          <a:chOff x="0" y="0"/>
+          <a:chExt cx="0" cy="0"/>
+        </a:xfrm>
+      </p:grpSpPr>
+      <p:sp>
+        <p:nvSpPr>
+          <p:cNvPr id="2" name="Title 1"/>
+          <p:cNvSpPr>
+            <a:spLocks noGrp="1"/>
+          </p:cNvSpPr>
+          <p:nvPr>
+            <p:ph type="title"/>
+          </p:nvPr>
+        </p:nvSpPr>
+        <p:spPr/>
+        <p:txBody>
+          <a:bodyPr/>
+          <a:lstStyle/>
+          <a:p>
+            <a:r>
+              <a:rPr lang="en-US" dirty="0" smtClean="0"/>
+              <a:t>And most of all …</a:t>
+            </a:r>
+            <a:endParaRPr lang="en-US" dirty="0"/>
+          </a:p>
+        </p:txBody>
+      </p:sp>
+      <p:sp>
+        <p:nvSpPr>
+          <p:cNvPr id="3" name="Slide Number Placeholder 2"/>
+          <p:cNvSpPr>
+            <a:spLocks noGrp="1"/>
+          </p:cNvSpPr>
+          <p:nvPr>
+            <p:ph type="sldNum" sz="quarter" idx="12"/>
+          </p:nvPr>
+        </p:nvSpPr>
+        <p:spPr/>
+        <p:txBody>
+          <a:bodyPr/>
+          <a:lstStyle/>
+          <a:p>
+            <a:pPr>
+              <a:defRPr/>
+            </a:pPr>
+            <a:fld id="{B2451C39-31DD-6D4B-9BED-758CF6C1BA6A}" type="slidenum">
+              <a:rPr lang="en-CA" smtClean="0"/>
+              <a:pPr>
+                <a:defRPr/>
+              </a:pPr>
+              <a:t>77</a:t>
+            </a:fld>
+            <a:endParaRPr lang="en-CA"/>
+          </a:p>
+        </p:txBody>
+      </p:sp>
+      <p:sp>
+        <p:nvSpPr>
+          <p:cNvPr id="4" name="TextBox 3"/>
+          <p:cNvSpPr txBox="1"/>
+          <p:nvPr/>
+        </p:nvSpPr>
+        <p:spPr>
+          <a:xfrm>
+            <a:off x="1447800" y="2057400"/>
+            <a:ext cx="7111242" cy="3416320"/>
+          </a:xfrm>
+          <a:prstGeom prst="rect">
+            <a:avLst/>
+          </a:prstGeom>
+          <a:noFill/>
+        </p:spPr>
+        <p:txBody>
+          <a:bodyPr wrap="none" rtlCol="0">
+            <a:spAutoFit/>
+          </a:bodyPr>
+          <a:lstStyle/>
+          <a:p>
+            <a:pPr marL="342900" indent="-342900">
+              <a:buFont typeface="Arial" pitchFamily="34" charset="0"/>
+              <a:buChar char="•"/>
+            </a:pPr>
+            <a:r>
+              <a:rPr lang="en-US" dirty="0" smtClean="0"/>
+              <a:t>Software engineering and banging your</a:t>
+            </a:r>
+          </a:p>
+          <a:p>
+            <a:r>
+              <a:rPr lang="en-US" dirty="0"/>
+              <a:t>h</a:t>
+            </a:r>
+            <a:r>
+              <a:rPr lang="en-US" dirty="0" smtClean="0"/>
+              <a:t>ead against your keyboard.  This was a</a:t>
+            </a:r>
+          </a:p>
+          <a:p>
+            <a:r>
+              <a:rPr lang="en-US" dirty="0"/>
+              <a:t>p</a:t>
+            </a:r>
+            <a:r>
+              <a:rPr lang="en-US" dirty="0" smtClean="0"/>
+              <a:t>ut as much or as little as you want in this</a:t>
+            </a:r>
+          </a:p>
+          <a:p>
+            <a:r>
+              <a:rPr lang="en-US" dirty="0" smtClean="0"/>
+              <a:t>Course.  The project was yours from Day1.</a:t>
+            </a:r>
+          </a:p>
+          <a:p>
+            <a:r>
+              <a:rPr lang="en-US" dirty="0" smtClean="0"/>
+              <a:t>I personally grew quite attached to my first</a:t>
+            </a:r>
+          </a:p>
+          <a:p>
+            <a:r>
+              <a:rPr lang="en-US" dirty="0" smtClean="0"/>
+              <a:t>Software engineering project.  For me it was</a:t>
+            </a:r>
+          </a:p>
+          <a:p>
+            <a:r>
+              <a:rPr lang="en-US" dirty="0" smtClean="0"/>
+              <a:t>Fun.  I programmed it in C.  I don’t use C anymore,</a:t>
+            </a:r>
+          </a:p>
+          <a:p>
+            <a:r>
+              <a:rPr lang="en-US" dirty="0" smtClean="0"/>
+              <a:t>But it was the build your own, manage your own</a:t>
+            </a:r>
+          </a:p>
+          <a:p>
+            <a:r>
+              <a:rPr lang="en-US" dirty="0"/>
+              <a:t>a</a:t>
+            </a:r>
+            <a:r>
+              <a:rPr lang="en-US" dirty="0" smtClean="0"/>
+              <a:t>spect that still keeps me motivated in this field.</a:t>
+            </a:r>
+          </a:p>
+        </p:txBody>
+      </p:sp>
+    </p:spTree>
+    <p:extLst>
+      <p:ext uri="{BB962C8B-B14F-4D97-AF65-F5344CB8AC3E}">
+        <p14:creationId xmlns:p14="http://schemas.microsoft.com/office/powerpoint/2010/main" val="1560099199"/>
+      </p:ext>
+    </p:extLst>
+  </p:cSld>
+  <p:clrMapOvr>
+    <a:masterClrMapping/>
+  </p:clrMapOvr>
+</p:sld>
+</file>
+
+<file path=ppt/slides/slide78.xml><?xml version="1.0" encoding="utf-8"?>
+<p:sld xmlns:a="http://schemas.openxmlformats.org/drawingml/2006/main" xmlns:r="http://schemas.openxmlformats.org/officeDocument/2006/relationships" xmlns:p="http://schemas.openxmlformats.org/presentationml/2006/main">
+  <p:cSld>
+    <p:spTree>
+      <p:nvGrpSpPr>
+        <p:cNvPr id="1" name=""/>
+        <p:cNvGrpSpPr/>
+        <p:nvPr/>
+      </p:nvGrpSpPr>
+      <p:grpSpPr>
+        <a:xfrm>
+          <a:off x="0" y="0"/>
+          <a:ext cx="0" cy="0"/>
+          <a:chOff x="0" y="0"/>
+          <a:chExt cx="0" cy="0"/>
+        </a:xfrm>
+      </p:grpSpPr>
+      <p:sp>
+        <p:nvSpPr>
+          <p:cNvPr id="2" name="Title 1"/>
+          <p:cNvSpPr>
+            <a:spLocks noGrp="1"/>
+          </p:cNvSpPr>
+          <p:nvPr>
+            <p:ph type="title"/>
+          </p:nvPr>
+        </p:nvSpPr>
+        <p:spPr/>
+        <p:txBody>
+          <a:bodyPr/>
+          <a:lstStyle/>
+          <a:p>
+            <a:r>
+              <a:rPr lang="en-US" dirty="0" smtClean="0"/>
+              <a:t>Thank-you + Optional Homework</a:t>
+            </a:r>
+            <a:endParaRPr lang="en-US" dirty="0"/>
+          </a:p>
+        </p:txBody>
+      </p:sp>
+      <p:sp>
+        <p:nvSpPr>
+          <p:cNvPr id="3" name="Slide Number Placeholder 2"/>
+          <p:cNvSpPr>
+            <a:spLocks noGrp="1"/>
+          </p:cNvSpPr>
+          <p:nvPr>
+            <p:ph type="sldNum" sz="quarter" idx="12"/>
+          </p:nvPr>
+        </p:nvSpPr>
+        <p:spPr/>
+        <p:txBody>
+          <a:bodyPr/>
+          <a:lstStyle/>
+          <a:p>
+            <a:pPr>
+              <a:defRPr/>
+            </a:pPr>
+            <a:fld id="{B2451C39-31DD-6D4B-9BED-758CF6C1BA6A}" type="slidenum">
+              <a:rPr lang="en-CA" smtClean="0"/>
+              <a:pPr>
+                <a:defRPr/>
+              </a:pPr>
+              <a:t>78</a:t>
             </a:fld>
             <a:endParaRPr lang="en-CA"/>
           </a:p>
@@ -19421,10 +20035,10 @@
               <a:t>Survey </a:t>
             </a:r>
             <a:r>
-              <a:rPr lang="en-US" smtClean="0"/>
+              <a:rPr lang="en-US" dirty="0" smtClean="0"/>
               <a:t>Monkey link</a:t>
             </a:r>
-            <a:endParaRPr lang="en-US"/>
+            <a:endParaRPr lang="en-US" dirty="0"/>
           </a:p>
         </p:txBody>
       </p:sp>

--- a/coursePresentation.pptx
+++ b/coursePresentation.pptx
@@ -5,10 +5,10 @@
     <p:sldMasterId id="2147484906" r:id="rId1"/>
   </p:sldMasterIdLst>
   <p:notesMasterIdLst>
-    <p:notesMasterId r:id="rId80"/>
+    <p:notesMasterId r:id="rId83"/>
   </p:notesMasterIdLst>
   <p:handoutMasterIdLst>
-    <p:handoutMasterId r:id="rId81"/>
+    <p:handoutMasterId r:id="rId84"/>
   </p:handoutMasterIdLst>
   <p:sldIdLst>
     <p:sldId id="257" r:id="rId2"/>
@@ -83,12 +83,15 @@
     <p:sldId id="395" r:id="rId71"/>
     <p:sldId id="396" r:id="rId72"/>
     <p:sldId id="397" r:id="rId73"/>
-    <p:sldId id="389" r:id="rId74"/>
-    <p:sldId id="390" r:id="rId75"/>
-    <p:sldId id="391" r:id="rId76"/>
-    <p:sldId id="392" r:id="rId77"/>
-    <p:sldId id="393" r:id="rId78"/>
-    <p:sldId id="394" r:id="rId79"/>
+    <p:sldId id="398" r:id="rId74"/>
+    <p:sldId id="399" r:id="rId75"/>
+    <p:sldId id="400" r:id="rId76"/>
+    <p:sldId id="389" r:id="rId77"/>
+    <p:sldId id="390" r:id="rId78"/>
+    <p:sldId id="391" r:id="rId79"/>
+    <p:sldId id="392" r:id="rId80"/>
+    <p:sldId id="393" r:id="rId81"/>
+    <p:sldId id="394" r:id="rId82"/>
   </p:sldIdLst>
   <p:sldSz cx="9144000" cy="6858000" type="screen4x3"/>
   <p:notesSz cx="6858000" cy="9144000"/>
@@ -19017,7 +19020,7 @@
         <p:spPr>
           <a:xfrm>
             <a:off x="1371600" y="1752600"/>
-            <a:ext cx="6324600" cy="1200329"/>
+            <a:ext cx="6324600" cy="2308324"/>
           </a:xfrm>
           <a:prstGeom prst="rect">
             <a:avLst/>
@@ -19036,11 +19039,50 @@
             </a:pPr>
             <a:r>
               <a:rPr lang="en-US" dirty="0" smtClean="0"/>
-              <a:t>Security Errors … yeah, that’s the can of worms I was talking about.  To </a:t>
-            </a:r>
-            <a:r>
-              <a:rPr lang="en-US" smtClean="0"/>
-              <a:t>fix them, see: </a:t>
+              <a:t>Security Errors … yeah, that’s the can of worms I was talking about.  To fix them, see</a:t>
+            </a:r>
+            <a:r>
+              <a:rPr lang="en-US" dirty="0"/>
+              <a:t>: </a:t>
+            </a:r>
+            <a:r>
+              <a:rPr lang="en-US" dirty="0">
+                <a:hlinkClick r:id="rId2"/>
+              </a:rPr>
+              <a:t>http://hchan.github.io/comp2613</a:t>
+            </a:r>
+            <a:r>
+              <a:rPr lang="en-US" dirty="0" smtClean="0">
+                <a:hlinkClick r:id="rId2"/>
+              </a:rPr>
+              <a:t>/</a:t>
+            </a:r>
+            <a:endParaRPr lang="en-US" dirty="0" smtClean="0"/>
+          </a:p>
+          <a:p>
+            <a:pPr marL="342900" indent="-342900">
+              <a:buFont typeface="Arial" pitchFamily="34" charset="0"/>
+              <a:buChar char="•"/>
+            </a:pPr>
+            <a:r>
+              <a:rPr lang="en-US" dirty="0" smtClean="0"/>
+              <a:t>Hey, do you think the above URL is </a:t>
+            </a:r>
+            <a:r>
+              <a:rPr lang="en-US" dirty="0" err="1" smtClean="0"/>
+              <a:t>kinda</a:t>
+            </a:r>
+            <a:r>
+              <a:rPr lang="en-US" dirty="0" smtClean="0"/>
+              <a:t> neat?  Well, if you do, you’re only 5 steps away from having your own </a:t>
+            </a:r>
+            <a:r>
+              <a:rPr lang="en-US" dirty="0" err="1" smtClean="0"/>
+              <a:t>Github</a:t>
+            </a:r>
+            <a:r>
+              <a:rPr lang="en-US" dirty="0" smtClean="0"/>
+              <a:t> page</a:t>
             </a:r>
             <a:endParaRPr lang="en-US" dirty="0"/>
           </a:p>
@@ -19092,8 +19134,12 @@
           <a:lstStyle/>
           <a:p>
             <a:r>
-              <a:rPr lang="en-US" dirty="0" smtClean="0"/>
-              <a:t>Food for thought…</a:t>
+              <a:rPr lang="en-US" dirty="0" err="1" smtClean="0"/>
+              <a:t>GitHub</a:t>
+            </a:r>
+            <a:r>
+              <a:rPr lang="en-US" dirty="0" smtClean="0"/>
+              <a:t> Pages</a:t>
             </a:r>
             <a:endParaRPr lang="en-US" dirty="0"/>
           </a:p>
@@ -19136,8 +19182,8 @@
         </p:nvSpPr>
         <p:spPr>
           <a:xfrm>
-            <a:off x="1371600" y="1828800"/>
-            <a:ext cx="4831772" cy="1938992"/>
+            <a:off x="1143001" y="2133600"/>
+            <a:ext cx="7772400" cy="4524315"/>
           </a:xfrm>
           <a:prstGeom prst="rect">
             <a:avLst/>
@@ -19145,7 +19191,7 @@
           <a:noFill/>
         </p:spPr>
         <p:txBody>
-          <a:bodyPr wrap="none" rtlCol="0">
+          <a:bodyPr wrap="square" rtlCol="0">
             <a:spAutoFit/>
           </a:bodyPr>
           <a:lstStyle/>
@@ -19155,9 +19201,22 @@
               <a:buChar char="•"/>
             </a:pPr>
             <a:r>
-              <a:rPr lang="en-US" dirty="0" smtClean="0"/>
-              <a:t>Maybe after this course …</a:t>
-            </a:r>
+              <a:rPr lang="en-US" dirty="0"/>
+              <a:t>Read: </a:t>
+            </a:r>
+            <a:r>
+              <a:rPr lang="en-US" dirty="0">
+                <a:hlinkClick r:id="rId2"/>
+              </a:rPr>
+              <a:t>https://pages.github.com</a:t>
+            </a:r>
+            <a:r>
+              <a:rPr lang="en-US" dirty="0" smtClean="0">
+                <a:hlinkClick r:id="rId2"/>
+              </a:rPr>
+              <a:t>/</a:t>
+            </a:r>
+            <a:endParaRPr lang="en-US" dirty="0" smtClean="0"/>
           </a:p>
           <a:p>
             <a:pPr marL="342900" indent="-342900">
@@ -19166,7 +19225,85 @@
             </a:pPr>
             <a:r>
               <a:rPr lang="en-US" dirty="0" smtClean="0"/>
-              <a:t>I REALLY hate Java…</a:t>
+              <a:t>The Eclipse way:</a:t>
+            </a:r>
+          </a:p>
+          <a:p>
+            <a:pPr marL="800100" lvl="1" indent="-342900">
+              <a:buFont typeface="Arial" pitchFamily="34" charset="0"/>
+              <a:buChar char="•"/>
+            </a:pPr>
+            <a:r>
+              <a:rPr lang="en-US" dirty="0" smtClean="0"/>
+              <a:t>Make a new Branch called </a:t>
+            </a:r>
+            <a:r>
+              <a:rPr lang="en-US" dirty="0" err="1" smtClean="0"/>
+              <a:t>gh</a:t>
+            </a:r>
+            <a:r>
+              <a:rPr lang="en-US" dirty="0" smtClean="0"/>
+              <a:t>-pages</a:t>
+            </a:r>
+          </a:p>
+          <a:p>
+            <a:pPr lvl="1"/>
+            <a:r>
+              <a:rPr lang="en-US" dirty="0" smtClean="0"/>
+              <a:t>(Team-&gt;Switch To-&gt;New Branch … </a:t>
+            </a:r>
+            <a:r>
+              <a:rPr lang="en-US" dirty="0" err="1" smtClean="0"/>
+              <a:t>gh</a:t>
+            </a:r>
+            <a:r>
+              <a:rPr lang="en-US" dirty="0" smtClean="0"/>
+              <a:t>-pages)</a:t>
+            </a:r>
+          </a:p>
+          <a:p>
+            <a:pPr marL="800100" lvl="1" indent="-342900">
+              <a:buFont typeface="Arial" pitchFamily="34" charset="0"/>
+              <a:buChar char="•"/>
+            </a:pPr>
+            <a:r>
+              <a:rPr lang="en-US" dirty="0" smtClean="0"/>
+              <a:t>Team-&gt;Merge-&gt;…master… (won’t need</a:t>
+            </a:r>
+          </a:p>
+          <a:p>
+            <a:pPr lvl="1"/>
+            <a:r>
+              <a:rPr lang="en-US" dirty="0" smtClean="0"/>
+              <a:t>It the first time </a:t>
+            </a:r>
+            <a:r>
+              <a:rPr lang="en-US" dirty="0" err="1" smtClean="0"/>
+              <a:t>tho</a:t>
+            </a:r>
+            <a:r>
+              <a:rPr lang="en-US" dirty="0" smtClean="0"/>
+              <a:t>)</a:t>
+            </a:r>
+          </a:p>
+          <a:p>
+            <a:pPr marL="800100" lvl="1" indent="-342900">
+              <a:buFont typeface="Arial" pitchFamily="34" charset="0"/>
+              <a:buChar char="•"/>
+            </a:pPr>
+            <a:r>
+              <a:rPr lang="en-US" dirty="0" smtClean="0"/>
+              <a:t>Team-&gt;Push to upstream</a:t>
+            </a:r>
+          </a:p>
+          <a:p>
+            <a:pPr marL="800100" lvl="1" indent="-342900">
+              <a:buFont typeface="Arial" pitchFamily="34" charset="0"/>
+              <a:buChar char="•"/>
+            </a:pPr>
+            <a:r>
+              <a:rPr lang="en-US" dirty="0" smtClean="0"/>
+              <a:t>Team-&gt;Switch To-&gt;master</a:t>
             </a:r>
           </a:p>
           <a:p>
@@ -19176,7 +19313,7 @@
             </a:pPr>
             <a:r>
               <a:rPr lang="en-US" dirty="0" smtClean="0"/>
-              <a:t>Or I REALLY love it</a:t>
+              <a:t>Wait a few minutes (get a coffee)</a:t>
             </a:r>
           </a:p>
           <a:p>
@@ -19186,26 +19323,19 @@
             </a:pPr>
             <a:r>
               <a:rPr lang="en-US" dirty="0" smtClean="0"/>
-              <a:t>But was that all you learned?</a:t>
-            </a:r>
-          </a:p>
-          <a:p>
-            <a:pPr marL="342900" indent="-342900">
-              <a:buFont typeface="Arial" pitchFamily="34" charset="0"/>
-              <a:buChar char="•"/>
-            </a:pPr>
-            <a:r>
-              <a:rPr lang="en-US" dirty="0" smtClean="0"/>
-              <a:t>I had a hidden agenda all along</a:t>
-            </a:r>
-            <a:endParaRPr lang="en-US" dirty="0"/>
+              <a:t>From browser</a:t>
+            </a:r>
+            <a:r>
+              <a:rPr lang="en-US" dirty="0"/>
+              <a:t>: http://hchan.github.io/comp2613/showcase/comp2613-0.0.1-SNAPSHOT.html</a:t>
+            </a:r>
           </a:p>
         </p:txBody>
       </p:sp>
     </p:spTree>
     <p:extLst>
       <p:ext uri="{BB962C8B-B14F-4D97-AF65-F5344CB8AC3E}">
-        <p14:creationId xmlns:p14="http://schemas.microsoft.com/office/powerpoint/2010/main" val="568372925"/>
+        <p14:creationId xmlns:p14="http://schemas.microsoft.com/office/powerpoint/2010/main" val="225854111"/>
       </p:ext>
     </p:extLst>
   </p:cSld>
@@ -19249,7 +19379,7 @@
           <a:p>
             <a:r>
               <a:rPr lang="en-US" dirty="0" smtClean="0"/>
-              <a:t>Well, what else did we learn?</a:t>
+              <a:t>So what can go wrong? …</a:t>
             </a:r>
             <a:endParaRPr lang="en-US" dirty="0"/>
           </a:p>
@@ -19292,8 +19422,8 @@
         </p:nvSpPr>
         <p:spPr>
           <a:xfrm>
-            <a:off x="1447800" y="1905000"/>
-            <a:ext cx="7124066" cy="1938992"/>
+            <a:off x="1371600" y="2057400"/>
+            <a:ext cx="7050328" cy="3046988"/>
           </a:xfrm>
           <a:prstGeom prst="rect">
             <a:avLst/>
@@ -19312,7 +19442,7 @@
             </a:pPr>
             <a:r>
               <a:rPr lang="en-US" dirty="0" smtClean="0"/>
-              <a:t>Maven – although Maven is specific</a:t>
+              <a:t>Lots</a:t>
             </a:r>
           </a:p>
           <a:p>
@@ -19322,7 +19452,21 @@
             </a:pPr>
             <a:r>
               <a:rPr lang="en-US" dirty="0" smtClean="0"/>
-              <a:t>To java, the concept is universal.  Have</a:t>
+              <a:t>But above everything else, I *HATE* the</a:t>
+            </a:r>
+          </a:p>
+          <a:p>
+            <a:r>
+              <a:rPr lang="en-US" dirty="0" smtClean="0"/>
+              <a:t>Security sandbox that </a:t>
+            </a:r>
+            <a:r>
+              <a:rPr lang="en-US" dirty="0" err="1" smtClean="0"/>
+              <a:t>Webstart</a:t>
+            </a:r>
+            <a:r>
+              <a:rPr lang="en-US" dirty="0" smtClean="0"/>
+              <a:t> / Applets have</a:t>
             </a:r>
           </a:p>
           <a:p>
@@ -19332,32 +19476,44 @@
             </a:pPr>
             <a:r>
               <a:rPr lang="en-US" dirty="0" smtClean="0"/>
-              <a:t>A repository of libraries somewhere and</a:t>
-            </a:r>
-          </a:p>
-          <a:p>
-            <a:pPr marL="342900" indent="-342900">
+              <a:t>Recap:</a:t>
+            </a:r>
+          </a:p>
+          <a:p>
+            <a:pPr marL="800100" lvl="1" indent="-342900">
               <a:buFont typeface="Arial" pitchFamily="34" charset="0"/>
               <a:buChar char="•"/>
             </a:pPr>
             <a:r>
               <a:rPr lang="en-US" dirty="0" smtClean="0"/>
-              <a:t>Let a tool download them with their </a:t>
-            </a:r>
-            <a:r>
-              <a:rPr lang="en-US" dirty="0" err="1" smtClean="0"/>
-              <a:t>dependecies</a:t>
-            </a:r>
-            <a:endParaRPr lang="en-US" dirty="0" smtClean="0"/>
-          </a:p>
-          <a:p>
-            <a:pPr marL="342900" indent="-342900">
+              <a:t>Lines of Java code I showed you in class</a:t>
+            </a:r>
+          </a:p>
+          <a:p>
+            <a:pPr lvl="1"/>
+            <a:r>
+              <a:rPr lang="en-US" dirty="0" smtClean="0"/>
+              <a:t>Today: 0</a:t>
+            </a:r>
+          </a:p>
+          <a:p>
+            <a:pPr marL="800100" lvl="1" indent="-342900">
               <a:buFont typeface="Arial" pitchFamily="34" charset="0"/>
               <a:buChar char="•"/>
             </a:pPr>
             <a:r>
               <a:rPr lang="en-US" dirty="0" smtClean="0"/>
-              <a:t>And help you build artifacts</a:t>
+              <a:t>Xml lines: quite a few (pom.xml)</a:t>
+            </a:r>
+          </a:p>
+          <a:p>
+            <a:pPr marL="800100" lvl="1" indent="-342900">
+              <a:buFont typeface="Arial" pitchFamily="34" charset="0"/>
+              <a:buChar char="•"/>
+            </a:pPr>
+            <a:r>
+              <a:rPr lang="en-US" dirty="0" smtClean="0"/>
+              <a:t>Html lines … well, take a look at (index.html)</a:t>
             </a:r>
             <a:endParaRPr lang="en-US" dirty="0"/>
           </a:p>
@@ -19366,7 +19522,7 @@
     </p:spTree>
     <p:extLst>
       <p:ext uri="{BB962C8B-B14F-4D97-AF65-F5344CB8AC3E}">
-        <p14:creationId xmlns:p14="http://schemas.microsoft.com/office/powerpoint/2010/main" val="3404509170"/>
+        <p14:creationId xmlns:p14="http://schemas.microsoft.com/office/powerpoint/2010/main" val="57500122"/>
       </p:ext>
     </p:extLst>
   </p:cSld>
@@ -19409,16 +19565,16 @@
           <a:lstStyle/>
           <a:p>
             <a:r>
+              <a:rPr lang="en-US" dirty="0" smtClean="0"/>
+              <a:t>Surprised / confused with </a:t>
+            </a:r>
+            <a:r>
               <a:rPr lang="en-US" dirty="0" err="1" smtClean="0"/>
-              <a:t>Git</a:t>
-            </a:r>
-            <a:r>
-              <a:rPr lang="en-US" dirty="0" smtClean="0"/>
-              <a:t>, </a:t>
-            </a:r>
-            <a:r>
-              <a:rPr lang="en-US" dirty="0" err="1" smtClean="0"/>
-              <a:t>Github</a:t>
+              <a:t>git</a:t>
+            </a:r>
+            <a:r>
+              <a:rPr lang="en-US" dirty="0" smtClean="0"/>
+              <a:t> branches?</a:t>
             </a:r>
             <a:endParaRPr lang="en-US" dirty="0"/>
           </a:p>
@@ -19461,8 +19617,8 @@
         </p:nvSpPr>
         <p:spPr>
           <a:xfrm>
-            <a:off x="1143000" y="2209800"/>
-            <a:ext cx="7837402" cy="4154984"/>
+            <a:off x="685800" y="2474536"/>
+            <a:ext cx="8334333" cy="4154984"/>
           </a:xfrm>
           <a:prstGeom prst="rect">
             <a:avLst/>
@@ -19481,41 +19637,33 @@
             </a:pPr>
             <a:r>
               <a:rPr lang="en-US" dirty="0" smtClean="0"/>
-              <a:t>I strongly recommend you use </a:t>
+              <a:t>For some (may most … all?), this may be</a:t>
+            </a:r>
+          </a:p>
+          <a:p>
+            <a:r>
+              <a:rPr lang="en-US" dirty="0" smtClean="0"/>
+              <a:t>The first time you are using Source Code Management</a:t>
+            </a:r>
+          </a:p>
+          <a:p>
+            <a:r>
+              <a:rPr lang="en-US" dirty="0" smtClean="0"/>
+              <a:t>And branches.  Google </a:t>
             </a:r>
             <a:r>
               <a:rPr lang="en-US" dirty="0" err="1" smtClean="0"/>
-              <a:t>Git</a:t>
-            </a:r>
-            <a:r>
-              <a:rPr lang="en-US" dirty="0" smtClean="0"/>
-              <a:t> for your</a:t>
-            </a:r>
-          </a:p>
-          <a:p>
-            <a:r>
-              <a:rPr lang="en-US" dirty="0" smtClean="0"/>
-              <a:t>Other courses or personal projects or work.  Revision</a:t>
-            </a:r>
-          </a:p>
-          <a:p>
-            <a:r>
-              <a:rPr lang="en-US" dirty="0"/>
-              <a:t>m</a:t>
-            </a:r>
-            <a:r>
-              <a:rPr lang="en-US" dirty="0" smtClean="0"/>
-              <a:t>anagement is crucial in software engineering.  Without</a:t>
-            </a:r>
-          </a:p>
-          <a:p>
-            <a:r>
-              <a:rPr lang="en-US" dirty="0" err="1" smtClean="0"/>
-              <a:t>Git</a:t>
-            </a:r>
-            <a:r>
-              <a:rPr lang="en-US" dirty="0" smtClean="0"/>
-              <a:t>, how else would you go back to a previous revision</a:t>
+              <a:t>git</a:t>
+            </a:r>
+            <a:r>
+              <a:rPr lang="en-US" dirty="0" smtClean="0"/>
+              <a:t> branches it if you want </a:t>
+            </a:r>
+          </a:p>
+          <a:p>
+            <a:r>
+              <a:rPr lang="en-US" dirty="0" smtClean="0"/>
+              <a:t>… its pretty cool.</a:t>
             </a:r>
           </a:p>
           <a:p>
@@ -19524,76 +19672,81 @@
               <a:buChar char="•"/>
             </a:pPr>
             <a:r>
+              <a:rPr lang="en-US" dirty="0" smtClean="0"/>
+              <a:t>Be patient … if anything, this is a skill (SCM/branches)</a:t>
+            </a:r>
+          </a:p>
+          <a:p>
+            <a:r>
+              <a:rPr lang="en-US" dirty="0" smtClean="0"/>
+              <a:t>that can and will be used by large </a:t>
+            </a:r>
+            <a:r>
+              <a:rPr lang="en-US" smtClean="0"/>
+              <a:t>and small </a:t>
+            </a:r>
+            <a:r>
+              <a:rPr lang="en-US" dirty="0" smtClean="0"/>
+              <a:t>organizations.  </a:t>
+            </a:r>
+          </a:p>
+          <a:p>
+            <a:r>
+              <a:rPr lang="en-US" dirty="0" smtClean="0"/>
+              <a:t>Learn it well.</a:t>
+            </a:r>
+          </a:p>
+          <a:p>
+            <a:r>
+              <a:rPr lang="en-US" dirty="0" smtClean="0"/>
+              <a:t>Other SCMs include Mercurial, Subversion, Perforce</a:t>
+            </a:r>
+          </a:p>
+          <a:p>
+            <a:pPr marL="342900" indent="-342900">
+              <a:buFont typeface="Arial" pitchFamily="34" charset="0"/>
+              <a:buChar char="•"/>
+            </a:pPr>
+            <a:r>
               <a:rPr lang="en-US" dirty="0" err="1" smtClean="0"/>
-              <a:t>GitHub</a:t>
-            </a:r>
-            <a:r>
-              <a:rPr lang="en-US" dirty="0" smtClean="0"/>
-              <a:t> and </a:t>
+              <a:t>Github’s</a:t>
+            </a:r>
+            <a:r>
+              <a:rPr lang="en-US" dirty="0" smtClean="0"/>
+              <a:t> special branch of </a:t>
             </a:r>
             <a:r>
               <a:rPr lang="en-US" dirty="0" err="1" smtClean="0"/>
-              <a:t>GitHub</a:t>
-            </a:r>
-            <a:r>
-              <a:rPr lang="en-US" dirty="0" smtClean="0"/>
-              <a:t> pages ties you into the open</a:t>
-            </a:r>
-          </a:p>
-          <a:p>
-            <a:r>
-              <a:rPr lang="en-US" dirty="0" smtClean="0"/>
-              <a:t>Source community.  Open source is good.  You now</a:t>
-            </a:r>
-          </a:p>
-          <a:p>
-            <a:r>
-              <a:rPr lang="en-US" dirty="0" smtClean="0"/>
-              <a:t>Have an open source project on </a:t>
-            </a:r>
-            <a:r>
-              <a:rPr lang="en-US" dirty="0" err="1" smtClean="0"/>
-              <a:t>GitHub</a:t>
-            </a:r>
-            <a:r>
-              <a:rPr lang="en-US" dirty="0" smtClean="0"/>
-              <a:t>.  Congrats.</a:t>
-            </a:r>
-          </a:p>
-          <a:p>
-            <a:r>
-              <a:rPr lang="en-US" dirty="0" smtClean="0"/>
-              <a:t>If you never created a homepage before, well, use</a:t>
-            </a:r>
-          </a:p>
-          <a:p>
-            <a:r>
-              <a:rPr lang="en-US" dirty="0" err="1" smtClean="0"/>
-              <a:t>GitHub</a:t>
-            </a:r>
-            <a:r>
-              <a:rPr lang="en-US" dirty="0" smtClean="0"/>
-              <a:t> pages.  Great for letting employers see your</a:t>
-            </a:r>
-          </a:p>
-          <a:p>
-            <a:r>
-              <a:rPr lang="en-US" dirty="0" smtClean="0"/>
-              <a:t>Project and let them see your coding style too!  Again,</a:t>
-            </a:r>
-          </a:p>
-          <a:p>
-            <a:r>
-              <a:rPr lang="en-US" dirty="0" smtClean="0"/>
-              <a:t>NOT java specific.</a:t>
-            </a:r>
+              <a:t>gh</a:t>
+            </a:r>
+            <a:r>
+              <a:rPr lang="en-US" dirty="0" smtClean="0"/>
+              <a:t>-pages, just gave you</a:t>
+            </a:r>
+          </a:p>
+          <a:p>
+            <a:r>
+              <a:rPr lang="en-US" dirty="0" smtClean="0"/>
+              <a:t>The bonus of a web project page ;)</a:t>
+            </a:r>
+          </a:p>
+          <a:p>
+            <a:pPr marL="342900" indent="-342900">
+              <a:buFont typeface="Arial" pitchFamily="34" charset="0"/>
+              <a:buChar char="•"/>
+            </a:pPr>
+            <a:r>
+              <a:rPr lang="en-US" dirty="0" smtClean="0"/>
+              <a:t>Open-source FTW (For The Win)!</a:t>
+            </a:r>
+            <a:endParaRPr lang="en-US" dirty="0"/>
           </a:p>
         </p:txBody>
       </p:sp>
     </p:spTree>
     <p:extLst>
       <p:ext uri="{BB962C8B-B14F-4D97-AF65-F5344CB8AC3E}">
-        <p14:creationId xmlns:p14="http://schemas.microsoft.com/office/powerpoint/2010/main" val="3442297372"/>
+        <p14:creationId xmlns:p14="http://schemas.microsoft.com/office/powerpoint/2010/main" val="3312461178"/>
       </p:ext>
     </p:extLst>
   </p:cSld>
@@ -19637,7 +19790,7 @@
           <a:p>
             <a:r>
               <a:rPr lang="en-US" dirty="0" smtClean="0"/>
-              <a:t>MVC</a:t>
+              <a:t>Food for thought…</a:t>
             </a:r>
             <a:endParaRPr lang="en-US" dirty="0"/>
           </a:p>
@@ -19680,8 +19833,8 @@
         </p:nvSpPr>
         <p:spPr>
           <a:xfrm>
-            <a:off x="1371600" y="2286000"/>
-            <a:ext cx="7117333" cy="1569660"/>
+            <a:off x="1371600" y="1828800"/>
+            <a:ext cx="4831772" cy="1938992"/>
           </a:xfrm>
           <a:prstGeom prst="rect">
             <a:avLst/>
@@ -19700,7 +19853,7 @@
             </a:pPr>
             <a:r>
               <a:rPr lang="en-US" dirty="0" smtClean="0"/>
-              <a:t>Hopefully, you learned a few design patterns</a:t>
+              <a:t>Maybe after this course …</a:t>
             </a:r>
           </a:p>
           <a:p>
@@ -19710,7 +19863,7 @@
             </a:pPr>
             <a:r>
               <a:rPr lang="en-US" dirty="0" smtClean="0"/>
-              <a:t>Like MVC.  In later courses, you’ll learn MVP,</a:t>
+              <a:t>I REALLY hate Java…</a:t>
             </a:r>
           </a:p>
           <a:p>
@@ -19720,7 +19873,7 @@
             </a:pPr>
             <a:r>
               <a:rPr lang="en-US" dirty="0" smtClean="0"/>
-              <a:t>MVVM, and MVW.   Again design patterns aren’t</a:t>
+              <a:t>Or I REALLY love it</a:t>
             </a:r>
           </a:p>
           <a:p>
@@ -19730,7 +19883,17 @@
             </a:pPr>
             <a:r>
               <a:rPr lang="en-US" dirty="0" smtClean="0"/>
-              <a:t>Specific to Java</a:t>
+              <a:t>But was that all you learned?</a:t>
+            </a:r>
+          </a:p>
+          <a:p>
+            <a:pPr marL="342900" indent="-342900">
+              <a:buFont typeface="Arial" pitchFamily="34" charset="0"/>
+              <a:buChar char="•"/>
+            </a:pPr>
+            <a:r>
+              <a:rPr lang="en-US" dirty="0" smtClean="0"/>
+              <a:t>I had a hidden agenda all along</a:t>
             </a:r>
             <a:endParaRPr lang="en-US" dirty="0"/>
           </a:p>
@@ -19739,7 +19902,7 @@
     </p:spTree>
     <p:extLst>
       <p:ext uri="{BB962C8B-B14F-4D97-AF65-F5344CB8AC3E}">
-        <p14:creationId xmlns:p14="http://schemas.microsoft.com/office/powerpoint/2010/main" val="1883758025"/>
+        <p14:creationId xmlns:p14="http://schemas.microsoft.com/office/powerpoint/2010/main" val="568372925"/>
       </p:ext>
     </p:extLst>
   </p:cSld>
@@ -19783,7 +19946,7 @@
           <a:p>
             <a:r>
               <a:rPr lang="en-US" dirty="0" smtClean="0"/>
-              <a:t>And most of all …</a:t>
+              <a:t>Well, what else did we learn?</a:t>
             </a:r>
             <a:endParaRPr lang="en-US" dirty="0"/>
           </a:p>
@@ -19826,8 +19989,8 @@
         </p:nvSpPr>
         <p:spPr>
           <a:xfrm>
-            <a:off x="1447800" y="2057400"/>
-            <a:ext cx="7111242" cy="3416320"/>
+            <a:off x="1447800" y="1905000"/>
+            <a:ext cx="7124066" cy="1938992"/>
           </a:xfrm>
           <a:prstGeom prst="rect">
             <a:avLst/>
@@ -19846,75 +20009,61 @@
             </a:pPr>
             <a:r>
               <a:rPr lang="en-US" dirty="0" smtClean="0"/>
-              <a:t>Software engineering and banging your</a:t>
-            </a:r>
-          </a:p>
-          <a:p>
-            <a:r>
-              <a:rPr lang="en-US" dirty="0"/>
-              <a:t>h</a:t>
-            </a:r>
-            <a:r>
-              <a:rPr lang="en-US" dirty="0" smtClean="0"/>
-              <a:t>ead against your keyboard.  This was a</a:t>
-            </a:r>
-          </a:p>
-          <a:p>
-            <a:r>
-              <a:rPr lang="en-US" dirty="0"/>
-              <a:t>p</a:t>
-            </a:r>
-            <a:r>
-              <a:rPr lang="en-US" dirty="0" smtClean="0"/>
-              <a:t>ut as much or as little as you want in this</a:t>
-            </a:r>
-          </a:p>
-          <a:p>
-            <a:r>
-              <a:rPr lang="en-US" dirty="0" smtClean="0"/>
-              <a:t>Course.  The project was yours from Day1.</a:t>
-            </a:r>
-          </a:p>
-          <a:p>
-            <a:r>
-              <a:rPr lang="en-US" dirty="0" smtClean="0"/>
-              <a:t>I personally grew quite attached to my first</a:t>
-            </a:r>
-          </a:p>
-          <a:p>
-            <a:r>
-              <a:rPr lang="en-US" dirty="0" smtClean="0"/>
-              <a:t>Software engineering project.  For me it was</a:t>
-            </a:r>
-          </a:p>
-          <a:p>
-            <a:r>
-              <a:rPr lang="en-US" dirty="0" smtClean="0"/>
-              <a:t>Fun.  I programmed it in C.  I don’t use C anymore,</a:t>
-            </a:r>
-          </a:p>
-          <a:p>
-            <a:r>
-              <a:rPr lang="en-US" dirty="0" smtClean="0"/>
-              <a:t>But it was the build your own, manage your own</a:t>
-            </a:r>
-          </a:p>
-          <a:p>
-            <a:r>
-              <a:rPr lang="en-US" dirty="0"/>
-              <a:t>a</a:t>
-            </a:r>
-            <a:r>
-              <a:rPr lang="en-US" dirty="0" smtClean="0"/>
-              <a:t>spect that still keeps me motivated in this field.</a:t>
-            </a:r>
+              <a:t>Maven – although Maven is specific</a:t>
+            </a:r>
+          </a:p>
+          <a:p>
+            <a:pPr marL="342900" indent="-342900">
+              <a:buFont typeface="Arial" pitchFamily="34" charset="0"/>
+              <a:buChar char="•"/>
+            </a:pPr>
+            <a:r>
+              <a:rPr lang="en-US" dirty="0" smtClean="0"/>
+              <a:t>To java, the concept is universal.  Have</a:t>
+            </a:r>
+          </a:p>
+          <a:p>
+            <a:pPr marL="342900" indent="-342900">
+              <a:buFont typeface="Arial" pitchFamily="34" charset="0"/>
+              <a:buChar char="•"/>
+            </a:pPr>
+            <a:r>
+              <a:rPr lang="en-US" dirty="0" smtClean="0"/>
+              <a:t>A repository of libraries somewhere and</a:t>
+            </a:r>
+          </a:p>
+          <a:p>
+            <a:pPr marL="342900" indent="-342900">
+              <a:buFont typeface="Arial" pitchFamily="34" charset="0"/>
+              <a:buChar char="•"/>
+            </a:pPr>
+            <a:r>
+              <a:rPr lang="en-US" dirty="0" smtClean="0"/>
+              <a:t>Let a tool download them with their </a:t>
+            </a:r>
+            <a:r>
+              <a:rPr lang="en-US" dirty="0" err="1" smtClean="0"/>
+              <a:t>dependecies</a:t>
+            </a:r>
+            <a:endParaRPr lang="en-US" dirty="0" smtClean="0"/>
+          </a:p>
+          <a:p>
+            <a:pPr marL="342900" indent="-342900">
+              <a:buFont typeface="Arial" pitchFamily="34" charset="0"/>
+              <a:buChar char="•"/>
+            </a:pPr>
+            <a:r>
+              <a:rPr lang="en-US" dirty="0" smtClean="0"/>
+              <a:t>And help you build artifacts</a:t>
+            </a:r>
+            <a:endParaRPr lang="en-US" dirty="0"/>
           </a:p>
         </p:txBody>
       </p:sp>
     </p:spTree>
     <p:extLst>
       <p:ext uri="{BB962C8B-B14F-4D97-AF65-F5344CB8AC3E}">
-        <p14:creationId xmlns:p14="http://schemas.microsoft.com/office/powerpoint/2010/main" val="1560099199"/>
+        <p14:creationId xmlns:p14="http://schemas.microsoft.com/office/powerpoint/2010/main" val="3404509170"/>
       </p:ext>
     </p:extLst>
   </p:cSld>
@@ -19957,8 +20106,16 @@
           <a:lstStyle/>
           <a:p>
             <a:r>
-              <a:rPr lang="en-US" dirty="0" smtClean="0"/>
-              <a:t>Thank-you + Optional Homework</a:t>
+              <a:rPr lang="en-US" dirty="0" err="1" smtClean="0"/>
+              <a:t>Git</a:t>
+            </a:r>
+            <a:r>
+              <a:rPr lang="en-US" dirty="0" smtClean="0"/>
+              <a:t>, </a:t>
+            </a:r>
+            <a:r>
+              <a:rPr lang="en-US" dirty="0" err="1" smtClean="0"/>
+              <a:t>Github</a:t>
             </a:r>
             <a:endParaRPr lang="en-US" dirty="0"/>
           </a:p>
@@ -20001,8 +20158,8 @@
         </p:nvSpPr>
         <p:spPr>
           <a:xfrm>
-            <a:off x="1295400" y="2590800"/>
-            <a:ext cx="6070893" cy="1569660"/>
+            <a:off x="1143000" y="2209800"/>
+            <a:ext cx="7837402" cy="4154984"/>
           </a:xfrm>
           <a:prstGeom prst="rect">
             <a:avLst/>
@@ -20015,37 +20172,271 @@
           </a:bodyPr>
           <a:lstStyle/>
           <a:p>
-            <a:r>
-              <a:rPr lang="en-US" dirty="0" smtClean="0"/>
-              <a:t>Thank-you very much for taking this course</a:t>
-            </a:r>
-          </a:p>
-          <a:p>
-            <a:r>
-              <a:rPr lang="en-US" dirty="0" smtClean="0"/>
-              <a:t>I really hope you all had a great time</a:t>
-            </a:r>
-          </a:p>
-          <a:p>
-            <a:endParaRPr lang="en-US" dirty="0"/>
+            <a:pPr marL="342900" indent="-342900">
+              <a:buFont typeface="Arial" pitchFamily="34" charset="0"/>
+              <a:buChar char="•"/>
+            </a:pPr>
+            <a:r>
+              <a:rPr lang="en-US" dirty="0" smtClean="0"/>
+              <a:t>I strongly recommend you use </a:t>
+            </a:r>
+            <a:r>
+              <a:rPr lang="en-US" dirty="0" err="1" smtClean="0"/>
+              <a:t>Git</a:t>
+            </a:r>
+            <a:r>
+              <a:rPr lang="en-US" dirty="0" smtClean="0"/>
+              <a:t> for your</a:t>
+            </a:r>
+          </a:p>
+          <a:p>
+            <a:r>
+              <a:rPr lang="en-US" dirty="0" smtClean="0"/>
+              <a:t>Other courses or personal projects or work.  Revision</a:t>
+            </a:r>
           </a:p>
           <a:p>
             <a:r>
               <a:rPr lang="en-US" dirty="0"/>
-              <a:t>Survey </a:t>
-            </a:r>
-            <a:r>
-              <a:rPr lang="en-US" dirty="0" smtClean="0"/>
-              <a:t>Monkey link</a:t>
-            </a:r>
-            <a:endParaRPr lang="en-US" dirty="0"/>
+              <a:t>m</a:t>
+            </a:r>
+            <a:r>
+              <a:rPr lang="en-US" dirty="0" smtClean="0"/>
+              <a:t>anagement is crucial in software engineering.  Without</a:t>
+            </a:r>
+          </a:p>
+          <a:p>
+            <a:r>
+              <a:rPr lang="en-US" dirty="0" err="1" smtClean="0"/>
+              <a:t>Git</a:t>
+            </a:r>
+            <a:r>
+              <a:rPr lang="en-US" dirty="0" smtClean="0"/>
+              <a:t>, how else would you go back to a previous revision</a:t>
+            </a:r>
+          </a:p>
+          <a:p>
+            <a:pPr marL="342900" indent="-342900">
+              <a:buFont typeface="Arial" pitchFamily="34" charset="0"/>
+              <a:buChar char="•"/>
+            </a:pPr>
+            <a:r>
+              <a:rPr lang="en-US" dirty="0" err="1" smtClean="0"/>
+              <a:t>GitHub</a:t>
+            </a:r>
+            <a:r>
+              <a:rPr lang="en-US" dirty="0" smtClean="0"/>
+              <a:t> and </a:t>
+            </a:r>
+            <a:r>
+              <a:rPr lang="en-US" dirty="0" err="1" smtClean="0"/>
+              <a:t>GitHub</a:t>
+            </a:r>
+            <a:r>
+              <a:rPr lang="en-US" dirty="0" smtClean="0"/>
+              <a:t> pages ties you into the open</a:t>
+            </a:r>
+          </a:p>
+          <a:p>
+            <a:r>
+              <a:rPr lang="en-US" dirty="0" smtClean="0"/>
+              <a:t>Source community.  Open source is good.  You now</a:t>
+            </a:r>
+          </a:p>
+          <a:p>
+            <a:r>
+              <a:rPr lang="en-US" dirty="0" smtClean="0"/>
+              <a:t>Have an open source project on </a:t>
+            </a:r>
+            <a:r>
+              <a:rPr lang="en-US" dirty="0" err="1" smtClean="0"/>
+              <a:t>GitHub</a:t>
+            </a:r>
+            <a:r>
+              <a:rPr lang="en-US" dirty="0" smtClean="0"/>
+              <a:t>.  Congrats.</a:t>
+            </a:r>
+          </a:p>
+          <a:p>
+            <a:r>
+              <a:rPr lang="en-US" dirty="0" smtClean="0"/>
+              <a:t>If you never created a homepage before, well, use</a:t>
+            </a:r>
+          </a:p>
+          <a:p>
+            <a:r>
+              <a:rPr lang="en-US" dirty="0" err="1" smtClean="0"/>
+              <a:t>GitHub</a:t>
+            </a:r>
+            <a:r>
+              <a:rPr lang="en-US" dirty="0" smtClean="0"/>
+              <a:t> pages.  Great for letting employers see your</a:t>
+            </a:r>
+          </a:p>
+          <a:p>
+            <a:r>
+              <a:rPr lang="en-US" dirty="0" smtClean="0"/>
+              <a:t>Project and let them see your coding style too!  Again,</a:t>
+            </a:r>
+          </a:p>
+          <a:p>
+            <a:r>
+              <a:rPr lang="en-US" dirty="0" smtClean="0"/>
+              <a:t>NOT java specific.</a:t>
+            </a:r>
           </a:p>
         </p:txBody>
       </p:sp>
     </p:spTree>
     <p:extLst>
       <p:ext uri="{BB962C8B-B14F-4D97-AF65-F5344CB8AC3E}">
-        <p14:creationId xmlns:p14="http://schemas.microsoft.com/office/powerpoint/2010/main" val="1027203661"/>
+        <p14:creationId xmlns:p14="http://schemas.microsoft.com/office/powerpoint/2010/main" val="3442297372"/>
+      </p:ext>
+    </p:extLst>
+  </p:cSld>
+  <p:clrMapOvr>
+    <a:masterClrMapping/>
+  </p:clrMapOvr>
+</p:sld>
+</file>
+
+<file path=ppt/slides/slide79.xml><?xml version="1.0" encoding="utf-8"?>
+<p:sld xmlns:a="http://schemas.openxmlformats.org/drawingml/2006/main" xmlns:r="http://schemas.openxmlformats.org/officeDocument/2006/relationships" xmlns:p="http://schemas.openxmlformats.org/presentationml/2006/main">
+  <p:cSld>
+    <p:spTree>
+      <p:nvGrpSpPr>
+        <p:cNvPr id="1" name=""/>
+        <p:cNvGrpSpPr/>
+        <p:nvPr/>
+      </p:nvGrpSpPr>
+      <p:grpSpPr>
+        <a:xfrm>
+          <a:off x="0" y="0"/>
+          <a:ext cx="0" cy="0"/>
+          <a:chOff x="0" y="0"/>
+          <a:chExt cx="0" cy="0"/>
+        </a:xfrm>
+      </p:grpSpPr>
+      <p:sp>
+        <p:nvSpPr>
+          <p:cNvPr id="2" name="Title 1"/>
+          <p:cNvSpPr>
+            <a:spLocks noGrp="1"/>
+          </p:cNvSpPr>
+          <p:nvPr>
+            <p:ph type="title"/>
+          </p:nvPr>
+        </p:nvSpPr>
+        <p:spPr/>
+        <p:txBody>
+          <a:bodyPr/>
+          <a:lstStyle/>
+          <a:p>
+            <a:r>
+              <a:rPr lang="en-US" dirty="0" smtClean="0"/>
+              <a:t>MVC</a:t>
+            </a:r>
+            <a:endParaRPr lang="en-US" dirty="0"/>
+          </a:p>
+        </p:txBody>
+      </p:sp>
+      <p:sp>
+        <p:nvSpPr>
+          <p:cNvPr id="3" name="Slide Number Placeholder 2"/>
+          <p:cNvSpPr>
+            <a:spLocks noGrp="1"/>
+          </p:cNvSpPr>
+          <p:nvPr>
+            <p:ph type="sldNum" sz="quarter" idx="12"/>
+          </p:nvPr>
+        </p:nvSpPr>
+        <p:spPr/>
+        <p:txBody>
+          <a:bodyPr/>
+          <a:lstStyle/>
+          <a:p>
+            <a:pPr>
+              <a:defRPr/>
+            </a:pPr>
+            <a:fld id="{B2451C39-31DD-6D4B-9BED-758CF6C1BA6A}" type="slidenum">
+              <a:rPr lang="en-CA" smtClean="0"/>
+              <a:pPr>
+                <a:defRPr/>
+              </a:pPr>
+              <a:t>79</a:t>
+            </a:fld>
+            <a:endParaRPr lang="en-CA"/>
+          </a:p>
+        </p:txBody>
+      </p:sp>
+      <p:sp>
+        <p:nvSpPr>
+          <p:cNvPr id="4" name="TextBox 3"/>
+          <p:cNvSpPr txBox="1"/>
+          <p:nvPr/>
+        </p:nvSpPr>
+        <p:spPr>
+          <a:xfrm>
+            <a:off x="1371600" y="2286000"/>
+            <a:ext cx="7117333" cy="1569660"/>
+          </a:xfrm>
+          <a:prstGeom prst="rect">
+            <a:avLst/>
+          </a:prstGeom>
+          <a:noFill/>
+        </p:spPr>
+        <p:txBody>
+          <a:bodyPr wrap="none" rtlCol="0">
+            <a:spAutoFit/>
+          </a:bodyPr>
+          <a:lstStyle/>
+          <a:p>
+            <a:pPr marL="342900" indent="-342900">
+              <a:buFont typeface="Arial" pitchFamily="34" charset="0"/>
+              <a:buChar char="•"/>
+            </a:pPr>
+            <a:r>
+              <a:rPr lang="en-US" dirty="0" smtClean="0"/>
+              <a:t>Hopefully, you learned a few design patterns</a:t>
+            </a:r>
+          </a:p>
+          <a:p>
+            <a:pPr marL="342900" indent="-342900">
+              <a:buFont typeface="Arial" pitchFamily="34" charset="0"/>
+              <a:buChar char="•"/>
+            </a:pPr>
+            <a:r>
+              <a:rPr lang="en-US" dirty="0" smtClean="0"/>
+              <a:t>Like MVC.  In later courses, you’ll learn MVP,</a:t>
+            </a:r>
+          </a:p>
+          <a:p>
+            <a:pPr marL="342900" indent="-342900">
+              <a:buFont typeface="Arial" pitchFamily="34" charset="0"/>
+              <a:buChar char="•"/>
+            </a:pPr>
+            <a:r>
+              <a:rPr lang="en-US" dirty="0" smtClean="0"/>
+              <a:t>MVVM, and MVW.   Again design patterns aren’t</a:t>
+            </a:r>
+          </a:p>
+          <a:p>
+            <a:pPr marL="342900" indent="-342900">
+              <a:buFont typeface="Arial" pitchFamily="34" charset="0"/>
+              <a:buChar char="•"/>
+            </a:pPr>
+            <a:r>
+              <a:rPr lang="en-US" dirty="0" smtClean="0"/>
+              <a:t>Specific to Java</a:t>
+            </a:r>
+            <a:endParaRPr lang="en-US" dirty="0"/>
+          </a:p>
+        </p:txBody>
+      </p:sp>
+    </p:spTree>
+    <p:extLst>
+      <p:ext uri="{BB962C8B-B14F-4D97-AF65-F5344CB8AC3E}">
+        <p14:creationId xmlns:p14="http://schemas.microsoft.com/office/powerpoint/2010/main" val="1883758025"/>
       </p:ext>
     </p:extLst>
   </p:cSld>
@@ -20441,6 +20832,312 @@
       </p:par>
     </p:tnLst>
   </p:timing>
+</p:sld>
+</file>
+
+<file path=ppt/slides/slide80.xml><?xml version="1.0" encoding="utf-8"?>
+<p:sld xmlns:a="http://schemas.openxmlformats.org/drawingml/2006/main" xmlns:r="http://schemas.openxmlformats.org/officeDocument/2006/relationships" xmlns:p="http://schemas.openxmlformats.org/presentationml/2006/main">
+  <p:cSld>
+    <p:spTree>
+      <p:nvGrpSpPr>
+        <p:cNvPr id="1" name=""/>
+        <p:cNvGrpSpPr/>
+        <p:nvPr/>
+      </p:nvGrpSpPr>
+      <p:grpSpPr>
+        <a:xfrm>
+          <a:off x="0" y="0"/>
+          <a:ext cx="0" cy="0"/>
+          <a:chOff x="0" y="0"/>
+          <a:chExt cx="0" cy="0"/>
+        </a:xfrm>
+      </p:grpSpPr>
+      <p:sp>
+        <p:nvSpPr>
+          <p:cNvPr id="2" name="Title 1"/>
+          <p:cNvSpPr>
+            <a:spLocks noGrp="1"/>
+          </p:cNvSpPr>
+          <p:nvPr>
+            <p:ph type="title"/>
+          </p:nvPr>
+        </p:nvSpPr>
+        <p:spPr/>
+        <p:txBody>
+          <a:bodyPr/>
+          <a:lstStyle/>
+          <a:p>
+            <a:r>
+              <a:rPr lang="en-US" dirty="0" smtClean="0"/>
+              <a:t>And most of all …</a:t>
+            </a:r>
+            <a:endParaRPr lang="en-US" dirty="0"/>
+          </a:p>
+        </p:txBody>
+      </p:sp>
+      <p:sp>
+        <p:nvSpPr>
+          <p:cNvPr id="3" name="Slide Number Placeholder 2"/>
+          <p:cNvSpPr>
+            <a:spLocks noGrp="1"/>
+          </p:cNvSpPr>
+          <p:nvPr>
+            <p:ph type="sldNum" sz="quarter" idx="12"/>
+          </p:nvPr>
+        </p:nvSpPr>
+        <p:spPr/>
+        <p:txBody>
+          <a:bodyPr/>
+          <a:lstStyle/>
+          <a:p>
+            <a:pPr>
+              <a:defRPr/>
+            </a:pPr>
+            <a:fld id="{B2451C39-31DD-6D4B-9BED-758CF6C1BA6A}" type="slidenum">
+              <a:rPr lang="en-CA" smtClean="0"/>
+              <a:pPr>
+                <a:defRPr/>
+              </a:pPr>
+              <a:t>80</a:t>
+            </a:fld>
+            <a:endParaRPr lang="en-CA"/>
+          </a:p>
+        </p:txBody>
+      </p:sp>
+      <p:sp>
+        <p:nvSpPr>
+          <p:cNvPr id="4" name="TextBox 3"/>
+          <p:cNvSpPr txBox="1"/>
+          <p:nvPr/>
+        </p:nvSpPr>
+        <p:spPr>
+          <a:xfrm>
+            <a:off x="1447800" y="2057400"/>
+            <a:ext cx="7111242" cy="3416320"/>
+          </a:xfrm>
+          <a:prstGeom prst="rect">
+            <a:avLst/>
+          </a:prstGeom>
+          <a:noFill/>
+        </p:spPr>
+        <p:txBody>
+          <a:bodyPr wrap="none" rtlCol="0">
+            <a:spAutoFit/>
+          </a:bodyPr>
+          <a:lstStyle/>
+          <a:p>
+            <a:pPr marL="342900" indent="-342900">
+              <a:buFont typeface="Arial" pitchFamily="34" charset="0"/>
+              <a:buChar char="•"/>
+            </a:pPr>
+            <a:r>
+              <a:rPr lang="en-US" dirty="0" smtClean="0"/>
+              <a:t>Software engineering and banging your</a:t>
+            </a:r>
+          </a:p>
+          <a:p>
+            <a:r>
+              <a:rPr lang="en-US" dirty="0"/>
+              <a:t>h</a:t>
+            </a:r>
+            <a:r>
+              <a:rPr lang="en-US" dirty="0" smtClean="0"/>
+              <a:t>ead against your keyboard.  This was a</a:t>
+            </a:r>
+          </a:p>
+          <a:p>
+            <a:r>
+              <a:rPr lang="en-US" dirty="0"/>
+              <a:t>p</a:t>
+            </a:r>
+            <a:r>
+              <a:rPr lang="en-US" dirty="0" smtClean="0"/>
+              <a:t>ut as much or as little as you want in this</a:t>
+            </a:r>
+          </a:p>
+          <a:p>
+            <a:r>
+              <a:rPr lang="en-US" dirty="0" smtClean="0"/>
+              <a:t>Course.  The project was yours from Day1.</a:t>
+            </a:r>
+          </a:p>
+          <a:p>
+            <a:r>
+              <a:rPr lang="en-US" dirty="0" smtClean="0"/>
+              <a:t>I personally grew quite attached to my first</a:t>
+            </a:r>
+          </a:p>
+          <a:p>
+            <a:r>
+              <a:rPr lang="en-US" dirty="0" smtClean="0"/>
+              <a:t>Software engineering project.  For me it was</a:t>
+            </a:r>
+          </a:p>
+          <a:p>
+            <a:r>
+              <a:rPr lang="en-US" dirty="0" smtClean="0"/>
+              <a:t>Fun.  I programmed it in C.  I don’t use C anymore,</a:t>
+            </a:r>
+          </a:p>
+          <a:p>
+            <a:r>
+              <a:rPr lang="en-US" dirty="0" smtClean="0"/>
+              <a:t>But it was the build your own, manage your own</a:t>
+            </a:r>
+          </a:p>
+          <a:p>
+            <a:r>
+              <a:rPr lang="en-US" dirty="0"/>
+              <a:t>a</a:t>
+            </a:r>
+            <a:r>
+              <a:rPr lang="en-US" dirty="0" smtClean="0"/>
+              <a:t>spect that still keeps me motivated in this field.</a:t>
+            </a:r>
+          </a:p>
+        </p:txBody>
+      </p:sp>
+    </p:spTree>
+    <p:extLst>
+      <p:ext uri="{BB962C8B-B14F-4D97-AF65-F5344CB8AC3E}">
+        <p14:creationId xmlns:p14="http://schemas.microsoft.com/office/powerpoint/2010/main" val="1560099199"/>
+      </p:ext>
+    </p:extLst>
+  </p:cSld>
+  <p:clrMapOvr>
+    <a:masterClrMapping/>
+  </p:clrMapOvr>
+</p:sld>
+</file>
+
+<file path=ppt/slides/slide81.xml><?xml version="1.0" encoding="utf-8"?>
+<p:sld xmlns:a="http://schemas.openxmlformats.org/drawingml/2006/main" xmlns:r="http://schemas.openxmlformats.org/officeDocument/2006/relationships" xmlns:p="http://schemas.openxmlformats.org/presentationml/2006/main">
+  <p:cSld>
+    <p:spTree>
+      <p:nvGrpSpPr>
+        <p:cNvPr id="1" name=""/>
+        <p:cNvGrpSpPr/>
+        <p:nvPr/>
+      </p:nvGrpSpPr>
+      <p:grpSpPr>
+        <a:xfrm>
+          <a:off x="0" y="0"/>
+          <a:ext cx="0" cy="0"/>
+          <a:chOff x="0" y="0"/>
+          <a:chExt cx="0" cy="0"/>
+        </a:xfrm>
+      </p:grpSpPr>
+      <p:sp>
+        <p:nvSpPr>
+          <p:cNvPr id="2" name="Title 1"/>
+          <p:cNvSpPr>
+            <a:spLocks noGrp="1"/>
+          </p:cNvSpPr>
+          <p:nvPr>
+            <p:ph type="title"/>
+          </p:nvPr>
+        </p:nvSpPr>
+        <p:spPr/>
+        <p:txBody>
+          <a:bodyPr/>
+          <a:lstStyle/>
+          <a:p>
+            <a:r>
+              <a:rPr lang="en-US" dirty="0" smtClean="0"/>
+              <a:t>Thank-you + Optional Homework</a:t>
+            </a:r>
+            <a:endParaRPr lang="en-US" dirty="0"/>
+          </a:p>
+        </p:txBody>
+      </p:sp>
+      <p:sp>
+        <p:nvSpPr>
+          <p:cNvPr id="3" name="Slide Number Placeholder 2"/>
+          <p:cNvSpPr>
+            <a:spLocks noGrp="1"/>
+          </p:cNvSpPr>
+          <p:nvPr>
+            <p:ph type="sldNum" sz="quarter" idx="12"/>
+          </p:nvPr>
+        </p:nvSpPr>
+        <p:spPr/>
+        <p:txBody>
+          <a:bodyPr/>
+          <a:lstStyle/>
+          <a:p>
+            <a:pPr>
+              <a:defRPr/>
+            </a:pPr>
+            <a:fld id="{B2451C39-31DD-6D4B-9BED-758CF6C1BA6A}" type="slidenum">
+              <a:rPr lang="en-CA" smtClean="0"/>
+              <a:pPr>
+                <a:defRPr/>
+              </a:pPr>
+              <a:t>81</a:t>
+            </a:fld>
+            <a:endParaRPr lang="en-CA"/>
+          </a:p>
+        </p:txBody>
+      </p:sp>
+      <p:sp>
+        <p:nvSpPr>
+          <p:cNvPr id="4" name="TextBox 3"/>
+          <p:cNvSpPr txBox="1"/>
+          <p:nvPr/>
+        </p:nvSpPr>
+        <p:spPr>
+          <a:xfrm>
+            <a:off x="1295400" y="2590800"/>
+            <a:ext cx="6070893" cy="1569660"/>
+          </a:xfrm>
+          <a:prstGeom prst="rect">
+            <a:avLst/>
+          </a:prstGeom>
+          <a:noFill/>
+        </p:spPr>
+        <p:txBody>
+          <a:bodyPr wrap="none" rtlCol="0">
+            <a:spAutoFit/>
+          </a:bodyPr>
+          <a:lstStyle/>
+          <a:p>
+            <a:r>
+              <a:rPr lang="en-US" dirty="0" smtClean="0"/>
+              <a:t>Thank-you very much for taking this course</a:t>
+            </a:r>
+          </a:p>
+          <a:p>
+            <a:r>
+              <a:rPr lang="en-US" dirty="0" smtClean="0"/>
+              <a:t>I really hope you all had a great time</a:t>
+            </a:r>
+          </a:p>
+          <a:p>
+            <a:endParaRPr lang="en-US" dirty="0"/>
+          </a:p>
+          <a:p>
+            <a:r>
+              <a:rPr lang="en-US" dirty="0"/>
+              <a:t>Survey </a:t>
+            </a:r>
+            <a:r>
+              <a:rPr lang="en-US" dirty="0" smtClean="0"/>
+              <a:t>Monkey link</a:t>
+            </a:r>
+            <a:endParaRPr lang="en-US" dirty="0"/>
+          </a:p>
+        </p:txBody>
+      </p:sp>
+    </p:spTree>
+    <p:extLst>
+      <p:ext uri="{BB962C8B-B14F-4D97-AF65-F5344CB8AC3E}">
+        <p14:creationId xmlns:p14="http://schemas.microsoft.com/office/powerpoint/2010/main" val="1027203661"/>
+      </p:ext>
+    </p:extLst>
+  </p:cSld>
+  <p:clrMapOvr>
+    <a:masterClrMapping/>
+  </p:clrMapOvr>
 </p:sld>
 </file>
 

--- a/coursePresentation.pptx
+++ b/coursePresentation.pptx
@@ -5,10 +5,10 @@
     <p:sldMasterId id="2147484906" r:id="rId1"/>
   </p:sldMasterIdLst>
   <p:notesMasterIdLst>
-    <p:notesMasterId r:id="rId83"/>
+    <p:notesMasterId r:id="rId85"/>
   </p:notesMasterIdLst>
   <p:handoutMasterIdLst>
-    <p:handoutMasterId r:id="rId84"/>
+    <p:handoutMasterId r:id="rId86"/>
   </p:handoutMasterIdLst>
   <p:sldIdLst>
     <p:sldId id="257" r:id="rId2"/>
@@ -79,19 +79,21 @@
     <p:sldId id="385" r:id="rId67"/>
     <p:sldId id="386" r:id="rId68"/>
     <p:sldId id="387" r:id="rId69"/>
-    <p:sldId id="388" r:id="rId70"/>
-    <p:sldId id="395" r:id="rId71"/>
-    <p:sldId id="396" r:id="rId72"/>
-    <p:sldId id="397" r:id="rId73"/>
-    <p:sldId id="398" r:id="rId74"/>
-    <p:sldId id="399" r:id="rId75"/>
-    <p:sldId id="400" r:id="rId76"/>
-    <p:sldId id="389" r:id="rId77"/>
-    <p:sldId id="390" r:id="rId78"/>
-    <p:sldId id="391" r:id="rId79"/>
-    <p:sldId id="392" r:id="rId80"/>
-    <p:sldId id="393" r:id="rId81"/>
-    <p:sldId id="394" r:id="rId82"/>
+    <p:sldId id="402" r:id="rId70"/>
+    <p:sldId id="388" r:id="rId71"/>
+    <p:sldId id="395" r:id="rId72"/>
+    <p:sldId id="396" r:id="rId73"/>
+    <p:sldId id="397" r:id="rId74"/>
+    <p:sldId id="398" r:id="rId75"/>
+    <p:sldId id="399" r:id="rId76"/>
+    <p:sldId id="400" r:id="rId77"/>
+    <p:sldId id="401" r:id="rId78"/>
+    <p:sldId id="389" r:id="rId79"/>
+    <p:sldId id="390" r:id="rId80"/>
+    <p:sldId id="391" r:id="rId81"/>
+    <p:sldId id="392" r:id="rId82"/>
+    <p:sldId id="393" r:id="rId83"/>
+    <p:sldId id="394" r:id="rId84"/>
   </p:sldIdLst>
   <p:sldSz cx="9144000" cy="6858000" type="screen4x3"/>
   <p:notesSz cx="6858000" cy="9144000"/>
@@ -13284,7 +13286,7 @@
         <p:spPr>
           <a:xfrm>
             <a:off x="990601" y="2438400"/>
-            <a:ext cx="7848600" cy="1600200"/>
+            <a:ext cx="7848600" cy="2308324"/>
           </a:xfrm>
           <a:prstGeom prst="rect">
             <a:avLst/>
@@ -13329,8 +13331,25 @@
             </a:r>
             <a:r>
               <a:rPr lang="en-US" dirty="0" smtClean="0"/>
-              <a:t> but slower)</a:t>
-            </a:r>
+              <a:t> but slower</a:t>
+            </a:r>
+            <a:r>
+              <a:rPr lang="en-US" dirty="0" smtClean="0"/>
+              <a:t>)</a:t>
+            </a:r>
+          </a:p>
+          <a:p>
+            <a:r>
+              <a:rPr lang="en-US" dirty="0" smtClean="0"/>
+              <a:t>Iterator – if you want to remove something from a List,</a:t>
+            </a:r>
+          </a:p>
+          <a:p>
+            <a:r>
+              <a:rPr lang="en-US" smtClean="0"/>
+              <a:t>Use Iterator</a:t>
+            </a:r>
+            <a:endParaRPr lang="en-US" dirty="0" smtClean="0"/>
           </a:p>
           <a:p>
             <a:endParaRPr lang="en-US" dirty="0"/>
@@ -17967,8 +17986,8 @@
         </p:nvSpPr>
         <p:spPr>
           <a:xfrm>
-            <a:off x="1371600" y="2057400"/>
-            <a:ext cx="2906565" cy="461665"/>
+            <a:off x="1371601" y="2057400"/>
+            <a:ext cx="7010400" cy="2308324"/>
           </a:xfrm>
           <a:prstGeom prst="rect">
             <a:avLst/>
@@ -17976,18 +17995,68 @@
           <a:noFill/>
         </p:spPr>
         <p:txBody>
-          <a:bodyPr wrap="none" rtlCol="0">
+          <a:bodyPr wrap="square" rtlCol="0">
             <a:spAutoFit/>
           </a:bodyPr>
           <a:lstStyle/>
           <a:p>
             <a:r>
               <a:rPr lang="en-US" dirty="0" smtClean="0"/>
+              <a:t>Prepare for midterm</a:t>
+            </a:r>
+          </a:p>
+          <a:p>
+            <a:r>
+              <a:rPr lang="en-US" dirty="0" smtClean="0"/>
+              <a:t>Note it will *not* cover </a:t>
+            </a:r>
+            <a:r>
+              <a:rPr lang="en-US" dirty="0" err="1" smtClean="0"/>
+              <a:t>JavaFx</a:t>
+            </a:r>
+            <a:endParaRPr lang="en-US" dirty="0" smtClean="0"/>
+          </a:p>
+          <a:p>
+            <a:r>
+              <a:rPr lang="en-US" dirty="0" smtClean="0"/>
+              <a:t>Hint: World of </a:t>
+            </a:r>
+            <a:r>
+              <a:rPr lang="en-US" dirty="0" err="1" smtClean="0"/>
+              <a:t>Warcraft</a:t>
+            </a:r>
+            <a:r>
+              <a:rPr lang="en-US" dirty="0" smtClean="0"/>
+              <a:t> rocks … great game</a:t>
+            </a:r>
+          </a:p>
+          <a:p>
+            <a:r>
+              <a:rPr lang="en-US" dirty="0"/>
               <a:t>Read up on </a:t>
             </a:r>
             <a:r>
-              <a:rPr lang="en-US" dirty="0" err="1" smtClean="0"/>
-              <a:t>JavaFX</a:t>
+              <a:rPr lang="en-US" dirty="0" smtClean="0"/>
+              <a:t>the races </a:t>
+            </a:r>
+            <a:r>
+              <a:rPr lang="en-US" dirty="0">
+                <a:hlinkClick r:id="rId2"/>
+              </a:rPr>
+              <a:t>http://us.battle.net/wow/en/game/race</a:t>
+            </a:r>
+            <a:r>
+              <a:rPr lang="en-US" dirty="0" smtClean="0">
+                <a:hlinkClick r:id="rId2"/>
+              </a:rPr>
+              <a:t>/</a:t>
+            </a:r>
+            <a:endParaRPr lang="en-US" dirty="0" smtClean="0"/>
+          </a:p>
+          <a:p>
+            <a:r>
+              <a:rPr lang="en-US" dirty="0" smtClean="0"/>
+              <a:t>It might help you on the midterm</a:t>
             </a:r>
             <a:endParaRPr lang="en-US" dirty="0"/>
           </a:p>
@@ -18040,11 +18109,19 @@
           <a:p>
             <a:r>
               <a:rPr lang="en-US" dirty="0" smtClean="0"/>
-              <a:t>Java applets / </a:t>
+              <a:t>About </a:t>
             </a:r>
             <a:r>
               <a:rPr lang="en-US" dirty="0" err="1" smtClean="0"/>
-              <a:t>Webstart</a:t>
+              <a:t>Git</a:t>
+            </a:r>
+            <a:r>
+              <a:rPr lang="en-US" dirty="0"/>
+              <a:t> </a:t>
+            </a:r>
+            <a:r>
+              <a:rPr lang="en-US" dirty="0" smtClean="0"/>
+              <a:t>timestamps / Midterm</a:t>
             </a:r>
             <a:endParaRPr lang="en-US" dirty="0"/>
           </a:p>
@@ -18087,8 +18164,8 @@
         </p:nvSpPr>
         <p:spPr>
           <a:xfrm>
-            <a:off x="1600200" y="2438400"/>
-            <a:ext cx="6298519" cy="3416320"/>
+            <a:off x="1828800" y="2133600"/>
+            <a:ext cx="6572633" cy="3416320"/>
           </a:xfrm>
           <a:prstGeom prst="rect">
             <a:avLst/>
@@ -18107,7 +18184,25 @@
             </a:pPr>
             <a:r>
               <a:rPr lang="en-US" dirty="0" smtClean="0"/>
-              <a:t>What is an applet?</a:t>
+              <a:t>Chemistry 12 … back in my days,</a:t>
+            </a:r>
+          </a:p>
+          <a:p>
+            <a:r>
+              <a:rPr lang="en-US" dirty="0" smtClean="0"/>
+              <a:t>Bringing in a scientific calculator was forbidden</a:t>
+            </a:r>
+          </a:p>
+          <a:p>
+            <a:r>
+              <a:rPr lang="en-US" dirty="0" smtClean="0"/>
+              <a:t>For the Final Exam.  Why?  Because you can</a:t>
+            </a:r>
+          </a:p>
+          <a:p>
+            <a:r>
+              <a:rPr lang="en-US" dirty="0" smtClean="0"/>
+              <a:t>“program” all the formulas in there</a:t>
             </a:r>
           </a:p>
           <a:p>
@@ -18117,94 +18212,31 @@
             </a:pPr>
             <a:r>
               <a:rPr lang="en-US" dirty="0" smtClean="0"/>
-              <a:t>It’s a way to show your java application</a:t>
-            </a:r>
-          </a:p>
-          <a:p>
-            <a:r>
-              <a:rPr lang="en-US" dirty="0"/>
-              <a:t>o</a:t>
-            </a:r>
-            <a:r>
-              <a:rPr lang="en-US" dirty="0" smtClean="0"/>
-              <a:t>n a webpage … think of it like a plugin</a:t>
-            </a:r>
-          </a:p>
-          <a:p>
-            <a:pPr marL="342900" indent="-342900">
-              <a:buFont typeface="Arial" pitchFamily="34" charset="0"/>
-              <a:buChar char="•"/>
-            </a:pPr>
-            <a:r>
-              <a:rPr lang="en-US" dirty="0" smtClean="0"/>
-              <a:t>Similar to Flash</a:t>
-            </a:r>
-          </a:p>
-          <a:p>
-            <a:pPr marL="342900" indent="-342900">
-              <a:buFont typeface="Arial" pitchFamily="34" charset="0"/>
-              <a:buChar char="•"/>
-            </a:pPr>
-            <a:r>
-              <a:rPr lang="en-US" dirty="0" smtClean="0"/>
-              <a:t>Applets were the *OLDER* way to present</a:t>
-            </a:r>
-          </a:p>
-          <a:p>
-            <a:r>
-              <a:rPr lang="en-US" dirty="0" smtClean="0"/>
-              <a:t>Java applications on the </a:t>
-            </a:r>
-            <a:r>
-              <a:rPr lang="en-US" dirty="0" err="1" smtClean="0"/>
-              <a:t>brower</a:t>
-            </a:r>
-            <a:endParaRPr lang="en-US" dirty="0" smtClean="0"/>
-          </a:p>
-          <a:p>
-            <a:pPr marL="342900" indent="-342900">
-              <a:buFont typeface="Arial" pitchFamily="34" charset="0"/>
-              <a:buChar char="•"/>
-            </a:pPr>
-            <a:r>
-              <a:rPr lang="en-US" dirty="0" smtClean="0"/>
-              <a:t>When ran/deployed, they look pretty much</a:t>
-            </a:r>
-          </a:p>
-          <a:p>
-            <a:pPr marL="342900" indent="-342900">
-              <a:buFont typeface="Arial" pitchFamily="34" charset="0"/>
-              <a:buChar char="•"/>
-            </a:pPr>
-            <a:r>
-              <a:rPr lang="en-US" dirty="0" smtClean="0"/>
-              <a:t>The same – hey its just Java </a:t>
-            </a:r>
-            <a:r>
-              <a:rPr lang="en-US" dirty="0" err="1" smtClean="0"/>
-              <a:t>Fx</a:t>
-            </a:r>
-            <a:r>
-              <a:rPr lang="en-US" dirty="0" smtClean="0"/>
-              <a:t> ;)</a:t>
-            </a:r>
-          </a:p>
-          <a:p>
-            <a:pPr marL="342900" indent="-342900">
-              <a:buFont typeface="Arial" pitchFamily="34" charset="0"/>
-              <a:buChar char="•"/>
-            </a:pPr>
-            <a:r>
-              <a:rPr lang="en-US" dirty="0" smtClean="0"/>
-              <a:t>Syntax for </a:t>
-            </a:r>
-            <a:r>
-              <a:rPr lang="en-US" dirty="0" err="1" smtClean="0"/>
-              <a:t>Webstart</a:t>
-            </a:r>
-            <a:r>
-              <a:rPr lang="en-US" dirty="0" smtClean="0"/>
-              <a:t> is better Applets</a:t>
+              <a:t>Most ironic part … if you can figure out how</a:t>
+            </a:r>
+          </a:p>
+          <a:p>
+            <a:r>
+              <a:rPr lang="en-US" dirty="0" smtClean="0"/>
+              <a:t>To program those formulas in and use them</a:t>
+            </a:r>
+          </a:p>
+          <a:p>
+            <a:r>
+              <a:rPr lang="en-US" dirty="0" smtClean="0"/>
+              <a:t>Efficiently, you were probably smarter than the</a:t>
+            </a:r>
+          </a:p>
+          <a:p>
+            <a:r>
+              <a:rPr lang="en-US" dirty="0" smtClean="0"/>
+              <a:t>Teacher (at least my teacher)</a:t>
+            </a:r>
+          </a:p>
+          <a:p>
+            <a:r>
+              <a:rPr lang="en-US" dirty="0" smtClean="0"/>
+              <a:t>and deserved an A+ anyways.</a:t>
             </a:r>
             <a:endParaRPr lang="en-US" dirty="0"/>
           </a:p>
@@ -18213,7 +18245,7 @@
     </p:spTree>
     <p:extLst>
       <p:ext uri="{BB962C8B-B14F-4D97-AF65-F5344CB8AC3E}">
-        <p14:creationId xmlns:p14="http://schemas.microsoft.com/office/powerpoint/2010/main" val="2587190784"/>
+        <p14:creationId xmlns:p14="http://schemas.microsoft.com/office/powerpoint/2010/main" val="1856179208"/>
       </p:ext>
     </p:extLst>
   </p:cSld>
@@ -18485,7 +18517,11 @@
           <a:p>
             <a:r>
               <a:rPr lang="en-US" dirty="0" smtClean="0"/>
-              <a:t>There’s a plugin for that</a:t>
+              <a:t>Java applets / </a:t>
+            </a:r>
+            <a:r>
+              <a:rPr lang="en-US" dirty="0" err="1" smtClean="0"/>
+              <a:t>Webstart</a:t>
             </a:r>
             <a:endParaRPr lang="en-US" dirty="0"/>
           </a:p>
@@ -18528,8 +18564,8 @@
         </p:nvSpPr>
         <p:spPr>
           <a:xfrm>
-            <a:off x="1524001" y="1981200"/>
-            <a:ext cx="6553200" cy="5262979"/>
+            <a:off x="1600200" y="2438400"/>
+            <a:ext cx="6298519" cy="3416320"/>
           </a:xfrm>
           <a:prstGeom prst="rect">
             <a:avLst/>
@@ -18537,63 +18573,19 @@
           <a:noFill/>
         </p:spPr>
         <p:txBody>
-          <a:bodyPr wrap="square" rtlCol="0">
+          <a:bodyPr wrap="none" rtlCol="0">
             <a:spAutoFit/>
           </a:bodyPr>
           <a:lstStyle/>
-          <a:p>
-            <a:r>
-              <a:rPr lang="en-US" dirty="0"/>
-              <a:t>Read: </a:t>
-            </a:r>
-            <a:r>
-              <a:rPr lang="en-US" dirty="0">
-                <a:hlinkClick r:id="rId2"/>
-              </a:rPr>
-              <a:t>http://</a:t>
-            </a:r>
-            <a:r>
-              <a:rPr lang="en-US" dirty="0" smtClean="0">
-                <a:hlinkClick r:id="rId2"/>
-              </a:rPr>
-              <a:t>zenjava.com/javafx/maven/index.html</a:t>
-            </a:r>
-            <a:endParaRPr lang="en-US" dirty="0" smtClean="0"/>
-          </a:p>
-          <a:p>
-            <a:r>
-              <a:rPr lang="en-US" dirty="0" smtClean="0"/>
-              <a:t>Use my pom.xml as reference (especially the configuration section)</a:t>
-            </a:r>
-          </a:p>
-          <a:p>
-            <a:r>
-              <a:rPr lang="en-US" dirty="0" smtClean="0"/>
-              <a:t>Basic steps</a:t>
-            </a:r>
-          </a:p>
           <a:p>
             <a:pPr marL="342900" indent="-342900">
               <a:buFont typeface="Arial" pitchFamily="34" charset="0"/>
               <a:buChar char="•"/>
             </a:pPr>
             <a:r>
-              <a:rPr lang="en-US" dirty="0"/>
-              <a:t>Install plugin: see </a:t>
-            </a:r>
-            <a:r>
-              <a:rPr lang="en-US" dirty="0">
-                <a:hlinkClick r:id="rId3"/>
-              </a:rPr>
-              <a:t>http://</a:t>
-            </a:r>
-            <a:r>
-              <a:rPr lang="en-US" dirty="0" smtClean="0">
-                <a:hlinkClick r:id="rId3"/>
-              </a:rPr>
-              <a:t>zenjava.com/javafx/maven/basic-config.html</a:t>
-            </a:r>
-            <a:endParaRPr lang="en-US" dirty="0" smtClean="0"/>
+              <a:rPr lang="en-US" dirty="0" smtClean="0"/>
+              <a:t>What is an applet?</a:t>
+            </a:r>
           </a:p>
           <a:p>
             <a:pPr marL="342900" indent="-342900">
@@ -18601,24 +18593,18 @@
               <a:buChar char="•"/>
             </a:pPr>
             <a:r>
-              <a:rPr lang="en-US" dirty="0" err="1"/>
-              <a:t>mvn</a:t>
-            </a:r>
+              <a:rPr lang="en-US" dirty="0" smtClean="0"/>
+              <a:t>It’s a way to show your java application</a:t>
+            </a:r>
+          </a:p>
+          <a:p>
             <a:r>
               <a:rPr lang="en-US" dirty="0"/>
-              <a:t> </a:t>
-            </a:r>
-            <a:r>
-              <a:rPr lang="en-US" dirty="0" smtClean="0"/>
-              <a:t>com.zenjava:javafx-maven-plugin:2.0:fix-classpath (hint anytime you see </a:t>
-            </a:r>
-            <a:r>
-              <a:rPr lang="en-US" dirty="0" err="1" smtClean="0"/>
-              <a:t>mvn</a:t>
-            </a:r>
-            <a:r>
-              <a:rPr lang="en-US" dirty="0" smtClean="0"/>
-              <a:t> … goal, in Eclipse its Run As…Maven build (fill in the Goal with that long string), Run</a:t>
+              <a:t>o</a:t>
+            </a:r>
+            <a:r>
+              <a:rPr lang="en-US" dirty="0" smtClean="0"/>
+              <a:t>n a webpage … think of it like a plugin</a:t>
             </a:r>
           </a:p>
           <a:p>
@@ -18626,6 +18612,77 @@
               <a:buFont typeface="Arial" pitchFamily="34" charset="0"/>
               <a:buChar char="•"/>
             </a:pPr>
+            <a:r>
+              <a:rPr lang="en-US" dirty="0" smtClean="0"/>
+              <a:t>Similar to Flash</a:t>
+            </a:r>
+          </a:p>
+          <a:p>
+            <a:pPr marL="342900" indent="-342900">
+              <a:buFont typeface="Arial" pitchFamily="34" charset="0"/>
+              <a:buChar char="•"/>
+            </a:pPr>
+            <a:r>
+              <a:rPr lang="en-US" dirty="0" smtClean="0"/>
+              <a:t>Applets were the *OLDER* way to present</a:t>
+            </a:r>
+          </a:p>
+          <a:p>
+            <a:r>
+              <a:rPr lang="en-US" dirty="0" smtClean="0"/>
+              <a:t>Java applications on the </a:t>
+            </a:r>
+            <a:r>
+              <a:rPr lang="en-US" dirty="0" err="1" smtClean="0"/>
+              <a:t>brower</a:t>
+            </a:r>
+            <a:endParaRPr lang="en-US" dirty="0" smtClean="0"/>
+          </a:p>
+          <a:p>
+            <a:pPr marL="342900" indent="-342900">
+              <a:buFont typeface="Arial" pitchFamily="34" charset="0"/>
+              <a:buChar char="•"/>
+            </a:pPr>
+            <a:r>
+              <a:rPr lang="en-US" dirty="0" smtClean="0"/>
+              <a:t>When ran/deployed, they look pretty much</a:t>
+            </a:r>
+          </a:p>
+          <a:p>
+            <a:pPr marL="342900" indent="-342900">
+              <a:buFont typeface="Arial" pitchFamily="34" charset="0"/>
+              <a:buChar char="•"/>
+            </a:pPr>
+            <a:r>
+              <a:rPr lang="en-US" dirty="0" smtClean="0"/>
+              <a:t>The same – hey its just Java </a:t>
+            </a:r>
+            <a:r>
+              <a:rPr lang="en-US" dirty="0" err="1" smtClean="0"/>
+              <a:t>Fx</a:t>
+            </a:r>
+            <a:r>
+              <a:rPr lang="en-US" dirty="0" smtClean="0"/>
+              <a:t> ;)</a:t>
+            </a:r>
+          </a:p>
+          <a:p>
+            <a:pPr marL="342900" indent="-342900">
+              <a:buFont typeface="Arial" pitchFamily="34" charset="0"/>
+              <a:buChar char="•"/>
+            </a:pPr>
+            <a:r>
+              <a:rPr lang="en-US" dirty="0" smtClean="0"/>
+              <a:t>Syntax for </a:t>
+            </a:r>
+            <a:r>
+              <a:rPr lang="en-US" dirty="0" err="1" smtClean="0"/>
+              <a:t>Webstart</a:t>
+            </a:r>
+            <a:r>
+              <a:rPr lang="en-US" dirty="0" smtClean="0"/>
+              <a:t> is better Applets</a:t>
+            </a:r>
             <a:endParaRPr lang="en-US" dirty="0"/>
           </a:p>
         </p:txBody>
@@ -18633,7 +18690,7 @@
     </p:spTree>
     <p:extLst>
       <p:ext uri="{BB962C8B-B14F-4D97-AF65-F5344CB8AC3E}">
-        <p14:creationId xmlns:p14="http://schemas.microsoft.com/office/powerpoint/2010/main" val="2756682193"/>
+        <p14:creationId xmlns:p14="http://schemas.microsoft.com/office/powerpoint/2010/main" val="2587190784"/>
       </p:ext>
     </p:extLst>
   </p:cSld>
@@ -18676,28 +18733,8 @@
           <a:lstStyle/>
           <a:p>
             <a:r>
-              <a:rPr lang="en-US" dirty="0" err="1" smtClean="0"/>
-              <a:t>Cont</a:t>
-            </a:r>
-            <a:r>
-              <a:rPr lang="en-US" dirty="0" smtClean="0"/>
-              <a:t> </a:t>
-            </a:r>
-            <a:r>
-              <a:rPr lang="en-US" dirty="0"/>
-              <a:t>(Maven, </a:t>
-            </a:r>
-            <a:r>
-              <a:rPr lang="en-US" dirty="0" err="1"/>
-              <a:t>JavaFx</a:t>
-            </a:r>
-            <a:r>
-              <a:rPr lang="en-US" dirty="0"/>
-              <a:t>)</a:t>
-            </a:r>
-            <a:r>
-              <a:rPr lang="en-US" dirty="0" smtClean="0"/>
-              <a:t>…</a:t>
+              <a:rPr lang="en-US" dirty="0" smtClean="0"/>
+              <a:t>There’s a plugin for that</a:t>
             </a:r>
             <a:endParaRPr lang="en-US" dirty="0"/>
           </a:p>
@@ -18740,8 +18777,8 @@
         </p:nvSpPr>
         <p:spPr>
           <a:xfrm>
-            <a:off x="1752600" y="1676400"/>
-            <a:ext cx="184731" cy="461665"/>
+            <a:off x="1524001" y="1981200"/>
+            <a:ext cx="6553200" cy="5262979"/>
           </a:xfrm>
           <a:prstGeom prst="rect">
             <a:avLst/>
@@ -18749,79 +18786,63 @@
           <a:noFill/>
         </p:spPr>
         <p:txBody>
-          <a:bodyPr wrap="none" rtlCol="0">
-            <a:spAutoFit/>
-          </a:bodyPr>
-          <a:lstStyle/>
-          <a:p>
-            <a:endParaRPr lang="en-US" dirty="0"/>
-          </a:p>
-        </p:txBody>
-      </p:sp>
-      <p:sp>
-        <p:nvSpPr>
-          <p:cNvPr id="5" name="TextBox 4"/>
-          <p:cNvSpPr txBox="1"/>
-          <p:nvPr/>
-        </p:nvSpPr>
-        <p:spPr>
-          <a:xfrm>
-            <a:off x="1371601" y="1600200"/>
-            <a:ext cx="7696200" cy="4154984"/>
-          </a:xfrm>
-          <a:prstGeom prst="rect">
-            <a:avLst/>
-          </a:prstGeom>
-          <a:noFill/>
-        </p:spPr>
-        <p:txBody>
           <a:bodyPr wrap="square" rtlCol="0">
             <a:spAutoFit/>
           </a:bodyPr>
           <a:lstStyle/>
           <a:p>
+            <a:r>
+              <a:rPr lang="en-US" dirty="0"/>
+              <a:t>Read: </a:t>
+            </a:r>
+            <a:r>
+              <a:rPr lang="en-US" dirty="0">
+                <a:hlinkClick r:id="rId2"/>
+              </a:rPr>
+              <a:t>http://</a:t>
+            </a:r>
+            <a:r>
+              <a:rPr lang="en-US" dirty="0" smtClean="0">
+                <a:hlinkClick r:id="rId2"/>
+              </a:rPr>
+              <a:t>zenjava.com/javafx/maven/index.html</a:t>
+            </a:r>
+            <a:endParaRPr lang="en-US" dirty="0" smtClean="0"/>
+          </a:p>
+          <a:p>
+            <a:r>
+              <a:rPr lang="en-US" dirty="0" smtClean="0"/>
+              <a:t>Use my pom.xml as reference (especially the configuration section)</a:t>
+            </a:r>
+          </a:p>
+          <a:p>
+            <a:r>
+              <a:rPr lang="en-US" dirty="0" smtClean="0"/>
+              <a:t>Basic steps</a:t>
+            </a:r>
+          </a:p>
+          <a:p>
             <a:pPr marL="342900" indent="-342900">
               <a:buFont typeface="Arial" pitchFamily="34" charset="0"/>
               <a:buChar char="•"/>
             </a:pPr>
             <a:r>
-              <a:rPr lang="en-US" dirty="0" smtClean="0"/>
-              <a:t>Generate a </a:t>
-            </a:r>
-            <a:r>
-              <a:rPr lang="en-US" dirty="0" err="1" smtClean="0"/>
-              <a:t>keystore</a:t>
-            </a:r>
-            <a:r>
-              <a:rPr lang="en-US" dirty="0" smtClean="0"/>
-              <a:t> … </a:t>
-            </a:r>
-            <a:r>
-              <a:rPr lang="en-US" dirty="0" err="1" smtClean="0"/>
-              <a:t>keystore</a:t>
-            </a:r>
-            <a:r>
-              <a:rPr lang="en-US" dirty="0" smtClean="0"/>
-              <a:t> …</a:t>
-            </a:r>
-          </a:p>
-          <a:p>
-            <a:r>
-              <a:rPr lang="en-US" dirty="0" smtClean="0"/>
-              <a:t>A big can of worms … its all related with security,</a:t>
-            </a:r>
-          </a:p>
-          <a:p>
-            <a:r>
-              <a:rPr lang="en-US" dirty="0" smtClean="0"/>
-              <a:t>And personally, it makes me sick, but without these</a:t>
-            </a:r>
-          </a:p>
-          <a:p>
-            <a:r>
-              <a:rPr lang="en-US" dirty="0" smtClean="0"/>
-              <a:t>Instructions, it just won’t work</a:t>
-            </a:r>
+              <a:rPr lang="en-US" dirty="0"/>
+              <a:t>Install plugin: see </a:t>
+            </a:r>
+            <a:r>
+              <a:rPr lang="en-US" dirty="0">
+                <a:hlinkClick r:id="rId3"/>
+              </a:rPr>
+              <a:t>http://</a:t>
+            </a:r>
+            <a:r>
+              <a:rPr lang="en-US" dirty="0" smtClean="0">
+                <a:hlinkClick r:id="rId3"/>
+              </a:rPr>
+              <a:t>zenjava.com/javafx/maven/basic-config.html</a:t>
+            </a:r>
+            <a:endParaRPr lang="en-US" dirty="0" smtClean="0"/>
           </a:p>
           <a:p>
             <a:pPr marL="342900" indent="-342900">
@@ -18829,20 +18850,24 @@
               <a:buChar char="•"/>
             </a:pPr>
             <a:r>
-              <a:rPr lang="en-US" dirty="0" smtClean="0"/>
-              <a:t>Anyways: </a:t>
+              <a:rPr lang="en-US" dirty="0" err="1"/>
+              <a:t>mvn</a:t>
+            </a:r>
+            <a:r>
+              <a:rPr lang="en-US" dirty="0"/>
+              <a:t> </a:t>
+            </a:r>
+            <a:r>
+              <a:rPr lang="en-US" dirty="0" smtClean="0"/>
+              <a:t>com.zenjava:javafx-maven-plugin:2.0:fix-classpath (hint anytime you see </a:t>
             </a:r>
             <a:r>
               <a:rPr lang="en-US" dirty="0" err="1" smtClean="0"/>
               <a:t>mvn</a:t>
             </a:r>
             <a:r>
-              <a:rPr lang="en-US" dirty="0"/>
-              <a:t> </a:t>
-            </a:r>
-            <a:r>
-              <a:rPr lang="en-US" dirty="0" smtClean="0"/>
-              <a:t>com.zenjava:javafx-maven-plugin:2.0:generate-key-store</a:t>
+              <a:rPr lang="en-US" dirty="0" smtClean="0"/>
+              <a:t> … goal, in Eclipse its Run As…Maven build (fill in the Goal with that long string), Run</a:t>
             </a:r>
           </a:p>
           <a:p>
@@ -18850,69 +18875,6 @@
               <a:buFont typeface="Arial" pitchFamily="34" charset="0"/>
               <a:buChar char="•"/>
             </a:pPr>
-            <a:r>
-              <a:rPr lang="en-US" dirty="0" smtClean="0"/>
-              <a:t>Make sure you have a similar pom.xml </a:t>
-            </a:r>
-            <a:r>
-              <a:rPr lang="en-US" dirty="0" err="1" smtClean="0"/>
-              <a:t>config</a:t>
-            </a:r>
-            <a:r>
-              <a:rPr lang="en-US" dirty="0" smtClean="0"/>
-              <a:t> to mine for the </a:t>
-            </a:r>
-            <a:r>
-              <a:rPr lang="en-US" dirty="0" err="1" smtClean="0"/>
-              <a:t>certXXX</a:t>
-            </a:r>
-            <a:r>
-              <a:rPr lang="en-US" dirty="0" smtClean="0"/>
-              <a:t> stuff</a:t>
-            </a:r>
-          </a:p>
-          <a:p>
-            <a:pPr marL="342900" indent="-342900">
-              <a:buFont typeface="Arial" pitchFamily="34" charset="0"/>
-              <a:buChar char="•"/>
-            </a:pPr>
-            <a:r>
-              <a:rPr lang="en-US" dirty="0" smtClean="0"/>
-              <a:t>Next, create your </a:t>
-            </a:r>
-            <a:r>
-              <a:rPr lang="en-US" dirty="0" err="1" smtClean="0"/>
-              <a:t>webstart</a:t>
-            </a:r>
-            <a:r>
-              <a:rPr lang="en-US" dirty="0" smtClean="0"/>
-              <a:t> page:</a:t>
-            </a:r>
-          </a:p>
-          <a:p>
-            <a:pPr marL="342900" indent="-342900">
-              <a:buFont typeface="Arial" pitchFamily="34" charset="0"/>
-              <a:buChar char="•"/>
-            </a:pPr>
-            <a:r>
-              <a:rPr lang="en-US" dirty="0" err="1" smtClean="0"/>
-              <a:t>mvn</a:t>
-            </a:r>
-            <a:r>
-              <a:rPr lang="en-US" dirty="0"/>
-              <a:t> com.zenjava:javafx-maven-plugin:2.0:web </a:t>
-            </a:r>
-            <a:endParaRPr lang="en-US" dirty="0" smtClean="0"/>
-          </a:p>
-          <a:p>
-            <a:pPr marL="342900" indent="-342900">
-              <a:buFont typeface="Arial" pitchFamily="34" charset="0"/>
-              <a:buChar char="•"/>
-            </a:pPr>
-            <a:r>
-              <a:rPr lang="en-US" dirty="0" smtClean="0"/>
-              <a:t>Launch the file in your new “showcase” directory</a:t>
-            </a:r>
             <a:endParaRPr lang="en-US" dirty="0"/>
           </a:p>
         </p:txBody>
@@ -18920,7 +18882,7 @@
     </p:spTree>
     <p:extLst>
       <p:ext uri="{BB962C8B-B14F-4D97-AF65-F5344CB8AC3E}">
-        <p14:creationId xmlns:p14="http://schemas.microsoft.com/office/powerpoint/2010/main" val="3856607364"/>
+        <p14:creationId xmlns:p14="http://schemas.microsoft.com/office/powerpoint/2010/main" val="2756682193"/>
       </p:ext>
     </p:extLst>
   </p:cSld>
@@ -18968,15 +18930,23 @@
             </a:r>
             <a:r>
               <a:rPr lang="en-US" dirty="0" smtClean="0"/>
-              <a:t> (Maven, </a:t>
-            </a:r>
-            <a:r>
-              <a:rPr lang="en-US" dirty="0" err="1" smtClean="0"/>
+              <a:t> </a:t>
+            </a:r>
+            <a:r>
+              <a:rPr lang="en-US" dirty="0"/>
+              <a:t>(Maven, </a:t>
+            </a:r>
+            <a:r>
+              <a:rPr lang="en-US" dirty="0" err="1"/>
               <a:t>JavaFx</a:t>
             </a:r>
             <a:r>
-              <a:rPr lang="en-US" dirty="0" smtClean="0"/>
+              <a:rPr lang="en-US" dirty="0"/>
               <a:t>)</a:t>
+            </a:r>
+            <a:r>
+              <a:rPr lang="en-US" dirty="0" smtClean="0"/>
+              <a:t>…</a:t>
             </a:r>
             <a:endParaRPr lang="en-US" dirty="0"/>
           </a:p>
@@ -19019,8 +18989,8 @@
         </p:nvSpPr>
         <p:spPr>
           <a:xfrm>
-            <a:off x="1371600" y="1752600"/>
-            <a:ext cx="6324600" cy="2308324"/>
+            <a:off x="1752600" y="1676400"/>
+            <a:ext cx="184731" cy="461665"/>
           </a:xfrm>
           <a:prstGeom prst="rect">
             <a:avLst/>
@@ -19028,6 +18998,32 @@
           <a:noFill/>
         </p:spPr>
         <p:txBody>
+          <a:bodyPr wrap="none" rtlCol="0">
+            <a:spAutoFit/>
+          </a:bodyPr>
+          <a:lstStyle/>
+          <a:p>
+            <a:endParaRPr lang="en-US" dirty="0"/>
+          </a:p>
+        </p:txBody>
+      </p:sp>
+      <p:sp>
+        <p:nvSpPr>
+          <p:cNvPr id="5" name="TextBox 4"/>
+          <p:cNvSpPr txBox="1"/>
+          <p:nvPr/>
+        </p:nvSpPr>
+        <p:spPr>
+          <a:xfrm>
+            <a:off x="1371601" y="1600200"/>
+            <a:ext cx="7696200" cy="4154984"/>
+          </a:xfrm>
+          <a:prstGeom prst="rect">
+            <a:avLst/>
+          </a:prstGeom>
+          <a:noFill/>
+        </p:spPr>
+        <p:txBody>
           <a:bodyPr wrap="square" rtlCol="0">
             <a:spAutoFit/>
           </a:bodyPr>
@@ -19039,25 +19035,42 @@
             </a:pPr>
             <a:r>
               <a:rPr lang="en-US" dirty="0" smtClean="0"/>
-              <a:t>Security Errors … yeah, that’s the can of worms I was talking about.  To fix them, see</a:t>
-            </a:r>
-            <a:r>
-              <a:rPr lang="en-US" dirty="0"/>
-              <a:t>: </a:t>
-            </a:r>
-            <a:r>
-              <a:rPr lang="en-US" dirty="0">
-                <a:hlinkClick r:id="rId2"/>
-              </a:rPr>
-              <a:t>http://hchan.github.io/comp2613</a:t>
-            </a:r>
-            <a:r>
-              <a:rPr lang="en-US" dirty="0" smtClean="0">
-                <a:hlinkClick r:id="rId2"/>
-              </a:rPr>
-              <a:t>/</a:t>
-            </a:r>
-            <a:endParaRPr lang="en-US" dirty="0" smtClean="0"/>
+              <a:t>Generate a </a:t>
+            </a:r>
+            <a:r>
+              <a:rPr lang="en-US" dirty="0" err="1" smtClean="0"/>
+              <a:t>keystore</a:t>
+            </a:r>
+            <a:r>
+              <a:rPr lang="en-US" dirty="0" smtClean="0"/>
+              <a:t> … </a:t>
+            </a:r>
+            <a:r>
+              <a:rPr lang="en-US" dirty="0" err="1" smtClean="0"/>
+              <a:t>keystore</a:t>
+            </a:r>
+            <a:r>
+              <a:rPr lang="en-US" dirty="0" smtClean="0"/>
+              <a:t> …</a:t>
+            </a:r>
+          </a:p>
+          <a:p>
+            <a:r>
+              <a:rPr lang="en-US" dirty="0" smtClean="0"/>
+              <a:t>A big can of worms … its all related with security,</a:t>
+            </a:r>
+          </a:p>
+          <a:p>
+            <a:r>
+              <a:rPr lang="en-US" dirty="0" smtClean="0"/>
+              <a:t>And personally, it makes me sick, but without these</a:t>
+            </a:r>
+          </a:p>
+          <a:p>
+            <a:r>
+              <a:rPr lang="en-US" dirty="0" smtClean="0"/>
+              <a:t>Instructions, it just won’t work</a:t>
+            </a:r>
           </a:p>
           <a:p>
             <a:pPr marL="342900" indent="-342900">
@@ -19066,23 +19079,88 @@
             </a:pPr>
             <a:r>
               <a:rPr lang="en-US" dirty="0" smtClean="0"/>
-              <a:t>Hey, do you think the above URL is </a:t>
+              <a:t>Anyways: </a:t>
             </a:r>
             <a:r>
               <a:rPr lang="en-US" dirty="0" err="1" smtClean="0"/>
-              <a:t>kinda</a:t>
-            </a:r>
-            <a:r>
-              <a:rPr lang="en-US" dirty="0" smtClean="0"/>
-              <a:t> neat?  Well, if you do, you’re only 5 steps away from having your own </a:t>
+              <a:t>mvn</a:t>
+            </a:r>
+            <a:r>
+              <a:rPr lang="en-US" dirty="0"/>
+              <a:t> </a:t>
+            </a:r>
+            <a:r>
+              <a:rPr lang="en-US" dirty="0" smtClean="0"/>
+              <a:t>com.zenjava:javafx-maven-plugin:2.0:generate-key-store</a:t>
+            </a:r>
+          </a:p>
+          <a:p>
+            <a:pPr marL="342900" indent="-342900">
+              <a:buFont typeface="Arial" pitchFamily="34" charset="0"/>
+              <a:buChar char="•"/>
+            </a:pPr>
+            <a:r>
+              <a:rPr lang="en-US" dirty="0" smtClean="0"/>
+              <a:t>Make sure you have a similar pom.xml </a:t>
             </a:r>
             <a:r>
               <a:rPr lang="en-US" dirty="0" err="1" smtClean="0"/>
-              <a:t>Github</a:t>
-            </a:r>
-            <a:r>
-              <a:rPr lang="en-US" dirty="0" smtClean="0"/>
-              <a:t> page</a:t>
+              <a:t>config</a:t>
+            </a:r>
+            <a:r>
+              <a:rPr lang="en-US" dirty="0" smtClean="0"/>
+              <a:t> to mine for the </a:t>
+            </a:r>
+            <a:r>
+              <a:rPr lang="en-US" dirty="0" err="1" smtClean="0"/>
+              <a:t>certXXX</a:t>
+            </a:r>
+            <a:r>
+              <a:rPr lang="en-US" dirty="0" smtClean="0"/>
+              <a:t> stuff</a:t>
+            </a:r>
+          </a:p>
+          <a:p>
+            <a:pPr marL="342900" indent="-342900">
+              <a:buFont typeface="Arial" pitchFamily="34" charset="0"/>
+              <a:buChar char="•"/>
+            </a:pPr>
+            <a:r>
+              <a:rPr lang="en-US" dirty="0" smtClean="0"/>
+              <a:t>Next, create your </a:t>
+            </a:r>
+            <a:r>
+              <a:rPr lang="en-US" dirty="0" err="1" smtClean="0"/>
+              <a:t>webstart</a:t>
+            </a:r>
+            <a:r>
+              <a:rPr lang="en-US" dirty="0" smtClean="0"/>
+              <a:t> page:</a:t>
+            </a:r>
+          </a:p>
+          <a:p>
+            <a:pPr marL="342900" indent="-342900">
+              <a:buFont typeface="Arial" pitchFamily="34" charset="0"/>
+              <a:buChar char="•"/>
+            </a:pPr>
+            <a:r>
+              <a:rPr lang="en-US" dirty="0" err="1" smtClean="0"/>
+              <a:t>mvn</a:t>
+            </a:r>
+            <a:r>
+              <a:rPr lang="en-US" dirty="0"/>
+              <a:t> com.zenjava:javafx-maven-plugin:2.0:web </a:t>
+            </a:r>
+            <a:endParaRPr lang="en-US" dirty="0" smtClean="0"/>
+          </a:p>
+          <a:p>
+            <a:pPr marL="342900" indent="-342900">
+              <a:buFont typeface="Arial" pitchFamily="34" charset="0"/>
+              <a:buChar char="•"/>
+            </a:pPr>
+            <a:r>
+              <a:rPr lang="en-US" dirty="0" smtClean="0"/>
+              <a:t>Launch the file in your new “showcase” directory</a:t>
             </a:r>
             <a:endParaRPr lang="en-US" dirty="0"/>
           </a:p>
@@ -19091,7 +19169,7 @@
     </p:spTree>
     <p:extLst>
       <p:ext uri="{BB962C8B-B14F-4D97-AF65-F5344CB8AC3E}">
-        <p14:creationId xmlns:p14="http://schemas.microsoft.com/office/powerpoint/2010/main" val="4243719274"/>
+        <p14:creationId xmlns:p14="http://schemas.microsoft.com/office/powerpoint/2010/main" val="3856607364"/>
       </p:ext>
     </p:extLst>
   </p:cSld>
@@ -19135,11 +19213,19 @@
           <a:p>
             <a:r>
               <a:rPr lang="en-US" dirty="0" err="1" smtClean="0"/>
-              <a:t>GitHub</a:t>
-            </a:r>
-            <a:r>
-              <a:rPr lang="en-US" dirty="0" smtClean="0"/>
-              <a:t> Pages</a:t>
+              <a:t>Cont</a:t>
+            </a:r>
+            <a:r>
+              <a:rPr lang="en-US" dirty="0" smtClean="0"/>
+              <a:t> (Maven, </a:t>
+            </a:r>
+            <a:r>
+              <a:rPr lang="en-US" dirty="0" err="1" smtClean="0"/>
+              <a:t>JavaFx</a:t>
+            </a:r>
+            <a:r>
+              <a:rPr lang="en-US" dirty="0" smtClean="0"/>
+              <a:t>)</a:t>
             </a:r>
             <a:endParaRPr lang="en-US" dirty="0"/>
           </a:p>
@@ -19182,8 +19268,8 @@
         </p:nvSpPr>
         <p:spPr>
           <a:xfrm>
-            <a:off x="1143001" y="2133600"/>
-            <a:ext cx="7772400" cy="4524315"/>
+            <a:off x="1371600" y="1752600"/>
+            <a:ext cx="6324600" cy="2308324"/>
           </a:xfrm>
           <a:prstGeom prst="rect">
             <a:avLst/>
@@ -19201,14 +19287,18 @@
               <a:buChar char="•"/>
             </a:pPr>
             <a:r>
+              <a:rPr lang="en-US" dirty="0" smtClean="0"/>
+              <a:t>Security Errors … yeah, that’s the can of worms I was talking about.  To fix them, see</a:t>
+            </a:r>
+            <a:r>
               <a:rPr lang="en-US" dirty="0"/>
-              <a:t>Read: </a:t>
+              <a:t>: </a:t>
             </a:r>
             <a:r>
               <a:rPr lang="en-US" dirty="0">
                 <a:hlinkClick r:id="rId2"/>
               </a:rPr>
-              <a:t>https://pages.github.com</a:t>
+              <a:t>http://hchan.github.io/comp2613</a:t>
             </a:r>
             <a:r>
               <a:rPr lang="en-US" dirty="0" smtClean="0">
@@ -19225,117 +19315,32 @@
             </a:pPr>
             <a:r>
               <a:rPr lang="en-US" dirty="0" smtClean="0"/>
-              <a:t>The Eclipse way:</a:t>
-            </a:r>
-          </a:p>
-          <a:p>
-            <a:pPr marL="800100" lvl="1" indent="-342900">
-              <a:buFont typeface="Arial" pitchFamily="34" charset="0"/>
-              <a:buChar char="•"/>
-            </a:pPr>
-            <a:r>
-              <a:rPr lang="en-US" dirty="0" smtClean="0"/>
-              <a:t>Make a new Branch called </a:t>
+              <a:t>Hey, do you think the above URL is </a:t>
             </a:r>
             <a:r>
               <a:rPr lang="en-US" dirty="0" err="1" smtClean="0"/>
-              <a:t>gh</a:t>
-            </a:r>
-            <a:r>
-              <a:rPr lang="en-US" dirty="0" smtClean="0"/>
-              <a:t>-pages</a:t>
-            </a:r>
-          </a:p>
-          <a:p>
-            <a:pPr lvl="1"/>
-            <a:r>
-              <a:rPr lang="en-US" dirty="0" smtClean="0"/>
-              <a:t>(Team-&gt;Switch To-&gt;New Branch … </a:t>
+              <a:t>kinda</a:t>
+            </a:r>
+            <a:r>
+              <a:rPr lang="en-US" dirty="0" smtClean="0"/>
+              <a:t> neat?  Well, if you do, you’re only 5 steps away from having your own </a:t>
             </a:r>
             <a:r>
               <a:rPr lang="en-US" dirty="0" err="1" smtClean="0"/>
-              <a:t>gh</a:t>
-            </a:r>
-            <a:r>
-              <a:rPr lang="en-US" dirty="0" smtClean="0"/>
-              <a:t>-pages)</a:t>
-            </a:r>
-          </a:p>
-          <a:p>
-            <a:pPr marL="800100" lvl="1" indent="-342900">
-              <a:buFont typeface="Arial" pitchFamily="34" charset="0"/>
-              <a:buChar char="•"/>
-            </a:pPr>
-            <a:r>
-              <a:rPr lang="en-US" dirty="0" smtClean="0"/>
-              <a:t>Team-&gt;Merge-&gt;…master… (won’t need</a:t>
-            </a:r>
-          </a:p>
-          <a:p>
-            <a:pPr lvl="1"/>
-            <a:r>
-              <a:rPr lang="en-US" dirty="0" smtClean="0"/>
-              <a:t>It the first time </a:t>
-            </a:r>
-            <a:r>
-              <a:rPr lang="en-US" dirty="0" err="1" smtClean="0"/>
-              <a:t>tho</a:t>
-            </a:r>
-            <a:r>
-              <a:rPr lang="en-US" dirty="0" smtClean="0"/>
-              <a:t>)</a:t>
-            </a:r>
-          </a:p>
-          <a:p>
-            <a:pPr marL="800100" lvl="1" indent="-342900">
-              <a:buFont typeface="Arial" pitchFamily="34" charset="0"/>
-              <a:buChar char="•"/>
-            </a:pPr>
-            <a:r>
-              <a:rPr lang="en-US" dirty="0" smtClean="0"/>
-              <a:t>Team-&gt;Push to upstream</a:t>
-            </a:r>
-          </a:p>
-          <a:p>
-            <a:pPr marL="800100" lvl="1" indent="-342900">
-              <a:buFont typeface="Arial" pitchFamily="34" charset="0"/>
-              <a:buChar char="•"/>
-            </a:pPr>
-            <a:r>
-              <a:rPr lang="en-US" dirty="0" smtClean="0"/>
-              <a:t>Team-&gt;Switch To-&gt;master</a:t>
-            </a:r>
-          </a:p>
-          <a:p>
-            <a:pPr marL="342900" indent="-342900">
-              <a:buFont typeface="Arial" pitchFamily="34" charset="0"/>
-              <a:buChar char="•"/>
-            </a:pPr>
-            <a:r>
-              <a:rPr lang="en-US" dirty="0" smtClean="0"/>
-              <a:t>Wait a few minutes (get a coffee)</a:t>
-            </a:r>
-          </a:p>
-          <a:p>
-            <a:pPr marL="342900" indent="-342900">
-              <a:buFont typeface="Arial" pitchFamily="34" charset="0"/>
-              <a:buChar char="•"/>
-            </a:pPr>
-            <a:r>
-              <a:rPr lang="en-US" dirty="0" smtClean="0"/>
-              <a:t>From browser</a:t>
-            </a:r>
-            <a:r>
-              <a:rPr lang="en-US" dirty="0"/>
-              <a:t>: http://hchan.github.io/comp2613/showcase/comp2613-0.0.1-SNAPSHOT.html</a:t>
-            </a:r>
+              <a:t>Github</a:t>
+            </a:r>
+            <a:r>
+              <a:rPr lang="en-US" dirty="0" smtClean="0"/>
+              <a:t> page</a:t>
+            </a:r>
+            <a:endParaRPr lang="en-US" dirty="0"/>
           </a:p>
         </p:txBody>
       </p:sp>
     </p:spTree>
     <p:extLst>
       <p:ext uri="{BB962C8B-B14F-4D97-AF65-F5344CB8AC3E}">
-        <p14:creationId xmlns:p14="http://schemas.microsoft.com/office/powerpoint/2010/main" val="225854111"/>
+        <p14:creationId xmlns:p14="http://schemas.microsoft.com/office/powerpoint/2010/main" val="4243719274"/>
       </p:ext>
     </p:extLst>
   </p:cSld>
@@ -19378,8 +19383,12 @@
           <a:lstStyle/>
           <a:p>
             <a:r>
-              <a:rPr lang="en-US" dirty="0" smtClean="0"/>
-              <a:t>So what can go wrong? …</a:t>
+              <a:rPr lang="en-US" dirty="0" err="1" smtClean="0"/>
+              <a:t>GitHub</a:t>
+            </a:r>
+            <a:r>
+              <a:rPr lang="en-US" dirty="0" smtClean="0"/>
+              <a:t> Pages</a:t>
             </a:r>
             <a:endParaRPr lang="en-US" dirty="0"/>
           </a:p>
@@ -19422,8 +19431,8 @@
         </p:nvSpPr>
         <p:spPr>
           <a:xfrm>
-            <a:off x="1371600" y="2057400"/>
-            <a:ext cx="7050328" cy="3046988"/>
+            <a:off x="1143001" y="2133600"/>
+            <a:ext cx="7772400" cy="4524315"/>
           </a:xfrm>
           <a:prstGeom prst="rect">
             <a:avLst/>
@@ -19431,7 +19440,7 @@
           <a:noFill/>
         </p:spPr>
         <p:txBody>
-          <a:bodyPr wrap="none" rtlCol="0">
+          <a:bodyPr wrap="square" rtlCol="0">
             <a:spAutoFit/>
           </a:bodyPr>
           <a:lstStyle/>
@@ -19441,9 +19450,22 @@
               <a:buChar char="•"/>
             </a:pPr>
             <a:r>
-              <a:rPr lang="en-US" dirty="0" smtClean="0"/>
-              <a:t>Lots</a:t>
-            </a:r>
+              <a:rPr lang="en-US" dirty="0"/>
+              <a:t>Read: </a:t>
+            </a:r>
+            <a:r>
+              <a:rPr lang="en-US" dirty="0">
+                <a:hlinkClick r:id="rId2"/>
+              </a:rPr>
+              <a:t>https://pages.github.com</a:t>
+            </a:r>
+            <a:r>
+              <a:rPr lang="en-US" dirty="0" smtClean="0">
+                <a:hlinkClick r:id="rId2"/>
+              </a:rPr>
+              <a:t>/</a:t>
+            </a:r>
+            <a:endParaRPr lang="en-US" dirty="0" smtClean="0"/>
           </a:p>
           <a:p>
             <a:pPr marL="342900" indent="-342900">
@@ -19452,21 +19474,85 @@
             </a:pPr>
             <a:r>
               <a:rPr lang="en-US" dirty="0" smtClean="0"/>
-              <a:t>But above everything else, I *HATE* the</a:t>
-            </a:r>
-          </a:p>
-          <a:p>
-            <a:r>
-              <a:rPr lang="en-US" dirty="0" smtClean="0"/>
-              <a:t>Security sandbox that </a:t>
+              <a:t>The Eclipse way:</a:t>
+            </a:r>
+          </a:p>
+          <a:p>
+            <a:pPr marL="800100" lvl="1" indent="-342900">
+              <a:buFont typeface="Arial" pitchFamily="34" charset="0"/>
+              <a:buChar char="•"/>
+            </a:pPr>
+            <a:r>
+              <a:rPr lang="en-US" dirty="0" smtClean="0"/>
+              <a:t>Make a new Branch called </a:t>
             </a:r>
             <a:r>
               <a:rPr lang="en-US" dirty="0" err="1" smtClean="0"/>
-              <a:t>Webstart</a:t>
-            </a:r>
-            <a:r>
-              <a:rPr lang="en-US" dirty="0" smtClean="0"/>
-              <a:t> / Applets have</a:t>
+              <a:t>gh</a:t>
+            </a:r>
+            <a:r>
+              <a:rPr lang="en-US" dirty="0" smtClean="0"/>
+              <a:t>-pages</a:t>
+            </a:r>
+          </a:p>
+          <a:p>
+            <a:pPr lvl="1"/>
+            <a:r>
+              <a:rPr lang="en-US" dirty="0" smtClean="0"/>
+              <a:t>(Team-&gt;Switch To-&gt;New Branch … </a:t>
+            </a:r>
+            <a:r>
+              <a:rPr lang="en-US" dirty="0" err="1" smtClean="0"/>
+              <a:t>gh</a:t>
+            </a:r>
+            <a:r>
+              <a:rPr lang="en-US" dirty="0" smtClean="0"/>
+              <a:t>-pages)</a:t>
+            </a:r>
+          </a:p>
+          <a:p>
+            <a:pPr marL="800100" lvl="1" indent="-342900">
+              <a:buFont typeface="Arial" pitchFamily="34" charset="0"/>
+              <a:buChar char="•"/>
+            </a:pPr>
+            <a:r>
+              <a:rPr lang="en-US" dirty="0" smtClean="0"/>
+              <a:t>Team-&gt;Merge-&gt;…master… (won’t need</a:t>
+            </a:r>
+          </a:p>
+          <a:p>
+            <a:pPr lvl="1"/>
+            <a:r>
+              <a:rPr lang="en-US" dirty="0" smtClean="0"/>
+              <a:t>It the first time </a:t>
+            </a:r>
+            <a:r>
+              <a:rPr lang="en-US" dirty="0" err="1" smtClean="0"/>
+              <a:t>tho</a:t>
+            </a:r>
+            <a:r>
+              <a:rPr lang="en-US" dirty="0" smtClean="0"/>
+              <a:t>)</a:t>
+            </a:r>
+          </a:p>
+          <a:p>
+            <a:pPr marL="800100" lvl="1" indent="-342900">
+              <a:buFont typeface="Arial" pitchFamily="34" charset="0"/>
+              <a:buChar char="•"/>
+            </a:pPr>
+            <a:r>
+              <a:rPr lang="en-US" dirty="0" smtClean="0"/>
+              <a:t>Team-&gt;Push to upstream</a:t>
+            </a:r>
+          </a:p>
+          <a:p>
+            <a:pPr marL="800100" lvl="1" indent="-342900">
+              <a:buFont typeface="Arial" pitchFamily="34" charset="0"/>
+              <a:buChar char="•"/>
+            </a:pPr>
+            <a:r>
+              <a:rPr lang="en-US" dirty="0" smtClean="0"/>
+              <a:t>Team-&gt;Switch To-&gt;master</a:t>
             </a:r>
           </a:p>
           <a:p>
@@ -19476,53 +19562,29 @@
             </a:pPr>
             <a:r>
               <a:rPr lang="en-US" dirty="0" smtClean="0"/>
-              <a:t>Recap:</a:t>
-            </a:r>
-          </a:p>
-          <a:p>
-            <a:pPr marL="800100" lvl="1" indent="-342900">
+              <a:t>Wait a few minutes (get a coffee)</a:t>
+            </a:r>
+          </a:p>
+          <a:p>
+            <a:pPr marL="342900" indent="-342900">
               <a:buFont typeface="Arial" pitchFamily="34" charset="0"/>
               <a:buChar char="•"/>
             </a:pPr>
             <a:r>
               <a:rPr lang="en-US" dirty="0" smtClean="0"/>
-              <a:t>Lines of Java code I showed you in class</a:t>
-            </a:r>
-          </a:p>
-          <a:p>
-            <a:pPr lvl="1"/>
-            <a:r>
-              <a:rPr lang="en-US" dirty="0" smtClean="0"/>
-              <a:t>Today: 0</a:t>
-            </a:r>
-          </a:p>
-          <a:p>
-            <a:pPr marL="800100" lvl="1" indent="-342900">
-              <a:buFont typeface="Arial" pitchFamily="34" charset="0"/>
-              <a:buChar char="•"/>
-            </a:pPr>
-            <a:r>
-              <a:rPr lang="en-US" dirty="0" smtClean="0"/>
-              <a:t>Xml lines: quite a few (pom.xml)</a:t>
-            </a:r>
-          </a:p>
-          <a:p>
-            <a:pPr marL="800100" lvl="1" indent="-342900">
-              <a:buFont typeface="Arial" pitchFamily="34" charset="0"/>
-              <a:buChar char="•"/>
-            </a:pPr>
-            <a:r>
-              <a:rPr lang="en-US" dirty="0" smtClean="0"/>
-              <a:t>Html lines … well, take a look at (index.html)</a:t>
-            </a:r>
-            <a:endParaRPr lang="en-US" dirty="0"/>
+              <a:t>From browser</a:t>
+            </a:r>
+            <a:r>
+              <a:rPr lang="en-US" dirty="0"/>
+              <a:t>: http://hchan.github.io/comp2613/showcase/comp2613-0.0.1-SNAPSHOT.html</a:t>
+            </a:r>
           </a:p>
         </p:txBody>
       </p:sp>
     </p:spTree>
     <p:extLst>
       <p:ext uri="{BB962C8B-B14F-4D97-AF65-F5344CB8AC3E}">
-        <p14:creationId xmlns:p14="http://schemas.microsoft.com/office/powerpoint/2010/main" val="57500122"/>
+        <p14:creationId xmlns:p14="http://schemas.microsoft.com/office/powerpoint/2010/main" val="225854111"/>
       </p:ext>
     </p:extLst>
   </p:cSld>
@@ -19566,15 +19628,7 @@
           <a:p>
             <a:r>
               <a:rPr lang="en-US" dirty="0" smtClean="0"/>
-              <a:t>Surprised / confused with </a:t>
-            </a:r>
-            <a:r>
-              <a:rPr lang="en-US" dirty="0" err="1" smtClean="0"/>
-              <a:t>git</a:t>
-            </a:r>
-            <a:r>
-              <a:rPr lang="en-US" dirty="0" smtClean="0"/>
-              <a:t> branches?</a:t>
+              <a:t>So what can go wrong? …</a:t>
             </a:r>
             <a:endParaRPr lang="en-US" dirty="0"/>
           </a:p>
@@ -19617,8 +19671,8 @@
         </p:nvSpPr>
         <p:spPr>
           <a:xfrm>
-            <a:off x="685800" y="2474536"/>
-            <a:ext cx="8334333" cy="4154984"/>
+            <a:off x="1371600" y="2057400"/>
+            <a:ext cx="7050328" cy="3046988"/>
           </a:xfrm>
           <a:prstGeom prst="rect">
             <a:avLst/>
@@ -19637,33 +19691,7 @@
             </a:pPr>
             <a:r>
               <a:rPr lang="en-US" dirty="0" smtClean="0"/>
-              <a:t>For some (may most … all?), this may be</a:t>
-            </a:r>
-          </a:p>
-          <a:p>
-            <a:r>
-              <a:rPr lang="en-US" dirty="0" smtClean="0"/>
-              <a:t>The first time you are using Source Code Management</a:t>
-            </a:r>
-          </a:p>
-          <a:p>
-            <a:r>
-              <a:rPr lang="en-US" dirty="0" smtClean="0"/>
-              <a:t>And branches.  Google </a:t>
-            </a:r>
-            <a:r>
-              <a:rPr lang="en-US" dirty="0" err="1" smtClean="0"/>
-              <a:t>git</a:t>
-            </a:r>
-            <a:r>
-              <a:rPr lang="en-US" dirty="0" smtClean="0"/>
-              <a:t> branches it if you want </a:t>
-            </a:r>
-          </a:p>
-          <a:p>
-            <a:r>
-              <a:rPr lang="en-US" dirty="0" smtClean="0"/>
-              <a:t>… its pretty cool.</a:t>
+              <a:t>Lots</a:t>
             </a:r>
           </a:p>
           <a:p>
@@ -19673,33 +19701,21 @@
             </a:pPr>
             <a:r>
               <a:rPr lang="en-US" dirty="0" smtClean="0"/>
-              <a:t>Be patient … if anything, this is a skill (SCM/branches)</a:t>
-            </a:r>
-          </a:p>
-          <a:p>
-            <a:r>
-              <a:rPr lang="en-US" dirty="0" smtClean="0"/>
-              <a:t>that can and will be used by large </a:t>
-            </a:r>
-            <a:r>
-              <a:rPr lang="en-US" smtClean="0"/>
-              <a:t>and small </a:t>
-            </a:r>
-            <a:r>
-              <a:rPr lang="en-US" dirty="0" smtClean="0"/>
-              <a:t>organizations.  </a:t>
-            </a:r>
-          </a:p>
-          <a:p>
-            <a:r>
-              <a:rPr lang="en-US" dirty="0" smtClean="0"/>
-              <a:t>Learn it well.</a:t>
-            </a:r>
-          </a:p>
-          <a:p>
-            <a:r>
-              <a:rPr lang="en-US" dirty="0" smtClean="0"/>
-              <a:t>Other SCMs include Mercurial, Subversion, Perforce</a:t>
+              <a:t>But above everything else, I *HATE* the</a:t>
+            </a:r>
+          </a:p>
+          <a:p>
+            <a:r>
+              <a:rPr lang="en-US" dirty="0" smtClean="0"/>
+              <a:t>Security sandbox that </a:t>
+            </a:r>
+            <a:r>
+              <a:rPr lang="en-US" dirty="0" err="1" smtClean="0"/>
+              <a:t>Webstart</a:t>
+            </a:r>
+            <a:r>
+              <a:rPr lang="en-US" dirty="0" smtClean="0"/>
+              <a:t> / Applets have</a:t>
             </a:r>
           </a:p>
           <a:p>
@@ -19708,36 +19724,45 @@
               <a:buChar char="•"/>
             </a:pPr>
             <a:r>
-              <a:rPr lang="en-US" dirty="0" err="1" smtClean="0"/>
-              <a:t>Github’s</a:t>
-            </a:r>
-            <a:r>
-              <a:rPr lang="en-US" dirty="0" smtClean="0"/>
-              <a:t> special branch of </a:t>
-            </a:r>
-            <a:r>
-              <a:rPr lang="en-US" dirty="0" err="1" smtClean="0"/>
-              <a:t>gh</a:t>
-            </a:r>
-            <a:r>
-              <a:rPr lang="en-US" dirty="0" smtClean="0"/>
-              <a:t>-pages, just gave you</a:t>
-            </a:r>
-          </a:p>
-          <a:p>
-            <a:r>
-              <a:rPr lang="en-US" dirty="0" smtClean="0"/>
-              <a:t>The bonus of a web project page ;)</a:t>
-            </a:r>
-          </a:p>
-          <a:p>
-            <a:pPr marL="342900" indent="-342900">
+              <a:rPr lang="en-US" dirty="0" smtClean="0"/>
+              <a:t>Recap:</a:t>
+            </a:r>
+          </a:p>
+          <a:p>
+            <a:pPr marL="800100" lvl="1" indent="-342900">
               <a:buFont typeface="Arial" pitchFamily="34" charset="0"/>
               <a:buChar char="•"/>
             </a:pPr>
             <a:r>
               <a:rPr lang="en-US" dirty="0" smtClean="0"/>
-              <a:t>Open-source FTW (For The Win)!</a:t>
+              <a:t>Lines of Java code I showed you in class</a:t>
+            </a:r>
+          </a:p>
+          <a:p>
+            <a:pPr lvl="1"/>
+            <a:r>
+              <a:rPr lang="en-US" dirty="0" smtClean="0"/>
+              <a:t>Today: 0</a:t>
+            </a:r>
+          </a:p>
+          <a:p>
+            <a:pPr marL="800100" lvl="1" indent="-342900">
+              <a:buFont typeface="Arial" pitchFamily="34" charset="0"/>
+              <a:buChar char="•"/>
+            </a:pPr>
+            <a:r>
+              <a:rPr lang="en-US" dirty="0" smtClean="0"/>
+              <a:t>Xml lines: quite a few (pom.xml)</a:t>
+            </a:r>
+          </a:p>
+          <a:p>
+            <a:pPr marL="800100" lvl="1" indent="-342900">
+              <a:buFont typeface="Arial" pitchFamily="34" charset="0"/>
+              <a:buChar char="•"/>
+            </a:pPr>
+            <a:r>
+              <a:rPr lang="en-US" dirty="0" smtClean="0"/>
+              <a:t>Html lines … well, take a look at (index.html)</a:t>
             </a:r>
             <a:endParaRPr lang="en-US" dirty="0"/>
           </a:p>
@@ -19746,7 +19771,7 @@
     </p:spTree>
     <p:extLst>
       <p:ext uri="{BB962C8B-B14F-4D97-AF65-F5344CB8AC3E}">
-        <p14:creationId xmlns:p14="http://schemas.microsoft.com/office/powerpoint/2010/main" val="3312461178"/>
+        <p14:creationId xmlns:p14="http://schemas.microsoft.com/office/powerpoint/2010/main" val="57500122"/>
       </p:ext>
     </p:extLst>
   </p:cSld>
@@ -19790,7 +19815,15 @@
           <a:p>
             <a:r>
               <a:rPr lang="en-US" dirty="0" smtClean="0"/>
-              <a:t>Food for thought…</a:t>
+              <a:t>Surprised / confused with </a:t>
+            </a:r>
+            <a:r>
+              <a:rPr lang="en-US" dirty="0" err="1" smtClean="0"/>
+              <a:t>git</a:t>
+            </a:r>
+            <a:r>
+              <a:rPr lang="en-US" dirty="0" smtClean="0"/>
+              <a:t> branches?</a:t>
             </a:r>
             <a:endParaRPr lang="en-US" dirty="0"/>
           </a:p>
@@ -19833,8 +19866,8 @@
         </p:nvSpPr>
         <p:spPr>
           <a:xfrm>
-            <a:off x="1371600" y="1828800"/>
-            <a:ext cx="4831772" cy="1938992"/>
+            <a:off x="685800" y="2474536"/>
+            <a:ext cx="8334333" cy="4154984"/>
           </a:xfrm>
           <a:prstGeom prst="rect">
             <a:avLst/>
@@ -19853,7 +19886,33 @@
             </a:pPr>
             <a:r>
               <a:rPr lang="en-US" dirty="0" smtClean="0"/>
-              <a:t>Maybe after this course …</a:t>
+              <a:t>For some (may most … all?), this may be</a:t>
+            </a:r>
+          </a:p>
+          <a:p>
+            <a:r>
+              <a:rPr lang="en-US" dirty="0" smtClean="0"/>
+              <a:t>The first time you are using Source Code Management</a:t>
+            </a:r>
+          </a:p>
+          <a:p>
+            <a:r>
+              <a:rPr lang="en-US" dirty="0" smtClean="0"/>
+              <a:t>And branches.  Google </a:t>
+            </a:r>
+            <a:r>
+              <a:rPr lang="en-US" dirty="0" err="1" smtClean="0"/>
+              <a:t>git</a:t>
+            </a:r>
+            <a:r>
+              <a:rPr lang="en-US" dirty="0" smtClean="0"/>
+              <a:t> branches it if you want </a:t>
+            </a:r>
+          </a:p>
+          <a:p>
+            <a:r>
+              <a:rPr lang="en-US" dirty="0" smtClean="0"/>
+              <a:t>… its pretty cool.</a:t>
             </a:r>
           </a:p>
           <a:p>
@@ -19863,7 +19922,25 @@
             </a:pPr>
             <a:r>
               <a:rPr lang="en-US" dirty="0" smtClean="0"/>
-              <a:t>I REALLY hate Java…</a:t>
+              <a:t>Be patient … if anything, this is a skill (SCM/branches)</a:t>
+            </a:r>
+          </a:p>
+          <a:p>
+            <a:r>
+              <a:rPr lang="en-US" dirty="0" smtClean="0"/>
+              <a:t>that can and will be used by large and small organizations.  </a:t>
+            </a:r>
+          </a:p>
+          <a:p>
+            <a:r>
+              <a:rPr lang="en-US" dirty="0" smtClean="0"/>
+              <a:t>Learn it well.</a:t>
+            </a:r>
+          </a:p>
+          <a:p>
+            <a:r>
+              <a:rPr lang="en-US" dirty="0" smtClean="0"/>
+              <a:t>Other SCMs include Mercurial, Subversion, Perforce</a:t>
             </a:r>
           </a:p>
           <a:p>
@@ -19872,8 +19949,26 @@
               <a:buChar char="•"/>
             </a:pPr>
             <a:r>
-              <a:rPr lang="en-US" dirty="0" smtClean="0"/>
-              <a:t>Or I REALLY love it</a:t>
+              <a:rPr lang="en-US" dirty="0" err="1" smtClean="0"/>
+              <a:t>Github’s</a:t>
+            </a:r>
+            <a:r>
+              <a:rPr lang="en-US" dirty="0" smtClean="0"/>
+              <a:t> special branch of </a:t>
+            </a:r>
+            <a:r>
+              <a:rPr lang="en-US" dirty="0" err="1" smtClean="0"/>
+              <a:t>gh</a:t>
+            </a:r>
+            <a:r>
+              <a:rPr lang="en-US" dirty="0" smtClean="0"/>
+              <a:t>-pages, just gave you</a:t>
+            </a:r>
+          </a:p>
+          <a:p>
+            <a:r>
+              <a:rPr lang="en-US" dirty="0" smtClean="0"/>
+              <a:t>The bonus of a web project page ;)</a:t>
             </a:r>
           </a:p>
           <a:p>
@@ -19883,17 +19978,7 @@
             </a:pPr>
             <a:r>
               <a:rPr lang="en-US" dirty="0" smtClean="0"/>
-              <a:t>But was that all you learned?</a:t>
-            </a:r>
-          </a:p>
-          <a:p>
-            <a:pPr marL="342900" indent="-342900">
-              <a:buFont typeface="Arial" pitchFamily="34" charset="0"/>
-              <a:buChar char="•"/>
-            </a:pPr>
-            <a:r>
-              <a:rPr lang="en-US" dirty="0" smtClean="0"/>
-              <a:t>I had a hidden agenda all along</a:t>
+              <a:t>Open-source FTW (For The Win)!</a:t>
             </a:r>
             <a:endParaRPr lang="en-US" dirty="0"/>
           </a:p>
@@ -19902,7 +19987,7 @@
     </p:spTree>
     <p:extLst>
       <p:ext uri="{BB962C8B-B14F-4D97-AF65-F5344CB8AC3E}">
-        <p14:creationId xmlns:p14="http://schemas.microsoft.com/office/powerpoint/2010/main" val="568372925"/>
+        <p14:creationId xmlns:p14="http://schemas.microsoft.com/office/powerpoint/2010/main" val="3312461178"/>
       </p:ext>
     </p:extLst>
   </p:cSld>
@@ -19946,7 +20031,7 @@
           <a:p>
             <a:r>
               <a:rPr lang="en-US" dirty="0" smtClean="0"/>
-              <a:t>Well, what else did we learn?</a:t>
+              <a:t>Homework</a:t>
             </a:r>
             <a:endParaRPr lang="en-US" dirty="0"/>
           </a:p>
@@ -19989,8 +20074,8 @@
         </p:nvSpPr>
         <p:spPr>
           <a:xfrm>
-            <a:off x="1447800" y="1905000"/>
-            <a:ext cx="7124066" cy="1938992"/>
+            <a:off x="1066800" y="2133600"/>
+            <a:ext cx="5962723" cy="461665"/>
           </a:xfrm>
           <a:prstGeom prst="rect">
             <a:avLst/>
@@ -20003,58 +20088,17 @@
           </a:bodyPr>
           <a:lstStyle/>
           <a:p>
-            <a:pPr marL="342900" indent="-342900">
-              <a:buFont typeface="Arial" pitchFamily="34" charset="0"/>
-              <a:buChar char="•"/>
-            </a:pPr>
-            <a:r>
-              <a:rPr lang="en-US" dirty="0" smtClean="0"/>
-              <a:t>Maven – although Maven is specific</a:t>
-            </a:r>
-          </a:p>
-          <a:p>
-            <a:pPr marL="342900" indent="-342900">
-              <a:buFont typeface="Arial" pitchFamily="34" charset="0"/>
-              <a:buChar char="•"/>
-            </a:pPr>
-            <a:r>
-              <a:rPr lang="en-US" dirty="0" smtClean="0"/>
-              <a:t>To java, the concept is universal.  Have</a:t>
-            </a:r>
-          </a:p>
-          <a:p>
-            <a:pPr marL="342900" indent="-342900">
-              <a:buFont typeface="Arial" pitchFamily="34" charset="0"/>
-              <a:buChar char="•"/>
-            </a:pPr>
-            <a:r>
-              <a:rPr lang="en-US" dirty="0" smtClean="0"/>
-              <a:t>A repository of libraries somewhere and</a:t>
-            </a:r>
-          </a:p>
-          <a:p>
-            <a:pPr marL="342900" indent="-342900">
-              <a:buFont typeface="Arial" pitchFamily="34" charset="0"/>
-              <a:buChar char="•"/>
-            </a:pPr>
-            <a:r>
-              <a:rPr lang="en-US" dirty="0" smtClean="0"/>
-              <a:t>Let a tool download them with their </a:t>
+            <a:r>
+              <a:rPr lang="en-US" dirty="0" smtClean="0"/>
+              <a:t>Read up on </a:t>
             </a:r>
             <a:r>
               <a:rPr lang="en-US" dirty="0" err="1" smtClean="0"/>
-              <a:t>dependecies</a:t>
-            </a:r>
-            <a:endParaRPr lang="en-US" dirty="0" smtClean="0"/>
-          </a:p>
-          <a:p>
-            <a:pPr marL="342900" indent="-342900">
-              <a:buFont typeface="Arial" pitchFamily="34" charset="0"/>
-              <a:buChar char="•"/>
-            </a:pPr>
-            <a:r>
-              <a:rPr lang="en-US" dirty="0" smtClean="0"/>
-              <a:t>And help you build artifacts</a:t>
+              <a:t>Github</a:t>
+            </a:r>
+            <a:r>
+              <a:rPr lang="en-US" dirty="0" smtClean="0"/>
+              <a:t>/Maven/Java Web Start</a:t>
             </a:r>
             <a:endParaRPr lang="en-US" dirty="0"/>
           </a:p>
@@ -20063,7 +20107,7 @@
     </p:spTree>
     <p:extLst>
       <p:ext uri="{BB962C8B-B14F-4D97-AF65-F5344CB8AC3E}">
-        <p14:creationId xmlns:p14="http://schemas.microsoft.com/office/powerpoint/2010/main" val="3404509170"/>
+        <p14:creationId xmlns:p14="http://schemas.microsoft.com/office/powerpoint/2010/main" val="567677391"/>
       </p:ext>
     </p:extLst>
   </p:cSld>
@@ -20106,16 +20150,8 @@
           <a:lstStyle/>
           <a:p>
             <a:r>
-              <a:rPr lang="en-US" dirty="0" err="1" smtClean="0"/>
-              <a:t>Git</a:t>
-            </a:r>
-            <a:r>
-              <a:rPr lang="en-US" dirty="0" smtClean="0"/>
-              <a:t>, </a:t>
-            </a:r>
-            <a:r>
-              <a:rPr lang="en-US" dirty="0" err="1" smtClean="0"/>
-              <a:t>Github</a:t>
+              <a:rPr lang="en-US" dirty="0" smtClean="0"/>
+              <a:t>Food for thought…</a:t>
             </a:r>
             <a:endParaRPr lang="en-US" dirty="0"/>
           </a:p>
@@ -20158,8 +20194,8 @@
         </p:nvSpPr>
         <p:spPr>
           <a:xfrm>
-            <a:off x="1143000" y="2209800"/>
-            <a:ext cx="7837402" cy="4154984"/>
+            <a:off x="1371600" y="1828800"/>
+            <a:ext cx="4831772" cy="1938992"/>
           </a:xfrm>
           <a:prstGeom prst="rect">
             <a:avLst/>
@@ -20178,41 +20214,7 @@
             </a:pPr>
             <a:r>
               <a:rPr lang="en-US" dirty="0" smtClean="0"/>
-              <a:t>I strongly recommend you use </a:t>
-            </a:r>
-            <a:r>
-              <a:rPr lang="en-US" dirty="0" err="1" smtClean="0"/>
-              <a:t>Git</a:t>
-            </a:r>
-            <a:r>
-              <a:rPr lang="en-US" dirty="0" smtClean="0"/>
-              <a:t> for your</a:t>
-            </a:r>
-          </a:p>
-          <a:p>
-            <a:r>
-              <a:rPr lang="en-US" dirty="0" smtClean="0"/>
-              <a:t>Other courses or personal projects or work.  Revision</a:t>
-            </a:r>
-          </a:p>
-          <a:p>
-            <a:r>
-              <a:rPr lang="en-US" dirty="0"/>
-              <a:t>m</a:t>
-            </a:r>
-            <a:r>
-              <a:rPr lang="en-US" dirty="0" smtClean="0"/>
-              <a:t>anagement is crucial in software engineering.  Without</a:t>
-            </a:r>
-          </a:p>
-          <a:p>
-            <a:r>
-              <a:rPr lang="en-US" dirty="0" err="1" smtClean="0"/>
-              <a:t>Git</a:t>
-            </a:r>
-            <a:r>
-              <a:rPr lang="en-US" dirty="0" smtClean="0"/>
-              <a:t>, how else would you go back to a previous revision</a:t>
+              <a:t>Maybe after this course …</a:t>
             </a:r>
           </a:p>
           <a:p>
@@ -20221,76 +20223,47 @@
               <a:buChar char="•"/>
             </a:pPr>
             <a:r>
-              <a:rPr lang="en-US" dirty="0" err="1" smtClean="0"/>
-              <a:t>GitHub</a:t>
-            </a:r>
-            <a:r>
-              <a:rPr lang="en-US" dirty="0" smtClean="0"/>
-              <a:t> and </a:t>
-            </a:r>
-            <a:r>
-              <a:rPr lang="en-US" dirty="0" err="1" smtClean="0"/>
-              <a:t>GitHub</a:t>
-            </a:r>
-            <a:r>
-              <a:rPr lang="en-US" dirty="0" smtClean="0"/>
-              <a:t> pages ties you into the open</a:t>
-            </a:r>
-          </a:p>
-          <a:p>
-            <a:r>
-              <a:rPr lang="en-US" dirty="0" smtClean="0"/>
-              <a:t>Source community.  Open source is good.  You now</a:t>
-            </a:r>
-          </a:p>
-          <a:p>
-            <a:r>
-              <a:rPr lang="en-US" dirty="0" smtClean="0"/>
-              <a:t>Have an open source project on </a:t>
-            </a:r>
-            <a:r>
-              <a:rPr lang="en-US" dirty="0" err="1" smtClean="0"/>
-              <a:t>GitHub</a:t>
-            </a:r>
-            <a:r>
-              <a:rPr lang="en-US" dirty="0" smtClean="0"/>
-              <a:t>.  Congrats.</a:t>
-            </a:r>
-          </a:p>
-          <a:p>
-            <a:r>
-              <a:rPr lang="en-US" dirty="0" smtClean="0"/>
-              <a:t>If you never created a homepage before, well, use</a:t>
-            </a:r>
-          </a:p>
-          <a:p>
-            <a:r>
-              <a:rPr lang="en-US" dirty="0" err="1" smtClean="0"/>
-              <a:t>GitHub</a:t>
-            </a:r>
-            <a:r>
-              <a:rPr lang="en-US" dirty="0" smtClean="0"/>
-              <a:t> pages.  Great for letting employers see your</a:t>
-            </a:r>
-          </a:p>
-          <a:p>
-            <a:r>
-              <a:rPr lang="en-US" dirty="0" smtClean="0"/>
-              <a:t>Project and let them see your coding style too!  Again,</a:t>
-            </a:r>
-          </a:p>
-          <a:p>
-            <a:r>
-              <a:rPr lang="en-US" dirty="0" smtClean="0"/>
-              <a:t>NOT java specific.</a:t>
-            </a:r>
+              <a:rPr lang="en-US" dirty="0" smtClean="0"/>
+              <a:t>I REALLY hate Java…</a:t>
+            </a:r>
+          </a:p>
+          <a:p>
+            <a:pPr marL="342900" indent="-342900">
+              <a:buFont typeface="Arial" pitchFamily="34" charset="0"/>
+              <a:buChar char="•"/>
+            </a:pPr>
+            <a:r>
+              <a:rPr lang="en-US" dirty="0" smtClean="0"/>
+              <a:t>Or I REALLY love it</a:t>
+            </a:r>
+          </a:p>
+          <a:p>
+            <a:pPr marL="342900" indent="-342900">
+              <a:buFont typeface="Arial" pitchFamily="34" charset="0"/>
+              <a:buChar char="•"/>
+            </a:pPr>
+            <a:r>
+              <a:rPr lang="en-US" dirty="0" smtClean="0"/>
+              <a:t>But was that all you learned?</a:t>
+            </a:r>
+          </a:p>
+          <a:p>
+            <a:pPr marL="342900" indent="-342900">
+              <a:buFont typeface="Arial" pitchFamily="34" charset="0"/>
+              <a:buChar char="•"/>
+            </a:pPr>
+            <a:r>
+              <a:rPr lang="en-US" dirty="0" smtClean="0"/>
+              <a:t>I had a hidden agenda all along</a:t>
+            </a:r>
+            <a:endParaRPr lang="en-US" dirty="0"/>
           </a:p>
         </p:txBody>
       </p:sp>
     </p:spTree>
     <p:extLst>
       <p:ext uri="{BB962C8B-B14F-4D97-AF65-F5344CB8AC3E}">
-        <p14:creationId xmlns:p14="http://schemas.microsoft.com/office/powerpoint/2010/main" val="3442297372"/>
+        <p14:creationId xmlns:p14="http://schemas.microsoft.com/office/powerpoint/2010/main" val="568372925"/>
       </p:ext>
     </p:extLst>
   </p:cSld>
@@ -20334,7 +20307,7 @@
           <a:p>
             <a:r>
               <a:rPr lang="en-US" dirty="0" smtClean="0"/>
-              <a:t>MVC</a:t>
+              <a:t>Well, what else did we learn?</a:t>
             </a:r>
             <a:endParaRPr lang="en-US" dirty="0"/>
           </a:p>
@@ -20377,8 +20350,8 @@
         </p:nvSpPr>
         <p:spPr>
           <a:xfrm>
-            <a:off x="1371600" y="2286000"/>
-            <a:ext cx="7117333" cy="1569660"/>
+            <a:off x="1447800" y="1905000"/>
+            <a:ext cx="7124066" cy="1938992"/>
           </a:xfrm>
           <a:prstGeom prst="rect">
             <a:avLst/>
@@ -20397,7 +20370,7 @@
             </a:pPr>
             <a:r>
               <a:rPr lang="en-US" dirty="0" smtClean="0"/>
-              <a:t>Hopefully, you learned a few design patterns</a:t>
+              <a:t>Maven – although Maven is specific</a:t>
             </a:r>
           </a:p>
           <a:p>
@@ -20407,7 +20380,7 @@
             </a:pPr>
             <a:r>
               <a:rPr lang="en-US" dirty="0" smtClean="0"/>
-              <a:t>Like MVC.  In later courses, you’ll learn MVP,</a:t>
+              <a:t>To java, the concept is universal.  Have</a:t>
             </a:r>
           </a:p>
           <a:p>
@@ -20417,7 +20390,7 @@
             </a:pPr>
             <a:r>
               <a:rPr lang="en-US" dirty="0" smtClean="0"/>
-              <a:t>MVVM, and MVW.   Again design patterns aren’t</a:t>
+              <a:t>A repository of libraries somewhere and</a:t>
             </a:r>
           </a:p>
           <a:p>
@@ -20427,7 +20400,22 @@
             </a:pPr>
             <a:r>
               <a:rPr lang="en-US" dirty="0" smtClean="0"/>
-              <a:t>Specific to Java</a:t>
+              <a:t>Let a tool download them with their </a:t>
+            </a:r>
+            <a:r>
+              <a:rPr lang="en-US" dirty="0" err="1" smtClean="0"/>
+              <a:t>dependecies</a:t>
+            </a:r>
+            <a:endParaRPr lang="en-US" dirty="0" smtClean="0"/>
+          </a:p>
+          <a:p>
+            <a:pPr marL="342900" indent="-342900">
+              <a:buFont typeface="Arial" pitchFamily="34" charset="0"/>
+              <a:buChar char="•"/>
+            </a:pPr>
+            <a:r>
+              <a:rPr lang="en-US" dirty="0" smtClean="0"/>
+              <a:t>And help you build artifacts</a:t>
             </a:r>
             <a:endParaRPr lang="en-US" dirty="0"/>
           </a:p>
@@ -20436,7 +20424,7 @@
     </p:spTree>
     <p:extLst>
       <p:ext uri="{BB962C8B-B14F-4D97-AF65-F5344CB8AC3E}">
-        <p14:creationId xmlns:p14="http://schemas.microsoft.com/office/powerpoint/2010/main" val="1883758025"/>
+        <p14:creationId xmlns:p14="http://schemas.microsoft.com/office/powerpoint/2010/main" val="3404509170"/>
       </p:ext>
     </p:extLst>
   </p:cSld>
@@ -20868,8 +20856,16 @@
           <a:lstStyle/>
           <a:p>
             <a:r>
-              <a:rPr lang="en-US" dirty="0" smtClean="0"/>
-              <a:t>And most of all …</a:t>
+              <a:rPr lang="en-US" dirty="0" err="1" smtClean="0"/>
+              <a:t>Git</a:t>
+            </a:r>
+            <a:r>
+              <a:rPr lang="en-US" dirty="0" smtClean="0"/>
+              <a:t>, </a:t>
+            </a:r>
+            <a:r>
+              <a:rPr lang="en-US" dirty="0" err="1" smtClean="0"/>
+              <a:t>Github</a:t>
             </a:r>
             <a:endParaRPr lang="en-US" dirty="0"/>
           </a:p>
@@ -20912,8 +20908,8 @@
         </p:nvSpPr>
         <p:spPr>
           <a:xfrm>
-            <a:off x="1447800" y="2057400"/>
-            <a:ext cx="7111242" cy="3416320"/>
+            <a:off x="1143000" y="2209800"/>
+            <a:ext cx="7837402" cy="4154984"/>
           </a:xfrm>
           <a:prstGeom prst="rect">
             <a:avLst/>
@@ -20932,67 +20928,111 @@
             </a:pPr>
             <a:r>
               <a:rPr lang="en-US" dirty="0" smtClean="0"/>
-              <a:t>Software engineering and banging your</a:t>
+              <a:t>I strongly recommend you use </a:t>
+            </a:r>
+            <a:r>
+              <a:rPr lang="en-US" dirty="0" err="1" smtClean="0"/>
+              <a:t>Git</a:t>
+            </a:r>
+            <a:r>
+              <a:rPr lang="en-US" dirty="0" smtClean="0"/>
+              <a:t> for your</a:t>
+            </a:r>
+          </a:p>
+          <a:p>
+            <a:r>
+              <a:rPr lang="en-US" dirty="0" smtClean="0"/>
+              <a:t>Other courses or personal projects or work.  Revision</a:t>
             </a:r>
           </a:p>
           <a:p>
             <a:r>
               <a:rPr lang="en-US" dirty="0"/>
-              <a:t>h</a:t>
-            </a:r>
-            <a:r>
-              <a:rPr lang="en-US" dirty="0" smtClean="0"/>
-              <a:t>ead against your keyboard.  This was a</a:t>
-            </a:r>
-          </a:p>
-          <a:p>
-            <a:r>
-              <a:rPr lang="en-US" dirty="0"/>
-              <a:t>p</a:t>
-            </a:r>
-            <a:r>
-              <a:rPr lang="en-US" dirty="0" smtClean="0"/>
-              <a:t>ut as much or as little as you want in this</a:t>
-            </a:r>
-          </a:p>
-          <a:p>
-            <a:r>
-              <a:rPr lang="en-US" dirty="0" smtClean="0"/>
-              <a:t>Course.  The project was yours from Day1.</a:t>
-            </a:r>
-          </a:p>
-          <a:p>
-            <a:r>
-              <a:rPr lang="en-US" dirty="0" smtClean="0"/>
-              <a:t>I personally grew quite attached to my first</a:t>
-            </a:r>
-          </a:p>
-          <a:p>
-            <a:r>
-              <a:rPr lang="en-US" dirty="0" smtClean="0"/>
-              <a:t>Software engineering project.  For me it was</a:t>
-            </a:r>
-          </a:p>
-          <a:p>
-            <a:r>
-              <a:rPr lang="en-US" dirty="0" smtClean="0"/>
-              <a:t>Fun.  I programmed it in C.  I don’t use C anymore,</a:t>
-            </a:r>
-          </a:p>
-          <a:p>
-            <a:r>
-              <a:rPr lang="en-US" dirty="0" smtClean="0"/>
-              <a:t>But it was the build your own, manage your own</a:t>
-            </a:r>
-          </a:p>
-          <a:p>
-            <a:r>
-              <a:rPr lang="en-US" dirty="0"/>
-              <a:t>a</a:t>
-            </a:r>
-            <a:r>
-              <a:rPr lang="en-US" dirty="0" smtClean="0"/>
-              <a:t>spect that still keeps me motivated in this field.</a:t>
+              <a:t>m</a:t>
+            </a:r>
+            <a:r>
+              <a:rPr lang="en-US" dirty="0" smtClean="0"/>
+              <a:t>anagement is crucial in software engineering.  Without</a:t>
+            </a:r>
+          </a:p>
+          <a:p>
+            <a:r>
+              <a:rPr lang="en-US" dirty="0" err="1" smtClean="0"/>
+              <a:t>Git</a:t>
+            </a:r>
+            <a:r>
+              <a:rPr lang="en-US" dirty="0" smtClean="0"/>
+              <a:t>, how else would you go back to a previous revision</a:t>
+            </a:r>
+          </a:p>
+          <a:p>
+            <a:pPr marL="342900" indent="-342900">
+              <a:buFont typeface="Arial" pitchFamily="34" charset="0"/>
+              <a:buChar char="•"/>
+            </a:pPr>
+            <a:r>
+              <a:rPr lang="en-US" dirty="0" err="1" smtClean="0"/>
+              <a:t>GitHub</a:t>
+            </a:r>
+            <a:r>
+              <a:rPr lang="en-US" dirty="0" smtClean="0"/>
+              <a:t> and </a:t>
+            </a:r>
+            <a:r>
+              <a:rPr lang="en-US" dirty="0" err="1" smtClean="0"/>
+              <a:t>GitHub</a:t>
+            </a:r>
+            <a:r>
+              <a:rPr lang="en-US" dirty="0" smtClean="0"/>
+              <a:t> pages ties you into the open</a:t>
+            </a:r>
+          </a:p>
+          <a:p>
+            <a:r>
+              <a:rPr lang="en-US" dirty="0" smtClean="0"/>
+              <a:t>Source community.  Open source is good.  You now</a:t>
+            </a:r>
+          </a:p>
+          <a:p>
+            <a:r>
+              <a:rPr lang="en-US" dirty="0" smtClean="0"/>
+              <a:t>Have an open source project on </a:t>
+            </a:r>
+            <a:r>
+              <a:rPr lang="en-US" dirty="0" err="1" smtClean="0"/>
+              <a:t>GitHub</a:t>
+            </a:r>
+            <a:r>
+              <a:rPr lang="en-US" dirty="0" smtClean="0"/>
+              <a:t>.  Congrats.</a:t>
+            </a:r>
+          </a:p>
+          <a:p>
+            <a:r>
+              <a:rPr lang="en-US" dirty="0" smtClean="0"/>
+              <a:t>If you never created a homepage before, well, use</a:t>
+            </a:r>
+          </a:p>
+          <a:p>
+            <a:r>
+              <a:rPr lang="en-US" dirty="0" err="1" smtClean="0"/>
+              <a:t>GitHub</a:t>
+            </a:r>
+            <a:r>
+              <a:rPr lang="en-US" dirty="0" smtClean="0"/>
+              <a:t> pages.  Great for letting employers see your</a:t>
+            </a:r>
+          </a:p>
+          <a:p>
+            <a:r>
+              <a:rPr lang="en-US" dirty="0" smtClean="0"/>
+              <a:t>Project and let them see your coding style too!  Again,</a:t>
+            </a:r>
+          </a:p>
+          <a:p>
+            <a:r>
+              <a:rPr lang="en-US" dirty="0" smtClean="0"/>
+              <a:t>NOT java specific.</a:t>
             </a:r>
           </a:p>
         </p:txBody>
@@ -21000,7 +21040,7 @@
     </p:spTree>
     <p:extLst>
       <p:ext uri="{BB962C8B-B14F-4D97-AF65-F5344CB8AC3E}">
-        <p14:creationId xmlns:p14="http://schemas.microsoft.com/office/powerpoint/2010/main" val="1560099199"/>
+        <p14:creationId xmlns:p14="http://schemas.microsoft.com/office/powerpoint/2010/main" val="3442297372"/>
       </p:ext>
     </p:extLst>
   </p:cSld>
@@ -21044,7 +21084,7 @@
           <a:p>
             <a:r>
               <a:rPr lang="en-US" dirty="0" smtClean="0"/>
-              <a:t>Thank-you + Optional Homework</a:t>
+              <a:t>MVC</a:t>
             </a:r>
             <a:endParaRPr lang="en-US" dirty="0"/>
           </a:p>
@@ -21074,6 +21114,327 @@
                 <a:defRPr/>
               </a:pPr>
               <a:t>81</a:t>
+            </a:fld>
+            <a:endParaRPr lang="en-CA"/>
+          </a:p>
+        </p:txBody>
+      </p:sp>
+      <p:sp>
+        <p:nvSpPr>
+          <p:cNvPr id="4" name="TextBox 3"/>
+          <p:cNvSpPr txBox="1"/>
+          <p:nvPr/>
+        </p:nvSpPr>
+        <p:spPr>
+          <a:xfrm>
+            <a:off x="1371600" y="2286000"/>
+            <a:ext cx="7117333" cy="1569660"/>
+          </a:xfrm>
+          <a:prstGeom prst="rect">
+            <a:avLst/>
+          </a:prstGeom>
+          <a:noFill/>
+        </p:spPr>
+        <p:txBody>
+          <a:bodyPr wrap="none" rtlCol="0">
+            <a:spAutoFit/>
+          </a:bodyPr>
+          <a:lstStyle/>
+          <a:p>
+            <a:pPr marL="342900" indent="-342900">
+              <a:buFont typeface="Arial" pitchFamily="34" charset="0"/>
+              <a:buChar char="•"/>
+            </a:pPr>
+            <a:r>
+              <a:rPr lang="en-US" dirty="0" smtClean="0"/>
+              <a:t>Hopefully, you learned a few design patterns</a:t>
+            </a:r>
+          </a:p>
+          <a:p>
+            <a:pPr marL="342900" indent="-342900">
+              <a:buFont typeface="Arial" pitchFamily="34" charset="0"/>
+              <a:buChar char="•"/>
+            </a:pPr>
+            <a:r>
+              <a:rPr lang="en-US" dirty="0" smtClean="0"/>
+              <a:t>Like MVC.  In later courses, you’ll learn MVP,</a:t>
+            </a:r>
+          </a:p>
+          <a:p>
+            <a:pPr marL="342900" indent="-342900">
+              <a:buFont typeface="Arial" pitchFamily="34" charset="0"/>
+              <a:buChar char="•"/>
+            </a:pPr>
+            <a:r>
+              <a:rPr lang="en-US" dirty="0" smtClean="0"/>
+              <a:t>MVVM, and MVW.   Again design patterns aren’t</a:t>
+            </a:r>
+          </a:p>
+          <a:p>
+            <a:pPr marL="342900" indent="-342900">
+              <a:buFont typeface="Arial" pitchFamily="34" charset="0"/>
+              <a:buChar char="•"/>
+            </a:pPr>
+            <a:r>
+              <a:rPr lang="en-US" dirty="0" smtClean="0"/>
+              <a:t>Specific to Java</a:t>
+            </a:r>
+            <a:endParaRPr lang="en-US" dirty="0"/>
+          </a:p>
+        </p:txBody>
+      </p:sp>
+    </p:spTree>
+    <p:extLst>
+      <p:ext uri="{BB962C8B-B14F-4D97-AF65-F5344CB8AC3E}">
+        <p14:creationId xmlns:p14="http://schemas.microsoft.com/office/powerpoint/2010/main" val="1883758025"/>
+      </p:ext>
+    </p:extLst>
+  </p:cSld>
+  <p:clrMapOvr>
+    <a:masterClrMapping/>
+  </p:clrMapOvr>
+</p:sld>
+</file>
+
+<file path=ppt/slides/slide82.xml><?xml version="1.0" encoding="utf-8"?>
+<p:sld xmlns:a="http://schemas.openxmlformats.org/drawingml/2006/main" xmlns:r="http://schemas.openxmlformats.org/officeDocument/2006/relationships" xmlns:p="http://schemas.openxmlformats.org/presentationml/2006/main">
+  <p:cSld>
+    <p:spTree>
+      <p:nvGrpSpPr>
+        <p:cNvPr id="1" name=""/>
+        <p:cNvGrpSpPr/>
+        <p:nvPr/>
+      </p:nvGrpSpPr>
+      <p:grpSpPr>
+        <a:xfrm>
+          <a:off x="0" y="0"/>
+          <a:ext cx="0" cy="0"/>
+          <a:chOff x="0" y="0"/>
+          <a:chExt cx="0" cy="0"/>
+        </a:xfrm>
+      </p:grpSpPr>
+      <p:sp>
+        <p:nvSpPr>
+          <p:cNvPr id="2" name="Title 1"/>
+          <p:cNvSpPr>
+            <a:spLocks noGrp="1"/>
+          </p:cNvSpPr>
+          <p:nvPr>
+            <p:ph type="title"/>
+          </p:nvPr>
+        </p:nvSpPr>
+        <p:spPr/>
+        <p:txBody>
+          <a:bodyPr/>
+          <a:lstStyle/>
+          <a:p>
+            <a:r>
+              <a:rPr lang="en-US" dirty="0" smtClean="0"/>
+              <a:t>And most of all …</a:t>
+            </a:r>
+            <a:endParaRPr lang="en-US" dirty="0"/>
+          </a:p>
+        </p:txBody>
+      </p:sp>
+      <p:sp>
+        <p:nvSpPr>
+          <p:cNvPr id="3" name="Slide Number Placeholder 2"/>
+          <p:cNvSpPr>
+            <a:spLocks noGrp="1"/>
+          </p:cNvSpPr>
+          <p:nvPr>
+            <p:ph type="sldNum" sz="quarter" idx="12"/>
+          </p:nvPr>
+        </p:nvSpPr>
+        <p:spPr/>
+        <p:txBody>
+          <a:bodyPr/>
+          <a:lstStyle/>
+          <a:p>
+            <a:pPr>
+              <a:defRPr/>
+            </a:pPr>
+            <a:fld id="{B2451C39-31DD-6D4B-9BED-758CF6C1BA6A}" type="slidenum">
+              <a:rPr lang="en-CA" smtClean="0"/>
+              <a:pPr>
+                <a:defRPr/>
+              </a:pPr>
+              <a:t>82</a:t>
+            </a:fld>
+            <a:endParaRPr lang="en-CA"/>
+          </a:p>
+        </p:txBody>
+      </p:sp>
+      <p:sp>
+        <p:nvSpPr>
+          <p:cNvPr id="4" name="TextBox 3"/>
+          <p:cNvSpPr txBox="1"/>
+          <p:nvPr/>
+        </p:nvSpPr>
+        <p:spPr>
+          <a:xfrm>
+            <a:off x="1447800" y="2057400"/>
+            <a:ext cx="7111242" cy="3416320"/>
+          </a:xfrm>
+          <a:prstGeom prst="rect">
+            <a:avLst/>
+          </a:prstGeom>
+          <a:noFill/>
+        </p:spPr>
+        <p:txBody>
+          <a:bodyPr wrap="none" rtlCol="0">
+            <a:spAutoFit/>
+          </a:bodyPr>
+          <a:lstStyle/>
+          <a:p>
+            <a:pPr marL="342900" indent="-342900">
+              <a:buFont typeface="Arial" pitchFamily="34" charset="0"/>
+              <a:buChar char="•"/>
+            </a:pPr>
+            <a:r>
+              <a:rPr lang="en-US" dirty="0" smtClean="0"/>
+              <a:t>Software engineering and banging your</a:t>
+            </a:r>
+          </a:p>
+          <a:p>
+            <a:r>
+              <a:rPr lang="en-US" dirty="0"/>
+              <a:t>h</a:t>
+            </a:r>
+            <a:r>
+              <a:rPr lang="en-US" dirty="0" smtClean="0"/>
+              <a:t>ead against your keyboard.  This was a</a:t>
+            </a:r>
+          </a:p>
+          <a:p>
+            <a:r>
+              <a:rPr lang="en-US" dirty="0"/>
+              <a:t>p</a:t>
+            </a:r>
+            <a:r>
+              <a:rPr lang="en-US" dirty="0" smtClean="0"/>
+              <a:t>ut as much or as little as you want in this</a:t>
+            </a:r>
+          </a:p>
+          <a:p>
+            <a:r>
+              <a:rPr lang="en-US" dirty="0" smtClean="0"/>
+              <a:t>Course.  The project was yours from Day1.</a:t>
+            </a:r>
+          </a:p>
+          <a:p>
+            <a:r>
+              <a:rPr lang="en-US" dirty="0" smtClean="0"/>
+              <a:t>I personally grew quite attached to my first</a:t>
+            </a:r>
+          </a:p>
+          <a:p>
+            <a:r>
+              <a:rPr lang="en-US" dirty="0" smtClean="0"/>
+              <a:t>Software engineering project.  For me it was</a:t>
+            </a:r>
+          </a:p>
+          <a:p>
+            <a:r>
+              <a:rPr lang="en-US" dirty="0" smtClean="0"/>
+              <a:t>Fun.  I programmed it in C.  I don’t use C anymore,</a:t>
+            </a:r>
+          </a:p>
+          <a:p>
+            <a:r>
+              <a:rPr lang="en-US" dirty="0" smtClean="0"/>
+              <a:t>But it was the build your own, manage your own</a:t>
+            </a:r>
+          </a:p>
+          <a:p>
+            <a:r>
+              <a:rPr lang="en-US" dirty="0"/>
+              <a:t>a</a:t>
+            </a:r>
+            <a:r>
+              <a:rPr lang="en-US" dirty="0" smtClean="0"/>
+              <a:t>spect that still keeps me motivated in this field.</a:t>
+            </a:r>
+          </a:p>
+        </p:txBody>
+      </p:sp>
+    </p:spTree>
+    <p:extLst>
+      <p:ext uri="{BB962C8B-B14F-4D97-AF65-F5344CB8AC3E}">
+        <p14:creationId xmlns:p14="http://schemas.microsoft.com/office/powerpoint/2010/main" val="1560099199"/>
+      </p:ext>
+    </p:extLst>
+  </p:cSld>
+  <p:clrMapOvr>
+    <a:masterClrMapping/>
+  </p:clrMapOvr>
+</p:sld>
+</file>
+
+<file path=ppt/slides/slide83.xml><?xml version="1.0" encoding="utf-8"?>
+<p:sld xmlns:a="http://schemas.openxmlformats.org/drawingml/2006/main" xmlns:r="http://schemas.openxmlformats.org/officeDocument/2006/relationships" xmlns:p="http://schemas.openxmlformats.org/presentationml/2006/main">
+  <p:cSld>
+    <p:spTree>
+      <p:nvGrpSpPr>
+        <p:cNvPr id="1" name=""/>
+        <p:cNvGrpSpPr/>
+        <p:nvPr/>
+      </p:nvGrpSpPr>
+      <p:grpSpPr>
+        <a:xfrm>
+          <a:off x="0" y="0"/>
+          <a:ext cx="0" cy="0"/>
+          <a:chOff x="0" y="0"/>
+          <a:chExt cx="0" cy="0"/>
+        </a:xfrm>
+      </p:grpSpPr>
+      <p:sp>
+        <p:nvSpPr>
+          <p:cNvPr id="2" name="Title 1"/>
+          <p:cNvSpPr>
+            <a:spLocks noGrp="1"/>
+          </p:cNvSpPr>
+          <p:nvPr>
+            <p:ph type="title"/>
+          </p:nvPr>
+        </p:nvSpPr>
+        <p:spPr/>
+        <p:txBody>
+          <a:bodyPr/>
+          <a:lstStyle/>
+          <a:p>
+            <a:r>
+              <a:rPr lang="en-US" dirty="0" smtClean="0"/>
+              <a:t>Thank-you + Optional Homework</a:t>
+            </a:r>
+            <a:endParaRPr lang="en-US" dirty="0"/>
+          </a:p>
+        </p:txBody>
+      </p:sp>
+      <p:sp>
+        <p:nvSpPr>
+          <p:cNvPr id="3" name="Slide Number Placeholder 2"/>
+          <p:cNvSpPr>
+            <a:spLocks noGrp="1"/>
+          </p:cNvSpPr>
+          <p:nvPr>
+            <p:ph type="sldNum" sz="quarter" idx="12"/>
+          </p:nvPr>
+        </p:nvSpPr>
+        <p:spPr/>
+        <p:txBody>
+          <a:bodyPr/>
+          <a:lstStyle/>
+          <a:p>
+            <a:pPr>
+              <a:defRPr/>
+            </a:pPr>
+            <a:fld id="{B2451C39-31DD-6D4B-9BED-758CF6C1BA6A}" type="slidenum">
+              <a:rPr lang="en-CA" smtClean="0"/>
+              <a:pPr>
+                <a:defRPr/>
+              </a:pPr>
+              <a:t>83</a:t>
             </a:fld>
             <a:endParaRPr lang="en-CA"/>
           </a:p>

--- a/coursePresentation.pptx
+++ b/coursePresentation.pptx
@@ -232,7 +232,7 @@
   </p:defaultTextStyle>
   <p:extLst>
     <p:ext uri="{EFAFB233-063F-42B5-8137-9DF3F51BA10A}">
-      <p15:sldGuideLst xmlns:p15="http://schemas.microsoft.com/office/powerpoint/2012/main" xmlns="">
+      <p15:sldGuideLst xmlns:p15="http://schemas.microsoft.com/office/powerpoint/2012/main">
         <p15:guide id="1" orient="horz" pos="4029">
           <p15:clr>
             <a:srgbClr val="A4A3A4"/>
@@ -1607,7 +1607,7 @@
             <a:fld id="{A4A6734C-E115-4BC5-9FB0-F9BF6FABFDA0}" type="datetimeFigureOut">
               <a:rPr lang="en-US" smtClean="0"/>
               <a:pPr/>
-              <a:t>5/9/2014</a:t>
+              <a:t>5/14/2014</a:t>
             </a:fld>
             <a:endParaRPr lang="en-US"/>
           </a:p>
@@ -3735,7 +3735,7 @@
             <a:fld id="{A4A6734C-E115-4BC5-9FB0-F9BF6FABFDA0}" type="datetimeFigureOut">
               <a:rPr lang="en-US" smtClean="0"/>
               <a:pPr/>
-              <a:t>5/9/2014</a:t>
+              <a:t>5/14/2014</a:t>
             </a:fld>
             <a:endParaRPr lang="en-US"/>
           </a:p>
@@ -8025,11 +8025,7 @@
             </a:pPr>
             <a:r>
               <a:rPr lang="en-US" dirty="0" smtClean="0"/>
-              <a:t>How to use </a:t>
-            </a:r>
-            <a:r>
-              <a:rPr lang="en-US" dirty="0" smtClean="0"/>
-              <a:t>them</a:t>
+              <a:t>How to use them</a:t>
             </a:r>
           </a:p>
           <a:p>
@@ -11362,11 +11358,7 @@
           <a:p>
             <a:r>
               <a:rPr lang="en-US" dirty="0" smtClean="0"/>
-              <a:t>Scan </a:t>
-            </a:r>
-            <a:r>
-              <a:rPr lang="en-US" dirty="0" smtClean="0"/>
-              <a:t>BRIEFLY: </a:t>
+              <a:t>Scan BRIEFLY: </a:t>
             </a:r>
           </a:p>
           <a:p>
@@ -12675,11 +12667,7 @@
             </a:r>
             <a:r>
               <a:rPr lang="en-US" dirty="0" smtClean="0"/>
-              <a:t> but slower</a:t>
-            </a:r>
-            <a:r>
-              <a:rPr lang="en-US" dirty="0" smtClean="0"/>
-              <a:t>)</a:t>
+              <a:t> but slower)</a:t>
             </a:r>
           </a:p>
           <a:p>
@@ -12693,7 +12681,6 @@
               <a:rPr lang="en-US" dirty="0" smtClean="0"/>
               <a:t>Use Iterator</a:t>
             </a:r>
-            <a:endParaRPr lang="en-US" dirty="0" smtClean="0"/>
           </a:p>
           <a:p>
             <a:endParaRPr lang="en-US" dirty="0"/>
@@ -13112,11 +13099,7 @@
           <a:p>
             <a:r>
               <a:rPr lang="en-US" dirty="0" smtClean="0"/>
-              <a:t>Read</a:t>
-            </a:r>
-            <a:r>
-              <a:rPr lang="en-US" dirty="0" smtClean="0"/>
-              <a:t>:</a:t>
+              <a:t>Read:</a:t>
             </a:r>
           </a:p>
           <a:p>
@@ -13809,23 +13792,7 @@
                   <a:schemeClr val="accent3"/>
                 </a:solidFill>
               </a:rPr>
-              <a:t> </a:t>
-            </a:r>
-            <a:r>
-              <a:rPr lang="en-US" sz="2000" dirty="0" smtClean="0">
-                <a:solidFill>
-                  <a:schemeClr val="accent3"/>
-                </a:solidFill>
-              </a:rPr>
-              <a:t>x </a:t>
-            </a:r>
-            <a:r>
-              <a:rPr lang="en-US" sz="2000" dirty="0" smtClean="0">
-                <a:solidFill>
-                  <a:schemeClr val="accent3"/>
-                </a:solidFill>
-              </a:rPr>
-              <a:t>10</a:t>
+              <a:t> x 10</a:t>
             </a:r>
             <a:r>
               <a:rPr lang="en-US" sz="2000" dirty="0" smtClean="0"/>
@@ -13837,11 +13804,7 @@
             </a:r>
             <a:r>
               <a:rPr lang="en-US" sz="2000" dirty="0" smtClean="0"/>
-              <a:t>0</a:t>
-            </a:r>
-            <a:r>
-              <a:rPr lang="en-US" sz="2000" dirty="0" smtClean="0"/>
-              <a:t>%</a:t>
+              <a:t>0%</a:t>
             </a:r>
           </a:p>
           <a:p>
@@ -13855,19 +13818,7 @@
             </a:pPr>
             <a:r>
               <a:rPr lang="en-US" sz="2000" dirty="0" smtClean="0"/>
-              <a:t>Mid </a:t>
-            </a:r>
-            <a:r>
-              <a:rPr lang="en-US" sz="2000" dirty="0" smtClean="0"/>
-              <a:t>term exam	</a:t>
-            </a:r>
-            <a:r>
-              <a:rPr lang="en-US" sz="2000" dirty="0" smtClean="0"/>
-              <a:t>20</a:t>
-            </a:r>
-            <a:r>
-              <a:rPr lang="en-US" sz="2000" dirty="0" smtClean="0"/>
-              <a:t>%</a:t>
+              <a:t>Mid term exam	20%</a:t>
             </a:r>
           </a:p>
           <a:p>
@@ -13905,7 +13856,6 @@
               <a:rPr lang="en-US" sz="2000" dirty="0" smtClean="0"/>
               <a:t>Final Project	30%</a:t>
             </a:r>
-            <a:endParaRPr lang="en-US" sz="2000" dirty="0" smtClean="0"/>
           </a:p>
           <a:p>
             <a:pPr>
@@ -16038,11 +15988,7 @@
           <a:p>
             <a:r>
               <a:rPr lang="en-US" dirty="0" smtClean="0"/>
-              <a:t>Must be completed </a:t>
-            </a:r>
-            <a:r>
-              <a:rPr lang="en-US" dirty="0" smtClean="0"/>
-              <a:t>individually (but talking</a:t>
+              <a:t>Must be completed individually (but talking</a:t>
             </a:r>
           </a:p>
           <a:p>
@@ -16053,16 +15999,11 @@
               <a:rPr lang="en-US" dirty="0" smtClean="0"/>
               <a:t>With your classmates is encouraged.  Be social, yet don’t cheat)</a:t>
             </a:r>
-            <a:endParaRPr lang="en-US" dirty="0" smtClean="0"/>
-          </a:p>
-          <a:p>
-            <a:r>
-              <a:rPr lang="en-US" dirty="0" smtClean="0"/>
-              <a:t>Must be handed in before the due date and </a:t>
-            </a:r>
-            <a:r>
-              <a:rPr lang="en-US" dirty="0" smtClean="0"/>
-              <a:t>time</a:t>
+          </a:p>
+          <a:p>
+            <a:r>
+              <a:rPr lang="en-US" dirty="0" smtClean="0"/>
+              <a:t>Must be handed in before the due date and time</a:t>
             </a:r>
           </a:p>
           <a:p>
@@ -16086,7 +16027,6 @@
               <a:rPr lang="en-US" dirty="0" smtClean="0"/>
               <a:t> in 4 slides)</a:t>
             </a:r>
-            <a:endParaRPr lang="en-US" dirty="0" smtClean="0"/>
           </a:p>
         </p:txBody>
       </p:sp>
@@ -17903,7 +17843,6 @@
               <a:rPr lang="en-US" dirty="0" smtClean="0"/>
               <a:t>Browser (I like FF ;))</a:t>
             </a:r>
-            <a:endParaRPr lang="en-US" dirty="0" smtClean="0"/>
           </a:p>
         </p:txBody>
       </p:sp>
@@ -21876,7 +21815,7 @@
         <p:spPr>
           <a:xfrm>
             <a:off x="685800" y="1720840"/>
-            <a:ext cx="7696200" cy="3416320"/>
+            <a:ext cx="7696200" cy="4893647"/>
           </a:xfrm>
           <a:prstGeom prst="rect">
             <a:avLst/>
@@ -21904,11 +21843,7 @@
             </a:pPr>
             <a:r>
               <a:rPr lang="en-US" dirty="0" smtClean="0"/>
-              <a:t>Download </a:t>
-            </a:r>
-            <a:r>
-              <a:rPr lang="en-US" dirty="0" smtClean="0"/>
-              <a:t>JDK1.7</a:t>
+              <a:t>Download JDK1.7</a:t>
             </a:r>
           </a:p>
           <a:p>
@@ -21957,7 +21892,53 @@
             </a:pPr>
             <a:r>
               <a:rPr lang="en-US" dirty="0" smtClean="0"/>
-              <a:t>After Eclipse and JDK are downloaded …</a:t>
+              <a:t>After Eclipse and JDK are downloaded </a:t>
+            </a:r>
+            <a:r>
+              <a:rPr lang="en-US" dirty="0" smtClean="0"/>
+              <a:t>…</a:t>
+            </a:r>
+          </a:p>
+          <a:p>
+            <a:pPr marL="342900" indent="-342900">
+              <a:buFont typeface="Arial" pitchFamily="34" charset="0"/>
+              <a:buChar char="•"/>
+            </a:pPr>
+            <a:r>
+              <a:rPr lang="en-US" dirty="0" smtClean="0"/>
+              <a:t>Start Eclipse -&gt; </a:t>
+            </a:r>
+            <a:r>
+              <a:rPr lang="en-US" dirty="0" err="1" smtClean="0"/>
+              <a:t>Prefences</a:t>
+            </a:r>
+            <a:r>
+              <a:rPr lang="en-US" dirty="0" smtClean="0"/>
+              <a:t>-(type JRE)</a:t>
+            </a:r>
+          </a:p>
+          <a:p>
+            <a:pPr marL="800100" lvl="1" indent="-342900">
+              <a:buFont typeface="Arial" pitchFamily="34" charset="0"/>
+              <a:buChar char="•"/>
+            </a:pPr>
+            <a:r>
+              <a:rPr lang="en-US" dirty="0" smtClean="0"/>
+              <a:t>Modify both Installed JREs</a:t>
+            </a:r>
+          </a:p>
+          <a:p>
+            <a:pPr marL="800100" lvl="1" indent="-342900">
+              <a:buFont typeface="Arial" pitchFamily="34" charset="0"/>
+              <a:buChar char="•"/>
+            </a:pPr>
+            <a:r>
+              <a:rPr lang="en-US" dirty="0" smtClean="0"/>
+              <a:t>And Execution environment to point to your </a:t>
+            </a:r>
+            <a:r>
+              <a:rPr lang="en-US" smtClean="0"/>
+              <a:t>JDK download</a:t>
             </a:r>
             <a:endParaRPr lang="en-US" dirty="0" smtClean="0"/>
           </a:p>

--- a/coursePresentation.pptx
+++ b/coursePresentation.pptx
@@ -31,8 +31,8 @@
     <p:sldId id="337" r:id="rId19"/>
     <p:sldId id="339" r:id="rId20"/>
     <p:sldId id="418" r:id="rId21"/>
-    <p:sldId id="338" r:id="rId22"/>
-    <p:sldId id="417" r:id="rId23"/>
+    <p:sldId id="419" r:id="rId22"/>
+    <p:sldId id="420" r:id="rId23"/>
     <p:sldId id="340" r:id="rId24"/>
     <p:sldId id="341" r:id="rId25"/>
     <p:sldId id="343" r:id="rId26"/>
@@ -8162,7 +8162,7 @@
         <p:spPr>
           <a:xfrm>
             <a:off x="838200" y="1981200"/>
-            <a:ext cx="4945585" cy="1569660"/>
+            <a:ext cx="5400068" cy="1569660"/>
           </a:xfrm>
           <a:prstGeom prst="rect">
             <a:avLst/>
@@ -8195,7 +8195,7 @@
             </a:pPr>
             <a:r>
               <a:rPr lang="en-US" dirty="0" smtClean="0"/>
-              <a:t>Power of “F3”</a:t>
+              <a:t>Welcome to Eclipse shortcuts - “F3”</a:t>
             </a:r>
           </a:p>
           <a:p>
@@ -8393,63 +8393,82 @@
           <a:p>
             <a:r>
               <a:rPr lang="en-US" dirty="0" smtClean="0"/>
-              <a:t>Working with model objects + </a:t>
+              <a:t>Working with model objects + Searching</a:t>
+            </a:r>
+            <a:endParaRPr lang="en-US" dirty="0"/>
+          </a:p>
+        </p:txBody>
+      </p:sp>
+      <p:sp>
+        <p:nvSpPr>
+          <p:cNvPr id="3" name="Content Placeholder 2"/>
+          <p:cNvSpPr>
+            <a:spLocks noGrp="1"/>
+          </p:cNvSpPr>
+          <p:nvPr>
+            <p:ph idx="1"/>
+          </p:nvPr>
+        </p:nvSpPr>
+        <p:spPr/>
+        <p:txBody>
+          <a:bodyPr>
+            <a:normAutofit fontScale="92500" lnSpcReduction="10000"/>
+          </a:bodyPr>
+          <a:lstStyle/>
+          <a:p>
+            <a:endParaRPr lang="en-US" dirty="0" smtClean="0"/>
+          </a:p>
+          <a:p>
+            <a:r>
+              <a:rPr lang="en-US" dirty="0" smtClean="0"/>
+              <a:t>A model object represents the data tier</a:t>
+            </a:r>
+          </a:p>
+          <a:p>
+            <a:r>
+              <a:rPr lang="en-US" dirty="0" smtClean="0"/>
+              <a:t>Almost no logic in it but, some developers like to add override the </a:t>
             </a:r>
             <a:r>
               <a:rPr lang="en-US" dirty="0" err="1" smtClean="0"/>
               <a:t>toString</a:t>
             </a:r>
+            <a:r>
+              <a:rPr lang="en-US" dirty="0" smtClean="0"/>
+              <a:t> method for a tad bit of presentation logic</a:t>
+            </a:r>
+          </a:p>
+          <a:p>
+            <a:r>
+              <a:rPr lang="en-US" dirty="0" err="1" smtClean="0"/>
+              <a:t>ArrayList</a:t>
+            </a:r>
+            <a:r>
+              <a:rPr lang="en-US" dirty="0" smtClean="0"/>
+              <a:t> are good choices to store many objects.</a:t>
+            </a:r>
+          </a:p>
+          <a:p>
+            <a:r>
+              <a:rPr lang="en-US" dirty="0" smtClean="0"/>
+              <a:t>Searching is simply done through iterating through the </a:t>
+            </a:r>
+            <a:r>
+              <a:rPr lang="en-US" dirty="0" err="1" smtClean="0"/>
+              <a:t>ArrayList</a:t>
+            </a:r>
+            <a:endParaRPr lang="en-US" dirty="0" smtClean="0"/>
+          </a:p>
+          <a:p>
+            <a:r>
+              <a:rPr lang="en-US" dirty="0" smtClean="0"/>
+              <a:t>See </a:t>
+            </a:r>
+            <a:r>
+              <a:rPr lang="en-US" dirty="0" err="1" smtClean="0"/>
+              <a:t>TeacherDemo</a:t>
+            </a:r>
             <a:endParaRPr lang="en-US" dirty="0"/>
-          </a:p>
-        </p:txBody>
-      </p:sp>
-      <p:sp>
-        <p:nvSpPr>
-          <p:cNvPr id="3" name="Content Placeholder 2"/>
-          <p:cNvSpPr>
-            <a:spLocks noGrp="1"/>
-          </p:cNvSpPr>
-          <p:nvPr>
-            <p:ph idx="1"/>
-          </p:nvPr>
-        </p:nvSpPr>
-        <p:spPr/>
-        <p:txBody>
-          <a:bodyPr/>
-          <a:lstStyle/>
-          <a:p>
-            <a:endParaRPr lang="en-US" dirty="0" smtClean="0"/>
-          </a:p>
-          <a:p>
-            <a:r>
-              <a:rPr lang="en-US" dirty="0" smtClean="0"/>
-              <a:t>A model object represents the data tier</a:t>
-            </a:r>
-          </a:p>
-          <a:p>
-            <a:r>
-              <a:rPr lang="en-US" dirty="0" smtClean="0"/>
-              <a:t>Almost no logic in it but, some developers like to add override the </a:t>
-            </a:r>
-            <a:r>
-              <a:rPr lang="en-US" dirty="0" err="1" smtClean="0"/>
-              <a:t>toString</a:t>
-            </a:r>
-            <a:r>
-              <a:rPr lang="en-US" dirty="0" smtClean="0"/>
-              <a:t> method for a tad bit of presentation logic</a:t>
-            </a:r>
-          </a:p>
-          <a:p>
-            <a:r>
-              <a:rPr lang="en-US" dirty="0" smtClean="0"/>
-              <a:t>See </a:t>
-            </a:r>
-            <a:r>
-              <a:rPr lang="en-US" smtClean="0"/>
-              <a:t>TeacherDemo</a:t>
-            </a:r>
-            <a:endParaRPr lang="en-US"/>
           </a:p>
         </p:txBody>
       </p:sp>
@@ -8537,7 +8556,127 @@
       </p:sp>
       <p:sp>
         <p:nvSpPr>
-          <p:cNvPr id="3" name="Slide Number Placeholder 2"/>
+          <p:cNvPr id="3" name="Content Placeholder 2"/>
+          <p:cNvSpPr>
+            <a:spLocks noGrp="1"/>
+          </p:cNvSpPr>
+          <p:nvPr>
+            <p:ph idx="1"/>
+          </p:nvPr>
+        </p:nvSpPr>
+        <p:spPr/>
+        <p:txBody>
+          <a:bodyPr>
+            <a:normAutofit fontScale="77500" lnSpcReduction="20000"/>
+          </a:bodyPr>
+          <a:lstStyle/>
+          <a:p>
+            <a:pPr marL="342900">
+              <a:buFont typeface="Arial" pitchFamily="34" charset="0"/>
+              <a:buChar char="•"/>
+            </a:pPr>
+            <a:r>
+              <a:rPr lang="en-US" dirty="0"/>
+              <a:t>What are they?</a:t>
+            </a:r>
+          </a:p>
+          <a:p>
+            <a:pPr marL="342900">
+              <a:buFont typeface="Arial" pitchFamily="34" charset="0"/>
+              <a:buChar char="•"/>
+            </a:pPr>
+            <a:r>
+              <a:rPr lang="en-US" dirty="0"/>
+              <a:t>Java Archives – libraries.  I think </a:t>
+            </a:r>
+            <a:r>
+              <a:rPr lang="en-US" dirty="0" smtClean="0"/>
+              <a:t>Sun borrowed the idea </a:t>
+            </a:r>
+            <a:r>
+              <a:rPr lang="en-US" dirty="0"/>
+              <a:t>of “</a:t>
+            </a:r>
+            <a:r>
+              <a:rPr lang="en-US" dirty="0" err="1"/>
+              <a:t>unix</a:t>
+            </a:r>
+            <a:r>
+              <a:rPr lang="en-US" dirty="0"/>
+              <a:t> tar</a:t>
+            </a:r>
+            <a:r>
+              <a:rPr lang="en-US" dirty="0" smtClean="0"/>
+              <a:t>” and applied it to jar</a:t>
+            </a:r>
+          </a:p>
+          <a:p>
+            <a:pPr marL="342900">
+              <a:buFont typeface="Arial" pitchFamily="34" charset="0"/>
+              <a:buChar char="•"/>
+            </a:pPr>
+            <a:r>
+              <a:rPr lang="en-US" dirty="0" smtClean="0"/>
+              <a:t>Did we use any right now?  Sure -&gt; rt.jar</a:t>
+            </a:r>
+          </a:p>
+          <a:p>
+            <a:pPr marL="342900">
+              <a:buFont typeface="Arial" pitchFamily="34" charset="0"/>
+              <a:buChar char="•"/>
+            </a:pPr>
+            <a:r>
+              <a:rPr lang="en-US" dirty="0" err="1" smtClean="0"/>
+              <a:t>Kinda</a:t>
+            </a:r>
+            <a:r>
+              <a:rPr lang="en-US" dirty="0" smtClean="0"/>
+              <a:t> hard to avoid using “Core Java classes”</a:t>
+            </a:r>
+          </a:p>
+          <a:p>
+            <a:pPr marL="342900">
+              <a:buFont typeface="Arial" pitchFamily="34" charset="0"/>
+              <a:buChar char="•"/>
+            </a:pPr>
+            <a:r>
+              <a:rPr lang="en-US" dirty="0" smtClean="0"/>
+              <a:t>But there are times when the “String” class or another Core Java Class just isn’t flexible enough to do what you want.  What do you do then?  Download a library (set of Jars).  More on this later in a later lecture.  Pronounced as Maven.  Oh if used Perl before (its similar to CPAN), or PECL/PEAR (if you’re a Python user), or </a:t>
+            </a:r>
+            <a:r>
+              <a:rPr lang="en-US" dirty="0" err="1" smtClean="0"/>
+              <a:t>RubyGems</a:t>
+            </a:r>
+            <a:r>
+              <a:rPr lang="en-US" dirty="0" smtClean="0"/>
+              <a:t> (for Ruby users).  If you come from a C/C++/C# background … (err… um, </a:t>
+            </a:r>
+            <a:r>
+              <a:rPr lang="en-US" dirty="0" err="1" smtClean="0"/>
+              <a:t>Makefile</a:t>
+            </a:r>
+            <a:r>
+              <a:rPr lang="en-US" dirty="0" smtClean="0"/>
+              <a:t> + </a:t>
+            </a:r>
+            <a:r>
+              <a:rPr lang="en-US" dirty="0" err="1" smtClean="0"/>
+              <a:t>wget</a:t>
+            </a:r>
+            <a:r>
+              <a:rPr lang="en-US" dirty="0" smtClean="0"/>
+              <a:t> – okay bad joke)</a:t>
+            </a:r>
+            <a:endParaRPr lang="en-US" dirty="0"/>
+          </a:p>
+          <a:p>
+            <a:endParaRPr lang="en-US" dirty="0"/>
+          </a:p>
+        </p:txBody>
+      </p:sp>
+      <p:sp>
+        <p:nvSpPr>
+          <p:cNvPr id="4" name="Slide Number Placeholder 3"/>
           <p:cNvSpPr>
             <a:spLocks noGrp="1"/>
           </p:cNvSpPr>
@@ -8553,61 +8692,21 @@
             <a:pPr>
               <a:defRPr/>
             </a:pPr>
-            <a:fld id="{B2451C39-31DD-6D4B-9BED-758CF6C1BA6A}" type="slidenum">
-              <a:rPr lang="en-CA" smtClean="0"/>
+            <a:fld id="{8B8B984A-5AFF-7643-AE60-6D8D11294076}" type="slidenum">
+              <a:rPr lang="en-US" smtClean="0"/>
               <a:pPr>
                 <a:defRPr/>
               </a:pPr>
               <a:t>21</a:t>
             </a:fld>
-            <a:endParaRPr lang="en-CA"/>
-          </a:p>
-        </p:txBody>
-      </p:sp>
-      <p:sp>
-        <p:nvSpPr>
-          <p:cNvPr id="4" name="TextBox 3"/>
-          <p:cNvSpPr txBox="1"/>
-          <p:nvPr/>
-        </p:nvSpPr>
-        <p:spPr>
-          <a:xfrm>
-            <a:off x="990600" y="1676400"/>
-            <a:ext cx="2618024" cy="830997"/>
-          </a:xfrm>
-          <a:prstGeom prst="rect">
-            <a:avLst/>
-          </a:prstGeom>
-          <a:noFill/>
-        </p:spPr>
-        <p:txBody>
-          <a:bodyPr wrap="none" rtlCol="0">
-            <a:spAutoFit/>
-          </a:bodyPr>
-          <a:lstStyle/>
-          <a:p>
-            <a:pPr marL="342900" indent="-342900">
-              <a:buFont typeface="Arial" pitchFamily="34" charset="0"/>
-              <a:buChar char="•"/>
-            </a:pPr>
-            <a:r>
-              <a:rPr lang="en-US" dirty="0" smtClean="0"/>
-              <a:t>What are they?</a:t>
-            </a:r>
-          </a:p>
-          <a:p>
-            <a:pPr marL="342900" indent="-342900">
-              <a:buFont typeface="Arial" pitchFamily="34" charset="0"/>
-              <a:buChar char="•"/>
-            </a:pPr>
-            <a:endParaRPr lang="en-US" dirty="0"/>
+            <a:endParaRPr lang="en-US"/>
           </a:p>
         </p:txBody>
       </p:sp>
     </p:spTree>
     <p:extLst>
       <p:ext uri="{BB962C8B-B14F-4D97-AF65-F5344CB8AC3E}">
-        <p14:creationId xmlns:p14="http://schemas.microsoft.com/office/powerpoint/2010/main" val="1081791587"/>
+        <p14:creationId xmlns:p14="http://schemas.microsoft.com/office/powerpoint/2010/main" val="1154269389"/>
       </p:ext>
     </p:extLst>
   </p:cSld>
@@ -8651,7 +8750,7 @@
           <a:p>
             <a:r>
               <a:rPr lang="en-US" dirty="0" smtClean="0"/>
-              <a:t>Command Line</a:t>
+              <a:t>Exporting Jars + Command Line</a:t>
             </a:r>
             <a:endParaRPr lang="en-US" dirty="0"/>
           </a:p>
@@ -8659,7 +8758,91 @@
       </p:sp>
       <p:sp>
         <p:nvSpPr>
-          <p:cNvPr id="3" name="Slide Number Placeholder 2"/>
+          <p:cNvPr id="3" name="Content Placeholder 2"/>
+          <p:cNvSpPr>
+            <a:spLocks noGrp="1"/>
+          </p:cNvSpPr>
+          <p:nvPr>
+            <p:ph idx="1"/>
+          </p:nvPr>
+        </p:nvSpPr>
+        <p:spPr/>
+        <p:txBody>
+          <a:bodyPr>
+            <a:normAutofit fontScale="85000" lnSpcReduction="20000"/>
+          </a:bodyPr>
+          <a:lstStyle/>
+          <a:p>
+            <a:r>
+              <a:rPr lang="en-US" dirty="0" smtClean="0"/>
+              <a:t>Eventually one day, you’ll want to export your project outside of eclipse.  Your final export, will most likely be a </a:t>
+            </a:r>
+            <a:r>
+              <a:rPr lang="en-US" dirty="0" err="1" smtClean="0"/>
+              <a:t>Jarfile</a:t>
+            </a:r>
+            <a:r>
+              <a:rPr lang="en-US" dirty="0" smtClean="0"/>
+              <a:t> (or </a:t>
+            </a:r>
+            <a:r>
+              <a:rPr lang="en-US" dirty="0" err="1" smtClean="0"/>
+              <a:t>warfile</a:t>
+            </a:r>
+            <a:r>
+              <a:rPr lang="en-US" dirty="0" smtClean="0"/>
+              <a:t>, or </a:t>
+            </a:r>
+            <a:r>
+              <a:rPr lang="en-US" dirty="0" err="1" smtClean="0"/>
+              <a:t>earfile</a:t>
+            </a:r>
+            <a:r>
+              <a:rPr lang="en-US" dirty="0" smtClean="0"/>
+              <a:t> – outside the scope of this class)</a:t>
+            </a:r>
+          </a:p>
+          <a:p>
+            <a:r>
+              <a:rPr lang="en-US" smtClean="0"/>
+              <a:t>A few ways </a:t>
+            </a:r>
+            <a:r>
+              <a:rPr lang="en-US" dirty="0" smtClean="0"/>
+              <a:t>to do this.  One is via your IDE … Export-&gt;Java-&gt;Runnable Jar (demo)</a:t>
+            </a:r>
+          </a:p>
+          <a:p>
+            <a:r>
+              <a:rPr lang="en-US" dirty="0" smtClean="0"/>
+              <a:t>But, to be honest, the de facto way is with Maven (more on this in a later lecture)</a:t>
+            </a:r>
+          </a:p>
+          <a:p>
+            <a:r>
+              <a:rPr lang="en-US" dirty="0" smtClean="0"/>
+              <a:t>Demo</a:t>
+            </a:r>
+          </a:p>
+          <a:p>
+            <a:r>
+              <a:rPr lang="en-US" dirty="0" smtClean="0"/>
+              <a:t>BTW, in this class, whether it be assignments, midterm, final or final project, I NEVER, EVER, EVER want you to send me a .zip, .jar file to me via email or </a:t>
+            </a:r>
+            <a:r>
+              <a:rPr lang="en-US" dirty="0" err="1" smtClean="0"/>
+              <a:t>dropbox</a:t>
+            </a:r>
+            <a:r>
+              <a:rPr lang="en-US" dirty="0" smtClean="0"/>
+              <a:t>.  That’s just so last decade … ;)</a:t>
+            </a:r>
+          </a:p>
+        </p:txBody>
+      </p:sp>
+      <p:sp>
+        <p:nvSpPr>
+          <p:cNvPr id="4" name="Slide Number Placeholder 3"/>
           <p:cNvSpPr>
             <a:spLocks noGrp="1"/>
           </p:cNvSpPr>
@@ -8675,21 +8858,21 @@
             <a:pPr>
               <a:defRPr/>
             </a:pPr>
-            <a:fld id="{B2451C39-31DD-6D4B-9BED-758CF6C1BA6A}" type="slidenum">
-              <a:rPr lang="en-CA" smtClean="0"/>
+            <a:fld id="{8B8B984A-5AFF-7643-AE60-6D8D11294076}" type="slidenum">
+              <a:rPr lang="en-US" smtClean="0"/>
               <a:pPr>
                 <a:defRPr/>
               </a:pPr>
               <a:t>22</a:t>
             </a:fld>
-            <a:endParaRPr lang="en-CA"/>
+            <a:endParaRPr lang="en-US"/>
           </a:p>
         </p:txBody>
       </p:sp>
     </p:spTree>
     <p:extLst>
       <p:ext uri="{BB962C8B-B14F-4D97-AF65-F5344CB8AC3E}">
-        <p14:creationId xmlns:p14="http://schemas.microsoft.com/office/powerpoint/2010/main" val="844333798"/>
+        <p14:creationId xmlns:p14="http://schemas.microsoft.com/office/powerpoint/2010/main" val="3883821288"/>
       </p:ext>
     </p:extLst>
   </p:cSld>

--- a/coursePresentation.pptx
+++ b/coursePresentation.pptx
@@ -5,10 +5,10 @@
     <p:sldMasterId id="2147484906" r:id="rId1"/>
   </p:sldMasterIdLst>
   <p:notesMasterIdLst>
-    <p:notesMasterId r:id="rId97"/>
+    <p:notesMasterId r:id="rId100"/>
   </p:notesMasterIdLst>
   <p:handoutMasterIdLst>
-    <p:handoutMasterId r:id="rId98"/>
+    <p:handoutMasterId r:id="rId101"/>
   </p:handoutMasterIdLst>
   <p:sldIdLst>
     <p:sldId id="257" r:id="rId2"/>
@@ -82,30 +82,33 @@
     <p:sldId id="385" r:id="rId70"/>
     <p:sldId id="386" r:id="rId71"/>
     <p:sldId id="387" r:id="rId72"/>
-    <p:sldId id="406" r:id="rId73"/>
-    <p:sldId id="407" r:id="rId74"/>
-    <p:sldId id="402" r:id="rId75"/>
-    <p:sldId id="388" r:id="rId76"/>
-    <p:sldId id="395" r:id="rId77"/>
-    <p:sldId id="396" r:id="rId78"/>
-    <p:sldId id="397" r:id="rId79"/>
-    <p:sldId id="398" r:id="rId80"/>
-    <p:sldId id="399" r:id="rId81"/>
-    <p:sldId id="400" r:id="rId82"/>
-    <p:sldId id="401" r:id="rId83"/>
-    <p:sldId id="408" r:id="rId84"/>
-    <p:sldId id="409" r:id="rId85"/>
-    <p:sldId id="410" r:id="rId86"/>
-    <p:sldId id="411" r:id="rId87"/>
-    <p:sldId id="412" r:id="rId88"/>
-    <p:sldId id="413" r:id="rId89"/>
-    <p:sldId id="389" r:id="rId90"/>
-    <p:sldId id="390" r:id="rId91"/>
-    <p:sldId id="391" r:id="rId92"/>
-    <p:sldId id="392" r:id="rId93"/>
-    <p:sldId id="414" r:id="rId94"/>
-    <p:sldId id="393" r:id="rId95"/>
-    <p:sldId id="394" r:id="rId96"/>
+    <p:sldId id="422" r:id="rId73"/>
+    <p:sldId id="423" r:id="rId74"/>
+    <p:sldId id="406" r:id="rId75"/>
+    <p:sldId id="407" r:id="rId76"/>
+    <p:sldId id="402" r:id="rId77"/>
+    <p:sldId id="424" r:id="rId78"/>
+    <p:sldId id="388" r:id="rId79"/>
+    <p:sldId id="395" r:id="rId80"/>
+    <p:sldId id="396" r:id="rId81"/>
+    <p:sldId id="397" r:id="rId82"/>
+    <p:sldId id="398" r:id="rId83"/>
+    <p:sldId id="399" r:id="rId84"/>
+    <p:sldId id="400" r:id="rId85"/>
+    <p:sldId id="401" r:id="rId86"/>
+    <p:sldId id="408" r:id="rId87"/>
+    <p:sldId id="409" r:id="rId88"/>
+    <p:sldId id="410" r:id="rId89"/>
+    <p:sldId id="411" r:id="rId90"/>
+    <p:sldId id="412" r:id="rId91"/>
+    <p:sldId id="413" r:id="rId92"/>
+    <p:sldId id="389" r:id="rId93"/>
+    <p:sldId id="390" r:id="rId94"/>
+    <p:sldId id="391" r:id="rId95"/>
+    <p:sldId id="392" r:id="rId96"/>
+    <p:sldId id="414" r:id="rId97"/>
+    <p:sldId id="393" r:id="rId98"/>
+    <p:sldId id="394" r:id="rId99"/>
   </p:sldIdLst>
   <p:sldSz cx="9144000" cy="6858000" type="screen4x3"/>
   <p:notesSz cx="6858000" cy="9144000"/>
@@ -9043,13 +9046,8 @@
           <a:p>
             <a:r>
               <a:rPr lang="en-US" dirty="0" smtClean="0"/>
-              <a:t>Another way (yet with </a:t>
-            </a:r>
-            <a:r>
-              <a:rPr lang="en-US" smtClean="0"/>
-              <a:t>another pro and con):</a:t>
-            </a:r>
-            <a:endParaRPr lang="en-US" dirty="0" smtClean="0"/>
+              <a:t>Another way (yet with another pro and con):</a:t>
+            </a:r>
           </a:p>
           <a:p>
             <a:pPr marL="582930" indent="-514350">
@@ -14746,7 +14744,7 @@
         <p:spPr>
           <a:xfrm>
             <a:off x="990600" y="2286000"/>
-            <a:ext cx="7924800" cy="2677656"/>
+            <a:ext cx="7924800" cy="4154984"/>
           </a:xfrm>
           <a:prstGeom prst="rect">
             <a:avLst/>
@@ -14779,8 +14777,75 @@
             </a:pPr>
             <a:r>
               <a:rPr lang="en-US" dirty="0" smtClean="0"/>
-              <a:t>In short, it’s a tool to help you manage libraries ;)</a:t>
-            </a:r>
+              <a:t>In short, it’s a tool to help you manage </a:t>
+            </a:r>
+            <a:r>
+              <a:rPr lang="en-US" dirty="0" smtClean="0"/>
+              <a:t>libraries</a:t>
+            </a:r>
+          </a:p>
+          <a:p>
+            <a:pPr marL="342900" indent="-342900">
+              <a:buFont typeface="Arial" pitchFamily="34" charset="0"/>
+              <a:buChar char="•"/>
+            </a:pPr>
+            <a:r>
+              <a:rPr lang="en-US" dirty="0" smtClean="0"/>
+              <a:t>Perl has CPAN</a:t>
+            </a:r>
+          </a:p>
+          <a:p>
+            <a:pPr marL="342900" indent="-342900">
+              <a:buFont typeface="Arial" pitchFamily="34" charset="0"/>
+              <a:buChar char="•"/>
+            </a:pPr>
+            <a:r>
+              <a:rPr lang="en-US" dirty="0" smtClean="0"/>
+              <a:t>PHP has PEAR/</a:t>
+            </a:r>
+            <a:r>
+              <a:rPr lang="en-US" dirty="0" err="1" smtClean="0"/>
+              <a:t>Pecl</a:t>
+            </a:r>
+            <a:endParaRPr lang="en-US" dirty="0" smtClean="0"/>
+          </a:p>
+          <a:p>
+            <a:pPr marL="342900" indent="-342900">
+              <a:buFont typeface="Arial" pitchFamily="34" charset="0"/>
+              <a:buChar char="•"/>
+            </a:pPr>
+            <a:r>
+              <a:rPr lang="en-US" dirty="0" smtClean="0"/>
+              <a:t>Ruby has </a:t>
+            </a:r>
+            <a:r>
+              <a:rPr lang="en-US" dirty="0" err="1" smtClean="0"/>
+              <a:t>RubyGems</a:t>
+            </a:r>
+            <a:endParaRPr lang="en-US" dirty="0" smtClean="0"/>
+          </a:p>
+          <a:p>
+            <a:pPr marL="342900" indent="-342900">
+              <a:buFont typeface="Arial" pitchFamily="34" charset="0"/>
+              <a:buChar char="•"/>
+            </a:pPr>
+            <a:r>
+              <a:rPr lang="en-US" dirty="0" smtClean="0"/>
+              <a:t>C/C++/C# … </a:t>
+            </a:r>
+            <a:r>
+              <a:rPr lang="en-US" dirty="0" err="1" smtClean="0"/>
+              <a:t>Makefiles</a:t>
+            </a:r>
+            <a:r>
+              <a:rPr lang="en-US" dirty="0" smtClean="0"/>
+              <a:t> + </a:t>
+            </a:r>
+            <a:r>
+              <a:rPr lang="en-US" dirty="0" err="1" smtClean="0"/>
+              <a:t>wget</a:t>
+            </a:r>
+            <a:endParaRPr lang="en-US" dirty="0" smtClean="0"/>
           </a:p>
           <a:p>
             <a:pPr marL="342900" indent="-342900">
@@ -17351,7 +17416,7 @@
         <p:spPr>
           <a:xfrm>
             <a:off x="2760446" y="3198168"/>
-            <a:ext cx="2787943" cy="1200329"/>
+            <a:ext cx="2050561" cy="461665"/>
           </a:xfrm>
           <a:prstGeom prst="rect">
             <a:avLst/>
@@ -17365,19 +17430,11 @@
           <a:p>
             <a:r>
               <a:rPr lang="en-US" dirty="0" smtClean="0"/>
-              <a:t>Assignment 5</a:t>
-            </a:r>
-          </a:p>
-          <a:p>
-            <a:r>
-              <a:rPr lang="en-US" dirty="0" smtClean="0"/>
-              <a:t>Read up on Maven</a:t>
-            </a:r>
-          </a:p>
-          <a:p>
-            <a:r>
-              <a:rPr lang="en-US" dirty="0" smtClean="0"/>
-              <a:t>Study for midterm</a:t>
+              <a:t>Assignment </a:t>
+            </a:r>
+            <a:r>
+              <a:rPr lang="en-US" dirty="0" smtClean="0"/>
+              <a:t>5</a:t>
             </a:r>
             <a:endParaRPr lang="en-US" dirty="0"/>
           </a:p>
@@ -17474,7 +17531,7 @@
         <p:spPr>
           <a:xfrm>
             <a:off x="1371601" y="1905000"/>
-            <a:ext cx="7086600" cy="3416320"/>
+            <a:ext cx="7086600" cy="4154984"/>
           </a:xfrm>
           <a:prstGeom prst="rect">
             <a:avLst/>
@@ -17503,17 +17560,11 @@
             </a:pPr>
             <a:r>
               <a:rPr lang="en-US" dirty="0" smtClean="0"/>
-              <a:t>Successor of AWT, Swing</a:t>
-            </a:r>
-          </a:p>
-          <a:p>
-            <a:pPr marL="342900" indent="-342900">
-              <a:buFont typeface="Arial" pitchFamily="34" charset="0"/>
-              <a:buChar char="•"/>
-            </a:pPr>
-            <a:r>
-              <a:rPr lang="en-US" dirty="0" smtClean="0"/>
-              <a:t>Use Scene Builder plugin for eclipse</a:t>
+              <a:t>Successor of AWT, </a:t>
+            </a:r>
+            <a:r>
+              <a:rPr lang="en-US" dirty="0" smtClean="0"/>
+              <a:t>Swing</a:t>
             </a:r>
           </a:p>
           <a:p>
@@ -17531,7 +17582,7 @@
               <a:rPr lang="en-US" dirty="0" smtClean="0">
                 <a:hlinkClick r:id="rId2"/>
               </a:rPr>
-              <a:t>www.eclipse.org/efxclipse/install.html</a:t>
+              <a:t>www.oracle.com/technetwork/java/javafx/overview/faq-1446554.html#6</a:t>
             </a:r>
             <a:endParaRPr lang="en-US" dirty="0" smtClean="0"/>
           </a:p>
@@ -17541,16 +17592,26 @@
               <a:buChar char="•"/>
             </a:pPr>
             <a:r>
+              <a:rPr lang="en-US" dirty="0" smtClean="0"/>
+              <a:t>Use Scene Builder plugin for eclipse</a:t>
+            </a:r>
+          </a:p>
+          <a:p>
+            <a:pPr marL="342900" indent="-342900">
+              <a:buFont typeface="Arial" pitchFamily="34" charset="0"/>
+              <a:buChar char="•"/>
+            </a:pPr>
+            <a:r>
               <a:rPr lang="en-US" dirty="0">
                 <a:hlinkClick r:id="rId3"/>
               </a:rPr>
-              <a:t>http://download.eclipse.org/modeling/tmf/xtext/updates/composite/releases</a:t>
+              <a:t>http://</a:t>
             </a:r>
             <a:r>
               <a:rPr lang="en-US" dirty="0" smtClean="0">
                 <a:hlinkClick r:id="rId3"/>
               </a:rPr>
-              <a:t>/</a:t>
+              <a:t>www.eclipse.org/efxclipse/install.html</a:t>
             </a:r>
             <a:endParaRPr lang="en-US" dirty="0" smtClean="0"/>
           </a:p>
@@ -17562,6 +17623,25 @@
             <a:r>
               <a:rPr lang="en-US" dirty="0">
                 <a:hlinkClick r:id="rId4"/>
+              </a:rPr>
+              <a:t>http://download.eclipse.org/modeling/tmf/xtext/updates/composite/releases</a:t>
+            </a:r>
+            <a:r>
+              <a:rPr lang="en-US" dirty="0" smtClean="0">
+                <a:hlinkClick r:id="rId4"/>
+              </a:rPr>
+              <a:t>/</a:t>
+            </a:r>
+            <a:endParaRPr lang="en-US" dirty="0" smtClean="0"/>
+          </a:p>
+          <a:p>
+            <a:pPr marL="342900" indent="-342900">
+              <a:buFont typeface="Arial" pitchFamily="34" charset="0"/>
+              <a:buChar char="•"/>
+            </a:pPr>
+            <a:r>
+              <a:rPr lang="en-US" dirty="0">
+                <a:hlinkClick r:id="rId5"/>
               </a:rPr>
               <a:t>http://download.eclipse.org/efxclipse/updates-released/0.9.0/site</a:t>
             </a:r>
@@ -18173,8 +18253,8 @@
         </p:nvSpPr>
         <p:spPr>
           <a:xfrm>
-            <a:off x="1600201" y="1752600"/>
-            <a:ext cx="6934200" cy="3416320"/>
+            <a:off x="990601" y="1524001"/>
+            <a:ext cx="7086600" cy="4524315"/>
           </a:xfrm>
           <a:prstGeom prst="rect">
             <a:avLst/>
@@ -18231,7 +18311,15 @@
             </a:pPr>
             <a:r>
               <a:rPr lang="en-US" dirty="0" smtClean="0"/>
-              <a:t>Re-use as much of my code as you want</a:t>
+              <a:t>Re-use as much </a:t>
+            </a:r>
+            <a:r>
+              <a:rPr lang="en-US" dirty="0" smtClean="0"/>
+              <a:t>or little of </a:t>
+            </a:r>
+            <a:r>
+              <a:rPr lang="en-US" dirty="0" smtClean="0"/>
+              <a:t>my code as you want</a:t>
             </a:r>
           </a:p>
           <a:p>
@@ -18259,7 +18347,40 @@
             </a:pPr>
             <a:r>
               <a:rPr lang="en-US" dirty="0" smtClean="0"/>
-              <a:t>Digging into a project … program, program, program!</a:t>
+              <a:t>Digging into a </a:t>
+            </a:r>
+            <a:r>
+              <a:rPr lang="en-US" dirty="0" smtClean="0"/>
+              <a:t>project</a:t>
+            </a:r>
+          </a:p>
+          <a:p>
+            <a:pPr marL="342900" indent="-342900">
+              <a:buFont typeface="Arial" pitchFamily="34" charset="0"/>
+              <a:buChar char="•"/>
+            </a:pPr>
+            <a:r>
+              <a:rPr lang="en-US" dirty="0">
+                <a:hlinkClick r:id="rId2"/>
+              </a:rPr>
+              <a:t>http://</a:t>
+            </a:r>
+            <a:r>
+              <a:rPr lang="en-US" dirty="0" smtClean="0">
+                <a:hlinkClick r:id="rId2"/>
+              </a:rPr>
+              <a:t>download.oracle.com/otndocs/products/javafx/2/samples/Ensemble/index.html</a:t>
+            </a:r>
+            <a:endParaRPr lang="en-US" dirty="0" smtClean="0"/>
+          </a:p>
+          <a:p>
+            <a:pPr marL="342900" indent="-342900">
+              <a:buFont typeface="Arial" pitchFamily="34" charset="0"/>
+              <a:buChar char="•"/>
+            </a:pPr>
+            <a:r>
+              <a:rPr lang="en-US" dirty="0" smtClean="0"/>
+              <a:t>If you don’t want to use Scene Builder, then don’t use it ;)</a:t>
             </a:r>
           </a:p>
         </p:txBody>
@@ -18483,25 +18604,65 @@
           <a:p>
             <a:r>
               <a:rPr lang="en-US" dirty="0" smtClean="0"/>
-              <a:t>Any questions so far</a:t>
-            </a:r>
-            <a:br>
-              <a:rPr lang="en-US" dirty="0" smtClean="0"/>
-            </a:br>
-            <a:r>
-              <a:rPr lang="en-US" dirty="0"/>
-              <a:t/>
-            </a:r>
-            <a:br>
-              <a:rPr lang="en-US" dirty="0"/>
-            </a:br>
+              <a:t>This is where the course becomes … “you”</a:t>
+            </a:r>
             <a:endParaRPr lang="en-US" dirty="0"/>
           </a:p>
         </p:txBody>
       </p:sp>
       <p:sp>
         <p:nvSpPr>
-          <p:cNvPr id="3" name="Slide Number Placeholder 2"/>
+          <p:cNvPr id="3" name="Content Placeholder 2"/>
+          <p:cNvSpPr>
+            <a:spLocks noGrp="1"/>
+          </p:cNvSpPr>
+          <p:nvPr>
+            <p:ph idx="1"/>
+          </p:nvPr>
+        </p:nvSpPr>
+        <p:spPr>
+          <a:xfrm>
+            <a:off x="533400" y="2438400"/>
+            <a:ext cx="8153400" cy="3917160"/>
+          </a:xfrm>
+        </p:spPr>
+        <p:txBody>
+          <a:bodyPr/>
+          <a:lstStyle/>
+          <a:p>
+            <a:r>
+              <a:rPr lang="en-US" dirty="0" smtClean="0"/>
+              <a:t>I guess I could spend another class or two showing </a:t>
+            </a:r>
+            <a:r>
+              <a:rPr lang="en-US" dirty="0" err="1" smtClean="0"/>
+              <a:t>JavaFx</a:t>
+            </a:r>
+            <a:r>
+              <a:rPr lang="en-US" dirty="0" smtClean="0"/>
+              <a:t> widgets (actually, I really can’t – I suck at </a:t>
+            </a:r>
+            <a:r>
+              <a:rPr lang="en-US" dirty="0" err="1" smtClean="0"/>
+              <a:t>JavaFx</a:t>
+            </a:r>
+            <a:r>
+              <a:rPr lang="en-US" dirty="0" smtClean="0"/>
+              <a:t> – I don’t write desktop apps)</a:t>
+            </a:r>
+          </a:p>
+          <a:p>
+            <a:r>
+              <a:rPr lang="en-US" dirty="0" smtClean="0"/>
+              <a:t>Each project may use a different widget, experiment and have fun.</a:t>
+            </a:r>
+            <a:endParaRPr lang="en-US" dirty="0"/>
+          </a:p>
+        </p:txBody>
+      </p:sp>
+      <p:sp>
+        <p:nvSpPr>
+          <p:cNvPr id="4" name="Slide Number Placeholder 3"/>
           <p:cNvSpPr>
             <a:spLocks noGrp="1"/>
           </p:cNvSpPr>
@@ -18517,95 +18678,21 @@
             <a:pPr>
               <a:defRPr/>
             </a:pPr>
-            <a:fld id="{B2451C39-31DD-6D4B-9BED-758CF6C1BA6A}" type="slidenum">
-              <a:rPr lang="en-CA" smtClean="0"/>
+            <a:fld id="{8B8B984A-5AFF-7643-AE60-6D8D11294076}" type="slidenum">
+              <a:rPr lang="en-US" smtClean="0"/>
               <a:pPr>
                 <a:defRPr/>
               </a:pPr>
               <a:t>72</a:t>
             </a:fld>
-            <a:endParaRPr lang="en-CA"/>
-          </a:p>
-        </p:txBody>
-      </p:sp>
-      <p:sp>
-        <p:nvSpPr>
-          <p:cNvPr id="4" name="TextBox 3"/>
-          <p:cNvSpPr txBox="1"/>
-          <p:nvPr/>
-        </p:nvSpPr>
-        <p:spPr>
-          <a:xfrm>
-            <a:off x="2362200" y="2438400"/>
-            <a:ext cx="5884944" cy="2677656"/>
-          </a:xfrm>
-          <a:prstGeom prst="rect">
-            <a:avLst/>
-          </a:prstGeom>
-          <a:noFill/>
-        </p:spPr>
-        <p:txBody>
-          <a:bodyPr wrap="none" rtlCol="0">
-            <a:spAutoFit/>
-          </a:bodyPr>
-          <a:lstStyle/>
-          <a:p>
-            <a:pPr marL="342900" indent="-342900">
-              <a:buFont typeface="Arial" pitchFamily="34" charset="0"/>
-              <a:buChar char="•"/>
-            </a:pPr>
-            <a:r>
-              <a:rPr lang="en-US" dirty="0" smtClean="0"/>
-              <a:t>Midterm</a:t>
-            </a:r>
-          </a:p>
-          <a:p>
-            <a:pPr marL="342900" indent="-342900">
-              <a:buFont typeface="Arial" pitchFamily="34" charset="0"/>
-              <a:buChar char="•"/>
-            </a:pPr>
-            <a:r>
-              <a:rPr lang="en-US" dirty="0" smtClean="0"/>
-              <a:t>After midterm:</a:t>
-            </a:r>
-          </a:p>
-          <a:p>
-            <a:r>
-              <a:rPr lang="en-US" dirty="0" smtClean="0"/>
-              <a:t>This is where the class becomes more</a:t>
-            </a:r>
-          </a:p>
-          <a:p>
-            <a:r>
-              <a:rPr lang="en-US" dirty="0" smtClean="0"/>
-              <a:t>Hands-on – I’ll be speaking less, and</a:t>
-            </a:r>
-          </a:p>
-          <a:p>
-            <a:r>
-              <a:rPr lang="en-US" dirty="0" smtClean="0"/>
-              <a:t>You’ll be coding in class more ;)</a:t>
-            </a:r>
-          </a:p>
-          <a:p>
-            <a:r>
-              <a:rPr lang="en-US" dirty="0" smtClean="0"/>
-              <a:t>Spend rest of class working on homework</a:t>
-            </a:r>
-          </a:p>
-          <a:p>
-            <a:r>
-              <a:rPr lang="en-US" dirty="0" smtClean="0"/>
-              <a:t>Oh what’s homework? (see next slide)</a:t>
-            </a:r>
-            <a:endParaRPr lang="en-US" dirty="0"/>
+            <a:endParaRPr lang="en-US"/>
           </a:p>
         </p:txBody>
       </p:sp>
     </p:spTree>
     <p:extLst>
       <p:ext uri="{BB962C8B-B14F-4D97-AF65-F5344CB8AC3E}">
-        <p14:creationId xmlns:p14="http://schemas.microsoft.com/office/powerpoint/2010/main" val="4219736894"/>
+        <p14:creationId xmlns:p14="http://schemas.microsoft.com/office/powerpoint/2010/main" val="1526618300"/>
       </p:ext>
     </p:extLst>
   </p:cSld>
@@ -18657,7 +18744,36 @@
       </p:sp>
       <p:sp>
         <p:nvSpPr>
-          <p:cNvPr id="3" name="Slide Number Placeholder 2"/>
+          <p:cNvPr id="3" name="Content Placeholder 2"/>
+          <p:cNvSpPr>
+            <a:spLocks noGrp="1"/>
+          </p:cNvSpPr>
+          <p:nvPr>
+            <p:ph idx="1"/>
+          </p:nvPr>
+        </p:nvSpPr>
+        <p:spPr/>
+        <p:txBody>
+          <a:bodyPr/>
+          <a:lstStyle/>
+          <a:p>
+            <a:r>
+              <a:rPr lang="en-US" dirty="0" smtClean="0"/>
+              <a:t>Assignment 6</a:t>
+            </a:r>
+          </a:p>
+          <a:p>
+            <a:r>
+              <a:rPr lang="en-US" dirty="0" smtClean="0"/>
+              <a:t>Study for midterm</a:t>
+            </a:r>
+            <a:endParaRPr lang="en-US" dirty="0"/>
+          </a:p>
+        </p:txBody>
+      </p:sp>
+      <p:sp>
+        <p:nvSpPr>
+          <p:cNvPr id="4" name="Slide Number Placeholder 3"/>
           <p:cNvSpPr>
             <a:spLocks noGrp="1"/>
           </p:cNvSpPr>
@@ -18673,51 +18789,21 @@
             <a:pPr>
               <a:defRPr/>
             </a:pPr>
-            <a:fld id="{B2451C39-31DD-6D4B-9BED-758CF6C1BA6A}" type="slidenum">
-              <a:rPr lang="en-CA" smtClean="0"/>
+            <a:fld id="{8B8B984A-5AFF-7643-AE60-6D8D11294076}" type="slidenum">
+              <a:rPr lang="en-US" smtClean="0"/>
               <a:pPr>
                 <a:defRPr/>
               </a:pPr>
               <a:t>73</a:t>
             </a:fld>
-            <a:endParaRPr lang="en-CA"/>
-          </a:p>
-        </p:txBody>
-      </p:sp>
-      <p:sp>
-        <p:nvSpPr>
-          <p:cNvPr id="4" name="TextBox 3"/>
-          <p:cNvSpPr txBox="1"/>
-          <p:nvPr/>
-        </p:nvSpPr>
-        <p:spPr>
-          <a:xfrm>
-            <a:off x="1371600" y="1981200"/>
-            <a:ext cx="1965603" cy="461665"/>
-          </a:xfrm>
-          <a:prstGeom prst="rect">
-            <a:avLst/>
-          </a:prstGeom>
-          <a:noFill/>
-        </p:spPr>
-        <p:txBody>
-          <a:bodyPr wrap="none" rtlCol="0">
-            <a:spAutoFit/>
-          </a:bodyPr>
-          <a:lstStyle/>
-          <a:p>
-            <a:r>
-              <a:rPr lang="en-US" dirty="0" smtClean="0"/>
-              <a:t>Assignment7</a:t>
-            </a:r>
-            <a:endParaRPr lang="en-US" dirty="0"/>
+            <a:endParaRPr lang="en-US"/>
           </a:p>
         </p:txBody>
       </p:sp>
     </p:spTree>
     <p:extLst>
       <p:ext uri="{BB962C8B-B14F-4D97-AF65-F5344CB8AC3E}">
-        <p14:creationId xmlns:p14="http://schemas.microsoft.com/office/powerpoint/2010/main" val="1591026668"/>
+        <p14:creationId xmlns:p14="http://schemas.microsoft.com/office/powerpoint/2010/main" val="3094578132"/>
       </p:ext>
     </p:extLst>
   </p:cSld>
@@ -18761,20 +18847,18 @@
           <a:p>
             <a:r>
               <a:rPr lang="en-US" dirty="0" smtClean="0"/>
-              <a:t>About </a:t>
-            </a:r>
-            <a:r>
-              <a:rPr lang="en-US" dirty="0" err="1" smtClean="0"/>
-              <a:t>Git</a:t>
-            </a:r>
+              <a:t>Any questions so far</a:t>
+            </a:r>
+            <a:br>
+              <a:rPr lang="en-US" dirty="0" smtClean="0"/>
+            </a:br>
             <a:r>
               <a:rPr lang="en-US" dirty="0"/>
-              <a:t> </a:t>
-            </a:r>
-            <a:r>
-              <a:rPr lang="en-US" dirty="0" smtClean="0"/>
-              <a:t>timestamps / Post Midterm</a:t>
-            </a:r>
+              <a:t/>
+            </a:r>
+            <a:br>
+              <a:rPr lang="en-US" dirty="0"/>
+            </a:br>
             <a:endParaRPr lang="en-US" dirty="0"/>
           </a:p>
         </p:txBody>
@@ -18816,8 +18900,8 @@
         </p:nvSpPr>
         <p:spPr>
           <a:xfrm>
-            <a:off x="1828800" y="2133600"/>
-            <a:ext cx="6572633" cy="3416320"/>
+            <a:off x="2362200" y="2438400"/>
+            <a:ext cx="5884944" cy="2677656"/>
           </a:xfrm>
           <a:prstGeom prst="rect">
             <a:avLst/>
@@ -18836,25 +18920,7 @@
             </a:pPr>
             <a:r>
               <a:rPr lang="en-US" dirty="0" smtClean="0"/>
-              <a:t>Chemistry 12 … back in my days,</a:t>
-            </a:r>
-          </a:p>
-          <a:p>
-            <a:r>
-              <a:rPr lang="en-US" dirty="0" smtClean="0"/>
-              <a:t>Bringing in a scientific calculator was forbidden</a:t>
-            </a:r>
-          </a:p>
-          <a:p>
-            <a:r>
-              <a:rPr lang="en-US" dirty="0" smtClean="0"/>
-              <a:t>For the Final Exam.  Why?  Because you can</a:t>
-            </a:r>
-          </a:p>
-          <a:p>
-            <a:r>
-              <a:rPr lang="en-US" dirty="0" smtClean="0"/>
-              <a:t>“program” all the formulas in there</a:t>
+              <a:t>Midterm</a:t>
             </a:r>
           </a:p>
           <a:p>
@@ -18864,31 +18930,37 @@
             </a:pPr>
             <a:r>
               <a:rPr lang="en-US" dirty="0" smtClean="0"/>
-              <a:t>Most ironic part … if you can figure out how</a:t>
-            </a:r>
-          </a:p>
-          <a:p>
-            <a:r>
-              <a:rPr lang="en-US" dirty="0" smtClean="0"/>
-              <a:t>To program those formulas in and use them</a:t>
-            </a:r>
-          </a:p>
-          <a:p>
-            <a:r>
-              <a:rPr lang="en-US" dirty="0" smtClean="0"/>
-              <a:t>Efficiently, you were probably smarter than the</a:t>
-            </a:r>
-          </a:p>
-          <a:p>
-            <a:r>
-              <a:rPr lang="en-US" dirty="0" smtClean="0"/>
-              <a:t>Teacher (at least my teacher)</a:t>
-            </a:r>
-          </a:p>
-          <a:p>
-            <a:r>
-              <a:rPr lang="en-US" dirty="0" smtClean="0"/>
-              <a:t>and deserved an A+ anyways.</a:t>
+              <a:t>After midterm:</a:t>
+            </a:r>
+          </a:p>
+          <a:p>
+            <a:r>
+              <a:rPr lang="en-US" dirty="0" smtClean="0"/>
+              <a:t>This is where the class becomes more</a:t>
+            </a:r>
+          </a:p>
+          <a:p>
+            <a:r>
+              <a:rPr lang="en-US" dirty="0" smtClean="0"/>
+              <a:t>Hands-on – I’ll be speaking less, and</a:t>
+            </a:r>
+          </a:p>
+          <a:p>
+            <a:r>
+              <a:rPr lang="en-US" dirty="0" smtClean="0"/>
+              <a:t>You’ll be coding in class more ;)</a:t>
+            </a:r>
+          </a:p>
+          <a:p>
+            <a:r>
+              <a:rPr lang="en-US" dirty="0" smtClean="0"/>
+              <a:t>Spend rest of class working on homework</a:t>
+            </a:r>
+          </a:p>
+          <a:p>
+            <a:r>
+              <a:rPr lang="en-US" dirty="0" smtClean="0"/>
+              <a:t>Oh what’s homework? (see next slide)</a:t>
             </a:r>
             <a:endParaRPr lang="en-US" dirty="0"/>
           </a:p>
@@ -18897,7 +18969,7 @@
     </p:spTree>
     <p:extLst>
       <p:ext uri="{BB962C8B-B14F-4D97-AF65-F5344CB8AC3E}">
-        <p14:creationId xmlns:p14="http://schemas.microsoft.com/office/powerpoint/2010/main" val="1856179208"/>
+        <p14:creationId xmlns:p14="http://schemas.microsoft.com/office/powerpoint/2010/main" val="4219736894"/>
       </p:ext>
     </p:extLst>
   </p:cSld>
@@ -18941,11 +19013,7 @@
           <a:p>
             <a:r>
               <a:rPr lang="en-US" dirty="0" smtClean="0"/>
-              <a:t>Java applets / </a:t>
-            </a:r>
-            <a:r>
-              <a:rPr lang="en-US" dirty="0" err="1" smtClean="0"/>
-              <a:t>Webstart</a:t>
+              <a:t>Homework</a:t>
             </a:r>
             <a:endParaRPr lang="en-US" dirty="0"/>
           </a:p>
@@ -18988,8 +19056,8 @@
         </p:nvSpPr>
         <p:spPr>
           <a:xfrm>
-            <a:off x="1600200" y="2438400"/>
-            <a:ext cx="6298519" cy="3416320"/>
+            <a:off x="1371600" y="1981200"/>
+            <a:ext cx="1965603" cy="461665"/>
           </a:xfrm>
           <a:prstGeom prst="rect">
             <a:avLst/>
@@ -19002,110 +19070,9 @@
           </a:bodyPr>
           <a:lstStyle/>
           <a:p>
-            <a:pPr marL="342900" indent="-342900">
-              <a:buFont typeface="Arial" pitchFamily="34" charset="0"/>
-              <a:buChar char="•"/>
-            </a:pPr>
-            <a:r>
-              <a:rPr lang="en-US" dirty="0" smtClean="0"/>
-              <a:t>What is an applet?</a:t>
-            </a:r>
-          </a:p>
-          <a:p>
-            <a:pPr marL="342900" indent="-342900">
-              <a:buFont typeface="Arial" pitchFamily="34" charset="0"/>
-              <a:buChar char="•"/>
-            </a:pPr>
-            <a:r>
-              <a:rPr lang="en-US" dirty="0" smtClean="0"/>
-              <a:t>It’s a way to show your java application</a:t>
-            </a:r>
-          </a:p>
-          <a:p>
-            <a:r>
-              <a:rPr lang="en-US" dirty="0"/>
-              <a:t>o</a:t>
-            </a:r>
-            <a:r>
-              <a:rPr lang="en-US" dirty="0" smtClean="0"/>
-              <a:t>n a webpage … think of it like a plugin</a:t>
-            </a:r>
-          </a:p>
-          <a:p>
-            <a:pPr marL="342900" indent="-342900">
-              <a:buFont typeface="Arial" pitchFamily="34" charset="0"/>
-              <a:buChar char="•"/>
-            </a:pPr>
-            <a:r>
-              <a:rPr lang="en-US" dirty="0" smtClean="0"/>
-              <a:t>Similar to Flash</a:t>
-            </a:r>
-          </a:p>
-          <a:p>
-            <a:pPr marL="342900" indent="-342900">
-              <a:buFont typeface="Arial" pitchFamily="34" charset="0"/>
-              <a:buChar char="•"/>
-            </a:pPr>
-            <a:r>
-              <a:rPr lang="en-US" dirty="0" smtClean="0"/>
-              <a:t>Applets were the *OLDER* way to present</a:t>
-            </a:r>
-          </a:p>
-          <a:p>
-            <a:r>
-              <a:rPr lang="en-US" dirty="0" smtClean="0"/>
-              <a:t>Java applications on the </a:t>
-            </a:r>
-            <a:r>
-              <a:rPr lang="en-US" dirty="0" err="1" smtClean="0"/>
-              <a:t>brower</a:t>
-            </a:r>
-            <a:endParaRPr lang="en-US" dirty="0" smtClean="0"/>
-          </a:p>
-          <a:p>
-            <a:pPr marL="342900" indent="-342900">
-              <a:buFont typeface="Arial" pitchFamily="34" charset="0"/>
-              <a:buChar char="•"/>
-            </a:pPr>
-            <a:r>
-              <a:rPr lang="en-US" dirty="0" smtClean="0"/>
-              <a:t>When ran/deployed, they look pretty much</a:t>
-            </a:r>
-          </a:p>
-          <a:p>
-            <a:pPr marL="342900" indent="-342900">
-              <a:buFont typeface="Arial" pitchFamily="34" charset="0"/>
-              <a:buChar char="•"/>
-            </a:pPr>
-            <a:r>
-              <a:rPr lang="en-US" dirty="0" smtClean="0"/>
-              <a:t>The same – hey its just Java </a:t>
-            </a:r>
-            <a:r>
-              <a:rPr lang="en-US" dirty="0" err="1" smtClean="0"/>
-              <a:t>Fx</a:t>
-            </a:r>
-            <a:r>
-              <a:rPr lang="en-US" dirty="0" smtClean="0"/>
-              <a:t> ;)</a:t>
-            </a:r>
-          </a:p>
-          <a:p>
-            <a:pPr marL="342900" indent="-342900">
-              <a:buFont typeface="Arial" pitchFamily="34" charset="0"/>
-              <a:buChar char="•"/>
-            </a:pPr>
-            <a:r>
-              <a:rPr lang="en-US" dirty="0" smtClean="0"/>
-              <a:t>Syntax for </a:t>
-            </a:r>
-            <a:r>
-              <a:rPr lang="en-US" dirty="0" err="1" smtClean="0"/>
-              <a:t>Webstart</a:t>
-            </a:r>
-            <a:r>
-              <a:rPr lang="en-US" dirty="0" smtClean="0"/>
-              <a:t> is better Applets</a:t>
+            <a:r>
+              <a:rPr lang="en-US" dirty="0" smtClean="0"/>
+              <a:t>Assignment7</a:t>
             </a:r>
             <a:endParaRPr lang="en-US" dirty="0"/>
           </a:p>
@@ -19114,7 +19081,7 @@
     </p:spTree>
     <p:extLst>
       <p:ext uri="{BB962C8B-B14F-4D97-AF65-F5344CB8AC3E}">
-        <p14:creationId xmlns:p14="http://schemas.microsoft.com/office/powerpoint/2010/main" val="2587190784"/>
+        <p14:creationId xmlns:p14="http://schemas.microsoft.com/office/powerpoint/2010/main" val="1591026668"/>
       </p:ext>
     </p:extLst>
   </p:cSld>
@@ -19158,7 +19125,19 @@
           <a:p>
             <a:r>
               <a:rPr lang="en-US" dirty="0" smtClean="0"/>
-              <a:t>There’s a plugin for that</a:t>
+              <a:t>About </a:t>
+            </a:r>
+            <a:r>
+              <a:rPr lang="en-US" dirty="0" err="1" smtClean="0"/>
+              <a:t>Git</a:t>
+            </a:r>
+            <a:r>
+              <a:rPr lang="en-US" dirty="0"/>
+              <a:t> </a:t>
+            </a:r>
+            <a:r>
+              <a:rPr lang="en-US" dirty="0" smtClean="0"/>
+              <a:t>timestamps / Post Midterm</a:t>
             </a:r>
             <a:endParaRPr lang="en-US" dirty="0"/>
           </a:p>
@@ -19201,8 +19180,8 @@
         </p:nvSpPr>
         <p:spPr>
           <a:xfrm>
-            <a:off x="1524001" y="1981200"/>
-            <a:ext cx="6553200" cy="5262979"/>
+            <a:off x="762000" y="1524001"/>
+            <a:ext cx="7315200" cy="3416320"/>
           </a:xfrm>
           <a:prstGeom prst="rect">
             <a:avLst/>
@@ -19215,58 +19194,32 @@
           </a:bodyPr>
           <a:lstStyle/>
           <a:p>
-            <a:r>
-              <a:rPr lang="en-US" dirty="0"/>
-              <a:t>Read: </a:t>
-            </a:r>
-            <a:r>
-              <a:rPr lang="en-US" dirty="0">
-                <a:hlinkClick r:id="rId2"/>
-              </a:rPr>
-              <a:t>http://</a:t>
-            </a:r>
-            <a:r>
-              <a:rPr lang="en-US" dirty="0" smtClean="0">
-                <a:hlinkClick r:id="rId2"/>
-              </a:rPr>
-              <a:t>zenjava.com/javafx/maven/index.html</a:t>
-            </a:r>
-            <a:endParaRPr lang="en-US" dirty="0" smtClean="0"/>
-          </a:p>
-          <a:p>
-            <a:r>
-              <a:rPr lang="en-US" dirty="0" smtClean="0"/>
-              <a:t>Use my pom.xml as reference (especially the configuration section)</a:t>
-            </a:r>
-          </a:p>
-          <a:p>
-            <a:r>
-              <a:rPr lang="en-US" dirty="0" smtClean="0"/>
-              <a:t>Basic steps</a:t>
-            </a:r>
-          </a:p>
-          <a:p>
             <a:pPr marL="342900" indent="-342900">
               <a:buFont typeface="Arial" pitchFamily="34" charset="0"/>
               <a:buChar char="•"/>
             </a:pPr>
             <a:r>
-              <a:rPr lang="en-US" dirty="0"/>
-              <a:t>Install plugin: see </a:t>
-            </a:r>
-            <a:r>
-              <a:rPr lang="en-US" dirty="0">
-                <a:hlinkClick r:id="rId3"/>
-              </a:rPr>
-              <a:t>http://</a:t>
-            </a:r>
-            <a:r>
-              <a:rPr lang="en-US" dirty="0" smtClean="0">
-                <a:hlinkClick r:id="rId3"/>
-              </a:rPr>
-              <a:t>zenjava.com/javafx/maven/basic-config.html</a:t>
-            </a:r>
-            <a:endParaRPr lang="en-US" dirty="0" smtClean="0"/>
+              <a:rPr lang="en-US" dirty="0" smtClean="0"/>
+              <a:t>Chemistry 12 … back in my days,</a:t>
+            </a:r>
+          </a:p>
+          <a:p>
+            <a:r>
+              <a:rPr lang="en-US" dirty="0" smtClean="0"/>
+              <a:t>Bringing in a scientific calculator was forbidden</a:t>
+            </a:r>
+          </a:p>
+          <a:p>
+            <a:r>
+              <a:rPr lang="en-US" dirty="0" smtClean="0"/>
+              <a:t>For the Final Exam.  Why?  Because you can</a:t>
+            </a:r>
+          </a:p>
+          <a:p>
+            <a:r>
+              <a:rPr lang="en-US" dirty="0" smtClean="0"/>
+              <a:t>“program” all the formulas in there</a:t>
+            </a:r>
           </a:p>
           <a:p>
             <a:pPr marL="342900" indent="-342900">
@@ -19274,31 +19227,37 @@
               <a:buChar char="•"/>
             </a:pPr>
             <a:r>
-              <a:rPr lang="en-US" dirty="0" err="1"/>
-              <a:t>mvn</a:t>
-            </a:r>
-            <a:r>
-              <a:rPr lang="en-US" dirty="0"/>
-              <a:t> </a:t>
-            </a:r>
-            <a:r>
-              <a:rPr lang="en-US" dirty="0" smtClean="0"/>
-              <a:t>com.zenjava:javafx-maven-plugin:2.0:fix-classpath (hint anytime you see </a:t>
-            </a:r>
-            <a:r>
-              <a:rPr lang="en-US" dirty="0" err="1" smtClean="0"/>
-              <a:t>mvn</a:t>
-            </a:r>
-            <a:r>
-              <a:rPr lang="en-US" dirty="0" smtClean="0"/>
-              <a:t> … goal, in Eclipse its Run As…Maven build (fill in the Goal with that long string), Run</a:t>
-            </a:r>
-          </a:p>
-          <a:p>
-            <a:pPr marL="342900" indent="-342900">
-              <a:buFont typeface="Arial" pitchFamily="34" charset="0"/>
-              <a:buChar char="•"/>
-            </a:pPr>
+              <a:rPr lang="en-US" dirty="0" smtClean="0"/>
+              <a:t>Most ironic part … if you can figure out how</a:t>
+            </a:r>
+          </a:p>
+          <a:p>
+            <a:r>
+              <a:rPr lang="en-US" dirty="0" smtClean="0"/>
+              <a:t>To program those formulas in and use them</a:t>
+            </a:r>
+          </a:p>
+          <a:p>
+            <a:r>
+              <a:rPr lang="en-US" dirty="0" smtClean="0"/>
+              <a:t>Efficiently, you were probably smarter than the</a:t>
+            </a:r>
+          </a:p>
+          <a:p>
+            <a:r>
+              <a:rPr lang="en-US" dirty="0" smtClean="0"/>
+              <a:t>Teacher (at least my teacher)</a:t>
+            </a:r>
+          </a:p>
+          <a:p>
+            <a:r>
+              <a:rPr lang="en-US" dirty="0" smtClean="0"/>
+              <a:t>and deserved an A+ anyways</a:t>
+            </a:r>
+            <a:r>
+              <a:rPr lang="en-US" dirty="0" smtClean="0"/>
+              <a:t>.</a:t>
+            </a:r>
             <a:endParaRPr lang="en-US" dirty="0"/>
           </a:p>
         </p:txBody>
@@ -19306,7 +19265,7 @@
     </p:spTree>
     <p:extLst>
       <p:ext uri="{BB962C8B-B14F-4D97-AF65-F5344CB8AC3E}">
-        <p14:creationId xmlns:p14="http://schemas.microsoft.com/office/powerpoint/2010/main" val="2756682193"/>
+        <p14:creationId xmlns:p14="http://schemas.microsoft.com/office/powerpoint/2010/main" val="1856179208"/>
       </p:ext>
     </p:extLst>
   </p:cSld>
@@ -19349,28 +19308,123 @@
           <a:lstStyle/>
           <a:p>
             <a:r>
+              <a:rPr lang="en-US" dirty="0" smtClean="0"/>
+              <a:t>More about Midterm thoughts</a:t>
+            </a:r>
+            <a:endParaRPr lang="en-US" dirty="0"/>
+          </a:p>
+        </p:txBody>
+      </p:sp>
+      <p:sp>
+        <p:nvSpPr>
+          <p:cNvPr id="3" name="Content Placeholder 2"/>
+          <p:cNvSpPr>
+            <a:spLocks noGrp="1"/>
+          </p:cNvSpPr>
+          <p:nvPr>
+            <p:ph idx="1"/>
+          </p:nvPr>
+        </p:nvSpPr>
+        <p:spPr/>
+        <p:txBody>
+          <a:bodyPr>
+            <a:normAutofit fontScale="62500" lnSpcReduction="20000"/>
+          </a:bodyPr>
+          <a:lstStyle/>
+          <a:p>
+            <a:endParaRPr lang="en-US" dirty="0"/>
+          </a:p>
+          <a:p>
+            <a:pPr marL="342900">
+              <a:buFont typeface="Arial" pitchFamily="34" charset="0"/>
+              <a:buChar char="•"/>
+            </a:pPr>
+            <a:r>
+              <a:rPr lang="en-US" dirty="0"/>
+              <a:t>Another “keen” theory I have is that if you</a:t>
+            </a:r>
+          </a:p>
+          <a:p>
+            <a:pPr marL="68580" indent="0">
+              <a:buNone/>
+            </a:pPr>
+            <a:r>
+              <a:rPr lang="en-US" dirty="0"/>
+              <a:t>Were so co-ordinated or careful in listening to</a:t>
+            </a:r>
+          </a:p>
+          <a:p>
+            <a:pPr marL="68580" indent="0">
+              <a:buNone/>
+            </a:pPr>
+            <a:r>
+              <a:rPr lang="en-US" dirty="0"/>
+              <a:t>My hints in class, but your Java skills are </a:t>
+            </a:r>
+            <a:r>
+              <a:rPr lang="en-US" dirty="0" smtClean="0"/>
+              <a:t>so-so, then </a:t>
+            </a:r>
+            <a:r>
+              <a:rPr lang="en-US" dirty="0"/>
+              <a:t>guess what … send your resume to </a:t>
+            </a:r>
+            <a:r>
+              <a:rPr lang="en-US" dirty="0" smtClean="0"/>
+              <a:t>be a </a:t>
+            </a:r>
+            <a:r>
+              <a:rPr lang="en-US" dirty="0"/>
+              <a:t>project manager, not software developer </a:t>
+            </a:r>
+            <a:endParaRPr lang="en-US" dirty="0" smtClean="0"/>
+          </a:p>
+          <a:p>
+            <a:r>
+              <a:rPr lang="en-US" dirty="0" smtClean="0"/>
+              <a:t>I used to consult for a government organization (information I can’t disclose to you) and our partner was another big organization (again I can’t disclose this info).  There were </a:t>
+            </a:r>
+            <a:r>
               <a:rPr lang="en-US" dirty="0" err="1" smtClean="0"/>
-              <a:t>Cont</a:t>
-            </a:r>
-            <a:r>
-              <a:rPr lang="en-US" dirty="0" smtClean="0"/>
-              <a:t> </a:t>
-            </a:r>
-            <a:r>
-              <a:rPr lang="en-US" dirty="0"/>
-              <a:t>(Maven, </a:t>
-            </a:r>
-            <a:r>
-              <a:rPr lang="en-US" dirty="0" err="1"/>
-              <a:t>JavaFx</a:t>
-            </a:r>
-            <a:r>
-              <a:rPr lang="en-US" dirty="0"/>
-              <a:t>)</a:t>
-            </a:r>
-            <a:r>
-              <a:rPr lang="en-US" dirty="0" smtClean="0"/>
-              <a:t>…</a:t>
+              <a:t>sooo</a:t>
+            </a:r>
+            <a:r>
+              <a:rPr lang="en-US" dirty="0" smtClean="0"/>
+              <a:t> many times I </a:t>
+            </a:r>
+            <a:r>
+              <a:rPr lang="en-US" dirty="0" err="1" smtClean="0"/>
+              <a:t>headbanged</a:t>
+            </a:r>
+            <a:r>
+              <a:rPr lang="en-US" dirty="0" smtClean="0"/>
+              <a:t> against my keyboard telling my counterpart to just use my code.  </a:t>
+            </a:r>
+            <a:r>
+              <a:rPr lang="en-US" dirty="0" err="1" smtClean="0"/>
+              <a:t>Communcation</a:t>
+            </a:r>
+            <a:r>
+              <a:rPr lang="en-US" dirty="0" smtClean="0"/>
+              <a:t> was a huge problem.  If you had </a:t>
+            </a:r>
+            <a:r>
+              <a:rPr lang="en-US" strike="sngStrike" dirty="0" smtClean="0"/>
+              <a:t>co-ordinated midterm answers</a:t>
+            </a:r>
+            <a:r>
+              <a:rPr lang="en-US" dirty="0" smtClean="0"/>
+              <a:t>, discussed where to have dinner, at exactly which restaurant and why your choice of celebration beer was better than his/hers, then that form of high-level communication via Gmail chat or whatever by itself during the beginning of last class is a talent by itself.  High communication skills is a sign of a good project manager.</a:t>
+            </a:r>
+          </a:p>
+          <a:p>
+            <a:r>
+              <a:rPr lang="en-US" dirty="0" smtClean="0"/>
+              <a:t>In case you haven’t guessed, I’m not trying to fail anyone in this course.  I’m here to help you learn and to help you find </a:t>
+            </a:r>
+            <a:r>
+              <a:rPr lang="en-US" smtClean="0"/>
+              <a:t>your talents.</a:t>
             </a:r>
             <a:endParaRPr lang="en-US" dirty="0"/>
           </a:p>
@@ -19378,7 +19432,7 @@
       </p:sp>
       <p:sp>
         <p:nvSpPr>
-          <p:cNvPr id="3" name="Slide Number Placeholder 2"/>
+          <p:cNvPr id="4" name="Slide Number Placeholder 3"/>
           <p:cNvSpPr>
             <a:spLocks noGrp="1"/>
           </p:cNvSpPr>
@@ -19394,206 +19448,21 @@
             <a:pPr>
               <a:defRPr/>
             </a:pPr>
-            <a:fld id="{B2451C39-31DD-6D4B-9BED-758CF6C1BA6A}" type="slidenum">
-              <a:rPr lang="en-CA" smtClean="0"/>
+            <a:fld id="{8B8B984A-5AFF-7643-AE60-6D8D11294076}" type="slidenum">
+              <a:rPr lang="en-US" smtClean="0"/>
               <a:pPr>
                 <a:defRPr/>
               </a:pPr>
               <a:t>77</a:t>
             </a:fld>
-            <a:endParaRPr lang="en-CA"/>
-          </a:p>
-        </p:txBody>
-      </p:sp>
-      <p:sp>
-        <p:nvSpPr>
-          <p:cNvPr id="4" name="TextBox 3"/>
-          <p:cNvSpPr txBox="1"/>
-          <p:nvPr/>
-        </p:nvSpPr>
-        <p:spPr>
-          <a:xfrm>
-            <a:off x="1752600" y="1676400"/>
-            <a:ext cx="184731" cy="461665"/>
-          </a:xfrm>
-          <a:prstGeom prst="rect">
-            <a:avLst/>
-          </a:prstGeom>
-          <a:noFill/>
-        </p:spPr>
-        <p:txBody>
-          <a:bodyPr wrap="none" rtlCol="0">
-            <a:spAutoFit/>
-          </a:bodyPr>
-          <a:lstStyle/>
-          <a:p>
-            <a:endParaRPr lang="en-US" dirty="0"/>
-          </a:p>
-        </p:txBody>
-      </p:sp>
-      <p:sp>
-        <p:nvSpPr>
-          <p:cNvPr id="5" name="TextBox 4"/>
-          <p:cNvSpPr txBox="1"/>
-          <p:nvPr/>
-        </p:nvSpPr>
-        <p:spPr>
-          <a:xfrm>
-            <a:off x="1371601" y="1600200"/>
-            <a:ext cx="7696200" cy="4154984"/>
-          </a:xfrm>
-          <a:prstGeom prst="rect">
-            <a:avLst/>
-          </a:prstGeom>
-          <a:noFill/>
-        </p:spPr>
-        <p:txBody>
-          <a:bodyPr wrap="square" rtlCol="0">
-            <a:spAutoFit/>
-          </a:bodyPr>
-          <a:lstStyle/>
-          <a:p>
-            <a:pPr marL="342900" indent="-342900">
-              <a:buFont typeface="Arial" pitchFamily="34" charset="0"/>
-              <a:buChar char="•"/>
-            </a:pPr>
-            <a:r>
-              <a:rPr lang="en-US" dirty="0" smtClean="0"/>
-              <a:t>Generate a </a:t>
-            </a:r>
-            <a:r>
-              <a:rPr lang="en-US" dirty="0" err="1" smtClean="0"/>
-              <a:t>keystore</a:t>
-            </a:r>
-            <a:r>
-              <a:rPr lang="en-US" dirty="0" smtClean="0"/>
-              <a:t> … </a:t>
-            </a:r>
-            <a:r>
-              <a:rPr lang="en-US" dirty="0" err="1" smtClean="0"/>
-              <a:t>keystore</a:t>
-            </a:r>
-            <a:r>
-              <a:rPr lang="en-US" dirty="0" smtClean="0"/>
-              <a:t> …</a:t>
-            </a:r>
-          </a:p>
-          <a:p>
-            <a:r>
-              <a:rPr lang="en-US" dirty="0" smtClean="0"/>
-              <a:t>A big can of worms … its all related with security,</a:t>
-            </a:r>
-          </a:p>
-          <a:p>
-            <a:r>
-              <a:rPr lang="en-US" dirty="0" smtClean="0"/>
-              <a:t>And personally, it makes me sick, but without these</a:t>
-            </a:r>
-          </a:p>
-          <a:p>
-            <a:r>
-              <a:rPr lang="en-US" dirty="0" smtClean="0"/>
-              <a:t>Instructions, it just won’t work</a:t>
-            </a:r>
-          </a:p>
-          <a:p>
-            <a:pPr marL="342900" indent="-342900">
-              <a:buFont typeface="Arial" pitchFamily="34" charset="0"/>
-              <a:buChar char="•"/>
-            </a:pPr>
-            <a:r>
-              <a:rPr lang="en-US" dirty="0" smtClean="0"/>
-              <a:t>Anyways: </a:t>
-            </a:r>
-            <a:r>
-              <a:rPr lang="en-US" dirty="0" err="1" smtClean="0"/>
-              <a:t>mvn</a:t>
-            </a:r>
-            <a:r>
-              <a:rPr lang="en-US" dirty="0"/>
-              <a:t> </a:t>
-            </a:r>
-            <a:r>
-              <a:rPr lang="en-US" dirty="0" smtClean="0"/>
-              <a:t>com.zenjava:javafx-maven-plugin:2.0:generate-key-store</a:t>
-            </a:r>
-          </a:p>
-          <a:p>
-            <a:pPr marL="342900" indent="-342900">
-              <a:buFont typeface="Arial" pitchFamily="34" charset="0"/>
-              <a:buChar char="•"/>
-            </a:pPr>
-            <a:r>
-              <a:rPr lang="en-US" dirty="0" smtClean="0"/>
-              <a:t>Make sure you have a similar pom.xml </a:t>
-            </a:r>
-            <a:r>
-              <a:rPr lang="en-US" dirty="0" err="1" smtClean="0"/>
-              <a:t>config</a:t>
-            </a:r>
-            <a:r>
-              <a:rPr lang="en-US" dirty="0" smtClean="0"/>
-              <a:t> to mine for the </a:t>
-            </a:r>
-            <a:r>
-              <a:rPr lang="en-US" dirty="0" err="1" smtClean="0"/>
-              <a:t>certXXX</a:t>
-            </a:r>
-            <a:r>
-              <a:rPr lang="en-US" dirty="0" smtClean="0"/>
-              <a:t> stuff</a:t>
-            </a:r>
-          </a:p>
-          <a:p>
-            <a:pPr marL="342900" indent="-342900">
-              <a:buFont typeface="Arial" pitchFamily="34" charset="0"/>
-              <a:buChar char="•"/>
-            </a:pPr>
-            <a:r>
-              <a:rPr lang="en-US" dirty="0" smtClean="0"/>
-              <a:t>Next, create your </a:t>
-            </a:r>
-            <a:r>
-              <a:rPr lang="en-US" dirty="0" err="1" smtClean="0"/>
-              <a:t>webstart</a:t>
-            </a:r>
-            <a:r>
-              <a:rPr lang="en-US" dirty="0" smtClean="0"/>
-              <a:t> page:</a:t>
-            </a:r>
-          </a:p>
-          <a:p>
-            <a:pPr marL="342900" indent="-342900">
-              <a:buFont typeface="Arial" pitchFamily="34" charset="0"/>
-              <a:buChar char="•"/>
-            </a:pPr>
-            <a:r>
-              <a:rPr lang="en-US" dirty="0" err="1" smtClean="0"/>
-              <a:t>mvn</a:t>
-            </a:r>
-            <a:r>
-              <a:rPr lang="en-US" dirty="0"/>
-              <a:t> com.zenjava:javafx-maven-plugin:2.0:web </a:t>
-            </a:r>
-            <a:endParaRPr lang="en-US" dirty="0" smtClean="0"/>
-          </a:p>
-          <a:p>
-            <a:pPr marL="342900" indent="-342900">
-              <a:buFont typeface="Arial" pitchFamily="34" charset="0"/>
-              <a:buChar char="•"/>
-            </a:pPr>
-            <a:r>
-              <a:rPr lang="en-US" dirty="0" smtClean="0"/>
-              <a:t>Launch the file in your new “showcase” directory</a:t>
-            </a:r>
-            <a:endParaRPr lang="en-US" dirty="0"/>
+            <a:endParaRPr lang="en-US"/>
           </a:p>
         </p:txBody>
       </p:sp>
     </p:spTree>
     <p:extLst>
       <p:ext uri="{BB962C8B-B14F-4D97-AF65-F5344CB8AC3E}">
-        <p14:creationId xmlns:p14="http://schemas.microsoft.com/office/powerpoint/2010/main" val="3856607364"/>
+        <p14:creationId xmlns:p14="http://schemas.microsoft.com/office/powerpoint/2010/main" val="3377866009"/>
       </p:ext>
     </p:extLst>
   </p:cSld>
@@ -19636,20 +19505,12 @@
           <a:lstStyle/>
           <a:p>
             <a:r>
+              <a:rPr lang="en-US" dirty="0" smtClean="0"/>
+              <a:t>Java applets / </a:t>
+            </a:r>
+            <a:r>
               <a:rPr lang="en-US" dirty="0" err="1" smtClean="0"/>
-              <a:t>Cont</a:t>
-            </a:r>
-            <a:r>
-              <a:rPr lang="en-US" dirty="0" smtClean="0"/>
-              <a:t> (Maven, </a:t>
-            </a:r>
-            <a:r>
-              <a:rPr lang="en-US" dirty="0" err="1" smtClean="0"/>
-              <a:t>JavaFx</a:t>
-            </a:r>
-            <a:r>
-              <a:rPr lang="en-US" dirty="0" smtClean="0"/>
-              <a:t>)</a:t>
+              <a:t>Webstart</a:t>
             </a:r>
             <a:endParaRPr lang="en-US" dirty="0"/>
           </a:p>
@@ -19692,8 +19553,8 @@
         </p:nvSpPr>
         <p:spPr>
           <a:xfrm>
-            <a:off x="1371600" y="1752600"/>
-            <a:ext cx="6324600" cy="2308324"/>
+            <a:off x="1600200" y="2438400"/>
+            <a:ext cx="6298519" cy="3416320"/>
           </a:xfrm>
           <a:prstGeom prst="rect">
             <a:avLst/>
@@ -19701,7 +19562,7 @@
           <a:noFill/>
         </p:spPr>
         <p:txBody>
-          <a:bodyPr wrap="square" rtlCol="0">
+          <a:bodyPr wrap="none" rtlCol="0">
             <a:spAutoFit/>
           </a:bodyPr>
           <a:lstStyle/>
@@ -19712,25 +19573,8 @@
             </a:pPr>
             <a:r>
               <a:rPr lang="en-US" dirty="0" smtClean="0"/>
-              <a:t>Security Errors … yeah, that’s the can of worms I was talking about.  To fix them, see</a:t>
-            </a:r>
-            <a:r>
-              <a:rPr lang="en-US" dirty="0"/>
-              <a:t>: </a:t>
-            </a:r>
-            <a:r>
-              <a:rPr lang="en-US" dirty="0">
-                <a:hlinkClick r:id="rId2"/>
-              </a:rPr>
-              <a:t>http://hchan.github.io/comp2613</a:t>
-            </a:r>
-            <a:r>
-              <a:rPr lang="en-US" dirty="0" smtClean="0">
-                <a:hlinkClick r:id="rId2"/>
-              </a:rPr>
-              <a:t>/</a:t>
-            </a:r>
-            <a:endParaRPr lang="en-US" dirty="0" smtClean="0"/>
+              <a:t>What is an applet?</a:t>
+            </a:r>
           </a:p>
           <a:p>
             <a:pPr marL="342900" indent="-342900">
@@ -19739,23 +19583,94 @@
             </a:pPr>
             <a:r>
               <a:rPr lang="en-US" dirty="0" smtClean="0"/>
-              <a:t>Hey, do you think the above URL is </a:t>
+              <a:t>It’s a way to show your java application</a:t>
+            </a:r>
+          </a:p>
+          <a:p>
+            <a:r>
+              <a:rPr lang="en-US" dirty="0"/>
+              <a:t>o</a:t>
+            </a:r>
+            <a:r>
+              <a:rPr lang="en-US" dirty="0" smtClean="0"/>
+              <a:t>n a webpage … think of it like a plugin</a:t>
+            </a:r>
+          </a:p>
+          <a:p>
+            <a:pPr marL="342900" indent="-342900">
+              <a:buFont typeface="Arial" pitchFamily="34" charset="0"/>
+              <a:buChar char="•"/>
+            </a:pPr>
+            <a:r>
+              <a:rPr lang="en-US" dirty="0" smtClean="0"/>
+              <a:t>Similar to Flash</a:t>
+            </a:r>
+          </a:p>
+          <a:p>
+            <a:pPr marL="342900" indent="-342900">
+              <a:buFont typeface="Arial" pitchFamily="34" charset="0"/>
+              <a:buChar char="•"/>
+            </a:pPr>
+            <a:r>
+              <a:rPr lang="en-US" dirty="0" smtClean="0"/>
+              <a:t>Applets were the *OLDER* way to present</a:t>
+            </a:r>
+          </a:p>
+          <a:p>
+            <a:r>
+              <a:rPr lang="en-US" dirty="0" smtClean="0"/>
+              <a:t>Java applications on the </a:t>
             </a:r>
             <a:r>
               <a:rPr lang="en-US" dirty="0" err="1" smtClean="0"/>
-              <a:t>kinda</a:t>
-            </a:r>
-            <a:r>
-              <a:rPr lang="en-US" dirty="0" smtClean="0"/>
-              <a:t> neat?  Well, if you do, you’re only 5 steps away from having your own </a:t>
+              <a:t>brower</a:t>
+            </a:r>
+            <a:endParaRPr lang="en-US" dirty="0" smtClean="0"/>
+          </a:p>
+          <a:p>
+            <a:pPr marL="342900" indent="-342900">
+              <a:buFont typeface="Arial" pitchFamily="34" charset="0"/>
+              <a:buChar char="•"/>
+            </a:pPr>
+            <a:r>
+              <a:rPr lang="en-US" dirty="0" smtClean="0"/>
+              <a:t>When ran/deployed, they look pretty much</a:t>
+            </a:r>
+          </a:p>
+          <a:p>
+            <a:pPr marL="342900" indent="-342900">
+              <a:buFont typeface="Arial" pitchFamily="34" charset="0"/>
+              <a:buChar char="•"/>
+            </a:pPr>
+            <a:r>
+              <a:rPr lang="en-US" dirty="0" smtClean="0"/>
+              <a:t>The same – hey its just Java </a:t>
             </a:r>
             <a:r>
               <a:rPr lang="en-US" dirty="0" err="1" smtClean="0"/>
-              <a:t>Github</a:t>
-            </a:r>
-            <a:r>
-              <a:rPr lang="en-US" dirty="0" smtClean="0"/>
-              <a:t> page</a:t>
+              <a:t>Fx</a:t>
+            </a:r>
+            <a:r>
+              <a:rPr lang="en-US" dirty="0" smtClean="0"/>
+              <a:t> ;)</a:t>
+            </a:r>
+          </a:p>
+          <a:p>
+            <a:pPr marL="342900" indent="-342900">
+              <a:buFont typeface="Arial" pitchFamily="34" charset="0"/>
+              <a:buChar char="•"/>
+            </a:pPr>
+            <a:r>
+              <a:rPr lang="en-US" dirty="0" smtClean="0"/>
+              <a:t>Syntax for </a:t>
+            </a:r>
+            <a:r>
+              <a:rPr lang="en-US" dirty="0" err="1" smtClean="0"/>
+              <a:t>Webstart</a:t>
+            </a:r>
+            <a:r>
+              <a:rPr lang="en-US" dirty="0" smtClean="0"/>
+              <a:t> is better Applets</a:t>
             </a:r>
             <a:endParaRPr lang="en-US" dirty="0"/>
           </a:p>
@@ -19764,7 +19679,7 @@
     </p:spTree>
     <p:extLst>
       <p:ext uri="{BB962C8B-B14F-4D97-AF65-F5344CB8AC3E}">
-        <p14:creationId xmlns:p14="http://schemas.microsoft.com/office/powerpoint/2010/main" val="4243719274"/>
+        <p14:creationId xmlns:p14="http://schemas.microsoft.com/office/powerpoint/2010/main" val="2587190784"/>
       </p:ext>
     </p:extLst>
   </p:cSld>
@@ -19807,12 +19722,8 @@
           <a:lstStyle/>
           <a:p>
             <a:r>
-              <a:rPr lang="en-US" dirty="0" err="1" smtClean="0"/>
-              <a:t>GitHub</a:t>
-            </a:r>
-            <a:r>
-              <a:rPr lang="en-US" dirty="0" smtClean="0"/>
-              <a:t> Pages</a:t>
+              <a:rPr lang="en-US" dirty="0" smtClean="0"/>
+              <a:t>There’s a plugin for that</a:t>
             </a:r>
             <a:endParaRPr lang="en-US" dirty="0"/>
           </a:p>
@@ -19855,8 +19766,8 @@
         </p:nvSpPr>
         <p:spPr>
           <a:xfrm>
-            <a:off x="1143001" y="2133600"/>
-            <a:ext cx="7772400" cy="4524315"/>
+            <a:off x="1524001" y="1981200"/>
+            <a:ext cx="6553200" cy="5262979"/>
           </a:xfrm>
           <a:prstGeom prst="rect">
             <a:avLst/>
@@ -19869,25 +19780,56 @@
           </a:bodyPr>
           <a:lstStyle/>
           <a:p>
+            <a:r>
+              <a:rPr lang="en-US" dirty="0"/>
+              <a:t>Read: </a:t>
+            </a:r>
+            <a:r>
+              <a:rPr lang="en-US" dirty="0">
+                <a:hlinkClick r:id="rId2"/>
+              </a:rPr>
+              <a:t>http://</a:t>
+            </a:r>
+            <a:r>
+              <a:rPr lang="en-US" dirty="0" smtClean="0">
+                <a:hlinkClick r:id="rId2"/>
+              </a:rPr>
+              <a:t>zenjava.com/javafx/maven/index.html</a:t>
+            </a:r>
+            <a:endParaRPr lang="en-US" dirty="0" smtClean="0"/>
+          </a:p>
+          <a:p>
+            <a:r>
+              <a:rPr lang="en-US" dirty="0" smtClean="0"/>
+              <a:t>Use my pom.xml as reference (especially the configuration section)</a:t>
+            </a:r>
+          </a:p>
+          <a:p>
+            <a:r>
+              <a:rPr lang="en-US" dirty="0" smtClean="0"/>
+              <a:t>Basic steps</a:t>
+            </a:r>
+          </a:p>
+          <a:p>
             <a:pPr marL="342900" indent="-342900">
               <a:buFont typeface="Arial" pitchFamily="34" charset="0"/>
               <a:buChar char="•"/>
             </a:pPr>
             <a:r>
               <a:rPr lang="en-US" dirty="0"/>
-              <a:t>Read: </a:t>
+              <a:t>Install plugin: see </a:t>
             </a:r>
             <a:r>
               <a:rPr lang="en-US" dirty="0">
-                <a:hlinkClick r:id="rId2"/>
+                <a:hlinkClick r:id="rId3"/>
               </a:rPr>
-              <a:t>https://pages.github.com</a:t>
+              <a:t>http://</a:t>
             </a:r>
             <a:r>
               <a:rPr lang="en-US" dirty="0" smtClean="0">
-                <a:hlinkClick r:id="rId2"/>
+                <a:hlinkClick r:id="rId3"/>
               </a:rPr>
-              <a:t>/</a:t>
+              <a:t>zenjava.com/javafx/maven/basic-config.html</a:t>
             </a:r>
             <a:endParaRPr lang="en-US" dirty="0" smtClean="0"/>
           </a:p>
@@ -19897,86 +19839,24 @@
               <a:buChar char="•"/>
             </a:pPr>
             <a:r>
-              <a:rPr lang="en-US" dirty="0" smtClean="0"/>
-              <a:t>The Eclipse way:</a:t>
-            </a:r>
-          </a:p>
-          <a:p>
-            <a:pPr marL="800100" lvl="1" indent="-342900">
-              <a:buFont typeface="Arial" pitchFamily="34" charset="0"/>
-              <a:buChar char="•"/>
-            </a:pPr>
-            <a:r>
-              <a:rPr lang="en-US" dirty="0" smtClean="0"/>
-              <a:t>Make a new Branch called </a:t>
+              <a:rPr lang="en-US" dirty="0" err="1"/>
+              <a:t>mvn</a:t>
+            </a:r>
+            <a:r>
+              <a:rPr lang="en-US" dirty="0"/>
+              <a:t> </a:t>
+            </a:r>
+            <a:r>
+              <a:rPr lang="en-US" dirty="0" smtClean="0"/>
+              <a:t>com.zenjava:javafx-maven-plugin:2.0:fix-classpath (hint anytime you see </a:t>
             </a:r>
             <a:r>
               <a:rPr lang="en-US" dirty="0" err="1" smtClean="0"/>
-              <a:t>gh</a:t>
-            </a:r>
-            <a:r>
-              <a:rPr lang="en-US" dirty="0" smtClean="0"/>
-              <a:t>-pages</a:t>
-            </a:r>
-          </a:p>
-          <a:p>
-            <a:pPr lvl="1"/>
-            <a:r>
-              <a:rPr lang="en-US" dirty="0" smtClean="0"/>
-              <a:t>(Team-&gt;Switch To-&gt;New Branch … </a:t>
-            </a:r>
-            <a:r>
-              <a:rPr lang="en-US" dirty="0" err="1" smtClean="0"/>
-              <a:t>gh</a:t>
-            </a:r>
-            <a:r>
-              <a:rPr lang="en-US" dirty="0" smtClean="0"/>
-              <a:t>-pages)</a:t>
-            </a:r>
-          </a:p>
-          <a:p>
-            <a:pPr marL="800100" lvl="1" indent="-342900">
-              <a:buFont typeface="Arial" pitchFamily="34" charset="0"/>
-              <a:buChar char="•"/>
-            </a:pPr>
-            <a:r>
-              <a:rPr lang="en-US" dirty="0" smtClean="0"/>
-              <a:t>Team-&gt;Merge-&gt;…master… (won’t need</a:t>
-            </a:r>
-          </a:p>
-          <a:p>
-            <a:pPr lvl="1"/>
-            <a:r>
-              <a:rPr lang="en-US" dirty="0" smtClean="0"/>
-              <a:t>It the first time </a:t>
-            </a:r>
-            <a:r>
-              <a:rPr lang="en-US" dirty="0" err="1" smtClean="0"/>
-              <a:t>tho</a:t>
-            </a:r>
-            <a:r>
-              <a:rPr lang="en-US" dirty="0" smtClean="0"/>
-              <a:t>)</a:t>
-            </a:r>
-          </a:p>
-          <a:p>
-            <a:pPr marL="800100" lvl="1" indent="-342900">
-              <a:buFont typeface="Arial" pitchFamily="34" charset="0"/>
-              <a:buChar char="•"/>
-            </a:pPr>
-            <a:r>
-              <a:rPr lang="en-US" dirty="0" smtClean="0"/>
-              <a:t>Team-&gt;Push to upstream</a:t>
-            </a:r>
-          </a:p>
-          <a:p>
-            <a:pPr marL="800100" lvl="1" indent="-342900">
-              <a:buFont typeface="Arial" pitchFamily="34" charset="0"/>
-              <a:buChar char="•"/>
-            </a:pPr>
-            <a:r>
-              <a:rPr lang="en-US" dirty="0" smtClean="0"/>
-              <a:t>Team-&gt;Switch To-&gt;master</a:t>
+              <a:t>mvn</a:t>
+            </a:r>
+            <a:r>
+              <a:rPr lang="en-US" dirty="0" smtClean="0"/>
+              <a:t> … goal, in Eclipse its Run As…Maven build (fill in the Goal with that long string), Run</a:t>
             </a:r>
           </a:p>
           <a:p>
@@ -19984,31 +19864,14 @@
               <a:buFont typeface="Arial" pitchFamily="34" charset="0"/>
               <a:buChar char="•"/>
             </a:pPr>
-            <a:r>
-              <a:rPr lang="en-US" dirty="0" smtClean="0"/>
-              <a:t>Wait a few minutes (get a coffee)</a:t>
-            </a:r>
-          </a:p>
-          <a:p>
-            <a:pPr marL="342900" indent="-342900">
-              <a:buFont typeface="Arial" pitchFamily="34" charset="0"/>
-              <a:buChar char="•"/>
-            </a:pPr>
-            <a:r>
-              <a:rPr lang="en-US" dirty="0" smtClean="0"/>
-              <a:t>From browser</a:t>
-            </a:r>
-            <a:r>
-              <a:rPr lang="en-US" dirty="0"/>
-              <a:t>: http://hchan.github.io/comp2613/showcase/comp2613-0.0.1-SNAPSHOT.html</a:t>
-            </a:r>
+            <a:endParaRPr lang="en-US" dirty="0"/>
           </a:p>
         </p:txBody>
       </p:sp>
     </p:spTree>
     <p:extLst>
       <p:ext uri="{BB962C8B-B14F-4D97-AF65-F5344CB8AC3E}">
-        <p14:creationId xmlns:p14="http://schemas.microsoft.com/office/powerpoint/2010/main" val="225854111"/>
+        <p14:creationId xmlns:p14="http://schemas.microsoft.com/office/powerpoint/2010/main" val="2756682193"/>
       </p:ext>
     </p:extLst>
   </p:cSld>
@@ -20440,8 +20303,28 @@
           <a:lstStyle/>
           <a:p>
             <a:r>
-              <a:rPr lang="en-US" dirty="0" smtClean="0"/>
-              <a:t>So what can go wrong? …</a:t>
+              <a:rPr lang="en-US" dirty="0" err="1" smtClean="0"/>
+              <a:t>Cont</a:t>
+            </a:r>
+            <a:r>
+              <a:rPr lang="en-US" dirty="0" smtClean="0"/>
+              <a:t> </a:t>
+            </a:r>
+            <a:r>
+              <a:rPr lang="en-US" dirty="0"/>
+              <a:t>(Maven, </a:t>
+            </a:r>
+            <a:r>
+              <a:rPr lang="en-US" dirty="0" err="1"/>
+              <a:t>JavaFx</a:t>
+            </a:r>
+            <a:r>
+              <a:rPr lang="en-US" dirty="0"/>
+              <a:t>)</a:t>
+            </a:r>
+            <a:r>
+              <a:rPr lang="en-US" dirty="0" smtClean="0"/>
+              <a:t>…</a:t>
             </a:r>
             <a:endParaRPr lang="en-US" dirty="0"/>
           </a:p>
@@ -20484,8 +20367,8 @@
         </p:nvSpPr>
         <p:spPr>
           <a:xfrm>
-            <a:off x="1371600" y="2057400"/>
-            <a:ext cx="7050328" cy="3046988"/>
+            <a:off x="1752600" y="1676400"/>
+            <a:ext cx="184731" cy="461665"/>
           </a:xfrm>
           <a:prstGeom prst="rect">
             <a:avLst/>
@@ -20498,13 +20381,73 @@
           </a:bodyPr>
           <a:lstStyle/>
           <a:p>
+            <a:endParaRPr lang="en-US" dirty="0"/>
+          </a:p>
+        </p:txBody>
+      </p:sp>
+      <p:sp>
+        <p:nvSpPr>
+          <p:cNvPr id="5" name="TextBox 4"/>
+          <p:cNvSpPr txBox="1"/>
+          <p:nvPr/>
+        </p:nvSpPr>
+        <p:spPr>
+          <a:xfrm>
+            <a:off x="1371601" y="1600200"/>
+            <a:ext cx="7696200" cy="4154984"/>
+          </a:xfrm>
+          <a:prstGeom prst="rect">
+            <a:avLst/>
+          </a:prstGeom>
+          <a:noFill/>
+        </p:spPr>
+        <p:txBody>
+          <a:bodyPr wrap="square" rtlCol="0">
+            <a:spAutoFit/>
+          </a:bodyPr>
+          <a:lstStyle/>
+          <a:p>
             <a:pPr marL="342900" indent="-342900">
               <a:buFont typeface="Arial" pitchFamily="34" charset="0"/>
               <a:buChar char="•"/>
             </a:pPr>
             <a:r>
               <a:rPr lang="en-US" dirty="0" smtClean="0"/>
-              <a:t>Lots</a:t>
+              <a:t>Generate a </a:t>
+            </a:r>
+            <a:r>
+              <a:rPr lang="en-US" dirty="0" err="1" smtClean="0"/>
+              <a:t>keystore</a:t>
+            </a:r>
+            <a:r>
+              <a:rPr lang="en-US" dirty="0" smtClean="0"/>
+              <a:t> … </a:t>
+            </a:r>
+            <a:r>
+              <a:rPr lang="en-US" dirty="0" err="1" smtClean="0"/>
+              <a:t>keystore</a:t>
+            </a:r>
+            <a:r>
+              <a:rPr lang="en-US" dirty="0" smtClean="0"/>
+              <a:t> …</a:t>
+            </a:r>
+          </a:p>
+          <a:p>
+            <a:r>
+              <a:rPr lang="en-US" dirty="0" smtClean="0"/>
+              <a:t>A big can of worms … its all related with security,</a:t>
+            </a:r>
+          </a:p>
+          <a:p>
+            <a:r>
+              <a:rPr lang="en-US" dirty="0" smtClean="0"/>
+              <a:t>And personally, it makes me sick, but without these</a:t>
+            </a:r>
+          </a:p>
+          <a:p>
+            <a:r>
+              <a:rPr lang="en-US" dirty="0" smtClean="0"/>
+              <a:t>Instructions, it just won’t work</a:t>
             </a:r>
           </a:p>
           <a:p>
@@ -20514,21 +20457,19 @@
             </a:pPr>
             <a:r>
               <a:rPr lang="en-US" dirty="0" smtClean="0"/>
-              <a:t>But above everything else, I *HATE* the</a:t>
-            </a:r>
-          </a:p>
-          <a:p>
-            <a:r>
-              <a:rPr lang="en-US" dirty="0" smtClean="0"/>
-              <a:t>Security sandbox that </a:t>
+              <a:t>Anyways: </a:t>
             </a:r>
             <a:r>
               <a:rPr lang="en-US" dirty="0" err="1" smtClean="0"/>
-              <a:t>Webstart</a:t>
-            </a:r>
-            <a:r>
-              <a:rPr lang="en-US" dirty="0" smtClean="0"/>
-              <a:t> / Applets have</a:t>
+              <a:t>mvn</a:t>
+            </a:r>
+            <a:r>
+              <a:rPr lang="en-US" dirty="0"/>
+              <a:t> </a:t>
+            </a:r>
+            <a:r>
+              <a:rPr lang="en-US" dirty="0" smtClean="0"/>
+              <a:t>com.zenjava:javafx-maven-plugin:2.0:generate-key-store</a:t>
             </a:r>
           </a:p>
           <a:p>
@@ -20538,44 +20479,66 @@
             </a:pPr>
             <a:r>
               <a:rPr lang="en-US" dirty="0" smtClean="0"/>
-              <a:t>Recap:</a:t>
-            </a:r>
-          </a:p>
-          <a:p>
-            <a:pPr marL="800100" lvl="1" indent="-342900">
+              <a:t>Make sure you have a similar pom.xml </a:t>
+            </a:r>
+            <a:r>
+              <a:rPr lang="en-US" dirty="0" err="1" smtClean="0"/>
+              <a:t>config</a:t>
+            </a:r>
+            <a:r>
+              <a:rPr lang="en-US" dirty="0" smtClean="0"/>
+              <a:t> to mine for the </a:t>
+            </a:r>
+            <a:r>
+              <a:rPr lang="en-US" dirty="0" err="1" smtClean="0"/>
+              <a:t>certXXX</a:t>
+            </a:r>
+            <a:r>
+              <a:rPr lang="en-US" dirty="0" smtClean="0"/>
+              <a:t> stuff</a:t>
+            </a:r>
+          </a:p>
+          <a:p>
+            <a:pPr marL="342900" indent="-342900">
               <a:buFont typeface="Arial" pitchFamily="34" charset="0"/>
               <a:buChar char="•"/>
             </a:pPr>
             <a:r>
               <a:rPr lang="en-US" dirty="0" smtClean="0"/>
-              <a:t>Lines of Java code I showed you in class</a:t>
-            </a:r>
-          </a:p>
-          <a:p>
-            <a:pPr lvl="1"/>
-            <a:r>
-              <a:rPr lang="en-US" dirty="0" smtClean="0"/>
-              <a:t>Today: 0</a:t>
-            </a:r>
-          </a:p>
-          <a:p>
-            <a:pPr marL="800100" lvl="1" indent="-342900">
+              <a:t>Next, create your </a:t>
+            </a:r>
+            <a:r>
+              <a:rPr lang="en-US" dirty="0" err="1" smtClean="0"/>
+              <a:t>webstart</a:t>
+            </a:r>
+            <a:r>
+              <a:rPr lang="en-US" dirty="0" smtClean="0"/>
+              <a:t> page:</a:t>
+            </a:r>
+          </a:p>
+          <a:p>
+            <a:pPr marL="342900" indent="-342900">
               <a:buFont typeface="Arial" pitchFamily="34" charset="0"/>
               <a:buChar char="•"/>
             </a:pPr>
             <a:r>
-              <a:rPr lang="en-US" dirty="0" smtClean="0"/>
-              <a:t>Xml lines: quite a few (pom.xml)</a:t>
-            </a:r>
-          </a:p>
-          <a:p>
-            <a:pPr marL="800100" lvl="1" indent="-342900">
+              <a:rPr lang="en-US" dirty="0" err="1" smtClean="0"/>
+              <a:t>mvn</a:t>
+            </a:r>
+            <a:r>
+              <a:rPr lang="en-US" dirty="0"/>
+              <a:t> com.zenjava:javafx-maven-plugin:2.0:web </a:t>
+            </a:r>
+            <a:endParaRPr lang="en-US" dirty="0" smtClean="0"/>
+          </a:p>
+          <a:p>
+            <a:pPr marL="342900" indent="-342900">
               <a:buFont typeface="Arial" pitchFamily="34" charset="0"/>
               <a:buChar char="•"/>
             </a:pPr>
             <a:r>
               <a:rPr lang="en-US" dirty="0" smtClean="0"/>
-              <a:t>Html lines … well, take a look at (index.html)</a:t>
+              <a:t>Launch the file in your new “showcase” directory</a:t>
             </a:r>
             <a:endParaRPr lang="en-US" dirty="0"/>
           </a:p>
@@ -20584,7 +20547,7 @@
     </p:spTree>
     <p:extLst>
       <p:ext uri="{BB962C8B-B14F-4D97-AF65-F5344CB8AC3E}">
-        <p14:creationId xmlns:p14="http://schemas.microsoft.com/office/powerpoint/2010/main" val="57500122"/>
+        <p14:creationId xmlns:p14="http://schemas.microsoft.com/office/powerpoint/2010/main" val="3856607364"/>
       </p:ext>
     </p:extLst>
   </p:cSld>
@@ -20627,16 +20590,20 @@
           <a:lstStyle/>
           <a:p>
             <a:r>
-              <a:rPr lang="en-US" dirty="0" smtClean="0"/>
-              <a:t>Surprised / confused with </a:t>
-            </a:r>
-            <a:r>
               <a:rPr lang="en-US" dirty="0" err="1" smtClean="0"/>
-              <a:t>git</a:t>
-            </a:r>
-            <a:r>
-              <a:rPr lang="en-US" dirty="0" smtClean="0"/>
-              <a:t> branches?</a:t>
+              <a:t>Cont</a:t>
+            </a:r>
+            <a:r>
+              <a:rPr lang="en-US" dirty="0" smtClean="0"/>
+              <a:t> (Maven, </a:t>
+            </a:r>
+            <a:r>
+              <a:rPr lang="en-US" dirty="0" err="1" smtClean="0"/>
+              <a:t>JavaFx</a:t>
+            </a:r>
+            <a:r>
+              <a:rPr lang="en-US" dirty="0" smtClean="0"/>
+              <a:t>)</a:t>
             </a:r>
             <a:endParaRPr lang="en-US" dirty="0"/>
           </a:p>
@@ -20679,8 +20646,8 @@
         </p:nvSpPr>
         <p:spPr>
           <a:xfrm>
-            <a:off x="685800" y="2474536"/>
-            <a:ext cx="8334333" cy="4154984"/>
+            <a:off x="1371600" y="1752600"/>
+            <a:ext cx="6324600" cy="2308324"/>
           </a:xfrm>
           <a:prstGeom prst="rect">
             <a:avLst/>
@@ -20688,7 +20655,7 @@
           <a:noFill/>
         </p:spPr>
         <p:txBody>
-          <a:bodyPr wrap="none" rtlCol="0">
+          <a:bodyPr wrap="square" rtlCol="0">
             <a:spAutoFit/>
           </a:bodyPr>
           <a:lstStyle/>
@@ -20699,34 +20666,25 @@
             </a:pPr>
             <a:r>
               <a:rPr lang="en-US" dirty="0" smtClean="0"/>
-              <a:t>For some (may most … all?), this may be</a:t>
-            </a:r>
-          </a:p>
-          <a:p>
-            <a:r>
-              <a:rPr lang="en-US" dirty="0" smtClean="0"/>
-              <a:t>The first time you are using Source Code Management</a:t>
-            </a:r>
-          </a:p>
-          <a:p>
-            <a:r>
-              <a:rPr lang="en-US" dirty="0" smtClean="0"/>
-              <a:t>And branches.  Google </a:t>
-            </a:r>
-            <a:r>
-              <a:rPr lang="en-US" dirty="0" err="1" smtClean="0"/>
-              <a:t>git</a:t>
-            </a:r>
-            <a:r>
-              <a:rPr lang="en-US" dirty="0" smtClean="0"/>
-              <a:t> branches it if you want </a:t>
-            </a:r>
-          </a:p>
-          <a:p>
-            <a:r>
-              <a:rPr lang="en-US" dirty="0" smtClean="0"/>
-              <a:t>… its pretty cool.</a:t>
-            </a:r>
+              <a:t>Security Errors … yeah, that’s the can of worms I was talking about.  To fix them, see</a:t>
+            </a:r>
+            <a:r>
+              <a:rPr lang="en-US" dirty="0"/>
+              <a:t>: </a:t>
+            </a:r>
+            <a:r>
+              <a:rPr lang="en-US" dirty="0">
+                <a:hlinkClick r:id="rId2"/>
+              </a:rPr>
+              <a:t>http://hchan.github.io/comp2613</a:t>
+            </a:r>
+            <a:r>
+              <a:rPr lang="en-US" dirty="0" smtClean="0">
+                <a:hlinkClick r:id="rId2"/>
+              </a:rPr>
+              <a:t>/</a:t>
+            </a:r>
+            <a:endParaRPr lang="en-US" dirty="0" smtClean="0"/>
           </a:p>
           <a:p>
             <a:pPr marL="342900" indent="-342900">
@@ -20735,63 +20693,23 @@
             </a:pPr>
             <a:r>
               <a:rPr lang="en-US" dirty="0" smtClean="0"/>
-              <a:t>Be patient … if anything, this is a skill (SCM/branches)</a:t>
-            </a:r>
-          </a:p>
-          <a:p>
-            <a:r>
-              <a:rPr lang="en-US" dirty="0" smtClean="0"/>
-              <a:t>that can and will be used by large and small organizations.  </a:t>
-            </a:r>
-          </a:p>
-          <a:p>
-            <a:r>
-              <a:rPr lang="en-US" dirty="0" smtClean="0"/>
-              <a:t>Learn it well.</a:t>
-            </a:r>
-          </a:p>
-          <a:p>
-            <a:r>
-              <a:rPr lang="en-US" dirty="0" smtClean="0"/>
-              <a:t>Other SCMs include Mercurial, Subversion, Perforce</a:t>
-            </a:r>
-          </a:p>
-          <a:p>
-            <a:pPr marL="342900" indent="-342900">
-              <a:buFont typeface="Arial" pitchFamily="34" charset="0"/>
-              <a:buChar char="•"/>
-            </a:pPr>
+              <a:t>Hey, do you think the above URL is </a:t>
+            </a:r>
             <a:r>
               <a:rPr lang="en-US" dirty="0" err="1" smtClean="0"/>
-              <a:t>Github’s</a:t>
-            </a:r>
-            <a:r>
-              <a:rPr lang="en-US" dirty="0" smtClean="0"/>
-              <a:t> special branch of </a:t>
+              <a:t>kinda</a:t>
+            </a:r>
+            <a:r>
+              <a:rPr lang="en-US" dirty="0" smtClean="0"/>
+              <a:t> neat?  Well, if you do, you’re only 5 steps away from having your own </a:t>
             </a:r>
             <a:r>
               <a:rPr lang="en-US" dirty="0" err="1" smtClean="0"/>
-              <a:t>gh</a:t>
-            </a:r>
-            <a:r>
-              <a:rPr lang="en-US" dirty="0" smtClean="0"/>
-              <a:t>-pages, just gave you</a:t>
-            </a:r>
-          </a:p>
-          <a:p>
-            <a:r>
-              <a:rPr lang="en-US" dirty="0" smtClean="0"/>
-              <a:t>The bonus of a web project page ;)</a:t>
-            </a:r>
-          </a:p>
-          <a:p>
-            <a:pPr marL="342900" indent="-342900">
-              <a:buFont typeface="Arial" pitchFamily="34" charset="0"/>
-              <a:buChar char="•"/>
-            </a:pPr>
-            <a:r>
-              <a:rPr lang="en-US" dirty="0" smtClean="0"/>
-              <a:t>Open-source FTW (For The Win)!</a:t>
+              <a:t>Github</a:t>
+            </a:r>
+            <a:r>
+              <a:rPr lang="en-US" dirty="0" smtClean="0"/>
+              <a:t> page</a:t>
             </a:r>
             <a:endParaRPr lang="en-US" dirty="0"/>
           </a:p>
@@ -20800,7 +20718,7 @@
     </p:spTree>
     <p:extLst>
       <p:ext uri="{BB962C8B-B14F-4D97-AF65-F5344CB8AC3E}">
-        <p14:creationId xmlns:p14="http://schemas.microsoft.com/office/powerpoint/2010/main" val="3312461178"/>
+        <p14:creationId xmlns:p14="http://schemas.microsoft.com/office/powerpoint/2010/main" val="4243719274"/>
       </p:ext>
     </p:extLst>
   </p:cSld>
@@ -20843,8 +20761,12 @@
           <a:lstStyle/>
           <a:p>
             <a:r>
-              <a:rPr lang="en-US" dirty="0" smtClean="0"/>
-              <a:t>Homework</a:t>
+              <a:rPr lang="en-US" dirty="0" err="1" smtClean="0"/>
+              <a:t>GitHub</a:t>
+            </a:r>
+            <a:r>
+              <a:rPr lang="en-US" dirty="0" smtClean="0"/>
+              <a:t> Pages</a:t>
             </a:r>
             <a:endParaRPr lang="en-US" dirty="0"/>
           </a:p>
@@ -20887,8 +20809,8 @@
         </p:nvSpPr>
         <p:spPr>
           <a:xfrm>
-            <a:off x="1066800" y="2133600"/>
-            <a:ext cx="5962723" cy="830997"/>
+            <a:off x="1143001" y="2133600"/>
+            <a:ext cx="7772400" cy="4524315"/>
           </a:xfrm>
           <a:prstGeom prst="rect">
             <a:avLst/>
@@ -20896,37 +20818,151 @@
           <a:noFill/>
         </p:spPr>
         <p:txBody>
-          <a:bodyPr wrap="none" rtlCol="0">
+          <a:bodyPr wrap="square" rtlCol="0">
             <a:spAutoFit/>
           </a:bodyPr>
           <a:lstStyle/>
           <a:p>
-            <a:r>
-              <a:rPr lang="en-US" dirty="0" smtClean="0"/>
-              <a:t>Assignment 8</a:t>
-            </a:r>
-          </a:p>
-          <a:p>
-            <a:r>
-              <a:rPr lang="en-US" dirty="0" smtClean="0"/>
-              <a:t>Read up on </a:t>
+            <a:pPr marL="342900" indent="-342900">
+              <a:buFont typeface="Arial" pitchFamily="34" charset="0"/>
+              <a:buChar char="•"/>
+            </a:pPr>
+            <a:r>
+              <a:rPr lang="en-US" dirty="0"/>
+              <a:t>Read: </a:t>
+            </a:r>
+            <a:r>
+              <a:rPr lang="en-US" dirty="0">
+                <a:hlinkClick r:id="rId2"/>
+              </a:rPr>
+              <a:t>https://pages.github.com</a:t>
+            </a:r>
+            <a:r>
+              <a:rPr lang="en-US" dirty="0" smtClean="0">
+                <a:hlinkClick r:id="rId2"/>
+              </a:rPr>
+              <a:t>/</a:t>
+            </a:r>
+            <a:endParaRPr lang="en-US" dirty="0" smtClean="0"/>
+          </a:p>
+          <a:p>
+            <a:pPr marL="342900" indent="-342900">
+              <a:buFont typeface="Arial" pitchFamily="34" charset="0"/>
+              <a:buChar char="•"/>
+            </a:pPr>
+            <a:r>
+              <a:rPr lang="en-US" dirty="0" smtClean="0"/>
+              <a:t>The Eclipse way:</a:t>
+            </a:r>
+          </a:p>
+          <a:p>
+            <a:pPr marL="800100" lvl="1" indent="-342900">
+              <a:buFont typeface="Arial" pitchFamily="34" charset="0"/>
+              <a:buChar char="•"/>
+            </a:pPr>
+            <a:r>
+              <a:rPr lang="en-US" dirty="0" smtClean="0"/>
+              <a:t>Make a new Branch called </a:t>
             </a:r>
             <a:r>
               <a:rPr lang="en-US" dirty="0" err="1" smtClean="0"/>
-              <a:t>Github</a:t>
-            </a:r>
-            <a:r>
-              <a:rPr lang="en-US" dirty="0" smtClean="0"/>
-              <a:t>/Maven/Java Web Start</a:t>
-            </a:r>
-            <a:endParaRPr lang="en-US" dirty="0"/>
+              <a:t>gh</a:t>
+            </a:r>
+            <a:r>
+              <a:rPr lang="en-US" dirty="0" smtClean="0"/>
+              <a:t>-pages</a:t>
+            </a:r>
+          </a:p>
+          <a:p>
+            <a:pPr lvl="1"/>
+            <a:r>
+              <a:rPr lang="en-US" dirty="0" smtClean="0"/>
+              <a:t>(Team-&gt;Switch To-&gt;New Branch … </a:t>
+            </a:r>
+            <a:r>
+              <a:rPr lang="en-US" dirty="0" err="1" smtClean="0"/>
+              <a:t>gh</a:t>
+            </a:r>
+            <a:r>
+              <a:rPr lang="en-US" dirty="0" smtClean="0"/>
+              <a:t>-pages)</a:t>
+            </a:r>
+          </a:p>
+          <a:p>
+            <a:pPr marL="800100" lvl="1" indent="-342900">
+              <a:buFont typeface="Arial" pitchFamily="34" charset="0"/>
+              <a:buChar char="•"/>
+            </a:pPr>
+            <a:r>
+              <a:rPr lang="en-US" dirty="0" smtClean="0"/>
+              <a:t>Team-&gt;Merge-&gt;…master… (won’t need</a:t>
+            </a:r>
+          </a:p>
+          <a:p>
+            <a:pPr lvl="1"/>
+            <a:r>
+              <a:rPr lang="en-US" dirty="0" smtClean="0"/>
+              <a:t>It the first time </a:t>
+            </a:r>
+            <a:r>
+              <a:rPr lang="en-US" dirty="0" err="1" smtClean="0"/>
+              <a:t>tho</a:t>
+            </a:r>
+            <a:r>
+              <a:rPr lang="en-US" dirty="0" smtClean="0"/>
+              <a:t>)</a:t>
+            </a:r>
+          </a:p>
+          <a:p>
+            <a:pPr marL="800100" lvl="1" indent="-342900">
+              <a:buFont typeface="Arial" pitchFamily="34" charset="0"/>
+              <a:buChar char="•"/>
+            </a:pPr>
+            <a:r>
+              <a:rPr lang="en-US" dirty="0" smtClean="0"/>
+              <a:t>Team-&gt;Push to upstream</a:t>
+            </a:r>
+          </a:p>
+          <a:p>
+            <a:pPr marL="800100" lvl="1" indent="-342900">
+              <a:buFont typeface="Arial" pitchFamily="34" charset="0"/>
+              <a:buChar char="•"/>
+            </a:pPr>
+            <a:r>
+              <a:rPr lang="en-US" dirty="0" smtClean="0"/>
+              <a:t>Team-&gt;Switch To-&gt;master</a:t>
+            </a:r>
+          </a:p>
+          <a:p>
+            <a:pPr marL="342900" indent="-342900">
+              <a:buFont typeface="Arial" pitchFamily="34" charset="0"/>
+              <a:buChar char="•"/>
+            </a:pPr>
+            <a:r>
+              <a:rPr lang="en-US" dirty="0" smtClean="0"/>
+              <a:t>Wait a few minutes (get a coffee)</a:t>
+            </a:r>
+          </a:p>
+          <a:p>
+            <a:pPr marL="342900" indent="-342900">
+              <a:buFont typeface="Arial" pitchFamily="34" charset="0"/>
+              <a:buChar char="•"/>
+            </a:pPr>
+            <a:r>
+              <a:rPr lang="en-US" dirty="0" smtClean="0"/>
+              <a:t>From browser</a:t>
+            </a:r>
+            <a:r>
+              <a:rPr lang="en-US" dirty="0"/>
+              <a:t>: http://hchan.github.io/comp2613/showcase/comp2613-0.0.1-SNAPSHOT.html</a:t>
+            </a:r>
           </a:p>
         </p:txBody>
       </p:sp>
     </p:spTree>
     <p:extLst>
       <p:ext uri="{BB962C8B-B14F-4D97-AF65-F5344CB8AC3E}">
-        <p14:creationId xmlns:p14="http://schemas.microsoft.com/office/powerpoint/2010/main" val="567677391"/>
+        <p14:creationId xmlns:p14="http://schemas.microsoft.com/office/powerpoint/2010/main" val="225854111"/>
       </p:ext>
     </p:extLst>
   </p:cSld>
@@ -20970,7 +21006,7 @@
           <a:p>
             <a:r>
               <a:rPr lang="en-US" dirty="0" smtClean="0"/>
-              <a:t>JDBC</a:t>
+              <a:t>So what can go wrong? …</a:t>
             </a:r>
             <a:endParaRPr lang="en-US" dirty="0"/>
           </a:p>
@@ -21013,8 +21049,8 @@
         </p:nvSpPr>
         <p:spPr>
           <a:xfrm>
-            <a:off x="1828800" y="2362200"/>
-            <a:ext cx="1588897" cy="461665"/>
+            <a:off x="1371600" y="2057400"/>
+            <a:ext cx="7050328" cy="3046988"/>
           </a:xfrm>
           <a:prstGeom prst="rect">
             <a:avLst/>
@@ -21027,9 +21063,84 @@
           </a:bodyPr>
           <a:lstStyle/>
           <a:p>
-            <a:r>
-              <a:rPr lang="en-US" dirty="0" smtClean="0"/>
-              <a:t>See demo</a:t>
+            <a:pPr marL="342900" indent="-342900">
+              <a:buFont typeface="Arial" pitchFamily="34" charset="0"/>
+              <a:buChar char="•"/>
+            </a:pPr>
+            <a:r>
+              <a:rPr lang="en-US" dirty="0" smtClean="0"/>
+              <a:t>Lots</a:t>
+            </a:r>
+          </a:p>
+          <a:p>
+            <a:pPr marL="342900" indent="-342900">
+              <a:buFont typeface="Arial" pitchFamily="34" charset="0"/>
+              <a:buChar char="•"/>
+            </a:pPr>
+            <a:r>
+              <a:rPr lang="en-US" dirty="0" smtClean="0"/>
+              <a:t>But above everything else, I *HATE* the</a:t>
+            </a:r>
+          </a:p>
+          <a:p>
+            <a:r>
+              <a:rPr lang="en-US" dirty="0" smtClean="0"/>
+              <a:t>Security sandbox that </a:t>
+            </a:r>
+            <a:r>
+              <a:rPr lang="en-US" dirty="0" err="1" smtClean="0"/>
+              <a:t>Webstart</a:t>
+            </a:r>
+            <a:r>
+              <a:rPr lang="en-US" dirty="0" smtClean="0"/>
+              <a:t> / Applets have</a:t>
+            </a:r>
+          </a:p>
+          <a:p>
+            <a:pPr marL="342900" indent="-342900">
+              <a:buFont typeface="Arial" pitchFamily="34" charset="0"/>
+              <a:buChar char="•"/>
+            </a:pPr>
+            <a:r>
+              <a:rPr lang="en-US" dirty="0" smtClean="0"/>
+              <a:t>Recap:</a:t>
+            </a:r>
+          </a:p>
+          <a:p>
+            <a:pPr marL="800100" lvl="1" indent="-342900">
+              <a:buFont typeface="Arial" pitchFamily="34" charset="0"/>
+              <a:buChar char="•"/>
+            </a:pPr>
+            <a:r>
+              <a:rPr lang="en-US" dirty="0" smtClean="0"/>
+              <a:t>Lines of Java code I showed you in class</a:t>
+            </a:r>
+          </a:p>
+          <a:p>
+            <a:pPr lvl="1"/>
+            <a:r>
+              <a:rPr lang="en-US" dirty="0" smtClean="0"/>
+              <a:t>Today: 0</a:t>
+            </a:r>
+          </a:p>
+          <a:p>
+            <a:pPr marL="800100" lvl="1" indent="-342900">
+              <a:buFont typeface="Arial" pitchFamily="34" charset="0"/>
+              <a:buChar char="•"/>
+            </a:pPr>
+            <a:r>
+              <a:rPr lang="en-US" dirty="0" smtClean="0"/>
+              <a:t>Xml lines: quite a few (pom.xml)</a:t>
+            </a:r>
+          </a:p>
+          <a:p>
+            <a:pPr marL="800100" lvl="1" indent="-342900">
+              <a:buFont typeface="Arial" pitchFamily="34" charset="0"/>
+              <a:buChar char="•"/>
+            </a:pPr>
+            <a:r>
+              <a:rPr lang="en-US" dirty="0" smtClean="0"/>
+              <a:t>Html lines … well, take a look at (index.html)</a:t>
             </a:r>
             <a:endParaRPr lang="en-US" dirty="0"/>
           </a:p>
@@ -21038,7 +21149,7 @@
     </p:spTree>
     <p:extLst>
       <p:ext uri="{BB962C8B-B14F-4D97-AF65-F5344CB8AC3E}">
-        <p14:creationId xmlns:p14="http://schemas.microsoft.com/office/powerpoint/2010/main" val="1430342968"/>
+        <p14:creationId xmlns:p14="http://schemas.microsoft.com/office/powerpoint/2010/main" val="57500122"/>
       </p:ext>
     </p:extLst>
   </p:cSld>
@@ -21082,7 +21193,15 @@
           <a:p>
             <a:r>
               <a:rPr lang="en-US" dirty="0" smtClean="0"/>
-              <a:t>Homework</a:t>
+              <a:t>Surprised / confused with </a:t>
+            </a:r>
+            <a:r>
+              <a:rPr lang="en-US" dirty="0" err="1" smtClean="0"/>
+              <a:t>git</a:t>
+            </a:r>
+            <a:r>
+              <a:rPr lang="en-US" dirty="0" smtClean="0"/>
+              <a:t> branches?</a:t>
             </a:r>
             <a:endParaRPr lang="en-US" dirty="0"/>
           </a:p>
@@ -21125,8 +21244,8 @@
         </p:nvSpPr>
         <p:spPr>
           <a:xfrm>
-            <a:off x="1676400" y="2286000"/>
-            <a:ext cx="4753224" cy="830997"/>
+            <a:off x="685800" y="2474536"/>
+            <a:ext cx="8334333" cy="4154984"/>
           </a:xfrm>
           <a:prstGeom prst="rect">
             <a:avLst/>
@@ -21139,15 +21258,105 @@
           </a:bodyPr>
           <a:lstStyle/>
           <a:p>
-            <a:r>
-              <a:rPr lang="en-US" dirty="0" smtClean="0"/>
-              <a:t>3 guesses on what the work is? ;)</a:t>
-            </a:r>
-          </a:p>
-          <a:p>
-            <a:r>
-              <a:rPr lang="en-US" dirty="0" smtClean="0"/>
-              <a:t>Assignment9</a:t>
+            <a:pPr marL="342900" indent="-342900">
+              <a:buFont typeface="Arial" pitchFamily="34" charset="0"/>
+              <a:buChar char="•"/>
+            </a:pPr>
+            <a:r>
+              <a:rPr lang="en-US" dirty="0" smtClean="0"/>
+              <a:t>For some (may most … all?), this may be</a:t>
+            </a:r>
+          </a:p>
+          <a:p>
+            <a:r>
+              <a:rPr lang="en-US" dirty="0" smtClean="0"/>
+              <a:t>The first time you are using Source Code Management</a:t>
+            </a:r>
+          </a:p>
+          <a:p>
+            <a:r>
+              <a:rPr lang="en-US" dirty="0" smtClean="0"/>
+              <a:t>And branches.  Google </a:t>
+            </a:r>
+            <a:r>
+              <a:rPr lang="en-US" dirty="0" err="1" smtClean="0"/>
+              <a:t>git</a:t>
+            </a:r>
+            <a:r>
+              <a:rPr lang="en-US" dirty="0" smtClean="0"/>
+              <a:t> branches it if you want </a:t>
+            </a:r>
+          </a:p>
+          <a:p>
+            <a:r>
+              <a:rPr lang="en-US" dirty="0" smtClean="0"/>
+              <a:t>… its pretty cool.</a:t>
+            </a:r>
+          </a:p>
+          <a:p>
+            <a:pPr marL="342900" indent="-342900">
+              <a:buFont typeface="Arial" pitchFamily="34" charset="0"/>
+              <a:buChar char="•"/>
+            </a:pPr>
+            <a:r>
+              <a:rPr lang="en-US" dirty="0" smtClean="0"/>
+              <a:t>Be patient … if anything, this is a skill (SCM/branches)</a:t>
+            </a:r>
+          </a:p>
+          <a:p>
+            <a:r>
+              <a:rPr lang="en-US" dirty="0" smtClean="0"/>
+              <a:t>that can and will be used by large and small organizations.  </a:t>
+            </a:r>
+          </a:p>
+          <a:p>
+            <a:r>
+              <a:rPr lang="en-US" dirty="0" smtClean="0"/>
+              <a:t>Learn it well.</a:t>
+            </a:r>
+          </a:p>
+          <a:p>
+            <a:r>
+              <a:rPr lang="en-US" dirty="0" smtClean="0"/>
+              <a:t>Other SCMs include Mercurial, Subversion, Perforce</a:t>
+            </a:r>
+          </a:p>
+          <a:p>
+            <a:pPr marL="342900" indent="-342900">
+              <a:buFont typeface="Arial" pitchFamily="34" charset="0"/>
+              <a:buChar char="•"/>
+            </a:pPr>
+            <a:r>
+              <a:rPr lang="en-US" dirty="0" err="1" smtClean="0"/>
+              <a:t>Github’s</a:t>
+            </a:r>
+            <a:r>
+              <a:rPr lang="en-US" dirty="0" smtClean="0"/>
+              <a:t> special branch of </a:t>
+            </a:r>
+            <a:r>
+              <a:rPr lang="en-US" dirty="0" err="1" smtClean="0"/>
+              <a:t>gh</a:t>
+            </a:r>
+            <a:r>
+              <a:rPr lang="en-US" dirty="0" smtClean="0"/>
+              <a:t>-pages, just gave you</a:t>
+            </a:r>
+          </a:p>
+          <a:p>
+            <a:r>
+              <a:rPr lang="en-US" dirty="0" smtClean="0"/>
+              <a:t>The bonus of a web project page ;)</a:t>
+            </a:r>
+          </a:p>
+          <a:p>
+            <a:pPr marL="342900" indent="-342900">
+              <a:buFont typeface="Arial" pitchFamily="34" charset="0"/>
+              <a:buChar char="•"/>
+            </a:pPr>
+            <a:r>
+              <a:rPr lang="en-US" dirty="0" smtClean="0"/>
+              <a:t>Open-source FTW (For The Win)!</a:t>
             </a:r>
             <a:endParaRPr lang="en-US" dirty="0"/>
           </a:p>
@@ -21156,7 +21365,7 @@
     </p:spTree>
     <p:extLst>
       <p:ext uri="{BB962C8B-B14F-4D97-AF65-F5344CB8AC3E}">
-        <p14:creationId xmlns:p14="http://schemas.microsoft.com/office/powerpoint/2010/main" val="2352623320"/>
+        <p14:creationId xmlns:p14="http://schemas.microsoft.com/office/powerpoint/2010/main" val="3312461178"/>
       </p:ext>
     </p:extLst>
   </p:cSld>
@@ -21200,7 +21409,7 @@
           <a:p>
             <a:r>
               <a:rPr lang="en-US" dirty="0" smtClean="0"/>
-              <a:t>MVC</a:t>
+              <a:t>Homework</a:t>
             </a:r>
             <a:endParaRPr lang="en-US" dirty="0"/>
           </a:p>
@@ -21243,8 +21452,8 @@
         </p:nvSpPr>
         <p:spPr>
           <a:xfrm>
-            <a:off x="1447800" y="2438400"/>
-            <a:ext cx="6260047" cy="1569660"/>
+            <a:off x="1066800" y="2133600"/>
+            <a:ext cx="5962723" cy="830997"/>
           </a:xfrm>
           <a:prstGeom prst="rect">
             <a:avLst/>
@@ -21259,29 +21468,21 @@
           <a:p>
             <a:r>
               <a:rPr lang="en-US" dirty="0" smtClean="0"/>
-              <a:t>Model View Controller</a:t>
-            </a:r>
-          </a:p>
-          <a:p>
-            <a:r>
-              <a:rPr lang="en-US" dirty="0" smtClean="0"/>
-              <a:t>You used it already.</a:t>
-            </a:r>
-          </a:p>
-          <a:p>
+              <a:t>Assignment 8</a:t>
+            </a:r>
+          </a:p>
+          <a:p>
+            <a:r>
+              <a:rPr lang="en-US" dirty="0" smtClean="0"/>
+              <a:t>Read up on </a:t>
+            </a:r>
             <a:r>
               <a:rPr lang="en-US" dirty="0" err="1" smtClean="0"/>
-              <a:t>JavaFx</a:t>
-            </a:r>
-            <a:r>
-              <a:rPr lang="en-US" dirty="0" smtClean="0"/>
-              <a:t> + DB is prime example of MVC</a:t>
-            </a:r>
-          </a:p>
-          <a:p>
-            <a:r>
-              <a:rPr lang="en-US" dirty="0" smtClean="0"/>
-              <a:t>Spend rest of class making your app clean ;)</a:t>
+              <a:t>Github</a:t>
+            </a:r>
+            <a:r>
+              <a:rPr lang="en-US" dirty="0" smtClean="0"/>
+              <a:t>/Maven/Java Web Start</a:t>
             </a:r>
             <a:endParaRPr lang="en-US" dirty="0"/>
           </a:p>
@@ -21290,7 +21491,7 @@
     </p:spTree>
     <p:extLst>
       <p:ext uri="{BB962C8B-B14F-4D97-AF65-F5344CB8AC3E}">
-        <p14:creationId xmlns:p14="http://schemas.microsoft.com/office/powerpoint/2010/main" val="1921496835"/>
+        <p14:creationId xmlns:p14="http://schemas.microsoft.com/office/powerpoint/2010/main" val="567677391"/>
       </p:ext>
     </p:extLst>
   </p:cSld>
@@ -21334,7 +21535,7 @@
           <a:p>
             <a:r>
               <a:rPr lang="en-US" dirty="0" smtClean="0"/>
-              <a:t>Homework</a:t>
+              <a:t>JDBC</a:t>
             </a:r>
             <a:endParaRPr lang="en-US" dirty="0"/>
           </a:p>
@@ -21377,8 +21578,8 @@
         </p:nvSpPr>
         <p:spPr>
           <a:xfrm>
-            <a:off x="1371600" y="2209800"/>
-            <a:ext cx="2222083" cy="461665"/>
+            <a:off x="1828800" y="2362200"/>
+            <a:ext cx="1588897" cy="461665"/>
           </a:xfrm>
           <a:prstGeom prst="rect">
             <a:avLst/>
@@ -21393,7 +21594,7 @@
           <a:p>
             <a:r>
               <a:rPr lang="en-US" dirty="0" smtClean="0"/>
-              <a:t>Assignment 10</a:t>
+              <a:t>See demo</a:t>
             </a:r>
             <a:endParaRPr lang="en-US" dirty="0"/>
           </a:p>
@@ -21402,7 +21603,7 @@
     </p:spTree>
     <p:extLst>
       <p:ext uri="{BB962C8B-B14F-4D97-AF65-F5344CB8AC3E}">
-        <p14:creationId xmlns:p14="http://schemas.microsoft.com/office/powerpoint/2010/main" val="2217852683"/>
+        <p14:creationId xmlns:p14="http://schemas.microsoft.com/office/powerpoint/2010/main" val="1430342968"/>
       </p:ext>
     </p:extLst>
   </p:cSld>
@@ -21446,7 +21647,7 @@
           <a:p>
             <a:r>
               <a:rPr lang="en-US" dirty="0" smtClean="0"/>
-              <a:t>Network programming</a:t>
+              <a:t>Homework</a:t>
             </a:r>
             <a:endParaRPr lang="en-US" dirty="0"/>
           </a:p>
@@ -21489,8 +21690,8 @@
         </p:nvSpPr>
         <p:spPr>
           <a:xfrm>
-            <a:off x="1524000" y="2133600"/>
-            <a:ext cx="6014403" cy="1569660"/>
+            <a:off x="1676400" y="2286000"/>
+            <a:ext cx="4753224" cy="830997"/>
           </a:xfrm>
           <a:prstGeom prst="rect">
             <a:avLst/>
@@ -21505,30 +21706,13 @@
           <a:p>
             <a:r>
               <a:rPr lang="en-US" dirty="0" smtClean="0"/>
-              <a:t>See </a:t>
-            </a:r>
-            <a:r>
-              <a:rPr lang="en-US" dirty="0" err="1" smtClean="0"/>
-              <a:t>HttpUtils</a:t>
-            </a:r>
-            <a:endParaRPr lang="en-US" dirty="0" smtClean="0"/>
-          </a:p>
-          <a:p>
-            <a:r>
-              <a:rPr lang="en-US" dirty="0" smtClean="0"/>
-              <a:t>Final will not cover this.</a:t>
-            </a:r>
-          </a:p>
-          <a:p>
-            <a:r>
-              <a:rPr lang="en-US" dirty="0" smtClean="0"/>
-              <a:t>Just nice to know and a light subject</a:t>
-            </a:r>
-          </a:p>
-          <a:p>
-            <a:r>
-              <a:rPr lang="en-US" dirty="0" smtClean="0"/>
-              <a:t>Most importantly, work on your assignment</a:t>
+              <a:t>3 guesses on what the work is? ;)</a:t>
+            </a:r>
+          </a:p>
+          <a:p>
+            <a:r>
+              <a:rPr lang="en-US" dirty="0" smtClean="0"/>
+              <a:t>Assignment9</a:t>
             </a:r>
             <a:endParaRPr lang="en-US" dirty="0"/>
           </a:p>
@@ -21537,7 +21721,7 @@
     </p:spTree>
     <p:extLst>
       <p:ext uri="{BB962C8B-B14F-4D97-AF65-F5344CB8AC3E}">
-        <p14:creationId xmlns:p14="http://schemas.microsoft.com/office/powerpoint/2010/main" val="3091368154"/>
+        <p14:creationId xmlns:p14="http://schemas.microsoft.com/office/powerpoint/2010/main" val="2352623320"/>
       </p:ext>
     </p:extLst>
   </p:cSld>
@@ -21581,7 +21765,7 @@
           <a:p>
             <a:r>
               <a:rPr lang="en-US" dirty="0" smtClean="0"/>
-              <a:t>Homework</a:t>
+              <a:t>MVC</a:t>
             </a:r>
             <a:endParaRPr lang="en-US" dirty="0"/>
           </a:p>
@@ -21624,8 +21808,8 @@
         </p:nvSpPr>
         <p:spPr>
           <a:xfrm>
-            <a:off x="1828800" y="1752600"/>
-            <a:ext cx="6296917" cy="1938992"/>
+            <a:off x="1447800" y="2438400"/>
+            <a:ext cx="6260047" cy="1569660"/>
           </a:xfrm>
           <a:prstGeom prst="rect">
             <a:avLst/>
@@ -21640,39 +21824,38 @@
           <a:p>
             <a:r>
               <a:rPr lang="en-US" dirty="0" smtClean="0"/>
-              <a:t>You guessed it Assignment11</a:t>
-            </a:r>
-          </a:p>
-          <a:p>
-            <a:r>
-              <a:rPr lang="en-US" dirty="0" smtClean="0"/>
-              <a:t>Hint for Final</a:t>
-            </a:r>
-          </a:p>
-          <a:p>
-            <a:r>
-              <a:rPr lang="en-US" dirty="0" smtClean="0"/>
-              <a:t>What can go wrong with your application</a:t>
-            </a:r>
-          </a:p>
-          <a:p>
-            <a:r>
-              <a:rPr lang="en-US" dirty="0" smtClean="0"/>
-              <a:t>When you demo it?  How should you handle,</a:t>
-            </a:r>
-          </a:p>
-          <a:p>
-            <a:r>
-              <a:rPr lang="en-US" dirty="0" smtClean="0"/>
-              <a:t>Fallback on what?</a:t>
-            </a:r>
+              <a:t>Model View Controller</a:t>
+            </a:r>
+          </a:p>
+          <a:p>
+            <a:r>
+              <a:rPr lang="en-US" dirty="0" smtClean="0"/>
+              <a:t>You used it already.</a:t>
+            </a:r>
+          </a:p>
+          <a:p>
+            <a:r>
+              <a:rPr lang="en-US" dirty="0" err="1" smtClean="0"/>
+              <a:t>JavaFx</a:t>
+            </a:r>
+            <a:r>
+              <a:rPr lang="en-US" dirty="0" smtClean="0"/>
+              <a:t> + DB is prime example of MVC</a:t>
+            </a:r>
+          </a:p>
+          <a:p>
+            <a:r>
+              <a:rPr lang="en-US" dirty="0" smtClean="0"/>
+              <a:t>Spend rest of class making your app clean ;)</a:t>
+            </a:r>
+            <a:endParaRPr lang="en-US" dirty="0"/>
           </a:p>
         </p:txBody>
       </p:sp>
     </p:spTree>
     <p:extLst>
       <p:ext uri="{BB962C8B-B14F-4D97-AF65-F5344CB8AC3E}">
-        <p14:creationId xmlns:p14="http://schemas.microsoft.com/office/powerpoint/2010/main" val="3669441049"/>
+        <p14:creationId xmlns:p14="http://schemas.microsoft.com/office/powerpoint/2010/main" val="1921496835"/>
       </p:ext>
     </p:extLst>
   </p:cSld>
@@ -21716,7 +21899,7 @@
           <a:p>
             <a:r>
               <a:rPr lang="en-US" dirty="0" smtClean="0"/>
-              <a:t>Food for thought…</a:t>
+              <a:t>Homework</a:t>
             </a:r>
             <a:endParaRPr lang="en-US" dirty="0"/>
           </a:p>
@@ -21759,8 +21942,8 @@
         </p:nvSpPr>
         <p:spPr>
           <a:xfrm>
-            <a:off x="1371600" y="1828800"/>
-            <a:ext cx="4831772" cy="1938992"/>
+            <a:off x="1371600" y="2209800"/>
+            <a:ext cx="2222083" cy="461665"/>
           </a:xfrm>
           <a:prstGeom prst="rect">
             <a:avLst/>
@@ -21773,53 +21956,9 @@
           </a:bodyPr>
           <a:lstStyle/>
           <a:p>
-            <a:pPr marL="342900" indent="-342900">
-              <a:buFont typeface="Arial" pitchFamily="34" charset="0"/>
-              <a:buChar char="•"/>
-            </a:pPr>
-            <a:r>
-              <a:rPr lang="en-US" dirty="0" smtClean="0"/>
-              <a:t>Maybe after this course …</a:t>
-            </a:r>
-          </a:p>
-          <a:p>
-            <a:pPr marL="342900" indent="-342900">
-              <a:buFont typeface="Arial" pitchFamily="34" charset="0"/>
-              <a:buChar char="•"/>
-            </a:pPr>
-            <a:r>
-              <a:rPr lang="en-US" dirty="0" smtClean="0"/>
-              <a:t>I REALLY hate Java…</a:t>
-            </a:r>
-          </a:p>
-          <a:p>
-            <a:pPr marL="342900" indent="-342900">
-              <a:buFont typeface="Arial" pitchFamily="34" charset="0"/>
-              <a:buChar char="•"/>
-            </a:pPr>
-            <a:r>
-              <a:rPr lang="en-US" dirty="0" smtClean="0"/>
-              <a:t>Or I REALLY love it</a:t>
-            </a:r>
-          </a:p>
-          <a:p>
-            <a:pPr marL="342900" indent="-342900">
-              <a:buFont typeface="Arial" pitchFamily="34" charset="0"/>
-              <a:buChar char="•"/>
-            </a:pPr>
-            <a:r>
-              <a:rPr lang="en-US" dirty="0" smtClean="0"/>
-              <a:t>But was that all you learned?</a:t>
-            </a:r>
-          </a:p>
-          <a:p>
-            <a:pPr marL="342900" indent="-342900">
-              <a:buFont typeface="Arial" pitchFamily="34" charset="0"/>
-              <a:buChar char="•"/>
-            </a:pPr>
-            <a:r>
-              <a:rPr lang="en-US" dirty="0" smtClean="0"/>
-              <a:t>I had a hidden agenda all along</a:t>
+            <a:r>
+              <a:rPr lang="en-US" dirty="0" smtClean="0"/>
+              <a:t>Assignment 10</a:t>
             </a:r>
             <a:endParaRPr lang="en-US" dirty="0"/>
           </a:p>
@@ -21828,7 +21967,7 @@
     </p:spTree>
     <p:extLst>
       <p:ext uri="{BB962C8B-B14F-4D97-AF65-F5344CB8AC3E}">
-        <p14:creationId xmlns:p14="http://schemas.microsoft.com/office/powerpoint/2010/main" val="568372925"/>
+        <p14:creationId xmlns:p14="http://schemas.microsoft.com/office/powerpoint/2010/main" val="2217852683"/>
       </p:ext>
     </p:extLst>
   </p:cSld>
@@ -22148,7 +22287,7 @@
           <a:p>
             <a:r>
               <a:rPr lang="en-US" dirty="0" smtClean="0"/>
-              <a:t>Well, what else did we learn?</a:t>
+              <a:t>Network programming</a:t>
             </a:r>
             <a:endParaRPr lang="en-US" dirty="0"/>
           </a:p>
@@ -22191,8 +22330,8 @@
         </p:nvSpPr>
         <p:spPr>
           <a:xfrm>
-            <a:off x="1447800" y="1905000"/>
-            <a:ext cx="7124066" cy="1938992"/>
+            <a:off x="1524000" y="2133600"/>
+            <a:ext cx="6014403" cy="1569660"/>
           </a:xfrm>
           <a:prstGeom prst="rect">
             <a:avLst/>
@@ -22205,58 +22344,32 @@
           </a:bodyPr>
           <a:lstStyle/>
           <a:p>
-            <a:pPr marL="342900" indent="-342900">
-              <a:buFont typeface="Arial" pitchFamily="34" charset="0"/>
-              <a:buChar char="•"/>
-            </a:pPr>
-            <a:r>
-              <a:rPr lang="en-US" dirty="0" smtClean="0"/>
-              <a:t>Maven – although Maven is specific</a:t>
-            </a:r>
-          </a:p>
-          <a:p>
-            <a:pPr marL="342900" indent="-342900">
-              <a:buFont typeface="Arial" pitchFamily="34" charset="0"/>
-              <a:buChar char="•"/>
-            </a:pPr>
-            <a:r>
-              <a:rPr lang="en-US" dirty="0" smtClean="0"/>
-              <a:t>To java, the concept is universal.  Have</a:t>
-            </a:r>
-          </a:p>
-          <a:p>
-            <a:pPr marL="342900" indent="-342900">
-              <a:buFont typeface="Arial" pitchFamily="34" charset="0"/>
-              <a:buChar char="•"/>
-            </a:pPr>
-            <a:r>
-              <a:rPr lang="en-US" dirty="0" smtClean="0"/>
-              <a:t>A repository of libraries somewhere and</a:t>
-            </a:r>
-          </a:p>
-          <a:p>
-            <a:pPr marL="342900" indent="-342900">
-              <a:buFont typeface="Arial" pitchFamily="34" charset="0"/>
-              <a:buChar char="•"/>
-            </a:pPr>
-            <a:r>
-              <a:rPr lang="en-US" dirty="0" smtClean="0"/>
-              <a:t>Let a tool download them with their </a:t>
+            <a:r>
+              <a:rPr lang="en-US" dirty="0" smtClean="0"/>
+              <a:t>See </a:t>
             </a:r>
             <a:r>
               <a:rPr lang="en-US" dirty="0" err="1" smtClean="0"/>
-              <a:t>dependecies</a:t>
+              <a:t>HttpUtils</a:t>
             </a:r>
             <a:endParaRPr lang="en-US" dirty="0" smtClean="0"/>
           </a:p>
           <a:p>
-            <a:pPr marL="342900" indent="-342900">
-              <a:buFont typeface="Arial" pitchFamily="34" charset="0"/>
-              <a:buChar char="•"/>
-            </a:pPr>
-            <a:r>
-              <a:rPr lang="en-US" dirty="0" smtClean="0"/>
-              <a:t>And help you build artifacts</a:t>
+            <a:r>
+              <a:rPr lang="en-US" dirty="0" smtClean="0"/>
+              <a:t>Final will not cover this.</a:t>
+            </a:r>
+          </a:p>
+          <a:p>
+            <a:r>
+              <a:rPr lang="en-US" dirty="0" smtClean="0"/>
+              <a:t>Just nice to know and a light subject</a:t>
+            </a:r>
+          </a:p>
+          <a:p>
+            <a:r>
+              <a:rPr lang="en-US" dirty="0" smtClean="0"/>
+              <a:t>Most importantly, work on your assignment</a:t>
             </a:r>
             <a:endParaRPr lang="en-US" dirty="0"/>
           </a:p>
@@ -22265,7 +22378,7 @@
     </p:spTree>
     <p:extLst>
       <p:ext uri="{BB962C8B-B14F-4D97-AF65-F5344CB8AC3E}">
-        <p14:creationId xmlns:p14="http://schemas.microsoft.com/office/powerpoint/2010/main" val="3404509170"/>
+        <p14:creationId xmlns:p14="http://schemas.microsoft.com/office/powerpoint/2010/main" val="3091368154"/>
       </p:ext>
     </p:extLst>
   </p:cSld>
@@ -22308,16 +22421,8 @@
           <a:lstStyle/>
           <a:p>
             <a:r>
-              <a:rPr lang="en-US" dirty="0" err="1" smtClean="0"/>
-              <a:t>Git</a:t>
-            </a:r>
-            <a:r>
-              <a:rPr lang="en-US" dirty="0" smtClean="0"/>
-              <a:t>, </a:t>
-            </a:r>
-            <a:r>
-              <a:rPr lang="en-US" dirty="0" err="1" smtClean="0"/>
-              <a:t>Github</a:t>
+              <a:rPr lang="en-US" dirty="0" smtClean="0"/>
+              <a:t>Homework</a:t>
             </a:r>
             <a:endParaRPr lang="en-US" dirty="0"/>
           </a:p>
@@ -22360,8 +22465,8 @@
         </p:nvSpPr>
         <p:spPr>
           <a:xfrm>
-            <a:off x="1143000" y="2209800"/>
-            <a:ext cx="7837402" cy="4154984"/>
+            <a:off x="1828800" y="1752600"/>
+            <a:ext cx="6296917" cy="1938992"/>
           </a:xfrm>
           <a:prstGeom prst="rect">
             <a:avLst/>
@@ -22374,117 +22479,33 @@
           </a:bodyPr>
           <a:lstStyle/>
           <a:p>
-            <a:pPr marL="342900" indent="-342900">
-              <a:buFont typeface="Arial" pitchFamily="34" charset="0"/>
-              <a:buChar char="•"/>
-            </a:pPr>
-            <a:r>
-              <a:rPr lang="en-US" dirty="0" smtClean="0"/>
-              <a:t>I strongly recommend you use </a:t>
-            </a:r>
-            <a:r>
-              <a:rPr lang="en-US" dirty="0" err="1" smtClean="0"/>
-              <a:t>Git</a:t>
-            </a:r>
-            <a:r>
-              <a:rPr lang="en-US" dirty="0" smtClean="0"/>
-              <a:t> for your</a:t>
-            </a:r>
-          </a:p>
-          <a:p>
-            <a:r>
-              <a:rPr lang="en-US" dirty="0" smtClean="0"/>
-              <a:t>Other courses or personal projects or work.  Revision</a:t>
-            </a:r>
-          </a:p>
-          <a:p>
-            <a:r>
-              <a:rPr lang="en-US" dirty="0"/>
-              <a:t>m</a:t>
-            </a:r>
-            <a:r>
-              <a:rPr lang="en-US" dirty="0" smtClean="0"/>
-              <a:t>anagement is crucial in software engineering.  Without</a:t>
-            </a:r>
-          </a:p>
-          <a:p>
-            <a:r>
-              <a:rPr lang="en-US" dirty="0" err="1" smtClean="0"/>
-              <a:t>Git</a:t>
-            </a:r>
-            <a:r>
-              <a:rPr lang="en-US" dirty="0" smtClean="0"/>
-              <a:t>, how else would you go back to a previous revision</a:t>
-            </a:r>
-          </a:p>
-          <a:p>
-            <a:pPr marL="342900" indent="-342900">
-              <a:buFont typeface="Arial" pitchFamily="34" charset="0"/>
-              <a:buChar char="•"/>
-            </a:pPr>
-            <a:r>
-              <a:rPr lang="en-US" dirty="0" err="1" smtClean="0"/>
-              <a:t>GitHub</a:t>
-            </a:r>
-            <a:r>
-              <a:rPr lang="en-US" dirty="0" smtClean="0"/>
-              <a:t> and </a:t>
-            </a:r>
-            <a:r>
-              <a:rPr lang="en-US" dirty="0" err="1" smtClean="0"/>
-              <a:t>GitHub</a:t>
-            </a:r>
-            <a:r>
-              <a:rPr lang="en-US" dirty="0" smtClean="0"/>
-              <a:t> pages ties you into the open</a:t>
-            </a:r>
-          </a:p>
-          <a:p>
-            <a:r>
-              <a:rPr lang="en-US" dirty="0" smtClean="0"/>
-              <a:t>Source community.  Open source is good.  You now</a:t>
-            </a:r>
-          </a:p>
-          <a:p>
-            <a:r>
-              <a:rPr lang="en-US" dirty="0" smtClean="0"/>
-              <a:t>Have an open source project on </a:t>
-            </a:r>
-            <a:r>
-              <a:rPr lang="en-US" dirty="0" err="1" smtClean="0"/>
-              <a:t>GitHub</a:t>
-            </a:r>
-            <a:r>
-              <a:rPr lang="en-US" dirty="0" smtClean="0"/>
-              <a:t>.  Congrats.</a:t>
-            </a:r>
-          </a:p>
-          <a:p>
-            <a:r>
-              <a:rPr lang="en-US" dirty="0" smtClean="0"/>
-              <a:t>If you never created a homepage before, well, use</a:t>
-            </a:r>
-          </a:p>
-          <a:p>
-            <a:r>
-              <a:rPr lang="en-US" dirty="0" err="1" smtClean="0"/>
-              <a:t>GitHub</a:t>
-            </a:r>
-            <a:r>
-              <a:rPr lang="en-US" dirty="0" smtClean="0"/>
-              <a:t> pages.  Great for letting employers see your</a:t>
-            </a:r>
-          </a:p>
-          <a:p>
-            <a:r>
-              <a:rPr lang="en-US" dirty="0" smtClean="0"/>
-              <a:t>Project and let them see your coding style too!  Again,</a:t>
-            </a:r>
-          </a:p>
-          <a:p>
-            <a:r>
-              <a:rPr lang="en-US" dirty="0" smtClean="0"/>
-              <a:t>NOT java specific.</a:t>
+            <a:r>
+              <a:rPr lang="en-US" dirty="0" smtClean="0"/>
+              <a:t>You guessed it Assignment11</a:t>
+            </a:r>
+          </a:p>
+          <a:p>
+            <a:r>
+              <a:rPr lang="en-US" dirty="0" smtClean="0"/>
+              <a:t>Hint for Final</a:t>
+            </a:r>
+          </a:p>
+          <a:p>
+            <a:r>
+              <a:rPr lang="en-US" dirty="0" smtClean="0"/>
+              <a:t>What can go wrong with your application</a:t>
+            </a:r>
+          </a:p>
+          <a:p>
+            <a:r>
+              <a:rPr lang="en-US" dirty="0" smtClean="0"/>
+              <a:t>When you demo it?  How should you handle,</a:t>
+            </a:r>
+          </a:p>
+          <a:p>
+            <a:r>
+              <a:rPr lang="en-US" dirty="0" smtClean="0"/>
+              <a:t>Fallback on what?</a:t>
             </a:r>
           </a:p>
         </p:txBody>
@@ -22492,7 +22513,7 @@
     </p:spTree>
     <p:extLst>
       <p:ext uri="{BB962C8B-B14F-4D97-AF65-F5344CB8AC3E}">
-        <p14:creationId xmlns:p14="http://schemas.microsoft.com/office/powerpoint/2010/main" val="3442297372"/>
+        <p14:creationId xmlns:p14="http://schemas.microsoft.com/office/powerpoint/2010/main" val="3669441049"/>
       </p:ext>
     </p:extLst>
   </p:cSld>
@@ -22536,7 +22557,7 @@
           <a:p>
             <a:r>
               <a:rPr lang="en-US" dirty="0" smtClean="0"/>
-              <a:t>MVC</a:t>
+              <a:t>Food for thought…</a:t>
             </a:r>
             <a:endParaRPr lang="en-US" dirty="0"/>
           </a:p>
@@ -22579,8 +22600,8 @@
         </p:nvSpPr>
         <p:spPr>
           <a:xfrm>
-            <a:off x="1371600" y="2286000"/>
-            <a:ext cx="7117333" cy="1569660"/>
+            <a:off x="1371600" y="1828800"/>
+            <a:ext cx="4831772" cy="1938992"/>
           </a:xfrm>
           <a:prstGeom prst="rect">
             <a:avLst/>
@@ -22599,7 +22620,7 @@
             </a:pPr>
             <a:r>
               <a:rPr lang="en-US" dirty="0" smtClean="0"/>
-              <a:t>Hopefully, you learned a few design patterns</a:t>
+              <a:t>Maybe after this course …</a:t>
             </a:r>
           </a:p>
           <a:p>
@@ -22609,7 +22630,7 @@
             </a:pPr>
             <a:r>
               <a:rPr lang="en-US" dirty="0" smtClean="0"/>
-              <a:t>Like MVC.  In later courses, you’ll learn MVP,</a:t>
+              <a:t>I REALLY hate Java…</a:t>
             </a:r>
           </a:p>
           <a:p>
@@ -22619,7 +22640,7 @@
             </a:pPr>
             <a:r>
               <a:rPr lang="en-US" dirty="0" smtClean="0"/>
-              <a:t>MVVM, and MVW.   Again design patterns aren’t</a:t>
+              <a:t>Or I REALLY love it</a:t>
             </a:r>
           </a:p>
           <a:p>
@@ -22629,7 +22650,17 @@
             </a:pPr>
             <a:r>
               <a:rPr lang="en-US" dirty="0" smtClean="0"/>
-              <a:t>Specific to Java</a:t>
+              <a:t>But was that all you learned?</a:t>
+            </a:r>
+          </a:p>
+          <a:p>
+            <a:pPr marL="342900" indent="-342900">
+              <a:buFont typeface="Arial" pitchFamily="34" charset="0"/>
+              <a:buChar char="•"/>
+            </a:pPr>
+            <a:r>
+              <a:rPr lang="en-US" dirty="0" smtClean="0"/>
+              <a:t>I had a hidden agenda all along</a:t>
             </a:r>
             <a:endParaRPr lang="en-US" dirty="0"/>
           </a:p>
@@ -22638,7 +22669,7 @@
     </p:spTree>
     <p:extLst>
       <p:ext uri="{BB962C8B-B14F-4D97-AF65-F5344CB8AC3E}">
-        <p14:creationId xmlns:p14="http://schemas.microsoft.com/office/powerpoint/2010/main" val="1883758025"/>
+        <p14:creationId xmlns:p14="http://schemas.microsoft.com/office/powerpoint/2010/main" val="568372925"/>
       </p:ext>
     </p:extLst>
   </p:cSld>
@@ -22682,7 +22713,7 @@
           <a:p>
             <a:r>
               <a:rPr lang="en-US" dirty="0" smtClean="0"/>
-              <a:t>Your neighbor</a:t>
+              <a:t>Well, what else did we learn?</a:t>
             </a:r>
             <a:endParaRPr lang="en-US" dirty="0"/>
           </a:p>
@@ -22725,8 +22756,8 @@
         </p:nvSpPr>
         <p:spPr>
           <a:xfrm>
-            <a:off x="1447800" y="2362200"/>
-            <a:ext cx="6694461" cy="2308324"/>
+            <a:off x="1447800" y="1905000"/>
+            <a:ext cx="7124066" cy="1938992"/>
           </a:xfrm>
           <a:prstGeom prst="rect">
             <a:avLst/>
@@ -22745,13 +22776,7 @@
             </a:pPr>
             <a:r>
               <a:rPr lang="en-US" dirty="0" smtClean="0"/>
-              <a:t>I really tried to create an atmosphere</a:t>
-            </a:r>
-          </a:p>
-          <a:p>
-            <a:r>
-              <a:rPr lang="en-US" dirty="0" smtClean="0"/>
-              <a:t>Where I *only* did 50% of the talking</a:t>
+              <a:t>Maven – although Maven is specific</a:t>
             </a:r>
           </a:p>
           <a:p>
@@ -22761,33 +22786,51 @@
             </a:pPr>
             <a:r>
               <a:rPr lang="en-US" dirty="0" smtClean="0"/>
-              <a:t>Really hoped that you got to know the people</a:t>
-            </a:r>
-          </a:p>
-          <a:p>
-            <a:r>
-              <a:rPr lang="en-US" dirty="0" smtClean="0"/>
-              <a:t>Sitting around you.  Exchange phone numbers,</a:t>
-            </a:r>
-          </a:p>
-          <a:p>
-            <a:r>
-              <a:rPr lang="en-US" dirty="0" smtClean="0"/>
-              <a:t>Emails with them.</a:t>
-            </a:r>
-          </a:p>
-          <a:p>
-            <a:r>
-              <a:rPr lang="en-US" dirty="0" smtClean="0"/>
-              <a:t>Programs come and go.  Friends are forever</a:t>
-            </a:r>
+              <a:t>To java, the concept is universal.  Have</a:t>
+            </a:r>
+          </a:p>
+          <a:p>
+            <a:pPr marL="342900" indent="-342900">
+              <a:buFont typeface="Arial" pitchFamily="34" charset="0"/>
+              <a:buChar char="•"/>
+            </a:pPr>
+            <a:r>
+              <a:rPr lang="en-US" dirty="0" smtClean="0"/>
+              <a:t>A repository of libraries somewhere and</a:t>
+            </a:r>
+          </a:p>
+          <a:p>
+            <a:pPr marL="342900" indent="-342900">
+              <a:buFont typeface="Arial" pitchFamily="34" charset="0"/>
+              <a:buChar char="•"/>
+            </a:pPr>
+            <a:r>
+              <a:rPr lang="en-US" dirty="0" smtClean="0"/>
+              <a:t>Let a tool download them with their </a:t>
+            </a:r>
+            <a:r>
+              <a:rPr lang="en-US" dirty="0" err="1" smtClean="0"/>
+              <a:t>dependecies</a:t>
+            </a:r>
+            <a:endParaRPr lang="en-US" dirty="0" smtClean="0"/>
+          </a:p>
+          <a:p>
+            <a:pPr marL="342900" indent="-342900">
+              <a:buFont typeface="Arial" pitchFamily="34" charset="0"/>
+              <a:buChar char="•"/>
+            </a:pPr>
+            <a:r>
+              <a:rPr lang="en-US" dirty="0" smtClean="0"/>
+              <a:t>And help you build artifacts</a:t>
+            </a:r>
+            <a:endParaRPr lang="en-US" dirty="0"/>
           </a:p>
         </p:txBody>
       </p:sp>
     </p:spTree>
     <p:extLst>
       <p:ext uri="{BB962C8B-B14F-4D97-AF65-F5344CB8AC3E}">
-        <p14:creationId xmlns:p14="http://schemas.microsoft.com/office/powerpoint/2010/main" val="3607217"/>
+        <p14:creationId xmlns:p14="http://schemas.microsoft.com/office/powerpoint/2010/main" val="3404509170"/>
       </p:ext>
     </p:extLst>
   </p:cSld>
@@ -22830,8 +22873,16 @@
           <a:lstStyle/>
           <a:p>
             <a:r>
-              <a:rPr lang="en-US" dirty="0" smtClean="0"/>
-              <a:t>And most of all …</a:t>
+              <a:rPr lang="en-US" dirty="0" err="1" smtClean="0"/>
+              <a:t>Git</a:t>
+            </a:r>
+            <a:r>
+              <a:rPr lang="en-US" dirty="0" smtClean="0"/>
+              <a:t>, </a:t>
+            </a:r>
+            <a:r>
+              <a:rPr lang="en-US" dirty="0" err="1" smtClean="0"/>
+              <a:t>Github</a:t>
             </a:r>
             <a:endParaRPr lang="en-US" dirty="0"/>
           </a:p>
@@ -22874,8 +22925,8 @@
         </p:nvSpPr>
         <p:spPr>
           <a:xfrm>
-            <a:off x="1447800" y="2057400"/>
-            <a:ext cx="7111242" cy="3416320"/>
+            <a:off x="1143000" y="2209800"/>
+            <a:ext cx="7837402" cy="4154984"/>
           </a:xfrm>
           <a:prstGeom prst="rect">
             <a:avLst/>
@@ -22894,67 +22945,111 @@
             </a:pPr>
             <a:r>
               <a:rPr lang="en-US" dirty="0" smtClean="0"/>
-              <a:t>Software engineering and banging your</a:t>
+              <a:t>I strongly recommend you use </a:t>
+            </a:r>
+            <a:r>
+              <a:rPr lang="en-US" dirty="0" err="1" smtClean="0"/>
+              <a:t>Git</a:t>
+            </a:r>
+            <a:r>
+              <a:rPr lang="en-US" dirty="0" smtClean="0"/>
+              <a:t> for your</a:t>
+            </a:r>
+          </a:p>
+          <a:p>
+            <a:r>
+              <a:rPr lang="en-US" dirty="0" smtClean="0"/>
+              <a:t>Other courses or personal projects or work.  Revision</a:t>
             </a:r>
           </a:p>
           <a:p>
             <a:r>
               <a:rPr lang="en-US" dirty="0"/>
-              <a:t>h</a:t>
-            </a:r>
-            <a:r>
-              <a:rPr lang="en-US" dirty="0" smtClean="0"/>
-              <a:t>ead against your keyboard.  This was a</a:t>
-            </a:r>
-          </a:p>
-          <a:p>
-            <a:r>
-              <a:rPr lang="en-US" dirty="0"/>
-              <a:t>p</a:t>
-            </a:r>
-            <a:r>
-              <a:rPr lang="en-US" dirty="0" smtClean="0"/>
-              <a:t>ut as much or as little as you want in this</a:t>
-            </a:r>
-          </a:p>
-          <a:p>
-            <a:r>
-              <a:rPr lang="en-US" dirty="0" smtClean="0"/>
-              <a:t>Course.  The project was yours from Day1.</a:t>
-            </a:r>
-          </a:p>
-          <a:p>
-            <a:r>
-              <a:rPr lang="en-US" dirty="0" smtClean="0"/>
-              <a:t>I personally grew quite attached to my first</a:t>
-            </a:r>
-          </a:p>
-          <a:p>
-            <a:r>
-              <a:rPr lang="en-US" dirty="0" smtClean="0"/>
-              <a:t>Software engineering project.  For me it was</a:t>
-            </a:r>
-          </a:p>
-          <a:p>
-            <a:r>
-              <a:rPr lang="en-US" dirty="0" smtClean="0"/>
-              <a:t>Fun.  I programmed it in C.  I don’t use C anymore,</a:t>
-            </a:r>
-          </a:p>
-          <a:p>
-            <a:r>
-              <a:rPr lang="en-US" dirty="0" smtClean="0"/>
-              <a:t>But it was the build your own, manage your own</a:t>
-            </a:r>
-          </a:p>
-          <a:p>
-            <a:r>
-              <a:rPr lang="en-US" dirty="0"/>
-              <a:t>a</a:t>
-            </a:r>
-            <a:r>
-              <a:rPr lang="en-US" dirty="0" smtClean="0"/>
-              <a:t>spect that still keeps me motivated in this field.</a:t>
+              <a:t>m</a:t>
+            </a:r>
+            <a:r>
+              <a:rPr lang="en-US" dirty="0" smtClean="0"/>
+              <a:t>anagement is crucial in software engineering.  Without</a:t>
+            </a:r>
+          </a:p>
+          <a:p>
+            <a:r>
+              <a:rPr lang="en-US" dirty="0" err="1" smtClean="0"/>
+              <a:t>Git</a:t>
+            </a:r>
+            <a:r>
+              <a:rPr lang="en-US" dirty="0" smtClean="0"/>
+              <a:t>, how else would you go back to a previous revision</a:t>
+            </a:r>
+          </a:p>
+          <a:p>
+            <a:pPr marL="342900" indent="-342900">
+              <a:buFont typeface="Arial" pitchFamily="34" charset="0"/>
+              <a:buChar char="•"/>
+            </a:pPr>
+            <a:r>
+              <a:rPr lang="en-US" dirty="0" err="1" smtClean="0"/>
+              <a:t>GitHub</a:t>
+            </a:r>
+            <a:r>
+              <a:rPr lang="en-US" dirty="0" smtClean="0"/>
+              <a:t> and </a:t>
+            </a:r>
+            <a:r>
+              <a:rPr lang="en-US" dirty="0" err="1" smtClean="0"/>
+              <a:t>GitHub</a:t>
+            </a:r>
+            <a:r>
+              <a:rPr lang="en-US" dirty="0" smtClean="0"/>
+              <a:t> pages ties you into the open</a:t>
+            </a:r>
+          </a:p>
+          <a:p>
+            <a:r>
+              <a:rPr lang="en-US" dirty="0" smtClean="0"/>
+              <a:t>Source community.  Open source is good.  You now</a:t>
+            </a:r>
+          </a:p>
+          <a:p>
+            <a:r>
+              <a:rPr lang="en-US" dirty="0" smtClean="0"/>
+              <a:t>Have an open source project on </a:t>
+            </a:r>
+            <a:r>
+              <a:rPr lang="en-US" dirty="0" err="1" smtClean="0"/>
+              <a:t>GitHub</a:t>
+            </a:r>
+            <a:r>
+              <a:rPr lang="en-US" dirty="0" smtClean="0"/>
+              <a:t>.  Congrats.</a:t>
+            </a:r>
+          </a:p>
+          <a:p>
+            <a:r>
+              <a:rPr lang="en-US" dirty="0" smtClean="0"/>
+              <a:t>If you never created a homepage before, well, use</a:t>
+            </a:r>
+          </a:p>
+          <a:p>
+            <a:r>
+              <a:rPr lang="en-US" dirty="0" err="1" smtClean="0"/>
+              <a:t>GitHub</a:t>
+            </a:r>
+            <a:r>
+              <a:rPr lang="en-US" dirty="0" smtClean="0"/>
+              <a:t> pages.  Great for letting employers see your</a:t>
+            </a:r>
+          </a:p>
+          <a:p>
+            <a:r>
+              <a:rPr lang="en-US" dirty="0" smtClean="0"/>
+              <a:t>Project and let them see your coding style too!  Again,</a:t>
+            </a:r>
+          </a:p>
+          <a:p>
+            <a:r>
+              <a:rPr lang="en-US" dirty="0" smtClean="0"/>
+              <a:t>NOT java specific.</a:t>
             </a:r>
           </a:p>
         </p:txBody>
@@ -22962,7 +23057,7 @@
     </p:spTree>
     <p:extLst>
       <p:ext uri="{BB962C8B-B14F-4D97-AF65-F5344CB8AC3E}">
-        <p14:creationId xmlns:p14="http://schemas.microsoft.com/office/powerpoint/2010/main" val="1560099199"/>
+        <p14:creationId xmlns:p14="http://schemas.microsoft.com/office/powerpoint/2010/main" val="3442297372"/>
       </p:ext>
     </p:extLst>
   </p:cSld>
@@ -23006,7 +23101,7 @@
           <a:p>
             <a:r>
               <a:rPr lang="en-US" dirty="0" smtClean="0"/>
-              <a:t>Thank-you + Optional Homework</a:t>
+              <a:t>MVC</a:t>
             </a:r>
             <a:endParaRPr lang="en-US" dirty="0"/>
           </a:p>
@@ -23036,6 +23131,476 @@
                 <a:defRPr/>
               </a:pPr>
               <a:t>95</a:t>
+            </a:fld>
+            <a:endParaRPr lang="en-CA"/>
+          </a:p>
+        </p:txBody>
+      </p:sp>
+      <p:sp>
+        <p:nvSpPr>
+          <p:cNvPr id="4" name="TextBox 3"/>
+          <p:cNvSpPr txBox="1"/>
+          <p:nvPr/>
+        </p:nvSpPr>
+        <p:spPr>
+          <a:xfrm>
+            <a:off x="1371600" y="2286000"/>
+            <a:ext cx="7117333" cy="1569660"/>
+          </a:xfrm>
+          <a:prstGeom prst="rect">
+            <a:avLst/>
+          </a:prstGeom>
+          <a:noFill/>
+        </p:spPr>
+        <p:txBody>
+          <a:bodyPr wrap="none" rtlCol="0">
+            <a:spAutoFit/>
+          </a:bodyPr>
+          <a:lstStyle/>
+          <a:p>
+            <a:pPr marL="342900" indent="-342900">
+              <a:buFont typeface="Arial" pitchFamily="34" charset="0"/>
+              <a:buChar char="•"/>
+            </a:pPr>
+            <a:r>
+              <a:rPr lang="en-US" dirty="0" smtClean="0"/>
+              <a:t>Hopefully, you learned a few design patterns</a:t>
+            </a:r>
+          </a:p>
+          <a:p>
+            <a:pPr marL="342900" indent="-342900">
+              <a:buFont typeface="Arial" pitchFamily="34" charset="0"/>
+              <a:buChar char="•"/>
+            </a:pPr>
+            <a:r>
+              <a:rPr lang="en-US" dirty="0" smtClean="0"/>
+              <a:t>Like MVC.  In later courses, you’ll learn MVP,</a:t>
+            </a:r>
+          </a:p>
+          <a:p>
+            <a:pPr marL="342900" indent="-342900">
+              <a:buFont typeface="Arial" pitchFamily="34" charset="0"/>
+              <a:buChar char="•"/>
+            </a:pPr>
+            <a:r>
+              <a:rPr lang="en-US" dirty="0" smtClean="0"/>
+              <a:t>MVVM, and MVW.   Again design patterns aren’t</a:t>
+            </a:r>
+          </a:p>
+          <a:p>
+            <a:pPr marL="342900" indent="-342900">
+              <a:buFont typeface="Arial" pitchFamily="34" charset="0"/>
+              <a:buChar char="•"/>
+            </a:pPr>
+            <a:r>
+              <a:rPr lang="en-US" dirty="0" smtClean="0"/>
+              <a:t>Specific to Java</a:t>
+            </a:r>
+            <a:endParaRPr lang="en-US" dirty="0"/>
+          </a:p>
+        </p:txBody>
+      </p:sp>
+    </p:spTree>
+    <p:extLst>
+      <p:ext uri="{BB962C8B-B14F-4D97-AF65-F5344CB8AC3E}">
+        <p14:creationId xmlns:p14="http://schemas.microsoft.com/office/powerpoint/2010/main" val="1883758025"/>
+      </p:ext>
+    </p:extLst>
+  </p:cSld>
+  <p:clrMapOvr>
+    <a:masterClrMapping/>
+  </p:clrMapOvr>
+</p:sld>
+</file>
+
+<file path=ppt/slides/slide96.xml><?xml version="1.0" encoding="utf-8"?>
+<p:sld xmlns:a="http://schemas.openxmlformats.org/drawingml/2006/main" xmlns:r="http://schemas.openxmlformats.org/officeDocument/2006/relationships" xmlns:p="http://schemas.openxmlformats.org/presentationml/2006/main">
+  <p:cSld>
+    <p:spTree>
+      <p:nvGrpSpPr>
+        <p:cNvPr id="1" name=""/>
+        <p:cNvGrpSpPr/>
+        <p:nvPr/>
+      </p:nvGrpSpPr>
+      <p:grpSpPr>
+        <a:xfrm>
+          <a:off x="0" y="0"/>
+          <a:ext cx="0" cy="0"/>
+          <a:chOff x="0" y="0"/>
+          <a:chExt cx="0" cy="0"/>
+        </a:xfrm>
+      </p:grpSpPr>
+      <p:sp>
+        <p:nvSpPr>
+          <p:cNvPr id="2" name="Title 1"/>
+          <p:cNvSpPr>
+            <a:spLocks noGrp="1"/>
+          </p:cNvSpPr>
+          <p:nvPr>
+            <p:ph type="title"/>
+          </p:nvPr>
+        </p:nvSpPr>
+        <p:spPr/>
+        <p:txBody>
+          <a:bodyPr/>
+          <a:lstStyle/>
+          <a:p>
+            <a:r>
+              <a:rPr lang="en-US" dirty="0" smtClean="0"/>
+              <a:t>Your neighbor</a:t>
+            </a:r>
+            <a:endParaRPr lang="en-US" dirty="0"/>
+          </a:p>
+        </p:txBody>
+      </p:sp>
+      <p:sp>
+        <p:nvSpPr>
+          <p:cNvPr id="3" name="Slide Number Placeholder 2"/>
+          <p:cNvSpPr>
+            <a:spLocks noGrp="1"/>
+          </p:cNvSpPr>
+          <p:nvPr>
+            <p:ph type="sldNum" sz="quarter" idx="12"/>
+          </p:nvPr>
+        </p:nvSpPr>
+        <p:spPr/>
+        <p:txBody>
+          <a:bodyPr/>
+          <a:lstStyle/>
+          <a:p>
+            <a:pPr>
+              <a:defRPr/>
+            </a:pPr>
+            <a:fld id="{B2451C39-31DD-6D4B-9BED-758CF6C1BA6A}" type="slidenum">
+              <a:rPr lang="en-CA" smtClean="0"/>
+              <a:pPr>
+                <a:defRPr/>
+              </a:pPr>
+              <a:t>96</a:t>
+            </a:fld>
+            <a:endParaRPr lang="en-CA"/>
+          </a:p>
+        </p:txBody>
+      </p:sp>
+      <p:sp>
+        <p:nvSpPr>
+          <p:cNvPr id="4" name="TextBox 3"/>
+          <p:cNvSpPr txBox="1"/>
+          <p:nvPr/>
+        </p:nvSpPr>
+        <p:spPr>
+          <a:xfrm>
+            <a:off x="1447800" y="2362200"/>
+            <a:ext cx="6694461" cy="2308324"/>
+          </a:xfrm>
+          <a:prstGeom prst="rect">
+            <a:avLst/>
+          </a:prstGeom>
+          <a:noFill/>
+        </p:spPr>
+        <p:txBody>
+          <a:bodyPr wrap="none" rtlCol="0">
+            <a:spAutoFit/>
+          </a:bodyPr>
+          <a:lstStyle/>
+          <a:p>
+            <a:pPr marL="342900" indent="-342900">
+              <a:buFont typeface="Arial" pitchFamily="34" charset="0"/>
+              <a:buChar char="•"/>
+            </a:pPr>
+            <a:r>
+              <a:rPr lang="en-US" dirty="0" smtClean="0"/>
+              <a:t>I really tried to create an atmosphere</a:t>
+            </a:r>
+          </a:p>
+          <a:p>
+            <a:r>
+              <a:rPr lang="en-US" dirty="0" smtClean="0"/>
+              <a:t>Where I *only* did 50% of the talking</a:t>
+            </a:r>
+          </a:p>
+          <a:p>
+            <a:pPr marL="342900" indent="-342900">
+              <a:buFont typeface="Arial" pitchFamily="34" charset="0"/>
+              <a:buChar char="•"/>
+            </a:pPr>
+            <a:r>
+              <a:rPr lang="en-US" dirty="0" smtClean="0"/>
+              <a:t>Really hoped that you got to know the people</a:t>
+            </a:r>
+          </a:p>
+          <a:p>
+            <a:r>
+              <a:rPr lang="en-US" dirty="0" smtClean="0"/>
+              <a:t>Sitting around you.  Exchange phone numbers,</a:t>
+            </a:r>
+          </a:p>
+          <a:p>
+            <a:r>
+              <a:rPr lang="en-US" dirty="0" smtClean="0"/>
+              <a:t>Emails with them.</a:t>
+            </a:r>
+          </a:p>
+          <a:p>
+            <a:r>
+              <a:rPr lang="en-US" dirty="0" smtClean="0"/>
+              <a:t>Programs come and go.  Friends are forever</a:t>
+            </a:r>
+          </a:p>
+        </p:txBody>
+      </p:sp>
+    </p:spTree>
+    <p:extLst>
+      <p:ext uri="{BB962C8B-B14F-4D97-AF65-F5344CB8AC3E}">
+        <p14:creationId xmlns:p14="http://schemas.microsoft.com/office/powerpoint/2010/main" val="3607217"/>
+      </p:ext>
+    </p:extLst>
+  </p:cSld>
+  <p:clrMapOvr>
+    <a:masterClrMapping/>
+  </p:clrMapOvr>
+</p:sld>
+</file>
+
+<file path=ppt/slides/slide97.xml><?xml version="1.0" encoding="utf-8"?>
+<p:sld xmlns:a="http://schemas.openxmlformats.org/drawingml/2006/main" xmlns:r="http://schemas.openxmlformats.org/officeDocument/2006/relationships" xmlns:p="http://schemas.openxmlformats.org/presentationml/2006/main">
+  <p:cSld>
+    <p:spTree>
+      <p:nvGrpSpPr>
+        <p:cNvPr id="1" name=""/>
+        <p:cNvGrpSpPr/>
+        <p:nvPr/>
+      </p:nvGrpSpPr>
+      <p:grpSpPr>
+        <a:xfrm>
+          <a:off x="0" y="0"/>
+          <a:ext cx="0" cy="0"/>
+          <a:chOff x="0" y="0"/>
+          <a:chExt cx="0" cy="0"/>
+        </a:xfrm>
+      </p:grpSpPr>
+      <p:sp>
+        <p:nvSpPr>
+          <p:cNvPr id="2" name="Title 1"/>
+          <p:cNvSpPr>
+            <a:spLocks noGrp="1"/>
+          </p:cNvSpPr>
+          <p:nvPr>
+            <p:ph type="title"/>
+          </p:nvPr>
+        </p:nvSpPr>
+        <p:spPr/>
+        <p:txBody>
+          <a:bodyPr/>
+          <a:lstStyle/>
+          <a:p>
+            <a:r>
+              <a:rPr lang="en-US" dirty="0" smtClean="0"/>
+              <a:t>And most of all …</a:t>
+            </a:r>
+            <a:endParaRPr lang="en-US" dirty="0"/>
+          </a:p>
+        </p:txBody>
+      </p:sp>
+      <p:sp>
+        <p:nvSpPr>
+          <p:cNvPr id="3" name="Slide Number Placeholder 2"/>
+          <p:cNvSpPr>
+            <a:spLocks noGrp="1"/>
+          </p:cNvSpPr>
+          <p:nvPr>
+            <p:ph type="sldNum" sz="quarter" idx="12"/>
+          </p:nvPr>
+        </p:nvSpPr>
+        <p:spPr/>
+        <p:txBody>
+          <a:bodyPr/>
+          <a:lstStyle/>
+          <a:p>
+            <a:pPr>
+              <a:defRPr/>
+            </a:pPr>
+            <a:fld id="{B2451C39-31DD-6D4B-9BED-758CF6C1BA6A}" type="slidenum">
+              <a:rPr lang="en-CA" smtClean="0"/>
+              <a:pPr>
+                <a:defRPr/>
+              </a:pPr>
+              <a:t>97</a:t>
+            </a:fld>
+            <a:endParaRPr lang="en-CA"/>
+          </a:p>
+        </p:txBody>
+      </p:sp>
+      <p:sp>
+        <p:nvSpPr>
+          <p:cNvPr id="4" name="TextBox 3"/>
+          <p:cNvSpPr txBox="1"/>
+          <p:nvPr/>
+        </p:nvSpPr>
+        <p:spPr>
+          <a:xfrm>
+            <a:off x="1447800" y="2057400"/>
+            <a:ext cx="7111242" cy="3416320"/>
+          </a:xfrm>
+          <a:prstGeom prst="rect">
+            <a:avLst/>
+          </a:prstGeom>
+          <a:noFill/>
+        </p:spPr>
+        <p:txBody>
+          <a:bodyPr wrap="none" rtlCol="0">
+            <a:spAutoFit/>
+          </a:bodyPr>
+          <a:lstStyle/>
+          <a:p>
+            <a:pPr marL="342900" indent="-342900">
+              <a:buFont typeface="Arial" pitchFamily="34" charset="0"/>
+              <a:buChar char="•"/>
+            </a:pPr>
+            <a:r>
+              <a:rPr lang="en-US" dirty="0" smtClean="0"/>
+              <a:t>Software engineering and banging your</a:t>
+            </a:r>
+          </a:p>
+          <a:p>
+            <a:r>
+              <a:rPr lang="en-US" dirty="0"/>
+              <a:t>h</a:t>
+            </a:r>
+            <a:r>
+              <a:rPr lang="en-US" dirty="0" smtClean="0"/>
+              <a:t>ead against your keyboard.  This was a</a:t>
+            </a:r>
+          </a:p>
+          <a:p>
+            <a:r>
+              <a:rPr lang="en-US" dirty="0"/>
+              <a:t>p</a:t>
+            </a:r>
+            <a:r>
+              <a:rPr lang="en-US" dirty="0" smtClean="0"/>
+              <a:t>ut as much or as little as you want in this</a:t>
+            </a:r>
+          </a:p>
+          <a:p>
+            <a:r>
+              <a:rPr lang="en-US" dirty="0" smtClean="0"/>
+              <a:t>Course.  The project was yours from Day1.</a:t>
+            </a:r>
+          </a:p>
+          <a:p>
+            <a:r>
+              <a:rPr lang="en-US" dirty="0" smtClean="0"/>
+              <a:t>I personally grew quite attached to my first</a:t>
+            </a:r>
+          </a:p>
+          <a:p>
+            <a:r>
+              <a:rPr lang="en-US" dirty="0" smtClean="0"/>
+              <a:t>Software engineering project.  For me it was</a:t>
+            </a:r>
+          </a:p>
+          <a:p>
+            <a:r>
+              <a:rPr lang="en-US" dirty="0" smtClean="0"/>
+              <a:t>Fun.  I programmed it in C.  I don’t use C anymore,</a:t>
+            </a:r>
+          </a:p>
+          <a:p>
+            <a:r>
+              <a:rPr lang="en-US" dirty="0" smtClean="0"/>
+              <a:t>But it was the build your own, manage your own</a:t>
+            </a:r>
+          </a:p>
+          <a:p>
+            <a:r>
+              <a:rPr lang="en-US" dirty="0"/>
+              <a:t>a</a:t>
+            </a:r>
+            <a:r>
+              <a:rPr lang="en-US" dirty="0" smtClean="0"/>
+              <a:t>spect that still keeps me motivated in this field.</a:t>
+            </a:r>
+          </a:p>
+        </p:txBody>
+      </p:sp>
+    </p:spTree>
+    <p:extLst>
+      <p:ext uri="{BB962C8B-B14F-4D97-AF65-F5344CB8AC3E}">
+        <p14:creationId xmlns:p14="http://schemas.microsoft.com/office/powerpoint/2010/main" val="1560099199"/>
+      </p:ext>
+    </p:extLst>
+  </p:cSld>
+  <p:clrMapOvr>
+    <a:masterClrMapping/>
+  </p:clrMapOvr>
+</p:sld>
+</file>
+
+<file path=ppt/slides/slide98.xml><?xml version="1.0" encoding="utf-8"?>
+<p:sld xmlns:a="http://schemas.openxmlformats.org/drawingml/2006/main" xmlns:r="http://schemas.openxmlformats.org/officeDocument/2006/relationships" xmlns:p="http://schemas.openxmlformats.org/presentationml/2006/main">
+  <p:cSld>
+    <p:spTree>
+      <p:nvGrpSpPr>
+        <p:cNvPr id="1" name=""/>
+        <p:cNvGrpSpPr/>
+        <p:nvPr/>
+      </p:nvGrpSpPr>
+      <p:grpSpPr>
+        <a:xfrm>
+          <a:off x="0" y="0"/>
+          <a:ext cx="0" cy="0"/>
+          <a:chOff x="0" y="0"/>
+          <a:chExt cx="0" cy="0"/>
+        </a:xfrm>
+      </p:grpSpPr>
+      <p:sp>
+        <p:nvSpPr>
+          <p:cNvPr id="2" name="Title 1"/>
+          <p:cNvSpPr>
+            <a:spLocks noGrp="1"/>
+          </p:cNvSpPr>
+          <p:nvPr>
+            <p:ph type="title"/>
+          </p:nvPr>
+        </p:nvSpPr>
+        <p:spPr/>
+        <p:txBody>
+          <a:bodyPr/>
+          <a:lstStyle/>
+          <a:p>
+            <a:r>
+              <a:rPr lang="en-US" dirty="0" smtClean="0"/>
+              <a:t>Thank-you + Optional Homework</a:t>
+            </a:r>
+            <a:endParaRPr lang="en-US" dirty="0"/>
+          </a:p>
+        </p:txBody>
+      </p:sp>
+      <p:sp>
+        <p:nvSpPr>
+          <p:cNvPr id="3" name="Slide Number Placeholder 2"/>
+          <p:cNvSpPr>
+            <a:spLocks noGrp="1"/>
+          </p:cNvSpPr>
+          <p:nvPr>
+            <p:ph type="sldNum" sz="quarter" idx="12"/>
+          </p:nvPr>
+        </p:nvSpPr>
+        <p:spPr/>
+        <p:txBody>
+          <a:bodyPr/>
+          <a:lstStyle/>
+          <a:p>
+            <a:pPr>
+              <a:defRPr/>
+            </a:pPr>
+            <a:fld id="{B2451C39-31DD-6D4B-9BED-758CF6C1BA6A}" type="slidenum">
+              <a:rPr lang="en-CA" smtClean="0"/>
+              <a:pPr>
+                <a:defRPr/>
+              </a:pPr>
+              <a:t>98</a:t>
             </a:fld>
             <a:endParaRPr lang="en-CA"/>
           </a:p>

--- a/coursePresentation.pptx
+++ b/coursePresentation.pptx
@@ -5,10 +5,10 @@
     <p:sldMasterId id="2147484906" r:id="rId1"/>
   </p:sldMasterIdLst>
   <p:notesMasterIdLst>
-    <p:notesMasterId r:id="rId100"/>
+    <p:notesMasterId r:id="rId101"/>
   </p:notesMasterIdLst>
   <p:handoutMasterIdLst>
-    <p:handoutMasterId r:id="rId101"/>
+    <p:handoutMasterId r:id="rId102"/>
   </p:handoutMasterIdLst>
   <p:sldIdLst>
     <p:sldId id="257" r:id="rId2"/>
@@ -100,15 +100,16 @@
     <p:sldId id="409" r:id="rId88"/>
     <p:sldId id="410" r:id="rId89"/>
     <p:sldId id="411" r:id="rId90"/>
-    <p:sldId id="412" r:id="rId91"/>
-    <p:sldId id="413" r:id="rId92"/>
-    <p:sldId id="389" r:id="rId93"/>
-    <p:sldId id="390" r:id="rId94"/>
-    <p:sldId id="391" r:id="rId95"/>
-    <p:sldId id="392" r:id="rId96"/>
-    <p:sldId id="414" r:id="rId97"/>
-    <p:sldId id="393" r:id="rId98"/>
-    <p:sldId id="394" r:id="rId99"/>
+    <p:sldId id="425" r:id="rId91"/>
+    <p:sldId id="426" r:id="rId92"/>
+    <p:sldId id="413" r:id="rId93"/>
+    <p:sldId id="389" r:id="rId94"/>
+    <p:sldId id="390" r:id="rId95"/>
+    <p:sldId id="391" r:id="rId96"/>
+    <p:sldId id="392" r:id="rId97"/>
+    <p:sldId id="414" r:id="rId98"/>
+    <p:sldId id="393" r:id="rId99"/>
+    <p:sldId id="394" r:id="rId100"/>
   </p:sldIdLst>
   <p:sldSz cx="9144000" cy="6858000" type="screen4x3"/>
   <p:notesSz cx="6858000" cy="9144000"/>
@@ -18253,8 +18254,8 @@
         </p:nvSpPr>
         <p:spPr>
           <a:xfrm>
-            <a:off x="990601" y="1524001"/>
-            <a:ext cx="7086600" cy="4524315"/>
+            <a:off x="990600" y="1295401"/>
+            <a:ext cx="7543799" cy="5262979"/>
           </a:xfrm>
           <a:prstGeom prst="rect">
             <a:avLst/>
@@ -18382,6 +18383,33 @@
               <a:rPr lang="en-US" dirty="0" smtClean="0"/>
               <a:t>If you don’t want to use Scene Builder, then don’t use it ;)</a:t>
             </a:r>
+          </a:p>
+          <a:p>
+            <a:pPr marL="342900" indent="-342900">
+              <a:buFont typeface="Arial" pitchFamily="34" charset="0"/>
+              <a:buChar char="•"/>
+            </a:pPr>
+            <a:r>
+              <a:rPr lang="en-US" dirty="0">
+                <a:hlinkClick r:id="rId3"/>
+              </a:rPr>
+              <a:t>http://</a:t>
+            </a:r>
+            <a:r>
+              <a:rPr lang="en-US" dirty="0" smtClean="0">
+                <a:hlinkClick r:id="rId3"/>
+              </a:rPr>
+              <a:t>www.oracle.com/technetwork/java/javase/downloads/jdk7-downloads-1880260.html</a:t>
+            </a:r>
+            <a:r>
+              <a:rPr lang="en-US" dirty="0" smtClean="0"/>
+              <a:t> </a:t>
+            </a:r>
+            <a:r>
+              <a:rPr lang="en-US" dirty="0" err="1" smtClean="0"/>
+              <a:t>bottomlink</a:t>
+            </a:r>
+            <a:endParaRPr lang="en-US" dirty="0" smtClean="0"/>
           </a:p>
         </p:txBody>
       </p:sp>
@@ -19420,11 +19448,7 @@
           <a:p>
             <a:r>
               <a:rPr lang="en-US" dirty="0" smtClean="0"/>
-              <a:t>In case you haven’t guessed, I’m not trying to fail anyone in this course.  I’m here to help you learn and to help you find </a:t>
-            </a:r>
-            <a:r>
-              <a:rPr lang="en-US" smtClean="0"/>
-              <a:t>your talents.</a:t>
+              <a:t>In case you haven’t guessed, I’m not trying to fail anyone in this course.  I’m here to help you learn and to help you find your talents.</a:t>
             </a:r>
             <a:endParaRPr lang="en-US" dirty="0"/>
           </a:p>
@@ -22287,7 +22311,7 @@
           <a:p>
             <a:r>
               <a:rPr lang="en-US" dirty="0" smtClean="0"/>
-              <a:t>Network programming</a:t>
+              <a:t>Network Programming</a:t>
             </a:r>
             <a:endParaRPr lang="en-US" dirty="0"/>
           </a:p>
@@ -22295,7 +22319,48 @@
       </p:sp>
       <p:sp>
         <p:nvSpPr>
-          <p:cNvPr id="3" name="Slide Number Placeholder 2"/>
+          <p:cNvPr id="3" name="Content Placeholder 2"/>
+          <p:cNvSpPr>
+            <a:spLocks noGrp="1"/>
+          </p:cNvSpPr>
+          <p:nvPr>
+            <p:ph idx="1"/>
+          </p:nvPr>
+        </p:nvSpPr>
+        <p:spPr/>
+        <p:txBody>
+          <a:bodyPr/>
+          <a:lstStyle/>
+          <a:p>
+            <a:r>
+              <a:rPr lang="en-US" dirty="0" smtClean="0"/>
+              <a:t>OK, this is a somewhat filler lecture.</a:t>
+            </a:r>
+          </a:p>
+          <a:p>
+            <a:r>
+              <a:rPr lang="en-US" dirty="0" smtClean="0"/>
+              <a:t>Final, final project will have nothing to do with today’s SHORT lecture</a:t>
+            </a:r>
+          </a:p>
+          <a:p>
+            <a:r>
+              <a:rPr lang="en-US" dirty="0" smtClean="0"/>
+              <a:t>Network Programming … UDP / TCP … very cool.  But realistically, you won’t be using those protocols directly.</a:t>
+            </a:r>
+          </a:p>
+          <a:p>
+            <a:r>
+              <a:rPr lang="en-US" dirty="0" smtClean="0"/>
+              <a:t>http / https are by far the most common protocols used in Java</a:t>
+            </a:r>
+            <a:endParaRPr lang="en-US" dirty="0"/>
+          </a:p>
+        </p:txBody>
+      </p:sp>
+      <p:sp>
+        <p:nvSpPr>
+          <p:cNvPr id="4" name="Slide Number Placeholder 3"/>
           <p:cNvSpPr>
             <a:spLocks noGrp="1"/>
           </p:cNvSpPr>
@@ -22311,74 +22376,21 @@
             <a:pPr>
               <a:defRPr/>
             </a:pPr>
-            <a:fld id="{B2451C39-31DD-6D4B-9BED-758CF6C1BA6A}" type="slidenum">
-              <a:rPr lang="en-CA" smtClean="0"/>
+            <a:fld id="{8B8B984A-5AFF-7643-AE60-6D8D11294076}" type="slidenum">
+              <a:rPr lang="en-US" smtClean="0"/>
               <a:pPr>
                 <a:defRPr/>
               </a:pPr>
               <a:t>90</a:t>
             </a:fld>
-            <a:endParaRPr lang="en-CA"/>
-          </a:p>
-        </p:txBody>
-      </p:sp>
-      <p:sp>
-        <p:nvSpPr>
-          <p:cNvPr id="4" name="TextBox 3"/>
-          <p:cNvSpPr txBox="1"/>
-          <p:nvPr/>
-        </p:nvSpPr>
-        <p:spPr>
-          <a:xfrm>
-            <a:off x="1524000" y="2133600"/>
-            <a:ext cx="6014403" cy="1569660"/>
-          </a:xfrm>
-          <a:prstGeom prst="rect">
-            <a:avLst/>
-          </a:prstGeom>
-          <a:noFill/>
-        </p:spPr>
-        <p:txBody>
-          <a:bodyPr wrap="none" rtlCol="0">
-            <a:spAutoFit/>
-          </a:bodyPr>
-          <a:lstStyle/>
-          <a:p>
-            <a:r>
-              <a:rPr lang="en-US" dirty="0" smtClean="0"/>
-              <a:t>See </a:t>
-            </a:r>
-            <a:r>
-              <a:rPr lang="en-US" dirty="0" err="1" smtClean="0"/>
-              <a:t>HttpUtils</a:t>
-            </a:r>
-            <a:endParaRPr lang="en-US" dirty="0" smtClean="0"/>
-          </a:p>
-          <a:p>
-            <a:r>
-              <a:rPr lang="en-US" dirty="0" smtClean="0"/>
-              <a:t>Final will not cover this.</a:t>
-            </a:r>
-          </a:p>
-          <a:p>
-            <a:r>
-              <a:rPr lang="en-US" dirty="0" smtClean="0"/>
-              <a:t>Just nice to know and a light subject</a:t>
-            </a:r>
-          </a:p>
-          <a:p>
-            <a:r>
-              <a:rPr lang="en-US" dirty="0" smtClean="0"/>
-              <a:t>Most importantly, work on your assignment</a:t>
-            </a:r>
-            <a:endParaRPr lang="en-US" dirty="0"/>
+            <a:endParaRPr lang="en-US"/>
           </a:p>
         </p:txBody>
       </p:sp>
     </p:spTree>
     <p:extLst>
       <p:ext uri="{BB962C8B-B14F-4D97-AF65-F5344CB8AC3E}">
-        <p14:creationId xmlns:p14="http://schemas.microsoft.com/office/powerpoint/2010/main" val="3091368154"/>
+        <p14:creationId xmlns:p14="http://schemas.microsoft.com/office/powerpoint/2010/main" val="498203968"/>
       </p:ext>
     </p:extLst>
   </p:cSld>
@@ -22422,7 +22434,7 @@
           <a:p>
             <a:r>
               <a:rPr lang="en-US" dirty="0" smtClean="0"/>
-              <a:t>Homework</a:t>
+              <a:t>There’s a tool (library) for that</a:t>
             </a:r>
             <a:endParaRPr lang="en-US" dirty="0"/>
           </a:p>
@@ -22430,7 +22442,122 @@
       </p:sp>
       <p:sp>
         <p:nvSpPr>
-          <p:cNvPr id="3" name="Slide Number Placeholder 2"/>
+          <p:cNvPr id="3" name="Content Placeholder 2"/>
+          <p:cNvSpPr>
+            <a:spLocks noGrp="1"/>
+          </p:cNvSpPr>
+          <p:nvPr>
+            <p:ph idx="1"/>
+          </p:nvPr>
+        </p:nvSpPr>
+        <p:spPr/>
+        <p:txBody>
+          <a:bodyPr/>
+          <a:lstStyle/>
+          <a:p>
+            <a:r>
+              <a:rPr lang="en-US" dirty="0"/>
+              <a:t>&lt;dependency&gt;</a:t>
+            </a:r>
+          </a:p>
+          <a:p>
+            <a:r>
+              <a:rPr lang="en-US" dirty="0"/>
+              <a:t>	&lt;</a:t>
+            </a:r>
+            <a:r>
+              <a:rPr lang="en-US" dirty="0" err="1"/>
+              <a:t>groupId</a:t>
+            </a:r>
+            <a:r>
+              <a:rPr lang="en-US" dirty="0"/>
+              <a:t>&gt;</a:t>
+            </a:r>
+            <a:r>
+              <a:rPr lang="en-US" dirty="0" err="1"/>
+              <a:t>org.apache.httpcomponents</a:t>
+            </a:r>
+            <a:r>
+              <a:rPr lang="en-US" dirty="0"/>
+              <a:t>&lt;/</a:t>
+            </a:r>
+            <a:r>
+              <a:rPr lang="en-US" dirty="0" err="1"/>
+              <a:t>groupId</a:t>
+            </a:r>
+            <a:r>
+              <a:rPr lang="en-US" dirty="0"/>
+              <a:t>&gt;</a:t>
+            </a:r>
+          </a:p>
+          <a:p>
+            <a:r>
+              <a:rPr lang="en-US" dirty="0"/>
+              <a:t>	&lt;</a:t>
+            </a:r>
+            <a:r>
+              <a:rPr lang="en-US" dirty="0" err="1"/>
+              <a:t>artifactId</a:t>
+            </a:r>
+            <a:r>
+              <a:rPr lang="en-US" dirty="0"/>
+              <a:t>&gt;</a:t>
+            </a:r>
+            <a:r>
+              <a:rPr lang="en-US" dirty="0" err="1"/>
+              <a:t>httpclient</a:t>
+            </a:r>
+            <a:r>
+              <a:rPr lang="en-US" dirty="0"/>
+              <a:t>&lt;/</a:t>
+            </a:r>
+            <a:r>
+              <a:rPr lang="en-US" dirty="0" err="1"/>
+              <a:t>artifactId</a:t>
+            </a:r>
+            <a:r>
+              <a:rPr lang="en-US" dirty="0"/>
+              <a:t>&gt;</a:t>
+            </a:r>
+          </a:p>
+          <a:p>
+            <a:r>
+              <a:rPr lang="en-US" dirty="0"/>
+              <a:t>	&lt;version&gt;4.3.3&lt;/version&gt;</a:t>
+            </a:r>
+          </a:p>
+          <a:p>
+            <a:r>
+              <a:rPr lang="en-US" dirty="0"/>
+              <a:t>&lt;/dependency&gt;</a:t>
+            </a:r>
+          </a:p>
+          <a:p>
+            <a:r>
+              <a:rPr lang="en-US" dirty="0"/>
+              <a:t> </a:t>
+            </a:r>
+          </a:p>
+          <a:p>
+            <a:r>
+              <a:rPr lang="en-US" dirty="0"/>
+              <a:t> </a:t>
+            </a:r>
+            <a:r>
+              <a:rPr lang="en-US" dirty="0" smtClean="0"/>
+              <a:t>See </a:t>
+            </a:r>
+            <a:r>
+              <a:rPr lang="en-US" smtClean="0"/>
+              <a:t>HttpComponentsDemo</a:t>
+            </a:r>
+            <a:endParaRPr lang="en-US" dirty="0"/>
+          </a:p>
+        </p:txBody>
+      </p:sp>
+      <p:sp>
+        <p:nvSpPr>
+          <p:cNvPr id="4" name="Slide Number Placeholder 3"/>
           <p:cNvSpPr>
             <a:spLocks noGrp="1"/>
           </p:cNvSpPr>
@@ -22446,74 +22573,21 @@
             <a:pPr>
               <a:defRPr/>
             </a:pPr>
-            <a:fld id="{B2451C39-31DD-6D4B-9BED-758CF6C1BA6A}" type="slidenum">
-              <a:rPr lang="en-CA" smtClean="0"/>
+            <a:fld id="{8B8B984A-5AFF-7643-AE60-6D8D11294076}" type="slidenum">
+              <a:rPr lang="en-US" smtClean="0"/>
               <a:pPr>
                 <a:defRPr/>
               </a:pPr>
               <a:t>91</a:t>
             </a:fld>
-            <a:endParaRPr lang="en-CA"/>
-          </a:p>
-        </p:txBody>
-      </p:sp>
-      <p:sp>
-        <p:nvSpPr>
-          <p:cNvPr id="4" name="TextBox 3"/>
-          <p:cNvSpPr txBox="1"/>
-          <p:nvPr/>
-        </p:nvSpPr>
-        <p:spPr>
-          <a:xfrm>
-            <a:off x="1828800" y="1752600"/>
-            <a:ext cx="6296917" cy="1938992"/>
-          </a:xfrm>
-          <a:prstGeom prst="rect">
-            <a:avLst/>
-          </a:prstGeom>
-          <a:noFill/>
-        </p:spPr>
-        <p:txBody>
-          <a:bodyPr wrap="none" rtlCol="0">
-            <a:spAutoFit/>
-          </a:bodyPr>
-          <a:lstStyle/>
-          <a:p>
-            <a:r>
-              <a:rPr lang="en-US" dirty="0" smtClean="0"/>
-              <a:t>You guessed it Assignment11</a:t>
-            </a:r>
-          </a:p>
-          <a:p>
-            <a:r>
-              <a:rPr lang="en-US" dirty="0" smtClean="0"/>
-              <a:t>Hint for Final</a:t>
-            </a:r>
-          </a:p>
-          <a:p>
-            <a:r>
-              <a:rPr lang="en-US" dirty="0" smtClean="0"/>
-              <a:t>What can go wrong with your application</a:t>
-            </a:r>
-          </a:p>
-          <a:p>
-            <a:r>
-              <a:rPr lang="en-US" dirty="0" smtClean="0"/>
-              <a:t>When you demo it?  How should you handle,</a:t>
-            </a:r>
-          </a:p>
-          <a:p>
-            <a:r>
-              <a:rPr lang="en-US" dirty="0" smtClean="0"/>
-              <a:t>Fallback on what?</a:t>
-            </a:r>
+            <a:endParaRPr lang="en-US"/>
           </a:p>
         </p:txBody>
       </p:sp>
     </p:spTree>
     <p:extLst>
       <p:ext uri="{BB962C8B-B14F-4D97-AF65-F5344CB8AC3E}">
-        <p14:creationId xmlns:p14="http://schemas.microsoft.com/office/powerpoint/2010/main" val="3669441049"/>
+        <p14:creationId xmlns:p14="http://schemas.microsoft.com/office/powerpoint/2010/main" val="664585395"/>
       </p:ext>
     </p:extLst>
   </p:cSld>
@@ -22557,7 +22631,7 @@
           <a:p>
             <a:r>
               <a:rPr lang="en-US" dirty="0" smtClean="0"/>
-              <a:t>Food for thought…</a:t>
+              <a:t>Homework</a:t>
             </a:r>
             <a:endParaRPr lang="en-US" dirty="0"/>
           </a:p>
@@ -22600,8 +22674,8 @@
         </p:nvSpPr>
         <p:spPr>
           <a:xfrm>
-            <a:off x="1371600" y="1828800"/>
-            <a:ext cx="4831772" cy="1938992"/>
+            <a:off x="1828800" y="1752600"/>
+            <a:ext cx="6296917" cy="1938992"/>
           </a:xfrm>
           <a:prstGeom prst="rect">
             <a:avLst/>
@@ -22614,62 +22688,41 @@
           </a:bodyPr>
           <a:lstStyle/>
           <a:p>
-            <a:pPr marL="342900" indent="-342900">
-              <a:buFont typeface="Arial" pitchFamily="34" charset="0"/>
-              <a:buChar char="•"/>
-            </a:pPr>
-            <a:r>
-              <a:rPr lang="en-US" dirty="0" smtClean="0"/>
-              <a:t>Maybe after this course …</a:t>
-            </a:r>
-          </a:p>
-          <a:p>
-            <a:pPr marL="342900" indent="-342900">
-              <a:buFont typeface="Arial" pitchFamily="34" charset="0"/>
-              <a:buChar char="•"/>
-            </a:pPr>
-            <a:r>
-              <a:rPr lang="en-US" dirty="0" smtClean="0"/>
-              <a:t>I REALLY hate Java…</a:t>
-            </a:r>
-          </a:p>
-          <a:p>
-            <a:pPr marL="342900" indent="-342900">
-              <a:buFont typeface="Arial" pitchFamily="34" charset="0"/>
-              <a:buChar char="•"/>
-            </a:pPr>
-            <a:r>
-              <a:rPr lang="en-US" dirty="0" smtClean="0"/>
-              <a:t>Or I REALLY love it</a:t>
-            </a:r>
-          </a:p>
-          <a:p>
-            <a:pPr marL="342900" indent="-342900">
-              <a:buFont typeface="Arial" pitchFamily="34" charset="0"/>
-              <a:buChar char="•"/>
-            </a:pPr>
-            <a:r>
-              <a:rPr lang="en-US" dirty="0" smtClean="0"/>
-              <a:t>But was that all you learned?</a:t>
-            </a:r>
-          </a:p>
-          <a:p>
-            <a:pPr marL="342900" indent="-342900">
-              <a:buFont typeface="Arial" pitchFamily="34" charset="0"/>
-              <a:buChar char="•"/>
-            </a:pPr>
-            <a:r>
-              <a:rPr lang="en-US" dirty="0" smtClean="0"/>
-              <a:t>I had a hidden agenda all along</a:t>
-            </a:r>
-            <a:endParaRPr lang="en-US" dirty="0"/>
+            <a:r>
+              <a:rPr lang="en-US" dirty="0" smtClean="0"/>
+              <a:t>You guessed it Assignment11</a:t>
+            </a:r>
+          </a:p>
+          <a:p>
+            <a:r>
+              <a:rPr lang="en-US" dirty="0" smtClean="0"/>
+              <a:t>Hint for Final</a:t>
+            </a:r>
+          </a:p>
+          <a:p>
+            <a:r>
+              <a:rPr lang="en-US" dirty="0" smtClean="0"/>
+              <a:t>What can go wrong with your application</a:t>
+            </a:r>
+          </a:p>
+          <a:p>
+            <a:r>
+              <a:rPr lang="en-US" dirty="0" smtClean="0"/>
+              <a:t>When you demo it?  How should you handle,</a:t>
+            </a:r>
+          </a:p>
+          <a:p>
+            <a:r>
+              <a:rPr lang="en-US" dirty="0" smtClean="0"/>
+              <a:t>Fallback on what?</a:t>
+            </a:r>
           </a:p>
         </p:txBody>
       </p:sp>
     </p:spTree>
     <p:extLst>
       <p:ext uri="{BB962C8B-B14F-4D97-AF65-F5344CB8AC3E}">
-        <p14:creationId xmlns:p14="http://schemas.microsoft.com/office/powerpoint/2010/main" val="568372925"/>
+        <p14:creationId xmlns:p14="http://schemas.microsoft.com/office/powerpoint/2010/main" val="3669441049"/>
       </p:ext>
     </p:extLst>
   </p:cSld>
@@ -22713,7 +22766,7 @@
           <a:p>
             <a:r>
               <a:rPr lang="en-US" dirty="0" smtClean="0"/>
-              <a:t>Well, what else did we learn?</a:t>
+              <a:t>Food for thought…</a:t>
             </a:r>
             <a:endParaRPr lang="en-US" dirty="0"/>
           </a:p>
@@ -22756,8 +22809,8 @@
         </p:nvSpPr>
         <p:spPr>
           <a:xfrm>
-            <a:off x="1447800" y="1905000"/>
-            <a:ext cx="7124066" cy="1938992"/>
+            <a:off x="1371600" y="1828800"/>
+            <a:ext cx="4831772" cy="1938992"/>
           </a:xfrm>
           <a:prstGeom prst="rect">
             <a:avLst/>
@@ -22776,7 +22829,7 @@
             </a:pPr>
             <a:r>
               <a:rPr lang="en-US" dirty="0" smtClean="0"/>
-              <a:t>Maven – although Maven is specific</a:t>
+              <a:t>Maybe after this course …</a:t>
             </a:r>
           </a:p>
           <a:p>
@@ -22786,7 +22839,7 @@
             </a:pPr>
             <a:r>
               <a:rPr lang="en-US" dirty="0" smtClean="0"/>
-              <a:t>To java, the concept is universal.  Have</a:t>
+              <a:t>I REALLY hate Java…</a:t>
             </a:r>
           </a:p>
           <a:p>
@@ -22796,7 +22849,7 @@
             </a:pPr>
             <a:r>
               <a:rPr lang="en-US" dirty="0" smtClean="0"/>
-              <a:t>A repository of libraries somewhere and</a:t>
+              <a:t>Or I REALLY love it</a:t>
             </a:r>
           </a:p>
           <a:p>
@@ -22806,13 +22859,8 @@
             </a:pPr>
             <a:r>
               <a:rPr lang="en-US" dirty="0" smtClean="0"/>
-              <a:t>Let a tool download them with their </a:t>
-            </a:r>
-            <a:r>
-              <a:rPr lang="en-US" dirty="0" err="1" smtClean="0"/>
-              <a:t>dependecies</a:t>
-            </a:r>
-            <a:endParaRPr lang="en-US" dirty="0" smtClean="0"/>
+              <a:t>But was that all you learned?</a:t>
+            </a:r>
           </a:p>
           <a:p>
             <a:pPr marL="342900" indent="-342900">
@@ -22821,7 +22869,7 @@
             </a:pPr>
             <a:r>
               <a:rPr lang="en-US" dirty="0" smtClean="0"/>
-              <a:t>And help you build artifacts</a:t>
+              <a:t>I had a hidden agenda all along</a:t>
             </a:r>
             <a:endParaRPr lang="en-US" dirty="0"/>
           </a:p>
@@ -22830,7 +22878,7 @@
     </p:spTree>
     <p:extLst>
       <p:ext uri="{BB962C8B-B14F-4D97-AF65-F5344CB8AC3E}">
-        <p14:creationId xmlns:p14="http://schemas.microsoft.com/office/powerpoint/2010/main" val="3404509170"/>
+        <p14:creationId xmlns:p14="http://schemas.microsoft.com/office/powerpoint/2010/main" val="568372925"/>
       </p:ext>
     </p:extLst>
   </p:cSld>
@@ -22873,16 +22921,8 @@
           <a:lstStyle/>
           <a:p>
             <a:r>
-              <a:rPr lang="en-US" dirty="0" err="1" smtClean="0"/>
-              <a:t>Git</a:t>
-            </a:r>
-            <a:r>
-              <a:rPr lang="en-US" dirty="0" smtClean="0"/>
-              <a:t>, </a:t>
-            </a:r>
-            <a:r>
-              <a:rPr lang="en-US" dirty="0" err="1" smtClean="0"/>
-              <a:t>Github</a:t>
+              <a:rPr lang="en-US" dirty="0" smtClean="0"/>
+              <a:t>Well, what else did we learn?</a:t>
             </a:r>
             <a:endParaRPr lang="en-US" dirty="0"/>
           </a:p>
@@ -22925,8 +22965,8 @@
         </p:nvSpPr>
         <p:spPr>
           <a:xfrm>
-            <a:off x="1143000" y="2209800"/>
-            <a:ext cx="7837402" cy="4154984"/>
+            <a:off x="1447800" y="1905000"/>
+            <a:ext cx="7124066" cy="1938992"/>
           </a:xfrm>
           <a:prstGeom prst="rect">
             <a:avLst/>
@@ -22945,41 +22985,7 @@
             </a:pPr>
             <a:r>
               <a:rPr lang="en-US" dirty="0" smtClean="0"/>
-              <a:t>I strongly recommend you use </a:t>
-            </a:r>
-            <a:r>
-              <a:rPr lang="en-US" dirty="0" err="1" smtClean="0"/>
-              <a:t>Git</a:t>
-            </a:r>
-            <a:r>
-              <a:rPr lang="en-US" dirty="0" smtClean="0"/>
-              <a:t> for your</a:t>
-            </a:r>
-          </a:p>
-          <a:p>
-            <a:r>
-              <a:rPr lang="en-US" dirty="0" smtClean="0"/>
-              <a:t>Other courses or personal projects or work.  Revision</a:t>
-            </a:r>
-          </a:p>
-          <a:p>
-            <a:r>
-              <a:rPr lang="en-US" dirty="0"/>
-              <a:t>m</a:t>
-            </a:r>
-            <a:r>
-              <a:rPr lang="en-US" dirty="0" smtClean="0"/>
-              <a:t>anagement is crucial in software engineering.  Without</a:t>
-            </a:r>
-          </a:p>
-          <a:p>
-            <a:r>
-              <a:rPr lang="en-US" dirty="0" err="1" smtClean="0"/>
-              <a:t>Git</a:t>
-            </a:r>
-            <a:r>
-              <a:rPr lang="en-US" dirty="0" smtClean="0"/>
-              <a:t>, how else would you go back to a previous revision</a:t>
+              <a:t>Maven – although Maven is specific</a:t>
             </a:r>
           </a:p>
           <a:p>
@@ -22988,76 +22994,52 @@
               <a:buChar char="•"/>
             </a:pPr>
             <a:r>
+              <a:rPr lang="en-US" dirty="0" smtClean="0"/>
+              <a:t>To java, the concept is universal.  Have</a:t>
+            </a:r>
+          </a:p>
+          <a:p>
+            <a:pPr marL="342900" indent="-342900">
+              <a:buFont typeface="Arial" pitchFamily="34" charset="0"/>
+              <a:buChar char="•"/>
+            </a:pPr>
+            <a:r>
+              <a:rPr lang="en-US" dirty="0" smtClean="0"/>
+              <a:t>A repository of libraries somewhere and</a:t>
+            </a:r>
+          </a:p>
+          <a:p>
+            <a:pPr marL="342900" indent="-342900">
+              <a:buFont typeface="Arial" pitchFamily="34" charset="0"/>
+              <a:buChar char="•"/>
+            </a:pPr>
+            <a:r>
+              <a:rPr lang="en-US" dirty="0" smtClean="0"/>
+              <a:t>Let a tool download them with their </a:t>
+            </a:r>
+            <a:r>
               <a:rPr lang="en-US" dirty="0" err="1" smtClean="0"/>
-              <a:t>GitHub</a:t>
-            </a:r>
-            <a:r>
-              <a:rPr lang="en-US" dirty="0" smtClean="0"/>
-              <a:t> and </a:t>
-            </a:r>
-            <a:r>
-              <a:rPr lang="en-US" dirty="0" err="1" smtClean="0"/>
-              <a:t>GitHub</a:t>
-            </a:r>
-            <a:r>
-              <a:rPr lang="en-US" dirty="0" smtClean="0"/>
-              <a:t> pages ties you into the open</a:t>
-            </a:r>
-          </a:p>
-          <a:p>
-            <a:r>
-              <a:rPr lang="en-US" dirty="0" smtClean="0"/>
-              <a:t>Source community.  Open source is good.  You now</a:t>
-            </a:r>
-          </a:p>
-          <a:p>
-            <a:r>
-              <a:rPr lang="en-US" dirty="0" smtClean="0"/>
-              <a:t>Have an open source project on </a:t>
-            </a:r>
-            <a:r>
-              <a:rPr lang="en-US" dirty="0" err="1" smtClean="0"/>
-              <a:t>GitHub</a:t>
-            </a:r>
-            <a:r>
-              <a:rPr lang="en-US" dirty="0" smtClean="0"/>
-              <a:t>.  Congrats.</a:t>
-            </a:r>
-          </a:p>
-          <a:p>
-            <a:r>
-              <a:rPr lang="en-US" dirty="0" smtClean="0"/>
-              <a:t>If you never created a homepage before, well, use</a:t>
-            </a:r>
-          </a:p>
-          <a:p>
-            <a:r>
-              <a:rPr lang="en-US" dirty="0" err="1" smtClean="0"/>
-              <a:t>GitHub</a:t>
-            </a:r>
-            <a:r>
-              <a:rPr lang="en-US" dirty="0" smtClean="0"/>
-              <a:t> pages.  Great for letting employers see your</a:t>
-            </a:r>
-          </a:p>
-          <a:p>
-            <a:r>
-              <a:rPr lang="en-US" dirty="0" smtClean="0"/>
-              <a:t>Project and let them see your coding style too!  Again,</a:t>
-            </a:r>
-          </a:p>
-          <a:p>
-            <a:r>
-              <a:rPr lang="en-US" dirty="0" smtClean="0"/>
-              <a:t>NOT java specific.</a:t>
-            </a:r>
+              <a:t>dependecies</a:t>
+            </a:r>
+            <a:endParaRPr lang="en-US" dirty="0" smtClean="0"/>
+          </a:p>
+          <a:p>
+            <a:pPr marL="342900" indent="-342900">
+              <a:buFont typeface="Arial" pitchFamily="34" charset="0"/>
+              <a:buChar char="•"/>
+            </a:pPr>
+            <a:r>
+              <a:rPr lang="en-US" dirty="0" smtClean="0"/>
+              <a:t>And help you build artifacts</a:t>
+            </a:r>
+            <a:endParaRPr lang="en-US" dirty="0"/>
           </a:p>
         </p:txBody>
       </p:sp>
     </p:spTree>
     <p:extLst>
       <p:ext uri="{BB962C8B-B14F-4D97-AF65-F5344CB8AC3E}">
-        <p14:creationId xmlns:p14="http://schemas.microsoft.com/office/powerpoint/2010/main" val="3442297372"/>
+        <p14:creationId xmlns:p14="http://schemas.microsoft.com/office/powerpoint/2010/main" val="3404509170"/>
       </p:ext>
     </p:extLst>
   </p:cSld>
@@ -23100,8 +23082,16 @@
           <a:lstStyle/>
           <a:p>
             <a:r>
-              <a:rPr lang="en-US" dirty="0" smtClean="0"/>
-              <a:t>MVC</a:t>
+              <a:rPr lang="en-US" dirty="0" err="1" smtClean="0"/>
+              <a:t>Git</a:t>
+            </a:r>
+            <a:r>
+              <a:rPr lang="en-US" dirty="0" smtClean="0"/>
+              <a:t>, </a:t>
+            </a:r>
+            <a:r>
+              <a:rPr lang="en-US" dirty="0" err="1" smtClean="0"/>
+              <a:t>Github</a:t>
             </a:r>
             <a:endParaRPr lang="en-US" dirty="0"/>
           </a:p>
@@ -23144,8 +23134,8 @@
         </p:nvSpPr>
         <p:spPr>
           <a:xfrm>
-            <a:off x="1371600" y="2286000"/>
-            <a:ext cx="7117333" cy="1569660"/>
+            <a:off x="1143000" y="2209800"/>
+            <a:ext cx="7837402" cy="4154984"/>
           </a:xfrm>
           <a:prstGeom prst="rect">
             <a:avLst/>
@@ -23164,7 +23154,41 @@
             </a:pPr>
             <a:r>
               <a:rPr lang="en-US" dirty="0" smtClean="0"/>
-              <a:t>Hopefully, you learned a few design patterns</a:t>
+              <a:t>I strongly recommend you use </a:t>
+            </a:r>
+            <a:r>
+              <a:rPr lang="en-US" dirty="0" err="1" smtClean="0"/>
+              <a:t>Git</a:t>
+            </a:r>
+            <a:r>
+              <a:rPr lang="en-US" dirty="0" smtClean="0"/>
+              <a:t> for your</a:t>
+            </a:r>
+          </a:p>
+          <a:p>
+            <a:r>
+              <a:rPr lang="en-US" dirty="0" smtClean="0"/>
+              <a:t>Other courses or personal projects or work.  Revision</a:t>
+            </a:r>
+          </a:p>
+          <a:p>
+            <a:r>
+              <a:rPr lang="en-US" dirty="0"/>
+              <a:t>m</a:t>
+            </a:r>
+            <a:r>
+              <a:rPr lang="en-US" dirty="0" smtClean="0"/>
+              <a:t>anagement is crucial in software engineering.  Without</a:t>
+            </a:r>
+          </a:p>
+          <a:p>
+            <a:r>
+              <a:rPr lang="en-US" dirty="0" err="1" smtClean="0"/>
+              <a:t>Git</a:t>
+            </a:r>
+            <a:r>
+              <a:rPr lang="en-US" dirty="0" smtClean="0"/>
+              <a:t>, how else would you go back to a previous revision</a:t>
             </a:r>
           </a:p>
           <a:p>
@@ -23173,37 +23197,76 @@
               <a:buChar char="•"/>
             </a:pPr>
             <a:r>
-              <a:rPr lang="en-US" dirty="0" smtClean="0"/>
-              <a:t>Like MVC.  In later courses, you’ll learn MVP,</a:t>
-            </a:r>
-          </a:p>
-          <a:p>
-            <a:pPr marL="342900" indent="-342900">
-              <a:buFont typeface="Arial" pitchFamily="34" charset="0"/>
-              <a:buChar char="•"/>
-            </a:pPr>
-            <a:r>
-              <a:rPr lang="en-US" dirty="0" smtClean="0"/>
-              <a:t>MVVM, and MVW.   Again design patterns aren’t</a:t>
-            </a:r>
-          </a:p>
-          <a:p>
-            <a:pPr marL="342900" indent="-342900">
-              <a:buFont typeface="Arial" pitchFamily="34" charset="0"/>
-              <a:buChar char="•"/>
-            </a:pPr>
-            <a:r>
-              <a:rPr lang="en-US" dirty="0" smtClean="0"/>
-              <a:t>Specific to Java</a:t>
-            </a:r>
-            <a:endParaRPr lang="en-US" dirty="0"/>
+              <a:rPr lang="en-US" dirty="0" err="1" smtClean="0"/>
+              <a:t>GitHub</a:t>
+            </a:r>
+            <a:r>
+              <a:rPr lang="en-US" dirty="0" smtClean="0"/>
+              <a:t> and </a:t>
+            </a:r>
+            <a:r>
+              <a:rPr lang="en-US" dirty="0" err="1" smtClean="0"/>
+              <a:t>GitHub</a:t>
+            </a:r>
+            <a:r>
+              <a:rPr lang="en-US" dirty="0" smtClean="0"/>
+              <a:t> pages ties you into the open</a:t>
+            </a:r>
+          </a:p>
+          <a:p>
+            <a:r>
+              <a:rPr lang="en-US" dirty="0" smtClean="0"/>
+              <a:t>Source community.  Open source is good.  You now</a:t>
+            </a:r>
+          </a:p>
+          <a:p>
+            <a:r>
+              <a:rPr lang="en-US" dirty="0" smtClean="0"/>
+              <a:t>Have an open source project on </a:t>
+            </a:r>
+            <a:r>
+              <a:rPr lang="en-US" dirty="0" err="1" smtClean="0"/>
+              <a:t>GitHub</a:t>
+            </a:r>
+            <a:r>
+              <a:rPr lang="en-US" dirty="0" smtClean="0"/>
+              <a:t>.  Congrats.</a:t>
+            </a:r>
+          </a:p>
+          <a:p>
+            <a:r>
+              <a:rPr lang="en-US" dirty="0" smtClean="0"/>
+              <a:t>If you never created a homepage before, well, use</a:t>
+            </a:r>
+          </a:p>
+          <a:p>
+            <a:r>
+              <a:rPr lang="en-US" dirty="0" err="1" smtClean="0"/>
+              <a:t>GitHub</a:t>
+            </a:r>
+            <a:r>
+              <a:rPr lang="en-US" dirty="0" smtClean="0"/>
+              <a:t> pages.  Great for letting employers see your</a:t>
+            </a:r>
+          </a:p>
+          <a:p>
+            <a:r>
+              <a:rPr lang="en-US" dirty="0" smtClean="0"/>
+              <a:t>Project and let them see your coding style too!  Again,</a:t>
+            </a:r>
+          </a:p>
+          <a:p>
+            <a:r>
+              <a:rPr lang="en-US" dirty="0" smtClean="0"/>
+              <a:t>NOT java specific.</a:t>
+            </a:r>
           </a:p>
         </p:txBody>
       </p:sp>
     </p:spTree>
     <p:extLst>
       <p:ext uri="{BB962C8B-B14F-4D97-AF65-F5344CB8AC3E}">
-        <p14:creationId xmlns:p14="http://schemas.microsoft.com/office/powerpoint/2010/main" val="1883758025"/>
+        <p14:creationId xmlns:p14="http://schemas.microsoft.com/office/powerpoint/2010/main" val="3442297372"/>
       </p:ext>
     </p:extLst>
   </p:cSld>
@@ -23247,7 +23310,7 @@
           <a:p>
             <a:r>
               <a:rPr lang="en-US" dirty="0" smtClean="0"/>
-              <a:t>Your neighbor</a:t>
+              <a:t>MVC</a:t>
             </a:r>
             <a:endParaRPr lang="en-US" dirty="0"/>
           </a:p>
@@ -23290,8 +23353,8 @@
         </p:nvSpPr>
         <p:spPr>
           <a:xfrm>
-            <a:off x="1447800" y="2362200"/>
-            <a:ext cx="6694461" cy="2308324"/>
+            <a:off x="1371600" y="2286000"/>
+            <a:ext cx="7117333" cy="1569660"/>
           </a:xfrm>
           <a:prstGeom prst="rect">
             <a:avLst/>
@@ -23310,13 +23373,7 @@
             </a:pPr>
             <a:r>
               <a:rPr lang="en-US" dirty="0" smtClean="0"/>
-              <a:t>I really tried to create an atmosphere</a:t>
-            </a:r>
-          </a:p>
-          <a:p>
-            <a:r>
-              <a:rPr lang="en-US" dirty="0" smtClean="0"/>
-              <a:t>Where I *only* did 50% of the talking</a:t>
+              <a:t>Hopefully, you learned a few design patterns</a:t>
             </a:r>
           </a:p>
           <a:p>
@@ -23326,33 +23383,36 @@
             </a:pPr>
             <a:r>
               <a:rPr lang="en-US" dirty="0" smtClean="0"/>
-              <a:t>Really hoped that you got to know the people</a:t>
-            </a:r>
-          </a:p>
-          <a:p>
-            <a:r>
-              <a:rPr lang="en-US" dirty="0" smtClean="0"/>
-              <a:t>Sitting around you.  Exchange phone numbers,</a:t>
-            </a:r>
-          </a:p>
-          <a:p>
-            <a:r>
-              <a:rPr lang="en-US" dirty="0" smtClean="0"/>
-              <a:t>Emails with them.</a:t>
-            </a:r>
-          </a:p>
-          <a:p>
-            <a:r>
-              <a:rPr lang="en-US" dirty="0" smtClean="0"/>
-              <a:t>Programs come and go.  Friends are forever</a:t>
-            </a:r>
+              <a:t>Like MVC.  In later courses, you’ll learn MVP,</a:t>
+            </a:r>
+          </a:p>
+          <a:p>
+            <a:pPr marL="342900" indent="-342900">
+              <a:buFont typeface="Arial" pitchFamily="34" charset="0"/>
+              <a:buChar char="•"/>
+            </a:pPr>
+            <a:r>
+              <a:rPr lang="en-US" dirty="0" smtClean="0"/>
+              <a:t>MVVM, and MVW.   Again design patterns aren’t</a:t>
+            </a:r>
+          </a:p>
+          <a:p>
+            <a:pPr marL="342900" indent="-342900">
+              <a:buFont typeface="Arial" pitchFamily="34" charset="0"/>
+              <a:buChar char="•"/>
+            </a:pPr>
+            <a:r>
+              <a:rPr lang="en-US" dirty="0" smtClean="0"/>
+              <a:t>Specific to Java</a:t>
+            </a:r>
+            <a:endParaRPr lang="en-US" dirty="0"/>
           </a:p>
         </p:txBody>
       </p:sp>
     </p:spTree>
     <p:extLst>
       <p:ext uri="{BB962C8B-B14F-4D97-AF65-F5344CB8AC3E}">
-        <p14:creationId xmlns:p14="http://schemas.microsoft.com/office/powerpoint/2010/main" val="3607217"/>
+        <p14:creationId xmlns:p14="http://schemas.microsoft.com/office/powerpoint/2010/main" val="1883758025"/>
       </p:ext>
     </p:extLst>
   </p:cSld>
@@ -23396,7 +23456,7 @@
           <a:p>
             <a:r>
               <a:rPr lang="en-US" dirty="0" smtClean="0"/>
-              <a:t>And most of all …</a:t>
+              <a:t>Your neighbor</a:t>
             </a:r>
             <a:endParaRPr lang="en-US" dirty="0"/>
           </a:p>
@@ -23439,8 +23499,8 @@
         </p:nvSpPr>
         <p:spPr>
           <a:xfrm>
-            <a:off x="1447800" y="2057400"/>
-            <a:ext cx="7111242" cy="3416320"/>
+            <a:off x="1447800" y="2362200"/>
+            <a:ext cx="6694461" cy="2308324"/>
           </a:xfrm>
           <a:prstGeom prst="rect">
             <a:avLst/>
@@ -23459,67 +23519,41 @@
             </a:pPr>
             <a:r>
               <a:rPr lang="en-US" dirty="0" smtClean="0"/>
-              <a:t>Software engineering and banging your</a:t>
-            </a:r>
-          </a:p>
-          <a:p>
-            <a:r>
-              <a:rPr lang="en-US" dirty="0"/>
-              <a:t>h</a:t>
-            </a:r>
-            <a:r>
-              <a:rPr lang="en-US" dirty="0" smtClean="0"/>
-              <a:t>ead against your keyboard.  This was a</a:t>
-            </a:r>
-          </a:p>
-          <a:p>
-            <a:r>
-              <a:rPr lang="en-US" dirty="0"/>
-              <a:t>p</a:t>
-            </a:r>
-            <a:r>
-              <a:rPr lang="en-US" dirty="0" smtClean="0"/>
-              <a:t>ut as much or as little as you want in this</a:t>
-            </a:r>
-          </a:p>
-          <a:p>
-            <a:r>
-              <a:rPr lang="en-US" dirty="0" smtClean="0"/>
-              <a:t>Course.  The project was yours from Day1.</a:t>
-            </a:r>
-          </a:p>
-          <a:p>
-            <a:r>
-              <a:rPr lang="en-US" dirty="0" smtClean="0"/>
-              <a:t>I personally grew quite attached to my first</a:t>
-            </a:r>
-          </a:p>
-          <a:p>
-            <a:r>
-              <a:rPr lang="en-US" dirty="0" smtClean="0"/>
-              <a:t>Software engineering project.  For me it was</a:t>
-            </a:r>
-          </a:p>
-          <a:p>
-            <a:r>
-              <a:rPr lang="en-US" dirty="0" smtClean="0"/>
-              <a:t>Fun.  I programmed it in C.  I don’t use C anymore,</a:t>
-            </a:r>
-          </a:p>
-          <a:p>
-            <a:r>
-              <a:rPr lang="en-US" dirty="0" smtClean="0"/>
-              <a:t>But it was the build your own, manage your own</a:t>
-            </a:r>
-          </a:p>
-          <a:p>
-            <a:r>
-              <a:rPr lang="en-US" dirty="0"/>
-              <a:t>a</a:t>
-            </a:r>
-            <a:r>
-              <a:rPr lang="en-US" dirty="0" smtClean="0"/>
-              <a:t>spect that still keeps me motivated in this field.</a:t>
+              <a:t>I really tried to create an atmosphere</a:t>
+            </a:r>
+          </a:p>
+          <a:p>
+            <a:r>
+              <a:rPr lang="en-US" dirty="0" smtClean="0"/>
+              <a:t>Where I *only* did 50% of the talking</a:t>
+            </a:r>
+          </a:p>
+          <a:p>
+            <a:pPr marL="342900" indent="-342900">
+              <a:buFont typeface="Arial" pitchFamily="34" charset="0"/>
+              <a:buChar char="•"/>
+            </a:pPr>
+            <a:r>
+              <a:rPr lang="en-US" dirty="0" smtClean="0"/>
+              <a:t>Really hoped that you got to know the people</a:t>
+            </a:r>
+          </a:p>
+          <a:p>
+            <a:r>
+              <a:rPr lang="en-US" dirty="0" smtClean="0"/>
+              <a:t>Sitting around you.  Exchange phone numbers,</a:t>
+            </a:r>
+          </a:p>
+          <a:p>
+            <a:r>
+              <a:rPr lang="en-US" dirty="0" smtClean="0"/>
+              <a:t>Emails with them.</a:t>
+            </a:r>
+          </a:p>
+          <a:p>
+            <a:r>
+              <a:rPr lang="en-US" dirty="0" smtClean="0"/>
+              <a:t>Programs come and go.  Friends are forever</a:t>
             </a:r>
           </a:p>
         </p:txBody>
@@ -23527,7 +23561,7 @@
     </p:spTree>
     <p:extLst>
       <p:ext uri="{BB962C8B-B14F-4D97-AF65-F5344CB8AC3E}">
-        <p14:creationId xmlns:p14="http://schemas.microsoft.com/office/powerpoint/2010/main" val="1560099199"/>
+        <p14:creationId xmlns:p14="http://schemas.microsoft.com/office/powerpoint/2010/main" val="3607217"/>
       </p:ext>
     </p:extLst>
   </p:cSld>
@@ -23571,7 +23605,7 @@
           <a:p>
             <a:r>
               <a:rPr lang="en-US" dirty="0" smtClean="0"/>
-              <a:t>Thank-you + Optional Homework</a:t>
+              <a:t>And most of all …</a:t>
             </a:r>
             <a:endParaRPr lang="en-US" dirty="0"/>
           </a:p>
@@ -23601,6 +23635,181 @@
                 <a:defRPr/>
               </a:pPr>
               <a:t>98</a:t>
+            </a:fld>
+            <a:endParaRPr lang="en-CA"/>
+          </a:p>
+        </p:txBody>
+      </p:sp>
+      <p:sp>
+        <p:nvSpPr>
+          <p:cNvPr id="4" name="TextBox 3"/>
+          <p:cNvSpPr txBox="1"/>
+          <p:nvPr/>
+        </p:nvSpPr>
+        <p:spPr>
+          <a:xfrm>
+            <a:off x="1447800" y="2057400"/>
+            <a:ext cx="7111242" cy="3416320"/>
+          </a:xfrm>
+          <a:prstGeom prst="rect">
+            <a:avLst/>
+          </a:prstGeom>
+          <a:noFill/>
+        </p:spPr>
+        <p:txBody>
+          <a:bodyPr wrap="none" rtlCol="0">
+            <a:spAutoFit/>
+          </a:bodyPr>
+          <a:lstStyle/>
+          <a:p>
+            <a:pPr marL="342900" indent="-342900">
+              <a:buFont typeface="Arial" pitchFamily="34" charset="0"/>
+              <a:buChar char="•"/>
+            </a:pPr>
+            <a:r>
+              <a:rPr lang="en-US" dirty="0" smtClean="0"/>
+              <a:t>Software engineering and banging your</a:t>
+            </a:r>
+          </a:p>
+          <a:p>
+            <a:r>
+              <a:rPr lang="en-US" dirty="0"/>
+              <a:t>h</a:t>
+            </a:r>
+            <a:r>
+              <a:rPr lang="en-US" dirty="0" smtClean="0"/>
+              <a:t>ead against your keyboard.  This was a</a:t>
+            </a:r>
+          </a:p>
+          <a:p>
+            <a:r>
+              <a:rPr lang="en-US" dirty="0"/>
+              <a:t>p</a:t>
+            </a:r>
+            <a:r>
+              <a:rPr lang="en-US" dirty="0" smtClean="0"/>
+              <a:t>ut as much or as little as you want in this</a:t>
+            </a:r>
+          </a:p>
+          <a:p>
+            <a:r>
+              <a:rPr lang="en-US" dirty="0" smtClean="0"/>
+              <a:t>Course.  The project was yours from Day1.</a:t>
+            </a:r>
+          </a:p>
+          <a:p>
+            <a:r>
+              <a:rPr lang="en-US" dirty="0" smtClean="0"/>
+              <a:t>I personally grew quite attached to my first</a:t>
+            </a:r>
+          </a:p>
+          <a:p>
+            <a:r>
+              <a:rPr lang="en-US" dirty="0" smtClean="0"/>
+              <a:t>Software engineering project.  For me it was</a:t>
+            </a:r>
+          </a:p>
+          <a:p>
+            <a:r>
+              <a:rPr lang="en-US" dirty="0" smtClean="0"/>
+              <a:t>Fun.  I programmed it in C.  I don’t use C anymore,</a:t>
+            </a:r>
+          </a:p>
+          <a:p>
+            <a:r>
+              <a:rPr lang="en-US" dirty="0" smtClean="0"/>
+              <a:t>But it was the build your own, manage your own</a:t>
+            </a:r>
+          </a:p>
+          <a:p>
+            <a:r>
+              <a:rPr lang="en-US" dirty="0"/>
+              <a:t>a</a:t>
+            </a:r>
+            <a:r>
+              <a:rPr lang="en-US" dirty="0" smtClean="0"/>
+              <a:t>spect that still keeps me motivated in this field.</a:t>
+            </a:r>
+          </a:p>
+        </p:txBody>
+      </p:sp>
+    </p:spTree>
+    <p:extLst>
+      <p:ext uri="{BB962C8B-B14F-4D97-AF65-F5344CB8AC3E}">
+        <p14:creationId xmlns:p14="http://schemas.microsoft.com/office/powerpoint/2010/main" val="1560099199"/>
+      </p:ext>
+    </p:extLst>
+  </p:cSld>
+  <p:clrMapOvr>
+    <a:masterClrMapping/>
+  </p:clrMapOvr>
+</p:sld>
+</file>
+
+<file path=ppt/slides/slide99.xml><?xml version="1.0" encoding="utf-8"?>
+<p:sld xmlns:a="http://schemas.openxmlformats.org/drawingml/2006/main" xmlns:r="http://schemas.openxmlformats.org/officeDocument/2006/relationships" xmlns:p="http://schemas.openxmlformats.org/presentationml/2006/main">
+  <p:cSld>
+    <p:spTree>
+      <p:nvGrpSpPr>
+        <p:cNvPr id="1" name=""/>
+        <p:cNvGrpSpPr/>
+        <p:nvPr/>
+      </p:nvGrpSpPr>
+      <p:grpSpPr>
+        <a:xfrm>
+          <a:off x="0" y="0"/>
+          <a:ext cx="0" cy="0"/>
+          <a:chOff x="0" y="0"/>
+          <a:chExt cx="0" cy="0"/>
+        </a:xfrm>
+      </p:grpSpPr>
+      <p:sp>
+        <p:nvSpPr>
+          <p:cNvPr id="2" name="Title 1"/>
+          <p:cNvSpPr>
+            <a:spLocks noGrp="1"/>
+          </p:cNvSpPr>
+          <p:nvPr>
+            <p:ph type="title"/>
+          </p:nvPr>
+        </p:nvSpPr>
+        <p:spPr/>
+        <p:txBody>
+          <a:bodyPr/>
+          <a:lstStyle/>
+          <a:p>
+            <a:r>
+              <a:rPr lang="en-US" dirty="0" smtClean="0"/>
+              <a:t>Thank-you + Optional Homework</a:t>
+            </a:r>
+            <a:endParaRPr lang="en-US" dirty="0"/>
+          </a:p>
+        </p:txBody>
+      </p:sp>
+      <p:sp>
+        <p:nvSpPr>
+          <p:cNvPr id="3" name="Slide Number Placeholder 2"/>
+          <p:cNvSpPr>
+            <a:spLocks noGrp="1"/>
+          </p:cNvSpPr>
+          <p:nvPr>
+            <p:ph type="sldNum" sz="quarter" idx="12"/>
+          </p:nvPr>
+        </p:nvSpPr>
+        <p:spPr/>
+        <p:txBody>
+          <a:bodyPr/>
+          <a:lstStyle/>
+          <a:p>
+            <a:pPr>
+              <a:defRPr/>
+            </a:pPr>
+            <a:fld id="{B2451C39-31DD-6D4B-9BED-758CF6C1BA6A}" type="slidenum">
+              <a:rPr lang="en-CA" smtClean="0"/>
+              <a:pPr>
+                <a:defRPr/>
+              </a:pPr>
+              <a:t>99</a:t>
             </a:fld>
             <a:endParaRPr lang="en-CA"/>
           </a:p>

--- a/coursePresentation.pptx
+++ b/coursePresentation.pptx
@@ -98,7 +98,7 @@
     <p:sldId id="401" r:id="rId86"/>
     <p:sldId id="408" r:id="rId87"/>
     <p:sldId id="409" r:id="rId88"/>
-    <p:sldId id="410" r:id="rId89"/>
+    <p:sldId id="427" r:id="rId89"/>
     <p:sldId id="411" r:id="rId90"/>
     <p:sldId id="425" r:id="rId91"/>
     <p:sldId id="426" r:id="rId92"/>
@@ -21789,7 +21789,7 @@
           <a:p>
             <a:r>
               <a:rPr lang="en-US" dirty="0" smtClean="0"/>
-              <a:t>MVC</a:t>
+              <a:t>MVC (Model-View-Controller)</a:t>
             </a:r>
             <a:endParaRPr lang="en-US" dirty="0"/>
           </a:p>
@@ -21797,7 +21797,95 @@
       </p:sp>
       <p:sp>
         <p:nvSpPr>
-          <p:cNvPr id="3" name="Slide Number Placeholder 2"/>
+          <p:cNvPr id="3" name="Content Placeholder 2"/>
+          <p:cNvSpPr>
+            <a:spLocks noGrp="1"/>
+          </p:cNvSpPr>
+          <p:nvPr>
+            <p:ph idx="1"/>
+          </p:nvPr>
+        </p:nvSpPr>
+        <p:spPr/>
+        <p:txBody>
+          <a:bodyPr>
+            <a:normAutofit fontScale="77500" lnSpcReduction="20000"/>
+          </a:bodyPr>
+          <a:lstStyle/>
+          <a:p>
+            <a:r>
+              <a:rPr lang="en-US" dirty="0" smtClean="0"/>
+              <a:t>You already used it with </a:t>
+            </a:r>
+            <a:r>
+              <a:rPr lang="en-US" dirty="0" err="1" smtClean="0"/>
+              <a:t>JavaFx</a:t>
+            </a:r>
+            <a:r>
+              <a:rPr lang="en-US" dirty="0" smtClean="0"/>
+              <a:t> / FXML</a:t>
+            </a:r>
+          </a:p>
+          <a:p>
+            <a:r>
+              <a:rPr lang="en-US" dirty="0" smtClean="0"/>
+              <a:t>Which was the Model?</a:t>
+            </a:r>
+          </a:p>
+          <a:p>
+            <a:r>
+              <a:rPr lang="en-US" dirty="0" smtClean="0"/>
+              <a:t>View?</a:t>
+            </a:r>
+          </a:p>
+          <a:p>
+            <a:r>
+              <a:rPr lang="en-US" dirty="0" smtClean="0"/>
+              <a:t>Controller?</a:t>
+            </a:r>
+          </a:p>
+          <a:p>
+            <a:r>
+              <a:rPr lang="en-US" dirty="0" smtClean="0"/>
+              <a:t>Admittedly, MVC (a somewhat 2000’ish design pattern) isn’t always the best design pattern, but very commonly used.  Pretty good, but not always the best.</a:t>
+            </a:r>
+          </a:p>
+          <a:p>
+            <a:r>
+              <a:rPr lang="en-US" dirty="0" smtClean="0"/>
+              <a:t>Lots of other ones out there like MVP, MVVM, and now there’s a category called MVW – whatever!</a:t>
+            </a:r>
+          </a:p>
+          <a:p>
+            <a:r>
+              <a:rPr lang="en-US" dirty="0" smtClean="0"/>
+              <a:t>Questions?  If not, go back to your Assignment!</a:t>
+            </a:r>
+          </a:p>
+          <a:p>
+            <a:r>
+              <a:rPr lang="en-US" dirty="0" smtClean="0"/>
+              <a:t>I’ll be here to answer questions for the rest of this lecture.</a:t>
+            </a:r>
+          </a:p>
+          <a:p>
+            <a:r>
+              <a:rPr lang="en-US" dirty="0" smtClean="0"/>
+              <a:t>Advice: Check out your neighbor’s application.  </a:t>
+            </a:r>
+            <a:r>
+              <a:rPr lang="en-US" smtClean="0"/>
+              <a:t>Strongly encouraged.</a:t>
+            </a:r>
+            <a:endParaRPr lang="en-US" dirty="0" smtClean="0"/>
+          </a:p>
+          <a:p>
+            <a:endParaRPr lang="en-US" dirty="0"/>
+          </a:p>
+        </p:txBody>
+      </p:sp>
+      <p:sp>
+        <p:nvSpPr>
+          <p:cNvPr id="4" name="Slide Number Placeholder 3"/>
           <p:cNvSpPr>
             <a:spLocks noGrp="1"/>
           </p:cNvSpPr>
@@ -21813,73 +21901,21 @@
             <a:pPr>
               <a:defRPr/>
             </a:pPr>
-            <a:fld id="{B2451C39-31DD-6D4B-9BED-758CF6C1BA6A}" type="slidenum">
-              <a:rPr lang="en-CA" smtClean="0"/>
+            <a:fld id="{8B8B984A-5AFF-7643-AE60-6D8D11294076}" type="slidenum">
+              <a:rPr lang="en-US" smtClean="0"/>
               <a:pPr>
                 <a:defRPr/>
               </a:pPr>
               <a:t>88</a:t>
             </a:fld>
-            <a:endParaRPr lang="en-CA"/>
-          </a:p>
-        </p:txBody>
-      </p:sp>
-      <p:sp>
-        <p:nvSpPr>
-          <p:cNvPr id="4" name="TextBox 3"/>
-          <p:cNvSpPr txBox="1"/>
-          <p:nvPr/>
-        </p:nvSpPr>
-        <p:spPr>
-          <a:xfrm>
-            <a:off x="1447800" y="2438400"/>
-            <a:ext cx="6260047" cy="1569660"/>
-          </a:xfrm>
-          <a:prstGeom prst="rect">
-            <a:avLst/>
-          </a:prstGeom>
-          <a:noFill/>
-        </p:spPr>
-        <p:txBody>
-          <a:bodyPr wrap="none" rtlCol="0">
-            <a:spAutoFit/>
-          </a:bodyPr>
-          <a:lstStyle/>
-          <a:p>
-            <a:r>
-              <a:rPr lang="en-US" dirty="0" smtClean="0"/>
-              <a:t>Model View Controller</a:t>
-            </a:r>
-          </a:p>
-          <a:p>
-            <a:r>
-              <a:rPr lang="en-US" dirty="0" smtClean="0"/>
-              <a:t>You used it already.</a:t>
-            </a:r>
-          </a:p>
-          <a:p>
-            <a:r>
-              <a:rPr lang="en-US" dirty="0" err="1" smtClean="0"/>
-              <a:t>JavaFx</a:t>
-            </a:r>
-            <a:r>
-              <a:rPr lang="en-US" dirty="0" smtClean="0"/>
-              <a:t> + DB is prime example of MVC</a:t>
-            </a:r>
-          </a:p>
-          <a:p>
-            <a:r>
-              <a:rPr lang="en-US" dirty="0" smtClean="0"/>
-              <a:t>Spend rest of class making your app clean ;)</a:t>
-            </a:r>
-            <a:endParaRPr lang="en-US" dirty="0"/>
+            <a:endParaRPr lang="en-US"/>
           </a:p>
         </p:txBody>
       </p:sp>
     </p:spTree>
     <p:extLst>
       <p:ext uri="{BB962C8B-B14F-4D97-AF65-F5344CB8AC3E}">
-        <p14:creationId xmlns:p14="http://schemas.microsoft.com/office/powerpoint/2010/main" val="1921496835"/>
+        <p14:creationId xmlns:p14="http://schemas.microsoft.com/office/powerpoint/2010/main" val="3238898663"/>
       </p:ext>
     </p:extLst>
   </p:cSld>
@@ -22548,7 +22584,7 @@
               <a:t>See </a:t>
             </a:r>
             <a:r>
-              <a:rPr lang="en-US" smtClean="0"/>
+              <a:rPr lang="en-US" dirty="0" err="1" smtClean="0"/>
               <a:t>HttpComponentsDemo</a:t>
             </a:r>
             <a:endParaRPr lang="en-US" dirty="0"/>

--- a/coursePresentation.pptx
+++ b/coursePresentation.pptx
@@ -5,10 +5,10 @@
     <p:sldMasterId id="2147484906" r:id="rId1"/>
   </p:sldMasterIdLst>
   <p:notesMasterIdLst>
-    <p:notesMasterId r:id="rId101"/>
+    <p:notesMasterId r:id="rId107"/>
   </p:notesMasterIdLst>
   <p:handoutMasterIdLst>
-    <p:handoutMasterId r:id="rId102"/>
+    <p:handoutMasterId r:id="rId108"/>
   </p:handoutMasterIdLst>
   <p:sldIdLst>
     <p:sldId id="257" r:id="rId2"/>
@@ -96,20 +96,26 @@
     <p:sldId id="399" r:id="rId84"/>
     <p:sldId id="400" r:id="rId85"/>
     <p:sldId id="401" r:id="rId86"/>
-    <p:sldId id="408" r:id="rId87"/>
-    <p:sldId id="409" r:id="rId88"/>
-    <p:sldId id="427" r:id="rId89"/>
-    <p:sldId id="411" r:id="rId90"/>
-    <p:sldId id="425" r:id="rId91"/>
-    <p:sldId id="426" r:id="rId92"/>
-    <p:sldId id="413" r:id="rId93"/>
-    <p:sldId id="389" r:id="rId94"/>
-    <p:sldId id="390" r:id="rId95"/>
-    <p:sldId id="391" r:id="rId96"/>
-    <p:sldId id="392" r:id="rId97"/>
-    <p:sldId id="414" r:id="rId98"/>
-    <p:sldId id="393" r:id="rId99"/>
-    <p:sldId id="394" r:id="rId100"/>
+    <p:sldId id="428" r:id="rId87"/>
+    <p:sldId id="429" r:id="rId88"/>
+    <p:sldId id="430" r:id="rId89"/>
+    <p:sldId id="431" r:id="rId90"/>
+    <p:sldId id="432" r:id="rId91"/>
+    <p:sldId id="433" r:id="rId92"/>
+    <p:sldId id="434" r:id="rId93"/>
+    <p:sldId id="409" r:id="rId94"/>
+    <p:sldId id="427" r:id="rId95"/>
+    <p:sldId id="411" r:id="rId96"/>
+    <p:sldId id="425" r:id="rId97"/>
+    <p:sldId id="426" r:id="rId98"/>
+    <p:sldId id="413" r:id="rId99"/>
+    <p:sldId id="389" r:id="rId100"/>
+    <p:sldId id="390" r:id="rId101"/>
+    <p:sldId id="391" r:id="rId102"/>
+    <p:sldId id="392" r:id="rId103"/>
+    <p:sldId id="414" r:id="rId104"/>
+    <p:sldId id="393" r:id="rId105"/>
+    <p:sldId id="394" r:id="rId106"/>
   </p:sldIdLst>
   <p:sldSz cx="9144000" cy="6858000" type="screen4x3"/>
   <p:notesSz cx="6858000" cy="9144000"/>
@@ -240,7 +246,7 @@
   </p:defaultTextStyle>
   <p:extLst>
     <p:ext uri="{EFAFB233-063F-42B5-8137-9DF3F51BA10A}">
-      <p15:sldGuideLst xmlns:p15="http://schemas.microsoft.com/office/powerpoint/2012/main" xmlns="">
+      <p15:sldGuideLst xmlns:p15="http://schemas.microsoft.com/office/powerpoint/2012/main">
         <p15:guide id="1" orient="horz" pos="4029">
           <p15:clr>
             <a:srgbClr val="A4A3A4"/>
@@ -1615,7 +1621,7 @@
             <a:fld id="{A4A6734C-E115-4BC5-9FB0-F9BF6FABFDA0}" type="datetimeFigureOut">
               <a:rPr lang="en-US" smtClean="0"/>
               <a:pPr/>
-              <a:t>5/15/2014</a:t>
+              <a:t>5/16/2014</a:t>
             </a:fld>
             <a:endParaRPr lang="en-US"/>
           </a:p>
@@ -3743,7 +3749,7 @@
             <a:fld id="{A4A6734C-E115-4BC5-9FB0-F9BF6FABFDA0}" type="datetimeFigureOut">
               <a:rPr lang="en-US" smtClean="0"/>
               <a:pPr/>
-              <a:t>5/15/2014</a:t>
+              <a:t>5/16/2014</a:t>
             </a:fld>
             <a:endParaRPr lang="en-US"/>
           </a:p>
@@ -6693,6 +6699,995 @@
 </p:sld>
 </file>
 
+<file path=ppt/slides/slide100.xml><?xml version="1.0" encoding="utf-8"?>
+<p:sld xmlns:a="http://schemas.openxmlformats.org/drawingml/2006/main" xmlns:r="http://schemas.openxmlformats.org/officeDocument/2006/relationships" xmlns:p="http://schemas.openxmlformats.org/presentationml/2006/main">
+  <p:cSld>
+    <p:spTree>
+      <p:nvGrpSpPr>
+        <p:cNvPr id="1" name=""/>
+        <p:cNvGrpSpPr/>
+        <p:nvPr/>
+      </p:nvGrpSpPr>
+      <p:grpSpPr>
+        <a:xfrm>
+          <a:off x="0" y="0"/>
+          <a:ext cx="0" cy="0"/>
+          <a:chOff x="0" y="0"/>
+          <a:chExt cx="0" cy="0"/>
+        </a:xfrm>
+      </p:grpSpPr>
+      <p:sp>
+        <p:nvSpPr>
+          <p:cNvPr id="2" name="Title 1"/>
+          <p:cNvSpPr>
+            <a:spLocks noGrp="1"/>
+          </p:cNvSpPr>
+          <p:nvPr>
+            <p:ph type="title"/>
+          </p:nvPr>
+        </p:nvSpPr>
+        <p:spPr/>
+        <p:txBody>
+          <a:bodyPr/>
+          <a:lstStyle/>
+          <a:p>
+            <a:r>
+              <a:rPr lang="en-US" dirty="0" smtClean="0"/>
+              <a:t>Well, what else did we learn?</a:t>
+            </a:r>
+            <a:endParaRPr lang="en-US" dirty="0"/>
+          </a:p>
+        </p:txBody>
+      </p:sp>
+      <p:sp>
+        <p:nvSpPr>
+          <p:cNvPr id="3" name="Slide Number Placeholder 2"/>
+          <p:cNvSpPr>
+            <a:spLocks noGrp="1"/>
+          </p:cNvSpPr>
+          <p:nvPr>
+            <p:ph type="sldNum" sz="quarter" idx="12"/>
+          </p:nvPr>
+        </p:nvSpPr>
+        <p:spPr/>
+        <p:txBody>
+          <a:bodyPr/>
+          <a:lstStyle/>
+          <a:p>
+            <a:pPr>
+              <a:defRPr/>
+            </a:pPr>
+            <a:fld id="{B2451C39-31DD-6D4B-9BED-758CF6C1BA6A}" type="slidenum">
+              <a:rPr lang="en-CA" smtClean="0"/>
+              <a:pPr>
+                <a:defRPr/>
+              </a:pPr>
+              <a:t>100</a:t>
+            </a:fld>
+            <a:endParaRPr lang="en-CA"/>
+          </a:p>
+        </p:txBody>
+      </p:sp>
+      <p:sp>
+        <p:nvSpPr>
+          <p:cNvPr id="4" name="TextBox 3"/>
+          <p:cNvSpPr txBox="1"/>
+          <p:nvPr/>
+        </p:nvSpPr>
+        <p:spPr>
+          <a:xfrm>
+            <a:off x="1447800" y="1905000"/>
+            <a:ext cx="7124066" cy="1938992"/>
+          </a:xfrm>
+          <a:prstGeom prst="rect">
+            <a:avLst/>
+          </a:prstGeom>
+          <a:noFill/>
+        </p:spPr>
+        <p:txBody>
+          <a:bodyPr wrap="none" rtlCol="0">
+            <a:spAutoFit/>
+          </a:bodyPr>
+          <a:lstStyle/>
+          <a:p>
+            <a:pPr marL="342900" indent="-342900">
+              <a:buFont typeface="Arial" pitchFamily="34" charset="0"/>
+              <a:buChar char="•"/>
+            </a:pPr>
+            <a:r>
+              <a:rPr lang="en-US" dirty="0" smtClean="0"/>
+              <a:t>Maven – although Maven is specific</a:t>
+            </a:r>
+          </a:p>
+          <a:p>
+            <a:pPr marL="342900" indent="-342900">
+              <a:buFont typeface="Arial" pitchFamily="34" charset="0"/>
+              <a:buChar char="•"/>
+            </a:pPr>
+            <a:r>
+              <a:rPr lang="en-US" dirty="0" smtClean="0"/>
+              <a:t>To java, the concept is universal.  Have</a:t>
+            </a:r>
+          </a:p>
+          <a:p>
+            <a:pPr marL="342900" indent="-342900">
+              <a:buFont typeface="Arial" pitchFamily="34" charset="0"/>
+              <a:buChar char="•"/>
+            </a:pPr>
+            <a:r>
+              <a:rPr lang="en-US" dirty="0" smtClean="0"/>
+              <a:t>A repository of libraries somewhere and</a:t>
+            </a:r>
+          </a:p>
+          <a:p>
+            <a:pPr marL="342900" indent="-342900">
+              <a:buFont typeface="Arial" pitchFamily="34" charset="0"/>
+              <a:buChar char="•"/>
+            </a:pPr>
+            <a:r>
+              <a:rPr lang="en-US" dirty="0" smtClean="0"/>
+              <a:t>Let a tool download them with their </a:t>
+            </a:r>
+            <a:r>
+              <a:rPr lang="en-US" dirty="0" err="1" smtClean="0"/>
+              <a:t>dependecies</a:t>
+            </a:r>
+            <a:endParaRPr lang="en-US" dirty="0" smtClean="0"/>
+          </a:p>
+          <a:p>
+            <a:pPr marL="342900" indent="-342900">
+              <a:buFont typeface="Arial" pitchFamily="34" charset="0"/>
+              <a:buChar char="•"/>
+            </a:pPr>
+            <a:r>
+              <a:rPr lang="en-US" dirty="0" smtClean="0"/>
+              <a:t>And help you build artifacts</a:t>
+            </a:r>
+            <a:endParaRPr lang="en-US" dirty="0"/>
+          </a:p>
+        </p:txBody>
+      </p:sp>
+    </p:spTree>
+    <p:extLst>
+      <p:ext uri="{BB962C8B-B14F-4D97-AF65-F5344CB8AC3E}">
+        <p14:creationId xmlns:p14="http://schemas.microsoft.com/office/powerpoint/2010/main" val="3404509170"/>
+      </p:ext>
+    </p:extLst>
+  </p:cSld>
+  <p:clrMapOvr>
+    <a:masterClrMapping/>
+  </p:clrMapOvr>
+</p:sld>
+</file>
+
+<file path=ppt/slides/slide101.xml><?xml version="1.0" encoding="utf-8"?>
+<p:sld xmlns:a="http://schemas.openxmlformats.org/drawingml/2006/main" xmlns:r="http://schemas.openxmlformats.org/officeDocument/2006/relationships" xmlns:p="http://schemas.openxmlformats.org/presentationml/2006/main">
+  <p:cSld>
+    <p:spTree>
+      <p:nvGrpSpPr>
+        <p:cNvPr id="1" name=""/>
+        <p:cNvGrpSpPr/>
+        <p:nvPr/>
+      </p:nvGrpSpPr>
+      <p:grpSpPr>
+        <a:xfrm>
+          <a:off x="0" y="0"/>
+          <a:ext cx="0" cy="0"/>
+          <a:chOff x="0" y="0"/>
+          <a:chExt cx="0" cy="0"/>
+        </a:xfrm>
+      </p:grpSpPr>
+      <p:sp>
+        <p:nvSpPr>
+          <p:cNvPr id="2" name="Title 1"/>
+          <p:cNvSpPr>
+            <a:spLocks noGrp="1"/>
+          </p:cNvSpPr>
+          <p:nvPr>
+            <p:ph type="title"/>
+          </p:nvPr>
+        </p:nvSpPr>
+        <p:spPr/>
+        <p:txBody>
+          <a:bodyPr/>
+          <a:lstStyle/>
+          <a:p>
+            <a:r>
+              <a:rPr lang="en-US" dirty="0" err="1" smtClean="0"/>
+              <a:t>Git</a:t>
+            </a:r>
+            <a:r>
+              <a:rPr lang="en-US" dirty="0" smtClean="0"/>
+              <a:t>, </a:t>
+            </a:r>
+            <a:r>
+              <a:rPr lang="en-US" dirty="0" err="1" smtClean="0"/>
+              <a:t>Github</a:t>
+            </a:r>
+            <a:endParaRPr lang="en-US" dirty="0"/>
+          </a:p>
+        </p:txBody>
+      </p:sp>
+      <p:sp>
+        <p:nvSpPr>
+          <p:cNvPr id="3" name="Slide Number Placeholder 2"/>
+          <p:cNvSpPr>
+            <a:spLocks noGrp="1"/>
+          </p:cNvSpPr>
+          <p:nvPr>
+            <p:ph type="sldNum" sz="quarter" idx="12"/>
+          </p:nvPr>
+        </p:nvSpPr>
+        <p:spPr/>
+        <p:txBody>
+          <a:bodyPr/>
+          <a:lstStyle/>
+          <a:p>
+            <a:pPr>
+              <a:defRPr/>
+            </a:pPr>
+            <a:fld id="{B2451C39-31DD-6D4B-9BED-758CF6C1BA6A}" type="slidenum">
+              <a:rPr lang="en-CA" smtClean="0"/>
+              <a:pPr>
+                <a:defRPr/>
+              </a:pPr>
+              <a:t>101</a:t>
+            </a:fld>
+            <a:endParaRPr lang="en-CA"/>
+          </a:p>
+        </p:txBody>
+      </p:sp>
+      <p:sp>
+        <p:nvSpPr>
+          <p:cNvPr id="4" name="TextBox 3"/>
+          <p:cNvSpPr txBox="1"/>
+          <p:nvPr/>
+        </p:nvSpPr>
+        <p:spPr>
+          <a:xfrm>
+            <a:off x="1143000" y="2209800"/>
+            <a:ext cx="7837402" cy="4154984"/>
+          </a:xfrm>
+          <a:prstGeom prst="rect">
+            <a:avLst/>
+          </a:prstGeom>
+          <a:noFill/>
+        </p:spPr>
+        <p:txBody>
+          <a:bodyPr wrap="none" rtlCol="0">
+            <a:spAutoFit/>
+          </a:bodyPr>
+          <a:lstStyle/>
+          <a:p>
+            <a:pPr marL="342900" indent="-342900">
+              <a:buFont typeface="Arial" pitchFamily="34" charset="0"/>
+              <a:buChar char="•"/>
+            </a:pPr>
+            <a:r>
+              <a:rPr lang="en-US" dirty="0" smtClean="0"/>
+              <a:t>I strongly recommend you use </a:t>
+            </a:r>
+            <a:r>
+              <a:rPr lang="en-US" dirty="0" err="1" smtClean="0"/>
+              <a:t>Git</a:t>
+            </a:r>
+            <a:r>
+              <a:rPr lang="en-US" dirty="0" smtClean="0"/>
+              <a:t> for your</a:t>
+            </a:r>
+          </a:p>
+          <a:p>
+            <a:r>
+              <a:rPr lang="en-US" dirty="0" smtClean="0"/>
+              <a:t>Other courses or personal projects or work.  Revision</a:t>
+            </a:r>
+          </a:p>
+          <a:p>
+            <a:r>
+              <a:rPr lang="en-US" dirty="0"/>
+              <a:t>m</a:t>
+            </a:r>
+            <a:r>
+              <a:rPr lang="en-US" dirty="0" smtClean="0"/>
+              <a:t>anagement is crucial in software engineering.  Without</a:t>
+            </a:r>
+          </a:p>
+          <a:p>
+            <a:r>
+              <a:rPr lang="en-US" dirty="0" err="1" smtClean="0"/>
+              <a:t>Git</a:t>
+            </a:r>
+            <a:r>
+              <a:rPr lang="en-US" dirty="0" smtClean="0"/>
+              <a:t>, how else would you go back to a previous revision</a:t>
+            </a:r>
+          </a:p>
+          <a:p>
+            <a:pPr marL="342900" indent="-342900">
+              <a:buFont typeface="Arial" pitchFamily="34" charset="0"/>
+              <a:buChar char="•"/>
+            </a:pPr>
+            <a:r>
+              <a:rPr lang="en-US" dirty="0" err="1" smtClean="0"/>
+              <a:t>GitHub</a:t>
+            </a:r>
+            <a:r>
+              <a:rPr lang="en-US" dirty="0" smtClean="0"/>
+              <a:t> and </a:t>
+            </a:r>
+            <a:r>
+              <a:rPr lang="en-US" dirty="0" err="1" smtClean="0"/>
+              <a:t>GitHub</a:t>
+            </a:r>
+            <a:r>
+              <a:rPr lang="en-US" dirty="0" smtClean="0"/>
+              <a:t> pages ties you into the open</a:t>
+            </a:r>
+          </a:p>
+          <a:p>
+            <a:r>
+              <a:rPr lang="en-US" dirty="0" smtClean="0"/>
+              <a:t>Source community.  Open source is good.  You now</a:t>
+            </a:r>
+          </a:p>
+          <a:p>
+            <a:r>
+              <a:rPr lang="en-US" dirty="0" smtClean="0"/>
+              <a:t>Have an open source project on </a:t>
+            </a:r>
+            <a:r>
+              <a:rPr lang="en-US" dirty="0" err="1" smtClean="0"/>
+              <a:t>GitHub</a:t>
+            </a:r>
+            <a:r>
+              <a:rPr lang="en-US" dirty="0" smtClean="0"/>
+              <a:t>.  Congrats.</a:t>
+            </a:r>
+          </a:p>
+          <a:p>
+            <a:r>
+              <a:rPr lang="en-US" dirty="0" smtClean="0"/>
+              <a:t>If you never created a homepage before, well, use</a:t>
+            </a:r>
+          </a:p>
+          <a:p>
+            <a:r>
+              <a:rPr lang="en-US" dirty="0" err="1" smtClean="0"/>
+              <a:t>GitHub</a:t>
+            </a:r>
+            <a:r>
+              <a:rPr lang="en-US" dirty="0" smtClean="0"/>
+              <a:t> pages.  Great for letting employers see your</a:t>
+            </a:r>
+          </a:p>
+          <a:p>
+            <a:r>
+              <a:rPr lang="en-US" dirty="0" smtClean="0"/>
+              <a:t>Project and let them see your coding style too!  Again,</a:t>
+            </a:r>
+          </a:p>
+          <a:p>
+            <a:r>
+              <a:rPr lang="en-US" dirty="0" smtClean="0"/>
+              <a:t>NOT java specific.</a:t>
+            </a:r>
+          </a:p>
+        </p:txBody>
+      </p:sp>
+    </p:spTree>
+    <p:extLst>
+      <p:ext uri="{BB962C8B-B14F-4D97-AF65-F5344CB8AC3E}">
+        <p14:creationId xmlns:p14="http://schemas.microsoft.com/office/powerpoint/2010/main" val="3442297372"/>
+      </p:ext>
+    </p:extLst>
+  </p:cSld>
+  <p:clrMapOvr>
+    <a:masterClrMapping/>
+  </p:clrMapOvr>
+</p:sld>
+</file>
+
+<file path=ppt/slides/slide102.xml><?xml version="1.0" encoding="utf-8"?>
+<p:sld xmlns:a="http://schemas.openxmlformats.org/drawingml/2006/main" xmlns:r="http://schemas.openxmlformats.org/officeDocument/2006/relationships" xmlns:p="http://schemas.openxmlformats.org/presentationml/2006/main">
+  <p:cSld>
+    <p:spTree>
+      <p:nvGrpSpPr>
+        <p:cNvPr id="1" name=""/>
+        <p:cNvGrpSpPr/>
+        <p:nvPr/>
+      </p:nvGrpSpPr>
+      <p:grpSpPr>
+        <a:xfrm>
+          <a:off x="0" y="0"/>
+          <a:ext cx="0" cy="0"/>
+          <a:chOff x="0" y="0"/>
+          <a:chExt cx="0" cy="0"/>
+        </a:xfrm>
+      </p:grpSpPr>
+      <p:sp>
+        <p:nvSpPr>
+          <p:cNvPr id="2" name="Title 1"/>
+          <p:cNvSpPr>
+            <a:spLocks noGrp="1"/>
+          </p:cNvSpPr>
+          <p:nvPr>
+            <p:ph type="title"/>
+          </p:nvPr>
+        </p:nvSpPr>
+        <p:spPr/>
+        <p:txBody>
+          <a:bodyPr/>
+          <a:lstStyle/>
+          <a:p>
+            <a:r>
+              <a:rPr lang="en-US" dirty="0" smtClean="0"/>
+              <a:t>MVC</a:t>
+            </a:r>
+            <a:endParaRPr lang="en-US" dirty="0"/>
+          </a:p>
+        </p:txBody>
+      </p:sp>
+      <p:sp>
+        <p:nvSpPr>
+          <p:cNvPr id="3" name="Slide Number Placeholder 2"/>
+          <p:cNvSpPr>
+            <a:spLocks noGrp="1"/>
+          </p:cNvSpPr>
+          <p:nvPr>
+            <p:ph type="sldNum" sz="quarter" idx="12"/>
+          </p:nvPr>
+        </p:nvSpPr>
+        <p:spPr/>
+        <p:txBody>
+          <a:bodyPr/>
+          <a:lstStyle/>
+          <a:p>
+            <a:pPr>
+              <a:defRPr/>
+            </a:pPr>
+            <a:fld id="{B2451C39-31DD-6D4B-9BED-758CF6C1BA6A}" type="slidenum">
+              <a:rPr lang="en-CA" smtClean="0"/>
+              <a:pPr>
+                <a:defRPr/>
+              </a:pPr>
+              <a:t>102</a:t>
+            </a:fld>
+            <a:endParaRPr lang="en-CA"/>
+          </a:p>
+        </p:txBody>
+      </p:sp>
+      <p:sp>
+        <p:nvSpPr>
+          <p:cNvPr id="4" name="TextBox 3"/>
+          <p:cNvSpPr txBox="1"/>
+          <p:nvPr/>
+        </p:nvSpPr>
+        <p:spPr>
+          <a:xfrm>
+            <a:off x="1371600" y="2286000"/>
+            <a:ext cx="7117333" cy="1569660"/>
+          </a:xfrm>
+          <a:prstGeom prst="rect">
+            <a:avLst/>
+          </a:prstGeom>
+          <a:noFill/>
+        </p:spPr>
+        <p:txBody>
+          <a:bodyPr wrap="none" rtlCol="0">
+            <a:spAutoFit/>
+          </a:bodyPr>
+          <a:lstStyle/>
+          <a:p>
+            <a:pPr marL="342900" indent="-342900">
+              <a:buFont typeface="Arial" pitchFamily="34" charset="0"/>
+              <a:buChar char="•"/>
+            </a:pPr>
+            <a:r>
+              <a:rPr lang="en-US" dirty="0" smtClean="0"/>
+              <a:t>Hopefully, you learned a few design patterns</a:t>
+            </a:r>
+          </a:p>
+          <a:p>
+            <a:pPr marL="342900" indent="-342900">
+              <a:buFont typeface="Arial" pitchFamily="34" charset="0"/>
+              <a:buChar char="•"/>
+            </a:pPr>
+            <a:r>
+              <a:rPr lang="en-US" dirty="0" smtClean="0"/>
+              <a:t>Like MVC.  In later courses, you’ll learn MVP,</a:t>
+            </a:r>
+          </a:p>
+          <a:p>
+            <a:pPr marL="342900" indent="-342900">
+              <a:buFont typeface="Arial" pitchFamily="34" charset="0"/>
+              <a:buChar char="•"/>
+            </a:pPr>
+            <a:r>
+              <a:rPr lang="en-US" dirty="0" smtClean="0"/>
+              <a:t>MVVM, and MVW.   Again design patterns aren’t</a:t>
+            </a:r>
+          </a:p>
+          <a:p>
+            <a:pPr marL="342900" indent="-342900">
+              <a:buFont typeface="Arial" pitchFamily="34" charset="0"/>
+              <a:buChar char="•"/>
+            </a:pPr>
+            <a:r>
+              <a:rPr lang="en-US" dirty="0" smtClean="0"/>
+              <a:t>Specific to Java</a:t>
+            </a:r>
+            <a:endParaRPr lang="en-US" dirty="0"/>
+          </a:p>
+        </p:txBody>
+      </p:sp>
+    </p:spTree>
+    <p:extLst>
+      <p:ext uri="{BB962C8B-B14F-4D97-AF65-F5344CB8AC3E}">
+        <p14:creationId xmlns:p14="http://schemas.microsoft.com/office/powerpoint/2010/main" val="1883758025"/>
+      </p:ext>
+    </p:extLst>
+  </p:cSld>
+  <p:clrMapOvr>
+    <a:masterClrMapping/>
+  </p:clrMapOvr>
+</p:sld>
+</file>
+
+<file path=ppt/slides/slide103.xml><?xml version="1.0" encoding="utf-8"?>
+<p:sld xmlns:a="http://schemas.openxmlformats.org/drawingml/2006/main" xmlns:r="http://schemas.openxmlformats.org/officeDocument/2006/relationships" xmlns:p="http://schemas.openxmlformats.org/presentationml/2006/main">
+  <p:cSld>
+    <p:spTree>
+      <p:nvGrpSpPr>
+        <p:cNvPr id="1" name=""/>
+        <p:cNvGrpSpPr/>
+        <p:nvPr/>
+      </p:nvGrpSpPr>
+      <p:grpSpPr>
+        <a:xfrm>
+          <a:off x="0" y="0"/>
+          <a:ext cx="0" cy="0"/>
+          <a:chOff x="0" y="0"/>
+          <a:chExt cx="0" cy="0"/>
+        </a:xfrm>
+      </p:grpSpPr>
+      <p:sp>
+        <p:nvSpPr>
+          <p:cNvPr id="2" name="Title 1"/>
+          <p:cNvSpPr>
+            <a:spLocks noGrp="1"/>
+          </p:cNvSpPr>
+          <p:nvPr>
+            <p:ph type="title"/>
+          </p:nvPr>
+        </p:nvSpPr>
+        <p:spPr/>
+        <p:txBody>
+          <a:bodyPr/>
+          <a:lstStyle/>
+          <a:p>
+            <a:r>
+              <a:rPr lang="en-US" dirty="0" smtClean="0"/>
+              <a:t>Your neighbor</a:t>
+            </a:r>
+            <a:endParaRPr lang="en-US" dirty="0"/>
+          </a:p>
+        </p:txBody>
+      </p:sp>
+      <p:sp>
+        <p:nvSpPr>
+          <p:cNvPr id="3" name="Slide Number Placeholder 2"/>
+          <p:cNvSpPr>
+            <a:spLocks noGrp="1"/>
+          </p:cNvSpPr>
+          <p:nvPr>
+            <p:ph type="sldNum" sz="quarter" idx="12"/>
+          </p:nvPr>
+        </p:nvSpPr>
+        <p:spPr/>
+        <p:txBody>
+          <a:bodyPr/>
+          <a:lstStyle/>
+          <a:p>
+            <a:pPr>
+              <a:defRPr/>
+            </a:pPr>
+            <a:fld id="{B2451C39-31DD-6D4B-9BED-758CF6C1BA6A}" type="slidenum">
+              <a:rPr lang="en-CA" smtClean="0"/>
+              <a:pPr>
+                <a:defRPr/>
+              </a:pPr>
+              <a:t>103</a:t>
+            </a:fld>
+            <a:endParaRPr lang="en-CA"/>
+          </a:p>
+        </p:txBody>
+      </p:sp>
+      <p:sp>
+        <p:nvSpPr>
+          <p:cNvPr id="4" name="TextBox 3"/>
+          <p:cNvSpPr txBox="1"/>
+          <p:nvPr/>
+        </p:nvSpPr>
+        <p:spPr>
+          <a:xfrm>
+            <a:off x="1447800" y="2362200"/>
+            <a:ext cx="6694461" cy="2308324"/>
+          </a:xfrm>
+          <a:prstGeom prst="rect">
+            <a:avLst/>
+          </a:prstGeom>
+          <a:noFill/>
+        </p:spPr>
+        <p:txBody>
+          <a:bodyPr wrap="none" rtlCol="0">
+            <a:spAutoFit/>
+          </a:bodyPr>
+          <a:lstStyle/>
+          <a:p>
+            <a:pPr marL="342900" indent="-342900">
+              <a:buFont typeface="Arial" pitchFamily="34" charset="0"/>
+              <a:buChar char="•"/>
+            </a:pPr>
+            <a:r>
+              <a:rPr lang="en-US" dirty="0" smtClean="0"/>
+              <a:t>I really tried to create an atmosphere</a:t>
+            </a:r>
+          </a:p>
+          <a:p>
+            <a:r>
+              <a:rPr lang="en-US" dirty="0" smtClean="0"/>
+              <a:t>Where I *only* did 50% of the talking</a:t>
+            </a:r>
+          </a:p>
+          <a:p>
+            <a:pPr marL="342900" indent="-342900">
+              <a:buFont typeface="Arial" pitchFamily="34" charset="0"/>
+              <a:buChar char="•"/>
+            </a:pPr>
+            <a:r>
+              <a:rPr lang="en-US" dirty="0" smtClean="0"/>
+              <a:t>Really hoped that you got to know the people</a:t>
+            </a:r>
+          </a:p>
+          <a:p>
+            <a:r>
+              <a:rPr lang="en-US" dirty="0" smtClean="0"/>
+              <a:t>Sitting around you.  Exchange phone numbers,</a:t>
+            </a:r>
+          </a:p>
+          <a:p>
+            <a:r>
+              <a:rPr lang="en-US" dirty="0" smtClean="0"/>
+              <a:t>Emails with them.</a:t>
+            </a:r>
+          </a:p>
+          <a:p>
+            <a:r>
+              <a:rPr lang="en-US" dirty="0" smtClean="0"/>
+              <a:t>Programs come and go.  Friends are forever</a:t>
+            </a:r>
+          </a:p>
+        </p:txBody>
+      </p:sp>
+    </p:spTree>
+    <p:extLst>
+      <p:ext uri="{BB962C8B-B14F-4D97-AF65-F5344CB8AC3E}">
+        <p14:creationId xmlns:p14="http://schemas.microsoft.com/office/powerpoint/2010/main" val="3607217"/>
+      </p:ext>
+    </p:extLst>
+  </p:cSld>
+  <p:clrMapOvr>
+    <a:masterClrMapping/>
+  </p:clrMapOvr>
+</p:sld>
+</file>
+
+<file path=ppt/slides/slide104.xml><?xml version="1.0" encoding="utf-8"?>
+<p:sld xmlns:a="http://schemas.openxmlformats.org/drawingml/2006/main" xmlns:r="http://schemas.openxmlformats.org/officeDocument/2006/relationships" xmlns:p="http://schemas.openxmlformats.org/presentationml/2006/main">
+  <p:cSld>
+    <p:spTree>
+      <p:nvGrpSpPr>
+        <p:cNvPr id="1" name=""/>
+        <p:cNvGrpSpPr/>
+        <p:nvPr/>
+      </p:nvGrpSpPr>
+      <p:grpSpPr>
+        <a:xfrm>
+          <a:off x="0" y="0"/>
+          <a:ext cx="0" cy="0"/>
+          <a:chOff x="0" y="0"/>
+          <a:chExt cx="0" cy="0"/>
+        </a:xfrm>
+      </p:grpSpPr>
+      <p:sp>
+        <p:nvSpPr>
+          <p:cNvPr id="2" name="Title 1"/>
+          <p:cNvSpPr>
+            <a:spLocks noGrp="1"/>
+          </p:cNvSpPr>
+          <p:nvPr>
+            <p:ph type="title"/>
+          </p:nvPr>
+        </p:nvSpPr>
+        <p:spPr/>
+        <p:txBody>
+          <a:bodyPr/>
+          <a:lstStyle/>
+          <a:p>
+            <a:r>
+              <a:rPr lang="en-US" dirty="0" smtClean="0"/>
+              <a:t>And most of all …</a:t>
+            </a:r>
+            <a:endParaRPr lang="en-US" dirty="0"/>
+          </a:p>
+        </p:txBody>
+      </p:sp>
+      <p:sp>
+        <p:nvSpPr>
+          <p:cNvPr id="3" name="Slide Number Placeholder 2"/>
+          <p:cNvSpPr>
+            <a:spLocks noGrp="1"/>
+          </p:cNvSpPr>
+          <p:nvPr>
+            <p:ph type="sldNum" sz="quarter" idx="12"/>
+          </p:nvPr>
+        </p:nvSpPr>
+        <p:spPr/>
+        <p:txBody>
+          <a:bodyPr/>
+          <a:lstStyle/>
+          <a:p>
+            <a:pPr>
+              <a:defRPr/>
+            </a:pPr>
+            <a:fld id="{B2451C39-31DD-6D4B-9BED-758CF6C1BA6A}" type="slidenum">
+              <a:rPr lang="en-CA" smtClean="0"/>
+              <a:pPr>
+                <a:defRPr/>
+              </a:pPr>
+              <a:t>104</a:t>
+            </a:fld>
+            <a:endParaRPr lang="en-CA"/>
+          </a:p>
+        </p:txBody>
+      </p:sp>
+      <p:sp>
+        <p:nvSpPr>
+          <p:cNvPr id="4" name="TextBox 3"/>
+          <p:cNvSpPr txBox="1"/>
+          <p:nvPr/>
+        </p:nvSpPr>
+        <p:spPr>
+          <a:xfrm>
+            <a:off x="1447800" y="2057400"/>
+            <a:ext cx="7111242" cy="3416320"/>
+          </a:xfrm>
+          <a:prstGeom prst="rect">
+            <a:avLst/>
+          </a:prstGeom>
+          <a:noFill/>
+        </p:spPr>
+        <p:txBody>
+          <a:bodyPr wrap="none" rtlCol="0">
+            <a:spAutoFit/>
+          </a:bodyPr>
+          <a:lstStyle/>
+          <a:p>
+            <a:pPr marL="342900" indent="-342900">
+              <a:buFont typeface="Arial" pitchFamily="34" charset="0"/>
+              <a:buChar char="•"/>
+            </a:pPr>
+            <a:r>
+              <a:rPr lang="en-US" dirty="0" smtClean="0"/>
+              <a:t>Software engineering and banging your</a:t>
+            </a:r>
+          </a:p>
+          <a:p>
+            <a:r>
+              <a:rPr lang="en-US" dirty="0"/>
+              <a:t>h</a:t>
+            </a:r>
+            <a:r>
+              <a:rPr lang="en-US" dirty="0" smtClean="0"/>
+              <a:t>ead against your keyboard.  This was a</a:t>
+            </a:r>
+          </a:p>
+          <a:p>
+            <a:r>
+              <a:rPr lang="en-US" dirty="0"/>
+              <a:t>p</a:t>
+            </a:r>
+            <a:r>
+              <a:rPr lang="en-US" dirty="0" smtClean="0"/>
+              <a:t>ut as much or as little as you want in this</a:t>
+            </a:r>
+          </a:p>
+          <a:p>
+            <a:r>
+              <a:rPr lang="en-US" dirty="0" smtClean="0"/>
+              <a:t>Course.  The project was yours from Day1.</a:t>
+            </a:r>
+          </a:p>
+          <a:p>
+            <a:r>
+              <a:rPr lang="en-US" dirty="0" smtClean="0"/>
+              <a:t>I personally grew quite attached to my first</a:t>
+            </a:r>
+          </a:p>
+          <a:p>
+            <a:r>
+              <a:rPr lang="en-US" dirty="0" smtClean="0"/>
+              <a:t>Software engineering project.  For me it was</a:t>
+            </a:r>
+          </a:p>
+          <a:p>
+            <a:r>
+              <a:rPr lang="en-US" dirty="0" smtClean="0"/>
+              <a:t>Fun.  I programmed it in C.  I don’t use C anymore,</a:t>
+            </a:r>
+          </a:p>
+          <a:p>
+            <a:r>
+              <a:rPr lang="en-US" dirty="0" smtClean="0"/>
+              <a:t>But it was the build your own, manage your own</a:t>
+            </a:r>
+          </a:p>
+          <a:p>
+            <a:r>
+              <a:rPr lang="en-US" dirty="0"/>
+              <a:t>a</a:t>
+            </a:r>
+            <a:r>
+              <a:rPr lang="en-US" dirty="0" smtClean="0"/>
+              <a:t>spect that still keeps me motivated in this field.</a:t>
+            </a:r>
+          </a:p>
+        </p:txBody>
+      </p:sp>
+    </p:spTree>
+    <p:extLst>
+      <p:ext uri="{BB962C8B-B14F-4D97-AF65-F5344CB8AC3E}">
+        <p14:creationId xmlns:p14="http://schemas.microsoft.com/office/powerpoint/2010/main" val="1560099199"/>
+      </p:ext>
+    </p:extLst>
+  </p:cSld>
+  <p:clrMapOvr>
+    <a:masterClrMapping/>
+  </p:clrMapOvr>
+</p:sld>
+</file>
+
+<file path=ppt/slides/slide105.xml><?xml version="1.0" encoding="utf-8"?>
+<p:sld xmlns:a="http://schemas.openxmlformats.org/drawingml/2006/main" xmlns:r="http://schemas.openxmlformats.org/officeDocument/2006/relationships" xmlns:p="http://schemas.openxmlformats.org/presentationml/2006/main">
+  <p:cSld>
+    <p:spTree>
+      <p:nvGrpSpPr>
+        <p:cNvPr id="1" name=""/>
+        <p:cNvGrpSpPr/>
+        <p:nvPr/>
+      </p:nvGrpSpPr>
+      <p:grpSpPr>
+        <a:xfrm>
+          <a:off x="0" y="0"/>
+          <a:ext cx="0" cy="0"/>
+          <a:chOff x="0" y="0"/>
+          <a:chExt cx="0" cy="0"/>
+        </a:xfrm>
+      </p:grpSpPr>
+      <p:sp>
+        <p:nvSpPr>
+          <p:cNvPr id="2" name="Title 1"/>
+          <p:cNvSpPr>
+            <a:spLocks noGrp="1"/>
+          </p:cNvSpPr>
+          <p:nvPr>
+            <p:ph type="title"/>
+          </p:nvPr>
+        </p:nvSpPr>
+        <p:spPr/>
+        <p:txBody>
+          <a:bodyPr/>
+          <a:lstStyle/>
+          <a:p>
+            <a:r>
+              <a:rPr lang="en-US" dirty="0" smtClean="0"/>
+              <a:t>Thank-you + Optional Homework</a:t>
+            </a:r>
+            <a:endParaRPr lang="en-US" dirty="0"/>
+          </a:p>
+        </p:txBody>
+      </p:sp>
+      <p:sp>
+        <p:nvSpPr>
+          <p:cNvPr id="3" name="Slide Number Placeholder 2"/>
+          <p:cNvSpPr>
+            <a:spLocks noGrp="1"/>
+          </p:cNvSpPr>
+          <p:nvPr>
+            <p:ph type="sldNum" sz="quarter" idx="12"/>
+          </p:nvPr>
+        </p:nvSpPr>
+        <p:spPr/>
+        <p:txBody>
+          <a:bodyPr/>
+          <a:lstStyle/>
+          <a:p>
+            <a:pPr>
+              <a:defRPr/>
+            </a:pPr>
+            <a:fld id="{B2451C39-31DD-6D4B-9BED-758CF6C1BA6A}" type="slidenum">
+              <a:rPr lang="en-CA" smtClean="0"/>
+              <a:pPr>
+                <a:defRPr/>
+              </a:pPr>
+              <a:t>105</a:t>
+            </a:fld>
+            <a:endParaRPr lang="en-CA"/>
+          </a:p>
+        </p:txBody>
+      </p:sp>
+      <p:sp>
+        <p:nvSpPr>
+          <p:cNvPr id="4" name="TextBox 3"/>
+          <p:cNvSpPr txBox="1"/>
+          <p:nvPr/>
+        </p:nvSpPr>
+        <p:spPr>
+          <a:xfrm>
+            <a:off x="1295400" y="2590800"/>
+            <a:ext cx="6070893" cy="1569660"/>
+          </a:xfrm>
+          <a:prstGeom prst="rect">
+            <a:avLst/>
+          </a:prstGeom>
+          <a:noFill/>
+        </p:spPr>
+        <p:txBody>
+          <a:bodyPr wrap="none" rtlCol="0">
+            <a:spAutoFit/>
+          </a:bodyPr>
+          <a:lstStyle/>
+          <a:p>
+            <a:r>
+              <a:rPr lang="en-US" dirty="0" smtClean="0"/>
+              <a:t>Thank-you very much for taking this course</a:t>
+            </a:r>
+          </a:p>
+          <a:p>
+            <a:r>
+              <a:rPr lang="en-US" dirty="0" smtClean="0"/>
+              <a:t>I really hope you all had a great time</a:t>
+            </a:r>
+          </a:p>
+          <a:p>
+            <a:endParaRPr lang="en-US" dirty="0"/>
+          </a:p>
+          <a:p>
+            <a:r>
+              <a:rPr lang="en-US" dirty="0"/>
+              <a:t>Survey </a:t>
+            </a:r>
+            <a:r>
+              <a:rPr lang="en-US" dirty="0" smtClean="0"/>
+              <a:t>Monkey link</a:t>
+            </a:r>
+            <a:endParaRPr lang="en-US" dirty="0"/>
+          </a:p>
+        </p:txBody>
+      </p:sp>
+    </p:spTree>
+    <p:extLst>
+      <p:ext uri="{BB962C8B-B14F-4D97-AF65-F5344CB8AC3E}">
+        <p14:creationId xmlns:p14="http://schemas.microsoft.com/office/powerpoint/2010/main" val="1027203661"/>
+      </p:ext>
+    </p:extLst>
+  </p:cSld>
+  <p:clrMapOvr>
+    <a:masterClrMapping/>
+  </p:clrMapOvr>
+</p:sld>
+</file>
+
 <file path=ppt/slides/slide11.xml><?xml version="1.0" encoding="utf-8"?>
 <p:sld xmlns:a="http://schemas.openxmlformats.org/drawingml/2006/main" xmlns:r="http://schemas.openxmlformats.org/officeDocument/2006/relationships" xmlns:p="http://schemas.openxmlformats.org/presentationml/2006/main">
   <p:cSld>
@@ -8048,11 +9043,7 @@
             </a:r>
             <a:r>
               <a:rPr lang="en-US" dirty="0" err="1" smtClean="0"/>
-              <a:t>StringBuilder</a:t>
-            </a:r>
-            <a:r>
-              <a:rPr lang="en-US" dirty="0" err="1" smtClean="0"/>
-              <a:t>’s</a:t>
+              <a:t>StringBuilder’s</a:t>
             </a:r>
             <a:r>
               <a:rPr lang="en-US" dirty="0" smtClean="0"/>
@@ -8186,11 +9177,7 @@
             </a:pPr>
             <a:r>
               <a:rPr lang="en-US" dirty="0" smtClean="0"/>
-              <a:t>Add breakpoints, view </a:t>
-            </a:r>
-            <a:r>
-              <a:rPr lang="en-US" dirty="0" smtClean="0"/>
-              <a:t>variables</a:t>
+              <a:t>Add breakpoints, view variables</a:t>
             </a:r>
           </a:p>
           <a:p>
@@ -14778,11 +15765,7 @@
             </a:pPr>
             <a:r>
               <a:rPr lang="en-US" dirty="0" smtClean="0"/>
-              <a:t>In short, it’s a tool to help you manage </a:t>
-            </a:r>
-            <a:r>
-              <a:rPr lang="en-US" dirty="0" smtClean="0"/>
-              <a:t>libraries</a:t>
+              <a:t>In short, it’s a tool to help you manage libraries</a:t>
             </a:r>
           </a:p>
           <a:p>
@@ -17431,11 +18414,7 @@
           <a:p>
             <a:r>
               <a:rPr lang="en-US" dirty="0" smtClean="0"/>
-              <a:t>Assignment </a:t>
-            </a:r>
-            <a:r>
-              <a:rPr lang="en-US" dirty="0" smtClean="0"/>
-              <a:t>5</a:t>
+              <a:t>Assignment 5</a:t>
             </a:r>
             <a:endParaRPr lang="en-US" dirty="0"/>
           </a:p>
@@ -17561,11 +18540,7 @@
             </a:pPr>
             <a:r>
               <a:rPr lang="en-US" dirty="0" smtClean="0"/>
-              <a:t>Successor of AWT, </a:t>
-            </a:r>
-            <a:r>
-              <a:rPr lang="en-US" dirty="0" smtClean="0"/>
-              <a:t>Swing</a:t>
+              <a:t>Successor of AWT, Swing</a:t>
             </a:r>
           </a:p>
           <a:p>
@@ -18312,15 +19287,7 @@
             </a:pPr>
             <a:r>
               <a:rPr lang="en-US" dirty="0" smtClean="0"/>
-              <a:t>Re-use as much </a:t>
-            </a:r>
-            <a:r>
-              <a:rPr lang="en-US" dirty="0" smtClean="0"/>
-              <a:t>or little of </a:t>
-            </a:r>
-            <a:r>
-              <a:rPr lang="en-US" dirty="0" smtClean="0"/>
-              <a:t>my code as you want</a:t>
+              <a:t>Re-use as much or little of my code as you want</a:t>
             </a:r>
           </a:p>
           <a:p>
@@ -18348,11 +19315,7 @@
             </a:pPr>
             <a:r>
               <a:rPr lang="en-US" dirty="0" smtClean="0"/>
-              <a:t>Digging into a </a:t>
-            </a:r>
-            <a:r>
-              <a:rPr lang="en-US" dirty="0" smtClean="0"/>
-              <a:t>project</a:t>
+              <a:t>Digging into a project</a:t>
             </a:r>
           </a:p>
           <a:p>
@@ -19280,11 +20243,7 @@
           <a:p>
             <a:r>
               <a:rPr lang="en-US" dirty="0" smtClean="0"/>
-              <a:t>and deserved an A+ anyways</a:t>
-            </a:r>
-            <a:r>
-              <a:rPr lang="en-US" dirty="0" smtClean="0"/>
-              <a:t>.</a:t>
+              <a:t>and deserved an A+ anyways.</a:t>
             </a:r>
             <a:endParaRPr lang="en-US" dirty="0"/>
           </a:p>
@@ -21559,7 +22518,7 @@
           <a:p>
             <a:r>
               <a:rPr lang="en-US" dirty="0" smtClean="0"/>
-              <a:t>JDBC</a:t>
+              <a:t>JDBC / JPA / ORM</a:t>
             </a:r>
             <a:endParaRPr lang="en-US" dirty="0"/>
           </a:p>
@@ -21567,7 +22526,48 @@
       </p:sp>
       <p:sp>
         <p:nvSpPr>
-          <p:cNvPr id="3" name="Slide Number Placeholder 2"/>
+          <p:cNvPr id="3" name="Content Placeholder 2"/>
+          <p:cNvSpPr>
+            <a:spLocks noGrp="1"/>
+          </p:cNvSpPr>
+          <p:nvPr>
+            <p:ph idx="1"/>
+          </p:nvPr>
+        </p:nvSpPr>
+        <p:spPr/>
+        <p:txBody>
+          <a:bodyPr/>
+          <a:lstStyle/>
+          <a:p>
+            <a:r>
+              <a:rPr lang="en-US" dirty="0" smtClean="0"/>
+              <a:t>There is the long version and then the short version</a:t>
+            </a:r>
+          </a:p>
+          <a:p>
+            <a:r>
+              <a:rPr lang="en-US" dirty="0" smtClean="0"/>
+              <a:t>Vanilla JDBC – if you can avoid programming with JDBC directly, that’s a good thing</a:t>
+            </a:r>
+          </a:p>
+          <a:p>
+            <a:r>
+              <a:rPr lang="en-US" dirty="0" smtClean="0"/>
+              <a:t>There’s a tool for that</a:t>
+            </a:r>
+          </a:p>
+          <a:p>
+            <a:r>
+              <a:rPr lang="en-US" dirty="0" smtClean="0"/>
+              <a:t>ORM -&gt; Object Relational Mapping.  Means transforming a Java Data Model</a:t>
+            </a:r>
+            <a:endParaRPr lang="en-US" dirty="0"/>
+          </a:p>
+        </p:txBody>
+      </p:sp>
+      <p:sp>
+        <p:nvSpPr>
+          <p:cNvPr id="4" name="Slide Number Placeholder 3"/>
           <p:cNvSpPr>
             <a:spLocks noGrp="1"/>
           </p:cNvSpPr>
@@ -21583,51 +22583,21 @@
             <a:pPr>
               <a:defRPr/>
             </a:pPr>
-            <a:fld id="{B2451C39-31DD-6D4B-9BED-758CF6C1BA6A}" type="slidenum">
-              <a:rPr lang="en-CA" smtClean="0"/>
+            <a:fld id="{8B8B984A-5AFF-7643-AE60-6D8D11294076}" type="slidenum">
+              <a:rPr lang="en-US" smtClean="0"/>
               <a:pPr>
                 <a:defRPr/>
               </a:pPr>
               <a:t>86</a:t>
             </a:fld>
-            <a:endParaRPr lang="en-CA"/>
-          </a:p>
-        </p:txBody>
-      </p:sp>
-      <p:sp>
-        <p:nvSpPr>
-          <p:cNvPr id="4" name="TextBox 3"/>
-          <p:cNvSpPr txBox="1"/>
-          <p:nvPr/>
-        </p:nvSpPr>
-        <p:spPr>
-          <a:xfrm>
-            <a:off x="1828800" y="2362200"/>
-            <a:ext cx="1588897" cy="461665"/>
-          </a:xfrm>
-          <a:prstGeom prst="rect">
-            <a:avLst/>
-          </a:prstGeom>
-          <a:noFill/>
-        </p:spPr>
-        <p:txBody>
-          <a:bodyPr wrap="none" rtlCol="0">
-            <a:spAutoFit/>
-          </a:bodyPr>
-          <a:lstStyle/>
-          <a:p>
-            <a:r>
-              <a:rPr lang="en-US" dirty="0" smtClean="0"/>
-              <a:t>See demo</a:t>
-            </a:r>
-            <a:endParaRPr lang="en-US" dirty="0"/>
+            <a:endParaRPr lang="en-US"/>
           </a:p>
         </p:txBody>
       </p:sp>
     </p:spTree>
     <p:extLst>
       <p:ext uri="{BB962C8B-B14F-4D97-AF65-F5344CB8AC3E}">
-        <p14:creationId xmlns:p14="http://schemas.microsoft.com/office/powerpoint/2010/main" val="1430342968"/>
+        <p14:creationId xmlns:p14="http://schemas.microsoft.com/office/powerpoint/2010/main" val="4184031010"/>
       </p:ext>
     </p:extLst>
   </p:cSld>
@@ -21671,7 +22641,7 @@
           <a:p>
             <a:r>
               <a:rPr lang="en-US" dirty="0" smtClean="0"/>
-              <a:t>Homework</a:t>
+              <a:t>JPA – Annotation heavy</a:t>
             </a:r>
             <a:endParaRPr lang="en-US" dirty="0"/>
           </a:p>
@@ -21679,7 +22649,52 @@
       </p:sp>
       <p:sp>
         <p:nvSpPr>
-          <p:cNvPr id="3" name="Slide Number Placeholder 2"/>
+          <p:cNvPr id="3" name="Content Placeholder 2"/>
+          <p:cNvSpPr>
+            <a:spLocks noGrp="1"/>
+          </p:cNvSpPr>
+          <p:nvPr>
+            <p:ph idx="1"/>
+          </p:nvPr>
+        </p:nvSpPr>
+        <p:spPr/>
+        <p:txBody>
+          <a:bodyPr/>
+          <a:lstStyle/>
+          <a:p>
+            <a:r>
+              <a:rPr lang="en-US" dirty="0" smtClean="0"/>
+              <a:t>Not going to lie, this is probably going to be the most difficult lecture to understand?  Why?  Magic - … powerful magic.  It’s a leap of faith.  Annotation magic.</a:t>
+            </a:r>
+          </a:p>
+          <a:p>
+            <a:r>
+              <a:rPr lang="en-US" dirty="0" smtClean="0"/>
+              <a:t>A lot of the ORM magic JPA (</a:t>
+            </a:r>
+            <a:r>
+              <a:rPr lang="en-US" b="1" i="1" dirty="0">
+                <a:hlinkClick r:id="rId2"/>
+              </a:rPr>
+              <a:t>Java Persistence </a:t>
+            </a:r>
+            <a:r>
+              <a:rPr lang="en-US" b="1" i="1" dirty="0" smtClean="0">
+                <a:hlinkClick r:id="rId2"/>
+              </a:rPr>
+              <a:t>API</a:t>
+            </a:r>
+            <a:r>
+              <a:rPr lang="en-US" dirty="0" smtClean="0"/>
+              <a:t>) is … uh ok … that’s what tools are for right?</a:t>
+            </a:r>
+            <a:endParaRPr lang="en-US" b="1" dirty="0"/>
+          </a:p>
+        </p:txBody>
+      </p:sp>
+      <p:sp>
+        <p:nvSpPr>
+          <p:cNvPr id="4" name="Slide Number Placeholder 3"/>
           <p:cNvSpPr>
             <a:spLocks noGrp="1"/>
           </p:cNvSpPr>
@@ -21695,57 +22710,21 @@
             <a:pPr>
               <a:defRPr/>
             </a:pPr>
-            <a:fld id="{B2451C39-31DD-6D4B-9BED-758CF6C1BA6A}" type="slidenum">
-              <a:rPr lang="en-CA" smtClean="0"/>
+            <a:fld id="{8B8B984A-5AFF-7643-AE60-6D8D11294076}" type="slidenum">
+              <a:rPr lang="en-US" smtClean="0"/>
               <a:pPr>
                 <a:defRPr/>
               </a:pPr>
               <a:t>87</a:t>
             </a:fld>
-            <a:endParaRPr lang="en-CA"/>
-          </a:p>
-        </p:txBody>
-      </p:sp>
-      <p:sp>
-        <p:nvSpPr>
-          <p:cNvPr id="4" name="TextBox 3"/>
-          <p:cNvSpPr txBox="1"/>
-          <p:nvPr/>
-        </p:nvSpPr>
-        <p:spPr>
-          <a:xfrm>
-            <a:off x="1676400" y="2286000"/>
-            <a:ext cx="4753224" cy="830997"/>
-          </a:xfrm>
-          <a:prstGeom prst="rect">
-            <a:avLst/>
-          </a:prstGeom>
-          <a:noFill/>
-        </p:spPr>
-        <p:txBody>
-          <a:bodyPr wrap="none" rtlCol="0">
-            <a:spAutoFit/>
-          </a:bodyPr>
-          <a:lstStyle/>
-          <a:p>
-            <a:r>
-              <a:rPr lang="en-US" dirty="0" smtClean="0"/>
-              <a:t>3 guesses on what the work is? ;)</a:t>
-            </a:r>
-          </a:p>
-          <a:p>
-            <a:r>
-              <a:rPr lang="en-US" dirty="0" smtClean="0"/>
-              <a:t>Assignment9</a:t>
-            </a:r>
-            <a:endParaRPr lang="en-US" dirty="0"/>
+            <a:endParaRPr lang="en-US"/>
           </a:p>
         </p:txBody>
       </p:sp>
     </p:spTree>
     <p:extLst>
       <p:ext uri="{BB962C8B-B14F-4D97-AF65-F5344CB8AC3E}">
-        <p14:creationId xmlns:p14="http://schemas.microsoft.com/office/powerpoint/2010/main" val="2352623320"/>
+        <p14:creationId xmlns:p14="http://schemas.microsoft.com/office/powerpoint/2010/main" val="472122866"/>
       </p:ext>
     </p:extLst>
   </p:cSld>
@@ -21789,7 +22768,7 @@
           <a:p>
             <a:r>
               <a:rPr lang="en-US" dirty="0" smtClean="0"/>
-              <a:t>MVC (Model-View-Controller)</a:t>
+              <a:t>First, add the following dependencies</a:t>
             </a:r>
             <a:endParaRPr lang="en-US" dirty="0"/>
           </a:p>
@@ -21808,77 +22787,292 @@
         <p:spPr/>
         <p:txBody>
           <a:bodyPr>
-            <a:normAutofit fontScale="77500" lnSpcReduction="20000"/>
+            <a:normAutofit fontScale="40000" lnSpcReduction="20000"/>
           </a:bodyPr>
           <a:lstStyle/>
           <a:p>
             <a:r>
-              <a:rPr lang="en-US" dirty="0" smtClean="0"/>
-              <a:t>You already used it with </a:t>
-            </a:r>
-            <a:r>
-              <a:rPr lang="en-US" dirty="0" err="1" smtClean="0"/>
-              <a:t>JavaFx</a:t>
-            </a:r>
-            <a:r>
-              <a:rPr lang="en-US" dirty="0" smtClean="0"/>
-              <a:t> / FXML</a:t>
-            </a:r>
-          </a:p>
-          <a:p>
-            <a:r>
-              <a:rPr lang="en-US" dirty="0" smtClean="0"/>
-              <a:t>Which was the Model?</a:t>
-            </a:r>
-          </a:p>
-          <a:p>
-            <a:r>
-              <a:rPr lang="en-US" dirty="0" smtClean="0"/>
-              <a:t>View?</a:t>
-            </a:r>
-          </a:p>
-          <a:p>
-            <a:r>
-              <a:rPr lang="en-US" dirty="0" smtClean="0"/>
-              <a:t>Controller?</a:t>
-            </a:r>
-          </a:p>
-          <a:p>
-            <a:r>
-              <a:rPr lang="en-US" dirty="0" smtClean="0"/>
-              <a:t>Admittedly, MVC (a somewhat 2000’ish design pattern) isn’t always the best design pattern, but very commonly used.  Pretty good, but not always the best.</a:t>
-            </a:r>
-          </a:p>
-          <a:p>
-            <a:r>
-              <a:rPr lang="en-US" dirty="0" smtClean="0"/>
-              <a:t>Lots of other ones out there like MVP, MVVM, and now there’s a category called MVW – whatever!</a:t>
-            </a:r>
-          </a:p>
-          <a:p>
-            <a:r>
-              <a:rPr lang="en-US" dirty="0" smtClean="0"/>
-              <a:t>Questions?  If not, go back to your Assignment!</a:t>
-            </a:r>
-          </a:p>
-          <a:p>
-            <a:r>
-              <a:rPr lang="en-US" dirty="0" smtClean="0"/>
-              <a:t>I’ll be here to answer questions for the rest of this lecture.</a:t>
-            </a:r>
-          </a:p>
-          <a:p>
-            <a:r>
-              <a:rPr lang="en-US" dirty="0" smtClean="0"/>
-              <a:t>Advice: Check out your neighbor’s application.  </a:t>
-            </a:r>
-            <a:r>
-              <a:rPr lang="en-US" smtClean="0"/>
-              <a:t>Strongly encouraged.</a:t>
-            </a:r>
-            <a:endParaRPr lang="en-US" dirty="0" smtClean="0"/>
-          </a:p>
-          <a:p>
+              <a:rPr lang="en-US" dirty="0"/>
+              <a:t>&lt;dependency&gt;</a:t>
+            </a:r>
+          </a:p>
+          <a:p>
+            <a:r>
+              <a:rPr lang="en-US" dirty="0"/>
+              <a:t>&lt;</a:t>
+            </a:r>
+            <a:r>
+              <a:rPr lang="en-US" dirty="0" err="1"/>
+              <a:t>groupId</a:t>
+            </a:r>
+            <a:r>
+              <a:rPr lang="en-US" dirty="0"/>
+              <a:t>&gt;</a:t>
+            </a:r>
+            <a:r>
+              <a:rPr lang="en-US" dirty="0" err="1"/>
+              <a:t>org.springframework.boot</a:t>
+            </a:r>
+            <a:r>
+              <a:rPr lang="en-US" dirty="0"/>
+              <a:t>&lt;/</a:t>
+            </a:r>
+            <a:r>
+              <a:rPr lang="en-US" dirty="0" err="1"/>
+              <a:t>groupId</a:t>
+            </a:r>
+            <a:r>
+              <a:rPr lang="en-US" dirty="0"/>
+              <a:t>&gt;</a:t>
+            </a:r>
+          </a:p>
+          <a:p>
+            <a:r>
+              <a:rPr lang="en-US" dirty="0"/>
+              <a:t>&lt;</a:t>
+            </a:r>
+            <a:r>
+              <a:rPr lang="en-US" dirty="0" err="1"/>
+              <a:t>artifactId</a:t>
+            </a:r>
+            <a:r>
+              <a:rPr lang="en-US" dirty="0"/>
+              <a:t>&gt;spring-boot-starter-data-</a:t>
+            </a:r>
+            <a:r>
+              <a:rPr lang="en-US" u="sng" dirty="0" err="1"/>
+              <a:t>jpa</a:t>
+            </a:r>
+            <a:r>
+              <a:rPr lang="en-US" u="sng" dirty="0"/>
+              <a:t>&lt;/</a:t>
+            </a:r>
+            <a:r>
+              <a:rPr lang="en-US" u="sng" dirty="0" err="1"/>
+              <a:t>artifactId</a:t>
+            </a:r>
+            <a:r>
+              <a:rPr lang="en-US" u="sng" dirty="0"/>
+              <a:t>&gt;</a:t>
+            </a:r>
+          </a:p>
+          <a:p>
+            <a:r>
+              <a:rPr lang="en-US" dirty="0"/>
+              <a:t>&lt;/dependency&gt;</a:t>
+            </a:r>
+          </a:p>
+          <a:p>
+            <a:r>
+              <a:rPr lang="en-US" dirty="0"/>
+              <a:t>&lt;dependency&gt;</a:t>
+            </a:r>
+          </a:p>
+          <a:p>
+            <a:r>
+              <a:rPr lang="en-US" dirty="0"/>
+              <a:t>&lt;</a:t>
+            </a:r>
+            <a:r>
+              <a:rPr lang="en-US" dirty="0" err="1"/>
+              <a:t>groupId</a:t>
+            </a:r>
+            <a:r>
+              <a:rPr lang="en-US" dirty="0"/>
+              <a:t>&gt;com.h2database&lt;/</a:t>
+            </a:r>
+            <a:r>
+              <a:rPr lang="en-US" dirty="0" err="1"/>
+              <a:t>groupId</a:t>
+            </a:r>
+            <a:r>
+              <a:rPr lang="en-US" dirty="0"/>
+              <a:t>&gt;</a:t>
+            </a:r>
+          </a:p>
+          <a:p>
+            <a:r>
+              <a:rPr lang="en-US" dirty="0"/>
+              <a:t>&lt;</a:t>
+            </a:r>
+            <a:r>
+              <a:rPr lang="en-US" dirty="0" err="1"/>
+              <a:t>artifactId</a:t>
+            </a:r>
+            <a:r>
+              <a:rPr lang="en-US" dirty="0"/>
+              <a:t>&gt;h2&lt;/</a:t>
+            </a:r>
+            <a:r>
+              <a:rPr lang="en-US" dirty="0" err="1"/>
+              <a:t>artifactId</a:t>
+            </a:r>
+            <a:r>
+              <a:rPr lang="en-US" dirty="0"/>
+              <a:t>&gt;</a:t>
+            </a:r>
+          </a:p>
+          <a:p>
+            <a:r>
+              <a:rPr lang="en-US" dirty="0"/>
+              <a:t>&lt;/dependency&gt;</a:t>
+            </a:r>
+          </a:p>
+          <a:p>
+            <a:r>
+              <a:rPr lang="en-US" dirty="0"/>
+              <a:t>&lt;dependency&gt;</a:t>
+            </a:r>
+          </a:p>
+          <a:p>
+            <a:r>
+              <a:rPr lang="en-US" dirty="0"/>
+              <a:t>&lt;</a:t>
+            </a:r>
+            <a:r>
+              <a:rPr lang="en-US" dirty="0" err="1"/>
+              <a:t>groupId</a:t>
+            </a:r>
+            <a:r>
+              <a:rPr lang="en-US" dirty="0"/>
+              <a:t>&gt;</a:t>
+            </a:r>
+            <a:r>
+              <a:rPr lang="en-US" u="sng" dirty="0" err="1"/>
+              <a:t>mysql</a:t>
+            </a:r>
+            <a:r>
+              <a:rPr lang="en-US" u="sng" dirty="0"/>
+              <a:t>&lt;/</a:t>
+            </a:r>
+            <a:r>
+              <a:rPr lang="en-US" u="sng" dirty="0" err="1"/>
+              <a:t>groupId</a:t>
+            </a:r>
+            <a:r>
+              <a:rPr lang="en-US" u="sng" dirty="0"/>
+              <a:t>&gt;</a:t>
+            </a:r>
+          </a:p>
+          <a:p>
+            <a:r>
+              <a:rPr lang="en-US" dirty="0"/>
+              <a:t>&lt;</a:t>
+            </a:r>
+            <a:r>
+              <a:rPr lang="en-US" dirty="0" err="1"/>
+              <a:t>artifactId</a:t>
+            </a:r>
+            <a:r>
+              <a:rPr lang="en-US" dirty="0"/>
+              <a:t>&gt;</a:t>
+            </a:r>
+            <a:r>
+              <a:rPr lang="en-US" u="sng" dirty="0" err="1"/>
+              <a:t>mysql</a:t>
+            </a:r>
+            <a:r>
+              <a:rPr lang="en-US" u="sng" dirty="0"/>
+              <a:t>-connector-java&lt;/</a:t>
+            </a:r>
+            <a:r>
+              <a:rPr lang="en-US" u="sng" dirty="0" err="1"/>
+              <a:t>artifactId</a:t>
+            </a:r>
+            <a:r>
+              <a:rPr lang="en-US" u="sng" dirty="0"/>
+              <a:t>&gt;</a:t>
+            </a:r>
+          </a:p>
+          <a:p>
+            <a:r>
+              <a:rPr lang="en-US" u="sng" dirty="0"/>
+              <a:t>&lt;version&gt;5.1.30&lt;/version&gt;</a:t>
+            </a:r>
+          </a:p>
+          <a:p>
+            <a:r>
+              <a:rPr lang="en-US" dirty="0"/>
+              <a:t>&lt;/dependency&gt;</a:t>
+            </a:r>
+          </a:p>
+          <a:p>
+            <a:r>
+              <a:rPr lang="en-US" dirty="0"/>
+              <a:t>&lt;dependency&gt;</a:t>
+            </a:r>
+          </a:p>
+          <a:p>
+            <a:r>
+              <a:rPr lang="en-US" dirty="0"/>
+              <a:t>&lt;</a:t>
+            </a:r>
+            <a:r>
+              <a:rPr lang="en-US" dirty="0" err="1"/>
+              <a:t>groupId</a:t>
+            </a:r>
+            <a:r>
+              <a:rPr lang="en-US" dirty="0"/>
+              <a:t>&gt;</a:t>
+            </a:r>
+            <a:r>
+              <a:rPr lang="en-US" dirty="0" err="1"/>
+              <a:t>org.hsqldb</a:t>
+            </a:r>
+            <a:r>
+              <a:rPr lang="en-US" dirty="0"/>
+              <a:t>&lt;/</a:t>
+            </a:r>
+            <a:r>
+              <a:rPr lang="en-US" dirty="0" err="1"/>
+              <a:t>groupId</a:t>
+            </a:r>
+            <a:r>
+              <a:rPr lang="en-US" dirty="0"/>
+              <a:t>&gt;</a:t>
+            </a:r>
+          </a:p>
+          <a:p>
+            <a:r>
+              <a:rPr lang="en-US" dirty="0"/>
+              <a:t>&lt;</a:t>
+            </a:r>
+            <a:r>
+              <a:rPr lang="en-US" dirty="0" err="1"/>
+              <a:t>artifactId</a:t>
+            </a:r>
+            <a:r>
+              <a:rPr lang="en-US" dirty="0"/>
+              <a:t>&gt;</a:t>
+            </a:r>
+            <a:r>
+              <a:rPr lang="en-US" u="sng" dirty="0" err="1"/>
+              <a:t>hsqldb</a:t>
+            </a:r>
+            <a:r>
+              <a:rPr lang="en-US" u="sng" dirty="0"/>
+              <a:t>&lt;/</a:t>
+            </a:r>
+            <a:r>
+              <a:rPr lang="en-US" u="sng" dirty="0" err="1"/>
+              <a:t>artifactId</a:t>
+            </a:r>
+            <a:r>
+              <a:rPr lang="en-US" u="sng" dirty="0"/>
+              <a:t>&gt;</a:t>
+            </a:r>
+          </a:p>
+          <a:p>
+            <a:r>
+              <a:rPr lang="en-US" u="sng" dirty="0"/>
+              <a:t>&lt;version&gt;2.2.8&lt;/version&gt;</a:t>
+            </a:r>
+          </a:p>
+          <a:p>
+            <a:r>
+              <a:rPr lang="en-US" dirty="0"/>
+              <a:t>&lt;/dependency&gt;</a:t>
+            </a:r>
             <a:endParaRPr lang="en-US" dirty="0"/>
           </a:p>
         </p:txBody>
@@ -21915,7 +23109,7 @@
     </p:spTree>
     <p:extLst>
       <p:ext uri="{BB962C8B-B14F-4D97-AF65-F5344CB8AC3E}">
-        <p14:creationId xmlns:p14="http://schemas.microsoft.com/office/powerpoint/2010/main" val="3238898663"/>
+        <p14:creationId xmlns:p14="http://schemas.microsoft.com/office/powerpoint/2010/main" val="488670267"/>
       </p:ext>
     </p:extLst>
   </p:cSld>
@@ -21959,7 +23153,7 @@
           <a:p>
             <a:r>
               <a:rPr lang="en-US" dirty="0" smtClean="0"/>
-              <a:t>Homework</a:t>
+              <a:t>Also in pom.xml</a:t>
             </a:r>
             <a:endParaRPr lang="en-US" dirty="0"/>
           </a:p>
@@ -21967,7 +23161,109 @@
       </p:sp>
       <p:sp>
         <p:nvSpPr>
-          <p:cNvPr id="3" name="Slide Number Placeholder 2"/>
+          <p:cNvPr id="3" name="Content Placeholder 2"/>
+          <p:cNvSpPr>
+            <a:spLocks noGrp="1"/>
+          </p:cNvSpPr>
+          <p:nvPr>
+            <p:ph idx="1"/>
+          </p:nvPr>
+        </p:nvSpPr>
+        <p:spPr/>
+        <p:txBody>
+          <a:bodyPr>
+            <a:normAutofit lnSpcReduction="10000"/>
+          </a:bodyPr>
+          <a:lstStyle/>
+          <a:p>
+            <a:r>
+              <a:rPr lang="en-US" dirty="0"/>
+              <a:t>&lt;parent&gt;</a:t>
+            </a:r>
+          </a:p>
+          <a:p>
+            <a:r>
+              <a:rPr lang="en-US" dirty="0"/>
+              <a:t>&lt;</a:t>
+            </a:r>
+            <a:r>
+              <a:rPr lang="en-US" dirty="0" err="1"/>
+              <a:t>groupId</a:t>
+            </a:r>
+            <a:r>
+              <a:rPr lang="en-US" dirty="0"/>
+              <a:t>&gt;</a:t>
+            </a:r>
+            <a:r>
+              <a:rPr lang="en-US" dirty="0" err="1"/>
+              <a:t>org.springframework.boot</a:t>
+            </a:r>
+            <a:r>
+              <a:rPr lang="en-US" dirty="0"/>
+              <a:t>&lt;/</a:t>
+            </a:r>
+            <a:r>
+              <a:rPr lang="en-US" dirty="0" err="1"/>
+              <a:t>groupId</a:t>
+            </a:r>
+            <a:r>
+              <a:rPr lang="en-US" dirty="0"/>
+              <a:t>&gt;</a:t>
+            </a:r>
+          </a:p>
+          <a:p>
+            <a:r>
+              <a:rPr lang="en-US" dirty="0"/>
+              <a:t>&lt;</a:t>
+            </a:r>
+            <a:r>
+              <a:rPr lang="en-US" dirty="0" err="1"/>
+              <a:t>artifactId</a:t>
+            </a:r>
+            <a:r>
+              <a:rPr lang="en-US" dirty="0"/>
+              <a:t>&gt;spring-boot-starter-parent&lt;/</a:t>
+            </a:r>
+            <a:r>
+              <a:rPr lang="en-US" dirty="0" err="1"/>
+              <a:t>artifactId</a:t>
+            </a:r>
+            <a:r>
+              <a:rPr lang="en-US" dirty="0"/>
+              <a:t>&gt;</a:t>
+            </a:r>
+          </a:p>
+          <a:p>
+            <a:r>
+              <a:rPr lang="en-US" dirty="0"/>
+              <a:t>&lt;version&gt;1.0.2.RELEASE&lt;/version&gt;</a:t>
+            </a:r>
+          </a:p>
+          <a:p>
+            <a:r>
+              <a:rPr lang="en-US" dirty="0"/>
+              <a:t>&lt;/parent</a:t>
+            </a:r>
+            <a:r>
+              <a:rPr lang="en-US" dirty="0" smtClean="0"/>
+              <a:t>&gt;</a:t>
+            </a:r>
+          </a:p>
+          <a:p>
+            <a:endParaRPr lang="en-US" dirty="0"/>
+          </a:p>
+          <a:p>
+            <a:r>
+              <a:rPr lang="en-US" dirty="0" smtClean="0"/>
+              <a:t>And then Maven Update</a:t>
+            </a:r>
+            <a:endParaRPr lang="en-US" dirty="0"/>
+          </a:p>
+        </p:txBody>
+      </p:sp>
+      <p:sp>
+        <p:nvSpPr>
+          <p:cNvPr id="4" name="Slide Number Placeholder 3"/>
           <p:cNvSpPr>
             <a:spLocks noGrp="1"/>
           </p:cNvSpPr>
@@ -21983,51 +23279,21 @@
             <a:pPr>
               <a:defRPr/>
             </a:pPr>
-            <a:fld id="{B2451C39-31DD-6D4B-9BED-758CF6C1BA6A}" type="slidenum">
-              <a:rPr lang="en-CA" smtClean="0"/>
+            <a:fld id="{8B8B984A-5AFF-7643-AE60-6D8D11294076}" type="slidenum">
+              <a:rPr lang="en-US" smtClean="0"/>
               <a:pPr>
                 <a:defRPr/>
               </a:pPr>
               <a:t>89</a:t>
             </a:fld>
-            <a:endParaRPr lang="en-CA"/>
-          </a:p>
-        </p:txBody>
-      </p:sp>
-      <p:sp>
-        <p:nvSpPr>
-          <p:cNvPr id="4" name="TextBox 3"/>
-          <p:cNvSpPr txBox="1"/>
-          <p:nvPr/>
-        </p:nvSpPr>
-        <p:spPr>
-          <a:xfrm>
-            <a:off x="1371600" y="2209800"/>
-            <a:ext cx="2222083" cy="461665"/>
-          </a:xfrm>
-          <a:prstGeom prst="rect">
-            <a:avLst/>
-          </a:prstGeom>
-          <a:noFill/>
-        </p:spPr>
-        <p:txBody>
-          <a:bodyPr wrap="none" rtlCol="0">
-            <a:spAutoFit/>
-          </a:bodyPr>
-          <a:lstStyle/>
-          <a:p>
-            <a:r>
-              <a:rPr lang="en-US" dirty="0" smtClean="0"/>
-              <a:t>Assignment 10</a:t>
-            </a:r>
-            <a:endParaRPr lang="en-US" dirty="0"/>
+            <a:endParaRPr lang="en-US"/>
           </a:p>
         </p:txBody>
       </p:sp>
     </p:spTree>
     <p:extLst>
       <p:ext uri="{BB962C8B-B14F-4D97-AF65-F5344CB8AC3E}">
-        <p14:creationId xmlns:p14="http://schemas.microsoft.com/office/powerpoint/2010/main" val="2217852683"/>
+        <p14:creationId xmlns:p14="http://schemas.microsoft.com/office/powerpoint/2010/main" val="1514528855"/>
       </p:ext>
     </p:extLst>
   </p:cSld>
@@ -22347,7 +23613,7 @@
           <a:p>
             <a:r>
               <a:rPr lang="en-US" dirty="0" smtClean="0"/>
-              <a:t>Network Programming</a:t>
+              <a:t>Modify our model Classes</a:t>
             </a:r>
             <a:endParaRPr lang="en-US" dirty="0"/>
           </a:p>
@@ -22370,25 +23636,25 @@
           <a:p>
             <a:r>
               <a:rPr lang="en-US" dirty="0" smtClean="0"/>
-              <a:t>OK, this is a somewhat filler lecture.</a:t>
-            </a:r>
-          </a:p>
-          <a:p>
-            <a:r>
-              <a:rPr lang="en-US" dirty="0" smtClean="0"/>
-              <a:t>Final, final project will have nothing to do with today’s SHORT lecture</a:t>
-            </a:r>
-          </a:p>
-          <a:p>
-            <a:r>
-              <a:rPr lang="en-US" dirty="0" smtClean="0"/>
-              <a:t>Network Programming … UDP / TCP … very cool.  But realistically, you won’t be using those protocols directly.</a:t>
-            </a:r>
-          </a:p>
-          <a:p>
-            <a:r>
-              <a:rPr lang="en-US" dirty="0" smtClean="0"/>
-              <a:t>http / https are by far the most common protocols used in Java</a:t>
+              <a:t>Annotate with @Entity (pretty important)</a:t>
+            </a:r>
+          </a:p>
+          <a:p>
+            <a:r>
+              <a:rPr lang="en-US" dirty="0" smtClean="0"/>
+              <a:t>Add a @Id (so-so important) to the primary key</a:t>
+            </a:r>
+          </a:p>
+          <a:p>
+            <a:r>
+              <a:rPr lang="en-US" dirty="0" smtClean="0"/>
+              <a:t>Add @Transient (even less important) to your relationships</a:t>
+            </a:r>
+          </a:p>
+          <a:p>
+            <a:r>
+              <a:rPr lang="en-US" dirty="0" smtClean="0"/>
+              <a:t>See day06.model.Teacher</a:t>
             </a:r>
             <a:endParaRPr lang="en-US" dirty="0"/>
           </a:p>
@@ -22426,7 +23692,7 @@
     </p:spTree>
     <p:extLst>
       <p:ext uri="{BB962C8B-B14F-4D97-AF65-F5344CB8AC3E}">
-        <p14:creationId xmlns:p14="http://schemas.microsoft.com/office/powerpoint/2010/main" val="498203968"/>
+        <p14:creationId xmlns:p14="http://schemas.microsoft.com/office/powerpoint/2010/main" val="1704108685"/>
       </p:ext>
     </p:extLst>
   </p:cSld>
@@ -22470,7 +23736,7 @@
           <a:p>
             <a:r>
               <a:rPr lang="en-US" dirty="0" smtClean="0"/>
-              <a:t>There’s a tool (library) for that</a:t>
+              <a:t>Create a Repository Interface</a:t>
             </a:r>
             <a:endParaRPr lang="en-US" dirty="0"/>
           </a:p>
@@ -22492,100 +23758,12 @@
           <a:lstStyle/>
           <a:p>
             <a:r>
-              <a:rPr lang="en-US" dirty="0"/>
-              <a:t>&lt;dependency&gt;</a:t>
-            </a:r>
-          </a:p>
-          <a:p>
-            <a:r>
-              <a:rPr lang="en-US" dirty="0"/>
-              <a:t>	&lt;</a:t>
-            </a:r>
-            <a:r>
-              <a:rPr lang="en-US" dirty="0" err="1"/>
-              <a:t>groupId</a:t>
-            </a:r>
-            <a:r>
-              <a:rPr lang="en-US" dirty="0"/>
-              <a:t>&gt;</a:t>
-            </a:r>
-            <a:r>
-              <a:rPr lang="en-US" dirty="0" err="1"/>
-              <a:t>org.apache.httpcomponents</a:t>
-            </a:r>
-            <a:r>
-              <a:rPr lang="en-US" dirty="0"/>
-              <a:t>&lt;/</a:t>
-            </a:r>
-            <a:r>
-              <a:rPr lang="en-US" dirty="0" err="1"/>
-              <a:t>groupId</a:t>
-            </a:r>
-            <a:r>
-              <a:rPr lang="en-US" dirty="0"/>
-              <a:t>&gt;</a:t>
-            </a:r>
-          </a:p>
-          <a:p>
-            <a:r>
-              <a:rPr lang="en-US" dirty="0"/>
-              <a:t>	&lt;</a:t>
-            </a:r>
-            <a:r>
-              <a:rPr lang="en-US" dirty="0" err="1"/>
-              <a:t>artifactId</a:t>
-            </a:r>
-            <a:r>
-              <a:rPr lang="en-US" dirty="0"/>
-              <a:t>&gt;</a:t>
-            </a:r>
-            <a:r>
-              <a:rPr lang="en-US" dirty="0" err="1"/>
-              <a:t>httpclient</a:t>
-            </a:r>
-            <a:r>
-              <a:rPr lang="en-US" dirty="0"/>
-              <a:t>&lt;/</a:t>
-            </a:r>
-            <a:r>
-              <a:rPr lang="en-US" dirty="0" err="1"/>
-              <a:t>artifactId</a:t>
-            </a:r>
-            <a:r>
-              <a:rPr lang="en-US" dirty="0"/>
-              <a:t>&gt;</a:t>
-            </a:r>
-          </a:p>
-          <a:p>
-            <a:r>
-              <a:rPr lang="en-US" dirty="0"/>
-              <a:t>	&lt;version&gt;4.3.3&lt;/version&gt;</a:t>
-            </a:r>
-          </a:p>
-          <a:p>
-            <a:r>
-              <a:rPr lang="en-US" dirty="0"/>
-              <a:t>&lt;/dependency&gt;</a:t>
-            </a:r>
-          </a:p>
-          <a:p>
-            <a:r>
-              <a:rPr lang="en-US" dirty="0"/>
-              <a:t> </a:t>
-            </a:r>
-          </a:p>
-          <a:p>
-            <a:r>
-              <a:rPr lang="en-US" dirty="0"/>
-              <a:t> </a:t>
-            </a:r>
-            <a:r>
               <a:rPr lang="en-US" dirty="0" smtClean="0"/>
               <a:t>See </a:t>
             </a:r>
             <a:r>
               <a:rPr lang="en-US" dirty="0" err="1" smtClean="0"/>
-              <a:t>HttpComponentsDemo</a:t>
+              <a:t>TeacherRepository</a:t>
             </a:r>
             <a:endParaRPr lang="en-US" dirty="0"/>
           </a:p>
@@ -22623,7 +23801,7 @@
     </p:spTree>
     <p:extLst>
       <p:ext uri="{BB962C8B-B14F-4D97-AF65-F5344CB8AC3E}">
-        <p14:creationId xmlns:p14="http://schemas.microsoft.com/office/powerpoint/2010/main" val="664585395"/>
+        <p14:creationId xmlns:p14="http://schemas.microsoft.com/office/powerpoint/2010/main" val="372240711"/>
       </p:ext>
     </p:extLst>
   </p:cSld>
@@ -22667,7 +23845,11 @@
           <a:p>
             <a:r>
               <a:rPr lang="en-US" dirty="0" smtClean="0"/>
-              <a:t>Homework</a:t>
+              <a:t>Create a </a:t>
+            </a:r>
+            <a:r>
+              <a:rPr lang="en-US" dirty="0" err="1" smtClean="0"/>
+              <a:t>TestDriver</a:t>
             </a:r>
             <a:endParaRPr lang="en-US" dirty="0"/>
           </a:p>
@@ -22675,7 +23857,86 @@
       </p:sp>
       <p:sp>
         <p:nvSpPr>
-          <p:cNvPr id="3" name="Slide Number Placeholder 2"/>
+          <p:cNvPr id="3" name="Content Placeholder 2"/>
+          <p:cNvSpPr>
+            <a:spLocks noGrp="1"/>
+          </p:cNvSpPr>
+          <p:nvPr>
+            <p:ph idx="1"/>
+          </p:nvPr>
+        </p:nvSpPr>
+        <p:spPr/>
+        <p:txBody>
+          <a:bodyPr>
+            <a:normAutofit fontScale="92500" lnSpcReduction="10000"/>
+          </a:bodyPr>
+          <a:lstStyle/>
+          <a:p>
+            <a:r>
+              <a:rPr lang="en-US" dirty="0" smtClean="0"/>
+              <a:t>A lot of the magic is in: </a:t>
+            </a:r>
+            <a:r>
+              <a:rPr lang="en-US" dirty="0"/>
+              <a:t>@</a:t>
+            </a:r>
+            <a:r>
+              <a:rPr lang="en-US" dirty="0" err="1" smtClean="0"/>
+              <a:t>EnableAutoConfiguration</a:t>
+            </a:r>
+            <a:endParaRPr lang="en-US" dirty="0" smtClean="0"/>
+          </a:p>
+          <a:p>
+            <a:r>
+              <a:rPr lang="en-US" dirty="0" smtClean="0"/>
+              <a:t>See: </a:t>
+            </a:r>
+            <a:r>
+              <a:rPr lang="en-US" dirty="0" err="1" smtClean="0"/>
+              <a:t>TestDriverWithInMemoryDB</a:t>
+            </a:r>
+            <a:endParaRPr lang="en-US" dirty="0" smtClean="0"/>
+          </a:p>
+          <a:p>
+            <a:r>
+              <a:rPr lang="en-US" dirty="0" smtClean="0"/>
+              <a:t>Run it …</a:t>
+            </a:r>
+          </a:p>
+          <a:p>
+            <a:r>
+              <a:rPr lang="en-US" dirty="0" smtClean="0"/>
+              <a:t>What just happened?  Well, first thing is that it created an in memory database</a:t>
+            </a:r>
+          </a:p>
+          <a:p>
+            <a:r>
+              <a:rPr lang="en-US" dirty="0" smtClean="0"/>
+              <a:t>Then a Table called Teacher</a:t>
+            </a:r>
+          </a:p>
+          <a:p>
+            <a:r>
+              <a:rPr lang="en-US" dirty="0" smtClean="0"/>
+              <a:t>And then an insert</a:t>
+            </a:r>
+          </a:p>
+          <a:p>
+            <a:r>
+              <a:rPr lang="en-US" dirty="0" smtClean="0"/>
+              <a:t>Prove it!!!  …  Sorry, no can do that was an </a:t>
+            </a:r>
+            <a:r>
+              <a:rPr lang="en-US" smtClean="0"/>
+              <a:t>in memory DB</a:t>
+            </a:r>
+            <a:endParaRPr lang="en-US"/>
+          </a:p>
+        </p:txBody>
+      </p:sp>
+      <p:sp>
+        <p:nvSpPr>
+          <p:cNvPr id="4" name="Slide Number Placeholder 3"/>
           <p:cNvSpPr>
             <a:spLocks noGrp="1"/>
           </p:cNvSpPr>
@@ -22691,74 +23952,21 @@
             <a:pPr>
               <a:defRPr/>
             </a:pPr>
-            <a:fld id="{B2451C39-31DD-6D4B-9BED-758CF6C1BA6A}" type="slidenum">
-              <a:rPr lang="en-CA" smtClean="0"/>
+            <a:fld id="{8B8B984A-5AFF-7643-AE60-6D8D11294076}" type="slidenum">
+              <a:rPr lang="en-US" smtClean="0"/>
               <a:pPr>
                 <a:defRPr/>
               </a:pPr>
               <a:t>92</a:t>
             </a:fld>
-            <a:endParaRPr lang="en-CA"/>
-          </a:p>
-        </p:txBody>
-      </p:sp>
-      <p:sp>
-        <p:nvSpPr>
-          <p:cNvPr id="4" name="TextBox 3"/>
-          <p:cNvSpPr txBox="1"/>
-          <p:nvPr/>
-        </p:nvSpPr>
-        <p:spPr>
-          <a:xfrm>
-            <a:off x="1828800" y="1752600"/>
-            <a:ext cx="6296917" cy="1938992"/>
-          </a:xfrm>
-          <a:prstGeom prst="rect">
-            <a:avLst/>
-          </a:prstGeom>
-          <a:noFill/>
-        </p:spPr>
-        <p:txBody>
-          <a:bodyPr wrap="none" rtlCol="0">
-            <a:spAutoFit/>
-          </a:bodyPr>
-          <a:lstStyle/>
-          <a:p>
-            <a:r>
-              <a:rPr lang="en-US" dirty="0" smtClean="0"/>
-              <a:t>You guessed it Assignment11</a:t>
-            </a:r>
-          </a:p>
-          <a:p>
-            <a:r>
-              <a:rPr lang="en-US" dirty="0" smtClean="0"/>
-              <a:t>Hint for Final</a:t>
-            </a:r>
-          </a:p>
-          <a:p>
-            <a:r>
-              <a:rPr lang="en-US" dirty="0" smtClean="0"/>
-              <a:t>What can go wrong with your application</a:t>
-            </a:r>
-          </a:p>
-          <a:p>
-            <a:r>
-              <a:rPr lang="en-US" dirty="0" smtClean="0"/>
-              <a:t>When you demo it?  How should you handle,</a:t>
-            </a:r>
-          </a:p>
-          <a:p>
-            <a:r>
-              <a:rPr lang="en-US" dirty="0" smtClean="0"/>
-              <a:t>Fallback on what?</a:t>
-            </a:r>
+            <a:endParaRPr lang="en-US"/>
           </a:p>
         </p:txBody>
       </p:sp>
     </p:spTree>
     <p:extLst>
       <p:ext uri="{BB962C8B-B14F-4D97-AF65-F5344CB8AC3E}">
-        <p14:creationId xmlns:p14="http://schemas.microsoft.com/office/powerpoint/2010/main" val="3669441049"/>
+        <p14:creationId xmlns:p14="http://schemas.microsoft.com/office/powerpoint/2010/main" val="37891769"/>
       </p:ext>
     </p:extLst>
   </p:cSld>
@@ -22802,7 +24010,7 @@
           <a:p>
             <a:r>
               <a:rPr lang="en-US" dirty="0" smtClean="0"/>
-              <a:t>Food for thought…</a:t>
+              <a:t>Homework</a:t>
             </a:r>
             <a:endParaRPr lang="en-US" dirty="0"/>
           </a:p>
@@ -22845,8 +24053,8 @@
         </p:nvSpPr>
         <p:spPr>
           <a:xfrm>
-            <a:off x="1371600" y="1828800"/>
-            <a:ext cx="4831772" cy="1938992"/>
+            <a:off x="1676400" y="2286000"/>
+            <a:ext cx="4753224" cy="830997"/>
           </a:xfrm>
           <a:prstGeom prst="rect">
             <a:avLst/>
@@ -22859,53 +24067,15 @@
           </a:bodyPr>
           <a:lstStyle/>
           <a:p>
-            <a:pPr marL="342900" indent="-342900">
-              <a:buFont typeface="Arial" pitchFamily="34" charset="0"/>
-              <a:buChar char="•"/>
-            </a:pPr>
-            <a:r>
-              <a:rPr lang="en-US" dirty="0" smtClean="0"/>
-              <a:t>Maybe after this course …</a:t>
-            </a:r>
-          </a:p>
-          <a:p>
-            <a:pPr marL="342900" indent="-342900">
-              <a:buFont typeface="Arial" pitchFamily="34" charset="0"/>
-              <a:buChar char="•"/>
-            </a:pPr>
-            <a:r>
-              <a:rPr lang="en-US" dirty="0" smtClean="0"/>
-              <a:t>I REALLY hate Java…</a:t>
-            </a:r>
-          </a:p>
-          <a:p>
-            <a:pPr marL="342900" indent="-342900">
-              <a:buFont typeface="Arial" pitchFamily="34" charset="0"/>
-              <a:buChar char="•"/>
-            </a:pPr>
-            <a:r>
-              <a:rPr lang="en-US" dirty="0" smtClean="0"/>
-              <a:t>Or I REALLY love it</a:t>
-            </a:r>
-          </a:p>
-          <a:p>
-            <a:pPr marL="342900" indent="-342900">
-              <a:buFont typeface="Arial" pitchFamily="34" charset="0"/>
-              <a:buChar char="•"/>
-            </a:pPr>
-            <a:r>
-              <a:rPr lang="en-US" dirty="0" smtClean="0"/>
-              <a:t>But was that all you learned?</a:t>
-            </a:r>
-          </a:p>
-          <a:p>
-            <a:pPr marL="342900" indent="-342900">
-              <a:buFont typeface="Arial" pitchFamily="34" charset="0"/>
-              <a:buChar char="•"/>
-            </a:pPr>
-            <a:r>
-              <a:rPr lang="en-US" dirty="0" smtClean="0"/>
-              <a:t>I had a hidden agenda all along</a:t>
+            <a:r>
+              <a:rPr lang="en-US" dirty="0" smtClean="0"/>
+              <a:t>3 guesses on what the work is? ;)</a:t>
+            </a:r>
+          </a:p>
+          <a:p>
+            <a:r>
+              <a:rPr lang="en-US" dirty="0" smtClean="0"/>
+              <a:t>Assignment9</a:t>
             </a:r>
             <a:endParaRPr lang="en-US" dirty="0"/>
           </a:p>
@@ -22914,7 +24084,7 @@
     </p:spTree>
     <p:extLst>
       <p:ext uri="{BB962C8B-B14F-4D97-AF65-F5344CB8AC3E}">
-        <p14:creationId xmlns:p14="http://schemas.microsoft.com/office/powerpoint/2010/main" val="568372925"/>
+        <p14:creationId xmlns:p14="http://schemas.microsoft.com/office/powerpoint/2010/main" val="2352623320"/>
       </p:ext>
     </p:extLst>
   </p:cSld>
@@ -22958,7 +24128,7 @@
           <a:p>
             <a:r>
               <a:rPr lang="en-US" dirty="0" smtClean="0"/>
-              <a:t>Well, what else did we learn?</a:t>
+              <a:t>MVC (Model-View-Controller)</a:t>
             </a:r>
             <a:endParaRPr lang="en-US" dirty="0"/>
           </a:p>
@@ -22966,7 +24136,95 @@
       </p:sp>
       <p:sp>
         <p:nvSpPr>
-          <p:cNvPr id="3" name="Slide Number Placeholder 2"/>
+          <p:cNvPr id="3" name="Content Placeholder 2"/>
+          <p:cNvSpPr>
+            <a:spLocks noGrp="1"/>
+          </p:cNvSpPr>
+          <p:nvPr>
+            <p:ph idx="1"/>
+          </p:nvPr>
+        </p:nvSpPr>
+        <p:spPr/>
+        <p:txBody>
+          <a:bodyPr>
+            <a:normAutofit fontScale="77500" lnSpcReduction="20000"/>
+          </a:bodyPr>
+          <a:lstStyle/>
+          <a:p>
+            <a:r>
+              <a:rPr lang="en-US" dirty="0" smtClean="0"/>
+              <a:t>You already used it with </a:t>
+            </a:r>
+            <a:r>
+              <a:rPr lang="en-US" dirty="0" err="1" smtClean="0"/>
+              <a:t>JavaFx</a:t>
+            </a:r>
+            <a:r>
+              <a:rPr lang="en-US" dirty="0" smtClean="0"/>
+              <a:t> / FXML</a:t>
+            </a:r>
+          </a:p>
+          <a:p>
+            <a:r>
+              <a:rPr lang="en-US" dirty="0" smtClean="0"/>
+              <a:t>Which was the Model?</a:t>
+            </a:r>
+          </a:p>
+          <a:p>
+            <a:r>
+              <a:rPr lang="en-US" dirty="0" smtClean="0"/>
+              <a:t>View?</a:t>
+            </a:r>
+          </a:p>
+          <a:p>
+            <a:r>
+              <a:rPr lang="en-US" dirty="0" smtClean="0"/>
+              <a:t>Controller?</a:t>
+            </a:r>
+          </a:p>
+          <a:p>
+            <a:r>
+              <a:rPr lang="en-US" dirty="0" smtClean="0"/>
+              <a:t>Admittedly, MVC (a somewhat 2000’ish design pattern) isn’t always the best design pattern, but very commonly used.  Pretty good, but not always the best.</a:t>
+            </a:r>
+          </a:p>
+          <a:p>
+            <a:r>
+              <a:rPr lang="en-US" dirty="0" smtClean="0"/>
+              <a:t>Lots of other ones out there like MVP, MVVM, and now there’s a category called MVW – whatever!</a:t>
+            </a:r>
+          </a:p>
+          <a:p>
+            <a:r>
+              <a:rPr lang="en-US" dirty="0" smtClean="0"/>
+              <a:t>Questions?  If not, go back to your Assignment!</a:t>
+            </a:r>
+          </a:p>
+          <a:p>
+            <a:r>
+              <a:rPr lang="en-US" dirty="0" smtClean="0"/>
+              <a:t>I’ll be here to answer questions for the rest of this lecture.</a:t>
+            </a:r>
+          </a:p>
+          <a:p>
+            <a:r>
+              <a:rPr lang="en-US" dirty="0" smtClean="0"/>
+              <a:t>Advice: Check out your neighbor’s application.  </a:t>
+            </a:r>
+            <a:r>
+              <a:rPr lang="en-US" smtClean="0"/>
+              <a:t>Strongly encouraged.</a:t>
+            </a:r>
+            <a:endParaRPr lang="en-US" dirty="0" smtClean="0"/>
+          </a:p>
+          <a:p>
+            <a:endParaRPr lang="en-US" dirty="0"/>
+          </a:p>
+        </p:txBody>
+      </p:sp>
+      <p:sp>
+        <p:nvSpPr>
+          <p:cNvPr id="4" name="Slide Number Placeholder 3"/>
           <p:cNvSpPr>
             <a:spLocks noGrp="1"/>
           </p:cNvSpPr>
@@ -22982,100 +24240,21 @@
             <a:pPr>
               <a:defRPr/>
             </a:pPr>
-            <a:fld id="{B2451C39-31DD-6D4B-9BED-758CF6C1BA6A}" type="slidenum">
-              <a:rPr lang="en-CA" smtClean="0"/>
+            <a:fld id="{8B8B984A-5AFF-7643-AE60-6D8D11294076}" type="slidenum">
+              <a:rPr lang="en-US" smtClean="0"/>
               <a:pPr>
                 <a:defRPr/>
               </a:pPr>
               <a:t>94</a:t>
             </a:fld>
-            <a:endParaRPr lang="en-CA"/>
-          </a:p>
-        </p:txBody>
-      </p:sp>
-      <p:sp>
-        <p:nvSpPr>
-          <p:cNvPr id="4" name="TextBox 3"/>
-          <p:cNvSpPr txBox="1"/>
-          <p:nvPr/>
-        </p:nvSpPr>
-        <p:spPr>
-          <a:xfrm>
-            <a:off x="1447800" y="1905000"/>
-            <a:ext cx="7124066" cy="1938992"/>
-          </a:xfrm>
-          <a:prstGeom prst="rect">
-            <a:avLst/>
-          </a:prstGeom>
-          <a:noFill/>
-        </p:spPr>
-        <p:txBody>
-          <a:bodyPr wrap="none" rtlCol="0">
-            <a:spAutoFit/>
-          </a:bodyPr>
-          <a:lstStyle/>
-          <a:p>
-            <a:pPr marL="342900" indent="-342900">
-              <a:buFont typeface="Arial" pitchFamily="34" charset="0"/>
-              <a:buChar char="•"/>
-            </a:pPr>
-            <a:r>
-              <a:rPr lang="en-US" dirty="0" smtClean="0"/>
-              <a:t>Maven – although Maven is specific</a:t>
-            </a:r>
-          </a:p>
-          <a:p>
-            <a:pPr marL="342900" indent="-342900">
-              <a:buFont typeface="Arial" pitchFamily="34" charset="0"/>
-              <a:buChar char="•"/>
-            </a:pPr>
-            <a:r>
-              <a:rPr lang="en-US" dirty="0" smtClean="0"/>
-              <a:t>To java, the concept is universal.  Have</a:t>
-            </a:r>
-          </a:p>
-          <a:p>
-            <a:pPr marL="342900" indent="-342900">
-              <a:buFont typeface="Arial" pitchFamily="34" charset="0"/>
-              <a:buChar char="•"/>
-            </a:pPr>
-            <a:r>
-              <a:rPr lang="en-US" dirty="0" smtClean="0"/>
-              <a:t>A repository of libraries somewhere and</a:t>
-            </a:r>
-          </a:p>
-          <a:p>
-            <a:pPr marL="342900" indent="-342900">
-              <a:buFont typeface="Arial" pitchFamily="34" charset="0"/>
-              <a:buChar char="•"/>
-            </a:pPr>
-            <a:r>
-              <a:rPr lang="en-US" dirty="0" smtClean="0"/>
-              <a:t>Let a tool download them with their </a:t>
-            </a:r>
-            <a:r>
-              <a:rPr lang="en-US" dirty="0" err="1" smtClean="0"/>
-              <a:t>dependecies</a:t>
-            </a:r>
-            <a:endParaRPr lang="en-US" dirty="0" smtClean="0"/>
-          </a:p>
-          <a:p>
-            <a:pPr marL="342900" indent="-342900">
-              <a:buFont typeface="Arial" pitchFamily="34" charset="0"/>
-              <a:buChar char="•"/>
-            </a:pPr>
-            <a:r>
-              <a:rPr lang="en-US" dirty="0" smtClean="0"/>
-              <a:t>And help you build artifacts</a:t>
-            </a:r>
-            <a:endParaRPr lang="en-US" dirty="0"/>
+            <a:endParaRPr lang="en-US"/>
           </a:p>
         </p:txBody>
       </p:sp>
     </p:spTree>
     <p:extLst>
       <p:ext uri="{BB962C8B-B14F-4D97-AF65-F5344CB8AC3E}">
-        <p14:creationId xmlns:p14="http://schemas.microsoft.com/office/powerpoint/2010/main" val="3404509170"/>
+        <p14:creationId xmlns:p14="http://schemas.microsoft.com/office/powerpoint/2010/main" val="3238898663"/>
       </p:ext>
     </p:extLst>
   </p:cSld>
@@ -23118,16 +24297,8 @@
           <a:lstStyle/>
           <a:p>
             <a:r>
-              <a:rPr lang="en-US" dirty="0" err="1" smtClean="0"/>
-              <a:t>Git</a:t>
-            </a:r>
-            <a:r>
-              <a:rPr lang="en-US" dirty="0" smtClean="0"/>
-              <a:t>, </a:t>
-            </a:r>
-            <a:r>
-              <a:rPr lang="en-US" dirty="0" err="1" smtClean="0"/>
-              <a:t>Github</a:t>
+              <a:rPr lang="en-US" dirty="0" smtClean="0"/>
+              <a:t>Homework</a:t>
             </a:r>
             <a:endParaRPr lang="en-US" dirty="0"/>
           </a:p>
@@ -23170,8 +24341,8 @@
         </p:nvSpPr>
         <p:spPr>
           <a:xfrm>
-            <a:off x="1143000" y="2209800"/>
-            <a:ext cx="7837402" cy="4154984"/>
+            <a:off x="1371600" y="2209800"/>
+            <a:ext cx="2222083" cy="461665"/>
           </a:xfrm>
           <a:prstGeom prst="rect">
             <a:avLst/>
@@ -23184,125 +24355,18 @@
           </a:bodyPr>
           <a:lstStyle/>
           <a:p>
-            <a:pPr marL="342900" indent="-342900">
-              <a:buFont typeface="Arial" pitchFamily="34" charset="0"/>
-              <a:buChar char="•"/>
-            </a:pPr>
-            <a:r>
-              <a:rPr lang="en-US" dirty="0" smtClean="0"/>
-              <a:t>I strongly recommend you use </a:t>
-            </a:r>
-            <a:r>
-              <a:rPr lang="en-US" dirty="0" err="1" smtClean="0"/>
-              <a:t>Git</a:t>
-            </a:r>
-            <a:r>
-              <a:rPr lang="en-US" dirty="0" smtClean="0"/>
-              <a:t> for your</a:t>
-            </a:r>
-          </a:p>
-          <a:p>
-            <a:r>
-              <a:rPr lang="en-US" dirty="0" smtClean="0"/>
-              <a:t>Other courses or personal projects or work.  Revision</a:t>
-            </a:r>
-          </a:p>
-          <a:p>
-            <a:r>
-              <a:rPr lang="en-US" dirty="0"/>
-              <a:t>m</a:t>
-            </a:r>
-            <a:r>
-              <a:rPr lang="en-US" dirty="0" smtClean="0"/>
-              <a:t>anagement is crucial in software engineering.  Without</a:t>
-            </a:r>
-          </a:p>
-          <a:p>
-            <a:r>
-              <a:rPr lang="en-US" dirty="0" err="1" smtClean="0"/>
-              <a:t>Git</a:t>
-            </a:r>
-            <a:r>
-              <a:rPr lang="en-US" dirty="0" smtClean="0"/>
-              <a:t>, how else would you go back to a previous revision</a:t>
-            </a:r>
-          </a:p>
-          <a:p>
-            <a:pPr marL="342900" indent="-342900">
-              <a:buFont typeface="Arial" pitchFamily="34" charset="0"/>
-              <a:buChar char="•"/>
-            </a:pPr>
-            <a:r>
-              <a:rPr lang="en-US" dirty="0" err="1" smtClean="0"/>
-              <a:t>GitHub</a:t>
-            </a:r>
-            <a:r>
-              <a:rPr lang="en-US" dirty="0" smtClean="0"/>
-              <a:t> and </a:t>
-            </a:r>
-            <a:r>
-              <a:rPr lang="en-US" dirty="0" err="1" smtClean="0"/>
-              <a:t>GitHub</a:t>
-            </a:r>
-            <a:r>
-              <a:rPr lang="en-US" dirty="0" smtClean="0"/>
-              <a:t> pages ties you into the open</a:t>
-            </a:r>
-          </a:p>
-          <a:p>
-            <a:r>
-              <a:rPr lang="en-US" dirty="0" smtClean="0"/>
-              <a:t>Source community.  Open source is good.  You now</a:t>
-            </a:r>
-          </a:p>
-          <a:p>
-            <a:r>
-              <a:rPr lang="en-US" dirty="0" smtClean="0"/>
-              <a:t>Have an open source project on </a:t>
-            </a:r>
-            <a:r>
-              <a:rPr lang="en-US" dirty="0" err="1" smtClean="0"/>
-              <a:t>GitHub</a:t>
-            </a:r>
-            <a:r>
-              <a:rPr lang="en-US" dirty="0" smtClean="0"/>
-              <a:t>.  Congrats.</a:t>
-            </a:r>
-          </a:p>
-          <a:p>
-            <a:r>
-              <a:rPr lang="en-US" dirty="0" smtClean="0"/>
-              <a:t>If you never created a homepage before, well, use</a:t>
-            </a:r>
-          </a:p>
-          <a:p>
-            <a:r>
-              <a:rPr lang="en-US" dirty="0" err="1" smtClean="0"/>
-              <a:t>GitHub</a:t>
-            </a:r>
-            <a:r>
-              <a:rPr lang="en-US" dirty="0" smtClean="0"/>
-              <a:t> pages.  Great for letting employers see your</a:t>
-            </a:r>
-          </a:p>
-          <a:p>
-            <a:r>
-              <a:rPr lang="en-US" dirty="0" smtClean="0"/>
-              <a:t>Project and let them see your coding style too!  Again,</a:t>
-            </a:r>
-          </a:p>
-          <a:p>
-            <a:r>
-              <a:rPr lang="en-US" dirty="0" smtClean="0"/>
-              <a:t>NOT java specific.</a:t>
-            </a:r>
+            <a:r>
+              <a:rPr lang="en-US" dirty="0" smtClean="0"/>
+              <a:t>Assignment 10</a:t>
+            </a:r>
+            <a:endParaRPr lang="en-US" dirty="0"/>
           </a:p>
         </p:txBody>
       </p:sp>
     </p:spTree>
     <p:extLst>
       <p:ext uri="{BB962C8B-B14F-4D97-AF65-F5344CB8AC3E}">
-        <p14:creationId xmlns:p14="http://schemas.microsoft.com/office/powerpoint/2010/main" val="3442297372"/>
+        <p14:creationId xmlns:p14="http://schemas.microsoft.com/office/powerpoint/2010/main" val="2217852683"/>
       </p:ext>
     </p:extLst>
   </p:cSld>
@@ -23346,7 +24410,7 @@
           <a:p>
             <a:r>
               <a:rPr lang="en-US" dirty="0" smtClean="0"/>
-              <a:t>MVC</a:t>
+              <a:t>Network Programming</a:t>
             </a:r>
             <a:endParaRPr lang="en-US" dirty="0"/>
           </a:p>
@@ -23354,7 +24418,48 @@
       </p:sp>
       <p:sp>
         <p:nvSpPr>
-          <p:cNvPr id="3" name="Slide Number Placeholder 2"/>
+          <p:cNvPr id="3" name="Content Placeholder 2"/>
+          <p:cNvSpPr>
+            <a:spLocks noGrp="1"/>
+          </p:cNvSpPr>
+          <p:nvPr>
+            <p:ph idx="1"/>
+          </p:nvPr>
+        </p:nvSpPr>
+        <p:spPr/>
+        <p:txBody>
+          <a:bodyPr/>
+          <a:lstStyle/>
+          <a:p>
+            <a:r>
+              <a:rPr lang="en-US" dirty="0" smtClean="0"/>
+              <a:t>OK, this is a somewhat filler lecture.</a:t>
+            </a:r>
+          </a:p>
+          <a:p>
+            <a:r>
+              <a:rPr lang="en-US" dirty="0" smtClean="0"/>
+              <a:t>Final, final project will have nothing to do with today’s SHORT lecture</a:t>
+            </a:r>
+          </a:p>
+          <a:p>
+            <a:r>
+              <a:rPr lang="en-US" dirty="0" smtClean="0"/>
+              <a:t>Network Programming … UDP / TCP … very cool.  But realistically, you won’t be using those protocols directly.</a:t>
+            </a:r>
+          </a:p>
+          <a:p>
+            <a:r>
+              <a:rPr lang="en-US" dirty="0" smtClean="0"/>
+              <a:t>http / https are by far the most common protocols used in Java</a:t>
+            </a:r>
+            <a:endParaRPr lang="en-US" dirty="0"/>
+          </a:p>
+        </p:txBody>
+      </p:sp>
+      <p:sp>
+        <p:nvSpPr>
+          <p:cNvPr id="4" name="Slide Number Placeholder 3"/>
           <p:cNvSpPr>
             <a:spLocks noGrp="1"/>
           </p:cNvSpPr>
@@ -23370,85 +24475,21 @@
             <a:pPr>
               <a:defRPr/>
             </a:pPr>
-            <a:fld id="{B2451C39-31DD-6D4B-9BED-758CF6C1BA6A}" type="slidenum">
-              <a:rPr lang="en-CA" smtClean="0"/>
+            <a:fld id="{8B8B984A-5AFF-7643-AE60-6D8D11294076}" type="slidenum">
+              <a:rPr lang="en-US" smtClean="0"/>
               <a:pPr>
                 <a:defRPr/>
               </a:pPr>
               <a:t>96</a:t>
             </a:fld>
-            <a:endParaRPr lang="en-CA"/>
-          </a:p>
-        </p:txBody>
-      </p:sp>
-      <p:sp>
-        <p:nvSpPr>
-          <p:cNvPr id="4" name="TextBox 3"/>
-          <p:cNvSpPr txBox="1"/>
-          <p:nvPr/>
-        </p:nvSpPr>
-        <p:spPr>
-          <a:xfrm>
-            <a:off x="1371600" y="2286000"/>
-            <a:ext cx="7117333" cy="1569660"/>
-          </a:xfrm>
-          <a:prstGeom prst="rect">
-            <a:avLst/>
-          </a:prstGeom>
-          <a:noFill/>
-        </p:spPr>
-        <p:txBody>
-          <a:bodyPr wrap="none" rtlCol="0">
-            <a:spAutoFit/>
-          </a:bodyPr>
-          <a:lstStyle/>
-          <a:p>
-            <a:pPr marL="342900" indent="-342900">
-              <a:buFont typeface="Arial" pitchFamily="34" charset="0"/>
-              <a:buChar char="•"/>
-            </a:pPr>
-            <a:r>
-              <a:rPr lang="en-US" dirty="0" smtClean="0"/>
-              <a:t>Hopefully, you learned a few design patterns</a:t>
-            </a:r>
-          </a:p>
-          <a:p>
-            <a:pPr marL="342900" indent="-342900">
-              <a:buFont typeface="Arial" pitchFamily="34" charset="0"/>
-              <a:buChar char="•"/>
-            </a:pPr>
-            <a:r>
-              <a:rPr lang="en-US" dirty="0" smtClean="0"/>
-              <a:t>Like MVC.  In later courses, you’ll learn MVP,</a:t>
-            </a:r>
-          </a:p>
-          <a:p>
-            <a:pPr marL="342900" indent="-342900">
-              <a:buFont typeface="Arial" pitchFamily="34" charset="0"/>
-              <a:buChar char="•"/>
-            </a:pPr>
-            <a:r>
-              <a:rPr lang="en-US" dirty="0" smtClean="0"/>
-              <a:t>MVVM, and MVW.   Again design patterns aren’t</a:t>
-            </a:r>
-          </a:p>
-          <a:p>
-            <a:pPr marL="342900" indent="-342900">
-              <a:buFont typeface="Arial" pitchFamily="34" charset="0"/>
-              <a:buChar char="•"/>
-            </a:pPr>
-            <a:r>
-              <a:rPr lang="en-US" dirty="0" smtClean="0"/>
-              <a:t>Specific to Java</a:t>
-            </a:r>
-            <a:endParaRPr lang="en-US" dirty="0"/>
+            <a:endParaRPr lang="en-US"/>
           </a:p>
         </p:txBody>
       </p:sp>
     </p:spTree>
     <p:extLst>
       <p:ext uri="{BB962C8B-B14F-4D97-AF65-F5344CB8AC3E}">
-        <p14:creationId xmlns:p14="http://schemas.microsoft.com/office/powerpoint/2010/main" val="1883758025"/>
+        <p14:creationId xmlns:p14="http://schemas.microsoft.com/office/powerpoint/2010/main" val="498203968"/>
       </p:ext>
     </p:extLst>
   </p:cSld>
@@ -23492,7 +24533,7 @@
           <a:p>
             <a:r>
               <a:rPr lang="en-US" dirty="0" smtClean="0"/>
-              <a:t>Your neighbor</a:t>
+              <a:t>There’s a tool (library) for that</a:t>
             </a:r>
             <a:endParaRPr lang="en-US" dirty="0"/>
           </a:p>
@@ -23500,7 +24541,122 @@
       </p:sp>
       <p:sp>
         <p:nvSpPr>
-          <p:cNvPr id="3" name="Slide Number Placeholder 2"/>
+          <p:cNvPr id="3" name="Content Placeholder 2"/>
+          <p:cNvSpPr>
+            <a:spLocks noGrp="1"/>
+          </p:cNvSpPr>
+          <p:nvPr>
+            <p:ph idx="1"/>
+          </p:nvPr>
+        </p:nvSpPr>
+        <p:spPr/>
+        <p:txBody>
+          <a:bodyPr/>
+          <a:lstStyle/>
+          <a:p>
+            <a:r>
+              <a:rPr lang="en-US" dirty="0"/>
+              <a:t>&lt;dependency&gt;</a:t>
+            </a:r>
+          </a:p>
+          <a:p>
+            <a:r>
+              <a:rPr lang="en-US" dirty="0"/>
+              <a:t>	&lt;</a:t>
+            </a:r>
+            <a:r>
+              <a:rPr lang="en-US" dirty="0" err="1"/>
+              <a:t>groupId</a:t>
+            </a:r>
+            <a:r>
+              <a:rPr lang="en-US" dirty="0"/>
+              <a:t>&gt;</a:t>
+            </a:r>
+            <a:r>
+              <a:rPr lang="en-US" dirty="0" err="1"/>
+              <a:t>org.apache.httpcomponents</a:t>
+            </a:r>
+            <a:r>
+              <a:rPr lang="en-US" dirty="0"/>
+              <a:t>&lt;/</a:t>
+            </a:r>
+            <a:r>
+              <a:rPr lang="en-US" dirty="0" err="1"/>
+              <a:t>groupId</a:t>
+            </a:r>
+            <a:r>
+              <a:rPr lang="en-US" dirty="0"/>
+              <a:t>&gt;</a:t>
+            </a:r>
+          </a:p>
+          <a:p>
+            <a:r>
+              <a:rPr lang="en-US" dirty="0"/>
+              <a:t>	&lt;</a:t>
+            </a:r>
+            <a:r>
+              <a:rPr lang="en-US" dirty="0" err="1"/>
+              <a:t>artifactId</a:t>
+            </a:r>
+            <a:r>
+              <a:rPr lang="en-US" dirty="0"/>
+              <a:t>&gt;</a:t>
+            </a:r>
+            <a:r>
+              <a:rPr lang="en-US" dirty="0" err="1"/>
+              <a:t>httpclient</a:t>
+            </a:r>
+            <a:r>
+              <a:rPr lang="en-US" dirty="0"/>
+              <a:t>&lt;/</a:t>
+            </a:r>
+            <a:r>
+              <a:rPr lang="en-US" dirty="0" err="1"/>
+              <a:t>artifactId</a:t>
+            </a:r>
+            <a:r>
+              <a:rPr lang="en-US" dirty="0"/>
+              <a:t>&gt;</a:t>
+            </a:r>
+          </a:p>
+          <a:p>
+            <a:r>
+              <a:rPr lang="en-US" dirty="0"/>
+              <a:t>	&lt;version&gt;4.3.3&lt;/version&gt;</a:t>
+            </a:r>
+          </a:p>
+          <a:p>
+            <a:r>
+              <a:rPr lang="en-US" dirty="0"/>
+              <a:t>&lt;/dependency&gt;</a:t>
+            </a:r>
+          </a:p>
+          <a:p>
+            <a:r>
+              <a:rPr lang="en-US" dirty="0"/>
+              <a:t> </a:t>
+            </a:r>
+          </a:p>
+          <a:p>
+            <a:r>
+              <a:rPr lang="en-US" dirty="0"/>
+              <a:t> </a:t>
+            </a:r>
+            <a:r>
+              <a:rPr lang="en-US" dirty="0" smtClean="0"/>
+              <a:t>See </a:t>
+            </a:r>
+            <a:r>
+              <a:rPr lang="en-US" dirty="0" err="1" smtClean="0"/>
+              <a:t>HttpComponentsDemo</a:t>
+            </a:r>
+            <a:endParaRPr lang="en-US" dirty="0"/>
+          </a:p>
+        </p:txBody>
+      </p:sp>
+      <p:sp>
+        <p:nvSpPr>
+          <p:cNvPr id="4" name="Slide Number Placeholder 3"/>
           <p:cNvSpPr>
             <a:spLocks noGrp="1"/>
           </p:cNvSpPr>
@@ -23516,88 +24672,21 @@
             <a:pPr>
               <a:defRPr/>
             </a:pPr>
-            <a:fld id="{B2451C39-31DD-6D4B-9BED-758CF6C1BA6A}" type="slidenum">
-              <a:rPr lang="en-CA" smtClean="0"/>
+            <a:fld id="{8B8B984A-5AFF-7643-AE60-6D8D11294076}" type="slidenum">
+              <a:rPr lang="en-US" smtClean="0"/>
               <a:pPr>
                 <a:defRPr/>
               </a:pPr>
               <a:t>97</a:t>
             </a:fld>
-            <a:endParaRPr lang="en-CA"/>
-          </a:p>
-        </p:txBody>
-      </p:sp>
-      <p:sp>
-        <p:nvSpPr>
-          <p:cNvPr id="4" name="TextBox 3"/>
-          <p:cNvSpPr txBox="1"/>
-          <p:nvPr/>
-        </p:nvSpPr>
-        <p:spPr>
-          <a:xfrm>
-            <a:off x="1447800" y="2362200"/>
-            <a:ext cx="6694461" cy="2308324"/>
-          </a:xfrm>
-          <a:prstGeom prst="rect">
-            <a:avLst/>
-          </a:prstGeom>
-          <a:noFill/>
-        </p:spPr>
-        <p:txBody>
-          <a:bodyPr wrap="none" rtlCol="0">
-            <a:spAutoFit/>
-          </a:bodyPr>
-          <a:lstStyle/>
-          <a:p>
-            <a:pPr marL="342900" indent="-342900">
-              <a:buFont typeface="Arial" pitchFamily="34" charset="0"/>
-              <a:buChar char="•"/>
-            </a:pPr>
-            <a:r>
-              <a:rPr lang="en-US" dirty="0" smtClean="0"/>
-              <a:t>I really tried to create an atmosphere</a:t>
-            </a:r>
-          </a:p>
-          <a:p>
-            <a:r>
-              <a:rPr lang="en-US" dirty="0" smtClean="0"/>
-              <a:t>Where I *only* did 50% of the talking</a:t>
-            </a:r>
-          </a:p>
-          <a:p>
-            <a:pPr marL="342900" indent="-342900">
-              <a:buFont typeface="Arial" pitchFamily="34" charset="0"/>
-              <a:buChar char="•"/>
-            </a:pPr>
-            <a:r>
-              <a:rPr lang="en-US" dirty="0" smtClean="0"/>
-              <a:t>Really hoped that you got to know the people</a:t>
-            </a:r>
-          </a:p>
-          <a:p>
-            <a:r>
-              <a:rPr lang="en-US" dirty="0" smtClean="0"/>
-              <a:t>Sitting around you.  Exchange phone numbers,</a:t>
-            </a:r>
-          </a:p>
-          <a:p>
-            <a:r>
-              <a:rPr lang="en-US" dirty="0" smtClean="0"/>
-              <a:t>Emails with them.</a:t>
-            </a:r>
-          </a:p>
-          <a:p>
-            <a:r>
-              <a:rPr lang="en-US" dirty="0" smtClean="0"/>
-              <a:t>Programs come and go.  Friends are forever</a:t>
-            </a:r>
+            <a:endParaRPr lang="en-US"/>
           </a:p>
         </p:txBody>
       </p:sp>
     </p:spTree>
     <p:extLst>
       <p:ext uri="{BB962C8B-B14F-4D97-AF65-F5344CB8AC3E}">
-        <p14:creationId xmlns:p14="http://schemas.microsoft.com/office/powerpoint/2010/main" val="3607217"/>
+        <p14:creationId xmlns:p14="http://schemas.microsoft.com/office/powerpoint/2010/main" val="664585395"/>
       </p:ext>
     </p:extLst>
   </p:cSld>
@@ -23641,7 +24730,7 @@
           <a:p>
             <a:r>
               <a:rPr lang="en-US" dirty="0" smtClean="0"/>
-              <a:t>And most of all …</a:t>
+              <a:t>Homework</a:t>
             </a:r>
             <a:endParaRPr lang="en-US" dirty="0"/>
           </a:p>
@@ -23684,8 +24773,8 @@
         </p:nvSpPr>
         <p:spPr>
           <a:xfrm>
-            <a:off x="1447800" y="2057400"/>
-            <a:ext cx="7111242" cy="3416320"/>
+            <a:off x="1828800" y="1752600"/>
+            <a:ext cx="6296917" cy="1938992"/>
           </a:xfrm>
           <a:prstGeom prst="rect">
             <a:avLst/>
@@ -23698,73 +24787,33 @@
           </a:bodyPr>
           <a:lstStyle/>
           <a:p>
-            <a:pPr marL="342900" indent="-342900">
-              <a:buFont typeface="Arial" pitchFamily="34" charset="0"/>
-              <a:buChar char="•"/>
-            </a:pPr>
-            <a:r>
-              <a:rPr lang="en-US" dirty="0" smtClean="0"/>
-              <a:t>Software engineering and banging your</a:t>
-            </a:r>
-          </a:p>
-          <a:p>
-            <a:r>
-              <a:rPr lang="en-US" dirty="0"/>
-              <a:t>h</a:t>
-            </a:r>
-            <a:r>
-              <a:rPr lang="en-US" dirty="0" smtClean="0"/>
-              <a:t>ead against your keyboard.  This was a</a:t>
-            </a:r>
-          </a:p>
-          <a:p>
-            <a:r>
-              <a:rPr lang="en-US" dirty="0"/>
-              <a:t>p</a:t>
-            </a:r>
-            <a:r>
-              <a:rPr lang="en-US" dirty="0" smtClean="0"/>
-              <a:t>ut as much or as little as you want in this</a:t>
-            </a:r>
-          </a:p>
-          <a:p>
-            <a:r>
-              <a:rPr lang="en-US" dirty="0" smtClean="0"/>
-              <a:t>Course.  The project was yours from Day1.</a:t>
-            </a:r>
-          </a:p>
-          <a:p>
-            <a:r>
-              <a:rPr lang="en-US" dirty="0" smtClean="0"/>
-              <a:t>I personally grew quite attached to my first</a:t>
-            </a:r>
-          </a:p>
-          <a:p>
-            <a:r>
-              <a:rPr lang="en-US" dirty="0" smtClean="0"/>
-              <a:t>Software engineering project.  For me it was</a:t>
-            </a:r>
-          </a:p>
-          <a:p>
-            <a:r>
-              <a:rPr lang="en-US" dirty="0" smtClean="0"/>
-              <a:t>Fun.  I programmed it in C.  I don’t use C anymore,</a:t>
-            </a:r>
-          </a:p>
-          <a:p>
-            <a:r>
-              <a:rPr lang="en-US" dirty="0" smtClean="0"/>
-              <a:t>But it was the build your own, manage your own</a:t>
-            </a:r>
-          </a:p>
-          <a:p>
-            <a:r>
-              <a:rPr lang="en-US" dirty="0"/>
-              <a:t>a</a:t>
-            </a:r>
-            <a:r>
-              <a:rPr lang="en-US" dirty="0" smtClean="0"/>
-              <a:t>spect that still keeps me motivated in this field.</a:t>
+            <a:r>
+              <a:rPr lang="en-US" dirty="0" smtClean="0"/>
+              <a:t>You guessed it Assignment11</a:t>
+            </a:r>
+          </a:p>
+          <a:p>
+            <a:r>
+              <a:rPr lang="en-US" dirty="0" smtClean="0"/>
+              <a:t>Hint for Final</a:t>
+            </a:r>
+          </a:p>
+          <a:p>
+            <a:r>
+              <a:rPr lang="en-US" dirty="0" smtClean="0"/>
+              <a:t>What can go wrong with your application</a:t>
+            </a:r>
+          </a:p>
+          <a:p>
+            <a:r>
+              <a:rPr lang="en-US" dirty="0" smtClean="0"/>
+              <a:t>When you demo it?  How should you handle,</a:t>
+            </a:r>
+          </a:p>
+          <a:p>
+            <a:r>
+              <a:rPr lang="en-US" dirty="0" smtClean="0"/>
+              <a:t>Fallback on what?</a:t>
             </a:r>
           </a:p>
         </p:txBody>
@@ -23772,7 +24821,7 @@
     </p:spTree>
     <p:extLst>
       <p:ext uri="{BB962C8B-B14F-4D97-AF65-F5344CB8AC3E}">
-        <p14:creationId xmlns:p14="http://schemas.microsoft.com/office/powerpoint/2010/main" val="1560099199"/>
+        <p14:creationId xmlns:p14="http://schemas.microsoft.com/office/powerpoint/2010/main" val="3669441049"/>
       </p:ext>
     </p:extLst>
   </p:cSld>
@@ -23816,7 +24865,7 @@
           <a:p>
             <a:r>
               <a:rPr lang="en-US" dirty="0" smtClean="0"/>
-              <a:t>Thank-you + Optional Homework</a:t>
+              <a:t>Food for thought…</a:t>
             </a:r>
             <a:endParaRPr lang="en-US" dirty="0"/>
           </a:p>
@@ -23859,8 +24908,8 @@
         </p:nvSpPr>
         <p:spPr>
           <a:xfrm>
-            <a:off x="1295400" y="2590800"/>
-            <a:ext cx="6070893" cy="1569660"/>
+            <a:off x="1371600" y="1828800"/>
+            <a:ext cx="4831772" cy="1938992"/>
           </a:xfrm>
           <a:prstGeom prst="rect">
             <a:avLst/>
@@ -23873,28 +24922,53 @@
           </a:bodyPr>
           <a:lstStyle/>
           <a:p>
-            <a:r>
-              <a:rPr lang="en-US" dirty="0" smtClean="0"/>
-              <a:t>Thank-you very much for taking this course</a:t>
-            </a:r>
-          </a:p>
-          <a:p>
-            <a:r>
-              <a:rPr lang="en-US" dirty="0" smtClean="0"/>
-              <a:t>I really hope you all had a great time</a:t>
-            </a:r>
-          </a:p>
-          <a:p>
-            <a:endParaRPr lang="en-US" dirty="0"/>
-          </a:p>
-          <a:p>
-            <a:r>
-              <a:rPr lang="en-US" dirty="0"/>
-              <a:t>Survey </a:t>
-            </a:r>
-            <a:r>
-              <a:rPr lang="en-US" dirty="0" smtClean="0"/>
-              <a:t>Monkey link</a:t>
+            <a:pPr marL="342900" indent="-342900">
+              <a:buFont typeface="Arial" pitchFamily="34" charset="0"/>
+              <a:buChar char="•"/>
+            </a:pPr>
+            <a:r>
+              <a:rPr lang="en-US" dirty="0" smtClean="0"/>
+              <a:t>Maybe after this course …</a:t>
+            </a:r>
+          </a:p>
+          <a:p>
+            <a:pPr marL="342900" indent="-342900">
+              <a:buFont typeface="Arial" pitchFamily="34" charset="0"/>
+              <a:buChar char="•"/>
+            </a:pPr>
+            <a:r>
+              <a:rPr lang="en-US" dirty="0" smtClean="0"/>
+              <a:t>I REALLY hate Java…</a:t>
+            </a:r>
+          </a:p>
+          <a:p>
+            <a:pPr marL="342900" indent="-342900">
+              <a:buFont typeface="Arial" pitchFamily="34" charset="0"/>
+              <a:buChar char="•"/>
+            </a:pPr>
+            <a:r>
+              <a:rPr lang="en-US" dirty="0" smtClean="0"/>
+              <a:t>Or I REALLY love it</a:t>
+            </a:r>
+          </a:p>
+          <a:p>
+            <a:pPr marL="342900" indent="-342900">
+              <a:buFont typeface="Arial" pitchFamily="34" charset="0"/>
+              <a:buChar char="•"/>
+            </a:pPr>
+            <a:r>
+              <a:rPr lang="en-US" dirty="0" smtClean="0"/>
+              <a:t>But was that all you learned?</a:t>
+            </a:r>
+          </a:p>
+          <a:p>
+            <a:pPr marL="342900" indent="-342900">
+              <a:buFont typeface="Arial" pitchFamily="34" charset="0"/>
+              <a:buChar char="•"/>
+            </a:pPr>
+            <a:r>
+              <a:rPr lang="en-US" dirty="0" smtClean="0"/>
+              <a:t>I had a hidden agenda all along</a:t>
             </a:r>
             <a:endParaRPr lang="en-US" dirty="0"/>
           </a:p>
@@ -23903,7 +24977,7 @@
     </p:spTree>
     <p:extLst>
       <p:ext uri="{BB962C8B-B14F-4D97-AF65-F5344CB8AC3E}">
-        <p14:creationId xmlns:p14="http://schemas.microsoft.com/office/powerpoint/2010/main" val="1027203661"/>
+        <p14:creationId xmlns:p14="http://schemas.microsoft.com/office/powerpoint/2010/main" val="568372925"/>
       </p:ext>
     </p:extLst>
   </p:cSld>

--- a/coursePresentation.pptx
+++ b/coursePresentation.pptx
@@ -5,10 +5,10 @@
     <p:sldMasterId id="2147484906" r:id="rId1"/>
   </p:sldMasterIdLst>
   <p:notesMasterIdLst>
-    <p:notesMasterId r:id="rId107"/>
+    <p:notesMasterId r:id="rId114"/>
   </p:notesMasterIdLst>
   <p:handoutMasterIdLst>
-    <p:handoutMasterId r:id="rId108"/>
+    <p:handoutMasterId r:id="rId115"/>
   </p:handoutMasterIdLst>
   <p:sldIdLst>
     <p:sldId id="257" r:id="rId2"/>
@@ -103,19 +103,26 @@
     <p:sldId id="432" r:id="rId91"/>
     <p:sldId id="433" r:id="rId92"/>
     <p:sldId id="434" r:id="rId93"/>
-    <p:sldId id="409" r:id="rId94"/>
-    <p:sldId id="427" r:id="rId95"/>
-    <p:sldId id="411" r:id="rId96"/>
-    <p:sldId id="425" r:id="rId97"/>
-    <p:sldId id="426" r:id="rId98"/>
-    <p:sldId id="413" r:id="rId99"/>
-    <p:sldId id="389" r:id="rId100"/>
-    <p:sldId id="390" r:id="rId101"/>
-    <p:sldId id="391" r:id="rId102"/>
-    <p:sldId id="392" r:id="rId103"/>
-    <p:sldId id="414" r:id="rId104"/>
-    <p:sldId id="393" r:id="rId105"/>
-    <p:sldId id="394" r:id="rId106"/>
+    <p:sldId id="435" r:id="rId94"/>
+    <p:sldId id="436" r:id="rId95"/>
+    <p:sldId id="437" r:id="rId96"/>
+    <p:sldId id="438" r:id="rId97"/>
+    <p:sldId id="439" r:id="rId98"/>
+    <p:sldId id="440" r:id="rId99"/>
+    <p:sldId id="441" r:id="rId100"/>
+    <p:sldId id="409" r:id="rId101"/>
+    <p:sldId id="427" r:id="rId102"/>
+    <p:sldId id="411" r:id="rId103"/>
+    <p:sldId id="425" r:id="rId104"/>
+    <p:sldId id="426" r:id="rId105"/>
+    <p:sldId id="413" r:id="rId106"/>
+    <p:sldId id="389" r:id="rId107"/>
+    <p:sldId id="390" r:id="rId108"/>
+    <p:sldId id="391" r:id="rId109"/>
+    <p:sldId id="392" r:id="rId110"/>
+    <p:sldId id="414" r:id="rId111"/>
+    <p:sldId id="393" r:id="rId112"/>
+    <p:sldId id="394" r:id="rId113"/>
   </p:sldIdLst>
   <p:sldSz cx="9144000" cy="6858000" type="screen4x3"/>
   <p:notesSz cx="6858000" cy="9144000"/>
@@ -6733,7 +6740,7 @@
           <a:p>
             <a:r>
               <a:rPr lang="en-US" dirty="0" smtClean="0"/>
-              <a:t>Well, what else did we learn?</a:t>
+              <a:t>Homework</a:t>
             </a:r>
             <a:endParaRPr lang="en-US" dirty="0"/>
           </a:p>
@@ -6776,8 +6783,8 @@
         </p:nvSpPr>
         <p:spPr>
           <a:xfrm>
-            <a:off x="1447800" y="1905000"/>
-            <a:ext cx="7124066" cy="1938992"/>
+            <a:off x="1676400" y="2286000"/>
+            <a:ext cx="4753224" cy="830997"/>
           </a:xfrm>
           <a:prstGeom prst="rect">
             <a:avLst/>
@@ -6790,58 +6797,15 @@
           </a:bodyPr>
           <a:lstStyle/>
           <a:p>
-            <a:pPr marL="342900" indent="-342900">
-              <a:buFont typeface="Arial" pitchFamily="34" charset="0"/>
-              <a:buChar char="•"/>
-            </a:pPr>
-            <a:r>
-              <a:rPr lang="en-US" dirty="0" smtClean="0"/>
-              <a:t>Maven – although Maven is specific</a:t>
-            </a:r>
-          </a:p>
-          <a:p>
-            <a:pPr marL="342900" indent="-342900">
-              <a:buFont typeface="Arial" pitchFamily="34" charset="0"/>
-              <a:buChar char="•"/>
-            </a:pPr>
-            <a:r>
-              <a:rPr lang="en-US" dirty="0" smtClean="0"/>
-              <a:t>To java, the concept is universal.  Have</a:t>
-            </a:r>
-          </a:p>
-          <a:p>
-            <a:pPr marL="342900" indent="-342900">
-              <a:buFont typeface="Arial" pitchFamily="34" charset="0"/>
-              <a:buChar char="•"/>
-            </a:pPr>
-            <a:r>
-              <a:rPr lang="en-US" dirty="0" smtClean="0"/>
-              <a:t>A repository of libraries somewhere and</a:t>
-            </a:r>
-          </a:p>
-          <a:p>
-            <a:pPr marL="342900" indent="-342900">
-              <a:buFont typeface="Arial" pitchFamily="34" charset="0"/>
-              <a:buChar char="•"/>
-            </a:pPr>
-            <a:r>
-              <a:rPr lang="en-US" dirty="0" smtClean="0"/>
-              <a:t>Let a tool download them with their </a:t>
-            </a:r>
-            <a:r>
-              <a:rPr lang="en-US" dirty="0" err="1" smtClean="0"/>
-              <a:t>dependecies</a:t>
-            </a:r>
-            <a:endParaRPr lang="en-US" dirty="0" smtClean="0"/>
-          </a:p>
-          <a:p>
-            <a:pPr marL="342900" indent="-342900">
-              <a:buFont typeface="Arial" pitchFamily="34" charset="0"/>
-              <a:buChar char="•"/>
-            </a:pPr>
-            <a:r>
-              <a:rPr lang="en-US" dirty="0" smtClean="0"/>
-              <a:t>And help you build artifacts</a:t>
+            <a:r>
+              <a:rPr lang="en-US" dirty="0" smtClean="0"/>
+              <a:t>3 guesses on what the work is? ;)</a:t>
+            </a:r>
+          </a:p>
+          <a:p>
+            <a:r>
+              <a:rPr lang="en-US" dirty="0" smtClean="0"/>
+              <a:t>Assignment9</a:t>
             </a:r>
             <a:endParaRPr lang="en-US" dirty="0"/>
           </a:p>
@@ -6850,7 +6814,7 @@
     </p:spTree>
     <p:extLst>
       <p:ext uri="{BB962C8B-B14F-4D97-AF65-F5344CB8AC3E}">
-        <p14:creationId xmlns:p14="http://schemas.microsoft.com/office/powerpoint/2010/main" val="3404509170"/>
+        <p14:creationId xmlns:p14="http://schemas.microsoft.com/office/powerpoint/2010/main" val="2352623320"/>
       </p:ext>
     </p:extLst>
   </p:cSld>
@@ -6893,24 +6857,104 @@
           <a:lstStyle/>
           <a:p>
             <a:r>
+              <a:rPr lang="en-US" dirty="0" smtClean="0"/>
+              <a:t>MVC (Model-View-Controller)</a:t>
+            </a:r>
+            <a:endParaRPr lang="en-US" dirty="0"/>
+          </a:p>
+        </p:txBody>
+      </p:sp>
+      <p:sp>
+        <p:nvSpPr>
+          <p:cNvPr id="3" name="Content Placeholder 2"/>
+          <p:cNvSpPr>
+            <a:spLocks noGrp="1"/>
+          </p:cNvSpPr>
+          <p:nvPr>
+            <p:ph idx="1"/>
+          </p:nvPr>
+        </p:nvSpPr>
+        <p:spPr/>
+        <p:txBody>
+          <a:bodyPr>
+            <a:normAutofit fontScale="77500" lnSpcReduction="20000"/>
+          </a:bodyPr>
+          <a:lstStyle/>
+          <a:p>
+            <a:r>
+              <a:rPr lang="en-US" dirty="0" smtClean="0"/>
+              <a:t>You already used it with </a:t>
+            </a:r>
+            <a:r>
               <a:rPr lang="en-US" dirty="0" err="1" smtClean="0"/>
-              <a:t>Git</a:t>
-            </a:r>
-            <a:r>
-              <a:rPr lang="en-US" dirty="0" smtClean="0"/>
-              <a:t>, </a:t>
-            </a:r>
-            <a:r>
-              <a:rPr lang="en-US" dirty="0" err="1" smtClean="0"/>
-              <a:t>Github</a:t>
-            </a:r>
+              <a:t>JavaFx</a:t>
+            </a:r>
+            <a:r>
+              <a:rPr lang="en-US" dirty="0" smtClean="0"/>
+              <a:t> / FXML</a:t>
+            </a:r>
+          </a:p>
+          <a:p>
+            <a:r>
+              <a:rPr lang="en-US" dirty="0" smtClean="0"/>
+              <a:t>Which was the Model?</a:t>
+            </a:r>
+          </a:p>
+          <a:p>
+            <a:r>
+              <a:rPr lang="en-US" dirty="0" smtClean="0"/>
+              <a:t>View?</a:t>
+            </a:r>
+          </a:p>
+          <a:p>
+            <a:r>
+              <a:rPr lang="en-US" dirty="0" smtClean="0"/>
+              <a:t>Controller?</a:t>
+            </a:r>
+          </a:p>
+          <a:p>
+            <a:r>
+              <a:rPr lang="en-US" dirty="0" smtClean="0"/>
+              <a:t>Admittedly, MVC (a somewhat 2000’ish design pattern) isn’t always the best design pattern, but very commonly used.  Pretty good, but not always the best.</a:t>
+            </a:r>
+          </a:p>
+          <a:p>
+            <a:r>
+              <a:rPr lang="en-US" dirty="0" smtClean="0"/>
+              <a:t>Lots of other ones out there like MVP, MVVM, and now there’s a category called MVW – whatever!</a:t>
+            </a:r>
+          </a:p>
+          <a:p>
+            <a:r>
+              <a:rPr lang="en-US" dirty="0" smtClean="0"/>
+              <a:t>Questions?  If not, go back to your Assignment!</a:t>
+            </a:r>
+          </a:p>
+          <a:p>
+            <a:r>
+              <a:rPr lang="en-US" dirty="0" smtClean="0"/>
+              <a:t>I’ll be here to answer questions for the rest of this lecture.</a:t>
+            </a:r>
+          </a:p>
+          <a:p>
+            <a:r>
+              <a:rPr lang="en-US" dirty="0" smtClean="0"/>
+              <a:t>Advice: Check out your neighbor’s application.  </a:t>
+            </a:r>
+            <a:r>
+              <a:rPr lang="en-US" smtClean="0"/>
+              <a:t>Strongly encouraged.</a:t>
+            </a:r>
+            <a:endParaRPr lang="en-US" dirty="0" smtClean="0"/>
+          </a:p>
+          <a:p>
             <a:endParaRPr lang="en-US" dirty="0"/>
           </a:p>
         </p:txBody>
       </p:sp>
       <p:sp>
         <p:nvSpPr>
-          <p:cNvPr id="3" name="Slide Number Placeholder 2"/>
+          <p:cNvPr id="4" name="Slide Number Placeholder 3"/>
           <p:cNvSpPr>
             <a:spLocks noGrp="1"/>
           </p:cNvSpPr>
@@ -6926,158 +6970,21 @@
             <a:pPr>
               <a:defRPr/>
             </a:pPr>
-            <a:fld id="{B2451C39-31DD-6D4B-9BED-758CF6C1BA6A}" type="slidenum">
-              <a:rPr lang="en-CA" smtClean="0"/>
+            <a:fld id="{8B8B984A-5AFF-7643-AE60-6D8D11294076}" type="slidenum">
+              <a:rPr lang="en-US" smtClean="0"/>
               <a:pPr>
                 <a:defRPr/>
               </a:pPr>
               <a:t>101</a:t>
             </a:fld>
-            <a:endParaRPr lang="en-CA"/>
-          </a:p>
-        </p:txBody>
-      </p:sp>
-      <p:sp>
-        <p:nvSpPr>
-          <p:cNvPr id="4" name="TextBox 3"/>
-          <p:cNvSpPr txBox="1"/>
-          <p:nvPr/>
-        </p:nvSpPr>
-        <p:spPr>
-          <a:xfrm>
-            <a:off x="1143000" y="2209800"/>
-            <a:ext cx="7837402" cy="4154984"/>
-          </a:xfrm>
-          <a:prstGeom prst="rect">
-            <a:avLst/>
-          </a:prstGeom>
-          <a:noFill/>
-        </p:spPr>
-        <p:txBody>
-          <a:bodyPr wrap="none" rtlCol="0">
-            <a:spAutoFit/>
-          </a:bodyPr>
-          <a:lstStyle/>
-          <a:p>
-            <a:pPr marL="342900" indent="-342900">
-              <a:buFont typeface="Arial" pitchFamily="34" charset="0"/>
-              <a:buChar char="•"/>
-            </a:pPr>
-            <a:r>
-              <a:rPr lang="en-US" dirty="0" smtClean="0"/>
-              <a:t>I strongly recommend you use </a:t>
-            </a:r>
-            <a:r>
-              <a:rPr lang="en-US" dirty="0" err="1" smtClean="0"/>
-              <a:t>Git</a:t>
-            </a:r>
-            <a:r>
-              <a:rPr lang="en-US" dirty="0" smtClean="0"/>
-              <a:t> for your</a:t>
-            </a:r>
-          </a:p>
-          <a:p>
-            <a:r>
-              <a:rPr lang="en-US" dirty="0" smtClean="0"/>
-              <a:t>Other courses or personal projects or work.  Revision</a:t>
-            </a:r>
-          </a:p>
-          <a:p>
-            <a:r>
-              <a:rPr lang="en-US" dirty="0"/>
-              <a:t>m</a:t>
-            </a:r>
-            <a:r>
-              <a:rPr lang="en-US" dirty="0" smtClean="0"/>
-              <a:t>anagement is crucial in software engineering.  Without</a:t>
-            </a:r>
-          </a:p>
-          <a:p>
-            <a:r>
-              <a:rPr lang="en-US" dirty="0" err="1" smtClean="0"/>
-              <a:t>Git</a:t>
-            </a:r>
-            <a:r>
-              <a:rPr lang="en-US" dirty="0" smtClean="0"/>
-              <a:t>, how else would you go back to a previous revision</a:t>
-            </a:r>
-          </a:p>
-          <a:p>
-            <a:pPr marL="342900" indent="-342900">
-              <a:buFont typeface="Arial" pitchFamily="34" charset="0"/>
-              <a:buChar char="•"/>
-            </a:pPr>
-            <a:r>
-              <a:rPr lang="en-US" dirty="0" err="1" smtClean="0"/>
-              <a:t>GitHub</a:t>
-            </a:r>
-            <a:r>
-              <a:rPr lang="en-US" dirty="0" smtClean="0"/>
-              <a:t> and </a:t>
-            </a:r>
-            <a:r>
-              <a:rPr lang="en-US" dirty="0" err="1" smtClean="0"/>
-              <a:t>GitHub</a:t>
-            </a:r>
-            <a:r>
-              <a:rPr lang="en-US" dirty="0" smtClean="0"/>
-              <a:t> pages ties you into the open</a:t>
-            </a:r>
-          </a:p>
-          <a:p>
-            <a:r>
-              <a:rPr lang="en-US" dirty="0" smtClean="0"/>
-              <a:t>Source community.  Open source is good.  You now</a:t>
-            </a:r>
-          </a:p>
-          <a:p>
-            <a:r>
-              <a:rPr lang="en-US" dirty="0" smtClean="0"/>
-              <a:t>Have an open source project on </a:t>
-            </a:r>
-            <a:r>
-              <a:rPr lang="en-US" dirty="0" err="1" smtClean="0"/>
-              <a:t>GitHub</a:t>
-            </a:r>
-            <a:r>
-              <a:rPr lang="en-US" dirty="0" smtClean="0"/>
-              <a:t>.  Congrats.</a:t>
-            </a:r>
-          </a:p>
-          <a:p>
-            <a:r>
-              <a:rPr lang="en-US" dirty="0" smtClean="0"/>
-              <a:t>If you never created a homepage before, well, use</a:t>
-            </a:r>
-          </a:p>
-          <a:p>
-            <a:r>
-              <a:rPr lang="en-US" dirty="0" err="1" smtClean="0"/>
-              <a:t>GitHub</a:t>
-            </a:r>
-            <a:r>
-              <a:rPr lang="en-US" dirty="0" smtClean="0"/>
-              <a:t> pages.  Great for letting employers see your</a:t>
-            </a:r>
-          </a:p>
-          <a:p>
-            <a:r>
-              <a:rPr lang="en-US" dirty="0" smtClean="0"/>
-              <a:t>Project and let them see your coding style too!  Again,</a:t>
-            </a:r>
-          </a:p>
-          <a:p>
-            <a:r>
-              <a:rPr lang="en-US" dirty="0" smtClean="0"/>
-              <a:t>NOT java specific.</a:t>
-            </a:r>
+            <a:endParaRPr lang="en-US"/>
           </a:p>
         </p:txBody>
       </p:sp>
     </p:spTree>
     <p:extLst>
       <p:ext uri="{BB962C8B-B14F-4D97-AF65-F5344CB8AC3E}">
-        <p14:creationId xmlns:p14="http://schemas.microsoft.com/office/powerpoint/2010/main" val="3442297372"/>
+        <p14:creationId xmlns:p14="http://schemas.microsoft.com/office/powerpoint/2010/main" val="3238898663"/>
       </p:ext>
     </p:extLst>
   </p:cSld>
@@ -7121,7 +7028,7 @@
           <a:p>
             <a:r>
               <a:rPr lang="en-US" dirty="0" smtClean="0"/>
-              <a:t>MVC</a:t>
+              <a:t>Homework</a:t>
             </a:r>
             <a:endParaRPr lang="en-US" dirty="0"/>
           </a:p>
@@ -7164,8 +7071,8 @@
         </p:nvSpPr>
         <p:spPr>
           <a:xfrm>
-            <a:off x="1371600" y="2286000"/>
-            <a:ext cx="7117333" cy="1569660"/>
+            <a:off x="1371600" y="2209800"/>
+            <a:ext cx="2222083" cy="461665"/>
           </a:xfrm>
           <a:prstGeom prst="rect">
             <a:avLst/>
@@ -7178,43 +7085,9 @@
           </a:bodyPr>
           <a:lstStyle/>
           <a:p>
-            <a:pPr marL="342900" indent="-342900">
-              <a:buFont typeface="Arial" pitchFamily="34" charset="0"/>
-              <a:buChar char="•"/>
-            </a:pPr>
-            <a:r>
-              <a:rPr lang="en-US" dirty="0" smtClean="0"/>
-              <a:t>Hopefully, you learned a few design patterns</a:t>
-            </a:r>
-          </a:p>
-          <a:p>
-            <a:pPr marL="342900" indent="-342900">
-              <a:buFont typeface="Arial" pitchFamily="34" charset="0"/>
-              <a:buChar char="•"/>
-            </a:pPr>
-            <a:r>
-              <a:rPr lang="en-US" dirty="0" smtClean="0"/>
-              <a:t>Like MVC.  In later courses, you’ll learn MVP,</a:t>
-            </a:r>
-          </a:p>
-          <a:p>
-            <a:pPr marL="342900" indent="-342900">
-              <a:buFont typeface="Arial" pitchFamily="34" charset="0"/>
-              <a:buChar char="•"/>
-            </a:pPr>
-            <a:r>
-              <a:rPr lang="en-US" dirty="0" smtClean="0"/>
-              <a:t>MVVM, and MVW.   Again design patterns aren’t</a:t>
-            </a:r>
-          </a:p>
-          <a:p>
-            <a:pPr marL="342900" indent="-342900">
-              <a:buFont typeface="Arial" pitchFamily="34" charset="0"/>
-              <a:buChar char="•"/>
-            </a:pPr>
-            <a:r>
-              <a:rPr lang="en-US" dirty="0" smtClean="0"/>
-              <a:t>Specific to Java</a:t>
+            <a:r>
+              <a:rPr lang="en-US" dirty="0" smtClean="0"/>
+              <a:t>Assignment 10</a:t>
             </a:r>
             <a:endParaRPr lang="en-US" dirty="0"/>
           </a:p>
@@ -7223,7 +7096,7 @@
     </p:spTree>
     <p:extLst>
       <p:ext uri="{BB962C8B-B14F-4D97-AF65-F5344CB8AC3E}">
-        <p14:creationId xmlns:p14="http://schemas.microsoft.com/office/powerpoint/2010/main" val="1883758025"/>
+        <p14:creationId xmlns:p14="http://schemas.microsoft.com/office/powerpoint/2010/main" val="2217852683"/>
       </p:ext>
     </p:extLst>
   </p:cSld>
@@ -7267,7 +7140,7 @@
           <a:p>
             <a:r>
               <a:rPr lang="en-US" dirty="0" smtClean="0"/>
-              <a:t>Your neighbor</a:t>
+              <a:t>Network Programming</a:t>
             </a:r>
             <a:endParaRPr lang="en-US" dirty="0"/>
           </a:p>
@@ -7275,7 +7148,48 @@
       </p:sp>
       <p:sp>
         <p:nvSpPr>
-          <p:cNvPr id="3" name="Slide Number Placeholder 2"/>
+          <p:cNvPr id="3" name="Content Placeholder 2"/>
+          <p:cNvSpPr>
+            <a:spLocks noGrp="1"/>
+          </p:cNvSpPr>
+          <p:nvPr>
+            <p:ph idx="1"/>
+          </p:nvPr>
+        </p:nvSpPr>
+        <p:spPr/>
+        <p:txBody>
+          <a:bodyPr/>
+          <a:lstStyle/>
+          <a:p>
+            <a:r>
+              <a:rPr lang="en-US" dirty="0" smtClean="0"/>
+              <a:t>OK, this is a somewhat filler lecture.</a:t>
+            </a:r>
+          </a:p>
+          <a:p>
+            <a:r>
+              <a:rPr lang="en-US" dirty="0" smtClean="0"/>
+              <a:t>Final, final project will have nothing to do with today’s SHORT lecture</a:t>
+            </a:r>
+          </a:p>
+          <a:p>
+            <a:r>
+              <a:rPr lang="en-US" dirty="0" smtClean="0"/>
+              <a:t>Network Programming … UDP / TCP … very cool.  But realistically, you won’t be using those protocols directly.</a:t>
+            </a:r>
+          </a:p>
+          <a:p>
+            <a:r>
+              <a:rPr lang="en-US" dirty="0" smtClean="0"/>
+              <a:t>http / https are by far the most common protocols used in Java</a:t>
+            </a:r>
+            <a:endParaRPr lang="en-US" dirty="0"/>
+          </a:p>
+        </p:txBody>
+      </p:sp>
+      <p:sp>
+        <p:nvSpPr>
+          <p:cNvPr id="4" name="Slide Number Placeholder 3"/>
           <p:cNvSpPr>
             <a:spLocks noGrp="1"/>
           </p:cNvSpPr>
@@ -7291,88 +7205,21 @@
             <a:pPr>
               <a:defRPr/>
             </a:pPr>
-            <a:fld id="{B2451C39-31DD-6D4B-9BED-758CF6C1BA6A}" type="slidenum">
-              <a:rPr lang="en-CA" smtClean="0"/>
+            <a:fld id="{8B8B984A-5AFF-7643-AE60-6D8D11294076}" type="slidenum">
+              <a:rPr lang="en-US" smtClean="0"/>
               <a:pPr>
                 <a:defRPr/>
               </a:pPr>
               <a:t>103</a:t>
             </a:fld>
-            <a:endParaRPr lang="en-CA"/>
-          </a:p>
-        </p:txBody>
-      </p:sp>
-      <p:sp>
-        <p:nvSpPr>
-          <p:cNvPr id="4" name="TextBox 3"/>
-          <p:cNvSpPr txBox="1"/>
-          <p:nvPr/>
-        </p:nvSpPr>
-        <p:spPr>
-          <a:xfrm>
-            <a:off x="1447800" y="2362200"/>
-            <a:ext cx="6694461" cy="2308324"/>
-          </a:xfrm>
-          <a:prstGeom prst="rect">
-            <a:avLst/>
-          </a:prstGeom>
-          <a:noFill/>
-        </p:spPr>
-        <p:txBody>
-          <a:bodyPr wrap="none" rtlCol="0">
-            <a:spAutoFit/>
-          </a:bodyPr>
-          <a:lstStyle/>
-          <a:p>
-            <a:pPr marL="342900" indent="-342900">
-              <a:buFont typeface="Arial" pitchFamily="34" charset="0"/>
-              <a:buChar char="•"/>
-            </a:pPr>
-            <a:r>
-              <a:rPr lang="en-US" dirty="0" smtClean="0"/>
-              <a:t>I really tried to create an atmosphere</a:t>
-            </a:r>
-          </a:p>
-          <a:p>
-            <a:r>
-              <a:rPr lang="en-US" dirty="0" smtClean="0"/>
-              <a:t>Where I *only* did 50% of the talking</a:t>
-            </a:r>
-          </a:p>
-          <a:p>
-            <a:pPr marL="342900" indent="-342900">
-              <a:buFont typeface="Arial" pitchFamily="34" charset="0"/>
-              <a:buChar char="•"/>
-            </a:pPr>
-            <a:r>
-              <a:rPr lang="en-US" dirty="0" smtClean="0"/>
-              <a:t>Really hoped that you got to know the people</a:t>
-            </a:r>
-          </a:p>
-          <a:p>
-            <a:r>
-              <a:rPr lang="en-US" dirty="0" smtClean="0"/>
-              <a:t>Sitting around you.  Exchange phone numbers,</a:t>
-            </a:r>
-          </a:p>
-          <a:p>
-            <a:r>
-              <a:rPr lang="en-US" dirty="0" smtClean="0"/>
-              <a:t>Emails with them.</a:t>
-            </a:r>
-          </a:p>
-          <a:p>
-            <a:r>
-              <a:rPr lang="en-US" dirty="0" smtClean="0"/>
-              <a:t>Programs come and go.  Friends are forever</a:t>
-            </a:r>
+            <a:endParaRPr lang="en-US"/>
           </a:p>
         </p:txBody>
       </p:sp>
     </p:spTree>
     <p:extLst>
       <p:ext uri="{BB962C8B-B14F-4D97-AF65-F5344CB8AC3E}">
-        <p14:creationId xmlns:p14="http://schemas.microsoft.com/office/powerpoint/2010/main" val="3607217"/>
+        <p14:creationId xmlns:p14="http://schemas.microsoft.com/office/powerpoint/2010/main" val="498203968"/>
       </p:ext>
     </p:extLst>
   </p:cSld>
@@ -7416,7 +7263,7 @@
           <a:p>
             <a:r>
               <a:rPr lang="en-US" dirty="0" smtClean="0"/>
-              <a:t>And most of all …</a:t>
+              <a:t>There’s a tool (library) for that</a:t>
             </a:r>
             <a:endParaRPr lang="en-US" dirty="0"/>
           </a:p>
@@ -7424,7 +7271,122 @@
       </p:sp>
       <p:sp>
         <p:nvSpPr>
-          <p:cNvPr id="3" name="Slide Number Placeholder 2"/>
+          <p:cNvPr id="3" name="Content Placeholder 2"/>
+          <p:cNvSpPr>
+            <a:spLocks noGrp="1"/>
+          </p:cNvSpPr>
+          <p:nvPr>
+            <p:ph idx="1"/>
+          </p:nvPr>
+        </p:nvSpPr>
+        <p:spPr/>
+        <p:txBody>
+          <a:bodyPr/>
+          <a:lstStyle/>
+          <a:p>
+            <a:r>
+              <a:rPr lang="en-US" dirty="0"/>
+              <a:t>&lt;dependency&gt;</a:t>
+            </a:r>
+          </a:p>
+          <a:p>
+            <a:r>
+              <a:rPr lang="en-US" dirty="0"/>
+              <a:t>	&lt;</a:t>
+            </a:r>
+            <a:r>
+              <a:rPr lang="en-US" dirty="0" err="1"/>
+              <a:t>groupId</a:t>
+            </a:r>
+            <a:r>
+              <a:rPr lang="en-US" dirty="0"/>
+              <a:t>&gt;</a:t>
+            </a:r>
+            <a:r>
+              <a:rPr lang="en-US" dirty="0" err="1"/>
+              <a:t>org.apache.httpcomponents</a:t>
+            </a:r>
+            <a:r>
+              <a:rPr lang="en-US" dirty="0"/>
+              <a:t>&lt;/</a:t>
+            </a:r>
+            <a:r>
+              <a:rPr lang="en-US" dirty="0" err="1"/>
+              <a:t>groupId</a:t>
+            </a:r>
+            <a:r>
+              <a:rPr lang="en-US" dirty="0"/>
+              <a:t>&gt;</a:t>
+            </a:r>
+          </a:p>
+          <a:p>
+            <a:r>
+              <a:rPr lang="en-US" dirty="0"/>
+              <a:t>	&lt;</a:t>
+            </a:r>
+            <a:r>
+              <a:rPr lang="en-US" dirty="0" err="1"/>
+              <a:t>artifactId</a:t>
+            </a:r>
+            <a:r>
+              <a:rPr lang="en-US" dirty="0"/>
+              <a:t>&gt;</a:t>
+            </a:r>
+            <a:r>
+              <a:rPr lang="en-US" dirty="0" err="1"/>
+              <a:t>httpclient</a:t>
+            </a:r>
+            <a:r>
+              <a:rPr lang="en-US" dirty="0"/>
+              <a:t>&lt;/</a:t>
+            </a:r>
+            <a:r>
+              <a:rPr lang="en-US" dirty="0" err="1"/>
+              <a:t>artifactId</a:t>
+            </a:r>
+            <a:r>
+              <a:rPr lang="en-US" dirty="0"/>
+              <a:t>&gt;</a:t>
+            </a:r>
+          </a:p>
+          <a:p>
+            <a:r>
+              <a:rPr lang="en-US" dirty="0"/>
+              <a:t>	&lt;version&gt;4.3.3&lt;/version&gt;</a:t>
+            </a:r>
+          </a:p>
+          <a:p>
+            <a:r>
+              <a:rPr lang="en-US" dirty="0"/>
+              <a:t>&lt;/dependency&gt;</a:t>
+            </a:r>
+          </a:p>
+          <a:p>
+            <a:r>
+              <a:rPr lang="en-US" dirty="0"/>
+              <a:t> </a:t>
+            </a:r>
+          </a:p>
+          <a:p>
+            <a:r>
+              <a:rPr lang="en-US" dirty="0"/>
+              <a:t> </a:t>
+            </a:r>
+            <a:r>
+              <a:rPr lang="en-US" dirty="0" smtClean="0"/>
+              <a:t>See </a:t>
+            </a:r>
+            <a:r>
+              <a:rPr lang="en-US" dirty="0" err="1" smtClean="0"/>
+              <a:t>HttpComponentsDemo</a:t>
+            </a:r>
+            <a:endParaRPr lang="en-US" dirty="0"/>
+          </a:p>
+        </p:txBody>
+      </p:sp>
+      <p:sp>
+        <p:nvSpPr>
+          <p:cNvPr id="4" name="Slide Number Placeholder 3"/>
           <p:cNvSpPr>
             <a:spLocks noGrp="1"/>
           </p:cNvSpPr>
@@ -7440,114 +7402,21 @@
             <a:pPr>
               <a:defRPr/>
             </a:pPr>
-            <a:fld id="{B2451C39-31DD-6D4B-9BED-758CF6C1BA6A}" type="slidenum">
-              <a:rPr lang="en-CA" smtClean="0"/>
+            <a:fld id="{8B8B984A-5AFF-7643-AE60-6D8D11294076}" type="slidenum">
+              <a:rPr lang="en-US" smtClean="0"/>
               <a:pPr>
                 <a:defRPr/>
               </a:pPr>
               <a:t>104</a:t>
             </a:fld>
-            <a:endParaRPr lang="en-CA"/>
-          </a:p>
-        </p:txBody>
-      </p:sp>
-      <p:sp>
-        <p:nvSpPr>
-          <p:cNvPr id="4" name="TextBox 3"/>
-          <p:cNvSpPr txBox="1"/>
-          <p:nvPr/>
-        </p:nvSpPr>
-        <p:spPr>
-          <a:xfrm>
-            <a:off x="1447800" y="2057400"/>
-            <a:ext cx="7111242" cy="3416320"/>
-          </a:xfrm>
-          <a:prstGeom prst="rect">
-            <a:avLst/>
-          </a:prstGeom>
-          <a:noFill/>
-        </p:spPr>
-        <p:txBody>
-          <a:bodyPr wrap="none" rtlCol="0">
-            <a:spAutoFit/>
-          </a:bodyPr>
-          <a:lstStyle/>
-          <a:p>
-            <a:pPr marL="342900" indent="-342900">
-              <a:buFont typeface="Arial" pitchFamily="34" charset="0"/>
-              <a:buChar char="•"/>
-            </a:pPr>
-            <a:r>
-              <a:rPr lang="en-US" dirty="0" smtClean="0"/>
-              <a:t>Software engineering and banging your</a:t>
-            </a:r>
-          </a:p>
-          <a:p>
-            <a:r>
-              <a:rPr lang="en-US" dirty="0"/>
-              <a:t>h</a:t>
-            </a:r>
-            <a:r>
-              <a:rPr lang="en-US" dirty="0" smtClean="0"/>
-              <a:t>ead against your keyboard.  This was a</a:t>
-            </a:r>
-          </a:p>
-          <a:p>
-            <a:r>
-              <a:rPr lang="en-US" dirty="0"/>
-              <a:t>p</a:t>
-            </a:r>
-            <a:r>
-              <a:rPr lang="en-US" dirty="0" smtClean="0"/>
-              <a:t>ut as much or as little as you want in this</a:t>
-            </a:r>
-          </a:p>
-          <a:p>
-            <a:r>
-              <a:rPr lang="en-US" dirty="0" smtClean="0"/>
-              <a:t>Course.  The project was yours from Day1.</a:t>
-            </a:r>
-          </a:p>
-          <a:p>
-            <a:r>
-              <a:rPr lang="en-US" dirty="0" smtClean="0"/>
-              <a:t>I personally grew quite attached to my first</a:t>
-            </a:r>
-          </a:p>
-          <a:p>
-            <a:r>
-              <a:rPr lang="en-US" dirty="0" smtClean="0"/>
-              <a:t>Software engineering project.  For me it was</a:t>
-            </a:r>
-          </a:p>
-          <a:p>
-            <a:r>
-              <a:rPr lang="en-US" dirty="0" smtClean="0"/>
-              <a:t>Fun.  I programmed it in C.  I don’t use C anymore,</a:t>
-            </a:r>
-          </a:p>
-          <a:p>
-            <a:r>
-              <a:rPr lang="en-US" dirty="0" smtClean="0"/>
-              <a:t>But it was the build your own, manage your own</a:t>
-            </a:r>
-          </a:p>
-          <a:p>
-            <a:r>
-              <a:rPr lang="en-US" dirty="0"/>
-              <a:t>a</a:t>
-            </a:r>
-            <a:r>
-              <a:rPr lang="en-US" dirty="0" smtClean="0"/>
-              <a:t>spect that still keeps me motivated in this field.</a:t>
-            </a:r>
+            <a:endParaRPr lang="en-US"/>
           </a:p>
         </p:txBody>
       </p:sp>
     </p:spTree>
     <p:extLst>
       <p:ext uri="{BB962C8B-B14F-4D97-AF65-F5344CB8AC3E}">
-        <p14:creationId xmlns:p14="http://schemas.microsoft.com/office/powerpoint/2010/main" val="1560099199"/>
+        <p14:creationId xmlns:p14="http://schemas.microsoft.com/office/powerpoint/2010/main" val="664585395"/>
       </p:ext>
     </p:extLst>
   </p:cSld>
@@ -7591,7 +7460,7 @@
           <a:p>
             <a:r>
               <a:rPr lang="en-US" dirty="0" smtClean="0"/>
-              <a:t>Thank-you + Optional Homework</a:t>
+              <a:t>Homework</a:t>
             </a:r>
             <a:endParaRPr lang="en-US" dirty="0"/>
           </a:p>
@@ -7634,8 +7503,8 @@
         </p:nvSpPr>
         <p:spPr>
           <a:xfrm>
-            <a:off x="1295400" y="2590800"/>
-            <a:ext cx="6070893" cy="1569660"/>
+            <a:off x="1828800" y="1752600"/>
+            <a:ext cx="6296917" cy="1938992"/>
           </a:xfrm>
           <a:prstGeom prst="rect">
             <a:avLst/>
@@ -7650,35 +7519,729 @@
           <a:p>
             <a:r>
               <a:rPr lang="en-US" dirty="0" smtClean="0"/>
-              <a:t>Thank-you very much for taking this course</a:t>
-            </a:r>
-          </a:p>
-          <a:p>
-            <a:r>
-              <a:rPr lang="en-US" dirty="0" smtClean="0"/>
-              <a:t>I really hope you all had a great time</a:t>
-            </a:r>
-          </a:p>
-          <a:p>
-            <a:endParaRPr lang="en-US" dirty="0"/>
-          </a:p>
-          <a:p>
-            <a:r>
-              <a:rPr lang="en-US" dirty="0"/>
-              <a:t>Survey </a:t>
-            </a:r>
-            <a:r>
-              <a:rPr lang="en-US" dirty="0" smtClean="0"/>
-              <a:t>Monkey link</a:t>
-            </a:r>
-            <a:endParaRPr lang="en-US" dirty="0"/>
+              <a:t>You guessed it Assignment11</a:t>
+            </a:r>
+          </a:p>
+          <a:p>
+            <a:r>
+              <a:rPr lang="en-US" dirty="0" smtClean="0"/>
+              <a:t>Hint for Final</a:t>
+            </a:r>
+          </a:p>
+          <a:p>
+            <a:r>
+              <a:rPr lang="en-US" dirty="0" smtClean="0"/>
+              <a:t>What can go wrong with your application</a:t>
+            </a:r>
+          </a:p>
+          <a:p>
+            <a:r>
+              <a:rPr lang="en-US" dirty="0" smtClean="0"/>
+              <a:t>When you demo it?  How should you handle,</a:t>
+            </a:r>
+          </a:p>
+          <a:p>
+            <a:r>
+              <a:rPr lang="en-US" dirty="0" smtClean="0"/>
+              <a:t>Fallback on what?</a:t>
+            </a:r>
           </a:p>
         </p:txBody>
       </p:sp>
     </p:spTree>
     <p:extLst>
       <p:ext uri="{BB962C8B-B14F-4D97-AF65-F5344CB8AC3E}">
-        <p14:creationId xmlns:p14="http://schemas.microsoft.com/office/powerpoint/2010/main" val="1027203661"/>
+        <p14:creationId xmlns:p14="http://schemas.microsoft.com/office/powerpoint/2010/main" val="3669441049"/>
+      </p:ext>
+    </p:extLst>
+  </p:cSld>
+  <p:clrMapOvr>
+    <a:masterClrMapping/>
+  </p:clrMapOvr>
+</p:sld>
+</file>
+
+<file path=ppt/slides/slide106.xml><?xml version="1.0" encoding="utf-8"?>
+<p:sld xmlns:a="http://schemas.openxmlformats.org/drawingml/2006/main" xmlns:r="http://schemas.openxmlformats.org/officeDocument/2006/relationships" xmlns:p="http://schemas.openxmlformats.org/presentationml/2006/main">
+  <p:cSld>
+    <p:spTree>
+      <p:nvGrpSpPr>
+        <p:cNvPr id="1" name=""/>
+        <p:cNvGrpSpPr/>
+        <p:nvPr/>
+      </p:nvGrpSpPr>
+      <p:grpSpPr>
+        <a:xfrm>
+          <a:off x="0" y="0"/>
+          <a:ext cx="0" cy="0"/>
+          <a:chOff x="0" y="0"/>
+          <a:chExt cx="0" cy="0"/>
+        </a:xfrm>
+      </p:grpSpPr>
+      <p:sp>
+        <p:nvSpPr>
+          <p:cNvPr id="2" name="Title 1"/>
+          <p:cNvSpPr>
+            <a:spLocks noGrp="1"/>
+          </p:cNvSpPr>
+          <p:nvPr>
+            <p:ph type="title"/>
+          </p:nvPr>
+        </p:nvSpPr>
+        <p:spPr/>
+        <p:txBody>
+          <a:bodyPr/>
+          <a:lstStyle/>
+          <a:p>
+            <a:r>
+              <a:rPr lang="en-US" dirty="0" smtClean="0"/>
+              <a:t>Food for thought…</a:t>
+            </a:r>
+            <a:endParaRPr lang="en-US" dirty="0"/>
+          </a:p>
+        </p:txBody>
+      </p:sp>
+      <p:sp>
+        <p:nvSpPr>
+          <p:cNvPr id="3" name="Slide Number Placeholder 2"/>
+          <p:cNvSpPr>
+            <a:spLocks noGrp="1"/>
+          </p:cNvSpPr>
+          <p:nvPr>
+            <p:ph type="sldNum" sz="quarter" idx="12"/>
+          </p:nvPr>
+        </p:nvSpPr>
+        <p:spPr/>
+        <p:txBody>
+          <a:bodyPr/>
+          <a:lstStyle/>
+          <a:p>
+            <a:pPr>
+              <a:defRPr/>
+            </a:pPr>
+            <a:fld id="{B2451C39-31DD-6D4B-9BED-758CF6C1BA6A}" type="slidenum">
+              <a:rPr lang="en-CA" smtClean="0"/>
+              <a:pPr>
+                <a:defRPr/>
+              </a:pPr>
+              <a:t>106</a:t>
+            </a:fld>
+            <a:endParaRPr lang="en-CA"/>
+          </a:p>
+        </p:txBody>
+      </p:sp>
+      <p:sp>
+        <p:nvSpPr>
+          <p:cNvPr id="4" name="TextBox 3"/>
+          <p:cNvSpPr txBox="1"/>
+          <p:nvPr/>
+        </p:nvSpPr>
+        <p:spPr>
+          <a:xfrm>
+            <a:off x="1371600" y="1828800"/>
+            <a:ext cx="4831772" cy="1938992"/>
+          </a:xfrm>
+          <a:prstGeom prst="rect">
+            <a:avLst/>
+          </a:prstGeom>
+          <a:noFill/>
+        </p:spPr>
+        <p:txBody>
+          <a:bodyPr wrap="none" rtlCol="0">
+            <a:spAutoFit/>
+          </a:bodyPr>
+          <a:lstStyle/>
+          <a:p>
+            <a:pPr marL="342900" indent="-342900">
+              <a:buFont typeface="Arial" pitchFamily="34" charset="0"/>
+              <a:buChar char="•"/>
+            </a:pPr>
+            <a:r>
+              <a:rPr lang="en-US" dirty="0" smtClean="0"/>
+              <a:t>Maybe after this course …</a:t>
+            </a:r>
+          </a:p>
+          <a:p>
+            <a:pPr marL="342900" indent="-342900">
+              <a:buFont typeface="Arial" pitchFamily="34" charset="0"/>
+              <a:buChar char="•"/>
+            </a:pPr>
+            <a:r>
+              <a:rPr lang="en-US" dirty="0" smtClean="0"/>
+              <a:t>I REALLY hate Java…</a:t>
+            </a:r>
+          </a:p>
+          <a:p>
+            <a:pPr marL="342900" indent="-342900">
+              <a:buFont typeface="Arial" pitchFamily="34" charset="0"/>
+              <a:buChar char="•"/>
+            </a:pPr>
+            <a:r>
+              <a:rPr lang="en-US" dirty="0" smtClean="0"/>
+              <a:t>Or I REALLY love it</a:t>
+            </a:r>
+          </a:p>
+          <a:p>
+            <a:pPr marL="342900" indent="-342900">
+              <a:buFont typeface="Arial" pitchFamily="34" charset="0"/>
+              <a:buChar char="•"/>
+            </a:pPr>
+            <a:r>
+              <a:rPr lang="en-US" dirty="0" smtClean="0"/>
+              <a:t>But was that all you learned?</a:t>
+            </a:r>
+          </a:p>
+          <a:p>
+            <a:pPr marL="342900" indent="-342900">
+              <a:buFont typeface="Arial" pitchFamily="34" charset="0"/>
+              <a:buChar char="•"/>
+            </a:pPr>
+            <a:r>
+              <a:rPr lang="en-US" dirty="0" smtClean="0"/>
+              <a:t>I had a hidden agenda all along</a:t>
+            </a:r>
+            <a:endParaRPr lang="en-US" dirty="0"/>
+          </a:p>
+        </p:txBody>
+      </p:sp>
+    </p:spTree>
+    <p:extLst>
+      <p:ext uri="{BB962C8B-B14F-4D97-AF65-F5344CB8AC3E}">
+        <p14:creationId xmlns:p14="http://schemas.microsoft.com/office/powerpoint/2010/main" val="568372925"/>
+      </p:ext>
+    </p:extLst>
+  </p:cSld>
+  <p:clrMapOvr>
+    <a:masterClrMapping/>
+  </p:clrMapOvr>
+</p:sld>
+</file>
+
+<file path=ppt/slides/slide107.xml><?xml version="1.0" encoding="utf-8"?>
+<p:sld xmlns:a="http://schemas.openxmlformats.org/drawingml/2006/main" xmlns:r="http://schemas.openxmlformats.org/officeDocument/2006/relationships" xmlns:p="http://schemas.openxmlformats.org/presentationml/2006/main">
+  <p:cSld>
+    <p:spTree>
+      <p:nvGrpSpPr>
+        <p:cNvPr id="1" name=""/>
+        <p:cNvGrpSpPr/>
+        <p:nvPr/>
+      </p:nvGrpSpPr>
+      <p:grpSpPr>
+        <a:xfrm>
+          <a:off x="0" y="0"/>
+          <a:ext cx="0" cy="0"/>
+          <a:chOff x="0" y="0"/>
+          <a:chExt cx="0" cy="0"/>
+        </a:xfrm>
+      </p:grpSpPr>
+      <p:sp>
+        <p:nvSpPr>
+          <p:cNvPr id="2" name="Title 1"/>
+          <p:cNvSpPr>
+            <a:spLocks noGrp="1"/>
+          </p:cNvSpPr>
+          <p:nvPr>
+            <p:ph type="title"/>
+          </p:nvPr>
+        </p:nvSpPr>
+        <p:spPr/>
+        <p:txBody>
+          <a:bodyPr/>
+          <a:lstStyle/>
+          <a:p>
+            <a:r>
+              <a:rPr lang="en-US" dirty="0" smtClean="0"/>
+              <a:t>Well, what else did we learn?</a:t>
+            </a:r>
+            <a:endParaRPr lang="en-US" dirty="0"/>
+          </a:p>
+        </p:txBody>
+      </p:sp>
+      <p:sp>
+        <p:nvSpPr>
+          <p:cNvPr id="3" name="Slide Number Placeholder 2"/>
+          <p:cNvSpPr>
+            <a:spLocks noGrp="1"/>
+          </p:cNvSpPr>
+          <p:nvPr>
+            <p:ph type="sldNum" sz="quarter" idx="12"/>
+          </p:nvPr>
+        </p:nvSpPr>
+        <p:spPr/>
+        <p:txBody>
+          <a:bodyPr/>
+          <a:lstStyle/>
+          <a:p>
+            <a:pPr>
+              <a:defRPr/>
+            </a:pPr>
+            <a:fld id="{B2451C39-31DD-6D4B-9BED-758CF6C1BA6A}" type="slidenum">
+              <a:rPr lang="en-CA" smtClean="0"/>
+              <a:pPr>
+                <a:defRPr/>
+              </a:pPr>
+              <a:t>107</a:t>
+            </a:fld>
+            <a:endParaRPr lang="en-CA"/>
+          </a:p>
+        </p:txBody>
+      </p:sp>
+      <p:sp>
+        <p:nvSpPr>
+          <p:cNvPr id="4" name="TextBox 3"/>
+          <p:cNvSpPr txBox="1"/>
+          <p:nvPr/>
+        </p:nvSpPr>
+        <p:spPr>
+          <a:xfrm>
+            <a:off x="1447800" y="1905000"/>
+            <a:ext cx="7124066" cy="1938992"/>
+          </a:xfrm>
+          <a:prstGeom prst="rect">
+            <a:avLst/>
+          </a:prstGeom>
+          <a:noFill/>
+        </p:spPr>
+        <p:txBody>
+          <a:bodyPr wrap="none" rtlCol="0">
+            <a:spAutoFit/>
+          </a:bodyPr>
+          <a:lstStyle/>
+          <a:p>
+            <a:pPr marL="342900" indent="-342900">
+              <a:buFont typeface="Arial" pitchFamily="34" charset="0"/>
+              <a:buChar char="•"/>
+            </a:pPr>
+            <a:r>
+              <a:rPr lang="en-US" dirty="0" smtClean="0"/>
+              <a:t>Maven – although Maven is specific</a:t>
+            </a:r>
+          </a:p>
+          <a:p>
+            <a:pPr marL="342900" indent="-342900">
+              <a:buFont typeface="Arial" pitchFamily="34" charset="0"/>
+              <a:buChar char="•"/>
+            </a:pPr>
+            <a:r>
+              <a:rPr lang="en-US" dirty="0" smtClean="0"/>
+              <a:t>To java, the concept is universal.  Have</a:t>
+            </a:r>
+          </a:p>
+          <a:p>
+            <a:pPr marL="342900" indent="-342900">
+              <a:buFont typeface="Arial" pitchFamily="34" charset="0"/>
+              <a:buChar char="•"/>
+            </a:pPr>
+            <a:r>
+              <a:rPr lang="en-US" dirty="0" smtClean="0"/>
+              <a:t>A repository of libraries somewhere and</a:t>
+            </a:r>
+          </a:p>
+          <a:p>
+            <a:pPr marL="342900" indent="-342900">
+              <a:buFont typeface="Arial" pitchFamily="34" charset="0"/>
+              <a:buChar char="•"/>
+            </a:pPr>
+            <a:r>
+              <a:rPr lang="en-US" dirty="0" smtClean="0"/>
+              <a:t>Let a tool download them with their </a:t>
+            </a:r>
+            <a:r>
+              <a:rPr lang="en-US" dirty="0" err="1" smtClean="0"/>
+              <a:t>dependecies</a:t>
+            </a:r>
+            <a:endParaRPr lang="en-US" dirty="0" smtClean="0"/>
+          </a:p>
+          <a:p>
+            <a:pPr marL="342900" indent="-342900">
+              <a:buFont typeface="Arial" pitchFamily="34" charset="0"/>
+              <a:buChar char="•"/>
+            </a:pPr>
+            <a:r>
+              <a:rPr lang="en-US" dirty="0" smtClean="0"/>
+              <a:t>And help you build artifacts</a:t>
+            </a:r>
+            <a:endParaRPr lang="en-US" dirty="0"/>
+          </a:p>
+        </p:txBody>
+      </p:sp>
+    </p:spTree>
+    <p:extLst>
+      <p:ext uri="{BB962C8B-B14F-4D97-AF65-F5344CB8AC3E}">
+        <p14:creationId xmlns:p14="http://schemas.microsoft.com/office/powerpoint/2010/main" val="3404509170"/>
+      </p:ext>
+    </p:extLst>
+  </p:cSld>
+  <p:clrMapOvr>
+    <a:masterClrMapping/>
+  </p:clrMapOvr>
+</p:sld>
+</file>
+
+<file path=ppt/slides/slide108.xml><?xml version="1.0" encoding="utf-8"?>
+<p:sld xmlns:a="http://schemas.openxmlformats.org/drawingml/2006/main" xmlns:r="http://schemas.openxmlformats.org/officeDocument/2006/relationships" xmlns:p="http://schemas.openxmlformats.org/presentationml/2006/main">
+  <p:cSld>
+    <p:spTree>
+      <p:nvGrpSpPr>
+        <p:cNvPr id="1" name=""/>
+        <p:cNvGrpSpPr/>
+        <p:nvPr/>
+      </p:nvGrpSpPr>
+      <p:grpSpPr>
+        <a:xfrm>
+          <a:off x="0" y="0"/>
+          <a:ext cx="0" cy="0"/>
+          <a:chOff x="0" y="0"/>
+          <a:chExt cx="0" cy="0"/>
+        </a:xfrm>
+      </p:grpSpPr>
+      <p:sp>
+        <p:nvSpPr>
+          <p:cNvPr id="2" name="Title 1"/>
+          <p:cNvSpPr>
+            <a:spLocks noGrp="1"/>
+          </p:cNvSpPr>
+          <p:nvPr>
+            <p:ph type="title"/>
+          </p:nvPr>
+        </p:nvSpPr>
+        <p:spPr/>
+        <p:txBody>
+          <a:bodyPr/>
+          <a:lstStyle/>
+          <a:p>
+            <a:r>
+              <a:rPr lang="en-US" dirty="0" err="1" smtClean="0"/>
+              <a:t>Git</a:t>
+            </a:r>
+            <a:r>
+              <a:rPr lang="en-US" dirty="0" smtClean="0"/>
+              <a:t>, </a:t>
+            </a:r>
+            <a:r>
+              <a:rPr lang="en-US" dirty="0" err="1" smtClean="0"/>
+              <a:t>Github</a:t>
+            </a:r>
+            <a:endParaRPr lang="en-US" dirty="0"/>
+          </a:p>
+        </p:txBody>
+      </p:sp>
+      <p:sp>
+        <p:nvSpPr>
+          <p:cNvPr id="3" name="Slide Number Placeholder 2"/>
+          <p:cNvSpPr>
+            <a:spLocks noGrp="1"/>
+          </p:cNvSpPr>
+          <p:nvPr>
+            <p:ph type="sldNum" sz="quarter" idx="12"/>
+          </p:nvPr>
+        </p:nvSpPr>
+        <p:spPr/>
+        <p:txBody>
+          <a:bodyPr/>
+          <a:lstStyle/>
+          <a:p>
+            <a:pPr>
+              <a:defRPr/>
+            </a:pPr>
+            <a:fld id="{B2451C39-31DD-6D4B-9BED-758CF6C1BA6A}" type="slidenum">
+              <a:rPr lang="en-CA" smtClean="0"/>
+              <a:pPr>
+                <a:defRPr/>
+              </a:pPr>
+              <a:t>108</a:t>
+            </a:fld>
+            <a:endParaRPr lang="en-CA"/>
+          </a:p>
+        </p:txBody>
+      </p:sp>
+      <p:sp>
+        <p:nvSpPr>
+          <p:cNvPr id="4" name="TextBox 3"/>
+          <p:cNvSpPr txBox="1"/>
+          <p:nvPr/>
+        </p:nvSpPr>
+        <p:spPr>
+          <a:xfrm>
+            <a:off x="1143000" y="2209800"/>
+            <a:ext cx="7837402" cy="4154984"/>
+          </a:xfrm>
+          <a:prstGeom prst="rect">
+            <a:avLst/>
+          </a:prstGeom>
+          <a:noFill/>
+        </p:spPr>
+        <p:txBody>
+          <a:bodyPr wrap="none" rtlCol="0">
+            <a:spAutoFit/>
+          </a:bodyPr>
+          <a:lstStyle/>
+          <a:p>
+            <a:pPr marL="342900" indent="-342900">
+              <a:buFont typeface="Arial" pitchFamily="34" charset="0"/>
+              <a:buChar char="•"/>
+            </a:pPr>
+            <a:r>
+              <a:rPr lang="en-US" dirty="0" smtClean="0"/>
+              <a:t>I strongly recommend you use </a:t>
+            </a:r>
+            <a:r>
+              <a:rPr lang="en-US" dirty="0" err="1" smtClean="0"/>
+              <a:t>Git</a:t>
+            </a:r>
+            <a:r>
+              <a:rPr lang="en-US" dirty="0" smtClean="0"/>
+              <a:t> for your</a:t>
+            </a:r>
+          </a:p>
+          <a:p>
+            <a:r>
+              <a:rPr lang="en-US" dirty="0" smtClean="0"/>
+              <a:t>Other courses or personal projects or work.  Revision</a:t>
+            </a:r>
+          </a:p>
+          <a:p>
+            <a:r>
+              <a:rPr lang="en-US" dirty="0"/>
+              <a:t>m</a:t>
+            </a:r>
+            <a:r>
+              <a:rPr lang="en-US" dirty="0" smtClean="0"/>
+              <a:t>anagement is crucial in software engineering.  Without</a:t>
+            </a:r>
+          </a:p>
+          <a:p>
+            <a:r>
+              <a:rPr lang="en-US" dirty="0" err="1" smtClean="0"/>
+              <a:t>Git</a:t>
+            </a:r>
+            <a:r>
+              <a:rPr lang="en-US" dirty="0" smtClean="0"/>
+              <a:t>, how else would you go back to a previous revision</a:t>
+            </a:r>
+          </a:p>
+          <a:p>
+            <a:pPr marL="342900" indent="-342900">
+              <a:buFont typeface="Arial" pitchFamily="34" charset="0"/>
+              <a:buChar char="•"/>
+            </a:pPr>
+            <a:r>
+              <a:rPr lang="en-US" dirty="0" err="1" smtClean="0"/>
+              <a:t>GitHub</a:t>
+            </a:r>
+            <a:r>
+              <a:rPr lang="en-US" dirty="0" smtClean="0"/>
+              <a:t> and </a:t>
+            </a:r>
+            <a:r>
+              <a:rPr lang="en-US" dirty="0" err="1" smtClean="0"/>
+              <a:t>GitHub</a:t>
+            </a:r>
+            <a:r>
+              <a:rPr lang="en-US" dirty="0" smtClean="0"/>
+              <a:t> pages ties you into the open</a:t>
+            </a:r>
+          </a:p>
+          <a:p>
+            <a:r>
+              <a:rPr lang="en-US" dirty="0" smtClean="0"/>
+              <a:t>Source community.  Open source is good.  You now</a:t>
+            </a:r>
+          </a:p>
+          <a:p>
+            <a:r>
+              <a:rPr lang="en-US" dirty="0" smtClean="0"/>
+              <a:t>Have an open source project on </a:t>
+            </a:r>
+            <a:r>
+              <a:rPr lang="en-US" dirty="0" err="1" smtClean="0"/>
+              <a:t>GitHub</a:t>
+            </a:r>
+            <a:r>
+              <a:rPr lang="en-US" dirty="0" smtClean="0"/>
+              <a:t>.  Congrats.</a:t>
+            </a:r>
+          </a:p>
+          <a:p>
+            <a:r>
+              <a:rPr lang="en-US" dirty="0" smtClean="0"/>
+              <a:t>If you never created a homepage before, well, use</a:t>
+            </a:r>
+          </a:p>
+          <a:p>
+            <a:r>
+              <a:rPr lang="en-US" dirty="0" err="1" smtClean="0"/>
+              <a:t>GitHub</a:t>
+            </a:r>
+            <a:r>
+              <a:rPr lang="en-US" dirty="0" smtClean="0"/>
+              <a:t> pages.  Great for letting employers see your</a:t>
+            </a:r>
+          </a:p>
+          <a:p>
+            <a:r>
+              <a:rPr lang="en-US" dirty="0" smtClean="0"/>
+              <a:t>Project and let them see your coding style too!  Again,</a:t>
+            </a:r>
+          </a:p>
+          <a:p>
+            <a:r>
+              <a:rPr lang="en-US" dirty="0" smtClean="0"/>
+              <a:t>NOT java specific.</a:t>
+            </a:r>
+          </a:p>
+        </p:txBody>
+      </p:sp>
+    </p:spTree>
+    <p:extLst>
+      <p:ext uri="{BB962C8B-B14F-4D97-AF65-F5344CB8AC3E}">
+        <p14:creationId xmlns:p14="http://schemas.microsoft.com/office/powerpoint/2010/main" val="3442297372"/>
+      </p:ext>
+    </p:extLst>
+  </p:cSld>
+  <p:clrMapOvr>
+    <a:masterClrMapping/>
+  </p:clrMapOvr>
+</p:sld>
+</file>
+
+<file path=ppt/slides/slide109.xml><?xml version="1.0" encoding="utf-8"?>
+<p:sld xmlns:a="http://schemas.openxmlformats.org/drawingml/2006/main" xmlns:r="http://schemas.openxmlformats.org/officeDocument/2006/relationships" xmlns:p="http://schemas.openxmlformats.org/presentationml/2006/main">
+  <p:cSld>
+    <p:spTree>
+      <p:nvGrpSpPr>
+        <p:cNvPr id="1" name=""/>
+        <p:cNvGrpSpPr/>
+        <p:nvPr/>
+      </p:nvGrpSpPr>
+      <p:grpSpPr>
+        <a:xfrm>
+          <a:off x="0" y="0"/>
+          <a:ext cx="0" cy="0"/>
+          <a:chOff x="0" y="0"/>
+          <a:chExt cx="0" cy="0"/>
+        </a:xfrm>
+      </p:grpSpPr>
+      <p:sp>
+        <p:nvSpPr>
+          <p:cNvPr id="2" name="Title 1"/>
+          <p:cNvSpPr>
+            <a:spLocks noGrp="1"/>
+          </p:cNvSpPr>
+          <p:nvPr>
+            <p:ph type="title"/>
+          </p:nvPr>
+        </p:nvSpPr>
+        <p:spPr/>
+        <p:txBody>
+          <a:bodyPr/>
+          <a:lstStyle/>
+          <a:p>
+            <a:r>
+              <a:rPr lang="en-US" dirty="0" smtClean="0"/>
+              <a:t>MVC</a:t>
+            </a:r>
+            <a:endParaRPr lang="en-US" dirty="0"/>
+          </a:p>
+        </p:txBody>
+      </p:sp>
+      <p:sp>
+        <p:nvSpPr>
+          <p:cNvPr id="3" name="Slide Number Placeholder 2"/>
+          <p:cNvSpPr>
+            <a:spLocks noGrp="1"/>
+          </p:cNvSpPr>
+          <p:nvPr>
+            <p:ph type="sldNum" sz="quarter" idx="12"/>
+          </p:nvPr>
+        </p:nvSpPr>
+        <p:spPr/>
+        <p:txBody>
+          <a:bodyPr/>
+          <a:lstStyle/>
+          <a:p>
+            <a:pPr>
+              <a:defRPr/>
+            </a:pPr>
+            <a:fld id="{B2451C39-31DD-6D4B-9BED-758CF6C1BA6A}" type="slidenum">
+              <a:rPr lang="en-CA" smtClean="0"/>
+              <a:pPr>
+                <a:defRPr/>
+              </a:pPr>
+              <a:t>109</a:t>
+            </a:fld>
+            <a:endParaRPr lang="en-CA"/>
+          </a:p>
+        </p:txBody>
+      </p:sp>
+      <p:sp>
+        <p:nvSpPr>
+          <p:cNvPr id="4" name="TextBox 3"/>
+          <p:cNvSpPr txBox="1"/>
+          <p:nvPr/>
+        </p:nvSpPr>
+        <p:spPr>
+          <a:xfrm>
+            <a:off x="1371600" y="2286000"/>
+            <a:ext cx="7117333" cy="1569660"/>
+          </a:xfrm>
+          <a:prstGeom prst="rect">
+            <a:avLst/>
+          </a:prstGeom>
+          <a:noFill/>
+        </p:spPr>
+        <p:txBody>
+          <a:bodyPr wrap="none" rtlCol="0">
+            <a:spAutoFit/>
+          </a:bodyPr>
+          <a:lstStyle/>
+          <a:p>
+            <a:pPr marL="342900" indent="-342900">
+              <a:buFont typeface="Arial" pitchFamily="34" charset="0"/>
+              <a:buChar char="•"/>
+            </a:pPr>
+            <a:r>
+              <a:rPr lang="en-US" dirty="0" smtClean="0"/>
+              <a:t>Hopefully, you learned a few design patterns</a:t>
+            </a:r>
+          </a:p>
+          <a:p>
+            <a:pPr marL="342900" indent="-342900">
+              <a:buFont typeface="Arial" pitchFamily="34" charset="0"/>
+              <a:buChar char="•"/>
+            </a:pPr>
+            <a:r>
+              <a:rPr lang="en-US" dirty="0" smtClean="0"/>
+              <a:t>Like MVC.  In later courses, you’ll learn MVP,</a:t>
+            </a:r>
+          </a:p>
+          <a:p>
+            <a:pPr marL="342900" indent="-342900">
+              <a:buFont typeface="Arial" pitchFamily="34" charset="0"/>
+              <a:buChar char="•"/>
+            </a:pPr>
+            <a:r>
+              <a:rPr lang="en-US" dirty="0" smtClean="0"/>
+              <a:t>MVVM, and MVW.   Again design patterns aren’t</a:t>
+            </a:r>
+          </a:p>
+          <a:p>
+            <a:pPr marL="342900" indent="-342900">
+              <a:buFont typeface="Arial" pitchFamily="34" charset="0"/>
+              <a:buChar char="•"/>
+            </a:pPr>
+            <a:r>
+              <a:rPr lang="en-US" dirty="0" smtClean="0"/>
+              <a:t>Specific to Java</a:t>
+            </a:r>
+            <a:endParaRPr lang="en-US" dirty="0"/>
+          </a:p>
+        </p:txBody>
+      </p:sp>
+    </p:spTree>
+    <p:extLst>
+      <p:ext uri="{BB962C8B-B14F-4D97-AF65-F5344CB8AC3E}">
+        <p14:creationId xmlns:p14="http://schemas.microsoft.com/office/powerpoint/2010/main" val="1883758025"/>
       </p:ext>
     </p:extLst>
   </p:cSld>
@@ -7920,6 +8483,461 @@
     <p:extLst>
       <p:ext uri="{BB962C8B-B14F-4D97-AF65-F5344CB8AC3E}">
         <p14:creationId xmlns:p14="http://schemas.microsoft.com/office/powerpoint/2010/main" val="1707820889"/>
+      </p:ext>
+    </p:extLst>
+  </p:cSld>
+  <p:clrMapOvr>
+    <a:masterClrMapping/>
+  </p:clrMapOvr>
+</p:sld>
+</file>
+
+<file path=ppt/slides/slide110.xml><?xml version="1.0" encoding="utf-8"?>
+<p:sld xmlns:a="http://schemas.openxmlformats.org/drawingml/2006/main" xmlns:r="http://schemas.openxmlformats.org/officeDocument/2006/relationships" xmlns:p="http://schemas.openxmlformats.org/presentationml/2006/main">
+  <p:cSld>
+    <p:spTree>
+      <p:nvGrpSpPr>
+        <p:cNvPr id="1" name=""/>
+        <p:cNvGrpSpPr/>
+        <p:nvPr/>
+      </p:nvGrpSpPr>
+      <p:grpSpPr>
+        <a:xfrm>
+          <a:off x="0" y="0"/>
+          <a:ext cx="0" cy="0"/>
+          <a:chOff x="0" y="0"/>
+          <a:chExt cx="0" cy="0"/>
+        </a:xfrm>
+      </p:grpSpPr>
+      <p:sp>
+        <p:nvSpPr>
+          <p:cNvPr id="2" name="Title 1"/>
+          <p:cNvSpPr>
+            <a:spLocks noGrp="1"/>
+          </p:cNvSpPr>
+          <p:nvPr>
+            <p:ph type="title"/>
+          </p:nvPr>
+        </p:nvSpPr>
+        <p:spPr/>
+        <p:txBody>
+          <a:bodyPr/>
+          <a:lstStyle/>
+          <a:p>
+            <a:r>
+              <a:rPr lang="en-US" dirty="0" smtClean="0"/>
+              <a:t>Your neighbor</a:t>
+            </a:r>
+            <a:endParaRPr lang="en-US" dirty="0"/>
+          </a:p>
+        </p:txBody>
+      </p:sp>
+      <p:sp>
+        <p:nvSpPr>
+          <p:cNvPr id="3" name="Slide Number Placeholder 2"/>
+          <p:cNvSpPr>
+            <a:spLocks noGrp="1"/>
+          </p:cNvSpPr>
+          <p:nvPr>
+            <p:ph type="sldNum" sz="quarter" idx="12"/>
+          </p:nvPr>
+        </p:nvSpPr>
+        <p:spPr/>
+        <p:txBody>
+          <a:bodyPr/>
+          <a:lstStyle/>
+          <a:p>
+            <a:pPr>
+              <a:defRPr/>
+            </a:pPr>
+            <a:fld id="{B2451C39-31DD-6D4B-9BED-758CF6C1BA6A}" type="slidenum">
+              <a:rPr lang="en-CA" smtClean="0"/>
+              <a:pPr>
+                <a:defRPr/>
+              </a:pPr>
+              <a:t>110</a:t>
+            </a:fld>
+            <a:endParaRPr lang="en-CA"/>
+          </a:p>
+        </p:txBody>
+      </p:sp>
+      <p:sp>
+        <p:nvSpPr>
+          <p:cNvPr id="4" name="TextBox 3"/>
+          <p:cNvSpPr txBox="1"/>
+          <p:nvPr/>
+        </p:nvSpPr>
+        <p:spPr>
+          <a:xfrm>
+            <a:off x="1447800" y="2362200"/>
+            <a:ext cx="6694461" cy="2308324"/>
+          </a:xfrm>
+          <a:prstGeom prst="rect">
+            <a:avLst/>
+          </a:prstGeom>
+          <a:noFill/>
+        </p:spPr>
+        <p:txBody>
+          <a:bodyPr wrap="none" rtlCol="0">
+            <a:spAutoFit/>
+          </a:bodyPr>
+          <a:lstStyle/>
+          <a:p>
+            <a:pPr marL="342900" indent="-342900">
+              <a:buFont typeface="Arial" pitchFamily="34" charset="0"/>
+              <a:buChar char="•"/>
+            </a:pPr>
+            <a:r>
+              <a:rPr lang="en-US" dirty="0" smtClean="0"/>
+              <a:t>I really tried to create an atmosphere</a:t>
+            </a:r>
+          </a:p>
+          <a:p>
+            <a:r>
+              <a:rPr lang="en-US" dirty="0" smtClean="0"/>
+              <a:t>Where I *only* did 50% of the talking</a:t>
+            </a:r>
+          </a:p>
+          <a:p>
+            <a:pPr marL="342900" indent="-342900">
+              <a:buFont typeface="Arial" pitchFamily="34" charset="0"/>
+              <a:buChar char="•"/>
+            </a:pPr>
+            <a:r>
+              <a:rPr lang="en-US" dirty="0" smtClean="0"/>
+              <a:t>Really hoped that you got to know the people</a:t>
+            </a:r>
+          </a:p>
+          <a:p>
+            <a:r>
+              <a:rPr lang="en-US" dirty="0" smtClean="0"/>
+              <a:t>Sitting around you.  Exchange phone numbers,</a:t>
+            </a:r>
+          </a:p>
+          <a:p>
+            <a:r>
+              <a:rPr lang="en-US" dirty="0" smtClean="0"/>
+              <a:t>Emails with them.</a:t>
+            </a:r>
+          </a:p>
+          <a:p>
+            <a:r>
+              <a:rPr lang="en-US" dirty="0" smtClean="0"/>
+              <a:t>Programs come and go.  Friends are forever</a:t>
+            </a:r>
+          </a:p>
+        </p:txBody>
+      </p:sp>
+    </p:spTree>
+    <p:extLst>
+      <p:ext uri="{BB962C8B-B14F-4D97-AF65-F5344CB8AC3E}">
+        <p14:creationId xmlns:p14="http://schemas.microsoft.com/office/powerpoint/2010/main" val="3607217"/>
+      </p:ext>
+    </p:extLst>
+  </p:cSld>
+  <p:clrMapOvr>
+    <a:masterClrMapping/>
+  </p:clrMapOvr>
+</p:sld>
+</file>
+
+<file path=ppt/slides/slide111.xml><?xml version="1.0" encoding="utf-8"?>
+<p:sld xmlns:a="http://schemas.openxmlformats.org/drawingml/2006/main" xmlns:r="http://schemas.openxmlformats.org/officeDocument/2006/relationships" xmlns:p="http://schemas.openxmlformats.org/presentationml/2006/main">
+  <p:cSld>
+    <p:spTree>
+      <p:nvGrpSpPr>
+        <p:cNvPr id="1" name=""/>
+        <p:cNvGrpSpPr/>
+        <p:nvPr/>
+      </p:nvGrpSpPr>
+      <p:grpSpPr>
+        <a:xfrm>
+          <a:off x="0" y="0"/>
+          <a:ext cx="0" cy="0"/>
+          <a:chOff x="0" y="0"/>
+          <a:chExt cx="0" cy="0"/>
+        </a:xfrm>
+      </p:grpSpPr>
+      <p:sp>
+        <p:nvSpPr>
+          <p:cNvPr id="2" name="Title 1"/>
+          <p:cNvSpPr>
+            <a:spLocks noGrp="1"/>
+          </p:cNvSpPr>
+          <p:nvPr>
+            <p:ph type="title"/>
+          </p:nvPr>
+        </p:nvSpPr>
+        <p:spPr/>
+        <p:txBody>
+          <a:bodyPr/>
+          <a:lstStyle/>
+          <a:p>
+            <a:r>
+              <a:rPr lang="en-US" dirty="0" smtClean="0"/>
+              <a:t>And most of all …</a:t>
+            </a:r>
+            <a:endParaRPr lang="en-US" dirty="0"/>
+          </a:p>
+        </p:txBody>
+      </p:sp>
+      <p:sp>
+        <p:nvSpPr>
+          <p:cNvPr id="3" name="Slide Number Placeholder 2"/>
+          <p:cNvSpPr>
+            <a:spLocks noGrp="1"/>
+          </p:cNvSpPr>
+          <p:nvPr>
+            <p:ph type="sldNum" sz="quarter" idx="12"/>
+          </p:nvPr>
+        </p:nvSpPr>
+        <p:spPr/>
+        <p:txBody>
+          <a:bodyPr/>
+          <a:lstStyle/>
+          <a:p>
+            <a:pPr>
+              <a:defRPr/>
+            </a:pPr>
+            <a:fld id="{B2451C39-31DD-6D4B-9BED-758CF6C1BA6A}" type="slidenum">
+              <a:rPr lang="en-CA" smtClean="0"/>
+              <a:pPr>
+                <a:defRPr/>
+              </a:pPr>
+              <a:t>111</a:t>
+            </a:fld>
+            <a:endParaRPr lang="en-CA"/>
+          </a:p>
+        </p:txBody>
+      </p:sp>
+      <p:sp>
+        <p:nvSpPr>
+          <p:cNvPr id="4" name="TextBox 3"/>
+          <p:cNvSpPr txBox="1"/>
+          <p:nvPr/>
+        </p:nvSpPr>
+        <p:spPr>
+          <a:xfrm>
+            <a:off x="1447800" y="2057400"/>
+            <a:ext cx="7111242" cy="3416320"/>
+          </a:xfrm>
+          <a:prstGeom prst="rect">
+            <a:avLst/>
+          </a:prstGeom>
+          <a:noFill/>
+        </p:spPr>
+        <p:txBody>
+          <a:bodyPr wrap="none" rtlCol="0">
+            <a:spAutoFit/>
+          </a:bodyPr>
+          <a:lstStyle/>
+          <a:p>
+            <a:pPr marL="342900" indent="-342900">
+              <a:buFont typeface="Arial" pitchFamily="34" charset="0"/>
+              <a:buChar char="•"/>
+            </a:pPr>
+            <a:r>
+              <a:rPr lang="en-US" dirty="0" smtClean="0"/>
+              <a:t>Software engineering and banging your</a:t>
+            </a:r>
+          </a:p>
+          <a:p>
+            <a:r>
+              <a:rPr lang="en-US" dirty="0"/>
+              <a:t>h</a:t>
+            </a:r>
+            <a:r>
+              <a:rPr lang="en-US" dirty="0" smtClean="0"/>
+              <a:t>ead against your keyboard.  This was a</a:t>
+            </a:r>
+          </a:p>
+          <a:p>
+            <a:r>
+              <a:rPr lang="en-US" dirty="0"/>
+              <a:t>p</a:t>
+            </a:r>
+            <a:r>
+              <a:rPr lang="en-US" dirty="0" smtClean="0"/>
+              <a:t>ut as much or as little as you want in this</a:t>
+            </a:r>
+          </a:p>
+          <a:p>
+            <a:r>
+              <a:rPr lang="en-US" dirty="0" smtClean="0"/>
+              <a:t>Course.  The project was yours from Day1.</a:t>
+            </a:r>
+          </a:p>
+          <a:p>
+            <a:r>
+              <a:rPr lang="en-US" dirty="0" smtClean="0"/>
+              <a:t>I personally grew quite attached to my first</a:t>
+            </a:r>
+          </a:p>
+          <a:p>
+            <a:r>
+              <a:rPr lang="en-US" dirty="0" smtClean="0"/>
+              <a:t>Software engineering project.  For me it was</a:t>
+            </a:r>
+          </a:p>
+          <a:p>
+            <a:r>
+              <a:rPr lang="en-US" dirty="0" smtClean="0"/>
+              <a:t>Fun.  I programmed it in C.  I don’t use C anymore,</a:t>
+            </a:r>
+          </a:p>
+          <a:p>
+            <a:r>
+              <a:rPr lang="en-US" dirty="0" smtClean="0"/>
+              <a:t>But it was the build your own, manage your own</a:t>
+            </a:r>
+          </a:p>
+          <a:p>
+            <a:r>
+              <a:rPr lang="en-US" dirty="0"/>
+              <a:t>a</a:t>
+            </a:r>
+            <a:r>
+              <a:rPr lang="en-US" dirty="0" smtClean="0"/>
+              <a:t>spect that still keeps me motivated in this field.</a:t>
+            </a:r>
+          </a:p>
+        </p:txBody>
+      </p:sp>
+    </p:spTree>
+    <p:extLst>
+      <p:ext uri="{BB962C8B-B14F-4D97-AF65-F5344CB8AC3E}">
+        <p14:creationId xmlns:p14="http://schemas.microsoft.com/office/powerpoint/2010/main" val="1560099199"/>
+      </p:ext>
+    </p:extLst>
+  </p:cSld>
+  <p:clrMapOvr>
+    <a:masterClrMapping/>
+  </p:clrMapOvr>
+</p:sld>
+</file>
+
+<file path=ppt/slides/slide112.xml><?xml version="1.0" encoding="utf-8"?>
+<p:sld xmlns:a="http://schemas.openxmlformats.org/drawingml/2006/main" xmlns:r="http://schemas.openxmlformats.org/officeDocument/2006/relationships" xmlns:p="http://schemas.openxmlformats.org/presentationml/2006/main">
+  <p:cSld>
+    <p:spTree>
+      <p:nvGrpSpPr>
+        <p:cNvPr id="1" name=""/>
+        <p:cNvGrpSpPr/>
+        <p:nvPr/>
+      </p:nvGrpSpPr>
+      <p:grpSpPr>
+        <a:xfrm>
+          <a:off x="0" y="0"/>
+          <a:ext cx="0" cy="0"/>
+          <a:chOff x="0" y="0"/>
+          <a:chExt cx="0" cy="0"/>
+        </a:xfrm>
+      </p:grpSpPr>
+      <p:sp>
+        <p:nvSpPr>
+          <p:cNvPr id="2" name="Title 1"/>
+          <p:cNvSpPr>
+            <a:spLocks noGrp="1"/>
+          </p:cNvSpPr>
+          <p:nvPr>
+            <p:ph type="title"/>
+          </p:nvPr>
+        </p:nvSpPr>
+        <p:spPr/>
+        <p:txBody>
+          <a:bodyPr/>
+          <a:lstStyle/>
+          <a:p>
+            <a:r>
+              <a:rPr lang="en-US" dirty="0" smtClean="0"/>
+              <a:t>Thank-you + Optional Homework</a:t>
+            </a:r>
+            <a:endParaRPr lang="en-US" dirty="0"/>
+          </a:p>
+        </p:txBody>
+      </p:sp>
+      <p:sp>
+        <p:nvSpPr>
+          <p:cNvPr id="3" name="Slide Number Placeholder 2"/>
+          <p:cNvSpPr>
+            <a:spLocks noGrp="1"/>
+          </p:cNvSpPr>
+          <p:nvPr>
+            <p:ph type="sldNum" sz="quarter" idx="12"/>
+          </p:nvPr>
+        </p:nvSpPr>
+        <p:spPr/>
+        <p:txBody>
+          <a:bodyPr/>
+          <a:lstStyle/>
+          <a:p>
+            <a:pPr>
+              <a:defRPr/>
+            </a:pPr>
+            <a:fld id="{B2451C39-31DD-6D4B-9BED-758CF6C1BA6A}" type="slidenum">
+              <a:rPr lang="en-CA" smtClean="0"/>
+              <a:pPr>
+                <a:defRPr/>
+              </a:pPr>
+              <a:t>112</a:t>
+            </a:fld>
+            <a:endParaRPr lang="en-CA"/>
+          </a:p>
+        </p:txBody>
+      </p:sp>
+      <p:sp>
+        <p:nvSpPr>
+          <p:cNvPr id="4" name="TextBox 3"/>
+          <p:cNvSpPr txBox="1"/>
+          <p:nvPr/>
+        </p:nvSpPr>
+        <p:spPr>
+          <a:xfrm>
+            <a:off x="1295400" y="2590800"/>
+            <a:ext cx="6070893" cy="1569660"/>
+          </a:xfrm>
+          <a:prstGeom prst="rect">
+            <a:avLst/>
+          </a:prstGeom>
+          <a:noFill/>
+        </p:spPr>
+        <p:txBody>
+          <a:bodyPr wrap="none" rtlCol="0">
+            <a:spAutoFit/>
+          </a:bodyPr>
+          <a:lstStyle/>
+          <a:p>
+            <a:r>
+              <a:rPr lang="en-US" dirty="0" smtClean="0"/>
+              <a:t>Thank-you very much for taking this course</a:t>
+            </a:r>
+          </a:p>
+          <a:p>
+            <a:r>
+              <a:rPr lang="en-US" dirty="0" smtClean="0"/>
+              <a:t>I really hope you all had a great time</a:t>
+            </a:r>
+          </a:p>
+          <a:p>
+            <a:endParaRPr lang="en-US" dirty="0"/>
+          </a:p>
+          <a:p>
+            <a:r>
+              <a:rPr lang="en-US" dirty="0"/>
+              <a:t>Survey </a:t>
+            </a:r>
+            <a:r>
+              <a:rPr lang="en-US" dirty="0" smtClean="0"/>
+              <a:t>Monkey link</a:t>
+            </a:r>
+            <a:endParaRPr lang="en-US" dirty="0"/>
+          </a:p>
+        </p:txBody>
+      </p:sp>
+    </p:spTree>
+    <p:extLst>
+      <p:ext uri="{BB962C8B-B14F-4D97-AF65-F5344CB8AC3E}">
+        <p14:creationId xmlns:p14="http://schemas.microsoft.com/office/powerpoint/2010/main" val="1027203661"/>
       </p:ext>
     </p:extLst>
   </p:cSld>
@@ -23924,13 +24942,9 @@
           <a:p>
             <a:r>
               <a:rPr lang="en-US" dirty="0" smtClean="0"/>
-              <a:t>Prove it!!!  …  Sorry, no can do that was an </a:t>
-            </a:r>
-            <a:r>
-              <a:rPr lang="en-US" smtClean="0"/>
-              <a:t>in memory DB</a:t>
-            </a:r>
-            <a:endParaRPr lang="en-US"/>
+              <a:t>Prove it!!!  …  Sorry, no can do that was an in memory DB</a:t>
+            </a:r>
+            <a:endParaRPr lang="en-US" dirty="0"/>
           </a:p>
         </p:txBody>
       </p:sp>
@@ -24010,7 +25024,7 @@
           <a:p>
             <a:r>
               <a:rPr lang="en-US" dirty="0" smtClean="0"/>
-              <a:t>Homework</a:t>
+              <a:t>I know – let’s use MySQL!</a:t>
             </a:r>
             <a:endParaRPr lang="en-US" dirty="0"/>
           </a:p>
@@ -24018,7 +25032,99 @@
       </p:sp>
       <p:sp>
         <p:nvSpPr>
-          <p:cNvPr id="3" name="Slide Number Placeholder 2"/>
+          <p:cNvPr id="3" name="Content Placeholder 2"/>
+          <p:cNvSpPr>
+            <a:spLocks noGrp="1"/>
+          </p:cNvSpPr>
+          <p:nvPr>
+            <p:ph idx="1"/>
+          </p:nvPr>
+        </p:nvSpPr>
+        <p:spPr/>
+        <p:txBody>
+          <a:bodyPr>
+            <a:normAutofit fontScale="85000" lnSpcReduction="20000"/>
+          </a:bodyPr>
+          <a:lstStyle/>
+          <a:p>
+            <a:r>
+              <a:rPr lang="en-US" dirty="0" smtClean="0"/>
+              <a:t>Via your browser, </a:t>
+            </a:r>
+            <a:r>
+              <a:rPr lang="en-US" dirty="0" err="1" smtClean="0"/>
+              <a:t>goto</a:t>
+            </a:r>
+            <a:r>
+              <a:rPr lang="en-US" dirty="0" smtClean="0"/>
+              <a:t>: </a:t>
+            </a:r>
+            <a:r>
+              <a:rPr lang="en-US" i="1" dirty="0" smtClean="0"/>
+              <a:t>freemysqlhosting.net</a:t>
+            </a:r>
+          </a:p>
+          <a:p>
+            <a:r>
+              <a:rPr lang="en-US" dirty="0" smtClean="0"/>
+              <a:t>(alright, I know, I know … its not hosted by BCIT) … but damn it – BCIT doesn’t use MySQL, they use a funny creature called SQL Server</a:t>
+            </a:r>
+          </a:p>
+          <a:p>
+            <a:r>
+              <a:rPr lang="en-US" dirty="0" smtClean="0"/>
+              <a:t>Alright, after you register, you’ll get a</a:t>
+            </a:r>
+          </a:p>
+          <a:p>
+            <a:pPr marL="582930" indent="-514350">
+              <a:buFont typeface="+mj-lt"/>
+              <a:buAutoNum type="arabicPeriod"/>
+            </a:pPr>
+            <a:r>
+              <a:rPr lang="en-US" dirty="0" smtClean="0"/>
+              <a:t>Hostname for your DB</a:t>
+            </a:r>
+          </a:p>
+          <a:p>
+            <a:pPr marL="582930" indent="-514350">
+              <a:buFont typeface="+mj-lt"/>
+              <a:buAutoNum type="arabicPeriod"/>
+            </a:pPr>
+            <a:r>
+              <a:rPr lang="en-US" dirty="0" smtClean="0"/>
+              <a:t>Username / password</a:t>
+            </a:r>
+          </a:p>
+          <a:p>
+            <a:pPr marL="582930" indent="-514350">
+              <a:buFont typeface="+mj-lt"/>
+              <a:buAutoNum type="arabicPeriod"/>
+            </a:pPr>
+            <a:r>
+              <a:rPr lang="en-US" dirty="0" smtClean="0"/>
+              <a:t>Database name</a:t>
+            </a:r>
+          </a:p>
+          <a:p>
+            <a:pPr marL="582930" indent="-514350">
+              <a:buFont typeface="+mj-lt"/>
+              <a:buAutoNum type="arabicPeriod"/>
+            </a:pPr>
+            <a:endParaRPr lang="en-US" dirty="0"/>
+          </a:p>
+          <a:p>
+            <a:r>
+              <a:rPr lang="en-US" dirty="0" smtClean="0"/>
+              <a:t>Convert that information you have above to an applicationContext.xml as is follows:</a:t>
+            </a:r>
+            <a:endParaRPr lang="en-US" dirty="0"/>
+          </a:p>
+        </p:txBody>
+      </p:sp>
+      <p:sp>
+        <p:nvSpPr>
+          <p:cNvPr id="4" name="Slide Number Placeholder 3"/>
           <p:cNvSpPr>
             <a:spLocks noGrp="1"/>
           </p:cNvSpPr>
@@ -24034,57 +25140,21 @@
             <a:pPr>
               <a:defRPr/>
             </a:pPr>
-            <a:fld id="{B2451C39-31DD-6D4B-9BED-758CF6C1BA6A}" type="slidenum">
-              <a:rPr lang="en-CA" smtClean="0"/>
+            <a:fld id="{8B8B984A-5AFF-7643-AE60-6D8D11294076}" type="slidenum">
+              <a:rPr lang="en-US" smtClean="0"/>
               <a:pPr>
                 <a:defRPr/>
               </a:pPr>
               <a:t>93</a:t>
             </a:fld>
-            <a:endParaRPr lang="en-CA"/>
-          </a:p>
-        </p:txBody>
-      </p:sp>
-      <p:sp>
-        <p:nvSpPr>
-          <p:cNvPr id="4" name="TextBox 3"/>
-          <p:cNvSpPr txBox="1"/>
-          <p:nvPr/>
-        </p:nvSpPr>
-        <p:spPr>
-          <a:xfrm>
-            <a:off x="1676400" y="2286000"/>
-            <a:ext cx="4753224" cy="830997"/>
-          </a:xfrm>
-          <a:prstGeom prst="rect">
-            <a:avLst/>
-          </a:prstGeom>
-          <a:noFill/>
-        </p:spPr>
-        <p:txBody>
-          <a:bodyPr wrap="none" rtlCol="0">
-            <a:spAutoFit/>
-          </a:bodyPr>
-          <a:lstStyle/>
-          <a:p>
-            <a:r>
-              <a:rPr lang="en-US" dirty="0" smtClean="0"/>
-              <a:t>3 guesses on what the work is? ;)</a:t>
-            </a:r>
-          </a:p>
-          <a:p>
-            <a:r>
-              <a:rPr lang="en-US" dirty="0" smtClean="0"/>
-              <a:t>Assignment9</a:t>
-            </a:r>
-            <a:endParaRPr lang="en-US" dirty="0"/>
+            <a:endParaRPr lang="en-US"/>
           </a:p>
         </p:txBody>
       </p:sp>
     </p:spTree>
     <p:extLst>
       <p:ext uri="{BB962C8B-B14F-4D97-AF65-F5344CB8AC3E}">
-        <p14:creationId xmlns:p14="http://schemas.microsoft.com/office/powerpoint/2010/main" val="2352623320"/>
+        <p14:creationId xmlns:p14="http://schemas.microsoft.com/office/powerpoint/2010/main" val="3106512701"/>
       </p:ext>
     </p:extLst>
   </p:cSld>
@@ -24128,7 +25198,15 @@
           <a:p>
             <a:r>
               <a:rPr lang="en-US" dirty="0" smtClean="0"/>
-              <a:t>MVC (Model-View-Controller)</a:t>
+              <a:t>application.xml (as a direct child of the /</a:t>
+            </a:r>
+            <a:r>
+              <a:rPr lang="en-US" dirty="0" err="1" smtClean="0"/>
+              <a:t>src</a:t>
+            </a:r>
+            <a:r>
+              <a:rPr lang="en-US" dirty="0" smtClean="0"/>
+              <a:t> directory – no package)</a:t>
             </a:r>
             <a:endParaRPr lang="en-US" dirty="0"/>
           </a:p>
@@ -24147,77 +25225,206 @@
         <p:spPr/>
         <p:txBody>
           <a:bodyPr>
-            <a:normAutofit fontScale="77500" lnSpcReduction="20000"/>
+            <a:normAutofit fontScale="47500" lnSpcReduction="20000"/>
           </a:bodyPr>
           <a:lstStyle/>
           <a:p>
-            <a:r>
-              <a:rPr lang="en-US" dirty="0" smtClean="0"/>
-              <a:t>You already used it with </a:t>
-            </a:r>
-            <a:r>
-              <a:rPr lang="en-US" dirty="0" err="1" smtClean="0"/>
-              <a:t>JavaFx</a:t>
-            </a:r>
-            <a:r>
-              <a:rPr lang="en-US" dirty="0" smtClean="0"/>
-              <a:t> / FXML</a:t>
-            </a:r>
-          </a:p>
-          <a:p>
-            <a:r>
-              <a:rPr lang="en-US" dirty="0" smtClean="0"/>
-              <a:t>Which was the Model?</a:t>
-            </a:r>
-          </a:p>
-          <a:p>
-            <a:r>
-              <a:rPr lang="en-US" dirty="0" smtClean="0"/>
-              <a:t>View?</a:t>
-            </a:r>
-          </a:p>
-          <a:p>
-            <a:r>
-              <a:rPr lang="en-US" dirty="0" smtClean="0"/>
-              <a:t>Controller?</a:t>
-            </a:r>
-          </a:p>
-          <a:p>
-            <a:r>
-              <a:rPr lang="en-US" dirty="0" smtClean="0"/>
-              <a:t>Admittedly, MVC (a somewhat 2000’ish design pattern) isn’t always the best design pattern, but very commonly used.  Pretty good, but not always the best.</a:t>
-            </a:r>
-          </a:p>
-          <a:p>
-            <a:r>
-              <a:rPr lang="en-US" dirty="0" smtClean="0"/>
-              <a:t>Lots of other ones out there like MVP, MVVM, and now there’s a category called MVW – whatever!</a:t>
-            </a:r>
-          </a:p>
-          <a:p>
-            <a:r>
-              <a:rPr lang="en-US" dirty="0" smtClean="0"/>
-              <a:t>Questions?  If not, go back to your Assignment!</a:t>
-            </a:r>
-          </a:p>
-          <a:p>
-            <a:r>
-              <a:rPr lang="en-US" dirty="0" smtClean="0"/>
-              <a:t>I’ll be here to answer questions for the rest of this lecture.</a:t>
-            </a:r>
-          </a:p>
-          <a:p>
-            <a:r>
-              <a:rPr lang="en-US" dirty="0" smtClean="0"/>
-              <a:t>Advice: Check out your neighbor’s application.  </a:t>
-            </a:r>
-            <a:r>
-              <a:rPr lang="en-US" smtClean="0"/>
-              <a:t>Strongly encouraged.</a:t>
-            </a:r>
-            <a:endParaRPr lang="en-US" dirty="0" smtClean="0"/>
-          </a:p>
-          <a:p>
+            <a:endParaRPr lang="en-US" dirty="0"/>
+          </a:p>
+          <a:p>
+            <a:r>
+              <a:rPr lang="en-US" dirty="0"/>
+              <a:t>&lt;beans </a:t>
+            </a:r>
+            <a:r>
+              <a:rPr lang="en-US" dirty="0" err="1"/>
+              <a:t>xmlns</a:t>
+            </a:r>
+            <a:r>
+              <a:rPr lang="en-US" dirty="0"/>
+              <a:t>=</a:t>
+            </a:r>
+            <a:r>
+              <a:rPr lang="en-US" i="1" dirty="0"/>
+              <a:t>"http://www.springframework.org/schema/beans"</a:t>
+            </a:r>
+          </a:p>
+          <a:p>
+            <a:r>
+              <a:rPr lang="en-US" dirty="0" err="1"/>
+              <a:t>xmlns:jpa</a:t>
+            </a:r>
+            <a:r>
+              <a:rPr lang="en-US" dirty="0"/>
+              <a:t>=</a:t>
+            </a:r>
+            <a:r>
+              <a:rPr lang="en-US" i="1" dirty="0"/>
+              <a:t>"http://www.springframework.org/schema/data/jpa" </a:t>
+            </a:r>
+            <a:r>
+              <a:rPr lang="en-US" i="1" dirty="0" err="1"/>
+              <a:t>xmlns:xsi</a:t>
+            </a:r>
+            <a:r>
+              <a:rPr lang="en-US" i="1" dirty="0"/>
+              <a:t>="http://www.w3.org/2001/XMLSchema-instance"</a:t>
+            </a:r>
+          </a:p>
+          <a:p>
+            <a:r>
+              <a:rPr lang="en-US" dirty="0" err="1"/>
+              <a:t>xsi:schemaLocation</a:t>
+            </a:r>
+            <a:r>
+              <a:rPr lang="en-US" dirty="0"/>
+              <a:t>=</a:t>
+            </a:r>
+            <a:r>
+              <a:rPr lang="en-US" i="1" dirty="0"/>
+              <a:t>"http://www.springframework.org/schema/beans</a:t>
+            </a:r>
+          </a:p>
+          <a:p>
+            <a:r>
+              <a:rPr lang="en-US" i="1" dirty="0"/>
+              <a:t>http://www.springframework.org/schema/beans/spring-beans-2.5.xsd</a:t>
+            </a:r>
+          </a:p>
+          <a:p>
+            <a:r>
+              <a:rPr lang="en-US" i="1" dirty="0"/>
+              <a:t>http://www.springframework.org/schema/data/jpa</a:t>
+            </a:r>
+          </a:p>
+          <a:p>
+            <a:r>
+              <a:rPr lang="en-US" i="1" dirty="0"/>
+              <a:t>   http://www.springframework.org/schema/data/jpa/spring-jpa-1.0.xsd"&gt;</a:t>
+            </a:r>
+          </a:p>
+          <a:p>
+            <a:endParaRPr lang="en-US" dirty="0"/>
+          </a:p>
+          <a:p>
+            <a:r>
+              <a:rPr lang="en-US" dirty="0"/>
+              <a:t>&lt;bean id=</a:t>
+            </a:r>
+            <a:r>
+              <a:rPr lang="en-US" i="1" dirty="0"/>
+              <a:t>"</a:t>
+            </a:r>
+            <a:r>
+              <a:rPr lang="en-US" i="1" dirty="0" err="1"/>
+              <a:t>dataSource</a:t>
+            </a:r>
+            <a:r>
+              <a:rPr lang="en-US" i="1" dirty="0"/>
+              <a:t>" class="</a:t>
+            </a:r>
+            <a:r>
+              <a:rPr lang="en-US" i="1" dirty="0" err="1"/>
+              <a:t>org.springframework.jdbc.datasource.DriverManagerDataSource</a:t>
+            </a:r>
+            <a:r>
+              <a:rPr lang="en-US" i="1" dirty="0"/>
+              <a:t>"&gt;</a:t>
+            </a:r>
+          </a:p>
+          <a:p>
+            <a:r>
+              <a:rPr lang="en-US" dirty="0"/>
+              <a:t>&lt;property name=</a:t>
+            </a:r>
+            <a:r>
+              <a:rPr lang="en-US" i="1" dirty="0"/>
+              <a:t>"</a:t>
+            </a:r>
+            <a:r>
+              <a:rPr lang="en-US" i="1" dirty="0" err="1"/>
+              <a:t>driverClassName</a:t>
+            </a:r>
+            <a:r>
+              <a:rPr lang="en-US" i="1" dirty="0"/>
+              <a:t>" value="</a:t>
+            </a:r>
+            <a:r>
+              <a:rPr lang="en-US" i="1" dirty="0" err="1"/>
+              <a:t>com.mysql.jdbc.Driver</a:t>
+            </a:r>
+            <a:r>
+              <a:rPr lang="en-US" i="1" dirty="0"/>
+              <a:t>" /&gt;</a:t>
+            </a:r>
+          </a:p>
+          <a:p>
+            <a:r>
+              <a:rPr lang="en-US" dirty="0"/>
+              <a:t>&lt;property name=</a:t>
+            </a:r>
+            <a:r>
+              <a:rPr lang="en-US" i="1" dirty="0"/>
+              <a:t>"</a:t>
+            </a:r>
+            <a:r>
+              <a:rPr lang="en-US" i="1" dirty="0" err="1"/>
+              <a:t>url</a:t>
+            </a:r>
+            <a:r>
+              <a:rPr lang="en-US" i="1" dirty="0"/>
+              <a:t>"</a:t>
+            </a:r>
+          </a:p>
+          <a:p>
+            <a:r>
+              <a:rPr lang="en-US" dirty="0"/>
+              <a:t>value=</a:t>
+            </a:r>
+            <a:r>
+              <a:rPr lang="en-US" i="1" dirty="0"/>
+              <a:t>"</a:t>
+            </a:r>
+            <a:r>
+              <a:rPr lang="en-US" i="1" dirty="0" err="1"/>
+              <a:t>jdbc:mysql</a:t>
+            </a:r>
+            <a:r>
+              <a:rPr lang="en-US" i="1" dirty="0"/>
+              <a:t>://sql3.freemysqlhosting.net/sql340330" /&gt;</a:t>
+            </a:r>
+          </a:p>
+          <a:p>
+            <a:r>
+              <a:rPr lang="en-US" dirty="0"/>
+              <a:t>&lt;property name=</a:t>
+            </a:r>
+            <a:r>
+              <a:rPr lang="en-US" i="1" dirty="0"/>
+              <a:t>"username" value="sql340330" /&gt;</a:t>
+            </a:r>
+          </a:p>
+          <a:p>
+            <a:r>
+              <a:rPr lang="en-US" dirty="0"/>
+              <a:t>&lt;property name=</a:t>
+            </a:r>
+            <a:r>
+              <a:rPr lang="en-US" i="1" dirty="0"/>
+              <a:t>"password" value="dR5!xA3!" /&gt;</a:t>
+            </a:r>
+          </a:p>
+          <a:p>
+            <a:r>
+              <a:rPr lang="en-US" dirty="0"/>
+              <a:t>&lt;/bean&gt;</a:t>
+            </a:r>
+          </a:p>
+          <a:p>
+            <a:r>
+              <a:rPr lang="en-US" dirty="0"/>
+              <a:t>&lt;/beans&gt;</a:t>
+            </a:r>
             <a:endParaRPr lang="en-US" dirty="0"/>
           </a:p>
         </p:txBody>
@@ -24254,7 +25461,7 @@
     </p:spTree>
     <p:extLst>
       <p:ext uri="{BB962C8B-B14F-4D97-AF65-F5344CB8AC3E}">
-        <p14:creationId xmlns:p14="http://schemas.microsoft.com/office/powerpoint/2010/main" val="3238898663"/>
+        <p14:creationId xmlns:p14="http://schemas.microsoft.com/office/powerpoint/2010/main" val="551329592"/>
       </p:ext>
     </p:extLst>
   </p:cSld>
@@ -24298,7 +25505,11 @@
           <a:p>
             <a:r>
               <a:rPr lang="en-US" dirty="0" smtClean="0"/>
-              <a:t>Homework</a:t>
+              <a:t>Create another Test Driver for </a:t>
+            </a:r>
+            <a:r>
+              <a:rPr lang="en-US" dirty="0" err="1" smtClean="0"/>
+              <a:t>MyDB</a:t>
             </a:r>
             <a:endParaRPr lang="en-US" dirty="0"/>
           </a:p>
@@ -24306,7 +25517,85 @@
       </p:sp>
       <p:sp>
         <p:nvSpPr>
-          <p:cNvPr id="3" name="Slide Number Placeholder 2"/>
+          <p:cNvPr id="3" name="Content Placeholder 2"/>
+          <p:cNvSpPr>
+            <a:spLocks noGrp="1"/>
+          </p:cNvSpPr>
+          <p:nvPr>
+            <p:ph idx="1"/>
+          </p:nvPr>
+        </p:nvSpPr>
+        <p:spPr/>
+        <p:txBody>
+          <a:bodyPr>
+            <a:normAutofit fontScale="77500" lnSpcReduction="20000"/>
+          </a:bodyPr>
+          <a:lstStyle/>
+          <a:p>
+            <a:r>
+              <a:rPr lang="en-US" dirty="0" smtClean="0"/>
+              <a:t>See: </a:t>
+            </a:r>
+            <a:r>
+              <a:rPr lang="en-US" dirty="0" err="1" smtClean="0"/>
+              <a:t>TestDriverWithMySQLDB</a:t>
+            </a:r>
+            <a:endParaRPr lang="en-US" dirty="0" smtClean="0"/>
+          </a:p>
+          <a:p>
+            <a:r>
+              <a:rPr lang="en-US" dirty="0" smtClean="0"/>
+              <a:t>You’ll most likely get a </a:t>
+            </a:r>
+            <a:r>
+              <a:rPr lang="en-US" dirty="0"/>
+              <a:t>Caused by: </a:t>
+            </a:r>
+            <a:r>
+              <a:rPr lang="en-US" u="sng" dirty="0"/>
+              <a:t>com.mysql.jdbc.exceptions.jdbc4.MySQLSyntaxErrorException: Table 'sql340330.teacher' doesn't </a:t>
+            </a:r>
+            <a:r>
+              <a:rPr lang="en-US" u="sng" dirty="0" smtClean="0"/>
+              <a:t>exist</a:t>
+            </a:r>
+          </a:p>
+          <a:p>
+            <a:r>
+              <a:rPr lang="en-US" dirty="0" smtClean="0"/>
+              <a:t>If you get that error, you’ll have to modify </a:t>
+            </a:r>
+            <a:r>
+              <a:rPr lang="en-US" dirty="0" err="1" smtClean="0"/>
+              <a:t>hibernate.properties</a:t>
+            </a:r>
+            <a:endParaRPr lang="en-US" dirty="0"/>
+          </a:p>
+          <a:p>
+            <a:r>
+              <a:rPr lang="en-US" dirty="0" smtClean="0"/>
+              <a:t>Hibernate is *an* implementation to JPA that Spring Data uses.  JPA == API.  Spring Data == framework.  Hibernate == framework within Spring Data.</a:t>
+            </a:r>
+          </a:p>
+          <a:p>
+            <a:r>
+              <a:rPr lang="en-US" dirty="0" smtClean="0"/>
+              <a:t>Problem with so much Annotation magic is that every now and then something goes wrong.  Fortunately, the </a:t>
+            </a:r>
+            <a:r>
+              <a:rPr lang="en-US" dirty="0" err="1" smtClean="0"/>
+              <a:t>hibernate.properties</a:t>
+            </a:r>
+            <a:r>
+              <a:rPr lang="en-US" dirty="0" smtClean="0"/>
+              <a:t> fix is easy</a:t>
+            </a:r>
+          </a:p>
+        </p:txBody>
+      </p:sp>
+      <p:sp>
+        <p:nvSpPr>
+          <p:cNvPr id="4" name="Slide Number Placeholder 3"/>
           <p:cNvSpPr>
             <a:spLocks noGrp="1"/>
           </p:cNvSpPr>
@@ -24322,51 +25611,21 @@
             <a:pPr>
               <a:defRPr/>
             </a:pPr>
-            <a:fld id="{B2451C39-31DD-6D4B-9BED-758CF6C1BA6A}" type="slidenum">
-              <a:rPr lang="en-CA" smtClean="0"/>
+            <a:fld id="{8B8B984A-5AFF-7643-AE60-6D8D11294076}" type="slidenum">
+              <a:rPr lang="en-US" smtClean="0"/>
               <a:pPr>
                 <a:defRPr/>
               </a:pPr>
               <a:t>95</a:t>
             </a:fld>
-            <a:endParaRPr lang="en-CA"/>
-          </a:p>
-        </p:txBody>
-      </p:sp>
-      <p:sp>
-        <p:nvSpPr>
-          <p:cNvPr id="4" name="TextBox 3"/>
-          <p:cNvSpPr txBox="1"/>
-          <p:nvPr/>
-        </p:nvSpPr>
-        <p:spPr>
-          <a:xfrm>
-            <a:off x="1371600" y="2209800"/>
-            <a:ext cx="2222083" cy="461665"/>
-          </a:xfrm>
-          <a:prstGeom prst="rect">
-            <a:avLst/>
-          </a:prstGeom>
-          <a:noFill/>
-        </p:spPr>
-        <p:txBody>
-          <a:bodyPr wrap="none" rtlCol="0">
-            <a:spAutoFit/>
-          </a:bodyPr>
-          <a:lstStyle/>
-          <a:p>
-            <a:r>
-              <a:rPr lang="en-US" dirty="0" smtClean="0"/>
-              <a:t>Assignment 10</a:t>
-            </a:r>
-            <a:endParaRPr lang="en-US" dirty="0"/>
+            <a:endParaRPr lang="en-US"/>
           </a:p>
         </p:txBody>
       </p:sp>
     </p:spTree>
     <p:extLst>
       <p:ext uri="{BB962C8B-B14F-4D97-AF65-F5344CB8AC3E}">
-        <p14:creationId xmlns:p14="http://schemas.microsoft.com/office/powerpoint/2010/main" val="2217852683"/>
+        <p14:creationId xmlns:p14="http://schemas.microsoft.com/office/powerpoint/2010/main" val="3864201953"/>
       </p:ext>
     </p:extLst>
   </p:cSld>
@@ -24409,8 +25668,24 @@
           <a:lstStyle/>
           <a:p>
             <a:r>
-              <a:rPr lang="en-US" dirty="0" smtClean="0"/>
-              <a:t>Network Programming</a:t>
+              <a:rPr lang="en-US" dirty="0" err="1"/>
+              <a:t>h</a:t>
+            </a:r>
+            <a:r>
+              <a:rPr lang="en-US" dirty="0" err="1" smtClean="0"/>
+              <a:t>ibernate.properties</a:t>
+            </a:r>
+            <a:r>
+              <a:rPr lang="en-US" dirty="0" smtClean="0"/>
+              <a:t> (exists under /</a:t>
+            </a:r>
+            <a:r>
+              <a:rPr lang="en-US" dirty="0" err="1" smtClean="0"/>
+              <a:t>src</a:t>
+            </a:r>
+            <a:r>
+              <a:rPr lang="en-US" dirty="0" smtClean="0"/>
+              <a:t>)</a:t>
             </a:r>
             <a:endParaRPr lang="en-US" dirty="0"/>
           </a:p>
@@ -24432,26 +25707,40 @@
           <a:lstStyle/>
           <a:p>
             <a:r>
-              <a:rPr lang="en-US" dirty="0" smtClean="0"/>
-              <a:t>OK, this is a somewhat filler lecture.</a:t>
-            </a:r>
-          </a:p>
-          <a:p>
-            <a:r>
-              <a:rPr lang="en-US" dirty="0" smtClean="0"/>
-              <a:t>Final, final project will have nothing to do with today’s SHORT lecture</a:t>
-            </a:r>
-          </a:p>
-          <a:p>
-            <a:r>
-              <a:rPr lang="en-US" dirty="0" smtClean="0"/>
-              <a:t>Network Programming … UDP / TCP … very cool.  But realistically, you won’t be using those protocols directly.</a:t>
-            </a:r>
-          </a:p>
-          <a:p>
-            <a:r>
-              <a:rPr lang="en-US" dirty="0" smtClean="0"/>
-              <a:t>http / https are by far the most common protocols used in Java</a:t>
+              <a:rPr lang="en-US" dirty="0" err="1"/>
+              <a:t>hibernate.show_sql</a:t>
+            </a:r>
+            <a:r>
+              <a:rPr lang="en-US" dirty="0"/>
+              <a:t>=true</a:t>
+            </a:r>
+          </a:p>
+          <a:p>
+            <a:r>
+              <a:rPr lang="en-US" dirty="0" err="1"/>
+              <a:t>hibernate.format_sql</a:t>
+            </a:r>
+            <a:r>
+              <a:rPr lang="en-US" dirty="0"/>
+              <a:t>=true</a:t>
+            </a:r>
+          </a:p>
+          <a:p>
+            <a:r>
+              <a:rPr lang="en-US" dirty="0"/>
+              <a:t>#hibernate.hbm2ddl.auto=validate | update | create | create-drop</a:t>
+            </a:r>
+          </a:p>
+          <a:p>
+            <a:r>
+              <a:rPr lang="en-US" dirty="0"/>
+              <a:t>#hibernate.hbm2ddl.auto=update</a:t>
+            </a:r>
+          </a:p>
+          <a:p>
+            <a:r>
+              <a:rPr lang="en-US" dirty="0"/>
+              <a:t>hibernate.hbm2ddl.auto=create</a:t>
             </a:r>
             <a:endParaRPr lang="en-US" dirty="0"/>
           </a:p>
@@ -24489,7 +25778,7 @@
     </p:spTree>
     <p:extLst>
       <p:ext uri="{BB962C8B-B14F-4D97-AF65-F5344CB8AC3E}">
-        <p14:creationId xmlns:p14="http://schemas.microsoft.com/office/powerpoint/2010/main" val="498203968"/>
+        <p14:creationId xmlns:p14="http://schemas.microsoft.com/office/powerpoint/2010/main" val="3633679009"/>
       </p:ext>
     </p:extLst>
   </p:cSld>
@@ -24533,7 +25822,11 @@
           <a:p>
             <a:r>
               <a:rPr lang="en-US" dirty="0" smtClean="0"/>
-              <a:t>There’s a tool (library) for that</a:t>
+              <a:t>Run </a:t>
+            </a:r>
+            <a:r>
+              <a:rPr lang="en-US" dirty="0" err="1"/>
+              <a:t>TestDriverWithMySQLDB</a:t>
             </a:r>
             <a:endParaRPr lang="en-US" dirty="0"/>
           </a:p>
@@ -24555,100 +25848,28 @@
           <a:lstStyle/>
           <a:p>
             <a:r>
-              <a:rPr lang="en-US" dirty="0"/>
-              <a:t>&lt;dependency&gt;</a:t>
-            </a:r>
-          </a:p>
-          <a:p>
-            <a:r>
-              <a:rPr lang="en-US" dirty="0"/>
-              <a:t>	&lt;</a:t>
-            </a:r>
-            <a:r>
-              <a:rPr lang="en-US" dirty="0" err="1"/>
-              <a:t>groupId</a:t>
-            </a:r>
-            <a:r>
-              <a:rPr lang="en-US" dirty="0"/>
-              <a:t>&gt;</a:t>
-            </a:r>
-            <a:r>
-              <a:rPr lang="en-US" dirty="0" err="1"/>
-              <a:t>org.apache.httpcomponents</a:t>
-            </a:r>
-            <a:r>
-              <a:rPr lang="en-US" dirty="0"/>
-              <a:t>&lt;/</a:t>
-            </a:r>
-            <a:r>
-              <a:rPr lang="en-US" dirty="0" err="1"/>
-              <a:t>groupId</a:t>
-            </a:r>
-            <a:r>
-              <a:rPr lang="en-US" dirty="0"/>
-              <a:t>&gt;</a:t>
-            </a:r>
-          </a:p>
-          <a:p>
-            <a:r>
-              <a:rPr lang="en-US" dirty="0"/>
-              <a:t>	&lt;</a:t>
-            </a:r>
-            <a:r>
-              <a:rPr lang="en-US" dirty="0" err="1"/>
-              <a:t>artifactId</a:t>
-            </a:r>
-            <a:r>
-              <a:rPr lang="en-US" dirty="0"/>
-              <a:t>&gt;</a:t>
-            </a:r>
-            <a:r>
-              <a:rPr lang="en-US" dirty="0" err="1"/>
-              <a:t>httpclient</a:t>
-            </a:r>
-            <a:r>
-              <a:rPr lang="en-US" dirty="0"/>
-              <a:t>&lt;/</a:t>
-            </a:r>
-            <a:r>
-              <a:rPr lang="en-US" dirty="0" err="1"/>
-              <a:t>artifactId</a:t>
-            </a:r>
-            <a:r>
-              <a:rPr lang="en-US" dirty="0"/>
-              <a:t>&gt;</a:t>
-            </a:r>
-          </a:p>
-          <a:p>
-            <a:r>
-              <a:rPr lang="en-US" dirty="0"/>
-              <a:t>	&lt;version&gt;4.3.3&lt;/version&gt;</a:t>
-            </a:r>
-          </a:p>
-          <a:p>
-            <a:r>
-              <a:rPr lang="en-US" dirty="0"/>
-              <a:t>&lt;/dependency&gt;</a:t>
-            </a:r>
-          </a:p>
-          <a:p>
-            <a:r>
-              <a:rPr lang="en-US" dirty="0"/>
-              <a:t> </a:t>
-            </a:r>
-          </a:p>
-          <a:p>
-            <a:r>
-              <a:rPr lang="en-US" dirty="0"/>
-              <a:t> </a:t>
-            </a:r>
-            <a:r>
-              <a:rPr lang="en-US" dirty="0" smtClean="0"/>
-              <a:t>See </a:t>
+              <a:rPr lang="en-US" dirty="0" smtClean="0"/>
+              <a:t>No errors right?</a:t>
+            </a:r>
+          </a:p>
+          <a:p>
+            <a:r>
+              <a:rPr lang="en-US" dirty="0" smtClean="0"/>
+              <a:t>But where did my data go?</a:t>
+            </a:r>
+          </a:p>
+          <a:p>
+            <a:r>
+              <a:rPr lang="en-US" dirty="0" smtClean="0"/>
+              <a:t>Well … let’s take a look at the </a:t>
             </a:r>
             <a:r>
               <a:rPr lang="en-US" dirty="0" err="1" smtClean="0"/>
-              <a:t>HttpComponentsDemo</a:t>
+              <a:t>MySQLDB</a:t>
+            </a:r>
+            <a:r>
+              <a:rPr lang="en-US" dirty="0" smtClean="0"/>
+              <a:t> directly</a:t>
             </a:r>
             <a:endParaRPr lang="en-US" dirty="0"/>
           </a:p>
@@ -24686,7 +25907,7 @@
     </p:spTree>
     <p:extLst>
       <p:ext uri="{BB962C8B-B14F-4D97-AF65-F5344CB8AC3E}">
-        <p14:creationId xmlns:p14="http://schemas.microsoft.com/office/powerpoint/2010/main" val="664585395"/>
+        <p14:creationId xmlns:p14="http://schemas.microsoft.com/office/powerpoint/2010/main" val="2614185090"/>
       </p:ext>
     </p:extLst>
   </p:cSld>
@@ -24730,7 +25951,15 @@
           <a:p>
             <a:r>
               <a:rPr lang="en-US" dirty="0" smtClean="0"/>
-              <a:t>Homework</a:t>
+              <a:t>MySQL Workbench (the </a:t>
+            </a:r>
+            <a:r>
+              <a:rPr lang="en-US" dirty="0" err="1" smtClean="0"/>
+              <a:t>defacto</a:t>
+            </a:r>
+            <a:r>
+              <a:rPr lang="en-US" dirty="0" smtClean="0"/>
+              <a:t> client for MySQL)</a:t>
             </a:r>
             <a:endParaRPr lang="en-US" dirty="0"/>
           </a:p>
@@ -24738,7 +25967,68 @@
       </p:sp>
       <p:sp>
         <p:nvSpPr>
-          <p:cNvPr id="3" name="Slide Number Placeholder 2"/>
+          <p:cNvPr id="3" name="Content Placeholder 2"/>
+          <p:cNvSpPr>
+            <a:spLocks noGrp="1"/>
+          </p:cNvSpPr>
+          <p:nvPr>
+            <p:ph idx="1"/>
+          </p:nvPr>
+        </p:nvSpPr>
+        <p:spPr/>
+        <p:txBody>
+          <a:bodyPr/>
+          <a:lstStyle/>
+          <a:p>
+            <a:r>
+              <a:rPr lang="en-US" dirty="0" smtClean="0">
+                <a:hlinkClick r:id="rId2"/>
+              </a:rPr>
+              <a:t>http</a:t>
+            </a:r>
+            <a:r>
+              <a:rPr lang="en-US" dirty="0">
+                <a:hlinkClick r:id="rId2"/>
+              </a:rPr>
+              <a:t>://dev.mysql.com/downloads</a:t>
+            </a:r>
+            <a:r>
+              <a:rPr lang="en-US" dirty="0" smtClean="0">
+                <a:hlinkClick r:id="rId2"/>
+              </a:rPr>
+              <a:t>/</a:t>
+            </a:r>
+            <a:endParaRPr lang="en-US" dirty="0" smtClean="0"/>
+          </a:p>
+          <a:p>
+            <a:r>
+              <a:rPr lang="en-US" dirty="0" smtClean="0"/>
+              <a:t>Find the MySQL Workbench download</a:t>
+            </a:r>
+          </a:p>
+          <a:p>
+            <a:r>
+              <a:rPr lang="en-US" dirty="0" smtClean="0"/>
+              <a:t>Start up workbench</a:t>
+            </a:r>
+          </a:p>
+          <a:p>
+            <a:r>
+              <a:rPr lang="en-US" dirty="0" smtClean="0"/>
+              <a:t>Database-&gt;connect to Database</a:t>
+            </a:r>
+          </a:p>
+          <a:p>
+            <a:endParaRPr lang="en-US" dirty="0" smtClean="0"/>
+          </a:p>
+          <a:p>
+            <a:endParaRPr lang="en-US" dirty="0"/>
+          </a:p>
+        </p:txBody>
+      </p:sp>
+      <p:sp>
+        <p:nvSpPr>
+          <p:cNvPr id="4" name="Slide Number Placeholder 3"/>
           <p:cNvSpPr>
             <a:spLocks noGrp="1"/>
           </p:cNvSpPr>
@@ -24754,74 +26044,45 @@
             <a:pPr>
               <a:defRPr/>
             </a:pPr>
-            <a:fld id="{B2451C39-31DD-6D4B-9BED-758CF6C1BA6A}" type="slidenum">
-              <a:rPr lang="en-CA" smtClean="0"/>
+            <a:fld id="{8B8B984A-5AFF-7643-AE60-6D8D11294076}" type="slidenum">
+              <a:rPr lang="en-US" smtClean="0"/>
               <a:pPr>
                 <a:defRPr/>
               </a:pPr>
               <a:t>98</a:t>
             </a:fld>
-            <a:endParaRPr lang="en-CA"/>
-          </a:p>
-        </p:txBody>
-      </p:sp>
-      <p:sp>
-        <p:nvSpPr>
-          <p:cNvPr id="4" name="TextBox 3"/>
-          <p:cNvSpPr txBox="1"/>
+            <a:endParaRPr lang="en-US"/>
+          </a:p>
+        </p:txBody>
+      </p:sp>
+      <p:pic>
+        <p:nvPicPr>
+          <p:cNvPr id="5" name="Picture 4"/>
+          <p:cNvPicPr>
+            <a:picLocks noChangeAspect="1"/>
+          </p:cNvPicPr>
           <p:nvPr/>
-        </p:nvSpPr>
+        </p:nvPicPr>
+        <p:blipFill>
+          <a:blip r:embed="rId3"/>
+          <a:stretch>
+            <a:fillRect/>
+          </a:stretch>
+        </p:blipFill>
         <p:spPr>
           <a:xfrm>
-            <a:off x="1828800" y="1752600"/>
-            <a:ext cx="6296917" cy="1938992"/>
+            <a:off x="2057399" y="3890039"/>
+            <a:ext cx="5719903" cy="2891761"/>
           </a:xfrm>
           <a:prstGeom prst="rect">
             <a:avLst/>
           </a:prstGeom>
-          <a:noFill/>
         </p:spPr>
-        <p:txBody>
-          <a:bodyPr wrap="none" rtlCol="0">
-            <a:spAutoFit/>
-          </a:bodyPr>
-          <a:lstStyle/>
-          <a:p>
-            <a:r>
-              <a:rPr lang="en-US" dirty="0" smtClean="0"/>
-              <a:t>You guessed it Assignment11</a:t>
-            </a:r>
-          </a:p>
-          <a:p>
-            <a:r>
-              <a:rPr lang="en-US" dirty="0" smtClean="0"/>
-              <a:t>Hint for Final</a:t>
-            </a:r>
-          </a:p>
-          <a:p>
-            <a:r>
-              <a:rPr lang="en-US" dirty="0" smtClean="0"/>
-              <a:t>What can go wrong with your application</a:t>
-            </a:r>
-          </a:p>
-          <a:p>
-            <a:r>
-              <a:rPr lang="en-US" dirty="0" smtClean="0"/>
-              <a:t>When you demo it?  How should you handle,</a:t>
-            </a:r>
-          </a:p>
-          <a:p>
-            <a:r>
-              <a:rPr lang="en-US" dirty="0" smtClean="0"/>
-              <a:t>Fallback on what?</a:t>
-            </a:r>
-          </a:p>
-        </p:txBody>
-      </p:sp>
+      </p:pic>
     </p:spTree>
     <p:extLst>
       <p:ext uri="{BB962C8B-B14F-4D97-AF65-F5344CB8AC3E}">
-        <p14:creationId xmlns:p14="http://schemas.microsoft.com/office/powerpoint/2010/main" val="3669441049"/>
+        <p14:creationId xmlns:p14="http://schemas.microsoft.com/office/powerpoint/2010/main" val="2369131577"/>
       </p:ext>
     </p:extLst>
   </p:cSld>
@@ -24865,15 +26126,41 @@
           <a:p>
             <a:r>
               <a:rPr lang="en-US" dirty="0" smtClean="0"/>
-              <a:t>Food for thought…</a:t>
+              <a:t>And see if your new row is inserted</a:t>
             </a:r>
             <a:endParaRPr lang="en-US" dirty="0"/>
           </a:p>
         </p:txBody>
       </p:sp>
-      <p:sp>
-        <p:nvSpPr>
-          <p:cNvPr id="3" name="Slide Number Placeholder 2"/>
+      <p:pic>
+        <p:nvPicPr>
+          <p:cNvPr id="5" name="Content Placeholder 4"/>
+          <p:cNvPicPr>
+            <a:picLocks noGrp="1" noChangeAspect="1"/>
+          </p:cNvPicPr>
+          <p:nvPr>
+            <p:ph idx="1"/>
+          </p:nvPr>
+        </p:nvPicPr>
+        <p:blipFill>
+          <a:blip r:embed="rId2"/>
+          <a:stretch>
+            <a:fillRect/>
+          </a:stretch>
+        </p:blipFill>
+        <p:spPr>
+          <a:xfrm>
+            <a:off x="1531144" y="1784350"/>
+            <a:ext cx="6096000" cy="4572000"/>
+          </a:xfrm>
+          <a:prstGeom prst="rect">
+            <a:avLst/>
+          </a:prstGeom>
+        </p:spPr>
+      </p:pic>
+      <p:sp>
+        <p:nvSpPr>
+          <p:cNvPr id="4" name="Slide Number Placeholder 3"/>
           <p:cNvSpPr>
             <a:spLocks noGrp="1"/>
           </p:cNvSpPr>
@@ -24889,95 +26176,21 @@
             <a:pPr>
               <a:defRPr/>
             </a:pPr>
-            <a:fld id="{B2451C39-31DD-6D4B-9BED-758CF6C1BA6A}" type="slidenum">
-              <a:rPr lang="en-CA" smtClean="0"/>
+            <a:fld id="{8B8B984A-5AFF-7643-AE60-6D8D11294076}" type="slidenum">
+              <a:rPr lang="en-US" smtClean="0"/>
               <a:pPr>
                 <a:defRPr/>
               </a:pPr>
               <a:t>99</a:t>
             </a:fld>
-            <a:endParaRPr lang="en-CA"/>
-          </a:p>
-        </p:txBody>
-      </p:sp>
-      <p:sp>
-        <p:nvSpPr>
-          <p:cNvPr id="4" name="TextBox 3"/>
-          <p:cNvSpPr txBox="1"/>
-          <p:nvPr/>
-        </p:nvSpPr>
-        <p:spPr>
-          <a:xfrm>
-            <a:off x="1371600" y="1828800"/>
-            <a:ext cx="4831772" cy="1938992"/>
-          </a:xfrm>
-          <a:prstGeom prst="rect">
-            <a:avLst/>
-          </a:prstGeom>
-          <a:noFill/>
-        </p:spPr>
-        <p:txBody>
-          <a:bodyPr wrap="none" rtlCol="0">
-            <a:spAutoFit/>
-          </a:bodyPr>
-          <a:lstStyle/>
-          <a:p>
-            <a:pPr marL="342900" indent="-342900">
-              <a:buFont typeface="Arial" pitchFamily="34" charset="0"/>
-              <a:buChar char="•"/>
-            </a:pPr>
-            <a:r>
-              <a:rPr lang="en-US" dirty="0" smtClean="0"/>
-              <a:t>Maybe after this course …</a:t>
-            </a:r>
-          </a:p>
-          <a:p>
-            <a:pPr marL="342900" indent="-342900">
-              <a:buFont typeface="Arial" pitchFamily="34" charset="0"/>
-              <a:buChar char="•"/>
-            </a:pPr>
-            <a:r>
-              <a:rPr lang="en-US" dirty="0" smtClean="0"/>
-              <a:t>I REALLY hate Java…</a:t>
-            </a:r>
-          </a:p>
-          <a:p>
-            <a:pPr marL="342900" indent="-342900">
-              <a:buFont typeface="Arial" pitchFamily="34" charset="0"/>
-              <a:buChar char="•"/>
-            </a:pPr>
-            <a:r>
-              <a:rPr lang="en-US" dirty="0" smtClean="0"/>
-              <a:t>Or I REALLY love it</a:t>
-            </a:r>
-          </a:p>
-          <a:p>
-            <a:pPr marL="342900" indent="-342900">
-              <a:buFont typeface="Arial" pitchFamily="34" charset="0"/>
-              <a:buChar char="•"/>
-            </a:pPr>
-            <a:r>
-              <a:rPr lang="en-US" dirty="0" smtClean="0"/>
-              <a:t>But was that all you learned?</a:t>
-            </a:r>
-          </a:p>
-          <a:p>
-            <a:pPr marL="342900" indent="-342900">
-              <a:buFont typeface="Arial" pitchFamily="34" charset="0"/>
-              <a:buChar char="•"/>
-            </a:pPr>
-            <a:r>
-              <a:rPr lang="en-US" dirty="0" smtClean="0"/>
-              <a:t>I had a hidden agenda all along</a:t>
-            </a:r>
-            <a:endParaRPr lang="en-US" dirty="0"/>
+            <a:endParaRPr lang="en-US"/>
           </a:p>
         </p:txBody>
       </p:sp>
     </p:spTree>
     <p:extLst>
       <p:ext uri="{BB962C8B-B14F-4D97-AF65-F5344CB8AC3E}">
-        <p14:creationId xmlns:p14="http://schemas.microsoft.com/office/powerpoint/2010/main" val="568372925"/>
+        <p14:creationId xmlns:p14="http://schemas.microsoft.com/office/powerpoint/2010/main" val="3091410012"/>
       </p:ext>
     </p:extLst>
   </p:cSld>

--- a/coursePresentation.pptx
+++ b/coursePresentation.pptx
@@ -5,10 +5,10 @@
     <p:sldMasterId id="2147484906" r:id="rId1"/>
   </p:sldMasterIdLst>
   <p:notesMasterIdLst>
-    <p:notesMasterId r:id="rId114"/>
+    <p:notesMasterId r:id="rId115"/>
   </p:notesMasterIdLst>
   <p:handoutMasterIdLst>
-    <p:handoutMasterId r:id="rId115"/>
+    <p:handoutMasterId r:id="rId116"/>
   </p:handoutMasterIdLst>
   <p:sldIdLst>
     <p:sldId id="257" r:id="rId2"/>
@@ -111,18 +111,19 @@
     <p:sldId id="440" r:id="rId99"/>
     <p:sldId id="441" r:id="rId100"/>
     <p:sldId id="409" r:id="rId101"/>
-    <p:sldId id="427" r:id="rId102"/>
-    <p:sldId id="411" r:id="rId103"/>
-    <p:sldId id="425" r:id="rId104"/>
-    <p:sldId id="426" r:id="rId105"/>
-    <p:sldId id="413" r:id="rId106"/>
-    <p:sldId id="389" r:id="rId107"/>
-    <p:sldId id="390" r:id="rId108"/>
-    <p:sldId id="391" r:id="rId109"/>
-    <p:sldId id="392" r:id="rId110"/>
-    <p:sldId id="414" r:id="rId111"/>
-    <p:sldId id="393" r:id="rId112"/>
-    <p:sldId id="394" r:id="rId113"/>
+    <p:sldId id="425" r:id="rId102"/>
+    <p:sldId id="442" r:id="rId103"/>
+    <p:sldId id="411" r:id="rId104"/>
+    <p:sldId id="427" r:id="rId105"/>
+    <p:sldId id="426" r:id="rId106"/>
+    <p:sldId id="413" r:id="rId107"/>
+    <p:sldId id="389" r:id="rId108"/>
+    <p:sldId id="390" r:id="rId109"/>
+    <p:sldId id="391" r:id="rId110"/>
+    <p:sldId id="392" r:id="rId111"/>
+    <p:sldId id="414" r:id="rId112"/>
+    <p:sldId id="393" r:id="rId113"/>
+    <p:sldId id="394" r:id="rId114"/>
   </p:sldIdLst>
   <p:sldSz cx="9144000" cy="6858000" type="screen4x3"/>
   <p:notesSz cx="6858000" cy="9144000"/>
@@ -6858,7 +6859,7 @@
           <a:p>
             <a:r>
               <a:rPr lang="en-US" dirty="0" smtClean="0"/>
-              <a:t>MVC (Model-View-Controller)</a:t>
+              <a:t>Network Programming</a:t>
             </a:r>
             <a:endParaRPr lang="en-US" dirty="0"/>
           </a:p>
@@ -6877,77 +6878,69 @@
         <p:spPr/>
         <p:txBody>
           <a:bodyPr>
-            <a:normAutofit fontScale="77500" lnSpcReduction="20000"/>
+            <a:normAutofit fontScale="85000" lnSpcReduction="20000"/>
           </a:bodyPr>
           <a:lstStyle/>
           <a:p>
             <a:r>
               <a:rPr lang="en-US" dirty="0" smtClean="0"/>
-              <a:t>You already used it with </a:t>
+              <a:t>OK, this is a somewhat filler lecture</a:t>
+            </a:r>
+            <a:r>
+              <a:rPr lang="en-US" dirty="0" smtClean="0"/>
+              <a:t>.  Course outline has a mandate to cover network programming.</a:t>
+            </a:r>
+            <a:endParaRPr lang="en-US" dirty="0" smtClean="0"/>
+          </a:p>
+          <a:p>
+            <a:r>
+              <a:rPr lang="en-US" dirty="0" smtClean="0"/>
+              <a:t>The Final exam, </a:t>
+            </a:r>
+            <a:r>
+              <a:rPr lang="en-US" dirty="0" smtClean="0"/>
+              <a:t>final project will have nothing to do with today’s SHORT </a:t>
+            </a:r>
+            <a:r>
+              <a:rPr lang="en-US" dirty="0" smtClean="0"/>
+              <a:t>lecture on Network Programming.</a:t>
+            </a:r>
+            <a:endParaRPr lang="en-US" dirty="0" smtClean="0"/>
+          </a:p>
+          <a:p>
+            <a:r>
+              <a:rPr lang="en-US" dirty="0" smtClean="0"/>
+              <a:t>Network Programming … UDP / TCP … very cool.  But realistically, you won’t be using those protocols directly</a:t>
+            </a:r>
+            <a:r>
+              <a:rPr lang="en-US" dirty="0" smtClean="0"/>
+              <a:t>.  In short, if want to do something in low-level, … try not to do it in Java please.</a:t>
+            </a:r>
+            <a:endParaRPr lang="en-US" dirty="0" smtClean="0"/>
+          </a:p>
+          <a:p>
+            <a:r>
+              <a:rPr lang="en-US" dirty="0" smtClean="0"/>
+              <a:t>http / https are by far the most common protocols used in </a:t>
+            </a:r>
+            <a:r>
+              <a:rPr lang="en-US" dirty="0" smtClean="0"/>
+              <a:t>Java</a:t>
+            </a:r>
+          </a:p>
+          <a:p>
+            <a:r>
+              <a:rPr lang="en-US" dirty="0" smtClean="0"/>
+              <a:t>See </a:t>
             </a:r>
             <a:r>
               <a:rPr lang="en-US" dirty="0" err="1" smtClean="0"/>
-              <a:t>JavaFx</a:t>
-            </a:r>
-            <a:r>
-              <a:rPr lang="en-US" dirty="0" smtClean="0"/>
-              <a:t> / FXML</a:t>
-            </a:r>
-          </a:p>
-          <a:p>
-            <a:r>
-              <a:rPr lang="en-US" dirty="0" smtClean="0"/>
-              <a:t>Which was the Model?</a:t>
-            </a:r>
-          </a:p>
-          <a:p>
-            <a:r>
-              <a:rPr lang="en-US" dirty="0" smtClean="0"/>
-              <a:t>View?</a:t>
-            </a:r>
-          </a:p>
-          <a:p>
-            <a:r>
-              <a:rPr lang="en-US" dirty="0" smtClean="0"/>
-              <a:t>Controller?</a:t>
-            </a:r>
-          </a:p>
-          <a:p>
-            <a:r>
-              <a:rPr lang="en-US" dirty="0" smtClean="0"/>
-              <a:t>Admittedly, MVC (a somewhat 2000’ish design pattern) isn’t always the best design pattern, but very commonly used.  Pretty good, but not always the best.</a:t>
-            </a:r>
-          </a:p>
-          <a:p>
-            <a:r>
-              <a:rPr lang="en-US" dirty="0" smtClean="0"/>
-              <a:t>Lots of other ones out there like MVP, MVVM, and now there’s a category called MVW – whatever!</a:t>
-            </a:r>
-          </a:p>
-          <a:p>
-            <a:r>
-              <a:rPr lang="en-US" dirty="0" smtClean="0"/>
-              <a:t>Questions?  If not, go back to your Assignment!</a:t>
-            </a:r>
-          </a:p>
-          <a:p>
-            <a:r>
-              <a:rPr lang="en-US" dirty="0" smtClean="0"/>
-              <a:t>I’ll be here to answer questions for the rest of this lecture.</a:t>
-            </a:r>
-          </a:p>
-          <a:p>
-            <a:r>
-              <a:rPr lang="en-US" dirty="0" smtClean="0"/>
-              <a:t>Advice: Check out your neighbor’s application.  </a:t>
-            </a:r>
-            <a:r>
-              <a:rPr lang="en-US" smtClean="0"/>
-              <a:t>Strongly encouraged.</a:t>
-            </a:r>
-            <a:endParaRPr lang="en-US" dirty="0" smtClean="0"/>
-          </a:p>
-          <a:p>
+              <a:t>HttpComponentsDemo</a:t>
+            </a:r>
+            <a:r>
+              <a:rPr lang="en-US" dirty="0" smtClean="0"/>
+              <a:t> (still not very important, so let’s keep this short to cover the NEXT slide)</a:t>
+            </a:r>
             <a:endParaRPr lang="en-US" dirty="0"/>
           </a:p>
         </p:txBody>
@@ -6984,7 +6977,7 @@
     </p:spTree>
     <p:extLst>
       <p:ext uri="{BB962C8B-B14F-4D97-AF65-F5344CB8AC3E}">
-        <p14:creationId xmlns:p14="http://schemas.microsoft.com/office/powerpoint/2010/main" val="3238898663"/>
+        <p14:creationId xmlns:p14="http://schemas.microsoft.com/office/powerpoint/2010/main" val="498203968"/>
       </p:ext>
     </p:extLst>
   </p:cSld>
@@ -7028,7 +7021,7 @@
           <a:p>
             <a:r>
               <a:rPr lang="en-US" dirty="0" smtClean="0"/>
-              <a:t>Homework</a:t>
+              <a:t>What now?</a:t>
             </a:r>
             <a:endParaRPr lang="en-US" dirty="0"/>
           </a:p>
@@ -7036,7 +7029,86 @@
       </p:sp>
       <p:sp>
         <p:nvSpPr>
-          <p:cNvPr id="3" name="Slide Number Placeholder 2"/>
+          <p:cNvPr id="3" name="Content Placeholder 2"/>
+          <p:cNvSpPr>
+            <a:spLocks noGrp="1"/>
+          </p:cNvSpPr>
+          <p:nvPr>
+            <p:ph idx="1"/>
+          </p:nvPr>
+        </p:nvSpPr>
+        <p:spPr/>
+        <p:txBody>
+          <a:bodyPr>
+            <a:normAutofit fontScale="70000" lnSpcReduction="20000"/>
+          </a:bodyPr>
+          <a:lstStyle/>
+          <a:p>
+            <a:r>
+              <a:rPr lang="en-US" dirty="0" smtClean="0"/>
+              <a:t>Not going to lie, the previous class was pretty *tough*.  There’s the technical code part, the *magic of annotations* and just the new train of thought with Java ORM</a:t>
+            </a:r>
+          </a:p>
+          <a:p>
+            <a:r>
+              <a:rPr lang="en-US" dirty="0" smtClean="0"/>
+              <a:t>Show of hands … how many people were </a:t>
+            </a:r>
+          </a:p>
+          <a:p>
+            <a:pPr marL="912114" lvl="1" indent="-514350">
+              <a:buFont typeface="+mj-lt"/>
+              <a:buAutoNum type="arabicPeriod"/>
+            </a:pPr>
+            <a:r>
+              <a:rPr lang="en-US" dirty="0" smtClean="0"/>
+              <a:t>Very confused about Database ORM</a:t>
+            </a:r>
+          </a:p>
+          <a:p>
+            <a:pPr marL="912114" lvl="1" indent="-514350">
+              <a:buFont typeface="+mj-lt"/>
+              <a:buAutoNum type="arabicPeriod"/>
+            </a:pPr>
+            <a:r>
+              <a:rPr lang="en-US" dirty="0" smtClean="0"/>
+              <a:t>Semi-confused</a:t>
+            </a:r>
+          </a:p>
+          <a:p>
+            <a:pPr marL="912114" lvl="1" indent="-514350">
+              <a:buFont typeface="+mj-lt"/>
+              <a:buAutoNum type="arabicPeriod"/>
+            </a:pPr>
+            <a:r>
+              <a:rPr lang="en-US" dirty="0" smtClean="0"/>
+              <a:t>Heck – easy stuff</a:t>
+            </a:r>
+          </a:p>
+          <a:p>
+            <a:r>
+              <a:rPr lang="en-US" dirty="0" smtClean="0"/>
+              <a:t>Also the lecture about Databases is by FAR one of the most important lectures.  Without databases, you will have NO Web Service, no Web app.  The concepts of DB alone is a course by itself.</a:t>
+            </a:r>
+          </a:p>
+          <a:p>
+            <a:r>
+              <a:rPr lang="en-US" dirty="0" smtClean="0"/>
+              <a:t>If no other questions, I’m going to repeat the last class again (and possibly again in the next class if I see a lot of blank faces)</a:t>
+            </a:r>
+          </a:p>
+          <a:p>
+            <a:r>
+              <a:rPr lang="en-US" dirty="0" smtClean="0"/>
+              <a:t>If you understand ORM inside out, feel free to work on your assignment or take off early</a:t>
+            </a:r>
+            <a:endParaRPr lang="en-US" dirty="0"/>
+          </a:p>
+        </p:txBody>
+      </p:sp>
+      <p:sp>
+        <p:nvSpPr>
+          <p:cNvPr id="4" name="Slide Number Placeholder 3"/>
           <p:cNvSpPr>
             <a:spLocks noGrp="1"/>
           </p:cNvSpPr>
@@ -7052,51 +7124,21 @@
             <a:pPr>
               <a:defRPr/>
             </a:pPr>
-            <a:fld id="{B2451C39-31DD-6D4B-9BED-758CF6C1BA6A}" type="slidenum">
-              <a:rPr lang="en-CA" smtClean="0"/>
+            <a:fld id="{8B8B984A-5AFF-7643-AE60-6D8D11294076}" type="slidenum">
+              <a:rPr lang="en-US" smtClean="0"/>
               <a:pPr>
                 <a:defRPr/>
               </a:pPr>
               <a:t>102</a:t>
             </a:fld>
-            <a:endParaRPr lang="en-CA"/>
-          </a:p>
-        </p:txBody>
-      </p:sp>
-      <p:sp>
-        <p:nvSpPr>
-          <p:cNvPr id="4" name="TextBox 3"/>
-          <p:cNvSpPr txBox="1"/>
-          <p:nvPr/>
-        </p:nvSpPr>
-        <p:spPr>
-          <a:xfrm>
-            <a:off x="1371600" y="2209800"/>
-            <a:ext cx="2222083" cy="461665"/>
-          </a:xfrm>
-          <a:prstGeom prst="rect">
-            <a:avLst/>
-          </a:prstGeom>
-          <a:noFill/>
-        </p:spPr>
-        <p:txBody>
-          <a:bodyPr wrap="none" rtlCol="0">
-            <a:spAutoFit/>
-          </a:bodyPr>
-          <a:lstStyle/>
-          <a:p>
-            <a:r>
-              <a:rPr lang="en-US" dirty="0" smtClean="0"/>
-              <a:t>Assignment 10</a:t>
-            </a:r>
-            <a:endParaRPr lang="en-US" dirty="0"/>
+            <a:endParaRPr lang="en-US"/>
           </a:p>
         </p:txBody>
       </p:sp>
     </p:spTree>
     <p:extLst>
       <p:ext uri="{BB962C8B-B14F-4D97-AF65-F5344CB8AC3E}">
-        <p14:creationId xmlns:p14="http://schemas.microsoft.com/office/powerpoint/2010/main" val="2217852683"/>
+        <p14:creationId xmlns:p14="http://schemas.microsoft.com/office/powerpoint/2010/main" val="3611507398"/>
       </p:ext>
     </p:extLst>
   </p:cSld>
@@ -7140,7 +7182,7 @@
           <a:p>
             <a:r>
               <a:rPr lang="en-US" dirty="0" smtClean="0"/>
-              <a:t>Network Programming</a:t>
+              <a:t>Homework</a:t>
             </a:r>
             <a:endParaRPr lang="en-US" dirty="0"/>
           </a:p>
@@ -7148,48 +7190,7 @@
       </p:sp>
       <p:sp>
         <p:nvSpPr>
-          <p:cNvPr id="3" name="Content Placeholder 2"/>
-          <p:cNvSpPr>
-            <a:spLocks noGrp="1"/>
-          </p:cNvSpPr>
-          <p:nvPr>
-            <p:ph idx="1"/>
-          </p:nvPr>
-        </p:nvSpPr>
-        <p:spPr/>
-        <p:txBody>
-          <a:bodyPr/>
-          <a:lstStyle/>
-          <a:p>
-            <a:r>
-              <a:rPr lang="en-US" dirty="0" smtClean="0"/>
-              <a:t>OK, this is a somewhat filler lecture.</a:t>
-            </a:r>
-          </a:p>
-          <a:p>
-            <a:r>
-              <a:rPr lang="en-US" dirty="0" smtClean="0"/>
-              <a:t>Final, final project will have nothing to do with today’s SHORT lecture</a:t>
-            </a:r>
-          </a:p>
-          <a:p>
-            <a:r>
-              <a:rPr lang="en-US" dirty="0" smtClean="0"/>
-              <a:t>Network Programming … UDP / TCP … very cool.  But realistically, you won’t be using those protocols directly.</a:t>
-            </a:r>
-          </a:p>
-          <a:p>
-            <a:r>
-              <a:rPr lang="en-US" dirty="0" smtClean="0"/>
-              <a:t>http / https are by far the most common protocols used in Java</a:t>
-            </a:r>
-            <a:endParaRPr lang="en-US" dirty="0"/>
-          </a:p>
-        </p:txBody>
-      </p:sp>
-      <p:sp>
-        <p:nvSpPr>
-          <p:cNvPr id="4" name="Slide Number Placeholder 3"/>
+          <p:cNvPr id="3" name="Slide Number Placeholder 2"/>
           <p:cNvSpPr>
             <a:spLocks noGrp="1"/>
           </p:cNvSpPr>
@@ -7205,21 +7206,51 @@
             <a:pPr>
               <a:defRPr/>
             </a:pPr>
-            <a:fld id="{8B8B984A-5AFF-7643-AE60-6D8D11294076}" type="slidenum">
-              <a:rPr lang="en-US" smtClean="0"/>
+            <a:fld id="{B2451C39-31DD-6D4B-9BED-758CF6C1BA6A}" type="slidenum">
+              <a:rPr lang="en-CA" smtClean="0"/>
               <a:pPr>
                 <a:defRPr/>
               </a:pPr>
               <a:t>103</a:t>
             </a:fld>
-            <a:endParaRPr lang="en-US"/>
+            <a:endParaRPr lang="en-CA"/>
+          </a:p>
+        </p:txBody>
+      </p:sp>
+      <p:sp>
+        <p:nvSpPr>
+          <p:cNvPr id="4" name="TextBox 3"/>
+          <p:cNvSpPr txBox="1"/>
+          <p:nvPr/>
+        </p:nvSpPr>
+        <p:spPr>
+          <a:xfrm>
+            <a:off x="1371600" y="2209800"/>
+            <a:ext cx="2222083" cy="461665"/>
+          </a:xfrm>
+          <a:prstGeom prst="rect">
+            <a:avLst/>
+          </a:prstGeom>
+          <a:noFill/>
+        </p:spPr>
+        <p:txBody>
+          <a:bodyPr wrap="none" rtlCol="0">
+            <a:spAutoFit/>
+          </a:bodyPr>
+          <a:lstStyle/>
+          <a:p>
+            <a:r>
+              <a:rPr lang="en-US" dirty="0" smtClean="0"/>
+              <a:t>Assignment 10</a:t>
+            </a:r>
+            <a:endParaRPr lang="en-US" dirty="0"/>
           </a:p>
         </p:txBody>
       </p:sp>
     </p:spTree>
     <p:extLst>
       <p:ext uri="{BB962C8B-B14F-4D97-AF65-F5344CB8AC3E}">
-        <p14:creationId xmlns:p14="http://schemas.microsoft.com/office/powerpoint/2010/main" val="498203968"/>
+        <p14:creationId xmlns:p14="http://schemas.microsoft.com/office/powerpoint/2010/main" val="2217852683"/>
       </p:ext>
     </p:extLst>
   </p:cSld>
@@ -7263,7 +7294,7 @@
           <a:p>
             <a:r>
               <a:rPr lang="en-US" dirty="0" smtClean="0"/>
-              <a:t>There’s a tool (library) for that</a:t>
+              <a:t>MVC (Model-View-Controller)</a:t>
             </a:r>
             <a:endParaRPr lang="en-US" dirty="0"/>
           </a:p>
@@ -7281,105 +7312,78 @@
         </p:nvSpPr>
         <p:spPr/>
         <p:txBody>
-          <a:bodyPr/>
-          <a:lstStyle/>
-          <a:p>
-            <a:r>
-              <a:rPr lang="en-US" dirty="0"/>
-              <a:t>&lt;dependency&gt;</a:t>
-            </a:r>
-          </a:p>
-          <a:p>
-            <a:r>
-              <a:rPr lang="en-US" dirty="0"/>
-              <a:t>	&lt;</a:t>
-            </a:r>
-            <a:r>
-              <a:rPr lang="en-US" dirty="0" err="1"/>
-              <a:t>groupId</a:t>
-            </a:r>
-            <a:r>
-              <a:rPr lang="en-US" dirty="0"/>
-              <a:t>&gt;</a:t>
-            </a:r>
-            <a:r>
-              <a:rPr lang="en-US" dirty="0" err="1"/>
-              <a:t>org.apache.httpcomponents</a:t>
-            </a:r>
-            <a:r>
-              <a:rPr lang="en-US" dirty="0"/>
-              <a:t>&lt;/</a:t>
-            </a:r>
-            <a:r>
-              <a:rPr lang="en-US" dirty="0" err="1"/>
-              <a:t>groupId</a:t>
-            </a:r>
-            <a:r>
-              <a:rPr lang="en-US" dirty="0"/>
-              <a:t>&gt;</a:t>
-            </a:r>
-          </a:p>
-          <a:p>
-            <a:r>
-              <a:rPr lang="en-US" dirty="0"/>
-              <a:t>	&lt;</a:t>
-            </a:r>
-            <a:r>
-              <a:rPr lang="en-US" dirty="0" err="1"/>
-              <a:t>artifactId</a:t>
-            </a:r>
-            <a:r>
-              <a:rPr lang="en-US" dirty="0"/>
-              <a:t>&gt;</a:t>
-            </a:r>
-            <a:r>
-              <a:rPr lang="en-US" dirty="0" err="1"/>
-              <a:t>httpclient</a:t>
-            </a:r>
-            <a:r>
-              <a:rPr lang="en-US" dirty="0"/>
-              <a:t>&lt;/</a:t>
-            </a:r>
-            <a:r>
-              <a:rPr lang="en-US" dirty="0" err="1"/>
-              <a:t>artifactId</a:t>
-            </a:r>
-            <a:r>
-              <a:rPr lang="en-US" dirty="0"/>
-              <a:t>&gt;</a:t>
-            </a:r>
-          </a:p>
-          <a:p>
-            <a:r>
-              <a:rPr lang="en-US" dirty="0"/>
-              <a:t>	&lt;version&gt;4.3.3&lt;/version&gt;</a:t>
-            </a:r>
-          </a:p>
-          <a:p>
-            <a:r>
-              <a:rPr lang="en-US" dirty="0"/>
-              <a:t>&lt;/dependency&gt;</a:t>
-            </a:r>
-          </a:p>
-          <a:p>
-            <a:r>
-              <a:rPr lang="en-US" dirty="0"/>
-              <a:t> </a:t>
-            </a:r>
-          </a:p>
-          <a:p>
-            <a:r>
-              <a:rPr lang="en-US" dirty="0"/>
-              <a:t> </a:t>
-            </a:r>
-            <a:r>
-              <a:rPr lang="en-US" dirty="0" smtClean="0"/>
-              <a:t>See </a:t>
+          <a:bodyPr>
+            <a:normAutofit fontScale="77500" lnSpcReduction="20000"/>
+          </a:bodyPr>
+          <a:lstStyle/>
+          <a:p>
+            <a:r>
+              <a:rPr lang="en-US" dirty="0" smtClean="0"/>
+              <a:t>You already used it with </a:t>
             </a:r>
             <a:r>
               <a:rPr lang="en-US" dirty="0" err="1" smtClean="0"/>
-              <a:t>HttpComponentsDemo</a:t>
-            </a:r>
+              <a:t>JavaFx</a:t>
+            </a:r>
+            <a:r>
+              <a:rPr lang="en-US" dirty="0" smtClean="0"/>
+              <a:t> / FXML</a:t>
+            </a:r>
+          </a:p>
+          <a:p>
+            <a:r>
+              <a:rPr lang="en-US" dirty="0" smtClean="0"/>
+              <a:t>Which was the Model?</a:t>
+            </a:r>
+          </a:p>
+          <a:p>
+            <a:r>
+              <a:rPr lang="en-US" dirty="0" smtClean="0"/>
+              <a:t>View?</a:t>
+            </a:r>
+          </a:p>
+          <a:p>
+            <a:r>
+              <a:rPr lang="en-US" dirty="0" smtClean="0"/>
+              <a:t>Controller?</a:t>
+            </a:r>
+          </a:p>
+          <a:p>
+            <a:r>
+              <a:rPr lang="en-US" dirty="0" smtClean="0"/>
+              <a:t>Admittedly, MVC (a somewhat 2000’ish design pattern) isn’t always the best design pattern, but very commonly used.  Pretty good, but not always the best.</a:t>
+            </a:r>
+          </a:p>
+          <a:p>
+            <a:r>
+              <a:rPr lang="en-US" dirty="0" smtClean="0"/>
+              <a:t>Lots of other ones out there like MVP, MVVM, and now there’s a category called MVW – whatever!</a:t>
+            </a:r>
+          </a:p>
+          <a:p>
+            <a:r>
+              <a:rPr lang="en-US" dirty="0" smtClean="0"/>
+              <a:t>Questions?  If not, go back to your Assignment!</a:t>
+            </a:r>
+          </a:p>
+          <a:p>
+            <a:r>
+              <a:rPr lang="en-US" dirty="0" smtClean="0"/>
+              <a:t>I’ll be here to answer questions for the rest of this lecture.</a:t>
+            </a:r>
+          </a:p>
+          <a:p>
+            <a:r>
+              <a:rPr lang="en-US" dirty="0" smtClean="0"/>
+              <a:t>Advice: Check out your neighbor’s application.  </a:t>
+            </a:r>
+            <a:r>
+              <a:rPr lang="en-US" smtClean="0"/>
+              <a:t>Strongly encouraged.</a:t>
+            </a:r>
+            <a:endParaRPr lang="en-US" dirty="0" smtClean="0"/>
+          </a:p>
+          <a:p>
             <a:endParaRPr lang="en-US" dirty="0"/>
           </a:p>
         </p:txBody>
@@ -7416,7 +7420,7 @@
     </p:spTree>
     <p:extLst>
       <p:ext uri="{BB962C8B-B14F-4D97-AF65-F5344CB8AC3E}">
-        <p14:creationId xmlns:p14="http://schemas.microsoft.com/office/powerpoint/2010/main" val="664585395"/>
+        <p14:creationId xmlns:p14="http://schemas.microsoft.com/office/powerpoint/2010/main" val="3238898663"/>
       </p:ext>
     </p:extLst>
   </p:cSld>
@@ -7460,7 +7464,7 @@
           <a:p>
             <a:r>
               <a:rPr lang="en-US" dirty="0" smtClean="0"/>
-              <a:t>Homework</a:t>
+              <a:t>There’s a tool (library) for that</a:t>
             </a:r>
             <a:endParaRPr lang="en-US" dirty="0"/>
           </a:p>
@@ -7468,7 +7472,122 @@
       </p:sp>
       <p:sp>
         <p:nvSpPr>
-          <p:cNvPr id="3" name="Slide Number Placeholder 2"/>
+          <p:cNvPr id="3" name="Content Placeholder 2"/>
+          <p:cNvSpPr>
+            <a:spLocks noGrp="1"/>
+          </p:cNvSpPr>
+          <p:nvPr>
+            <p:ph idx="1"/>
+          </p:nvPr>
+        </p:nvSpPr>
+        <p:spPr/>
+        <p:txBody>
+          <a:bodyPr/>
+          <a:lstStyle/>
+          <a:p>
+            <a:r>
+              <a:rPr lang="en-US" dirty="0"/>
+              <a:t>&lt;dependency&gt;</a:t>
+            </a:r>
+          </a:p>
+          <a:p>
+            <a:r>
+              <a:rPr lang="en-US" dirty="0"/>
+              <a:t>	&lt;</a:t>
+            </a:r>
+            <a:r>
+              <a:rPr lang="en-US" dirty="0" err="1"/>
+              <a:t>groupId</a:t>
+            </a:r>
+            <a:r>
+              <a:rPr lang="en-US" dirty="0"/>
+              <a:t>&gt;</a:t>
+            </a:r>
+            <a:r>
+              <a:rPr lang="en-US" dirty="0" err="1"/>
+              <a:t>org.apache.httpcomponents</a:t>
+            </a:r>
+            <a:r>
+              <a:rPr lang="en-US" dirty="0"/>
+              <a:t>&lt;/</a:t>
+            </a:r>
+            <a:r>
+              <a:rPr lang="en-US" dirty="0" err="1"/>
+              <a:t>groupId</a:t>
+            </a:r>
+            <a:r>
+              <a:rPr lang="en-US" dirty="0"/>
+              <a:t>&gt;</a:t>
+            </a:r>
+          </a:p>
+          <a:p>
+            <a:r>
+              <a:rPr lang="en-US" dirty="0"/>
+              <a:t>	&lt;</a:t>
+            </a:r>
+            <a:r>
+              <a:rPr lang="en-US" dirty="0" err="1"/>
+              <a:t>artifactId</a:t>
+            </a:r>
+            <a:r>
+              <a:rPr lang="en-US" dirty="0"/>
+              <a:t>&gt;</a:t>
+            </a:r>
+            <a:r>
+              <a:rPr lang="en-US" dirty="0" err="1"/>
+              <a:t>httpclient</a:t>
+            </a:r>
+            <a:r>
+              <a:rPr lang="en-US" dirty="0"/>
+              <a:t>&lt;/</a:t>
+            </a:r>
+            <a:r>
+              <a:rPr lang="en-US" dirty="0" err="1"/>
+              <a:t>artifactId</a:t>
+            </a:r>
+            <a:r>
+              <a:rPr lang="en-US" dirty="0"/>
+              <a:t>&gt;</a:t>
+            </a:r>
+          </a:p>
+          <a:p>
+            <a:r>
+              <a:rPr lang="en-US" dirty="0"/>
+              <a:t>	&lt;version&gt;4.3.3&lt;/version&gt;</a:t>
+            </a:r>
+          </a:p>
+          <a:p>
+            <a:r>
+              <a:rPr lang="en-US" dirty="0"/>
+              <a:t>&lt;/dependency&gt;</a:t>
+            </a:r>
+          </a:p>
+          <a:p>
+            <a:r>
+              <a:rPr lang="en-US" dirty="0"/>
+              <a:t> </a:t>
+            </a:r>
+          </a:p>
+          <a:p>
+            <a:r>
+              <a:rPr lang="en-US" dirty="0"/>
+              <a:t> </a:t>
+            </a:r>
+            <a:r>
+              <a:rPr lang="en-US" dirty="0" smtClean="0"/>
+              <a:t>See </a:t>
+            </a:r>
+            <a:r>
+              <a:rPr lang="en-US" dirty="0" err="1" smtClean="0"/>
+              <a:t>HttpComponentsDemo</a:t>
+            </a:r>
+            <a:endParaRPr lang="en-US" dirty="0"/>
+          </a:p>
+        </p:txBody>
+      </p:sp>
+      <p:sp>
+        <p:nvSpPr>
+          <p:cNvPr id="4" name="Slide Number Placeholder 3"/>
           <p:cNvSpPr>
             <a:spLocks noGrp="1"/>
           </p:cNvSpPr>
@@ -7484,74 +7603,21 @@
             <a:pPr>
               <a:defRPr/>
             </a:pPr>
-            <a:fld id="{B2451C39-31DD-6D4B-9BED-758CF6C1BA6A}" type="slidenum">
-              <a:rPr lang="en-CA" smtClean="0"/>
+            <a:fld id="{8B8B984A-5AFF-7643-AE60-6D8D11294076}" type="slidenum">
+              <a:rPr lang="en-US" smtClean="0"/>
               <a:pPr>
                 <a:defRPr/>
               </a:pPr>
               <a:t>105</a:t>
             </a:fld>
-            <a:endParaRPr lang="en-CA"/>
-          </a:p>
-        </p:txBody>
-      </p:sp>
-      <p:sp>
-        <p:nvSpPr>
-          <p:cNvPr id="4" name="TextBox 3"/>
-          <p:cNvSpPr txBox="1"/>
-          <p:nvPr/>
-        </p:nvSpPr>
-        <p:spPr>
-          <a:xfrm>
-            <a:off x="1828800" y="1752600"/>
-            <a:ext cx="6296917" cy="1938992"/>
-          </a:xfrm>
-          <a:prstGeom prst="rect">
-            <a:avLst/>
-          </a:prstGeom>
-          <a:noFill/>
-        </p:spPr>
-        <p:txBody>
-          <a:bodyPr wrap="none" rtlCol="0">
-            <a:spAutoFit/>
-          </a:bodyPr>
-          <a:lstStyle/>
-          <a:p>
-            <a:r>
-              <a:rPr lang="en-US" dirty="0" smtClean="0"/>
-              <a:t>You guessed it Assignment11</a:t>
-            </a:r>
-          </a:p>
-          <a:p>
-            <a:r>
-              <a:rPr lang="en-US" dirty="0" smtClean="0"/>
-              <a:t>Hint for Final</a:t>
-            </a:r>
-          </a:p>
-          <a:p>
-            <a:r>
-              <a:rPr lang="en-US" dirty="0" smtClean="0"/>
-              <a:t>What can go wrong with your application</a:t>
-            </a:r>
-          </a:p>
-          <a:p>
-            <a:r>
-              <a:rPr lang="en-US" dirty="0" smtClean="0"/>
-              <a:t>When you demo it?  How should you handle,</a:t>
-            </a:r>
-          </a:p>
-          <a:p>
-            <a:r>
-              <a:rPr lang="en-US" dirty="0" smtClean="0"/>
-              <a:t>Fallback on what?</a:t>
-            </a:r>
+            <a:endParaRPr lang="en-US"/>
           </a:p>
         </p:txBody>
       </p:sp>
     </p:spTree>
     <p:extLst>
       <p:ext uri="{BB962C8B-B14F-4D97-AF65-F5344CB8AC3E}">
-        <p14:creationId xmlns:p14="http://schemas.microsoft.com/office/powerpoint/2010/main" val="3669441049"/>
+        <p14:creationId xmlns:p14="http://schemas.microsoft.com/office/powerpoint/2010/main" val="664585395"/>
       </p:ext>
     </p:extLst>
   </p:cSld>
@@ -7595,7 +7661,7 @@
           <a:p>
             <a:r>
               <a:rPr lang="en-US" dirty="0" smtClean="0"/>
-              <a:t>Food for thought…</a:t>
+              <a:t>Homework</a:t>
             </a:r>
             <a:endParaRPr lang="en-US" dirty="0"/>
           </a:p>
@@ -7638,8 +7704,8 @@
         </p:nvSpPr>
         <p:spPr>
           <a:xfrm>
-            <a:off x="1371600" y="1828800"/>
-            <a:ext cx="4831772" cy="1938992"/>
+            <a:off x="1828800" y="1752600"/>
+            <a:ext cx="6296917" cy="1938992"/>
           </a:xfrm>
           <a:prstGeom prst="rect">
             <a:avLst/>
@@ -7652,62 +7718,41 @@
           </a:bodyPr>
           <a:lstStyle/>
           <a:p>
-            <a:pPr marL="342900" indent="-342900">
-              <a:buFont typeface="Arial" pitchFamily="34" charset="0"/>
-              <a:buChar char="•"/>
-            </a:pPr>
-            <a:r>
-              <a:rPr lang="en-US" dirty="0" smtClean="0"/>
-              <a:t>Maybe after this course …</a:t>
-            </a:r>
-          </a:p>
-          <a:p>
-            <a:pPr marL="342900" indent="-342900">
-              <a:buFont typeface="Arial" pitchFamily="34" charset="0"/>
-              <a:buChar char="•"/>
-            </a:pPr>
-            <a:r>
-              <a:rPr lang="en-US" dirty="0" smtClean="0"/>
-              <a:t>I REALLY hate Java…</a:t>
-            </a:r>
-          </a:p>
-          <a:p>
-            <a:pPr marL="342900" indent="-342900">
-              <a:buFont typeface="Arial" pitchFamily="34" charset="0"/>
-              <a:buChar char="•"/>
-            </a:pPr>
-            <a:r>
-              <a:rPr lang="en-US" dirty="0" smtClean="0"/>
-              <a:t>Or I REALLY love it</a:t>
-            </a:r>
-          </a:p>
-          <a:p>
-            <a:pPr marL="342900" indent="-342900">
-              <a:buFont typeface="Arial" pitchFamily="34" charset="0"/>
-              <a:buChar char="•"/>
-            </a:pPr>
-            <a:r>
-              <a:rPr lang="en-US" dirty="0" smtClean="0"/>
-              <a:t>But was that all you learned?</a:t>
-            </a:r>
-          </a:p>
-          <a:p>
-            <a:pPr marL="342900" indent="-342900">
-              <a:buFont typeface="Arial" pitchFamily="34" charset="0"/>
-              <a:buChar char="•"/>
-            </a:pPr>
-            <a:r>
-              <a:rPr lang="en-US" dirty="0" smtClean="0"/>
-              <a:t>I had a hidden agenda all along</a:t>
-            </a:r>
-            <a:endParaRPr lang="en-US" dirty="0"/>
+            <a:r>
+              <a:rPr lang="en-US" dirty="0" smtClean="0"/>
+              <a:t>You guessed it Assignment11</a:t>
+            </a:r>
+          </a:p>
+          <a:p>
+            <a:r>
+              <a:rPr lang="en-US" dirty="0" smtClean="0"/>
+              <a:t>Hint for Final</a:t>
+            </a:r>
+          </a:p>
+          <a:p>
+            <a:r>
+              <a:rPr lang="en-US" dirty="0" smtClean="0"/>
+              <a:t>What can go wrong with your application</a:t>
+            </a:r>
+          </a:p>
+          <a:p>
+            <a:r>
+              <a:rPr lang="en-US" dirty="0" smtClean="0"/>
+              <a:t>When you demo it?  How should you handle,</a:t>
+            </a:r>
+          </a:p>
+          <a:p>
+            <a:r>
+              <a:rPr lang="en-US" dirty="0" smtClean="0"/>
+              <a:t>Fallback on what?</a:t>
+            </a:r>
           </a:p>
         </p:txBody>
       </p:sp>
     </p:spTree>
     <p:extLst>
       <p:ext uri="{BB962C8B-B14F-4D97-AF65-F5344CB8AC3E}">
-        <p14:creationId xmlns:p14="http://schemas.microsoft.com/office/powerpoint/2010/main" val="568372925"/>
+        <p14:creationId xmlns:p14="http://schemas.microsoft.com/office/powerpoint/2010/main" val="3669441049"/>
       </p:ext>
     </p:extLst>
   </p:cSld>
@@ -7751,7 +7796,7 @@
           <a:p>
             <a:r>
               <a:rPr lang="en-US" dirty="0" smtClean="0"/>
-              <a:t>Well, what else did we learn?</a:t>
+              <a:t>Food for thought…</a:t>
             </a:r>
             <a:endParaRPr lang="en-US" dirty="0"/>
           </a:p>
@@ -7794,8 +7839,8 @@
         </p:nvSpPr>
         <p:spPr>
           <a:xfrm>
-            <a:off x="1447800" y="1905000"/>
-            <a:ext cx="7124066" cy="1938992"/>
+            <a:off x="1371600" y="1828800"/>
+            <a:ext cx="4831772" cy="1938992"/>
           </a:xfrm>
           <a:prstGeom prst="rect">
             <a:avLst/>
@@ -7814,7 +7859,7 @@
             </a:pPr>
             <a:r>
               <a:rPr lang="en-US" dirty="0" smtClean="0"/>
-              <a:t>Maven – although Maven is specific</a:t>
+              <a:t>Maybe after this course …</a:t>
             </a:r>
           </a:p>
           <a:p>
@@ -7824,7 +7869,7 @@
             </a:pPr>
             <a:r>
               <a:rPr lang="en-US" dirty="0" smtClean="0"/>
-              <a:t>To java, the concept is universal.  Have</a:t>
+              <a:t>I REALLY hate Java…</a:t>
             </a:r>
           </a:p>
           <a:p>
@@ -7834,7 +7879,7 @@
             </a:pPr>
             <a:r>
               <a:rPr lang="en-US" dirty="0" smtClean="0"/>
-              <a:t>A repository of libraries somewhere and</a:t>
+              <a:t>Or I REALLY love it</a:t>
             </a:r>
           </a:p>
           <a:p>
@@ -7844,13 +7889,8 @@
             </a:pPr>
             <a:r>
               <a:rPr lang="en-US" dirty="0" smtClean="0"/>
-              <a:t>Let a tool download them with their </a:t>
-            </a:r>
-            <a:r>
-              <a:rPr lang="en-US" dirty="0" err="1" smtClean="0"/>
-              <a:t>dependecies</a:t>
-            </a:r>
-            <a:endParaRPr lang="en-US" dirty="0" smtClean="0"/>
+              <a:t>But was that all you learned?</a:t>
+            </a:r>
           </a:p>
           <a:p>
             <a:pPr marL="342900" indent="-342900">
@@ -7859,7 +7899,7 @@
             </a:pPr>
             <a:r>
               <a:rPr lang="en-US" dirty="0" smtClean="0"/>
-              <a:t>And help you build artifacts</a:t>
+              <a:t>I had a hidden agenda all along</a:t>
             </a:r>
             <a:endParaRPr lang="en-US" dirty="0"/>
           </a:p>
@@ -7868,7 +7908,7 @@
     </p:spTree>
     <p:extLst>
       <p:ext uri="{BB962C8B-B14F-4D97-AF65-F5344CB8AC3E}">
-        <p14:creationId xmlns:p14="http://schemas.microsoft.com/office/powerpoint/2010/main" val="3404509170"/>
+        <p14:creationId xmlns:p14="http://schemas.microsoft.com/office/powerpoint/2010/main" val="568372925"/>
       </p:ext>
     </p:extLst>
   </p:cSld>
@@ -7911,16 +7951,8 @@
           <a:lstStyle/>
           <a:p>
             <a:r>
-              <a:rPr lang="en-US" dirty="0" err="1" smtClean="0"/>
-              <a:t>Git</a:t>
-            </a:r>
-            <a:r>
-              <a:rPr lang="en-US" dirty="0" smtClean="0"/>
-              <a:t>, </a:t>
-            </a:r>
-            <a:r>
-              <a:rPr lang="en-US" dirty="0" err="1" smtClean="0"/>
-              <a:t>Github</a:t>
+              <a:rPr lang="en-US" dirty="0" smtClean="0"/>
+              <a:t>Well, what else did we learn?</a:t>
             </a:r>
             <a:endParaRPr lang="en-US" dirty="0"/>
           </a:p>
@@ -7963,8 +7995,8 @@
         </p:nvSpPr>
         <p:spPr>
           <a:xfrm>
-            <a:off x="1143000" y="2209800"/>
-            <a:ext cx="7837402" cy="4154984"/>
+            <a:off x="1447800" y="1905000"/>
+            <a:ext cx="7124066" cy="1938992"/>
           </a:xfrm>
           <a:prstGeom prst="rect">
             <a:avLst/>
@@ -7983,41 +8015,7 @@
             </a:pPr>
             <a:r>
               <a:rPr lang="en-US" dirty="0" smtClean="0"/>
-              <a:t>I strongly recommend you use </a:t>
-            </a:r>
-            <a:r>
-              <a:rPr lang="en-US" dirty="0" err="1" smtClean="0"/>
-              <a:t>Git</a:t>
-            </a:r>
-            <a:r>
-              <a:rPr lang="en-US" dirty="0" smtClean="0"/>
-              <a:t> for your</a:t>
-            </a:r>
-          </a:p>
-          <a:p>
-            <a:r>
-              <a:rPr lang="en-US" dirty="0" smtClean="0"/>
-              <a:t>Other courses or personal projects or work.  Revision</a:t>
-            </a:r>
-          </a:p>
-          <a:p>
-            <a:r>
-              <a:rPr lang="en-US" dirty="0"/>
-              <a:t>m</a:t>
-            </a:r>
-            <a:r>
-              <a:rPr lang="en-US" dirty="0" smtClean="0"/>
-              <a:t>anagement is crucial in software engineering.  Without</a:t>
-            </a:r>
-          </a:p>
-          <a:p>
-            <a:r>
-              <a:rPr lang="en-US" dirty="0" err="1" smtClean="0"/>
-              <a:t>Git</a:t>
-            </a:r>
-            <a:r>
-              <a:rPr lang="en-US" dirty="0" smtClean="0"/>
-              <a:t>, how else would you go back to a previous revision</a:t>
+              <a:t>Maven – although Maven is specific</a:t>
             </a:r>
           </a:p>
           <a:p>
@@ -8026,76 +8024,52 @@
               <a:buChar char="•"/>
             </a:pPr>
             <a:r>
+              <a:rPr lang="en-US" dirty="0" smtClean="0"/>
+              <a:t>To java, the concept is universal.  Have</a:t>
+            </a:r>
+          </a:p>
+          <a:p>
+            <a:pPr marL="342900" indent="-342900">
+              <a:buFont typeface="Arial" pitchFamily="34" charset="0"/>
+              <a:buChar char="•"/>
+            </a:pPr>
+            <a:r>
+              <a:rPr lang="en-US" dirty="0" smtClean="0"/>
+              <a:t>A repository of libraries somewhere and</a:t>
+            </a:r>
+          </a:p>
+          <a:p>
+            <a:pPr marL="342900" indent="-342900">
+              <a:buFont typeface="Arial" pitchFamily="34" charset="0"/>
+              <a:buChar char="•"/>
+            </a:pPr>
+            <a:r>
+              <a:rPr lang="en-US" dirty="0" smtClean="0"/>
+              <a:t>Let a tool download them with their </a:t>
+            </a:r>
+            <a:r>
               <a:rPr lang="en-US" dirty="0" err="1" smtClean="0"/>
-              <a:t>GitHub</a:t>
-            </a:r>
-            <a:r>
-              <a:rPr lang="en-US" dirty="0" smtClean="0"/>
-              <a:t> and </a:t>
-            </a:r>
-            <a:r>
-              <a:rPr lang="en-US" dirty="0" err="1" smtClean="0"/>
-              <a:t>GitHub</a:t>
-            </a:r>
-            <a:r>
-              <a:rPr lang="en-US" dirty="0" smtClean="0"/>
-              <a:t> pages ties you into the open</a:t>
-            </a:r>
-          </a:p>
-          <a:p>
-            <a:r>
-              <a:rPr lang="en-US" dirty="0" smtClean="0"/>
-              <a:t>Source community.  Open source is good.  You now</a:t>
-            </a:r>
-          </a:p>
-          <a:p>
-            <a:r>
-              <a:rPr lang="en-US" dirty="0" smtClean="0"/>
-              <a:t>Have an open source project on </a:t>
-            </a:r>
-            <a:r>
-              <a:rPr lang="en-US" dirty="0" err="1" smtClean="0"/>
-              <a:t>GitHub</a:t>
-            </a:r>
-            <a:r>
-              <a:rPr lang="en-US" dirty="0" smtClean="0"/>
-              <a:t>.  Congrats.</a:t>
-            </a:r>
-          </a:p>
-          <a:p>
-            <a:r>
-              <a:rPr lang="en-US" dirty="0" smtClean="0"/>
-              <a:t>If you never created a homepage before, well, use</a:t>
-            </a:r>
-          </a:p>
-          <a:p>
-            <a:r>
-              <a:rPr lang="en-US" dirty="0" err="1" smtClean="0"/>
-              <a:t>GitHub</a:t>
-            </a:r>
-            <a:r>
-              <a:rPr lang="en-US" dirty="0" smtClean="0"/>
-              <a:t> pages.  Great for letting employers see your</a:t>
-            </a:r>
-          </a:p>
-          <a:p>
-            <a:r>
-              <a:rPr lang="en-US" dirty="0" smtClean="0"/>
-              <a:t>Project and let them see your coding style too!  Again,</a:t>
-            </a:r>
-          </a:p>
-          <a:p>
-            <a:r>
-              <a:rPr lang="en-US" dirty="0" smtClean="0"/>
-              <a:t>NOT java specific.</a:t>
-            </a:r>
+              <a:t>dependecies</a:t>
+            </a:r>
+            <a:endParaRPr lang="en-US" dirty="0" smtClean="0"/>
+          </a:p>
+          <a:p>
+            <a:pPr marL="342900" indent="-342900">
+              <a:buFont typeface="Arial" pitchFamily="34" charset="0"/>
+              <a:buChar char="•"/>
+            </a:pPr>
+            <a:r>
+              <a:rPr lang="en-US" dirty="0" smtClean="0"/>
+              <a:t>And help you build artifacts</a:t>
+            </a:r>
+            <a:endParaRPr lang="en-US" dirty="0"/>
           </a:p>
         </p:txBody>
       </p:sp>
     </p:spTree>
     <p:extLst>
       <p:ext uri="{BB962C8B-B14F-4D97-AF65-F5344CB8AC3E}">
-        <p14:creationId xmlns:p14="http://schemas.microsoft.com/office/powerpoint/2010/main" val="3442297372"/>
+        <p14:creationId xmlns:p14="http://schemas.microsoft.com/office/powerpoint/2010/main" val="3404509170"/>
       </p:ext>
     </p:extLst>
   </p:cSld>
@@ -8138,8 +8112,16 @@
           <a:lstStyle/>
           <a:p>
             <a:r>
-              <a:rPr lang="en-US" dirty="0" smtClean="0"/>
-              <a:t>MVC</a:t>
+              <a:rPr lang="en-US" dirty="0" err="1" smtClean="0"/>
+              <a:t>Git</a:t>
+            </a:r>
+            <a:r>
+              <a:rPr lang="en-US" dirty="0" smtClean="0"/>
+              <a:t>, </a:t>
+            </a:r>
+            <a:r>
+              <a:rPr lang="en-US" dirty="0" err="1" smtClean="0"/>
+              <a:t>Github</a:t>
             </a:r>
             <a:endParaRPr lang="en-US" dirty="0"/>
           </a:p>
@@ -8182,8 +8164,8 @@
         </p:nvSpPr>
         <p:spPr>
           <a:xfrm>
-            <a:off x="1371600" y="2286000"/>
-            <a:ext cx="7117333" cy="1569660"/>
+            <a:off x="1143000" y="2209800"/>
+            <a:ext cx="7837402" cy="4154984"/>
           </a:xfrm>
           <a:prstGeom prst="rect">
             <a:avLst/>
@@ -8202,7 +8184,41 @@
             </a:pPr>
             <a:r>
               <a:rPr lang="en-US" dirty="0" smtClean="0"/>
-              <a:t>Hopefully, you learned a few design patterns</a:t>
+              <a:t>I strongly recommend you use </a:t>
+            </a:r>
+            <a:r>
+              <a:rPr lang="en-US" dirty="0" err="1" smtClean="0"/>
+              <a:t>Git</a:t>
+            </a:r>
+            <a:r>
+              <a:rPr lang="en-US" dirty="0" smtClean="0"/>
+              <a:t> for your</a:t>
+            </a:r>
+          </a:p>
+          <a:p>
+            <a:r>
+              <a:rPr lang="en-US" dirty="0" smtClean="0"/>
+              <a:t>Other courses or personal projects or work.  Revision</a:t>
+            </a:r>
+          </a:p>
+          <a:p>
+            <a:r>
+              <a:rPr lang="en-US" dirty="0"/>
+              <a:t>m</a:t>
+            </a:r>
+            <a:r>
+              <a:rPr lang="en-US" dirty="0" smtClean="0"/>
+              <a:t>anagement is crucial in software engineering.  Without</a:t>
+            </a:r>
+          </a:p>
+          <a:p>
+            <a:r>
+              <a:rPr lang="en-US" dirty="0" err="1" smtClean="0"/>
+              <a:t>Git</a:t>
+            </a:r>
+            <a:r>
+              <a:rPr lang="en-US" dirty="0" smtClean="0"/>
+              <a:t>, how else would you go back to a previous revision</a:t>
             </a:r>
           </a:p>
           <a:p>
@@ -8211,37 +8227,76 @@
               <a:buChar char="•"/>
             </a:pPr>
             <a:r>
-              <a:rPr lang="en-US" dirty="0" smtClean="0"/>
-              <a:t>Like MVC.  In later courses, you’ll learn MVP,</a:t>
-            </a:r>
-          </a:p>
-          <a:p>
-            <a:pPr marL="342900" indent="-342900">
-              <a:buFont typeface="Arial" pitchFamily="34" charset="0"/>
-              <a:buChar char="•"/>
-            </a:pPr>
-            <a:r>
-              <a:rPr lang="en-US" dirty="0" smtClean="0"/>
-              <a:t>MVVM, and MVW.   Again design patterns aren’t</a:t>
-            </a:r>
-          </a:p>
-          <a:p>
-            <a:pPr marL="342900" indent="-342900">
-              <a:buFont typeface="Arial" pitchFamily="34" charset="0"/>
-              <a:buChar char="•"/>
-            </a:pPr>
-            <a:r>
-              <a:rPr lang="en-US" dirty="0" smtClean="0"/>
-              <a:t>Specific to Java</a:t>
-            </a:r>
-            <a:endParaRPr lang="en-US" dirty="0"/>
+              <a:rPr lang="en-US" dirty="0" err="1" smtClean="0"/>
+              <a:t>GitHub</a:t>
+            </a:r>
+            <a:r>
+              <a:rPr lang="en-US" dirty="0" smtClean="0"/>
+              <a:t> and </a:t>
+            </a:r>
+            <a:r>
+              <a:rPr lang="en-US" dirty="0" err="1" smtClean="0"/>
+              <a:t>GitHub</a:t>
+            </a:r>
+            <a:r>
+              <a:rPr lang="en-US" dirty="0" smtClean="0"/>
+              <a:t> pages ties you into the open</a:t>
+            </a:r>
+          </a:p>
+          <a:p>
+            <a:r>
+              <a:rPr lang="en-US" dirty="0" smtClean="0"/>
+              <a:t>Source community.  Open source is good.  You now</a:t>
+            </a:r>
+          </a:p>
+          <a:p>
+            <a:r>
+              <a:rPr lang="en-US" dirty="0" smtClean="0"/>
+              <a:t>Have an open source project on </a:t>
+            </a:r>
+            <a:r>
+              <a:rPr lang="en-US" dirty="0" err="1" smtClean="0"/>
+              <a:t>GitHub</a:t>
+            </a:r>
+            <a:r>
+              <a:rPr lang="en-US" dirty="0" smtClean="0"/>
+              <a:t>.  Congrats.</a:t>
+            </a:r>
+          </a:p>
+          <a:p>
+            <a:r>
+              <a:rPr lang="en-US" dirty="0" smtClean="0"/>
+              <a:t>If you never created a homepage before, well, use</a:t>
+            </a:r>
+          </a:p>
+          <a:p>
+            <a:r>
+              <a:rPr lang="en-US" dirty="0" err="1" smtClean="0"/>
+              <a:t>GitHub</a:t>
+            </a:r>
+            <a:r>
+              <a:rPr lang="en-US" dirty="0" smtClean="0"/>
+              <a:t> pages.  Great for letting employers see your</a:t>
+            </a:r>
+          </a:p>
+          <a:p>
+            <a:r>
+              <a:rPr lang="en-US" dirty="0" smtClean="0"/>
+              <a:t>Project and let them see your coding style too!  Again,</a:t>
+            </a:r>
+          </a:p>
+          <a:p>
+            <a:r>
+              <a:rPr lang="en-US" dirty="0" smtClean="0"/>
+              <a:t>NOT java specific.</a:t>
+            </a:r>
           </a:p>
         </p:txBody>
       </p:sp>
     </p:spTree>
     <p:extLst>
       <p:ext uri="{BB962C8B-B14F-4D97-AF65-F5344CB8AC3E}">
-        <p14:creationId xmlns:p14="http://schemas.microsoft.com/office/powerpoint/2010/main" val="1883758025"/>
+        <p14:creationId xmlns:p14="http://schemas.microsoft.com/office/powerpoint/2010/main" val="3442297372"/>
       </p:ext>
     </p:extLst>
   </p:cSld>
@@ -8526,7 +8581,7 @@
           <a:p>
             <a:r>
               <a:rPr lang="en-US" dirty="0" smtClean="0"/>
-              <a:t>Your neighbor</a:t>
+              <a:t>MVC</a:t>
             </a:r>
             <a:endParaRPr lang="en-US" dirty="0"/>
           </a:p>
@@ -8569,8 +8624,8 @@
         </p:nvSpPr>
         <p:spPr>
           <a:xfrm>
-            <a:off x="1447800" y="2362200"/>
-            <a:ext cx="6694461" cy="2308324"/>
+            <a:off x="1371600" y="2286000"/>
+            <a:ext cx="7117333" cy="1569660"/>
           </a:xfrm>
           <a:prstGeom prst="rect">
             <a:avLst/>
@@ -8589,13 +8644,7 @@
             </a:pPr>
             <a:r>
               <a:rPr lang="en-US" dirty="0" smtClean="0"/>
-              <a:t>I really tried to create an atmosphere</a:t>
-            </a:r>
-          </a:p>
-          <a:p>
-            <a:r>
-              <a:rPr lang="en-US" dirty="0" smtClean="0"/>
-              <a:t>Where I *only* did 50% of the talking</a:t>
+              <a:t>Hopefully, you learned a few design patterns</a:t>
             </a:r>
           </a:p>
           <a:p>
@@ -8605,33 +8654,36 @@
             </a:pPr>
             <a:r>
               <a:rPr lang="en-US" dirty="0" smtClean="0"/>
-              <a:t>Really hoped that you got to know the people</a:t>
-            </a:r>
-          </a:p>
-          <a:p>
-            <a:r>
-              <a:rPr lang="en-US" dirty="0" smtClean="0"/>
-              <a:t>Sitting around you.  Exchange phone numbers,</a:t>
-            </a:r>
-          </a:p>
-          <a:p>
-            <a:r>
-              <a:rPr lang="en-US" dirty="0" smtClean="0"/>
-              <a:t>Emails with them.</a:t>
-            </a:r>
-          </a:p>
-          <a:p>
-            <a:r>
-              <a:rPr lang="en-US" dirty="0" smtClean="0"/>
-              <a:t>Programs come and go.  Friends are forever</a:t>
-            </a:r>
+              <a:t>Like MVC.  In later courses, you’ll learn MVP,</a:t>
+            </a:r>
+          </a:p>
+          <a:p>
+            <a:pPr marL="342900" indent="-342900">
+              <a:buFont typeface="Arial" pitchFamily="34" charset="0"/>
+              <a:buChar char="•"/>
+            </a:pPr>
+            <a:r>
+              <a:rPr lang="en-US" dirty="0" smtClean="0"/>
+              <a:t>MVVM, and MVW.   Again design patterns aren’t</a:t>
+            </a:r>
+          </a:p>
+          <a:p>
+            <a:pPr marL="342900" indent="-342900">
+              <a:buFont typeface="Arial" pitchFamily="34" charset="0"/>
+              <a:buChar char="•"/>
+            </a:pPr>
+            <a:r>
+              <a:rPr lang="en-US" dirty="0" smtClean="0"/>
+              <a:t>Specific to Java</a:t>
+            </a:r>
+            <a:endParaRPr lang="en-US" dirty="0"/>
           </a:p>
         </p:txBody>
       </p:sp>
     </p:spTree>
     <p:extLst>
       <p:ext uri="{BB962C8B-B14F-4D97-AF65-F5344CB8AC3E}">
-        <p14:creationId xmlns:p14="http://schemas.microsoft.com/office/powerpoint/2010/main" val="3607217"/>
+        <p14:creationId xmlns:p14="http://schemas.microsoft.com/office/powerpoint/2010/main" val="1883758025"/>
       </p:ext>
     </p:extLst>
   </p:cSld>
@@ -8675,7 +8727,7 @@
           <a:p>
             <a:r>
               <a:rPr lang="en-US" dirty="0" smtClean="0"/>
-              <a:t>And most of all …</a:t>
+              <a:t>Your neighbor</a:t>
             </a:r>
             <a:endParaRPr lang="en-US" dirty="0"/>
           </a:p>
@@ -8718,8 +8770,8 @@
         </p:nvSpPr>
         <p:spPr>
           <a:xfrm>
-            <a:off x="1447800" y="2057400"/>
-            <a:ext cx="7111242" cy="3416320"/>
+            <a:off x="1447800" y="2362200"/>
+            <a:ext cx="6694461" cy="2308324"/>
           </a:xfrm>
           <a:prstGeom prst="rect">
             <a:avLst/>
@@ -8738,67 +8790,41 @@
             </a:pPr>
             <a:r>
               <a:rPr lang="en-US" dirty="0" smtClean="0"/>
-              <a:t>Software engineering and banging your</a:t>
-            </a:r>
-          </a:p>
-          <a:p>
-            <a:r>
-              <a:rPr lang="en-US" dirty="0"/>
-              <a:t>h</a:t>
-            </a:r>
-            <a:r>
-              <a:rPr lang="en-US" dirty="0" smtClean="0"/>
-              <a:t>ead against your keyboard.  This was a</a:t>
-            </a:r>
-          </a:p>
-          <a:p>
-            <a:r>
-              <a:rPr lang="en-US" dirty="0"/>
-              <a:t>p</a:t>
-            </a:r>
-            <a:r>
-              <a:rPr lang="en-US" dirty="0" smtClean="0"/>
-              <a:t>ut as much or as little as you want in this</a:t>
-            </a:r>
-          </a:p>
-          <a:p>
-            <a:r>
-              <a:rPr lang="en-US" dirty="0" smtClean="0"/>
-              <a:t>Course.  The project was yours from Day1.</a:t>
-            </a:r>
-          </a:p>
-          <a:p>
-            <a:r>
-              <a:rPr lang="en-US" dirty="0" smtClean="0"/>
-              <a:t>I personally grew quite attached to my first</a:t>
-            </a:r>
-          </a:p>
-          <a:p>
-            <a:r>
-              <a:rPr lang="en-US" dirty="0" smtClean="0"/>
-              <a:t>Software engineering project.  For me it was</a:t>
-            </a:r>
-          </a:p>
-          <a:p>
-            <a:r>
-              <a:rPr lang="en-US" dirty="0" smtClean="0"/>
-              <a:t>Fun.  I programmed it in C.  I don’t use C anymore,</a:t>
-            </a:r>
-          </a:p>
-          <a:p>
-            <a:r>
-              <a:rPr lang="en-US" dirty="0" smtClean="0"/>
-              <a:t>But it was the build your own, manage your own</a:t>
-            </a:r>
-          </a:p>
-          <a:p>
-            <a:r>
-              <a:rPr lang="en-US" dirty="0"/>
-              <a:t>a</a:t>
-            </a:r>
-            <a:r>
-              <a:rPr lang="en-US" dirty="0" smtClean="0"/>
-              <a:t>spect that still keeps me motivated in this field.</a:t>
+              <a:t>I really tried to create an atmosphere</a:t>
+            </a:r>
+          </a:p>
+          <a:p>
+            <a:r>
+              <a:rPr lang="en-US" dirty="0" smtClean="0"/>
+              <a:t>Where I *only* did 50% of the talking</a:t>
+            </a:r>
+          </a:p>
+          <a:p>
+            <a:pPr marL="342900" indent="-342900">
+              <a:buFont typeface="Arial" pitchFamily="34" charset="0"/>
+              <a:buChar char="•"/>
+            </a:pPr>
+            <a:r>
+              <a:rPr lang="en-US" dirty="0" smtClean="0"/>
+              <a:t>Really hoped that you got to know the people</a:t>
+            </a:r>
+          </a:p>
+          <a:p>
+            <a:r>
+              <a:rPr lang="en-US" dirty="0" smtClean="0"/>
+              <a:t>Sitting around you.  Exchange phone numbers,</a:t>
+            </a:r>
+          </a:p>
+          <a:p>
+            <a:r>
+              <a:rPr lang="en-US" dirty="0" smtClean="0"/>
+              <a:t>Emails with them.</a:t>
+            </a:r>
+          </a:p>
+          <a:p>
+            <a:r>
+              <a:rPr lang="en-US" dirty="0" smtClean="0"/>
+              <a:t>Programs come and go.  Friends are forever</a:t>
             </a:r>
           </a:p>
         </p:txBody>
@@ -8806,7 +8832,7 @@
     </p:spTree>
     <p:extLst>
       <p:ext uri="{BB962C8B-B14F-4D97-AF65-F5344CB8AC3E}">
-        <p14:creationId xmlns:p14="http://schemas.microsoft.com/office/powerpoint/2010/main" val="1560099199"/>
+        <p14:creationId xmlns:p14="http://schemas.microsoft.com/office/powerpoint/2010/main" val="3607217"/>
       </p:ext>
     </p:extLst>
   </p:cSld>
@@ -8850,7 +8876,7 @@
           <a:p>
             <a:r>
               <a:rPr lang="en-US" dirty="0" smtClean="0"/>
-              <a:t>Thank-you + Optional Homework</a:t>
+              <a:t>And most of all …</a:t>
             </a:r>
             <a:endParaRPr lang="en-US" dirty="0"/>
           </a:p>
@@ -8880,6 +8906,181 @@
                 <a:defRPr/>
               </a:pPr>
               <a:t>112</a:t>
+            </a:fld>
+            <a:endParaRPr lang="en-CA"/>
+          </a:p>
+        </p:txBody>
+      </p:sp>
+      <p:sp>
+        <p:nvSpPr>
+          <p:cNvPr id="4" name="TextBox 3"/>
+          <p:cNvSpPr txBox="1"/>
+          <p:nvPr/>
+        </p:nvSpPr>
+        <p:spPr>
+          <a:xfrm>
+            <a:off x="1447800" y="2057400"/>
+            <a:ext cx="7111242" cy="3416320"/>
+          </a:xfrm>
+          <a:prstGeom prst="rect">
+            <a:avLst/>
+          </a:prstGeom>
+          <a:noFill/>
+        </p:spPr>
+        <p:txBody>
+          <a:bodyPr wrap="none" rtlCol="0">
+            <a:spAutoFit/>
+          </a:bodyPr>
+          <a:lstStyle/>
+          <a:p>
+            <a:pPr marL="342900" indent="-342900">
+              <a:buFont typeface="Arial" pitchFamily="34" charset="0"/>
+              <a:buChar char="•"/>
+            </a:pPr>
+            <a:r>
+              <a:rPr lang="en-US" dirty="0" smtClean="0"/>
+              <a:t>Software engineering and banging your</a:t>
+            </a:r>
+          </a:p>
+          <a:p>
+            <a:r>
+              <a:rPr lang="en-US" dirty="0"/>
+              <a:t>h</a:t>
+            </a:r>
+            <a:r>
+              <a:rPr lang="en-US" dirty="0" smtClean="0"/>
+              <a:t>ead against your keyboard.  This was a</a:t>
+            </a:r>
+          </a:p>
+          <a:p>
+            <a:r>
+              <a:rPr lang="en-US" dirty="0"/>
+              <a:t>p</a:t>
+            </a:r>
+            <a:r>
+              <a:rPr lang="en-US" dirty="0" smtClean="0"/>
+              <a:t>ut as much or as little as you want in this</a:t>
+            </a:r>
+          </a:p>
+          <a:p>
+            <a:r>
+              <a:rPr lang="en-US" dirty="0" smtClean="0"/>
+              <a:t>Course.  The project was yours from Day1.</a:t>
+            </a:r>
+          </a:p>
+          <a:p>
+            <a:r>
+              <a:rPr lang="en-US" dirty="0" smtClean="0"/>
+              <a:t>I personally grew quite attached to my first</a:t>
+            </a:r>
+          </a:p>
+          <a:p>
+            <a:r>
+              <a:rPr lang="en-US" dirty="0" smtClean="0"/>
+              <a:t>Software engineering project.  For me it was</a:t>
+            </a:r>
+          </a:p>
+          <a:p>
+            <a:r>
+              <a:rPr lang="en-US" dirty="0" smtClean="0"/>
+              <a:t>Fun.  I programmed it in C.  I don’t use C anymore,</a:t>
+            </a:r>
+          </a:p>
+          <a:p>
+            <a:r>
+              <a:rPr lang="en-US" dirty="0" smtClean="0"/>
+              <a:t>But it was the build your own, manage your own</a:t>
+            </a:r>
+          </a:p>
+          <a:p>
+            <a:r>
+              <a:rPr lang="en-US" dirty="0"/>
+              <a:t>a</a:t>
+            </a:r>
+            <a:r>
+              <a:rPr lang="en-US" dirty="0" smtClean="0"/>
+              <a:t>spect that still keeps me motivated in this field.</a:t>
+            </a:r>
+          </a:p>
+        </p:txBody>
+      </p:sp>
+    </p:spTree>
+    <p:extLst>
+      <p:ext uri="{BB962C8B-B14F-4D97-AF65-F5344CB8AC3E}">
+        <p14:creationId xmlns:p14="http://schemas.microsoft.com/office/powerpoint/2010/main" val="1560099199"/>
+      </p:ext>
+    </p:extLst>
+  </p:cSld>
+  <p:clrMapOvr>
+    <a:masterClrMapping/>
+  </p:clrMapOvr>
+</p:sld>
+</file>
+
+<file path=ppt/slides/slide113.xml><?xml version="1.0" encoding="utf-8"?>
+<p:sld xmlns:a="http://schemas.openxmlformats.org/drawingml/2006/main" xmlns:r="http://schemas.openxmlformats.org/officeDocument/2006/relationships" xmlns:p="http://schemas.openxmlformats.org/presentationml/2006/main">
+  <p:cSld>
+    <p:spTree>
+      <p:nvGrpSpPr>
+        <p:cNvPr id="1" name=""/>
+        <p:cNvGrpSpPr/>
+        <p:nvPr/>
+      </p:nvGrpSpPr>
+      <p:grpSpPr>
+        <a:xfrm>
+          <a:off x="0" y="0"/>
+          <a:ext cx="0" cy="0"/>
+          <a:chOff x="0" y="0"/>
+          <a:chExt cx="0" cy="0"/>
+        </a:xfrm>
+      </p:grpSpPr>
+      <p:sp>
+        <p:nvSpPr>
+          <p:cNvPr id="2" name="Title 1"/>
+          <p:cNvSpPr>
+            <a:spLocks noGrp="1"/>
+          </p:cNvSpPr>
+          <p:nvPr>
+            <p:ph type="title"/>
+          </p:nvPr>
+        </p:nvSpPr>
+        <p:spPr/>
+        <p:txBody>
+          <a:bodyPr/>
+          <a:lstStyle/>
+          <a:p>
+            <a:r>
+              <a:rPr lang="en-US" dirty="0" smtClean="0"/>
+              <a:t>Thank-you + Optional Homework</a:t>
+            </a:r>
+            <a:endParaRPr lang="en-US" dirty="0"/>
+          </a:p>
+        </p:txBody>
+      </p:sp>
+      <p:sp>
+        <p:nvSpPr>
+          <p:cNvPr id="3" name="Slide Number Placeholder 2"/>
+          <p:cNvSpPr>
+            <a:spLocks noGrp="1"/>
+          </p:cNvSpPr>
+          <p:nvPr>
+            <p:ph type="sldNum" sz="quarter" idx="12"/>
+          </p:nvPr>
+        </p:nvSpPr>
+        <p:spPr/>
+        <p:txBody>
+          <a:bodyPr/>
+          <a:lstStyle/>
+          <a:p>
+            <a:pPr>
+              <a:defRPr/>
+            </a:pPr>
+            <a:fld id="{B2451C39-31DD-6D4B-9BED-758CF6C1BA6A}" type="slidenum">
+              <a:rPr lang="en-CA" smtClean="0"/>
+              <a:pPr>
+                <a:defRPr/>
+              </a:pPr>
+              <a:t>113</a:t>
             </a:fld>
             <a:endParaRPr lang="en-CA"/>
           </a:p>
@@ -23677,18 +23878,28 @@
         </p:nvSpPr>
         <p:spPr/>
         <p:txBody>
-          <a:bodyPr/>
-          <a:lstStyle/>
-          <a:p>
-            <a:r>
-              <a:rPr lang="en-US" dirty="0" smtClean="0"/>
-              <a:t>Not going to lie, this is probably going to be the most difficult lecture to understand?  Why?  Magic - … powerful magic.  It’s a leap of faith.  Annotation magic.</a:t>
-            </a:r>
-          </a:p>
-          <a:p>
-            <a:r>
-              <a:rPr lang="en-US" dirty="0" smtClean="0"/>
-              <a:t>A lot of the ORM magic JPA (</a:t>
+          <a:bodyPr>
+            <a:normAutofit fontScale="85000" lnSpcReduction="20000"/>
+          </a:bodyPr>
+          <a:lstStyle/>
+          <a:p>
+            <a:r>
+              <a:rPr lang="en-US" dirty="0" smtClean="0"/>
+              <a:t>Not going to lie, this is probably going to be the most difficult lecture to understand?  Why?  Magic - … powerful magic.  Think </a:t>
+            </a:r>
+            <a:r>
+              <a:rPr lang="en-US" dirty="0" err="1" smtClean="0"/>
+              <a:t>Arthas</a:t>
+            </a:r>
+            <a:r>
+              <a:rPr lang="en-US" dirty="0" smtClean="0"/>
+              <a:t> (World of Warcraft) in high difficulty mode.  It’s a leap of faith.  Annotation magic at its greatest.</a:t>
+            </a:r>
+          </a:p>
+          <a:p>
+            <a:r>
+              <a:rPr lang="en-US" dirty="0" smtClean="0"/>
+              <a:t>ORM in Java == JPA (</a:t>
             </a:r>
             <a:r>
               <a:rPr lang="en-US" b="1" i="1" dirty="0">
@@ -23704,7 +23915,57 @@
             </a:r>
             <a:r>
               <a:rPr lang="en-US" dirty="0" smtClean="0"/>
-              <a:t>) is … uh ok … that’s what tools are for right?</a:t>
+              <a:t>) … that’s what tools are for right?</a:t>
+            </a:r>
+          </a:p>
+          <a:p>
+            <a:r>
+              <a:rPr lang="en-US" b="1" dirty="0" smtClean="0"/>
+              <a:t>JPA is an API</a:t>
+            </a:r>
+          </a:p>
+          <a:p>
+            <a:r>
+              <a:rPr lang="en-US" b="1" dirty="0" smtClean="0"/>
+              <a:t>Implementations: Spring Data and Hibernate</a:t>
+            </a:r>
+          </a:p>
+          <a:p>
+            <a:r>
+              <a:rPr lang="en-US" b="1" dirty="0" smtClean="0"/>
+              <a:t>ORM is also used in other languages such as Ruby (</a:t>
+            </a:r>
+            <a:r>
+              <a:rPr lang="en-US" b="1" dirty="0" err="1" smtClean="0"/>
+              <a:t>ActiveRecords</a:t>
+            </a:r>
+            <a:r>
+              <a:rPr lang="en-US" b="1" dirty="0" smtClean="0"/>
+              <a:t>), C++ (</a:t>
+            </a:r>
+            <a:r>
+              <a:rPr lang="en-US" b="1" dirty="0" err="1" smtClean="0"/>
+              <a:t>nHibernate</a:t>
+            </a:r>
+            <a:r>
+              <a:rPr lang="en-US" b="1" dirty="0" smtClean="0"/>
+              <a:t> – which borrows a lot from Java’s Hibernate), </a:t>
+            </a:r>
+            <a:r>
+              <a:rPr lang="en-US" b="1" dirty="0" err="1" smtClean="0"/>
+              <a:t>PerlORM</a:t>
+            </a:r>
+            <a:r>
+              <a:rPr lang="en-US" b="1" dirty="0" smtClean="0"/>
+              <a:t>, Python (</a:t>
+            </a:r>
+            <a:r>
+              <a:rPr lang="en-US" b="1" dirty="0" err="1" smtClean="0"/>
+              <a:t>Django</a:t>
+            </a:r>
+            <a:r>
+              <a:rPr lang="en-US" b="1" dirty="0" smtClean="0"/>
+              <a:t>/built-in ORM)</a:t>
             </a:r>
             <a:endParaRPr lang="en-US" b="1" dirty="0"/>
           </a:p>
@@ -25528,7 +25789,7 @@
         <p:spPr/>
         <p:txBody>
           <a:bodyPr>
-            <a:normAutofit fontScale="77500" lnSpcReduction="20000"/>
+            <a:normAutofit fontScale="85000" lnSpcReduction="20000"/>
           </a:bodyPr>
           <a:lstStyle/>
           <a:p>
@@ -25574,13 +25835,25 @@
           <a:p>
             <a:r>
               <a:rPr lang="en-US" dirty="0" smtClean="0"/>
-              <a:t>Hibernate is *an* implementation to JPA that Spring Data uses.  JPA == API.  Spring Data == framework.  Hibernate == framework within Spring Data.</a:t>
-            </a:r>
-          </a:p>
-          <a:p>
-            <a:r>
-              <a:rPr lang="en-US" dirty="0" smtClean="0"/>
-              <a:t>Problem with so much Annotation magic is that every now and then something goes wrong.  Fortunately, the </a:t>
+              <a:t>Hibernate is *an* implementation to JPA that Spring Data uses.  JPA == API.  Spring Data == framework </a:t>
+            </a:r>
+            <a:r>
+              <a:rPr lang="en-US" dirty="0" err="1" smtClean="0"/>
+              <a:t>impl</a:t>
+            </a:r>
+            <a:r>
+              <a:rPr lang="en-US" dirty="0" smtClean="0"/>
+              <a:t>.  Hibernate == framework within Spring Data.</a:t>
+            </a:r>
+          </a:p>
+          <a:p>
+            <a:r>
+              <a:rPr lang="en-US" dirty="0" smtClean="0"/>
+              <a:t>Problem with so much Annotation magic is that every now and then something goes wrong.  Fortunately</a:t>
+            </a:r>
+            <a:r>
+              <a:rPr lang="en-US" smtClean="0"/>
+              <a:t>, this </a:t>
             </a:r>
             <a:r>
               <a:rPr lang="en-US" dirty="0" err="1" smtClean="0"/>

--- a/coursePresentation.pptx
+++ b/coursePresentation.pptx
@@ -5,10 +5,10 @@
     <p:sldMasterId id="2147484906" r:id="rId1"/>
   </p:sldMasterIdLst>
   <p:notesMasterIdLst>
-    <p:notesMasterId r:id="rId115"/>
+    <p:notesMasterId r:id="rId116"/>
   </p:notesMasterIdLst>
   <p:handoutMasterIdLst>
-    <p:handoutMasterId r:id="rId116"/>
+    <p:handoutMasterId r:id="rId117"/>
   </p:handoutMasterIdLst>
   <p:sldIdLst>
     <p:sldId id="257" r:id="rId2"/>
@@ -110,20 +110,21 @@
     <p:sldId id="439" r:id="rId98"/>
     <p:sldId id="440" r:id="rId99"/>
     <p:sldId id="441" r:id="rId100"/>
-    <p:sldId id="409" r:id="rId101"/>
-    <p:sldId id="425" r:id="rId102"/>
-    <p:sldId id="442" r:id="rId103"/>
-    <p:sldId id="411" r:id="rId104"/>
-    <p:sldId id="427" r:id="rId105"/>
-    <p:sldId id="426" r:id="rId106"/>
-    <p:sldId id="413" r:id="rId107"/>
-    <p:sldId id="389" r:id="rId108"/>
-    <p:sldId id="390" r:id="rId109"/>
-    <p:sldId id="391" r:id="rId110"/>
-    <p:sldId id="392" r:id="rId111"/>
-    <p:sldId id="414" r:id="rId112"/>
-    <p:sldId id="393" r:id="rId113"/>
-    <p:sldId id="394" r:id="rId114"/>
+    <p:sldId id="443" r:id="rId101"/>
+    <p:sldId id="409" r:id="rId102"/>
+    <p:sldId id="425" r:id="rId103"/>
+    <p:sldId id="442" r:id="rId104"/>
+    <p:sldId id="411" r:id="rId105"/>
+    <p:sldId id="427" r:id="rId106"/>
+    <p:sldId id="426" r:id="rId107"/>
+    <p:sldId id="413" r:id="rId108"/>
+    <p:sldId id="389" r:id="rId109"/>
+    <p:sldId id="390" r:id="rId110"/>
+    <p:sldId id="391" r:id="rId111"/>
+    <p:sldId id="392" r:id="rId112"/>
+    <p:sldId id="414" r:id="rId113"/>
+    <p:sldId id="393" r:id="rId114"/>
+    <p:sldId id="394" r:id="rId115"/>
   </p:sldIdLst>
   <p:sldSz cx="9144000" cy="6858000" type="screen4x3"/>
   <p:notesSz cx="6858000" cy="9144000"/>
@@ -6741,7 +6742,15 @@
           <a:p>
             <a:r>
               <a:rPr lang="en-US" dirty="0" smtClean="0"/>
-              <a:t>Homework</a:t>
+              <a:t>DB relationships (</a:t>
+            </a:r>
+            <a:r>
+              <a:rPr lang="en-US" dirty="0" err="1" smtClean="0"/>
+              <a:t>cont</a:t>
+            </a:r>
+            <a:r>
+              <a:rPr lang="en-US" dirty="0" smtClean="0"/>
+              <a:t>)</a:t>
             </a:r>
             <a:endParaRPr lang="en-US" dirty="0"/>
           </a:p>
@@ -6749,7 +6758,34 @@
       </p:sp>
       <p:sp>
         <p:nvSpPr>
-          <p:cNvPr id="3" name="Slide Number Placeholder 2"/>
+          <p:cNvPr id="3" name="Content Placeholder 2"/>
+          <p:cNvSpPr>
+            <a:spLocks noGrp="1"/>
+          </p:cNvSpPr>
+          <p:nvPr>
+            <p:ph idx="1"/>
+          </p:nvPr>
+        </p:nvSpPr>
+        <p:spPr/>
+        <p:txBody>
+          <a:bodyPr/>
+          <a:lstStyle/>
+          <a:p>
+            <a:r>
+              <a:rPr lang="en-US" dirty="0" smtClean="0"/>
+              <a:t>See: </a:t>
+            </a:r>
+            <a:r>
+              <a:rPr lang="en-US"/>
+              <a:t>MoreComplicatedTestDriverWithMySQLDB</a:t>
+            </a:r>
+            <a:endParaRPr lang="en-US"/>
+          </a:p>
+        </p:txBody>
+      </p:sp>
+      <p:sp>
+        <p:nvSpPr>
+          <p:cNvPr id="4" name="Slide Number Placeholder 3"/>
           <p:cNvSpPr>
             <a:spLocks noGrp="1"/>
           </p:cNvSpPr>
@@ -6765,57 +6801,21 @@
             <a:pPr>
               <a:defRPr/>
             </a:pPr>
-            <a:fld id="{B2451C39-31DD-6D4B-9BED-758CF6C1BA6A}" type="slidenum">
-              <a:rPr lang="en-CA" smtClean="0"/>
+            <a:fld id="{8B8B984A-5AFF-7643-AE60-6D8D11294076}" type="slidenum">
+              <a:rPr lang="en-US" smtClean="0"/>
               <a:pPr>
                 <a:defRPr/>
               </a:pPr>
               <a:t>100</a:t>
             </a:fld>
-            <a:endParaRPr lang="en-CA"/>
-          </a:p>
-        </p:txBody>
-      </p:sp>
-      <p:sp>
-        <p:nvSpPr>
-          <p:cNvPr id="4" name="TextBox 3"/>
-          <p:cNvSpPr txBox="1"/>
-          <p:nvPr/>
-        </p:nvSpPr>
-        <p:spPr>
-          <a:xfrm>
-            <a:off x="1676400" y="2286000"/>
-            <a:ext cx="4753224" cy="830997"/>
-          </a:xfrm>
-          <a:prstGeom prst="rect">
-            <a:avLst/>
-          </a:prstGeom>
-          <a:noFill/>
-        </p:spPr>
-        <p:txBody>
-          <a:bodyPr wrap="none" rtlCol="0">
-            <a:spAutoFit/>
-          </a:bodyPr>
-          <a:lstStyle/>
-          <a:p>
-            <a:r>
-              <a:rPr lang="en-US" dirty="0" smtClean="0"/>
-              <a:t>3 guesses on what the work is? ;)</a:t>
-            </a:r>
-          </a:p>
-          <a:p>
-            <a:r>
-              <a:rPr lang="en-US" dirty="0" smtClean="0"/>
-              <a:t>Assignment9</a:t>
-            </a:r>
-            <a:endParaRPr lang="en-US" dirty="0"/>
+            <a:endParaRPr lang="en-US"/>
           </a:p>
         </p:txBody>
       </p:sp>
     </p:spTree>
     <p:extLst>
       <p:ext uri="{BB962C8B-B14F-4D97-AF65-F5344CB8AC3E}">
-        <p14:creationId xmlns:p14="http://schemas.microsoft.com/office/powerpoint/2010/main" val="2352623320"/>
+        <p14:creationId xmlns:p14="http://schemas.microsoft.com/office/powerpoint/2010/main" val="2656205412"/>
       </p:ext>
     </p:extLst>
   </p:cSld>
@@ -6859,7 +6859,7 @@
           <a:p>
             <a:r>
               <a:rPr lang="en-US" dirty="0" smtClean="0"/>
-              <a:t>Network Programming</a:t>
+              <a:t>Homework</a:t>
             </a:r>
             <a:endParaRPr lang="en-US" dirty="0"/>
           </a:p>
@@ -6867,87 +6867,7 @@
       </p:sp>
       <p:sp>
         <p:nvSpPr>
-          <p:cNvPr id="3" name="Content Placeholder 2"/>
-          <p:cNvSpPr>
-            <a:spLocks noGrp="1"/>
-          </p:cNvSpPr>
-          <p:nvPr>
-            <p:ph idx="1"/>
-          </p:nvPr>
-        </p:nvSpPr>
-        <p:spPr/>
-        <p:txBody>
-          <a:bodyPr>
-            <a:normAutofit fontScale="85000" lnSpcReduction="20000"/>
-          </a:bodyPr>
-          <a:lstStyle/>
-          <a:p>
-            <a:r>
-              <a:rPr lang="en-US" dirty="0" smtClean="0"/>
-              <a:t>OK, this is a somewhat filler lecture</a:t>
-            </a:r>
-            <a:r>
-              <a:rPr lang="en-US" dirty="0" smtClean="0"/>
-              <a:t>.  Course outline has a mandate to cover network programming.</a:t>
-            </a:r>
-            <a:endParaRPr lang="en-US" dirty="0" smtClean="0"/>
-          </a:p>
-          <a:p>
-            <a:r>
-              <a:rPr lang="en-US" dirty="0" smtClean="0"/>
-              <a:t>The Final exam, </a:t>
-            </a:r>
-            <a:r>
-              <a:rPr lang="en-US" dirty="0" smtClean="0"/>
-              <a:t>final project will have nothing to do with today’s SHORT </a:t>
-            </a:r>
-            <a:r>
-              <a:rPr lang="en-US" dirty="0" smtClean="0"/>
-              <a:t>lecture on Network Programming.</a:t>
-            </a:r>
-            <a:endParaRPr lang="en-US" dirty="0" smtClean="0"/>
-          </a:p>
-          <a:p>
-            <a:r>
-              <a:rPr lang="en-US" dirty="0" smtClean="0"/>
-              <a:t>Network Programming … UDP / TCP … very cool.  But realistically, you won’t be using those protocols directly</a:t>
-            </a:r>
-            <a:r>
-              <a:rPr lang="en-US" dirty="0" smtClean="0"/>
-              <a:t>.  In short, if want to do something in low-level, … try not to do it in Java please.</a:t>
-            </a:r>
-            <a:endParaRPr lang="en-US" dirty="0" smtClean="0"/>
-          </a:p>
-          <a:p>
-            <a:r>
-              <a:rPr lang="en-US" dirty="0" smtClean="0"/>
-              <a:t>http / https are by far the most common protocols used in </a:t>
-            </a:r>
-            <a:r>
-              <a:rPr lang="en-US" dirty="0" smtClean="0"/>
-              <a:t>Java</a:t>
-            </a:r>
-          </a:p>
-          <a:p>
-            <a:r>
-              <a:rPr lang="en-US" dirty="0" smtClean="0"/>
-              <a:t>See </a:t>
-            </a:r>
-            <a:r>
-              <a:rPr lang="en-US" dirty="0" err="1" smtClean="0"/>
-              <a:t>HttpComponentsDemo</a:t>
-            </a:r>
-            <a:r>
-              <a:rPr lang="en-US" dirty="0" smtClean="0"/>
-              <a:t> (still not very important, so let’s keep this short to cover the NEXT slide)</a:t>
-            </a:r>
-            <a:endParaRPr lang="en-US" dirty="0"/>
-          </a:p>
-        </p:txBody>
-      </p:sp>
-      <p:sp>
-        <p:nvSpPr>
-          <p:cNvPr id="4" name="Slide Number Placeholder 3"/>
+          <p:cNvPr id="3" name="Slide Number Placeholder 2"/>
           <p:cNvSpPr>
             <a:spLocks noGrp="1"/>
           </p:cNvSpPr>
@@ -6963,21 +6883,57 @@
             <a:pPr>
               <a:defRPr/>
             </a:pPr>
-            <a:fld id="{8B8B984A-5AFF-7643-AE60-6D8D11294076}" type="slidenum">
-              <a:rPr lang="en-US" smtClean="0"/>
+            <a:fld id="{B2451C39-31DD-6D4B-9BED-758CF6C1BA6A}" type="slidenum">
+              <a:rPr lang="en-CA" smtClean="0"/>
               <a:pPr>
                 <a:defRPr/>
               </a:pPr>
               <a:t>101</a:t>
             </a:fld>
-            <a:endParaRPr lang="en-US"/>
+            <a:endParaRPr lang="en-CA"/>
+          </a:p>
+        </p:txBody>
+      </p:sp>
+      <p:sp>
+        <p:nvSpPr>
+          <p:cNvPr id="4" name="TextBox 3"/>
+          <p:cNvSpPr txBox="1"/>
+          <p:nvPr/>
+        </p:nvSpPr>
+        <p:spPr>
+          <a:xfrm>
+            <a:off x="1676400" y="2286000"/>
+            <a:ext cx="4753224" cy="830997"/>
+          </a:xfrm>
+          <a:prstGeom prst="rect">
+            <a:avLst/>
+          </a:prstGeom>
+          <a:noFill/>
+        </p:spPr>
+        <p:txBody>
+          <a:bodyPr wrap="none" rtlCol="0">
+            <a:spAutoFit/>
+          </a:bodyPr>
+          <a:lstStyle/>
+          <a:p>
+            <a:r>
+              <a:rPr lang="en-US" dirty="0" smtClean="0"/>
+              <a:t>3 guesses on what the work is? ;)</a:t>
+            </a:r>
+          </a:p>
+          <a:p>
+            <a:r>
+              <a:rPr lang="en-US" dirty="0" smtClean="0"/>
+              <a:t>Assignment9</a:t>
+            </a:r>
+            <a:endParaRPr lang="en-US" dirty="0"/>
           </a:p>
         </p:txBody>
       </p:sp>
     </p:spTree>
     <p:extLst>
       <p:ext uri="{BB962C8B-B14F-4D97-AF65-F5344CB8AC3E}">
-        <p14:creationId xmlns:p14="http://schemas.microsoft.com/office/powerpoint/2010/main" val="498203968"/>
+        <p14:creationId xmlns:p14="http://schemas.microsoft.com/office/powerpoint/2010/main" val="2352623320"/>
       </p:ext>
     </p:extLst>
   </p:cSld>
@@ -7021,7 +6977,7 @@
           <a:p>
             <a:r>
               <a:rPr lang="en-US" dirty="0" smtClean="0"/>
-              <a:t>What now?</a:t>
+              <a:t>Network Programming</a:t>
             </a:r>
             <a:endParaRPr lang="en-US" dirty="0"/>
           </a:p>
@@ -7040,67 +6996,68 @@
         <p:spPr/>
         <p:txBody>
           <a:bodyPr>
-            <a:normAutofit fontScale="70000" lnSpcReduction="20000"/>
+            <a:normAutofit fontScale="85000" lnSpcReduction="20000"/>
           </a:bodyPr>
           <a:lstStyle/>
           <a:p>
             <a:r>
               <a:rPr lang="en-US" dirty="0" smtClean="0"/>
-              <a:t>Not going to lie, the previous class was pretty *tough*.  There’s the technical code part, the *magic of annotations* and just the new train of thought with Java ORM</a:t>
-            </a:r>
-          </a:p>
-          <a:p>
-            <a:r>
-              <a:rPr lang="en-US" dirty="0" smtClean="0"/>
-              <a:t>Show of hands … how many people were </a:t>
-            </a:r>
-          </a:p>
-          <a:p>
-            <a:pPr marL="912114" lvl="1" indent="-514350">
-              <a:buFont typeface="+mj-lt"/>
-              <a:buAutoNum type="arabicPeriod"/>
-            </a:pPr>
-            <a:r>
-              <a:rPr lang="en-US" dirty="0" smtClean="0"/>
-              <a:t>Very confused about Database ORM</a:t>
-            </a:r>
-          </a:p>
-          <a:p>
-            <a:pPr marL="912114" lvl="1" indent="-514350">
-              <a:buFont typeface="+mj-lt"/>
-              <a:buAutoNum type="arabicPeriod"/>
-            </a:pPr>
-            <a:r>
-              <a:rPr lang="en-US" dirty="0" smtClean="0"/>
-              <a:t>Semi-confused</a:t>
-            </a:r>
-          </a:p>
-          <a:p>
-            <a:pPr marL="912114" lvl="1" indent="-514350">
-              <a:buFont typeface="+mj-lt"/>
-              <a:buAutoNum type="arabicPeriod"/>
-            </a:pPr>
-            <a:r>
-              <a:rPr lang="en-US" dirty="0" smtClean="0"/>
-              <a:t>Heck – easy stuff</a:t>
-            </a:r>
-          </a:p>
-          <a:p>
-            <a:r>
-              <a:rPr lang="en-US" dirty="0" smtClean="0"/>
-              <a:t>Also the lecture about Databases is by FAR one of the most important lectures.  Without databases, you will have NO Web Service, no Web app.  The concepts of DB alone is a course by itself.</a:t>
-            </a:r>
-          </a:p>
-          <a:p>
-            <a:r>
-              <a:rPr lang="en-US" dirty="0" smtClean="0"/>
-              <a:t>If no other questions, I’m going to repeat the last class again (and possibly again in the next class if I see a lot of blank faces)</a:t>
-            </a:r>
-          </a:p>
-          <a:p>
-            <a:r>
-              <a:rPr lang="en-US" dirty="0" smtClean="0"/>
-              <a:t>If you understand ORM inside out, feel free to work on your assignment or take off early</a:t>
+              <a:t>OK, this is a somewhat filler lecture</a:t>
+            </a:r>
+            <a:r>
+              <a:rPr lang="en-US" dirty="0" smtClean="0"/>
+              <a:t>.  Course outline has a mandate to cover network programming.</a:t>
+            </a:r>
+            <a:endParaRPr lang="en-US" dirty="0" smtClean="0"/>
+          </a:p>
+          <a:p>
+            <a:r>
+              <a:rPr lang="en-US" dirty="0" smtClean="0"/>
+              <a:t>The Final exam, </a:t>
+            </a:r>
+            <a:r>
+              <a:rPr lang="en-US" dirty="0" smtClean="0"/>
+              <a:t>final project will have nothing to do with today’s SHORT </a:t>
+            </a:r>
+            <a:r>
+              <a:rPr lang="en-US" dirty="0" smtClean="0"/>
+              <a:t>lecture on Network Programming.</a:t>
+            </a:r>
+            <a:endParaRPr lang="en-US" dirty="0" smtClean="0"/>
+          </a:p>
+          <a:p>
+            <a:r>
+              <a:rPr lang="en-US" dirty="0" smtClean="0"/>
+              <a:t>Network Programming … UDP / TCP … very cool.  But realistically, you won’t be using those protocols directly</a:t>
+            </a:r>
+            <a:r>
+              <a:rPr lang="en-US" dirty="0" smtClean="0"/>
+              <a:t>.  In short, if want to do something in low-level, … try not to do it in Java please.</a:t>
+            </a:r>
+            <a:endParaRPr lang="en-US" dirty="0" smtClean="0"/>
+          </a:p>
+          <a:p>
+            <a:r>
+              <a:rPr lang="en-US" dirty="0" smtClean="0"/>
+              <a:t>http / https are by far the most common protocols used in </a:t>
+            </a:r>
+            <a:r>
+              <a:rPr lang="en-US" dirty="0" smtClean="0"/>
+              <a:t>Java</a:t>
+            </a:r>
+          </a:p>
+          <a:p>
+            <a:r>
+              <a:rPr lang="en-US" dirty="0" smtClean="0"/>
+              <a:t>See </a:t>
+            </a:r>
+            <a:r>
+              <a:rPr lang="en-US" dirty="0" err="1" smtClean="0"/>
+              <a:t>HttpComponentsDemo</a:t>
+            </a:r>
+            <a:r>
+              <a:rPr lang="en-US" dirty="0" smtClean="0"/>
+              <a:t> (still not very important, so let’s keep this short to cover the NEXT slide)</a:t>
             </a:r>
             <a:endParaRPr lang="en-US" dirty="0"/>
           </a:p>
@@ -7138,7 +7095,7 @@
     </p:spTree>
     <p:extLst>
       <p:ext uri="{BB962C8B-B14F-4D97-AF65-F5344CB8AC3E}">
-        <p14:creationId xmlns:p14="http://schemas.microsoft.com/office/powerpoint/2010/main" val="3611507398"/>
+        <p14:creationId xmlns:p14="http://schemas.microsoft.com/office/powerpoint/2010/main" val="498203968"/>
       </p:ext>
     </p:extLst>
   </p:cSld>
@@ -7182,7 +7139,7 @@
           <a:p>
             <a:r>
               <a:rPr lang="en-US" dirty="0" smtClean="0"/>
-              <a:t>Homework</a:t>
+              <a:t>What now?</a:t>
             </a:r>
             <a:endParaRPr lang="en-US" dirty="0"/>
           </a:p>
@@ -7190,7 +7147,86 @@
       </p:sp>
       <p:sp>
         <p:nvSpPr>
-          <p:cNvPr id="3" name="Slide Number Placeholder 2"/>
+          <p:cNvPr id="3" name="Content Placeholder 2"/>
+          <p:cNvSpPr>
+            <a:spLocks noGrp="1"/>
+          </p:cNvSpPr>
+          <p:nvPr>
+            <p:ph idx="1"/>
+          </p:nvPr>
+        </p:nvSpPr>
+        <p:spPr/>
+        <p:txBody>
+          <a:bodyPr>
+            <a:normAutofit fontScale="70000" lnSpcReduction="20000"/>
+          </a:bodyPr>
+          <a:lstStyle/>
+          <a:p>
+            <a:r>
+              <a:rPr lang="en-US" dirty="0" smtClean="0"/>
+              <a:t>Not going to lie, the previous class was pretty *tough*.  There’s the technical code part, the *magic of annotations* and just the new train of thought with Java ORM</a:t>
+            </a:r>
+          </a:p>
+          <a:p>
+            <a:r>
+              <a:rPr lang="en-US" dirty="0" smtClean="0"/>
+              <a:t>Show of hands … how many people were </a:t>
+            </a:r>
+          </a:p>
+          <a:p>
+            <a:pPr marL="912114" lvl="1" indent="-514350">
+              <a:buFont typeface="+mj-lt"/>
+              <a:buAutoNum type="arabicPeriod"/>
+            </a:pPr>
+            <a:r>
+              <a:rPr lang="en-US" dirty="0" smtClean="0"/>
+              <a:t>Very confused about Database ORM</a:t>
+            </a:r>
+          </a:p>
+          <a:p>
+            <a:pPr marL="912114" lvl="1" indent="-514350">
+              <a:buFont typeface="+mj-lt"/>
+              <a:buAutoNum type="arabicPeriod"/>
+            </a:pPr>
+            <a:r>
+              <a:rPr lang="en-US" dirty="0" smtClean="0"/>
+              <a:t>Semi-confused</a:t>
+            </a:r>
+          </a:p>
+          <a:p>
+            <a:pPr marL="912114" lvl="1" indent="-514350">
+              <a:buFont typeface="+mj-lt"/>
+              <a:buAutoNum type="arabicPeriod"/>
+            </a:pPr>
+            <a:r>
+              <a:rPr lang="en-US" dirty="0" smtClean="0"/>
+              <a:t>Heck – easy stuff</a:t>
+            </a:r>
+          </a:p>
+          <a:p>
+            <a:r>
+              <a:rPr lang="en-US" dirty="0" smtClean="0"/>
+              <a:t>Also the lecture about Databases is by FAR one of the most important lectures.  Without databases, you will have NO Web Service, no Web app.  The concepts of DB alone is a course by itself.</a:t>
+            </a:r>
+          </a:p>
+          <a:p>
+            <a:r>
+              <a:rPr lang="en-US" dirty="0" smtClean="0"/>
+              <a:t>If no other questions, I’m going to repeat the last class again (and possibly again in the next class if I see a lot of blank faces)</a:t>
+            </a:r>
+          </a:p>
+          <a:p>
+            <a:r>
+              <a:rPr lang="en-US" dirty="0" smtClean="0"/>
+              <a:t>If you understand ORM inside out, feel free to work on your assignment or take off early</a:t>
+            </a:r>
+            <a:endParaRPr lang="en-US" dirty="0"/>
+          </a:p>
+        </p:txBody>
+      </p:sp>
+      <p:sp>
+        <p:nvSpPr>
+          <p:cNvPr id="4" name="Slide Number Placeholder 3"/>
           <p:cNvSpPr>
             <a:spLocks noGrp="1"/>
           </p:cNvSpPr>
@@ -7206,51 +7242,21 @@
             <a:pPr>
               <a:defRPr/>
             </a:pPr>
-            <a:fld id="{B2451C39-31DD-6D4B-9BED-758CF6C1BA6A}" type="slidenum">
-              <a:rPr lang="en-CA" smtClean="0"/>
+            <a:fld id="{8B8B984A-5AFF-7643-AE60-6D8D11294076}" type="slidenum">
+              <a:rPr lang="en-US" smtClean="0"/>
               <a:pPr>
                 <a:defRPr/>
               </a:pPr>
               <a:t>103</a:t>
             </a:fld>
-            <a:endParaRPr lang="en-CA"/>
-          </a:p>
-        </p:txBody>
-      </p:sp>
-      <p:sp>
-        <p:nvSpPr>
-          <p:cNvPr id="4" name="TextBox 3"/>
-          <p:cNvSpPr txBox="1"/>
-          <p:nvPr/>
-        </p:nvSpPr>
-        <p:spPr>
-          <a:xfrm>
-            <a:off x="1371600" y="2209800"/>
-            <a:ext cx="2222083" cy="461665"/>
-          </a:xfrm>
-          <a:prstGeom prst="rect">
-            <a:avLst/>
-          </a:prstGeom>
-          <a:noFill/>
-        </p:spPr>
-        <p:txBody>
-          <a:bodyPr wrap="none" rtlCol="0">
-            <a:spAutoFit/>
-          </a:bodyPr>
-          <a:lstStyle/>
-          <a:p>
-            <a:r>
-              <a:rPr lang="en-US" dirty="0" smtClean="0"/>
-              <a:t>Assignment 10</a:t>
-            </a:r>
-            <a:endParaRPr lang="en-US" dirty="0"/>
+            <a:endParaRPr lang="en-US"/>
           </a:p>
         </p:txBody>
       </p:sp>
     </p:spTree>
     <p:extLst>
       <p:ext uri="{BB962C8B-B14F-4D97-AF65-F5344CB8AC3E}">
-        <p14:creationId xmlns:p14="http://schemas.microsoft.com/office/powerpoint/2010/main" val="2217852683"/>
+        <p14:creationId xmlns:p14="http://schemas.microsoft.com/office/powerpoint/2010/main" val="3611507398"/>
       </p:ext>
     </p:extLst>
   </p:cSld>
@@ -7294,7 +7300,7 @@
           <a:p>
             <a:r>
               <a:rPr lang="en-US" dirty="0" smtClean="0"/>
-              <a:t>MVC (Model-View-Controller)</a:t>
+              <a:t>Homework</a:t>
             </a:r>
             <a:endParaRPr lang="en-US" dirty="0"/>
           </a:p>
@@ -7302,95 +7308,7 @@
       </p:sp>
       <p:sp>
         <p:nvSpPr>
-          <p:cNvPr id="3" name="Content Placeholder 2"/>
-          <p:cNvSpPr>
-            <a:spLocks noGrp="1"/>
-          </p:cNvSpPr>
-          <p:nvPr>
-            <p:ph idx="1"/>
-          </p:nvPr>
-        </p:nvSpPr>
-        <p:spPr/>
-        <p:txBody>
-          <a:bodyPr>
-            <a:normAutofit fontScale="77500" lnSpcReduction="20000"/>
-          </a:bodyPr>
-          <a:lstStyle/>
-          <a:p>
-            <a:r>
-              <a:rPr lang="en-US" dirty="0" smtClean="0"/>
-              <a:t>You already used it with </a:t>
-            </a:r>
-            <a:r>
-              <a:rPr lang="en-US" dirty="0" err="1" smtClean="0"/>
-              <a:t>JavaFx</a:t>
-            </a:r>
-            <a:r>
-              <a:rPr lang="en-US" dirty="0" smtClean="0"/>
-              <a:t> / FXML</a:t>
-            </a:r>
-          </a:p>
-          <a:p>
-            <a:r>
-              <a:rPr lang="en-US" dirty="0" smtClean="0"/>
-              <a:t>Which was the Model?</a:t>
-            </a:r>
-          </a:p>
-          <a:p>
-            <a:r>
-              <a:rPr lang="en-US" dirty="0" smtClean="0"/>
-              <a:t>View?</a:t>
-            </a:r>
-          </a:p>
-          <a:p>
-            <a:r>
-              <a:rPr lang="en-US" dirty="0" smtClean="0"/>
-              <a:t>Controller?</a:t>
-            </a:r>
-          </a:p>
-          <a:p>
-            <a:r>
-              <a:rPr lang="en-US" dirty="0" smtClean="0"/>
-              <a:t>Admittedly, MVC (a somewhat 2000’ish design pattern) isn’t always the best design pattern, but very commonly used.  Pretty good, but not always the best.</a:t>
-            </a:r>
-          </a:p>
-          <a:p>
-            <a:r>
-              <a:rPr lang="en-US" dirty="0" smtClean="0"/>
-              <a:t>Lots of other ones out there like MVP, MVVM, and now there’s a category called MVW – whatever!</a:t>
-            </a:r>
-          </a:p>
-          <a:p>
-            <a:r>
-              <a:rPr lang="en-US" dirty="0" smtClean="0"/>
-              <a:t>Questions?  If not, go back to your Assignment!</a:t>
-            </a:r>
-          </a:p>
-          <a:p>
-            <a:r>
-              <a:rPr lang="en-US" dirty="0" smtClean="0"/>
-              <a:t>I’ll be here to answer questions for the rest of this lecture.</a:t>
-            </a:r>
-          </a:p>
-          <a:p>
-            <a:r>
-              <a:rPr lang="en-US" dirty="0" smtClean="0"/>
-              <a:t>Advice: Check out your neighbor’s application.  </a:t>
-            </a:r>
-            <a:r>
-              <a:rPr lang="en-US" smtClean="0"/>
-              <a:t>Strongly encouraged.</a:t>
-            </a:r>
-            <a:endParaRPr lang="en-US" dirty="0" smtClean="0"/>
-          </a:p>
-          <a:p>
-            <a:endParaRPr lang="en-US" dirty="0"/>
-          </a:p>
-        </p:txBody>
-      </p:sp>
-      <p:sp>
-        <p:nvSpPr>
-          <p:cNvPr id="4" name="Slide Number Placeholder 3"/>
+          <p:cNvPr id="3" name="Slide Number Placeholder 2"/>
           <p:cNvSpPr>
             <a:spLocks noGrp="1"/>
           </p:cNvSpPr>
@@ -7406,21 +7324,51 @@
             <a:pPr>
               <a:defRPr/>
             </a:pPr>
-            <a:fld id="{8B8B984A-5AFF-7643-AE60-6D8D11294076}" type="slidenum">
-              <a:rPr lang="en-US" smtClean="0"/>
+            <a:fld id="{B2451C39-31DD-6D4B-9BED-758CF6C1BA6A}" type="slidenum">
+              <a:rPr lang="en-CA" smtClean="0"/>
               <a:pPr>
                 <a:defRPr/>
               </a:pPr>
               <a:t>104</a:t>
             </a:fld>
-            <a:endParaRPr lang="en-US"/>
+            <a:endParaRPr lang="en-CA"/>
+          </a:p>
+        </p:txBody>
+      </p:sp>
+      <p:sp>
+        <p:nvSpPr>
+          <p:cNvPr id="4" name="TextBox 3"/>
+          <p:cNvSpPr txBox="1"/>
+          <p:nvPr/>
+        </p:nvSpPr>
+        <p:spPr>
+          <a:xfrm>
+            <a:off x="1371600" y="2209800"/>
+            <a:ext cx="2222083" cy="461665"/>
+          </a:xfrm>
+          <a:prstGeom prst="rect">
+            <a:avLst/>
+          </a:prstGeom>
+          <a:noFill/>
+        </p:spPr>
+        <p:txBody>
+          <a:bodyPr wrap="none" rtlCol="0">
+            <a:spAutoFit/>
+          </a:bodyPr>
+          <a:lstStyle/>
+          <a:p>
+            <a:r>
+              <a:rPr lang="en-US" dirty="0" smtClean="0"/>
+              <a:t>Assignment 10</a:t>
+            </a:r>
+            <a:endParaRPr lang="en-US" dirty="0"/>
           </a:p>
         </p:txBody>
       </p:sp>
     </p:spTree>
     <p:extLst>
       <p:ext uri="{BB962C8B-B14F-4D97-AF65-F5344CB8AC3E}">
-        <p14:creationId xmlns:p14="http://schemas.microsoft.com/office/powerpoint/2010/main" val="3238898663"/>
+        <p14:creationId xmlns:p14="http://schemas.microsoft.com/office/powerpoint/2010/main" val="2217852683"/>
       </p:ext>
     </p:extLst>
   </p:cSld>
@@ -7464,7 +7412,7 @@
           <a:p>
             <a:r>
               <a:rPr lang="en-US" dirty="0" smtClean="0"/>
-              <a:t>There’s a tool (library) for that</a:t>
+              <a:t>MVC (Model-View-Controller)</a:t>
             </a:r>
             <a:endParaRPr lang="en-US" dirty="0"/>
           </a:p>
@@ -7482,105 +7430,78 @@
         </p:nvSpPr>
         <p:spPr/>
         <p:txBody>
-          <a:bodyPr/>
-          <a:lstStyle/>
-          <a:p>
-            <a:r>
-              <a:rPr lang="en-US" dirty="0"/>
-              <a:t>&lt;dependency&gt;</a:t>
-            </a:r>
-          </a:p>
-          <a:p>
-            <a:r>
-              <a:rPr lang="en-US" dirty="0"/>
-              <a:t>	&lt;</a:t>
-            </a:r>
-            <a:r>
-              <a:rPr lang="en-US" dirty="0" err="1"/>
-              <a:t>groupId</a:t>
-            </a:r>
-            <a:r>
-              <a:rPr lang="en-US" dirty="0"/>
-              <a:t>&gt;</a:t>
-            </a:r>
-            <a:r>
-              <a:rPr lang="en-US" dirty="0" err="1"/>
-              <a:t>org.apache.httpcomponents</a:t>
-            </a:r>
-            <a:r>
-              <a:rPr lang="en-US" dirty="0"/>
-              <a:t>&lt;/</a:t>
-            </a:r>
-            <a:r>
-              <a:rPr lang="en-US" dirty="0" err="1"/>
-              <a:t>groupId</a:t>
-            </a:r>
-            <a:r>
-              <a:rPr lang="en-US" dirty="0"/>
-              <a:t>&gt;</a:t>
-            </a:r>
-          </a:p>
-          <a:p>
-            <a:r>
-              <a:rPr lang="en-US" dirty="0"/>
-              <a:t>	&lt;</a:t>
-            </a:r>
-            <a:r>
-              <a:rPr lang="en-US" dirty="0" err="1"/>
-              <a:t>artifactId</a:t>
-            </a:r>
-            <a:r>
-              <a:rPr lang="en-US" dirty="0"/>
-              <a:t>&gt;</a:t>
-            </a:r>
-            <a:r>
-              <a:rPr lang="en-US" dirty="0" err="1"/>
-              <a:t>httpclient</a:t>
-            </a:r>
-            <a:r>
-              <a:rPr lang="en-US" dirty="0"/>
-              <a:t>&lt;/</a:t>
-            </a:r>
-            <a:r>
-              <a:rPr lang="en-US" dirty="0" err="1"/>
-              <a:t>artifactId</a:t>
-            </a:r>
-            <a:r>
-              <a:rPr lang="en-US" dirty="0"/>
-              <a:t>&gt;</a:t>
-            </a:r>
-          </a:p>
-          <a:p>
-            <a:r>
-              <a:rPr lang="en-US" dirty="0"/>
-              <a:t>	&lt;version&gt;4.3.3&lt;/version&gt;</a:t>
-            </a:r>
-          </a:p>
-          <a:p>
-            <a:r>
-              <a:rPr lang="en-US" dirty="0"/>
-              <a:t>&lt;/dependency&gt;</a:t>
-            </a:r>
-          </a:p>
-          <a:p>
-            <a:r>
-              <a:rPr lang="en-US" dirty="0"/>
-              <a:t> </a:t>
-            </a:r>
-          </a:p>
-          <a:p>
-            <a:r>
-              <a:rPr lang="en-US" dirty="0"/>
-              <a:t> </a:t>
-            </a:r>
-            <a:r>
-              <a:rPr lang="en-US" dirty="0" smtClean="0"/>
-              <a:t>See </a:t>
+          <a:bodyPr>
+            <a:normAutofit fontScale="77500" lnSpcReduction="20000"/>
+          </a:bodyPr>
+          <a:lstStyle/>
+          <a:p>
+            <a:r>
+              <a:rPr lang="en-US" dirty="0" smtClean="0"/>
+              <a:t>You already used it with </a:t>
             </a:r>
             <a:r>
               <a:rPr lang="en-US" dirty="0" err="1" smtClean="0"/>
-              <a:t>HttpComponentsDemo</a:t>
-            </a:r>
+              <a:t>JavaFx</a:t>
+            </a:r>
+            <a:r>
+              <a:rPr lang="en-US" dirty="0" smtClean="0"/>
+              <a:t> / FXML</a:t>
+            </a:r>
+          </a:p>
+          <a:p>
+            <a:r>
+              <a:rPr lang="en-US" dirty="0" smtClean="0"/>
+              <a:t>Which was the Model?</a:t>
+            </a:r>
+          </a:p>
+          <a:p>
+            <a:r>
+              <a:rPr lang="en-US" dirty="0" smtClean="0"/>
+              <a:t>View?</a:t>
+            </a:r>
+          </a:p>
+          <a:p>
+            <a:r>
+              <a:rPr lang="en-US" dirty="0" smtClean="0"/>
+              <a:t>Controller?</a:t>
+            </a:r>
+          </a:p>
+          <a:p>
+            <a:r>
+              <a:rPr lang="en-US" dirty="0" smtClean="0"/>
+              <a:t>Admittedly, MVC (a somewhat 2000’ish design pattern) isn’t always the best design pattern, but very commonly used.  Pretty good, but not always the best.</a:t>
+            </a:r>
+          </a:p>
+          <a:p>
+            <a:r>
+              <a:rPr lang="en-US" dirty="0" smtClean="0"/>
+              <a:t>Lots of other ones out there like MVP, MVVM, and now there’s a category called MVW – whatever!</a:t>
+            </a:r>
+          </a:p>
+          <a:p>
+            <a:r>
+              <a:rPr lang="en-US" dirty="0" smtClean="0"/>
+              <a:t>Questions?  If not, go back to your Assignment!</a:t>
+            </a:r>
+          </a:p>
+          <a:p>
+            <a:r>
+              <a:rPr lang="en-US" dirty="0" smtClean="0"/>
+              <a:t>I’ll be here to answer questions for the rest of this lecture.</a:t>
+            </a:r>
+          </a:p>
+          <a:p>
+            <a:r>
+              <a:rPr lang="en-US" dirty="0" smtClean="0"/>
+              <a:t>Advice: Check out your neighbor’s application.  </a:t>
+            </a:r>
+            <a:r>
+              <a:rPr lang="en-US" smtClean="0"/>
+              <a:t>Strongly encouraged.</a:t>
+            </a:r>
+            <a:endParaRPr lang="en-US" dirty="0" smtClean="0"/>
+          </a:p>
+          <a:p>
             <a:endParaRPr lang="en-US" dirty="0"/>
           </a:p>
         </p:txBody>
@@ -7617,7 +7538,7 @@
     </p:spTree>
     <p:extLst>
       <p:ext uri="{BB962C8B-B14F-4D97-AF65-F5344CB8AC3E}">
-        <p14:creationId xmlns:p14="http://schemas.microsoft.com/office/powerpoint/2010/main" val="664585395"/>
+        <p14:creationId xmlns:p14="http://schemas.microsoft.com/office/powerpoint/2010/main" val="3238898663"/>
       </p:ext>
     </p:extLst>
   </p:cSld>
@@ -7661,7 +7582,7 @@
           <a:p>
             <a:r>
               <a:rPr lang="en-US" dirty="0" smtClean="0"/>
-              <a:t>Homework</a:t>
+              <a:t>There’s a tool (library) for that</a:t>
             </a:r>
             <a:endParaRPr lang="en-US" dirty="0"/>
           </a:p>
@@ -7669,7 +7590,122 @@
       </p:sp>
       <p:sp>
         <p:nvSpPr>
-          <p:cNvPr id="3" name="Slide Number Placeholder 2"/>
+          <p:cNvPr id="3" name="Content Placeholder 2"/>
+          <p:cNvSpPr>
+            <a:spLocks noGrp="1"/>
+          </p:cNvSpPr>
+          <p:nvPr>
+            <p:ph idx="1"/>
+          </p:nvPr>
+        </p:nvSpPr>
+        <p:spPr/>
+        <p:txBody>
+          <a:bodyPr/>
+          <a:lstStyle/>
+          <a:p>
+            <a:r>
+              <a:rPr lang="en-US" dirty="0"/>
+              <a:t>&lt;dependency&gt;</a:t>
+            </a:r>
+          </a:p>
+          <a:p>
+            <a:r>
+              <a:rPr lang="en-US" dirty="0"/>
+              <a:t>	&lt;</a:t>
+            </a:r>
+            <a:r>
+              <a:rPr lang="en-US" dirty="0" err="1"/>
+              <a:t>groupId</a:t>
+            </a:r>
+            <a:r>
+              <a:rPr lang="en-US" dirty="0"/>
+              <a:t>&gt;</a:t>
+            </a:r>
+            <a:r>
+              <a:rPr lang="en-US" dirty="0" err="1"/>
+              <a:t>org.apache.httpcomponents</a:t>
+            </a:r>
+            <a:r>
+              <a:rPr lang="en-US" dirty="0"/>
+              <a:t>&lt;/</a:t>
+            </a:r>
+            <a:r>
+              <a:rPr lang="en-US" dirty="0" err="1"/>
+              <a:t>groupId</a:t>
+            </a:r>
+            <a:r>
+              <a:rPr lang="en-US" dirty="0"/>
+              <a:t>&gt;</a:t>
+            </a:r>
+          </a:p>
+          <a:p>
+            <a:r>
+              <a:rPr lang="en-US" dirty="0"/>
+              <a:t>	&lt;</a:t>
+            </a:r>
+            <a:r>
+              <a:rPr lang="en-US" dirty="0" err="1"/>
+              <a:t>artifactId</a:t>
+            </a:r>
+            <a:r>
+              <a:rPr lang="en-US" dirty="0"/>
+              <a:t>&gt;</a:t>
+            </a:r>
+            <a:r>
+              <a:rPr lang="en-US" dirty="0" err="1"/>
+              <a:t>httpclient</a:t>
+            </a:r>
+            <a:r>
+              <a:rPr lang="en-US" dirty="0"/>
+              <a:t>&lt;/</a:t>
+            </a:r>
+            <a:r>
+              <a:rPr lang="en-US" dirty="0" err="1"/>
+              <a:t>artifactId</a:t>
+            </a:r>
+            <a:r>
+              <a:rPr lang="en-US" dirty="0"/>
+              <a:t>&gt;</a:t>
+            </a:r>
+          </a:p>
+          <a:p>
+            <a:r>
+              <a:rPr lang="en-US" dirty="0"/>
+              <a:t>	&lt;version&gt;4.3.3&lt;/version&gt;</a:t>
+            </a:r>
+          </a:p>
+          <a:p>
+            <a:r>
+              <a:rPr lang="en-US" dirty="0"/>
+              <a:t>&lt;/dependency&gt;</a:t>
+            </a:r>
+          </a:p>
+          <a:p>
+            <a:r>
+              <a:rPr lang="en-US" dirty="0"/>
+              <a:t> </a:t>
+            </a:r>
+          </a:p>
+          <a:p>
+            <a:r>
+              <a:rPr lang="en-US" dirty="0"/>
+              <a:t> </a:t>
+            </a:r>
+            <a:r>
+              <a:rPr lang="en-US" dirty="0" smtClean="0"/>
+              <a:t>See </a:t>
+            </a:r>
+            <a:r>
+              <a:rPr lang="en-US" dirty="0" err="1" smtClean="0"/>
+              <a:t>HttpComponentsDemo</a:t>
+            </a:r>
+            <a:endParaRPr lang="en-US" dirty="0"/>
+          </a:p>
+        </p:txBody>
+      </p:sp>
+      <p:sp>
+        <p:nvSpPr>
+          <p:cNvPr id="4" name="Slide Number Placeholder 3"/>
           <p:cNvSpPr>
             <a:spLocks noGrp="1"/>
           </p:cNvSpPr>
@@ -7685,74 +7721,21 @@
             <a:pPr>
               <a:defRPr/>
             </a:pPr>
-            <a:fld id="{B2451C39-31DD-6D4B-9BED-758CF6C1BA6A}" type="slidenum">
-              <a:rPr lang="en-CA" smtClean="0"/>
+            <a:fld id="{8B8B984A-5AFF-7643-AE60-6D8D11294076}" type="slidenum">
+              <a:rPr lang="en-US" smtClean="0"/>
               <a:pPr>
                 <a:defRPr/>
               </a:pPr>
               <a:t>106</a:t>
             </a:fld>
-            <a:endParaRPr lang="en-CA"/>
-          </a:p>
-        </p:txBody>
-      </p:sp>
-      <p:sp>
-        <p:nvSpPr>
-          <p:cNvPr id="4" name="TextBox 3"/>
-          <p:cNvSpPr txBox="1"/>
-          <p:nvPr/>
-        </p:nvSpPr>
-        <p:spPr>
-          <a:xfrm>
-            <a:off x="1828800" y="1752600"/>
-            <a:ext cx="6296917" cy="1938992"/>
-          </a:xfrm>
-          <a:prstGeom prst="rect">
-            <a:avLst/>
-          </a:prstGeom>
-          <a:noFill/>
-        </p:spPr>
-        <p:txBody>
-          <a:bodyPr wrap="none" rtlCol="0">
-            <a:spAutoFit/>
-          </a:bodyPr>
-          <a:lstStyle/>
-          <a:p>
-            <a:r>
-              <a:rPr lang="en-US" dirty="0" smtClean="0"/>
-              <a:t>You guessed it Assignment11</a:t>
-            </a:r>
-          </a:p>
-          <a:p>
-            <a:r>
-              <a:rPr lang="en-US" dirty="0" smtClean="0"/>
-              <a:t>Hint for Final</a:t>
-            </a:r>
-          </a:p>
-          <a:p>
-            <a:r>
-              <a:rPr lang="en-US" dirty="0" smtClean="0"/>
-              <a:t>What can go wrong with your application</a:t>
-            </a:r>
-          </a:p>
-          <a:p>
-            <a:r>
-              <a:rPr lang="en-US" dirty="0" smtClean="0"/>
-              <a:t>When you demo it?  How should you handle,</a:t>
-            </a:r>
-          </a:p>
-          <a:p>
-            <a:r>
-              <a:rPr lang="en-US" dirty="0" smtClean="0"/>
-              <a:t>Fallback on what?</a:t>
-            </a:r>
+            <a:endParaRPr lang="en-US"/>
           </a:p>
         </p:txBody>
       </p:sp>
     </p:spTree>
     <p:extLst>
       <p:ext uri="{BB962C8B-B14F-4D97-AF65-F5344CB8AC3E}">
-        <p14:creationId xmlns:p14="http://schemas.microsoft.com/office/powerpoint/2010/main" val="3669441049"/>
+        <p14:creationId xmlns:p14="http://schemas.microsoft.com/office/powerpoint/2010/main" val="664585395"/>
       </p:ext>
     </p:extLst>
   </p:cSld>
@@ -7796,7 +7779,7 @@
           <a:p>
             <a:r>
               <a:rPr lang="en-US" dirty="0" smtClean="0"/>
-              <a:t>Food for thought…</a:t>
+              <a:t>Homework</a:t>
             </a:r>
             <a:endParaRPr lang="en-US" dirty="0"/>
           </a:p>
@@ -7839,8 +7822,8 @@
         </p:nvSpPr>
         <p:spPr>
           <a:xfrm>
-            <a:off x="1371600" y="1828800"/>
-            <a:ext cx="4831772" cy="1938992"/>
+            <a:off x="1828800" y="1752600"/>
+            <a:ext cx="6296917" cy="1938992"/>
           </a:xfrm>
           <a:prstGeom prst="rect">
             <a:avLst/>
@@ -7853,62 +7836,41 @@
           </a:bodyPr>
           <a:lstStyle/>
           <a:p>
-            <a:pPr marL="342900" indent="-342900">
-              <a:buFont typeface="Arial" pitchFamily="34" charset="0"/>
-              <a:buChar char="•"/>
-            </a:pPr>
-            <a:r>
-              <a:rPr lang="en-US" dirty="0" smtClean="0"/>
-              <a:t>Maybe after this course …</a:t>
-            </a:r>
-          </a:p>
-          <a:p>
-            <a:pPr marL="342900" indent="-342900">
-              <a:buFont typeface="Arial" pitchFamily="34" charset="0"/>
-              <a:buChar char="•"/>
-            </a:pPr>
-            <a:r>
-              <a:rPr lang="en-US" dirty="0" smtClean="0"/>
-              <a:t>I REALLY hate Java…</a:t>
-            </a:r>
-          </a:p>
-          <a:p>
-            <a:pPr marL="342900" indent="-342900">
-              <a:buFont typeface="Arial" pitchFamily="34" charset="0"/>
-              <a:buChar char="•"/>
-            </a:pPr>
-            <a:r>
-              <a:rPr lang="en-US" dirty="0" smtClean="0"/>
-              <a:t>Or I REALLY love it</a:t>
-            </a:r>
-          </a:p>
-          <a:p>
-            <a:pPr marL="342900" indent="-342900">
-              <a:buFont typeface="Arial" pitchFamily="34" charset="0"/>
-              <a:buChar char="•"/>
-            </a:pPr>
-            <a:r>
-              <a:rPr lang="en-US" dirty="0" smtClean="0"/>
-              <a:t>But was that all you learned?</a:t>
-            </a:r>
-          </a:p>
-          <a:p>
-            <a:pPr marL="342900" indent="-342900">
-              <a:buFont typeface="Arial" pitchFamily="34" charset="0"/>
-              <a:buChar char="•"/>
-            </a:pPr>
-            <a:r>
-              <a:rPr lang="en-US" dirty="0" smtClean="0"/>
-              <a:t>I had a hidden agenda all along</a:t>
-            </a:r>
-            <a:endParaRPr lang="en-US" dirty="0"/>
+            <a:r>
+              <a:rPr lang="en-US" dirty="0" smtClean="0"/>
+              <a:t>You guessed it Assignment11</a:t>
+            </a:r>
+          </a:p>
+          <a:p>
+            <a:r>
+              <a:rPr lang="en-US" dirty="0" smtClean="0"/>
+              <a:t>Hint for Final</a:t>
+            </a:r>
+          </a:p>
+          <a:p>
+            <a:r>
+              <a:rPr lang="en-US" dirty="0" smtClean="0"/>
+              <a:t>What can go wrong with your application</a:t>
+            </a:r>
+          </a:p>
+          <a:p>
+            <a:r>
+              <a:rPr lang="en-US" dirty="0" smtClean="0"/>
+              <a:t>When you demo it?  How should you handle,</a:t>
+            </a:r>
+          </a:p>
+          <a:p>
+            <a:r>
+              <a:rPr lang="en-US" dirty="0" smtClean="0"/>
+              <a:t>Fallback on what?</a:t>
+            </a:r>
           </a:p>
         </p:txBody>
       </p:sp>
     </p:spTree>
     <p:extLst>
       <p:ext uri="{BB962C8B-B14F-4D97-AF65-F5344CB8AC3E}">
-        <p14:creationId xmlns:p14="http://schemas.microsoft.com/office/powerpoint/2010/main" val="568372925"/>
+        <p14:creationId xmlns:p14="http://schemas.microsoft.com/office/powerpoint/2010/main" val="3669441049"/>
       </p:ext>
     </p:extLst>
   </p:cSld>
@@ -7952,7 +7914,7 @@
           <a:p>
             <a:r>
               <a:rPr lang="en-US" dirty="0" smtClean="0"/>
-              <a:t>Well, what else did we learn?</a:t>
+              <a:t>Food for thought…</a:t>
             </a:r>
             <a:endParaRPr lang="en-US" dirty="0"/>
           </a:p>
@@ -7995,8 +7957,8 @@
         </p:nvSpPr>
         <p:spPr>
           <a:xfrm>
-            <a:off x="1447800" y="1905000"/>
-            <a:ext cx="7124066" cy="1938992"/>
+            <a:off x="1371600" y="1828800"/>
+            <a:ext cx="4831772" cy="1938992"/>
           </a:xfrm>
           <a:prstGeom prst="rect">
             <a:avLst/>
@@ -8015,7 +7977,7 @@
             </a:pPr>
             <a:r>
               <a:rPr lang="en-US" dirty="0" smtClean="0"/>
-              <a:t>Maven – although Maven is specific</a:t>
+              <a:t>Maybe after this course …</a:t>
             </a:r>
           </a:p>
           <a:p>
@@ -8025,7 +7987,7 @@
             </a:pPr>
             <a:r>
               <a:rPr lang="en-US" dirty="0" smtClean="0"/>
-              <a:t>To java, the concept is universal.  Have</a:t>
+              <a:t>I REALLY hate Java…</a:t>
             </a:r>
           </a:p>
           <a:p>
@@ -8035,7 +7997,7 @@
             </a:pPr>
             <a:r>
               <a:rPr lang="en-US" dirty="0" smtClean="0"/>
-              <a:t>A repository of libraries somewhere and</a:t>
+              <a:t>Or I REALLY love it</a:t>
             </a:r>
           </a:p>
           <a:p>
@@ -8045,13 +8007,8 @@
             </a:pPr>
             <a:r>
               <a:rPr lang="en-US" dirty="0" smtClean="0"/>
-              <a:t>Let a tool download them with their </a:t>
-            </a:r>
-            <a:r>
-              <a:rPr lang="en-US" dirty="0" err="1" smtClean="0"/>
-              <a:t>dependecies</a:t>
-            </a:r>
-            <a:endParaRPr lang="en-US" dirty="0" smtClean="0"/>
+              <a:t>But was that all you learned?</a:t>
+            </a:r>
           </a:p>
           <a:p>
             <a:pPr marL="342900" indent="-342900">
@@ -8060,7 +8017,7 @@
             </a:pPr>
             <a:r>
               <a:rPr lang="en-US" dirty="0" smtClean="0"/>
-              <a:t>And help you build artifacts</a:t>
+              <a:t>I had a hidden agenda all along</a:t>
             </a:r>
             <a:endParaRPr lang="en-US" dirty="0"/>
           </a:p>
@@ -8069,7 +8026,7 @@
     </p:spTree>
     <p:extLst>
       <p:ext uri="{BB962C8B-B14F-4D97-AF65-F5344CB8AC3E}">
-        <p14:creationId xmlns:p14="http://schemas.microsoft.com/office/powerpoint/2010/main" val="3404509170"/>
+        <p14:creationId xmlns:p14="http://schemas.microsoft.com/office/powerpoint/2010/main" val="568372925"/>
       </p:ext>
     </p:extLst>
   </p:cSld>
@@ -8112,16 +8069,8 @@
           <a:lstStyle/>
           <a:p>
             <a:r>
-              <a:rPr lang="en-US" dirty="0" err="1" smtClean="0"/>
-              <a:t>Git</a:t>
-            </a:r>
-            <a:r>
-              <a:rPr lang="en-US" dirty="0" smtClean="0"/>
-              <a:t>, </a:t>
-            </a:r>
-            <a:r>
-              <a:rPr lang="en-US" dirty="0" err="1" smtClean="0"/>
-              <a:t>Github</a:t>
+              <a:rPr lang="en-US" dirty="0" smtClean="0"/>
+              <a:t>Well, what else did we learn?</a:t>
             </a:r>
             <a:endParaRPr lang="en-US" dirty="0"/>
           </a:p>
@@ -8164,8 +8113,8 @@
         </p:nvSpPr>
         <p:spPr>
           <a:xfrm>
-            <a:off x="1143000" y="2209800"/>
-            <a:ext cx="7837402" cy="4154984"/>
+            <a:off x="1447800" y="1905000"/>
+            <a:ext cx="7124066" cy="1938992"/>
           </a:xfrm>
           <a:prstGeom prst="rect">
             <a:avLst/>
@@ -8184,41 +8133,7 @@
             </a:pPr>
             <a:r>
               <a:rPr lang="en-US" dirty="0" smtClean="0"/>
-              <a:t>I strongly recommend you use </a:t>
-            </a:r>
-            <a:r>
-              <a:rPr lang="en-US" dirty="0" err="1" smtClean="0"/>
-              <a:t>Git</a:t>
-            </a:r>
-            <a:r>
-              <a:rPr lang="en-US" dirty="0" smtClean="0"/>
-              <a:t> for your</a:t>
-            </a:r>
-          </a:p>
-          <a:p>
-            <a:r>
-              <a:rPr lang="en-US" dirty="0" smtClean="0"/>
-              <a:t>Other courses or personal projects or work.  Revision</a:t>
-            </a:r>
-          </a:p>
-          <a:p>
-            <a:r>
-              <a:rPr lang="en-US" dirty="0"/>
-              <a:t>m</a:t>
-            </a:r>
-            <a:r>
-              <a:rPr lang="en-US" dirty="0" smtClean="0"/>
-              <a:t>anagement is crucial in software engineering.  Without</a:t>
-            </a:r>
-          </a:p>
-          <a:p>
-            <a:r>
-              <a:rPr lang="en-US" dirty="0" err="1" smtClean="0"/>
-              <a:t>Git</a:t>
-            </a:r>
-            <a:r>
-              <a:rPr lang="en-US" dirty="0" smtClean="0"/>
-              <a:t>, how else would you go back to a previous revision</a:t>
+              <a:t>Maven – although Maven is specific</a:t>
             </a:r>
           </a:p>
           <a:p>
@@ -8227,76 +8142,52 @@
               <a:buChar char="•"/>
             </a:pPr>
             <a:r>
+              <a:rPr lang="en-US" dirty="0" smtClean="0"/>
+              <a:t>To java, the concept is universal.  Have</a:t>
+            </a:r>
+          </a:p>
+          <a:p>
+            <a:pPr marL="342900" indent="-342900">
+              <a:buFont typeface="Arial" pitchFamily="34" charset="0"/>
+              <a:buChar char="•"/>
+            </a:pPr>
+            <a:r>
+              <a:rPr lang="en-US" dirty="0" smtClean="0"/>
+              <a:t>A repository of libraries somewhere and</a:t>
+            </a:r>
+          </a:p>
+          <a:p>
+            <a:pPr marL="342900" indent="-342900">
+              <a:buFont typeface="Arial" pitchFamily="34" charset="0"/>
+              <a:buChar char="•"/>
+            </a:pPr>
+            <a:r>
+              <a:rPr lang="en-US" dirty="0" smtClean="0"/>
+              <a:t>Let a tool download them with their </a:t>
+            </a:r>
+            <a:r>
               <a:rPr lang="en-US" dirty="0" err="1" smtClean="0"/>
-              <a:t>GitHub</a:t>
-            </a:r>
-            <a:r>
-              <a:rPr lang="en-US" dirty="0" smtClean="0"/>
-              <a:t> and </a:t>
-            </a:r>
-            <a:r>
-              <a:rPr lang="en-US" dirty="0" err="1" smtClean="0"/>
-              <a:t>GitHub</a:t>
-            </a:r>
-            <a:r>
-              <a:rPr lang="en-US" dirty="0" smtClean="0"/>
-              <a:t> pages ties you into the open</a:t>
-            </a:r>
-          </a:p>
-          <a:p>
-            <a:r>
-              <a:rPr lang="en-US" dirty="0" smtClean="0"/>
-              <a:t>Source community.  Open source is good.  You now</a:t>
-            </a:r>
-          </a:p>
-          <a:p>
-            <a:r>
-              <a:rPr lang="en-US" dirty="0" smtClean="0"/>
-              <a:t>Have an open source project on </a:t>
-            </a:r>
-            <a:r>
-              <a:rPr lang="en-US" dirty="0" err="1" smtClean="0"/>
-              <a:t>GitHub</a:t>
-            </a:r>
-            <a:r>
-              <a:rPr lang="en-US" dirty="0" smtClean="0"/>
-              <a:t>.  Congrats.</a:t>
-            </a:r>
-          </a:p>
-          <a:p>
-            <a:r>
-              <a:rPr lang="en-US" dirty="0" smtClean="0"/>
-              <a:t>If you never created a homepage before, well, use</a:t>
-            </a:r>
-          </a:p>
-          <a:p>
-            <a:r>
-              <a:rPr lang="en-US" dirty="0" err="1" smtClean="0"/>
-              <a:t>GitHub</a:t>
-            </a:r>
-            <a:r>
-              <a:rPr lang="en-US" dirty="0" smtClean="0"/>
-              <a:t> pages.  Great for letting employers see your</a:t>
-            </a:r>
-          </a:p>
-          <a:p>
-            <a:r>
-              <a:rPr lang="en-US" dirty="0" smtClean="0"/>
-              <a:t>Project and let them see your coding style too!  Again,</a:t>
-            </a:r>
-          </a:p>
-          <a:p>
-            <a:r>
-              <a:rPr lang="en-US" dirty="0" smtClean="0"/>
-              <a:t>NOT java specific.</a:t>
-            </a:r>
+              <a:t>dependecies</a:t>
+            </a:r>
+            <a:endParaRPr lang="en-US" dirty="0" smtClean="0"/>
+          </a:p>
+          <a:p>
+            <a:pPr marL="342900" indent="-342900">
+              <a:buFont typeface="Arial" pitchFamily="34" charset="0"/>
+              <a:buChar char="•"/>
+            </a:pPr>
+            <a:r>
+              <a:rPr lang="en-US" dirty="0" smtClean="0"/>
+              <a:t>And help you build artifacts</a:t>
+            </a:r>
+            <a:endParaRPr lang="en-US" dirty="0"/>
           </a:p>
         </p:txBody>
       </p:sp>
     </p:spTree>
     <p:extLst>
       <p:ext uri="{BB962C8B-B14F-4D97-AF65-F5344CB8AC3E}">
-        <p14:creationId xmlns:p14="http://schemas.microsoft.com/office/powerpoint/2010/main" val="3442297372"/>
+        <p14:creationId xmlns:p14="http://schemas.microsoft.com/office/powerpoint/2010/main" val="3404509170"/>
       </p:ext>
     </p:extLst>
   </p:cSld>
@@ -8580,8 +8471,16 @@
           <a:lstStyle/>
           <a:p>
             <a:r>
-              <a:rPr lang="en-US" dirty="0" smtClean="0"/>
-              <a:t>MVC</a:t>
+              <a:rPr lang="en-US" dirty="0" err="1" smtClean="0"/>
+              <a:t>Git</a:t>
+            </a:r>
+            <a:r>
+              <a:rPr lang="en-US" dirty="0" smtClean="0"/>
+              <a:t>, </a:t>
+            </a:r>
+            <a:r>
+              <a:rPr lang="en-US" dirty="0" err="1" smtClean="0"/>
+              <a:t>Github</a:t>
             </a:r>
             <a:endParaRPr lang="en-US" dirty="0"/>
           </a:p>
@@ -8624,8 +8523,8 @@
         </p:nvSpPr>
         <p:spPr>
           <a:xfrm>
-            <a:off x="1371600" y="2286000"/>
-            <a:ext cx="7117333" cy="1569660"/>
+            <a:off x="1143000" y="2209800"/>
+            <a:ext cx="7837402" cy="4154984"/>
           </a:xfrm>
           <a:prstGeom prst="rect">
             <a:avLst/>
@@ -8644,7 +8543,41 @@
             </a:pPr>
             <a:r>
               <a:rPr lang="en-US" dirty="0" smtClean="0"/>
-              <a:t>Hopefully, you learned a few design patterns</a:t>
+              <a:t>I strongly recommend you use </a:t>
+            </a:r>
+            <a:r>
+              <a:rPr lang="en-US" dirty="0" err="1" smtClean="0"/>
+              <a:t>Git</a:t>
+            </a:r>
+            <a:r>
+              <a:rPr lang="en-US" dirty="0" smtClean="0"/>
+              <a:t> for your</a:t>
+            </a:r>
+          </a:p>
+          <a:p>
+            <a:r>
+              <a:rPr lang="en-US" dirty="0" smtClean="0"/>
+              <a:t>Other courses or personal projects or work.  Revision</a:t>
+            </a:r>
+          </a:p>
+          <a:p>
+            <a:r>
+              <a:rPr lang="en-US" dirty="0"/>
+              <a:t>m</a:t>
+            </a:r>
+            <a:r>
+              <a:rPr lang="en-US" dirty="0" smtClean="0"/>
+              <a:t>anagement is crucial in software engineering.  Without</a:t>
+            </a:r>
+          </a:p>
+          <a:p>
+            <a:r>
+              <a:rPr lang="en-US" dirty="0" err="1" smtClean="0"/>
+              <a:t>Git</a:t>
+            </a:r>
+            <a:r>
+              <a:rPr lang="en-US" dirty="0" smtClean="0"/>
+              <a:t>, how else would you go back to a previous revision</a:t>
             </a:r>
           </a:p>
           <a:p>
@@ -8653,37 +8586,76 @@
               <a:buChar char="•"/>
             </a:pPr>
             <a:r>
-              <a:rPr lang="en-US" dirty="0" smtClean="0"/>
-              <a:t>Like MVC.  In later courses, you’ll learn MVP,</a:t>
-            </a:r>
-          </a:p>
-          <a:p>
-            <a:pPr marL="342900" indent="-342900">
-              <a:buFont typeface="Arial" pitchFamily="34" charset="0"/>
-              <a:buChar char="•"/>
-            </a:pPr>
-            <a:r>
-              <a:rPr lang="en-US" dirty="0" smtClean="0"/>
-              <a:t>MVVM, and MVW.   Again design patterns aren’t</a:t>
-            </a:r>
-          </a:p>
-          <a:p>
-            <a:pPr marL="342900" indent="-342900">
-              <a:buFont typeface="Arial" pitchFamily="34" charset="0"/>
-              <a:buChar char="•"/>
-            </a:pPr>
-            <a:r>
-              <a:rPr lang="en-US" dirty="0" smtClean="0"/>
-              <a:t>Specific to Java</a:t>
-            </a:r>
-            <a:endParaRPr lang="en-US" dirty="0"/>
+              <a:rPr lang="en-US" dirty="0" err="1" smtClean="0"/>
+              <a:t>GitHub</a:t>
+            </a:r>
+            <a:r>
+              <a:rPr lang="en-US" dirty="0" smtClean="0"/>
+              <a:t> and </a:t>
+            </a:r>
+            <a:r>
+              <a:rPr lang="en-US" dirty="0" err="1" smtClean="0"/>
+              <a:t>GitHub</a:t>
+            </a:r>
+            <a:r>
+              <a:rPr lang="en-US" dirty="0" smtClean="0"/>
+              <a:t> pages ties you into the open</a:t>
+            </a:r>
+          </a:p>
+          <a:p>
+            <a:r>
+              <a:rPr lang="en-US" dirty="0" smtClean="0"/>
+              <a:t>Source community.  Open source is good.  You now</a:t>
+            </a:r>
+          </a:p>
+          <a:p>
+            <a:r>
+              <a:rPr lang="en-US" dirty="0" smtClean="0"/>
+              <a:t>Have an open source project on </a:t>
+            </a:r>
+            <a:r>
+              <a:rPr lang="en-US" dirty="0" err="1" smtClean="0"/>
+              <a:t>GitHub</a:t>
+            </a:r>
+            <a:r>
+              <a:rPr lang="en-US" dirty="0" smtClean="0"/>
+              <a:t>.  Congrats.</a:t>
+            </a:r>
+          </a:p>
+          <a:p>
+            <a:r>
+              <a:rPr lang="en-US" dirty="0" smtClean="0"/>
+              <a:t>If you never created a homepage before, well, use</a:t>
+            </a:r>
+          </a:p>
+          <a:p>
+            <a:r>
+              <a:rPr lang="en-US" dirty="0" err="1" smtClean="0"/>
+              <a:t>GitHub</a:t>
+            </a:r>
+            <a:r>
+              <a:rPr lang="en-US" dirty="0" smtClean="0"/>
+              <a:t> pages.  Great for letting employers see your</a:t>
+            </a:r>
+          </a:p>
+          <a:p>
+            <a:r>
+              <a:rPr lang="en-US" dirty="0" smtClean="0"/>
+              <a:t>Project and let them see your coding style too!  Again,</a:t>
+            </a:r>
+          </a:p>
+          <a:p>
+            <a:r>
+              <a:rPr lang="en-US" dirty="0" smtClean="0"/>
+              <a:t>NOT java specific.</a:t>
+            </a:r>
           </a:p>
         </p:txBody>
       </p:sp>
     </p:spTree>
     <p:extLst>
       <p:ext uri="{BB962C8B-B14F-4D97-AF65-F5344CB8AC3E}">
-        <p14:creationId xmlns:p14="http://schemas.microsoft.com/office/powerpoint/2010/main" val="1883758025"/>
+        <p14:creationId xmlns:p14="http://schemas.microsoft.com/office/powerpoint/2010/main" val="3442297372"/>
       </p:ext>
     </p:extLst>
   </p:cSld>
@@ -8727,7 +8699,7 @@
           <a:p>
             <a:r>
               <a:rPr lang="en-US" dirty="0" smtClean="0"/>
-              <a:t>Your neighbor</a:t>
+              <a:t>MVC</a:t>
             </a:r>
             <a:endParaRPr lang="en-US" dirty="0"/>
           </a:p>
@@ -8770,8 +8742,8 @@
         </p:nvSpPr>
         <p:spPr>
           <a:xfrm>
-            <a:off x="1447800" y="2362200"/>
-            <a:ext cx="6694461" cy="2308324"/>
+            <a:off x="1371600" y="2286000"/>
+            <a:ext cx="7117333" cy="1569660"/>
           </a:xfrm>
           <a:prstGeom prst="rect">
             <a:avLst/>
@@ -8790,13 +8762,7 @@
             </a:pPr>
             <a:r>
               <a:rPr lang="en-US" dirty="0" smtClean="0"/>
-              <a:t>I really tried to create an atmosphere</a:t>
-            </a:r>
-          </a:p>
-          <a:p>
-            <a:r>
-              <a:rPr lang="en-US" dirty="0" smtClean="0"/>
-              <a:t>Where I *only* did 50% of the talking</a:t>
+              <a:t>Hopefully, you learned a few design patterns</a:t>
             </a:r>
           </a:p>
           <a:p>
@@ -8806,33 +8772,36 @@
             </a:pPr>
             <a:r>
               <a:rPr lang="en-US" dirty="0" smtClean="0"/>
-              <a:t>Really hoped that you got to know the people</a:t>
-            </a:r>
-          </a:p>
-          <a:p>
-            <a:r>
-              <a:rPr lang="en-US" dirty="0" smtClean="0"/>
-              <a:t>Sitting around you.  Exchange phone numbers,</a:t>
-            </a:r>
-          </a:p>
-          <a:p>
-            <a:r>
-              <a:rPr lang="en-US" dirty="0" smtClean="0"/>
-              <a:t>Emails with them.</a:t>
-            </a:r>
-          </a:p>
-          <a:p>
-            <a:r>
-              <a:rPr lang="en-US" dirty="0" smtClean="0"/>
-              <a:t>Programs come and go.  Friends are forever</a:t>
-            </a:r>
+              <a:t>Like MVC.  In later courses, you’ll learn MVP,</a:t>
+            </a:r>
+          </a:p>
+          <a:p>
+            <a:pPr marL="342900" indent="-342900">
+              <a:buFont typeface="Arial" pitchFamily="34" charset="0"/>
+              <a:buChar char="•"/>
+            </a:pPr>
+            <a:r>
+              <a:rPr lang="en-US" dirty="0" smtClean="0"/>
+              <a:t>MVVM, and MVW.   Again design patterns aren’t</a:t>
+            </a:r>
+          </a:p>
+          <a:p>
+            <a:pPr marL="342900" indent="-342900">
+              <a:buFont typeface="Arial" pitchFamily="34" charset="0"/>
+              <a:buChar char="•"/>
+            </a:pPr>
+            <a:r>
+              <a:rPr lang="en-US" dirty="0" smtClean="0"/>
+              <a:t>Specific to Java</a:t>
+            </a:r>
+            <a:endParaRPr lang="en-US" dirty="0"/>
           </a:p>
         </p:txBody>
       </p:sp>
     </p:spTree>
     <p:extLst>
       <p:ext uri="{BB962C8B-B14F-4D97-AF65-F5344CB8AC3E}">
-        <p14:creationId xmlns:p14="http://schemas.microsoft.com/office/powerpoint/2010/main" val="3607217"/>
+        <p14:creationId xmlns:p14="http://schemas.microsoft.com/office/powerpoint/2010/main" val="1883758025"/>
       </p:ext>
     </p:extLst>
   </p:cSld>
@@ -8876,7 +8845,7 @@
           <a:p>
             <a:r>
               <a:rPr lang="en-US" dirty="0" smtClean="0"/>
-              <a:t>And most of all …</a:t>
+              <a:t>Your neighbor</a:t>
             </a:r>
             <a:endParaRPr lang="en-US" dirty="0"/>
           </a:p>
@@ -8919,8 +8888,8 @@
         </p:nvSpPr>
         <p:spPr>
           <a:xfrm>
-            <a:off x="1447800" y="2057400"/>
-            <a:ext cx="7111242" cy="3416320"/>
+            <a:off x="1447800" y="2362200"/>
+            <a:ext cx="6694461" cy="2308324"/>
           </a:xfrm>
           <a:prstGeom prst="rect">
             <a:avLst/>
@@ -8939,67 +8908,41 @@
             </a:pPr>
             <a:r>
               <a:rPr lang="en-US" dirty="0" smtClean="0"/>
-              <a:t>Software engineering and banging your</a:t>
-            </a:r>
-          </a:p>
-          <a:p>
-            <a:r>
-              <a:rPr lang="en-US" dirty="0"/>
-              <a:t>h</a:t>
-            </a:r>
-            <a:r>
-              <a:rPr lang="en-US" dirty="0" smtClean="0"/>
-              <a:t>ead against your keyboard.  This was a</a:t>
-            </a:r>
-          </a:p>
-          <a:p>
-            <a:r>
-              <a:rPr lang="en-US" dirty="0"/>
-              <a:t>p</a:t>
-            </a:r>
-            <a:r>
-              <a:rPr lang="en-US" dirty="0" smtClean="0"/>
-              <a:t>ut as much or as little as you want in this</a:t>
-            </a:r>
-          </a:p>
-          <a:p>
-            <a:r>
-              <a:rPr lang="en-US" dirty="0" smtClean="0"/>
-              <a:t>Course.  The project was yours from Day1.</a:t>
-            </a:r>
-          </a:p>
-          <a:p>
-            <a:r>
-              <a:rPr lang="en-US" dirty="0" smtClean="0"/>
-              <a:t>I personally grew quite attached to my first</a:t>
-            </a:r>
-          </a:p>
-          <a:p>
-            <a:r>
-              <a:rPr lang="en-US" dirty="0" smtClean="0"/>
-              <a:t>Software engineering project.  For me it was</a:t>
-            </a:r>
-          </a:p>
-          <a:p>
-            <a:r>
-              <a:rPr lang="en-US" dirty="0" smtClean="0"/>
-              <a:t>Fun.  I programmed it in C.  I don’t use C anymore,</a:t>
-            </a:r>
-          </a:p>
-          <a:p>
-            <a:r>
-              <a:rPr lang="en-US" dirty="0" smtClean="0"/>
-              <a:t>But it was the build your own, manage your own</a:t>
-            </a:r>
-          </a:p>
-          <a:p>
-            <a:r>
-              <a:rPr lang="en-US" dirty="0"/>
-              <a:t>a</a:t>
-            </a:r>
-            <a:r>
-              <a:rPr lang="en-US" dirty="0" smtClean="0"/>
-              <a:t>spect that still keeps me motivated in this field.</a:t>
+              <a:t>I really tried to create an atmosphere</a:t>
+            </a:r>
+          </a:p>
+          <a:p>
+            <a:r>
+              <a:rPr lang="en-US" dirty="0" smtClean="0"/>
+              <a:t>Where I *only* did 50% of the talking</a:t>
+            </a:r>
+          </a:p>
+          <a:p>
+            <a:pPr marL="342900" indent="-342900">
+              <a:buFont typeface="Arial" pitchFamily="34" charset="0"/>
+              <a:buChar char="•"/>
+            </a:pPr>
+            <a:r>
+              <a:rPr lang="en-US" dirty="0" smtClean="0"/>
+              <a:t>Really hoped that you got to know the people</a:t>
+            </a:r>
+          </a:p>
+          <a:p>
+            <a:r>
+              <a:rPr lang="en-US" dirty="0" smtClean="0"/>
+              <a:t>Sitting around you.  Exchange phone numbers,</a:t>
+            </a:r>
+          </a:p>
+          <a:p>
+            <a:r>
+              <a:rPr lang="en-US" dirty="0" smtClean="0"/>
+              <a:t>Emails with them.</a:t>
+            </a:r>
+          </a:p>
+          <a:p>
+            <a:r>
+              <a:rPr lang="en-US" dirty="0" smtClean="0"/>
+              <a:t>Programs come and go.  Friends are forever</a:t>
             </a:r>
           </a:p>
         </p:txBody>
@@ -9007,7 +8950,7 @@
     </p:spTree>
     <p:extLst>
       <p:ext uri="{BB962C8B-B14F-4D97-AF65-F5344CB8AC3E}">
-        <p14:creationId xmlns:p14="http://schemas.microsoft.com/office/powerpoint/2010/main" val="1560099199"/>
+        <p14:creationId xmlns:p14="http://schemas.microsoft.com/office/powerpoint/2010/main" val="3607217"/>
       </p:ext>
     </p:extLst>
   </p:cSld>
@@ -9051,7 +8994,7 @@
           <a:p>
             <a:r>
               <a:rPr lang="en-US" dirty="0" smtClean="0"/>
-              <a:t>Thank-you + Optional Homework</a:t>
+              <a:t>And most of all …</a:t>
             </a:r>
             <a:endParaRPr lang="en-US" dirty="0"/>
           </a:p>
@@ -9081,6 +9024,181 @@
                 <a:defRPr/>
               </a:pPr>
               <a:t>113</a:t>
+            </a:fld>
+            <a:endParaRPr lang="en-CA"/>
+          </a:p>
+        </p:txBody>
+      </p:sp>
+      <p:sp>
+        <p:nvSpPr>
+          <p:cNvPr id="4" name="TextBox 3"/>
+          <p:cNvSpPr txBox="1"/>
+          <p:nvPr/>
+        </p:nvSpPr>
+        <p:spPr>
+          <a:xfrm>
+            <a:off x="1447800" y="2057400"/>
+            <a:ext cx="7111242" cy="3416320"/>
+          </a:xfrm>
+          <a:prstGeom prst="rect">
+            <a:avLst/>
+          </a:prstGeom>
+          <a:noFill/>
+        </p:spPr>
+        <p:txBody>
+          <a:bodyPr wrap="none" rtlCol="0">
+            <a:spAutoFit/>
+          </a:bodyPr>
+          <a:lstStyle/>
+          <a:p>
+            <a:pPr marL="342900" indent="-342900">
+              <a:buFont typeface="Arial" pitchFamily="34" charset="0"/>
+              <a:buChar char="•"/>
+            </a:pPr>
+            <a:r>
+              <a:rPr lang="en-US" dirty="0" smtClean="0"/>
+              <a:t>Software engineering and banging your</a:t>
+            </a:r>
+          </a:p>
+          <a:p>
+            <a:r>
+              <a:rPr lang="en-US" dirty="0"/>
+              <a:t>h</a:t>
+            </a:r>
+            <a:r>
+              <a:rPr lang="en-US" dirty="0" smtClean="0"/>
+              <a:t>ead against your keyboard.  This was a</a:t>
+            </a:r>
+          </a:p>
+          <a:p>
+            <a:r>
+              <a:rPr lang="en-US" dirty="0"/>
+              <a:t>p</a:t>
+            </a:r>
+            <a:r>
+              <a:rPr lang="en-US" dirty="0" smtClean="0"/>
+              <a:t>ut as much or as little as you want in this</a:t>
+            </a:r>
+          </a:p>
+          <a:p>
+            <a:r>
+              <a:rPr lang="en-US" dirty="0" smtClean="0"/>
+              <a:t>Course.  The project was yours from Day1.</a:t>
+            </a:r>
+          </a:p>
+          <a:p>
+            <a:r>
+              <a:rPr lang="en-US" dirty="0" smtClean="0"/>
+              <a:t>I personally grew quite attached to my first</a:t>
+            </a:r>
+          </a:p>
+          <a:p>
+            <a:r>
+              <a:rPr lang="en-US" dirty="0" smtClean="0"/>
+              <a:t>Software engineering project.  For me it was</a:t>
+            </a:r>
+          </a:p>
+          <a:p>
+            <a:r>
+              <a:rPr lang="en-US" dirty="0" smtClean="0"/>
+              <a:t>Fun.  I programmed it in C.  I don’t use C anymore,</a:t>
+            </a:r>
+          </a:p>
+          <a:p>
+            <a:r>
+              <a:rPr lang="en-US" dirty="0" smtClean="0"/>
+              <a:t>But it was the build your own, manage your own</a:t>
+            </a:r>
+          </a:p>
+          <a:p>
+            <a:r>
+              <a:rPr lang="en-US" dirty="0"/>
+              <a:t>a</a:t>
+            </a:r>
+            <a:r>
+              <a:rPr lang="en-US" dirty="0" smtClean="0"/>
+              <a:t>spect that still keeps me motivated in this field.</a:t>
+            </a:r>
+          </a:p>
+        </p:txBody>
+      </p:sp>
+    </p:spTree>
+    <p:extLst>
+      <p:ext uri="{BB962C8B-B14F-4D97-AF65-F5344CB8AC3E}">
+        <p14:creationId xmlns:p14="http://schemas.microsoft.com/office/powerpoint/2010/main" val="1560099199"/>
+      </p:ext>
+    </p:extLst>
+  </p:cSld>
+  <p:clrMapOvr>
+    <a:masterClrMapping/>
+  </p:clrMapOvr>
+</p:sld>
+</file>
+
+<file path=ppt/slides/slide114.xml><?xml version="1.0" encoding="utf-8"?>
+<p:sld xmlns:a="http://schemas.openxmlformats.org/drawingml/2006/main" xmlns:r="http://schemas.openxmlformats.org/officeDocument/2006/relationships" xmlns:p="http://schemas.openxmlformats.org/presentationml/2006/main">
+  <p:cSld>
+    <p:spTree>
+      <p:nvGrpSpPr>
+        <p:cNvPr id="1" name=""/>
+        <p:cNvGrpSpPr/>
+        <p:nvPr/>
+      </p:nvGrpSpPr>
+      <p:grpSpPr>
+        <a:xfrm>
+          <a:off x="0" y="0"/>
+          <a:ext cx="0" cy="0"/>
+          <a:chOff x="0" y="0"/>
+          <a:chExt cx="0" cy="0"/>
+        </a:xfrm>
+      </p:grpSpPr>
+      <p:sp>
+        <p:nvSpPr>
+          <p:cNvPr id="2" name="Title 1"/>
+          <p:cNvSpPr>
+            <a:spLocks noGrp="1"/>
+          </p:cNvSpPr>
+          <p:nvPr>
+            <p:ph type="title"/>
+          </p:nvPr>
+        </p:nvSpPr>
+        <p:spPr/>
+        <p:txBody>
+          <a:bodyPr/>
+          <a:lstStyle/>
+          <a:p>
+            <a:r>
+              <a:rPr lang="en-US" dirty="0" smtClean="0"/>
+              <a:t>Thank-you + Optional Homework</a:t>
+            </a:r>
+            <a:endParaRPr lang="en-US" dirty="0"/>
+          </a:p>
+        </p:txBody>
+      </p:sp>
+      <p:sp>
+        <p:nvSpPr>
+          <p:cNvPr id="3" name="Slide Number Placeholder 2"/>
+          <p:cNvSpPr>
+            <a:spLocks noGrp="1"/>
+          </p:cNvSpPr>
+          <p:nvPr>
+            <p:ph type="sldNum" sz="quarter" idx="12"/>
+          </p:nvPr>
+        </p:nvSpPr>
+        <p:spPr/>
+        <p:txBody>
+          <a:bodyPr/>
+          <a:lstStyle/>
+          <a:p>
+            <a:pPr>
+              <a:defRPr/>
+            </a:pPr>
+            <a:fld id="{B2451C39-31DD-6D4B-9BED-758CF6C1BA6A}" type="slidenum">
+              <a:rPr lang="en-CA" smtClean="0"/>
+              <a:pPr>
+                <a:defRPr/>
+              </a:pPr>
+              <a:t>114</a:t>
             </a:fld>
             <a:endParaRPr lang="en-CA"/>
           </a:p>
@@ -25849,11 +25967,7 @@
           <a:p>
             <a:r>
               <a:rPr lang="en-US" dirty="0" smtClean="0"/>
-              <a:t>Problem with so much Annotation magic is that every now and then something goes wrong.  Fortunately</a:t>
-            </a:r>
-            <a:r>
-              <a:rPr lang="en-US" smtClean="0"/>
-              <a:t>, this </a:t>
+              <a:t>Problem with so much Annotation magic is that every now and then something goes wrong.  Fortunately, this </a:t>
             </a:r>
             <a:r>
               <a:rPr lang="en-US" dirty="0" err="1" smtClean="0"/>

--- a/coursePresentation.pptx
+++ b/coursePresentation.pptx
@@ -5,10 +5,10 @@
     <p:sldMasterId id="2147484906" r:id="rId1"/>
   </p:sldMasterIdLst>
   <p:notesMasterIdLst>
-    <p:notesMasterId r:id="rId116"/>
+    <p:notesMasterId r:id="rId118"/>
   </p:notesMasterIdLst>
   <p:handoutMasterIdLst>
-    <p:handoutMasterId r:id="rId117"/>
+    <p:handoutMasterId r:id="rId119"/>
   </p:handoutMasterIdLst>
   <p:sldIdLst>
     <p:sldId id="257" r:id="rId2"/>
@@ -111,20 +111,22 @@
     <p:sldId id="440" r:id="rId99"/>
     <p:sldId id="441" r:id="rId100"/>
     <p:sldId id="443" r:id="rId101"/>
-    <p:sldId id="409" r:id="rId102"/>
-    <p:sldId id="425" r:id="rId103"/>
-    <p:sldId id="442" r:id="rId104"/>
-    <p:sldId id="411" r:id="rId105"/>
-    <p:sldId id="427" r:id="rId106"/>
-    <p:sldId id="426" r:id="rId107"/>
-    <p:sldId id="413" r:id="rId108"/>
-    <p:sldId id="389" r:id="rId109"/>
-    <p:sldId id="390" r:id="rId110"/>
-    <p:sldId id="391" r:id="rId111"/>
-    <p:sldId id="392" r:id="rId112"/>
-    <p:sldId id="414" r:id="rId113"/>
-    <p:sldId id="393" r:id="rId114"/>
-    <p:sldId id="394" r:id="rId115"/>
+    <p:sldId id="444" r:id="rId102"/>
+    <p:sldId id="445" r:id="rId103"/>
+    <p:sldId id="409" r:id="rId104"/>
+    <p:sldId id="425" r:id="rId105"/>
+    <p:sldId id="442" r:id="rId106"/>
+    <p:sldId id="411" r:id="rId107"/>
+    <p:sldId id="427" r:id="rId108"/>
+    <p:sldId id="426" r:id="rId109"/>
+    <p:sldId id="413" r:id="rId110"/>
+    <p:sldId id="389" r:id="rId111"/>
+    <p:sldId id="390" r:id="rId112"/>
+    <p:sldId id="391" r:id="rId113"/>
+    <p:sldId id="392" r:id="rId114"/>
+    <p:sldId id="414" r:id="rId115"/>
+    <p:sldId id="393" r:id="rId116"/>
+    <p:sldId id="394" r:id="rId117"/>
   </p:sldIdLst>
   <p:sldSz cx="9144000" cy="6858000" type="screen4x3"/>
   <p:notesSz cx="6858000" cy="9144000"/>
@@ -255,7 +257,7 @@
   </p:defaultTextStyle>
   <p:extLst>
     <p:ext uri="{EFAFB233-063F-42B5-8137-9DF3F51BA10A}">
-      <p15:sldGuideLst xmlns:p15="http://schemas.microsoft.com/office/powerpoint/2012/main">
+      <p15:sldGuideLst xmlns:p15="http://schemas.microsoft.com/office/powerpoint/2012/main" xmlns="">
         <p15:guide id="1" orient="horz" pos="4029">
           <p15:clr>
             <a:srgbClr val="A4A3A4"/>
@@ -6779,7 +6781,6 @@
               <a:rPr lang="en-US"/>
               <a:t>MoreComplicatedTestDriverWithMySQLDB</a:t>
             </a:r>
-            <a:endParaRPr lang="en-US"/>
           </a:p>
         </p:txBody>
       </p:sp>
@@ -6859,7 +6860,7 @@
           <a:p>
             <a:r>
               <a:rPr lang="en-US" dirty="0" smtClean="0"/>
-              <a:t>Homework</a:t>
+              <a:t>What can go wrong?</a:t>
             </a:r>
             <a:endParaRPr lang="en-US" dirty="0"/>
           </a:p>
@@ -6867,7 +6868,83 @@
       </p:sp>
       <p:sp>
         <p:nvSpPr>
-          <p:cNvPr id="3" name="Slide Number Placeholder 2"/>
+          <p:cNvPr id="3" name="Content Placeholder 2"/>
+          <p:cNvSpPr>
+            <a:spLocks noGrp="1"/>
+          </p:cNvSpPr>
+          <p:nvPr>
+            <p:ph idx="1"/>
+          </p:nvPr>
+        </p:nvSpPr>
+        <p:spPr/>
+        <p:txBody>
+          <a:bodyPr>
+            <a:normAutofit fontScale="77500" lnSpcReduction="20000"/>
+          </a:bodyPr>
+          <a:lstStyle/>
+          <a:p>
+            <a:r>
+              <a:rPr lang="en-US" dirty="0" smtClean="0"/>
+              <a:t>When playing around with power magic, you can get burned pretty fast.  Or if you’re a fan of </a:t>
+            </a:r>
+            <a:r>
+              <a:rPr lang="en-US" dirty="0" err="1" smtClean="0"/>
+              <a:t>spiderman</a:t>
+            </a:r>
+            <a:r>
+              <a:rPr lang="en-US" dirty="0"/>
+              <a:t>:</a:t>
+            </a:r>
+            <a:r>
+              <a:rPr lang="en-US" dirty="0" smtClean="0"/>
+              <a:t> </a:t>
+            </a:r>
+            <a:r>
+              <a:rPr lang="en-US" b="1" dirty="0"/>
+              <a:t>With great power, comes great </a:t>
+            </a:r>
+            <a:r>
+              <a:rPr lang="en-US" b="1" dirty="0" smtClean="0"/>
+              <a:t>responsibility.  JPA / Spring Data / Hibernate is one of the most powerful features (if not the most powerful feature) of </a:t>
+            </a:r>
+            <a:r>
+              <a:rPr lang="en-US" b="1" dirty="0" err="1" smtClean="0"/>
+              <a:t>JavaEE</a:t>
+            </a:r>
+            <a:r>
+              <a:rPr lang="en-US" b="1" dirty="0" smtClean="0"/>
+              <a:t>.  If you learn to master this, you’ll see other design patterns (which are annotations-based) come to play. </a:t>
+            </a:r>
+            <a:endParaRPr lang="en-US" dirty="0" smtClean="0"/>
+          </a:p>
+          <a:p>
+            <a:r>
+              <a:rPr lang="en-US" dirty="0" smtClean="0"/>
+              <a:t>Make sure to commit your code often when it is in a stable state</a:t>
+            </a:r>
+          </a:p>
+          <a:p>
+            <a:r>
+              <a:rPr lang="en-US" dirty="0" smtClean="0"/>
+              <a:t>If you Java Model class is out of sync with the DB, then go to your DB and drop the tables</a:t>
+            </a:r>
+          </a:p>
+          <a:p>
+            <a:r>
+              <a:rPr lang="en-US" dirty="0" smtClean="0"/>
+              <a:t>Play around with the hibernate.hbm2ddl.auto field in </a:t>
+            </a:r>
+            <a:r>
+              <a:rPr lang="en-US" dirty="0" err="1" smtClean="0"/>
+              <a:t>hibernate.properties</a:t>
+            </a:r>
+            <a:endParaRPr lang="en-US" dirty="0"/>
+          </a:p>
+        </p:txBody>
+      </p:sp>
+      <p:sp>
+        <p:nvSpPr>
+          <p:cNvPr id="4" name="Slide Number Placeholder 3"/>
           <p:cNvSpPr>
             <a:spLocks noGrp="1"/>
           </p:cNvSpPr>
@@ -6883,57 +6960,21 @@
             <a:pPr>
               <a:defRPr/>
             </a:pPr>
-            <a:fld id="{B2451C39-31DD-6D4B-9BED-758CF6C1BA6A}" type="slidenum">
-              <a:rPr lang="en-CA" smtClean="0"/>
+            <a:fld id="{8B8B984A-5AFF-7643-AE60-6D8D11294076}" type="slidenum">
+              <a:rPr lang="en-US" smtClean="0"/>
               <a:pPr>
                 <a:defRPr/>
               </a:pPr>
               <a:t>101</a:t>
             </a:fld>
-            <a:endParaRPr lang="en-CA"/>
-          </a:p>
-        </p:txBody>
-      </p:sp>
-      <p:sp>
-        <p:nvSpPr>
-          <p:cNvPr id="4" name="TextBox 3"/>
-          <p:cNvSpPr txBox="1"/>
-          <p:nvPr/>
-        </p:nvSpPr>
-        <p:spPr>
-          <a:xfrm>
-            <a:off x="1676400" y="2286000"/>
-            <a:ext cx="4753224" cy="830997"/>
-          </a:xfrm>
-          <a:prstGeom prst="rect">
-            <a:avLst/>
-          </a:prstGeom>
-          <a:noFill/>
-        </p:spPr>
-        <p:txBody>
-          <a:bodyPr wrap="none" rtlCol="0">
-            <a:spAutoFit/>
-          </a:bodyPr>
-          <a:lstStyle/>
-          <a:p>
-            <a:r>
-              <a:rPr lang="en-US" dirty="0" smtClean="0"/>
-              <a:t>3 guesses on what the work is? ;)</a:t>
-            </a:r>
-          </a:p>
-          <a:p>
-            <a:r>
-              <a:rPr lang="en-US" dirty="0" smtClean="0"/>
-              <a:t>Assignment9</a:t>
-            </a:r>
-            <a:endParaRPr lang="en-US" dirty="0"/>
+            <a:endParaRPr lang="en-US"/>
           </a:p>
         </p:txBody>
       </p:sp>
     </p:spTree>
     <p:extLst>
       <p:ext uri="{BB962C8B-B14F-4D97-AF65-F5344CB8AC3E}">
-        <p14:creationId xmlns:p14="http://schemas.microsoft.com/office/powerpoint/2010/main" val="2352623320"/>
+        <p14:creationId xmlns:p14="http://schemas.microsoft.com/office/powerpoint/2010/main" val="2737400390"/>
       </p:ext>
     </p:extLst>
   </p:cSld>
@@ -6977,7 +7018,7 @@
           <a:p>
             <a:r>
               <a:rPr lang="en-US" dirty="0" smtClean="0"/>
-              <a:t>Network Programming</a:t>
+              <a:t>Power of Spring</a:t>
             </a:r>
             <a:endParaRPr lang="en-US" dirty="0"/>
           </a:p>
@@ -6996,68 +7037,83 @@
         <p:spPr/>
         <p:txBody>
           <a:bodyPr>
-            <a:normAutofit fontScale="85000" lnSpcReduction="20000"/>
+            <a:normAutofit fontScale="62500" lnSpcReduction="20000"/>
           </a:bodyPr>
           <a:lstStyle/>
           <a:p>
             <a:r>
               <a:rPr lang="en-US" dirty="0" smtClean="0"/>
-              <a:t>OK, this is a somewhat filler lecture</a:t>
-            </a:r>
-            <a:r>
-              <a:rPr lang="en-US" dirty="0" smtClean="0"/>
-              <a:t>.  Course outline has a mandate to cover network programming.</a:t>
-            </a:r>
-            <a:endParaRPr lang="en-US" dirty="0" smtClean="0"/>
-          </a:p>
-          <a:p>
-            <a:r>
-              <a:rPr lang="en-US" dirty="0" smtClean="0"/>
-              <a:t>The Final exam, </a:t>
-            </a:r>
-            <a:r>
-              <a:rPr lang="en-US" dirty="0" smtClean="0"/>
-              <a:t>final project will have nothing to do with today’s SHORT </a:t>
-            </a:r>
-            <a:r>
-              <a:rPr lang="en-US" dirty="0" smtClean="0"/>
-              <a:t>lecture on Network Programming.</a:t>
-            </a:r>
-            <a:endParaRPr lang="en-US" dirty="0" smtClean="0"/>
-          </a:p>
-          <a:p>
-            <a:r>
-              <a:rPr lang="en-US" dirty="0" smtClean="0"/>
-              <a:t>Network Programming … UDP / TCP … very cool.  But realistically, you won’t be using those protocols directly</a:t>
-            </a:r>
-            <a:r>
-              <a:rPr lang="en-US" dirty="0" smtClean="0"/>
-              <a:t>.  In short, if want to do something in low-level, … try not to do it in Java please.</a:t>
-            </a:r>
-            <a:endParaRPr lang="en-US" dirty="0" smtClean="0"/>
-          </a:p>
-          <a:p>
-            <a:r>
-              <a:rPr lang="en-US" dirty="0" smtClean="0"/>
-              <a:t>http / https are by far the most common protocols used in </a:t>
-            </a:r>
-            <a:r>
-              <a:rPr lang="en-US" dirty="0" smtClean="0"/>
-              <a:t>Java</a:t>
-            </a:r>
-          </a:p>
-          <a:p>
-            <a:r>
-              <a:rPr lang="en-US" dirty="0" smtClean="0"/>
-              <a:t>See </a:t>
+              <a:t>So unknowingly, you have also tapped in to the power of Spring (we’re using Spring Data for JPA).  We’ve also covered Spring IOC (Inversion Of Control – the annotation magic)</a:t>
+            </a:r>
+          </a:p>
+          <a:p>
+            <a:r>
+              <a:rPr lang="en-US" dirty="0" smtClean="0"/>
+              <a:t>It is a piece of a much larger </a:t>
             </a:r>
             <a:r>
               <a:rPr lang="en-US" dirty="0" err="1" smtClean="0"/>
-              <a:t>HttpComponentsDemo</a:t>
-            </a:r>
-            <a:r>
-              <a:rPr lang="en-US" dirty="0" smtClean="0"/>
-              <a:t> (still not very important, so let’s keep this short to cover the NEXT slide)</a:t>
+              <a:t>soln</a:t>
+            </a:r>
+            <a:r>
+              <a:rPr lang="en-US" dirty="0" smtClean="0"/>
+              <a:t> (beyond the scope of this course).  But if you understand Spring Data, the rest of the features the Spring will be “familiar”</a:t>
+            </a:r>
+          </a:p>
+          <a:p>
+            <a:r>
+              <a:rPr lang="en-US" dirty="0" smtClean="0"/>
+              <a:t>One of the features that Spring Data already uses is Connection Pooling … and then there is Paging (getting the first 10 results of Page1)</a:t>
+            </a:r>
+          </a:p>
+          <a:p>
+            <a:r>
+              <a:rPr lang="en-US" dirty="0" smtClean="0"/>
+              <a:t>Spring is definitely one of the largest frameworks within Java.</a:t>
+            </a:r>
+          </a:p>
+          <a:p>
+            <a:r>
+              <a:rPr lang="en-US" dirty="0" smtClean="0"/>
+              <a:t>One of the buzzes these days is to convert JPA -&gt; REST Services.  And then use </a:t>
+            </a:r>
+            <a:r>
+              <a:rPr lang="en-US" dirty="0" err="1" smtClean="0"/>
+              <a:t>BackboneJS</a:t>
+            </a:r>
+            <a:r>
+              <a:rPr lang="en-US" dirty="0" smtClean="0"/>
+              <a:t>, or </a:t>
+            </a:r>
+            <a:r>
+              <a:rPr lang="en-US" dirty="0" err="1" smtClean="0"/>
+              <a:t>AngularJS</a:t>
+            </a:r>
+            <a:r>
+              <a:rPr lang="en-US" dirty="0" smtClean="0"/>
+              <a:t> or </a:t>
+            </a:r>
+            <a:r>
+              <a:rPr lang="en-US" dirty="0" err="1" smtClean="0"/>
+              <a:t>EmberJS</a:t>
+            </a:r>
+            <a:r>
+              <a:rPr lang="en-US" dirty="0" smtClean="0"/>
+              <a:t>, </a:t>
+            </a:r>
+            <a:r>
+              <a:rPr lang="en-US" dirty="0" err="1" smtClean="0"/>
+              <a:t>etc</a:t>
+            </a:r>
+            <a:r>
+              <a:rPr lang="en-US" dirty="0" smtClean="0"/>
+              <a:t> to consume the REST Service.  Old way in Java was to do HTML rendering on the server side.  Newer way embraces the “JS” families.</a:t>
+            </a:r>
+          </a:p>
+          <a:p>
+            <a:r>
+              <a:rPr lang="en-US" dirty="0" smtClean="0"/>
+              <a:t>Most of the features of Spring are beyond the scope of this course, but Spring Data / Spring IOC are skills that you have at least *touched* on.</a:t>
             </a:r>
             <a:endParaRPr lang="en-US" dirty="0"/>
           </a:p>
@@ -7095,7 +7151,7 @@
     </p:spTree>
     <p:extLst>
       <p:ext uri="{BB962C8B-B14F-4D97-AF65-F5344CB8AC3E}">
-        <p14:creationId xmlns:p14="http://schemas.microsoft.com/office/powerpoint/2010/main" val="498203968"/>
+        <p14:creationId xmlns:p14="http://schemas.microsoft.com/office/powerpoint/2010/main" val="3725324018"/>
       </p:ext>
     </p:extLst>
   </p:cSld>
@@ -7139,7 +7195,7 @@
           <a:p>
             <a:r>
               <a:rPr lang="en-US" dirty="0" smtClean="0"/>
-              <a:t>What now?</a:t>
+              <a:t>Homework</a:t>
             </a:r>
             <a:endParaRPr lang="en-US" dirty="0"/>
           </a:p>
@@ -7147,86 +7203,7 @@
       </p:sp>
       <p:sp>
         <p:nvSpPr>
-          <p:cNvPr id="3" name="Content Placeholder 2"/>
-          <p:cNvSpPr>
-            <a:spLocks noGrp="1"/>
-          </p:cNvSpPr>
-          <p:nvPr>
-            <p:ph idx="1"/>
-          </p:nvPr>
-        </p:nvSpPr>
-        <p:spPr/>
-        <p:txBody>
-          <a:bodyPr>
-            <a:normAutofit fontScale="70000" lnSpcReduction="20000"/>
-          </a:bodyPr>
-          <a:lstStyle/>
-          <a:p>
-            <a:r>
-              <a:rPr lang="en-US" dirty="0" smtClean="0"/>
-              <a:t>Not going to lie, the previous class was pretty *tough*.  There’s the technical code part, the *magic of annotations* and just the new train of thought with Java ORM</a:t>
-            </a:r>
-          </a:p>
-          <a:p>
-            <a:r>
-              <a:rPr lang="en-US" dirty="0" smtClean="0"/>
-              <a:t>Show of hands … how many people were </a:t>
-            </a:r>
-          </a:p>
-          <a:p>
-            <a:pPr marL="912114" lvl="1" indent="-514350">
-              <a:buFont typeface="+mj-lt"/>
-              <a:buAutoNum type="arabicPeriod"/>
-            </a:pPr>
-            <a:r>
-              <a:rPr lang="en-US" dirty="0" smtClean="0"/>
-              <a:t>Very confused about Database ORM</a:t>
-            </a:r>
-          </a:p>
-          <a:p>
-            <a:pPr marL="912114" lvl="1" indent="-514350">
-              <a:buFont typeface="+mj-lt"/>
-              <a:buAutoNum type="arabicPeriod"/>
-            </a:pPr>
-            <a:r>
-              <a:rPr lang="en-US" dirty="0" smtClean="0"/>
-              <a:t>Semi-confused</a:t>
-            </a:r>
-          </a:p>
-          <a:p>
-            <a:pPr marL="912114" lvl="1" indent="-514350">
-              <a:buFont typeface="+mj-lt"/>
-              <a:buAutoNum type="arabicPeriod"/>
-            </a:pPr>
-            <a:r>
-              <a:rPr lang="en-US" dirty="0" smtClean="0"/>
-              <a:t>Heck – easy stuff</a:t>
-            </a:r>
-          </a:p>
-          <a:p>
-            <a:r>
-              <a:rPr lang="en-US" dirty="0" smtClean="0"/>
-              <a:t>Also the lecture about Databases is by FAR one of the most important lectures.  Without databases, you will have NO Web Service, no Web app.  The concepts of DB alone is a course by itself.</a:t>
-            </a:r>
-          </a:p>
-          <a:p>
-            <a:r>
-              <a:rPr lang="en-US" dirty="0" smtClean="0"/>
-              <a:t>If no other questions, I’m going to repeat the last class again (and possibly again in the next class if I see a lot of blank faces)</a:t>
-            </a:r>
-          </a:p>
-          <a:p>
-            <a:r>
-              <a:rPr lang="en-US" dirty="0" smtClean="0"/>
-              <a:t>If you understand ORM inside out, feel free to work on your assignment or take off early</a:t>
-            </a:r>
-            <a:endParaRPr lang="en-US" dirty="0"/>
-          </a:p>
-        </p:txBody>
-      </p:sp>
-      <p:sp>
-        <p:nvSpPr>
-          <p:cNvPr id="4" name="Slide Number Placeholder 3"/>
+          <p:cNvPr id="3" name="Slide Number Placeholder 2"/>
           <p:cNvSpPr>
             <a:spLocks noGrp="1"/>
           </p:cNvSpPr>
@@ -7242,21 +7219,57 @@
             <a:pPr>
               <a:defRPr/>
             </a:pPr>
-            <a:fld id="{8B8B984A-5AFF-7643-AE60-6D8D11294076}" type="slidenum">
-              <a:rPr lang="en-US" smtClean="0"/>
+            <a:fld id="{B2451C39-31DD-6D4B-9BED-758CF6C1BA6A}" type="slidenum">
+              <a:rPr lang="en-CA" smtClean="0"/>
               <a:pPr>
                 <a:defRPr/>
               </a:pPr>
               <a:t>103</a:t>
             </a:fld>
-            <a:endParaRPr lang="en-US"/>
+            <a:endParaRPr lang="en-CA"/>
+          </a:p>
+        </p:txBody>
+      </p:sp>
+      <p:sp>
+        <p:nvSpPr>
+          <p:cNvPr id="4" name="TextBox 3"/>
+          <p:cNvSpPr txBox="1"/>
+          <p:nvPr/>
+        </p:nvSpPr>
+        <p:spPr>
+          <a:xfrm>
+            <a:off x="1676400" y="2286000"/>
+            <a:ext cx="4753224" cy="830997"/>
+          </a:xfrm>
+          <a:prstGeom prst="rect">
+            <a:avLst/>
+          </a:prstGeom>
+          <a:noFill/>
+        </p:spPr>
+        <p:txBody>
+          <a:bodyPr wrap="none" rtlCol="0">
+            <a:spAutoFit/>
+          </a:bodyPr>
+          <a:lstStyle/>
+          <a:p>
+            <a:r>
+              <a:rPr lang="en-US" dirty="0" smtClean="0"/>
+              <a:t>3 guesses on what the work is? ;)</a:t>
+            </a:r>
+          </a:p>
+          <a:p>
+            <a:r>
+              <a:rPr lang="en-US" dirty="0" smtClean="0"/>
+              <a:t>Assignment9</a:t>
+            </a:r>
+            <a:endParaRPr lang="en-US" dirty="0"/>
           </a:p>
         </p:txBody>
       </p:sp>
     </p:spTree>
     <p:extLst>
       <p:ext uri="{BB962C8B-B14F-4D97-AF65-F5344CB8AC3E}">
-        <p14:creationId xmlns:p14="http://schemas.microsoft.com/office/powerpoint/2010/main" val="3611507398"/>
+        <p14:creationId xmlns:p14="http://schemas.microsoft.com/office/powerpoint/2010/main" val="2352623320"/>
       </p:ext>
     </p:extLst>
   </p:cSld>
@@ -7300,7 +7313,7 @@
           <a:p>
             <a:r>
               <a:rPr lang="en-US" dirty="0" smtClean="0"/>
-              <a:t>Homework</a:t>
+              <a:t>Network Programming</a:t>
             </a:r>
             <a:endParaRPr lang="en-US" dirty="0"/>
           </a:p>
@@ -7308,7 +7321,64 @@
       </p:sp>
       <p:sp>
         <p:nvSpPr>
-          <p:cNvPr id="3" name="Slide Number Placeholder 2"/>
+          <p:cNvPr id="3" name="Content Placeholder 2"/>
+          <p:cNvSpPr>
+            <a:spLocks noGrp="1"/>
+          </p:cNvSpPr>
+          <p:nvPr>
+            <p:ph idx="1"/>
+          </p:nvPr>
+        </p:nvSpPr>
+        <p:spPr/>
+        <p:txBody>
+          <a:bodyPr>
+            <a:normAutofit fontScale="85000" lnSpcReduction="20000"/>
+          </a:bodyPr>
+          <a:lstStyle/>
+          <a:p>
+            <a:r>
+              <a:rPr lang="en-US" dirty="0" smtClean="0"/>
+              <a:t>OK, this is a somewhat filler lecture.  Course outline has a mandate to cover network programming.</a:t>
+            </a:r>
+          </a:p>
+          <a:p>
+            <a:r>
+              <a:rPr lang="en-US" dirty="0" smtClean="0"/>
+              <a:t>The Final exam, final project will have nothing to do with today’s SHORT lecture on Network Programming.</a:t>
+            </a:r>
+          </a:p>
+          <a:p>
+            <a:r>
+              <a:rPr lang="en-US" dirty="0" smtClean="0"/>
+              <a:t>Network Programming … UDP / TCP … very cool.  But realistically, you won’t be using those protocols directly.  In short, if want to do something in low-level, … try not to do it in Java please.</a:t>
+            </a:r>
+          </a:p>
+          <a:p>
+            <a:r>
+              <a:rPr lang="en-US" dirty="0" smtClean="0"/>
+              <a:t>http / https are by far the most common protocols used in Java</a:t>
+            </a:r>
+          </a:p>
+          <a:p>
+            <a:r>
+              <a:rPr lang="en-US" dirty="0" smtClean="0"/>
+              <a:t>See </a:t>
+            </a:r>
+            <a:r>
+              <a:rPr lang="en-US" dirty="0" err="1" smtClean="0"/>
+              <a:t>HttpComponentsDemo</a:t>
+            </a:r>
+            <a:r>
+              <a:rPr lang="en-US" dirty="0" smtClean="0"/>
+              <a:t> (still not very important, so let’s keep this short to cover the NEXT slide)</a:t>
+            </a:r>
+            <a:endParaRPr lang="en-US" dirty="0"/>
+          </a:p>
+        </p:txBody>
+      </p:sp>
+      <p:sp>
+        <p:nvSpPr>
+          <p:cNvPr id="4" name="Slide Number Placeholder 3"/>
           <p:cNvSpPr>
             <a:spLocks noGrp="1"/>
           </p:cNvSpPr>
@@ -7324,51 +7394,21 @@
             <a:pPr>
               <a:defRPr/>
             </a:pPr>
-            <a:fld id="{B2451C39-31DD-6D4B-9BED-758CF6C1BA6A}" type="slidenum">
-              <a:rPr lang="en-CA" smtClean="0"/>
+            <a:fld id="{8B8B984A-5AFF-7643-AE60-6D8D11294076}" type="slidenum">
+              <a:rPr lang="en-US" smtClean="0"/>
               <a:pPr>
                 <a:defRPr/>
               </a:pPr>
               <a:t>104</a:t>
             </a:fld>
-            <a:endParaRPr lang="en-CA"/>
-          </a:p>
-        </p:txBody>
-      </p:sp>
-      <p:sp>
-        <p:nvSpPr>
-          <p:cNvPr id="4" name="TextBox 3"/>
-          <p:cNvSpPr txBox="1"/>
-          <p:nvPr/>
-        </p:nvSpPr>
-        <p:spPr>
-          <a:xfrm>
-            <a:off x="1371600" y="2209800"/>
-            <a:ext cx="2222083" cy="461665"/>
-          </a:xfrm>
-          <a:prstGeom prst="rect">
-            <a:avLst/>
-          </a:prstGeom>
-          <a:noFill/>
-        </p:spPr>
-        <p:txBody>
-          <a:bodyPr wrap="none" rtlCol="0">
-            <a:spAutoFit/>
-          </a:bodyPr>
-          <a:lstStyle/>
-          <a:p>
-            <a:r>
-              <a:rPr lang="en-US" dirty="0" smtClean="0"/>
-              <a:t>Assignment 10</a:t>
-            </a:r>
-            <a:endParaRPr lang="en-US" dirty="0"/>
+            <a:endParaRPr lang="en-US"/>
           </a:p>
         </p:txBody>
       </p:sp>
     </p:spTree>
     <p:extLst>
       <p:ext uri="{BB962C8B-B14F-4D97-AF65-F5344CB8AC3E}">
-        <p14:creationId xmlns:p14="http://schemas.microsoft.com/office/powerpoint/2010/main" val="2217852683"/>
+        <p14:creationId xmlns:p14="http://schemas.microsoft.com/office/powerpoint/2010/main" val="498203968"/>
       </p:ext>
     </p:extLst>
   </p:cSld>
@@ -7412,7 +7452,7 @@
           <a:p>
             <a:r>
               <a:rPr lang="en-US" dirty="0" smtClean="0"/>
-              <a:t>MVC (Model-View-Controller)</a:t>
+              <a:t>What now?</a:t>
             </a:r>
             <a:endParaRPr lang="en-US" dirty="0"/>
           </a:p>
@@ -7431,77 +7471,68 @@
         <p:spPr/>
         <p:txBody>
           <a:bodyPr>
-            <a:normAutofit fontScale="77500" lnSpcReduction="20000"/>
+            <a:normAutofit fontScale="70000" lnSpcReduction="20000"/>
           </a:bodyPr>
           <a:lstStyle/>
           <a:p>
             <a:r>
               <a:rPr lang="en-US" dirty="0" smtClean="0"/>
-              <a:t>You already used it with </a:t>
-            </a:r>
-            <a:r>
-              <a:rPr lang="en-US" dirty="0" err="1" smtClean="0"/>
-              <a:t>JavaFx</a:t>
-            </a:r>
-            <a:r>
-              <a:rPr lang="en-US" dirty="0" smtClean="0"/>
-              <a:t> / FXML</a:t>
-            </a:r>
-          </a:p>
-          <a:p>
-            <a:r>
-              <a:rPr lang="en-US" dirty="0" smtClean="0"/>
-              <a:t>Which was the Model?</a:t>
-            </a:r>
-          </a:p>
-          <a:p>
-            <a:r>
-              <a:rPr lang="en-US" dirty="0" smtClean="0"/>
-              <a:t>View?</a:t>
-            </a:r>
-          </a:p>
-          <a:p>
-            <a:r>
-              <a:rPr lang="en-US" dirty="0" smtClean="0"/>
-              <a:t>Controller?</a:t>
-            </a:r>
-          </a:p>
-          <a:p>
-            <a:r>
-              <a:rPr lang="en-US" dirty="0" smtClean="0"/>
-              <a:t>Admittedly, MVC (a somewhat 2000’ish design pattern) isn’t always the best design pattern, but very commonly used.  Pretty good, but not always the best.</a:t>
-            </a:r>
-          </a:p>
-          <a:p>
-            <a:r>
-              <a:rPr lang="en-US" dirty="0" smtClean="0"/>
-              <a:t>Lots of other ones out there like MVP, MVVM, and now there’s a category called MVW – whatever!</a:t>
-            </a:r>
-          </a:p>
-          <a:p>
-            <a:r>
-              <a:rPr lang="en-US" dirty="0" smtClean="0"/>
-              <a:t>Questions?  If not, go back to your Assignment!</a:t>
-            </a:r>
-          </a:p>
-          <a:p>
-            <a:r>
-              <a:rPr lang="en-US" dirty="0" smtClean="0"/>
-              <a:t>I’ll be here to answer questions for the rest of this lecture.</a:t>
-            </a:r>
-          </a:p>
-          <a:p>
-            <a:r>
-              <a:rPr lang="en-US" dirty="0" smtClean="0"/>
-              <a:t>Advice: Check out your neighbor’s application.  </a:t>
-            </a:r>
-            <a:r>
-              <a:rPr lang="en-US" smtClean="0"/>
-              <a:t>Strongly encouraged.</a:t>
-            </a:r>
-            <a:endParaRPr lang="en-US" dirty="0" smtClean="0"/>
-          </a:p>
-          <a:p>
+              <a:t>Not going to lie, the previous class was pretty *tough*.  There’s the technical code part, the *magic of annotations* and just the new train of thought with Java ORM</a:t>
+            </a:r>
+          </a:p>
+          <a:p>
+            <a:r>
+              <a:rPr lang="en-US" dirty="0" smtClean="0"/>
+              <a:t>Show of hands … how many people were </a:t>
+            </a:r>
+          </a:p>
+          <a:p>
+            <a:pPr marL="912114" lvl="1" indent="-514350">
+              <a:buFont typeface="+mj-lt"/>
+              <a:buAutoNum type="arabicPeriod"/>
+            </a:pPr>
+            <a:r>
+              <a:rPr lang="en-US" dirty="0" smtClean="0"/>
+              <a:t>Very confused about Database ORM</a:t>
+            </a:r>
+          </a:p>
+          <a:p>
+            <a:pPr marL="912114" lvl="1" indent="-514350">
+              <a:buFont typeface="+mj-lt"/>
+              <a:buAutoNum type="arabicPeriod"/>
+            </a:pPr>
+            <a:r>
+              <a:rPr lang="en-US" dirty="0" smtClean="0"/>
+              <a:t>Semi-confused</a:t>
+            </a:r>
+          </a:p>
+          <a:p>
+            <a:pPr marL="912114" lvl="1" indent="-514350">
+              <a:buFont typeface="+mj-lt"/>
+              <a:buAutoNum type="arabicPeriod"/>
+            </a:pPr>
+            <a:r>
+              <a:rPr lang="en-US" dirty="0" smtClean="0"/>
+              <a:t>Heck – easy stuff</a:t>
+            </a:r>
+          </a:p>
+          <a:p>
+            <a:r>
+              <a:rPr lang="en-US" dirty="0" smtClean="0"/>
+              <a:t>Also the lecture about Databases is by FAR one of the most important lectures.  Without databases, you will have NO Web Service, no Web app.  The concepts of DB alone is a course by itself.</a:t>
+            </a:r>
+          </a:p>
+          <a:p>
+            <a:r>
+              <a:rPr lang="en-US" dirty="0" smtClean="0"/>
+              <a:t>If no other questions, I’m going to repeat the last class again (and possibly again in the next class if I see a lot of blank faces)</a:t>
+            </a:r>
+          </a:p>
+          <a:p>
+            <a:r>
+              <a:rPr lang="en-US" dirty="0" smtClean="0"/>
+              <a:t>If you understand ORM inside out, feel free to work on your assignment or take off early</a:t>
+            </a:r>
             <a:endParaRPr lang="en-US" dirty="0"/>
           </a:p>
         </p:txBody>
@@ -7538,7 +7569,7 @@
     </p:spTree>
     <p:extLst>
       <p:ext uri="{BB962C8B-B14F-4D97-AF65-F5344CB8AC3E}">
-        <p14:creationId xmlns:p14="http://schemas.microsoft.com/office/powerpoint/2010/main" val="3238898663"/>
+        <p14:creationId xmlns:p14="http://schemas.microsoft.com/office/powerpoint/2010/main" val="3611507398"/>
       </p:ext>
     </p:extLst>
   </p:cSld>
@@ -7582,7 +7613,7 @@
           <a:p>
             <a:r>
               <a:rPr lang="en-US" dirty="0" smtClean="0"/>
-              <a:t>There’s a tool (library) for that</a:t>
+              <a:t>Homework</a:t>
             </a:r>
             <a:endParaRPr lang="en-US" dirty="0"/>
           </a:p>
@@ -7590,122 +7621,7 @@
       </p:sp>
       <p:sp>
         <p:nvSpPr>
-          <p:cNvPr id="3" name="Content Placeholder 2"/>
-          <p:cNvSpPr>
-            <a:spLocks noGrp="1"/>
-          </p:cNvSpPr>
-          <p:nvPr>
-            <p:ph idx="1"/>
-          </p:nvPr>
-        </p:nvSpPr>
-        <p:spPr/>
-        <p:txBody>
-          <a:bodyPr/>
-          <a:lstStyle/>
-          <a:p>
-            <a:r>
-              <a:rPr lang="en-US" dirty="0"/>
-              <a:t>&lt;dependency&gt;</a:t>
-            </a:r>
-          </a:p>
-          <a:p>
-            <a:r>
-              <a:rPr lang="en-US" dirty="0"/>
-              <a:t>	&lt;</a:t>
-            </a:r>
-            <a:r>
-              <a:rPr lang="en-US" dirty="0" err="1"/>
-              <a:t>groupId</a:t>
-            </a:r>
-            <a:r>
-              <a:rPr lang="en-US" dirty="0"/>
-              <a:t>&gt;</a:t>
-            </a:r>
-            <a:r>
-              <a:rPr lang="en-US" dirty="0" err="1"/>
-              <a:t>org.apache.httpcomponents</a:t>
-            </a:r>
-            <a:r>
-              <a:rPr lang="en-US" dirty="0"/>
-              <a:t>&lt;/</a:t>
-            </a:r>
-            <a:r>
-              <a:rPr lang="en-US" dirty="0" err="1"/>
-              <a:t>groupId</a:t>
-            </a:r>
-            <a:r>
-              <a:rPr lang="en-US" dirty="0"/>
-              <a:t>&gt;</a:t>
-            </a:r>
-          </a:p>
-          <a:p>
-            <a:r>
-              <a:rPr lang="en-US" dirty="0"/>
-              <a:t>	&lt;</a:t>
-            </a:r>
-            <a:r>
-              <a:rPr lang="en-US" dirty="0" err="1"/>
-              <a:t>artifactId</a:t>
-            </a:r>
-            <a:r>
-              <a:rPr lang="en-US" dirty="0"/>
-              <a:t>&gt;</a:t>
-            </a:r>
-            <a:r>
-              <a:rPr lang="en-US" dirty="0" err="1"/>
-              <a:t>httpclient</a:t>
-            </a:r>
-            <a:r>
-              <a:rPr lang="en-US" dirty="0"/>
-              <a:t>&lt;/</a:t>
-            </a:r>
-            <a:r>
-              <a:rPr lang="en-US" dirty="0" err="1"/>
-              <a:t>artifactId</a:t>
-            </a:r>
-            <a:r>
-              <a:rPr lang="en-US" dirty="0"/>
-              <a:t>&gt;</a:t>
-            </a:r>
-          </a:p>
-          <a:p>
-            <a:r>
-              <a:rPr lang="en-US" dirty="0"/>
-              <a:t>	&lt;version&gt;4.3.3&lt;/version&gt;</a:t>
-            </a:r>
-          </a:p>
-          <a:p>
-            <a:r>
-              <a:rPr lang="en-US" dirty="0"/>
-              <a:t>&lt;/dependency&gt;</a:t>
-            </a:r>
-          </a:p>
-          <a:p>
-            <a:r>
-              <a:rPr lang="en-US" dirty="0"/>
-              <a:t> </a:t>
-            </a:r>
-          </a:p>
-          <a:p>
-            <a:r>
-              <a:rPr lang="en-US" dirty="0"/>
-              <a:t> </a:t>
-            </a:r>
-            <a:r>
-              <a:rPr lang="en-US" dirty="0" smtClean="0"/>
-              <a:t>See </a:t>
-            </a:r>
-            <a:r>
-              <a:rPr lang="en-US" dirty="0" err="1" smtClean="0"/>
-              <a:t>HttpComponentsDemo</a:t>
-            </a:r>
-            <a:endParaRPr lang="en-US" dirty="0"/>
-          </a:p>
-        </p:txBody>
-      </p:sp>
-      <p:sp>
-        <p:nvSpPr>
-          <p:cNvPr id="4" name="Slide Number Placeholder 3"/>
+          <p:cNvPr id="3" name="Slide Number Placeholder 2"/>
           <p:cNvSpPr>
             <a:spLocks noGrp="1"/>
           </p:cNvSpPr>
@@ -7721,21 +7637,51 @@
             <a:pPr>
               <a:defRPr/>
             </a:pPr>
-            <a:fld id="{8B8B984A-5AFF-7643-AE60-6D8D11294076}" type="slidenum">
-              <a:rPr lang="en-US" smtClean="0"/>
+            <a:fld id="{B2451C39-31DD-6D4B-9BED-758CF6C1BA6A}" type="slidenum">
+              <a:rPr lang="en-CA" smtClean="0"/>
               <a:pPr>
                 <a:defRPr/>
               </a:pPr>
               <a:t>106</a:t>
             </a:fld>
-            <a:endParaRPr lang="en-US"/>
+            <a:endParaRPr lang="en-CA"/>
+          </a:p>
+        </p:txBody>
+      </p:sp>
+      <p:sp>
+        <p:nvSpPr>
+          <p:cNvPr id="4" name="TextBox 3"/>
+          <p:cNvSpPr txBox="1"/>
+          <p:nvPr/>
+        </p:nvSpPr>
+        <p:spPr>
+          <a:xfrm>
+            <a:off x="1371600" y="2209800"/>
+            <a:ext cx="2222083" cy="461665"/>
+          </a:xfrm>
+          <a:prstGeom prst="rect">
+            <a:avLst/>
+          </a:prstGeom>
+          <a:noFill/>
+        </p:spPr>
+        <p:txBody>
+          <a:bodyPr wrap="none" rtlCol="0">
+            <a:spAutoFit/>
+          </a:bodyPr>
+          <a:lstStyle/>
+          <a:p>
+            <a:r>
+              <a:rPr lang="en-US" dirty="0" smtClean="0"/>
+              <a:t>Assignment 10</a:t>
+            </a:r>
+            <a:endParaRPr lang="en-US" dirty="0"/>
           </a:p>
         </p:txBody>
       </p:sp>
     </p:spTree>
     <p:extLst>
       <p:ext uri="{BB962C8B-B14F-4D97-AF65-F5344CB8AC3E}">
-        <p14:creationId xmlns:p14="http://schemas.microsoft.com/office/powerpoint/2010/main" val="664585395"/>
+        <p14:creationId xmlns:p14="http://schemas.microsoft.com/office/powerpoint/2010/main" val="2217852683"/>
       </p:ext>
     </p:extLst>
   </p:cSld>
@@ -7779,7 +7725,7 @@
           <a:p>
             <a:r>
               <a:rPr lang="en-US" dirty="0" smtClean="0"/>
-              <a:t>Homework</a:t>
+              <a:t>MVC (Model-View-Controller)</a:t>
             </a:r>
             <a:endParaRPr lang="en-US" dirty="0"/>
           </a:p>
@@ -7787,7 +7733,95 @@
       </p:sp>
       <p:sp>
         <p:nvSpPr>
-          <p:cNvPr id="3" name="Slide Number Placeholder 2"/>
+          <p:cNvPr id="3" name="Content Placeholder 2"/>
+          <p:cNvSpPr>
+            <a:spLocks noGrp="1"/>
+          </p:cNvSpPr>
+          <p:nvPr>
+            <p:ph idx="1"/>
+          </p:nvPr>
+        </p:nvSpPr>
+        <p:spPr/>
+        <p:txBody>
+          <a:bodyPr>
+            <a:normAutofit fontScale="77500" lnSpcReduction="20000"/>
+          </a:bodyPr>
+          <a:lstStyle/>
+          <a:p>
+            <a:r>
+              <a:rPr lang="en-US" dirty="0" smtClean="0"/>
+              <a:t>You already used it with </a:t>
+            </a:r>
+            <a:r>
+              <a:rPr lang="en-US" dirty="0" err="1" smtClean="0"/>
+              <a:t>JavaFx</a:t>
+            </a:r>
+            <a:r>
+              <a:rPr lang="en-US" dirty="0" smtClean="0"/>
+              <a:t> / FXML</a:t>
+            </a:r>
+          </a:p>
+          <a:p>
+            <a:r>
+              <a:rPr lang="en-US" dirty="0" smtClean="0"/>
+              <a:t>Which was the Model?</a:t>
+            </a:r>
+          </a:p>
+          <a:p>
+            <a:r>
+              <a:rPr lang="en-US" dirty="0" smtClean="0"/>
+              <a:t>View?</a:t>
+            </a:r>
+          </a:p>
+          <a:p>
+            <a:r>
+              <a:rPr lang="en-US" dirty="0" smtClean="0"/>
+              <a:t>Controller?</a:t>
+            </a:r>
+          </a:p>
+          <a:p>
+            <a:r>
+              <a:rPr lang="en-US" dirty="0" smtClean="0"/>
+              <a:t>Admittedly, MVC (a somewhat 2000’ish design pattern) isn’t always the best design pattern, but very commonly used.  Pretty good, but not always the best.</a:t>
+            </a:r>
+          </a:p>
+          <a:p>
+            <a:r>
+              <a:rPr lang="en-US" dirty="0" smtClean="0"/>
+              <a:t>Lots of other ones out there like MVP, MVVM, and now there’s a category called MVW – whatever!</a:t>
+            </a:r>
+          </a:p>
+          <a:p>
+            <a:r>
+              <a:rPr lang="en-US" dirty="0" smtClean="0"/>
+              <a:t>Questions?  If not, go back to your Assignment!</a:t>
+            </a:r>
+          </a:p>
+          <a:p>
+            <a:r>
+              <a:rPr lang="en-US" dirty="0" smtClean="0"/>
+              <a:t>I’ll be here to answer questions for the rest of this lecture.</a:t>
+            </a:r>
+          </a:p>
+          <a:p>
+            <a:r>
+              <a:rPr lang="en-US" dirty="0" smtClean="0"/>
+              <a:t>Advice: Check out your neighbor’s application.  </a:t>
+            </a:r>
+            <a:r>
+              <a:rPr lang="en-US" smtClean="0"/>
+              <a:t>Strongly encouraged.</a:t>
+            </a:r>
+            <a:endParaRPr lang="en-US" dirty="0" smtClean="0"/>
+          </a:p>
+          <a:p>
+            <a:endParaRPr lang="en-US" dirty="0"/>
+          </a:p>
+        </p:txBody>
+      </p:sp>
+      <p:sp>
+        <p:nvSpPr>
+          <p:cNvPr id="4" name="Slide Number Placeholder 3"/>
           <p:cNvSpPr>
             <a:spLocks noGrp="1"/>
           </p:cNvSpPr>
@@ -7803,74 +7837,21 @@
             <a:pPr>
               <a:defRPr/>
             </a:pPr>
-            <a:fld id="{B2451C39-31DD-6D4B-9BED-758CF6C1BA6A}" type="slidenum">
-              <a:rPr lang="en-CA" smtClean="0"/>
+            <a:fld id="{8B8B984A-5AFF-7643-AE60-6D8D11294076}" type="slidenum">
+              <a:rPr lang="en-US" smtClean="0"/>
               <a:pPr>
                 <a:defRPr/>
               </a:pPr>
               <a:t>107</a:t>
             </a:fld>
-            <a:endParaRPr lang="en-CA"/>
-          </a:p>
-        </p:txBody>
-      </p:sp>
-      <p:sp>
-        <p:nvSpPr>
-          <p:cNvPr id="4" name="TextBox 3"/>
-          <p:cNvSpPr txBox="1"/>
-          <p:nvPr/>
-        </p:nvSpPr>
-        <p:spPr>
-          <a:xfrm>
-            <a:off x="1828800" y="1752600"/>
-            <a:ext cx="6296917" cy="1938992"/>
-          </a:xfrm>
-          <a:prstGeom prst="rect">
-            <a:avLst/>
-          </a:prstGeom>
-          <a:noFill/>
-        </p:spPr>
-        <p:txBody>
-          <a:bodyPr wrap="none" rtlCol="0">
-            <a:spAutoFit/>
-          </a:bodyPr>
-          <a:lstStyle/>
-          <a:p>
-            <a:r>
-              <a:rPr lang="en-US" dirty="0" smtClean="0"/>
-              <a:t>You guessed it Assignment11</a:t>
-            </a:r>
-          </a:p>
-          <a:p>
-            <a:r>
-              <a:rPr lang="en-US" dirty="0" smtClean="0"/>
-              <a:t>Hint for Final</a:t>
-            </a:r>
-          </a:p>
-          <a:p>
-            <a:r>
-              <a:rPr lang="en-US" dirty="0" smtClean="0"/>
-              <a:t>What can go wrong with your application</a:t>
-            </a:r>
-          </a:p>
-          <a:p>
-            <a:r>
-              <a:rPr lang="en-US" dirty="0" smtClean="0"/>
-              <a:t>When you demo it?  How should you handle,</a:t>
-            </a:r>
-          </a:p>
-          <a:p>
-            <a:r>
-              <a:rPr lang="en-US" dirty="0" smtClean="0"/>
-              <a:t>Fallback on what?</a:t>
-            </a:r>
+            <a:endParaRPr lang="en-US"/>
           </a:p>
         </p:txBody>
       </p:sp>
     </p:spTree>
     <p:extLst>
       <p:ext uri="{BB962C8B-B14F-4D97-AF65-F5344CB8AC3E}">
-        <p14:creationId xmlns:p14="http://schemas.microsoft.com/office/powerpoint/2010/main" val="3669441049"/>
+        <p14:creationId xmlns:p14="http://schemas.microsoft.com/office/powerpoint/2010/main" val="3238898663"/>
       </p:ext>
     </p:extLst>
   </p:cSld>
@@ -7914,7 +7895,7 @@
           <a:p>
             <a:r>
               <a:rPr lang="en-US" dirty="0" smtClean="0"/>
-              <a:t>Food for thought…</a:t>
+              <a:t>There’s a tool (library) for that</a:t>
             </a:r>
             <a:endParaRPr lang="en-US" dirty="0"/>
           </a:p>
@@ -7922,7 +7903,122 @@
       </p:sp>
       <p:sp>
         <p:nvSpPr>
-          <p:cNvPr id="3" name="Slide Number Placeholder 2"/>
+          <p:cNvPr id="3" name="Content Placeholder 2"/>
+          <p:cNvSpPr>
+            <a:spLocks noGrp="1"/>
+          </p:cNvSpPr>
+          <p:nvPr>
+            <p:ph idx="1"/>
+          </p:nvPr>
+        </p:nvSpPr>
+        <p:spPr/>
+        <p:txBody>
+          <a:bodyPr/>
+          <a:lstStyle/>
+          <a:p>
+            <a:r>
+              <a:rPr lang="en-US" dirty="0"/>
+              <a:t>&lt;dependency&gt;</a:t>
+            </a:r>
+          </a:p>
+          <a:p>
+            <a:r>
+              <a:rPr lang="en-US" dirty="0"/>
+              <a:t>	&lt;</a:t>
+            </a:r>
+            <a:r>
+              <a:rPr lang="en-US" dirty="0" err="1"/>
+              <a:t>groupId</a:t>
+            </a:r>
+            <a:r>
+              <a:rPr lang="en-US" dirty="0"/>
+              <a:t>&gt;</a:t>
+            </a:r>
+            <a:r>
+              <a:rPr lang="en-US" dirty="0" err="1"/>
+              <a:t>org.apache.httpcomponents</a:t>
+            </a:r>
+            <a:r>
+              <a:rPr lang="en-US" dirty="0"/>
+              <a:t>&lt;/</a:t>
+            </a:r>
+            <a:r>
+              <a:rPr lang="en-US" dirty="0" err="1"/>
+              <a:t>groupId</a:t>
+            </a:r>
+            <a:r>
+              <a:rPr lang="en-US" dirty="0"/>
+              <a:t>&gt;</a:t>
+            </a:r>
+          </a:p>
+          <a:p>
+            <a:r>
+              <a:rPr lang="en-US" dirty="0"/>
+              <a:t>	&lt;</a:t>
+            </a:r>
+            <a:r>
+              <a:rPr lang="en-US" dirty="0" err="1"/>
+              <a:t>artifactId</a:t>
+            </a:r>
+            <a:r>
+              <a:rPr lang="en-US" dirty="0"/>
+              <a:t>&gt;</a:t>
+            </a:r>
+            <a:r>
+              <a:rPr lang="en-US" dirty="0" err="1"/>
+              <a:t>httpclient</a:t>
+            </a:r>
+            <a:r>
+              <a:rPr lang="en-US" dirty="0"/>
+              <a:t>&lt;/</a:t>
+            </a:r>
+            <a:r>
+              <a:rPr lang="en-US" dirty="0" err="1"/>
+              <a:t>artifactId</a:t>
+            </a:r>
+            <a:r>
+              <a:rPr lang="en-US" dirty="0"/>
+              <a:t>&gt;</a:t>
+            </a:r>
+          </a:p>
+          <a:p>
+            <a:r>
+              <a:rPr lang="en-US" dirty="0"/>
+              <a:t>	&lt;version&gt;4.3.3&lt;/version&gt;</a:t>
+            </a:r>
+          </a:p>
+          <a:p>
+            <a:r>
+              <a:rPr lang="en-US" dirty="0"/>
+              <a:t>&lt;/dependency&gt;</a:t>
+            </a:r>
+          </a:p>
+          <a:p>
+            <a:r>
+              <a:rPr lang="en-US" dirty="0"/>
+              <a:t> </a:t>
+            </a:r>
+          </a:p>
+          <a:p>
+            <a:r>
+              <a:rPr lang="en-US" dirty="0"/>
+              <a:t> </a:t>
+            </a:r>
+            <a:r>
+              <a:rPr lang="en-US" dirty="0" smtClean="0"/>
+              <a:t>See </a:t>
+            </a:r>
+            <a:r>
+              <a:rPr lang="en-US" dirty="0" err="1" smtClean="0"/>
+              <a:t>HttpComponentsDemo</a:t>
+            </a:r>
+            <a:endParaRPr lang="en-US" dirty="0"/>
+          </a:p>
+        </p:txBody>
+      </p:sp>
+      <p:sp>
+        <p:nvSpPr>
+          <p:cNvPr id="4" name="Slide Number Placeholder 3"/>
           <p:cNvSpPr>
             <a:spLocks noGrp="1"/>
           </p:cNvSpPr>
@@ -7938,95 +8034,21 @@
             <a:pPr>
               <a:defRPr/>
             </a:pPr>
-            <a:fld id="{B2451C39-31DD-6D4B-9BED-758CF6C1BA6A}" type="slidenum">
-              <a:rPr lang="en-CA" smtClean="0"/>
+            <a:fld id="{8B8B984A-5AFF-7643-AE60-6D8D11294076}" type="slidenum">
+              <a:rPr lang="en-US" smtClean="0"/>
               <a:pPr>
                 <a:defRPr/>
               </a:pPr>
               <a:t>108</a:t>
             </a:fld>
-            <a:endParaRPr lang="en-CA"/>
-          </a:p>
-        </p:txBody>
-      </p:sp>
-      <p:sp>
-        <p:nvSpPr>
-          <p:cNvPr id="4" name="TextBox 3"/>
-          <p:cNvSpPr txBox="1"/>
-          <p:nvPr/>
-        </p:nvSpPr>
-        <p:spPr>
-          <a:xfrm>
-            <a:off x="1371600" y="1828800"/>
-            <a:ext cx="4831772" cy="1938992"/>
-          </a:xfrm>
-          <a:prstGeom prst="rect">
-            <a:avLst/>
-          </a:prstGeom>
-          <a:noFill/>
-        </p:spPr>
-        <p:txBody>
-          <a:bodyPr wrap="none" rtlCol="0">
-            <a:spAutoFit/>
-          </a:bodyPr>
-          <a:lstStyle/>
-          <a:p>
-            <a:pPr marL="342900" indent="-342900">
-              <a:buFont typeface="Arial" pitchFamily="34" charset="0"/>
-              <a:buChar char="•"/>
-            </a:pPr>
-            <a:r>
-              <a:rPr lang="en-US" dirty="0" smtClean="0"/>
-              <a:t>Maybe after this course …</a:t>
-            </a:r>
-          </a:p>
-          <a:p>
-            <a:pPr marL="342900" indent="-342900">
-              <a:buFont typeface="Arial" pitchFamily="34" charset="0"/>
-              <a:buChar char="•"/>
-            </a:pPr>
-            <a:r>
-              <a:rPr lang="en-US" dirty="0" smtClean="0"/>
-              <a:t>I REALLY hate Java…</a:t>
-            </a:r>
-          </a:p>
-          <a:p>
-            <a:pPr marL="342900" indent="-342900">
-              <a:buFont typeface="Arial" pitchFamily="34" charset="0"/>
-              <a:buChar char="•"/>
-            </a:pPr>
-            <a:r>
-              <a:rPr lang="en-US" dirty="0" smtClean="0"/>
-              <a:t>Or I REALLY love it</a:t>
-            </a:r>
-          </a:p>
-          <a:p>
-            <a:pPr marL="342900" indent="-342900">
-              <a:buFont typeface="Arial" pitchFamily="34" charset="0"/>
-              <a:buChar char="•"/>
-            </a:pPr>
-            <a:r>
-              <a:rPr lang="en-US" dirty="0" smtClean="0"/>
-              <a:t>But was that all you learned?</a:t>
-            </a:r>
-          </a:p>
-          <a:p>
-            <a:pPr marL="342900" indent="-342900">
-              <a:buFont typeface="Arial" pitchFamily="34" charset="0"/>
-              <a:buChar char="•"/>
-            </a:pPr>
-            <a:r>
-              <a:rPr lang="en-US" dirty="0" smtClean="0"/>
-              <a:t>I had a hidden agenda all along</a:t>
-            </a:r>
-            <a:endParaRPr lang="en-US" dirty="0"/>
+            <a:endParaRPr lang="en-US"/>
           </a:p>
         </p:txBody>
       </p:sp>
     </p:spTree>
     <p:extLst>
       <p:ext uri="{BB962C8B-B14F-4D97-AF65-F5344CB8AC3E}">
-        <p14:creationId xmlns:p14="http://schemas.microsoft.com/office/powerpoint/2010/main" val="568372925"/>
+        <p14:creationId xmlns:p14="http://schemas.microsoft.com/office/powerpoint/2010/main" val="664585395"/>
       </p:ext>
     </p:extLst>
   </p:cSld>
@@ -8070,7 +8092,7 @@
           <a:p>
             <a:r>
               <a:rPr lang="en-US" dirty="0" smtClean="0"/>
-              <a:t>Well, what else did we learn?</a:t>
+              <a:t>Homework</a:t>
             </a:r>
             <a:endParaRPr lang="en-US" dirty="0"/>
           </a:p>
@@ -8113,8 +8135,8 @@
         </p:nvSpPr>
         <p:spPr>
           <a:xfrm>
-            <a:off x="1447800" y="1905000"/>
-            <a:ext cx="7124066" cy="1938992"/>
+            <a:off x="1828800" y="1752600"/>
+            <a:ext cx="6296917" cy="1938992"/>
           </a:xfrm>
           <a:prstGeom prst="rect">
             <a:avLst/>
@@ -8127,67 +8149,41 @@
           </a:bodyPr>
           <a:lstStyle/>
           <a:p>
-            <a:pPr marL="342900" indent="-342900">
-              <a:buFont typeface="Arial" pitchFamily="34" charset="0"/>
-              <a:buChar char="•"/>
-            </a:pPr>
-            <a:r>
-              <a:rPr lang="en-US" dirty="0" smtClean="0"/>
-              <a:t>Maven – although Maven is specific</a:t>
-            </a:r>
-          </a:p>
-          <a:p>
-            <a:pPr marL="342900" indent="-342900">
-              <a:buFont typeface="Arial" pitchFamily="34" charset="0"/>
-              <a:buChar char="•"/>
-            </a:pPr>
-            <a:r>
-              <a:rPr lang="en-US" dirty="0" smtClean="0"/>
-              <a:t>To java, the concept is universal.  Have</a:t>
-            </a:r>
-          </a:p>
-          <a:p>
-            <a:pPr marL="342900" indent="-342900">
-              <a:buFont typeface="Arial" pitchFamily="34" charset="0"/>
-              <a:buChar char="•"/>
-            </a:pPr>
-            <a:r>
-              <a:rPr lang="en-US" dirty="0" smtClean="0"/>
-              <a:t>A repository of libraries somewhere and</a:t>
-            </a:r>
-          </a:p>
-          <a:p>
-            <a:pPr marL="342900" indent="-342900">
-              <a:buFont typeface="Arial" pitchFamily="34" charset="0"/>
-              <a:buChar char="•"/>
-            </a:pPr>
-            <a:r>
-              <a:rPr lang="en-US" dirty="0" smtClean="0"/>
-              <a:t>Let a tool download them with their </a:t>
-            </a:r>
-            <a:r>
-              <a:rPr lang="en-US" dirty="0" err="1" smtClean="0"/>
-              <a:t>dependecies</a:t>
-            </a:r>
-            <a:endParaRPr lang="en-US" dirty="0" smtClean="0"/>
-          </a:p>
-          <a:p>
-            <a:pPr marL="342900" indent="-342900">
-              <a:buFont typeface="Arial" pitchFamily="34" charset="0"/>
-              <a:buChar char="•"/>
-            </a:pPr>
-            <a:r>
-              <a:rPr lang="en-US" dirty="0" smtClean="0"/>
-              <a:t>And help you build artifacts</a:t>
-            </a:r>
-            <a:endParaRPr lang="en-US" dirty="0"/>
+            <a:r>
+              <a:rPr lang="en-US" dirty="0" smtClean="0"/>
+              <a:t>You guessed it Assignment11</a:t>
+            </a:r>
+          </a:p>
+          <a:p>
+            <a:r>
+              <a:rPr lang="en-US" dirty="0" smtClean="0"/>
+              <a:t>Hint for Final</a:t>
+            </a:r>
+          </a:p>
+          <a:p>
+            <a:r>
+              <a:rPr lang="en-US" dirty="0" smtClean="0"/>
+              <a:t>What can go wrong with your application</a:t>
+            </a:r>
+          </a:p>
+          <a:p>
+            <a:r>
+              <a:rPr lang="en-US" dirty="0" smtClean="0"/>
+              <a:t>When you demo it?  How should you handle,</a:t>
+            </a:r>
+          </a:p>
+          <a:p>
+            <a:r>
+              <a:rPr lang="en-US" dirty="0" smtClean="0"/>
+              <a:t>Fallback on what?</a:t>
+            </a:r>
           </a:p>
         </p:txBody>
       </p:sp>
     </p:spTree>
     <p:extLst>
       <p:ext uri="{BB962C8B-B14F-4D97-AF65-F5344CB8AC3E}">
-        <p14:creationId xmlns:p14="http://schemas.microsoft.com/office/powerpoint/2010/main" val="3404509170"/>
+        <p14:creationId xmlns:p14="http://schemas.microsoft.com/office/powerpoint/2010/main" val="3669441049"/>
       </p:ext>
     </p:extLst>
   </p:cSld>
@@ -8471,16 +8467,8 @@
           <a:lstStyle/>
           <a:p>
             <a:r>
-              <a:rPr lang="en-US" dirty="0" err="1" smtClean="0"/>
-              <a:t>Git</a:t>
-            </a:r>
-            <a:r>
-              <a:rPr lang="en-US" dirty="0" smtClean="0"/>
-              <a:t>, </a:t>
-            </a:r>
-            <a:r>
-              <a:rPr lang="en-US" dirty="0" err="1" smtClean="0"/>
-              <a:t>Github</a:t>
+              <a:rPr lang="en-US" dirty="0" smtClean="0"/>
+              <a:t>Food for thought…</a:t>
             </a:r>
             <a:endParaRPr lang="en-US" dirty="0"/>
           </a:p>
@@ -8523,8 +8511,8 @@
         </p:nvSpPr>
         <p:spPr>
           <a:xfrm>
-            <a:off x="1143000" y="2209800"/>
-            <a:ext cx="7837402" cy="4154984"/>
+            <a:off x="1371600" y="1828800"/>
+            <a:ext cx="4831772" cy="1938992"/>
           </a:xfrm>
           <a:prstGeom prst="rect">
             <a:avLst/>
@@ -8543,41 +8531,7 @@
             </a:pPr>
             <a:r>
               <a:rPr lang="en-US" dirty="0" smtClean="0"/>
-              <a:t>I strongly recommend you use </a:t>
-            </a:r>
-            <a:r>
-              <a:rPr lang="en-US" dirty="0" err="1" smtClean="0"/>
-              <a:t>Git</a:t>
-            </a:r>
-            <a:r>
-              <a:rPr lang="en-US" dirty="0" smtClean="0"/>
-              <a:t> for your</a:t>
-            </a:r>
-          </a:p>
-          <a:p>
-            <a:r>
-              <a:rPr lang="en-US" dirty="0" smtClean="0"/>
-              <a:t>Other courses or personal projects or work.  Revision</a:t>
-            </a:r>
-          </a:p>
-          <a:p>
-            <a:r>
-              <a:rPr lang="en-US" dirty="0"/>
-              <a:t>m</a:t>
-            </a:r>
-            <a:r>
-              <a:rPr lang="en-US" dirty="0" smtClean="0"/>
-              <a:t>anagement is crucial in software engineering.  Without</a:t>
-            </a:r>
-          </a:p>
-          <a:p>
-            <a:r>
-              <a:rPr lang="en-US" dirty="0" err="1" smtClean="0"/>
-              <a:t>Git</a:t>
-            </a:r>
-            <a:r>
-              <a:rPr lang="en-US" dirty="0" smtClean="0"/>
-              <a:t>, how else would you go back to a previous revision</a:t>
+              <a:t>Maybe after this course …</a:t>
             </a:r>
           </a:p>
           <a:p>
@@ -8586,76 +8540,47 @@
               <a:buChar char="•"/>
             </a:pPr>
             <a:r>
-              <a:rPr lang="en-US" dirty="0" err="1" smtClean="0"/>
-              <a:t>GitHub</a:t>
-            </a:r>
-            <a:r>
-              <a:rPr lang="en-US" dirty="0" smtClean="0"/>
-              <a:t> and </a:t>
-            </a:r>
-            <a:r>
-              <a:rPr lang="en-US" dirty="0" err="1" smtClean="0"/>
-              <a:t>GitHub</a:t>
-            </a:r>
-            <a:r>
-              <a:rPr lang="en-US" dirty="0" smtClean="0"/>
-              <a:t> pages ties you into the open</a:t>
-            </a:r>
-          </a:p>
-          <a:p>
-            <a:r>
-              <a:rPr lang="en-US" dirty="0" smtClean="0"/>
-              <a:t>Source community.  Open source is good.  You now</a:t>
-            </a:r>
-          </a:p>
-          <a:p>
-            <a:r>
-              <a:rPr lang="en-US" dirty="0" smtClean="0"/>
-              <a:t>Have an open source project on </a:t>
-            </a:r>
-            <a:r>
-              <a:rPr lang="en-US" dirty="0" err="1" smtClean="0"/>
-              <a:t>GitHub</a:t>
-            </a:r>
-            <a:r>
-              <a:rPr lang="en-US" dirty="0" smtClean="0"/>
-              <a:t>.  Congrats.</a:t>
-            </a:r>
-          </a:p>
-          <a:p>
-            <a:r>
-              <a:rPr lang="en-US" dirty="0" smtClean="0"/>
-              <a:t>If you never created a homepage before, well, use</a:t>
-            </a:r>
-          </a:p>
-          <a:p>
-            <a:r>
-              <a:rPr lang="en-US" dirty="0" err="1" smtClean="0"/>
-              <a:t>GitHub</a:t>
-            </a:r>
-            <a:r>
-              <a:rPr lang="en-US" dirty="0" smtClean="0"/>
-              <a:t> pages.  Great for letting employers see your</a:t>
-            </a:r>
-          </a:p>
-          <a:p>
-            <a:r>
-              <a:rPr lang="en-US" dirty="0" smtClean="0"/>
-              <a:t>Project and let them see your coding style too!  Again,</a:t>
-            </a:r>
-          </a:p>
-          <a:p>
-            <a:r>
-              <a:rPr lang="en-US" dirty="0" smtClean="0"/>
-              <a:t>NOT java specific.</a:t>
-            </a:r>
+              <a:rPr lang="en-US" dirty="0" smtClean="0"/>
+              <a:t>I REALLY hate Java…</a:t>
+            </a:r>
+          </a:p>
+          <a:p>
+            <a:pPr marL="342900" indent="-342900">
+              <a:buFont typeface="Arial" pitchFamily="34" charset="0"/>
+              <a:buChar char="•"/>
+            </a:pPr>
+            <a:r>
+              <a:rPr lang="en-US" dirty="0" smtClean="0"/>
+              <a:t>Or I REALLY love it</a:t>
+            </a:r>
+          </a:p>
+          <a:p>
+            <a:pPr marL="342900" indent="-342900">
+              <a:buFont typeface="Arial" pitchFamily="34" charset="0"/>
+              <a:buChar char="•"/>
+            </a:pPr>
+            <a:r>
+              <a:rPr lang="en-US" dirty="0" smtClean="0"/>
+              <a:t>But was that all you learned?</a:t>
+            </a:r>
+          </a:p>
+          <a:p>
+            <a:pPr marL="342900" indent="-342900">
+              <a:buFont typeface="Arial" pitchFamily="34" charset="0"/>
+              <a:buChar char="•"/>
+            </a:pPr>
+            <a:r>
+              <a:rPr lang="en-US" dirty="0" smtClean="0"/>
+              <a:t>I had a hidden agenda all along</a:t>
+            </a:r>
+            <a:endParaRPr lang="en-US" dirty="0"/>
           </a:p>
         </p:txBody>
       </p:sp>
     </p:spTree>
     <p:extLst>
       <p:ext uri="{BB962C8B-B14F-4D97-AF65-F5344CB8AC3E}">
-        <p14:creationId xmlns:p14="http://schemas.microsoft.com/office/powerpoint/2010/main" val="3442297372"/>
+        <p14:creationId xmlns:p14="http://schemas.microsoft.com/office/powerpoint/2010/main" val="568372925"/>
       </p:ext>
     </p:extLst>
   </p:cSld>
@@ -8699,7 +8624,7 @@
           <a:p>
             <a:r>
               <a:rPr lang="en-US" dirty="0" smtClean="0"/>
-              <a:t>MVC</a:t>
+              <a:t>Well, what else did we learn?</a:t>
             </a:r>
             <a:endParaRPr lang="en-US" dirty="0"/>
           </a:p>
@@ -8742,8 +8667,8 @@
         </p:nvSpPr>
         <p:spPr>
           <a:xfrm>
-            <a:off x="1371600" y="2286000"/>
-            <a:ext cx="7117333" cy="1569660"/>
+            <a:off x="1447800" y="1905000"/>
+            <a:ext cx="7124066" cy="1938992"/>
           </a:xfrm>
           <a:prstGeom prst="rect">
             <a:avLst/>
@@ -8762,7 +8687,7 @@
             </a:pPr>
             <a:r>
               <a:rPr lang="en-US" dirty="0" smtClean="0"/>
-              <a:t>Hopefully, you learned a few design patterns</a:t>
+              <a:t>Maven – although Maven is specific</a:t>
             </a:r>
           </a:p>
           <a:p>
@@ -8772,7 +8697,7 @@
             </a:pPr>
             <a:r>
               <a:rPr lang="en-US" dirty="0" smtClean="0"/>
-              <a:t>Like MVC.  In later courses, you’ll learn MVP,</a:t>
+              <a:t>To java, the concept is universal.  Have</a:t>
             </a:r>
           </a:p>
           <a:p>
@@ -8782,7 +8707,7 @@
             </a:pPr>
             <a:r>
               <a:rPr lang="en-US" dirty="0" smtClean="0"/>
-              <a:t>MVVM, and MVW.   Again design patterns aren’t</a:t>
+              <a:t>A repository of libraries somewhere and</a:t>
             </a:r>
           </a:p>
           <a:p>
@@ -8792,7 +8717,22 @@
             </a:pPr>
             <a:r>
               <a:rPr lang="en-US" dirty="0" smtClean="0"/>
-              <a:t>Specific to Java</a:t>
+              <a:t>Let a tool download them with their </a:t>
+            </a:r>
+            <a:r>
+              <a:rPr lang="en-US" dirty="0" err="1" smtClean="0"/>
+              <a:t>dependecies</a:t>
+            </a:r>
+            <a:endParaRPr lang="en-US" dirty="0" smtClean="0"/>
+          </a:p>
+          <a:p>
+            <a:pPr marL="342900" indent="-342900">
+              <a:buFont typeface="Arial" pitchFamily="34" charset="0"/>
+              <a:buChar char="•"/>
+            </a:pPr>
+            <a:r>
+              <a:rPr lang="en-US" dirty="0" smtClean="0"/>
+              <a:t>And help you build artifacts</a:t>
             </a:r>
             <a:endParaRPr lang="en-US" dirty="0"/>
           </a:p>
@@ -8801,7 +8741,7 @@
     </p:spTree>
     <p:extLst>
       <p:ext uri="{BB962C8B-B14F-4D97-AF65-F5344CB8AC3E}">
-        <p14:creationId xmlns:p14="http://schemas.microsoft.com/office/powerpoint/2010/main" val="1883758025"/>
+        <p14:creationId xmlns:p14="http://schemas.microsoft.com/office/powerpoint/2010/main" val="3404509170"/>
       </p:ext>
     </p:extLst>
   </p:cSld>
@@ -8844,8 +8784,16 @@
           <a:lstStyle/>
           <a:p>
             <a:r>
-              <a:rPr lang="en-US" dirty="0" smtClean="0"/>
-              <a:t>Your neighbor</a:t>
+              <a:rPr lang="en-US" dirty="0" err="1" smtClean="0"/>
+              <a:t>Git</a:t>
+            </a:r>
+            <a:r>
+              <a:rPr lang="en-US" dirty="0" smtClean="0"/>
+              <a:t>, </a:t>
+            </a:r>
+            <a:r>
+              <a:rPr lang="en-US" dirty="0" err="1" smtClean="0"/>
+              <a:t>Github</a:t>
             </a:r>
             <a:endParaRPr lang="en-US" dirty="0"/>
           </a:p>
@@ -8888,8 +8836,8 @@
         </p:nvSpPr>
         <p:spPr>
           <a:xfrm>
-            <a:off x="1447800" y="2362200"/>
-            <a:ext cx="6694461" cy="2308324"/>
+            <a:off x="1143000" y="2209800"/>
+            <a:ext cx="7837402" cy="4154984"/>
           </a:xfrm>
           <a:prstGeom prst="rect">
             <a:avLst/>
@@ -8908,13 +8856,41 @@
             </a:pPr>
             <a:r>
               <a:rPr lang="en-US" dirty="0" smtClean="0"/>
-              <a:t>I really tried to create an atmosphere</a:t>
-            </a:r>
-          </a:p>
-          <a:p>
-            <a:r>
-              <a:rPr lang="en-US" dirty="0" smtClean="0"/>
-              <a:t>Where I *only* did 50% of the talking</a:t>
+              <a:t>I strongly recommend you use </a:t>
+            </a:r>
+            <a:r>
+              <a:rPr lang="en-US" dirty="0" err="1" smtClean="0"/>
+              <a:t>Git</a:t>
+            </a:r>
+            <a:r>
+              <a:rPr lang="en-US" dirty="0" smtClean="0"/>
+              <a:t> for your</a:t>
+            </a:r>
+          </a:p>
+          <a:p>
+            <a:r>
+              <a:rPr lang="en-US" dirty="0" smtClean="0"/>
+              <a:t>Other courses or personal projects or work.  Revision</a:t>
+            </a:r>
+          </a:p>
+          <a:p>
+            <a:r>
+              <a:rPr lang="en-US" dirty="0"/>
+              <a:t>m</a:t>
+            </a:r>
+            <a:r>
+              <a:rPr lang="en-US" dirty="0" smtClean="0"/>
+              <a:t>anagement is crucial in software engineering.  Without</a:t>
+            </a:r>
+          </a:p>
+          <a:p>
+            <a:r>
+              <a:rPr lang="en-US" dirty="0" err="1" smtClean="0"/>
+              <a:t>Git</a:t>
+            </a:r>
+            <a:r>
+              <a:rPr lang="en-US" dirty="0" smtClean="0"/>
+              <a:t>, how else would you go back to a previous revision</a:t>
             </a:r>
           </a:p>
           <a:p>
@@ -8923,26 +8899,68 @@
               <a:buChar char="•"/>
             </a:pPr>
             <a:r>
-              <a:rPr lang="en-US" dirty="0" smtClean="0"/>
-              <a:t>Really hoped that you got to know the people</a:t>
-            </a:r>
-          </a:p>
-          <a:p>
-            <a:r>
-              <a:rPr lang="en-US" dirty="0" smtClean="0"/>
-              <a:t>Sitting around you.  Exchange phone numbers,</a:t>
-            </a:r>
-          </a:p>
-          <a:p>
-            <a:r>
-              <a:rPr lang="en-US" dirty="0" smtClean="0"/>
-              <a:t>Emails with them.</a:t>
-            </a:r>
-          </a:p>
-          <a:p>
-            <a:r>
-              <a:rPr lang="en-US" dirty="0" smtClean="0"/>
-              <a:t>Programs come and go.  Friends are forever</a:t>
+              <a:rPr lang="en-US" dirty="0" err="1" smtClean="0"/>
+              <a:t>GitHub</a:t>
+            </a:r>
+            <a:r>
+              <a:rPr lang="en-US" dirty="0" smtClean="0"/>
+              <a:t> and </a:t>
+            </a:r>
+            <a:r>
+              <a:rPr lang="en-US" dirty="0" err="1" smtClean="0"/>
+              <a:t>GitHub</a:t>
+            </a:r>
+            <a:r>
+              <a:rPr lang="en-US" dirty="0" smtClean="0"/>
+              <a:t> pages ties you into the open</a:t>
+            </a:r>
+          </a:p>
+          <a:p>
+            <a:r>
+              <a:rPr lang="en-US" dirty="0" smtClean="0"/>
+              <a:t>Source community.  Open source is good.  You now</a:t>
+            </a:r>
+          </a:p>
+          <a:p>
+            <a:r>
+              <a:rPr lang="en-US" dirty="0" smtClean="0"/>
+              <a:t>Have an open source project on </a:t>
+            </a:r>
+            <a:r>
+              <a:rPr lang="en-US" dirty="0" err="1" smtClean="0"/>
+              <a:t>GitHub</a:t>
+            </a:r>
+            <a:r>
+              <a:rPr lang="en-US" dirty="0" smtClean="0"/>
+              <a:t>.  Congrats.</a:t>
+            </a:r>
+          </a:p>
+          <a:p>
+            <a:r>
+              <a:rPr lang="en-US" dirty="0" smtClean="0"/>
+              <a:t>If you never created a homepage before, well, use</a:t>
+            </a:r>
+          </a:p>
+          <a:p>
+            <a:r>
+              <a:rPr lang="en-US" dirty="0" err="1" smtClean="0"/>
+              <a:t>GitHub</a:t>
+            </a:r>
+            <a:r>
+              <a:rPr lang="en-US" dirty="0" smtClean="0"/>
+              <a:t> pages.  Great for letting employers see your</a:t>
+            </a:r>
+          </a:p>
+          <a:p>
+            <a:r>
+              <a:rPr lang="en-US" dirty="0" smtClean="0"/>
+              <a:t>Project and let them see your coding style too!  Again,</a:t>
+            </a:r>
+          </a:p>
+          <a:p>
+            <a:r>
+              <a:rPr lang="en-US" dirty="0" smtClean="0"/>
+              <a:t>NOT java specific.</a:t>
             </a:r>
           </a:p>
         </p:txBody>
@@ -8950,7 +8968,7 @@
     </p:spTree>
     <p:extLst>
       <p:ext uri="{BB962C8B-B14F-4D97-AF65-F5344CB8AC3E}">
-        <p14:creationId xmlns:p14="http://schemas.microsoft.com/office/powerpoint/2010/main" val="3607217"/>
+        <p14:creationId xmlns:p14="http://schemas.microsoft.com/office/powerpoint/2010/main" val="3442297372"/>
       </p:ext>
     </p:extLst>
   </p:cSld>
@@ -8994,7 +9012,7 @@
           <a:p>
             <a:r>
               <a:rPr lang="en-US" dirty="0" smtClean="0"/>
-              <a:t>And most of all …</a:t>
+              <a:t>MVC</a:t>
             </a:r>
             <a:endParaRPr lang="en-US" dirty="0"/>
           </a:p>
@@ -9037,8 +9055,8 @@
         </p:nvSpPr>
         <p:spPr>
           <a:xfrm>
-            <a:off x="1447800" y="2057400"/>
-            <a:ext cx="7111242" cy="3416320"/>
+            <a:off x="1371600" y="2286000"/>
+            <a:ext cx="7117333" cy="1569660"/>
           </a:xfrm>
           <a:prstGeom prst="rect">
             <a:avLst/>
@@ -9057,75 +9075,46 @@
             </a:pPr>
             <a:r>
               <a:rPr lang="en-US" dirty="0" smtClean="0"/>
-              <a:t>Software engineering and banging your</a:t>
-            </a:r>
-          </a:p>
-          <a:p>
-            <a:r>
-              <a:rPr lang="en-US" dirty="0"/>
-              <a:t>h</a:t>
-            </a:r>
-            <a:r>
-              <a:rPr lang="en-US" dirty="0" smtClean="0"/>
-              <a:t>ead against your keyboard.  This was a</a:t>
-            </a:r>
-          </a:p>
-          <a:p>
-            <a:r>
-              <a:rPr lang="en-US" dirty="0"/>
-              <a:t>p</a:t>
-            </a:r>
-            <a:r>
-              <a:rPr lang="en-US" dirty="0" smtClean="0"/>
-              <a:t>ut as much or as little as you want in this</a:t>
-            </a:r>
-          </a:p>
-          <a:p>
-            <a:r>
-              <a:rPr lang="en-US" dirty="0" smtClean="0"/>
-              <a:t>Course.  The project was yours from Day1.</a:t>
-            </a:r>
-          </a:p>
-          <a:p>
-            <a:r>
-              <a:rPr lang="en-US" dirty="0" smtClean="0"/>
-              <a:t>I personally grew quite attached to my first</a:t>
-            </a:r>
-          </a:p>
-          <a:p>
-            <a:r>
-              <a:rPr lang="en-US" dirty="0" smtClean="0"/>
-              <a:t>Software engineering project.  For me it was</a:t>
-            </a:r>
-          </a:p>
-          <a:p>
-            <a:r>
-              <a:rPr lang="en-US" dirty="0" smtClean="0"/>
-              <a:t>Fun.  I programmed it in C.  I don’t use C anymore,</a:t>
-            </a:r>
-          </a:p>
-          <a:p>
-            <a:r>
-              <a:rPr lang="en-US" dirty="0" smtClean="0"/>
-              <a:t>But it was the build your own, manage your own</a:t>
-            </a:r>
-          </a:p>
-          <a:p>
-            <a:r>
-              <a:rPr lang="en-US" dirty="0"/>
-              <a:t>a</a:t>
-            </a:r>
-            <a:r>
-              <a:rPr lang="en-US" dirty="0" smtClean="0"/>
-              <a:t>spect that still keeps me motivated in this field.</a:t>
-            </a:r>
+              <a:t>Hopefully, you learned a few design patterns</a:t>
+            </a:r>
+          </a:p>
+          <a:p>
+            <a:pPr marL="342900" indent="-342900">
+              <a:buFont typeface="Arial" pitchFamily="34" charset="0"/>
+              <a:buChar char="•"/>
+            </a:pPr>
+            <a:r>
+              <a:rPr lang="en-US" dirty="0" smtClean="0"/>
+              <a:t>Like MVC.  In later courses, you’ll learn MVP,</a:t>
+            </a:r>
+          </a:p>
+          <a:p>
+            <a:pPr marL="342900" indent="-342900">
+              <a:buFont typeface="Arial" pitchFamily="34" charset="0"/>
+              <a:buChar char="•"/>
+            </a:pPr>
+            <a:r>
+              <a:rPr lang="en-US" dirty="0" smtClean="0"/>
+              <a:t>MVVM, and MVW.   Again design patterns aren’t</a:t>
+            </a:r>
+          </a:p>
+          <a:p>
+            <a:pPr marL="342900" indent="-342900">
+              <a:buFont typeface="Arial" pitchFamily="34" charset="0"/>
+              <a:buChar char="•"/>
+            </a:pPr>
+            <a:r>
+              <a:rPr lang="en-US" dirty="0" smtClean="0"/>
+              <a:t>Specific to Java</a:t>
+            </a:r>
+            <a:endParaRPr lang="en-US" dirty="0"/>
           </a:p>
         </p:txBody>
       </p:sp>
     </p:spTree>
     <p:extLst>
       <p:ext uri="{BB962C8B-B14F-4D97-AF65-F5344CB8AC3E}">
-        <p14:creationId xmlns:p14="http://schemas.microsoft.com/office/powerpoint/2010/main" val="1560099199"/>
+        <p14:creationId xmlns:p14="http://schemas.microsoft.com/office/powerpoint/2010/main" val="1883758025"/>
       </p:ext>
     </p:extLst>
   </p:cSld>
@@ -9169,7 +9158,7 @@
           <a:p>
             <a:r>
               <a:rPr lang="en-US" dirty="0" smtClean="0"/>
-              <a:t>Thank-you + Optional Homework</a:t>
+              <a:t>Your neighbor</a:t>
             </a:r>
             <a:endParaRPr lang="en-US" dirty="0"/>
           </a:p>
@@ -9199,6 +9188,330 @@
                 <a:defRPr/>
               </a:pPr>
               <a:t>114</a:t>
+            </a:fld>
+            <a:endParaRPr lang="en-CA"/>
+          </a:p>
+        </p:txBody>
+      </p:sp>
+      <p:sp>
+        <p:nvSpPr>
+          <p:cNvPr id="4" name="TextBox 3"/>
+          <p:cNvSpPr txBox="1"/>
+          <p:nvPr/>
+        </p:nvSpPr>
+        <p:spPr>
+          <a:xfrm>
+            <a:off x="1447800" y="2362200"/>
+            <a:ext cx="6694461" cy="2308324"/>
+          </a:xfrm>
+          <a:prstGeom prst="rect">
+            <a:avLst/>
+          </a:prstGeom>
+          <a:noFill/>
+        </p:spPr>
+        <p:txBody>
+          <a:bodyPr wrap="none" rtlCol="0">
+            <a:spAutoFit/>
+          </a:bodyPr>
+          <a:lstStyle/>
+          <a:p>
+            <a:pPr marL="342900" indent="-342900">
+              <a:buFont typeface="Arial" pitchFamily="34" charset="0"/>
+              <a:buChar char="•"/>
+            </a:pPr>
+            <a:r>
+              <a:rPr lang="en-US" dirty="0" smtClean="0"/>
+              <a:t>I really tried to create an atmosphere</a:t>
+            </a:r>
+          </a:p>
+          <a:p>
+            <a:r>
+              <a:rPr lang="en-US" dirty="0" smtClean="0"/>
+              <a:t>Where I *only* did 50% of the talking</a:t>
+            </a:r>
+          </a:p>
+          <a:p>
+            <a:pPr marL="342900" indent="-342900">
+              <a:buFont typeface="Arial" pitchFamily="34" charset="0"/>
+              <a:buChar char="•"/>
+            </a:pPr>
+            <a:r>
+              <a:rPr lang="en-US" dirty="0" smtClean="0"/>
+              <a:t>Really hoped that you got to know the people</a:t>
+            </a:r>
+          </a:p>
+          <a:p>
+            <a:r>
+              <a:rPr lang="en-US" dirty="0" smtClean="0"/>
+              <a:t>Sitting around you.  Exchange phone numbers,</a:t>
+            </a:r>
+          </a:p>
+          <a:p>
+            <a:r>
+              <a:rPr lang="en-US" dirty="0" smtClean="0"/>
+              <a:t>Emails with them.</a:t>
+            </a:r>
+          </a:p>
+          <a:p>
+            <a:r>
+              <a:rPr lang="en-US" dirty="0" smtClean="0"/>
+              <a:t>Programs come and go.  Friends are forever</a:t>
+            </a:r>
+          </a:p>
+        </p:txBody>
+      </p:sp>
+    </p:spTree>
+    <p:extLst>
+      <p:ext uri="{BB962C8B-B14F-4D97-AF65-F5344CB8AC3E}">
+        <p14:creationId xmlns:p14="http://schemas.microsoft.com/office/powerpoint/2010/main" val="3607217"/>
+      </p:ext>
+    </p:extLst>
+  </p:cSld>
+  <p:clrMapOvr>
+    <a:masterClrMapping/>
+  </p:clrMapOvr>
+</p:sld>
+</file>
+
+<file path=ppt/slides/slide115.xml><?xml version="1.0" encoding="utf-8"?>
+<p:sld xmlns:a="http://schemas.openxmlformats.org/drawingml/2006/main" xmlns:r="http://schemas.openxmlformats.org/officeDocument/2006/relationships" xmlns:p="http://schemas.openxmlformats.org/presentationml/2006/main">
+  <p:cSld>
+    <p:spTree>
+      <p:nvGrpSpPr>
+        <p:cNvPr id="1" name=""/>
+        <p:cNvGrpSpPr/>
+        <p:nvPr/>
+      </p:nvGrpSpPr>
+      <p:grpSpPr>
+        <a:xfrm>
+          <a:off x="0" y="0"/>
+          <a:ext cx="0" cy="0"/>
+          <a:chOff x="0" y="0"/>
+          <a:chExt cx="0" cy="0"/>
+        </a:xfrm>
+      </p:grpSpPr>
+      <p:sp>
+        <p:nvSpPr>
+          <p:cNvPr id="2" name="Title 1"/>
+          <p:cNvSpPr>
+            <a:spLocks noGrp="1"/>
+          </p:cNvSpPr>
+          <p:nvPr>
+            <p:ph type="title"/>
+          </p:nvPr>
+        </p:nvSpPr>
+        <p:spPr/>
+        <p:txBody>
+          <a:bodyPr/>
+          <a:lstStyle/>
+          <a:p>
+            <a:r>
+              <a:rPr lang="en-US" dirty="0" smtClean="0"/>
+              <a:t>And most of all …</a:t>
+            </a:r>
+            <a:endParaRPr lang="en-US" dirty="0"/>
+          </a:p>
+        </p:txBody>
+      </p:sp>
+      <p:sp>
+        <p:nvSpPr>
+          <p:cNvPr id="3" name="Slide Number Placeholder 2"/>
+          <p:cNvSpPr>
+            <a:spLocks noGrp="1"/>
+          </p:cNvSpPr>
+          <p:nvPr>
+            <p:ph type="sldNum" sz="quarter" idx="12"/>
+          </p:nvPr>
+        </p:nvSpPr>
+        <p:spPr/>
+        <p:txBody>
+          <a:bodyPr/>
+          <a:lstStyle/>
+          <a:p>
+            <a:pPr>
+              <a:defRPr/>
+            </a:pPr>
+            <a:fld id="{B2451C39-31DD-6D4B-9BED-758CF6C1BA6A}" type="slidenum">
+              <a:rPr lang="en-CA" smtClean="0"/>
+              <a:pPr>
+                <a:defRPr/>
+              </a:pPr>
+              <a:t>115</a:t>
+            </a:fld>
+            <a:endParaRPr lang="en-CA"/>
+          </a:p>
+        </p:txBody>
+      </p:sp>
+      <p:sp>
+        <p:nvSpPr>
+          <p:cNvPr id="4" name="TextBox 3"/>
+          <p:cNvSpPr txBox="1"/>
+          <p:nvPr/>
+        </p:nvSpPr>
+        <p:spPr>
+          <a:xfrm>
+            <a:off x="1447800" y="2057400"/>
+            <a:ext cx="7111242" cy="3416320"/>
+          </a:xfrm>
+          <a:prstGeom prst="rect">
+            <a:avLst/>
+          </a:prstGeom>
+          <a:noFill/>
+        </p:spPr>
+        <p:txBody>
+          <a:bodyPr wrap="none" rtlCol="0">
+            <a:spAutoFit/>
+          </a:bodyPr>
+          <a:lstStyle/>
+          <a:p>
+            <a:pPr marL="342900" indent="-342900">
+              <a:buFont typeface="Arial" pitchFamily="34" charset="0"/>
+              <a:buChar char="•"/>
+            </a:pPr>
+            <a:r>
+              <a:rPr lang="en-US" dirty="0" smtClean="0"/>
+              <a:t>Software engineering and banging your</a:t>
+            </a:r>
+          </a:p>
+          <a:p>
+            <a:r>
+              <a:rPr lang="en-US" dirty="0"/>
+              <a:t>h</a:t>
+            </a:r>
+            <a:r>
+              <a:rPr lang="en-US" dirty="0" smtClean="0"/>
+              <a:t>ead against your keyboard.  This was a</a:t>
+            </a:r>
+          </a:p>
+          <a:p>
+            <a:r>
+              <a:rPr lang="en-US" dirty="0"/>
+              <a:t>p</a:t>
+            </a:r>
+            <a:r>
+              <a:rPr lang="en-US" dirty="0" smtClean="0"/>
+              <a:t>ut as much or as little as you want in this</a:t>
+            </a:r>
+          </a:p>
+          <a:p>
+            <a:r>
+              <a:rPr lang="en-US" dirty="0" smtClean="0"/>
+              <a:t>Course.  The project was yours from Day1.</a:t>
+            </a:r>
+          </a:p>
+          <a:p>
+            <a:r>
+              <a:rPr lang="en-US" dirty="0" smtClean="0"/>
+              <a:t>I personally grew quite attached to my first</a:t>
+            </a:r>
+          </a:p>
+          <a:p>
+            <a:r>
+              <a:rPr lang="en-US" dirty="0" smtClean="0"/>
+              <a:t>Software engineering project.  For me it was</a:t>
+            </a:r>
+          </a:p>
+          <a:p>
+            <a:r>
+              <a:rPr lang="en-US" dirty="0" smtClean="0"/>
+              <a:t>Fun.  I programmed it in C.  I don’t use C anymore,</a:t>
+            </a:r>
+          </a:p>
+          <a:p>
+            <a:r>
+              <a:rPr lang="en-US" dirty="0" smtClean="0"/>
+              <a:t>But it was the build your own, manage your own</a:t>
+            </a:r>
+          </a:p>
+          <a:p>
+            <a:r>
+              <a:rPr lang="en-US" dirty="0"/>
+              <a:t>a</a:t>
+            </a:r>
+            <a:r>
+              <a:rPr lang="en-US" dirty="0" smtClean="0"/>
+              <a:t>spect that still keeps me motivated in this field.</a:t>
+            </a:r>
+          </a:p>
+        </p:txBody>
+      </p:sp>
+    </p:spTree>
+    <p:extLst>
+      <p:ext uri="{BB962C8B-B14F-4D97-AF65-F5344CB8AC3E}">
+        <p14:creationId xmlns:p14="http://schemas.microsoft.com/office/powerpoint/2010/main" val="1560099199"/>
+      </p:ext>
+    </p:extLst>
+  </p:cSld>
+  <p:clrMapOvr>
+    <a:masterClrMapping/>
+  </p:clrMapOvr>
+</p:sld>
+</file>
+
+<file path=ppt/slides/slide116.xml><?xml version="1.0" encoding="utf-8"?>
+<p:sld xmlns:a="http://schemas.openxmlformats.org/drawingml/2006/main" xmlns:r="http://schemas.openxmlformats.org/officeDocument/2006/relationships" xmlns:p="http://schemas.openxmlformats.org/presentationml/2006/main">
+  <p:cSld>
+    <p:spTree>
+      <p:nvGrpSpPr>
+        <p:cNvPr id="1" name=""/>
+        <p:cNvGrpSpPr/>
+        <p:nvPr/>
+      </p:nvGrpSpPr>
+      <p:grpSpPr>
+        <a:xfrm>
+          <a:off x="0" y="0"/>
+          <a:ext cx="0" cy="0"/>
+          <a:chOff x="0" y="0"/>
+          <a:chExt cx="0" cy="0"/>
+        </a:xfrm>
+      </p:grpSpPr>
+      <p:sp>
+        <p:nvSpPr>
+          <p:cNvPr id="2" name="Title 1"/>
+          <p:cNvSpPr>
+            <a:spLocks noGrp="1"/>
+          </p:cNvSpPr>
+          <p:nvPr>
+            <p:ph type="title"/>
+          </p:nvPr>
+        </p:nvSpPr>
+        <p:spPr/>
+        <p:txBody>
+          <a:bodyPr/>
+          <a:lstStyle/>
+          <a:p>
+            <a:r>
+              <a:rPr lang="en-US" dirty="0" smtClean="0"/>
+              <a:t>Thank-you + Optional Homework</a:t>
+            </a:r>
+            <a:endParaRPr lang="en-US" dirty="0"/>
+          </a:p>
+        </p:txBody>
+      </p:sp>
+      <p:sp>
+        <p:nvSpPr>
+          <p:cNvPr id="3" name="Slide Number Placeholder 2"/>
+          <p:cNvSpPr>
+            <a:spLocks noGrp="1"/>
+          </p:cNvSpPr>
+          <p:nvPr>
+            <p:ph type="sldNum" sz="quarter" idx="12"/>
+          </p:nvPr>
+        </p:nvSpPr>
+        <p:spPr/>
+        <p:txBody>
+          <a:bodyPr/>
+          <a:lstStyle/>
+          <a:p>
+            <a:pPr>
+              <a:defRPr/>
+            </a:pPr>
+            <a:fld id="{B2451C39-31DD-6D4B-9BED-758CF6C1BA6A}" type="slidenum">
+              <a:rPr lang="en-CA" smtClean="0"/>
+              <a:pPr>
+                <a:defRPr/>
+              </a:pPr>
+              <a:t>116</a:t>
             </a:fld>
             <a:endParaRPr lang="en-CA"/>
           </a:p>
@@ -23884,7 +24197,31 @@
           <a:p>
             <a:r>
               <a:rPr lang="en-US" dirty="0" smtClean="0"/>
-              <a:t>Vanilla JDBC – if you can avoid programming with JDBC directly, that’s a good thing</a:t>
+              <a:t>Vanilla </a:t>
+            </a:r>
+            <a:r>
+              <a:rPr lang="en-US" dirty="0" smtClean="0"/>
+              <a:t>JDBC Java </a:t>
+            </a:r>
+            <a:r>
+              <a:rPr lang="en-US" dirty="0" err="1" smtClean="0"/>
+              <a:t>DataBase</a:t>
+            </a:r>
+            <a:r>
+              <a:rPr lang="en-US" dirty="0" smtClean="0"/>
+              <a:t> Connectivity </a:t>
+            </a:r>
+            <a:r>
+              <a:rPr lang="en-US" dirty="0" smtClean="0"/>
+              <a:t>– if you can avoid programming with </a:t>
+            </a:r>
+            <a:r>
+              <a:rPr lang="en-US" dirty="0" smtClean="0"/>
+              <a:t>vanilla JDBC </a:t>
+            </a:r>
+            <a:r>
+              <a:rPr lang="en-US" dirty="0" smtClean="0"/>
+              <a:t>directly, that’s a good thing</a:t>
             </a:r>
           </a:p>
           <a:p>
@@ -24470,7 +24807,6 @@
               <a:rPr lang="en-US" dirty="0"/>
               <a:t>&lt;/dependency&gt;</a:t>
             </a:r>
-            <a:endParaRPr lang="en-US" dirty="0"/>
           </a:p>
         </p:txBody>
       </p:sp>
@@ -25321,7 +25657,19 @@
           <a:p>
             <a:r>
               <a:rPr lang="en-US" dirty="0" smtClean="0"/>
-              <a:t>Prove it!!!  …  Sorry, no can do that was an in memory DB</a:t>
+              <a:t>Prove it!!!  …  Sorry, no can </a:t>
+            </a:r>
+            <a:r>
+              <a:rPr lang="en-US" smtClean="0"/>
+              <a:t>do </a:t>
+            </a:r>
+            <a:r>
+              <a:rPr lang="en-US" smtClean="0"/>
+              <a:t>- that </a:t>
+            </a:r>
+            <a:r>
+              <a:rPr lang="en-US" dirty="0" smtClean="0"/>
+              <a:t>was an in memory DB</a:t>
             </a:r>
             <a:endParaRPr lang="en-US" dirty="0"/>
           </a:p>
@@ -25804,7 +26152,6 @@
               <a:rPr lang="en-US" dirty="0"/>
               <a:t>&lt;/beans&gt;</a:t>
             </a:r>
-            <a:endParaRPr lang="en-US" dirty="0"/>
           </a:p>
         </p:txBody>
       </p:sp>
@@ -26129,7 +26476,6 @@
               <a:rPr lang="en-US" dirty="0"/>
               <a:t>hibernate.hbm2ddl.auto=create</a:t>
             </a:r>
-            <a:endParaRPr lang="en-US" dirty="0"/>
           </a:p>
         </p:txBody>
       </p:sp>

--- a/coursePresentation.pptx
+++ b/coursePresentation.pptx
@@ -257,7 +257,7 @@
   </p:defaultTextStyle>
   <p:extLst>
     <p:ext uri="{EFAFB233-063F-42B5-8137-9DF3F51BA10A}">
-      <p15:sldGuideLst xmlns:p15="http://schemas.microsoft.com/office/powerpoint/2012/main" xmlns="">
+      <p15:sldGuideLst xmlns="" xmlns:p15="http://schemas.microsoft.com/office/powerpoint/2012/main">
         <p15:guide id="1" orient="horz" pos="4029">
           <p15:clr>
             <a:srgbClr val="A4A3A4"/>
@@ -1632,7 +1632,7 @@
             <a:fld id="{A4A6734C-E115-4BC5-9FB0-F9BF6FABFDA0}" type="datetimeFigureOut">
               <a:rPr lang="en-US" smtClean="0"/>
               <a:pPr/>
-              <a:t>5/16/2014</a:t>
+              <a:t>5/21/2014</a:t>
             </a:fld>
             <a:endParaRPr lang="en-US"/>
           </a:p>
@@ -3760,7 +3760,7 @@
             <a:fld id="{A4A6734C-E115-4BC5-9FB0-F9BF6FABFDA0}" type="datetimeFigureOut">
               <a:rPr lang="en-US" smtClean="0"/>
               <a:pPr/>
-              <a:t>5/16/2014</a:t>
+              <a:t>5/21/2014</a:t>
             </a:fld>
             <a:endParaRPr lang="en-US"/>
           </a:p>
@@ -6778,9 +6778,17 @@
               <a:t>See: </a:t>
             </a:r>
             <a:r>
-              <a:rPr lang="en-US"/>
-              <a:t>MoreComplicatedTestDriverWithMySQLDB</a:t>
-            </a:r>
+              <a:rPr lang="en-US" dirty="0" err="1" smtClean="0"/>
+              <a:t>TestDriverInsertsWithMySQLDB</a:t>
+            </a:r>
+            <a:endParaRPr lang="en-US" dirty="0" smtClean="0"/>
+          </a:p>
+          <a:p>
+            <a:r>
+              <a:rPr lang="en-US" smtClean="0"/>
+              <a:t>See: TestDriverSearchesWithMySQLDB</a:t>
+            </a:r>
+            <a:endParaRPr lang="en-US" dirty="0"/>
           </a:p>
         </p:txBody>
       </p:sp>
@@ -24197,11 +24205,7 @@
           <a:p>
             <a:r>
               <a:rPr lang="en-US" dirty="0" smtClean="0"/>
-              <a:t>Vanilla </a:t>
-            </a:r>
-            <a:r>
-              <a:rPr lang="en-US" dirty="0" smtClean="0"/>
-              <a:t>JDBC Java </a:t>
+              <a:t>Vanilla JDBC Java </a:t>
             </a:r>
             <a:r>
               <a:rPr lang="en-US" dirty="0" err="1" smtClean="0"/>
@@ -24209,19 +24213,7 @@
             </a:r>
             <a:r>
               <a:rPr lang="en-US" dirty="0" smtClean="0"/>
-              <a:t> Connectivity </a:t>
-            </a:r>
-            <a:r>
-              <a:rPr lang="en-US" dirty="0" smtClean="0"/>
-              <a:t>– if you can avoid programming with </a:t>
-            </a:r>
-            <a:r>
-              <a:rPr lang="en-US" dirty="0" smtClean="0"/>
-              <a:t>vanilla JDBC </a:t>
-            </a:r>
-            <a:r>
-              <a:rPr lang="en-US" dirty="0" smtClean="0"/>
-              <a:t>directly, that’s a good thing</a:t>
+              <a:t> Connectivity – if you can avoid programming with vanilla JDBC directly, that’s a good thing</a:t>
             </a:r>
           </a:p>
           <a:p>
@@ -25661,11 +25653,7 @@
             </a:r>
             <a:r>
               <a:rPr lang="en-US" smtClean="0"/>
-              <a:t>do </a:t>
-            </a:r>
-            <a:r>
-              <a:rPr lang="en-US" smtClean="0"/>
-              <a:t>- that </a:t>
+              <a:t>do - that </a:t>
             </a:r>
             <a:r>
               <a:rPr lang="en-US" dirty="0" smtClean="0"/>

--- a/coursePresentation.pptx
+++ b/coursePresentation.pptx
@@ -6785,8 +6785,12 @@
           </a:p>
           <a:p>
             <a:r>
-              <a:rPr lang="en-US" smtClean="0"/>
-              <a:t>See: TestDriverSearchesWithMySQLDB</a:t>
+              <a:rPr lang="en-US" dirty="0" smtClean="0"/>
+              <a:t>See: </a:t>
+            </a:r>
+            <a:r>
+              <a:rPr lang="en-US" dirty="0" err="1" smtClean="0"/>
+              <a:t>TestDriverSearchesWithMySQLDB</a:t>
             </a:r>
             <a:endParaRPr lang="en-US" dirty="0"/>
           </a:p>
@@ -25373,13 +25377,30 @@
           <a:p>
             <a:r>
               <a:rPr lang="en-US" dirty="0" smtClean="0"/>
-              <a:t>Add @Transient (even less important) to your relationships</a:t>
-            </a:r>
-          </a:p>
-          <a:p>
-            <a:r>
-              <a:rPr lang="en-US" dirty="0" smtClean="0"/>
-              <a:t>See day06.model.Teacher</a:t>
+              <a:t>Add </a:t>
+            </a:r>
+            <a:r>
+              <a:rPr lang="en-US" dirty="0" smtClean="0"/>
+              <a:t>@</a:t>
+            </a:r>
+            <a:r>
+              <a:rPr lang="en-US" dirty="0" err="1" smtClean="0"/>
+              <a:t>ManyToMany</a:t>
+            </a:r>
+            <a:r>
+              <a:rPr lang="en-US" dirty="0" smtClean="0"/>
+              <a:t> relationship</a:t>
+            </a:r>
+            <a:endParaRPr lang="en-US" dirty="0" smtClean="0"/>
+          </a:p>
+          <a:p>
+            <a:r>
+              <a:rPr lang="en-US" smtClean="0"/>
+              <a:t>See </a:t>
+            </a:r>
+            <a:r>
+              <a:rPr lang="en-US" smtClean="0"/>
+              <a:t>day09.model.Teacher</a:t>
             </a:r>
             <a:endParaRPr lang="en-US" dirty="0"/>
           </a:p>

--- a/coursePresentation.pptx
+++ b/coursePresentation.pptx
@@ -13790,8 +13790,9 @@
             </a:pPr>
             <a:r>
               <a:rPr lang="en-US" dirty="0" smtClean="0"/>
-              <a:t>JPA</a:t>
-            </a:r>
+              <a:t>JPA (Oh … you’ll be seeing this later on)</a:t>
+            </a:r>
+            <a:endParaRPr lang="en-US" dirty="0" smtClean="0"/>
           </a:p>
           <a:p>
             <a:pPr marL="342900" indent="-342900">
@@ -13830,8 +13831,13 @@
             </a:pPr>
             <a:r>
               <a:rPr lang="en-US" dirty="0" smtClean="0"/>
-              <a:t>Spring</a:t>
-            </a:r>
+              <a:t>Spring (and we’ll </a:t>
+            </a:r>
+            <a:r>
+              <a:rPr lang="en-US" smtClean="0"/>
+              <a:t>see this later on too)</a:t>
+            </a:r>
+            <a:endParaRPr lang="en-US" dirty="0" smtClean="0"/>
           </a:p>
           <a:p>
             <a:pPr marL="342900" indent="-342900">
@@ -25360,7 +25366,9 @@
         </p:nvSpPr>
         <p:spPr/>
         <p:txBody>
-          <a:bodyPr/>
+          <a:bodyPr>
+            <a:normAutofit fontScale="92500"/>
+          </a:bodyPr>
           <a:lstStyle/>
           <a:p>
             <a:r>
@@ -25391,15 +25399,50 @@
               <a:rPr lang="en-US" dirty="0" smtClean="0"/>
               <a:t> relationship</a:t>
             </a:r>
+          </a:p>
+          <a:p>
+            <a:pPr lvl="1"/>
+            <a:r>
+              <a:rPr lang="en-US" dirty="0" smtClean="0"/>
+              <a:t>Right now, the </a:t>
+            </a:r>
+            <a:r>
+              <a:rPr lang="en-US" dirty="0" err="1" smtClean="0"/>
+              <a:t>ManyToMany</a:t>
+            </a:r>
+            <a:r>
+              <a:rPr lang="en-US" dirty="0" smtClean="0"/>
+              <a:t> annotation with the </a:t>
+            </a:r>
+            <a:r>
+              <a:rPr lang="en-US" dirty="0" err="1" smtClean="0"/>
+              <a:t>JoinTable</a:t>
+            </a:r>
+            <a:r>
+              <a:rPr lang="en-US" dirty="0" smtClean="0"/>
+              <a:t>, </a:t>
+            </a:r>
+            <a:r>
+              <a:rPr lang="en-US" dirty="0" err="1" smtClean="0"/>
+              <a:t>JoinColumn</a:t>
+            </a:r>
+            <a:r>
+              <a:rPr lang="en-US" dirty="0" smtClean="0"/>
+              <a:t> might be a tad bit confusing.  Just try to “see and follow the pattern” with the Teacher/Student model.  </a:t>
+            </a:r>
+            <a:r>
+              <a:rPr lang="en-US" dirty="0"/>
+              <a:t>All see: http://en.wikibooks.org/wiki/Java_Persistence/ManyToMany</a:t>
+            </a:r>
             <a:endParaRPr lang="en-US" dirty="0" smtClean="0"/>
           </a:p>
           <a:p>
             <a:r>
-              <a:rPr lang="en-US" smtClean="0"/>
+              <a:rPr lang="en-US" dirty="0" smtClean="0"/>
               <a:t>See </a:t>
             </a:r>
             <a:r>
-              <a:rPr lang="en-US" smtClean="0"/>
+              <a:rPr lang="en-US" dirty="0" smtClean="0"/>
               <a:t>day09.model.Teacher</a:t>
             </a:r>
             <a:endParaRPr lang="en-US" dirty="0"/>

--- a/coursePresentation.pptx
+++ b/coursePresentation.pptx
@@ -5,10 +5,10 @@
     <p:sldMasterId id="2147484906" r:id="rId1"/>
   </p:sldMasterIdLst>
   <p:notesMasterIdLst>
-    <p:notesMasterId r:id="rId118"/>
+    <p:notesMasterId r:id="rId119"/>
   </p:notesMasterIdLst>
   <p:handoutMasterIdLst>
-    <p:handoutMasterId r:id="rId119"/>
+    <p:handoutMasterId r:id="rId120"/>
   </p:handoutMasterIdLst>
   <p:sldIdLst>
     <p:sldId id="257" r:id="rId2"/>
@@ -108,25 +108,26 @@
     <p:sldId id="437" r:id="rId96"/>
     <p:sldId id="438" r:id="rId97"/>
     <p:sldId id="439" r:id="rId98"/>
-    <p:sldId id="440" r:id="rId99"/>
-    <p:sldId id="441" r:id="rId100"/>
-    <p:sldId id="443" r:id="rId101"/>
-    <p:sldId id="444" r:id="rId102"/>
-    <p:sldId id="445" r:id="rId103"/>
-    <p:sldId id="409" r:id="rId104"/>
-    <p:sldId id="425" r:id="rId105"/>
-    <p:sldId id="442" r:id="rId106"/>
-    <p:sldId id="411" r:id="rId107"/>
-    <p:sldId id="427" r:id="rId108"/>
-    <p:sldId id="426" r:id="rId109"/>
-    <p:sldId id="413" r:id="rId110"/>
-    <p:sldId id="389" r:id="rId111"/>
-    <p:sldId id="390" r:id="rId112"/>
-    <p:sldId id="391" r:id="rId113"/>
-    <p:sldId id="392" r:id="rId114"/>
-    <p:sldId id="414" r:id="rId115"/>
-    <p:sldId id="393" r:id="rId116"/>
-    <p:sldId id="394" r:id="rId117"/>
+    <p:sldId id="446" r:id="rId99"/>
+    <p:sldId id="440" r:id="rId100"/>
+    <p:sldId id="441" r:id="rId101"/>
+    <p:sldId id="443" r:id="rId102"/>
+    <p:sldId id="444" r:id="rId103"/>
+    <p:sldId id="445" r:id="rId104"/>
+    <p:sldId id="409" r:id="rId105"/>
+    <p:sldId id="425" r:id="rId106"/>
+    <p:sldId id="442" r:id="rId107"/>
+    <p:sldId id="411" r:id="rId108"/>
+    <p:sldId id="427" r:id="rId109"/>
+    <p:sldId id="426" r:id="rId110"/>
+    <p:sldId id="413" r:id="rId111"/>
+    <p:sldId id="389" r:id="rId112"/>
+    <p:sldId id="390" r:id="rId113"/>
+    <p:sldId id="391" r:id="rId114"/>
+    <p:sldId id="392" r:id="rId115"/>
+    <p:sldId id="414" r:id="rId116"/>
+    <p:sldId id="393" r:id="rId117"/>
+    <p:sldId id="394" r:id="rId118"/>
   </p:sldIdLst>
   <p:sldSz cx="9144000" cy="6858000" type="screen4x3"/>
   <p:notesSz cx="6858000" cy="9144000"/>
@@ -6744,58 +6745,38 @@
           <a:p>
             <a:r>
               <a:rPr lang="en-US" dirty="0" smtClean="0"/>
-              <a:t>DB relationships (</a:t>
-            </a:r>
-            <a:r>
-              <a:rPr lang="en-US" dirty="0" err="1" smtClean="0"/>
-              <a:t>cont</a:t>
-            </a:r>
-            <a:r>
-              <a:rPr lang="en-US" dirty="0" smtClean="0"/>
-              <a:t>)</a:t>
+              <a:t>And see if your new row is inserted</a:t>
             </a:r>
             <a:endParaRPr lang="en-US" dirty="0"/>
           </a:p>
         </p:txBody>
       </p:sp>
-      <p:sp>
-        <p:nvSpPr>
-          <p:cNvPr id="3" name="Content Placeholder 2"/>
-          <p:cNvSpPr>
-            <a:spLocks noGrp="1"/>
-          </p:cNvSpPr>
+      <p:pic>
+        <p:nvPicPr>
+          <p:cNvPr id="5" name="Content Placeholder 4"/>
+          <p:cNvPicPr>
+            <a:picLocks noGrp="1" noChangeAspect="1"/>
+          </p:cNvPicPr>
           <p:nvPr>
             <p:ph idx="1"/>
           </p:nvPr>
-        </p:nvSpPr>
-        <p:spPr/>
-        <p:txBody>
-          <a:bodyPr/>
-          <a:lstStyle/>
-          <a:p>
-            <a:r>
-              <a:rPr lang="en-US" dirty="0" smtClean="0"/>
-              <a:t>See: </a:t>
-            </a:r>
-            <a:r>
-              <a:rPr lang="en-US" dirty="0" err="1" smtClean="0"/>
-              <a:t>TestDriverInsertsWithMySQLDB</a:t>
-            </a:r>
-            <a:endParaRPr lang="en-US" dirty="0" smtClean="0"/>
-          </a:p>
-          <a:p>
-            <a:r>
-              <a:rPr lang="en-US" dirty="0" smtClean="0"/>
-              <a:t>See: </a:t>
-            </a:r>
-            <a:r>
-              <a:rPr lang="en-US" dirty="0" err="1" smtClean="0"/>
-              <a:t>TestDriverSearchesWithMySQLDB</a:t>
-            </a:r>
-            <a:endParaRPr lang="en-US" dirty="0"/>
-          </a:p>
-        </p:txBody>
-      </p:sp>
+        </p:nvPicPr>
+        <p:blipFill>
+          <a:blip r:embed="rId2"/>
+          <a:stretch>
+            <a:fillRect/>
+          </a:stretch>
+        </p:blipFill>
+        <p:spPr>
+          <a:xfrm>
+            <a:off x="1531144" y="1784350"/>
+            <a:ext cx="6096000" cy="4572000"/>
+          </a:xfrm>
+          <a:prstGeom prst="rect">
+            <a:avLst/>
+          </a:prstGeom>
+        </p:spPr>
+      </p:pic>
       <p:sp>
         <p:nvSpPr>
           <p:cNvPr id="4" name="Slide Number Placeholder 3"/>
@@ -6828,7 +6809,7 @@
     </p:spTree>
     <p:extLst>
       <p:ext uri="{BB962C8B-B14F-4D97-AF65-F5344CB8AC3E}">
-        <p14:creationId xmlns:p14="http://schemas.microsoft.com/office/powerpoint/2010/main" val="2656205412"/>
+        <p14:creationId xmlns:p14="http://schemas.microsoft.com/office/powerpoint/2010/main" val="3091410012"/>
       </p:ext>
     </p:extLst>
   </p:cSld>
@@ -6872,7 +6853,15 @@
           <a:p>
             <a:r>
               <a:rPr lang="en-US" dirty="0" smtClean="0"/>
-              <a:t>What can go wrong?</a:t>
+              <a:t>DB relationships (</a:t>
+            </a:r>
+            <a:r>
+              <a:rPr lang="en-US" dirty="0" err="1" smtClean="0"/>
+              <a:t>cont</a:t>
+            </a:r>
+            <a:r>
+              <a:rPr lang="en-US" dirty="0" smtClean="0"/>
+              <a:t>)</a:t>
             </a:r>
             <a:endParaRPr lang="en-US" dirty="0"/>
           </a:p>
@@ -6890,65 +6879,27 @@
         </p:nvSpPr>
         <p:spPr/>
         <p:txBody>
-          <a:bodyPr>
-            <a:normAutofit fontScale="77500" lnSpcReduction="20000"/>
-          </a:bodyPr>
-          <a:lstStyle/>
-          <a:p>
-            <a:r>
-              <a:rPr lang="en-US" dirty="0" smtClean="0"/>
-              <a:t>When playing around with power magic, you can get burned pretty fast.  Or if you’re a fan of </a:t>
+          <a:bodyPr/>
+          <a:lstStyle/>
+          <a:p>
+            <a:r>
+              <a:rPr lang="en-US" dirty="0" smtClean="0"/>
+              <a:t>See: </a:t>
             </a:r>
             <a:r>
               <a:rPr lang="en-US" dirty="0" err="1" smtClean="0"/>
-              <a:t>spiderman</a:t>
-            </a:r>
-            <a:r>
-              <a:rPr lang="en-US" dirty="0"/>
-              <a:t>:</a:t>
-            </a:r>
-            <a:r>
-              <a:rPr lang="en-US" dirty="0" smtClean="0"/>
-              <a:t> </a:t>
-            </a:r>
-            <a:r>
-              <a:rPr lang="en-US" b="1" dirty="0"/>
-              <a:t>With great power, comes great </a:t>
-            </a:r>
-            <a:r>
-              <a:rPr lang="en-US" b="1" dirty="0" smtClean="0"/>
-              <a:t>responsibility.  JPA / Spring Data / Hibernate is one of the most powerful features (if not the most powerful feature) of </a:t>
-            </a:r>
-            <a:r>
-              <a:rPr lang="en-US" b="1" dirty="0" err="1" smtClean="0"/>
-              <a:t>JavaEE</a:t>
-            </a:r>
-            <a:r>
-              <a:rPr lang="en-US" b="1" dirty="0" smtClean="0"/>
-              <a:t>.  If you learn to master this, you’ll see other design patterns (which are annotations-based) come to play. </a:t>
+              <a:t>TestDriverInsertsWithMySQLDB</a:t>
             </a:r>
             <a:endParaRPr lang="en-US" dirty="0" smtClean="0"/>
           </a:p>
           <a:p>
             <a:r>
               <a:rPr lang="en-US" dirty="0" smtClean="0"/>
-              <a:t>Make sure to commit your code often when it is in a stable state</a:t>
-            </a:r>
-          </a:p>
-          <a:p>
-            <a:r>
-              <a:rPr lang="en-US" dirty="0" smtClean="0"/>
-              <a:t>If you Java Model class is out of sync with the DB, then go to your DB and drop the tables</a:t>
-            </a:r>
-          </a:p>
-          <a:p>
-            <a:r>
-              <a:rPr lang="en-US" dirty="0" smtClean="0"/>
-              <a:t>Play around with the hibernate.hbm2ddl.auto field in </a:t>
+              <a:t>See: </a:t>
             </a:r>
             <a:r>
               <a:rPr lang="en-US" dirty="0" err="1" smtClean="0"/>
-              <a:t>hibernate.properties</a:t>
+              <a:t>TestDriverSearchesWithMySQLDB</a:t>
             </a:r>
             <a:endParaRPr lang="en-US" dirty="0"/>
           </a:p>
@@ -6986,7 +6937,7 @@
     </p:spTree>
     <p:extLst>
       <p:ext uri="{BB962C8B-B14F-4D97-AF65-F5344CB8AC3E}">
-        <p14:creationId xmlns:p14="http://schemas.microsoft.com/office/powerpoint/2010/main" val="2737400390"/>
+        <p14:creationId xmlns:p14="http://schemas.microsoft.com/office/powerpoint/2010/main" val="2656205412"/>
       </p:ext>
     </p:extLst>
   </p:cSld>
@@ -7030,7 +6981,7 @@
           <a:p>
             <a:r>
               <a:rPr lang="en-US" dirty="0" smtClean="0"/>
-              <a:t>Power of Spring</a:t>
+              <a:t>What can go wrong?</a:t>
             </a:r>
             <a:endParaRPr lang="en-US" dirty="0"/>
           </a:p>
@@ -7049,83 +7000,64 @@
         <p:spPr/>
         <p:txBody>
           <a:bodyPr>
-            <a:normAutofit fontScale="62500" lnSpcReduction="20000"/>
+            <a:normAutofit fontScale="77500" lnSpcReduction="20000"/>
           </a:bodyPr>
           <a:lstStyle/>
           <a:p>
             <a:r>
               <a:rPr lang="en-US" dirty="0" smtClean="0"/>
-              <a:t>So unknowingly, you have also tapped in to the power of Spring (we’re using Spring Data for JPA).  We’ve also covered Spring IOC (Inversion Of Control – the annotation magic)</a:t>
-            </a:r>
-          </a:p>
-          <a:p>
-            <a:r>
-              <a:rPr lang="en-US" dirty="0" smtClean="0"/>
-              <a:t>It is a piece of a much larger </a:t>
+              <a:t>When playing around with power magic, you can get burned pretty fast.  Or if you’re a fan of </a:t>
             </a:r>
             <a:r>
               <a:rPr lang="en-US" dirty="0" err="1" smtClean="0"/>
-              <a:t>soln</a:t>
-            </a:r>
-            <a:r>
-              <a:rPr lang="en-US" dirty="0" smtClean="0"/>
-              <a:t> (beyond the scope of this course).  But if you understand Spring Data, the rest of the features the Spring will be “familiar”</a:t>
-            </a:r>
-          </a:p>
-          <a:p>
-            <a:r>
-              <a:rPr lang="en-US" dirty="0" smtClean="0"/>
-              <a:t>One of the features that Spring Data already uses is Connection Pooling … and then there is Paging (getting the first 10 results of Page1)</a:t>
-            </a:r>
-          </a:p>
-          <a:p>
-            <a:r>
-              <a:rPr lang="en-US" dirty="0" smtClean="0"/>
-              <a:t>Spring is definitely one of the largest frameworks within Java.</a:t>
-            </a:r>
-          </a:p>
-          <a:p>
-            <a:r>
-              <a:rPr lang="en-US" dirty="0" smtClean="0"/>
-              <a:t>One of the buzzes these days is to convert JPA -&gt; REST Services.  And then use </a:t>
+              <a:t>spiderman</a:t>
+            </a:r>
+            <a:r>
+              <a:rPr lang="en-US" dirty="0"/>
+              <a:t>:</a:t>
+            </a:r>
+            <a:r>
+              <a:rPr lang="en-US" dirty="0" smtClean="0"/>
+              <a:t> </a:t>
+            </a:r>
+            <a:r>
+              <a:rPr lang="en-US" b="1" dirty="0"/>
+              <a:t>With great power, comes great </a:t>
+            </a:r>
+            <a:r>
+              <a:rPr lang="en-US" b="1" dirty="0" smtClean="0"/>
+              <a:t>responsibility.  JPA / Spring Data / Hibernate is one of the most powerful features (if not the most powerful feature) of </a:t>
+            </a:r>
+            <a:r>
+              <a:rPr lang="en-US" b="1" dirty="0" err="1" smtClean="0"/>
+              <a:t>JavaEE</a:t>
+            </a:r>
+            <a:r>
+              <a:rPr lang="en-US" b="1" dirty="0" smtClean="0"/>
+              <a:t>.  If you learn to master this, you’ll see other design patterns (which are annotations-based) come to play. </a:t>
+            </a:r>
+            <a:endParaRPr lang="en-US" dirty="0" smtClean="0"/>
+          </a:p>
+          <a:p>
+            <a:r>
+              <a:rPr lang="en-US" dirty="0" smtClean="0"/>
+              <a:t>Make sure to commit your code often when it is in a stable state</a:t>
+            </a:r>
+          </a:p>
+          <a:p>
+            <a:r>
+              <a:rPr lang="en-US" dirty="0" smtClean="0"/>
+              <a:t>If you Java Model class is out of sync with the DB, then go to your DB and drop the tables</a:t>
+            </a:r>
+          </a:p>
+          <a:p>
+            <a:r>
+              <a:rPr lang="en-US" dirty="0" smtClean="0"/>
+              <a:t>Play around with the hibernate.hbm2ddl.auto field in </a:t>
             </a:r>
             <a:r>
               <a:rPr lang="en-US" dirty="0" err="1" smtClean="0"/>
-              <a:t>BackboneJS</a:t>
-            </a:r>
-            <a:r>
-              <a:rPr lang="en-US" dirty="0" smtClean="0"/>
-              <a:t>, or </a:t>
-            </a:r>
-            <a:r>
-              <a:rPr lang="en-US" dirty="0" err="1" smtClean="0"/>
-              <a:t>AngularJS</a:t>
-            </a:r>
-            <a:r>
-              <a:rPr lang="en-US" dirty="0" smtClean="0"/>
-              <a:t> or </a:t>
-            </a:r>
-            <a:r>
-              <a:rPr lang="en-US" dirty="0" err="1" smtClean="0"/>
-              <a:t>EmberJS</a:t>
-            </a:r>
-            <a:r>
-              <a:rPr lang="en-US" dirty="0" smtClean="0"/>
-              <a:t>, </a:t>
-            </a:r>
-            <a:r>
-              <a:rPr lang="en-US" dirty="0" err="1" smtClean="0"/>
-              <a:t>etc</a:t>
-            </a:r>
-            <a:r>
-              <a:rPr lang="en-US" dirty="0" smtClean="0"/>
-              <a:t> to consume the REST Service.  Old way in Java was to do HTML rendering on the server side.  Newer way embraces the “JS” families.</a:t>
-            </a:r>
-          </a:p>
-          <a:p>
-            <a:r>
-              <a:rPr lang="en-US" dirty="0" smtClean="0"/>
-              <a:t>Most of the features of Spring are beyond the scope of this course, but Spring Data / Spring IOC are skills that you have at least *touched* on.</a:t>
+              <a:t>hibernate.properties</a:t>
             </a:r>
             <a:endParaRPr lang="en-US" dirty="0"/>
           </a:p>
@@ -7163,7 +7095,7 @@
     </p:spTree>
     <p:extLst>
       <p:ext uri="{BB962C8B-B14F-4D97-AF65-F5344CB8AC3E}">
-        <p14:creationId xmlns:p14="http://schemas.microsoft.com/office/powerpoint/2010/main" val="3725324018"/>
+        <p14:creationId xmlns:p14="http://schemas.microsoft.com/office/powerpoint/2010/main" val="2737400390"/>
       </p:ext>
     </p:extLst>
   </p:cSld>
@@ -7207,7 +7139,7 @@
           <a:p>
             <a:r>
               <a:rPr lang="en-US" dirty="0" smtClean="0"/>
-              <a:t>Homework</a:t>
+              <a:t>Power of Spring</a:t>
             </a:r>
             <a:endParaRPr lang="en-US" dirty="0"/>
           </a:p>
@@ -7215,7 +7147,102 @@
       </p:sp>
       <p:sp>
         <p:nvSpPr>
-          <p:cNvPr id="3" name="Slide Number Placeholder 2"/>
+          <p:cNvPr id="3" name="Content Placeholder 2"/>
+          <p:cNvSpPr>
+            <a:spLocks noGrp="1"/>
+          </p:cNvSpPr>
+          <p:nvPr>
+            <p:ph idx="1"/>
+          </p:nvPr>
+        </p:nvSpPr>
+        <p:spPr/>
+        <p:txBody>
+          <a:bodyPr>
+            <a:normAutofit fontScale="62500" lnSpcReduction="20000"/>
+          </a:bodyPr>
+          <a:lstStyle/>
+          <a:p>
+            <a:r>
+              <a:rPr lang="en-US" dirty="0" smtClean="0"/>
+              <a:t>So unknowingly, you have also tapped in to the power of Spring (we’re using Spring Data for JPA).  We’ve also covered Spring IOC (Inversion Of Control – the annotation magic)</a:t>
+            </a:r>
+          </a:p>
+          <a:p>
+            <a:r>
+              <a:rPr lang="en-US" dirty="0" smtClean="0"/>
+              <a:t>It is a piece of a much larger </a:t>
+            </a:r>
+            <a:r>
+              <a:rPr lang="en-US" dirty="0" err="1" smtClean="0"/>
+              <a:t>soln</a:t>
+            </a:r>
+            <a:r>
+              <a:rPr lang="en-US" dirty="0" smtClean="0"/>
+              <a:t> (beyond the scope of this course).  But if you understand Spring Data, the rest of the features the Spring will be “familiar”</a:t>
+            </a:r>
+          </a:p>
+          <a:p>
+            <a:r>
+              <a:rPr lang="en-US" dirty="0" smtClean="0"/>
+              <a:t>One of the features that Spring Data already uses is Connection Pooling … and then there is Paging (getting the first 10 results of Page1)</a:t>
+            </a:r>
+          </a:p>
+          <a:p>
+            <a:r>
+              <a:rPr lang="en-US" dirty="0" smtClean="0"/>
+              <a:t>Spring is definitely one of the largest frameworks within Java.</a:t>
+            </a:r>
+          </a:p>
+          <a:p>
+            <a:r>
+              <a:rPr lang="en-US" dirty="0" smtClean="0"/>
+              <a:t>One of the buzzes these days is to convert JPA -&gt; REST Services.  And then use </a:t>
+            </a:r>
+            <a:r>
+              <a:rPr lang="en-US" dirty="0" err="1" smtClean="0"/>
+              <a:t>BackboneJS</a:t>
+            </a:r>
+            <a:r>
+              <a:rPr lang="en-US" dirty="0" smtClean="0"/>
+              <a:t>, or </a:t>
+            </a:r>
+            <a:r>
+              <a:rPr lang="en-US" dirty="0" err="1" smtClean="0"/>
+              <a:t>AngularJS</a:t>
+            </a:r>
+            <a:r>
+              <a:rPr lang="en-US" dirty="0" smtClean="0"/>
+              <a:t> or </a:t>
+            </a:r>
+            <a:r>
+              <a:rPr lang="en-US" dirty="0" err="1" smtClean="0"/>
+              <a:t>EmberJS</a:t>
+            </a:r>
+            <a:r>
+              <a:rPr lang="en-US" dirty="0" smtClean="0"/>
+              <a:t>, </a:t>
+            </a:r>
+            <a:r>
+              <a:rPr lang="en-US" dirty="0" err="1" smtClean="0"/>
+              <a:t>etc</a:t>
+            </a:r>
+            <a:r>
+              <a:rPr lang="en-US" dirty="0" smtClean="0"/>
+              <a:t> to consume the REST Service.  Old way in Java was to do HTML rendering on the server side.  Newer way embraces the “JS” families.</a:t>
+            </a:r>
+          </a:p>
+          <a:p>
+            <a:r>
+              <a:rPr lang="en-US" dirty="0" smtClean="0"/>
+              <a:t>Most of the features of Spring are beyond the scope of this course, but Spring Data / Spring IOC are skills that you have at least *touched* on.</a:t>
+            </a:r>
+            <a:endParaRPr lang="en-US" dirty="0"/>
+          </a:p>
+        </p:txBody>
+      </p:sp>
+      <p:sp>
+        <p:nvSpPr>
+          <p:cNvPr id="4" name="Slide Number Placeholder 3"/>
           <p:cNvSpPr>
             <a:spLocks noGrp="1"/>
           </p:cNvSpPr>
@@ -7231,57 +7258,21 @@
             <a:pPr>
               <a:defRPr/>
             </a:pPr>
-            <a:fld id="{B2451C39-31DD-6D4B-9BED-758CF6C1BA6A}" type="slidenum">
-              <a:rPr lang="en-CA" smtClean="0"/>
+            <a:fld id="{8B8B984A-5AFF-7643-AE60-6D8D11294076}" type="slidenum">
+              <a:rPr lang="en-US" smtClean="0"/>
               <a:pPr>
                 <a:defRPr/>
               </a:pPr>
               <a:t>103</a:t>
             </a:fld>
-            <a:endParaRPr lang="en-CA"/>
-          </a:p>
-        </p:txBody>
-      </p:sp>
-      <p:sp>
-        <p:nvSpPr>
-          <p:cNvPr id="4" name="TextBox 3"/>
-          <p:cNvSpPr txBox="1"/>
-          <p:nvPr/>
-        </p:nvSpPr>
-        <p:spPr>
-          <a:xfrm>
-            <a:off x="1676400" y="2286000"/>
-            <a:ext cx="4753224" cy="830997"/>
-          </a:xfrm>
-          <a:prstGeom prst="rect">
-            <a:avLst/>
-          </a:prstGeom>
-          <a:noFill/>
-        </p:spPr>
-        <p:txBody>
-          <a:bodyPr wrap="none" rtlCol="0">
-            <a:spAutoFit/>
-          </a:bodyPr>
-          <a:lstStyle/>
-          <a:p>
-            <a:r>
-              <a:rPr lang="en-US" dirty="0" smtClean="0"/>
-              <a:t>3 guesses on what the work is? ;)</a:t>
-            </a:r>
-          </a:p>
-          <a:p>
-            <a:r>
-              <a:rPr lang="en-US" dirty="0" smtClean="0"/>
-              <a:t>Assignment9</a:t>
-            </a:r>
-            <a:endParaRPr lang="en-US" dirty="0"/>
+            <a:endParaRPr lang="en-US"/>
           </a:p>
         </p:txBody>
       </p:sp>
     </p:spTree>
     <p:extLst>
       <p:ext uri="{BB962C8B-B14F-4D97-AF65-F5344CB8AC3E}">
-        <p14:creationId xmlns:p14="http://schemas.microsoft.com/office/powerpoint/2010/main" val="2352623320"/>
+        <p14:creationId xmlns:p14="http://schemas.microsoft.com/office/powerpoint/2010/main" val="3725324018"/>
       </p:ext>
     </p:extLst>
   </p:cSld>
@@ -7325,7 +7316,7 @@
           <a:p>
             <a:r>
               <a:rPr lang="en-US" dirty="0" smtClean="0"/>
-              <a:t>Network Programming</a:t>
+              <a:t>Homework</a:t>
             </a:r>
             <a:endParaRPr lang="en-US" dirty="0"/>
           </a:p>
@@ -7333,64 +7324,7 @@
       </p:sp>
       <p:sp>
         <p:nvSpPr>
-          <p:cNvPr id="3" name="Content Placeholder 2"/>
-          <p:cNvSpPr>
-            <a:spLocks noGrp="1"/>
-          </p:cNvSpPr>
-          <p:nvPr>
-            <p:ph idx="1"/>
-          </p:nvPr>
-        </p:nvSpPr>
-        <p:spPr/>
-        <p:txBody>
-          <a:bodyPr>
-            <a:normAutofit fontScale="85000" lnSpcReduction="20000"/>
-          </a:bodyPr>
-          <a:lstStyle/>
-          <a:p>
-            <a:r>
-              <a:rPr lang="en-US" dirty="0" smtClean="0"/>
-              <a:t>OK, this is a somewhat filler lecture.  Course outline has a mandate to cover network programming.</a:t>
-            </a:r>
-          </a:p>
-          <a:p>
-            <a:r>
-              <a:rPr lang="en-US" dirty="0" smtClean="0"/>
-              <a:t>The Final exam, final project will have nothing to do with today’s SHORT lecture on Network Programming.</a:t>
-            </a:r>
-          </a:p>
-          <a:p>
-            <a:r>
-              <a:rPr lang="en-US" dirty="0" smtClean="0"/>
-              <a:t>Network Programming … UDP / TCP … very cool.  But realistically, you won’t be using those protocols directly.  In short, if want to do something in low-level, … try not to do it in Java please.</a:t>
-            </a:r>
-          </a:p>
-          <a:p>
-            <a:r>
-              <a:rPr lang="en-US" dirty="0" smtClean="0"/>
-              <a:t>http / https are by far the most common protocols used in Java</a:t>
-            </a:r>
-          </a:p>
-          <a:p>
-            <a:r>
-              <a:rPr lang="en-US" dirty="0" smtClean="0"/>
-              <a:t>See </a:t>
-            </a:r>
-            <a:r>
-              <a:rPr lang="en-US" dirty="0" err="1" smtClean="0"/>
-              <a:t>HttpComponentsDemo</a:t>
-            </a:r>
-            <a:r>
-              <a:rPr lang="en-US" dirty="0" smtClean="0"/>
-              <a:t> (still not very important, so let’s keep this short to cover the NEXT slide)</a:t>
-            </a:r>
-            <a:endParaRPr lang="en-US" dirty="0"/>
-          </a:p>
-        </p:txBody>
-      </p:sp>
-      <p:sp>
-        <p:nvSpPr>
-          <p:cNvPr id="4" name="Slide Number Placeholder 3"/>
+          <p:cNvPr id="3" name="Slide Number Placeholder 2"/>
           <p:cNvSpPr>
             <a:spLocks noGrp="1"/>
           </p:cNvSpPr>
@@ -7406,21 +7340,57 @@
             <a:pPr>
               <a:defRPr/>
             </a:pPr>
-            <a:fld id="{8B8B984A-5AFF-7643-AE60-6D8D11294076}" type="slidenum">
-              <a:rPr lang="en-US" smtClean="0"/>
+            <a:fld id="{B2451C39-31DD-6D4B-9BED-758CF6C1BA6A}" type="slidenum">
+              <a:rPr lang="en-CA" smtClean="0"/>
               <a:pPr>
                 <a:defRPr/>
               </a:pPr>
               <a:t>104</a:t>
             </a:fld>
-            <a:endParaRPr lang="en-US"/>
+            <a:endParaRPr lang="en-CA"/>
+          </a:p>
+        </p:txBody>
+      </p:sp>
+      <p:sp>
+        <p:nvSpPr>
+          <p:cNvPr id="4" name="TextBox 3"/>
+          <p:cNvSpPr txBox="1"/>
+          <p:nvPr/>
+        </p:nvSpPr>
+        <p:spPr>
+          <a:xfrm>
+            <a:off x="1676400" y="2286000"/>
+            <a:ext cx="4753224" cy="830997"/>
+          </a:xfrm>
+          <a:prstGeom prst="rect">
+            <a:avLst/>
+          </a:prstGeom>
+          <a:noFill/>
+        </p:spPr>
+        <p:txBody>
+          <a:bodyPr wrap="none" rtlCol="0">
+            <a:spAutoFit/>
+          </a:bodyPr>
+          <a:lstStyle/>
+          <a:p>
+            <a:r>
+              <a:rPr lang="en-US" dirty="0" smtClean="0"/>
+              <a:t>3 guesses on what the work is? ;)</a:t>
+            </a:r>
+          </a:p>
+          <a:p>
+            <a:r>
+              <a:rPr lang="en-US" dirty="0" smtClean="0"/>
+              <a:t>Assignment9</a:t>
+            </a:r>
+            <a:endParaRPr lang="en-US" dirty="0"/>
           </a:p>
         </p:txBody>
       </p:sp>
     </p:spTree>
     <p:extLst>
       <p:ext uri="{BB962C8B-B14F-4D97-AF65-F5344CB8AC3E}">
-        <p14:creationId xmlns:p14="http://schemas.microsoft.com/office/powerpoint/2010/main" val="498203968"/>
+        <p14:creationId xmlns:p14="http://schemas.microsoft.com/office/powerpoint/2010/main" val="2352623320"/>
       </p:ext>
     </p:extLst>
   </p:cSld>
@@ -7464,7 +7434,7 @@
           <a:p>
             <a:r>
               <a:rPr lang="en-US" dirty="0" smtClean="0"/>
-              <a:t>What now?</a:t>
+              <a:t>Network Programming</a:t>
             </a:r>
             <a:endParaRPr lang="en-US" dirty="0"/>
           </a:p>
@@ -7483,67 +7453,45 @@
         <p:spPr/>
         <p:txBody>
           <a:bodyPr>
-            <a:normAutofit fontScale="70000" lnSpcReduction="20000"/>
+            <a:normAutofit fontScale="85000" lnSpcReduction="20000"/>
           </a:bodyPr>
           <a:lstStyle/>
           <a:p>
             <a:r>
               <a:rPr lang="en-US" dirty="0" smtClean="0"/>
-              <a:t>Not going to lie, the previous class was pretty *tough*.  There’s the technical code part, the *magic of annotations* and just the new train of thought with Java ORM</a:t>
-            </a:r>
-          </a:p>
-          <a:p>
-            <a:r>
-              <a:rPr lang="en-US" dirty="0" smtClean="0"/>
-              <a:t>Show of hands … how many people were </a:t>
-            </a:r>
-          </a:p>
-          <a:p>
-            <a:pPr marL="912114" lvl="1" indent="-514350">
-              <a:buFont typeface="+mj-lt"/>
-              <a:buAutoNum type="arabicPeriod"/>
-            </a:pPr>
-            <a:r>
-              <a:rPr lang="en-US" dirty="0" smtClean="0"/>
-              <a:t>Very confused about Database ORM</a:t>
-            </a:r>
-          </a:p>
-          <a:p>
-            <a:pPr marL="912114" lvl="1" indent="-514350">
-              <a:buFont typeface="+mj-lt"/>
-              <a:buAutoNum type="arabicPeriod"/>
-            </a:pPr>
-            <a:r>
-              <a:rPr lang="en-US" dirty="0" smtClean="0"/>
-              <a:t>Semi-confused</a:t>
-            </a:r>
-          </a:p>
-          <a:p>
-            <a:pPr marL="912114" lvl="1" indent="-514350">
-              <a:buFont typeface="+mj-lt"/>
-              <a:buAutoNum type="arabicPeriod"/>
-            </a:pPr>
-            <a:r>
-              <a:rPr lang="en-US" dirty="0" smtClean="0"/>
-              <a:t>Heck – easy stuff</a:t>
-            </a:r>
-          </a:p>
-          <a:p>
-            <a:r>
-              <a:rPr lang="en-US" dirty="0" smtClean="0"/>
-              <a:t>Also the lecture about Databases is by FAR one of the most important lectures.  Without databases, you will have NO Web Service, no Web app.  The concepts of DB alone is a course by itself.</a:t>
-            </a:r>
-          </a:p>
-          <a:p>
-            <a:r>
-              <a:rPr lang="en-US" dirty="0" smtClean="0"/>
-              <a:t>If no other questions, I’m going to repeat the last class again (and possibly again in the next class if I see a lot of blank faces)</a:t>
-            </a:r>
-          </a:p>
-          <a:p>
-            <a:r>
-              <a:rPr lang="en-US" dirty="0" smtClean="0"/>
-              <a:t>If you understand ORM inside out, feel free to work on your assignment or take off early</a:t>
+              <a:t>OK, this is a somewhat filler lecture.  Course outline has a mandate to cover network programming.</a:t>
+            </a:r>
+          </a:p>
+          <a:p>
+            <a:r>
+              <a:rPr lang="en-US" dirty="0" smtClean="0"/>
+              <a:t>The Final exam, final project will have nothing to do with today’s SHORT lecture on Network Programming.</a:t>
+            </a:r>
+          </a:p>
+          <a:p>
+            <a:r>
+              <a:rPr lang="en-US" dirty="0" smtClean="0"/>
+              <a:t>Network Programming … UDP / TCP … very cool.  But realistically, you won’t be using those protocols directly.  In short, if want to do something in low-level, … try not to do it in Java please.</a:t>
+            </a:r>
+          </a:p>
+          <a:p>
+            <a:r>
+              <a:rPr lang="en-US" dirty="0" smtClean="0"/>
+              <a:t>http / https are by far the most common protocols used in Java</a:t>
+            </a:r>
+          </a:p>
+          <a:p>
+            <a:r>
+              <a:rPr lang="en-US" dirty="0" smtClean="0"/>
+              <a:t>See </a:t>
+            </a:r>
+            <a:r>
+              <a:rPr lang="en-US" dirty="0" err="1" smtClean="0"/>
+              <a:t>HttpComponentsDemo</a:t>
+            </a:r>
+            <a:r>
+              <a:rPr lang="en-US" dirty="0" smtClean="0"/>
+              <a:t> (still not very important, so let’s keep this short to cover the NEXT slide)</a:t>
             </a:r>
             <a:endParaRPr lang="en-US" dirty="0"/>
           </a:p>
@@ -7581,7 +7529,7 @@
     </p:spTree>
     <p:extLst>
       <p:ext uri="{BB962C8B-B14F-4D97-AF65-F5344CB8AC3E}">
-        <p14:creationId xmlns:p14="http://schemas.microsoft.com/office/powerpoint/2010/main" val="3611507398"/>
+        <p14:creationId xmlns:p14="http://schemas.microsoft.com/office/powerpoint/2010/main" val="498203968"/>
       </p:ext>
     </p:extLst>
   </p:cSld>
@@ -7625,7 +7573,7 @@
           <a:p>
             <a:r>
               <a:rPr lang="en-US" dirty="0" smtClean="0"/>
-              <a:t>Homework</a:t>
+              <a:t>What now?</a:t>
             </a:r>
             <a:endParaRPr lang="en-US" dirty="0"/>
           </a:p>
@@ -7633,7 +7581,86 @@
       </p:sp>
       <p:sp>
         <p:nvSpPr>
-          <p:cNvPr id="3" name="Slide Number Placeholder 2"/>
+          <p:cNvPr id="3" name="Content Placeholder 2"/>
+          <p:cNvSpPr>
+            <a:spLocks noGrp="1"/>
+          </p:cNvSpPr>
+          <p:nvPr>
+            <p:ph idx="1"/>
+          </p:nvPr>
+        </p:nvSpPr>
+        <p:spPr/>
+        <p:txBody>
+          <a:bodyPr>
+            <a:normAutofit fontScale="70000" lnSpcReduction="20000"/>
+          </a:bodyPr>
+          <a:lstStyle/>
+          <a:p>
+            <a:r>
+              <a:rPr lang="en-US" dirty="0" smtClean="0"/>
+              <a:t>Not going to lie, the previous class was pretty *tough*.  There’s the technical code part, the *magic of annotations* and just the new train of thought with Java ORM</a:t>
+            </a:r>
+          </a:p>
+          <a:p>
+            <a:r>
+              <a:rPr lang="en-US" dirty="0" smtClean="0"/>
+              <a:t>Show of hands … how many people were </a:t>
+            </a:r>
+          </a:p>
+          <a:p>
+            <a:pPr marL="912114" lvl="1" indent="-514350">
+              <a:buFont typeface="+mj-lt"/>
+              <a:buAutoNum type="arabicPeriod"/>
+            </a:pPr>
+            <a:r>
+              <a:rPr lang="en-US" dirty="0" smtClean="0"/>
+              <a:t>Very confused about Database ORM</a:t>
+            </a:r>
+          </a:p>
+          <a:p>
+            <a:pPr marL="912114" lvl="1" indent="-514350">
+              <a:buFont typeface="+mj-lt"/>
+              <a:buAutoNum type="arabicPeriod"/>
+            </a:pPr>
+            <a:r>
+              <a:rPr lang="en-US" dirty="0" smtClean="0"/>
+              <a:t>Semi-confused</a:t>
+            </a:r>
+          </a:p>
+          <a:p>
+            <a:pPr marL="912114" lvl="1" indent="-514350">
+              <a:buFont typeface="+mj-lt"/>
+              <a:buAutoNum type="arabicPeriod"/>
+            </a:pPr>
+            <a:r>
+              <a:rPr lang="en-US" dirty="0" smtClean="0"/>
+              <a:t>Heck – easy stuff</a:t>
+            </a:r>
+          </a:p>
+          <a:p>
+            <a:r>
+              <a:rPr lang="en-US" dirty="0" smtClean="0"/>
+              <a:t>Also the lecture about Databases is by FAR one of the most important lectures.  Without databases, you will have NO Web Service, no Web app.  The concepts of DB alone is a course by itself.</a:t>
+            </a:r>
+          </a:p>
+          <a:p>
+            <a:r>
+              <a:rPr lang="en-US" dirty="0" smtClean="0"/>
+              <a:t>If no other questions, I’m going to repeat the last class again (and possibly again in the next class if I see a lot of blank faces)</a:t>
+            </a:r>
+          </a:p>
+          <a:p>
+            <a:r>
+              <a:rPr lang="en-US" dirty="0" smtClean="0"/>
+              <a:t>If you understand ORM inside out, feel free to work on your assignment or take off early</a:t>
+            </a:r>
+            <a:endParaRPr lang="en-US" dirty="0"/>
+          </a:p>
+        </p:txBody>
+      </p:sp>
+      <p:sp>
+        <p:nvSpPr>
+          <p:cNvPr id="4" name="Slide Number Placeholder 3"/>
           <p:cNvSpPr>
             <a:spLocks noGrp="1"/>
           </p:cNvSpPr>
@@ -7649,51 +7676,21 @@
             <a:pPr>
               <a:defRPr/>
             </a:pPr>
-            <a:fld id="{B2451C39-31DD-6D4B-9BED-758CF6C1BA6A}" type="slidenum">
-              <a:rPr lang="en-CA" smtClean="0"/>
+            <a:fld id="{8B8B984A-5AFF-7643-AE60-6D8D11294076}" type="slidenum">
+              <a:rPr lang="en-US" smtClean="0"/>
               <a:pPr>
                 <a:defRPr/>
               </a:pPr>
               <a:t>106</a:t>
             </a:fld>
-            <a:endParaRPr lang="en-CA"/>
-          </a:p>
-        </p:txBody>
-      </p:sp>
-      <p:sp>
-        <p:nvSpPr>
-          <p:cNvPr id="4" name="TextBox 3"/>
-          <p:cNvSpPr txBox="1"/>
-          <p:nvPr/>
-        </p:nvSpPr>
-        <p:spPr>
-          <a:xfrm>
-            <a:off x="1371600" y="2209800"/>
-            <a:ext cx="2222083" cy="461665"/>
-          </a:xfrm>
-          <a:prstGeom prst="rect">
-            <a:avLst/>
-          </a:prstGeom>
-          <a:noFill/>
-        </p:spPr>
-        <p:txBody>
-          <a:bodyPr wrap="none" rtlCol="0">
-            <a:spAutoFit/>
-          </a:bodyPr>
-          <a:lstStyle/>
-          <a:p>
-            <a:r>
-              <a:rPr lang="en-US" dirty="0" smtClean="0"/>
-              <a:t>Assignment 10</a:t>
-            </a:r>
-            <a:endParaRPr lang="en-US" dirty="0"/>
+            <a:endParaRPr lang="en-US"/>
           </a:p>
         </p:txBody>
       </p:sp>
     </p:spTree>
     <p:extLst>
       <p:ext uri="{BB962C8B-B14F-4D97-AF65-F5344CB8AC3E}">
-        <p14:creationId xmlns:p14="http://schemas.microsoft.com/office/powerpoint/2010/main" val="2217852683"/>
+        <p14:creationId xmlns:p14="http://schemas.microsoft.com/office/powerpoint/2010/main" val="3611507398"/>
       </p:ext>
     </p:extLst>
   </p:cSld>
@@ -7737,7 +7734,7 @@
           <a:p>
             <a:r>
               <a:rPr lang="en-US" dirty="0" smtClean="0"/>
-              <a:t>MVC (Model-View-Controller)</a:t>
+              <a:t>Homework</a:t>
             </a:r>
             <a:endParaRPr lang="en-US" dirty="0"/>
           </a:p>
@@ -7745,95 +7742,7 @@
       </p:sp>
       <p:sp>
         <p:nvSpPr>
-          <p:cNvPr id="3" name="Content Placeholder 2"/>
-          <p:cNvSpPr>
-            <a:spLocks noGrp="1"/>
-          </p:cNvSpPr>
-          <p:nvPr>
-            <p:ph idx="1"/>
-          </p:nvPr>
-        </p:nvSpPr>
-        <p:spPr/>
-        <p:txBody>
-          <a:bodyPr>
-            <a:normAutofit fontScale="77500" lnSpcReduction="20000"/>
-          </a:bodyPr>
-          <a:lstStyle/>
-          <a:p>
-            <a:r>
-              <a:rPr lang="en-US" dirty="0" smtClean="0"/>
-              <a:t>You already used it with </a:t>
-            </a:r>
-            <a:r>
-              <a:rPr lang="en-US" dirty="0" err="1" smtClean="0"/>
-              <a:t>JavaFx</a:t>
-            </a:r>
-            <a:r>
-              <a:rPr lang="en-US" dirty="0" smtClean="0"/>
-              <a:t> / FXML</a:t>
-            </a:r>
-          </a:p>
-          <a:p>
-            <a:r>
-              <a:rPr lang="en-US" dirty="0" smtClean="0"/>
-              <a:t>Which was the Model?</a:t>
-            </a:r>
-          </a:p>
-          <a:p>
-            <a:r>
-              <a:rPr lang="en-US" dirty="0" smtClean="0"/>
-              <a:t>View?</a:t>
-            </a:r>
-          </a:p>
-          <a:p>
-            <a:r>
-              <a:rPr lang="en-US" dirty="0" smtClean="0"/>
-              <a:t>Controller?</a:t>
-            </a:r>
-          </a:p>
-          <a:p>
-            <a:r>
-              <a:rPr lang="en-US" dirty="0" smtClean="0"/>
-              <a:t>Admittedly, MVC (a somewhat 2000’ish design pattern) isn’t always the best design pattern, but very commonly used.  Pretty good, but not always the best.</a:t>
-            </a:r>
-          </a:p>
-          <a:p>
-            <a:r>
-              <a:rPr lang="en-US" dirty="0" smtClean="0"/>
-              <a:t>Lots of other ones out there like MVP, MVVM, and now there’s a category called MVW – whatever!</a:t>
-            </a:r>
-          </a:p>
-          <a:p>
-            <a:r>
-              <a:rPr lang="en-US" dirty="0" smtClean="0"/>
-              <a:t>Questions?  If not, go back to your Assignment!</a:t>
-            </a:r>
-          </a:p>
-          <a:p>
-            <a:r>
-              <a:rPr lang="en-US" dirty="0" smtClean="0"/>
-              <a:t>I’ll be here to answer questions for the rest of this lecture.</a:t>
-            </a:r>
-          </a:p>
-          <a:p>
-            <a:r>
-              <a:rPr lang="en-US" dirty="0" smtClean="0"/>
-              <a:t>Advice: Check out your neighbor’s application.  </a:t>
-            </a:r>
-            <a:r>
-              <a:rPr lang="en-US" smtClean="0"/>
-              <a:t>Strongly encouraged.</a:t>
-            </a:r>
-            <a:endParaRPr lang="en-US" dirty="0" smtClean="0"/>
-          </a:p>
-          <a:p>
-            <a:endParaRPr lang="en-US" dirty="0"/>
-          </a:p>
-        </p:txBody>
-      </p:sp>
-      <p:sp>
-        <p:nvSpPr>
-          <p:cNvPr id="4" name="Slide Number Placeholder 3"/>
+          <p:cNvPr id="3" name="Slide Number Placeholder 2"/>
           <p:cNvSpPr>
             <a:spLocks noGrp="1"/>
           </p:cNvSpPr>
@@ -7849,21 +7758,51 @@
             <a:pPr>
               <a:defRPr/>
             </a:pPr>
-            <a:fld id="{8B8B984A-5AFF-7643-AE60-6D8D11294076}" type="slidenum">
-              <a:rPr lang="en-US" smtClean="0"/>
+            <a:fld id="{B2451C39-31DD-6D4B-9BED-758CF6C1BA6A}" type="slidenum">
+              <a:rPr lang="en-CA" smtClean="0"/>
               <a:pPr>
                 <a:defRPr/>
               </a:pPr>
               <a:t>107</a:t>
             </a:fld>
-            <a:endParaRPr lang="en-US"/>
+            <a:endParaRPr lang="en-CA"/>
+          </a:p>
+        </p:txBody>
+      </p:sp>
+      <p:sp>
+        <p:nvSpPr>
+          <p:cNvPr id="4" name="TextBox 3"/>
+          <p:cNvSpPr txBox="1"/>
+          <p:nvPr/>
+        </p:nvSpPr>
+        <p:spPr>
+          <a:xfrm>
+            <a:off x="1371600" y="2209800"/>
+            <a:ext cx="2222083" cy="461665"/>
+          </a:xfrm>
+          <a:prstGeom prst="rect">
+            <a:avLst/>
+          </a:prstGeom>
+          <a:noFill/>
+        </p:spPr>
+        <p:txBody>
+          <a:bodyPr wrap="none" rtlCol="0">
+            <a:spAutoFit/>
+          </a:bodyPr>
+          <a:lstStyle/>
+          <a:p>
+            <a:r>
+              <a:rPr lang="en-US" dirty="0" smtClean="0"/>
+              <a:t>Assignment 10</a:t>
+            </a:r>
+            <a:endParaRPr lang="en-US" dirty="0"/>
           </a:p>
         </p:txBody>
       </p:sp>
     </p:spTree>
     <p:extLst>
       <p:ext uri="{BB962C8B-B14F-4D97-AF65-F5344CB8AC3E}">
-        <p14:creationId xmlns:p14="http://schemas.microsoft.com/office/powerpoint/2010/main" val="3238898663"/>
+        <p14:creationId xmlns:p14="http://schemas.microsoft.com/office/powerpoint/2010/main" val="2217852683"/>
       </p:ext>
     </p:extLst>
   </p:cSld>
@@ -7907,7 +7846,7 @@
           <a:p>
             <a:r>
               <a:rPr lang="en-US" dirty="0" smtClean="0"/>
-              <a:t>There’s a tool (library) for that</a:t>
+              <a:t>MVC (Model-View-Controller)</a:t>
             </a:r>
             <a:endParaRPr lang="en-US" dirty="0"/>
           </a:p>
@@ -7925,105 +7864,78 @@
         </p:nvSpPr>
         <p:spPr/>
         <p:txBody>
-          <a:bodyPr/>
-          <a:lstStyle/>
-          <a:p>
-            <a:r>
-              <a:rPr lang="en-US" dirty="0"/>
-              <a:t>&lt;dependency&gt;</a:t>
-            </a:r>
-          </a:p>
-          <a:p>
-            <a:r>
-              <a:rPr lang="en-US" dirty="0"/>
-              <a:t>	&lt;</a:t>
-            </a:r>
-            <a:r>
-              <a:rPr lang="en-US" dirty="0" err="1"/>
-              <a:t>groupId</a:t>
-            </a:r>
-            <a:r>
-              <a:rPr lang="en-US" dirty="0"/>
-              <a:t>&gt;</a:t>
-            </a:r>
-            <a:r>
-              <a:rPr lang="en-US" dirty="0" err="1"/>
-              <a:t>org.apache.httpcomponents</a:t>
-            </a:r>
-            <a:r>
-              <a:rPr lang="en-US" dirty="0"/>
-              <a:t>&lt;/</a:t>
-            </a:r>
-            <a:r>
-              <a:rPr lang="en-US" dirty="0" err="1"/>
-              <a:t>groupId</a:t>
-            </a:r>
-            <a:r>
-              <a:rPr lang="en-US" dirty="0"/>
-              <a:t>&gt;</a:t>
-            </a:r>
-          </a:p>
-          <a:p>
-            <a:r>
-              <a:rPr lang="en-US" dirty="0"/>
-              <a:t>	&lt;</a:t>
-            </a:r>
-            <a:r>
-              <a:rPr lang="en-US" dirty="0" err="1"/>
-              <a:t>artifactId</a:t>
-            </a:r>
-            <a:r>
-              <a:rPr lang="en-US" dirty="0"/>
-              <a:t>&gt;</a:t>
-            </a:r>
-            <a:r>
-              <a:rPr lang="en-US" dirty="0" err="1"/>
-              <a:t>httpclient</a:t>
-            </a:r>
-            <a:r>
-              <a:rPr lang="en-US" dirty="0"/>
-              <a:t>&lt;/</a:t>
-            </a:r>
-            <a:r>
-              <a:rPr lang="en-US" dirty="0" err="1"/>
-              <a:t>artifactId</a:t>
-            </a:r>
-            <a:r>
-              <a:rPr lang="en-US" dirty="0"/>
-              <a:t>&gt;</a:t>
-            </a:r>
-          </a:p>
-          <a:p>
-            <a:r>
-              <a:rPr lang="en-US" dirty="0"/>
-              <a:t>	&lt;version&gt;4.3.3&lt;/version&gt;</a:t>
-            </a:r>
-          </a:p>
-          <a:p>
-            <a:r>
-              <a:rPr lang="en-US" dirty="0"/>
-              <a:t>&lt;/dependency&gt;</a:t>
-            </a:r>
-          </a:p>
-          <a:p>
-            <a:r>
-              <a:rPr lang="en-US" dirty="0"/>
-              <a:t> </a:t>
-            </a:r>
-          </a:p>
-          <a:p>
-            <a:r>
-              <a:rPr lang="en-US" dirty="0"/>
-              <a:t> </a:t>
-            </a:r>
-            <a:r>
-              <a:rPr lang="en-US" dirty="0" smtClean="0"/>
-              <a:t>See </a:t>
+          <a:bodyPr>
+            <a:normAutofit fontScale="77500" lnSpcReduction="20000"/>
+          </a:bodyPr>
+          <a:lstStyle/>
+          <a:p>
+            <a:r>
+              <a:rPr lang="en-US" dirty="0" smtClean="0"/>
+              <a:t>You already used it with </a:t>
             </a:r>
             <a:r>
               <a:rPr lang="en-US" dirty="0" err="1" smtClean="0"/>
-              <a:t>HttpComponentsDemo</a:t>
-            </a:r>
+              <a:t>JavaFx</a:t>
+            </a:r>
+            <a:r>
+              <a:rPr lang="en-US" dirty="0" smtClean="0"/>
+              <a:t> / FXML</a:t>
+            </a:r>
+          </a:p>
+          <a:p>
+            <a:r>
+              <a:rPr lang="en-US" dirty="0" smtClean="0"/>
+              <a:t>Which was the Model?</a:t>
+            </a:r>
+          </a:p>
+          <a:p>
+            <a:r>
+              <a:rPr lang="en-US" dirty="0" smtClean="0"/>
+              <a:t>View?</a:t>
+            </a:r>
+          </a:p>
+          <a:p>
+            <a:r>
+              <a:rPr lang="en-US" dirty="0" smtClean="0"/>
+              <a:t>Controller?</a:t>
+            </a:r>
+          </a:p>
+          <a:p>
+            <a:r>
+              <a:rPr lang="en-US" dirty="0" smtClean="0"/>
+              <a:t>Admittedly, MVC (a somewhat 2000’ish design pattern) isn’t always the best design pattern, but very commonly used.  Pretty good, but not always the best.</a:t>
+            </a:r>
+          </a:p>
+          <a:p>
+            <a:r>
+              <a:rPr lang="en-US" dirty="0" smtClean="0"/>
+              <a:t>Lots of other ones out there like MVP, MVVM, and now there’s a category called MVW – whatever!</a:t>
+            </a:r>
+          </a:p>
+          <a:p>
+            <a:r>
+              <a:rPr lang="en-US" dirty="0" smtClean="0"/>
+              <a:t>Questions?  If not, go back to your Assignment!</a:t>
+            </a:r>
+          </a:p>
+          <a:p>
+            <a:r>
+              <a:rPr lang="en-US" dirty="0" smtClean="0"/>
+              <a:t>I’ll be here to answer questions for the rest of this lecture.</a:t>
+            </a:r>
+          </a:p>
+          <a:p>
+            <a:r>
+              <a:rPr lang="en-US" dirty="0" smtClean="0"/>
+              <a:t>Advice: Check out your neighbor’s application.  </a:t>
+            </a:r>
+            <a:r>
+              <a:rPr lang="en-US" smtClean="0"/>
+              <a:t>Strongly encouraged.</a:t>
+            </a:r>
+            <a:endParaRPr lang="en-US" dirty="0" smtClean="0"/>
+          </a:p>
+          <a:p>
             <a:endParaRPr lang="en-US" dirty="0"/>
           </a:p>
         </p:txBody>
@@ -8060,7 +7972,7 @@
     </p:spTree>
     <p:extLst>
       <p:ext uri="{BB962C8B-B14F-4D97-AF65-F5344CB8AC3E}">
-        <p14:creationId xmlns:p14="http://schemas.microsoft.com/office/powerpoint/2010/main" val="664585395"/>
+        <p14:creationId xmlns:p14="http://schemas.microsoft.com/office/powerpoint/2010/main" val="3238898663"/>
       </p:ext>
     </p:extLst>
   </p:cSld>
@@ -8104,7 +8016,7 @@
           <a:p>
             <a:r>
               <a:rPr lang="en-US" dirty="0" smtClean="0"/>
-              <a:t>Homework</a:t>
+              <a:t>There’s a tool (library) for that</a:t>
             </a:r>
             <a:endParaRPr lang="en-US" dirty="0"/>
           </a:p>
@@ -8112,7 +8024,122 @@
       </p:sp>
       <p:sp>
         <p:nvSpPr>
-          <p:cNvPr id="3" name="Slide Number Placeholder 2"/>
+          <p:cNvPr id="3" name="Content Placeholder 2"/>
+          <p:cNvSpPr>
+            <a:spLocks noGrp="1"/>
+          </p:cNvSpPr>
+          <p:nvPr>
+            <p:ph idx="1"/>
+          </p:nvPr>
+        </p:nvSpPr>
+        <p:spPr/>
+        <p:txBody>
+          <a:bodyPr/>
+          <a:lstStyle/>
+          <a:p>
+            <a:r>
+              <a:rPr lang="en-US" dirty="0"/>
+              <a:t>&lt;dependency&gt;</a:t>
+            </a:r>
+          </a:p>
+          <a:p>
+            <a:r>
+              <a:rPr lang="en-US" dirty="0"/>
+              <a:t>	&lt;</a:t>
+            </a:r>
+            <a:r>
+              <a:rPr lang="en-US" dirty="0" err="1"/>
+              <a:t>groupId</a:t>
+            </a:r>
+            <a:r>
+              <a:rPr lang="en-US" dirty="0"/>
+              <a:t>&gt;</a:t>
+            </a:r>
+            <a:r>
+              <a:rPr lang="en-US" dirty="0" err="1"/>
+              <a:t>org.apache.httpcomponents</a:t>
+            </a:r>
+            <a:r>
+              <a:rPr lang="en-US" dirty="0"/>
+              <a:t>&lt;/</a:t>
+            </a:r>
+            <a:r>
+              <a:rPr lang="en-US" dirty="0" err="1"/>
+              <a:t>groupId</a:t>
+            </a:r>
+            <a:r>
+              <a:rPr lang="en-US" dirty="0"/>
+              <a:t>&gt;</a:t>
+            </a:r>
+          </a:p>
+          <a:p>
+            <a:r>
+              <a:rPr lang="en-US" dirty="0"/>
+              <a:t>	&lt;</a:t>
+            </a:r>
+            <a:r>
+              <a:rPr lang="en-US" dirty="0" err="1"/>
+              <a:t>artifactId</a:t>
+            </a:r>
+            <a:r>
+              <a:rPr lang="en-US" dirty="0"/>
+              <a:t>&gt;</a:t>
+            </a:r>
+            <a:r>
+              <a:rPr lang="en-US" dirty="0" err="1"/>
+              <a:t>httpclient</a:t>
+            </a:r>
+            <a:r>
+              <a:rPr lang="en-US" dirty="0"/>
+              <a:t>&lt;/</a:t>
+            </a:r>
+            <a:r>
+              <a:rPr lang="en-US" dirty="0" err="1"/>
+              <a:t>artifactId</a:t>
+            </a:r>
+            <a:r>
+              <a:rPr lang="en-US" dirty="0"/>
+              <a:t>&gt;</a:t>
+            </a:r>
+          </a:p>
+          <a:p>
+            <a:r>
+              <a:rPr lang="en-US" dirty="0"/>
+              <a:t>	&lt;version&gt;4.3.3&lt;/version&gt;</a:t>
+            </a:r>
+          </a:p>
+          <a:p>
+            <a:r>
+              <a:rPr lang="en-US" dirty="0"/>
+              <a:t>&lt;/dependency&gt;</a:t>
+            </a:r>
+          </a:p>
+          <a:p>
+            <a:r>
+              <a:rPr lang="en-US" dirty="0"/>
+              <a:t> </a:t>
+            </a:r>
+          </a:p>
+          <a:p>
+            <a:r>
+              <a:rPr lang="en-US" dirty="0"/>
+              <a:t> </a:t>
+            </a:r>
+            <a:r>
+              <a:rPr lang="en-US" dirty="0" smtClean="0"/>
+              <a:t>See </a:t>
+            </a:r>
+            <a:r>
+              <a:rPr lang="en-US" dirty="0" err="1" smtClean="0"/>
+              <a:t>HttpComponentsDemo</a:t>
+            </a:r>
+            <a:endParaRPr lang="en-US" dirty="0"/>
+          </a:p>
+        </p:txBody>
+      </p:sp>
+      <p:sp>
+        <p:nvSpPr>
+          <p:cNvPr id="4" name="Slide Number Placeholder 3"/>
           <p:cNvSpPr>
             <a:spLocks noGrp="1"/>
           </p:cNvSpPr>
@@ -8128,74 +8155,21 @@
             <a:pPr>
               <a:defRPr/>
             </a:pPr>
-            <a:fld id="{B2451C39-31DD-6D4B-9BED-758CF6C1BA6A}" type="slidenum">
-              <a:rPr lang="en-CA" smtClean="0"/>
+            <a:fld id="{8B8B984A-5AFF-7643-AE60-6D8D11294076}" type="slidenum">
+              <a:rPr lang="en-US" smtClean="0"/>
               <a:pPr>
                 <a:defRPr/>
               </a:pPr>
               <a:t>109</a:t>
             </a:fld>
-            <a:endParaRPr lang="en-CA"/>
-          </a:p>
-        </p:txBody>
-      </p:sp>
-      <p:sp>
-        <p:nvSpPr>
-          <p:cNvPr id="4" name="TextBox 3"/>
-          <p:cNvSpPr txBox="1"/>
-          <p:nvPr/>
-        </p:nvSpPr>
-        <p:spPr>
-          <a:xfrm>
-            <a:off x="1828800" y="1752600"/>
-            <a:ext cx="6296917" cy="1938992"/>
-          </a:xfrm>
-          <a:prstGeom prst="rect">
-            <a:avLst/>
-          </a:prstGeom>
-          <a:noFill/>
-        </p:spPr>
-        <p:txBody>
-          <a:bodyPr wrap="none" rtlCol="0">
-            <a:spAutoFit/>
-          </a:bodyPr>
-          <a:lstStyle/>
-          <a:p>
-            <a:r>
-              <a:rPr lang="en-US" dirty="0" smtClean="0"/>
-              <a:t>You guessed it Assignment11</a:t>
-            </a:r>
-          </a:p>
-          <a:p>
-            <a:r>
-              <a:rPr lang="en-US" dirty="0" smtClean="0"/>
-              <a:t>Hint for Final</a:t>
-            </a:r>
-          </a:p>
-          <a:p>
-            <a:r>
-              <a:rPr lang="en-US" dirty="0" smtClean="0"/>
-              <a:t>What can go wrong with your application</a:t>
-            </a:r>
-          </a:p>
-          <a:p>
-            <a:r>
-              <a:rPr lang="en-US" dirty="0" smtClean="0"/>
-              <a:t>When you demo it?  How should you handle,</a:t>
-            </a:r>
-          </a:p>
-          <a:p>
-            <a:r>
-              <a:rPr lang="en-US" dirty="0" smtClean="0"/>
-              <a:t>Fallback on what?</a:t>
-            </a:r>
+            <a:endParaRPr lang="en-US"/>
           </a:p>
         </p:txBody>
       </p:sp>
     </p:spTree>
     <p:extLst>
       <p:ext uri="{BB962C8B-B14F-4D97-AF65-F5344CB8AC3E}">
-        <p14:creationId xmlns:p14="http://schemas.microsoft.com/office/powerpoint/2010/main" val="3669441049"/>
+        <p14:creationId xmlns:p14="http://schemas.microsoft.com/office/powerpoint/2010/main" val="664585395"/>
       </p:ext>
     </p:extLst>
   </p:cSld>
@@ -8480,7 +8454,7 @@
           <a:p>
             <a:r>
               <a:rPr lang="en-US" dirty="0" smtClean="0"/>
-              <a:t>Food for thought…</a:t>
+              <a:t>Homework</a:t>
             </a:r>
             <a:endParaRPr lang="en-US" dirty="0"/>
           </a:p>
@@ -8523,8 +8497,8 @@
         </p:nvSpPr>
         <p:spPr>
           <a:xfrm>
-            <a:off x="1371600" y="1828800"/>
-            <a:ext cx="4831772" cy="1938992"/>
+            <a:off x="1828800" y="1752600"/>
+            <a:ext cx="6296917" cy="1938992"/>
           </a:xfrm>
           <a:prstGeom prst="rect">
             <a:avLst/>
@@ -8537,62 +8511,41 @@
           </a:bodyPr>
           <a:lstStyle/>
           <a:p>
-            <a:pPr marL="342900" indent="-342900">
-              <a:buFont typeface="Arial" pitchFamily="34" charset="0"/>
-              <a:buChar char="•"/>
-            </a:pPr>
-            <a:r>
-              <a:rPr lang="en-US" dirty="0" smtClean="0"/>
-              <a:t>Maybe after this course …</a:t>
-            </a:r>
-          </a:p>
-          <a:p>
-            <a:pPr marL="342900" indent="-342900">
-              <a:buFont typeface="Arial" pitchFamily="34" charset="0"/>
-              <a:buChar char="•"/>
-            </a:pPr>
-            <a:r>
-              <a:rPr lang="en-US" dirty="0" smtClean="0"/>
-              <a:t>I REALLY hate Java…</a:t>
-            </a:r>
-          </a:p>
-          <a:p>
-            <a:pPr marL="342900" indent="-342900">
-              <a:buFont typeface="Arial" pitchFamily="34" charset="0"/>
-              <a:buChar char="•"/>
-            </a:pPr>
-            <a:r>
-              <a:rPr lang="en-US" dirty="0" smtClean="0"/>
-              <a:t>Or I REALLY love it</a:t>
-            </a:r>
-          </a:p>
-          <a:p>
-            <a:pPr marL="342900" indent="-342900">
-              <a:buFont typeface="Arial" pitchFamily="34" charset="0"/>
-              <a:buChar char="•"/>
-            </a:pPr>
-            <a:r>
-              <a:rPr lang="en-US" dirty="0" smtClean="0"/>
-              <a:t>But was that all you learned?</a:t>
-            </a:r>
-          </a:p>
-          <a:p>
-            <a:pPr marL="342900" indent="-342900">
-              <a:buFont typeface="Arial" pitchFamily="34" charset="0"/>
-              <a:buChar char="•"/>
-            </a:pPr>
-            <a:r>
-              <a:rPr lang="en-US" dirty="0" smtClean="0"/>
-              <a:t>I had a hidden agenda all along</a:t>
-            </a:r>
-            <a:endParaRPr lang="en-US" dirty="0"/>
+            <a:r>
+              <a:rPr lang="en-US" dirty="0" smtClean="0"/>
+              <a:t>You guessed it Assignment11</a:t>
+            </a:r>
+          </a:p>
+          <a:p>
+            <a:r>
+              <a:rPr lang="en-US" dirty="0" smtClean="0"/>
+              <a:t>Hint for Final</a:t>
+            </a:r>
+          </a:p>
+          <a:p>
+            <a:r>
+              <a:rPr lang="en-US" dirty="0" smtClean="0"/>
+              <a:t>What can go wrong with your application</a:t>
+            </a:r>
+          </a:p>
+          <a:p>
+            <a:r>
+              <a:rPr lang="en-US" dirty="0" smtClean="0"/>
+              <a:t>When you demo it?  How should you handle,</a:t>
+            </a:r>
+          </a:p>
+          <a:p>
+            <a:r>
+              <a:rPr lang="en-US" dirty="0" smtClean="0"/>
+              <a:t>Fallback on what?</a:t>
+            </a:r>
           </a:p>
         </p:txBody>
       </p:sp>
     </p:spTree>
     <p:extLst>
       <p:ext uri="{BB962C8B-B14F-4D97-AF65-F5344CB8AC3E}">
-        <p14:creationId xmlns:p14="http://schemas.microsoft.com/office/powerpoint/2010/main" val="568372925"/>
+        <p14:creationId xmlns:p14="http://schemas.microsoft.com/office/powerpoint/2010/main" val="3669441049"/>
       </p:ext>
     </p:extLst>
   </p:cSld>
@@ -8636,7 +8589,7 @@
           <a:p>
             <a:r>
               <a:rPr lang="en-US" dirty="0" smtClean="0"/>
-              <a:t>Well, what else did we learn?</a:t>
+              <a:t>Food for thought…</a:t>
             </a:r>
             <a:endParaRPr lang="en-US" dirty="0"/>
           </a:p>
@@ -8679,8 +8632,8 @@
         </p:nvSpPr>
         <p:spPr>
           <a:xfrm>
-            <a:off x="1447800" y="1905000"/>
-            <a:ext cx="7124066" cy="1938992"/>
+            <a:off x="1371600" y="1828800"/>
+            <a:ext cx="4831772" cy="1938992"/>
           </a:xfrm>
           <a:prstGeom prst="rect">
             <a:avLst/>
@@ -8699,7 +8652,7 @@
             </a:pPr>
             <a:r>
               <a:rPr lang="en-US" dirty="0" smtClean="0"/>
-              <a:t>Maven – although Maven is specific</a:t>
+              <a:t>Maybe after this course …</a:t>
             </a:r>
           </a:p>
           <a:p>
@@ -8709,7 +8662,7 @@
             </a:pPr>
             <a:r>
               <a:rPr lang="en-US" dirty="0" smtClean="0"/>
-              <a:t>To java, the concept is universal.  Have</a:t>
+              <a:t>I REALLY hate Java…</a:t>
             </a:r>
           </a:p>
           <a:p>
@@ -8719,7 +8672,7 @@
             </a:pPr>
             <a:r>
               <a:rPr lang="en-US" dirty="0" smtClean="0"/>
-              <a:t>A repository of libraries somewhere and</a:t>
+              <a:t>Or I REALLY love it</a:t>
             </a:r>
           </a:p>
           <a:p>
@@ -8729,13 +8682,8 @@
             </a:pPr>
             <a:r>
               <a:rPr lang="en-US" dirty="0" smtClean="0"/>
-              <a:t>Let a tool download them with their </a:t>
-            </a:r>
-            <a:r>
-              <a:rPr lang="en-US" dirty="0" err="1" smtClean="0"/>
-              <a:t>dependecies</a:t>
-            </a:r>
-            <a:endParaRPr lang="en-US" dirty="0" smtClean="0"/>
+              <a:t>But was that all you learned?</a:t>
+            </a:r>
           </a:p>
           <a:p>
             <a:pPr marL="342900" indent="-342900">
@@ -8744,7 +8692,7 @@
             </a:pPr>
             <a:r>
               <a:rPr lang="en-US" dirty="0" smtClean="0"/>
-              <a:t>And help you build artifacts</a:t>
+              <a:t>I had a hidden agenda all along</a:t>
             </a:r>
             <a:endParaRPr lang="en-US" dirty="0"/>
           </a:p>
@@ -8753,7 +8701,7 @@
     </p:spTree>
     <p:extLst>
       <p:ext uri="{BB962C8B-B14F-4D97-AF65-F5344CB8AC3E}">
-        <p14:creationId xmlns:p14="http://schemas.microsoft.com/office/powerpoint/2010/main" val="3404509170"/>
+        <p14:creationId xmlns:p14="http://schemas.microsoft.com/office/powerpoint/2010/main" val="568372925"/>
       </p:ext>
     </p:extLst>
   </p:cSld>
@@ -8796,16 +8744,8 @@
           <a:lstStyle/>
           <a:p>
             <a:r>
-              <a:rPr lang="en-US" dirty="0" err="1" smtClean="0"/>
-              <a:t>Git</a:t>
-            </a:r>
-            <a:r>
-              <a:rPr lang="en-US" dirty="0" smtClean="0"/>
-              <a:t>, </a:t>
-            </a:r>
-            <a:r>
-              <a:rPr lang="en-US" dirty="0" err="1" smtClean="0"/>
-              <a:t>Github</a:t>
+              <a:rPr lang="en-US" dirty="0" smtClean="0"/>
+              <a:t>Well, what else did we learn?</a:t>
             </a:r>
             <a:endParaRPr lang="en-US" dirty="0"/>
           </a:p>
@@ -8848,8 +8788,8 @@
         </p:nvSpPr>
         <p:spPr>
           <a:xfrm>
-            <a:off x="1143000" y="2209800"/>
-            <a:ext cx="7837402" cy="4154984"/>
+            <a:off x="1447800" y="1905000"/>
+            <a:ext cx="7124066" cy="1938992"/>
           </a:xfrm>
           <a:prstGeom prst="rect">
             <a:avLst/>
@@ -8868,41 +8808,7 @@
             </a:pPr>
             <a:r>
               <a:rPr lang="en-US" dirty="0" smtClean="0"/>
-              <a:t>I strongly recommend you use </a:t>
-            </a:r>
-            <a:r>
-              <a:rPr lang="en-US" dirty="0" err="1" smtClean="0"/>
-              <a:t>Git</a:t>
-            </a:r>
-            <a:r>
-              <a:rPr lang="en-US" dirty="0" smtClean="0"/>
-              <a:t> for your</a:t>
-            </a:r>
-          </a:p>
-          <a:p>
-            <a:r>
-              <a:rPr lang="en-US" dirty="0" smtClean="0"/>
-              <a:t>Other courses or personal projects or work.  Revision</a:t>
-            </a:r>
-          </a:p>
-          <a:p>
-            <a:r>
-              <a:rPr lang="en-US" dirty="0"/>
-              <a:t>m</a:t>
-            </a:r>
-            <a:r>
-              <a:rPr lang="en-US" dirty="0" smtClean="0"/>
-              <a:t>anagement is crucial in software engineering.  Without</a:t>
-            </a:r>
-          </a:p>
-          <a:p>
-            <a:r>
-              <a:rPr lang="en-US" dirty="0" err="1" smtClean="0"/>
-              <a:t>Git</a:t>
-            </a:r>
-            <a:r>
-              <a:rPr lang="en-US" dirty="0" smtClean="0"/>
-              <a:t>, how else would you go back to a previous revision</a:t>
+              <a:t>Maven – although Maven is specific</a:t>
             </a:r>
           </a:p>
           <a:p>
@@ -8911,76 +8817,52 @@
               <a:buChar char="•"/>
             </a:pPr>
             <a:r>
+              <a:rPr lang="en-US" dirty="0" smtClean="0"/>
+              <a:t>To java, the concept is universal.  Have</a:t>
+            </a:r>
+          </a:p>
+          <a:p>
+            <a:pPr marL="342900" indent="-342900">
+              <a:buFont typeface="Arial" pitchFamily="34" charset="0"/>
+              <a:buChar char="•"/>
+            </a:pPr>
+            <a:r>
+              <a:rPr lang="en-US" dirty="0" smtClean="0"/>
+              <a:t>A repository of libraries somewhere and</a:t>
+            </a:r>
+          </a:p>
+          <a:p>
+            <a:pPr marL="342900" indent="-342900">
+              <a:buFont typeface="Arial" pitchFamily="34" charset="0"/>
+              <a:buChar char="•"/>
+            </a:pPr>
+            <a:r>
+              <a:rPr lang="en-US" dirty="0" smtClean="0"/>
+              <a:t>Let a tool download them with their </a:t>
+            </a:r>
+            <a:r>
               <a:rPr lang="en-US" dirty="0" err="1" smtClean="0"/>
-              <a:t>GitHub</a:t>
-            </a:r>
-            <a:r>
-              <a:rPr lang="en-US" dirty="0" smtClean="0"/>
-              <a:t> and </a:t>
-            </a:r>
-            <a:r>
-              <a:rPr lang="en-US" dirty="0" err="1" smtClean="0"/>
-              <a:t>GitHub</a:t>
-            </a:r>
-            <a:r>
-              <a:rPr lang="en-US" dirty="0" smtClean="0"/>
-              <a:t> pages ties you into the open</a:t>
-            </a:r>
-          </a:p>
-          <a:p>
-            <a:r>
-              <a:rPr lang="en-US" dirty="0" smtClean="0"/>
-              <a:t>Source community.  Open source is good.  You now</a:t>
-            </a:r>
-          </a:p>
-          <a:p>
-            <a:r>
-              <a:rPr lang="en-US" dirty="0" smtClean="0"/>
-              <a:t>Have an open source project on </a:t>
-            </a:r>
-            <a:r>
-              <a:rPr lang="en-US" dirty="0" err="1" smtClean="0"/>
-              <a:t>GitHub</a:t>
-            </a:r>
-            <a:r>
-              <a:rPr lang="en-US" dirty="0" smtClean="0"/>
-              <a:t>.  Congrats.</a:t>
-            </a:r>
-          </a:p>
-          <a:p>
-            <a:r>
-              <a:rPr lang="en-US" dirty="0" smtClean="0"/>
-              <a:t>If you never created a homepage before, well, use</a:t>
-            </a:r>
-          </a:p>
-          <a:p>
-            <a:r>
-              <a:rPr lang="en-US" dirty="0" err="1" smtClean="0"/>
-              <a:t>GitHub</a:t>
-            </a:r>
-            <a:r>
-              <a:rPr lang="en-US" dirty="0" smtClean="0"/>
-              <a:t> pages.  Great for letting employers see your</a:t>
-            </a:r>
-          </a:p>
-          <a:p>
-            <a:r>
-              <a:rPr lang="en-US" dirty="0" smtClean="0"/>
-              <a:t>Project and let them see your coding style too!  Again,</a:t>
-            </a:r>
-          </a:p>
-          <a:p>
-            <a:r>
-              <a:rPr lang="en-US" dirty="0" smtClean="0"/>
-              <a:t>NOT java specific.</a:t>
-            </a:r>
+              <a:t>dependecies</a:t>
+            </a:r>
+            <a:endParaRPr lang="en-US" dirty="0" smtClean="0"/>
+          </a:p>
+          <a:p>
+            <a:pPr marL="342900" indent="-342900">
+              <a:buFont typeface="Arial" pitchFamily="34" charset="0"/>
+              <a:buChar char="•"/>
+            </a:pPr>
+            <a:r>
+              <a:rPr lang="en-US" dirty="0" smtClean="0"/>
+              <a:t>And help you build artifacts</a:t>
+            </a:r>
+            <a:endParaRPr lang="en-US" dirty="0"/>
           </a:p>
         </p:txBody>
       </p:sp>
     </p:spTree>
     <p:extLst>
       <p:ext uri="{BB962C8B-B14F-4D97-AF65-F5344CB8AC3E}">
-        <p14:creationId xmlns:p14="http://schemas.microsoft.com/office/powerpoint/2010/main" val="3442297372"/>
+        <p14:creationId xmlns:p14="http://schemas.microsoft.com/office/powerpoint/2010/main" val="3404509170"/>
       </p:ext>
     </p:extLst>
   </p:cSld>
@@ -9023,8 +8905,16 @@
           <a:lstStyle/>
           <a:p>
             <a:r>
-              <a:rPr lang="en-US" dirty="0" smtClean="0"/>
-              <a:t>MVC</a:t>
+              <a:rPr lang="en-US" dirty="0" err="1" smtClean="0"/>
+              <a:t>Git</a:t>
+            </a:r>
+            <a:r>
+              <a:rPr lang="en-US" dirty="0" smtClean="0"/>
+              <a:t>, </a:t>
+            </a:r>
+            <a:r>
+              <a:rPr lang="en-US" dirty="0" err="1" smtClean="0"/>
+              <a:t>Github</a:t>
             </a:r>
             <a:endParaRPr lang="en-US" dirty="0"/>
           </a:p>
@@ -9067,8 +8957,8 @@
         </p:nvSpPr>
         <p:spPr>
           <a:xfrm>
-            <a:off x="1371600" y="2286000"/>
-            <a:ext cx="7117333" cy="1569660"/>
+            <a:off x="1143000" y="2209800"/>
+            <a:ext cx="7837402" cy="4154984"/>
           </a:xfrm>
           <a:prstGeom prst="rect">
             <a:avLst/>
@@ -9087,7 +8977,41 @@
             </a:pPr>
             <a:r>
               <a:rPr lang="en-US" dirty="0" smtClean="0"/>
-              <a:t>Hopefully, you learned a few design patterns</a:t>
+              <a:t>I strongly recommend you use </a:t>
+            </a:r>
+            <a:r>
+              <a:rPr lang="en-US" dirty="0" err="1" smtClean="0"/>
+              <a:t>Git</a:t>
+            </a:r>
+            <a:r>
+              <a:rPr lang="en-US" dirty="0" smtClean="0"/>
+              <a:t> for your</a:t>
+            </a:r>
+          </a:p>
+          <a:p>
+            <a:r>
+              <a:rPr lang="en-US" dirty="0" smtClean="0"/>
+              <a:t>Other courses or personal projects or work.  Revision</a:t>
+            </a:r>
+          </a:p>
+          <a:p>
+            <a:r>
+              <a:rPr lang="en-US" dirty="0"/>
+              <a:t>m</a:t>
+            </a:r>
+            <a:r>
+              <a:rPr lang="en-US" dirty="0" smtClean="0"/>
+              <a:t>anagement is crucial in software engineering.  Without</a:t>
+            </a:r>
+          </a:p>
+          <a:p>
+            <a:r>
+              <a:rPr lang="en-US" dirty="0" err="1" smtClean="0"/>
+              <a:t>Git</a:t>
+            </a:r>
+            <a:r>
+              <a:rPr lang="en-US" dirty="0" smtClean="0"/>
+              <a:t>, how else would you go back to a previous revision</a:t>
             </a:r>
           </a:p>
           <a:p>
@@ -9096,37 +9020,76 @@
               <a:buChar char="•"/>
             </a:pPr>
             <a:r>
-              <a:rPr lang="en-US" dirty="0" smtClean="0"/>
-              <a:t>Like MVC.  In later courses, you’ll learn MVP,</a:t>
-            </a:r>
-          </a:p>
-          <a:p>
-            <a:pPr marL="342900" indent="-342900">
-              <a:buFont typeface="Arial" pitchFamily="34" charset="0"/>
-              <a:buChar char="•"/>
-            </a:pPr>
-            <a:r>
-              <a:rPr lang="en-US" dirty="0" smtClean="0"/>
-              <a:t>MVVM, and MVW.   Again design patterns aren’t</a:t>
-            </a:r>
-          </a:p>
-          <a:p>
-            <a:pPr marL="342900" indent="-342900">
-              <a:buFont typeface="Arial" pitchFamily="34" charset="0"/>
-              <a:buChar char="•"/>
-            </a:pPr>
-            <a:r>
-              <a:rPr lang="en-US" dirty="0" smtClean="0"/>
-              <a:t>Specific to Java</a:t>
-            </a:r>
-            <a:endParaRPr lang="en-US" dirty="0"/>
+              <a:rPr lang="en-US" dirty="0" err="1" smtClean="0"/>
+              <a:t>GitHub</a:t>
+            </a:r>
+            <a:r>
+              <a:rPr lang="en-US" dirty="0" smtClean="0"/>
+              <a:t> and </a:t>
+            </a:r>
+            <a:r>
+              <a:rPr lang="en-US" dirty="0" err="1" smtClean="0"/>
+              <a:t>GitHub</a:t>
+            </a:r>
+            <a:r>
+              <a:rPr lang="en-US" dirty="0" smtClean="0"/>
+              <a:t> pages ties you into the open</a:t>
+            </a:r>
+          </a:p>
+          <a:p>
+            <a:r>
+              <a:rPr lang="en-US" dirty="0" smtClean="0"/>
+              <a:t>Source community.  Open source is good.  You now</a:t>
+            </a:r>
+          </a:p>
+          <a:p>
+            <a:r>
+              <a:rPr lang="en-US" dirty="0" smtClean="0"/>
+              <a:t>Have an open source project on </a:t>
+            </a:r>
+            <a:r>
+              <a:rPr lang="en-US" dirty="0" err="1" smtClean="0"/>
+              <a:t>GitHub</a:t>
+            </a:r>
+            <a:r>
+              <a:rPr lang="en-US" dirty="0" smtClean="0"/>
+              <a:t>.  Congrats.</a:t>
+            </a:r>
+          </a:p>
+          <a:p>
+            <a:r>
+              <a:rPr lang="en-US" dirty="0" smtClean="0"/>
+              <a:t>If you never created a homepage before, well, use</a:t>
+            </a:r>
+          </a:p>
+          <a:p>
+            <a:r>
+              <a:rPr lang="en-US" dirty="0" err="1" smtClean="0"/>
+              <a:t>GitHub</a:t>
+            </a:r>
+            <a:r>
+              <a:rPr lang="en-US" dirty="0" smtClean="0"/>
+              <a:t> pages.  Great for letting employers see your</a:t>
+            </a:r>
+          </a:p>
+          <a:p>
+            <a:r>
+              <a:rPr lang="en-US" dirty="0" smtClean="0"/>
+              <a:t>Project and let them see your coding style too!  Again,</a:t>
+            </a:r>
+          </a:p>
+          <a:p>
+            <a:r>
+              <a:rPr lang="en-US" dirty="0" smtClean="0"/>
+              <a:t>NOT java specific.</a:t>
+            </a:r>
           </a:p>
         </p:txBody>
       </p:sp>
     </p:spTree>
     <p:extLst>
       <p:ext uri="{BB962C8B-B14F-4D97-AF65-F5344CB8AC3E}">
-        <p14:creationId xmlns:p14="http://schemas.microsoft.com/office/powerpoint/2010/main" val="1883758025"/>
+        <p14:creationId xmlns:p14="http://schemas.microsoft.com/office/powerpoint/2010/main" val="3442297372"/>
       </p:ext>
     </p:extLst>
   </p:cSld>
@@ -9170,7 +9133,7 @@
           <a:p>
             <a:r>
               <a:rPr lang="en-US" dirty="0" smtClean="0"/>
-              <a:t>Your neighbor</a:t>
+              <a:t>MVC</a:t>
             </a:r>
             <a:endParaRPr lang="en-US" dirty="0"/>
           </a:p>
@@ -9213,8 +9176,8 @@
         </p:nvSpPr>
         <p:spPr>
           <a:xfrm>
-            <a:off x="1447800" y="2362200"/>
-            <a:ext cx="6694461" cy="2308324"/>
+            <a:off x="1371600" y="2286000"/>
+            <a:ext cx="7117333" cy="1569660"/>
           </a:xfrm>
           <a:prstGeom prst="rect">
             <a:avLst/>
@@ -9233,13 +9196,7 @@
             </a:pPr>
             <a:r>
               <a:rPr lang="en-US" dirty="0" smtClean="0"/>
-              <a:t>I really tried to create an atmosphere</a:t>
-            </a:r>
-          </a:p>
-          <a:p>
-            <a:r>
-              <a:rPr lang="en-US" dirty="0" smtClean="0"/>
-              <a:t>Where I *only* did 50% of the talking</a:t>
+              <a:t>Hopefully, you learned a few design patterns</a:t>
             </a:r>
           </a:p>
           <a:p>
@@ -9249,33 +9206,36 @@
             </a:pPr>
             <a:r>
               <a:rPr lang="en-US" dirty="0" smtClean="0"/>
-              <a:t>Really hoped that you got to know the people</a:t>
-            </a:r>
-          </a:p>
-          <a:p>
-            <a:r>
-              <a:rPr lang="en-US" dirty="0" smtClean="0"/>
-              <a:t>Sitting around you.  Exchange phone numbers,</a:t>
-            </a:r>
-          </a:p>
-          <a:p>
-            <a:r>
-              <a:rPr lang="en-US" dirty="0" smtClean="0"/>
-              <a:t>Emails with them.</a:t>
-            </a:r>
-          </a:p>
-          <a:p>
-            <a:r>
-              <a:rPr lang="en-US" dirty="0" smtClean="0"/>
-              <a:t>Programs come and go.  Friends are forever</a:t>
-            </a:r>
+              <a:t>Like MVC.  In later courses, you’ll learn MVP,</a:t>
+            </a:r>
+          </a:p>
+          <a:p>
+            <a:pPr marL="342900" indent="-342900">
+              <a:buFont typeface="Arial" pitchFamily="34" charset="0"/>
+              <a:buChar char="•"/>
+            </a:pPr>
+            <a:r>
+              <a:rPr lang="en-US" dirty="0" smtClean="0"/>
+              <a:t>MVVM, and MVW.   Again design patterns aren’t</a:t>
+            </a:r>
+          </a:p>
+          <a:p>
+            <a:pPr marL="342900" indent="-342900">
+              <a:buFont typeface="Arial" pitchFamily="34" charset="0"/>
+              <a:buChar char="•"/>
+            </a:pPr>
+            <a:r>
+              <a:rPr lang="en-US" dirty="0" smtClean="0"/>
+              <a:t>Specific to Java</a:t>
+            </a:r>
+            <a:endParaRPr lang="en-US" dirty="0"/>
           </a:p>
         </p:txBody>
       </p:sp>
     </p:spTree>
     <p:extLst>
       <p:ext uri="{BB962C8B-B14F-4D97-AF65-F5344CB8AC3E}">
-        <p14:creationId xmlns:p14="http://schemas.microsoft.com/office/powerpoint/2010/main" val="3607217"/>
+        <p14:creationId xmlns:p14="http://schemas.microsoft.com/office/powerpoint/2010/main" val="1883758025"/>
       </p:ext>
     </p:extLst>
   </p:cSld>
@@ -9319,7 +9279,7 @@
           <a:p>
             <a:r>
               <a:rPr lang="en-US" dirty="0" smtClean="0"/>
-              <a:t>And most of all …</a:t>
+              <a:t>Your neighbor</a:t>
             </a:r>
             <a:endParaRPr lang="en-US" dirty="0"/>
           </a:p>
@@ -9362,8 +9322,8 @@
         </p:nvSpPr>
         <p:spPr>
           <a:xfrm>
-            <a:off x="1447800" y="2057400"/>
-            <a:ext cx="7111242" cy="3416320"/>
+            <a:off x="1447800" y="2362200"/>
+            <a:ext cx="6694461" cy="2308324"/>
           </a:xfrm>
           <a:prstGeom prst="rect">
             <a:avLst/>
@@ -9382,67 +9342,41 @@
             </a:pPr>
             <a:r>
               <a:rPr lang="en-US" dirty="0" smtClean="0"/>
-              <a:t>Software engineering and banging your</a:t>
-            </a:r>
-          </a:p>
-          <a:p>
-            <a:r>
-              <a:rPr lang="en-US" dirty="0"/>
-              <a:t>h</a:t>
-            </a:r>
-            <a:r>
-              <a:rPr lang="en-US" dirty="0" smtClean="0"/>
-              <a:t>ead against your keyboard.  This was a</a:t>
-            </a:r>
-          </a:p>
-          <a:p>
-            <a:r>
-              <a:rPr lang="en-US" dirty="0"/>
-              <a:t>p</a:t>
-            </a:r>
-            <a:r>
-              <a:rPr lang="en-US" dirty="0" smtClean="0"/>
-              <a:t>ut as much or as little as you want in this</a:t>
-            </a:r>
-          </a:p>
-          <a:p>
-            <a:r>
-              <a:rPr lang="en-US" dirty="0" smtClean="0"/>
-              <a:t>Course.  The project was yours from Day1.</a:t>
-            </a:r>
-          </a:p>
-          <a:p>
-            <a:r>
-              <a:rPr lang="en-US" dirty="0" smtClean="0"/>
-              <a:t>I personally grew quite attached to my first</a:t>
-            </a:r>
-          </a:p>
-          <a:p>
-            <a:r>
-              <a:rPr lang="en-US" dirty="0" smtClean="0"/>
-              <a:t>Software engineering project.  For me it was</a:t>
-            </a:r>
-          </a:p>
-          <a:p>
-            <a:r>
-              <a:rPr lang="en-US" dirty="0" smtClean="0"/>
-              <a:t>Fun.  I programmed it in C.  I don’t use C anymore,</a:t>
-            </a:r>
-          </a:p>
-          <a:p>
-            <a:r>
-              <a:rPr lang="en-US" dirty="0" smtClean="0"/>
-              <a:t>But it was the build your own, manage your own</a:t>
-            </a:r>
-          </a:p>
-          <a:p>
-            <a:r>
-              <a:rPr lang="en-US" dirty="0"/>
-              <a:t>a</a:t>
-            </a:r>
-            <a:r>
-              <a:rPr lang="en-US" dirty="0" smtClean="0"/>
-              <a:t>spect that still keeps me motivated in this field.</a:t>
+              <a:t>I really tried to create an atmosphere</a:t>
+            </a:r>
+          </a:p>
+          <a:p>
+            <a:r>
+              <a:rPr lang="en-US" dirty="0" smtClean="0"/>
+              <a:t>Where I *only* did 50% of the talking</a:t>
+            </a:r>
+          </a:p>
+          <a:p>
+            <a:pPr marL="342900" indent="-342900">
+              <a:buFont typeface="Arial" pitchFamily="34" charset="0"/>
+              <a:buChar char="•"/>
+            </a:pPr>
+            <a:r>
+              <a:rPr lang="en-US" dirty="0" smtClean="0"/>
+              <a:t>Really hoped that you got to know the people</a:t>
+            </a:r>
+          </a:p>
+          <a:p>
+            <a:r>
+              <a:rPr lang="en-US" dirty="0" smtClean="0"/>
+              <a:t>Sitting around you.  Exchange phone numbers,</a:t>
+            </a:r>
+          </a:p>
+          <a:p>
+            <a:r>
+              <a:rPr lang="en-US" dirty="0" smtClean="0"/>
+              <a:t>Emails with them.</a:t>
+            </a:r>
+          </a:p>
+          <a:p>
+            <a:r>
+              <a:rPr lang="en-US" dirty="0" smtClean="0"/>
+              <a:t>Programs come and go.  Friends are forever</a:t>
             </a:r>
           </a:p>
         </p:txBody>
@@ -9450,7 +9384,7 @@
     </p:spTree>
     <p:extLst>
       <p:ext uri="{BB962C8B-B14F-4D97-AF65-F5344CB8AC3E}">
-        <p14:creationId xmlns:p14="http://schemas.microsoft.com/office/powerpoint/2010/main" val="1560099199"/>
+        <p14:creationId xmlns:p14="http://schemas.microsoft.com/office/powerpoint/2010/main" val="3607217"/>
       </p:ext>
     </p:extLst>
   </p:cSld>
@@ -9494,7 +9428,7 @@
           <a:p>
             <a:r>
               <a:rPr lang="en-US" dirty="0" smtClean="0"/>
-              <a:t>Thank-you + Optional Homework</a:t>
+              <a:t>And most of all …</a:t>
             </a:r>
             <a:endParaRPr lang="en-US" dirty="0"/>
           </a:p>
@@ -9524,6 +9458,181 @@
                 <a:defRPr/>
               </a:pPr>
               <a:t>116</a:t>
+            </a:fld>
+            <a:endParaRPr lang="en-CA"/>
+          </a:p>
+        </p:txBody>
+      </p:sp>
+      <p:sp>
+        <p:nvSpPr>
+          <p:cNvPr id="4" name="TextBox 3"/>
+          <p:cNvSpPr txBox="1"/>
+          <p:nvPr/>
+        </p:nvSpPr>
+        <p:spPr>
+          <a:xfrm>
+            <a:off x="1447800" y="2057400"/>
+            <a:ext cx="7111242" cy="3416320"/>
+          </a:xfrm>
+          <a:prstGeom prst="rect">
+            <a:avLst/>
+          </a:prstGeom>
+          <a:noFill/>
+        </p:spPr>
+        <p:txBody>
+          <a:bodyPr wrap="none" rtlCol="0">
+            <a:spAutoFit/>
+          </a:bodyPr>
+          <a:lstStyle/>
+          <a:p>
+            <a:pPr marL="342900" indent="-342900">
+              <a:buFont typeface="Arial" pitchFamily="34" charset="0"/>
+              <a:buChar char="•"/>
+            </a:pPr>
+            <a:r>
+              <a:rPr lang="en-US" dirty="0" smtClean="0"/>
+              <a:t>Software engineering and banging your</a:t>
+            </a:r>
+          </a:p>
+          <a:p>
+            <a:r>
+              <a:rPr lang="en-US" dirty="0"/>
+              <a:t>h</a:t>
+            </a:r>
+            <a:r>
+              <a:rPr lang="en-US" dirty="0" smtClean="0"/>
+              <a:t>ead against your keyboard.  This was a</a:t>
+            </a:r>
+          </a:p>
+          <a:p>
+            <a:r>
+              <a:rPr lang="en-US" dirty="0"/>
+              <a:t>p</a:t>
+            </a:r>
+            <a:r>
+              <a:rPr lang="en-US" dirty="0" smtClean="0"/>
+              <a:t>ut as much or as little as you want in this</a:t>
+            </a:r>
+          </a:p>
+          <a:p>
+            <a:r>
+              <a:rPr lang="en-US" dirty="0" smtClean="0"/>
+              <a:t>Course.  The project was yours from Day1.</a:t>
+            </a:r>
+          </a:p>
+          <a:p>
+            <a:r>
+              <a:rPr lang="en-US" dirty="0" smtClean="0"/>
+              <a:t>I personally grew quite attached to my first</a:t>
+            </a:r>
+          </a:p>
+          <a:p>
+            <a:r>
+              <a:rPr lang="en-US" dirty="0" smtClean="0"/>
+              <a:t>Software engineering project.  For me it was</a:t>
+            </a:r>
+          </a:p>
+          <a:p>
+            <a:r>
+              <a:rPr lang="en-US" dirty="0" smtClean="0"/>
+              <a:t>Fun.  I programmed it in C.  I don’t use C anymore,</a:t>
+            </a:r>
+          </a:p>
+          <a:p>
+            <a:r>
+              <a:rPr lang="en-US" dirty="0" smtClean="0"/>
+              <a:t>But it was the build your own, manage your own</a:t>
+            </a:r>
+          </a:p>
+          <a:p>
+            <a:r>
+              <a:rPr lang="en-US" dirty="0"/>
+              <a:t>a</a:t>
+            </a:r>
+            <a:r>
+              <a:rPr lang="en-US" dirty="0" smtClean="0"/>
+              <a:t>spect that still keeps me motivated in this field.</a:t>
+            </a:r>
+          </a:p>
+        </p:txBody>
+      </p:sp>
+    </p:spTree>
+    <p:extLst>
+      <p:ext uri="{BB962C8B-B14F-4D97-AF65-F5344CB8AC3E}">
+        <p14:creationId xmlns:p14="http://schemas.microsoft.com/office/powerpoint/2010/main" val="1560099199"/>
+      </p:ext>
+    </p:extLst>
+  </p:cSld>
+  <p:clrMapOvr>
+    <a:masterClrMapping/>
+  </p:clrMapOvr>
+</p:sld>
+</file>
+
+<file path=ppt/slides/slide117.xml><?xml version="1.0" encoding="utf-8"?>
+<p:sld xmlns:a="http://schemas.openxmlformats.org/drawingml/2006/main" xmlns:r="http://schemas.openxmlformats.org/officeDocument/2006/relationships" xmlns:p="http://schemas.openxmlformats.org/presentationml/2006/main">
+  <p:cSld>
+    <p:spTree>
+      <p:nvGrpSpPr>
+        <p:cNvPr id="1" name=""/>
+        <p:cNvGrpSpPr/>
+        <p:nvPr/>
+      </p:nvGrpSpPr>
+      <p:grpSpPr>
+        <a:xfrm>
+          <a:off x="0" y="0"/>
+          <a:ext cx="0" cy="0"/>
+          <a:chOff x="0" y="0"/>
+          <a:chExt cx="0" cy="0"/>
+        </a:xfrm>
+      </p:grpSpPr>
+      <p:sp>
+        <p:nvSpPr>
+          <p:cNvPr id="2" name="Title 1"/>
+          <p:cNvSpPr>
+            <a:spLocks noGrp="1"/>
+          </p:cNvSpPr>
+          <p:nvPr>
+            <p:ph type="title"/>
+          </p:nvPr>
+        </p:nvSpPr>
+        <p:spPr/>
+        <p:txBody>
+          <a:bodyPr/>
+          <a:lstStyle/>
+          <a:p>
+            <a:r>
+              <a:rPr lang="en-US" dirty="0" smtClean="0"/>
+              <a:t>Thank-you + Optional Homework</a:t>
+            </a:r>
+            <a:endParaRPr lang="en-US" dirty="0"/>
+          </a:p>
+        </p:txBody>
+      </p:sp>
+      <p:sp>
+        <p:nvSpPr>
+          <p:cNvPr id="3" name="Slide Number Placeholder 2"/>
+          <p:cNvSpPr>
+            <a:spLocks noGrp="1"/>
+          </p:cNvSpPr>
+          <p:nvPr>
+            <p:ph type="sldNum" sz="quarter" idx="12"/>
+          </p:nvPr>
+        </p:nvSpPr>
+        <p:spPr/>
+        <p:txBody>
+          <a:bodyPr/>
+          <a:lstStyle/>
+          <a:p>
+            <a:pPr>
+              <a:defRPr/>
+            </a:pPr>
+            <a:fld id="{B2451C39-31DD-6D4B-9BED-758CF6C1BA6A}" type="slidenum">
+              <a:rPr lang="en-CA" smtClean="0"/>
+              <a:pPr>
+                <a:defRPr/>
+              </a:pPr>
+              <a:t>117</a:t>
             </a:fld>
             <a:endParaRPr lang="en-CA"/>
           </a:p>
@@ -13831,11 +13940,7 @@
             </a:pPr>
             <a:r>
               <a:rPr lang="en-US" dirty="0" smtClean="0"/>
-              <a:t>Spring (and we’ll </a:t>
-            </a:r>
-            <a:r>
-              <a:rPr lang="en-US" smtClean="0"/>
-              <a:t>see this later on too)</a:t>
+              <a:t>Spring (and we’ll see this later on too)</a:t>
             </a:r>
             <a:endParaRPr lang="en-US" dirty="0" smtClean="0"/>
           </a:p>
@@ -26735,79 +26840,16 @@
           <a:lstStyle/>
           <a:p>
             <a:r>
-              <a:rPr lang="en-US" dirty="0" smtClean="0"/>
-              <a:t>MySQL Workbench (the </a:t>
-            </a:r>
-            <a:r>
-              <a:rPr lang="en-US" dirty="0" err="1" smtClean="0"/>
-              <a:t>defacto</a:t>
-            </a:r>
-            <a:r>
-              <a:rPr lang="en-US" dirty="0" smtClean="0"/>
-              <a:t> client for MySQL)</a:t>
-            </a:r>
-            <a:endParaRPr lang="en-US" dirty="0"/>
-          </a:p>
-        </p:txBody>
-      </p:sp>
-      <p:sp>
-        <p:nvSpPr>
-          <p:cNvPr id="3" name="Content Placeholder 2"/>
-          <p:cNvSpPr>
-            <a:spLocks noGrp="1"/>
-          </p:cNvSpPr>
-          <p:nvPr>
-            <p:ph idx="1"/>
-          </p:nvPr>
-        </p:nvSpPr>
-        <p:spPr/>
-        <p:txBody>
-          <a:bodyPr/>
-          <a:lstStyle/>
-          <a:p>
-            <a:r>
-              <a:rPr lang="en-US" dirty="0" smtClean="0">
-                <a:hlinkClick r:id="rId2"/>
-              </a:rPr>
-              <a:t>http</a:t>
-            </a:r>
-            <a:r>
-              <a:rPr lang="en-US" dirty="0">
-                <a:hlinkClick r:id="rId2"/>
-              </a:rPr>
-              <a:t>://dev.mysql.com/downloads</a:t>
-            </a:r>
-            <a:r>
-              <a:rPr lang="en-US" dirty="0" smtClean="0">
-                <a:hlinkClick r:id="rId2"/>
-              </a:rPr>
-              <a:t>/</a:t>
-            </a:r>
-            <a:endParaRPr lang="en-US" dirty="0" smtClean="0"/>
-          </a:p>
-          <a:p>
-            <a:r>
-              <a:rPr lang="en-US" dirty="0" smtClean="0"/>
-              <a:t>Find the MySQL Workbench download</a:t>
-            </a:r>
-          </a:p>
-          <a:p>
-            <a:r>
-              <a:rPr lang="en-US" dirty="0" smtClean="0"/>
-              <a:t>Start up workbench</a:t>
-            </a:r>
-          </a:p>
-          <a:p>
-            <a:r>
-              <a:rPr lang="en-US" dirty="0" smtClean="0"/>
-              <a:t>Database-&gt;connect to Database</a:t>
-            </a:r>
-          </a:p>
-          <a:p>
-            <a:endParaRPr lang="en-US" dirty="0" smtClean="0"/>
-          </a:p>
-          <a:p>
-            <a:endParaRPr lang="en-US" dirty="0"/>
+              <a:rPr lang="en-US" dirty="0"/>
+              <a:t>Browser view</a:t>
+            </a:r>
+            <a:br>
+              <a:rPr lang="en-US" dirty="0"/>
+            </a:br>
+            <a:r>
+              <a:rPr lang="en-US" dirty="0"/>
+              <a:t>http://www.phpmyadmin.co/</a:t>
+            </a:r>
           </a:p>
         </p:txBody>
       </p:sp>
@@ -26835,6 +26877,223 @@
                 <a:defRPr/>
               </a:pPr>
               <a:t>98</a:t>
+            </a:fld>
+            <a:endParaRPr lang="en-US"/>
+          </a:p>
+        </p:txBody>
+      </p:sp>
+      <p:pic>
+        <p:nvPicPr>
+          <p:cNvPr id="1026" name="Picture 2"/>
+          <p:cNvPicPr>
+            <a:picLocks noGrp="1" noChangeAspect="1" noChangeArrowheads="1"/>
+          </p:cNvPicPr>
+          <p:nvPr>
+            <p:ph idx="1"/>
+          </p:nvPr>
+        </p:nvPicPr>
+        <p:blipFill>
+          <a:blip r:embed="rId2">
+            <a:extLst>
+              <a:ext uri="{28A0092B-C50C-407E-A947-70E740481C1C}">
+                <a14:useLocalDpi xmlns:a14="http://schemas.microsoft.com/office/drawing/2010/main" val="0"/>
+              </a:ext>
+            </a:extLst>
+          </a:blip>
+          <a:srcRect/>
+          <a:stretch>
+            <a:fillRect/>
+          </a:stretch>
+        </p:blipFill>
+        <p:spPr bwMode="auto">
+          <a:xfrm>
+            <a:off x="1629467" y="1784350"/>
+            <a:ext cx="5899354" cy="4572000"/>
+          </a:xfrm>
+          <a:prstGeom prst="rect">
+            <a:avLst/>
+          </a:prstGeom>
+          <a:noFill/>
+          <a:ln>
+            <a:noFill/>
+          </a:ln>
+          <a:effectLst/>
+          <a:extLst>
+            <a:ext uri="{909E8E84-426E-40DD-AFC4-6F175D3DCCD1}">
+              <a14:hiddenFill xmlns:a14="http://schemas.microsoft.com/office/drawing/2010/main">
+                <a:solidFill>
+                  <a:schemeClr val="accent1"/>
+                </a:solidFill>
+              </a14:hiddenFill>
+            </a:ext>
+            <a:ext uri="{91240B29-F687-4F45-9708-019B960494DF}">
+              <a14:hiddenLine xmlns:a14="http://schemas.microsoft.com/office/drawing/2010/main" w="9525">
+                <a:solidFill>
+                  <a:schemeClr val="tx1"/>
+                </a:solidFill>
+                <a:miter lim="800000"/>
+                <a:headEnd/>
+                <a:tailEnd/>
+              </a14:hiddenLine>
+            </a:ext>
+            <a:ext uri="{AF507438-7753-43E0-B8FC-AC1667EBCBE1}">
+              <a14:hiddenEffects xmlns:a14="http://schemas.microsoft.com/office/drawing/2010/main">
+                <a:effectLst>
+                  <a:outerShdw dist="35921" dir="2700000" algn="ctr" rotWithShape="0">
+                    <a:schemeClr val="bg2"/>
+                  </a:outerShdw>
+                </a:effectLst>
+              </a14:hiddenEffects>
+            </a:ext>
+          </a:extLst>
+        </p:spPr>
+      </p:pic>
+    </p:spTree>
+    <p:extLst>
+      <p:ext uri="{BB962C8B-B14F-4D97-AF65-F5344CB8AC3E}">
+        <p14:creationId xmlns:p14="http://schemas.microsoft.com/office/powerpoint/2010/main" val="3624875553"/>
+      </p:ext>
+    </p:extLst>
+  </p:cSld>
+  <p:clrMapOvr>
+    <a:masterClrMapping/>
+  </p:clrMapOvr>
+</p:sld>
+</file>
+
+<file path=ppt/slides/slide99.xml><?xml version="1.0" encoding="utf-8"?>
+<p:sld xmlns:a="http://schemas.openxmlformats.org/drawingml/2006/main" xmlns:r="http://schemas.openxmlformats.org/officeDocument/2006/relationships" xmlns:p="http://schemas.openxmlformats.org/presentationml/2006/main">
+  <p:cSld>
+    <p:spTree>
+      <p:nvGrpSpPr>
+        <p:cNvPr id="1" name=""/>
+        <p:cNvGrpSpPr/>
+        <p:nvPr/>
+      </p:nvGrpSpPr>
+      <p:grpSpPr>
+        <a:xfrm>
+          <a:off x="0" y="0"/>
+          <a:ext cx="0" cy="0"/>
+          <a:chOff x="0" y="0"/>
+          <a:chExt cx="0" cy="0"/>
+        </a:xfrm>
+      </p:grpSpPr>
+      <p:sp>
+        <p:nvSpPr>
+          <p:cNvPr id="2" name="Title 1"/>
+          <p:cNvSpPr>
+            <a:spLocks noGrp="1"/>
+          </p:cNvSpPr>
+          <p:nvPr>
+            <p:ph type="title"/>
+          </p:nvPr>
+        </p:nvSpPr>
+        <p:spPr/>
+        <p:txBody>
+          <a:bodyPr/>
+          <a:lstStyle/>
+          <a:p>
+            <a:r>
+              <a:rPr lang="en-US" dirty="0" smtClean="0"/>
+              <a:t>MySQL Workbench (the </a:t>
+            </a:r>
+            <a:r>
+              <a:rPr lang="en-US" dirty="0" err="1" smtClean="0"/>
+              <a:t>defacto</a:t>
+            </a:r>
+            <a:r>
+              <a:rPr lang="en-US" dirty="0" smtClean="0"/>
+              <a:t> client for MySQL)</a:t>
+            </a:r>
+            <a:endParaRPr lang="en-US" dirty="0"/>
+          </a:p>
+        </p:txBody>
+      </p:sp>
+      <p:sp>
+        <p:nvSpPr>
+          <p:cNvPr id="3" name="Content Placeholder 2"/>
+          <p:cNvSpPr>
+            <a:spLocks noGrp="1"/>
+          </p:cNvSpPr>
+          <p:nvPr>
+            <p:ph idx="1"/>
+          </p:nvPr>
+        </p:nvSpPr>
+        <p:spPr/>
+        <p:txBody>
+          <a:bodyPr/>
+          <a:lstStyle/>
+          <a:p>
+            <a:r>
+              <a:rPr lang="en-US" dirty="0" smtClean="0">
+                <a:hlinkClick r:id="rId2"/>
+              </a:rPr>
+              <a:t>http</a:t>
+            </a:r>
+            <a:r>
+              <a:rPr lang="en-US" dirty="0">
+                <a:hlinkClick r:id="rId2"/>
+              </a:rPr>
+              <a:t>://dev.mysql.com/downloads</a:t>
+            </a:r>
+            <a:r>
+              <a:rPr lang="en-US" dirty="0" smtClean="0">
+                <a:hlinkClick r:id="rId2"/>
+              </a:rPr>
+              <a:t>/</a:t>
+            </a:r>
+            <a:endParaRPr lang="en-US" dirty="0" smtClean="0"/>
+          </a:p>
+          <a:p>
+            <a:r>
+              <a:rPr lang="en-US" dirty="0" smtClean="0"/>
+              <a:t>Find the MySQL Workbench download</a:t>
+            </a:r>
+          </a:p>
+          <a:p>
+            <a:r>
+              <a:rPr lang="en-US" dirty="0" smtClean="0"/>
+              <a:t>Start up workbench</a:t>
+            </a:r>
+          </a:p>
+          <a:p>
+            <a:r>
+              <a:rPr lang="en-US" dirty="0" smtClean="0"/>
+              <a:t>Database-&gt;connect to Database</a:t>
+            </a:r>
+          </a:p>
+          <a:p>
+            <a:endParaRPr lang="en-US" dirty="0" smtClean="0"/>
+          </a:p>
+          <a:p>
+            <a:endParaRPr lang="en-US" dirty="0"/>
+          </a:p>
+        </p:txBody>
+      </p:sp>
+      <p:sp>
+        <p:nvSpPr>
+          <p:cNvPr id="4" name="Slide Number Placeholder 3"/>
+          <p:cNvSpPr>
+            <a:spLocks noGrp="1"/>
+          </p:cNvSpPr>
+          <p:nvPr>
+            <p:ph type="sldNum" sz="quarter" idx="12"/>
+          </p:nvPr>
+        </p:nvSpPr>
+        <p:spPr/>
+        <p:txBody>
+          <a:bodyPr/>
+          <a:lstStyle/>
+          <a:p>
+            <a:pPr>
+              <a:defRPr/>
+            </a:pPr>
+            <a:fld id="{8B8B984A-5AFF-7643-AE60-6D8D11294076}" type="slidenum">
+              <a:rPr lang="en-US" smtClean="0"/>
+              <a:pPr>
+                <a:defRPr/>
+              </a:pPr>
+              <a:t>99</a:t>
             </a:fld>
             <a:endParaRPr lang="en-US"/>
           </a:p>
@@ -26868,114 +27127,6 @@
     <p:extLst>
       <p:ext uri="{BB962C8B-B14F-4D97-AF65-F5344CB8AC3E}">
         <p14:creationId xmlns:p14="http://schemas.microsoft.com/office/powerpoint/2010/main" val="2369131577"/>
-      </p:ext>
-    </p:extLst>
-  </p:cSld>
-  <p:clrMapOvr>
-    <a:masterClrMapping/>
-  </p:clrMapOvr>
-</p:sld>
-</file>
-
-<file path=ppt/slides/slide99.xml><?xml version="1.0" encoding="utf-8"?>
-<p:sld xmlns:a="http://schemas.openxmlformats.org/drawingml/2006/main" xmlns:r="http://schemas.openxmlformats.org/officeDocument/2006/relationships" xmlns:p="http://schemas.openxmlformats.org/presentationml/2006/main">
-  <p:cSld>
-    <p:spTree>
-      <p:nvGrpSpPr>
-        <p:cNvPr id="1" name=""/>
-        <p:cNvGrpSpPr/>
-        <p:nvPr/>
-      </p:nvGrpSpPr>
-      <p:grpSpPr>
-        <a:xfrm>
-          <a:off x="0" y="0"/>
-          <a:ext cx="0" cy="0"/>
-          <a:chOff x="0" y="0"/>
-          <a:chExt cx="0" cy="0"/>
-        </a:xfrm>
-      </p:grpSpPr>
-      <p:sp>
-        <p:nvSpPr>
-          <p:cNvPr id="2" name="Title 1"/>
-          <p:cNvSpPr>
-            <a:spLocks noGrp="1"/>
-          </p:cNvSpPr>
-          <p:nvPr>
-            <p:ph type="title"/>
-          </p:nvPr>
-        </p:nvSpPr>
-        <p:spPr/>
-        <p:txBody>
-          <a:bodyPr/>
-          <a:lstStyle/>
-          <a:p>
-            <a:r>
-              <a:rPr lang="en-US" dirty="0" smtClean="0"/>
-              <a:t>And see if your new row is inserted</a:t>
-            </a:r>
-            <a:endParaRPr lang="en-US" dirty="0"/>
-          </a:p>
-        </p:txBody>
-      </p:sp>
-      <p:pic>
-        <p:nvPicPr>
-          <p:cNvPr id="5" name="Content Placeholder 4"/>
-          <p:cNvPicPr>
-            <a:picLocks noGrp="1" noChangeAspect="1"/>
-          </p:cNvPicPr>
-          <p:nvPr>
-            <p:ph idx="1"/>
-          </p:nvPr>
-        </p:nvPicPr>
-        <p:blipFill>
-          <a:blip r:embed="rId2"/>
-          <a:stretch>
-            <a:fillRect/>
-          </a:stretch>
-        </p:blipFill>
-        <p:spPr>
-          <a:xfrm>
-            <a:off x="1531144" y="1784350"/>
-            <a:ext cx="6096000" cy="4572000"/>
-          </a:xfrm>
-          <a:prstGeom prst="rect">
-            <a:avLst/>
-          </a:prstGeom>
-        </p:spPr>
-      </p:pic>
-      <p:sp>
-        <p:nvSpPr>
-          <p:cNvPr id="4" name="Slide Number Placeholder 3"/>
-          <p:cNvSpPr>
-            <a:spLocks noGrp="1"/>
-          </p:cNvSpPr>
-          <p:nvPr>
-            <p:ph type="sldNum" sz="quarter" idx="12"/>
-          </p:nvPr>
-        </p:nvSpPr>
-        <p:spPr/>
-        <p:txBody>
-          <a:bodyPr/>
-          <a:lstStyle/>
-          <a:p>
-            <a:pPr>
-              <a:defRPr/>
-            </a:pPr>
-            <a:fld id="{8B8B984A-5AFF-7643-AE60-6D8D11294076}" type="slidenum">
-              <a:rPr lang="en-US" smtClean="0"/>
-              <a:pPr>
-                <a:defRPr/>
-              </a:pPr>
-              <a:t>99</a:t>
-            </a:fld>
-            <a:endParaRPr lang="en-US"/>
-          </a:p>
-        </p:txBody>
-      </p:sp>
-    </p:spTree>
-    <p:extLst>
-      <p:ext uri="{BB962C8B-B14F-4D97-AF65-F5344CB8AC3E}">
-        <p14:creationId xmlns:p14="http://schemas.microsoft.com/office/powerpoint/2010/main" val="3091410012"/>
       </p:ext>
     </p:extLst>
   </p:cSld>

--- a/coursePresentation.pptx
+++ b/coursePresentation.pptx
@@ -17704,7 +17704,7 @@
         <p:spPr>
           <a:xfrm>
             <a:off x="1524000" y="2057400"/>
-            <a:ext cx="5801588" cy="2677656"/>
+            <a:ext cx="6636753" cy="4154984"/>
           </a:xfrm>
           <a:prstGeom prst="rect">
             <a:avLst/>
@@ -17771,9 +17771,39 @@
           <a:p>
             <a:r>
               <a:rPr lang="en-US" dirty="0" smtClean="0"/>
-              <a:t>With Java1.7 …</a:t>
+              <a:t>With Java1.7 </a:t>
+            </a:r>
+            <a:r>
+              <a:rPr lang="en-US" dirty="0" smtClean="0"/>
+              <a:t>…</a:t>
+            </a:r>
+          </a:p>
+          <a:p>
+            <a:pPr marL="342900" indent="-342900">
+              <a:buFont typeface="Arial" pitchFamily="34" charset="0"/>
+              <a:buChar char="•"/>
+            </a:pPr>
+            <a:r>
+              <a:rPr lang="en-US" dirty="0" smtClean="0"/>
+              <a:t>If in doubt, copy my pom.xml and put it in the</a:t>
+            </a:r>
+          </a:p>
+          <a:p>
+            <a:r>
+              <a:rPr lang="en-US" dirty="0"/>
+              <a:t>r</a:t>
+            </a:r>
+            <a:r>
+              <a:rPr lang="en-US" dirty="0" smtClean="0"/>
+              <a:t>oot folder</a:t>
             </a:r>
             <a:endParaRPr lang="en-US" dirty="0"/>
+          </a:p>
+          <a:p>
+            <a:endParaRPr lang="en-US" dirty="0"/>
+          </a:p>
+          <a:p>
+            <a:endParaRPr lang="en-US" dirty="0" smtClean="0"/>
           </a:p>
         </p:txBody>
       </p:sp>
@@ -20173,7 +20203,7 @@
         <p:spPr>
           <a:xfrm>
             <a:off x="2760446" y="3198168"/>
-            <a:ext cx="2050561" cy="461665"/>
+            <a:ext cx="4536819" cy="1200329"/>
           </a:xfrm>
           <a:prstGeom prst="rect">
             <a:avLst/>
@@ -20187,7 +20217,23 @@
           <a:p>
             <a:r>
               <a:rPr lang="en-US" dirty="0" smtClean="0"/>
-              <a:t>Assignment 5</a:t>
+              <a:t>Assignment </a:t>
+            </a:r>
+            <a:r>
+              <a:rPr lang="en-US" dirty="0" smtClean="0"/>
+              <a:t>5</a:t>
+            </a:r>
+          </a:p>
+          <a:p>
+            <a:r>
+              <a:rPr lang="en-US" dirty="0" smtClean="0"/>
+              <a:t>Download various Java libraries</a:t>
+            </a:r>
+          </a:p>
+          <a:p>
+            <a:r>
+              <a:rPr lang="en-US" smtClean="0"/>
+              <a:t>And try them out ;)</a:t>
             </a:r>
             <a:endParaRPr lang="en-US" dirty="0"/>
           </a:p>

--- a/coursePresentation.pptx
+++ b/coursePresentation.pptx
@@ -5,10 +5,10 @@
     <p:sldMasterId id="2147484906" r:id="rId1"/>
   </p:sldMasterIdLst>
   <p:notesMasterIdLst>
-    <p:notesMasterId r:id="rId119"/>
+    <p:notesMasterId r:id="rId115"/>
   </p:notesMasterIdLst>
   <p:handoutMasterIdLst>
-    <p:handoutMasterId r:id="rId120"/>
+    <p:handoutMasterId r:id="rId116"/>
   </p:handoutMasterIdLst>
   <p:sldIdLst>
     <p:sldId id="257" r:id="rId2"/>
@@ -77,57 +77,53 @@
     <p:sldId id="381" r:id="rId65"/>
     <p:sldId id="382" r:id="rId66"/>
     <p:sldId id="379" r:id="rId67"/>
-    <p:sldId id="383" r:id="rId68"/>
-    <p:sldId id="384" r:id="rId69"/>
-    <p:sldId id="385" r:id="rId70"/>
-    <p:sldId id="386" r:id="rId71"/>
-    <p:sldId id="387" r:id="rId72"/>
-    <p:sldId id="422" r:id="rId73"/>
-    <p:sldId id="423" r:id="rId74"/>
-    <p:sldId id="406" r:id="rId75"/>
-    <p:sldId id="407" r:id="rId76"/>
-    <p:sldId id="402" r:id="rId77"/>
-    <p:sldId id="424" r:id="rId78"/>
-    <p:sldId id="388" r:id="rId79"/>
-    <p:sldId id="395" r:id="rId80"/>
-    <p:sldId id="396" r:id="rId81"/>
-    <p:sldId id="397" r:id="rId82"/>
-    <p:sldId id="398" r:id="rId83"/>
-    <p:sldId id="399" r:id="rId84"/>
-    <p:sldId id="400" r:id="rId85"/>
-    <p:sldId id="401" r:id="rId86"/>
-    <p:sldId id="428" r:id="rId87"/>
-    <p:sldId id="429" r:id="rId88"/>
-    <p:sldId id="430" r:id="rId89"/>
-    <p:sldId id="431" r:id="rId90"/>
-    <p:sldId id="432" r:id="rId91"/>
-    <p:sldId id="433" r:id="rId92"/>
-    <p:sldId id="434" r:id="rId93"/>
-    <p:sldId id="435" r:id="rId94"/>
-    <p:sldId id="436" r:id="rId95"/>
-    <p:sldId id="437" r:id="rId96"/>
-    <p:sldId id="438" r:id="rId97"/>
-    <p:sldId id="439" r:id="rId98"/>
-    <p:sldId id="446" r:id="rId99"/>
-    <p:sldId id="440" r:id="rId100"/>
-    <p:sldId id="441" r:id="rId101"/>
-    <p:sldId id="443" r:id="rId102"/>
-    <p:sldId id="444" r:id="rId103"/>
-    <p:sldId id="445" r:id="rId104"/>
-    <p:sldId id="409" r:id="rId105"/>
-    <p:sldId id="425" r:id="rId106"/>
-    <p:sldId id="442" r:id="rId107"/>
-    <p:sldId id="411" r:id="rId108"/>
-    <p:sldId id="427" r:id="rId109"/>
-    <p:sldId id="426" r:id="rId110"/>
-    <p:sldId id="413" r:id="rId111"/>
-    <p:sldId id="389" r:id="rId112"/>
-    <p:sldId id="390" r:id="rId113"/>
-    <p:sldId id="391" r:id="rId114"/>
-    <p:sldId id="392" r:id="rId115"/>
-    <p:sldId id="414" r:id="rId116"/>
-    <p:sldId id="393" r:id="rId117"/>
-    <p:sldId id="394" r:id="rId118"/>
+    <p:sldId id="387" r:id="rId68"/>
+    <p:sldId id="422" r:id="rId69"/>
+    <p:sldId id="423" r:id="rId70"/>
+    <p:sldId id="406" r:id="rId71"/>
+    <p:sldId id="407" r:id="rId72"/>
+    <p:sldId id="402" r:id="rId73"/>
+    <p:sldId id="424" r:id="rId74"/>
+    <p:sldId id="388" r:id="rId75"/>
+    <p:sldId id="395" r:id="rId76"/>
+    <p:sldId id="396" r:id="rId77"/>
+    <p:sldId id="397" r:id="rId78"/>
+    <p:sldId id="398" r:id="rId79"/>
+    <p:sldId id="399" r:id="rId80"/>
+    <p:sldId id="400" r:id="rId81"/>
+    <p:sldId id="401" r:id="rId82"/>
+    <p:sldId id="428" r:id="rId83"/>
+    <p:sldId id="429" r:id="rId84"/>
+    <p:sldId id="430" r:id="rId85"/>
+    <p:sldId id="431" r:id="rId86"/>
+    <p:sldId id="432" r:id="rId87"/>
+    <p:sldId id="433" r:id="rId88"/>
+    <p:sldId id="434" r:id="rId89"/>
+    <p:sldId id="435" r:id="rId90"/>
+    <p:sldId id="436" r:id="rId91"/>
+    <p:sldId id="437" r:id="rId92"/>
+    <p:sldId id="438" r:id="rId93"/>
+    <p:sldId id="439" r:id="rId94"/>
+    <p:sldId id="446" r:id="rId95"/>
+    <p:sldId id="440" r:id="rId96"/>
+    <p:sldId id="441" r:id="rId97"/>
+    <p:sldId id="443" r:id="rId98"/>
+    <p:sldId id="444" r:id="rId99"/>
+    <p:sldId id="445" r:id="rId100"/>
+    <p:sldId id="409" r:id="rId101"/>
+    <p:sldId id="425" r:id="rId102"/>
+    <p:sldId id="442" r:id="rId103"/>
+    <p:sldId id="411" r:id="rId104"/>
+    <p:sldId id="427" r:id="rId105"/>
+    <p:sldId id="426" r:id="rId106"/>
+    <p:sldId id="413" r:id="rId107"/>
+    <p:sldId id="389" r:id="rId108"/>
+    <p:sldId id="390" r:id="rId109"/>
+    <p:sldId id="391" r:id="rId110"/>
+    <p:sldId id="392" r:id="rId111"/>
+    <p:sldId id="414" r:id="rId112"/>
+    <p:sldId id="393" r:id="rId113"/>
+    <p:sldId id="394" r:id="rId114"/>
   </p:sldIdLst>
   <p:sldSz cx="9144000" cy="6858000" type="screen4x3"/>
   <p:notesSz cx="6858000" cy="9144000"/>
@@ -6745,41 +6741,15 @@
           <a:p>
             <a:r>
               <a:rPr lang="en-US" dirty="0" smtClean="0"/>
-              <a:t>And see if your new row is inserted</a:t>
+              <a:t>Homework</a:t>
             </a:r>
             <a:endParaRPr lang="en-US" dirty="0"/>
           </a:p>
         </p:txBody>
       </p:sp>
-      <p:pic>
-        <p:nvPicPr>
-          <p:cNvPr id="5" name="Content Placeholder 4"/>
-          <p:cNvPicPr>
-            <a:picLocks noGrp="1" noChangeAspect="1"/>
-          </p:cNvPicPr>
-          <p:nvPr>
-            <p:ph idx="1"/>
-          </p:nvPr>
-        </p:nvPicPr>
-        <p:blipFill>
-          <a:blip r:embed="rId2"/>
-          <a:stretch>
-            <a:fillRect/>
-          </a:stretch>
-        </p:blipFill>
-        <p:spPr>
-          <a:xfrm>
-            <a:off x="1531144" y="1784350"/>
-            <a:ext cx="6096000" cy="4572000"/>
-          </a:xfrm>
-          <a:prstGeom prst="rect">
-            <a:avLst/>
-          </a:prstGeom>
-        </p:spPr>
-      </p:pic>
-      <p:sp>
-        <p:nvSpPr>
-          <p:cNvPr id="4" name="Slide Number Placeholder 3"/>
+      <p:sp>
+        <p:nvSpPr>
+          <p:cNvPr id="3" name="Slide Number Placeholder 2"/>
           <p:cNvSpPr>
             <a:spLocks noGrp="1"/>
           </p:cNvSpPr>
@@ -6795,21 +6765,57 @@
             <a:pPr>
               <a:defRPr/>
             </a:pPr>
-            <a:fld id="{8B8B984A-5AFF-7643-AE60-6D8D11294076}" type="slidenum">
-              <a:rPr lang="en-US" smtClean="0"/>
+            <a:fld id="{B2451C39-31DD-6D4B-9BED-758CF6C1BA6A}" type="slidenum">
+              <a:rPr lang="en-CA" smtClean="0"/>
               <a:pPr>
                 <a:defRPr/>
               </a:pPr>
               <a:t>100</a:t>
             </a:fld>
-            <a:endParaRPr lang="en-US"/>
+            <a:endParaRPr lang="en-CA"/>
+          </a:p>
+        </p:txBody>
+      </p:sp>
+      <p:sp>
+        <p:nvSpPr>
+          <p:cNvPr id="4" name="TextBox 3"/>
+          <p:cNvSpPr txBox="1"/>
+          <p:nvPr/>
+        </p:nvSpPr>
+        <p:spPr>
+          <a:xfrm>
+            <a:off x="1676400" y="2286000"/>
+            <a:ext cx="4753224" cy="830997"/>
+          </a:xfrm>
+          <a:prstGeom prst="rect">
+            <a:avLst/>
+          </a:prstGeom>
+          <a:noFill/>
+        </p:spPr>
+        <p:txBody>
+          <a:bodyPr wrap="none" rtlCol="0">
+            <a:spAutoFit/>
+          </a:bodyPr>
+          <a:lstStyle/>
+          <a:p>
+            <a:r>
+              <a:rPr lang="en-US" dirty="0" smtClean="0"/>
+              <a:t>3 guesses on what the work is? ;)</a:t>
+            </a:r>
+          </a:p>
+          <a:p>
+            <a:r>
+              <a:rPr lang="en-US" dirty="0" smtClean="0"/>
+              <a:t>Assignment9</a:t>
+            </a:r>
+            <a:endParaRPr lang="en-US" dirty="0"/>
           </a:p>
         </p:txBody>
       </p:sp>
     </p:spTree>
     <p:extLst>
       <p:ext uri="{BB962C8B-B14F-4D97-AF65-F5344CB8AC3E}">
-        <p14:creationId xmlns:p14="http://schemas.microsoft.com/office/powerpoint/2010/main" val="3091410012"/>
+        <p14:creationId xmlns:p14="http://schemas.microsoft.com/office/powerpoint/2010/main" val="2352623320"/>
       </p:ext>
     </p:extLst>
   </p:cSld>
@@ -6853,53 +6859,64 @@
           <a:p>
             <a:r>
               <a:rPr lang="en-US" dirty="0" smtClean="0"/>
-              <a:t>DB relationships (</a:t>
+              <a:t>Network Programming</a:t>
+            </a:r>
+            <a:endParaRPr lang="en-US" dirty="0"/>
+          </a:p>
+        </p:txBody>
+      </p:sp>
+      <p:sp>
+        <p:nvSpPr>
+          <p:cNvPr id="3" name="Content Placeholder 2"/>
+          <p:cNvSpPr>
+            <a:spLocks noGrp="1"/>
+          </p:cNvSpPr>
+          <p:nvPr>
+            <p:ph idx="1"/>
+          </p:nvPr>
+        </p:nvSpPr>
+        <p:spPr/>
+        <p:txBody>
+          <a:bodyPr>
+            <a:normAutofit fontScale="85000" lnSpcReduction="20000"/>
+          </a:bodyPr>
+          <a:lstStyle/>
+          <a:p>
+            <a:r>
+              <a:rPr lang="en-US" dirty="0" smtClean="0"/>
+              <a:t>OK, this is a somewhat filler lecture.  Course outline has a mandate to cover network programming.</a:t>
+            </a:r>
+          </a:p>
+          <a:p>
+            <a:r>
+              <a:rPr lang="en-US" dirty="0" smtClean="0"/>
+              <a:t>The Final exam, final project will have nothing to do with today’s SHORT lecture on Network Programming.</a:t>
+            </a:r>
+          </a:p>
+          <a:p>
+            <a:r>
+              <a:rPr lang="en-US" dirty="0" smtClean="0"/>
+              <a:t>Network Programming … UDP / TCP … very cool.  But realistically, you won’t be using those protocols directly.  In short, if want to do something in low-level, … try not to do it in Java please.</a:t>
+            </a:r>
+          </a:p>
+          <a:p>
+            <a:r>
+              <a:rPr lang="en-US" dirty="0" smtClean="0"/>
+              <a:t>http / https are by far the most common protocols used in Java</a:t>
+            </a:r>
+          </a:p>
+          <a:p>
+            <a:r>
+              <a:rPr lang="en-US" dirty="0" smtClean="0"/>
+              <a:t>See </a:t>
             </a:r>
             <a:r>
               <a:rPr lang="en-US" dirty="0" err="1" smtClean="0"/>
-              <a:t>cont</a:t>
-            </a:r>
-            <a:r>
-              <a:rPr lang="en-US" dirty="0" smtClean="0"/>
-              <a:t>)</a:t>
-            </a:r>
-            <a:endParaRPr lang="en-US" dirty="0"/>
-          </a:p>
-        </p:txBody>
-      </p:sp>
-      <p:sp>
-        <p:nvSpPr>
-          <p:cNvPr id="3" name="Content Placeholder 2"/>
-          <p:cNvSpPr>
-            <a:spLocks noGrp="1"/>
-          </p:cNvSpPr>
-          <p:nvPr>
-            <p:ph idx="1"/>
-          </p:nvPr>
-        </p:nvSpPr>
-        <p:spPr/>
-        <p:txBody>
-          <a:bodyPr/>
-          <a:lstStyle/>
-          <a:p>
-            <a:r>
-              <a:rPr lang="en-US" dirty="0" smtClean="0"/>
-              <a:t>See: </a:t>
-            </a:r>
-            <a:r>
-              <a:rPr lang="en-US" dirty="0" err="1" smtClean="0"/>
-              <a:t>TestDriverInsertsWithMySQLDB</a:t>
-            </a:r>
-            <a:endParaRPr lang="en-US" dirty="0" smtClean="0"/>
-          </a:p>
-          <a:p>
-            <a:r>
-              <a:rPr lang="en-US" dirty="0" smtClean="0"/>
-              <a:t>See: </a:t>
-            </a:r>
-            <a:r>
-              <a:rPr lang="en-US" dirty="0" err="1" smtClean="0"/>
-              <a:t>TestDriverSearchesWithMySQLDB</a:t>
+              <a:t>HttpComponentsDemo</a:t>
+            </a:r>
+            <a:r>
+              <a:rPr lang="en-US" dirty="0" smtClean="0"/>
+              <a:t> (still not very important, so let’s keep this short to cover the NEXT slide)</a:t>
             </a:r>
             <a:endParaRPr lang="en-US" dirty="0"/>
           </a:p>
@@ -6937,7 +6954,7 @@
     </p:spTree>
     <p:extLst>
       <p:ext uri="{BB962C8B-B14F-4D97-AF65-F5344CB8AC3E}">
-        <p14:creationId xmlns:p14="http://schemas.microsoft.com/office/powerpoint/2010/main" val="2656205412"/>
+        <p14:creationId xmlns:p14="http://schemas.microsoft.com/office/powerpoint/2010/main" val="498203968"/>
       </p:ext>
     </p:extLst>
   </p:cSld>
@@ -6981,7 +6998,7 @@
           <a:p>
             <a:r>
               <a:rPr lang="en-US" dirty="0" smtClean="0"/>
-              <a:t>What can go wrong?</a:t>
+              <a:t>What now?</a:t>
             </a:r>
             <a:endParaRPr lang="en-US" dirty="0"/>
           </a:p>
@@ -7000,64 +7017,67 @@
         <p:spPr/>
         <p:txBody>
           <a:bodyPr>
-            <a:normAutofit fontScale="77500" lnSpcReduction="20000"/>
+            <a:normAutofit fontScale="70000" lnSpcReduction="20000"/>
           </a:bodyPr>
           <a:lstStyle/>
           <a:p>
             <a:r>
               <a:rPr lang="en-US" dirty="0" smtClean="0"/>
-              <a:t>When playing around with power magic, you can get burned pretty fast.  Or if you’re a fan of </a:t>
-            </a:r>
-            <a:r>
-              <a:rPr lang="en-US" dirty="0" err="1" smtClean="0"/>
-              <a:t>spiderman</a:t>
-            </a:r>
-            <a:r>
-              <a:rPr lang="en-US" dirty="0"/>
-              <a:t>:</a:t>
-            </a:r>
-            <a:r>
-              <a:rPr lang="en-US" dirty="0" smtClean="0"/>
-              <a:t> </a:t>
-            </a:r>
-            <a:r>
-              <a:rPr lang="en-US" b="1" dirty="0"/>
-              <a:t>With great power, comes great </a:t>
-            </a:r>
-            <a:r>
-              <a:rPr lang="en-US" b="1" dirty="0" smtClean="0"/>
-              <a:t>responsibility.  JPA / Spring Data / Hibernate is one of the most powerful features (if not the most powerful feature) of </a:t>
-            </a:r>
-            <a:r>
-              <a:rPr lang="en-US" b="1" dirty="0" err="1" smtClean="0"/>
-              <a:t>JavaEE</a:t>
-            </a:r>
-            <a:r>
-              <a:rPr lang="en-US" b="1" dirty="0" smtClean="0"/>
-              <a:t>.  If you learn to master this, you’ll see other design patterns (which are annotations-based) come to play. </a:t>
-            </a:r>
-            <a:endParaRPr lang="en-US" dirty="0" smtClean="0"/>
-          </a:p>
-          <a:p>
-            <a:r>
-              <a:rPr lang="en-US" dirty="0" smtClean="0"/>
-              <a:t>Make sure to commit your code often when it is in a stable state</a:t>
-            </a:r>
-          </a:p>
-          <a:p>
-            <a:r>
-              <a:rPr lang="en-US" dirty="0" smtClean="0"/>
-              <a:t>If you Java Model class is out of sync with the DB, then go to your DB and drop the tables</a:t>
-            </a:r>
-          </a:p>
-          <a:p>
-            <a:r>
-              <a:rPr lang="en-US" dirty="0" smtClean="0"/>
-              <a:t>Play around with the hibernate.hbm2ddl.auto field in </a:t>
-            </a:r>
-            <a:r>
-              <a:rPr lang="en-US" dirty="0" err="1" smtClean="0"/>
-              <a:t>hibernate.properties</a:t>
+              <a:t>Not going to lie, the previous class was pretty *tough*.  There’s the technical code part, the *magic of annotations* and just the new train of thought with Java ORM</a:t>
+            </a:r>
+          </a:p>
+          <a:p>
+            <a:r>
+              <a:rPr lang="en-US" dirty="0" smtClean="0"/>
+              <a:t>Show of hands … how many people were </a:t>
+            </a:r>
+          </a:p>
+          <a:p>
+            <a:pPr marL="912114" lvl="1" indent="-514350">
+              <a:buFont typeface="+mj-lt"/>
+              <a:buAutoNum type="arabicPeriod"/>
+            </a:pPr>
+            <a:r>
+              <a:rPr lang="en-US" dirty="0" smtClean="0"/>
+              <a:t>Very confused about Database ORM</a:t>
+            </a:r>
+          </a:p>
+          <a:p>
+            <a:pPr marL="912114" lvl="1" indent="-514350">
+              <a:buFont typeface="+mj-lt"/>
+              <a:buAutoNum type="arabicPeriod"/>
+            </a:pPr>
+            <a:r>
+              <a:rPr lang="en-US" dirty="0" smtClean="0"/>
+              <a:t>Semi-confused</a:t>
+            </a:r>
+          </a:p>
+          <a:p>
+            <a:pPr marL="912114" lvl="1" indent="-514350">
+              <a:buFont typeface="+mj-lt"/>
+              <a:buAutoNum type="arabicPeriod"/>
+            </a:pPr>
+            <a:r>
+              <a:rPr lang="en-US" dirty="0" smtClean="0"/>
+              <a:t>Heck – easy stuff</a:t>
+            </a:r>
+          </a:p>
+          <a:p>
+            <a:r>
+              <a:rPr lang="en-US" dirty="0" smtClean="0"/>
+              <a:t>Also the lecture about Databases is by FAR one of the most important lectures.  Without databases, you will have NO Web Service, no Web app.  The concepts of DB alone is a course by itself.</a:t>
+            </a:r>
+          </a:p>
+          <a:p>
+            <a:r>
+              <a:rPr lang="en-US" dirty="0" smtClean="0"/>
+              <a:t>If no other questions, I’m going to repeat the last class again (and possibly again in the next class if I see a lot of blank faces)</a:t>
+            </a:r>
+          </a:p>
+          <a:p>
+            <a:r>
+              <a:rPr lang="en-US" dirty="0" smtClean="0"/>
+              <a:t>If you understand ORM inside out, feel free to work on your assignment or take off early</a:t>
             </a:r>
             <a:endParaRPr lang="en-US" dirty="0"/>
           </a:p>
@@ -7095,7 +7115,7 @@
     </p:spTree>
     <p:extLst>
       <p:ext uri="{BB962C8B-B14F-4D97-AF65-F5344CB8AC3E}">
-        <p14:creationId xmlns:p14="http://schemas.microsoft.com/office/powerpoint/2010/main" val="2737400390"/>
+        <p14:creationId xmlns:p14="http://schemas.microsoft.com/office/powerpoint/2010/main" val="3611507398"/>
       </p:ext>
     </p:extLst>
   </p:cSld>
@@ -7139,7 +7159,7 @@
           <a:p>
             <a:r>
               <a:rPr lang="en-US" dirty="0" smtClean="0"/>
-              <a:t>Power of Spring</a:t>
+              <a:t>Homework</a:t>
             </a:r>
             <a:endParaRPr lang="en-US" dirty="0"/>
           </a:p>
@@ -7147,102 +7167,7 @@
       </p:sp>
       <p:sp>
         <p:nvSpPr>
-          <p:cNvPr id="3" name="Content Placeholder 2"/>
-          <p:cNvSpPr>
-            <a:spLocks noGrp="1"/>
-          </p:cNvSpPr>
-          <p:nvPr>
-            <p:ph idx="1"/>
-          </p:nvPr>
-        </p:nvSpPr>
-        <p:spPr/>
-        <p:txBody>
-          <a:bodyPr>
-            <a:normAutofit fontScale="62500" lnSpcReduction="20000"/>
-          </a:bodyPr>
-          <a:lstStyle/>
-          <a:p>
-            <a:r>
-              <a:rPr lang="en-US" dirty="0" smtClean="0"/>
-              <a:t>So unknowingly, you have also tapped in to the power of Spring (we’re using Spring Data for JPA).  We’ve also covered Spring IOC (Inversion Of Control – the annotation magic)</a:t>
-            </a:r>
-          </a:p>
-          <a:p>
-            <a:r>
-              <a:rPr lang="en-US" dirty="0" smtClean="0"/>
-              <a:t>It is a piece of a much larger </a:t>
-            </a:r>
-            <a:r>
-              <a:rPr lang="en-US" dirty="0" err="1" smtClean="0"/>
-              <a:t>soln</a:t>
-            </a:r>
-            <a:r>
-              <a:rPr lang="en-US" dirty="0" smtClean="0"/>
-              <a:t> (beyond the scope of this course).  But if you understand Spring Data, the rest of the features the Spring will be “familiar”</a:t>
-            </a:r>
-          </a:p>
-          <a:p>
-            <a:r>
-              <a:rPr lang="en-US" dirty="0" smtClean="0"/>
-              <a:t>One of the features that Spring Data already uses is Connection Pooling … and then there is Paging (getting the first 10 results of Page1)</a:t>
-            </a:r>
-          </a:p>
-          <a:p>
-            <a:r>
-              <a:rPr lang="en-US" dirty="0" smtClean="0"/>
-              <a:t>Spring is definitely one of the largest frameworks within Java.</a:t>
-            </a:r>
-          </a:p>
-          <a:p>
-            <a:r>
-              <a:rPr lang="en-US" dirty="0" smtClean="0"/>
-              <a:t>One of the buzzes these days is to convert JPA -&gt; REST Services.  And then use </a:t>
-            </a:r>
-            <a:r>
-              <a:rPr lang="en-US" dirty="0" err="1" smtClean="0"/>
-              <a:t>BackboneJS</a:t>
-            </a:r>
-            <a:r>
-              <a:rPr lang="en-US" dirty="0" smtClean="0"/>
-              <a:t>, or </a:t>
-            </a:r>
-            <a:r>
-              <a:rPr lang="en-US" dirty="0" err="1" smtClean="0"/>
-              <a:t>AngularJS</a:t>
-            </a:r>
-            <a:r>
-              <a:rPr lang="en-US" dirty="0" smtClean="0"/>
-              <a:t> or </a:t>
-            </a:r>
-            <a:r>
-              <a:rPr lang="en-US" dirty="0" err="1" smtClean="0"/>
-              <a:t>EmberJS</a:t>
-            </a:r>
-            <a:r>
-              <a:rPr lang="en-US" dirty="0" smtClean="0"/>
-              <a:t>, </a:t>
-            </a:r>
-            <a:r>
-              <a:rPr lang="en-US" dirty="0" err="1" smtClean="0"/>
-              <a:t>etc</a:t>
-            </a:r>
-            <a:r>
-              <a:rPr lang="en-US" dirty="0" smtClean="0"/>
-              <a:t> to consume the REST Service.  Old way in Java was to do HTML rendering on the server side.  Newer way embraces the “JS” families.</a:t>
-            </a:r>
-          </a:p>
-          <a:p>
-            <a:r>
-              <a:rPr lang="en-US" dirty="0" smtClean="0"/>
-              <a:t>Most of the features of Spring are beyond the scope of this course, but Spring Data / Spring IOC are skills that you have at least *touched* on.</a:t>
-            </a:r>
-            <a:endParaRPr lang="en-US" dirty="0"/>
-          </a:p>
-        </p:txBody>
-      </p:sp>
-      <p:sp>
-        <p:nvSpPr>
-          <p:cNvPr id="4" name="Slide Number Placeholder 3"/>
+          <p:cNvPr id="3" name="Slide Number Placeholder 2"/>
           <p:cNvSpPr>
             <a:spLocks noGrp="1"/>
           </p:cNvSpPr>
@@ -7258,21 +7183,51 @@
             <a:pPr>
               <a:defRPr/>
             </a:pPr>
-            <a:fld id="{8B8B984A-5AFF-7643-AE60-6D8D11294076}" type="slidenum">
-              <a:rPr lang="en-US" smtClean="0"/>
+            <a:fld id="{B2451C39-31DD-6D4B-9BED-758CF6C1BA6A}" type="slidenum">
+              <a:rPr lang="en-CA" smtClean="0"/>
               <a:pPr>
                 <a:defRPr/>
               </a:pPr>
               <a:t>103</a:t>
             </a:fld>
-            <a:endParaRPr lang="en-US"/>
+            <a:endParaRPr lang="en-CA"/>
+          </a:p>
+        </p:txBody>
+      </p:sp>
+      <p:sp>
+        <p:nvSpPr>
+          <p:cNvPr id="4" name="TextBox 3"/>
+          <p:cNvSpPr txBox="1"/>
+          <p:nvPr/>
+        </p:nvSpPr>
+        <p:spPr>
+          <a:xfrm>
+            <a:off x="1371600" y="2209800"/>
+            <a:ext cx="2222083" cy="461665"/>
+          </a:xfrm>
+          <a:prstGeom prst="rect">
+            <a:avLst/>
+          </a:prstGeom>
+          <a:noFill/>
+        </p:spPr>
+        <p:txBody>
+          <a:bodyPr wrap="none" rtlCol="0">
+            <a:spAutoFit/>
+          </a:bodyPr>
+          <a:lstStyle/>
+          <a:p>
+            <a:r>
+              <a:rPr lang="en-US" dirty="0" smtClean="0"/>
+              <a:t>Assignment 10</a:t>
+            </a:r>
+            <a:endParaRPr lang="en-US" dirty="0"/>
           </a:p>
         </p:txBody>
       </p:sp>
     </p:spTree>
     <p:extLst>
       <p:ext uri="{BB962C8B-B14F-4D97-AF65-F5344CB8AC3E}">
-        <p14:creationId xmlns:p14="http://schemas.microsoft.com/office/powerpoint/2010/main" val="3725324018"/>
+        <p14:creationId xmlns:p14="http://schemas.microsoft.com/office/powerpoint/2010/main" val="2217852683"/>
       </p:ext>
     </p:extLst>
   </p:cSld>
@@ -7316,7 +7271,7 @@
           <a:p>
             <a:r>
               <a:rPr lang="en-US" dirty="0" smtClean="0"/>
-              <a:t>Homework</a:t>
+              <a:t>MVC (Model-View-Controller)</a:t>
             </a:r>
             <a:endParaRPr lang="en-US" dirty="0"/>
           </a:p>
@@ -7324,7 +7279,95 @@
       </p:sp>
       <p:sp>
         <p:nvSpPr>
-          <p:cNvPr id="3" name="Slide Number Placeholder 2"/>
+          <p:cNvPr id="3" name="Content Placeholder 2"/>
+          <p:cNvSpPr>
+            <a:spLocks noGrp="1"/>
+          </p:cNvSpPr>
+          <p:nvPr>
+            <p:ph idx="1"/>
+          </p:nvPr>
+        </p:nvSpPr>
+        <p:spPr/>
+        <p:txBody>
+          <a:bodyPr>
+            <a:normAutofit fontScale="77500" lnSpcReduction="20000"/>
+          </a:bodyPr>
+          <a:lstStyle/>
+          <a:p>
+            <a:r>
+              <a:rPr lang="en-US" dirty="0" smtClean="0"/>
+              <a:t>You already used it with </a:t>
+            </a:r>
+            <a:r>
+              <a:rPr lang="en-US" dirty="0" err="1" smtClean="0"/>
+              <a:t>JavaFx</a:t>
+            </a:r>
+            <a:r>
+              <a:rPr lang="en-US" dirty="0" smtClean="0"/>
+              <a:t> / FXML</a:t>
+            </a:r>
+          </a:p>
+          <a:p>
+            <a:r>
+              <a:rPr lang="en-US" dirty="0" smtClean="0"/>
+              <a:t>Which was the Model?</a:t>
+            </a:r>
+          </a:p>
+          <a:p>
+            <a:r>
+              <a:rPr lang="en-US" dirty="0" smtClean="0"/>
+              <a:t>View?</a:t>
+            </a:r>
+          </a:p>
+          <a:p>
+            <a:r>
+              <a:rPr lang="en-US" dirty="0" smtClean="0"/>
+              <a:t>Controller?</a:t>
+            </a:r>
+          </a:p>
+          <a:p>
+            <a:r>
+              <a:rPr lang="en-US" dirty="0" smtClean="0"/>
+              <a:t>Admittedly, MVC (a somewhat 2000’ish design pattern) isn’t always the best design pattern, but very commonly used.  Pretty good, but not always the best.</a:t>
+            </a:r>
+          </a:p>
+          <a:p>
+            <a:r>
+              <a:rPr lang="en-US" dirty="0" smtClean="0"/>
+              <a:t>Lots of other ones out there like MVP, MVVM, and now there’s a category called MVW – whatever!</a:t>
+            </a:r>
+          </a:p>
+          <a:p>
+            <a:r>
+              <a:rPr lang="en-US" dirty="0" smtClean="0"/>
+              <a:t>Questions?  If not, go back to your Assignment!</a:t>
+            </a:r>
+          </a:p>
+          <a:p>
+            <a:r>
+              <a:rPr lang="en-US" dirty="0" smtClean="0"/>
+              <a:t>I’ll be here to answer questions for the rest of this lecture.</a:t>
+            </a:r>
+          </a:p>
+          <a:p>
+            <a:r>
+              <a:rPr lang="en-US" dirty="0" smtClean="0"/>
+              <a:t>Advice: Check out your neighbor’s application.  </a:t>
+            </a:r>
+            <a:r>
+              <a:rPr lang="en-US" smtClean="0"/>
+              <a:t>Strongly encouraged.</a:t>
+            </a:r>
+            <a:endParaRPr lang="en-US" dirty="0" smtClean="0"/>
+          </a:p>
+          <a:p>
+            <a:endParaRPr lang="en-US" dirty="0"/>
+          </a:p>
+        </p:txBody>
+      </p:sp>
+      <p:sp>
+        <p:nvSpPr>
+          <p:cNvPr id="4" name="Slide Number Placeholder 3"/>
           <p:cNvSpPr>
             <a:spLocks noGrp="1"/>
           </p:cNvSpPr>
@@ -7340,57 +7383,21 @@
             <a:pPr>
               <a:defRPr/>
             </a:pPr>
-            <a:fld id="{B2451C39-31DD-6D4B-9BED-758CF6C1BA6A}" type="slidenum">
-              <a:rPr lang="en-CA" smtClean="0"/>
+            <a:fld id="{8B8B984A-5AFF-7643-AE60-6D8D11294076}" type="slidenum">
+              <a:rPr lang="en-US" smtClean="0"/>
               <a:pPr>
                 <a:defRPr/>
               </a:pPr>
               <a:t>104</a:t>
             </a:fld>
-            <a:endParaRPr lang="en-CA"/>
-          </a:p>
-        </p:txBody>
-      </p:sp>
-      <p:sp>
-        <p:nvSpPr>
-          <p:cNvPr id="4" name="TextBox 3"/>
-          <p:cNvSpPr txBox="1"/>
-          <p:nvPr/>
-        </p:nvSpPr>
-        <p:spPr>
-          <a:xfrm>
-            <a:off x="1676400" y="2286000"/>
-            <a:ext cx="4753224" cy="830997"/>
-          </a:xfrm>
-          <a:prstGeom prst="rect">
-            <a:avLst/>
-          </a:prstGeom>
-          <a:noFill/>
-        </p:spPr>
-        <p:txBody>
-          <a:bodyPr wrap="none" rtlCol="0">
-            <a:spAutoFit/>
-          </a:bodyPr>
-          <a:lstStyle/>
-          <a:p>
-            <a:r>
-              <a:rPr lang="en-US" dirty="0" smtClean="0"/>
-              <a:t>3 guesses on what the work is? ;)</a:t>
-            </a:r>
-          </a:p>
-          <a:p>
-            <a:r>
-              <a:rPr lang="en-US" dirty="0" smtClean="0"/>
-              <a:t>Assignment9</a:t>
-            </a:r>
-            <a:endParaRPr lang="en-US" dirty="0"/>
+            <a:endParaRPr lang="en-US"/>
           </a:p>
         </p:txBody>
       </p:sp>
     </p:spTree>
     <p:extLst>
       <p:ext uri="{BB962C8B-B14F-4D97-AF65-F5344CB8AC3E}">
-        <p14:creationId xmlns:p14="http://schemas.microsoft.com/office/powerpoint/2010/main" val="2352623320"/>
+        <p14:creationId xmlns:p14="http://schemas.microsoft.com/office/powerpoint/2010/main" val="3238898663"/>
       </p:ext>
     </p:extLst>
   </p:cSld>
@@ -7434,7 +7441,7 @@
           <a:p>
             <a:r>
               <a:rPr lang="en-US" dirty="0" smtClean="0"/>
-              <a:t>Network Programming</a:t>
+              <a:t>There’s a tool (library) for that</a:t>
             </a:r>
             <a:endParaRPr lang="en-US" dirty="0"/>
           </a:p>
@@ -7452,35 +7459,97 @@
         </p:nvSpPr>
         <p:spPr/>
         <p:txBody>
-          <a:bodyPr>
-            <a:normAutofit fontScale="85000" lnSpcReduction="20000"/>
-          </a:bodyPr>
-          <a:lstStyle/>
-          <a:p>
-            <a:r>
-              <a:rPr lang="en-US" dirty="0" smtClean="0"/>
-              <a:t>OK, this is a somewhat filler lecture.  Course outline has a mandate to cover network programming.</a:t>
-            </a:r>
-          </a:p>
-          <a:p>
-            <a:r>
-              <a:rPr lang="en-US" dirty="0" smtClean="0"/>
-              <a:t>The Final exam, final project will have nothing to do with today’s SHORT lecture on Network Programming.</a:t>
-            </a:r>
-          </a:p>
-          <a:p>
-            <a:r>
-              <a:rPr lang="en-US" dirty="0" smtClean="0"/>
-              <a:t>Network Programming … UDP / TCP … very cool.  But realistically, you won’t be using those protocols directly.  In short, if want to do something in low-level, … try not to do it in Java please.</a:t>
-            </a:r>
-          </a:p>
-          <a:p>
-            <a:r>
-              <a:rPr lang="en-US" dirty="0" smtClean="0"/>
-              <a:t>http / https are by far the most common protocols used in Java</a:t>
-            </a:r>
-          </a:p>
-          <a:p>
+          <a:bodyPr/>
+          <a:lstStyle/>
+          <a:p>
+            <a:r>
+              <a:rPr lang="en-US" dirty="0"/>
+              <a:t>&lt;dependency&gt;</a:t>
+            </a:r>
+          </a:p>
+          <a:p>
+            <a:r>
+              <a:rPr lang="en-US" dirty="0"/>
+              <a:t>	&lt;</a:t>
+            </a:r>
+            <a:r>
+              <a:rPr lang="en-US" dirty="0" err="1"/>
+              <a:t>groupId</a:t>
+            </a:r>
+            <a:r>
+              <a:rPr lang="en-US" dirty="0"/>
+              <a:t>&gt;</a:t>
+            </a:r>
+            <a:r>
+              <a:rPr lang="en-US" dirty="0" err="1"/>
+              <a:t>org.apache.httpcomponents</a:t>
+            </a:r>
+            <a:r>
+              <a:rPr lang="en-US" dirty="0"/>
+              <a:t>&lt;/</a:t>
+            </a:r>
+            <a:r>
+              <a:rPr lang="en-US" dirty="0" err="1"/>
+              <a:t>groupId</a:t>
+            </a:r>
+            <a:r>
+              <a:rPr lang="en-US" dirty="0"/>
+              <a:t>&gt;</a:t>
+            </a:r>
+          </a:p>
+          <a:p>
+            <a:r>
+              <a:rPr lang="en-US" dirty="0"/>
+              <a:t>	&lt;</a:t>
+            </a:r>
+            <a:r>
+              <a:rPr lang="en-US" dirty="0" err="1"/>
+              <a:t>artifactId</a:t>
+            </a:r>
+            <a:r>
+              <a:rPr lang="en-US" dirty="0"/>
+              <a:t>&gt;</a:t>
+            </a:r>
+            <a:r>
+              <a:rPr lang="en-US" dirty="0" err="1"/>
+              <a:t>httpclient</a:t>
+            </a:r>
+            <a:r>
+              <a:rPr lang="en-US" dirty="0"/>
+              <a:t>&lt;/</a:t>
+            </a:r>
+            <a:r>
+              <a:rPr lang="en-US" dirty="0" err="1"/>
+              <a:t>artifactId</a:t>
+            </a:r>
+            <a:r>
+              <a:rPr lang="en-US" dirty="0"/>
+              <a:t>&gt;</a:t>
+            </a:r>
+          </a:p>
+          <a:p>
+            <a:r>
+              <a:rPr lang="en-US" dirty="0"/>
+              <a:t>	&lt;version&gt;4.3.3&lt;/version&gt;</a:t>
+            </a:r>
+          </a:p>
+          <a:p>
+            <a:r>
+              <a:rPr lang="en-US" dirty="0"/>
+              <a:t>&lt;/dependency&gt;</a:t>
+            </a:r>
+          </a:p>
+          <a:p>
+            <a:r>
+              <a:rPr lang="en-US" dirty="0"/>
+              <a:t> </a:t>
+            </a:r>
+          </a:p>
+          <a:p>
+            <a:r>
+              <a:rPr lang="en-US" dirty="0"/>
+              <a:t> </a:t>
+            </a:r>
             <a:r>
               <a:rPr lang="en-US" dirty="0" smtClean="0"/>
               <a:t>See </a:t>
@@ -7488,10 +7557,6 @@
             <a:r>
               <a:rPr lang="en-US" dirty="0" err="1" smtClean="0"/>
               <a:t>HttpComponentsDemo</a:t>
-            </a:r>
-            <a:r>
-              <a:rPr lang="en-US" dirty="0" smtClean="0"/>
-              <a:t> (still not very important, so let’s keep this short to cover the NEXT slide)</a:t>
             </a:r>
             <a:endParaRPr lang="en-US" dirty="0"/>
           </a:p>
@@ -7529,7 +7594,7 @@
     </p:spTree>
     <p:extLst>
       <p:ext uri="{BB962C8B-B14F-4D97-AF65-F5344CB8AC3E}">
-        <p14:creationId xmlns:p14="http://schemas.microsoft.com/office/powerpoint/2010/main" val="498203968"/>
+        <p14:creationId xmlns:p14="http://schemas.microsoft.com/office/powerpoint/2010/main" val="664585395"/>
       </p:ext>
     </p:extLst>
   </p:cSld>
@@ -7573,7 +7638,7 @@
           <a:p>
             <a:r>
               <a:rPr lang="en-US" dirty="0" smtClean="0"/>
-              <a:t>What now?</a:t>
+              <a:t>Homework</a:t>
             </a:r>
             <a:endParaRPr lang="en-US" dirty="0"/>
           </a:p>
@@ -7581,86 +7646,7 @@
       </p:sp>
       <p:sp>
         <p:nvSpPr>
-          <p:cNvPr id="3" name="Content Placeholder 2"/>
-          <p:cNvSpPr>
-            <a:spLocks noGrp="1"/>
-          </p:cNvSpPr>
-          <p:nvPr>
-            <p:ph idx="1"/>
-          </p:nvPr>
-        </p:nvSpPr>
-        <p:spPr/>
-        <p:txBody>
-          <a:bodyPr>
-            <a:normAutofit fontScale="70000" lnSpcReduction="20000"/>
-          </a:bodyPr>
-          <a:lstStyle/>
-          <a:p>
-            <a:r>
-              <a:rPr lang="en-US" dirty="0" smtClean="0"/>
-              <a:t>Not going to lie, the previous class was pretty *tough*.  There’s the technical code part, the *magic of annotations* and just the new train of thought with Java ORM</a:t>
-            </a:r>
-          </a:p>
-          <a:p>
-            <a:r>
-              <a:rPr lang="en-US" dirty="0" smtClean="0"/>
-              <a:t>Show of hands … how many people were </a:t>
-            </a:r>
-          </a:p>
-          <a:p>
-            <a:pPr marL="912114" lvl="1" indent="-514350">
-              <a:buFont typeface="+mj-lt"/>
-              <a:buAutoNum type="arabicPeriod"/>
-            </a:pPr>
-            <a:r>
-              <a:rPr lang="en-US" dirty="0" smtClean="0"/>
-              <a:t>Very confused about Database ORM</a:t>
-            </a:r>
-          </a:p>
-          <a:p>
-            <a:pPr marL="912114" lvl="1" indent="-514350">
-              <a:buFont typeface="+mj-lt"/>
-              <a:buAutoNum type="arabicPeriod"/>
-            </a:pPr>
-            <a:r>
-              <a:rPr lang="en-US" dirty="0" smtClean="0"/>
-              <a:t>Semi-confused</a:t>
-            </a:r>
-          </a:p>
-          <a:p>
-            <a:pPr marL="912114" lvl="1" indent="-514350">
-              <a:buFont typeface="+mj-lt"/>
-              <a:buAutoNum type="arabicPeriod"/>
-            </a:pPr>
-            <a:r>
-              <a:rPr lang="en-US" dirty="0" smtClean="0"/>
-              <a:t>Heck – easy stuff</a:t>
-            </a:r>
-          </a:p>
-          <a:p>
-            <a:r>
-              <a:rPr lang="en-US" dirty="0" smtClean="0"/>
-              <a:t>Also the lecture about Databases is by FAR one of the most important lectures.  Without databases, you will have NO Web Service, no Web app.  The concepts of DB alone is a course by itself.</a:t>
-            </a:r>
-          </a:p>
-          <a:p>
-            <a:r>
-              <a:rPr lang="en-US" dirty="0" smtClean="0"/>
-              <a:t>If no other questions, I’m going to repeat the last class again (and possibly again in the next class if I see a lot of blank faces)</a:t>
-            </a:r>
-          </a:p>
-          <a:p>
-            <a:r>
-              <a:rPr lang="en-US" dirty="0" smtClean="0"/>
-              <a:t>If you understand ORM inside out, feel free to work on your assignment or take off early</a:t>
-            </a:r>
-            <a:endParaRPr lang="en-US" dirty="0"/>
-          </a:p>
-        </p:txBody>
-      </p:sp>
-      <p:sp>
-        <p:nvSpPr>
-          <p:cNvPr id="4" name="Slide Number Placeholder 3"/>
+          <p:cNvPr id="3" name="Slide Number Placeholder 2"/>
           <p:cNvSpPr>
             <a:spLocks noGrp="1"/>
           </p:cNvSpPr>
@@ -7676,21 +7662,74 @@
             <a:pPr>
               <a:defRPr/>
             </a:pPr>
-            <a:fld id="{8B8B984A-5AFF-7643-AE60-6D8D11294076}" type="slidenum">
-              <a:rPr lang="en-US" smtClean="0"/>
+            <a:fld id="{B2451C39-31DD-6D4B-9BED-758CF6C1BA6A}" type="slidenum">
+              <a:rPr lang="en-CA" smtClean="0"/>
               <a:pPr>
                 <a:defRPr/>
               </a:pPr>
               <a:t>106</a:t>
             </a:fld>
-            <a:endParaRPr lang="en-US"/>
+            <a:endParaRPr lang="en-CA"/>
+          </a:p>
+        </p:txBody>
+      </p:sp>
+      <p:sp>
+        <p:nvSpPr>
+          <p:cNvPr id="4" name="TextBox 3"/>
+          <p:cNvSpPr txBox="1"/>
+          <p:nvPr/>
+        </p:nvSpPr>
+        <p:spPr>
+          <a:xfrm>
+            <a:off x="1828800" y="1752600"/>
+            <a:ext cx="6296917" cy="1938992"/>
+          </a:xfrm>
+          <a:prstGeom prst="rect">
+            <a:avLst/>
+          </a:prstGeom>
+          <a:noFill/>
+        </p:spPr>
+        <p:txBody>
+          <a:bodyPr wrap="none" rtlCol="0">
+            <a:spAutoFit/>
+          </a:bodyPr>
+          <a:lstStyle/>
+          <a:p>
+            <a:r>
+              <a:rPr lang="en-US" dirty="0" smtClean="0"/>
+              <a:t>You guessed it Assignment11</a:t>
+            </a:r>
+          </a:p>
+          <a:p>
+            <a:r>
+              <a:rPr lang="en-US" dirty="0" smtClean="0"/>
+              <a:t>Hint for Final</a:t>
+            </a:r>
+          </a:p>
+          <a:p>
+            <a:r>
+              <a:rPr lang="en-US" dirty="0" smtClean="0"/>
+              <a:t>What can go wrong with your application</a:t>
+            </a:r>
+          </a:p>
+          <a:p>
+            <a:r>
+              <a:rPr lang="en-US" dirty="0" smtClean="0"/>
+              <a:t>When you demo it?  How should you handle,</a:t>
+            </a:r>
+          </a:p>
+          <a:p>
+            <a:r>
+              <a:rPr lang="en-US" dirty="0" smtClean="0"/>
+              <a:t>Fallback on what?</a:t>
+            </a:r>
           </a:p>
         </p:txBody>
       </p:sp>
     </p:spTree>
     <p:extLst>
       <p:ext uri="{BB962C8B-B14F-4D97-AF65-F5344CB8AC3E}">
-        <p14:creationId xmlns:p14="http://schemas.microsoft.com/office/powerpoint/2010/main" val="3611507398"/>
+        <p14:creationId xmlns:p14="http://schemas.microsoft.com/office/powerpoint/2010/main" val="3669441049"/>
       </p:ext>
     </p:extLst>
   </p:cSld>
@@ -7734,7 +7773,7 @@
           <a:p>
             <a:r>
               <a:rPr lang="en-US" dirty="0" smtClean="0"/>
-              <a:t>Homework</a:t>
+              <a:t>Food for thought…</a:t>
             </a:r>
             <a:endParaRPr lang="en-US" dirty="0"/>
           </a:p>
@@ -7777,8 +7816,8 @@
         </p:nvSpPr>
         <p:spPr>
           <a:xfrm>
-            <a:off x="1371600" y="2209800"/>
-            <a:ext cx="2222083" cy="461665"/>
+            <a:off x="1371600" y="1828800"/>
+            <a:ext cx="4831772" cy="1938992"/>
           </a:xfrm>
           <a:prstGeom prst="rect">
             <a:avLst/>
@@ -7791,9 +7830,53 @@
           </a:bodyPr>
           <a:lstStyle/>
           <a:p>
-            <a:r>
-              <a:rPr lang="en-US" dirty="0" smtClean="0"/>
-              <a:t>Assignment 10</a:t>
+            <a:pPr marL="342900" indent="-342900">
+              <a:buFont typeface="Arial" pitchFamily="34" charset="0"/>
+              <a:buChar char="•"/>
+            </a:pPr>
+            <a:r>
+              <a:rPr lang="en-US" dirty="0" smtClean="0"/>
+              <a:t>Maybe after this course …</a:t>
+            </a:r>
+          </a:p>
+          <a:p>
+            <a:pPr marL="342900" indent="-342900">
+              <a:buFont typeface="Arial" pitchFamily="34" charset="0"/>
+              <a:buChar char="•"/>
+            </a:pPr>
+            <a:r>
+              <a:rPr lang="en-US" dirty="0" smtClean="0"/>
+              <a:t>I REALLY hate Java…</a:t>
+            </a:r>
+          </a:p>
+          <a:p>
+            <a:pPr marL="342900" indent="-342900">
+              <a:buFont typeface="Arial" pitchFamily="34" charset="0"/>
+              <a:buChar char="•"/>
+            </a:pPr>
+            <a:r>
+              <a:rPr lang="en-US" dirty="0" smtClean="0"/>
+              <a:t>Or I REALLY love it</a:t>
+            </a:r>
+          </a:p>
+          <a:p>
+            <a:pPr marL="342900" indent="-342900">
+              <a:buFont typeface="Arial" pitchFamily="34" charset="0"/>
+              <a:buChar char="•"/>
+            </a:pPr>
+            <a:r>
+              <a:rPr lang="en-US" dirty="0" smtClean="0"/>
+              <a:t>But was that all you learned?</a:t>
+            </a:r>
+          </a:p>
+          <a:p>
+            <a:pPr marL="342900" indent="-342900">
+              <a:buFont typeface="Arial" pitchFamily="34" charset="0"/>
+              <a:buChar char="•"/>
+            </a:pPr>
+            <a:r>
+              <a:rPr lang="en-US" dirty="0" smtClean="0"/>
+              <a:t>I had a hidden agenda all along</a:t>
             </a:r>
             <a:endParaRPr lang="en-US" dirty="0"/>
           </a:p>
@@ -7802,7 +7885,7 @@
     </p:spTree>
     <p:extLst>
       <p:ext uri="{BB962C8B-B14F-4D97-AF65-F5344CB8AC3E}">
-        <p14:creationId xmlns:p14="http://schemas.microsoft.com/office/powerpoint/2010/main" val="2217852683"/>
+        <p14:creationId xmlns:p14="http://schemas.microsoft.com/office/powerpoint/2010/main" val="568372925"/>
       </p:ext>
     </p:extLst>
   </p:cSld>
@@ -7846,7 +7929,7 @@
           <a:p>
             <a:r>
               <a:rPr lang="en-US" dirty="0" smtClean="0"/>
-              <a:t>MVC (Model-View-Controller)</a:t>
+              <a:t>Well, what else did we learn?</a:t>
             </a:r>
             <a:endParaRPr lang="en-US" dirty="0"/>
           </a:p>
@@ -7854,95 +7937,7 @@
       </p:sp>
       <p:sp>
         <p:nvSpPr>
-          <p:cNvPr id="3" name="Content Placeholder 2"/>
-          <p:cNvSpPr>
-            <a:spLocks noGrp="1"/>
-          </p:cNvSpPr>
-          <p:nvPr>
-            <p:ph idx="1"/>
-          </p:nvPr>
-        </p:nvSpPr>
-        <p:spPr/>
-        <p:txBody>
-          <a:bodyPr>
-            <a:normAutofit fontScale="77500" lnSpcReduction="20000"/>
-          </a:bodyPr>
-          <a:lstStyle/>
-          <a:p>
-            <a:r>
-              <a:rPr lang="en-US" dirty="0" smtClean="0"/>
-              <a:t>You already used it with </a:t>
-            </a:r>
-            <a:r>
-              <a:rPr lang="en-US" dirty="0" err="1" smtClean="0"/>
-              <a:t>JavaFx</a:t>
-            </a:r>
-            <a:r>
-              <a:rPr lang="en-US" dirty="0" smtClean="0"/>
-              <a:t> / FXML</a:t>
-            </a:r>
-          </a:p>
-          <a:p>
-            <a:r>
-              <a:rPr lang="en-US" dirty="0" smtClean="0"/>
-              <a:t>Which was the Model?</a:t>
-            </a:r>
-          </a:p>
-          <a:p>
-            <a:r>
-              <a:rPr lang="en-US" dirty="0" smtClean="0"/>
-              <a:t>View?</a:t>
-            </a:r>
-          </a:p>
-          <a:p>
-            <a:r>
-              <a:rPr lang="en-US" dirty="0" smtClean="0"/>
-              <a:t>Controller?</a:t>
-            </a:r>
-          </a:p>
-          <a:p>
-            <a:r>
-              <a:rPr lang="en-US" dirty="0" smtClean="0"/>
-              <a:t>Admittedly, MVC (a somewhat 2000’ish design pattern) isn’t always the best design pattern, but very commonly used.  Pretty good, but not always the best.</a:t>
-            </a:r>
-          </a:p>
-          <a:p>
-            <a:r>
-              <a:rPr lang="en-US" dirty="0" smtClean="0"/>
-              <a:t>Lots of other ones out there like MVP, MVVM, and now there’s a category called MVW – whatever!</a:t>
-            </a:r>
-          </a:p>
-          <a:p>
-            <a:r>
-              <a:rPr lang="en-US" dirty="0" smtClean="0"/>
-              <a:t>Questions?  If not, go back to your Assignment!</a:t>
-            </a:r>
-          </a:p>
-          <a:p>
-            <a:r>
-              <a:rPr lang="en-US" dirty="0" smtClean="0"/>
-              <a:t>I’ll be here to answer questions for the rest of this lecture.</a:t>
-            </a:r>
-          </a:p>
-          <a:p>
-            <a:r>
-              <a:rPr lang="en-US" dirty="0" smtClean="0"/>
-              <a:t>Advice: Check out your neighbor’s application.  </a:t>
-            </a:r>
-            <a:r>
-              <a:rPr lang="en-US" smtClean="0"/>
-              <a:t>Strongly encouraged.</a:t>
-            </a:r>
-            <a:endParaRPr lang="en-US" dirty="0" smtClean="0"/>
-          </a:p>
-          <a:p>
-            <a:endParaRPr lang="en-US" dirty="0"/>
-          </a:p>
-        </p:txBody>
-      </p:sp>
-      <p:sp>
-        <p:nvSpPr>
-          <p:cNvPr id="4" name="Slide Number Placeholder 3"/>
+          <p:cNvPr id="3" name="Slide Number Placeholder 2"/>
           <p:cNvSpPr>
             <a:spLocks noGrp="1"/>
           </p:cNvSpPr>
@@ -7958,21 +7953,100 @@
             <a:pPr>
               <a:defRPr/>
             </a:pPr>
-            <a:fld id="{8B8B984A-5AFF-7643-AE60-6D8D11294076}" type="slidenum">
-              <a:rPr lang="en-US" smtClean="0"/>
+            <a:fld id="{B2451C39-31DD-6D4B-9BED-758CF6C1BA6A}" type="slidenum">
+              <a:rPr lang="en-CA" smtClean="0"/>
               <a:pPr>
                 <a:defRPr/>
               </a:pPr>
               <a:t>108</a:t>
             </a:fld>
-            <a:endParaRPr lang="en-US"/>
+            <a:endParaRPr lang="en-CA"/>
+          </a:p>
+        </p:txBody>
+      </p:sp>
+      <p:sp>
+        <p:nvSpPr>
+          <p:cNvPr id="4" name="TextBox 3"/>
+          <p:cNvSpPr txBox="1"/>
+          <p:nvPr/>
+        </p:nvSpPr>
+        <p:spPr>
+          <a:xfrm>
+            <a:off x="1447800" y="1905000"/>
+            <a:ext cx="7124066" cy="1938992"/>
+          </a:xfrm>
+          <a:prstGeom prst="rect">
+            <a:avLst/>
+          </a:prstGeom>
+          <a:noFill/>
+        </p:spPr>
+        <p:txBody>
+          <a:bodyPr wrap="none" rtlCol="0">
+            <a:spAutoFit/>
+          </a:bodyPr>
+          <a:lstStyle/>
+          <a:p>
+            <a:pPr marL="342900" indent="-342900">
+              <a:buFont typeface="Arial" pitchFamily="34" charset="0"/>
+              <a:buChar char="•"/>
+            </a:pPr>
+            <a:r>
+              <a:rPr lang="en-US" dirty="0" smtClean="0"/>
+              <a:t>Maven – although Maven is specific</a:t>
+            </a:r>
+          </a:p>
+          <a:p>
+            <a:pPr marL="342900" indent="-342900">
+              <a:buFont typeface="Arial" pitchFamily="34" charset="0"/>
+              <a:buChar char="•"/>
+            </a:pPr>
+            <a:r>
+              <a:rPr lang="en-US" dirty="0" smtClean="0"/>
+              <a:t>To java, the concept is universal.  Have</a:t>
+            </a:r>
+          </a:p>
+          <a:p>
+            <a:pPr marL="342900" indent="-342900">
+              <a:buFont typeface="Arial" pitchFamily="34" charset="0"/>
+              <a:buChar char="•"/>
+            </a:pPr>
+            <a:r>
+              <a:rPr lang="en-US" dirty="0" smtClean="0"/>
+              <a:t>A repository of libraries somewhere and</a:t>
+            </a:r>
+          </a:p>
+          <a:p>
+            <a:pPr marL="342900" indent="-342900">
+              <a:buFont typeface="Arial" pitchFamily="34" charset="0"/>
+              <a:buChar char="•"/>
+            </a:pPr>
+            <a:r>
+              <a:rPr lang="en-US" dirty="0" smtClean="0"/>
+              <a:t>Let a tool download them with their </a:t>
+            </a:r>
+            <a:r>
+              <a:rPr lang="en-US" dirty="0" err="1" smtClean="0"/>
+              <a:t>dependecies</a:t>
+            </a:r>
+            <a:endParaRPr lang="en-US" dirty="0" smtClean="0"/>
+          </a:p>
+          <a:p>
+            <a:pPr marL="342900" indent="-342900">
+              <a:buFont typeface="Arial" pitchFamily="34" charset="0"/>
+              <a:buChar char="•"/>
+            </a:pPr>
+            <a:r>
+              <a:rPr lang="en-US" dirty="0" smtClean="0"/>
+              <a:t>And help you build artifacts</a:t>
+            </a:r>
+            <a:endParaRPr lang="en-US" dirty="0"/>
           </a:p>
         </p:txBody>
       </p:sp>
     </p:spTree>
     <p:extLst>
       <p:ext uri="{BB962C8B-B14F-4D97-AF65-F5344CB8AC3E}">
-        <p14:creationId xmlns:p14="http://schemas.microsoft.com/office/powerpoint/2010/main" val="3238898663"/>
+        <p14:creationId xmlns:p14="http://schemas.microsoft.com/office/powerpoint/2010/main" val="3404509170"/>
       </p:ext>
     </p:extLst>
   </p:cSld>
@@ -8015,8 +8089,16 @@
           <a:lstStyle/>
           <a:p>
             <a:r>
-              <a:rPr lang="en-US" dirty="0" smtClean="0"/>
-              <a:t>There’s a tool (library) for that</a:t>
+              <a:rPr lang="en-US" dirty="0" err="1" smtClean="0"/>
+              <a:t>Git</a:t>
+            </a:r>
+            <a:r>
+              <a:rPr lang="en-US" dirty="0" smtClean="0"/>
+              <a:t>, </a:t>
+            </a:r>
+            <a:r>
+              <a:rPr lang="en-US" dirty="0" err="1" smtClean="0"/>
+              <a:t>Github</a:t>
             </a:r>
             <a:endParaRPr lang="en-US" dirty="0"/>
           </a:p>
@@ -8024,122 +8106,7 @@
       </p:sp>
       <p:sp>
         <p:nvSpPr>
-          <p:cNvPr id="3" name="Content Placeholder 2"/>
-          <p:cNvSpPr>
-            <a:spLocks noGrp="1"/>
-          </p:cNvSpPr>
-          <p:nvPr>
-            <p:ph idx="1"/>
-          </p:nvPr>
-        </p:nvSpPr>
-        <p:spPr/>
-        <p:txBody>
-          <a:bodyPr/>
-          <a:lstStyle/>
-          <a:p>
-            <a:r>
-              <a:rPr lang="en-US" dirty="0"/>
-              <a:t>&lt;dependency&gt;</a:t>
-            </a:r>
-          </a:p>
-          <a:p>
-            <a:r>
-              <a:rPr lang="en-US" dirty="0"/>
-              <a:t>	&lt;</a:t>
-            </a:r>
-            <a:r>
-              <a:rPr lang="en-US" dirty="0" err="1"/>
-              <a:t>groupId</a:t>
-            </a:r>
-            <a:r>
-              <a:rPr lang="en-US" dirty="0"/>
-              <a:t>&gt;</a:t>
-            </a:r>
-            <a:r>
-              <a:rPr lang="en-US" dirty="0" err="1"/>
-              <a:t>org.apache.httpcomponents</a:t>
-            </a:r>
-            <a:r>
-              <a:rPr lang="en-US" dirty="0"/>
-              <a:t>&lt;/</a:t>
-            </a:r>
-            <a:r>
-              <a:rPr lang="en-US" dirty="0" err="1"/>
-              <a:t>groupId</a:t>
-            </a:r>
-            <a:r>
-              <a:rPr lang="en-US" dirty="0"/>
-              <a:t>&gt;</a:t>
-            </a:r>
-          </a:p>
-          <a:p>
-            <a:r>
-              <a:rPr lang="en-US" dirty="0"/>
-              <a:t>	&lt;</a:t>
-            </a:r>
-            <a:r>
-              <a:rPr lang="en-US" dirty="0" err="1"/>
-              <a:t>artifactId</a:t>
-            </a:r>
-            <a:r>
-              <a:rPr lang="en-US" dirty="0"/>
-              <a:t>&gt;</a:t>
-            </a:r>
-            <a:r>
-              <a:rPr lang="en-US" dirty="0" err="1"/>
-              <a:t>httpclient</a:t>
-            </a:r>
-            <a:r>
-              <a:rPr lang="en-US" dirty="0"/>
-              <a:t>&lt;/</a:t>
-            </a:r>
-            <a:r>
-              <a:rPr lang="en-US" dirty="0" err="1"/>
-              <a:t>artifactId</a:t>
-            </a:r>
-            <a:r>
-              <a:rPr lang="en-US" dirty="0"/>
-              <a:t>&gt;</a:t>
-            </a:r>
-          </a:p>
-          <a:p>
-            <a:r>
-              <a:rPr lang="en-US" dirty="0"/>
-              <a:t>	&lt;version&gt;4.3.3&lt;/version&gt;</a:t>
-            </a:r>
-          </a:p>
-          <a:p>
-            <a:r>
-              <a:rPr lang="en-US" dirty="0"/>
-              <a:t>&lt;/dependency&gt;</a:t>
-            </a:r>
-          </a:p>
-          <a:p>
-            <a:r>
-              <a:rPr lang="en-US" dirty="0"/>
-              <a:t> </a:t>
-            </a:r>
-          </a:p>
-          <a:p>
-            <a:r>
-              <a:rPr lang="en-US" dirty="0"/>
-              <a:t> </a:t>
-            </a:r>
-            <a:r>
-              <a:rPr lang="en-US" dirty="0" smtClean="0"/>
-              <a:t>See </a:t>
-            </a:r>
-            <a:r>
-              <a:rPr lang="en-US" dirty="0" err="1" smtClean="0"/>
-              <a:t>HttpComponentsDemo</a:t>
-            </a:r>
-            <a:endParaRPr lang="en-US" dirty="0"/>
-          </a:p>
-        </p:txBody>
-      </p:sp>
-      <p:sp>
-        <p:nvSpPr>
-          <p:cNvPr id="4" name="Slide Number Placeholder 3"/>
+          <p:cNvPr id="3" name="Slide Number Placeholder 2"/>
           <p:cNvSpPr>
             <a:spLocks noGrp="1"/>
           </p:cNvSpPr>
@@ -8155,21 +8122,158 @@
             <a:pPr>
               <a:defRPr/>
             </a:pPr>
-            <a:fld id="{8B8B984A-5AFF-7643-AE60-6D8D11294076}" type="slidenum">
-              <a:rPr lang="en-US" smtClean="0"/>
+            <a:fld id="{B2451C39-31DD-6D4B-9BED-758CF6C1BA6A}" type="slidenum">
+              <a:rPr lang="en-CA" smtClean="0"/>
               <a:pPr>
                 <a:defRPr/>
               </a:pPr>
               <a:t>109</a:t>
             </a:fld>
-            <a:endParaRPr lang="en-US"/>
+            <a:endParaRPr lang="en-CA"/>
+          </a:p>
+        </p:txBody>
+      </p:sp>
+      <p:sp>
+        <p:nvSpPr>
+          <p:cNvPr id="4" name="TextBox 3"/>
+          <p:cNvSpPr txBox="1"/>
+          <p:nvPr/>
+        </p:nvSpPr>
+        <p:spPr>
+          <a:xfrm>
+            <a:off x="1143000" y="2209800"/>
+            <a:ext cx="7837402" cy="4154984"/>
+          </a:xfrm>
+          <a:prstGeom prst="rect">
+            <a:avLst/>
+          </a:prstGeom>
+          <a:noFill/>
+        </p:spPr>
+        <p:txBody>
+          <a:bodyPr wrap="none" rtlCol="0">
+            <a:spAutoFit/>
+          </a:bodyPr>
+          <a:lstStyle/>
+          <a:p>
+            <a:pPr marL="342900" indent="-342900">
+              <a:buFont typeface="Arial" pitchFamily="34" charset="0"/>
+              <a:buChar char="•"/>
+            </a:pPr>
+            <a:r>
+              <a:rPr lang="en-US" dirty="0" smtClean="0"/>
+              <a:t>I strongly recommend you use </a:t>
+            </a:r>
+            <a:r>
+              <a:rPr lang="en-US" dirty="0" err="1" smtClean="0"/>
+              <a:t>Git</a:t>
+            </a:r>
+            <a:r>
+              <a:rPr lang="en-US" dirty="0" smtClean="0"/>
+              <a:t> for your</a:t>
+            </a:r>
+          </a:p>
+          <a:p>
+            <a:r>
+              <a:rPr lang="en-US" dirty="0" smtClean="0"/>
+              <a:t>Other courses or personal projects or work.  Revision</a:t>
+            </a:r>
+          </a:p>
+          <a:p>
+            <a:r>
+              <a:rPr lang="en-US" dirty="0"/>
+              <a:t>m</a:t>
+            </a:r>
+            <a:r>
+              <a:rPr lang="en-US" dirty="0" smtClean="0"/>
+              <a:t>anagement is crucial in software engineering.  Without</a:t>
+            </a:r>
+          </a:p>
+          <a:p>
+            <a:r>
+              <a:rPr lang="en-US" dirty="0" err="1" smtClean="0"/>
+              <a:t>Git</a:t>
+            </a:r>
+            <a:r>
+              <a:rPr lang="en-US" dirty="0" smtClean="0"/>
+              <a:t>, how else would you go back to a previous revision</a:t>
+            </a:r>
+          </a:p>
+          <a:p>
+            <a:pPr marL="342900" indent="-342900">
+              <a:buFont typeface="Arial" pitchFamily="34" charset="0"/>
+              <a:buChar char="•"/>
+            </a:pPr>
+            <a:r>
+              <a:rPr lang="en-US" dirty="0" err="1" smtClean="0"/>
+              <a:t>GitHub</a:t>
+            </a:r>
+            <a:r>
+              <a:rPr lang="en-US" dirty="0" smtClean="0"/>
+              <a:t> and </a:t>
+            </a:r>
+            <a:r>
+              <a:rPr lang="en-US" dirty="0" err="1" smtClean="0"/>
+              <a:t>GitHub</a:t>
+            </a:r>
+            <a:r>
+              <a:rPr lang="en-US" dirty="0" smtClean="0"/>
+              <a:t> pages ties you into the open</a:t>
+            </a:r>
+          </a:p>
+          <a:p>
+            <a:r>
+              <a:rPr lang="en-US" dirty="0" smtClean="0"/>
+              <a:t>Source community.  Open source is good.  You now</a:t>
+            </a:r>
+          </a:p>
+          <a:p>
+            <a:r>
+              <a:rPr lang="en-US" dirty="0" smtClean="0"/>
+              <a:t>Have an open source project on </a:t>
+            </a:r>
+            <a:r>
+              <a:rPr lang="en-US" dirty="0" err="1" smtClean="0"/>
+              <a:t>GitHub</a:t>
+            </a:r>
+            <a:r>
+              <a:rPr lang="en-US" dirty="0" smtClean="0"/>
+              <a:t>.  Congrats.</a:t>
+            </a:r>
+          </a:p>
+          <a:p>
+            <a:r>
+              <a:rPr lang="en-US" dirty="0" smtClean="0"/>
+              <a:t>If you never created a homepage before, well, use</a:t>
+            </a:r>
+          </a:p>
+          <a:p>
+            <a:r>
+              <a:rPr lang="en-US" dirty="0" err="1" smtClean="0"/>
+              <a:t>GitHub</a:t>
+            </a:r>
+            <a:r>
+              <a:rPr lang="en-US" dirty="0" smtClean="0"/>
+              <a:t> pages.  Great for letting employers see your</a:t>
+            </a:r>
+          </a:p>
+          <a:p>
+            <a:r>
+              <a:rPr lang="en-US" dirty="0" smtClean="0"/>
+              <a:t>Project and let them see your coding style too!  Again,</a:t>
+            </a:r>
+          </a:p>
+          <a:p>
+            <a:r>
+              <a:rPr lang="en-US" dirty="0" smtClean="0"/>
+              <a:t>NOT java specific.</a:t>
+            </a:r>
           </a:p>
         </p:txBody>
       </p:sp>
     </p:spTree>
     <p:extLst>
       <p:ext uri="{BB962C8B-B14F-4D97-AF65-F5344CB8AC3E}">
-        <p14:creationId xmlns:p14="http://schemas.microsoft.com/office/powerpoint/2010/main" val="664585395"/>
+        <p14:creationId xmlns:p14="http://schemas.microsoft.com/office/powerpoint/2010/main" val="3442297372"/>
       </p:ext>
     </p:extLst>
   </p:cSld>
@@ -8454,7 +8558,7 @@
           <a:p>
             <a:r>
               <a:rPr lang="en-US" dirty="0" smtClean="0"/>
-              <a:t>Homework</a:t>
+              <a:t>MVC</a:t>
             </a:r>
             <a:endParaRPr lang="en-US" dirty="0"/>
           </a:p>
@@ -8497,8 +8601,8 @@
         </p:nvSpPr>
         <p:spPr>
           <a:xfrm>
-            <a:off x="1828800" y="1752600"/>
-            <a:ext cx="6296917" cy="1938992"/>
+            <a:off x="1371600" y="2286000"/>
+            <a:ext cx="7117333" cy="1569660"/>
           </a:xfrm>
           <a:prstGeom prst="rect">
             <a:avLst/>
@@ -8511,41 +8615,52 @@
           </a:bodyPr>
           <a:lstStyle/>
           <a:p>
-            <a:r>
-              <a:rPr lang="en-US" dirty="0" smtClean="0"/>
-              <a:t>You guessed it Assignment11</a:t>
-            </a:r>
-          </a:p>
-          <a:p>
-            <a:r>
-              <a:rPr lang="en-US" dirty="0" smtClean="0"/>
-              <a:t>Hint for Final</a:t>
-            </a:r>
-          </a:p>
-          <a:p>
-            <a:r>
-              <a:rPr lang="en-US" dirty="0" smtClean="0"/>
-              <a:t>What can go wrong with your application</a:t>
-            </a:r>
-          </a:p>
-          <a:p>
-            <a:r>
-              <a:rPr lang="en-US" dirty="0" smtClean="0"/>
-              <a:t>When you demo it?  How should you handle,</a:t>
-            </a:r>
-          </a:p>
-          <a:p>
-            <a:r>
-              <a:rPr lang="en-US" dirty="0" smtClean="0"/>
-              <a:t>Fallback on what?</a:t>
-            </a:r>
+            <a:pPr marL="342900" indent="-342900">
+              <a:buFont typeface="Arial" pitchFamily="34" charset="0"/>
+              <a:buChar char="•"/>
+            </a:pPr>
+            <a:r>
+              <a:rPr lang="en-US" dirty="0" smtClean="0"/>
+              <a:t>Hopefully, you learned a few design patterns</a:t>
+            </a:r>
+          </a:p>
+          <a:p>
+            <a:pPr marL="342900" indent="-342900">
+              <a:buFont typeface="Arial" pitchFamily="34" charset="0"/>
+              <a:buChar char="•"/>
+            </a:pPr>
+            <a:r>
+              <a:rPr lang="en-US" dirty="0" smtClean="0"/>
+              <a:t>Like MVC.  In later courses, you’ll learn MVP,</a:t>
+            </a:r>
+          </a:p>
+          <a:p>
+            <a:pPr marL="342900" indent="-342900">
+              <a:buFont typeface="Arial" pitchFamily="34" charset="0"/>
+              <a:buChar char="•"/>
+            </a:pPr>
+            <a:r>
+              <a:rPr lang="en-US" dirty="0" smtClean="0"/>
+              <a:t>MVVM, and MVW.   Again design patterns aren’t</a:t>
+            </a:r>
+          </a:p>
+          <a:p>
+            <a:pPr marL="342900" indent="-342900">
+              <a:buFont typeface="Arial" pitchFamily="34" charset="0"/>
+              <a:buChar char="•"/>
+            </a:pPr>
+            <a:r>
+              <a:rPr lang="en-US" dirty="0" smtClean="0"/>
+              <a:t>Specific to Java</a:t>
+            </a:r>
+            <a:endParaRPr lang="en-US" dirty="0"/>
           </a:p>
         </p:txBody>
       </p:sp>
     </p:spTree>
     <p:extLst>
       <p:ext uri="{BB962C8B-B14F-4D97-AF65-F5344CB8AC3E}">
-        <p14:creationId xmlns:p14="http://schemas.microsoft.com/office/powerpoint/2010/main" val="3669441049"/>
+        <p14:creationId xmlns:p14="http://schemas.microsoft.com/office/powerpoint/2010/main" val="1883758025"/>
       </p:ext>
     </p:extLst>
   </p:cSld>
@@ -8589,7 +8704,7 @@
           <a:p>
             <a:r>
               <a:rPr lang="en-US" dirty="0" smtClean="0"/>
-              <a:t>Food for thought…</a:t>
+              <a:t>Your neighbor</a:t>
             </a:r>
             <a:endParaRPr lang="en-US" dirty="0"/>
           </a:p>
@@ -8632,8 +8747,8 @@
         </p:nvSpPr>
         <p:spPr>
           <a:xfrm>
-            <a:off x="1371600" y="1828800"/>
-            <a:ext cx="4831772" cy="1938992"/>
+            <a:off x="1447800" y="2362200"/>
+            <a:ext cx="6694461" cy="2308324"/>
           </a:xfrm>
           <a:prstGeom prst="rect">
             <a:avLst/>
@@ -8652,7 +8767,13 @@
             </a:pPr>
             <a:r>
               <a:rPr lang="en-US" dirty="0" smtClean="0"/>
-              <a:t>Maybe after this course …</a:t>
+              <a:t>I really tried to create an atmosphere</a:t>
+            </a:r>
+          </a:p>
+          <a:p>
+            <a:r>
+              <a:rPr lang="en-US" dirty="0" smtClean="0"/>
+              <a:t>Where I *only* did 50% of the talking</a:t>
             </a:r>
           </a:p>
           <a:p>
@@ -8662,46 +8783,33 @@
             </a:pPr>
             <a:r>
               <a:rPr lang="en-US" dirty="0" smtClean="0"/>
-              <a:t>I REALLY hate Java…</a:t>
-            </a:r>
-          </a:p>
-          <a:p>
-            <a:pPr marL="342900" indent="-342900">
-              <a:buFont typeface="Arial" pitchFamily="34" charset="0"/>
-              <a:buChar char="•"/>
-            </a:pPr>
-            <a:r>
-              <a:rPr lang="en-US" dirty="0" smtClean="0"/>
-              <a:t>Or I REALLY love it</a:t>
-            </a:r>
-          </a:p>
-          <a:p>
-            <a:pPr marL="342900" indent="-342900">
-              <a:buFont typeface="Arial" pitchFamily="34" charset="0"/>
-              <a:buChar char="•"/>
-            </a:pPr>
-            <a:r>
-              <a:rPr lang="en-US" dirty="0" smtClean="0"/>
-              <a:t>But was that all you learned?</a:t>
-            </a:r>
-          </a:p>
-          <a:p>
-            <a:pPr marL="342900" indent="-342900">
-              <a:buFont typeface="Arial" pitchFamily="34" charset="0"/>
-              <a:buChar char="•"/>
-            </a:pPr>
-            <a:r>
-              <a:rPr lang="en-US" dirty="0" smtClean="0"/>
-              <a:t>I had a hidden agenda all along</a:t>
-            </a:r>
-            <a:endParaRPr lang="en-US" dirty="0"/>
+              <a:t>Really hoped that you got to know the people</a:t>
+            </a:r>
+          </a:p>
+          <a:p>
+            <a:r>
+              <a:rPr lang="en-US" dirty="0" smtClean="0"/>
+              <a:t>Sitting around you.  Exchange phone numbers,</a:t>
+            </a:r>
+          </a:p>
+          <a:p>
+            <a:r>
+              <a:rPr lang="en-US" dirty="0" smtClean="0"/>
+              <a:t>Emails with them.</a:t>
+            </a:r>
+          </a:p>
+          <a:p>
+            <a:r>
+              <a:rPr lang="en-US" dirty="0" smtClean="0"/>
+              <a:t>Programs come and go.  Friends are forever</a:t>
+            </a:r>
           </a:p>
         </p:txBody>
       </p:sp>
     </p:spTree>
     <p:extLst>
       <p:ext uri="{BB962C8B-B14F-4D97-AF65-F5344CB8AC3E}">
-        <p14:creationId xmlns:p14="http://schemas.microsoft.com/office/powerpoint/2010/main" val="568372925"/>
+        <p14:creationId xmlns:p14="http://schemas.microsoft.com/office/powerpoint/2010/main" val="3607217"/>
       </p:ext>
     </p:extLst>
   </p:cSld>
@@ -8745,7 +8853,7 @@
           <a:p>
             <a:r>
               <a:rPr lang="en-US" dirty="0" smtClean="0"/>
-              <a:t>Well, what else did we learn?</a:t>
+              <a:t>And most of all …</a:t>
             </a:r>
             <a:endParaRPr lang="en-US" dirty="0"/>
           </a:p>
@@ -8788,8 +8896,8 @@
         </p:nvSpPr>
         <p:spPr>
           <a:xfrm>
-            <a:off x="1447800" y="1905000"/>
-            <a:ext cx="7124066" cy="1938992"/>
+            <a:off x="1447800" y="2057400"/>
+            <a:ext cx="7111242" cy="3416320"/>
           </a:xfrm>
           <a:prstGeom prst="rect">
             <a:avLst/>
@@ -8808,61 +8916,75 @@
             </a:pPr>
             <a:r>
               <a:rPr lang="en-US" dirty="0" smtClean="0"/>
-              <a:t>Maven – although Maven is specific</a:t>
-            </a:r>
-          </a:p>
-          <a:p>
-            <a:pPr marL="342900" indent="-342900">
-              <a:buFont typeface="Arial" pitchFamily="34" charset="0"/>
-              <a:buChar char="•"/>
-            </a:pPr>
-            <a:r>
-              <a:rPr lang="en-US" dirty="0" smtClean="0"/>
-              <a:t>To java, the concept is universal.  Have</a:t>
-            </a:r>
-          </a:p>
-          <a:p>
-            <a:pPr marL="342900" indent="-342900">
-              <a:buFont typeface="Arial" pitchFamily="34" charset="0"/>
-              <a:buChar char="•"/>
-            </a:pPr>
-            <a:r>
-              <a:rPr lang="en-US" dirty="0" smtClean="0"/>
-              <a:t>A repository of libraries somewhere and</a:t>
-            </a:r>
-          </a:p>
-          <a:p>
-            <a:pPr marL="342900" indent="-342900">
-              <a:buFont typeface="Arial" pitchFamily="34" charset="0"/>
-              <a:buChar char="•"/>
-            </a:pPr>
-            <a:r>
-              <a:rPr lang="en-US" dirty="0" smtClean="0"/>
-              <a:t>Let a tool download them with their </a:t>
-            </a:r>
-            <a:r>
-              <a:rPr lang="en-US" dirty="0" err="1" smtClean="0"/>
-              <a:t>dependecies</a:t>
-            </a:r>
-            <a:endParaRPr lang="en-US" dirty="0" smtClean="0"/>
-          </a:p>
-          <a:p>
-            <a:pPr marL="342900" indent="-342900">
-              <a:buFont typeface="Arial" pitchFamily="34" charset="0"/>
-              <a:buChar char="•"/>
-            </a:pPr>
-            <a:r>
-              <a:rPr lang="en-US" dirty="0" smtClean="0"/>
-              <a:t>And help you build artifacts</a:t>
-            </a:r>
-            <a:endParaRPr lang="en-US" dirty="0"/>
+              <a:t>Software engineering and banging your</a:t>
+            </a:r>
+          </a:p>
+          <a:p>
+            <a:r>
+              <a:rPr lang="en-US" dirty="0"/>
+              <a:t>h</a:t>
+            </a:r>
+            <a:r>
+              <a:rPr lang="en-US" dirty="0" smtClean="0"/>
+              <a:t>ead against your keyboard.  This was a</a:t>
+            </a:r>
+          </a:p>
+          <a:p>
+            <a:r>
+              <a:rPr lang="en-US" dirty="0"/>
+              <a:t>p</a:t>
+            </a:r>
+            <a:r>
+              <a:rPr lang="en-US" dirty="0" smtClean="0"/>
+              <a:t>ut as much or as little as you want in this</a:t>
+            </a:r>
+          </a:p>
+          <a:p>
+            <a:r>
+              <a:rPr lang="en-US" dirty="0" smtClean="0"/>
+              <a:t>Course.  The project was yours from Day1.</a:t>
+            </a:r>
+          </a:p>
+          <a:p>
+            <a:r>
+              <a:rPr lang="en-US" dirty="0" smtClean="0"/>
+              <a:t>I personally grew quite attached to my first</a:t>
+            </a:r>
+          </a:p>
+          <a:p>
+            <a:r>
+              <a:rPr lang="en-US" dirty="0" smtClean="0"/>
+              <a:t>Software engineering project.  For me it was</a:t>
+            </a:r>
+          </a:p>
+          <a:p>
+            <a:r>
+              <a:rPr lang="en-US" dirty="0" smtClean="0"/>
+              <a:t>Fun.  I programmed it in C.  I don’t use C anymore,</a:t>
+            </a:r>
+          </a:p>
+          <a:p>
+            <a:r>
+              <a:rPr lang="en-US" dirty="0" smtClean="0"/>
+              <a:t>But it was the build your own, manage your own</a:t>
+            </a:r>
+          </a:p>
+          <a:p>
+            <a:r>
+              <a:rPr lang="en-US" dirty="0"/>
+              <a:t>a</a:t>
+            </a:r>
+            <a:r>
+              <a:rPr lang="en-US" dirty="0" smtClean="0"/>
+              <a:t>spect that still keeps me motivated in this field.</a:t>
+            </a:r>
           </a:p>
         </p:txBody>
       </p:sp>
     </p:spTree>
     <p:extLst>
       <p:ext uri="{BB962C8B-B14F-4D97-AF65-F5344CB8AC3E}">
-        <p14:creationId xmlns:p14="http://schemas.microsoft.com/office/powerpoint/2010/main" val="3404509170"/>
+        <p14:creationId xmlns:p14="http://schemas.microsoft.com/office/powerpoint/2010/main" val="1560099199"/>
       </p:ext>
     </p:extLst>
   </p:cSld>
@@ -8905,16 +9027,8 @@
           <a:lstStyle/>
           <a:p>
             <a:r>
-              <a:rPr lang="en-US" dirty="0" err="1" smtClean="0"/>
-              <a:t>Git</a:t>
-            </a:r>
-            <a:r>
-              <a:rPr lang="en-US" dirty="0" smtClean="0"/>
-              <a:t>, </a:t>
-            </a:r>
-            <a:r>
-              <a:rPr lang="en-US" dirty="0" err="1" smtClean="0"/>
-              <a:t>Github</a:t>
+              <a:rPr lang="en-US" dirty="0" smtClean="0"/>
+              <a:t>Thank-you + Optional Homework</a:t>
             </a:r>
             <a:endParaRPr lang="en-US" dirty="0"/>
           </a:p>
@@ -8944,695 +9058,6 @@
                 <a:defRPr/>
               </a:pPr>
               <a:t>113</a:t>
-            </a:fld>
-            <a:endParaRPr lang="en-CA"/>
-          </a:p>
-        </p:txBody>
-      </p:sp>
-      <p:sp>
-        <p:nvSpPr>
-          <p:cNvPr id="4" name="TextBox 3"/>
-          <p:cNvSpPr txBox="1"/>
-          <p:nvPr/>
-        </p:nvSpPr>
-        <p:spPr>
-          <a:xfrm>
-            <a:off x="1143000" y="2209800"/>
-            <a:ext cx="7837402" cy="4154984"/>
-          </a:xfrm>
-          <a:prstGeom prst="rect">
-            <a:avLst/>
-          </a:prstGeom>
-          <a:noFill/>
-        </p:spPr>
-        <p:txBody>
-          <a:bodyPr wrap="none" rtlCol="0">
-            <a:spAutoFit/>
-          </a:bodyPr>
-          <a:lstStyle/>
-          <a:p>
-            <a:pPr marL="342900" indent="-342900">
-              <a:buFont typeface="Arial" pitchFamily="34" charset="0"/>
-              <a:buChar char="•"/>
-            </a:pPr>
-            <a:r>
-              <a:rPr lang="en-US" dirty="0" smtClean="0"/>
-              <a:t>I strongly recommend you use </a:t>
-            </a:r>
-            <a:r>
-              <a:rPr lang="en-US" dirty="0" err="1" smtClean="0"/>
-              <a:t>Git</a:t>
-            </a:r>
-            <a:r>
-              <a:rPr lang="en-US" dirty="0" smtClean="0"/>
-              <a:t> for your</a:t>
-            </a:r>
-          </a:p>
-          <a:p>
-            <a:r>
-              <a:rPr lang="en-US" dirty="0" smtClean="0"/>
-              <a:t>Other courses or personal projects or work.  Revision</a:t>
-            </a:r>
-          </a:p>
-          <a:p>
-            <a:r>
-              <a:rPr lang="en-US" dirty="0"/>
-              <a:t>m</a:t>
-            </a:r>
-            <a:r>
-              <a:rPr lang="en-US" dirty="0" smtClean="0"/>
-              <a:t>anagement is crucial in software engineering.  Without</a:t>
-            </a:r>
-          </a:p>
-          <a:p>
-            <a:r>
-              <a:rPr lang="en-US" dirty="0" err="1" smtClean="0"/>
-              <a:t>Git</a:t>
-            </a:r>
-            <a:r>
-              <a:rPr lang="en-US" dirty="0" smtClean="0"/>
-              <a:t>, how else would you go back to a previous revision</a:t>
-            </a:r>
-          </a:p>
-          <a:p>
-            <a:pPr marL="342900" indent="-342900">
-              <a:buFont typeface="Arial" pitchFamily="34" charset="0"/>
-              <a:buChar char="•"/>
-            </a:pPr>
-            <a:r>
-              <a:rPr lang="en-US" dirty="0" err="1" smtClean="0"/>
-              <a:t>GitHub</a:t>
-            </a:r>
-            <a:r>
-              <a:rPr lang="en-US" dirty="0" smtClean="0"/>
-              <a:t> and </a:t>
-            </a:r>
-            <a:r>
-              <a:rPr lang="en-US" dirty="0" err="1" smtClean="0"/>
-              <a:t>GitHub</a:t>
-            </a:r>
-            <a:r>
-              <a:rPr lang="en-US" dirty="0" smtClean="0"/>
-              <a:t> pages ties you into the open</a:t>
-            </a:r>
-          </a:p>
-          <a:p>
-            <a:r>
-              <a:rPr lang="en-US" dirty="0" smtClean="0"/>
-              <a:t>Source community.  Open source is good.  You now</a:t>
-            </a:r>
-          </a:p>
-          <a:p>
-            <a:r>
-              <a:rPr lang="en-US" dirty="0" smtClean="0"/>
-              <a:t>Have an open source project on </a:t>
-            </a:r>
-            <a:r>
-              <a:rPr lang="en-US" dirty="0" err="1" smtClean="0"/>
-              <a:t>GitHub</a:t>
-            </a:r>
-            <a:r>
-              <a:rPr lang="en-US" dirty="0" smtClean="0"/>
-              <a:t>.  Congrats.</a:t>
-            </a:r>
-          </a:p>
-          <a:p>
-            <a:r>
-              <a:rPr lang="en-US" dirty="0" smtClean="0"/>
-              <a:t>If you never created a homepage before, well, use</a:t>
-            </a:r>
-          </a:p>
-          <a:p>
-            <a:r>
-              <a:rPr lang="en-US" dirty="0" err="1" smtClean="0"/>
-              <a:t>GitHub</a:t>
-            </a:r>
-            <a:r>
-              <a:rPr lang="en-US" dirty="0" smtClean="0"/>
-              <a:t> pages.  Great for letting employers see your</a:t>
-            </a:r>
-          </a:p>
-          <a:p>
-            <a:r>
-              <a:rPr lang="en-US" dirty="0" smtClean="0"/>
-              <a:t>Project and let them see your coding style too!  Again,</a:t>
-            </a:r>
-          </a:p>
-          <a:p>
-            <a:r>
-              <a:rPr lang="en-US" dirty="0" smtClean="0"/>
-              <a:t>NOT java specific.</a:t>
-            </a:r>
-          </a:p>
-        </p:txBody>
-      </p:sp>
-    </p:spTree>
-    <p:extLst>
-      <p:ext uri="{BB962C8B-B14F-4D97-AF65-F5344CB8AC3E}">
-        <p14:creationId xmlns:p14="http://schemas.microsoft.com/office/powerpoint/2010/main" val="3442297372"/>
-      </p:ext>
-    </p:extLst>
-  </p:cSld>
-  <p:clrMapOvr>
-    <a:masterClrMapping/>
-  </p:clrMapOvr>
-</p:sld>
-</file>
-
-<file path=ppt/slides/slide114.xml><?xml version="1.0" encoding="utf-8"?>
-<p:sld xmlns:a="http://schemas.openxmlformats.org/drawingml/2006/main" xmlns:r="http://schemas.openxmlformats.org/officeDocument/2006/relationships" xmlns:p="http://schemas.openxmlformats.org/presentationml/2006/main">
-  <p:cSld>
-    <p:spTree>
-      <p:nvGrpSpPr>
-        <p:cNvPr id="1" name=""/>
-        <p:cNvGrpSpPr/>
-        <p:nvPr/>
-      </p:nvGrpSpPr>
-      <p:grpSpPr>
-        <a:xfrm>
-          <a:off x="0" y="0"/>
-          <a:ext cx="0" cy="0"/>
-          <a:chOff x="0" y="0"/>
-          <a:chExt cx="0" cy="0"/>
-        </a:xfrm>
-      </p:grpSpPr>
-      <p:sp>
-        <p:nvSpPr>
-          <p:cNvPr id="2" name="Title 1"/>
-          <p:cNvSpPr>
-            <a:spLocks noGrp="1"/>
-          </p:cNvSpPr>
-          <p:nvPr>
-            <p:ph type="title"/>
-          </p:nvPr>
-        </p:nvSpPr>
-        <p:spPr/>
-        <p:txBody>
-          <a:bodyPr/>
-          <a:lstStyle/>
-          <a:p>
-            <a:r>
-              <a:rPr lang="en-US" dirty="0" smtClean="0"/>
-              <a:t>MVC</a:t>
-            </a:r>
-            <a:endParaRPr lang="en-US" dirty="0"/>
-          </a:p>
-        </p:txBody>
-      </p:sp>
-      <p:sp>
-        <p:nvSpPr>
-          <p:cNvPr id="3" name="Slide Number Placeholder 2"/>
-          <p:cNvSpPr>
-            <a:spLocks noGrp="1"/>
-          </p:cNvSpPr>
-          <p:nvPr>
-            <p:ph type="sldNum" sz="quarter" idx="12"/>
-          </p:nvPr>
-        </p:nvSpPr>
-        <p:spPr/>
-        <p:txBody>
-          <a:bodyPr/>
-          <a:lstStyle/>
-          <a:p>
-            <a:pPr>
-              <a:defRPr/>
-            </a:pPr>
-            <a:fld id="{B2451C39-31DD-6D4B-9BED-758CF6C1BA6A}" type="slidenum">
-              <a:rPr lang="en-CA" smtClean="0"/>
-              <a:pPr>
-                <a:defRPr/>
-              </a:pPr>
-              <a:t>114</a:t>
-            </a:fld>
-            <a:endParaRPr lang="en-CA"/>
-          </a:p>
-        </p:txBody>
-      </p:sp>
-      <p:sp>
-        <p:nvSpPr>
-          <p:cNvPr id="4" name="TextBox 3"/>
-          <p:cNvSpPr txBox="1"/>
-          <p:nvPr/>
-        </p:nvSpPr>
-        <p:spPr>
-          <a:xfrm>
-            <a:off x="1371600" y="2286000"/>
-            <a:ext cx="7117333" cy="1569660"/>
-          </a:xfrm>
-          <a:prstGeom prst="rect">
-            <a:avLst/>
-          </a:prstGeom>
-          <a:noFill/>
-        </p:spPr>
-        <p:txBody>
-          <a:bodyPr wrap="none" rtlCol="0">
-            <a:spAutoFit/>
-          </a:bodyPr>
-          <a:lstStyle/>
-          <a:p>
-            <a:pPr marL="342900" indent="-342900">
-              <a:buFont typeface="Arial" pitchFamily="34" charset="0"/>
-              <a:buChar char="•"/>
-            </a:pPr>
-            <a:r>
-              <a:rPr lang="en-US" dirty="0" smtClean="0"/>
-              <a:t>Hopefully, you learned a few design patterns</a:t>
-            </a:r>
-          </a:p>
-          <a:p>
-            <a:pPr marL="342900" indent="-342900">
-              <a:buFont typeface="Arial" pitchFamily="34" charset="0"/>
-              <a:buChar char="•"/>
-            </a:pPr>
-            <a:r>
-              <a:rPr lang="en-US" dirty="0" smtClean="0"/>
-              <a:t>Like MVC.  In later courses, you’ll learn MVP,</a:t>
-            </a:r>
-          </a:p>
-          <a:p>
-            <a:pPr marL="342900" indent="-342900">
-              <a:buFont typeface="Arial" pitchFamily="34" charset="0"/>
-              <a:buChar char="•"/>
-            </a:pPr>
-            <a:r>
-              <a:rPr lang="en-US" dirty="0" smtClean="0"/>
-              <a:t>MVVM, and MVW.   Again design patterns aren’t</a:t>
-            </a:r>
-          </a:p>
-          <a:p>
-            <a:pPr marL="342900" indent="-342900">
-              <a:buFont typeface="Arial" pitchFamily="34" charset="0"/>
-              <a:buChar char="•"/>
-            </a:pPr>
-            <a:r>
-              <a:rPr lang="en-US" dirty="0" smtClean="0"/>
-              <a:t>Specific to Java</a:t>
-            </a:r>
-            <a:endParaRPr lang="en-US" dirty="0"/>
-          </a:p>
-        </p:txBody>
-      </p:sp>
-    </p:spTree>
-    <p:extLst>
-      <p:ext uri="{BB962C8B-B14F-4D97-AF65-F5344CB8AC3E}">
-        <p14:creationId xmlns:p14="http://schemas.microsoft.com/office/powerpoint/2010/main" val="1883758025"/>
-      </p:ext>
-    </p:extLst>
-  </p:cSld>
-  <p:clrMapOvr>
-    <a:masterClrMapping/>
-  </p:clrMapOvr>
-</p:sld>
-</file>
-
-<file path=ppt/slides/slide115.xml><?xml version="1.0" encoding="utf-8"?>
-<p:sld xmlns:a="http://schemas.openxmlformats.org/drawingml/2006/main" xmlns:r="http://schemas.openxmlformats.org/officeDocument/2006/relationships" xmlns:p="http://schemas.openxmlformats.org/presentationml/2006/main">
-  <p:cSld>
-    <p:spTree>
-      <p:nvGrpSpPr>
-        <p:cNvPr id="1" name=""/>
-        <p:cNvGrpSpPr/>
-        <p:nvPr/>
-      </p:nvGrpSpPr>
-      <p:grpSpPr>
-        <a:xfrm>
-          <a:off x="0" y="0"/>
-          <a:ext cx="0" cy="0"/>
-          <a:chOff x="0" y="0"/>
-          <a:chExt cx="0" cy="0"/>
-        </a:xfrm>
-      </p:grpSpPr>
-      <p:sp>
-        <p:nvSpPr>
-          <p:cNvPr id="2" name="Title 1"/>
-          <p:cNvSpPr>
-            <a:spLocks noGrp="1"/>
-          </p:cNvSpPr>
-          <p:nvPr>
-            <p:ph type="title"/>
-          </p:nvPr>
-        </p:nvSpPr>
-        <p:spPr/>
-        <p:txBody>
-          <a:bodyPr/>
-          <a:lstStyle/>
-          <a:p>
-            <a:r>
-              <a:rPr lang="en-US" dirty="0" smtClean="0"/>
-              <a:t>Your neighbor</a:t>
-            </a:r>
-            <a:endParaRPr lang="en-US" dirty="0"/>
-          </a:p>
-        </p:txBody>
-      </p:sp>
-      <p:sp>
-        <p:nvSpPr>
-          <p:cNvPr id="3" name="Slide Number Placeholder 2"/>
-          <p:cNvSpPr>
-            <a:spLocks noGrp="1"/>
-          </p:cNvSpPr>
-          <p:nvPr>
-            <p:ph type="sldNum" sz="quarter" idx="12"/>
-          </p:nvPr>
-        </p:nvSpPr>
-        <p:spPr/>
-        <p:txBody>
-          <a:bodyPr/>
-          <a:lstStyle/>
-          <a:p>
-            <a:pPr>
-              <a:defRPr/>
-            </a:pPr>
-            <a:fld id="{B2451C39-31DD-6D4B-9BED-758CF6C1BA6A}" type="slidenum">
-              <a:rPr lang="en-CA" smtClean="0"/>
-              <a:pPr>
-                <a:defRPr/>
-              </a:pPr>
-              <a:t>115</a:t>
-            </a:fld>
-            <a:endParaRPr lang="en-CA"/>
-          </a:p>
-        </p:txBody>
-      </p:sp>
-      <p:sp>
-        <p:nvSpPr>
-          <p:cNvPr id="4" name="TextBox 3"/>
-          <p:cNvSpPr txBox="1"/>
-          <p:nvPr/>
-        </p:nvSpPr>
-        <p:spPr>
-          <a:xfrm>
-            <a:off x="1447800" y="2362200"/>
-            <a:ext cx="6694461" cy="2308324"/>
-          </a:xfrm>
-          <a:prstGeom prst="rect">
-            <a:avLst/>
-          </a:prstGeom>
-          <a:noFill/>
-        </p:spPr>
-        <p:txBody>
-          <a:bodyPr wrap="none" rtlCol="0">
-            <a:spAutoFit/>
-          </a:bodyPr>
-          <a:lstStyle/>
-          <a:p>
-            <a:pPr marL="342900" indent="-342900">
-              <a:buFont typeface="Arial" pitchFamily="34" charset="0"/>
-              <a:buChar char="•"/>
-            </a:pPr>
-            <a:r>
-              <a:rPr lang="en-US" dirty="0" smtClean="0"/>
-              <a:t>I really tried to create an atmosphere</a:t>
-            </a:r>
-          </a:p>
-          <a:p>
-            <a:r>
-              <a:rPr lang="en-US" dirty="0" smtClean="0"/>
-              <a:t>Where I *only* did 50% of the talking</a:t>
-            </a:r>
-          </a:p>
-          <a:p>
-            <a:pPr marL="342900" indent="-342900">
-              <a:buFont typeface="Arial" pitchFamily="34" charset="0"/>
-              <a:buChar char="•"/>
-            </a:pPr>
-            <a:r>
-              <a:rPr lang="en-US" dirty="0" smtClean="0"/>
-              <a:t>Really hoped that you got to know the people</a:t>
-            </a:r>
-          </a:p>
-          <a:p>
-            <a:r>
-              <a:rPr lang="en-US" dirty="0" smtClean="0"/>
-              <a:t>Sitting around you.  Exchange phone numbers,</a:t>
-            </a:r>
-          </a:p>
-          <a:p>
-            <a:r>
-              <a:rPr lang="en-US" dirty="0" smtClean="0"/>
-              <a:t>Emails with them.</a:t>
-            </a:r>
-          </a:p>
-          <a:p>
-            <a:r>
-              <a:rPr lang="en-US" dirty="0" smtClean="0"/>
-              <a:t>Programs come and go.  Friends are forever</a:t>
-            </a:r>
-          </a:p>
-        </p:txBody>
-      </p:sp>
-    </p:spTree>
-    <p:extLst>
-      <p:ext uri="{BB962C8B-B14F-4D97-AF65-F5344CB8AC3E}">
-        <p14:creationId xmlns:p14="http://schemas.microsoft.com/office/powerpoint/2010/main" val="3607217"/>
-      </p:ext>
-    </p:extLst>
-  </p:cSld>
-  <p:clrMapOvr>
-    <a:masterClrMapping/>
-  </p:clrMapOvr>
-</p:sld>
-</file>
-
-<file path=ppt/slides/slide116.xml><?xml version="1.0" encoding="utf-8"?>
-<p:sld xmlns:a="http://schemas.openxmlformats.org/drawingml/2006/main" xmlns:r="http://schemas.openxmlformats.org/officeDocument/2006/relationships" xmlns:p="http://schemas.openxmlformats.org/presentationml/2006/main">
-  <p:cSld>
-    <p:spTree>
-      <p:nvGrpSpPr>
-        <p:cNvPr id="1" name=""/>
-        <p:cNvGrpSpPr/>
-        <p:nvPr/>
-      </p:nvGrpSpPr>
-      <p:grpSpPr>
-        <a:xfrm>
-          <a:off x="0" y="0"/>
-          <a:ext cx="0" cy="0"/>
-          <a:chOff x="0" y="0"/>
-          <a:chExt cx="0" cy="0"/>
-        </a:xfrm>
-      </p:grpSpPr>
-      <p:sp>
-        <p:nvSpPr>
-          <p:cNvPr id="2" name="Title 1"/>
-          <p:cNvSpPr>
-            <a:spLocks noGrp="1"/>
-          </p:cNvSpPr>
-          <p:nvPr>
-            <p:ph type="title"/>
-          </p:nvPr>
-        </p:nvSpPr>
-        <p:spPr/>
-        <p:txBody>
-          <a:bodyPr/>
-          <a:lstStyle/>
-          <a:p>
-            <a:r>
-              <a:rPr lang="en-US" dirty="0" smtClean="0"/>
-              <a:t>And most of all …</a:t>
-            </a:r>
-            <a:endParaRPr lang="en-US" dirty="0"/>
-          </a:p>
-        </p:txBody>
-      </p:sp>
-      <p:sp>
-        <p:nvSpPr>
-          <p:cNvPr id="3" name="Slide Number Placeholder 2"/>
-          <p:cNvSpPr>
-            <a:spLocks noGrp="1"/>
-          </p:cNvSpPr>
-          <p:nvPr>
-            <p:ph type="sldNum" sz="quarter" idx="12"/>
-          </p:nvPr>
-        </p:nvSpPr>
-        <p:spPr/>
-        <p:txBody>
-          <a:bodyPr/>
-          <a:lstStyle/>
-          <a:p>
-            <a:pPr>
-              <a:defRPr/>
-            </a:pPr>
-            <a:fld id="{B2451C39-31DD-6D4B-9BED-758CF6C1BA6A}" type="slidenum">
-              <a:rPr lang="en-CA" smtClean="0"/>
-              <a:pPr>
-                <a:defRPr/>
-              </a:pPr>
-              <a:t>116</a:t>
-            </a:fld>
-            <a:endParaRPr lang="en-CA"/>
-          </a:p>
-        </p:txBody>
-      </p:sp>
-      <p:sp>
-        <p:nvSpPr>
-          <p:cNvPr id="4" name="TextBox 3"/>
-          <p:cNvSpPr txBox="1"/>
-          <p:nvPr/>
-        </p:nvSpPr>
-        <p:spPr>
-          <a:xfrm>
-            <a:off x="1447800" y="2057400"/>
-            <a:ext cx="7111242" cy="3416320"/>
-          </a:xfrm>
-          <a:prstGeom prst="rect">
-            <a:avLst/>
-          </a:prstGeom>
-          <a:noFill/>
-        </p:spPr>
-        <p:txBody>
-          <a:bodyPr wrap="none" rtlCol="0">
-            <a:spAutoFit/>
-          </a:bodyPr>
-          <a:lstStyle/>
-          <a:p>
-            <a:pPr marL="342900" indent="-342900">
-              <a:buFont typeface="Arial" pitchFamily="34" charset="0"/>
-              <a:buChar char="•"/>
-            </a:pPr>
-            <a:r>
-              <a:rPr lang="en-US" dirty="0" smtClean="0"/>
-              <a:t>Software engineering and banging your</a:t>
-            </a:r>
-          </a:p>
-          <a:p>
-            <a:r>
-              <a:rPr lang="en-US" dirty="0"/>
-              <a:t>h</a:t>
-            </a:r>
-            <a:r>
-              <a:rPr lang="en-US" dirty="0" smtClean="0"/>
-              <a:t>ead against your keyboard.  This was a</a:t>
-            </a:r>
-          </a:p>
-          <a:p>
-            <a:r>
-              <a:rPr lang="en-US" dirty="0"/>
-              <a:t>p</a:t>
-            </a:r>
-            <a:r>
-              <a:rPr lang="en-US" dirty="0" smtClean="0"/>
-              <a:t>ut as much or as little as you want in this</a:t>
-            </a:r>
-          </a:p>
-          <a:p>
-            <a:r>
-              <a:rPr lang="en-US" dirty="0" smtClean="0"/>
-              <a:t>Course.  The project was yours from Day1.</a:t>
-            </a:r>
-          </a:p>
-          <a:p>
-            <a:r>
-              <a:rPr lang="en-US" dirty="0" smtClean="0"/>
-              <a:t>I personally grew quite attached to my first</a:t>
-            </a:r>
-          </a:p>
-          <a:p>
-            <a:r>
-              <a:rPr lang="en-US" dirty="0" smtClean="0"/>
-              <a:t>Software engineering project.  For me it was</a:t>
-            </a:r>
-          </a:p>
-          <a:p>
-            <a:r>
-              <a:rPr lang="en-US" dirty="0" smtClean="0"/>
-              <a:t>Fun.  I programmed it in C.  I don’t use C anymore,</a:t>
-            </a:r>
-          </a:p>
-          <a:p>
-            <a:r>
-              <a:rPr lang="en-US" dirty="0" smtClean="0"/>
-              <a:t>But it was the build your own, manage your own</a:t>
-            </a:r>
-          </a:p>
-          <a:p>
-            <a:r>
-              <a:rPr lang="en-US" dirty="0"/>
-              <a:t>a</a:t>
-            </a:r>
-            <a:r>
-              <a:rPr lang="en-US" dirty="0" smtClean="0"/>
-              <a:t>spect that still keeps me motivated in this field.</a:t>
-            </a:r>
-          </a:p>
-        </p:txBody>
-      </p:sp>
-    </p:spTree>
-    <p:extLst>
-      <p:ext uri="{BB962C8B-B14F-4D97-AF65-F5344CB8AC3E}">
-        <p14:creationId xmlns:p14="http://schemas.microsoft.com/office/powerpoint/2010/main" val="1560099199"/>
-      </p:ext>
-    </p:extLst>
-  </p:cSld>
-  <p:clrMapOvr>
-    <a:masterClrMapping/>
-  </p:clrMapOvr>
-</p:sld>
-</file>
-
-<file path=ppt/slides/slide117.xml><?xml version="1.0" encoding="utf-8"?>
-<p:sld xmlns:a="http://schemas.openxmlformats.org/drawingml/2006/main" xmlns:r="http://schemas.openxmlformats.org/officeDocument/2006/relationships" xmlns:p="http://schemas.openxmlformats.org/presentationml/2006/main">
-  <p:cSld>
-    <p:spTree>
-      <p:nvGrpSpPr>
-        <p:cNvPr id="1" name=""/>
-        <p:cNvGrpSpPr/>
-        <p:nvPr/>
-      </p:nvGrpSpPr>
-      <p:grpSpPr>
-        <a:xfrm>
-          <a:off x="0" y="0"/>
-          <a:ext cx="0" cy="0"/>
-          <a:chOff x="0" y="0"/>
-          <a:chExt cx="0" cy="0"/>
-        </a:xfrm>
-      </p:grpSpPr>
-      <p:sp>
-        <p:nvSpPr>
-          <p:cNvPr id="2" name="Title 1"/>
-          <p:cNvSpPr>
-            <a:spLocks noGrp="1"/>
-          </p:cNvSpPr>
-          <p:nvPr>
-            <p:ph type="title"/>
-          </p:nvPr>
-        </p:nvSpPr>
-        <p:spPr/>
-        <p:txBody>
-          <a:bodyPr/>
-          <a:lstStyle/>
-          <a:p>
-            <a:r>
-              <a:rPr lang="en-US" dirty="0" smtClean="0"/>
-              <a:t>Thank-you + Optional Homework</a:t>
-            </a:r>
-            <a:endParaRPr lang="en-US" dirty="0"/>
-          </a:p>
-        </p:txBody>
-      </p:sp>
-      <p:sp>
-        <p:nvSpPr>
-          <p:cNvPr id="3" name="Slide Number Placeholder 2"/>
-          <p:cNvSpPr>
-            <a:spLocks noGrp="1"/>
-          </p:cNvSpPr>
-          <p:nvPr>
-            <p:ph type="sldNum" sz="quarter" idx="12"/>
-          </p:nvPr>
-        </p:nvSpPr>
-        <p:spPr/>
-        <p:txBody>
-          <a:bodyPr/>
-          <a:lstStyle/>
-          <a:p>
-            <a:pPr>
-              <a:defRPr/>
-            </a:pPr>
-            <a:fld id="{B2451C39-31DD-6D4B-9BED-758CF6C1BA6A}" type="slidenum">
-              <a:rPr lang="en-CA" smtClean="0"/>
-              <a:pPr>
-                <a:defRPr/>
-              </a:pPr>
-              <a:t>117</a:t>
             </a:fld>
             <a:endParaRPr lang="en-CA"/>
           </a:p>
@@ -20203,7 +19628,7 @@
         <p:spPr>
           <a:xfrm>
             <a:off x="2760446" y="3198168"/>
-            <a:ext cx="4536819" cy="1200329"/>
+            <a:ext cx="4536819" cy="1569660"/>
           </a:xfrm>
           <a:prstGeom prst="rect">
             <a:avLst/>
@@ -20232,8 +19657,18 @@
           </a:p>
           <a:p>
             <a:r>
+              <a:rPr lang="en-US" dirty="0" smtClean="0"/>
+              <a:t>And try them out ;)</a:t>
+            </a:r>
+          </a:p>
+          <a:p>
+            <a:r>
+              <a:rPr lang="en-US" dirty="0" smtClean="0"/>
+              <a:t>Study </a:t>
+            </a:r>
+            <a:r>
               <a:rPr lang="en-US" smtClean="0"/>
-              <a:t>And try them out ;)</a:t>
+              <a:t>for midterm</a:t>
             </a:r>
             <a:endParaRPr lang="en-US" dirty="0"/>
           </a:p>
@@ -20285,8 +19720,8 @@
           <a:lstStyle/>
           <a:p>
             <a:r>
-              <a:rPr lang="en-US" dirty="0" err="1" smtClean="0"/>
-              <a:t>JavaFx</a:t>
+              <a:rPr lang="en-US" dirty="0" smtClean="0"/>
+              <a:t>Homework</a:t>
             </a:r>
             <a:endParaRPr lang="en-US" dirty="0"/>
           </a:p>
@@ -20329,8 +19764,8 @@
         </p:nvSpPr>
         <p:spPr>
           <a:xfrm>
-            <a:off x="1371601" y="1905000"/>
-            <a:ext cx="7086600" cy="4154984"/>
+            <a:off x="1371601" y="2057400"/>
+            <a:ext cx="7010400" cy="461665"/>
           </a:xfrm>
           <a:prstGeom prst="rect">
             <a:avLst/>
@@ -20343,118 +19778,18 @@
           </a:bodyPr>
           <a:lstStyle/>
           <a:p>
-            <a:pPr marL="342900" indent="-342900">
-              <a:buFont typeface="Arial" pitchFamily="34" charset="0"/>
-              <a:buChar char="•"/>
-            </a:pPr>
-            <a:r>
-              <a:rPr lang="en-US" dirty="0" smtClean="0"/>
-              <a:t>The De-facto way of Java desktop applications</a:t>
-            </a:r>
-          </a:p>
-          <a:p>
-            <a:pPr marL="342900" indent="-342900">
-              <a:buFont typeface="Arial" pitchFamily="34" charset="0"/>
-              <a:buChar char="•"/>
-            </a:pPr>
-            <a:r>
-              <a:rPr lang="en-US" dirty="0" smtClean="0"/>
-              <a:t>Successor of AWT, Swing</a:t>
-            </a:r>
-          </a:p>
-          <a:p>
-            <a:pPr marL="342900" indent="-342900">
-              <a:buFont typeface="Arial" pitchFamily="34" charset="0"/>
-              <a:buChar char="•"/>
-            </a:pPr>
-            <a:r>
-              <a:rPr lang="en-US" dirty="0">
-                <a:hlinkClick r:id="rId2"/>
-              </a:rPr>
-              <a:t>http://</a:t>
-            </a:r>
-            <a:r>
-              <a:rPr lang="en-US" dirty="0" smtClean="0">
-                <a:hlinkClick r:id="rId2"/>
-              </a:rPr>
-              <a:t>www.oracle.com/technetwork/java/javafx/overview/faq-1446554.html#6</a:t>
+            <a:r>
+              <a:rPr lang="en-US" dirty="0" smtClean="0"/>
+              <a:t>Assignment6</a:t>
             </a:r>
             <a:endParaRPr lang="en-US" dirty="0" smtClean="0"/>
-          </a:p>
-          <a:p>
-            <a:pPr marL="342900" indent="-342900">
-              <a:buFont typeface="Arial" pitchFamily="34" charset="0"/>
-              <a:buChar char="•"/>
-            </a:pPr>
-            <a:r>
-              <a:rPr lang="en-US" dirty="0" smtClean="0"/>
-              <a:t>Use Scene Builder plugin for eclipse</a:t>
-            </a:r>
-          </a:p>
-          <a:p>
-            <a:pPr marL="342900" indent="-342900">
-              <a:buFont typeface="Arial" pitchFamily="34" charset="0"/>
-              <a:buChar char="•"/>
-            </a:pPr>
-            <a:r>
-              <a:rPr lang="en-US" dirty="0">
-                <a:hlinkClick r:id="rId3"/>
-              </a:rPr>
-              <a:t>http://</a:t>
-            </a:r>
-            <a:r>
-              <a:rPr lang="en-US" dirty="0" smtClean="0">
-                <a:hlinkClick r:id="rId3"/>
-              </a:rPr>
-              <a:t>www.eclipse.org/efxclipse/install.html</a:t>
-            </a:r>
-            <a:endParaRPr lang="en-US" dirty="0" smtClean="0"/>
-          </a:p>
-          <a:p>
-            <a:pPr marL="342900" indent="-342900">
-              <a:buFont typeface="Arial" pitchFamily="34" charset="0"/>
-              <a:buChar char="•"/>
-            </a:pPr>
-            <a:r>
-              <a:rPr lang="en-US" dirty="0">
-                <a:hlinkClick r:id="rId4"/>
-              </a:rPr>
-              <a:t>http://download.eclipse.org/modeling/tmf/xtext/updates/composite/releases</a:t>
-            </a:r>
-            <a:r>
-              <a:rPr lang="en-US" dirty="0" smtClean="0">
-                <a:hlinkClick r:id="rId4"/>
-              </a:rPr>
-              <a:t>/</a:t>
-            </a:r>
-            <a:endParaRPr lang="en-US" dirty="0" smtClean="0"/>
-          </a:p>
-          <a:p>
-            <a:pPr marL="342900" indent="-342900">
-              <a:buFont typeface="Arial" pitchFamily="34" charset="0"/>
-              <a:buChar char="•"/>
-            </a:pPr>
-            <a:r>
-              <a:rPr lang="en-US" dirty="0">
-                <a:hlinkClick r:id="rId5"/>
-              </a:rPr>
-              <a:t>http://download.eclipse.org/efxclipse/updates-released/0.9.0/site</a:t>
-            </a:r>
-            <a:endParaRPr lang="en-US" dirty="0" smtClean="0"/>
-          </a:p>
-          <a:p>
-            <a:pPr marL="342900" indent="-342900">
-              <a:buFont typeface="Arial" pitchFamily="34" charset="0"/>
-              <a:buChar char="•"/>
-            </a:pPr>
-            <a:endParaRPr lang="en-US" dirty="0"/>
           </a:p>
         </p:txBody>
       </p:sp>
     </p:spTree>
     <p:extLst>
       <p:ext uri="{BB962C8B-B14F-4D97-AF65-F5344CB8AC3E}">
-        <p14:creationId xmlns:p14="http://schemas.microsoft.com/office/powerpoint/2010/main" val="1758683530"/>
+        <p14:creationId xmlns:p14="http://schemas.microsoft.com/office/powerpoint/2010/main" val="3853638706"/>
       </p:ext>
     </p:extLst>
   </p:cSld>
@@ -20497,20 +19832,58 @@
           <a:lstStyle/>
           <a:p>
             <a:r>
+              <a:rPr lang="en-US" dirty="0" smtClean="0"/>
+              <a:t>This is where the course becomes … “you”</a:t>
+            </a:r>
+            <a:endParaRPr lang="en-US" dirty="0"/>
+          </a:p>
+        </p:txBody>
+      </p:sp>
+      <p:sp>
+        <p:nvSpPr>
+          <p:cNvPr id="3" name="Content Placeholder 2"/>
+          <p:cNvSpPr>
+            <a:spLocks noGrp="1"/>
+          </p:cNvSpPr>
+          <p:nvPr>
+            <p:ph idx="1"/>
+          </p:nvPr>
+        </p:nvSpPr>
+        <p:spPr>
+          <a:xfrm>
+            <a:off x="533400" y="2438400"/>
+            <a:ext cx="8153400" cy="3917160"/>
+          </a:xfrm>
+        </p:spPr>
+        <p:txBody>
+          <a:bodyPr/>
+          <a:lstStyle/>
+          <a:p>
+            <a:r>
+              <a:rPr lang="en-US" dirty="0" smtClean="0"/>
+              <a:t>I guess I could spend another class or two showing </a:t>
+            </a:r>
+            <a:r>
               <a:rPr lang="en-US" dirty="0" err="1" smtClean="0"/>
               <a:t>JavaFx</a:t>
             </a:r>
             <a:r>
               <a:rPr lang="en-US" dirty="0" smtClean="0"/>
-              <a:t> (</a:t>
+              <a:t> widgets (actually, I really can’t – I suck at </a:t>
             </a:r>
             <a:r>
               <a:rPr lang="en-US" dirty="0" err="1" smtClean="0"/>
-              <a:t>cont</a:t>
-            </a:r>
-            <a:r>
-              <a:rPr lang="en-US" dirty="0" smtClean="0"/>
-              <a:t>)</a:t>
+              <a:t>JavaFx</a:t>
+            </a:r>
+            <a:r>
+              <a:rPr lang="en-US" dirty="0" smtClean="0"/>
+              <a:t> – I don’t write desktop apps)</a:t>
+            </a:r>
+          </a:p>
+          <a:p>
+            <a:r>
+              <a:rPr lang="en-US" dirty="0" smtClean="0"/>
+              <a:t>Each project may use a different widget, experiment and have fun.</a:t>
             </a:r>
             <a:endParaRPr lang="en-US" dirty="0"/>
           </a:p>
@@ -20518,7 +19891,7 @@
       </p:sp>
       <p:sp>
         <p:nvSpPr>
-          <p:cNvPr id="3" name="Slide Number Placeholder 2"/>
+          <p:cNvPr id="4" name="Slide Number Placeholder 3"/>
           <p:cNvSpPr>
             <a:spLocks noGrp="1"/>
           </p:cNvSpPr>
@@ -20534,139 +19907,21 @@
             <a:pPr>
               <a:defRPr/>
             </a:pPr>
-            <a:fld id="{B2451C39-31DD-6D4B-9BED-758CF6C1BA6A}" type="slidenum">
-              <a:rPr lang="en-CA" smtClean="0"/>
+            <a:fld id="{8B8B984A-5AFF-7643-AE60-6D8D11294076}" type="slidenum">
+              <a:rPr lang="en-US" smtClean="0"/>
               <a:pPr>
                 <a:defRPr/>
               </a:pPr>
               <a:t>68</a:t>
             </a:fld>
-            <a:endParaRPr lang="en-CA"/>
-          </a:p>
-        </p:txBody>
-      </p:sp>
-      <p:sp>
-        <p:nvSpPr>
-          <p:cNvPr id="4" name="TextBox 3"/>
-          <p:cNvSpPr txBox="1"/>
-          <p:nvPr/>
-        </p:nvSpPr>
-        <p:spPr>
-          <a:xfrm>
-            <a:off x="1447800" y="1752600"/>
-            <a:ext cx="6705600" cy="1938992"/>
-          </a:xfrm>
-          <a:prstGeom prst="rect">
-            <a:avLst/>
-          </a:prstGeom>
-          <a:noFill/>
-        </p:spPr>
-        <p:txBody>
-          <a:bodyPr wrap="square" rtlCol="0">
-            <a:spAutoFit/>
-          </a:bodyPr>
-          <a:lstStyle/>
-          <a:p>
-            <a:r>
-              <a:rPr lang="en-US" dirty="0" smtClean="0"/>
-              <a:t>Tutorial: </a:t>
-            </a:r>
-            <a:r>
-              <a:rPr lang="en-US" dirty="0" smtClean="0">
-                <a:hlinkClick r:id="rId2"/>
-              </a:rPr>
-              <a:t>http</a:t>
-            </a:r>
-            <a:r>
-              <a:rPr lang="en-US" dirty="0">
-                <a:hlinkClick r:id="rId2"/>
-              </a:rPr>
-              <a:t>://</a:t>
-            </a:r>
-            <a:r>
-              <a:rPr lang="en-US" dirty="0" smtClean="0">
-                <a:hlinkClick r:id="rId2"/>
-              </a:rPr>
-              <a:t>docs.oracle.com/javafx/scenebuilder/1/use_java_ides/sb-with-eclipse.htm</a:t>
-            </a:r>
-            <a:endParaRPr lang="en-US" dirty="0" smtClean="0"/>
-          </a:p>
-          <a:p>
-            <a:endParaRPr lang="en-US" dirty="0" smtClean="0"/>
-          </a:p>
-          <a:p>
-            <a:endParaRPr lang="en-US" dirty="0" smtClean="0"/>
-          </a:p>
-        </p:txBody>
-      </p:sp>
-      <p:pic>
-        <p:nvPicPr>
-          <p:cNvPr id="6" name="Picture 2"/>
-          <p:cNvPicPr>
-            <a:picLocks noChangeAspect="1" noChangeArrowheads="1"/>
-          </p:cNvPicPr>
-          <p:nvPr/>
-        </p:nvPicPr>
-        <p:blipFill>
-          <a:blip r:embed="rId3">
-            <a:extLst>
-              <a:ext uri="{28A0092B-C50C-407E-A947-70E740481C1C}">
-                <a14:useLocalDpi xmlns:a14="http://schemas.microsoft.com/office/drawing/2010/main" val="0"/>
-              </a:ext>
-            </a:extLst>
-          </a:blip>
-          <a:srcRect/>
-          <a:stretch>
-            <a:fillRect/>
-          </a:stretch>
-        </p:blipFill>
-        <p:spPr bwMode="auto">
-          <a:xfrm>
-            <a:off x="2099398" y="3048000"/>
-            <a:ext cx="3338512" cy="3179535"/>
-          </a:xfrm>
-          <a:prstGeom prst="rect">
-            <a:avLst/>
-          </a:prstGeom>
-          <a:noFill/>
-          <a:ln>
-            <a:noFill/>
-          </a:ln>
-          <a:effectLst/>
-          <a:extLst>
-            <a:ext uri="{909E8E84-426E-40DD-AFC4-6F175D3DCCD1}">
-              <a14:hiddenFill xmlns:a14="http://schemas.microsoft.com/office/drawing/2010/main">
-                <a:solidFill>
-                  <a:schemeClr val="accent1"/>
-                </a:solidFill>
-              </a14:hiddenFill>
-            </a:ext>
-            <a:ext uri="{91240B29-F687-4F45-9708-019B960494DF}">
-              <a14:hiddenLine xmlns:a14="http://schemas.microsoft.com/office/drawing/2010/main" w="9525">
-                <a:solidFill>
-                  <a:schemeClr val="tx1"/>
-                </a:solidFill>
-                <a:miter lim="800000"/>
-                <a:headEnd/>
-                <a:tailEnd/>
-              </a14:hiddenLine>
-            </a:ext>
-            <a:ext uri="{AF507438-7753-43E0-B8FC-AC1667EBCBE1}">
-              <a14:hiddenEffects xmlns:a14="http://schemas.microsoft.com/office/drawing/2010/main">
-                <a:effectLst>
-                  <a:outerShdw dist="35921" dir="2700000" algn="ctr" rotWithShape="0">
-                    <a:schemeClr val="bg2"/>
-                  </a:outerShdw>
-                </a:effectLst>
-              </a14:hiddenEffects>
-            </a:ext>
-          </a:extLst>
-        </p:spPr>
-      </p:pic>
+            <a:endParaRPr lang="en-US"/>
+          </a:p>
+        </p:txBody>
+      </p:sp>
     </p:spTree>
     <p:extLst>
       <p:ext uri="{BB962C8B-B14F-4D97-AF65-F5344CB8AC3E}">
-        <p14:creationId xmlns:p14="http://schemas.microsoft.com/office/powerpoint/2010/main" val="2391453768"/>
+        <p14:creationId xmlns:p14="http://schemas.microsoft.com/office/powerpoint/2010/main" val="1526618300"/>
       </p:ext>
     </p:extLst>
   </p:cSld>
@@ -20709,20 +19964,8 @@
           <a:lstStyle/>
           <a:p>
             <a:r>
-              <a:rPr lang="en-US" dirty="0" err="1" smtClean="0"/>
-              <a:t>JavaFx</a:t>
-            </a:r>
-            <a:r>
-              <a:rPr lang="en-US" dirty="0" smtClean="0"/>
-              <a:t> (</a:t>
-            </a:r>
-            <a:r>
-              <a:rPr lang="en-US" dirty="0" err="1" smtClean="0"/>
-              <a:t>cont</a:t>
-            </a:r>
-            <a:r>
-              <a:rPr lang="en-US" dirty="0" smtClean="0"/>
-              <a:t>)</a:t>
+              <a:rPr lang="en-US" dirty="0" smtClean="0"/>
+              <a:t>Homework</a:t>
             </a:r>
             <a:endParaRPr lang="en-US" dirty="0"/>
           </a:p>
@@ -20730,7 +19973,36 @@
       </p:sp>
       <p:sp>
         <p:nvSpPr>
-          <p:cNvPr id="3" name="Slide Number Placeholder 2"/>
+          <p:cNvPr id="3" name="Content Placeholder 2"/>
+          <p:cNvSpPr>
+            <a:spLocks noGrp="1"/>
+          </p:cNvSpPr>
+          <p:nvPr>
+            <p:ph idx="1"/>
+          </p:nvPr>
+        </p:nvSpPr>
+        <p:spPr/>
+        <p:txBody>
+          <a:bodyPr/>
+          <a:lstStyle/>
+          <a:p>
+            <a:r>
+              <a:rPr lang="en-US" dirty="0" smtClean="0"/>
+              <a:t>Assignment 6</a:t>
+            </a:r>
+          </a:p>
+          <a:p>
+            <a:r>
+              <a:rPr lang="en-US" dirty="0" smtClean="0"/>
+              <a:t>Study for midterm</a:t>
+            </a:r>
+            <a:endParaRPr lang="en-US" dirty="0"/>
+          </a:p>
+        </p:txBody>
+      </p:sp>
+      <p:sp>
+        <p:nvSpPr>
+          <p:cNvPr id="4" name="Slide Number Placeholder 3"/>
           <p:cNvSpPr>
             <a:spLocks noGrp="1"/>
           </p:cNvSpPr>
@@ -20746,76 +20018,21 @@
             <a:pPr>
               <a:defRPr/>
             </a:pPr>
-            <a:fld id="{B2451C39-31DD-6D4B-9BED-758CF6C1BA6A}" type="slidenum">
-              <a:rPr lang="en-CA" smtClean="0"/>
+            <a:fld id="{8B8B984A-5AFF-7643-AE60-6D8D11294076}" type="slidenum">
+              <a:rPr lang="en-US" smtClean="0"/>
               <a:pPr>
                 <a:defRPr/>
               </a:pPr>
               <a:t>69</a:t>
             </a:fld>
-            <a:endParaRPr lang="en-CA"/>
-          </a:p>
-        </p:txBody>
-      </p:sp>
-      <p:sp>
-        <p:nvSpPr>
-          <p:cNvPr id="4" name="TextBox 3"/>
-          <p:cNvSpPr txBox="1"/>
-          <p:nvPr/>
-        </p:nvSpPr>
-        <p:spPr>
-          <a:xfrm>
-            <a:off x="1371600" y="2133600"/>
-            <a:ext cx="7580345" cy="1200329"/>
-          </a:xfrm>
-          <a:prstGeom prst="rect">
-            <a:avLst/>
-          </a:prstGeom>
-          <a:noFill/>
-        </p:spPr>
-        <p:txBody>
-          <a:bodyPr wrap="none" rtlCol="0">
-            <a:spAutoFit/>
-          </a:bodyPr>
-          <a:lstStyle/>
-          <a:p>
-            <a:r>
-              <a:rPr lang="en-US" dirty="0"/>
-              <a:t>Or take a look at my Demo: </a:t>
-            </a:r>
-            <a:r>
-              <a:rPr lang="en-US" dirty="0" err="1"/>
-              <a:t>JavaFXMainDemo</a:t>
-            </a:r>
-            <a:endParaRPr lang="en-US" dirty="0"/>
-          </a:p>
-          <a:p>
-            <a:r>
-              <a:rPr lang="en-US" dirty="0" smtClean="0"/>
-              <a:t>Note, if you have Scene Builder installed, you</a:t>
-            </a:r>
-          </a:p>
-          <a:p>
-            <a:r>
-              <a:rPr lang="en-US" dirty="0" smtClean="0"/>
-              <a:t>Can view </a:t>
-            </a:r>
-            <a:r>
-              <a:rPr lang="en-US" dirty="0" err="1" smtClean="0"/>
-              <a:t>Teacher.fxml</a:t>
-            </a:r>
-            <a:r>
-              <a:rPr lang="en-US" dirty="0" smtClean="0"/>
-              <a:t> with “Open with Scene Builder”</a:t>
-            </a:r>
-            <a:endParaRPr lang="en-US" dirty="0"/>
+            <a:endParaRPr lang="en-US"/>
           </a:p>
         </p:txBody>
       </p:sp>
     </p:spTree>
     <p:extLst>
       <p:ext uri="{BB962C8B-B14F-4D97-AF65-F5344CB8AC3E}">
-        <p14:creationId xmlns:p14="http://schemas.microsoft.com/office/powerpoint/2010/main" val="2925371443"/>
+        <p14:creationId xmlns:p14="http://schemas.microsoft.com/office/powerpoint/2010/main" val="3094578132"/>
       </p:ext>
     </p:extLst>
   </p:cSld>
@@ -21005,8 +20222,18 @@
           <a:p>
             <a:r>
               <a:rPr lang="en-US" dirty="0" smtClean="0"/>
-              <a:t>Lots of bugs in my Application …</a:t>
-            </a:r>
+              <a:t>Any questions so far</a:t>
+            </a:r>
+            <a:br>
+              <a:rPr lang="en-US" dirty="0" smtClean="0"/>
+            </a:br>
+            <a:r>
+              <a:rPr lang="en-US" dirty="0"/>
+              <a:t/>
+            </a:r>
+            <a:br>
+              <a:rPr lang="en-US" dirty="0"/>
+            </a:br>
             <a:endParaRPr lang="en-US" dirty="0"/>
           </a:p>
         </p:txBody>
@@ -21048,8 +20275,8 @@
         </p:nvSpPr>
         <p:spPr>
           <a:xfrm>
-            <a:off x="990600" y="1295401"/>
-            <a:ext cx="7543799" cy="5262979"/>
+            <a:off x="2362200" y="2438400"/>
+            <a:ext cx="5884944" cy="2677656"/>
           </a:xfrm>
           <a:prstGeom prst="rect">
             <a:avLst/>
@@ -21057,7 +20284,7 @@
           <a:noFill/>
         </p:spPr>
         <p:txBody>
-          <a:bodyPr wrap="square" rtlCol="0">
+          <a:bodyPr wrap="none" rtlCol="0">
             <a:spAutoFit/>
           </a:bodyPr>
           <a:lstStyle/>
@@ -21068,7 +20295,7 @@
             </a:pPr>
             <a:r>
               <a:rPr lang="en-US" dirty="0" smtClean="0"/>
-              <a:t>But that’s OK, because it’s a Demo</a:t>
+              <a:t>Midterm</a:t>
             </a:r>
           </a:p>
           <a:p>
@@ -21078,127 +20305,46 @@
             </a:pPr>
             <a:r>
               <a:rPr lang="en-US" dirty="0" smtClean="0"/>
-              <a:t>Your job is to do something similar with</a:t>
-            </a:r>
-          </a:p>
-          <a:p>
-            <a:r>
-              <a:rPr lang="en-US" dirty="0" smtClean="0"/>
-              <a:t>your project.  Start simple.  Begin with just</a:t>
-            </a:r>
-          </a:p>
-          <a:p>
-            <a:r>
-              <a:rPr lang="en-US" dirty="0" smtClean="0"/>
-              <a:t>One of your data models and create the table,</a:t>
-            </a:r>
-          </a:p>
-          <a:p>
-            <a:r>
-              <a:rPr lang="en-US" dirty="0" smtClean="0"/>
-              <a:t>New, Save, Delete buttons</a:t>
-            </a:r>
-          </a:p>
-          <a:p>
-            <a:pPr marL="342900" indent="-342900">
-              <a:buFont typeface="Arial" pitchFamily="34" charset="0"/>
-              <a:buChar char="•"/>
-            </a:pPr>
-            <a:r>
-              <a:rPr lang="en-US" dirty="0" smtClean="0"/>
-              <a:t>Re-use as much or little of my code as you want</a:t>
-            </a:r>
-          </a:p>
-          <a:p>
-            <a:pPr marL="342900" indent="-342900">
-              <a:buFont typeface="Arial" pitchFamily="34" charset="0"/>
-              <a:buChar char="•"/>
-            </a:pPr>
-            <a:r>
-              <a:rPr lang="en-US" dirty="0" smtClean="0"/>
-              <a:t>Honestly, the BEST way to learn Java </a:t>
-            </a:r>
-            <a:r>
-              <a:rPr lang="en-US" dirty="0" err="1" smtClean="0"/>
-              <a:t>Fx</a:t>
-            </a:r>
-            <a:r>
-              <a:rPr lang="en-US" dirty="0" smtClean="0"/>
-              <a:t> is by</a:t>
-            </a:r>
-          </a:p>
-          <a:p>
-            <a:pPr marL="342900" indent="-342900">
-              <a:buFont typeface="Arial" pitchFamily="34" charset="0"/>
-              <a:buChar char="•"/>
-            </a:pPr>
-            <a:r>
-              <a:rPr lang="en-US" dirty="0" smtClean="0"/>
-              <a:t>Digging into a project</a:t>
-            </a:r>
-          </a:p>
-          <a:p>
-            <a:pPr marL="342900" indent="-342900">
-              <a:buFont typeface="Arial" pitchFamily="34" charset="0"/>
-              <a:buChar char="•"/>
-            </a:pPr>
-            <a:r>
-              <a:rPr lang="en-US" dirty="0">
-                <a:hlinkClick r:id="rId2"/>
-              </a:rPr>
-              <a:t>http://</a:t>
-            </a:r>
-            <a:r>
-              <a:rPr lang="en-US" dirty="0" smtClean="0">
-                <a:hlinkClick r:id="rId2"/>
-              </a:rPr>
-              <a:t>download.oracle.com/otndocs/products/javafx/2/samples/Ensemble/index.html</a:t>
-            </a:r>
-            <a:endParaRPr lang="en-US" dirty="0" smtClean="0"/>
-          </a:p>
-          <a:p>
-            <a:pPr marL="342900" indent="-342900">
-              <a:buFont typeface="Arial" pitchFamily="34" charset="0"/>
-              <a:buChar char="•"/>
-            </a:pPr>
-            <a:r>
-              <a:rPr lang="en-US" dirty="0" smtClean="0"/>
-              <a:t>If you don’t want to use Scene Builder, then don’t use it ;)</a:t>
-            </a:r>
-          </a:p>
-          <a:p>
-            <a:pPr marL="342900" indent="-342900">
-              <a:buFont typeface="Arial" pitchFamily="34" charset="0"/>
-              <a:buChar char="•"/>
-            </a:pPr>
-            <a:r>
-              <a:rPr lang="en-US" dirty="0">
-                <a:hlinkClick r:id="rId3"/>
-              </a:rPr>
-              <a:t>http://</a:t>
-            </a:r>
-            <a:r>
-              <a:rPr lang="en-US" dirty="0" smtClean="0">
-                <a:hlinkClick r:id="rId3"/>
-              </a:rPr>
-              <a:t>www.oracle.com/technetwork/java/javase/downloads/jdk7-downloads-1880260.html</a:t>
-            </a:r>
-            <a:r>
-              <a:rPr lang="en-US" dirty="0" smtClean="0"/>
-              <a:t> </a:t>
-            </a:r>
-            <a:r>
-              <a:rPr lang="en-US" dirty="0" err="1" smtClean="0"/>
-              <a:t>bottomlink</a:t>
-            </a:r>
-            <a:endParaRPr lang="en-US" dirty="0" smtClean="0"/>
+              <a:t>After midterm:</a:t>
+            </a:r>
+          </a:p>
+          <a:p>
+            <a:r>
+              <a:rPr lang="en-US" dirty="0" smtClean="0"/>
+              <a:t>This is where the class becomes more</a:t>
+            </a:r>
+          </a:p>
+          <a:p>
+            <a:r>
+              <a:rPr lang="en-US" dirty="0" smtClean="0"/>
+              <a:t>Hands-on – I’ll be speaking less, and</a:t>
+            </a:r>
+          </a:p>
+          <a:p>
+            <a:r>
+              <a:rPr lang="en-US" dirty="0" smtClean="0"/>
+              <a:t>You’ll be coding in class more ;)</a:t>
+            </a:r>
+          </a:p>
+          <a:p>
+            <a:r>
+              <a:rPr lang="en-US" dirty="0" smtClean="0"/>
+              <a:t>Spend rest of class working on homework</a:t>
+            </a:r>
+          </a:p>
+          <a:p>
+            <a:r>
+              <a:rPr lang="en-US" dirty="0" smtClean="0"/>
+              <a:t>Oh what’s homework? (see next slide)</a:t>
+            </a:r>
+            <a:endParaRPr lang="en-US" dirty="0"/>
           </a:p>
         </p:txBody>
       </p:sp>
     </p:spTree>
     <p:extLst>
       <p:ext uri="{BB962C8B-B14F-4D97-AF65-F5344CB8AC3E}">
-        <p14:creationId xmlns:p14="http://schemas.microsoft.com/office/powerpoint/2010/main" val="2215259785"/>
+        <p14:creationId xmlns:p14="http://schemas.microsoft.com/office/powerpoint/2010/main" val="4219736894"/>
       </p:ext>
     </p:extLst>
   </p:cSld>
@@ -21285,8 +20431,8 @@
         </p:nvSpPr>
         <p:spPr>
           <a:xfrm>
-            <a:off x="1371601" y="2057400"/>
-            <a:ext cx="7010400" cy="2677656"/>
+            <a:off x="1371600" y="1981200"/>
+            <a:ext cx="1965603" cy="461665"/>
           </a:xfrm>
           <a:prstGeom prst="rect">
             <a:avLst/>
@@ -21294,74 +20440,14 @@
           <a:noFill/>
         </p:spPr>
         <p:txBody>
-          <a:bodyPr wrap="square" rtlCol="0">
+          <a:bodyPr wrap="none" rtlCol="0">
             <a:spAutoFit/>
           </a:bodyPr>
           <a:lstStyle/>
           <a:p>
             <a:r>
               <a:rPr lang="en-US" dirty="0" smtClean="0"/>
-              <a:t>Assignment6</a:t>
-            </a:r>
-          </a:p>
-          <a:p>
-            <a:r>
-              <a:rPr lang="en-US" dirty="0" smtClean="0"/>
-              <a:t>Prepare for midterm</a:t>
-            </a:r>
-          </a:p>
-          <a:p>
-            <a:r>
-              <a:rPr lang="en-US" dirty="0" smtClean="0"/>
-              <a:t>Note it will *not* cover </a:t>
-            </a:r>
-            <a:r>
-              <a:rPr lang="en-US" dirty="0" err="1" smtClean="0"/>
-              <a:t>JavaFx</a:t>
-            </a:r>
-            <a:endParaRPr lang="en-US" dirty="0" smtClean="0"/>
-          </a:p>
-          <a:p>
-            <a:r>
-              <a:rPr lang="en-US" dirty="0" smtClean="0"/>
-              <a:t>Hint: World of </a:t>
-            </a:r>
-            <a:r>
-              <a:rPr lang="en-US" dirty="0" err="1" smtClean="0"/>
-              <a:t>Warcraft</a:t>
-            </a:r>
-            <a:r>
-              <a:rPr lang="en-US" dirty="0" smtClean="0"/>
-              <a:t> rocks … great game</a:t>
-            </a:r>
-          </a:p>
-          <a:p>
-            <a:r>
-              <a:rPr lang="en-US" dirty="0"/>
-              <a:t>Read up on </a:t>
-            </a:r>
-            <a:r>
-              <a:rPr lang="en-US" dirty="0" smtClean="0"/>
-              <a:t>the races </a:t>
-            </a:r>
-            <a:r>
-              <a:rPr lang="en-US" dirty="0">
-                <a:hlinkClick r:id="rId2"/>
-              </a:rPr>
-              <a:t>http://us.battle.net/wow/en/game/race</a:t>
-            </a:r>
-            <a:r>
-              <a:rPr lang="en-US" dirty="0" smtClean="0">
-                <a:hlinkClick r:id="rId2"/>
-              </a:rPr>
-              <a:t>/</a:t>
-            </a:r>
-            <a:endParaRPr lang="en-US" dirty="0" smtClean="0"/>
-          </a:p>
-          <a:p>
-            <a:r>
-              <a:rPr lang="en-US" dirty="0" smtClean="0"/>
-              <a:t>It might help you on the midterm</a:t>
+              <a:t>Assignment7</a:t>
             </a:r>
             <a:endParaRPr lang="en-US" dirty="0"/>
           </a:p>
@@ -21370,7 +20456,7 @@
     </p:spTree>
     <p:extLst>
       <p:ext uri="{BB962C8B-B14F-4D97-AF65-F5344CB8AC3E}">
-        <p14:creationId xmlns:p14="http://schemas.microsoft.com/office/powerpoint/2010/main" val="3853638706"/>
+        <p14:creationId xmlns:p14="http://schemas.microsoft.com/office/powerpoint/2010/main" val="1591026668"/>
       </p:ext>
     </p:extLst>
   </p:cSld>
@@ -21414,7 +20500,19 @@
           <a:p>
             <a:r>
               <a:rPr lang="en-US" dirty="0" smtClean="0"/>
-              <a:t>This is where the course becomes … “you”</a:t>
+              <a:t>About </a:t>
+            </a:r>
+            <a:r>
+              <a:rPr lang="en-US" dirty="0" err="1" smtClean="0"/>
+              <a:t>Git</a:t>
+            </a:r>
+            <a:r>
+              <a:rPr lang="en-US" dirty="0"/>
+              <a:t> </a:t>
+            </a:r>
+            <a:r>
+              <a:rPr lang="en-US" dirty="0" smtClean="0"/>
+              <a:t>timestamps / Post Midterm</a:t>
             </a:r>
             <a:endParaRPr lang="en-US" dirty="0"/>
           </a:p>
@@ -21422,57 +20520,7 @@
       </p:sp>
       <p:sp>
         <p:nvSpPr>
-          <p:cNvPr id="3" name="Content Placeholder 2"/>
-          <p:cNvSpPr>
-            <a:spLocks noGrp="1"/>
-          </p:cNvSpPr>
-          <p:nvPr>
-            <p:ph idx="1"/>
-          </p:nvPr>
-        </p:nvSpPr>
-        <p:spPr>
-          <a:xfrm>
-            <a:off x="533400" y="2438400"/>
-            <a:ext cx="8153400" cy="3917160"/>
-          </a:xfrm>
-        </p:spPr>
-        <p:txBody>
-          <a:bodyPr/>
-          <a:lstStyle/>
-          <a:p>
-            <a:r>
-              <a:rPr lang="en-US" dirty="0" smtClean="0"/>
-              <a:t>I guess I could spend another class or two showing </a:t>
-            </a:r>
-            <a:r>
-              <a:rPr lang="en-US" dirty="0" err="1" smtClean="0"/>
-              <a:t>JavaFx</a:t>
-            </a:r>
-            <a:r>
-              <a:rPr lang="en-US" dirty="0" smtClean="0"/>
-              <a:t> widgets (actually, I really can’t – I suck at </a:t>
-            </a:r>
-            <a:r>
-              <a:rPr lang="en-US" dirty="0" err="1" smtClean="0"/>
-              <a:t>JavaFx</a:t>
-            </a:r>
-            <a:r>
-              <a:rPr lang="en-US" dirty="0" smtClean="0"/>
-              <a:t> – I don’t write desktop apps)</a:t>
-            </a:r>
-          </a:p>
-          <a:p>
-            <a:r>
-              <a:rPr lang="en-US" dirty="0" smtClean="0"/>
-              <a:t>Each project may use a different widget, experiment and have fun.</a:t>
-            </a:r>
-            <a:endParaRPr lang="en-US" dirty="0"/>
-          </a:p>
-        </p:txBody>
-      </p:sp>
-      <p:sp>
-        <p:nvSpPr>
-          <p:cNvPr id="4" name="Slide Number Placeholder 3"/>
+          <p:cNvPr id="3" name="Slide Number Placeholder 2"/>
           <p:cNvSpPr>
             <a:spLocks noGrp="1"/>
           </p:cNvSpPr>
@@ -21488,21 +20536,107 @@
             <a:pPr>
               <a:defRPr/>
             </a:pPr>
-            <a:fld id="{8B8B984A-5AFF-7643-AE60-6D8D11294076}" type="slidenum">
-              <a:rPr lang="en-US" smtClean="0"/>
+            <a:fld id="{B2451C39-31DD-6D4B-9BED-758CF6C1BA6A}" type="slidenum">
+              <a:rPr lang="en-CA" smtClean="0"/>
               <a:pPr>
                 <a:defRPr/>
               </a:pPr>
               <a:t>72</a:t>
             </a:fld>
-            <a:endParaRPr lang="en-US"/>
+            <a:endParaRPr lang="en-CA"/>
+          </a:p>
+        </p:txBody>
+      </p:sp>
+      <p:sp>
+        <p:nvSpPr>
+          <p:cNvPr id="4" name="TextBox 3"/>
+          <p:cNvSpPr txBox="1"/>
+          <p:nvPr/>
+        </p:nvSpPr>
+        <p:spPr>
+          <a:xfrm>
+            <a:off x="762000" y="1524001"/>
+            <a:ext cx="7315200" cy="3416320"/>
+          </a:xfrm>
+          <a:prstGeom prst="rect">
+            <a:avLst/>
+          </a:prstGeom>
+          <a:noFill/>
+        </p:spPr>
+        <p:txBody>
+          <a:bodyPr wrap="square" rtlCol="0">
+            <a:spAutoFit/>
+          </a:bodyPr>
+          <a:lstStyle/>
+          <a:p>
+            <a:pPr marL="342900" indent="-342900">
+              <a:buFont typeface="Arial" pitchFamily="34" charset="0"/>
+              <a:buChar char="•"/>
+            </a:pPr>
+            <a:r>
+              <a:rPr lang="en-US" dirty="0" smtClean="0"/>
+              <a:t>Chemistry 12 … back in my days,</a:t>
+            </a:r>
+          </a:p>
+          <a:p>
+            <a:r>
+              <a:rPr lang="en-US" dirty="0" smtClean="0"/>
+              <a:t>Bringing in a scientific calculator was forbidden</a:t>
+            </a:r>
+          </a:p>
+          <a:p>
+            <a:r>
+              <a:rPr lang="en-US" dirty="0" smtClean="0"/>
+              <a:t>For the Final Exam.  Why?  Because you can</a:t>
+            </a:r>
+          </a:p>
+          <a:p>
+            <a:r>
+              <a:rPr lang="en-US" dirty="0" smtClean="0"/>
+              <a:t>“program” all the formulas in there</a:t>
+            </a:r>
+          </a:p>
+          <a:p>
+            <a:pPr marL="342900" indent="-342900">
+              <a:buFont typeface="Arial" pitchFamily="34" charset="0"/>
+              <a:buChar char="•"/>
+            </a:pPr>
+            <a:r>
+              <a:rPr lang="en-US" dirty="0" smtClean="0"/>
+              <a:t>Most ironic part … if you can figure out how</a:t>
+            </a:r>
+          </a:p>
+          <a:p>
+            <a:r>
+              <a:rPr lang="en-US" dirty="0" smtClean="0"/>
+              <a:t>To program those formulas in and use them</a:t>
+            </a:r>
+          </a:p>
+          <a:p>
+            <a:r>
+              <a:rPr lang="en-US" dirty="0" smtClean="0"/>
+              <a:t>Efficiently, you were probably smarter than the</a:t>
+            </a:r>
+          </a:p>
+          <a:p>
+            <a:r>
+              <a:rPr lang="en-US" dirty="0" smtClean="0"/>
+              <a:t>Teacher (at least my teacher)</a:t>
+            </a:r>
+          </a:p>
+          <a:p>
+            <a:r>
+              <a:rPr lang="en-US" dirty="0" smtClean="0"/>
+              <a:t>and deserved an A+ anyways.</a:t>
+            </a:r>
+            <a:endParaRPr lang="en-US" dirty="0"/>
           </a:p>
         </p:txBody>
       </p:sp>
     </p:spTree>
     <p:extLst>
       <p:ext uri="{BB962C8B-B14F-4D97-AF65-F5344CB8AC3E}">
-        <p14:creationId xmlns:p14="http://schemas.microsoft.com/office/powerpoint/2010/main" val="1526618300"/>
+        <p14:creationId xmlns:p14="http://schemas.microsoft.com/office/powerpoint/2010/main" val="1856179208"/>
       </p:ext>
     </p:extLst>
   </p:cSld>
@@ -21546,7 +20680,7 @@
           <a:p>
             <a:r>
               <a:rPr lang="en-US" dirty="0" smtClean="0"/>
-              <a:t>Homework</a:t>
+              <a:t>More about Midterm thoughts</a:t>
             </a:r>
             <a:endParaRPr lang="en-US" dirty="0"/>
           </a:p>
@@ -21564,18 +20698,100 @@
         </p:nvSpPr>
         <p:spPr/>
         <p:txBody>
-          <a:bodyPr/>
-          <a:lstStyle/>
-          <a:p>
-            <a:r>
-              <a:rPr lang="en-US" dirty="0" smtClean="0"/>
-              <a:t>Assignment 6</a:t>
-            </a:r>
-          </a:p>
-          <a:p>
-            <a:r>
-              <a:rPr lang="en-US" dirty="0" smtClean="0"/>
-              <a:t>Study for midterm</a:t>
+          <a:bodyPr>
+            <a:normAutofit fontScale="62500" lnSpcReduction="20000"/>
+          </a:bodyPr>
+          <a:lstStyle/>
+          <a:p>
+            <a:endParaRPr lang="en-US" dirty="0"/>
+          </a:p>
+          <a:p>
+            <a:pPr marL="342900">
+              <a:buFont typeface="Arial" pitchFamily="34" charset="0"/>
+              <a:buChar char="•"/>
+            </a:pPr>
+            <a:r>
+              <a:rPr lang="en-US" dirty="0"/>
+              <a:t>Another “keen” theory I have is that if you</a:t>
+            </a:r>
+          </a:p>
+          <a:p>
+            <a:pPr marL="68580" indent="0">
+              <a:buNone/>
+            </a:pPr>
+            <a:r>
+              <a:rPr lang="en-US" dirty="0"/>
+              <a:t>Were so co-ordinated or careful in listening to</a:t>
+            </a:r>
+          </a:p>
+          <a:p>
+            <a:pPr marL="68580" indent="0">
+              <a:buNone/>
+            </a:pPr>
+            <a:r>
+              <a:rPr lang="en-US" dirty="0"/>
+              <a:t>My hints in class, but your Java skills are </a:t>
+            </a:r>
+            <a:r>
+              <a:rPr lang="en-US" dirty="0" smtClean="0"/>
+              <a:t>so-so, then </a:t>
+            </a:r>
+            <a:r>
+              <a:rPr lang="en-US" dirty="0"/>
+              <a:t>guess what … send your resume to </a:t>
+            </a:r>
+            <a:r>
+              <a:rPr lang="en-US" dirty="0" smtClean="0"/>
+              <a:t>be a </a:t>
+            </a:r>
+            <a:r>
+              <a:rPr lang="en-US" dirty="0"/>
+              <a:t>project manager, not software developer </a:t>
+            </a:r>
+            <a:endParaRPr lang="en-US" dirty="0" smtClean="0"/>
+          </a:p>
+          <a:p>
+            <a:r>
+              <a:rPr lang="en-US" dirty="0" smtClean="0"/>
+              <a:t>I used to consult for a government organization (information I can’t disclose to you) and our partner was another big organization (again I can’t disclose this info).  There were </a:t>
+            </a:r>
+            <a:r>
+              <a:rPr lang="en-US" dirty="0" err="1" smtClean="0"/>
+              <a:t>sooo</a:t>
+            </a:r>
+            <a:r>
+              <a:rPr lang="en-US" dirty="0" smtClean="0"/>
+              <a:t> many times I </a:t>
+            </a:r>
+            <a:r>
+              <a:rPr lang="en-US" dirty="0" err="1" smtClean="0"/>
+              <a:t>headbanged</a:t>
+            </a:r>
+            <a:r>
+              <a:rPr lang="en-US" dirty="0" smtClean="0"/>
+              <a:t> against my keyboard telling my counterpart to just use my code.  </a:t>
+            </a:r>
+            <a:r>
+              <a:rPr lang="en-US" dirty="0" err="1" smtClean="0"/>
+              <a:t>Communcation</a:t>
+            </a:r>
+            <a:r>
+              <a:rPr lang="en-US" dirty="0" smtClean="0"/>
+              <a:t> was a huge problem.  If you had </a:t>
+            </a:r>
+            <a:r>
+              <a:rPr lang="en-US" strike="sngStrike" dirty="0" smtClean="0"/>
+              <a:t>co-ordinated midterm answers</a:t>
+            </a:r>
+            <a:r>
+              <a:rPr lang="en-US" dirty="0" smtClean="0"/>
+              <a:t>, discussed where to have dinner, at exactly which restaurant and why your choice of celebration beer was better than his/hers, then that form of high-level communication via Gmail chat or whatever by itself during the beginning of last class is a talent by itself.  High communication skills is a sign of a good project manager.</a:t>
+            </a:r>
+          </a:p>
+          <a:p>
+            <a:r>
+              <a:rPr lang="en-US" dirty="0" smtClean="0"/>
+              <a:t>In case you haven’t guessed, I’m not trying to fail anyone in this course.  I’m here to help you learn and to help you find your talents.</a:t>
             </a:r>
             <a:endParaRPr lang="en-US" dirty="0"/>
           </a:p>
@@ -21613,7 +20829,7 @@
     </p:spTree>
     <p:extLst>
       <p:ext uri="{BB962C8B-B14F-4D97-AF65-F5344CB8AC3E}">
-        <p14:creationId xmlns:p14="http://schemas.microsoft.com/office/powerpoint/2010/main" val="3094578132"/>
+        <p14:creationId xmlns:p14="http://schemas.microsoft.com/office/powerpoint/2010/main" val="3377866009"/>
       </p:ext>
     </p:extLst>
   </p:cSld>
@@ -21657,18 +20873,12 @@
           <a:p>
             <a:r>
               <a:rPr lang="en-US" dirty="0" smtClean="0"/>
-              <a:t>Any questions so far</a:t>
-            </a:r>
-            <a:br>
-              <a:rPr lang="en-US" dirty="0" smtClean="0"/>
-            </a:br>
-            <a:r>
-              <a:rPr lang="en-US" dirty="0"/>
-              <a:t/>
-            </a:r>
-            <a:br>
-              <a:rPr lang="en-US" dirty="0"/>
-            </a:br>
+              <a:t>Java applets / </a:t>
+            </a:r>
+            <a:r>
+              <a:rPr lang="en-US" dirty="0" err="1" smtClean="0"/>
+              <a:t>Webstart</a:t>
+            </a:r>
             <a:endParaRPr lang="en-US" dirty="0"/>
           </a:p>
         </p:txBody>
@@ -21710,8 +20920,8 @@
         </p:nvSpPr>
         <p:spPr>
           <a:xfrm>
-            <a:off x="2362200" y="2438400"/>
-            <a:ext cx="5884944" cy="2677656"/>
+            <a:off x="1600200" y="2438400"/>
+            <a:ext cx="6298519" cy="3416320"/>
           </a:xfrm>
           <a:prstGeom prst="rect">
             <a:avLst/>
@@ -21730,7 +20940,7 @@
             </a:pPr>
             <a:r>
               <a:rPr lang="en-US" dirty="0" smtClean="0"/>
-              <a:t>Midterm</a:t>
+              <a:t>What is an applet?</a:t>
             </a:r>
           </a:p>
           <a:p>
@@ -21740,37 +20950,94 @@
             </a:pPr>
             <a:r>
               <a:rPr lang="en-US" dirty="0" smtClean="0"/>
-              <a:t>After midterm:</a:t>
-            </a:r>
-          </a:p>
-          <a:p>
-            <a:r>
-              <a:rPr lang="en-US" dirty="0" smtClean="0"/>
-              <a:t>This is where the class becomes more</a:t>
-            </a:r>
-          </a:p>
-          <a:p>
-            <a:r>
-              <a:rPr lang="en-US" dirty="0" smtClean="0"/>
-              <a:t>Hands-on – I’ll be speaking less, and</a:t>
-            </a:r>
-          </a:p>
-          <a:p>
-            <a:r>
-              <a:rPr lang="en-US" dirty="0" smtClean="0"/>
-              <a:t>You’ll be coding in class more ;)</a:t>
-            </a:r>
-          </a:p>
-          <a:p>
-            <a:r>
-              <a:rPr lang="en-US" dirty="0" smtClean="0"/>
-              <a:t>Spend rest of class working on homework</a:t>
-            </a:r>
-          </a:p>
-          <a:p>
-            <a:r>
-              <a:rPr lang="en-US" dirty="0" smtClean="0"/>
-              <a:t>Oh what’s homework? (see next slide)</a:t>
+              <a:t>It’s a way to show your java application</a:t>
+            </a:r>
+          </a:p>
+          <a:p>
+            <a:r>
+              <a:rPr lang="en-US" dirty="0"/>
+              <a:t>o</a:t>
+            </a:r>
+            <a:r>
+              <a:rPr lang="en-US" dirty="0" smtClean="0"/>
+              <a:t>n a webpage … think of it like a plugin</a:t>
+            </a:r>
+          </a:p>
+          <a:p>
+            <a:pPr marL="342900" indent="-342900">
+              <a:buFont typeface="Arial" pitchFamily="34" charset="0"/>
+              <a:buChar char="•"/>
+            </a:pPr>
+            <a:r>
+              <a:rPr lang="en-US" dirty="0" smtClean="0"/>
+              <a:t>Similar to Flash</a:t>
+            </a:r>
+          </a:p>
+          <a:p>
+            <a:pPr marL="342900" indent="-342900">
+              <a:buFont typeface="Arial" pitchFamily="34" charset="0"/>
+              <a:buChar char="•"/>
+            </a:pPr>
+            <a:r>
+              <a:rPr lang="en-US" dirty="0" smtClean="0"/>
+              <a:t>Applets were the *OLDER* way to present</a:t>
+            </a:r>
+          </a:p>
+          <a:p>
+            <a:r>
+              <a:rPr lang="en-US" dirty="0" smtClean="0"/>
+              <a:t>Java applications on the </a:t>
+            </a:r>
+            <a:r>
+              <a:rPr lang="en-US" dirty="0" err="1" smtClean="0"/>
+              <a:t>brower</a:t>
+            </a:r>
+            <a:endParaRPr lang="en-US" dirty="0" smtClean="0"/>
+          </a:p>
+          <a:p>
+            <a:pPr marL="342900" indent="-342900">
+              <a:buFont typeface="Arial" pitchFamily="34" charset="0"/>
+              <a:buChar char="•"/>
+            </a:pPr>
+            <a:r>
+              <a:rPr lang="en-US" dirty="0" smtClean="0"/>
+              <a:t>When ran/deployed, they look pretty much</a:t>
+            </a:r>
+          </a:p>
+          <a:p>
+            <a:pPr marL="342900" indent="-342900">
+              <a:buFont typeface="Arial" pitchFamily="34" charset="0"/>
+              <a:buChar char="•"/>
+            </a:pPr>
+            <a:r>
+              <a:rPr lang="en-US" dirty="0" smtClean="0"/>
+              <a:t>The same – hey its just Java </a:t>
+            </a:r>
+            <a:r>
+              <a:rPr lang="en-US" dirty="0" err="1" smtClean="0"/>
+              <a:t>Fx</a:t>
+            </a:r>
+            <a:r>
+              <a:rPr lang="en-US" dirty="0" smtClean="0"/>
+              <a:t> ;)</a:t>
+            </a:r>
+          </a:p>
+          <a:p>
+            <a:pPr marL="342900" indent="-342900">
+              <a:buFont typeface="Arial" pitchFamily="34" charset="0"/>
+              <a:buChar char="•"/>
+            </a:pPr>
+            <a:r>
+              <a:rPr lang="en-US" dirty="0" smtClean="0"/>
+              <a:t>Syntax for </a:t>
+            </a:r>
+            <a:r>
+              <a:rPr lang="en-US" dirty="0" err="1" smtClean="0"/>
+              <a:t>Webstart</a:t>
+            </a:r>
+            <a:r>
+              <a:rPr lang="en-US" dirty="0" smtClean="0"/>
+              <a:t> is better Applets</a:t>
             </a:r>
             <a:endParaRPr lang="en-US" dirty="0"/>
           </a:p>
@@ -21779,7 +21046,7 @@
     </p:spTree>
     <p:extLst>
       <p:ext uri="{BB962C8B-B14F-4D97-AF65-F5344CB8AC3E}">
-        <p14:creationId xmlns:p14="http://schemas.microsoft.com/office/powerpoint/2010/main" val="4219736894"/>
+        <p14:creationId xmlns:p14="http://schemas.microsoft.com/office/powerpoint/2010/main" val="2587190784"/>
       </p:ext>
     </p:extLst>
   </p:cSld>
@@ -21823,7 +21090,7 @@
           <a:p>
             <a:r>
               <a:rPr lang="en-US" dirty="0" smtClean="0"/>
-              <a:t>Homework</a:t>
+              <a:t>There’s a plugin for that</a:t>
             </a:r>
             <a:endParaRPr lang="en-US" dirty="0"/>
           </a:p>
@@ -21866,8 +21133,8 @@
         </p:nvSpPr>
         <p:spPr>
           <a:xfrm>
-            <a:off x="1371600" y="1981200"/>
-            <a:ext cx="1965603" cy="461665"/>
+            <a:off x="1524001" y="1981200"/>
+            <a:ext cx="6553200" cy="5262979"/>
           </a:xfrm>
           <a:prstGeom prst="rect">
             <a:avLst/>
@@ -21875,15 +21142,95 @@
           <a:noFill/>
         </p:spPr>
         <p:txBody>
-          <a:bodyPr wrap="none" rtlCol="0">
+          <a:bodyPr wrap="square" rtlCol="0">
             <a:spAutoFit/>
           </a:bodyPr>
           <a:lstStyle/>
           <a:p>
             <a:r>
-              <a:rPr lang="en-US" dirty="0" smtClean="0"/>
-              <a:t>Assignment7</a:t>
-            </a:r>
+              <a:rPr lang="en-US" dirty="0"/>
+              <a:t>Read: </a:t>
+            </a:r>
+            <a:r>
+              <a:rPr lang="en-US" dirty="0">
+                <a:hlinkClick r:id="rId2"/>
+              </a:rPr>
+              <a:t>http://</a:t>
+            </a:r>
+            <a:r>
+              <a:rPr lang="en-US" dirty="0" smtClean="0">
+                <a:hlinkClick r:id="rId2"/>
+              </a:rPr>
+              <a:t>zenjava.com/javafx/maven/index.html</a:t>
+            </a:r>
+            <a:endParaRPr lang="en-US" dirty="0" smtClean="0"/>
+          </a:p>
+          <a:p>
+            <a:r>
+              <a:rPr lang="en-US" dirty="0" smtClean="0"/>
+              <a:t>Use my pom.xml as reference (especially the configuration section)</a:t>
+            </a:r>
+          </a:p>
+          <a:p>
+            <a:r>
+              <a:rPr lang="en-US" dirty="0" smtClean="0"/>
+              <a:t>Basic steps</a:t>
+            </a:r>
+          </a:p>
+          <a:p>
+            <a:pPr marL="342900" indent="-342900">
+              <a:buFont typeface="Arial" pitchFamily="34" charset="0"/>
+              <a:buChar char="•"/>
+            </a:pPr>
+            <a:r>
+              <a:rPr lang="en-US" dirty="0"/>
+              <a:t>Install plugin: see </a:t>
+            </a:r>
+            <a:r>
+              <a:rPr lang="en-US" dirty="0">
+                <a:hlinkClick r:id="rId3"/>
+              </a:rPr>
+              <a:t>http://</a:t>
+            </a:r>
+            <a:r>
+              <a:rPr lang="en-US" dirty="0" smtClean="0">
+                <a:hlinkClick r:id="rId3"/>
+              </a:rPr>
+              <a:t>zenjava.com/javafx/maven/basic-config.html</a:t>
+            </a:r>
+            <a:endParaRPr lang="en-US" dirty="0" smtClean="0"/>
+          </a:p>
+          <a:p>
+            <a:pPr marL="342900" indent="-342900">
+              <a:buFont typeface="Arial" pitchFamily="34" charset="0"/>
+              <a:buChar char="•"/>
+            </a:pPr>
+            <a:r>
+              <a:rPr lang="en-US" dirty="0" err="1"/>
+              <a:t>mvn</a:t>
+            </a:r>
+            <a:r>
+              <a:rPr lang="en-US" dirty="0"/>
+              <a:t> </a:t>
+            </a:r>
+            <a:r>
+              <a:rPr lang="en-US" dirty="0" smtClean="0"/>
+              <a:t>com.zenjava:javafx-maven-plugin:2.0:fix-classpath (hint anytime you see </a:t>
+            </a:r>
+            <a:r>
+              <a:rPr lang="en-US" dirty="0" err="1" smtClean="0"/>
+              <a:t>mvn</a:t>
+            </a:r>
+            <a:r>
+              <a:rPr lang="en-US" dirty="0" smtClean="0"/>
+              <a:t> … goal, in Eclipse its Run As…Maven build (fill in the Goal with that long string), Run</a:t>
+            </a:r>
+          </a:p>
+          <a:p>
+            <a:pPr marL="342900" indent="-342900">
+              <a:buFont typeface="Arial" pitchFamily="34" charset="0"/>
+              <a:buChar char="•"/>
+            </a:pPr>
             <a:endParaRPr lang="en-US" dirty="0"/>
           </a:p>
         </p:txBody>
@@ -21891,7 +21238,7 @@
     </p:spTree>
     <p:extLst>
       <p:ext uri="{BB962C8B-B14F-4D97-AF65-F5344CB8AC3E}">
-        <p14:creationId xmlns:p14="http://schemas.microsoft.com/office/powerpoint/2010/main" val="1591026668"/>
+        <p14:creationId xmlns:p14="http://schemas.microsoft.com/office/powerpoint/2010/main" val="2756682193"/>
       </p:ext>
     </p:extLst>
   </p:cSld>
@@ -21934,20 +21281,28 @@
           <a:lstStyle/>
           <a:p>
             <a:r>
-              <a:rPr lang="en-US" dirty="0" smtClean="0"/>
-              <a:t>About </a:t>
-            </a:r>
-            <a:r>
               <a:rPr lang="en-US" dirty="0" err="1" smtClean="0"/>
-              <a:t>Git</a:t>
+              <a:t>Cont</a:t>
+            </a:r>
+            <a:r>
+              <a:rPr lang="en-US" dirty="0" smtClean="0"/>
+              <a:t> </a:t>
             </a:r>
             <a:r>
               <a:rPr lang="en-US" dirty="0"/>
-              <a:t> </a:t>
-            </a:r>
-            <a:r>
-              <a:rPr lang="en-US" dirty="0" smtClean="0"/>
-              <a:t>timestamps / Post Midterm</a:t>
+              <a:t>(Maven, </a:t>
+            </a:r>
+            <a:r>
+              <a:rPr lang="en-US" dirty="0" err="1"/>
+              <a:t>JavaFx</a:t>
+            </a:r>
+            <a:r>
+              <a:rPr lang="en-US" dirty="0"/>
+              <a:t>)</a:t>
+            </a:r>
+            <a:r>
+              <a:rPr lang="en-US" dirty="0" smtClean="0"/>
+              <a:t>…</a:t>
             </a:r>
             <a:endParaRPr lang="en-US" dirty="0"/>
           </a:p>
@@ -21990,8 +21345,8 @@
         </p:nvSpPr>
         <p:spPr>
           <a:xfrm>
-            <a:off x="762000" y="1524001"/>
-            <a:ext cx="7315200" cy="3416320"/>
+            <a:off x="1752600" y="1676400"/>
+            <a:ext cx="184731" cy="461665"/>
           </a:xfrm>
           <a:prstGeom prst="rect">
             <a:avLst/>
@@ -21999,6 +21354,32 @@
           <a:noFill/>
         </p:spPr>
         <p:txBody>
+          <a:bodyPr wrap="none" rtlCol="0">
+            <a:spAutoFit/>
+          </a:bodyPr>
+          <a:lstStyle/>
+          <a:p>
+            <a:endParaRPr lang="en-US" dirty="0"/>
+          </a:p>
+        </p:txBody>
+      </p:sp>
+      <p:sp>
+        <p:nvSpPr>
+          <p:cNvPr id="5" name="TextBox 4"/>
+          <p:cNvSpPr txBox="1"/>
+          <p:nvPr/>
+        </p:nvSpPr>
+        <p:spPr>
+          <a:xfrm>
+            <a:off x="1371601" y="1600200"/>
+            <a:ext cx="7696200" cy="4154984"/>
+          </a:xfrm>
+          <a:prstGeom prst="rect">
+            <a:avLst/>
+          </a:prstGeom>
+          <a:noFill/>
+        </p:spPr>
+        <p:txBody>
           <a:bodyPr wrap="square" rtlCol="0">
             <a:spAutoFit/>
           </a:bodyPr>
@@ -22010,25 +21391,41 @@
             </a:pPr>
             <a:r>
               <a:rPr lang="en-US" dirty="0" smtClean="0"/>
-              <a:t>Chemistry 12 … back in my days,</a:t>
-            </a:r>
-          </a:p>
-          <a:p>
-            <a:r>
-              <a:rPr lang="en-US" dirty="0" smtClean="0"/>
-              <a:t>Bringing in a scientific calculator was forbidden</a:t>
-            </a:r>
-          </a:p>
-          <a:p>
-            <a:r>
-              <a:rPr lang="en-US" dirty="0" smtClean="0"/>
-              <a:t>For the Final Exam.  Why?  Because you can</a:t>
-            </a:r>
-          </a:p>
-          <a:p>
-            <a:r>
-              <a:rPr lang="en-US" dirty="0" smtClean="0"/>
-              <a:t>“program” all the formulas in there</a:t>
+              <a:t>Generate a </a:t>
+            </a:r>
+            <a:r>
+              <a:rPr lang="en-US" dirty="0" err="1" smtClean="0"/>
+              <a:t>keystore</a:t>
+            </a:r>
+            <a:r>
+              <a:rPr lang="en-US" dirty="0" smtClean="0"/>
+              <a:t> … </a:t>
+            </a:r>
+            <a:r>
+              <a:rPr lang="en-US" dirty="0" err="1" smtClean="0"/>
+              <a:t>keystore</a:t>
+            </a:r>
+            <a:r>
+              <a:rPr lang="en-US" dirty="0" smtClean="0"/>
+              <a:t> …</a:t>
+            </a:r>
+          </a:p>
+          <a:p>
+            <a:r>
+              <a:rPr lang="en-US" dirty="0" smtClean="0"/>
+              <a:t>A big can of worms … its all related with security,</a:t>
+            </a:r>
+          </a:p>
+          <a:p>
+            <a:r>
+              <a:rPr lang="en-US" dirty="0" smtClean="0"/>
+              <a:t>And personally, it makes me sick, but without these</a:t>
+            </a:r>
+          </a:p>
+          <a:p>
+            <a:r>
+              <a:rPr lang="en-US" dirty="0" smtClean="0"/>
+              <a:t>Instructions, it just won’t work</a:t>
             </a:r>
           </a:p>
           <a:p>
@@ -22038,31 +21435,88 @@
             </a:pPr>
             <a:r>
               <a:rPr lang="en-US" dirty="0" smtClean="0"/>
-              <a:t>Most ironic part … if you can figure out how</a:t>
-            </a:r>
-          </a:p>
-          <a:p>
-            <a:r>
-              <a:rPr lang="en-US" dirty="0" smtClean="0"/>
-              <a:t>To program those formulas in and use them</a:t>
-            </a:r>
-          </a:p>
-          <a:p>
-            <a:r>
-              <a:rPr lang="en-US" dirty="0" smtClean="0"/>
-              <a:t>Efficiently, you were probably smarter than the</a:t>
-            </a:r>
-          </a:p>
-          <a:p>
-            <a:r>
-              <a:rPr lang="en-US" dirty="0" smtClean="0"/>
-              <a:t>Teacher (at least my teacher)</a:t>
-            </a:r>
-          </a:p>
-          <a:p>
-            <a:r>
-              <a:rPr lang="en-US" dirty="0" smtClean="0"/>
-              <a:t>and deserved an A+ anyways.</a:t>
+              <a:t>Anyways: </a:t>
+            </a:r>
+            <a:r>
+              <a:rPr lang="en-US" dirty="0" err="1" smtClean="0"/>
+              <a:t>mvn</a:t>
+            </a:r>
+            <a:r>
+              <a:rPr lang="en-US" dirty="0"/>
+              <a:t> </a:t>
+            </a:r>
+            <a:r>
+              <a:rPr lang="en-US" dirty="0" smtClean="0"/>
+              <a:t>com.zenjava:javafx-maven-plugin:2.0:generate-key-store</a:t>
+            </a:r>
+          </a:p>
+          <a:p>
+            <a:pPr marL="342900" indent="-342900">
+              <a:buFont typeface="Arial" pitchFamily="34" charset="0"/>
+              <a:buChar char="•"/>
+            </a:pPr>
+            <a:r>
+              <a:rPr lang="en-US" dirty="0" smtClean="0"/>
+              <a:t>Make sure you have a similar pom.xml </a:t>
+            </a:r>
+            <a:r>
+              <a:rPr lang="en-US" dirty="0" err="1" smtClean="0"/>
+              <a:t>config</a:t>
+            </a:r>
+            <a:r>
+              <a:rPr lang="en-US" dirty="0" smtClean="0"/>
+              <a:t> to mine for the </a:t>
+            </a:r>
+            <a:r>
+              <a:rPr lang="en-US" dirty="0" err="1" smtClean="0"/>
+              <a:t>certXXX</a:t>
+            </a:r>
+            <a:r>
+              <a:rPr lang="en-US" dirty="0" smtClean="0"/>
+              <a:t> stuff</a:t>
+            </a:r>
+          </a:p>
+          <a:p>
+            <a:pPr marL="342900" indent="-342900">
+              <a:buFont typeface="Arial" pitchFamily="34" charset="0"/>
+              <a:buChar char="•"/>
+            </a:pPr>
+            <a:r>
+              <a:rPr lang="en-US" dirty="0" smtClean="0"/>
+              <a:t>Next, create your </a:t>
+            </a:r>
+            <a:r>
+              <a:rPr lang="en-US" dirty="0" err="1" smtClean="0"/>
+              <a:t>webstart</a:t>
+            </a:r>
+            <a:r>
+              <a:rPr lang="en-US" dirty="0" smtClean="0"/>
+              <a:t> page:</a:t>
+            </a:r>
+          </a:p>
+          <a:p>
+            <a:pPr marL="342900" indent="-342900">
+              <a:buFont typeface="Arial" pitchFamily="34" charset="0"/>
+              <a:buChar char="•"/>
+            </a:pPr>
+            <a:r>
+              <a:rPr lang="en-US" dirty="0" err="1" smtClean="0"/>
+              <a:t>mvn</a:t>
+            </a:r>
+            <a:r>
+              <a:rPr lang="en-US" dirty="0"/>
+              <a:t> com.zenjava:javafx-maven-plugin:2.0:web </a:t>
+            </a:r>
+            <a:endParaRPr lang="en-US" dirty="0" smtClean="0"/>
+          </a:p>
+          <a:p>
+            <a:pPr marL="342900" indent="-342900">
+              <a:buFont typeface="Arial" pitchFamily="34" charset="0"/>
+              <a:buChar char="•"/>
+            </a:pPr>
+            <a:r>
+              <a:rPr lang="en-US" dirty="0" smtClean="0"/>
+              <a:t>Launch the file in your new “showcase” directory</a:t>
             </a:r>
             <a:endParaRPr lang="en-US" dirty="0"/>
           </a:p>
@@ -22071,7 +21525,7 @@
     </p:spTree>
     <p:extLst>
       <p:ext uri="{BB962C8B-B14F-4D97-AF65-F5344CB8AC3E}">
-        <p14:creationId xmlns:p14="http://schemas.microsoft.com/office/powerpoint/2010/main" val="1856179208"/>
+        <p14:creationId xmlns:p14="http://schemas.microsoft.com/office/powerpoint/2010/main" val="3856607364"/>
       </p:ext>
     </p:extLst>
   </p:cSld>
@@ -22114,8 +21568,20 @@
           <a:lstStyle/>
           <a:p>
             <a:r>
-              <a:rPr lang="en-US" dirty="0" smtClean="0"/>
-              <a:t>More about Midterm thoughts</a:t>
+              <a:rPr lang="en-US" dirty="0" err="1" smtClean="0"/>
+              <a:t>Cont</a:t>
+            </a:r>
+            <a:r>
+              <a:rPr lang="en-US" dirty="0" smtClean="0"/>
+              <a:t> (Maven, </a:t>
+            </a:r>
+            <a:r>
+              <a:rPr lang="en-US" dirty="0" err="1" smtClean="0"/>
+              <a:t>JavaFx</a:t>
+            </a:r>
+            <a:r>
+              <a:rPr lang="en-US" dirty="0" smtClean="0"/>
+              <a:t>)</a:t>
             </a:r>
             <a:endParaRPr lang="en-US" dirty="0"/>
           </a:p>
@@ -22123,118 +21589,7 @@
       </p:sp>
       <p:sp>
         <p:nvSpPr>
-          <p:cNvPr id="3" name="Content Placeholder 2"/>
-          <p:cNvSpPr>
-            <a:spLocks noGrp="1"/>
-          </p:cNvSpPr>
-          <p:nvPr>
-            <p:ph idx="1"/>
-          </p:nvPr>
-        </p:nvSpPr>
-        <p:spPr/>
-        <p:txBody>
-          <a:bodyPr>
-            <a:normAutofit fontScale="62500" lnSpcReduction="20000"/>
-          </a:bodyPr>
-          <a:lstStyle/>
-          <a:p>
-            <a:endParaRPr lang="en-US" dirty="0"/>
-          </a:p>
-          <a:p>
-            <a:pPr marL="342900">
-              <a:buFont typeface="Arial" pitchFamily="34" charset="0"/>
-              <a:buChar char="•"/>
-            </a:pPr>
-            <a:r>
-              <a:rPr lang="en-US" dirty="0"/>
-              <a:t>Another “keen” theory I have is that if you</a:t>
-            </a:r>
-          </a:p>
-          <a:p>
-            <a:pPr marL="68580" indent="0">
-              <a:buNone/>
-            </a:pPr>
-            <a:r>
-              <a:rPr lang="en-US" dirty="0"/>
-              <a:t>Were so co-ordinated or careful in listening to</a:t>
-            </a:r>
-          </a:p>
-          <a:p>
-            <a:pPr marL="68580" indent="0">
-              <a:buNone/>
-            </a:pPr>
-            <a:r>
-              <a:rPr lang="en-US" dirty="0"/>
-              <a:t>My hints in class, but your Java skills are </a:t>
-            </a:r>
-            <a:r>
-              <a:rPr lang="en-US" dirty="0" smtClean="0"/>
-              <a:t>so-so, then </a:t>
-            </a:r>
-            <a:r>
-              <a:rPr lang="en-US" dirty="0"/>
-              <a:t>guess what … send your resume to </a:t>
-            </a:r>
-            <a:r>
-              <a:rPr lang="en-US" dirty="0" smtClean="0"/>
-              <a:t>be a </a:t>
-            </a:r>
-            <a:r>
-              <a:rPr lang="en-US" dirty="0"/>
-              <a:t>project manager, not software developer </a:t>
-            </a:r>
-            <a:endParaRPr lang="en-US" dirty="0" smtClean="0"/>
-          </a:p>
-          <a:p>
-            <a:r>
-              <a:rPr lang="en-US" dirty="0" smtClean="0"/>
-              <a:t>I used to consult for a government organization (information I can’t disclose to you) and our partner was another big organization (again I can’t disclose this info).  There were </a:t>
-            </a:r>
-            <a:r>
-              <a:rPr lang="en-US" dirty="0" err="1" smtClean="0"/>
-              <a:t>sooo</a:t>
-            </a:r>
-            <a:r>
-              <a:rPr lang="en-US" dirty="0" smtClean="0"/>
-              <a:t> many times I </a:t>
-            </a:r>
-            <a:r>
-              <a:rPr lang="en-US" dirty="0" err="1" smtClean="0"/>
-              <a:t>headbanged</a:t>
-            </a:r>
-            <a:r>
-              <a:rPr lang="en-US" dirty="0" smtClean="0"/>
-              <a:t> against my keyboard telling my counterpart to just use my code.  </a:t>
-            </a:r>
-            <a:r>
-              <a:rPr lang="en-US" dirty="0" err="1" smtClean="0"/>
-              <a:t>Communcation</a:t>
-            </a:r>
-            <a:r>
-              <a:rPr lang="en-US" dirty="0" smtClean="0"/>
-              <a:t> was a huge problem.  If you had </a:t>
-            </a:r>
-            <a:r>
-              <a:rPr lang="en-US" strike="sngStrike" dirty="0" smtClean="0"/>
-              <a:t>co-ordinated midterm answers</a:t>
-            </a:r>
-            <a:r>
-              <a:rPr lang="en-US" dirty="0" smtClean="0"/>
-              <a:t>, discussed where to have dinner, at exactly which restaurant and why your choice of celebration beer was better than his/hers, then that form of high-level communication via Gmail chat or whatever by itself during the beginning of last class is a talent by itself.  High communication skills is a sign of a good project manager.</a:t>
-            </a:r>
-          </a:p>
-          <a:p>
-            <a:r>
-              <a:rPr lang="en-US" dirty="0" smtClean="0"/>
-              <a:t>In case you haven’t guessed, I’m not trying to fail anyone in this course.  I’m here to help you learn and to help you find your talents.</a:t>
-            </a:r>
-            <a:endParaRPr lang="en-US" dirty="0"/>
-          </a:p>
-        </p:txBody>
-      </p:sp>
-      <p:sp>
-        <p:nvSpPr>
-          <p:cNvPr id="4" name="Slide Number Placeholder 3"/>
+          <p:cNvPr id="3" name="Slide Number Placeholder 2"/>
           <p:cNvSpPr>
             <a:spLocks noGrp="1"/>
           </p:cNvSpPr>
@@ -22250,21 +21605,98 @@
             <a:pPr>
               <a:defRPr/>
             </a:pPr>
-            <a:fld id="{8B8B984A-5AFF-7643-AE60-6D8D11294076}" type="slidenum">
-              <a:rPr lang="en-US" smtClean="0"/>
+            <a:fld id="{B2451C39-31DD-6D4B-9BED-758CF6C1BA6A}" type="slidenum">
+              <a:rPr lang="en-CA" smtClean="0"/>
               <a:pPr>
                 <a:defRPr/>
               </a:pPr>
               <a:t>77</a:t>
             </a:fld>
-            <a:endParaRPr lang="en-US"/>
+            <a:endParaRPr lang="en-CA"/>
+          </a:p>
+        </p:txBody>
+      </p:sp>
+      <p:sp>
+        <p:nvSpPr>
+          <p:cNvPr id="4" name="TextBox 3"/>
+          <p:cNvSpPr txBox="1"/>
+          <p:nvPr/>
+        </p:nvSpPr>
+        <p:spPr>
+          <a:xfrm>
+            <a:off x="1371600" y="1752600"/>
+            <a:ext cx="6324600" cy="2308324"/>
+          </a:xfrm>
+          <a:prstGeom prst="rect">
+            <a:avLst/>
+          </a:prstGeom>
+          <a:noFill/>
+        </p:spPr>
+        <p:txBody>
+          <a:bodyPr wrap="square" rtlCol="0">
+            <a:spAutoFit/>
+          </a:bodyPr>
+          <a:lstStyle/>
+          <a:p>
+            <a:pPr marL="342900" indent="-342900">
+              <a:buFont typeface="Arial" pitchFamily="34" charset="0"/>
+              <a:buChar char="•"/>
+            </a:pPr>
+            <a:r>
+              <a:rPr lang="en-US" dirty="0" smtClean="0"/>
+              <a:t>Security Errors … yeah, that’s the can of worms I was talking about.  To fix them, see</a:t>
+            </a:r>
+            <a:r>
+              <a:rPr lang="en-US" dirty="0"/>
+              <a:t>: </a:t>
+            </a:r>
+            <a:r>
+              <a:rPr lang="en-US" dirty="0">
+                <a:hlinkClick r:id="rId2"/>
+              </a:rPr>
+              <a:t>http://hchan.github.io/comp2613</a:t>
+            </a:r>
+            <a:r>
+              <a:rPr lang="en-US" dirty="0" smtClean="0">
+                <a:hlinkClick r:id="rId2"/>
+              </a:rPr>
+              <a:t>/</a:t>
+            </a:r>
+            <a:endParaRPr lang="en-US" dirty="0" smtClean="0"/>
+          </a:p>
+          <a:p>
+            <a:pPr marL="342900" indent="-342900">
+              <a:buFont typeface="Arial" pitchFamily="34" charset="0"/>
+              <a:buChar char="•"/>
+            </a:pPr>
+            <a:r>
+              <a:rPr lang="en-US" dirty="0" smtClean="0"/>
+              <a:t>Hey, do you think the above URL is </a:t>
+            </a:r>
+            <a:r>
+              <a:rPr lang="en-US" dirty="0" err="1" smtClean="0"/>
+              <a:t>kinda</a:t>
+            </a:r>
+            <a:r>
+              <a:rPr lang="en-US" dirty="0" smtClean="0"/>
+              <a:t> neat?  Well, if you do, you’re only 5 steps away from having your own </a:t>
+            </a:r>
+            <a:r>
+              <a:rPr lang="en-US" dirty="0" err="1" smtClean="0"/>
+              <a:t>Github</a:t>
+            </a:r>
+            <a:r>
+              <a:rPr lang="en-US" dirty="0" smtClean="0"/>
+              <a:t> page</a:t>
+            </a:r>
+            <a:endParaRPr lang="en-US" dirty="0"/>
           </a:p>
         </p:txBody>
       </p:sp>
     </p:spTree>
     <p:extLst>
       <p:ext uri="{BB962C8B-B14F-4D97-AF65-F5344CB8AC3E}">
-        <p14:creationId xmlns:p14="http://schemas.microsoft.com/office/powerpoint/2010/main" val="3377866009"/>
+        <p14:creationId xmlns:p14="http://schemas.microsoft.com/office/powerpoint/2010/main" val="4243719274"/>
       </p:ext>
     </p:extLst>
   </p:cSld>
@@ -22307,12 +21739,12 @@
           <a:lstStyle/>
           <a:p>
             <a:r>
-              <a:rPr lang="en-US" dirty="0" smtClean="0"/>
-              <a:t>Java applets / </a:t>
-            </a:r>
-            <a:r>
               <a:rPr lang="en-US" dirty="0" err="1" smtClean="0"/>
-              <a:t>Webstart</a:t>
+              <a:t>GitHub</a:t>
+            </a:r>
+            <a:r>
+              <a:rPr lang="en-US" dirty="0" smtClean="0"/>
+              <a:t> Pages</a:t>
             </a:r>
             <a:endParaRPr lang="en-US" dirty="0"/>
           </a:p>
@@ -22355,8 +21787,8 @@
         </p:nvSpPr>
         <p:spPr>
           <a:xfrm>
-            <a:off x="1600200" y="2438400"/>
-            <a:ext cx="6298519" cy="3416320"/>
+            <a:off x="1143001" y="2133600"/>
+            <a:ext cx="7772400" cy="4524315"/>
           </a:xfrm>
           <a:prstGeom prst="rect">
             <a:avLst/>
@@ -22364,7 +21796,7 @@
           <a:noFill/>
         </p:spPr>
         <p:txBody>
-          <a:bodyPr wrap="none" rtlCol="0">
+          <a:bodyPr wrap="square" rtlCol="0">
             <a:spAutoFit/>
           </a:bodyPr>
           <a:lstStyle/>
@@ -22374,9 +21806,22 @@
               <a:buChar char="•"/>
             </a:pPr>
             <a:r>
-              <a:rPr lang="en-US" dirty="0" smtClean="0"/>
-              <a:t>What is an applet?</a:t>
-            </a:r>
+              <a:rPr lang="en-US" dirty="0"/>
+              <a:t>Read: </a:t>
+            </a:r>
+            <a:r>
+              <a:rPr lang="en-US" dirty="0">
+                <a:hlinkClick r:id="rId2"/>
+              </a:rPr>
+              <a:t>https://pages.github.com</a:t>
+            </a:r>
+            <a:r>
+              <a:rPr lang="en-US" dirty="0" smtClean="0">
+                <a:hlinkClick r:id="rId2"/>
+              </a:rPr>
+              <a:t>/</a:t>
+            </a:r>
+            <a:endParaRPr lang="en-US" dirty="0" smtClean="0"/>
           </a:p>
           <a:p>
             <a:pPr marL="342900" indent="-342900">
@@ -22385,17 +21830,85 @@
             </a:pPr>
             <a:r>
               <a:rPr lang="en-US" dirty="0" smtClean="0"/>
-              <a:t>It’s a way to show your java application</a:t>
-            </a:r>
-          </a:p>
-          <a:p>
-            <a:r>
-              <a:rPr lang="en-US" dirty="0"/>
-              <a:t>o</a:t>
-            </a:r>
-            <a:r>
-              <a:rPr lang="en-US" dirty="0" smtClean="0"/>
-              <a:t>n a webpage … think of it like a plugin</a:t>
+              <a:t>The Eclipse way:</a:t>
+            </a:r>
+          </a:p>
+          <a:p>
+            <a:pPr marL="800100" lvl="1" indent="-342900">
+              <a:buFont typeface="Arial" pitchFamily="34" charset="0"/>
+              <a:buChar char="•"/>
+            </a:pPr>
+            <a:r>
+              <a:rPr lang="en-US" dirty="0" smtClean="0"/>
+              <a:t>Make a new Branch called </a:t>
+            </a:r>
+            <a:r>
+              <a:rPr lang="en-US" dirty="0" err="1" smtClean="0"/>
+              <a:t>gh</a:t>
+            </a:r>
+            <a:r>
+              <a:rPr lang="en-US" dirty="0" smtClean="0"/>
+              <a:t>-pages</a:t>
+            </a:r>
+          </a:p>
+          <a:p>
+            <a:pPr lvl="1"/>
+            <a:r>
+              <a:rPr lang="en-US" dirty="0" smtClean="0"/>
+              <a:t>(Team-&gt;Switch To-&gt;New Branch … </a:t>
+            </a:r>
+            <a:r>
+              <a:rPr lang="en-US" dirty="0" err="1" smtClean="0"/>
+              <a:t>gh</a:t>
+            </a:r>
+            <a:r>
+              <a:rPr lang="en-US" dirty="0" smtClean="0"/>
+              <a:t>-pages)</a:t>
+            </a:r>
+          </a:p>
+          <a:p>
+            <a:pPr marL="800100" lvl="1" indent="-342900">
+              <a:buFont typeface="Arial" pitchFamily="34" charset="0"/>
+              <a:buChar char="•"/>
+            </a:pPr>
+            <a:r>
+              <a:rPr lang="en-US" dirty="0" smtClean="0"/>
+              <a:t>Team-&gt;Merge-&gt;…master… (won’t need</a:t>
+            </a:r>
+          </a:p>
+          <a:p>
+            <a:pPr lvl="1"/>
+            <a:r>
+              <a:rPr lang="en-US" dirty="0" smtClean="0"/>
+              <a:t>It the first time </a:t>
+            </a:r>
+            <a:r>
+              <a:rPr lang="en-US" dirty="0" err="1" smtClean="0"/>
+              <a:t>tho</a:t>
+            </a:r>
+            <a:r>
+              <a:rPr lang="en-US" dirty="0" smtClean="0"/>
+              <a:t>)</a:t>
+            </a:r>
+          </a:p>
+          <a:p>
+            <a:pPr marL="800100" lvl="1" indent="-342900">
+              <a:buFont typeface="Arial" pitchFamily="34" charset="0"/>
+              <a:buChar char="•"/>
+            </a:pPr>
+            <a:r>
+              <a:rPr lang="en-US" dirty="0" smtClean="0"/>
+              <a:t>Team-&gt;Push to upstream</a:t>
+            </a:r>
+          </a:p>
+          <a:p>
+            <a:pPr marL="800100" lvl="1" indent="-342900">
+              <a:buFont typeface="Arial" pitchFamily="34" charset="0"/>
+              <a:buChar char="•"/>
+            </a:pPr>
+            <a:r>
+              <a:rPr lang="en-US" dirty="0" smtClean="0"/>
+              <a:t>Team-&gt;Switch To-&gt;master</a:t>
             </a:r>
           </a:p>
           <a:p>
@@ -22405,7 +21918,7 @@
             </a:pPr>
             <a:r>
               <a:rPr lang="en-US" dirty="0" smtClean="0"/>
-              <a:t>Similar to Flash</a:t>
+              <a:t>Wait a few minutes (get a coffee)</a:t>
             </a:r>
           </a:p>
           <a:p>
@@ -22415,73 +21928,19 @@
             </a:pPr>
             <a:r>
               <a:rPr lang="en-US" dirty="0" smtClean="0"/>
-              <a:t>Applets were the *OLDER* way to present</a:t>
-            </a:r>
-          </a:p>
-          <a:p>
-            <a:r>
-              <a:rPr lang="en-US" dirty="0" smtClean="0"/>
-              <a:t>Java applications on the </a:t>
-            </a:r>
-            <a:r>
-              <a:rPr lang="en-US" dirty="0" err="1" smtClean="0"/>
-              <a:t>brower</a:t>
-            </a:r>
-            <a:endParaRPr lang="en-US" dirty="0" smtClean="0"/>
-          </a:p>
-          <a:p>
-            <a:pPr marL="342900" indent="-342900">
-              <a:buFont typeface="Arial" pitchFamily="34" charset="0"/>
-              <a:buChar char="•"/>
-            </a:pPr>
-            <a:r>
-              <a:rPr lang="en-US" dirty="0" smtClean="0"/>
-              <a:t>When ran/deployed, they look pretty much</a:t>
-            </a:r>
-          </a:p>
-          <a:p>
-            <a:pPr marL="342900" indent="-342900">
-              <a:buFont typeface="Arial" pitchFamily="34" charset="0"/>
-              <a:buChar char="•"/>
-            </a:pPr>
-            <a:r>
-              <a:rPr lang="en-US" dirty="0" smtClean="0"/>
-              <a:t>The same – hey its just Java </a:t>
-            </a:r>
-            <a:r>
-              <a:rPr lang="en-US" dirty="0" err="1" smtClean="0"/>
-              <a:t>Fx</a:t>
-            </a:r>
-            <a:r>
-              <a:rPr lang="en-US" dirty="0" smtClean="0"/>
-              <a:t> ;)</a:t>
-            </a:r>
-          </a:p>
-          <a:p>
-            <a:pPr marL="342900" indent="-342900">
-              <a:buFont typeface="Arial" pitchFamily="34" charset="0"/>
-              <a:buChar char="•"/>
-            </a:pPr>
-            <a:r>
-              <a:rPr lang="en-US" dirty="0" smtClean="0"/>
-              <a:t>Syntax for </a:t>
-            </a:r>
-            <a:r>
-              <a:rPr lang="en-US" dirty="0" err="1" smtClean="0"/>
-              <a:t>Webstart</a:t>
-            </a:r>
-            <a:r>
-              <a:rPr lang="en-US" dirty="0" smtClean="0"/>
-              <a:t> is better Applets</a:t>
-            </a:r>
-            <a:endParaRPr lang="en-US" dirty="0"/>
+              <a:t>From browser</a:t>
+            </a:r>
+            <a:r>
+              <a:rPr lang="en-US" dirty="0"/>
+              <a:t>: http://hchan.github.io/comp2613/showcase/comp2613-0.0.1-SNAPSHOT.html</a:t>
+            </a:r>
           </a:p>
         </p:txBody>
       </p:sp>
     </p:spTree>
     <p:extLst>
       <p:ext uri="{BB962C8B-B14F-4D97-AF65-F5344CB8AC3E}">
-        <p14:creationId xmlns:p14="http://schemas.microsoft.com/office/powerpoint/2010/main" val="2587190784"/>
+        <p14:creationId xmlns:p14="http://schemas.microsoft.com/office/powerpoint/2010/main" val="225854111"/>
       </p:ext>
     </p:extLst>
   </p:cSld>
@@ -22525,7 +21984,7 @@
           <a:p>
             <a:r>
               <a:rPr lang="en-US" dirty="0" smtClean="0"/>
-              <a:t>There’s a plugin for that</a:t>
+              <a:t>So what can go wrong? …</a:t>
             </a:r>
             <a:endParaRPr lang="en-US" dirty="0"/>
           </a:p>
@@ -22568,8 +22027,8 @@
         </p:nvSpPr>
         <p:spPr>
           <a:xfrm>
-            <a:off x="1524001" y="1981200"/>
-            <a:ext cx="6553200" cy="5262979"/>
+            <a:off x="1371600" y="2057400"/>
+            <a:ext cx="7050328" cy="3046988"/>
           </a:xfrm>
           <a:prstGeom prst="rect">
             <a:avLst/>
@@ -22577,63 +22036,19 @@
           <a:noFill/>
         </p:spPr>
         <p:txBody>
-          <a:bodyPr wrap="square" rtlCol="0">
+          <a:bodyPr wrap="none" rtlCol="0">
             <a:spAutoFit/>
           </a:bodyPr>
           <a:lstStyle/>
-          <a:p>
-            <a:r>
-              <a:rPr lang="en-US" dirty="0"/>
-              <a:t>Read: </a:t>
-            </a:r>
-            <a:r>
-              <a:rPr lang="en-US" dirty="0">
-                <a:hlinkClick r:id="rId2"/>
-              </a:rPr>
-              <a:t>http://</a:t>
-            </a:r>
-            <a:r>
-              <a:rPr lang="en-US" dirty="0" smtClean="0">
-                <a:hlinkClick r:id="rId2"/>
-              </a:rPr>
-              <a:t>zenjava.com/javafx/maven/index.html</a:t>
-            </a:r>
-            <a:endParaRPr lang="en-US" dirty="0" smtClean="0"/>
-          </a:p>
-          <a:p>
-            <a:r>
-              <a:rPr lang="en-US" dirty="0" smtClean="0"/>
-              <a:t>Use my pom.xml as reference (especially the configuration section)</a:t>
-            </a:r>
-          </a:p>
-          <a:p>
-            <a:r>
-              <a:rPr lang="en-US" dirty="0" smtClean="0"/>
-              <a:t>Basic steps</a:t>
-            </a:r>
-          </a:p>
           <a:p>
             <a:pPr marL="342900" indent="-342900">
               <a:buFont typeface="Arial" pitchFamily="34" charset="0"/>
               <a:buChar char="•"/>
             </a:pPr>
             <a:r>
-              <a:rPr lang="en-US" dirty="0"/>
-              <a:t>Install plugin: see </a:t>
-            </a:r>
-            <a:r>
-              <a:rPr lang="en-US" dirty="0">
-                <a:hlinkClick r:id="rId3"/>
-              </a:rPr>
-              <a:t>http://</a:t>
-            </a:r>
-            <a:r>
-              <a:rPr lang="en-US" dirty="0" smtClean="0">
-                <a:hlinkClick r:id="rId3"/>
-              </a:rPr>
-              <a:t>zenjava.com/javafx/maven/basic-config.html</a:t>
-            </a:r>
-            <a:endParaRPr lang="en-US" dirty="0" smtClean="0"/>
+              <a:rPr lang="en-US" dirty="0" smtClean="0"/>
+              <a:t>Lots</a:t>
+            </a:r>
           </a:p>
           <a:p>
             <a:pPr marL="342900" indent="-342900">
@@ -22641,24 +22056,22 @@
               <a:buChar char="•"/>
             </a:pPr>
             <a:r>
-              <a:rPr lang="en-US" dirty="0" err="1"/>
-              <a:t>mvn</a:t>
-            </a:r>
-            <a:r>
-              <a:rPr lang="en-US" dirty="0"/>
-              <a:t> </a:t>
-            </a:r>
-            <a:r>
-              <a:rPr lang="en-US" dirty="0" smtClean="0"/>
-              <a:t>com.zenjava:javafx-maven-plugin:2.0:fix-classpath (hint anytime you see </a:t>
+              <a:rPr lang="en-US" dirty="0" smtClean="0"/>
+              <a:t>But above everything else, I *HATE* the</a:t>
+            </a:r>
+          </a:p>
+          <a:p>
+            <a:r>
+              <a:rPr lang="en-US" dirty="0" smtClean="0"/>
+              <a:t>Security sandbox that </a:t>
             </a:r>
             <a:r>
               <a:rPr lang="en-US" dirty="0" err="1" smtClean="0"/>
-              <a:t>mvn</a:t>
-            </a:r>
-            <a:r>
-              <a:rPr lang="en-US" dirty="0" smtClean="0"/>
-              <a:t> … goal, in Eclipse its Run As…Maven build (fill in the Goal with that long string), Run</a:t>
+              <a:t>Webstart</a:t>
+            </a:r>
+            <a:r>
+              <a:rPr lang="en-US" dirty="0" smtClean="0"/>
+              <a:t> / Applets have</a:t>
             </a:r>
           </a:p>
           <a:p>
@@ -22666,6 +22079,47 @@
               <a:buFont typeface="Arial" pitchFamily="34" charset="0"/>
               <a:buChar char="•"/>
             </a:pPr>
+            <a:r>
+              <a:rPr lang="en-US" dirty="0" smtClean="0"/>
+              <a:t>Recap:</a:t>
+            </a:r>
+          </a:p>
+          <a:p>
+            <a:pPr marL="800100" lvl="1" indent="-342900">
+              <a:buFont typeface="Arial" pitchFamily="34" charset="0"/>
+              <a:buChar char="•"/>
+            </a:pPr>
+            <a:r>
+              <a:rPr lang="en-US" dirty="0" smtClean="0"/>
+              <a:t>Lines of Java code I showed you in class</a:t>
+            </a:r>
+          </a:p>
+          <a:p>
+            <a:pPr lvl="1"/>
+            <a:r>
+              <a:rPr lang="en-US" dirty="0" smtClean="0"/>
+              <a:t>Today: 0</a:t>
+            </a:r>
+          </a:p>
+          <a:p>
+            <a:pPr marL="800100" lvl="1" indent="-342900">
+              <a:buFont typeface="Arial" pitchFamily="34" charset="0"/>
+              <a:buChar char="•"/>
+            </a:pPr>
+            <a:r>
+              <a:rPr lang="en-US" dirty="0" smtClean="0"/>
+              <a:t>Xml lines: quite a few (pom.xml)</a:t>
+            </a:r>
+          </a:p>
+          <a:p>
+            <a:pPr marL="800100" lvl="1" indent="-342900">
+              <a:buFont typeface="Arial" pitchFamily="34" charset="0"/>
+              <a:buChar char="•"/>
+            </a:pPr>
+            <a:r>
+              <a:rPr lang="en-US" dirty="0" smtClean="0"/>
+              <a:t>Html lines … well, take a look at (index.html)</a:t>
+            </a:r>
             <a:endParaRPr lang="en-US" dirty="0"/>
           </a:p>
         </p:txBody>
@@ -22673,7 +22127,7 @@
     </p:spTree>
     <p:extLst>
       <p:ext uri="{BB962C8B-B14F-4D97-AF65-F5344CB8AC3E}">
-        <p14:creationId xmlns:p14="http://schemas.microsoft.com/office/powerpoint/2010/main" val="2756682193"/>
+        <p14:creationId xmlns:p14="http://schemas.microsoft.com/office/powerpoint/2010/main" val="57500122"/>
       </p:ext>
     </p:extLst>
   </p:cSld>
@@ -23105,28 +22559,16 @@
           <a:lstStyle/>
           <a:p>
             <a:r>
+              <a:rPr lang="en-US" dirty="0" smtClean="0"/>
+              <a:t>Surprised / confused with </a:t>
+            </a:r>
+            <a:r>
               <a:rPr lang="en-US" dirty="0" err="1" smtClean="0"/>
-              <a:t>Cont</a:t>
-            </a:r>
-            <a:r>
-              <a:rPr lang="en-US" dirty="0" smtClean="0"/>
-              <a:t> </a:t>
-            </a:r>
-            <a:r>
-              <a:rPr lang="en-US" dirty="0"/>
-              <a:t>(Maven, </a:t>
-            </a:r>
-            <a:r>
-              <a:rPr lang="en-US" dirty="0" err="1"/>
-              <a:t>JavaFx</a:t>
-            </a:r>
-            <a:r>
-              <a:rPr lang="en-US" dirty="0"/>
-              <a:t>)</a:t>
-            </a:r>
-            <a:r>
-              <a:rPr lang="en-US" dirty="0" smtClean="0"/>
-              <a:t>…</a:t>
+              <a:t>git</a:t>
+            </a:r>
+            <a:r>
+              <a:rPr lang="en-US" dirty="0" smtClean="0"/>
+              <a:t> branches?</a:t>
             </a:r>
             <a:endParaRPr lang="en-US" dirty="0"/>
           </a:p>
@@ -23169,8 +22611,8 @@
         </p:nvSpPr>
         <p:spPr>
           <a:xfrm>
-            <a:off x="1752600" y="1676400"/>
-            <a:ext cx="184731" cy="461665"/>
+            <a:off x="685800" y="2474536"/>
+            <a:ext cx="8334333" cy="4154984"/>
           </a:xfrm>
           <a:prstGeom prst="rect">
             <a:avLst/>
@@ -23183,73 +22625,39 @@
           </a:bodyPr>
           <a:lstStyle/>
           <a:p>
-            <a:endParaRPr lang="en-US" dirty="0"/>
-          </a:p>
-        </p:txBody>
-      </p:sp>
-      <p:sp>
-        <p:nvSpPr>
-          <p:cNvPr id="5" name="TextBox 4"/>
-          <p:cNvSpPr txBox="1"/>
-          <p:nvPr/>
-        </p:nvSpPr>
-        <p:spPr>
-          <a:xfrm>
-            <a:off x="1371601" y="1600200"/>
-            <a:ext cx="7696200" cy="4154984"/>
-          </a:xfrm>
-          <a:prstGeom prst="rect">
-            <a:avLst/>
-          </a:prstGeom>
-          <a:noFill/>
-        </p:spPr>
-        <p:txBody>
-          <a:bodyPr wrap="square" rtlCol="0">
-            <a:spAutoFit/>
-          </a:bodyPr>
-          <a:lstStyle/>
-          <a:p>
             <a:pPr marL="342900" indent="-342900">
               <a:buFont typeface="Arial" pitchFamily="34" charset="0"/>
               <a:buChar char="•"/>
             </a:pPr>
             <a:r>
               <a:rPr lang="en-US" dirty="0" smtClean="0"/>
-              <a:t>Generate a </a:t>
+              <a:t>For some (may most … all?), this may be</a:t>
+            </a:r>
+          </a:p>
+          <a:p>
+            <a:r>
+              <a:rPr lang="en-US" dirty="0" smtClean="0"/>
+              <a:t>The first time you are using Source Code Management</a:t>
+            </a:r>
+          </a:p>
+          <a:p>
+            <a:r>
+              <a:rPr lang="en-US" dirty="0" smtClean="0"/>
+              <a:t>And branches.  Google </a:t>
             </a:r>
             <a:r>
               <a:rPr lang="en-US" dirty="0" err="1" smtClean="0"/>
-              <a:t>keystore</a:t>
-            </a:r>
-            <a:r>
-              <a:rPr lang="en-US" dirty="0" smtClean="0"/>
-              <a:t> … </a:t>
-            </a:r>
-            <a:r>
-              <a:rPr lang="en-US" dirty="0" err="1" smtClean="0"/>
-              <a:t>keystore</a:t>
-            </a:r>
-            <a:r>
-              <a:rPr lang="en-US" dirty="0" smtClean="0"/>
-              <a:t> …</a:t>
-            </a:r>
-          </a:p>
-          <a:p>
-            <a:r>
-              <a:rPr lang="en-US" dirty="0" smtClean="0"/>
-              <a:t>A big can of worms … its all related with security,</a:t>
-            </a:r>
-          </a:p>
-          <a:p>
-            <a:r>
-              <a:rPr lang="en-US" dirty="0" smtClean="0"/>
-              <a:t>And personally, it makes me sick, but without these</a:t>
-            </a:r>
-          </a:p>
-          <a:p>
-            <a:r>
-              <a:rPr lang="en-US" dirty="0" smtClean="0"/>
-              <a:t>Instructions, it just won’t work</a:t>
+              <a:t>git</a:t>
+            </a:r>
+            <a:r>
+              <a:rPr lang="en-US" dirty="0" smtClean="0"/>
+              <a:t> branches it if you want </a:t>
+            </a:r>
+          </a:p>
+          <a:p>
+            <a:r>
+              <a:rPr lang="en-US" dirty="0" smtClean="0"/>
+              <a:t>… its pretty cool.</a:t>
             </a:r>
           </a:p>
           <a:p>
@@ -23259,19 +22667,25 @@
             </a:pPr>
             <a:r>
               <a:rPr lang="en-US" dirty="0" smtClean="0"/>
-              <a:t>Anyways: </a:t>
-            </a:r>
-            <a:r>
-              <a:rPr lang="en-US" dirty="0" err="1" smtClean="0"/>
-              <a:t>mvn</a:t>
-            </a:r>
-            <a:r>
-              <a:rPr lang="en-US" dirty="0"/>
-              <a:t> </a:t>
-            </a:r>
-            <a:r>
-              <a:rPr lang="en-US" dirty="0" smtClean="0"/>
-              <a:t>com.zenjava:javafx-maven-plugin:2.0:generate-key-store</a:t>
+              <a:t>Be patient … if anything, this is a skill (SCM/branches)</a:t>
+            </a:r>
+          </a:p>
+          <a:p>
+            <a:r>
+              <a:rPr lang="en-US" dirty="0" smtClean="0"/>
+              <a:t>that can and will be used by large and small organizations.  </a:t>
+            </a:r>
+          </a:p>
+          <a:p>
+            <a:r>
+              <a:rPr lang="en-US" dirty="0" smtClean="0"/>
+              <a:t>Learn it well.</a:t>
+            </a:r>
+          </a:p>
+          <a:p>
+            <a:r>
+              <a:rPr lang="en-US" dirty="0" smtClean="0"/>
+              <a:t>Other SCMs include Mercurial, Subversion, Perforce</a:t>
             </a:r>
           </a:p>
           <a:p>
@@ -23280,24 +22694,26 @@
               <a:buChar char="•"/>
             </a:pPr>
             <a:r>
-              <a:rPr lang="en-US" dirty="0" smtClean="0"/>
-              <a:t>Make sure you have a similar pom.xml </a:t>
-            </a:r>
-            <a:r>
               <a:rPr lang="en-US" dirty="0" err="1" smtClean="0"/>
-              <a:t>config</a:t>
-            </a:r>
-            <a:r>
-              <a:rPr lang="en-US" dirty="0" smtClean="0"/>
-              <a:t> to mine for the </a:t>
+              <a:t>Github’s</a:t>
+            </a:r>
+            <a:r>
+              <a:rPr lang="en-US" dirty="0" smtClean="0"/>
+              <a:t> special branch of </a:t>
             </a:r>
             <a:r>
               <a:rPr lang="en-US" dirty="0" err="1" smtClean="0"/>
-              <a:t>certXXX</a:t>
-            </a:r>
-            <a:r>
-              <a:rPr lang="en-US" dirty="0" smtClean="0"/>
-              <a:t> stuff</a:t>
+              <a:t>gh</a:t>
+            </a:r>
+            <a:r>
+              <a:rPr lang="en-US" dirty="0" smtClean="0"/>
+              <a:t>-pages, just gave you</a:t>
+            </a:r>
+          </a:p>
+          <a:p>
+            <a:r>
+              <a:rPr lang="en-US" dirty="0" smtClean="0"/>
+              <a:t>The bonus of a web project page ;)</a:t>
             </a:r>
           </a:p>
           <a:p>
@@ -23307,40 +22723,7 @@
             </a:pPr>
             <a:r>
               <a:rPr lang="en-US" dirty="0" smtClean="0"/>
-              <a:t>Next, create your </a:t>
-            </a:r>
-            <a:r>
-              <a:rPr lang="en-US" dirty="0" err="1" smtClean="0"/>
-              <a:t>webstart</a:t>
-            </a:r>
-            <a:r>
-              <a:rPr lang="en-US" dirty="0" smtClean="0"/>
-              <a:t> page:</a:t>
-            </a:r>
-          </a:p>
-          <a:p>
-            <a:pPr marL="342900" indent="-342900">
-              <a:buFont typeface="Arial" pitchFamily="34" charset="0"/>
-              <a:buChar char="•"/>
-            </a:pPr>
-            <a:r>
-              <a:rPr lang="en-US" dirty="0" err="1" smtClean="0"/>
-              <a:t>mvn</a:t>
-            </a:r>
-            <a:r>
-              <a:rPr lang="en-US" dirty="0"/>
-              <a:t> com.zenjava:javafx-maven-plugin:2.0:web </a:t>
-            </a:r>
-            <a:endParaRPr lang="en-US" dirty="0" smtClean="0"/>
-          </a:p>
-          <a:p>
-            <a:pPr marL="342900" indent="-342900">
-              <a:buFont typeface="Arial" pitchFamily="34" charset="0"/>
-              <a:buChar char="•"/>
-            </a:pPr>
-            <a:r>
-              <a:rPr lang="en-US" dirty="0" smtClean="0"/>
-              <a:t>Launch the file in your new “showcase” directory</a:t>
+              <a:t>Open-source FTW (For The Win)!</a:t>
             </a:r>
             <a:endParaRPr lang="en-US" dirty="0"/>
           </a:p>
@@ -23349,7 +22732,7 @@
     </p:spTree>
     <p:extLst>
       <p:ext uri="{BB962C8B-B14F-4D97-AF65-F5344CB8AC3E}">
-        <p14:creationId xmlns:p14="http://schemas.microsoft.com/office/powerpoint/2010/main" val="3856607364"/>
+        <p14:creationId xmlns:p14="http://schemas.microsoft.com/office/powerpoint/2010/main" val="3312461178"/>
       </p:ext>
     </p:extLst>
   </p:cSld>
@@ -23392,20 +22775,8 @@
           <a:lstStyle/>
           <a:p>
             <a:r>
-              <a:rPr lang="en-US" dirty="0" err="1" smtClean="0"/>
-              <a:t>Cont</a:t>
-            </a:r>
-            <a:r>
-              <a:rPr lang="en-US" dirty="0" smtClean="0"/>
-              <a:t> (Maven, </a:t>
-            </a:r>
-            <a:r>
-              <a:rPr lang="en-US" dirty="0" err="1" smtClean="0"/>
-              <a:t>JavaFx</a:t>
-            </a:r>
-            <a:r>
-              <a:rPr lang="en-US" dirty="0" smtClean="0"/>
-              <a:t>)</a:t>
+              <a:rPr lang="en-US" dirty="0" smtClean="0"/>
+              <a:t>Homework</a:t>
             </a:r>
             <a:endParaRPr lang="en-US" dirty="0"/>
           </a:p>
@@ -23448,8 +22819,8 @@
         </p:nvSpPr>
         <p:spPr>
           <a:xfrm>
-            <a:off x="1371600" y="1752600"/>
-            <a:ext cx="6324600" cy="2308324"/>
+            <a:off x="1066800" y="2133600"/>
+            <a:ext cx="5962723" cy="830997"/>
           </a:xfrm>
           <a:prstGeom prst="rect">
             <a:avLst/>
@@ -23457,53 +22828,20 @@
           <a:noFill/>
         </p:spPr>
         <p:txBody>
-          <a:bodyPr wrap="square" rtlCol="0">
+          <a:bodyPr wrap="none" rtlCol="0">
             <a:spAutoFit/>
           </a:bodyPr>
           <a:lstStyle/>
           <a:p>
-            <a:pPr marL="342900" indent="-342900">
-              <a:buFont typeface="Arial" pitchFamily="34" charset="0"/>
-              <a:buChar char="•"/>
-            </a:pPr>
-            <a:r>
-              <a:rPr lang="en-US" dirty="0" smtClean="0"/>
-              <a:t>Security Errors … yeah, that’s the can of worms I was talking about.  To fix them, see</a:t>
-            </a:r>
-            <a:r>
-              <a:rPr lang="en-US" dirty="0"/>
-              <a:t>: </a:t>
-            </a:r>
-            <a:r>
-              <a:rPr lang="en-US" dirty="0">
-                <a:hlinkClick r:id="rId2"/>
-              </a:rPr>
-              <a:t>http://hchan.github.io/comp2613</a:t>
-            </a:r>
-            <a:r>
-              <a:rPr lang="en-US" dirty="0" smtClean="0">
-                <a:hlinkClick r:id="rId2"/>
-              </a:rPr>
-              <a:t>/</a:t>
-            </a:r>
-            <a:endParaRPr lang="en-US" dirty="0" smtClean="0"/>
-          </a:p>
-          <a:p>
-            <a:pPr marL="342900" indent="-342900">
-              <a:buFont typeface="Arial" pitchFamily="34" charset="0"/>
-              <a:buChar char="•"/>
-            </a:pPr>
-            <a:r>
-              <a:rPr lang="en-US" dirty="0" smtClean="0"/>
-              <a:t>Hey, do you think the above URL is </a:t>
-            </a:r>
-            <a:r>
-              <a:rPr lang="en-US" dirty="0" err="1" smtClean="0"/>
-              <a:t>kinda</a:t>
-            </a:r>
-            <a:r>
-              <a:rPr lang="en-US" dirty="0" smtClean="0"/>
-              <a:t> neat?  Well, if you do, you’re only 5 steps away from having your own </a:t>
+            <a:r>
+              <a:rPr lang="en-US" dirty="0" smtClean="0"/>
+              <a:t>Assignment 8</a:t>
+            </a:r>
+          </a:p>
+          <a:p>
+            <a:r>
+              <a:rPr lang="en-US" dirty="0" smtClean="0"/>
+              <a:t>Read up on </a:t>
             </a:r>
             <a:r>
               <a:rPr lang="en-US" dirty="0" err="1" smtClean="0"/>
@@ -23511,7 +22849,7 @@
             </a:r>
             <a:r>
               <a:rPr lang="en-US" dirty="0" smtClean="0"/>
-              <a:t> page</a:t>
+              <a:t>/Maven/Java Web Start</a:t>
             </a:r>
             <a:endParaRPr lang="en-US" dirty="0"/>
           </a:p>
@@ -23520,7 +22858,7 @@
     </p:spTree>
     <p:extLst>
       <p:ext uri="{BB962C8B-B14F-4D97-AF65-F5344CB8AC3E}">
-        <p14:creationId xmlns:p14="http://schemas.microsoft.com/office/powerpoint/2010/main" val="4243719274"/>
+        <p14:creationId xmlns:p14="http://schemas.microsoft.com/office/powerpoint/2010/main" val="567677391"/>
       </p:ext>
     </p:extLst>
   </p:cSld>
@@ -23563,12 +22901,57 @@
           <a:lstStyle/>
           <a:p>
             <a:r>
+              <a:rPr lang="en-US" dirty="0" smtClean="0"/>
+              <a:t>JDBC / JPA / ORM</a:t>
+            </a:r>
+            <a:endParaRPr lang="en-US" dirty="0"/>
+          </a:p>
+        </p:txBody>
+      </p:sp>
+      <p:sp>
+        <p:nvSpPr>
+          <p:cNvPr id="3" name="Content Placeholder 2"/>
+          <p:cNvSpPr>
+            <a:spLocks noGrp="1"/>
+          </p:cNvSpPr>
+          <p:nvPr>
+            <p:ph idx="1"/>
+          </p:nvPr>
+        </p:nvSpPr>
+        <p:spPr/>
+        <p:txBody>
+          <a:bodyPr/>
+          <a:lstStyle/>
+          <a:p>
+            <a:r>
+              <a:rPr lang="en-US" dirty="0" smtClean="0"/>
+              <a:t>There is the long version and then the short version</a:t>
+            </a:r>
+          </a:p>
+          <a:p>
+            <a:r>
+              <a:rPr lang="en-US" dirty="0" smtClean="0"/>
+              <a:t>Vanilla JDBC Java </a:t>
+            </a:r>
+            <a:r>
               <a:rPr lang="en-US" dirty="0" err="1" smtClean="0"/>
-              <a:t>GitHub</a:t>
-            </a:r>
-            <a:r>
-              <a:rPr lang="en-US" dirty="0" smtClean="0"/>
-              <a:t> Pages</a:t>
+              <a:t>DataBase</a:t>
+            </a:r>
+            <a:r>
+              <a:rPr lang="en-US" dirty="0" smtClean="0"/>
+              <a:t> Connectivity – if you can avoid programming with vanilla JDBC directly, that’s a good thing</a:t>
+            </a:r>
+          </a:p>
+          <a:p>
+            <a:r>
+              <a:rPr lang="en-US" dirty="0" smtClean="0"/>
+              <a:t>There’s a tool for that</a:t>
+            </a:r>
+          </a:p>
+          <a:p>
+            <a:r>
+              <a:rPr lang="en-US" dirty="0" smtClean="0"/>
+              <a:t>ORM -&gt; Object Relational Mapping.  Means transforming a Java Data Model</a:t>
             </a:r>
             <a:endParaRPr lang="en-US" dirty="0"/>
           </a:p>
@@ -23576,7 +22959,7 @@
       </p:sp>
       <p:sp>
         <p:nvSpPr>
-          <p:cNvPr id="3" name="Slide Number Placeholder 2"/>
+          <p:cNvPr id="4" name="Slide Number Placeholder 3"/>
           <p:cNvSpPr>
             <a:spLocks noGrp="1"/>
           </p:cNvSpPr>
@@ -23592,179 +22975,21 @@
             <a:pPr>
               <a:defRPr/>
             </a:pPr>
-            <a:fld id="{B2451C39-31DD-6D4B-9BED-758CF6C1BA6A}" type="slidenum">
-              <a:rPr lang="en-CA" smtClean="0"/>
+            <a:fld id="{8B8B984A-5AFF-7643-AE60-6D8D11294076}" type="slidenum">
+              <a:rPr lang="en-US" smtClean="0"/>
               <a:pPr>
                 <a:defRPr/>
               </a:pPr>
               <a:t>82</a:t>
             </a:fld>
-            <a:endParaRPr lang="en-CA"/>
-          </a:p>
-        </p:txBody>
-      </p:sp>
-      <p:sp>
-        <p:nvSpPr>
-          <p:cNvPr id="4" name="TextBox 3"/>
-          <p:cNvSpPr txBox="1"/>
-          <p:nvPr/>
-        </p:nvSpPr>
-        <p:spPr>
-          <a:xfrm>
-            <a:off x="1143001" y="2133600"/>
-            <a:ext cx="7772400" cy="4524315"/>
-          </a:xfrm>
-          <a:prstGeom prst="rect">
-            <a:avLst/>
-          </a:prstGeom>
-          <a:noFill/>
-        </p:spPr>
-        <p:txBody>
-          <a:bodyPr wrap="square" rtlCol="0">
-            <a:spAutoFit/>
-          </a:bodyPr>
-          <a:lstStyle/>
-          <a:p>
-            <a:pPr marL="342900" indent="-342900">
-              <a:buFont typeface="Arial" pitchFamily="34" charset="0"/>
-              <a:buChar char="•"/>
-            </a:pPr>
-            <a:r>
-              <a:rPr lang="en-US" dirty="0"/>
-              <a:t>Read: </a:t>
-            </a:r>
-            <a:r>
-              <a:rPr lang="en-US" dirty="0">
-                <a:hlinkClick r:id="rId2"/>
-              </a:rPr>
-              <a:t>https://pages.github.com</a:t>
-            </a:r>
-            <a:r>
-              <a:rPr lang="en-US" dirty="0" smtClean="0">
-                <a:hlinkClick r:id="rId2"/>
-              </a:rPr>
-              <a:t>/</a:t>
-            </a:r>
-            <a:endParaRPr lang="en-US" dirty="0" smtClean="0"/>
-          </a:p>
-          <a:p>
-            <a:pPr marL="342900" indent="-342900">
-              <a:buFont typeface="Arial" pitchFamily="34" charset="0"/>
-              <a:buChar char="•"/>
-            </a:pPr>
-            <a:r>
-              <a:rPr lang="en-US" dirty="0" smtClean="0"/>
-              <a:t>The Eclipse way:</a:t>
-            </a:r>
-          </a:p>
-          <a:p>
-            <a:pPr marL="800100" lvl="1" indent="-342900">
-              <a:buFont typeface="Arial" pitchFamily="34" charset="0"/>
-              <a:buChar char="•"/>
-            </a:pPr>
-            <a:r>
-              <a:rPr lang="en-US" dirty="0" smtClean="0"/>
-              <a:t>Make a new Branch called </a:t>
-            </a:r>
-            <a:r>
-              <a:rPr lang="en-US" dirty="0" err="1" smtClean="0"/>
-              <a:t>gh</a:t>
-            </a:r>
-            <a:r>
-              <a:rPr lang="en-US" dirty="0" smtClean="0"/>
-              <a:t>-pages</a:t>
-            </a:r>
-          </a:p>
-          <a:p>
-            <a:pPr lvl="1"/>
-            <a:r>
-              <a:rPr lang="en-US" dirty="0" smtClean="0"/>
-              <a:t>(Team-&gt;Switch To-&gt;New Branch … </a:t>
-            </a:r>
-            <a:r>
-              <a:rPr lang="en-US" dirty="0" err="1" smtClean="0"/>
-              <a:t>gh</a:t>
-            </a:r>
-            <a:r>
-              <a:rPr lang="en-US" dirty="0" smtClean="0"/>
-              <a:t>-pages)</a:t>
-            </a:r>
-          </a:p>
-          <a:p>
-            <a:pPr marL="800100" lvl="1" indent="-342900">
-              <a:buFont typeface="Arial" pitchFamily="34" charset="0"/>
-              <a:buChar char="•"/>
-            </a:pPr>
-            <a:r>
-              <a:rPr lang="en-US" dirty="0" smtClean="0"/>
-              <a:t>Team-&gt;Merge-&gt;…master… (won’t need</a:t>
-            </a:r>
-          </a:p>
-          <a:p>
-            <a:pPr lvl="1"/>
-            <a:r>
-              <a:rPr lang="en-US" dirty="0" smtClean="0"/>
-              <a:t>It the first time </a:t>
-            </a:r>
-            <a:r>
-              <a:rPr lang="en-US" dirty="0" err="1" smtClean="0"/>
-              <a:t>tho</a:t>
-            </a:r>
-            <a:r>
-              <a:rPr lang="en-US" dirty="0" smtClean="0"/>
-              <a:t>)</a:t>
-            </a:r>
-          </a:p>
-          <a:p>
-            <a:pPr marL="800100" lvl="1" indent="-342900">
-              <a:buFont typeface="Arial" pitchFamily="34" charset="0"/>
-              <a:buChar char="•"/>
-            </a:pPr>
-            <a:r>
-              <a:rPr lang="en-US" dirty="0" smtClean="0"/>
-              <a:t>Team-&gt;Push to upstream</a:t>
-            </a:r>
-          </a:p>
-          <a:p>
-            <a:pPr marL="800100" lvl="1" indent="-342900">
-              <a:buFont typeface="Arial" pitchFamily="34" charset="0"/>
-              <a:buChar char="•"/>
-            </a:pPr>
-            <a:r>
-              <a:rPr lang="en-US" dirty="0" smtClean="0"/>
-              <a:t>Team-&gt;Switch To-&gt;master</a:t>
-            </a:r>
-          </a:p>
-          <a:p>
-            <a:pPr marL="342900" indent="-342900">
-              <a:buFont typeface="Arial" pitchFamily="34" charset="0"/>
-              <a:buChar char="•"/>
-            </a:pPr>
-            <a:r>
-              <a:rPr lang="en-US" dirty="0" smtClean="0"/>
-              <a:t>Wait a few minutes (get a coffee)</a:t>
-            </a:r>
-          </a:p>
-          <a:p>
-            <a:pPr marL="342900" indent="-342900">
-              <a:buFont typeface="Arial" pitchFamily="34" charset="0"/>
-              <a:buChar char="•"/>
-            </a:pPr>
-            <a:r>
-              <a:rPr lang="en-US" dirty="0" smtClean="0"/>
-              <a:t>From browser</a:t>
-            </a:r>
-            <a:r>
-              <a:rPr lang="en-US" dirty="0"/>
-              <a:t>: http://hchan.github.io/comp2613/showcase/comp2613-0.0.1-SNAPSHOT.html</a:t>
-            </a:r>
+            <a:endParaRPr lang="en-US"/>
           </a:p>
         </p:txBody>
       </p:sp>
     </p:spTree>
     <p:extLst>
       <p:ext uri="{BB962C8B-B14F-4D97-AF65-F5344CB8AC3E}">
-        <p14:creationId xmlns:p14="http://schemas.microsoft.com/office/powerpoint/2010/main" val="225854111"/>
+        <p14:creationId xmlns:p14="http://schemas.microsoft.com/office/powerpoint/2010/main" val="4184031010"/>
       </p:ext>
     </p:extLst>
   </p:cSld>
@@ -23808,7 +23033,7 @@
           <a:p>
             <a:r>
               <a:rPr lang="en-US" dirty="0" smtClean="0"/>
-              <a:t>So what can go wrong? …</a:t>
+              <a:t>JPA – Annotation heavy</a:t>
             </a:r>
             <a:endParaRPr lang="en-US" dirty="0"/>
           </a:p>
@@ -23816,7 +23041,112 @@
       </p:sp>
       <p:sp>
         <p:nvSpPr>
-          <p:cNvPr id="3" name="Slide Number Placeholder 2"/>
+          <p:cNvPr id="3" name="Content Placeholder 2"/>
+          <p:cNvSpPr>
+            <a:spLocks noGrp="1"/>
+          </p:cNvSpPr>
+          <p:nvPr>
+            <p:ph idx="1"/>
+          </p:nvPr>
+        </p:nvSpPr>
+        <p:spPr/>
+        <p:txBody>
+          <a:bodyPr>
+            <a:normAutofit fontScale="85000" lnSpcReduction="20000"/>
+          </a:bodyPr>
+          <a:lstStyle/>
+          <a:p>
+            <a:r>
+              <a:rPr lang="en-US" dirty="0" smtClean="0"/>
+              <a:t>Not going to lie, this is probably going to be the most difficult lecture to understand?  Why?  Magic - … powerful magic.  Think </a:t>
+            </a:r>
+            <a:r>
+              <a:rPr lang="en-US" dirty="0" err="1" smtClean="0"/>
+              <a:t>Arthas</a:t>
+            </a:r>
+            <a:r>
+              <a:rPr lang="en-US" dirty="0" smtClean="0"/>
+              <a:t> (World of Warcraft) in high difficulty mode.  It’s a leap of faith.  Annotation magic at its greatest.</a:t>
+            </a:r>
+          </a:p>
+          <a:p>
+            <a:r>
+              <a:rPr lang="en-US" dirty="0" smtClean="0"/>
+              <a:t>ORM in Java == JPA (</a:t>
+            </a:r>
+            <a:r>
+              <a:rPr lang="en-US" b="1" i="1" dirty="0">
+                <a:hlinkClick r:id="rId2"/>
+              </a:rPr>
+              <a:t>Java Persistence </a:t>
+            </a:r>
+            <a:r>
+              <a:rPr lang="en-US" b="1" i="1" dirty="0" smtClean="0">
+                <a:hlinkClick r:id="rId2"/>
+              </a:rPr>
+              <a:t>API</a:t>
+            </a:r>
+            <a:r>
+              <a:rPr lang="en-US" dirty="0" smtClean="0"/>
+              <a:t>) … that’s what tools are for right?</a:t>
+            </a:r>
+          </a:p>
+          <a:p>
+            <a:r>
+              <a:rPr lang="en-US" b="1" dirty="0" smtClean="0"/>
+              <a:t>JPA is an API</a:t>
+            </a:r>
+          </a:p>
+          <a:p>
+            <a:r>
+              <a:rPr lang="en-US" b="1" dirty="0" smtClean="0"/>
+              <a:t>Implementations: Spring Data and Hibernate</a:t>
+            </a:r>
+          </a:p>
+          <a:p>
+            <a:r>
+              <a:rPr lang="en-US" b="1" dirty="0" smtClean="0"/>
+              <a:t>ORM is also used in other languages such as Ruby (</a:t>
+            </a:r>
+            <a:r>
+              <a:rPr lang="en-US" b="1" dirty="0" err="1" smtClean="0"/>
+              <a:t>ActiveRecords</a:t>
+            </a:r>
+            <a:r>
+              <a:rPr lang="en-US" b="1" dirty="0" smtClean="0"/>
+              <a:t>), C++ (</a:t>
+            </a:r>
+            <a:r>
+              <a:rPr lang="en-US" b="1" dirty="0" err="1" smtClean="0"/>
+              <a:t>nHibernate</a:t>
+            </a:r>
+            <a:r>
+              <a:rPr lang="en-US" b="1" dirty="0" smtClean="0"/>
+              <a:t> – which borrows a lot from Java’s Hibernate), </a:t>
+            </a:r>
+            <a:r>
+              <a:rPr lang="en-US" b="1" dirty="0" err="1" smtClean="0"/>
+              <a:t>PerlORM</a:t>
+            </a:r>
+            <a:r>
+              <a:rPr lang="en-US" b="1" dirty="0" smtClean="0"/>
+              <a:t>, Python (</a:t>
+            </a:r>
+            <a:r>
+              <a:rPr lang="en-US" b="1" dirty="0" err="1" smtClean="0"/>
+              <a:t>Django</a:t>
+            </a:r>
+            <a:r>
+              <a:rPr lang="en-US" b="1" dirty="0" smtClean="0"/>
+              <a:t>/built-in ORM)</a:t>
+            </a:r>
+            <a:endParaRPr lang="en-US" b="1" dirty="0"/>
+          </a:p>
+        </p:txBody>
+      </p:sp>
+      <p:sp>
+        <p:nvSpPr>
+          <p:cNvPr id="4" name="Slide Number Placeholder 3"/>
           <p:cNvSpPr>
             <a:spLocks noGrp="1"/>
           </p:cNvSpPr>
@@ -23832,126 +23162,21 @@
             <a:pPr>
               <a:defRPr/>
             </a:pPr>
-            <a:fld id="{B2451C39-31DD-6D4B-9BED-758CF6C1BA6A}" type="slidenum">
-              <a:rPr lang="en-CA" smtClean="0"/>
+            <a:fld id="{8B8B984A-5AFF-7643-AE60-6D8D11294076}" type="slidenum">
+              <a:rPr lang="en-US" smtClean="0"/>
               <a:pPr>
                 <a:defRPr/>
               </a:pPr>
               <a:t>83</a:t>
             </a:fld>
-            <a:endParaRPr lang="en-CA"/>
-          </a:p>
-        </p:txBody>
-      </p:sp>
-      <p:sp>
-        <p:nvSpPr>
-          <p:cNvPr id="4" name="TextBox 3"/>
-          <p:cNvSpPr txBox="1"/>
-          <p:nvPr/>
-        </p:nvSpPr>
-        <p:spPr>
-          <a:xfrm>
-            <a:off x="1371600" y="2057400"/>
-            <a:ext cx="7050328" cy="3046988"/>
-          </a:xfrm>
-          <a:prstGeom prst="rect">
-            <a:avLst/>
-          </a:prstGeom>
-          <a:noFill/>
-        </p:spPr>
-        <p:txBody>
-          <a:bodyPr wrap="none" rtlCol="0">
-            <a:spAutoFit/>
-          </a:bodyPr>
-          <a:lstStyle/>
-          <a:p>
-            <a:pPr marL="342900" indent="-342900">
-              <a:buFont typeface="Arial" pitchFamily="34" charset="0"/>
-              <a:buChar char="•"/>
-            </a:pPr>
-            <a:r>
-              <a:rPr lang="en-US" dirty="0" smtClean="0"/>
-              <a:t>Lots</a:t>
-            </a:r>
-          </a:p>
-          <a:p>
-            <a:pPr marL="342900" indent="-342900">
-              <a:buFont typeface="Arial" pitchFamily="34" charset="0"/>
-              <a:buChar char="•"/>
-            </a:pPr>
-            <a:r>
-              <a:rPr lang="en-US" dirty="0" smtClean="0"/>
-              <a:t>But above everything else, I *HATE* the</a:t>
-            </a:r>
-          </a:p>
-          <a:p>
-            <a:r>
-              <a:rPr lang="en-US" dirty="0" smtClean="0"/>
-              <a:t>Security sandbox that </a:t>
-            </a:r>
-            <a:r>
-              <a:rPr lang="en-US" dirty="0" err="1" smtClean="0"/>
-              <a:t>Webstart</a:t>
-            </a:r>
-            <a:r>
-              <a:rPr lang="en-US" dirty="0" smtClean="0"/>
-              <a:t> / Applets have</a:t>
-            </a:r>
-          </a:p>
-          <a:p>
-            <a:pPr marL="342900" indent="-342900">
-              <a:buFont typeface="Arial" pitchFamily="34" charset="0"/>
-              <a:buChar char="•"/>
-            </a:pPr>
-            <a:r>
-              <a:rPr lang="en-US" dirty="0" smtClean="0"/>
-              <a:t>Recap:</a:t>
-            </a:r>
-          </a:p>
-          <a:p>
-            <a:pPr marL="800100" lvl="1" indent="-342900">
-              <a:buFont typeface="Arial" pitchFamily="34" charset="0"/>
-              <a:buChar char="•"/>
-            </a:pPr>
-            <a:r>
-              <a:rPr lang="en-US" dirty="0" smtClean="0"/>
-              <a:t>Lines of Java code I showed you in class</a:t>
-            </a:r>
-          </a:p>
-          <a:p>
-            <a:pPr lvl="1"/>
-            <a:r>
-              <a:rPr lang="en-US" dirty="0" smtClean="0"/>
-              <a:t>Today: 0</a:t>
-            </a:r>
-          </a:p>
-          <a:p>
-            <a:pPr marL="800100" lvl="1" indent="-342900">
-              <a:buFont typeface="Arial" pitchFamily="34" charset="0"/>
-              <a:buChar char="•"/>
-            </a:pPr>
-            <a:r>
-              <a:rPr lang="en-US" dirty="0" smtClean="0"/>
-              <a:t>Xml lines: quite a few (pom.xml)</a:t>
-            </a:r>
-          </a:p>
-          <a:p>
-            <a:pPr marL="800100" lvl="1" indent="-342900">
-              <a:buFont typeface="Arial" pitchFamily="34" charset="0"/>
-              <a:buChar char="•"/>
-            </a:pPr>
-            <a:r>
-              <a:rPr lang="en-US" dirty="0" smtClean="0"/>
-              <a:t>Html lines … well, take a look at (index.html)</a:t>
-            </a:r>
-            <a:endParaRPr lang="en-US" dirty="0"/>
+            <a:endParaRPr lang="en-US"/>
           </a:p>
         </p:txBody>
       </p:sp>
     </p:spTree>
     <p:extLst>
       <p:ext uri="{BB962C8B-B14F-4D97-AF65-F5344CB8AC3E}">
-        <p14:creationId xmlns:p14="http://schemas.microsoft.com/office/powerpoint/2010/main" val="57500122"/>
+        <p14:creationId xmlns:p14="http://schemas.microsoft.com/office/powerpoint/2010/main" val="472122866"/>
       </p:ext>
     </p:extLst>
   </p:cSld>
@@ -23995,15 +23220,7 @@
           <a:p>
             <a:r>
               <a:rPr lang="en-US" dirty="0" smtClean="0"/>
-              <a:t>Surprised / confused with </a:t>
-            </a:r>
-            <a:r>
-              <a:rPr lang="en-US" dirty="0" err="1" smtClean="0"/>
-              <a:t>git</a:t>
-            </a:r>
-            <a:r>
-              <a:rPr lang="en-US" dirty="0" smtClean="0"/>
-              <a:t> branches?</a:t>
+              <a:t>First, add the following dependencies</a:t>
             </a:r>
             <a:endParaRPr lang="en-US" dirty="0"/>
           </a:p>
@@ -24011,7 +23228,309 @@
       </p:sp>
       <p:sp>
         <p:nvSpPr>
-          <p:cNvPr id="3" name="Slide Number Placeholder 2"/>
+          <p:cNvPr id="3" name="Content Placeholder 2"/>
+          <p:cNvSpPr>
+            <a:spLocks noGrp="1"/>
+          </p:cNvSpPr>
+          <p:nvPr>
+            <p:ph idx="1"/>
+          </p:nvPr>
+        </p:nvSpPr>
+        <p:spPr/>
+        <p:txBody>
+          <a:bodyPr>
+            <a:normAutofit fontScale="40000" lnSpcReduction="20000"/>
+          </a:bodyPr>
+          <a:lstStyle/>
+          <a:p>
+            <a:r>
+              <a:rPr lang="en-US" dirty="0"/>
+              <a:t>&lt;dependency&gt;</a:t>
+            </a:r>
+          </a:p>
+          <a:p>
+            <a:r>
+              <a:rPr lang="en-US" dirty="0"/>
+              <a:t>&lt;</a:t>
+            </a:r>
+            <a:r>
+              <a:rPr lang="en-US" dirty="0" err="1"/>
+              <a:t>groupId</a:t>
+            </a:r>
+            <a:r>
+              <a:rPr lang="en-US" dirty="0"/>
+              <a:t>&gt;</a:t>
+            </a:r>
+            <a:r>
+              <a:rPr lang="en-US" dirty="0" err="1"/>
+              <a:t>org.springframework.boot</a:t>
+            </a:r>
+            <a:r>
+              <a:rPr lang="en-US" dirty="0"/>
+              <a:t>&lt;/</a:t>
+            </a:r>
+            <a:r>
+              <a:rPr lang="en-US" dirty="0" err="1"/>
+              <a:t>groupId</a:t>
+            </a:r>
+            <a:r>
+              <a:rPr lang="en-US" dirty="0"/>
+              <a:t>&gt;</a:t>
+            </a:r>
+          </a:p>
+          <a:p>
+            <a:r>
+              <a:rPr lang="en-US" dirty="0"/>
+              <a:t>&lt;</a:t>
+            </a:r>
+            <a:r>
+              <a:rPr lang="en-US" dirty="0" err="1"/>
+              <a:t>artifactId</a:t>
+            </a:r>
+            <a:r>
+              <a:rPr lang="en-US" dirty="0"/>
+              <a:t>&gt;spring-boot-starter-data-</a:t>
+            </a:r>
+            <a:r>
+              <a:rPr lang="en-US" u="sng" dirty="0" err="1"/>
+              <a:t>jpa</a:t>
+            </a:r>
+            <a:r>
+              <a:rPr lang="en-US" u="sng" dirty="0"/>
+              <a:t>&lt;/</a:t>
+            </a:r>
+            <a:r>
+              <a:rPr lang="en-US" u="sng" dirty="0" err="1"/>
+              <a:t>artifactId</a:t>
+            </a:r>
+            <a:r>
+              <a:rPr lang="en-US" u="sng" dirty="0"/>
+              <a:t>&gt;</a:t>
+            </a:r>
+          </a:p>
+          <a:p>
+            <a:r>
+              <a:rPr lang="en-US" dirty="0"/>
+              <a:t>&lt;/dependency&gt;</a:t>
+            </a:r>
+          </a:p>
+          <a:p>
+            <a:r>
+              <a:rPr lang="en-US" dirty="0"/>
+              <a:t>&lt;dependency&gt;</a:t>
+            </a:r>
+          </a:p>
+          <a:p>
+            <a:r>
+              <a:rPr lang="en-US" dirty="0"/>
+              <a:t>&lt;</a:t>
+            </a:r>
+            <a:r>
+              <a:rPr lang="en-US" dirty="0" err="1"/>
+              <a:t>groupId</a:t>
+            </a:r>
+            <a:r>
+              <a:rPr lang="en-US" dirty="0"/>
+              <a:t>&gt;com.h2database&lt;/</a:t>
+            </a:r>
+            <a:r>
+              <a:rPr lang="en-US" dirty="0" err="1"/>
+              <a:t>groupId</a:t>
+            </a:r>
+            <a:r>
+              <a:rPr lang="en-US" dirty="0"/>
+              <a:t>&gt;</a:t>
+            </a:r>
+          </a:p>
+          <a:p>
+            <a:r>
+              <a:rPr lang="en-US" dirty="0"/>
+              <a:t>&lt;</a:t>
+            </a:r>
+            <a:r>
+              <a:rPr lang="en-US" dirty="0" err="1"/>
+              <a:t>artifactId</a:t>
+            </a:r>
+            <a:r>
+              <a:rPr lang="en-US" dirty="0"/>
+              <a:t>&gt;h2&lt;/</a:t>
+            </a:r>
+            <a:r>
+              <a:rPr lang="en-US" dirty="0" err="1"/>
+              <a:t>artifactId</a:t>
+            </a:r>
+            <a:r>
+              <a:rPr lang="en-US" dirty="0"/>
+              <a:t>&gt;</a:t>
+            </a:r>
+          </a:p>
+          <a:p>
+            <a:r>
+              <a:rPr lang="en-US" dirty="0"/>
+              <a:t>&lt;/dependency&gt;</a:t>
+            </a:r>
+          </a:p>
+          <a:p>
+            <a:r>
+              <a:rPr lang="en-US" dirty="0"/>
+              <a:t>&lt;dependency&gt;</a:t>
+            </a:r>
+          </a:p>
+          <a:p>
+            <a:r>
+              <a:rPr lang="en-US" dirty="0"/>
+              <a:t>&lt;</a:t>
+            </a:r>
+            <a:r>
+              <a:rPr lang="en-US" dirty="0" err="1"/>
+              <a:t>groupId</a:t>
+            </a:r>
+            <a:r>
+              <a:rPr lang="en-US" dirty="0"/>
+              <a:t>&gt;</a:t>
+            </a:r>
+            <a:r>
+              <a:rPr lang="en-US" u="sng" dirty="0" err="1"/>
+              <a:t>mysql</a:t>
+            </a:r>
+            <a:r>
+              <a:rPr lang="en-US" u="sng" dirty="0"/>
+              <a:t>&lt;/</a:t>
+            </a:r>
+            <a:r>
+              <a:rPr lang="en-US" u="sng" dirty="0" err="1"/>
+              <a:t>groupId</a:t>
+            </a:r>
+            <a:r>
+              <a:rPr lang="en-US" u="sng" dirty="0"/>
+              <a:t>&gt;</a:t>
+            </a:r>
+          </a:p>
+          <a:p>
+            <a:r>
+              <a:rPr lang="en-US" dirty="0"/>
+              <a:t>&lt;</a:t>
+            </a:r>
+            <a:r>
+              <a:rPr lang="en-US" dirty="0" err="1"/>
+              <a:t>artifactId</a:t>
+            </a:r>
+            <a:r>
+              <a:rPr lang="en-US" dirty="0"/>
+              <a:t>&gt;</a:t>
+            </a:r>
+            <a:r>
+              <a:rPr lang="en-US" u="sng" dirty="0" err="1"/>
+              <a:t>mysql</a:t>
+            </a:r>
+            <a:r>
+              <a:rPr lang="en-US" u="sng" dirty="0"/>
+              <a:t>-connector-java&lt;/</a:t>
+            </a:r>
+            <a:r>
+              <a:rPr lang="en-US" u="sng" dirty="0" err="1"/>
+              <a:t>artifactId</a:t>
+            </a:r>
+            <a:r>
+              <a:rPr lang="en-US" u="sng" dirty="0"/>
+              <a:t>&gt;</a:t>
+            </a:r>
+          </a:p>
+          <a:p>
+            <a:r>
+              <a:rPr lang="en-US" u="sng" dirty="0"/>
+              <a:t>&lt;version&gt;5.1.30&lt;/version&gt;</a:t>
+            </a:r>
+          </a:p>
+          <a:p>
+            <a:r>
+              <a:rPr lang="en-US" dirty="0"/>
+              <a:t>&lt;/dependency&gt;</a:t>
+            </a:r>
+          </a:p>
+          <a:p>
+            <a:r>
+              <a:rPr lang="en-US" dirty="0"/>
+              <a:t>&lt;dependency&gt;</a:t>
+            </a:r>
+          </a:p>
+          <a:p>
+            <a:r>
+              <a:rPr lang="en-US" dirty="0"/>
+              <a:t>&lt;</a:t>
+            </a:r>
+            <a:r>
+              <a:rPr lang="en-US" dirty="0" err="1"/>
+              <a:t>groupId</a:t>
+            </a:r>
+            <a:r>
+              <a:rPr lang="en-US" dirty="0"/>
+              <a:t>&gt;</a:t>
+            </a:r>
+            <a:r>
+              <a:rPr lang="en-US" dirty="0" err="1"/>
+              <a:t>org.hsqldb</a:t>
+            </a:r>
+            <a:r>
+              <a:rPr lang="en-US" dirty="0"/>
+              <a:t>&lt;/</a:t>
+            </a:r>
+            <a:r>
+              <a:rPr lang="en-US" dirty="0" err="1"/>
+              <a:t>groupId</a:t>
+            </a:r>
+            <a:r>
+              <a:rPr lang="en-US" dirty="0"/>
+              <a:t>&gt;</a:t>
+            </a:r>
+          </a:p>
+          <a:p>
+            <a:r>
+              <a:rPr lang="en-US" dirty="0"/>
+              <a:t>&lt;</a:t>
+            </a:r>
+            <a:r>
+              <a:rPr lang="en-US" dirty="0" err="1"/>
+              <a:t>artifactId</a:t>
+            </a:r>
+            <a:r>
+              <a:rPr lang="en-US" dirty="0"/>
+              <a:t>&gt;</a:t>
+            </a:r>
+            <a:r>
+              <a:rPr lang="en-US" u="sng" dirty="0" err="1"/>
+              <a:t>hsqldb</a:t>
+            </a:r>
+            <a:r>
+              <a:rPr lang="en-US" u="sng" dirty="0"/>
+              <a:t>&lt;/</a:t>
+            </a:r>
+            <a:r>
+              <a:rPr lang="en-US" u="sng" dirty="0" err="1"/>
+              <a:t>artifactId</a:t>
+            </a:r>
+            <a:r>
+              <a:rPr lang="en-US" u="sng" dirty="0"/>
+              <a:t>&gt;</a:t>
+            </a:r>
+          </a:p>
+          <a:p>
+            <a:r>
+              <a:rPr lang="en-US" u="sng" dirty="0"/>
+              <a:t>&lt;version&gt;2.2.8&lt;/version&gt;</a:t>
+            </a:r>
+          </a:p>
+          <a:p>
+            <a:r>
+              <a:rPr lang="en-US" dirty="0"/>
+              <a:t>&lt;/dependency&gt;</a:t>
+            </a:r>
+          </a:p>
+        </p:txBody>
+      </p:sp>
+      <p:sp>
+        <p:nvSpPr>
+          <p:cNvPr id="4" name="Slide Number Placeholder 3"/>
           <p:cNvSpPr>
             <a:spLocks noGrp="1"/>
           </p:cNvSpPr>
@@ -24027,147 +23546,21 @@
             <a:pPr>
               <a:defRPr/>
             </a:pPr>
-            <a:fld id="{B2451C39-31DD-6D4B-9BED-758CF6C1BA6A}" type="slidenum">
-              <a:rPr lang="en-CA" smtClean="0"/>
+            <a:fld id="{8B8B984A-5AFF-7643-AE60-6D8D11294076}" type="slidenum">
+              <a:rPr lang="en-US" smtClean="0"/>
               <a:pPr>
                 <a:defRPr/>
               </a:pPr>
               <a:t>84</a:t>
             </a:fld>
-            <a:endParaRPr lang="en-CA"/>
-          </a:p>
-        </p:txBody>
-      </p:sp>
-      <p:sp>
-        <p:nvSpPr>
-          <p:cNvPr id="4" name="TextBox 3"/>
-          <p:cNvSpPr txBox="1"/>
-          <p:nvPr/>
-        </p:nvSpPr>
-        <p:spPr>
-          <a:xfrm>
-            <a:off x="685800" y="2474536"/>
-            <a:ext cx="8334333" cy="4154984"/>
-          </a:xfrm>
-          <a:prstGeom prst="rect">
-            <a:avLst/>
-          </a:prstGeom>
-          <a:noFill/>
-        </p:spPr>
-        <p:txBody>
-          <a:bodyPr wrap="none" rtlCol="0">
-            <a:spAutoFit/>
-          </a:bodyPr>
-          <a:lstStyle/>
-          <a:p>
-            <a:pPr marL="342900" indent="-342900">
-              <a:buFont typeface="Arial" pitchFamily="34" charset="0"/>
-              <a:buChar char="•"/>
-            </a:pPr>
-            <a:r>
-              <a:rPr lang="en-US" dirty="0" smtClean="0"/>
-              <a:t>For some (may most … all?), this may be</a:t>
-            </a:r>
-          </a:p>
-          <a:p>
-            <a:r>
-              <a:rPr lang="en-US" dirty="0" smtClean="0"/>
-              <a:t>The first time you are using Source Code Management</a:t>
-            </a:r>
-          </a:p>
-          <a:p>
-            <a:r>
-              <a:rPr lang="en-US" dirty="0" smtClean="0"/>
-              <a:t>And branches.  Google </a:t>
-            </a:r>
-            <a:r>
-              <a:rPr lang="en-US" dirty="0" err="1" smtClean="0"/>
-              <a:t>git</a:t>
-            </a:r>
-            <a:r>
-              <a:rPr lang="en-US" dirty="0" smtClean="0"/>
-              <a:t> branches it if you want </a:t>
-            </a:r>
-          </a:p>
-          <a:p>
-            <a:r>
-              <a:rPr lang="en-US" dirty="0" smtClean="0"/>
-              <a:t>… its pretty cool.</a:t>
-            </a:r>
-          </a:p>
-          <a:p>
-            <a:pPr marL="342900" indent="-342900">
-              <a:buFont typeface="Arial" pitchFamily="34" charset="0"/>
-              <a:buChar char="•"/>
-            </a:pPr>
-            <a:r>
-              <a:rPr lang="en-US" dirty="0" smtClean="0"/>
-              <a:t>Be patient … if anything, this is a skill (SCM/branches)</a:t>
-            </a:r>
-          </a:p>
-          <a:p>
-            <a:r>
-              <a:rPr lang="en-US" dirty="0" smtClean="0"/>
-              <a:t>that can and will be used by large and small organizations.  </a:t>
-            </a:r>
-          </a:p>
-          <a:p>
-            <a:r>
-              <a:rPr lang="en-US" dirty="0" smtClean="0"/>
-              <a:t>Learn it well.</a:t>
-            </a:r>
-          </a:p>
-          <a:p>
-            <a:r>
-              <a:rPr lang="en-US" dirty="0" smtClean="0"/>
-              <a:t>Other SCMs include Mercurial, Subversion, Perforce</a:t>
-            </a:r>
-          </a:p>
-          <a:p>
-            <a:pPr marL="342900" indent="-342900">
-              <a:buFont typeface="Arial" pitchFamily="34" charset="0"/>
-              <a:buChar char="•"/>
-            </a:pPr>
-            <a:r>
-              <a:rPr lang="en-US" dirty="0" err="1" smtClean="0"/>
-              <a:t>Github’s</a:t>
-            </a:r>
-            <a:r>
-              <a:rPr lang="en-US" dirty="0" smtClean="0"/>
-              <a:t> special branch of </a:t>
-            </a:r>
-            <a:r>
-              <a:rPr lang="en-US" dirty="0" err="1" smtClean="0"/>
-              <a:t>gh</a:t>
-            </a:r>
-            <a:r>
-              <a:rPr lang="en-US" dirty="0" smtClean="0"/>
-              <a:t>-pages, just gave you</a:t>
-            </a:r>
-          </a:p>
-          <a:p>
-            <a:r>
-              <a:rPr lang="en-US" dirty="0" smtClean="0"/>
-              <a:t>The bonus of a web project page ;)</a:t>
-            </a:r>
-          </a:p>
-          <a:p>
-            <a:pPr marL="342900" indent="-342900">
-              <a:buFont typeface="Arial" pitchFamily="34" charset="0"/>
-              <a:buChar char="•"/>
-            </a:pPr>
-            <a:r>
-              <a:rPr lang="en-US" dirty="0" smtClean="0"/>
-              <a:t>Open-source FTW (For The Win)!</a:t>
-            </a:r>
-            <a:endParaRPr lang="en-US" dirty="0"/>
+            <a:endParaRPr lang="en-US"/>
           </a:p>
         </p:txBody>
       </p:sp>
     </p:spTree>
     <p:extLst>
       <p:ext uri="{BB962C8B-B14F-4D97-AF65-F5344CB8AC3E}">
-        <p14:creationId xmlns:p14="http://schemas.microsoft.com/office/powerpoint/2010/main" val="3312461178"/>
+        <p14:creationId xmlns:p14="http://schemas.microsoft.com/office/powerpoint/2010/main" val="488670267"/>
       </p:ext>
     </p:extLst>
   </p:cSld>
@@ -24211,7 +23604,7 @@
           <a:p>
             <a:r>
               <a:rPr lang="en-US" dirty="0" smtClean="0"/>
-              <a:t>Homework</a:t>
+              <a:t>Also in pom.xml</a:t>
             </a:r>
             <a:endParaRPr lang="en-US" dirty="0"/>
           </a:p>
@@ -24219,7 +23612,109 @@
       </p:sp>
       <p:sp>
         <p:nvSpPr>
-          <p:cNvPr id="3" name="Slide Number Placeholder 2"/>
+          <p:cNvPr id="3" name="Content Placeholder 2"/>
+          <p:cNvSpPr>
+            <a:spLocks noGrp="1"/>
+          </p:cNvSpPr>
+          <p:nvPr>
+            <p:ph idx="1"/>
+          </p:nvPr>
+        </p:nvSpPr>
+        <p:spPr/>
+        <p:txBody>
+          <a:bodyPr>
+            <a:normAutofit lnSpcReduction="10000"/>
+          </a:bodyPr>
+          <a:lstStyle/>
+          <a:p>
+            <a:r>
+              <a:rPr lang="en-US" dirty="0"/>
+              <a:t>&lt;parent&gt;</a:t>
+            </a:r>
+          </a:p>
+          <a:p>
+            <a:r>
+              <a:rPr lang="en-US" dirty="0"/>
+              <a:t>&lt;</a:t>
+            </a:r>
+            <a:r>
+              <a:rPr lang="en-US" dirty="0" err="1"/>
+              <a:t>groupId</a:t>
+            </a:r>
+            <a:r>
+              <a:rPr lang="en-US" dirty="0"/>
+              <a:t>&gt;</a:t>
+            </a:r>
+            <a:r>
+              <a:rPr lang="en-US" dirty="0" err="1"/>
+              <a:t>org.springframework.boot</a:t>
+            </a:r>
+            <a:r>
+              <a:rPr lang="en-US" dirty="0"/>
+              <a:t>&lt;/</a:t>
+            </a:r>
+            <a:r>
+              <a:rPr lang="en-US" dirty="0" err="1"/>
+              <a:t>groupId</a:t>
+            </a:r>
+            <a:r>
+              <a:rPr lang="en-US" dirty="0"/>
+              <a:t>&gt;</a:t>
+            </a:r>
+          </a:p>
+          <a:p>
+            <a:r>
+              <a:rPr lang="en-US" dirty="0"/>
+              <a:t>&lt;</a:t>
+            </a:r>
+            <a:r>
+              <a:rPr lang="en-US" dirty="0" err="1"/>
+              <a:t>artifactId</a:t>
+            </a:r>
+            <a:r>
+              <a:rPr lang="en-US" dirty="0"/>
+              <a:t>&gt;spring-boot-starter-parent&lt;/</a:t>
+            </a:r>
+            <a:r>
+              <a:rPr lang="en-US" dirty="0" err="1"/>
+              <a:t>artifactId</a:t>
+            </a:r>
+            <a:r>
+              <a:rPr lang="en-US" dirty="0"/>
+              <a:t>&gt;</a:t>
+            </a:r>
+          </a:p>
+          <a:p>
+            <a:r>
+              <a:rPr lang="en-US" dirty="0"/>
+              <a:t>&lt;version&gt;1.0.2.RELEASE&lt;/version&gt;</a:t>
+            </a:r>
+          </a:p>
+          <a:p>
+            <a:r>
+              <a:rPr lang="en-US" dirty="0"/>
+              <a:t>&lt;/parent</a:t>
+            </a:r>
+            <a:r>
+              <a:rPr lang="en-US" dirty="0" smtClean="0"/>
+              <a:t>&gt;</a:t>
+            </a:r>
+          </a:p>
+          <a:p>
+            <a:endParaRPr lang="en-US" dirty="0"/>
+          </a:p>
+          <a:p>
+            <a:r>
+              <a:rPr lang="en-US" dirty="0" smtClean="0"/>
+              <a:t>And then Maven Update</a:t>
+            </a:r>
+            <a:endParaRPr lang="en-US" dirty="0"/>
+          </a:p>
+        </p:txBody>
+      </p:sp>
+      <p:sp>
+        <p:nvSpPr>
+          <p:cNvPr id="4" name="Slide Number Placeholder 3"/>
           <p:cNvSpPr>
             <a:spLocks noGrp="1"/>
           </p:cNvSpPr>
@@ -24235,65 +23730,21 @@
             <a:pPr>
               <a:defRPr/>
             </a:pPr>
-            <a:fld id="{B2451C39-31DD-6D4B-9BED-758CF6C1BA6A}" type="slidenum">
-              <a:rPr lang="en-CA" smtClean="0"/>
+            <a:fld id="{8B8B984A-5AFF-7643-AE60-6D8D11294076}" type="slidenum">
+              <a:rPr lang="en-US" smtClean="0"/>
               <a:pPr>
                 <a:defRPr/>
               </a:pPr>
               <a:t>85</a:t>
             </a:fld>
-            <a:endParaRPr lang="en-CA"/>
-          </a:p>
-        </p:txBody>
-      </p:sp>
-      <p:sp>
-        <p:nvSpPr>
-          <p:cNvPr id="4" name="TextBox 3"/>
-          <p:cNvSpPr txBox="1"/>
-          <p:nvPr/>
-        </p:nvSpPr>
-        <p:spPr>
-          <a:xfrm>
-            <a:off x="1066800" y="2133600"/>
-            <a:ext cx="5962723" cy="830997"/>
-          </a:xfrm>
-          <a:prstGeom prst="rect">
-            <a:avLst/>
-          </a:prstGeom>
-          <a:noFill/>
-        </p:spPr>
-        <p:txBody>
-          <a:bodyPr wrap="none" rtlCol="0">
-            <a:spAutoFit/>
-          </a:bodyPr>
-          <a:lstStyle/>
-          <a:p>
-            <a:r>
-              <a:rPr lang="en-US" dirty="0" smtClean="0"/>
-              <a:t>Assignment 8</a:t>
-            </a:r>
-          </a:p>
-          <a:p>
-            <a:r>
-              <a:rPr lang="en-US" dirty="0" smtClean="0"/>
-              <a:t>Read up on </a:t>
-            </a:r>
-            <a:r>
-              <a:rPr lang="en-US" dirty="0" err="1" smtClean="0"/>
-              <a:t>Github</a:t>
-            </a:r>
-            <a:r>
-              <a:rPr lang="en-US" dirty="0" smtClean="0"/>
-              <a:t>/Maven/Java Web Start</a:t>
-            </a:r>
-            <a:endParaRPr lang="en-US" dirty="0"/>
+            <a:endParaRPr lang="en-US"/>
           </a:p>
         </p:txBody>
       </p:sp>
     </p:spTree>
     <p:extLst>
       <p:ext uri="{BB962C8B-B14F-4D97-AF65-F5344CB8AC3E}">
-        <p14:creationId xmlns:p14="http://schemas.microsoft.com/office/powerpoint/2010/main" val="567677391"/>
+        <p14:creationId xmlns:p14="http://schemas.microsoft.com/office/powerpoint/2010/main" val="1514528855"/>
       </p:ext>
     </p:extLst>
   </p:cSld>
@@ -24337,7 +23788,7 @@
           <a:p>
             <a:r>
               <a:rPr lang="en-US" dirty="0" smtClean="0"/>
-              <a:t>JDBC / JPA / ORM</a:t>
+              <a:t>Modify our model Classes</a:t>
             </a:r>
             <a:endParaRPr lang="en-US" dirty="0"/>
           </a:p>
@@ -24355,38 +23806,84 @@
         </p:nvSpPr>
         <p:spPr/>
         <p:txBody>
-          <a:bodyPr/>
-          <a:lstStyle/>
-          <a:p>
-            <a:r>
-              <a:rPr lang="en-US" dirty="0" smtClean="0"/>
-              <a:t>There is the long version and then the short version</a:t>
-            </a:r>
-          </a:p>
-          <a:p>
-            <a:r>
-              <a:rPr lang="en-US" dirty="0" smtClean="0"/>
-              <a:t>Vanilla JDBC Java </a:t>
+          <a:bodyPr>
+            <a:normAutofit fontScale="92500"/>
+          </a:bodyPr>
+          <a:lstStyle/>
+          <a:p>
+            <a:r>
+              <a:rPr lang="en-US" dirty="0" smtClean="0"/>
+              <a:t>Annotate with @Entity (pretty important)</a:t>
+            </a:r>
+          </a:p>
+          <a:p>
+            <a:r>
+              <a:rPr lang="en-US" dirty="0" smtClean="0"/>
+              <a:t>Add a @Id (so-so important) to the primary key</a:t>
+            </a:r>
+          </a:p>
+          <a:p>
+            <a:r>
+              <a:rPr lang="en-US" dirty="0" smtClean="0"/>
+              <a:t>Add </a:t>
+            </a:r>
+            <a:r>
+              <a:rPr lang="en-US" dirty="0" smtClean="0"/>
+              <a:t>@</a:t>
             </a:r>
             <a:r>
               <a:rPr lang="en-US" dirty="0" err="1" smtClean="0"/>
-              <a:t>DataBase</a:t>
-            </a:r>
-            <a:r>
-              <a:rPr lang="en-US" dirty="0" smtClean="0"/>
-              <a:t> Connectivity – if you can avoid programming with vanilla JDBC directly, that’s a good thing</a:t>
-            </a:r>
-          </a:p>
-          <a:p>
-            <a:r>
-              <a:rPr lang="en-US" dirty="0" smtClean="0"/>
-              <a:t>There’s a tool for that</a:t>
-            </a:r>
-          </a:p>
-          <a:p>
-            <a:r>
-              <a:rPr lang="en-US" dirty="0" smtClean="0"/>
-              <a:t>ORM -&gt; Object Relational Mapping.  Means transforming a Java Data Model</a:t>
+              <a:t>ManyToMany</a:t>
+            </a:r>
+            <a:r>
+              <a:rPr lang="en-US" dirty="0" smtClean="0"/>
+              <a:t> relationship</a:t>
+            </a:r>
+          </a:p>
+          <a:p>
+            <a:pPr lvl="1"/>
+            <a:r>
+              <a:rPr lang="en-US" dirty="0" smtClean="0"/>
+              <a:t>Right now, the </a:t>
+            </a:r>
+            <a:r>
+              <a:rPr lang="en-US" dirty="0" err="1" smtClean="0"/>
+              <a:t>ManyToMany</a:t>
+            </a:r>
+            <a:r>
+              <a:rPr lang="en-US" dirty="0" smtClean="0"/>
+              <a:t> annotation with the </a:t>
+            </a:r>
+            <a:r>
+              <a:rPr lang="en-US" dirty="0" err="1" smtClean="0"/>
+              <a:t>JoinTable</a:t>
+            </a:r>
+            <a:r>
+              <a:rPr lang="en-US" dirty="0" smtClean="0"/>
+              <a:t>, </a:t>
+            </a:r>
+            <a:r>
+              <a:rPr lang="en-US" dirty="0" err="1" smtClean="0"/>
+              <a:t>JoinColumn</a:t>
+            </a:r>
+            <a:r>
+              <a:rPr lang="en-US" dirty="0" smtClean="0"/>
+              <a:t> might be a tad bit confusing.  Just try to “see and follow the pattern” with the Teacher/Student model.  </a:t>
+            </a:r>
+            <a:r>
+              <a:rPr lang="en-US" dirty="0"/>
+              <a:t>All see: http://en.wikibooks.org/wiki/Java_Persistence/ManyToMany</a:t>
+            </a:r>
+            <a:endParaRPr lang="en-US" dirty="0" smtClean="0"/>
+          </a:p>
+          <a:p>
+            <a:r>
+              <a:rPr lang="en-US" dirty="0" smtClean="0"/>
+              <a:t>See </a:t>
+            </a:r>
+            <a:r>
+              <a:rPr lang="en-US" dirty="0" smtClean="0"/>
+              <a:t>day09.model.Teacher</a:t>
             </a:r>
             <a:endParaRPr lang="en-US" dirty="0"/>
           </a:p>
@@ -24424,7 +23921,7 @@
     </p:spTree>
     <p:extLst>
       <p:ext uri="{BB962C8B-B14F-4D97-AF65-F5344CB8AC3E}">
-        <p14:creationId xmlns:p14="http://schemas.microsoft.com/office/powerpoint/2010/main" val="4184031010"/>
+        <p14:creationId xmlns:p14="http://schemas.microsoft.com/office/powerpoint/2010/main" val="1704108685"/>
       </p:ext>
     </p:extLst>
   </p:cSld>
@@ -24468,7 +23965,7 @@
           <a:p>
             <a:r>
               <a:rPr lang="en-US" dirty="0" smtClean="0"/>
-              <a:t>JPA – Annotation heavy</a:t>
+              <a:t>Create a Repository Interface</a:t>
             </a:r>
             <a:endParaRPr lang="en-US" dirty="0"/>
           </a:p>
@@ -24486,96 +23983,18 @@
         </p:nvSpPr>
         <p:spPr/>
         <p:txBody>
-          <a:bodyPr>
-            <a:normAutofit fontScale="85000" lnSpcReduction="20000"/>
-          </a:bodyPr>
-          <a:lstStyle/>
-          <a:p>
-            <a:r>
-              <a:rPr lang="en-US" dirty="0" smtClean="0"/>
-              <a:t>Not going to lie, this is probably going to be the most difficult lecture to understand?  Why?  Magic - … powerful magic.  Think </a:t>
+          <a:bodyPr/>
+          <a:lstStyle/>
+          <a:p>
+            <a:r>
+              <a:rPr lang="en-US" dirty="0" smtClean="0"/>
+              <a:t>See </a:t>
             </a:r>
             <a:r>
               <a:rPr lang="en-US" dirty="0" err="1" smtClean="0"/>
-              <a:t>Arthas</a:t>
-            </a:r>
-            <a:r>
-              <a:rPr lang="en-US" dirty="0" smtClean="0"/>
-              <a:t> (World of Warcraft) in high difficulty mode.  It’s a leap of faith.  Annotation magic at its greatest.</a:t>
-            </a:r>
-          </a:p>
-          <a:p>
-            <a:r>
-              <a:rPr lang="en-US" dirty="0" smtClean="0"/>
-              <a:t>ORM in Java == JPA (</a:t>
-            </a:r>
-            <a:r>
-              <a:rPr lang="en-US" b="1" i="1" dirty="0">
-                <a:hlinkClick r:id="rId2"/>
-              </a:rPr>
-              <a:t>Java Persistence </a:t>
-            </a:r>
-            <a:r>
-              <a:rPr lang="en-US" b="1" i="1" dirty="0" smtClean="0">
-                <a:hlinkClick r:id="rId2"/>
-              </a:rPr>
-              <a:t>API</a:t>
-            </a:r>
-            <a:r>
-              <a:rPr lang="en-US" dirty="0" smtClean="0"/>
-              <a:t>) … that’s what tools are for right?</a:t>
-            </a:r>
-          </a:p>
-          <a:p>
-            <a:r>
-              <a:rPr lang="en-US" b="1" dirty="0" smtClean="0"/>
-              <a:t>JPA is an API</a:t>
-            </a:r>
-          </a:p>
-          <a:p>
-            <a:r>
-              <a:rPr lang="en-US" b="1" dirty="0" smtClean="0"/>
-              <a:t>Implementations: Spring Data and Hibernate</a:t>
-            </a:r>
-          </a:p>
-          <a:p>
-            <a:r>
-              <a:rPr lang="en-US" b="1" dirty="0" smtClean="0"/>
-              <a:t>ORM is also used in other languages such as Ruby (</a:t>
-            </a:r>
-            <a:r>
-              <a:rPr lang="en-US" b="1" dirty="0" err="1" smtClean="0"/>
-              <a:t>ActiveRecords</a:t>
-            </a:r>
-            <a:r>
-              <a:rPr lang="en-US" b="1" dirty="0" smtClean="0"/>
-              <a:t>), C++ (</a:t>
-            </a:r>
-            <a:r>
-              <a:rPr lang="en-US" b="1" dirty="0" err="1" smtClean="0"/>
-              <a:t>nHibernate</a:t>
-            </a:r>
-            <a:r>
-              <a:rPr lang="en-US" b="1" dirty="0" smtClean="0"/>
-              <a:t> – which borrows a lot from Java’s Hibernate), </a:t>
-            </a:r>
-            <a:r>
-              <a:rPr lang="en-US" b="1" dirty="0" err="1" smtClean="0"/>
-              <a:t>PerlORM</a:t>
-            </a:r>
-            <a:r>
-              <a:rPr lang="en-US" b="1" dirty="0" smtClean="0"/>
-              <a:t>, Python (</a:t>
-            </a:r>
-            <a:r>
-              <a:rPr lang="en-US" b="1" dirty="0" err="1" smtClean="0"/>
-              <a:t>Django</a:t>
-            </a:r>
-            <a:r>
-              <a:rPr lang="en-US" b="1" dirty="0" smtClean="0"/>
-              <a:t>/built-in ORM)</a:t>
-            </a:r>
-            <a:endParaRPr lang="en-US" b="1" dirty="0"/>
+              <a:t>TeacherRepository</a:t>
+            </a:r>
+            <a:endParaRPr lang="en-US" dirty="0"/>
           </a:p>
         </p:txBody>
       </p:sp>
@@ -24611,7 +24030,7 @@
     </p:spTree>
     <p:extLst>
       <p:ext uri="{BB962C8B-B14F-4D97-AF65-F5344CB8AC3E}">
-        <p14:creationId xmlns:p14="http://schemas.microsoft.com/office/powerpoint/2010/main" val="472122866"/>
+        <p14:creationId xmlns:p14="http://schemas.microsoft.com/office/powerpoint/2010/main" val="372240711"/>
       </p:ext>
     </p:extLst>
   </p:cSld>
@@ -24655,7 +24074,11 @@
           <a:p>
             <a:r>
               <a:rPr lang="en-US" dirty="0" smtClean="0"/>
-              <a:t>First, add the following dependencies</a:t>
+              <a:t>Create a </a:t>
+            </a:r>
+            <a:r>
+              <a:rPr lang="en-US" dirty="0" err="1" smtClean="0"/>
+              <a:t>TestDriver</a:t>
             </a:r>
             <a:endParaRPr lang="en-US" dirty="0"/>
           </a:p>
@@ -24674,292 +24097,73 @@
         <p:spPr/>
         <p:txBody>
           <a:bodyPr>
-            <a:normAutofit fontScale="40000" lnSpcReduction="20000"/>
+            <a:normAutofit fontScale="92500" lnSpcReduction="10000"/>
           </a:bodyPr>
           <a:lstStyle/>
           <a:p>
             <a:r>
+              <a:rPr lang="en-US" dirty="0" smtClean="0"/>
+              <a:t>A lot of the magic is in: </a:t>
+            </a:r>
+            <a:r>
               <a:rPr lang="en-US" dirty="0"/>
-              <a:t>&lt;dependency&gt;</a:t>
-            </a:r>
-          </a:p>
-          <a:p>
-            <a:r>
-              <a:rPr lang="en-US" dirty="0"/>
-              <a:t>&lt;</a:t>
-            </a:r>
-            <a:r>
-              <a:rPr lang="en-US" dirty="0" err="1"/>
-              <a:t>groupId</a:t>
-            </a:r>
-            <a:r>
-              <a:rPr lang="en-US" dirty="0"/>
-              <a:t>&gt;</a:t>
-            </a:r>
-            <a:r>
-              <a:rPr lang="en-US" dirty="0" err="1"/>
-              <a:t>org.springframework.boot</a:t>
-            </a:r>
-            <a:r>
-              <a:rPr lang="en-US" dirty="0"/>
-              <a:t>&lt;/</a:t>
-            </a:r>
-            <a:r>
-              <a:rPr lang="en-US" dirty="0" err="1"/>
-              <a:t>groupId</a:t>
-            </a:r>
-            <a:r>
-              <a:rPr lang="en-US" dirty="0"/>
-              <a:t>&gt;</a:t>
-            </a:r>
-          </a:p>
-          <a:p>
-            <a:r>
-              <a:rPr lang="en-US" dirty="0"/>
-              <a:t>&lt;</a:t>
-            </a:r>
-            <a:r>
-              <a:rPr lang="en-US" dirty="0" err="1"/>
-              <a:t>artifactId</a:t>
-            </a:r>
-            <a:r>
-              <a:rPr lang="en-US" dirty="0"/>
-              <a:t>&gt;spring-boot-starter-data-</a:t>
-            </a:r>
-            <a:r>
-              <a:rPr lang="en-US" u="sng" dirty="0" err="1"/>
-              <a:t>jpa</a:t>
-            </a:r>
-            <a:r>
-              <a:rPr lang="en-US" u="sng" dirty="0"/>
-              <a:t>&lt;/</a:t>
-            </a:r>
-            <a:r>
-              <a:rPr lang="en-US" u="sng" dirty="0" err="1"/>
-              <a:t>artifactId</a:t>
-            </a:r>
-            <a:r>
-              <a:rPr lang="en-US" u="sng" dirty="0"/>
-              <a:t>&gt;</a:t>
-            </a:r>
-          </a:p>
-          <a:p>
-            <a:r>
-              <a:rPr lang="en-US" dirty="0"/>
-              <a:t>&lt;/dependency&gt;</a:t>
-            </a:r>
-          </a:p>
-          <a:p>
-            <a:r>
-              <a:rPr lang="en-US" dirty="0"/>
-              <a:t>&lt;dependency&gt;</a:t>
-            </a:r>
-          </a:p>
-          <a:p>
-            <a:r>
-              <a:rPr lang="en-US" dirty="0"/>
-              <a:t>&lt;</a:t>
-            </a:r>
-            <a:r>
-              <a:rPr lang="en-US" dirty="0" err="1"/>
-              <a:t>groupId</a:t>
-            </a:r>
-            <a:r>
-              <a:rPr lang="en-US" dirty="0"/>
-              <a:t>&gt;com.h2database&lt;/</a:t>
-            </a:r>
-            <a:r>
-              <a:rPr lang="en-US" dirty="0" err="1"/>
-              <a:t>groupId</a:t>
-            </a:r>
-            <a:r>
-              <a:rPr lang="en-US" dirty="0"/>
-              <a:t>&gt;</a:t>
-            </a:r>
-          </a:p>
-          <a:p>
-            <a:r>
-              <a:rPr lang="en-US" dirty="0"/>
-              <a:t>&lt;</a:t>
-            </a:r>
-            <a:r>
-              <a:rPr lang="en-US" dirty="0" err="1"/>
-              <a:t>artifactId</a:t>
-            </a:r>
-            <a:r>
-              <a:rPr lang="en-US" dirty="0"/>
-              <a:t>&gt;h2&lt;/</a:t>
-            </a:r>
-            <a:r>
-              <a:rPr lang="en-US" dirty="0" err="1"/>
-              <a:t>artifactId</a:t>
-            </a:r>
-            <a:r>
-              <a:rPr lang="en-US" dirty="0"/>
-              <a:t>&gt;</a:t>
-            </a:r>
-          </a:p>
-          <a:p>
-            <a:r>
-              <a:rPr lang="en-US" dirty="0"/>
-              <a:t>&lt;/dependency&gt;</a:t>
-            </a:r>
-          </a:p>
-          <a:p>
-            <a:r>
-              <a:rPr lang="en-US" dirty="0"/>
-              <a:t>&lt;dependency&gt;</a:t>
-            </a:r>
-          </a:p>
-          <a:p>
-            <a:r>
-              <a:rPr lang="en-US" dirty="0"/>
-              <a:t>&lt;</a:t>
-            </a:r>
-            <a:r>
-              <a:rPr lang="en-US" dirty="0" err="1"/>
-              <a:t>groupId</a:t>
-            </a:r>
-            <a:r>
-              <a:rPr lang="en-US" dirty="0"/>
-              <a:t>&gt;</a:t>
-            </a:r>
-            <a:r>
-              <a:rPr lang="en-US" u="sng" dirty="0" err="1"/>
-              <a:t>mysql</a:t>
-            </a:r>
-            <a:r>
-              <a:rPr lang="en-US" u="sng" dirty="0"/>
-              <a:t>&lt;/</a:t>
-            </a:r>
-            <a:r>
-              <a:rPr lang="en-US" u="sng" dirty="0" err="1"/>
-              <a:t>groupId</a:t>
-            </a:r>
-            <a:r>
-              <a:rPr lang="en-US" u="sng" dirty="0"/>
-              <a:t>&gt;</a:t>
-            </a:r>
-          </a:p>
-          <a:p>
-            <a:r>
-              <a:rPr lang="en-US" dirty="0"/>
-              <a:t>&lt;</a:t>
-            </a:r>
-            <a:r>
-              <a:rPr lang="en-US" dirty="0" err="1"/>
-              <a:t>artifactId</a:t>
-            </a:r>
-            <a:r>
-              <a:rPr lang="en-US" dirty="0"/>
-              <a:t>&gt;</a:t>
-            </a:r>
-            <a:r>
-              <a:rPr lang="en-US" u="sng" dirty="0" err="1"/>
-              <a:t>mysql</a:t>
-            </a:r>
-            <a:r>
-              <a:rPr lang="en-US" u="sng" dirty="0"/>
-              <a:t>-connector-java&lt;/</a:t>
-            </a:r>
-            <a:r>
-              <a:rPr lang="en-US" u="sng" dirty="0" err="1"/>
-              <a:t>artifactId</a:t>
-            </a:r>
-            <a:r>
-              <a:rPr lang="en-US" u="sng" dirty="0"/>
-              <a:t>&gt;</a:t>
-            </a:r>
-          </a:p>
-          <a:p>
-            <a:r>
-              <a:rPr lang="en-US" u="sng" dirty="0"/>
-              <a:t>&lt;version&gt;5.1.30&lt;/version&gt;</a:t>
-            </a:r>
-          </a:p>
-          <a:p>
-            <a:r>
-              <a:rPr lang="en-US" dirty="0"/>
-              <a:t>&lt;/dependency&gt;</a:t>
-            </a:r>
-          </a:p>
-          <a:p>
-            <a:r>
-              <a:rPr lang="en-US" dirty="0"/>
-              <a:t>&lt;dependency&gt;</a:t>
-            </a:r>
-          </a:p>
-          <a:p>
-            <a:r>
-              <a:rPr lang="en-US" dirty="0"/>
-              <a:t>&lt;</a:t>
-            </a:r>
-            <a:r>
-              <a:rPr lang="en-US" dirty="0" err="1"/>
-              <a:t>groupId</a:t>
-            </a:r>
-            <a:r>
-              <a:rPr lang="en-US" dirty="0"/>
-              <a:t>&gt;</a:t>
-            </a:r>
-            <a:r>
-              <a:rPr lang="en-US" dirty="0" err="1"/>
-              <a:t>org.hsqldb</a:t>
-            </a:r>
-            <a:r>
-              <a:rPr lang="en-US" dirty="0"/>
-              <a:t>&lt;/</a:t>
-            </a:r>
-            <a:r>
-              <a:rPr lang="en-US" dirty="0" err="1"/>
-              <a:t>groupId</a:t>
-            </a:r>
-            <a:r>
-              <a:rPr lang="en-US" dirty="0"/>
-              <a:t>&gt;</a:t>
-            </a:r>
-          </a:p>
-          <a:p>
-            <a:r>
-              <a:rPr lang="en-US" dirty="0"/>
-              <a:t>&lt;</a:t>
-            </a:r>
-            <a:r>
-              <a:rPr lang="en-US" dirty="0" err="1"/>
-              <a:t>artifactId</a:t>
-            </a:r>
-            <a:r>
-              <a:rPr lang="en-US" dirty="0"/>
-              <a:t>&gt;</a:t>
-            </a:r>
-            <a:r>
-              <a:rPr lang="en-US" u="sng" dirty="0" err="1"/>
-              <a:t>hsqldb</a:t>
-            </a:r>
-            <a:r>
-              <a:rPr lang="en-US" u="sng" dirty="0"/>
-              <a:t>&lt;/</a:t>
-            </a:r>
-            <a:r>
-              <a:rPr lang="en-US" u="sng" dirty="0" err="1"/>
-              <a:t>artifactId</a:t>
-            </a:r>
-            <a:r>
-              <a:rPr lang="en-US" u="sng" dirty="0"/>
-              <a:t>&gt;</a:t>
-            </a:r>
-          </a:p>
-          <a:p>
-            <a:r>
-              <a:rPr lang="en-US" u="sng" dirty="0"/>
-              <a:t>&lt;version&gt;2.2.8&lt;/version&gt;</a:t>
-            </a:r>
-          </a:p>
-          <a:p>
-            <a:r>
-              <a:rPr lang="en-US" dirty="0"/>
-              <a:t>&lt;/dependency&gt;</a:t>
-            </a:r>
+              <a:t>@</a:t>
+            </a:r>
+            <a:r>
+              <a:rPr lang="en-US" dirty="0" err="1" smtClean="0"/>
+              <a:t>EnableAutoConfiguration</a:t>
+            </a:r>
+            <a:endParaRPr lang="en-US" dirty="0" smtClean="0"/>
+          </a:p>
+          <a:p>
+            <a:r>
+              <a:rPr lang="en-US" dirty="0" smtClean="0"/>
+              <a:t>See: </a:t>
+            </a:r>
+            <a:r>
+              <a:rPr lang="en-US" dirty="0" err="1" smtClean="0"/>
+              <a:t>TestDriverWithInMemoryDB</a:t>
+            </a:r>
+            <a:endParaRPr lang="en-US" dirty="0" smtClean="0"/>
+          </a:p>
+          <a:p>
+            <a:r>
+              <a:rPr lang="en-US" dirty="0" smtClean="0"/>
+              <a:t>Run it …</a:t>
+            </a:r>
+          </a:p>
+          <a:p>
+            <a:r>
+              <a:rPr lang="en-US" dirty="0" smtClean="0"/>
+              <a:t>What just happened?  Well, first thing is that it created an in memory database</a:t>
+            </a:r>
+          </a:p>
+          <a:p>
+            <a:r>
+              <a:rPr lang="en-US" dirty="0" smtClean="0"/>
+              <a:t>Then a Table called Teacher</a:t>
+            </a:r>
+          </a:p>
+          <a:p>
+            <a:r>
+              <a:rPr lang="en-US" dirty="0" smtClean="0"/>
+              <a:t>And then an insert</a:t>
+            </a:r>
+          </a:p>
+          <a:p>
+            <a:r>
+              <a:rPr lang="en-US" dirty="0" smtClean="0"/>
+              <a:t>Prove it!!!  …  Sorry, no can </a:t>
+            </a:r>
+            <a:r>
+              <a:rPr lang="en-US" smtClean="0"/>
+              <a:t>do - that </a:t>
+            </a:r>
+            <a:r>
+              <a:rPr lang="en-US" dirty="0" smtClean="0"/>
+              <a:t>was an in memory DB</a:t>
+            </a:r>
+            <a:endParaRPr lang="en-US" dirty="0"/>
           </a:p>
         </p:txBody>
       </p:sp>
@@ -24995,7 +24199,7 @@
     </p:spTree>
     <p:extLst>
       <p:ext uri="{BB962C8B-B14F-4D97-AF65-F5344CB8AC3E}">
-        <p14:creationId xmlns:p14="http://schemas.microsoft.com/office/powerpoint/2010/main" val="488670267"/>
+        <p14:creationId xmlns:p14="http://schemas.microsoft.com/office/powerpoint/2010/main" val="37891769"/>
       </p:ext>
     </p:extLst>
   </p:cSld>
@@ -25039,7 +24243,7 @@
           <a:p>
             <a:r>
               <a:rPr lang="en-US" dirty="0" smtClean="0"/>
-              <a:t>Also in pom.xml</a:t>
+              <a:t>I know – let’s use MySQL!</a:t>
             </a:r>
             <a:endParaRPr lang="en-US" dirty="0"/>
           </a:p>
@@ -25058,90 +24262,80 @@
         <p:spPr/>
         <p:txBody>
           <a:bodyPr>
-            <a:normAutofit lnSpcReduction="10000"/>
+            <a:normAutofit fontScale="85000" lnSpcReduction="20000"/>
           </a:bodyPr>
           <a:lstStyle/>
           <a:p>
             <a:r>
-              <a:rPr lang="en-US" dirty="0"/>
-              <a:t>&lt;parent&gt;</a:t>
-            </a:r>
-          </a:p>
-          <a:p>
-            <a:r>
-              <a:rPr lang="en-US" dirty="0"/>
-              <a:t>&lt;</a:t>
-            </a:r>
-            <a:r>
-              <a:rPr lang="en-US" dirty="0" err="1"/>
-              <a:t>groupId</a:t>
-            </a:r>
-            <a:r>
-              <a:rPr lang="en-US" dirty="0"/>
-              <a:t>&gt;</a:t>
-            </a:r>
-            <a:r>
-              <a:rPr lang="en-US" dirty="0" err="1"/>
-              <a:t>org.springframework.boot</a:t>
-            </a:r>
-            <a:r>
-              <a:rPr lang="en-US" dirty="0"/>
-              <a:t>&lt;/</a:t>
-            </a:r>
-            <a:r>
-              <a:rPr lang="en-US" dirty="0" err="1"/>
-              <a:t>groupId</a:t>
-            </a:r>
-            <a:r>
-              <a:rPr lang="en-US" dirty="0"/>
-              <a:t>&gt;</a:t>
-            </a:r>
-          </a:p>
-          <a:p>
-            <a:r>
-              <a:rPr lang="en-US" dirty="0"/>
-              <a:t>&lt;</a:t>
-            </a:r>
-            <a:r>
-              <a:rPr lang="en-US" dirty="0" err="1"/>
-              <a:t>artifactId</a:t>
-            </a:r>
-            <a:r>
-              <a:rPr lang="en-US" dirty="0"/>
-              <a:t>&gt;spring-boot-starter-parent&lt;/</a:t>
-            </a:r>
-            <a:r>
-              <a:rPr lang="en-US" dirty="0" err="1"/>
-              <a:t>artifactId</a:t>
-            </a:r>
-            <a:r>
-              <a:rPr lang="en-US" dirty="0"/>
-              <a:t>&gt;</a:t>
-            </a:r>
-          </a:p>
-          <a:p>
-            <a:r>
-              <a:rPr lang="en-US" dirty="0"/>
-              <a:t>&lt;version&gt;1.0.2.RELEASE&lt;/version&gt;</a:t>
-            </a:r>
-          </a:p>
-          <a:p>
-            <a:r>
-              <a:rPr lang="en-US" dirty="0"/>
-              <a:t>&lt;/parent</a:t>
-            </a:r>
-            <a:r>
-              <a:rPr lang="en-US" dirty="0" smtClean="0"/>
-              <a:t>&gt;</a:t>
-            </a:r>
-          </a:p>
-          <a:p>
+              <a:rPr lang="en-US" dirty="0" smtClean="0"/>
+              <a:t>Via your browser, </a:t>
+            </a:r>
+            <a:r>
+              <a:rPr lang="en-US" dirty="0" err="1" smtClean="0"/>
+              <a:t>goto</a:t>
+            </a:r>
+            <a:r>
+              <a:rPr lang="en-US" dirty="0" smtClean="0"/>
+              <a:t>: </a:t>
+            </a:r>
+            <a:r>
+              <a:rPr lang="en-US" i="1" dirty="0" smtClean="0"/>
+              <a:t>freemysqlhosting.net</a:t>
+            </a:r>
+          </a:p>
+          <a:p>
+            <a:r>
+              <a:rPr lang="en-US" dirty="0" smtClean="0"/>
+              <a:t>(alright, I know, I know … its not hosted by BCIT) … but damn it – BCIT doesn’t use MySQL, they use a funny creature called SQL Server</a:t>
+            </a:r>
+          </a:p>
+          <a:p>
+            <a:r>
+              <a:rPr lang="en-US" dirty="0" smtClean="0"/>
+              <a:t>Alright, after you register, you’ll get a</a:t>
+            </a:r>
+          </a:p>
+          <a:p>
+            <a:pPr marL="582930" indent="-514350">
+              <a:buFont typeface="+mj-lt"/>
+              <a:buAutoNum type="arabicPeriod"/>
+            </a:pPr>
+            <a:r>
+              <a:rPr lang="en-US" dirty="0" smtClean="0"/>
+              <a:t>Hostname for your DB</a:t>
+            </a:r>
+          </a:p>
+          <a:p>
+            <a:pPr marL="582930" indent="-514350">
+              <a:buFont typeface="+mj-lt"/>
+              <a:buAutoNum type="arabicPeriod"/>
+            </a:pPr>
+            <a:r>
+              <a:rPr lang="en-US" dirty="0" smtClean="0"/>
+              <a:t>Username / password</a:t>
+            </a:r>
+          </a:p>
+          <a:p>
+            <a:pPr marL="582930" indent="-514350">
+              <a:buFont typeface="+mj-lt"/>
+              <a:buAutoNum type="arabicPeriod"/>
+            </a:pPr>
+            <a:r>
+              <a:rPr lang="en-US" dirty="0" smtClean="0"/>
+              <a:t>Database name</a:t>
+            </a:r>
+          </a:p>
+          <a:p>
+            <a:pPr marL="582930" indent="-514350">
+              <a:buFont typeface="+mj-lt"/>
+              <a:buAutoNum type="arabicPeriod"/>
+            </a:pPr>
             <a:endParaRPr lang="en-US" dirty="0"/>
           </a:p>
           <a:p>
             <a:r>
               <a:rPr lang="en-US" dirty="0" smtClean="0"/>
-              <a:t>And then Maven Update</a:t>
+              <a:t>Convert that information you have above to an applicationContext.xml as is follows:</a:t>
             </a:r>
             <a:endParaRPr lang="en-US" dirty="0"/>
           </a:p>
@@ -25179,7 +24373,7 @@
     </p:spTree>
     <p:extLst>
       <p:ext uri="{BB962C8B-B14F-4D97-AF65-F5344CB8AC3E}">
-        <p14:creationId xmlns:p14="http://schemas.microsoft.com/office/powerpoint/2010/main" val="1514528855"/>
+        <p14:creationId xmlns:p14="http://schemas.microsoft.com/office/powerpoint/2010/main" val="3106512701"/>
       </p:ext>
     </p:extLst>
   </p:cSld>
@@ -25499,7 +24693,15 @@
           <a:p>
             <a:r>
               <a:rPr lang="en-US" dirty="0" smtClean="0"/>
-              <a:t>Modify our model Classes</a:t>
+              <a:t>application.xml (as a direct child of the /</a:t>
+            </a:r>
+            <a:r>
+              <a:rPr lang="en-US" dirty="0" err="1" smtClean="0"/>
+              <a:t>src</a:t>
+            </a:r>
+            <a:r>
+              <a:rPr lang="en-US" dirty="0" smtClean="0"/>
+              <a:t> directory – no package)</a:t>
             </a:r>
             <a:endParaRPr lang="en-US" dirty="0"/>
           </a:p>
@@ -25518,85 +24720,206 @@
         <p:spPr/>
         <p:txBody>
           <a:bodyPr>
-            <a:normAutofit fontScale="92500"/>
+            <a:normAutofit fontScale="47500" lnSpcReduction="20000"/>
           </a:bodyPr>
           <a:lstStyle/>
           <a:p>
-            <a:r>
-              <a:rPr lang="en-US" dirty="0" smtClean="0"/>
-              <a:t>Annotate with @Entity (pretty important)</a:t>
-            </a:r>
-          </a:p>
-          <a:p>
-            <a:r>
-              <a:rPr lang="en-US" dirty="0" smtClean="0"/>
-              <a:t>Add a @Id (so-so important) to the primary key</a:t>
-            </a:r>
-          </a:p>
-          <a:p>
-            <a:r>
-              <a:rPr lang="en-US" dirty="0" smtClean="0"/>
-              <a:t>Add </a:t>
-            </a:r>
-            <a:r>
-              <a:rPr lang="en-US" dirty="0" smtClean="0"/>
-              <a:t>@</a:t>
-            </a:r>
-            <a:r>
-              <a:rPr lang="en-US" dirty="0" err="1" smtClean="0"/>
-              <a:t>ManyToMany</a:t>
-            </a:r>
-            <a:r>
-              <a:rPr lang="en-US" dirty="0" smtClean="0"/>
-              <a:t> relationship</a:t>
-            </a:r>
-          </a:p>
-          <a:p>
-            <a:pPr lvl="1"/>
-            <a:r>
-              <a:rPr lang="en-US" dirty="0" smtClean="0"/>
-              <a:t>Right now, the </a:t>
-            </a:r>
-            <a:r>
-              <a:rPr lang="en-US" dirty="0" err="1" smtClean="0"/>
-              <a:t>ManyToMany</a:t>
-            </a:r>
-            <a:r>
-              <a:rPr lang="en-US" dirty="0" smtClean="0"/>
-              <a:t> annotation with the </a:t>
-            </a:r>
-            <a:r>
-              <a:rPr lang="en-US" dirty="0" err="1" smtClean="0"/>
-              <a:t>JoinTable</a:t>
-            </a:r>
-            <a:r>
-              <a:rPr lang="en-US" dirty="0" smtClean="0"/>
-              <a:t>, </a:t>
-            </a:r>
-            <a:r>
-              <a:rPr lang="en-US" dirty="0" err="1" smtClean="0"/>
-              <a:t>JoinColumn</a:t>
-            </a:r>
-            <a:r>
-              <a:rPr lang="en-US" dirty="0" smtClean="0"/>
-              <a:t> might be a tad bit confusing.  Just try to “see and follow the pattern” with the Teacher/Student model.  </a:t>
-            </a:r>
+            <a:endParaRPr lang="en-US" dirty="0"/>
+          </a:p>
+          <a:p>
             <a:r>
               <a:rPr lang="en-US" dirty="0"/>
-              <a:t>All see: http://en.wikibooks.org/wiki/Java_Persistence/ManyToMany</a:t>
-            </a:r>
-            <a:endParaRPr lang="en-US" dirty="0" smtClean="0"/>
-          </a:p>
-          <a:p>
-            <a:r>
-              <a:rPr lang="en-US" dirty="0" smtClean="0"/>
-              <a:t>See </a:t>
-            </a:r>
-            <a:r>
-              <a:rPr lang="en-US" dirty="0" smtClean="0"/>
-              <a:t>day09.model.Teacher</a:t>
-            </a:r>
+              <a:t>&lt;beans </a:t>
+            </a:r>
+            <a:r>
+              <a:rPr lang="en-US" dirty="0" err="1"/>
+              <a:t>xmlns</a:t>
+            </a:r>
+            <a:r>
+              <a:rPr lang="en-US" dirty="0"/>
+              <a:t>=</a:t>
+            </a:r>
+            <a:r>
+              <a:rPr lang="en-US" i="1" dirty="0"/>
+              <a:t>"http://www.springframework.org/schema/beans"</a:t>
+            </a:r>
+          </a:p>
+          <a:p>
+            <a:r>
+              <a:rPr lang="en-US" dirty="0" err="1"/>
+              <a:t>xmlns:jpa</a:t>
+            </a:r>
+            <a:r>
+              <a:rPr lang="en-US" dirty="0"/>
+              <a:t>=</a:t>
+            </a:r>
+            <a:r>
+              <a:rPr lang="en-US" i="1" dirty="0"/>
+              <a:t>"http://www.springframework.org/schema/data/jpa" </a:t>
+            </a:r>
+            <a:r>
+              <a:rPr lang="en-US" i="1" dirty="0" err="1"/>
+              <a:t>xmlns:xsi</a:t>
+            </a:r>
+            <a:r>
+              <a:rPr lang="en-US" i="1" dirty="0"/>
+              <a:t>="http://www.w3.org/2001/XMLSchema-instance"</a:t>
+            </a:r>
+          </a:p>
+          <a:p>
+            <a:r>
+              <a:rPr lang="en-US" dirty="0" err="1"/>
+              <a:t>xsi:schemaLocation</a:t>
+            </a:r>
+            <a:r>
+              <a:rPr lang="en-US" dirty="0"/>
+              <a:t>=</a:t>
+            </a:r>
+            <a:r>
+              <a:rPr lang="en-US" i="1" dirty="0"/>
+              <a:t>"http://www.springframework.org/schema/beans</a:t>
+            </a:r>
+          </a:p>
+          <a:p>
+            <a:r>
+              <a:rPr lang="en-US" i="1" dirty="0"/>
+              <a:t>http://www.springframework.org/schema/beans/spring-beans-2.5.xsd</a:t>
+            </a:r>
+          </a:p>
+          <a:p>
+            <a:r>
+              <a:rPr lang="en-US" i="1" dirty="0"/>
+              <a:t>http://www.springframework.org/schema/data/jpa</a:t>
+            </a:r>
+          </a:p>
+          <a:p>
+            <a:r>
+              <a:rPr lang="en-US" i="1" dirty="0"/>
+              <a:t>   http://www.springframework.org/schema/data/jpa/spring-jpa-1.0.xsd"&gt;</a:t>
+            </a:r>
+          </a:p>
+          <a:p>
             <a:endParaRPr lang="en-US" dirty="0"/>
+          </a:p>
+          <a:p>
+            <a:r>
+              <a:rPr lang="en-US" dirty="0"/>
+              <a:t>&lt;bean id=</a:t>
+            </a:r>
+            <a:r>
+              <a:rPr lang="en-US" i="1" dirty="0"/>
+              <a:t>"</a:t>
+            </a:r>
+            <a:r>
+              <a:rPr lang="en-US" i="1" dirty="0" err="1"/>
+              <a:t>dataSource</a:t>
+            </a:r>
+            <a:r>
+              <a:rPr lang="en-US" i="1" dirty="0"/>
+              <a:t>" class="</a:t>
+            </a:r>
+            <a:r>
+              <a:rPr lang="en-US" i="1" dirty="0" err="1"/>
+              <a:t>org.springframework.jdbc.datasource.DriverManagerDataSource</a:t>
+            </a:r>
+            <a:r>
+              <a:rPr lang="en-US" i="1" dirty="0"/>
+              <a:t>"&gt;</a:t>
+            </a:r>
+          </a:p>
+          <a:p>
+            <a:r>
+              <a:rPr lang="en-US" dirty="0"/>
+              <a:t>&lt;property name=</a:t>
+            </a:r>
+            <a:r>
+              <a:rPr lang="en-US" i="1" dirty="0"/>
+              <a:t>"</a:t>
+            </a:r>
+            <a:r>
+              <a:rPr lang="en-US" i="1" dirty="0" err="1"/>
+              <a:t>driverClassName</a:t>
+            </a:r>
+            <a:r>
+              <a:rPr lang="en-US" i="1" dirty="0"/>
+              <a:t>" value="</a:t>
+            </a:r>
+            <a:r>
+              <a:rPr lang="en-US" i="1" dirty="0" err="1"/>
+              <a:t>com.mysql.jdbc.Driver</a:t>
+            </a:r>
+            <a:r>
+              <a:rPr lang="en-US" i="1" dirty="0"/>
+              <a:t>" /&gt;</a:t>
+            </a:r>
+          </a:p>
+          <a:p>
+            <a:r>
+              <a:rPr lang="en-US" dirty="0"/>
+              <a:t>&lt;property name=</a:t>
+            </a:r>
+            <a:r>
+              <a:rPr lang="en-US" i="1" dirty="0"/>
+              <a:t>"</a:t>
+            </a:r>
+            <a:r>
+              <a:rPr lang="en-US" i="1" dirty="0" err="1"/>
+              <a:t>url</a:t>
+            </a:r>
+            <a:r>
+              <a:rPr lang="en-US" i="1" dirty="0"/>
+              <a:t>"</a:t>
+            </a:r>
+          </a:p>
+          <a:p>
+            <a:r>
+              <a:rPr lang="en-US" dirty="0"/>
+              <a:t>value=</a:t>
+            </a:r>
+            <a:r>
+              <a:rPr lang="en-US" i="1" dirty="0"/>
+              <a:t>"</a:t>
+            </a:r>
+            <a:r>
+              <a:rPr lang="en-US" i="1" dirty="0" err="1"/>
+              <a:t>jdbc:mysql</a:t>
+            </a:r>
+            <a:r>
+              <a:rPr lang="en-US" i="1" dirty="0"/>
+              <a:t>://sql3.freemysqlhosting.net/sql340330" /&gt;</a:t>
+            </a:r>
+          </a:p>
+          <a:p>
+            <a:r>
+              <a:rPr lang="en-US" dirty="0"/>
+              <a:t>&lt;property name=</a:t>
+            </a:r>
+            <a:r>
+              <a:rPr lang="en-US" i="1" dirty="0"/>
+              <a:t>"username" value="sql340330" /&gt;</a:t>
+            </a:r>
+          </a:p>
+          <a:p>
+            <a:r>
+              <a:rPr lang="en-US" dirty="0"/>
+              <a:t>&lt;property name=</a:t>
+            </a:r>
+            <a:r>
+              <a:rPr lang="en-US" i="1" dirty="0"/>
+              <a:t>"password" value="dR5!xA3!" /&gt;</a:t>
+            </a:r>
+          </a:p>
+          <a:p>
+            <a:r>
+              <a:rPr lang="en-US" dirty="0"/>
+              <a:t>&lt;/bean&gt;</a:t>
+            </a:r>
+          </a:p>
+          <a:p>
+            <a:r>
+              <a:rPr lang="en-US" dirty="0"/>
+              <a:t>&lt;/beans&gt;</a:t>
+            </a:r>
           </a:p>
         </p:txBody>
       </p:sp>
@@ -25632,7 +24955,7 @@
     </p:spTree>
     <p:extLst>
       <p:ext uri="{BB962C8B-B14F-4D97-AF65-F5344CB8AC3E}">
-        <p14:creationId xmlns:p14="http://schemas.microsoft.com/office/powerpoint/2010/main" val="1704108685"/>
+        <p14:creationId xmlns:p14="http://schemas.microsoft.com/office/powerpoint/2010/main" val="551329592"/>
       </p:ext>
     </p:extLst>
   </p:cSld>
@@ -25676,7 +24999,11 @@
           <a:p>
             <a:r>
               <a:rPr lang="en-US" dirty="0" smtClean="0"/>
-              <a:t>Create a Repository Interface</a:t>
+              <a:t>Create another Test Driver for </a:t>
+            </a:r>
+            <a:r>
+              <a:rPr lang="en-US" dirty="0" err="1" smtClean="0"/>
+              <a:t>MyDB</a:t>
             </a:r>
             <a:endParaRPr lang="en-US" dirty="0"/>
           </a:p>
@@ -25694,18 +25021,77 @@
         </p:nvSpPr>
         <p:spPr/>
         <p:txBody>
-          <a:bodyPr/>
-          <a:lstStyle/>
-          <a:p>
-            <a:r>
-              <a:rPr lang="en-US" dirty="0" smtClean="0"/>
-              <a:t>See </a:t>
+          <a:bodyPr>
+            <a:normAutofit fontScale="85000" lnSpcReduction="20000"/>
+          </a:bodyPr>
+          <a:lstStyle/>
+          <a:p>
+            <a:r>
+              <a:rPr lang="en-US" dirty="0" smtClean="0"/>
+              <a:t>See: </a:t>
             </a:r>
             <a:r>
               <a:rPr lang="en-US" dirty="0" err="1" smtClean="0"/>
-              <a:t>TeacherRepository</a:t>
+              <a:t>TestDriverWithMySQLDB</a:t>
+            </a:r>
+            <a:endParaRPr lang="en-US" dirty="0" smtClean="0"/>
+          </a:p>
+          <a:p>
+            <a:r>
+              <a:rPr lang="en-US" dirty="0" smtClean="0"/>
+              <a:t>You’ll most likely get a </a:t>
+            </a:r>
+            <a:r>
+              <a:rPr lang="en-US" dirty="0"/>
+              <a:t>Caused by: </a:t>
+            </a:r>
+            <a:r>
+              <a:rPr lang="en-US" u="sng" dirty="0"/>
+              <a:t>com.mysql.jdbc.exceptions.jdbc4.MySQLSyntaxErrorException: Table 'sql340330.teacher' doesn't </a:t>
+            </a:r>
+            <a:r>
+              <a:rPr lang="en-US" u="sng" dirty="0" smtClean="0"/>
+              <a:t>exist</a:t>
+            </a:r>
+          </a:p>
+          <a:p>
+            <a:r>
+              <a:rPr lang="en-US" dirty="0" smtClean="0"/>
+              <a:t>If you get that error, you’ll have to modify </a:t>
+            </a:r>
+            <a:r>
+              <a:rPr lang="en-US" dirty="0" err="1" smtClean="0"/>
+              <a:t>hibernate.properties</a:t>
             </a:r>
             <a:endParaRPr lang="en-US" dirty="0"/>
+          </a:p>
+          <a:p>
+            <a:r>
+              <a:rPr lang="en-US" dirty="0" smtClean="0"/>
+              <a:t>Hibernate is *an* implementation to JPA that Spring Data uses.  JPA == API.  Spring Data == framework </a:t>
+            </a:r>
+            <a:r>
+              <a:rPr lang="en-US" dirty="0" err="1" smtClean="0"/>
+              <a:t>impl</a:t>
+            </a:r>
+            <a:r>
+              <a:rPr lang="en-US" dirty="0" smtClean="0"/>
+              <a:t>.  Hibernate == framework within Spring Data.</a:t>
+            </a:r>
+          </a:p>
+          <a:p>
+            <a:r>
+              <a:rPr lang="en-US" dirty="0" smtClean="0"/>
+              <a:t>Problem with so much Annotation magic is that every now and then something goes wrong.  Fortunately, this </a:t>
+            </a:r>
+            <a:r>
+              <a:rPr lang="en-US" dirty="0" err="1" smtClean="0"/>
+              <a:t>hibernate.properties</a:t>
+            </a:r>
+            <a:r>
+              <a:rPr lang="en-US" dirty="0" smtClean="0"/>
+              <a:t> fix is easy</a:t>
+            </a:r>
           </a:p>
         </p:txBody>
       </p:sp>
@@ -25741,7 +25127,7 @@
     </p:spTree>
     <p:extLst>
       <p:ext uri="{BB962C8B-B14F-4D97-AF65-F5344CB8AC3E}">
-        <p14:creationId xmlns:p14="http://schemas.microsoft.com/office/powerpoint/2010/main" val="372240711"/>
+        <p14:creationId xmlns:p14="http://schemas.microsoft.com/office/powerpoint/2010/main" val="3864201953"/>
       </p:ext>
     </p:extLst>
   </p:cSld>
@@ -25784,12 +25170,24 @@
           <a:lstStyle/>
           <a:p>
             <a:r>
-              <a:rPr lang="en-US" dirty="0" smtClean="0"/>
-              <a:t>Create a </a:t>
+              <a:rPr lang="en-US" dirty="0" err="1"/>
+              <a:t>h</a:t>
             </a:r>
             <a:r>
               <a:rPr lang="en-US" dirty="0" err="1" smtClean="0"/>
-              <a:t>TestDriver</a:t>
+              <a:t>ibernate.properties</a:t>
+            </a:r>
+            <a:r>
+              <a:rPr lang="en-US" dirty="0" smtClean="0"/>
+              <a:t> (exists under /</a:t>
+            </a:r>
+            <a:r>
+              <a:rPr lang="en-US" dirty="0" err="1" smtClean="0"/>
+              <a:t>src</a:t>
+            </a:r>
+            <a:r>
+              <a:rPr lang="en-US" dirty="0" smtClean="0"/>
+              <a:t>)</a:t>
             </a:r>
             <a:endParaRPr lang="en-US" dirty="0"/>
           </a:p>
@@ -25807,74 +25205,45 @@
         </p:nvSpPr>
         <p:spPr/>
         <p:txBody>
-          <a:bodyPr>
-            <a:normAutofit fontScale="92500" lnSpcReduction="10000"/>
-          </a:bodyPr>
-          <a:lstStyle/>
-          <a:p>
-            <a:r>
-              <a:rPr lang="en-US" dirty="0" smtClean="0"/>
-              <a:t>A lot of the magic is in: </a:t>
+          <a:bodyPr/>
+          <a:lstStyle/>
+          <a:p>
+            <a:r>
+              <a:rPr lang="en-US" dirty="0" err="1"/>
+              <a:t>hibernate.show_sql</a:t>
             </a:r>
             <a:r>
               <a:rPr lang="en-US" dirty="0"/>
-              <a:t>@</a:t>
-            </a:r>
-            <a:r>
-              <a:rPr lang="en-US" dirty="0" err="1" smtClean="0"/>
-              <a:t>EnableAutoConfiguration</a:t>
-            </a:r>
-            <a:endParaRPr lang="en-US" dirty="0" smtClean="0"/>
-          </a:p>
-          <a:p>
-            <a:r>
-              <a:rPr lang="en-US" dirty="0" smtClean="0"/>
-              <a:t>See: </a:t>
-            </a:r>
-            <a:r>
-              <a:rPr lang="en-US" dirty="0" err="1" smtClean="0"/>
-              <a:t>TestDriverWithInMemoryDB</a:t>
-            </a:r>
-            <a:endParaRPr lang="en-US" dirty="0" smtClean="0"/>
-          </a:p>
-          <a:p>
-            <a:r>
-              <a:rPr lang="en-US" dirty="0" smtClean="0"/>
-              <a:t>Run it …</a:t>
-            </a:r>
-          </a:p>
-          <a:p>
-            <a:r>
-              <a:rPr lang="en-US" dirty="0" smtClean="0"/>
-              <a:t>What just happened?  Well, first thing is that it created an in memory database</a:t>
-            </a:r>
-          </a:p>
-          <a:p>
-            <a:r>
-              <a:rPr lang="en-US" dirty="0" smtClean="0"/>
-              <a:t>Then a Table called Teacher</a:t>
-            </a:r>
-          </a:p>
-          <a:p>
-            <a:r>
-              <a:rPr lang="en-US" dirty="0" smtClean="0"/>
-              <a:t>And then an insert</a:t>
-            </a:r>
-          </a:p>
-          <a:p>
-            <a:r>
-              <a:rPr lang="en-US" dirty="0" smtClean="0"/>
-              <a:t>Prove it!!!  …  Sorry, no can </a:t>
-            </a:r>
-            <a:r>
-              <a:rPr lang="en-US" smtClean="0"/>
-              <a:t>do - that </a:t>
-            </a:r>
-            <a:r>
-              <a:rPr lang="en-US" dirty="0" smtClean="0"/>
-              <a:t>was an in memory DB</a:t>
-            </a:r>
-            <a:endParaRPr lang="en-US" dirty="0"/>
+              <a:t>=true</a:t>
+            </a:r>
+          </a:p>
+          <a:p>
+            <a:r>
+              <a:rPr lang="en-US" dirty="0" err="1"/>
+              <a:t>hibernate.format_sql</a:t>
+            </a:r>
+            <a:r>
+              <a:rPr lang="en-US" dirty="0"/>
+              <a:t>=true</a:t>
+            </a:r>
+          </a:p>
+          <a:p>
+            <a:r>
+              <a:rPr lang="en-US" dirty="0"/>
+              <a:t>#hibernate.hbm2ddl.auto=validate | update | create | create-drop</a:t>
+            </a:r>
+          </a:p>
+          <a:p>
+            <a:r>
+              <a:rPr lang="en-US" dirty="0"/>
+              <a:t>#hibernate.hbm2ddl.auto=update</a:t>
+            </a:r>
+          </a:p>
+          <a:p>
+            <a:r>
+              <a:rPr lang="en-US" dirty="0"/>
+              <a:t>hibernate.hbm2ddl.auto=create</a:t>
+            </a:r>
           </a:p>
         </p:txBody>
       </p:sp>
@@ -25910,7 +25279,7 @@
     </p:spTree>
     <p:extLst>
       <p:ext uri="{BB962C8B-B14F-4D97-AF65-F5344CB8AC3E}">
-        <p14:creationId xmlns:p14="http://schemas.microsoft.com/office/powerpoint/2010/main" val="37891769"/>
+        <p14:creationId xmlns:p14="http://schemas.microsoft.com/office/powerpoint/2010/main" val="3633679009"/>
       </p:ext>
     </p:extLst>
   </p:cSld>
@@ -25954,7 +25323,11 @@
           <a:p>
             <a:r>
               <a:rPr lang="en-US" dirty="0" smtClean="0"/>
-              <a:t>I know – let’s use MySQL!</a:t>
+              <a:t>Run </a:t>
+            </a:r>
+            <a:r>
+              <a:rPr lang="en-US" dirty="0" err="1"/>
+              <a:t>TestDriverWithMySQLDB</a:t>
             </a:r>
             <a:endParaRPr lang="en-US" dirty="0"/>
           </a:p>
@@ -25972,81 +25345,32 @@
         </p:nvSpPr>
         <p:spPr/>
         <p:txBody>
-          <a:bodyPr>
-            <a:normAutofit fontScale="85000" lnSpcReduction="20000"/>
-          </a:bodyPr>
-          <a:lstStyle/>
-          <a:p>
-            <a:r>
-              <a:rPr lang="en-US" dirty="0" smtClean="0"/>
-              <a:t>Via your browser, </a:t>
+          <a:bodyPr/>
+          <a:lstStyle/>
+          <a:p>
+            <a:r>
+              <a:rPr lang="en-US" dirty="0" smtClean="0"/>
+              <a:t>No errors right?</a:t>
+            </a:r>
+          </a:p>
+          <a:p>
+            <a:r>
+              <a:rPr lang="en-US" dirty="0" smtClean="0"/>
+              <a:t>But where did my data go?</a:t>
+            </a:r>
+          </a:p>
+          <a:p>
+            <a:r>
+              <a:rPr lang="en-US" dirty="0" smtClean="0"/>
+              <a:t>Well … let’s take a look at the </a:t>
             </a:r>
             <a:r>
               <a:rPr lang="en-US" dirty="0" err="1" smtClean="0"/>
-              <a:t>goto</a:t>
-            </a:r>
-            <a:r>
-              <a:rPr lang="en-US" dirty="0" smtClean="0"/>
-              <a:t>: </a:t>
-            </a:r>
-            <a:r>
-              <a:rPr lang="en-US" i="1" dirty="0" smtClean="0"/>
-              <a:t>freemysqlhosting.net</a:t>
-            </a:r>
-          </a:p>
-          <a:p>
-            <a:r>
-              <a:rPr lang="en-US" dirty="0" smtClean="0"/>
-              <a:t>(alright, I know, I know … its not hosted by BCIT) … but damn it – BCIT doesn’t use MySQL, they use a funny creature called SQL Server</a:t>
-            </a:r>
-          </a:p>
-          <a:p>
-            <a:r>
-              <a:rPr lang="en-US" dirty="0" smtClean="0"/>
-              <a:t>Alright, after you register, you’ll get a</a:t>
-            </a:r>
-          </a:p>
-          <a:p>
-            <a:pPr marL="582930" indent="-514350">
-              <a:buFont typeface="+mj-lt"/>
-              <a:buAutoNum type="arabicPeriod"/>
-            </a:pPr>
-            <a:r>
-              <a:rPr lang="en-US" dirty="0" smtClean="0"/>
-              <a:t>Hostname for your DB</a:t>
-            </a:r>
-          </a:p>
-          <a:p>
-            <a:pPr marL="582930" indent="-514350">
-              <a:buFont typeface="+mj-lt"/>
-              <a:buAutoNum type="arabicPeriod"/>
-            </a:pPr>
-            <a:r>
-              <a:rPr lang="en-US" dirty="0" smtClean="0"/>
-              <a:t>Username / password</a:t>
-            </a:r>
-          </a:p>
-          <a:p>
-            <a:pPr marL="582930" indent="-514350">
-              <a:buFont typeface="+mj-lt"/>
-              <a:buAutoNum type="arabicPeriod"/>
-            </a:pPr>
-            <a:r>
-              <a:rPr lang="en-US" dirty="0" smtClean="0"/>
-              <a:t>Database name</a:t>
-            </a:r>
-          </a:p>
-          <a:p>
-            <a:pPr marL="582930" indent="-514350">
-              <a:buFont typeface="+mj-lt"/>
-              <a:buAutoNum type="arabicPeriod"/>
-            </a:pPr>
-            <a:endParaRPr lang="en-US" dirty="0"/>
-          </a:p>
-          <a:p>
-            <a:r>
-              <a:rPr lang="en-US" dirty="0" smtClean="0"/>
-              <a:t>Convert that information you have above to an applicationContext.xml as is follows:</a:t>
+              <a:t>MySQLDB</a:t>
+            </a:r>
+            <a:r>
+              <a:rPr lang="en-US" dirty="0" smtClean="0"/>
+              <a:t> directly</a:t>
             </a:r>
             <a:endParaRPr lang="en-US" dirty="0"/>
           </a:p>
@@ -26084,7 +25408,7 @@
     </p:spTree>
     <p:extLst>
       <p:ext uri="{BB962C8B-B14F-4D97-AF65-F5344CB8AC3E}">
-        <p14:creationId xmlns:p14="http://schemas.microsoft.com/office/powerpoint/2010/main" val="3106512701"/>
+        <p14:creationId xmlns:p14="http://schemas.microsoft.com/office/powerpoint/2010/main" val="2614185090"/>
       </p:ext>
     </p:extLst>
   </p:cSld>
@@ -26127,233 +25451,15 @@
           <a:lstStyle/>
           <a:p>
             <a:r>
-              <a:rPr lang="en-US" dirty="0" smtClean="0"/>
-              <a:t>application.xml (as a direct child of the /</a:t>
-            </a:r>
-            <a:r>
-              <a:rPr lang="en-US" dirty="0" err="1" smtClean="0"/>
-              <a:t>src</a:t>
-            </a:r>
-            <a:r>
-              <a:rPr lang="en-US" dirty="0" smtClean="0"/>
-              <a:t> directory – no package)</a:t>
-            </a:r>
-            <a:endParaRPr lang="en-US" dirty="0"/>
-          </a:p>
-        </p:txBody>
-      </p:sp>
-      <p:sp>
-        <p:nvSpPr>
-          <p:cNvPr id="3" name="Content Placeholder 2"/>
-          <p:cNvSpPr>
-            <a:spLocks noGrp="1"/>
-          </p:cNvSpPr>
-          <p:nvPr>
-            <p:ph idx="1"/>
-          </p:nvPr>
-        </p:nvSpPr>
-        <p:spPr/>
-        <p:txBody>
-          <a:bodyPr>
-            <a:normAutofit fontScale="47500" lnSpcReduction="20000"/>
-          </a:bodyPr>
-          <a:lstStyle/>
-          <a:p>
-            <a:endParaRPr lang="en-US" dirty="0"/>
-          </a:p>
-          <a:p>
-            <a:r>
               <a:rPr lang="en-US" dirty="0"/>
-              <a:t>&lt;beans </a:t>
-            </a:r>
-            <a:r>
-              <a:rPr lang="en-US" dirty="0" err="1"/>
-              <a:t>xmlns</a:t>
-            </a:r>
-            <a:r>
+              <a:t>Browser view</a:t>
+            </a:r>
+            <a:br>
               <a:rPr lang="en-US" dirty="0"/>
-              <a:t>=</a:t>
-            </a:r>
-            <a:r>
-              <a:rPr lang="en-US" i="1" dirty="0"/>
-              <a:t>"http://www.springframework.org/schema/beans"</a:t>
-            </a:r>
-          </a:p>
-          <a:p>
-            <a:r>
-              <a:rPr lang="en-US" dirty="0" err="1"/>
-              <a:t>xmlns:jpa</a:t>
-            </a:r>
+            </a:br>
             <a:r>
               <a:rPr lang="en-US" dirty="0"/>
-              <a:t>=</a:t>
-            </a:r>
-            <a:r>
-              <a:rPr lang="en-US" i="1" dirty="0"/>
-              <a:t>"http://www.springframework.org/schema/data/jpa" </a:t>
-            </a:r>
-            <a:r>
-              <a:rPr lang="en-US" i="1" dirty="0" err="1"/>
-              <a:t>xmlns:xsi</a:t>
-            </a:r>
-            <a:r>
-              <a:rPr lang="en-US" i="1" dirty="0"/>
-              <a:t>="http://www.w3.org/2001/XMLSchema-instance"</a:t>
-            </a:r>
-          </a:p>
-          <a:p>
-            <a:r>
-              <a:rPr lang="en-US" dirty="0" err="1"/>
-              <a:t>xsi:schemaLocation</a:t>
-            </a:r>
-            <a:r>
-              <a:rPr lang="en-US" dirty="0"/>
-              <a:t>=</a:t>
-            </a:r>
-            <a:r>
-              <a:rPr lang="en-US" i="1" dirty="0"/>
-              <a:t>"http://www.springframework.org/schema/beans</a:t>
-            </a:r>
-          </a:p>
-          <a:p>
-            <a:r>
-              <a:rPr lang="en-US" i="1" dirty="0"/>
-              <a:t>http://www.springframework.org/schema/beans/spring-beans-2.5.xsd</a:t>
-            </a:r>
-          </a:p>
-          <a:p>
-            <a:r>
-              <a:rPr lang="en-US" i="1" dirty="0"/>
-              <a:t>http://www.springframework.org/schema/data/jpa</a:t>
-            </a:r>
-          </a:p>
-          <a:p>
-            <a:r>
-              <a:rPr lang="en-US" i="1" dirty="0"/>
-              <a:t>   http://www.springframework.org/schema/data/jpa/spring-jpa-1.0.xsd"&gt;</a:t>
-            </a:r>
-          </a:p>
-          <a:p>
-            <a:endParaRPr lang="en-US" dirty="0"/>
-          </a:p>
-          <a:p>
-            <a:r>
-              <a:rPr lang="en-US" dirty="0"/>
-              <a:t>&lt;bean id=</a:t>
-            </a:r>
-            <a:r>
-              <a:rPr lang="en-US" i="1" dirty="0"/>
-              <a:t>"</a:t>
-            </a:r>
-            <a:r>
-              <a:rPr lang="en-US" i="1" dirty="0" err="1"/>
-              <a:t>dataSource</a:t>
-            </a:r>
-            <a:r>
-              <a:rPr lang="en-US" i="1" dirty="0"/>
-              <a:t>" class="</a:t>
-            </a:r>
-            <a:r>
-              <a:rPr lang="en-US" i="1" dirty="0" err="1"/>
-              <a:t>org.springframework.jdbc.datasource.DriverManagerDataSource</a:t>
-            </a:r>
-            <a:r>
-              <a:rPr lang="en-US" i="1" dirty="0"/>
-              <a:t>"&gt;</a:t>
-            </a:r>
-          </a:p>
-          <a:p>
-            <a:r>
-              <a:rPr lang="en-US" dirty="0"/>
-              <a:t>&lt;property name=</a:t>
-            </a:r>
-            <a:r>
-              <a:rPr lang="en-US" i="1" dirty="0"/>
-              <a:t>"</a:t>
-            </a:r>
-            <a:r>
-              <a:rPr lang="en-US" i="1" dirty="0" err="1"/>
-              <a:t>driverClassName</a:t>
-            </a:r>
-            <a:r>
-              <a:rPr lang="en-US" i="1" dirty="0"/>
-              <a:t>" value="</a:t>
-            </a:r>
-            <a:r>
-              <a:rPr lang="en-US" i="1" dirty="0" err="1"/>
-              <a:t>com.mysql.jdbc.Driver</a:t>
-            </a:r>
-            <a:r>
-              <a:rPr lang="en-US" i="1" dirty="0"/>
-              <a:t>" /&gt;</a:t>
-            </a:r>
-          </a:p>
-          <a:p>
-            <a:r>
-              <a:rPr lang="en-US" dirty="0"/>
-              <a:t>&lt;property name=</a:t>
-            </a:r>
-            <a:r>
-              <a:rPr lang="en-US" i="1" dirty="0"/>
-              <a:t>"</a:t>
-            </a:r>
-            <a:r>
-              <a:rPr lang="en-US" i="1" dirty="0" err="1"/>
-              <a:t>url</a:t>
-            </a:r>
-            <a:r>
-              <a:rPr lang="en-US" i="1" dirty="0"/>
-              <a:t>"</a:t>
-            </a:r>
-          </a:p>
-          <a:p>
-            <a:r>
-              <a:rPr lang="en-US" dirty="0"/>
-              <a:t>value=</a:t>
-            </a:r>
-            <a:r>
-              <a:rPr lang="en-US" i="1" dirty="0"/>
-              <a:t>"</a:t>
-            </a:r>
-            <a:r>
-              <a:rPr lang="en-US" i="1" dirty="0" err="1"/>
-              <a:t>jdbc:mysql</a:t>
-            </a:r>
-            <a:r>
-              <a:rPr lang="en-US" i="1" dirty="0"/>
-              <a:t>://sql3.freemysqlhosting.net/sql340330" /&gt;</a:t>
-            </a:r>
-          </a:p>
-          <a:p>
-            <a:r>
-              <a:rPr lang="en-US" dirty="0"/>
-              <a:t>&lt;property name=</a:t>
-            </a:r>
-            <a:r>
-              <a:rPr lang="en-US" i="1" dirty="0"/>
-              <a:t>"username" value="sql340330" /&gt;</a:t>
-            </a:r>
-          </a:p>
-          <a:p>
-            <a:r>
-              <a:rPr lang="en-US" dirty="0"/>
-              <a:t>&lt;property name=</a:t>
-            </a:r>
-            <a:r>
-              <a:rPr lang="en-US" i="1" dirty="0"/>
-              <a:t>"password" value="dR5!xA3!" /&gt;</a:t>
-            </a:r>
-          </a:p>
-          <a:p>
-            <a:r>
-              <a:rPr lang="en-US" dirty="0"/>
-              <a:t>&lt;/bean&gt;</a:t>
-            </a:r>
-          </a:p>
-          <a:p>
-            <a:r>
-              <a:rPr lang="en-US" dirty="0"/>
-              <a:t>&lt;/beans&gt;</a:t>
+              <a:t>http://www.phpmyadmin.co/</a:t>
             </a:r>
           </a:p>
         </p:txBody>
@@ -26382,547 +25488,6 @@
                 <a:defRPr/>
               </a:pPr>
               <a:t>94</a:t>
-            </a:fld>
-            <a:endParaRPr lang="en-US"/>
-          </a:p>
-        </p:txBody>
-      </p:sp>
-    </p:spTree>
-    <p:extLst>
-      <p:ext uri="{BB962C8B-B14F-4D97-AF65-F5344CB8AC3E}">
-        <p14:creationId xmlns:p14="http://schemas.microsoft.com/office/powerpoint/2010/main" val="551329592"/>
-      </p:ext>
-    </p:extLst>
-  </p:cSld>
-  <p:clrMapOvr>
-    <a:masterClrMapping/>
-  </p:clrMapOvr>
-</p:sld>
-</file>
-
-<file path=ppt/slides/slide95.xml><?xml version="1.0" encoding="utf-8"?>
-<p:sld xmlns:a="http://schemas.openxmlformats.org/drawingml/2006/main" xmlns:r="http://schemas.openxmlformats.org/officeDocument/2006/relationships" xmlns:p="http://schemas.openxmlformats.org/presentationml/2006/main">
-  <p:cSld>
-    <p:spTree>
-      <p:nvGrpSpPr>
-        <p:cNvPr id="1" name=""/>
-        <p:cNvGrpSpPr/>
-        <p:nvPr/>
-      </p:nvGrpSpPr>
-      <p:grpSpPr>
-        <a:xfrm>
-          <a:off x="0" y="0"/>
-          <a:ext cx="0" cy="0"/>
-          <a:chOff x="0" y="0"/>
-          <a:chExt cx="0" cy="0"/>
-        </a:xfrm>
-      </p:grpSpPr>
-      <p:sp>
-        <p:nvSpPr>
-          <p:cNvPr id="2" name="Title 1"/>
-          <p:cNvSpPr>
-            <a:spLocks noGrp="1"/>
-          </p:cNvSpPr>
-          <p:nvPr>
-            <p:ph type="title"/>
-          </p:nvPr>
-        </p:nvSpPr>
-        <p:spPr/>
-        <p:txBody>
-          <a:bodyPr/>
-          <a:lstStyle/>
-          <a:p>
-            <a:r>
-              <a:rPr lang="en-US" dirty="0" smtClean="0"/>
-              <a:t>Create another Test Driver for </a:t>
-            </a:r>
-            <a:r>
-              <a:rPr lang="en-US" dirty="0" err="1" smtClean="0"/>
-              <a:t>MyDB</a:t>
-            </a:r>
-            <a:endParaRPr lang="en-US" dirty="0"/>
-          </a:p>
-        </p:txBody>
-      </p:sp>
-      <p:sp>
-        <p:nvSpPr>
-          <p:cNvPr id="3" name="Content Placeholder 2"/>
-          <p:cNvSpPr>
-            <a:spLocks noGrp="1"/>
-          </p:cNvSpPr>
-          <p:nvPr>
-            <p:ph idx="1"/>
-          </p:nvPr>
-        </p:nvSpPr>
-        <p:spPr/>
-        <p:txBody>
-          <a:bodyPr>
-            <a:normAutofit fontScale="85000" lnSpcReduction="20000"/>
-          </a:bodyPr>
-          <a:lstStyle/>
-          <a:p>
-            <a:r>
-              <a:rPr lang="en-US" dirty="0" smtClean="0"/>
-              <a:t>See: </a:t>
-            </a:r>
-            <a:r>
-              <a:rPr lang="en-US" dirty="0" err="1" smtClean="0"/>
-              <a:t>TestDriverWithMySQLDB</a:t>
-            </a:r>
-            <a:endParaRPr lang="en-US" dirty="0" smtClean="0"/>
-          </a:p>
-          <a:p>
-            <a:r>
-              <a:rPr lang="en-US" dirty="0" smtClean="0"/>
-              <a:t>You’ll most likely get a </a:t>
-            </a:r>
-            <a:r>
-              <a:rPr lang="en-US" dirty="0"/>
-              <a:t>Caused by: </a:t>
-            </a:r>
-            <a:r>
-              <a:rPr lang="en-US" u="sng" dirty="0"/>
-              <a:t>com.mysql.jdbc.exceptions.jdbc4.MySQLSyntaxErrorException: Table 'sql340330.teacher' doesn't </a:t>
-            </a:r>
-            <a:r>
-              <a:rPr lang="en-US" u="sng" dirty="0" smtClean="0"/>
-              <a:t>exist</a:t>
-            </a:r>
-          </a:p>
-          <a:p>
-            <a:r>
-              <a:rPr lang="en-US" dirty="0" smtClean="0"/>
-              <a:t>If you get that error, you’ll have to modify </a:t>
-            </a:r>
-            <a:r>
-              <a:rPr lang="en-US" dirty="0" err="1" smtClean="0"/>
-              <a:t>hibernate.properties</a:t>
-            </a:r>
-            <a:endParaRPr lang="en-US" dirty="0"/>
-          </a:p>
-          <a:p>
-            <a:r>
-              <a:rPr lang="en-US" dirty="0" smtClean="0"/>
-              <a:t>Hibernate is *an* implementation to JPA that Spring Data uses.  JPA == API.  Spring Data == framework </a:t>
-            </a:r>
-            <a:r>
-              <a:rPr lang="en-US" dirty="0" err="1" smtClean="0"/>
-              <a:t>impl</a:t>
-            </a:r>
-            <a:r>
-              <a:rPr lang="en-US" dirty="0" smtClean="0"/>
-              <a:t>.  Hibernate == framework within Spring Data.</a:t>
-            </a:r>
-          </a:p>
-          <a:p>
-            <a:r>
-              <a:rPr lang="en-US" dirty="0" smtClean="0"/>
-              <a:t>Problem with so much Annotation magic is that every now and then something goes wrong.  Fortunately, this </a:t>
-            </a:r>
-            <a:r>
-              <a:rPr lang="en-US" dirty="0" err="1" smtClean="0"/>
-              <a:t>hibernate.properties</a:t>
-            </a:r>
-            <a:r>
-              <a:rPr lang="en-US" dirty="0" smtClean="0"/>
-              <a:t> fix is easy</a:t>
-            </a:r>
-          </a:p>
-        </p:txBody>
-      </p:sp>
-      <p:sp>
-        <p:nvSpPr>
-          <p:cNvPr id="4" name="Slide Number Placeholder 3"/>
-          <p:cNvSpPr>
-            <a:spLocks noGrp="1"/>
-          </p:cNvSpPr>
-          <p:nvPr>
-            <p:ph type="sldNum" sz="quarter" idx="12"/>
-          </p:nvPr>
-        </p:nvSpPr>
-        <p:spPr/>
-        <p:txBody>
-          <a:bodyPr/>
-          <a:lstStyle/>
-          <a:p>
-            <a:pPr>
-              <a:defRPr/>
-            </a:pPr>
-            <a:fld id="{8B8B984A-5AFF-7643-AE60-6D8D11294076}" type="slidenum">
-              <a:rPr lang="en-US" smtClean="0"/>
-              <a:pPr>
-                <a:defRPr/>
-              </a:pPr>
-              <a:t>95</a:t>
-            </a:fld>
-            <a:endParaRPr lang="en-US"/>
-          </a:p>
-        </p:txBody>
-      </p:sp>
-    </p:spTree>
-    <p:extLst>
-      <p:ext uri="{BB962C8B-B14F-4D97-AF65-F5344CB8AC3E}">
-        <p14:creationId xmlns:p14="http://schemas.microsoft.com/office/powerpoint/2010/main" val="3864201953"/>
-      </p:ext>
-    </p:extLst>
-  </p:cSld>
-  <p:clrMapOvr>
-    <a:masterClrMapping/>
-  </p:clrMapOvr>
-</p:sld>
-</file>
-
-<file path=ppt/slides/slide96.xml><?xml version="1.0" encoding="utf-8"?>
-<p:sld xmlns:a="http://schemas.openxmlformats.org/drawingml/2006/main" xmlns:r="http://schemas.openxmlformats.org/officeDocument/2006/relationships" xmlns:p="http://schemas.openxmlformats.org/presentationml/2006/main">
-  <p:cSld>
-    <p:spTree>
-      <p:nvGrpSpPr>
-        <p:cNvPr id="1" name=""/>
-        <p:cNvGrpSpPr/>
-        <p:nvPr/>
-      </p:nvGrpSpPr>
-      <p:grpSpPr>
-        <a:xfrm>
-          <a:off x="0" y="0"/>
-          <a:ext cx="0" cy="0"/>
-          <a:chOff x="0" y="0"/>
-          <a:chExt cx="0" cy="0"/>
-        </a:xfrm>
-      </p:grpSpPr>
-      <p:sp>
-        <p:nvSpPr>
-          <p:cNvPr id="2" name="Title 1"/>
-          <p:cNvSpPr>
-            <a:spLocks noGrp="1"/>
-          </p:cNvSpPr>
-          <p:nvPr>
-            <p:ph type="title"/>
-          </p:nvPr>
-        </p:nvSpPr>
-        <p:spPr/>
-        <p:txBody>
-          <a:bodyPr/>
-          <a:lstStyle/>
-          <a:p>
-            <a:r>
-              <a:rPr lang="en-US" dirty="0" err="1"/>
-              <a:t>h</a:t>
-            </a:r>
-            <a:r>
-              <a:rPr lang="en-US" dirty="0" err="1" smtClean="0"/>
-              <a:t>ibernate.properties</a:t>
-            </a:r>
-            <a:r>
-              <a:rPr lang="en-US" dirty="0" smtClean="0"/>
-              <a:t> (exists under /</a:t>
-            </a:r>
-            <a:r>
-              <a:rPr lang="en-US" dirty="0" err="1" smtClean="0"/>
-              <a:t>src</a:t>
-            </a:r>
-            <a:r>
-              <a:rPr lang="en-US" dirty="0" smtClean="0"/>
-              <a:t>)</a:t>
-            </a:r>
-            <a:endParaRPr lang="en-US" dirty="0"/>
-          </a:p>
-        </p:txBody>
-      </p:sp>
-      <p:sp>
-        <p:nvSpPr>
-          <p:cNvPr id="3" name="Content Placeholder 2"/>
-          <p:cNvSpPr>
-            <a:spLocks noGrp="1"/>
-          </p:cNvSpPr>
-          <p:nvPr>
-            <p:ph idx="1"/>
-          </p:nvPr>
-        </p:nvSpPr>
-        <p:spPr/>
-        <p:txBody>
-          <a:bodyPr/>
-          <a:lstStyle/>
-          <a:p>
-            <a:r>
-              <a:rPr lang="en-US" dirty="0" err="1"/>
-              <a:t>hibernate.show_sql</a:t>
-            </a:r>
-            <a:r>
-              <a:rPr lang="en-US" dirty="0"/>
-              <a:t>=true</a:t>
-            </a:r>
-          </a:p>
-          <a:p>
-            <a:r>
-              <a:rPr lang="en-US" dirty="0" err="1"/>
-              <a:t>hibernate.format_sql</a:t>
-            </a:r>
-            <a:r>
-              <a:rPr lang="en-US" dirty="0"/>
-              <a:t>=true</a:t>
-            </a:r>
-          </a:p>
-          <a:p>
-            <a:r>
-              <a:rPr lang="en-US" dirty="0"/>
-              <a:t>#hibernate.hbm2ddl.auto=validate | update | create | create-drop</a:t>
-            </a:r>
-          </a:p>
-          <a:p>
-            <a:r>
-              <a:rPr lang="en-US" dirty="0"/>
-              <a:t>#hibernate.hbm2ddl.auto=update</a:t>
-            </a:r>
-          </a:p>
-          <a:p>
-            <a:r>
-              <a:rPr lang="en-US" dirty="0"/>
-              <a:t>hibernate.hbm2ddl.auto=create</a:t>
-            </a:r>
-          </a:p>
-        </p:txBody>
-      </p:sp>
-      <p:sp>
-        <p:nvSpPr>
-          <p:cNvPr id="4" name="Slide Number Placeholder 3"/>
-          <p:cNvSpPr>
-            <a:spLocks noGrp="1"/>
-          </p:cNvSpPr>
-          <p:nvPr>
-            <p:ph type="sldNum" sz="quarter" idx="12"/>
-          </p:nvPr>
-        </p:nvSpPr>
-        <p:spPr/>
-        <p:txBody>
-          <a:bodyPr/>
-          <a:lstStyle/>
-          <a:p>
-            <a:pPr>
-              <a:defRPr/>
-            </a:pPr>
-            <a:fld id="{8B8B984A-5AFF-7643-AE60-6D8D11294076}" type="slidenum">
-              <a:rPr lang="en-US" smtClean="0"/>
-              <a:pPr>
-                <a:defRPr/>
-              </a:pPr>
-              <a:t>96</a:t>
-            </a:fld>
-            <a:endParaRPr lang="en-US"/>
-          </a:p>
-        </p:txBody>
-      </p:sp>
-    </p:spTree>
-    <p:extLst>
-      <p:ext uri="{BB962C8B-B14F-4D97-AF65-F5344CB8AC3E}">
-        <p14:creationId xmlns:p14="http://schemas.microsoft.com/office/powerpoint/2010/main" val="3633679009"/>
-      </p:ext>
-    </p:extLst>
-  </p:cSld>
-  <p:clrMapOvr>
-    <a:masterClrMapping/>
-  </p:clrMapOvr>
-</p:sld>
-</file>
-
-<file path=ppt/slides/slide97.xml><?xml version="1.0" encoding="utf-8"?>
-<p:sld xmlns:a="http://schemas.openxmlformats.org/drawingml/2006/main" xmlns:r="http://schemas.openxmlformats.org/officeDocument/2006/relationships" xmlns:p="http://schemas.openxmlformats.org/presentationml/2006/main">
-  <p:cSld>
-    <p:spTree>
-      <p:nvGrpSpPr>
-        <p:cNvPr id="1" name=""/>
-        <p:cNvGrpSpPr/>
-        <p:nvPr/>
-      </p:nvGrpSpPr>
-      <p:grpSpPr>
-        <a:xfrm>
-          <a:off x="0" y="0"/>
-          <a:ext cx="0" cy="0"/>
-          <a:chOff x="0" y="0"/>
-          <a:chExt cx="0" cy="0"/>
-        </a:xfrm>
-      </p:grpSpPr>
-      <p:sp>
-        <p:nvSpPr>
-          <p:cNvPr id="2" name="Title 1"/>
-          <p:cNvSpPr>
-            <a:spLocks noGrp="1"/>
-          </p:cNvSpPr>
-          <p:nvPr>
-            <p:ph type="title"/>
-          </p:nvPr>
-        </p:nvSpPr>
-        <p:spPr/>
-        <p:txBody>
-          <a:bodyPr/>
-          <a:lstStyle/>
-          <a:p>
-            <a:r>
-              <a:rPr lang="en-US" dirty="0" smtClean="0"/>
-              <a:t>Run </a:t>
-            </a:r>
-            <a:r>
-              <a:rPr lang="en-US" dirty="0" err="1"/>
-              <a:t>TestDriverWithMySQLDB</a:t>
-            </a:r>
-            <a:endParaRPr lang="en-US" dirty="0"/>
-          </a:p>
-        </p:txBody>
-      </p:sp>
-      <p:sp>
-        <p:nvSpPr>
-          <p:cNvPr id="3" name="Content Placeholder 2"/>
-          <p:cNvSpPr>
-            <a:spLocks noGrp="1"/>
-          </p:cNvSpPr>
-          <p:nvPr>
-            <p:ph idx="1"/>
-          </p:nvPr>
-        </p:nvSpPr>
-        <p:spPr/>
-        <p:txBody>
-          <a:bodyPr/>
-          <a:lstStyle/>
-          <a:p>
-            <a:r>
-              <a:rPr lang="en-US" dirty="0" smtClean="0"/>
-              <a:t>No errors right?</a:t>
-            </a:r>
-          </a:p>
-          <a:p>
-            <a:r>
-              <a:rPr lang="en-US" dirty="0" smtClean="0"/>
-              <a:t>But where did my data go?</a:t>
-            </a:r>
-          </a:p>
-          <a:p>
-            <a:r>
-              <a:rPr lang="en-US" dirty="0" smtClean="0"/>
-              <a:t>Well … let’s take a look at the </a:t>
-            </a:r>
-            <a:r>
-              <a:rPr lang="en-US" dirty="0" err="1" smtClean="0"/>
-              <a:t>MySQLDB</a:t>
-            </a:r>
-            <a:r>
-              <a:rPr lang="en-US" dirty="0" smtClean="0"/>
-              <a:t> directly</a:t>
-            </a:r>
-            <a:endParaRPr lang="en-US" dirty="0"/>
-          </a:p>
-        </p:txBody>
-      </p:sp>
-      <p:sp>
-        <p:nvSpPr>
-          <p:cNvPr id="4" name="Slide Number Placeholder 3"/>
-          <p:cNvSpPr>
-            <a:spLocks noGrp="1"/>
-          </p:cNvSpPr>
-          <p:nvPr>
-            <p:ph type="sldNum" sz="quarter" idx="12"/>
-          </p:nvPr>
-        </p:nvSpPr>
-        <p:spPr/>
-        <p:txBody>
-          <a:bodyPr/>
-          <a:lstStyle/>
-          <a:p>
-            <a:pPr>
-              <a:defRPr/>
-            </a:pPr>
-            <a:fld id="{8B8B984A-5AFF-7643-AE60-6D8D11294076}" type="slidenum">
-              <a:rPr lang="en-US" smtClean="0"/>
-              <a:pPr>
-                <a:defRPr/>
-              </a:pPr>
-              <a:t>97</a:t>
-            </a:fld>
-            <a:endParaRPr lang="en-US"/>
-          </a:p>
-        </p:txBody>
-      </p:sp>
-    </p:spTree>
-    <p:extLst>
-      <p:ext uri="{BB962C8B-B14F-4D97-AF65-F5344CB8AC3E}">
-        <p14:creationId xmlns:p14="http://schemas.microsoft.com/office/powerpoint/2010/main" val="2614185090"/>
-      </p:ext>
-    </p:extLst>
-  </p:cSld>
-  <p:clrMapOvr>
-    <a:masterClrMapping/>
-  </p:clrMapOvr>
-</p:sld>
-</file>
-
-<file path=ppt/slides/slide98.xml><?xml version="1.0" encoding="utf-8"?>
-<p:sld xmlns:a="http://schemas.openxmlformats.org/drawingml/2006/main" xmlns:r="http://schemas.openxmlformats.org/officeDocument/2006/relationships" xmlns:p="http://schemas.openxmlformats.org/presentationml/2006/main">
-  <p:cSld>
-    <p:spTree>
-      <p:nvGrpSpPr>
-        <p:cNvPr id="1" name=""/>
-        <p:cNvGrpSpPr/>
-        <p:nvPr/>
-      </p:nvGrpSpPr>
-      <p:grpSpPr>
-        <a:xfrm>
-          <a:off x="0" y="0"/>
-          <a:ext cx="0" cy="0"/>
-          <a:chOff x="0" y="0"/>
-          <a:chExt cx="0" cy="0"/>
-        </a:xfrm>
-      </p:grpSpPr>
-      <p:sp>
-        <p:nvSpPr>
-          <p:cNvPr id="2" name="Title 1"/>
-          <p:cNvSpPr>
-            <a:spLocks noGrp="1"/>
-          </p:cNvSpPr>
-          <p:nvPr>
-            <p:ph type="title"/>
-          </p:nvPr>
-        </p:nvSpPr>
-        <p:spPr/>
-        <p:txBody>
-          <a:bodyPr/>
-          <a:lstStyle/>
-          <a:p>
-            <a:r>
-              <a:rPr lang="en-US" dirty="0"/>
-              <a:t>Browser view</a:t>
-            </a:r>
-            <a:br>
-              <a:rPr lang="en-US" dirty="0"/>
-            </a:br>
-            <a:r>
-              <a:rPr lang="en-US" dirty="0"/>
-              <a:t>http://www.phpmyadmin.co/</a:t>
-            </a:r>
-          </a:p>
-        </p:txBody>
-      </p:sp>
-      <p:sp>
-        <p:nvSpPr>
-          <p:cNvPr id="4" name="Slide Number Placeholder 3"/>
-          <p:cNvSpPr>
-            <a:spLocks noGrp="1"/>
-          </p:cNvSpPr>
-          <p:nvPr>
-            <p:ph type="sldNum" sz="quarter" idx="12"/>
-          </p:nvPr>
-        </p:nvSpPr>
-        <p:spPr/>
-        <p:txBody>
-          <a:bodyPr/>
-          <a:lstStyle/>
-          <a:p>
-            <a:pPr>
-              <a:defRPr/>
-            </a:pPr>
-            <a:fld id="{8B8B984A-5AFF-7643-AE60-6D8D11294076}" type="slidenum">
-              <a:rPr lang="en-US" smtClean="0"/>
-              <a:pPr>
-                <a:defRPr/>
-              </a:pPr>
-              <a:t>98</a:t>
             </a:fld>
             <a:endParaRPr lang="en-US"/>
           </a:p>
@@ -27007,7 +25572,7 @@
 </p:sld>
 </file>
 
-<file path=ppt/slides/slide99.xml><?xml version="1.0" encoding="utf-8"?>
+<file path=ppt/slides/slide95.xml><?xml version="1.0" encoding="utf-8"?>
 <p:sld xmlns:a="http://schemas.openxmlformats.org/drawingml/2006/main" xmlns:r="http://schemas.openxmlformats.org/officeDocument/2006/relationships" xmlns:p="http://schemas.openxmlformats.org/presentationml/2006/main">
   <p:cSld>
     <p:spTree>
@@ -27139,7 +25704,7 @@
               <a:pPr>
                 <a:defRPr/>
               </a:pPr>
-              <a:t>99</a:t>
+              <a:t>95</a:t>
             </a:fld>
             <a:endParaRPr lang="en-US"/>
           </a:p>
@@ -27173,6 +25738,577 @@
     <p:extLst>
       <p:ext uri="{BB962C8B-B14F-4D97-AF65-F5344CB8AC3E}">
         <p14:creationId xmlns:p14="http://schemas.microsoft.com/office/powerpoint/2010/main" val="2369131577"/>
+      </p:ext>
+    </p:extLst>
+  </p:cSld>
+  <p:clrMapOvr>
+    <a:masterClrMapping/>
+  </p:clrMapOvr>
+</p:sld>
+</file>
+
+<file path=ppt/slides/slide96.xml><?xml version="1.0" encoding="utf-8"?>
+<p:sld xmlns:a="http://schemas.openxmlformats.org/drawingml/2006/main" xmlns:r="http://schemas.openxmlformats.org/officeDocument/2006/relationships" xmlns:p="http://schemas.openxmlformats.org/presentationml/2006/main">
+  <p:cSld>
+    <p:spTree>
+      <p:nvGrpSpPr>
+        <p:cNvPr id="1" name=""/>
+        <p:cNvGrpSpPr/>
+        <p:nvPr/>
+      </p:nvGrpSpPr>
+      <p:grpSpPr>
+        <a:xfrm>
+          <a:off x="0" y="0"/>
+          <a:ext cx="0" cy="0"/>
+          <a:chOff x="0" y="0"/>
+          <a:chExt cx="0" cy="0"/>
+        </a:xfrm>
+      </p:grpSpPr>
+      <p:sp>
+        <p:nvSpPr>
+          <p:cNvPr id="2" name="Title 1"/>
+          <p:cNvSpPr>
+            <a:spLocks noGrp="1"/>
+          </p:cNvSpPr>
+          <p:nvPr>
+            <p:ph type="title"/>
+          </p:nvPr>
+        </p:nvSpPr>
+        <p:spPr/>
+        <p:txBody>
+          <a:bodyPr/>
+          <a:lstStyle/>
+          <a:p>
+            <a:r>
+              <a:rPr lang="en-US" dirty="0" smtClean="0"/>
+              <a:t>And see if your new row is inserted</a:t>
+            </a:r>
+            <a:endParaRPr lang="en-US" dirty="0"/>
+          </a:p>
+        </p:txBody>
+      </p:sp>
+      <p:pic>
+        <p:nvPicPr>
+          <p:cNvPr id="5" name="Content Placeholder 4"/>
+          <p:cNvPicPr>
+            <a:picLocks noGrp="1" noChangeAspect="1"/>
+          </p:cNvPicPr>
+          <p:nvPr>
+            <p:ph idx="1"/>
+          </p:nvPr>
+        </p:nvPicPr>
+        <p:blipFill>
+          <a:blip r:embed="rId2"/>
+          <a:stretch>
+            <a:fillRect/>
+          </a:stretch>
+        </p:blipFill>
+        <p:spPr>
+          <a:xfrm>
+            <a:off x="1531144" y="1784350"/>
+            <a:ext cx="6096000" cy="4572000"/>
+          </a:xfrm>
+          <a:prstGeom prst="rect">
+            <a:avLst/>
+          </a:prstGeom>
+        </p:spPr>
+      </p:pic>
+      <p:sp>
+        <p:nvSpPr>
+          <p:cNvPr id="4" name="Slide Number Placeholder 3"/>
+          <p:cNvSpPr>
+            <a:spLocks noGrp="1"/>
+          </p:cNvSpPr>
+          <p:nvPr>
+            <p:ph type="sldNum" sz="quarter" idx="12"/>
+          </p:nvPr>
+        </p:nvSpPr>
+        <p:spPr/>
+        <p:txBody>
+          <a:bodyPr/>
+          <a:lstStyle/>
+          <a:p>
+            <a:pPr>
+              <a:defRPr/>
+            </a:pPr>
+            <a:fld id="{8B8B984A-5AFF-7643-AE60-6D8D11294076}" type="slidenum">
+              <a:rPr lang="en-US" smtClean="0"/>
+              <a:pPr>
+                <a:defRPr/>
+              </a:pPr>
+              <a:t>96</a:t>
+            </a:fld>
+            <a:endParaRPr lang="en-US"/>
+          </a:p>
+        </p:txBody>
+      </p:sp>
+    </p:spTree>
+    <p:extLst>
+      <p:ext uri="{BB962C8B-B14F-4D97-AF65-F5344CB8AC3E}">
+        <p14:creationId xmlns:p14="http://schemas.microsoft.com/office/powerpoint/2010/main" val="3091410012"/>
+      </p:ext>
+    </p:extLst>
+  </p:cSld>
+  <p:clrMapOvr>
+    <a:masterClrMapping/>
+  </p:clrMapOvr>
+</p:sld>
+</file>
+
+<file path=ppt/slides/slide97.xml><?xml version="1.0" encoding="utf-8"?>
+<p:sld xmlns:a="http://schemas.openxmlformats.org/drawingml/2006/main" xmlns:r="http://schemas.openxmlformats.org/officeDocument/2006/relationships" xmlns:p="http://schemas.openxmlformats.org/presentationml/2006/main">
+  <p:cSld>
+    <p:spTree>
+      <p:nvGrpSpPr>
+        <p:cNvPr id="1" name=""/>
+        <p:cNvGrpSpPr/>
+        <p:nvPr/>
+      </p:nvGrpSpPr>
+      <p:grpSpPr>
+        <a:xfrm>
+          <a:off x="0" y="0"/>
+          <a:ext cx="0" cy="0"/>
+          <a:chOff x="0" y="0"/>
+          <a:chExt cx="0" cy="0"/>
+        </a:xfrm>
+      </p:grpSpPr>
+      <p:sp>
+        <p:nvSpPr>
+          <p:cNvPr id="2" name="Title 1"/>
+          <p:cNvSpPr>
+            <a:spLocks noGrp="1"/>
+          </p:cNvSpPr>
+          <p:nvPr>
+            <p:ph type="title"/>
+          </p:nvPr>
+        </p:nvSpPr>
+        <p:spPr/>
+        <p:txBody>
+          <a:bodyPr/>
+          <a:lstStyle/>
+          <a:p>
+            <a:r>
+              <a:rPr lang="en-US" dirty="0" smtClean="0"/>
+              <a:t>DB relationships (</a:t>
+            </a:r>
+            <a:r>
+              <a:rPr lang="en-US" dirty="0" err="1" smtClean="0"/>
+              <a:t>cont</a:t>
+            </a:r>
+            <a:r>
+              <a:rPr lang="en-US" dirty="0" smtClean="0"/>
+              <a:t>)</a:t>
+            </a:r>
+            <a:endParaRPr lang="en-US" dirty="0"/>
+          </a:p>
+        </p:txBody>
+      </p:sp>
+      <p:sp>
+        <p:nvSpPr>
+          <p:cNvPr id="3" name="Content Placeholder 2"/>
+          <p:cNvSpPr>
+            <a:spLocks noGrp="1"/>
+          </p:cNvSpPr>
+          <p:nvPr>
+            <p:ph idx="1"/>
+          </p:nvPr>
+        </p:nvSpPr>
+        <p:spPr/>
+        <p:txBody>
+          <a:bodyPr/>
+          <a:lstStyle/>
+          <a:p>
+            <a:r>
+              <a:rPr lang="en-US" dirty="0" smtClean="0"/>
+              <a:t>See: </a:t>
+            </a:r>
+            <a:r>
+              <a:rPr lang="en-US" dirty="0" err="1" smtClean="0"/>
+              <a:t>TestDriverInsertsWithMySQLDB</a:t>
+            </a:r>
+            <a:endParaRPr lang="en-US" dirty="0" smtClean="0"/>
+          </a:p>
+          <a:p>
+            <a:r>
+              <a:rPr lang="en-US" dirty="0" smtClean="0"/>
+              <a:t>See: </a:t>
+            </a:r>
+            <a:r>
+              <a:rPr lang="en-US" dirty="0" err="1" smtClean="0"/>
+              <a:t>TestDriverSearchesWithMySQLDB</a:t>
+            </a:r>
+            <a:endParaRPr lang="en-US" dirty="0"/>
+          </a:p>
+        </p:txBody>
+      </p:sp>
+      <p:sp>
+        <p:nvSpPr>
+          <p:cNvPr id="4" name="Slide Number Placeholder 3"/>
+          <p:cNvSpPr>
+            <a:spLocks noGrp="1"/>
+          </p:cNvSpPr>
+          <p:nvPr>
+            <p:ph type="sldNum" sz="quarter" idx="12"/>
+          </p:nvPr>
+        </p:nvSpPr>
+        <p:spPr/>
+        <p:txBody>
+          <a:bodyPr/>
+          <a:lstStyle/>
+          <a:p>
+            <a:pPr>
+              <a:defRPr/>
+            </a:pPr>
+            <a:fld id="{8B8B984A-5AFF-7643-AE60-6D8D11294076}" type="slidenum">
+              <a:rPr lang="en-US" smtClean="0"/>
+              <a:pPr>
+                <a:defRPr/>
+              </a:pPr>
+              <a:t>97</a:t>
+            </a:fld>
+            <a:endParaRPr lang="en-US"/>
+          </a:p>
+        </p:txBody>
+      </p:sp>
+    </p:spTree>
+    <p:extLst>
+      <p:ext uri="{BB962C8B-B14F-4D97-AF65-F5344CB8AC3E}">
+        <p14:creationId xmlns:p14="http://schemas.microsoft.com/office/powerpoint/2010/main" val="2656205412"/>
+      </p:ext>
+    </p:extLst>
+  </p:cSld>
+  <p:clrMapOvr>
+    <a:masterClrMapping/>
+  </p:clrMapOvr>
+</p:sld>
+</file>
+
+<file path=ppt/slides/slide98.xml><?xml version="1.0" encoding="utf-8"?>
+<p:sld xmlns:a="http://schemas.openxmlformats.org/drawingml/2006/main" xmlns:r="http://schemas.openxmlformats.org/officeDocument/2006/relationships" xmlns:p="http://schemas.openxmlformats.org/presentationml/2006/main">
+  <p:cSld>
+    <p:spTree>
+      <p:nvGrpSpPr>
+        <p:cNvPr id="1" name=""/>
+        <p:cNvGrpSpPr/>
+        <p:nvPr/>
+      </p:nvGrpSpPr>
+      <p:grpSpPr>
+        <a:xfrm>
+          <a:off x="0" y="0"/>
+          <a:ext cx="0" cy="0"/>
+          <a:chOff x="0" y="0"/>
+          <a:chExt cx="0" cy="0"/>
+        </a:xfrm>
+      </p:grpSpPr>
+      <p:sp>
+        <p:nvSpPr>
+          <p:cNvPr id="2" name="Title 1"/>
+          <p:cNvSpPr>
+            <a:spLocks noGrp="1"/>
+          </p:cNvSpPr>
+          <p:nvPr>
+            <p:ph type="title"/>
+          </p:nvPr>
+        </p:nvSpPr>
+        <p:spPr/>
+        <p:txBody>
+          <a:bodyPr/>
+          <a:lstStyle/>
+          <a:p>
+            <a:r>
+              <a:rPr lang="en-US" dirty="0" smtClean="0"/>
+              <a:t>What can go wrong?</a:t>
+            </a:r>
+            <a:endParaRPr lang="en-US" dirty="0"/>
+          </a:p>
+        </p:txBody>
+      </p:sp>
+      <p:sp>
+        <p:nvSpPr>
+          <p:cNvPr id="3" name="Content Placeholder 2"/>
+          <p:cNvSpPr>
+            <a:spLocks noGrp="1"/>
+          </p:cNvSpPr>
+          <p:nvPr>
+            <p:ph idx="1"/>
+          </p:nvPr>
+        </p:nvSpPr>
+        <p:spPr/>
+        <p:txBody>
+          <a:bodyPr>
+            <a:normAutofit fontScale="77500" lnSpcReduction="20000"/>
+          </a:bodyPr>
+          <a:lstStyle/>
+          <a:p>
+            <a:r>
+              <a:rPr lang="en-US" dirty="0" smtClean="0"/>
+              <a:t>When playing around with power magic, you can get burned pretty fast.  Or if you’re a fan of </a:t>
+            </a:r>
+            <a:r>
+              <a:rPr lang="en-US" dirty="0" err="1" smtClean="0"/>
+              <a:t>spiderman</a:t>
+            </a:r>
+            <a:r>
+              <a:rPr lang="en-US" dirty="0"/>
+              <a:t>:</a:t>
+            </a:r>
+            <a:r>
+              <a:rPr lang="en-US" dirty="0" smtClean="0"/>
+              <a:t> </a:t>
+            </a:r>
+            <a:r>
+              <a:rPr lang="en-US" b="1" dirty="0"/>
+              <a:t>With great power, comes great </a:t>
+            </a:r>
+            <a:r>
+              <a:rPr lang="en-US" b="1" dirty="0" smtClean="0"/>
+              <a:t>responsibility.  JPA / Spring Data / Hibernate is one of the most powerful features (if not the most powerful feature) of </a:t>
+            </a:r>
+            <a:r>
+              <a:rPr lang="en-US" b="1" dirty="0" err="1" smtClean="0"/>
+              <a:t>JavaEE</a:t>
+            </a:r>
+            <a:r>
+              <a:rPr lang="en-US" b="1" dirty="0" smtClean="0"/>
+              <a:t>.  If you learn to master this, you’ll see other design patterns (which are annotations-based) come to play. </a:t>
+            </a:r>
+            <a:endParaRPr lang="en-US" dirty="0" smtClean="0"/>
+          </a:p>
+          <a:p>
+            <a:r>
+              <a:rPr lang="en-US" dirty="0" smtClean="0"/>
+              <a:t>Make sure to commit your code often when it is in a stable state</a:t>
+            </a:r>
+          </a:p>
+          <a:p>
+            <a:r>
+              <a:rPr lang="en-US" dirty="0" smtClean="0"/>
+              <a:t>If you Java Model class is out of sync with the DB, then go to your DB and drop the tables</a:t>
+            </a:r>
+          </a:p>
+          <a:p>
+            <a:r>
+              <a:rPr lang="en-US" dirty="0" smtClean="0"/>
+              <a:t>Play around with the hibernate.hbm2ddl.auto field in </a:t>
+            </a:r>
+            <a:r>
+              <a:rPr lang="en-US" dirty="0" err="1" smtClean="0"/>
+              <a:t>hibernate.properties</a:t>
+            </a:r>
+            <a:endParaRPr lang="en-US" dirty="0"/>
+          </a:p>
+        </p:txBody>
+      </p:sp>
+      <p:sp>
+        <p:nvSpPr>
+          <p:cNvPr id="4" name="Slide Number Placeholder 3"/>
+          <p:cNvSpPr>
+            <a:spLocks noGrp="1"/>
+          </p:cNvSpPr>
+          <p:nvPr>
+            <p:ph type="sldNum" sz="quarter" idx="12"/>
+          </p:nvPr>
+        </p:nvSpPr>
+        <p:spPr/>
+        <p:txBody>
+          <a:bodyPr/>
+          <a:lstStyle/>
+          <a:p>
+            <a:pPr>
+              <a:defRPr/>
+            </a:pPr>
+            <a:fld id="{8B8B984A-5AFF-7643-AE60-6D8D11294076}" type="slidenum">
+              <a:rPr lang="en-US" smtClean="0"/>
+              <a:pPr>
+                <a:defRPr/>
+              </a:pPr>
+              <a:t>98</a:t>
+            </a:fld>
+            <a:endParaRPr lang="en-US"/>
+          </a:p>
+        </p:txBody>
+      </p:sp>
+    </p:spTree>
+    <p:extLst>
+      <p:ext uri="{BB962C8B-B14F-4D97-AF65-F5344CB8AC3E}">
+        <p14:creationId xmlns:p14="http://schemas.microsoft.com/office/powerpoint/2010/main" val="2737400390"/>
+      </p:ext>
+    </p:extLst>
+  </p:cSld>
+  <p:clrMapOvr>
+    <a:masterClrMapping/>
+  </p:clrMapOvr>
+</p:sld>
+</file>
+
+<file path=ppt/slides/slide99.xml><?xml version="1.0" encoding="utf-8"?>
+<p:sld xmlns:a="http://schemas.openxmlformats.org/drawingml/2006/main" xmlns:r="http://schemas.openxmlformats.org/officeDocument/2006/relationships" xmlns:p="http://schemas.openxmlformats.org/presentationml/2006/main">
+  <p:cSld>
+    <p:spTree>
+      <p:nvGrpSpPr>
+        <p:cNvPr id="1" name=""/>
+        <p:cNvGrpSpPr/>
+        <p:nvPr/>
+      </p:nvGrpSpPr>
+      <p:grpSpPr>
+        <a:xfrm>
+          <a:off x="0" y="0"/>
+          <a:ext cx="0" cy="0"/>
+          <a:chOff x="0" y="0"/>
+          <a:chExt cx="0" cy="0"/>
+        </a:xfrm>
+      </p:grpSpPr>
+      <p:sp>
+        <p:nvSpPr>
+          <p:cNvPr id="2" name="Title 1"/>
+          <p:cNvSpPr>
+            <a:spLocks noGrp="1"/>
+          </p:cNvSpPr>
+          <p:nvPr>
+            <p:ph type="title"/>
+          </p:nvPr>
+        </p:nvSpPr>
+        <p:spPr/>
+        <p:txBody>
+          <a:bodyPr/>
+          <a:lstStyle/>
+          <a:p>
+            <a:r>
+              <a:rPr lang="en-US" dirty="0" smtClean="0"/>
+              <a:t>Power of Spring</a:t>
+            </a:r>
+            <a:endParaRPr lang="en-US" dirty="0"/>
+          </a:p>
+        </p:txBody>
+      </p:sp>
+      <p:sp>
+        <p:nvSpPr>
+          <p:cNvPr id="3" name="Content Placeholder 2"/>
+          <p:cNvSpPr>
+            <a:spLocks noGrp="1"/>
+          </p:cNvSpPr>
+          <p:nvPr>
+            <p:ph idx="1"/>
+          </p:nvPr>
+        </p:nvSpPr>
+        <p:spPr/>
+        <p:txBody>
+          <a:bodyPr>
+            <a:normAutofit fontScale="62500" lnSpcReduction="20000"/>
+          </a:bodyPr>
+          <a:lstStyle/>
+          <a:p>
+            <a:r>
+              <a:rPr lang="en-US" dirty="0" smtClean="0"/>
+              <a:t>So unknowingly, you have also tapped in to the power of Spring (we’re using Spring Data for JPA).  We’ve also covered Spring IOC (Inversion Of Control – the annotation magic)</a:t>
+            </a:r>
+          </a:p>
+          <a:p>
+            <a:r>
+              <a:rPr lang="en-US" dirty="0" smtClean="0"/>
+              <a:t>It is a piece of a much larger </a:t>
+            </a:r>
+            <a:r>
+              <a:rPr lang="en-US" dirty="0" err="1" smtClean="0"/>
+              <a:t>soln</a:t>
+            </a:r>
+            <a:r>
+              <a:rPr lang="en-US" dirty="0" smtClean="0"/>
+              <a:t> (beyond the scope of this course).  But if you understand Spring Data, the rest of the features the Spring will be “familiar”</a:t>
+            </a:r>
+          </a:p>
+          <a:p>
+            <a:r>
+              <a:rPr lang="en-US" dirty="0" smtClean="0"/>
+              <a:t>One of the features that Spring Data already uses is Connection Pooling … and then there is Paging (getting the first 10 results of Page1)</a:t>
+            </a:r>
+          </a:p>
+          <a:p>
+            <a:r>
+              <a:rPr lang="en-US" dirty="0" smtClean="0"/>
+              <a:t>Spring is definitely one of the largest frameworks within Java.</a:t>
+            </a:r>
+          </a:p>
+          <a:p>
+            <a:r>
+              <a:rPr lang="en-US" dirty="0" smtClean="0"/>
+              <a:t>One of the buzzes these days is to convert JPA -&gt; REST Services.  And then use </a:t>
+            </a:r>
+            <a:r>
+              <a:rPr lang="en-US" dirty="0" err="1" smtClean="0"/>
+              <a:t>BackboneJS</a:t>
+            </a:r>
+            <a:r>
+              <a:rPr lang="en-US" dirty="0" smtClean="0"/>
+              <a:t>, or </a:t>
+            </a:r>
+            <a:r>
+              <a:rPr lang="en-US" dirty="0" err="1" smtClean="0"/>
+              <a:t>AngularJS</a:t>
+            </a:r>
+            <a:r>
+              <a:rPr lang="en-US" dirty="0" smtClean="0"/>
+              <a:t> or </a:t>
+            </a:r>
+            <a:r>
+              <a:rPr lang="en-US" dirty="0" err="1" smtClean="0"/>
+              <a:t>EmberJS</a:t>
+            </a:r>
+            <a:r>
+              <a:rPr lang="en-US" dirty="0" smtClean="0"/>
+              <a:t>, </a:t>
+            </a:r>
+            <a:r>
+              <a:rPr lang="en-US" dirty="0" err="1" smtClean="0"/>
+              <a:t>etc</a:t>
+            </a:r>
+            <a:r>
+              <a:rPr lang="en-US" dirty="0" smtClean="0"/>
+              <a:t> to consume the REST Service.  Old way in Java was to do HTML rendering on the server side.  Newer way embraces the “JS” families.</a:t>
+            </a:r>
+          </a:p>
+          <a:p>
+            <a:r>
+              <a:rPr lang="en-US" dirty="0" smtClean="0"/>
+              <a:t>Most of the features of Spring are beyond the scope of this course, but Spring Data / Spring IOC are skills that you have at least *touched* on.</a:t>
+            </a:r>
+            <a:endParaRPr lang="en-US" dirty="0"/>
+          </a:p>
+        </p:txBody>
+      </p:sp>
+      <p:sp>
+        <p:nvSpPr>
+          <p:cNvPr id="4" name="Slide Number Placeholder 3"/>
+          <p:cNvSpPr>
+            <a:spLocks noGrp="1"/>
+          </p:cNvSpPr>
+          <p:nvPr>
+            <p:ph type="sldNum" sz="quarter" idx="12"/>
+          </p:nvPr>
+        </p:nvSpPr>
+        <p:spPr/>
+        <p:txBody>
+          <a:bodyPr/>
+          <a:lstStyle/>
+          <a:p>
+            <a:pPr>
+              <a:defRPr/>
+            </a:pPr>
+            <a:fld id="{8B8B984A-5AFF-7643-AE60-6D8D11294076}" type="slidenum">
+              <a:rPr lang="en-US" smtClean="0"/>
+              <a:pPr>
+                <a:defRPr/>
+              </a:pPr>
+              <a:t>99</a:t>
+            </a:fld>
+            <a:endParaRPr lang="en-US"/>
+          </a:p>
+        </p:txBody>
+      </p:sp>
+    </p:spTree>
+    <p:extLst>
+      <p:ext uri="{BB962C8B-B14F-4D97-AF65-F5344CB8AC3E}">
+        <p14:creationId xmlns:p14="http://schemas.microsoft.com/office/powerpoint/2010/main" val="3725324018"/>
       </p:ext>
     </p:extLst>
   </p:cSld>

--- a/coursePresentation.pptx
+++ b/coursePresentation.pptx
@@ -23097,7 +23097,7 @@
           </a:p>
           <a:p>
             <a:r>
-              <a:rPr lang="en-US" smtClean="0"/>
+              <a:rPr lang="en-US" dirty="0" smtClean="0"/>
               <a:t>See da09.TeacherSwingApplication</a:t>
             </a:r>
             <a:endParaRPr lang="en-US" dirty="0"/>
@@ -23524,7 +23524,7 @@
         <p:spPr>
           <a:xfrm>
             <a:off x="1371600" y="2209800"/>
-            <a:ext cx="2222083" cy="461665"/>
+            <a:ext cx="2050561" cy="461665"/>
           </a:xfrm>
           <a:prstGeom prst="rect">
             <a:avLst/>
@@ -23538,8 +23538,12 @@
           <a:lstStyle/>
           <a:p>
             <a:r>
-              <a:rPr lang="en-US" dirty="0" smtClean="0"/>
-              <a:t>Assignment 10</a:t>
+              <a:rPr lang="en-US" smtClean="0"/>
+              <a:t>Assignment </a:t>
+            </a:r>
+            <a:r>
+              <a:rPr lang="en-US" smtClean="0"/>
+              <a:t>9</a:t>
             </a:r>
             <a:endParaRPr lang="en-US" dirty="0"/>
           </a:p>

--- a/coursePresentation.pptx
+++ b/coursePresentation.pptx
@@ -5,10 +5,10 @@
     <p:sldMasterId id="2147484906" r:id="rId1"/>
   </p:sldMasterIdLst>
   <p:notesMasterIdLst>
-    <p:notesMasterId r:id="rId106"/>
+    <p:notesMasterId r:id="rId101"/>
   </p:notesMasterIdLst>
   <p:handoutMasterIdLst>
-    <p:handoutMasterId r:id="rId107"/>
+    <p:handoutMasterId r:id="rId102"/>
   </p:handoutMasterIdLst>
   <p:sldIdLst>
     <p:sldId id="257" r:id="rId2"/>
@@ -102,19 +102,14 @@
     <p:sldId id="445" r:id="rId90"/>
     <p:sldId id="409" r:id="rId91"/>
     <p:sldId id="448" r:id="rId92"/>
-    <p:sldId id="425" r:id="rId93"/>
-    <p:sldId id="442" r:id="rId94"/>
-    <p:sldId id="411" r:id="rId95"/>
-    <p:sldId id="427" r:id="rId96"/>
-    <p:sldId id="426" r:id="rId97"/>
-    <p:sldId id="413" r:id="rId98"/>
-    <p:sldId id="389" r:id="rId99"/>
-    <p:sldId id="390" r:id="rId100"/>
-    <p:sldId id="391" r:id="rId101"/>
-    <p:sldId id="392" r:id="rId102"/>
-    <p:sldId id="414" r:id="rId103"/>
-    <p:sldId id="393" r:id="rId104"/>
-    <p:sldId id="394" r:id="rId105"/>
+    <p:sldId id="411" r:id="rId93"/>
+    <p:sldId id="425" r:id="rId94"/>
+    <p:sldId id="426" r:id="rId95"/>
+    <p:sldId id="442" r:id="rId96"/>
+    <p:sldId id="449" r:id="rId97"/>
+    <p:sldId id="427" r:id="rId98"/>
+    <p:sldId id="450" r:id="rId99"/>
+    <p:sldId id="394" r:id="rId100"/>
   </p:sldIdLst>
   <p:sldSz cx="9144000" cy="6858000" type="screen4x3"/>
   <p:notesSz cx="6858000" cy="9144000"/>
@@ -6698,834 +6693,6 @@
 </p:sld>
 </file>
 
-<file path=ppt/slides/slide100.xml><?xml version="1.0" encoding="utf-8"?>
-<p:sld xmlns:a="http://schemas.openxmlformats.org/drawingml/2006/main" xmlns:r="http://schemas.openxmlformats.org/officeDocument/2006/relationships" xmlns:p="http://schemas.openxmlformats.org/presentationml/2006/main">
-  <p:cSld>
-    <p:spTree>
-      <p:nvGrpSpPr>
-        <p:cNvPr id="1" name=""/>
-        <p:cNvGrpSpPr/>
-        <p:nvPr/>
-      </p:nvGrpSpPr>
-      <p:grpSpPr>
-        <a:xfrm>
-          <a:off x="0" y="0"/>
-          <a:ext cx="0" cy="0"/>
-          <a:chOff x="0" y="0"/>
-          <a:chExt cx="0" cy="0"/>
-        </a:xfrm>
-      </p:grpSpPr>
-      <p:sp>
-        <p:nvSpPr>
-          <p:cNvPr id="2" name="Title 1"/>
-          <p:cNvSpPr>
-            <a:spLocks noGrp="1"/>
-          </p:cNvSpPr>
-          <p:nvPr>
-            <p:ph type="title"/>
-          </p:nvPr>
-        </p:nvSpPr>
-        <p:spPr/>
-        <p:txBody>
-          <a:bodyPr/>
-          <a:lstStyle/>
-          <a:p>
-            <a:r>
-              <a:rPr lang="en-US" dirty="0" err="1" smtClean="0"/>
-              <a:t>Git</a:t>
-            </a:r>
-            <a:r>
-              <a:rPr lang="en-US" dirty="0" smtClean="0"/>
-              <a:t>, </a:t>
-            </a:r>
-            <a:r>
-              <a:rPr lang="en-US" dirty="0" err="1" smtClean="0"/>
-              <a:t>Github</a:t>
-            </a:r>
-            <a:endParaRPr lang="en-US" dirty="0"/>
-          </a:p>
-        </p:txBody>
-      </p:sp>
-      <p:sp>
-        <p:nvSpPr>
-          <p:cNvPr id="3" name="Slide Number Placeholder 2"/>
-          <p:cNvSpPr>
-            <a:spLocks noGrp="1"/>
-          </p:cNvSpPr>
-          <p:nvPr>
-            <p:ph type="sldNum" sz="quarter" idx="12"/>
-          </p:nvPr>
-        </p:nvSpPr>
-        <p:spPr/>
-        <p:txBody>
-          <a:bodyPr/>
-          <a:lstStyle/>
-          <a:p>
-            <a:pPr>
-              <a:defRPr/>
-            </a:pPr>
-            <a:fld id="{B2451C39-31DD-6D4B-9BED-758CF6C1BA6A}" type="slidenum">
-              <a:rPr lang="en-CA" smtClean="0"/>
-              <a:pPr>
-                <a:defRPr/>
-              </a:pPr>
-              <a:t>100</a:t>
-            </a:fld>
-            <a:endParaRPr lang="en-CA"/>
-          </a:p>
-        </p:txBody>
-      </p:sp>
-      <p:sp>
-        <p:nvSpPr>
-          <p:cNvPr id="4" name="TextBox 3"/>
-          <p:cNvSpPr txBox="1"/>
-          <p:nvPr/>
-        </p:nvSpPr>
-        <p:spPr>
-          <a:xfrm>
-            <a:off x="1143000" y="2209800"/>
-            <a:ext cx="7837402" cy="4154984"/>
-          </a:xfrm>
-          <a:prstGeom prst="rect">
-            <a:avLst/>
-          </a:prstGeom>
-          <a:noFill/>
-        </p:spPr>
-        <p:txBody>
-          <a:bodyPr wrap="none" rtlCol="0">
-            <a:spAutoFit/>
-          </a:bodyPr>
-          <a:lstStyle/>
-          <a:p>
-            <a:pPr marL="342900" indent="-342900">
-              <a:buFont typeface="Arial" pitchFamily="34" charset="0"/>
-              <a:buChar char="•"/>
-            </a:pPr>
-            <a:r>
-              <a:rPr lang="en-US" dirty="0" smtClean="0"/>
-              <a:t>I strongly recommend you use </a:t>
-            </a:r>
-            <a:r>
-              <a:rPr lang="en-US" dirty="0" err="1" smtClean="0"/>
-              <a:t>Git</a:t>
-            </a:r>
-            <a:r>
-              <a:rPr lang="en-US" dirty="0" smtClean="0"/>
-              <a:t> for your</a:t>
-            </a:r>
-          </a:p>
-          <a:p>
-            <a:r>
-              <a:rPr lang="en-US" dirty="0" smtClean="0"/>
-              <a:t>Other courses or personal projects or work.  Revision</a:t>
-            </a:r>
-          </a:p>
-          <a:p>
-            <a:r>
-              <a:rPr lang="en-US" dirty="0"/>
-              <a:t>m</a:t>
-            </a:r>
-            <a:r>
-              <a:rPr lang="en-US" dirty="0" smtClean="0"/>
-              <a:t>anagement is crucial in software engineering.  Without</a:t>
-            </a:r>
-          </a:p>
-          <a:p>
-            <a:r>
-              <a:rPr lang="en-US" dirty="0" err="1" smtClean="0"/>
-              <a:t>Git</a:t>
-            </a:r>
-            <a:r>
-              <a:rPr lang="en-US" dirty="0" smtClean="0"/>
-              <a:t>, how else would you go back to a previous revision</a:t>
-            </a:r>
-          </a:p>
-          <a:p>
-            <a:pPr marL="342900" indent="-342900">
-              <a:buFont typeface="Arial" pitchFamily="34" charset="0"/>
-              <a:buChar char="•"/>
-            </a:pPr>
-            <a:r>
-              <a:rPr lang="en-US" dirty="0" err="1" smtClean="0"/>
-              <a:t>GitHub</a:t>
-            </a:r>
-            <a:r>
-              <a:rPr lang="en-US" dirty="0" smtClean="0"/>
-              <a:t> and </a:t>
-            </a:r>
-            <a:r>
-              <a:rPr lang="en-US" dirty="0" err="1" smtClean="0"/>
-              <a:t>GitHub</a:t>
-            </a:r>
-            <a:r>
-              <a:rPr lang="en-US" dirty="0" smtClean="0"/>
-              <a:t> pages ties you into the open</a:t>
-            </a:r>
-          </a:p>
-          <a:p>
-            <a:r>
-              <a:rPr lang="en-US" dirty="0" smtClean="0"/>
-              <a:t>Source community.  Open source is good.  You now</a:t>
-            </a:r>
-          </a:p>
-          <a:p>
-            <a:r>
-              <a:rPr lang="en-US" dirty="0" smtClean="0"/>
-              <a:t>Have an open source project on </a:t>
-            </a:r>
-            <a:r>
-              <a:rPr lang="en-US" dirty="0" err="1" smtClean="0"/>
-              <a:t>GitHub</a:t>
-            </a:r>
-            <a:r>
-              <a:rPr lang="en-US" dirty="0" smtClean="0"/>
-              <a:t>.  Congrats.</a:t>
-            </a:r>
-          </a:p>
-          <a:p>
-            <a:r>
-              <a:rPr lang="en-US" dirty="0" smtClean="0"/>
-              <a:t>If you never created a homepage before, well, use</a:t>
-            </a:r>
-          </a:p>
-          <a:p>
-            <a:r>
-              <a:rPr lang="en-US" dirty="0" err="1" smtClean="0"/>
-              <a:t>GitHub</a:t>
-            </a:r>
-            <a:r>
-              <a:rPr lang="en-US" dirty="0" smtClean="0"/>
-              <a:t> pages.  Great for letting employers see your</a:t>
-            </a:r>
-          </a:p>
-          <a:p>
-            <a:r>
-              <a:rPr lang="en-US" dirty="0" smtClean="0"/>
-              <a:t>Project and let them see your coding style too!  Again,</a:t>
-            </a:r>
-          </a:p>
-          <a:p>
-            <a:r>
-              <a:rPr lang="en-US" dirty="0" smtClean="0"/>
-              <a:t>NOT java specific.</a:t>
-            </a:r>
-          </a:p>
-        </p:txBody>
-      </p:sp>
-    </p:spTree>
-    <p:extLst>
-      <p:ext uri="{BB962C8B-B14F-4D97-AF65-F5344CB8AC3E}">
-        <p14:creationId xmlns:p14="http://schemas.microsoft.com/office/powerpoint/2010/main" val="3442297372"/>
-      </p:ext>
-    </p:extLst>
-  </p:cSld>
-  <p:clrMapOvr>
-    <a:masterClrMapping/>
-  </p:clrMapOvr>
-</p:sld>
-</file>
-
-<file path=ppt/slides/slide101.xml><?xml version="1.0" encoding="utf-8"?>
-<p:sld xmlns:a="http://schemas.openxmlformats.org/drawingml/2006/main" xmlns:r="http://schemas.openxmlformats.org/officeDocument/2006/relationships" xmlns:p="http://schemas.openxmlformats.org/presentationml/2006/main">
-  <p:cSld>
-    <p:spTree>
-      <p:nvGrpSpPr>
-        <p:cNvPr id="1" name=""/>
-        <p:cNvGrpSpPr/>
-        <p:nvPr/>
-      </p:nvGrpSpPr>
-      <p:grpSpPr>
-        <a:xfrm>
-          <a:off x="0" y="0"/>
-          <a:ext cx="0" cy="0"/>
-          <a:chOff x="0" y="0"/>
-          <a:chExt cx="0" cy="0"/>
-        </a:xfrm>
-      </p:grpSpPr>
-      <p:sp>
-        <p:nvSpPr>
-          <p:cNvPr id="2" name="Title 1"/>
-          <p:cNvSpPr>
-            <a:spLocks noGrp="1"/>
-          </p:cNvSpPr>
-          <p:nvPr>
-            <p:ph type="title"/>
-          </p:nvPr>
-        </p:nvSpPr>
-        <p:spPr/>
-        <p:txBody>
-          <a:bodyPr/>
-          <a:lstStyle/>
-          <a:p>
-            <a:r>
-              <a:rPr lang="en-US" dirty="0" smtClean="0"/>
-              <a:t>MVC</a:t>
-            </a:r>
-            <a:endParaRPr lang="en-US" dirty="0"/>
-          </a:p>
-        </p:txBody>
-      </p:sp>
-      <p:sp>
-        <p:nvSpPr>
-          <p:cNvPr id="3" name="Slide Number Placeholder 2"/>
-          <p:cNvSpPr>
-            <a:spLocks noGrp="1"/>
-          </p:cNvSpPr>
-          <p:nvPr>
-            <p:ph type="sldNum" sz="quarter" idx="12"/>
-          </p:nvPr>
-        </p:nvSpPr>
-        <p:spPr/>
-        <p:txBody>
-          <a:bodyPr/>
-          <a:lstStyle/>
-          <a:p>
-            <a:pPr>
-              <a:defRPr/>
-            </a:pPr>
-            <a:fld id="{B2451C39-31DD-6D4B-9BED-758CF6C1BA6A}" type="slidenum">
-              <a:rPr lang="en-CA" smtClean="0"/>
-              <a:pPr>
-                <a:defRPr/>
-              </a:pPr>
-              <a:t>101</a:t>
-            </a:fld>
-            <a:endParaRPr lang="en-CA"/>
-          </a:p>
-        </p:txBody>
-      </p:sp>
-      <p:sp>
-        <p:nvSpPr>
-          <p:cNvPr id="4" name="TextBox 3"/>
-          <p:cNvSpPr txBox="1"/>
-          <p:nvPr/>
-        </p:nvSpPr>
-        <p:spPr>
-          <a:xfrm>
-            <a:off x="1371600" y="2286000"/>
-            <a:ext cx="7117333" cy="1569660"/>
-          </a:xfrm>
-          <a:prstGeom prst="rect">
-            <a:avLst/>
-          </a:prstGeom>
-          <a:noFill/>
-        </p:spPr>
-        <p:txBody>
-          <a:bodyPr wrap="none" rtlCol="0">
-            <a:spAutoFit/>
-          </a:bodyPr>
-          <a:lstStyle/>
-          <a:p>
-            <a:pPr marL="342900" indent="-342900">
-              <a:buFont typeface="Arial" pitchFamily="34" charset="0"/>
-              <a:buChar char="•"/>
-            </a:pPr>
-            <a:r>
-              <a:rPr lang="en-US" dirty="0" smtClean="0"/>
-              <a:t>Hopefully, you learned a few design patterns</a:t>
-            </a:r>
-          </a:p>
-          <a:p>
-            <a:pPr marL="342900" indent="-342900">
-              <a:buFont typeface="Arial" pitchFamily="34" charset="0"/>
-              <a:buChar char="•"/>
-            </a:pPr>
-            <a:r>
-              <a:rPr lang="en-US" dirty="0" smtClean="0"/>
-              <a:t>Like MVC.  In later courses, you’ll learn MVP,</a:t>
-            </a:r>
-          </a:p>
-          <a:p>
-            <a:pPr marL="342900" indent="-342900">
-              <a:buFont typeface="Arial" pitchFamily="34" charset="0"/>
-              <a:buChar char="•"/>
-            </a:pPr>
-            <a:r>
-              <a:rPr lang="en-US" dirty="0" smtClean="0"/>
-              <a:t>MVVM, and MVW.   Again design patterns aren’t</a:t>
-            </a:r>
-          </a:p>
-          <a:p>
-            <a:pPr marL="342900" indent="-342900">
-              <a:buFont typeface="Arial" pitchFamily="34" charset="0"/>
-              <a:buChar char="•"/>
-            </a:pPr>
-            <a:r>
-              <a:rPr lang="en-US" dirty="0" smtClean="0"/>
-              <a:t>Specific to Java</a:t>
-            </a:r>
-            <a:endParaRPr lang="en-US" dirty="0"/>
-          </a:p>
-        </p:txBody>
-      </p:sp>
-    </p:spTree>
-    <p:extLst>
-      <p:ext uri="{BB962C8B-B14F-4D97-AF65-F5344CB8AC3E}">
-        <p14:creationId xmlns:p14="http://schemas.microsoft.com/office/powerpoint/2010/main" val="1883758025"/>
-      </p:ext>
-    </p:extLst>
-  </p:cSld>
-  <p:clrMapOvr>
-    <a:masterClrMapping/>
-  </p:clrMapOvr>
-</p:sld>
-</file>
-
-<file path=ppt/slides/slide102.xml><?xml version="1.0" encoding="utf-8"?>
-<p:sld xmlns:a="http://schemas.openxmlformats.org/drawingml/2006/main" xmlns:r="http://schemas.openxmlformats.org/officeDocument/2006/relationships" xmlns:p="http://schemas.openxmlformats.org/presentationml/2006/main">
-  <p:cSld>
-    <p:spTree>
-      <p:nvGrpSpPr>
-        <p:cNvPr id="1" name=""/>
-        <p:cNvGrpSpPr/>
-        <p:nvPr/>
-      </p:nvGrpSpPr>
-      <p:grpSpPr>
-        <a:xfrm>
-          <a:off x="0" y="0"/>
-          <a:ext cx="0" cy="0"/>
-          <a:chOff x="0" y="0"/>
-          <a:chExt cx="0" cy="0"/>
-        </a:xfrm>
-      </p:grpSpPr>
-      <p:sp>
-        <p:nvSpPr>
-          <p:cNvPr id="2" name="Title 1"/>
-          <p:cNvSpPr>
-            <a:spLocks noGrp="1"/>
-          </p:cNvSpPr>
-          <p:nvPr>
-            <p:ph type="title"/>
-          </p:nvPr>
-        </p:nvSpPr>
-        <p:spPr/>
-        <p:txBody>
-          <a:bodyPr/>
-          <a:lstStyle/>
-          <a:p>
-            <a:r>
-              <a:rPr lang="en-US" dirty="0" smtClean="0"/>
-              <a:t>Your neighbor</a:t>
-            </a:r>
-            <a:endParaRPr lang="en-US" dirty="0"/>
-          </a:p>
-        </p:txBody>
-      </p:sp>
-      <p:sp>
-        <p:nvSpPr>
-          <p:cNvPr id="3" name="Slide Number Placeholder 2"/>
-          <p:cNvSpPr>
-            <a:spLocks noGrp="1"/>
-          </p:cNvSpPr>
-          <p:nvPr>
-            <p:ph type="sldNum" sz="quarter" idx="12"/>
-          </p:nvPr>
-        </p:nvSpPr>
-        <p:spPr/>
-        <p:txBody>
-          <a:bodyPr/>
-          <a:lstStyle/>
-          <a:p>
-            <a:pPr>
-              <a:defRPr/>
-            </a:pPr>
-            <a:fld id="{B2451C39-31DD-6D4B-9BED-758CF6C1BA6A}" type="slidenum">
-              <a:rPr lang="en-CA" smtClean="0"/>
-              <a:pPr>
-                <a:defRPr/>
-              </a:pPr>
-              <a:t>102</a:t>
-            </a:fld>
-            <a:endParaRPr lang="en-CA"/>
-          </a:p>
-        </p:txBody>
-      </p:sp>
-      <p:sp>
-        <p:nvSpPr>
-          <p:cNvPr id="4" name="TextBox 3"/>
-          <p:cNvSpPr txBox="1"/>
-          <p:nvPr/>
-        </p:nvSpPr>
-        <p:spPr>
-          <a:xfrm>
-            <a:off x="1447800" y="2362200"/>
-            <a:ext cx="6694461" cy="2308324"/>
-          </a:xfrm>
-          <a:prstGeom prst="rect">
-            <a:avLst/>
-          </a:prstGeom>
-          <a:noFill/>
-        </p:spPr>
-        <p:txBody>
-          <a:bodyPr wrap="none" rtlCol="0">
-            <a:spAutoFit/>
-          </a:bodyPr>
-          <a:lstStyle/>
-          <a:p>
-            <a:pPr marL="342900" indent="-342900">
-              <a:buFont typeface="Arial" pitchFamily="34" charset="0"/>
-              <a:buChar char="•"/>
-            </a:pPr>
-            <a:r>
-              <a:rPr lang="en-US" dirty="0" smtClean="0"/>
-              <a:t>I really tried to create an atmosphere</a:t>
-            </a:r>
-          </a:p>
-          <a:p>
-            <a:r>
-              <a:rPr lang="en-US" dirty="0" smtClean="0"/>
-              <a:t>Where I *only* did 50% of the talking</a:t>
-            </a:r>
-          </a:p>
-          <a:p>
-            <a:pPr marL="342900" indent="-342900">
-              <a:buFont typeface="Arial" pitchFamily="34" charset="0"/>
-              <a:buChar char="•"/>
-            </a:pPr>
-            <a:r>
-              <a:rPr lang="en-US" dirty="0" smtClean="0"/>
-              <a:t>Really hoped that you got to know the people</a:t>
-            </a:r>
-          </a:p>
-          <a:p>
-            <a:r>
-              <a:rPr lang="en-US" dirty="0" smtClean="0"/>
-              <a:t>Sitting around you.  Exchange phone numbers,</a:t>
-            </a:r>
-          </a:p>
-          <a:p>
-            <a:r>
-              <a:rPr lang="en-US" dirty="0" smtClean="0"/>
-              <a:t>Emails with them.</a:t>
-            </a:r>
-          </a:p>
-          <a:p>
-            <a:r>
-              <a:rPr lang="en-US" dirty="0" smtClean="0"/>
-              <a:t>Programs come and go.  Friends are forever</a:t>
-            </a:r>
-          </a:p>
-        </p:txBody>
-      </p:sp>
-    </p:spTree>
-    <p:extLst>
-      <p:ext uri="{BB962C8B-B14F-4D97-AF65-F5344CB8AC3E}">
-        <p14:creationId xmlns:p14="http://schemas.microsoft.com/office/powerpoint/2010/main" val="3607217"/>
-      </p:ext>
-    </p:extLst>
-  </p:cSld>
-  <p:clrMapOvr>
-    <a:masterClrMapping/>
-  </p:clrMapOvr>
-</p:sld>
-</file>
-
-<file path=ppt/slides/slide103.xml><?xml version="1.0" encoding="utf-8"?>
-<p:sld xmlns:a="http://schemas.openxmlformats.org/drawingml/2006/main" xmlns:r="http://schemas.openxmlformats.org/officeDocument/2006/relationships" xmlns:p="http://schemas.openxmlformats.org/presentationml/2006/main">
-  <p:cSld>
-    <p:spTree>
-      <p:nvGrpSpPr>
-        <p:cNvPr id="1" name=""/>
-        <p:cNvGrpSpPr/>
-        <p:nvPr/>
-      </p:nvGrpSpPr>
-      <p:grpSpPr>
-        <a:xfrm>
-          <a:off x="0" y="0"/>
-          <a:ext cx="0" cy="0"/>
-          <a:chOff x="0" y="0"/>
-          <a:chExt cx="0" cy="0"/>
-        </a:xfrm>
-      </p:grpSpPr>
-      <p:sp>
-        <p:nvSpPr>
-          <p:cNvPr id="2" name="Title 1"/>
-          <p:cNvSpPr>
-            <a:spLocks noGrp="1"/>
-          </p:cNvSpPr>
-          <p:nvPr>
-            <p:ph type="title"/>
-          </p:nvPr>
-        </p:nvSpPr>
-        <p:spPr/>
-        <p:txBody>
-          <a:bodyPr/>
-          <a:lstStyle/>
-          <a:p>
-            <a:r>
-              <a:rPr lang="en-US" dirty="0" smtClean="0"/>
-              <a:t>And most of all …</a:t>
-            </a:r>
-            <a:endParaRPr lang="en-US" dirty="0"/>
-          </a:p>
-        </p:txBody>
-      </p:sp>
-      <p:sp>
-        <p:nvSpPr>
-          <p:cNvPr id="3" name="Slide Number Placeholder 2"/>
-          <p:cNvSpPr>
-            <a:spLocks noGrp="1"/>
-          </p:cNvSpPr>
-          <p:nvPr>
-            <p:ph type="sldNum" sz="quarter" idx="12"/>
-          </p:nvPr>
-        </p:nvSpPr>
-        <p:spPr/>
-        <p:txBody>
-          <a:bodyPr/>
-          <a:lstStyle/>
-          <a:p>
-            <a:pPr>
-              <a:defRPr/>
-            </a:pPr>
-            <a:fld id="{B2451C39-31DD-6D4B-9BED-758CF6C1BA6A}" type="slidenum">
-              <a:rPr lang="en-CA" smtClean="0"/>
-              <a:pPr>
-                <a:defRPr/>
-              </a:pPr>
-              <a:t>103</a:t>
-            </a:fld>
-            <a:endParaRPr lang="en-CA"/>
-          </a:p>
-        </p:txBody>
-      </p:sp>
-      <p:sp>
-        <p:nvSpPr>
-          <p:cNvPr id="4" name="TextBox 3"/>
-          <p:cNvSpPr txBox="1"/>
-          <p:nvPr/>
-        </p:nvSpPr>
-        <p:spPr>
-          <a:xfrm>
-            <a:off x="1447800" y="2057400"/>
-            <a:ext cx="7111242" cy="3416320"/>
-          </a:xfrm>
-          <a:prstGeom prst="rect">
-            <a:avLst/>
-          </a:prstGeom>
-          <a:noFill/>
-        </p:spPr>
-        <p:txBody>
-          <a:bodyPr wrap="none" rtlCol="0">
-            <a:spAutoFit/>
-          </a:bodyPr>
-          <a:lstStyle/>
-          <a:p>
-            <a:pPr marL="342900" indent="-342900">
-              <a:buFont typeface="Arial" pitchFamily="34" charset="0"/>
-              <a:buChar char="•"/>
-            </a:pPr>
-            <a:r>
-              <a:rPr lang="en-US" dirty="0" smtClean="0"/>
-              <a:t>Software engineering and banging your</a:t>
-            </a:r>
-          </a:p>
-          <a:p>
-            <a:r>
-              <a:rPr lang="en-US" dirty="0"/>
-              <a:t>h</a:t>
-            </a:r>
-            <a:r>
-              <a:rPr lang="en-US" dirty="0" smtClean="0"/>
-              <a:t>ead against your keyboard.  This was a</a:t>
-            </a:r>
-          </a:p>
-          <a:p>
-            <a:r>
-              <a:rPr lang="en-US" dirty="0"/>
-              <a:t>p</a:t>
-            </a:r>
-            <a:r>
-              <a:rPr lang="en-US" dirty="0" smtClean="0"/>
-              <a:t>ut as much or as little as you want in this</a:t>
-            </a:r>
-          </a:p>
-          <a:p>
-            <a:r>
-              <a:rPr lang="en-US" dirty="0" smtClean="0"/>
-              <a:t>Course.  The project was yours from Day1.</a:t>
-            </a:r>
-          </a:p>
-          <a:p>
-            <a:r>
-              <a:rPr lang="en-US" dirty="0" smtClean="0"/>
-              <a:t>I personally grew quite attached to my first</a:t>
-            </a:r>
-          </a:p>
-          <a:p>
-            <a:r>
-              <a:rPr lang="en-US" dirty="0" smtClean="0"/>
-              <a:t>Software engineering project.  For me it was</a:t>
-            </a:r>
-          </a:p>
-          <a:p>
-            <a:r>
-              <a:rPr lang="en-US" dirty="0" smtClean="0"/>
-              <a:t>Fun.  I programmed it in C.  I don’t use C anymore,</a:t>
-            </a:r>
-          </a:p>
-          <a:p>
-            <a:r>
-              <a:rPr lang="en-US" dirty="0" smtClean="0"/>
-              <a:t>But it was the build your own, manage your own</a:t>
-            </a:r>
-          </a:p>
-          <a:p>
-            <a:r>
-              <a:rPr lang="en-US" dirty="0"/>
-              <a:t>a</a:t>
-            </a:r>
-            <a:r>
-              <a:rPr lang="en-US" dirty="0" smtClean="0"/>
-              <a:t>spect that still keeps me motivated in this field.</a:t>
-            </a:r>
-          </a:p>
-        </p:txBody>
-      </p:sp>
-    </p:spTree>
-    <p:extLst>
-      <p:ext uri="{BB962C8B-B14F-4D97-AF65-F5344CB8AC3E}">
-        <p14:creationId xmlns:p14="http://schemas.microsoft.com/office/powerpoint/2010/main" val="1560099199"/>
-      </p:ext>
-    </p:extLst>
-  </p:cSld>
-  <p:clrMapOvr>
-    <a:masterClrMapping/>
-  </p:clrMapOvr>
-</p:sld>
-</file>
-
-<file path=ppt/slides/slide104.xml><?xml version="1.0" encoding="utf-8"?>
-<p:sld xmlns:a="http://schemas.openxmlformats.org/drawingml/2006/main" xmlns:r="http://schemas.openxmlformats.org/officeDocument/2006/relationships" xmlns:p="http://schemas.openxmlformats.org/presentationml/2006/main">
-  <p:cSld>
-    <p:spTree>
-      <p:nvGrpSpPr>
-        <p:cNvPr id="1" name=""/>
-        <p:cNvGrpSpPr/>
-        <p:nvPr/>
-      </p:nvGrpSpPr>
-      <p:grpSpPr>
-        <a:xfrm>
-          <a:off x="0" y="0"/>
-          <a:ext cx="0" cy="0"/>
-          <a:chOff x="0" y="0"/>
-          <a:chExt cx="0" cy="0"/>
-        </a:xfrm>
-      </p:grpSpPr>
-      <p:sp>
-        <p:nvSpPr>
-          <p:cNvPr id="2" name="Title 1"/>
-          <p:cNvSpPr>
-            <a:spLocks noGrp="1"/>
-          </p:cNvSpPr>
-          <p:nvPr>
-            <p:ph type="title"/>
-          </p:nvPr>
-        </p:nvSpPr>
-        <p:spPr/>
-        <p:txBody>
-          <a:bodyPr/>
-          <a:lstStyle/>
-          <a:p>
-            <a:r>
-              <a:rPr lang="en-US" dirty="0" smtClean="0"/>
-              <a:t>Thank-you + Optional Homework</a:t>
-            </a:r>
-            <a:endParaRPr lang="en-US" dirty="0"/>
-          </a:p>
-        </p:txBody>
-      </p:sp>
-      <p:sp>
-        <p:nvSpPr>
-          <p:cNvPr id="3" name="Slide Number Placeholder 2"/>
-          <p:cNvSpPr>
-            <a:spLocks noGrp="1"/>
-          </p:cNvSpPr>
-          <p:nvPr>
-            <p:ph type="sldNum" sz="quarter" idx="12"/>
-          </p:nvPr>
-        </p:nvSpPr>
-        <p:spPr/>
-        <p:txBody>
-          <a:bodyPr/>
-          <a:lstStyle/>
-          <a:p>
-            <a:pPr>
-              <a:defRPr/>
-            </a:pPr>
-            <a:fld id="{B2451C39-31DD-6D4B-9BED-758CF6C1BA6A}" type="slidenum">
-              <a:rPr lang="en-CA" smtClean="0"/>
-              <a:pPr>
-                <a:defRPr/>
-              </a:pPr>
-              <a:t>104</a:t>
-            </a:fld>
-            <a:endParaRPr lang="en-CA"/>
-          </a:p>
-        </p:txBody>
-      </p:sp>
-      <p:sp>
-        <p:nvSpPr>
-          <p:cNvPr id="4" name="TextBox 3"/>
-          <p:cNvSpPr txBox="1"/>
-          <p:nvPr/>
-        </p:nvSpPr>
-        <p:spPr>
-          <a:xfrm>
-            <a:off x="1295400" y="2590800"/>
-            <a:ext cx="6070893" cy="1569660"/>
-          </a:xfrm>
-          <a:prstGeom prst="rect">
-            <a:avLst/>
-          </a:prstGeom>
-          <a:noFill/>
-        </p:spPr>
-        <p:txBody>
-          <a:bodyPr wrap="none" rtlCol="0">
-            <a:spAutoFit/>
-          </a:bodyPr>
-          <a:lstStyle/>
-          <a:p>
-            <a:r>
-              <a:rPr lang="en-US" dirty="0" smtClean="0"/>
-              <a:t>Thank-you very much for taking this course</a:t>
-            </a:r>
-          </a:p>
-          <a:p>
-            <a:r>
-              <a:rPr lang="en-US" dirty="0" smtClean="0"/>
-              <a:t>I really hope you all had a great time</a:t>
-            </a:r>
-          </a:p>
-          <a:p>
-            <a:endParaRPr lang="en-US" dirty="0"/>
-          </a:p>
-          <a:p>
-            <a:r>
-              <a:rPr lang="en-US" dirty="0"/>
-              <a:t>Survey </a:t>
-            </a:r>
-            <a:r>
-              <a:rPr lang="en-US" dirty="0" smtClean="0"/>
-              <a:t>Monkey link</a:t>
-            </a:r>
-            <a:endParaRPr lang="en-US" dirty="0"/>
-          </a:p>
-        </p:txBody>
-      </p:sp>
-    </p:spTree>
-    <p:extLst>
-      <p:ext uri="{BB962C8B-B14F-4D97-AF65-F5344CB8AC3E}">
-        <p14:creationId xmlns:p14="http://schemas.microsoft.com/office/powerpoint/2010/main" val="1027203661"/>
-      </p:ext>
-    </p:extLst>
-  </p:cSld>
-  <p:clrMapOvr>
-    <a:masterClrMapping/>
-  </p:clrMapOvr>
-</p:sld>
-</file>
-
 <file path=ppt/slides/slide11.xml><?xml version="1.0" encoding="utf-8"?>
 <p:sld xmlns:a="http://schemas.openxmlformats.org/drawingml/2006/main" xmlns:r="http://schemas.openxmlformats.org/officeDocument/2006/relationships" xmlns:p="http://schemas.openxmlformats.org/presentationml/2006/main">
   <p:cSld>
@@ -23180,7 +22347,7 @@
           <a:p>
             <a:r>
               <a:rPr lang="en-US" dirty="0" smtClean="0"/>
-              <a:t>Network Programming</a:t>
+              <a:t>Homework</a:t>
             </a:r>
             <a:endParaRPr lang="en-US" dirty="0"/>
           </a:p>
@@ -23188,64 +22355,7 @@
       </p:sp>
       <p:sp>
         <p:nvSpPr>
-          <p:cNvPr id="3" name="Content Placeholder 2"/>
-          <p:cNvSpPr>
-            <a:spLocks noGrp="1"/>
-          </p:cNvSpPr>
-          <p:nvPr>
-            <p:ph idx="1"/>
-          </p:nvPr>
-        </p:nvSpPr>
-        <p:spPr/>
-        <p:txBody>
-          <a:bodyPr>
-            <a:normAutofit fontScale="85000" lnSpcReduction="20000"/>
-          </a:bodyPr>
-          <a:lstStyle/>
-          <a:p>
-            <a:r>
-              <a:rPr lang="en-US" dirty="0" smtClean="0"/>
-              <a:t>OK, this is a somewhat filler lecture.  Course outline has a mandate to cover network programming.</a:t>
-            </a:r>
-          </a:p>
-          <a:p>
-            <a:r>
-              <a:rPr lang="en-US" dirty="0" smtClean="0"/>
-              <a:t>The Final exam, final project will have nothing to do with today’s SHORT lecture on Network Programming.</a:t>
-            </a:r>
-          </a:p>
-          <a:p>
-            <a:r>
-              <a:rPr lang="en-US" dirty="0" smtClean="0"/>
-              <a:t>Network Programming … UDP / TCP … very cool.  But realistically, you won’t be using those protocols directly.  In short, if want to do something in low-level, … try not to do it in Java please.</a:t>
-            </a:r>
-          </a:p>
-          <a:p>
-            <a:r>
-              <a:rPr lang="en-US" dirty="0" smtClean="0"/>
-              <a:t>http / https are by far the most common protocols used in Java</a:t>
-            </a:r>
-          </a:p>
-          <a:p>
-            <a:r>
-              <a:rPr lang="en-US" dirty="0" smtClean="0"/>
-              <a:t>See </a:t>
-            </a:r>
-            <a:r>
-              <a:rPr lang="en-US" dirty="0" err="1" smtClean="0"/>
-              <a:t>HttpComponentsDemo</a:t>
-            </a:r>
-            <a:r>
-              <a:rPr lang="en-US" dirty="0" smtClean="0"/>
-              <a:t> (still not very important, so let’s keep this short to cover the NEXT slide)</a:t>
-            </a:r>
-            <a:endParaRPr lang="en-US" dirty="0"/>
-          </a:p>
-        </p:txBody>
-      </p:sp>
-      <p:sp>
-        <p:nvSpPr>
-          <p:cNvPr id="4" name="Slide Number Placeholder 3"/>
+          <p:cNvPr id="3" name="Slide Number Placeholder 2"/>
           <p:cNvSpPr>
             <a:spLocks noGrp="1"/>
           </p:cNvSpPr>
@@ -23261,21 +22371,55 @@
             <a:pPr>
               <a:defRPr/>
             </a:pPr>
-            <a:fld id="{8B8B984A-5AFF-7643-AE60-6D8D11294076}" type="slidenum">
-              <a:rPr lang="en-US" smtClean="0"/>
+            <a:fld id="{B2451C39-31DD-6D4B-9BED-758CF6C1BA6A}" type="slidenum">
+              <a:rPr lang="en-CA" smtClean="0"/>
               <a:pPr>
                 <a:defRPr/>
               </a:pPr>
               <a:t>92</a:t>
             </a:fld>
-            <a:endParaRPr lang="en-US"/>
+            <a:endParaRPr lang="en-CA"/>
+          </a:p>
+        </p:txBody>
+      </p:sp>
+      <p:sp>
+        <p:nvSpPr>
+          <p:cNvPr id="4" name="TextBox 3"/>
+          <p:cNvSpPr txBox="1"/>
+          <p:nvPr/>
+        </p:nvSpPr>
+        <p:spPr>
+          <a:xfrm>
+            <a:off x="1371600" y="2209800"/>
+            <a:ext cx="2050561" cy="461665"/>
+          </a:xfrm>
+          <a:prstGeom prst="rect">
+            <a:avLst/>
+          </a:prstGeom>
+          <a:noFill/>
+        </p:spPr>
+        <p:txBody>
+          <a:bodyPr wrap="none" rtlCol="0">
+            <a:spAutoFit/>
+          </a:bodyPr>
+          <a:lstStyle/>
+          <a:p>
+            <a:r>
+              <a:rPr lang="en-US" dirty="0" smtClean="0"/>
+              <a:t>Assignment </a:t>
+            </a:r>
+            <a:r>
+              <a:rPr lang="en-US" dirty="0" smtClean="0"/>
+              <a:t>9</a:t>
+            </a:r>
+            <a:endParaRPr lang="en-US" dirty="0"/>
           </a:p>
         </p:txBody>
       </p:sp>
     </p:spTree>
     <p:extLst>
       <p:ext uri="{BB962C8B-B14F-4D97-AF65-F5344CB8AC3E}">
-        <p14:creationId xmlns:p14="http://schemas.microsoft.com/office/powerpoint/2010/main" val="498203968"/>
+        <p14:creationId xmlns:p14="http://schemas.microsoft.com/office/powerpoint/2010/main" val="2217852683"/>
       </p:ext>
     </p:extLst>
   </p:cSld>
@@ -23319,7 +22463,7 @@
           <a:p>
             <a:r>
               <a:rPr lang="en-US" dirty="0" smtClean="0"/>
-              <a:t>What now?</a:t>
+              <a:t>Network Programming</a:t>
             </a:r>
             <a:endParaRPr lang="en-US" dirty="0"/>
           </a:p>
@@ -23338,67 +22482,45 @@
         <p:spPr/>
         <p:txBody>
           <a:bodyPr>
-            <a:normAutofit fontScale="70000" lnSpcReduction="20000"/>
+            <a:normAutofit fontScale="85000" lnSpcReduction="20000"/>
           </a:bodyPr>
           <a:lstStyle/>
           <a:p>
             <a:r>
               <a:rPr lang="en-US" dirty="0" smtClean="0"/>
-              <a:t>Not going to lie, the previous class was pretty *tough*.  There’s the technical code part, the *magic of annotations* and just the new train of thought with Java ORM</a:t>
-            </a:r>
-          </a:p>
-          <a:p>
-            <a:r>
-              <a:rPr lang="en-US" dirty="0" smtClean="0"/>
-              <a:t>Show of hands … how many people were </a:t>
-            </a:r>
-          </a:p>
-          <a:p>
-            <a:pPr marL="912114" lvl="1" indent="-514350">
-              <a:buFont typeface="+mj-lt"/>
-              <a:buAutoNum type="arabicPeriod"/>
-            </a:pPr>
-            <a:r>
-              <a:rPr lang="en-US" dirty="0" smtClean="0"/>
-              <a:t>Very confused about Database ORM</a:t>
-            </a:r>
-          </a:p>
-          <a:p>
-            <a:pPr marL="912114" lvl="1" indent="-514350">
-              <a:buFont typeface="+mj-lt"/>
-              <a:buAutoNum type="arabicPeriod"/>
-            </a:pPr>
-            <a:r>
-              <a:rPr lang="en-US" dirty="0" smtClean="0"/>
-              <a:t>Semi-confused</a:t>
-            </a:r>
-          </a:p>
-          <a:p>
-            <a:pPr marL="912114" lvl="1" indent="-514350">
-              <a:buFont typeface="+mj-lt"/>
-              <a:buAutoNum type="arabicPeriod"/>
-            </a:pPr>
-            <a:r>
-              <a:rPr lang="en-US" dirty="0" smtClean="0"/>
-              <a:t>Heck – easy stuff</a:t>
-            </a:r>
-          </a:p>
-          <a:p>
-            <a:r>
-              <a:rPr lang="en-US" dirty="0" smtClean="0"/>
-              <a:t>Also the lecture about Databases is by FAR one of the most important lectures.  Without databases, you will have NO Web Service, no Web app.  The concepts of DB alone is a course by itself.</a:t>
-            </a:r>
-          </a:p>
-          <a:p>
-            <a:r>
-              <a:rPr lang="en-US" dirty="0" smtClean="0"/>
-              <a:t>If no other questions, I’m going to repeat the last class again (and possibly again in the next class if I see a lot of blank faces)</a:t>
-            </a:r>
-          </a:p>
-          <a:p>
-            <a:r>
-              <a:rPr lang="en-US" dirty="0" smtClean="0"/>
-              <a:t>If you understand ORM inside out, feel free to work on your assignment or take off early</a:t>
+              <a:t>OK, this is a somewhat filler lecture.  Course outline has a mandate to cover network programming.</a:t>
+            </a:r>
+          </a:p>
+          <a:p>
+            <a:r>
+              <a:rPr lang="en-US" dirty="0" smtClean="0"/>
+              <a:t>The Final exam, final project will have nothing to do with today’s SHORT lecture on Network Programming.</a:t>
+            </a:r>
+          </a:p>
+          <a:p>
+            <a:r>
+              <a:rPr lang="en-US" dirty="0" smtClean="0"/>
+              <a:t>Network Programming … UDP / TCP … very cool.  But realistically, you won’t be using those protocols directly.  In short, if want to do something in low-level, … try not to do it in Java please.</a:t>
+            </a:r>
+          </a:p>
+          <a:p>
+            <a:r>
+              <a:rPr lang="en-US" dirty="0" smtClean="0"/>
+              <a:t>http / https are by far the most common protocols used in Java</a:t>
+            </a:r>
+          </a:p>
+          <a:p>
+            <a:r>
+              <a:rPr lang="en-US" dirty="0" smtClean="0"/>
+              <a:t>See </a:t>
+            </a:r>
+            <a:r>
+              <a:rPr lang="en-US" dirty="0" err="1" smtClean="0"/>
+              <a:t>HttpComponentsDemo</a:t>
+            </a:r>
+            <a:r>
+              <a:rPr lang="en-US" dirty="0" smtClean="0"/>
+              <a:t> (still not very important, so let’s keep this short to cover the NEXT slide)</a:t>
             </a:r>
             <a:endParaRPr lang="en-US" dirty="0"/>
           </a:p>
@@ -23436,7 +22558,7 @@
     </p:spTree>
     <p:extLst>
       <p:ext uri="{BB962C8B-B14F-4D97-AF65-F5344CB8AC3E}">
-        <p14:creationId xmlns:p14="http://schemas.microsoft.com/office/powerpoint/2010/main" val="3611507398"/>
+        <p14:creationId xmlns:p14="http://schemas.microsoft.com/office/powerpoint/2010/main" val="498203968"/>
       </p:ext>
     </p:extLst>
   </p:cSld>
@@ -23480,7 +22602,7 @@
           <a:p>
             <a:r>
               <a:rPr lang="en-US" dirty="0" smtClean="0"/>
-              <a:t>Homework</a:t>
+              <a:t>There’s a tool (library) for that</a:t>
             </a:r>
             <a:endParaRPr lang="en-US" dirty="0"/>
           </a:p>
@@ -23488,7 +22610,122 @@
       </p:sp>
       <p:sp>
         <p:nvSpPr>
-          <p:cNvPr id="3" name="Slide Number Placeholder 2"/>
+          <p:cNvPr id="3" name="Content Placeholder 2"/>
+          <p:cNvSpPr>
+            <a:spLocks noGrp="1"/>
+          </p:cNvSpPr>
+          <p:nvPr>
+            <p:ph idx="1"/>
+          </p:nvPr>
+        </p:nvSpPr>
+        <p:spPr/>
+        <p:txBody>
+          <a:bodyPr/>
+          <a:lstStyle/>
+          <a:p>
+            <a:r>
+              <a:rPr lang="en-US" dirty="0"/>
+              <a:t>&lt;dependency&gt;</a:t>
+            </a:r>
+          </a:p>
+          <a:p>
+            <a:r>
+              <a:rPr lang="en-US" dirty="0"/>
+              <a:t>	&lt;</a:t>
+            </a:r>
+            <a:r>
+              <a:rPr lang="en-US" dirty="0" err="1"/>
+              <a:t>groupId</a:t>
+            </a:r>
+            <a:r>
+              <a:rPr lang="en-US" dirty="0"/>
+              <a:t>&gt;</a:t>
+            </a:r>
+            <a:r>
+              <a:rPr lang="en-US" dirty="0" err="1"/>
+              <a:t>org.apache.httpcomponents</a:t>
+            </a:r>
+            <a:r>
+              <a:rPr lang="en-US" dirty="0"/>
+              <a:t>&lt;/</a:t>
+            </a:r>
+            <a:r>
+              <a:rPr lang="en-US" dirty="0" err="1"/>
+              <a:t>groupId</a:t>
+            </a:r>
+            <a:r>
+              <a:rPr lang="en-US" dirty="0"/>
+              <a:t>&gt;</a:t>
+            </a:r>
+          </a:p>
+          <a:p>
+            <a:r>
+              <a:rPr lang="en-US" dirty="0"/>
+              <a:t>	&lt;</a:t>
+            </a:r>
+            <a:r>
+              <a:rPr lang="en-US" dirty="0" err="1"/>
+              <a:t>artifactId</a:t>
+            </a:r>
+            <a:r>
+              <a:rPr lang="en-US" dirty="0"/>
+              <a:t>&gt;</a:t>
+            </a:r>
+            <a:r>
+              <a:rPr lang="en-US" dirty="0" err="1"/>
+              <a:t>httpclient</a:t>
+            </a:r>
+            <a:r>
+              <a:rPr lang="en-US" dirty="0"/>
+              <a:t>&lt;/</a:t>
+            </a:r>
+            <a:r>
+              <a:rPr lang="en-US" dirty="0" err="1"/>
+              <a:t>artifactId</a:t>
+            </a:r>
+            <a:r>
+              <a:rPr lang="en-US" dirty="0"/>
+              <a:t>&gt;</a:t>
+            </a:r>
+          </a:p>
+          <a:p>
+            <a:r>
+              <a:rPr lang="en-US" dirty="0"/>
+              <a:t>	&lt;version&gt;4.3.3&lt;/version&gt;</a:t>
+            </a:r>
+          </a:p>
+          <a:p>
+            <a:r>
+              <a:rPr lang="en-US" dirty="0"/>
+              <a:t>&lt;/dependency&gt;</a:t>
+            </a:r>
+          </a:p>
+          <a:p>
+            <a:r>
+              <a:rPr lang="en-US" dirty="0"/>
+              <a:t> </a:t>
+            </a:r>
+          </a:p>
+          <a:p>
+            <a:r>
+              <a:rPr lang="en-US" dirty="0"/>
+              <a:t> </a:t>
+            </a:r>
+            <a:r>
+              <a:rPr lang="en-US" dirty="0" smtClean="0"/>
+              <a:t>See </a:t>
+            </a:r>
+            <a:r>
+              <a:rPr lang="en-US" dirty="0" err="1" smtClean="0"/>
+              <a:t>HttpComponentsDemo</a:t>
+            </a:r>
+            <a:endParaRPr lang="en-US" dirty="0"/>
+          </a:p>
+        </p:txBody>
+      </p:sp>
+      <p:sp>
+        <p:nvSpPr>
+          <p:cNvPr id="4" name="Slide Number Placeholder 3"/>
           <p:cNvSpPr>
             <a:spLocks noGrp="1"/>
           </p:cNvSpPr>
@@ -23504,55 +22741,21 @@
             <a:pPr>
               <a:defRPr/>
             </a:pPr>
-            <a:fld id="{B2451C39-31DD-6D4B-9BED-758CF6C1BA6A}" type="slidenum">
-              <a:rPr lang="en-CA" smtClean="0"/>
+            <a:fld id="{8B8B984A-5AFF-7643-AE60-6D8D11294076}" type="slidenum">
+              <a:rPr lang="en-US" smtClean="0"/>
               <a:pPr>
                 <a:defRPr/>
               </a:pPr>
               <a:t>94</a:t>
             </a:fld>
-            <a:endParaRPr lang="en-CA"/>
-          </a:p>
-        </p:txBody>
-      </p:sp>
-      <p:sp>
-        <p:nvSpPr>
-          <p:cNvPr id="4" name="TextBox 3"/>
-          <p:cNvSpPr txBox="1"/>
-          <p:nvPr/>
-        </p:nvSpPr>
-        <p:spPr>
-          <a:xfrm>
-            <a:off x="1371600" y="2209800"/>
-            <a:ext cx="2050561" cy="461665"/>
-          </a:xfrm>
-          <a:prstGeom prst="rect">
-            <a:avLst/>
-          </a:prstGeom>
-          <a:noFill/>
-        </p:spPr>
-        <p:txBody>
-          <a:bodyPr wrap="none" rtlCol="0">
-            <a:spAutoFit/>
-          </a:bodyPr>
-          <a:lstStyle/>
-          <a:p>
-            <a:r>
-              <a:rPr lang="en-US" smtClean="0"/>
-              <a:t>Assignment </a:t>
-            </a:r>
-            <a:r>
-              <a:rPr lang="en-US" smtClean="0"/>
-              <a:t>9</a:t>
-            </a:r>
-            <a:endParaRPr lang="en-US" dirty="0"/>
+            <a:endParaRPr lang="en-US"/>
           </a:p>
         </p:txBody>
       </p:sp>
     </p:spTree>
     <p:extLst>
       <p:ext uri="{BB962C8B-B14F-4D97-AF65-F5344CB8AC3E}">
-        <p14:creationId xmlns:p14="http://schemas.microsoft.com/office/powerpoint/2010/main" val="2217852683"/>
+        <p14:creationId xmlns:p14="http://schemas.microsoft.com/office/powerpoint/2010/main" val="664585395"/>
       </p:ext>
     </p:extLst>
   </p:cSld>
@@ -23596,7 +22799,7 @@
           <a:p>
             <a:r>
               <a:rPr lang="en-US" dirty="0" smtClean="0"/>
-              <a:t>MVC (Model-View-Controller)</a:t>
+              <a:t>What now?</a:t>
             </a:r>
             <a:endParaRPr lang="en-US" dirty="0"/>
           </a:p>
@@ -23615,77 +22818,68 @@
         <p:spPr/>
         <p:txBody>
           <a:bodyPr>
-            <a:normAutofit fontScale="77500" lnSpcReduction="20000"/>
+            <a:normAutofit fontScale="70000" lnSpcReduction="20000"/>
           </a:bodyPr>
           <a:lstStyle/>
           <a:p>
             <a:r>
               <a:rPr lang="en-US" dirty="0" smtClean="0"/>
-              <a:t>You already used it with </a:t>
-            </a:r>
-            <a:r>
-              <a:rPr lang="en-US" dirty="0" err="1" smtClean="0"/>
-              <a:t>JavaFx</a:t>
-            </a:r>
-            <a:r>
-              <a:rPr lang="en-US" dirty="0" smtClean="0"/>
-              <a:t> / FXML</a:t>
-            </a:r>
-          </a:p>
-          <a:p>
-            <a:r>
-              <a:rPr lang="en-US" dirty="0" smtClean="0"/>
-              <a:t>Which was the Model?</a:t>
-            </a:r>
-          </a:p>
-          <a:p>
-            <a:r>
-              <a:rPr lang="en-US" dirty="0" smtClean="0"/>
-              <a:t>View?</a:t>
-            </a:r>
-          </a:p>
-          <a:p>
-            <a:r>
-              <a:rPr lang="en-US" dirty="0" smtClean="0"/>
-              <a:t>Controller?</a:t>
-            </a:r>
-          </a:p>
-          <a:p>
-            <a:r>
-              <a:rPr lang="en-US" dirty="0" smtClean="0"/>
-              <a:t>Admittedly, MVC (a somewhat 2000’ish design pattern) isn’t always the best design pattern, but very commonly used.  Pretty good, but not always the best.</a:t>
-            </a:r>
-          </a:p>
-          <a:p>
-            <a:r>
-              <a:rPr lang="en-US" dirty="0" smtClean="0"/>
-              <a:t>Lots of other ones out there like MVP, MVVM, and now there’s a category called MVW – whatever!</a:t>
-            </a:r>
-          </a:p>
-          <a:p>
-            <a:r>
-              <a:rPr lang="en-US" dirty="0" smtClean="0"/>
-              <a:t>Questions?  If not, go back to your Assignment!</a:t>
-            </a:r>
-          </a:p>
-          <a:p>
-            <a:r>
-              <a:rPr lang="en-US" dirty="0" smtClean="0"/>
-              <a:t>I’ll be here to answer questions for the rest of this lecture.</a:t>
-            </a:r>
-          </a:p>
-          <a:p>
-            <a:r>
-              <a:rPr lang="en-US" dirty="0" smtClean="0"/>
-              <a:t>Advice: Check out your neighbor’s application.  </a:t>
-            </a:r>
-            <a:r>
-              <a:rPr lang="en-US" smtClean="0"/>
-              <a:t>Strongly encouraged.</a:t>
-            </a:r>
-            <a:endParaRPr lang="en-US" dirty="0" smtClean="0"/>
-          </a:p>
-          <a:p>
+              <a:t>Not going to lie, the previous class was pretty *tough*.  There’s the technical code part, the *magic of annotations* and just the new train of thought with Java ORM</a:t>
+            </a:r>
+          </a:p>
+          <a:p>
+            <a:r>
+              <a:rPr lang="en-US" dirty="0" smtClean="0"/>
+              <a:t>Show of hands … how many people were </a:t>
+            </a:r>
+          </a:p>
+          <a:p>
+            <a:pPr marL="912114" lvl="1" indent="-514350">
+              <a:buFont typeface="+mj-lt"/>
+              <a:buAutoNum type="arabicPeriod"/>
+            </a:pPr>
+            <a:r>
+              <a:rPr lang="en-US" dirty="0" smtClean="0"/>
+              <a:t>Very confused about Database ORM</a:t>
+            </a:r>
+          </a:p>
+          <a:p>
+            <a:pPr marL="912114" lvl="1" indent="-514350">
+              <a:buFont typeface="+mj-lt"/>
+              <a:buAutoNum type="arabicPeriod"/>
+            </a:pPr>
+            <a:r>
+              <a:rPr lang="en-US" dirty="0" smtClean="0"/>
+              <a:t>Semi-confused</a:t>
+            </a:r>
+          </a:p>
+          <a:p>
+            <a:pPr marL="912114" lvl="1" indent="-514350">
+              <a:buFont typeface="+mj-lt"/>
+              <a:buAutoNum type="arabicPeriod"/>
+            </a:pPr>
+            <a:r>
+              <a:rPr lang="en-US" dirty="0" smtClean="0"/>
+              <a:t>Heck – easy stuff</a:t>
+            </a:r>
+          </a:p>
+          <a:p>
+            <a:r>
+              <a:rPr lang="en-US" dirty="0" smtClean="0"/>
+              <a:t>Also the lecture about Databases is by FAR one of the most important lectures.  Without databases, you will have NO Web Service, no Web app.  The concepts of DB alone is a course by itself.</a:t>
+            </a:r>
+          </a:p>
+          <a:p>
+            <a:r>
+              <a:rPr lang="en-US" dirty="0" smtClean="0"/>
+              <a:t>If no other questions, I’m going to repeat the last class again (and possibly again in the next class if I see a lot of blank faces)</a:t>
+            </a:r>
+          </a:p>
+          <a:p>
+            <a:r>
+              <a:rPr lang="en-US" dirty="0" smtClean="0"/>
+              <a:t>If you understand ORM inside out, feel free to work on your assignment or take off early</a:t>
+            </a:r>
             <a:endParaRPr lang="en-US" dirty="0"/>
           </a:p>
         </p:txBody>
@@ -23722,7 +22916,7 @@
     </p:spTree>
     <p:extLst>
       <p:ext uri="{BB962C8B-B14F-4D97-AF65-F5344CB8AC3E}">
-        <p14:creationId xmlns:p14="http://schemas.microsoft.com/office/powerpoint/2010/main" val="3238898663"/>
+        <p14:creationId xmlns:p14="http://schemas.microsoft.com/office/powerpoint/2010/main" val="3611507398"/>
       </p:ext>
     </p:extLst>
   </p:cSld>
@@ -23766,7 +22960,7 @@
           <a:p>
             <a:r>
               <a:rPr lang="en-US" dirty="0" smtClean="0"/>
-              <a:t>There’s a tool (library) for that</a:t>
+              <a:t>Homework</a:t>
             </a:r>
             <a:endParaRPr lang="en-US" dirty="0"/>
           </a:p>
@@ -23788,100 +22982,8 @@
           <a:lstStyle/>
           <a:p>
             <a:r>
-              <a:rPr lang="en-US" dirty="0"/>
-              <a:t>&lt;dependency&gt;</a:t>
-            </a:r>
-          </a:p>
-          <a:p>
-            <a:r>
-              <a:rPr lang="en-US" dirty="0"/>
-              <a:t>	&lt;</a:t>
-            </a:r>
-            <a:r>
-              <a:rPr lang="en-US" dirty="0" err="1"/>
-              <a:t>groupId</a:t>
-            </a:r>
-            <a:r>
-              <a:rPr lang="en-US" dirty="0"/>
-              <a:t>&gt;</a:t>
-            </a:r>
-            <a:r>
-              <a:rPr lang="en-US" dirty="0" err="1"/>
-              <a:t>org.apache.httpcomponents</a:t>
-            </a:r>
-            <a:r>
-              <a:rPr lang="en-US" dirty="0"/>
-              <a:t>&lt;/</a:t>
-            </a:r>
-            <a:r>
-              <a:rPr lang="en-US" dirty="0" err="1"/>
-              <a:t>groupId</a:t>
-            </a:r>
-            <a:r>
-              <a:rPr lang="en-US" dirty="0"/>
-              <a:t>&gt;</a:t>
-            </a:r>
-          </a:p>
-          <a:p>
-            <a:r>
-              <a:rPr lang="en-US" dirty="0"/>
-              <a:t>	&lt;</a:t>
-            </a:r>
-            <a:r>
-              <a:rPr lang="en-US" dirty="0" err="1"/>
-              <a:t>artifactId</a:t>
-            </a:r>
-            <a:r>
-              <a:rPr lang="en-US" dirty="0"/>
-              <a:t>&gt;</a:t>
-            </a:r>
-            <a:r>
-              <a:rPr lang="en-US" dirty="0" err="1"/>
-              <a:t>httpclient</a:t>
-            </a:r>
-            <a:r>
-              <a:rPr lang="en-US" dirty="0"/>
-              <a:t>&lt;/</a:t>
-            </a:r>
-            <a:r>
-              <a:rPr lang="en-US" dirty="0" err="1"/>
-              <a:t>artifactId</a:t>
-            </a:r>
-            <a:r>
-              <a:rPr lang="en-US" dirty="0"/>
-              <a:t>&gt;</a:t>
-            </a:r>
-          </a:p>
-          <a:p>
-            <a:r>
-              <a:rPr lang="en-US" dirty="0"/>
-              <a:t>	&lt;version&gt;4.3.3&lt;/version&gt;</a:t>
-            </a:r>
-          </a:p>
-          <a:p>
-            <a:r>
-              <a:rPr lang="en-US" dirty="0"/>
-              <a:t>&lt;/dependency&gt;</a:t>
-            </a:r>
-          </a:p>
-          <a:p>
-            <a:r>
-              <a:rPr lang="en-US" dirty="0"/>
-              <a:t> </a:t>
-            </a:r>
-          </a:p>
-          <a:p>
-            <a:r>
-              <a:rPr lang="en-US" dirty="0"/>
-              <a:t> </a:t>
-            </a:r>
-            <a:r>
-              <a:rPr lang="en-US" dirty="0" smtClean="0"/>
-              <a:t>See </a:t>
-            </a:r>
-            <a:r>
-              <a:rPr lang="en-US" dirty="0" err="1" smtClean="0"/>
-              <a:t>HttpComponentsDemo</a:t>
+              <a:rPr lang="en-US" dirty="0" smtClean="0"/>
+              <a:t>Assignment 10</a:t>
             </a:r>
             <a:endParaRPr lang="en-US" dirty="0"/>
           </a:p>
@@ -23919,7 +23021,7 @@
     </p:spTree>
     <p:extLst>
       <p:ext uri="{BB962C8B-B14F-4D97-AF65-F5344CB8AC3E}">
-        <p14:creationId xmlns:p14="http://schemas.microsoft.com/office/powerpoint/2010/main" val="664585395"/>
+        <p14:creationId xmlns:p14="http://schemas.microsoft.com/office/powerpoint/2010/main" val="3259690146"/>
       </p:ext>
     </p:extLst>
   </p:cSld>
@@ -23963,7 +23065,7 @@
           <a:p>
             <a:r>
               <a:rPr lang="en-US" dirty="0" smtClean="0"/>
-              <a:t>Homework</a:t>
+              <a:t>MVC (Model-View-Controller)</a:t>
             </a:r>
             <a:endParaRPr lang="en-US" dirty="0"/>
           </a:p>
@@ -23971,7 +23073,87 @@
       </p:sp>
       <p:sp>
         <p:nvSpPr>
-          <p:cNvPr id="3" name="Slide Number Placeholder 2"/>
+          <p:cNvPr id="3" name="Content Placeholder 2"/>
+          <p:cNvSpPr>
+            <a:spLocks noGrp="1"/>
+          </p:cNvSpPr>
+          <p:nvPr>
+            <p:ph idx="1"/>
+          </p:nvPr>
+        </p:nvSpPr>
+        <p:spPr/>
+        <p:txBody>
+          <a:bodyPr>
+            <a:normAutofit fontScale="77500" lnSpcReduction="20000"/>
+          </a:bodyPr>
+          <a:lstStyle/>
+          <a:p>
+            <a:r>
+              <a:rPr lang="en-US" dirty="0" smtClean="0"/>
+              <a:t>You already used it with </a:t>
+            </a:r>
+            <a:r>
+              <a:rPr lang="en-US" dirty="0" smtClean="0"/>
+              <a:t>Swing</a:t>
+            </a:r>
+            <a:endParaRPr lang="en-US" dirty="0" smtClean="0"/>
+          </a:p>
+          <a:p>
+            <a:r>
+              <a:rPr lang="en-US" dirty="0" smtClean="0"/>
+              <a:t>Which was the Model?</a:t>
+            </a:r>
+          </a:p>
+          <a:p>
+            <a:r>
+              <a:rPr lang="en-US" dirty="0" smtClean="0"/>
+              <a:t>View?</a:t>
+            </a:r>
+          </a:p>
+          <a:p>
+            <a:r>
+              <a:rPr lang="en-US" dirty="0" smtClean="0"/>
+              <a:t>Controller?</a:t>
+            </a:r>
+          </a:p>
+          <a:p>
+            <a:r>
+              <a:rPr lang="en-US" dirty="0" smtClean="0"/>
+              <a:t>Admittedly, MVC (a somewhat 2000’ish design pattern) isn’t always the best design pattern, but very commonly used.  Pretty good, but not always the best.</a:t>
+            </a:r>
+          </a:p>
+          <a:p>
+            <a:r>
+              <a:rPr lang="en-US" dirty="0" smtClean="0"/>
+              <a:t>Lots of other ones out there like MVP, MVVM, and now there’s a category called MVW – whatever!</a:t>
+            </a:r>
+          </a:p>
+          <a:p>
+            <a:r>
+              <a:rPr lang="en-US" dirty="0" smtClean="0"/>
+              <a:t>Questions?  If not, go back to your Assignment!</a:t>
+            </a:r>
+          </a:p>
+          <a:p>
+            <a:r>
+              <a:rPr lang="en-US" dirty="0" smtClean="0"/>
+              <a:t>I’ll be here to answer questions for the rest of this lecture.</a:t>
+            </a:r>
+          </a:p>
+          <a:p>
+            <a:r>
+              <a:rPr lang="en-US" dirty="0" smtClean="0"/>
+              <a:t>Advice: Check out your neighbor’s application.  Strongly encouraged.</a:t>
+            </a:r>
+          </a:p>
+          <a:p>
+            <a:endParaRPr lang="en-US" dirty="0"/>
+          </a:p>
+        </p:txBody>
+      </p:sp>
+      <p:sp>
+        <p:nvSpPr>
+          <p:cNvPr id="4" name="Slide Number Placeholder 3"/>
           <p:cNvSpPr>
             <a:spLocks noGrp="1"/>
           </p:cNvSpPr>
@@ -23987,74 +23169,21 @@
             <a:pPr>
               <a:defRPr/>
             </a:pPr>
-            <a:fld id="{B2451C39-31DD-6D4B-9BED-758CF6C1BA6A}" type="slidenum">
-              <a:rPr lang="en-CA" smtClean="0"/>
+            <a:fld id="{8B8B984A-5AFF-7643-AE60-6D8D11294076}" type="slidenum">
+              <a:rPr lang="en-US" smtClean="0"/>
               <a:pPr>
                 <a:defRPr/>
               </a:pPr>
               <a:t>97</a:t>
             </a:fld>
-            <a:endParaRPr lang="en-CA"/>
-          </a:p>
-        </p:txBody>
-      </p:sp>
-      <p:sp>
-        <p:nvSpPr>
-          <p:cNvPr id="4" name="TextBox 3"/>
-          <p:cNvSpPr txBox="1"/>
-          <p:nvPr/>
-        </p:nvSpPr>
-        <p:spPr>
-          <a:xfrm>
-            <a:off x="1828800" y="1752600"/>
-            <a:ext cx="6296917" cy="1938992"/>
-          </a:xfrm>
-          <a:prstGeom prst="rect">
-            <a:avLst/>
-          </a:prstGeom>
-          <a:noFill/>
-        </p:spPr>
-        <p:txBody>
-          <a:bodyPr wrap="none" rtlCol="0">
-            <a:spAutoFit/>
-          </a:bodyPr>
-          <a:lstStyle/>
-          <a:p>
-            <a:r>
-              <a:rPr lang="en-US" dirty="0" smtClean="0"/>
-              <a:t>You guessed it Assignment11</a:t>
-            </a:r>
-          </a:p>
-          <a:p>
-            <a:r>
-              <a:rPr lang="en-US" dirty="0" smtClean="0"/>
-              <a:t>Hint for Final</a:t>
-            </a:r>
-          </a:p>
-          <a:p>
-            <a:r>
-              <a:rPr lang="en-US" dirty="0" smtClean="0"/>
-              <a:t>What can go wrong with your application</a:t>
-            </a:r>
-          </a:p>
-          <a:p>
-            <a:r>
-              <a:rPr lang="en-US" dirty="0" smtClean="0"/>
-              <a:t>When you demo it?  How should you handle,</a:t>
-            </a:r>
-          </a:p>
-          <a:p>
-            <a:r>
-              <a:rPr lang="en-US" dirty="0" smtClean="0"/>
-              <a:t>Fallback on what?</a:t>
-            </a:r>
+            <a:endParaRPr lang="en-US"/>
           </a:p>
         </p:txBody>
       </p:sp>
     </p:spTree>
     <p:extLst>
       <p:ext uri="{BB962C8B-B14F-4D97-AF65-F5344CB8AC3E}">
-        <p14:creationId xmlns:p14="http://schemas.microsoft.com/office/powerpoint/2010/main" val="3669441049"/>
+        <p14:creationId xmlns:p14="http://schemas.microsoft.com/office/powerpoint/2010/main" val="3238898663"/>
       </p:ext>
     </p:extLst>
   </p:cSld>
@@ -24098,7 +23227,7 @@
           <a:p>
             <a:r>
               <a:rPr lang="en-US" dirty="0" smtClean="0"/>
-              <a:t>Food for thought…</a:t>
+              <a:t>Homework</a:t>
             </a:r>
             <a:endParaRPr lang="en-US" dirty="0"/>
           </a:p>
@@ -24106,7 +23235,36 @@
       </p:sp>
       <p:sp>
         <p:nvSpPr>
-          <p:cNvPr id="3" name="Slide Number Placeholder 2"/>
+          <p:cNvPr id="3" name="Content Placeholder 2"/>
+          <p:cNvSpPr>
+            <a:spLocks noGrp="1"/>
+          </p:cNvSpPr>
+          <p:nvPr>
+            <p:ph idx="1"/>
+          </p:nvPr>
+        </p:nvSpPr>
+        <p:spPr/>
+        <p:txBody>
+          <a:bodyPr/>
+          <a:lstStyle/>
+          <a:p>
+            <a:r>
+              <a:rPr lang="en-US" dirty="0" smtClean="0"/>
+              <a:t>Assignment11/Final Project</a:t>
+            </a:r>
+          </a:p>
+          <a:p>
+            <a:r>
+              <a:rPr lang="en-US" smtClean="0"/>
+              <a:t>Package it up ;)</a:t>
+            </a:r>
+            <a:endParaRPr lang="en-US"/>
+          </a:p>
+        </p:txBody>
+      </p:sp>
+      <p:sp>
+        <p:nvSpPr>
+          <p:cNvPr id="4" name="Slide Number Placeholder 3"/>
           <p:cNvSpPr>
             <a:spLocks noGrp="1"/>
           </p:cNvSpPr>
@@ -24122,95 +23280,21 @@
             <a:pPr>
               <a:defRPr/>
             </a:pPr>
-            <a:fld id="{B2451C39-31DD-6D4B-9BED-758CF6C1BA6A}" type="slidenum">
-              <a:rPr lang="en-CA" smtClean="0"/>
+            <a:fld id="{8B8B984A-5AFF-7643-AE60-6D8D11294076}" type="slidenum">
+              <a:rPr lang="en-US" smtClean="0"/>
               <a:pPr>
                 <a:defRPr/>
               </a:pPr>
               <a:t>98</a:t>
             </a:fld>
-            <a:endParaRPr lang="en-CA"/>
-          </a:p>
-        </p:txBody>
-      </p:sp>
-      <p:sp>
-        <p:nvSpPr>
-          <p:cNvPr id="4" name="TextBox 3"/>
-          <p:cNvSpPr txBox="1"/>
-          <p:nvPr/>
-        </p:nvSpPr>
-        <p:spPr>
-          <a:xfrm>
-            <a:off x="1371600" y="1828800"/>
-            <a:ext cx="4831772" cy="1938992"/>
-          </a:xfrm>
-          <a:prstGeom prst="rect">
-            <a:avLst/>
-          </a:prstGeom>
-          <a:noFill/>
-        </p:spPr>
-        <p:txBody>
-          <a:bodyPr wrap="none" rtlCol="0">
-            <a:spAutoFit/>
-          </a:bodyPr>
-          <a:lstStyle/>
-          <a:p>
-            <a:pPr marL="342900" indent="-342900">
-              <a:buFont typeface="Arial" pitchFamily="34" charset="0"/>
-              <a:buChar char="•"/>
-            </a:pPr>
-            <a:r>
-              <a:rPr lang="en-US" dirty="0" smtClean="0"/>
-              <a:t>Maybe after this course …</a:t>
-            </a:r>
-          </a:p>
-          <a:p>
-            <a:pPr marL="342900" indent="-342900">
-              <a:buFont typeface="Arial" pitchFamily="34" charset="0"/>
-              <a:buChar char="•"/>
-            </a:pPr>
-            <a:r>
-              <a:rPr lang="en-US" dirty="0" smtClean="0"/>
-              <a:t>I REALLY hate Java…</a:t>
-            </a:r>
-          </a:p>
-          <a:p>
-            <a:pPr marL="342900" indent="-342900">
-              <a:buFont typeface="Arial" pitchFamily="34" charset="0"/>
-              <a:buChar char="•"/>
-            </a:pPr>
-            <a:r>
-              <a:rPr lang="en-US" dirty="0" smtClean="0"/>
-              <a:t>Or I REALLY love it</a:t>
-            </a:r>
-          </a:p>
-          <a:p>
-            <a:pPr marL="342900" indent="-342900">
-              <a:buFont typeface="Arial" pitchFamily="34" charset="0"/>
-              <a:buChar char="•"/>
-            </a:pPr>
-            <a:r>
-              <a:rPr lang="en-US" dirty="0" smtClean="0"/>
-              <a:t>But was that all you learned?</a:t>
-            </a:r>
-          </a:p>
-          <a:p>
-            <a:pPr marL="342900" indent="-342900">
-              <a:buFont typeface="Arial" pitchFamily="34" charset="0"/>
-              <a:buChar char="•"/>
-            </a:pPr>
-            <a:r>
-              <a:rPr lang="en-US" dirty="0" smtClean="0"/>
-              <a:t>I had a hidden agenda all along</a:t>
-            </a:r>
-            <a:endParaRPr lang="en-US" dirty="0"/>
+            <a:endParaRPr lang="en-US"/>
           </a:p>
         </p:txBody>
       </p:sp>
     </p:spTree>
     <p:extLst>
       <p:ext uri="{BB962C8B-B14F-4D97-AF65-F5344CB8AC3E}">
-        <p14:creationId xmlns:p14="http://schemas.microsoft.com/office/powerpoint/2010/main" val="568372925"/>
+        <p14:creationId xmlns:p14="http://schemas.microsoft.com/office/powerpoint/2010/main" val="518232887"/>
       </p:ext>
     </p:extLst>
   </p:cSld>
@@ -24254,7 +23338,7 @@
           <a:p>
             <a:r>
               <a:rPr lang="en-US" dirty="0" smtClean="0"/>
-              <a:t>Well, what else did we learn?</a:t>
+              <a:t>The End</a:t>
             </a:r>
             <a:endParaRPr lang="en-US" dirty="0"/>
           </a:p>
@@ -24297,8 +23381,8 @@
         </p:nvSpPr>
         <p:spPr>
           <a:xfrm>
-            <a:off x="1447800" y="1905000"/>
-            <a:ext cx="7124066" cy="1938992"/>
+            <a:off x="1295400" y="2590800"/>
+            <a:ext cx="6070893" cy="830997"/>
           </a:xfrm>
           <a:prstGeom prst="rect">
             <a:avLst/>
@@ -24311,67 +23395,28 @@
           </a:bodyPr>
           <a:lstStyle/>
           <a:p>
-            <a:pPr marL="342900" indent="-342900">
-              <a:buFont typeface="Arial" pitchFamily="34" charset="0"/>
-              <a:buChar char="•"/>
-            </a:pPr>
-            <a:r>
-              <a:rPr lang="en-US" dirty="0" smtClean="0"/>
-              <a:t>Maven – although Maven is specific</a:t>
-            </a:r>
-          </a:p>
-          <a:p>
-            <a:pPr marL="342900" indent="-342900">
-              <a:buFont typeface="Arial" pitchFamily="34" charset="0"/>
-              <a:buChar char="•"/>
-            </a:pPr>
-            <a:r>
-              <a:rPr lang="en-US" dirty="0" smtClean="0"/>
-              <a:t>To java, the concept is universal.  Have</a:t>
-            </a:r>
-          </a:p>
-          <a:p>
-            <a:pPr marL="342900" indent="-342900">
-              <a:buFont typeface="Arial" pitchFamily="34" charset="0"/>
-              <a:buChar char="•"/>
-            </a:pPr>
-            <a:r>
-              <a:rPr lang="en-US" dirty="0" smtClean="0"/>
-              <a:t>A repository of libraries somewhere and</a:t>
-            </a:r>
-          </a:p>
-          <a:p>
-            <a:pPr marL="342900" indent="-342900">
-              <a:buFont typeface="Arial" pitchFamily="34" charset="0"/>
-              <a:buChar char="•"/>
-            </a:pPr>
-            <a:r>
-              <a:rPr lang="en-US" dirty="0" smtClean="0"/>
-              <a:t>Let a tool download them with their </a:t>
-            </a:r>
-            <a:r>
-              <a:rPr lang="en-US" dirty="0" err="1" smtClean="0"/>
-              <a:t>dependecies</a:t>
+            <a:r>
+              <a:rPr lang="en-US" dirty="0" smtClean="0"/>
+              <a:t>Thank-you very much for taking this course</a:t>
+            </a:r>
+          </a:p>
+          <a:p>
+            <a:r>
+              <a:rPr lang="en-US" dirty="0" smtClean="0"/>
+              <a:t>I really hope you all had a great </a:t>
+            </a:r>
+            <a:r>
+              <a:rPr lang="en-US" dirty="0" smtClean="0"/>
+              <a:t>time</a:t>
             </a:r>
             <a:endParaRPr lang="en-US" dirty="0" smtClean="0"/>
-          </a:p>
-          <a:p>
-            <a:pPr marL="342900" indent="-342900">
-              <a:buFont typeface="Arial" pitchFamily="34" charset="0"/>
-              <a:buChar char="•"/>
-            </a:pPr>
-            <a:r>
-              <a:rPr lang="en-US" dirty="0" smtClean="0"/>
-              <a:t>And help you build artifacts</a:t>
-            </a:r>
-            <a:endParaRPr lang="en-US" dirty="0"/>
           </a:p>
         </p:txBody>
       </p:sp>
     </p:spTree>
     <p:extLst>
       <p:ext uri="{BB962C8B-B14F-4D97-AF65-F5344CB8AC3E}">
-        <p14:creationId xmlns:p14="http://schemas.microsoft.com/office/powerpoint/2010/main" val="3404509170"/>
+        <p14:creationId xmlns:p14="http://schemas.microsoft.com/office/powerpoint/2010/main" val="1027203661"/>
       </p:ext>
     </p:extLst>
   </p:cSld>

--- a/coursePresentation.pptx
+++ b/coursePresentation.pptx
@@ -5,10 +5,10 @@
     <p:sldMasterId id="2147484906" r:id="rId1"/>
   </p:sldMasterIdLst>
   <p:notesMasterIdLst>
-    <p:notesMasterId r:id="rId101"/>
+    <p:notesMasterId r:id="rId104"/>
   </p:notesMasterIdLst>
   <p:handoutMasterIdLst>
-    <p:handoutMasterId r:id="rId102"/>
+    <p:handoutMasterId r:id="rId105"/>
   </p:handoutMasterIdLst>
   <p:sldIdLst>
     <p:sldId id="257" r:id="rId2"/>
@@ -108,8 +108,11 @@
     <p:sldId id="442" r:id="rId96"/>
     <p:sldId id="449" r:id="rId97"/>
     <p:sldId id="427" r:id="rId98"/>
-    <p:sldId id="450" r:id="rId99"/>
-    <p:sldId id="394" r:id="rId100"/>
+    <p:sldId id="451" r:id="rId99"/>
+    <p:sldId id="452" r:id="rId100"/>
+    <p:sldId id="453" r:id="rId101"/>
+    <p:sldId id="450" r:id="rId102"/>
+    <p:sldId id="394" r:id="rId103"/>
   </p:sldIdLst>
   <p:sldSz cx="9144000" cy="6858000" type="screen4x3"/>
   <p:notesSz cx="6858000" cy="9144000"/>
@@ -240,7 +243,7 @@
   </p:defaultTextStyle>
   <p:extLst>
     <p:ext uri="{EFAFB233-063F-42B5-8137-9DF3F51BA10A}">
-      <p15:sldGuideLst xmlns="" xmlns:p15="http://schemas.microsoft.com/office/powerpoint/2012/main">
+      <p15:sldGuideLst xmlns:p15="http://schemas.microsoft.com/office/powerpoint/2012/main" xmlns="">
         <p15:guide id="1" orient="horz" pos="4029">
           <p15:clr>
             <a:srgbClr val="A4A3A4"/>
@@ -1615,7 +1618,7 @@
             <a:fld id="{A4A6734C-E115-4BC5-9FB0-F9BF6FABFDA0}" type="datetimeFigureOut">
               <a:rPr lang="en-US" smtClean="0"/>
               <a:pPr/>
-              <a:t>5/21/2014</a:t>
+              <a:t>5/29/2014</a:t>
             </a:fld>
             <a:endParaRPr lang="en-US"/>
           </a:p>
@@ -3743,7 +3746,7 @@
             <a:fld id="{A4A6734C-E115-4BC5-9FB0-F9BF6FABFDA0}" type="datetimeFigureOut">
               <a:rPr lang="en-US" smtClean="0"/>
               <a:pPr/>
-              <a:t>5/21/2014</a:t>
+              <a:t>5/29/2014</a:t>
             </a:fld>
             <a:endParaRPr lang="en-US"/>
           </a:p>
@@ -6693,6 +6696,420 @@
 </p:sld>
 </file>
 
+<file path=ppt/slides/slide100.xml><?xml version="1.0" encoding="utf-8"?>
+<p:sld xmlns:a="http://schemas.openxmlformats.org/drawingml/2006/main" xmlns:r="http://schemas.openxmlformats.org/officeDocument/2006/relationships" xmlns:p="http://schemas.openxmlformats.org/presentationml/2006/main">
+  <p:cSld>
+    <p:spTree>
+      <p:nvGrpSpPr>
+        <p:cNvPr id="1" name=""/>
+        <p:cNvGrpSpPr/>
+        <p:nvPr/>
+      </p:nvGrpSpPr>
+      <p:grpSpPr>
+        <a:xfrm>
+          <a:off x="0" y="0"/>
+          <a:ext cx="0" cy="0"/>
+          <a:chOff x="0" y="0"/>
+          <a:chExt cx="0" cy="0"/>
+        </a:xfrm>
+      </p:grpSpPr>
+      <p:sp>
+        <p:nvSpPr>
+          <p:cNvPr id="2" name="Title 1"/>
+          <p:cNvSpPr>
+            <a:spLocks noGrp="1"/>
+          </p:cNvSpPr>
+          <p:nvPr>
+            <p:ph type="title"/>
+          </p:nvPr>
+        </p:nvSpPr>
+        <p:spPr/>
+        <p:txBody>
+          <a:bodyPr/>
+          <a:lstStyle/>
+          <a:p>
+            <a:r>
+              <a:rPr lang="en-US" dirty="0" err="1" smtClean="0"/>
+              <a:t>GitHub</a:t>
+            </a:r>
+            <a:r>
+              <a:rPr lang="en-US" dirty="0" smtClean="0"/>
+              <a:t> Pages</a:t>
+            </a:r>
+            <a:endParaRPr lang="en-US" dirty="0"/>
+          </a:p>
+        </p:txBody>
+      </p:sp>
+      <p:sp>
+        <p:nvSpPr>
+          <p:cNvPr id="3" name="Content Placeholder 2"/>
+          <p:cNvSpPr>
+            <a:spLocks noGrp="1"/>
+          </p:cNvSpPr>
+          <p:nvPr>
+            <p:ph idx="1"/>
+          </p:nvPr>
+        </p:nvSpPr>
+        <p:spPr/>
+        <p:txBody>
+          <a:bodyPr>
+            <a:normAutofit fontScale="92500" lnSpcReduction="20000"/>
+          </a:bodyPr>
+          <a:lstStyle/>
+          <a:p>
+            <a:r>
+              <a:rPr lang="en-US" dirty="0" smtClean="0"/>
+              <a:t>So we are already using </a:t>
+            </a:r>
+            <a:r>
+              <a:rPr lang="en-US" dirty="0" err="1" smtClean="0"/>
+              <a:t>GitHub</a:t>
+            </a:r>
+            <a:r>
+              <a:rPr lang="en-US" dirty="0"/>
+              <a:t> </a:t>
+            </a:r>
+            <a:r>
+              <a:rPr lang="en-US" dirty="0" smtClean="0"/>
+              <a:t>…</a:t>
+            </a:r>
+          </a:p>
+          <a:p>
+            <a:r>
+              <a:rPr lang="en-US" dirty="0"/>
+              <a:t>Now let’s use https://pages.github.com/</a:t>
+            </a:r>
+            <a:endParaRPr lang="en-US" dirty="0" smtClean="0"/>
+          </a:p>
+          <a:p>
+            <a:r>
+              <a:rPr lang="en-US" dirty="0" smtClean="0"/>
+              <a:t>To use </a:t>
+            </a:r>
+            <a:r>
+              <a:rPr lang="en-US" dirty="0" err="1" smtClean="0"/>
+              <a:t>GitHub</a:t>
+            </a:r>
+            <a:r>
+              <a:rPr lang="en-US" dirty="0" smtClean="0"/>
+              <a:t> pages, just create a branch called </a:t>
+            </a:r>
+            <a:r>
+              <a:rPr lang="en-US" dirty="0" err="1" smtClean="0"/>
+              <a:t>gh</a:t>
+            </a:r>
+            <a:r>
+              <a:rPr lang="en-US" dirty="0" smtClean="0"/>
+              <a:t>-pages</a:t>
+            </a:r>
+          </a:p>
+          <a:p>
+            <a:r>
+              <a:rPr lang="en-US" dirty="0" smtClean="0"/>
+              <a:t>Before that, make sure you created your zip file in root and write an index.html that will have an anchor reference to it (you can refer to my index.html)</a:t>
+            </a:r>
+          </a:p>
+          <a:p>
+            <a:r>
+              <a:rPr lang="en-US" dirty="0" smtClean="0"/>
+              <a:t>After that, just create a </a:t>
+            </a:r>
+            <a:r>
+              <a:rPr lang="en-US" dirty="0" err="1" smtClean="0"/>
+              <a:t>gh</a:t>
+            </a:r>
+            <a:r>
+              <a:rPr lang="en-US" dirty="0" smtClean="0"/>
+              <a:t>-pages branch and push</a:t>
+            </a:r>
+          </a:p>
+          <a:p>
+            <a:r>
+              <a:rPr lang="en-US" dirty="0" smtClean="0"/>
+              <a:t>OPTIONAL: modify you </a:t>
+            </a:r>
+            <a:r>
+              <a:rPr lang="en-US" dirty="0" err="1" smtClean="0"/>
+              <a:t>github</a:t>
+            </a:r>
+            <a:r>
+              <a:rPr lang="en-US" smtClean="0"/>
+              <a:t> webpage URL</a:t>
+            </a:r>
+            <a:endParaRPr lang="en-US" dirty="0"/>
+          </a:p>
+        </p:txBody>
+      </p:sp>
+      <p:sp>
+        <p:nvSpPr>
+          <p:cNvPr id="4" name="Slide Number Placeholder 3"/>
+          <p:cNvSpPr>
+            <a:spLocks noGrp="1"/>
+          </p:cNvSpPr>
+          <p:nvPr>
+            <p:ph type="sldNum" sz="quarter" idx="12"/>
+          </p:nvPr>
+        </p:nvSpPr>
+        <p:spPr/>
+        <p:txBody>
+          <a:bodyPr/>
+          <a:lstStyle/>
+          <a:p>
+            <a:pPr>
+              <a:defRPr/>
+            </a:pPr>
+            <a:fld id="{8B8B984A-5AFF-7643-AE60-6D8D11294076}" type="slidenum">
+              <a:rPr lang="en-US" smtClean="0"/>
+              <a:pPr>
+                <a:defRPr/>
+              </a:pPr>
+              <a:t>100</a:t>
+            </a:fld>
+            <a:endParaRPr lang="en-US"/>
+          </a:p>
+        </p:txBody>
+      </p:sp>
+    </p:spTree>
+    <p:extLst>
+      <p:ext uri="{BB962C8B-B14F-4D97-AF65-F5344CB8AC3E}">
+        <p14:creationId xmlns:p14="http://schemas.microsoft.com/office/powerpoint/2010/main" val="3984643317"/>
+      </p:ext>
+    </p:extLst>
+  </p:cSld>
+  <p:clrMapOvr>
+    <a:masterClrMapping/>
+  </p:clrMapOvr>
+</p:sld>
+</file>
+
+<file path=ppt/slides/slide101.xml><?xml version="1.0" encoding="utf-8"?>
+<p:sld xmlns:a="http://schemas.openxmlformats.org/drawingml/2006/main" xmlns:r="http://schemas.openxmlformats.org/officeDocument/2006/relationships" xmlns:p="http://schemas.openxmlformats.org/presentationml/2006/main">
+  <p:cSld>
+    <p:spTree>
+      <p:nvGrpSpPr>
+        <p:cNvPr id="1" name=""/>
+        <p:cNvGrpSpPr/>
+        <p:nvPr/>
+      </p:nvGrpSpPr>
+      <p:grpSpPr>
+        <a:xfrm>
+          <a:off x="0" y="0"/>
+          <a:ext cx="0" cy="0"/>
+          <a:chOff x="0" y="0"/>
+          <a:chExt cx="0" cy="0"/>
+        </a:xfrm>
+      </p:grpSpPr>
+      <p:sp>
+        <p:nvSpPr>
+          <p:cNvPr id="2" name="Title 1"/>
+          <p:cNvSpPr>
+            <a:spLocks noGrp="1"/>
+          </p:cNvSpPr>
+          <p:nvPr>
+            <p:ph type="title"/>
+          </p:nvPr>
+        </p:nvSpPr>
+        <p:spPr/>
+        <p:txBody>
+          <a:bodyPr/>
+          <a:lstStyle/>
+          <a:p>
+            <a:r>
+              <a:rPr lang="en-US" dirty="0" smtClean="0"/>
+              <a:t>Homework</a:t>
+            </a:r>
+            <a:endParaRPr lang="en-US" dirty="0"/>
+          </a:p>
+        </p:txBody>
+      </p:sp>
+      <p:sp>
+        <p:nvSpPr>
+          <p:cNvPr id="3" name="Content Placeholder 2"/>
+          <p:cNvSpPr>
+            <a:spLocks noGrp="1"/>
+          </p:cNvSpPr>
+          <p:nvPr>
+            <p:ph idx="1"/>
+          </p:nvPr>
+        </p:nvSpPr>
+        <p:spPr/>
+        <p:txBody>
+          <a:bodyPr/>
+          <a:lstStyle/>
+          <a:p>
+            <a:r>
+              <a:rPr lang="en-US" dirty="0" smtClean="0"/>
+              <a:t>Assignment11/Final Project</a:t>
+            </a:r>
+          </a:p>
+          <a:p>
+            <a:r>
+              <a:rPr lang="en-US" smtClean="0"/>
+              <a:t>Package it up ;)</a:t>
+            </a:r>
+            <a:endParaRPr lang="en-US"/>
+          </a:p>
+        </p:txBody>
+      </p:sp>
+      <p:sp>
+        <p:nvSpPr>
+          <p:cNvPr id="4" name="Slide Number Placeholder 3"/>
+          <p:cNvSpPr>
+            <a:spLocks noGrp="1"/>
+          </p:cNvSpPr>
+          <p:nvPr>
+            <p:ph type="sldNum" sz="quarter" idx="12"/>
+          </p:nvPr>
+        </p:nvSpPr>
+        <p:spPr/>
+        <p:txBody>
+          <a:bodyPr/>
+          <a:lstStyle/>
+          <a:p>
+            <a:pPr>
+              <a:defRPr/>
+            </a:pPr>
+            <a:fld id="{8B8B984A-5AFF-7643-AE60-6D8D11294076}" type="slidenum">
+              <a:rPr lang="en-US" smtClean="0"/>
+              <a:pPr>
+                <a:defRPr/>
+              </a:pPr>
+              <a:t>101</a:t>
+            </a:fld>
+            <a:endParaRPr lang="en-US"/>
+          </a:p>
+        </p:txBody>
+      </p:sp>
+    </p:spTree>
+    <p:extLst>
+      <p:ext uri="{BB962C8B-B14F-4D97-AF65-F5344CB8AC3E}">
+        <p14:creationId xmlns:p14="http://schemas.microsoft.com/office/powerpoint/2010/main" val="518232887"/>
+      </p:ext>
+    </p:extLst>
+  </p:cSld>
+  <p:clrMapOvr>
+    <a:masterClrMapping/>
+  </p:clrMapOvr>
+</p:sld>
+</file>
+
+<file path=ppt/slides/slide102.xml><?xml version="1.0" encoding="utf-8"?>
+<p:sld xmlns:a="http://schemas.openxmlformats.org/drawingml/2006/main" xmlns:r="http://schemas.openxmlformats.org/officeDocument/2006/relationships" xmlns:p="http://schemas.openxmlformats.org/presentationml/2006/main">
+  <p:cSld>
+    <p:spTree>
+      <p:nvGrpSpPr>
+        <p:cNvPr id="1" name=""/>
+        <p:cNvGrpSpPr/>
+        <p:nvPr/>
+      </p:nvGrpSpPr>
+      <p:grpSpPr>
+        <a:xfrm>
+          <a:off x="0" y="0"/>
+          <a:ext cx="0" cy="0"/>
+          <a:chOff x="0" y="0"/>
+          <a:chExt cx="0" cy="0"/>
+        </a:xfrm>
+      </p:grpSpPr>
+      <p:sp>
+        <p:nvSpPr>
+          <p:cNvPr id="2" name="Title 1"/>
+          <p:cNvSpPr>
+            <a:spLocks noGrp="1"/>
+          </p:cNvSpPr>
+          <p:nvPr>
+            <p:ph type="title"/>
+          </p:nvPr>
+        </p:nvSpPr>
+        <p:spPr/>
+        <p:txBody>
+          <a:bodyPr/>
+          <a:lstStyle/>
+          <a:p>
+            <a:r>
+              <a:rPr lang="en-US" dirty="0" smtClean="0"/>
+              <a:t>The End</a:t>
+            </a:r>
+            <a:endParaRPr lang="en-US" dirty="0"/>
+          </a:p>
+        </p:txBody>
+      </p:sp>
+      <p:sp>
+        <p:nvSpPr>
+          <p:cNvPr id="3" name="Slide Number Placeholder 2"/>
+          <p:cNvSpPr>
+            <a:spLocks noGrp="1"/>
+          </p:cNvSpPr>
+          <p:nvPr>
+            <p:ph type="sldNum" sz="quarter" idx="12"/>
+          </p:nvPr>
+        </p:nvSpPr>
+        <p:spPr/>
+        <p:txBody>
+          <a:bodyPr/>
+          <a:lstStyle/>
+          <a:p>
+            <a:pPr>
+              <a:defRPr/>
+            </a:pPr>
+            <a:fld id="{B2451C39-31DD-6D4B-9BED-758CF6C1BA6A}" type="slidenum">
+              <a:rPr lang="en-CA" smtClean="0"/>
+              <a:pPr>
+                <a:defRPr/>
+              </a:pPr>
+              <a:t>102</a:t>
+            </a:fld>
+            <a:endParaRPr lang="en-CA"/>
+          </a:p>
+        </p:txBody>
+      </p:sp>
+      <p:sp>
+        <p:nvSpPr>
+          <p:cNvPr id="4" name="TextBox 3"/>
+          <p:cNvSpPr txBox="1"/>
+          <p:nvPr/>
+        </p:nvSpPr>
+        <p:spPr>
+          <a:xfrm>
+            <a:off x="1295400" y="2590800"/>
+            <a:ext cx="6070893" cy="830997"/>
+          </a:xfrm>
+          <a:prstGeom prst="rect">
+            <a:avLst/>
+          </a:prstGeom>
+          <a:noFill/>
+        </p:spPr>
+        <p:txBody>
+          <a:bodyPr wrap="none" rtlCol="0">
+            <a:spAutoFit/>
+          </a:bodyPr>
+          <a:lstStyle/>
+          <a:p>
+            <a:r>
+              <a:rPr lang="en-US" dirty="0" smtClean="0"/>
+              <a:t>Thank-you very much for taking this course</a:t>
+            </a:r>
+          </a:p>
+          <a:p>
+            <a:r>
+              <a:rPr lang="en-US" dirty="0" smtClean="0"/>
+              <a:t>I really hope you all had a great time</a:t>
+            </a:r>
+          </a:p>
+        </p:txBody>
+      </p:sp>
+    </p:spTree>
+    <p:extLst>
+      <p:ext uri="{BB962C8B-B14F-4D97-AF65-F5344CB8AC3E}">
+        <p14:creationId xmlns:p14="http://schemas.microsoft.com/office/powerpoint/2010/main" val="1027203661"/>
+      </p:ext>
+    </p:extLst>
+  </p:cSld>
+  <p:clrMapOvr>
+    <a:masterClrMapping/>
+  </p:clrMapOvr>
+</p:sld>
+</file>
+
 <file path=ppt/slides/slide11.xml><?xml version="1.0" encoding="utf-8"?>
 <p:sld xmlns:a="http://schemas.openxmlformats.org/drawingml/2006/main" xmlns:r="http://schemas.openxmlformats.org/officeDocument/2006/relationships" xmlns:p="http://schemas.openxmlformats.org/presentationml/2006/main">
   <p:cSld>
@@ -11135,7 +11552,6 @@
               <a:rPr lang="en-US" dirty="0" smtClean="0"/>
               <a:t>JPA (Oh … you’ll be seeing this later on)</a:t>
             </a:r>
-            <a:endParaRPr lang="en-US" dirty="0" smtClean="0"/>
           </a:p>
           <a:p>
             <a:pPr marL="342900" indent="-342900">
@@ -11176,7 +11592,6 @@
               <a:rPr lang="en-US" dirty="0" smtClean="0"/>
               <a:t>Spring (and we’ll see this later on too)</a:t>
             </a:r>
-            <a:endParaRPr lang="en-US" dirty="0" smtClean="0"/>
           </a:p>
           <a:p>
             <a:pPr marL="342900" indent="-342900">
@@ -15005,11 +15420,7 @@
           <a:p>
             <a:r>
               <a:rPr lang="en-US" dirty="0" smtClean="0"/>
-              <a:t>With Java1.7 </a:t>
-            </a:r>
-            <a:r>
-              <a:rPr lang="en-US" dirty="0" smtClean="0"/>
-              <a:t>…</a:t>
+              <a:t>With Java1.7 …</a:t>
             </a:r>
           </a:p>
           <a:p>
@@ -17451,11 +17862,7 @@
           <a:p>
             <a:r>
               <a:rPr lang="en-US" dirty="0" smtClean="0"/>
-              <a:t>Assignment </a:t>
-            </a:r>
-            <a:r>
-              <a:rPr lang="en-US" dirty="0" smtClean="0"/>
-              <a:t>5</a:t>
+              <a:t>Assignment 5</a:t>
             </a:r>
           </a:p>
           <a:p>
@@ -17782,11 +18189,7 @@
           <a:p>
             <a:r>
               <a:rPr lang="en-US" dirty="0" smtClean="0"/>
-              <a:t>This is where the course becomes … “</a:t>
-            </a:r>
-            <a:r>
-              <a:rPr lang="en-US" dirty="0" smtClean="0"/>
-              <a:t>your” project</a:t>
+              <a:t>This is where the course becomes … “your” project</a:t>
             </a:r>
             <a:endParaRPr lang="en-US" dirty="0"/>
           </a:p>
@@ -17814,19 +18217,7 @@
           <a:p>
             <a:r>
               <a:rPr lang="en-US" dirty="0" smtClean="0"/>
-              <a:t>Each </a:t>
-            </a:r>
-            <a:r>
-              <a:rPr lang="en-US" dirty="0" smtClean="0"/>
-              <a:t>project may use a different </a:t>
-            </a:r>
-            <a:r>
-              <a:rPr lang="en-US" dirty="0" smtClean="0"/>
-              <a:t>Swing widget</a:t>
-            </a:r>
-            <a:r>
-              <a:rPr lang="en-US" dirty="0" smtClean="0"/>
-              <a:t>, experiment and have fun.</a:t>
+              <a:t>Each project may use a different Swing widget, experiment and have fun.</a:t>
             </a:r>
             <a:endParaRPr lang="en-US" dirty="0"/>
           </a:p>
@@ -18077,11 +18468,7 @@
           <a:p>
             <a:r>
               <a:rPr lang="en-US" dirty="0" smtClean="0"/>
-              <a:t>Assignment </a:t>
-            </a:r>
-            <a:r>
-              <a:rPr lang="en-US" dirty="0" smtClean="0"/>
-              <a:t>7</a:t>
+              <a:t>Assignment 7</a:t>
             </a:r>
             <a:endParaRPr lang="en-US" dirty="0"/>
           </a:p>
@@ -18232,11 +18619,7 @@
           <a:p>
             <a:r>
               <a:rPr lang="en-US" dirty="0" smtClean="0"/>
-              <a:t>This </a:t>
-            </a:r>
-            <a:r>
-              <a:rPr lang="en-US" dirty="0" smtClean="0"/>
-              <a:t>is where the class becomes more</a:t>
+              <a:t>This is where the class becomes more</a:t>
             </a:r>
           </a:p>
           <a:p>
@@ -18464,11 +18847,7 @@
             </a:r>
             <a:r>
               <a:rPr lang="en-US" dirty="0" smtClean="0"/>
-              <a:t> Connectivity – if you can avoid programming with vanilla JDBC directly, that’s a good </a:t>
-            </a:r>
-            <a:r>
-              <a:rPr lang="en-US" dirty="0" smtClean="0"/>
-              <a:t>thing</a:t>
+              <a:t> Connectivity – if you can avoid programming with vanilla JDBC directly, that’s a good thing</a:t>
             </a:r>
           </a:p>
           <a:p>
@@ -18476,16 +18855,11 @@
               <a:rPr lang="en-US" dirty="0" smtClean="0"/>
               <a:t>ORM is EASIER to learn because it doesn’t require you to write SQL (or so that’s the theory …)</a:t>
             </a:r>
-            <a:endParaRPr lang="en-US" dirty="0" smtClean="0"/>
-          </a:p>
-          <a:p>
-            <a:r>
-              <a:rPr lang="en-US" dirty="0" smtClean="0"/>
-              <a:t>ORM </a:t>
-            </a:r>
-            <a:r>
-              <a:rPr lang="en-US" dirty="0" smtClean="0"/>
-              <a:t>-&gt; Object Relational Mapping.  Means transforming a Java Data Model</a:t>
+          </a:p>
+          <a:p>
+            <a:r>
+              <a:rPr lang="en-US" dirty="0" smtClean="0"/>
+              <a:t>ORM -&gt; Object Relational Mapping.  Means transforming a Java Data Model</a:t>
             </a:r>
             <a:endParaRPr lang="en-US" dirty="0"/>
           </a:p>
@@ -18592,11 +18966,7 @@
           <a:p>
             <a:r>
               <a:rPr lang="en-US" dirty="0" smtClean="0"/>
-              <a:t>ORM </a:t>
-            </a:r>
-            <a:r>
-              <a:rPr lang="en-US" dirty="0" smtClean="0"/>
-              <a:t>in Java == JPA (</a:t>
+              <a:t>ORM in Java == JPA (</a:t>
             </a:r>
             <a:r>
               <a:rPr lang="en-US" b="1" i="1" dirty="0">
@@ -19359,25 +19729,13 @@
           <a:p>
             <a:r>
               <a:rPr lang="en-US" dirty="0" smtClean="0"/>
-              <a:t>Add a </a:t>
-            </a:r>
-            <a:r>
-              <a:rPr lang="en-US" dirty="0" smtClean="0"/>
-              <a:t>@Id to </a:t>
-            </a:r>
-            <a:r>
-              <a:rPr lang="en-US" dirty="0" smtClean="0"/>
-              <a:t>the primary key</a:t>
-            </a:r>
-          </a:p>
-          <a:p>
-            <a:r>
-              <a:rPr lang="en-US" dirty="0" smtClean="0"/>
-              <a:t>Add </a:t>
-            </a:r>
-            <a:r>
-              <a:rPr lang="en-US" dirty="0" smtClean="0"/>
-              <a:t>@</a:t>
+              <a:t>Add a @Id to the primary key</a:t>
+            </a:r>
+          </a:p>
+          <a:p>
+            <a:r>
+              <a:rPr lang="en-US" dirty="0" smtClean="0"/>
+              <a:t>Add @</a:t>
             </a:r>
             <a:r>
               <a:rPr lang="en-US" dirty="0" err="1" smtClean="0"/>
@@ -19496,11 +19854,7 @@
           <a:p>
             <a:r>
               <a:rPr lang="en-US" dirty="0" smtClean="0"/>
-              <a:t>See </a:t>
-            </a:r>
-            <a:r>
-              <a:rPr lang="en-US" dirty="0" smtClean="0"/>
-              <a:t>day08.TeacherRepository</a:t>
+              <a:t>See day08.TeacherRepository</a:t>
             </a:r>
             <a:endParaRPr lang="en-US" dirty="0"/>
           </a:p>
@@ -20314,11 +20668,7 @@
           <a:p>
             <a:r>
               <a:rPr lang="en-US" dirty="0" smtClean="0"/>
-              <a:t>application.xml </a:t>
-            </a:r>
-            <a:r>
-              <a:rPr lang="en-US" dirty="0" smtClean="0"/>
-              <a:t> and </a:t>
+              <a:t>application.xml  and </a:t>
             </a:r>
             <a:r>
               <a:rPr lang="en-US" dirty="0" err="1" smtClean="0"/>
@@ -20721,13 +21071,8 @@
           <a:p>
             <a:r>
               <a:rPr lang="en-US" dirty="0" smtClean="0"/>
-              <a:t>See: </a:t>
-            </a:r>
-            <a:r>
-              <a:rPr lang="en-US" dirty="0" smtClean="0"/>
-              <a:t>day08.TestDriverWithMySQLDB</a:t>
-            </a:r>
-            <a:endParaRPr lang="en-US" dirty="0" smtClean="0"/>
+              <a:t>See: day08.TestDriverWithMySQLDB</a:t>
+            </a:r>
           </a:p>
         </p:txBody>
       </p:sp>
@@ -22406,11 +22751,7 @@
           <a:p>
             <a:r>
               <a:rPr lang="en-US" dirty="0" smtClean="0"/>
-              <a:t>Assignment </a:t>
-            </a:r>
-            <a:r>
-              <a:rPr lang="en-US" dirty="0" smtClean="0"/>
-              <a:t>9</a:t>
+              <a:t>Assignment 9</a:t>
             </a:r>
             <a:endParaRPr lang="en-US" dirty="0"/>
           </a:p>
@@ -23090,31 +23431,76 @@
           <a:p>
             <a:r>
               <a:rPr lang="en-US" dirty="0" smtClean="0"/>
-              <a:t>You already used it with </a:t>
-            </a:r>
-            <a:r>
-              <a:rPr lang="en-US" dirty="0" smtClean="0"/>
-              <a:t>Swing</a:t>
+              <a:t>You already used it </a:t>
+            </a:r>
+            <a:r>
+              <a:rPr lang="en-US" dirty="0" smtClean="0"/>
+              <a:t>;)</a:t>
             </a:r>
             <a:endParaRPr lang="en-US" dirty="0" smtClean="0"/>
           </a:p>
           <a:p>
             <a:r>
               <a:rPr lang="en-US" dirty="0" smtClean="0"/>
-              <a:t>Which was the Model?</a:t>
-            </a:r>
-          </a:p>
-          <a:p>
-            <a:r>
-              <a:rPr lang="en-US" dirty="0" smtClean="0"/>
-              <a:t>View?</a:t>
-            </a:r>
-          </a:p>
-          <a:p>
-            <a:r>
-              <a:rPr lang="en-US" dirty="0" smtClean="0"/>
-              <a:t>Controller?</a:t>
-            </a:r>
+              <a:t>Which was the Model</a:t>
+            </a:r>
+            <a:r>
+              <a:rPr lang="en-US" dirty="0" smtClean="0"/>
+              <a:t>? (hint model </a:t>
+            </a:r>
+            <a:r>
+              <a:rPr lang="en-US" dirty="0" err="1" smtClean="0"/>
+              <a:t>clases</a:t>
+            </a:r>
+            <a:r>
+              <a:rPr lang="en-US" dirty="0" smtClean="0"/>
+              <a:t>)</a:t>
+            </a:r>
+            <a:endParaRPr lang="en-US" dirty="0" smtClean="0"/>
+          </a:p>
+          <a:p>
+            <a:r>
+              <a:rPr lang="en-US" dirty="0" smtClean="0"/>
+              <a:t>View</a:t>
+            </a:r>
+            <a:r>
+              <a:rPr lang="en-US" dirty="0" smtClean="0"/>
+              <a:t>? (the contents with the </a:t>
+            </a:r>
+            <a:r>
+              <a:rPr lang="en-US" dirty="0" err="1" smtClean="0"/>
+              <a:t>JFrames</a:t>
+            </a:r>
+            <a:r>
+              <a:rPr lang="en-US" dirty="0" smtClean="0"/>
+              <a:t>)</a:t>
+            </a:r>
+            <a:endParaRPr lang="en-US" dirty="0" smtClean="0"/>
+          </a:p>
+          <a:p>
+            <a:r>
+              <a:rPr lang="en-US" dirty="0" smtClean="0"/>
+              <a:t>Controller</a:t>
+            </a:r>
+            <a:r>
+              <a:rPr lang="en-US" dirty="0" smtClean="0"/>
+              <a:t>? (</a:t>
+            </a:r>
+            <a:r>
+              <a:rPr lang="en-US" dirty="0" err="1" smtClean="0"/>
+              <a:t>JFrames</a:t>
+            </a:r>
+            <a:r>
+              <a:rPr lang="en-US" dirty="0" smtClean="0"/>
+              <a:t>)</a:t>
+            </a:r>
+          </a:p>
+          <a:p>
+            <a:r>
+              <a:rPr lang="en-US" dirty="0" smtClean="0"/>
+              <a:t>Admittedly, the separation of Controller and View is quite weak in Swing, but this design pattern is used throughout software engineering</a:t>
+            </a:r>
+            <a:endParaRPr lang="en-US" dirty="0" smtClean="0"/>
           </a:p>
           <a:p>
             <a:r>
@@ -23125,26 +23511,13 @@
           <a:p>
             <a:r>
               <a:rPr lang="en-US" dirty="0" smtClean="0"/>
-              <a:t>Lots of other ones out there like MVP, MVVM, and now there’s a category called MVW – whatever!</a:t>
-            </a:r>
-          </a:p>
-          <a:p>
-            <a:r>
-              <a:rPr lang="en-US" dirty="0" smtClean="0"/>
-              <a:t>Questions?  If not, go back to your Assignment!</a:t>
-            </a:r>
-          </a:p>
-          <a:p>
-            <a:r>
-              <a:rPr lang="en-US" dirty="0" smtClean="0"/>
-              <a:t>I’ll be here to answer questions for the rest of this lecture.</a:t>
-            </a:r>
-          </a:p>
-          <a:p>
-            <a:r>
-              <a:rPr lang="en-US" dirty="0" smtClean="0"/>
-              <a:t>Advice: Check out your neighbor’s application.  Strongly encouraged.</a:t>
-            </a:r>
+              <a:t>Lots of other ones out there like MVP, MVVM, and now there’s a category called MVW – whatever</a:t>
+            </a:r>
+            <a:r>
+              <a:rPr lang="en-US" dirty="0" smtClean="0"/>
+              <a:t>!</a:t>
+            </a:r>
+            <a:endParaRPr lang="en-US" dirty="0" smtClean="0"/>
           </a:p>
           <a:p>
             <a:endParaRPr lang="en-US" dirty="0"/>
@@ -23227,7 +23600,7 @@
           <a:p>
             <a:r>
               <a:rPr lang="en-US" dirty="0" smtClean="0"/>
-              <a:t>Homework</a:t>
+              <a:t>Packaging it up</a:t>
             </a:r>
             <a:endParaRPr lang="en-US" dirty="0"/>
           </a:p>
@@ -23245,20 +23618,142 @@
         </p:nvSpPr>
         <p:spPr/>
         <p:txBody>
-          <a:bodyPr/>
-          <a:lstStyle/>
-          <a:p>
-            <a:r>
-              <a:rPr lang="en-US" dirty="0" smtClean="0"/>
-              <a:t>Assignment11/Final Project</a:t>
-            </a:r>
-          </a:p>
-          <a:p>
-            <a:r>
-              <a:rPr lang="en-US" smtClean="0"/>
-              <a:t>Package it up ;)</a:t>
-            </a:r>
-            <a:endParaRPr lang="en-US"/>
+          <a:bodyPr>
+            <a:normAutofit fontScale="92500" lnSpcReduction="20000"/>
+          </a:bodyPr>
+          <a:lstStyle/>
+          <a:p>
+            <a:r>
+              <a:rPr lang="en-US" dirty="0" smtClean="0"/>
+              <a:t>Refer to pom.xml</a:t>
+            </a:r>
+          </a:p>
+          <a:p>
+            <a:r>
+              <a:rPr lang="en-US" dirty="0" smtClean="0"/>
+              <a:t>maven-jar-plugin </a:t>
+            </a:r>
+          </a:p>
+          <a:p>
+            <a:pPr lvl="1"/>
+            <a:r>
+              <a:rPr lang="en-US" dirty="0" smtClean="0"/>
+              <a:t>(makes the main jar and puts in the in target folder)</a:t>
+            </a:r>
+          </a:p>
+          <a:p>
+            <a:pPr lvl="1"/>
+            <a:r>
+              <a:rPr lang="en-US" dirty="0" smtClean="0"/>
+              <a:t>You should specify the main class here</a:t>
+            </a:r>
+          </a:p>
+          <a:p>
+            <a:pPr lvl="1"/>
+            <a:r>
+              <a:rPr lang="en-US" dirty="0" err="1" smtClean="0"/>
+              <a:t>i.e</a:t>
+            </a:r>
+            <a:r>
+              <a:rPr lang="en-US" dirty="0" smtClean="0"/>
+              <a:t>: </a:t>
+            </a:r>
+            <a:r>
+              <a:rPr lang="en-US" dirty="0" smtClean="0">
+                <a:solidFill>
+                  <a:srgbClr val="FF0000"/>
+                </a:solidFill>
+              </a:rPr>
+              <a:t>&lt;</a:t>
+            </a:r>
+            <a:r>
+              <a:rPr lang="en-US" dirty="0" err="1" smtClean="0">
+                <a:solidFill>
+                  <a:srgbClr val="FF0000"/>
+                </a:solidFill>
+              </a:rPr>
+              <a:t>mainClass</a:t>
+            </a:r>
+            <a:r>
+              <a:rPr lang="en-US" dirty="0" smtClean="0">
+                <a:solidFill>
+                  <a:srgbClr val="FF0000"/>
+                </a:solidFill>
+              </a:rPr>
+              <a:t>&gt;ca.bcit.comp2613.coursematerial.day09.TeacherSwingApplication</a:t>
+            </a:r>
+            <a:r>
+              <a:rPr lang="en-US" dirty="0">
+                <a:solidFill>
+                  <a:srgbClr val="FF0000"/>
+                </a:solidFill>
+              </a:rPr>
+              <a:t>&lt;/</a:t>
+            </a:r>
+            <a:r>
+              <a:rPr lang="en-US" dirty="0" err="1">
+                <a:solidFill>
+                  <a:srgbClr val="FF0000"/>
+                </a:solidFill>
+              </a:rPr>
+              <a:t>mainClass</a:t>
+            </a:r>
+            <a:r>
+              <a:rPr lang="en-US" dirty="0" smtClean="0">
+                <a:solidFill>
+                  <a:srgbClr val="FF0000"/>
+                </a:solidFill>
+              </a:rPr>
+              <a:t>&gt;</a:t>
+            </a:r>
+          </a:p>
+          <a:p>
+            <a:r>
+              <a:rPr lang="en-US" dirty="0" smtClean="0"/>
+              <a:t>maven-dependency-plugin</a:t>
+            </a:r>
+          </a:p>
+          <a:p>
+            <a:pPr lvl="1"/>
+            <a:r>
+              <a:rPr lang="en-US" dirty="0" smtClean="0"/>
+              <a:t>Copies the jars (</a:t>
+            </a:r>
+            <a:r>
+              <a:rPr lang="en-US" dirty="0"/>
+              <a:t>&lt;goal&gt;copy-dependencies&lt;/goal</a:t>
+            </a:r>
+            <a:r>
+              <a:rPr lang="en-US" dirty="0" smtClean="0"/>
+              <a:t>&gt;) to the target/lib folder</a:t>
+            </a:r>
+          </a:p>
+          <a:p>
+            <a:r>
+              <a:rPr lang="en-US" dirty="0" smtClean="0"/>
+              <a:t>maven-</a:t>
+            </a:r>
+            <a:r>
+              <a:rPr lang="en-US" dirty="0" err="1" smtClean="0"/>
+              <a:t>antrun</a:t>
+            </a:r>
+            <a:r>
+              <a:rPr lang="en-US" dirty="0" smtClean="0"/>
+              <a:t>-plugin</a:t>
+            </a:r>
+          </a:p>
+          <a:p>
+            <a:pPr lvl="1"/>
+            <a:r>
+              <a:rPr lang="en-US" dirty="0" smtClean="0"/>
+              <a:t>Zip it up and puts the final artifact in the root folder</a:t>
+            </a:r>
+          </a:p>
+          <a:p>
+            <a:endParaRPr lang="en-US" dirty="0" smtClean="0"/>
+          </a:p>
+          <a:p>
+            <a:endParaRPr lang="en-US" dirty="0"/>
           </a:p>
         </p:txBody>
       </p:sp>
@@ -23294,7 +23789,7 @@
     </p:spTree>
     <p:extLst>
       <p:ext uri="{BB962C8B-B14F-4D97-AF65-F5344CB8AC3E}">
-        <p14:creationId xmlns:p14="http://schemas.microsoft.com/office/powerpoint/2010/main" val="518232887"/>
+        <p14:creationId xmlns:p14="http://schemas.microsoft.com/office/powerpoint/2010/main" val="3566519747"/>
       </p:ext>
     </p:extLst>
   </p:cSld>
@@ -23338,7 +23833,7 @@
           <a:p>
             <a:r>
               <a:rPr lang="en-US" dirty="0" smtClean="0"/>
-              <a:t>The End</a:t>
+              <a:t>Great I got a zip file now – now what?</a:t>
             </a:r>
             <a:endParaRPr lang="en-US" dirty="0"/>
           </a:p>
@@ -23346,7 +23841,44 @@
       </p:sp>
       <p:sp>
         <p:nvSpPr>
-          <p:cNvPr id="3" name="Slide Number Placeholder 2"/>
+          <p:cNvPr id="3" name="Content Placeholder 2"/>
+          <p:cNvSpPr>
+            <a:spLocks noGrp="1"/>
+          </p:cNvSpPr>
+          <p:nvPr>
+            <p:ph idx="1"/>
+          </p:nvPr>
+        </p:nvSpPr>
+        <p:spPr/>
+        <p:txBody>
+          <a:bodyPr/>
+          <a:lstStyle/>
+          <a:p>
+            <a:r>
+              <a:rPr lang="en-US" dirty="0" smtClean="0"/>
+              <a:t>Well you can send that zip file to a friend via email (</a:t>
+            </a:r>
+            <a:r>
+              <a:rPr lang="en-US" dirty="0" err="1" smtClean="0"/>
+              <a:t>tho</a:t>
+            </a:r>
+            <a:r>
+              <a:rPr lang="en-US" dirty="0" smtClean="0"/>
+              <a:t> it might be a bit large) …</a:t>
+            </a:r>
+          </a:p>
+          <a:p>
+            <a:r>
+              <a:rPr lang="en-US" dirty="0" smtClean="0"/>
+              <a:t>Or you can publish it to the web?</a:t>
+            </a:r>
+            <a:endParaRPr lang="en-US" dirty="0"/>
+          </a:p>
+        </p:txBody>
+      </p:sp>
+      <p:sp>
+        <p:nvSpPr>
+          <p:cNvPr id="4" name="Slide Number Placeholder 3"/>
           <p:cNvSpPr>
             <a:spLocks noGrp="1"/>
           </p:cNvSpPr>
@@ -23362,61 +23894,21 @@
             <a:pPr>
               <a:defRPr/>
             </a:pPr>
-            <a:fld id="{B2451C39-31DD-6D4B-9BED-758CF6C1BA6A}" type="slidenum">
-              <a:rPr lang="en-CA" smtClean="0"/>
+            <a:fld id="{8B8B984A-5AFF-7643-AE60-6D8D11294076}" type="slidenum">
+              <a:rPr lang="en-US" smtClean="0"/>
               <a:pPr>
                 <a:defRPr/>
               </a:pPr>
               <a:t>99</a:t>
             </a:fld>
-            <a:endParaRPr lang="en-CA"/>
-          </a:p>
-        </p:txBody>
-      </p:sp>
-      <p:sp>
-        <p:nvSpPr>
-          <p:cNvPr id="4" name="TextBox 3"/>
-          <p:cNvSpPr txBox="1"/>
-          <p:nvPr/>
-        </p:nvSpPr>
-        <p:spPr>
-          <a:xfrm>
-            <a:off x="1295400" y="2590800"/>
-            <a:ext cx="6070893" cy="830997"/>
-          </a:xfrm>
-          <a:prstGeom prst="rect">
-            <a:avLst/>
-          </a:prstGeom>
-          <a:noFill/>
-        </p:spPr>
-        <p:txBody>
-          <a:bodyPr wrap="none" rtlCol="0">
-            <a:spAutoFit/>
-          </a:bodyPr>
-          <a:lstStyle/>
-          <a:p>
-            <a:r>
-              <a:rPr lang="en-US" dirty="0" smtClean="0"/>
-              <a:t>Thank-you very much for taking this course</a:t>
-            </a:r>
-          </a:p>
-          <a:p>
-            <a:r>
-              <a:rPr lang="en-US" dirty="0" smtClean="0"/>
-              <a:t>I really hope you all had a great </a:t>
-            </a:r>
-            <a:r>
-              <a:rPr lang="en-US" dirty="0" smtClean="0"/>
-              <a:t>time</a:t>
-            </a:r>
-            <a:endParaRPr lang="en-US" dirty="0" smtClean="0"/>
+            <a:endParaRPr lang="en-US"/>
           </a:p>
         </p:txBody>
       </p:sp>
     </p:spTree>
     <p:extLst>
       <p:ext uri="{BB962C8B-B14F-4D97-AF65-F5344CB8AC3E}">
-        <p14:creationId xmlns:p14="http://schemas.microsoft.com/office/powerpoint/2010/main" val="1027203661"/>
+        <p14:creationId xmlns:p14="http://schemas.microsoft.com/office/powerpoint/2010/main" val="3392294601"/>
       </p:ext>
     </p:extLst>
   </p:cSld>

--- a/coursePresentation.pptx
+++ b/coursePresentation.pptx
@@ -243,7 +243,7 @@
   </p:defaultTextStyle>
   <p:extLst>
     <p:ext uri="{EFAFB233-063F-42B5-8137-9DF3F51BA10A}">
-      <p15:sldGuideLst xmlns:p15="http://schemas.microsoft.com/office/powerpoint/2012/main" xmlns="">
+      <p15:sldGuideLst xmlns="" xmlns:p15="http://schemas.microsoft.com/office/powerpoint/2012/main">
         <p15:guide id="1" orient="horz" pos="4029">
           <p15:clr>
             <a:srgbClr val="A4A3A4"/>
@@ -1618,7 +1618,7 @@
             <a:fld id="{A4A6734C-E115-4BC5-9FB0-F9BF6FABFDA0}" type="datetimeFigureOut">
               <a:rPr lang="en-US" smtClean="0"/>
               <a:pPr/>
-              <a:t>5/29/2014</a:t>
+              <a:t>5/30/2014</a:t>
             </a:fld>
             <a:endParaRPr lang="en-US"/>
           </a:p>
@@ -3746,7 +3746,7 @@
             <a:fld id="{A4A6734C-E115-4BC5-9FB0-F9BF6FABFDA0}" type="datetimeFigureOut">
               <a:rPr lang="en-US" smtClean="0"/>
               <a:pPr/>
-              <a:t>5/29/2014</a:t>
+              <a:t>5/30/2014</a:t>
             </a:fld>
             <a:endParaRPr lang="en-US"/>
           </a:p>
@@ -23431,22 +23431,13 @@
           <a:p>
             <a:r>
               <a:rPr lang="en-US" dirty="0" smtClean="0"/>
-              <a:t>You already used it </a:t>
-            </a:r>
-            <a:r>
-              <a:rPr lang="en-US" dirty="0" smtClean="0"/>
-              <a:t>;)</a:t>
-            </a:r>
-            <a:endParaRPr lang="en-US" dirty="0" smtClean="0"/>
-          </a:p>
-          <a:p>
-            <a:r>
-              <a:rPr lang="en-US" dirty="0" smtClean="0"/>
-              <a:t>Which was the Model</a:t>
-            </a:r>
-            <a:r>
-              <a:rPr lang="en-US" dirty="0" smtClean="0"/>
-              <a:t>? (hint model </a:t>
+              <a:t>You already used it ;)</a:t>
+            </a:r>
+          </a:p>
+          <a:p>
+            <a:r>
+              <a:rPr lang="en-US" dirty="0" smtClean="0"/>
+              <a:t>Which was the Model? (hint model </a:t>
             </a:r>
             <a:r>
               <a:rPr lang="en-US" dirty="0" err="1" smtClean="0"/>
@@ -23456,23 +23447,69 @@
               <a:rPr lang="en-US" dirty="0" smtClean="0"/>
               <a:t>)</a:t>
             </a:r>
+          </a:p>
+          <a:p>
+            <a:r>
+              <a:rPr lang="en-US" dirty="0" smtClean="0"/>
+              <a:t>View? </a:t>
+            </a:r>
+            <a:r>
+              <a:rPr lang="en-US" dirty="0" smtClean="0"/>
+              <a:t>(</a:t>
+            </a:r>
+            <a:r>
+              <a:rPr lang="en-US" dirty="0" err="1" smtClean="0"/>
+              <a:t>JButton</a:t>
+            </a:r>
+            <a:r>
+              <a:rPr lang="en-US" dirty="0" smtClean="0"/>
+              <a:t>, </a:t>
+            </a:r>
+            <a:r>
+              <a:rPr lang="en-US" dirty="0" err="1" smtClean="0"/>
+              <a:t>JFrame</a:t>
+            </a:r>
+            <a:r>
+              <a:rPr lang="en-US" dirty="0" smtClean="0"/>
+              <a:t>, </a:t>
+            </a:r>
+            <a:r>
+              <a:rPr lang="en-US" dirty="0" err="1" smtClean="0"/>
+              <a:t>JTable</a:t>
+            </a:r>
+            <a:r>
+              <a:rPr lang="en-US" dirty="0" smtClean="0"/>
+              <a:t>, </a:t>
+            </a:r>
+            <a:r>
+              <a:rPr lang="en-US" dirty="0" err="1" smtClean="0"/>
+              <a:t>JLabel</a:t>
+            </a:r>
+            <a:r>
+              <a:rPr lang="en-US" dirty="0" smtClean="0"/>
+              <a:t>)</a:t>
+            </a:r>
             <a:endParaRPr lang="en-US" dirty="0" smtClean="0"/>
           </a:p>
           <a:p>
             <a:r>
               <a:rPr lang="en-US" dirty="0" smtClean="0"/>
-              <a:t>View</a:t>
-            </a:r>
-            <a:r>
-              <a:rPr lang="en-US" dirty="0" smtClean="0"/>
-              <a:t>? (the contents with the </a:t>
-            </a:r>
-            <a:r>
-              <a:rPr lang="en-US" dirty="0" err="1" smtClean="0"/>
-              <a:t>JFrames</a:t>
-            </a:r>
-            <a:r>
-              <a:rPr lang="en-US" dirty="0" smtClean="0"/>
+              <a:t>Controller? </a:t>
+            </a:r>
+            <a:r>
+              <a:rPr lang="en-US" dirty="0" smtClean="0"/>
+              <a:t>(</a:t>
+            </a:r>
+            <a:r>
+              <a:rPr lang="en-US" dirty="0" smtClean="0"/>
+              <a:t>all the code </a:t>
+            </a:r>
+            <a:r>
+              <a:rPr lang="en-US" smtClean="0"/>
+              <a:t>for button clicks</a:t>
+            </a:r>
+            <a:r>
+              <a:rPr lang="en-US" smtClean="0"/>
               <a:t>)</a:t>
             </a:r>
             <a:endParaRPr lang="en-US" dirty="0" smtClean="0"/>
@@ -23480,27 +23517,8 @@
           <a:p>
             <a:r>
               <a:rPr lang="en-US" dirty="0" smtClean="0"/>
-              <a:t>Controller</a:t>
-            </a:r>
-            <a:r>
-              <a:rPr lang="en-US" dirty="0" smtClean="0"/>
-              <a:t>? (</a:t>
-            </a:r>
-            <a:r>
-              <a:rPr lang="en-US" dirty="0" err="1" smtClean="0"/>
-              <a:t>JFrames</a:t>
-            </a:r>
-            <a:r>
-              <a:rPr lang="en-US" dirty="0" smtClean="0"/>
-              <a:t>)</a:t>
-            </a:r>
-          </a:p>
-          <a:p>
-            <a:r>
-              <a:rPr lang="en-US" dirty="0" smtClean="0"/>
               <a:t>Admittedly, the separation of Controller and View is quite weak in Swing, but this design pattern is used throughout software engineering</a:t>
             </a:r>
-            <a:endParaRPr lang="en-US" dirty="0" smtClean="0"/>
           </a:p>
           <a:p>
             <a:r>
@@ -23511,13 +23529,8 @@
           <a:p>
             <a:r>
               <a:rPr lang="en-US" dirty="0" smtClean="0"/>
-              <a:t>Lots of other ones out there like MVP, MVVM, and now there’s a category called MVW – whatever</a:t>
-            </a:r>
-            <a:r>
-              <a:rPr lang="en-US" dirty="0" smtClean="0"/>
-              <a:t>!</a:t>
-            </a:r>
-            <a:endParaRPr lang="en-US" dirty="0" smtClean="0"/>
+              <a:t>Lots of other ones out there like MVP, MVVM, and now there’s a category called MVW – whatever!</a:t>
+            </a:r>
           </a:p>
           <a:p>
             <a:endParaRPr lang="en-US" dirty="0"/>

--- a/coursePresentation.pptx
+++ b/coursePresentation.pptx
@@ -13435,7 +13435,7 @@
         <p:spPr>
           <a:xfrm>
             <a:off x="1447800" y="4953000"/>
-            <a:ext cx="6878806" cy="461665"/>
+            <a:ext cx="6963766" cy="461665"/>
           </a:xfrm>
           <a:prstGeom prst="rect">
             <a:avLst/>
@@ -13450,15 +13450,19 @@
           <a:p>
             <a:r>
               <a:rPr lang="en-US" dirty="0" smtClean="0"/>
-              <a:t>Notice that Map doesn’t </a:t>
-            </a:r>
-            <a:r>
-              <a:rPr lang="en-US" dirty="0" err="1" smtClean="0"/>
-              <a:t>exend</a:t>
-            </a:r>
-            <a:r>
-              <a:rPr lang="en-US" dirty="0" smtClean="0"/>
-              <a:t> Collection &lt;sigh/&gt;</a:t>
+              <a:t>Notice that Map </a:t>
+            </a:r>
+            <a:r>
+              <a:rPr lang="en-US" smtClean="0"/>
+              <a:t>doesn’t </a:t>
+            </a:r>
+            <a:r>
+              <a:rPr lang="en-US" smtClean="0"/>
+              <a:t>extend </a:t>
+            </a:r>
+            <a:r>
+              <a:rPr lang="en-US" dirty="0" smtClean="0"/>
+              <a:t>Collection &lt;sigh/&gt;</a:t>
             </a:r>
             <a:endParaRPr lang="en-US" dirty="0"/>
           </a:p>
@@ -23502,14 +23506,10 @@
             </a:r>
             <a:r>
               <a:rPr lang="en-US" dirty="0" smtClean="0"/>
-              <a:t>all the code </a:t>
-            </a:r>
-            <a:r>
-              <a:rPr lang="en-US" smtClean="0"/>
-              <a:t>for button clicks</a:t>
-            </a:r>
-            <a:r>
-              <a:rPr lang="en-US" smtClean="0"/>
+              <a:t>all the code for button clicks</a:t>
+            </a:r>
+            <a:r>
+              <a:rPr lang="en-US" dirty="0" smtClean="0"/>
               <a:t>)</a:t>
             </a:r>
             <a:endParaRPr lang="en-US" dirty="0" smtClean="0"/>

--- a/coursePresentation.pptx
+++ b/coursePresentation.pptx
@@ -13450,14 +13450,10 @@
           <a:p>
             <a:r>
               <a:rPr lang="en-US" dirty="0" smtClean="0"/>
-              <a:t>Notice that Map </a:t>
-            </a:r>
-            <a:r>
-              <a:rPr lang="en-US" smtClean="0"/>
-              <a:t>doesn’t </a:t>
-            </a:r>
-            <a:r>
-              <a:rPr lang="en-US" smtClean="0"/>
+              <a:t>Notice that Map doesn’t </a:t>
+            </a:r>
+            <a:r>
+              <a:rPr lang="en-US" dirty="0" smtClean="0"/>
               <a:t>extend </a:t>
             </a:r>
             <a:r>
@@ -13864,7 +13860,7 @@
         <p:spPr>
           <a:xfrm>
             <a:off x="990601" y="2438400"/>
-            <a:ext cx="7848600" cy="2308324"/>
+            <a:ext cx="7848600" cy="3046988"/>
           </a:xfrm>
           <a:prstGeom prst="rect">
             <a:avLst/>
@@ -13921,8 +13917,22 @@
           <a:p>
             <a:r>
               <a:rPr lang="en-US" dirty="0" smtClean="0"/>
-              <a:t>Use Iterator</a:t>
-            </a:r>
+              <a:t>Use </a:t>
+            </a:r>
+            <a:r>
+              <a:rPr lang="en-US" dirty="0" smtClean="0"/>
+              <a:t>Iterator</a:t>
+            </a:r>
+          </a:p>
+          <a:p>
+            <a:endParaRPr lang="en-US" dirty="0"/>
+          </a:p>
+          <a:p>
+            <a:r>
+              <a:rPr lang="en-US" smtClean="0"/>
+              <a:t>See: DeleteFromCollection</a:t>
+            </a:r>
+            <a:endParaRPr lang="en-US" dirty="0" smtClean="0"/>
           </a:p>
           <a:p>
             <a:endParaRPr lang="en-US" dirty="0"/>

--- a/coursePresentation.pptx
+++ b/coursePresentation.pptx
@@ -13929,8 +13929,12 @@
           </a:p>
           <a:p>
             <a:r>
-              <a:rPr lang="en-US" smtClean="0"/>
-              <a:t>See: DeleteFromCollection</a:t>
+              <a:rPr lang="en-US" dirty="0" smtClean="0"/>
+              <a:t>See: </a:t>
+            </a:r>
+            <a:r>
+              <a:rPr lang="en-US" dirty="0" err="1" smtClean="0"/>
+              <a:t>DeleteFromCollection</a:t>
             </a:r>
             <a:endParaRPr lang="en-US" dirty="0" smtClean="0"/>
           </a:p>
@@ -15777,8 +15781,8 @@
         </p:nvSpPr>
         <p:spPr>
           <a:xfrm>
-            <a:off x="1295400" y="1981200"/>
-            <a:ext cx="5949064" cy="5632311"/>
+            <a:off x="228600" y="1295401"/>
+            <a:ext cx="8382000" cy="6001643"/>
           </a:xfrm>
           <a:prstGeom prst="rect">
             <a:avLst/>
@@ -15786,7 +15790,7 @@
           <a:noFill/>
         </p:spPr>
         <p:txBody>
-          <a:bodyPr wrap="none" rtlCol="0">
+          <a:bodyPr wrap="square" rtlCol="0">
             <a:spAutoFit/>
           </a:bodyPr>
           <a:lstStyle/>
@@ -15990,8 +15994,13 @@
             </a:pPr>
             <a:r>
               <a:rPr lang="en-US" dirty="0" smtClean="0"/>
-              <a:t>Root-&gt;Maven-&gt;Update Project</a:t>
-            </a:r>
+              <a:t>Root-&gt;Maven-&gt;Update </a:t>
+            </a:r>
+            <a:r>
+              <a:rPr lang="en-US" dirty="0" smtClean="0"/>
+              <a:t>Project – this should get rid of the compile errors</a:t>
+            </a:r>
+            <a:endParaRPr lang="en-US" dirty="0" smtClean="0"/>
           </a:p>
           <a:p>
             <a:pPr marL="342900" indent="-342900">
@@ -17862,7 +17871,7 @@
         <p:spPr>
           <a:xfrm>
             <a:off x="2760446" y="3198168"/>
-            <a:ext cx="4536819" cy="1569660"/>
+            <a:ext cx="5228547" cy="2308324"/>
           </a:xfrm>
           <a:prstGeom prst="rect">
             <a:avLst/>
@@ -17894,7 +17903,35 @@
           <a:p>
             <a:r>
               <a:rPr lang="en-US" dirty="0" smtClean="0"/>
-              <a:t>Study for midterm</a:t>
+              <a:t>Study for </a:t>
+            </a:r>
+            <a:r>
+              <a:rPr lang="en-US" dirty="0" smtClean="0"/>
+              <a:t>midterm!!!!!!!</a:t>
+            </a:r>
+          </a:p>
+          <a:p>
+            <a:r>
+              <a:rPr lang="en-US" dirty="0" smtClean="0"/>
+              <a:t>Hint – I put </a:t>
+            </a:r>
+            <a:r>
+              <a:rPr lang="en-US" dirty="0" err="1" smtClean="0"/>
+              <a:t>easter</a:t>
+            </a:r>
+            <a:r>
+              <a:rPr lang="en-US" dirty="0" smtClean="0"/>
+              <a:t> eggs in my</a:t>
+            </a:r>
+          </a:p>
+          <a:p>
+            <a:r>
+              <a:rPr lang="en-US" dirty="0" smtClean="0"/>
+              <a:t>Comp2613 project repo … hint</a:t>
+            </a:r>
+            <a:r>
+              <a:rPr lang="en-US" smtClean="0"/>
+              <a:t>: Wow</a:t>
             </a:r>
             <a:endParaRPr lang="en-US" dirty="0"/>
           </a:p>

--- a/coursePresentation.pptx
+++ b/coursePresentation.pptx
@@ -17870,15 +17870,15 @@
         </p:nvSpPr>
         <p:spPr>
           <a:xfrm>
-            <a:off x="2760446" y="3198168"/>
-            <a:ext cx="5228547" cy="2308324"/>
+            <a:off x="609600" y="1371600"/>
+            <a:ext cx="7379393" cy="3416320"/>
           </a:xfrm>
           <a:prstGeom prst="rect">
             <a:avLst/>
           </a:prstGeom>
         </p:spPr>
         <p:txBody>
-          <a:bodyPr wrap="none">
+          <a:bodyPr wrap="square">
             <a:spAutoFit/>
           </a:bodyPr>
           <a:lstStyle/>
@@ -17927,11 +17927,23 @@
           <a:p>
             <a:r>
               <a:rPr lang="en-US" dirty="0" smtClean="0"/>
-              <a:t>Comp2613 project repo … hint</a:t>
+              <a:t>Comp2613 project repo … hint: Wow</a:t>
+            </a:r>
+          </a:p>
+          <a:p>
+            <a:r>
+              <a:rPr lang="en-US" dirty="0" smtClean="0"/>
+              <a:t>Next class – half the class (beginning of the class will</a:t>
+            </a:r>
+          </a:p>
+          <a:p>
+            <a:r>
+              <a:rPr lang="en-US" dirty="0" smtClean="0"/>
+              <a:t>Be a lecture on Swing) and the other half will be </a:t>
             </a:r>
             <a:r>
               <a:rPr lang="en-US" smtClean="0"/>
-              <a:t>: Wow</a:t>
+              <a:t>the midterm</a:t>
             </a:r>
             <a:endParaRPr lang="en-US" dirty="0"/>
           </a:p>

--- a/coursePresentation.pptx
+++ b/coursePresentation.pptx
@@ -243,7 +243,7 @@
   </p:defaultTextStyle>
   <p:extLst>
     <p:ext uri="{EFAFB233-063F-42B5-8137-9DF3F51BA10A}">
-      <p15:sldGuideLst xmlns="" xmlns:p15="http://schemas.microsoft.com/office/powerpoint/2012/main">
+      <p15:sldGuideLst xmlns:p15="http://schemas.microsoft.com/office/powerpoint/2012/main">
         <p15:guide id="1" orient="horz" pos="4029">
           <p15:clr>
             <a:srgbClr val="A4A3A4"/>
@@ -1618,7 +1618,7 @@
             <a:fld id="{A4A6734C-E115-4BC5-9FB0-F9BF6FABFDA0}" type="datetimeFigureOut">
               <a:rPr lang="en-US" smtClean="0"/>
               <a:pPr/>
-              <a:t>5/30/2014</a:t>
+              <a:t>6/11/2014</a:t>
             </a:fld>
             <a:endParaRPr lang="en-US"/>
           </a:p>
@@ -3746,7 +3746,7 @@
             <a:fld id="{A4A6734C-E115-4BC5-9FB0-F9BF6FABFDA0}" type="datetimeFigureOut">
               <a:rPr lang="en-US" smtClean="0"/>
               <a:pPr/>
-              <a:t>5/30/2014</a:t>
+              <a:t>6/11/2014</a:t>
             </a:fld>
             <a:endParaRPr lang="en-US"/>
           </a:p>
@@ -13450,15 +13450,7 @@
           <a:p>
             <a:r>
               <a:rPr lang="en-US" dirty="0" smtClean="0"/>
-              <a:t>Notice that Map doesn’t </a:t>
-            </a:r>
-            <a:r>
-              <a:rPr lang="en-US" dirty="0" smtClean="0"/>
-              <a:t>extend </a:t>
-            </a:r>
-            <a:r>
-              <a:rPr lang="en-US" dirty="0" smtClean="0"/>
-              <a:t>Collection &lt;sigh/&gt;</a:t>
+              <a:t>Notice that Map doesn’t extend Collection &lt;sigh/&gt;</a:t>
             </a:r>
             <a:endParaRPr lang="en-US" dirty="0"/>
           </a:p>
@@ -13917,11 +13909,7 @@
           <a:p>
             <a:r>
               <a:rPr lang="en-US" dirty="0" smtClean="0"/>
-              <a:t>Use </a:t>
-            </a:r>
-            <a:r>
-              <a:rPr lang="en-US" dirty="0" smtClean="0"/>
-              <a:t>Iterator</a:t>
+              <a:t>Use Iterator</a:t>
             </a:r>
           </a:p>
           <a:p>
@@ -15966,11 +15954,15 @@
             </a:r>
             <a:r>
               <a:rPr lang="en-US" dirty="0" smtClean="0"/>
-              <a:t>Note: &lt;</a:t>
-            </a:r>
-            <a:r>
-              <a:rPr lang="en-US" dirty="0" err="1" smtClean="0"/>
-              <a:t>depency</a:t>
+              <a:t>Note: </a:t>
+            </a:r>
+            <a:r>
+              <a:rPr lang="en-US" smtClean="0"/>
+              <a:t>&lt;</a:t>
+            </a:r>
+            <a:r>
+              <a:rPr lang="en-US" smtClean="0"/>
+              <a:t>dependency</a:t>
             </a:r>
             <a:r>
               <a:rPr lang="en-US" dirty="0" smtClean="0"/>
@@ -15994,13 +15986,8 @@
             </a:pPr>
             <a:r>
               <a:rPr lang="en-US" dirty="0" smtClean="0"/>
-              <a:t>Root-&gt;Maven-&gt;Update </a:t>
-            </a:r>
-            <a:r>
-              <a:rPr lang="en-US" dirty="0" smtClean="0"/>
-              <a:t>Project – this should get rid of the compile errors</a:t>
-            </a:r>
-            <a:endParaRPr lang="en-US" dirty="0" smtClean="0"/>
+              <a:t>Root-&gt;Maven-&gt;Update Project – this should get rid of the compile errors</a:t>
+            </a:r>
           </a:p>
           <a:p>
             <a:pPr marL="342900" indent="-342900">
@@ -17903,11 +17890,7 @@
           <a:p>
             <a:r>
               <a:rPr lang="en-US" dirty="0" smtClean="0"/>
-              <a:t>Study for </a:t>
-            </a:r>
-            <a:r>
-              <a:rPr lang="en-US" dirty="0" smtClean="0"/>
-              <a:t>midterm!!!!!!!</a:t>
+              <a:t>Study for midterm!!!!!!!</a:t>
             </a:r>
           </a:p>
           <a:p>
@@ -23514,11 +23497,7 @@
           <a:p>
             <a:r>
               <a:rPr lang="en-US" dirty="0" smtClean="0"/>
-              <a:t>View? </a:t>
-            </a:r>
-            <a:r>
-              <a:rPr lang="en-US" dirty="0" smtClean="0"/>
-              <a:t>(</a:t>
+              <a:t>View? (</a:t>
             </a:r>
             <a:r>
               <a:rPr lang="en-US" dirty="0" err="1" smtClean="0"/>
@@ -23552,26 +23531,12 @@
               <a:rPr lang="en-US" dirty="0" smtClean="0"/>
               <a:t>)</a:t>
             </a:r>
-            <a:endParaRPr lang="en-US" dirty="0" smtClean="0"/>
-          </a:p>
-          <a:p>
-            <a:r>
-              <a:rPr lang="en-US" dirty="0" smtClean="0"/>
-              <a:t>Controller? </a:t>
-            </a:r>
-            <a:r>
-              <a:rPr lang="en-US" dirty="0" smtClean="0"/>
-              <a:t>(</a:t>
-            </a:r>
-            <a:r>
-              <a:rPr lang="en-US" dirty="0" smtClean="0"/>
-              <a:t>all the code for button clicks</a:t>
-            </a:r>
-            <a:r>
-              <a:rPr lang="en-US" dirty="0" smtClean="0"/>
-              <a:t>)</a:t>
-            </a:r>
-            <a:endParaRPr lang="en-US" dirty="0" smtClean="0"/>
+          </a:p>
+          <a:p>
+            <a:r>
+              <a:rPr lang="en-US" dirty="0" smtClean="0"/>
+              <a:t>Controller? (all the code for button clicks)</a:t>
+            </a:r>
           </a:p>
           <a:p>
             <a:r>

--- a/coursePresentation.pptx
+++ b/coursePresentation.pptx
@@ -243,7 +243,7 @@
   </p:defaultTextStyle>
   <p:extLst>
     <p:ext uri="{EFAFB233-063F-42B5-8137-9DF3F51BA10A}">
-      <p15:sldGuideLst xmlns:p15="http://schemas.microsoft.com/office/powerpoint/2012/main">
+      <p15:sldGuideLst xmlns:p15="http://schemas.microsoft.com/office/powerpoint/2012/main" xmlns="">
         <p15:guide id="1" orient="horz" pos="4029">
           <p15:clr>
             <a:srgbClr val="A4A3A4"/>
@@ -1618,7 +1618,7 @@
             <a:fld id="{A4A6734C-E115-4BC5-9FB0-F9BF6FABFDA0}" type="datetimeFigureOut">
               <a:rPr lang="en-US" smtClean="0"/>
               <a:pPr/>
-              <a:t>6/11/2014</a:t>
+              <a:t>6/12/2014</a:t>
             </a:fld>
             <a:endParaRPr lang="en-US"/>
           </a:p>
@@ -3746,7 +3746,7 @@
             <a:fld id="{A4A6734C-E115-4BC5-9FB0-F9BF6FABFDA0}" type="datetimeFigureOut">
               <a:rPr lang="en-US" smtClean="0"/>
               <a:pPr/>
-              <a:t>6/11/2014</a:t>
+              <a:t>6/12/2014</a:t>
             </a:fld>
             <a:endParaRPr lang="en-US"/>
           </a:p>
@@ -6934,7 +6934,9 @@
         </p:nvSpPr>
         <p:spPr/>
         <p:txBody>
-          <a:bodyPr/>
+          <a:bodyPr>
+            <a:normAutofit fontScale="70000" lnSpcReduction="20000"/>
+          </a:bodyPr>
           <a:lstStyle/>
           <a:p>
             <a:r>
@@ -6944,10 +6946,54 @@
           </a:p>
           <a:p>
             <a:r>
+              <a:rPr lang="en-US" dirty="0" smtClean="0"/>
+              <a:t>Package it up </a:t>
+            </a:r>
+            <a:r>
+              <a:rPr lang="en-US" dirty="0" smtClean="0"/>
+              <a:t>;)</a:t>
+            </a:r>
+          </a:p>
+          <a:p>
+            <a:r>
+              <a:rPr lang="en-US" dirty="0" smtClean="0"/>
+              <a:t>Optional (and I would REALLY, REALLY, REALLY appreciate it you did this …): </a:t>
+            </a:r>
+          </a:p>
+          <a:p>
+            <a:r>
+              <a:rPr lang="en-US" dirty="0" err="1" smtClean="0"/>
+              <a:t>Goto</a:t>
+            </a:r>
+            <a:r>
+              <a:rPr lang="en-US" dirty="0"/>
+              <a:t>: </a:t>
+            </a:r>
+            <a:r>
+              <a:rPr lang="en-US" dirty="0">
+                <a:hlinkClick r:id="rId2"/>
+              </a:rPr>
+              <a:t>http://</a:t>
+            </a:r>
+            <a:r>
+              <a:rPr lang="en-US" dirty="0" smtClean="0">
+                <a:hlinkClick r:id="rId2"/>
+              </a:rPr>
+              <a:t>www.ratemyprofessors.com</a:t>
+            </a:r>
+            <a:r>
+              <a:rPr lang="en-US" dirty="0" smtClean="0"/>
+              <a:t> and rate me (and the course) – much appreciated.  If there is anything about the way I teach or course you would like to see changed, post </a:t>
+            </a:r>
+            <a:r>
               <a:rPr lang="en-US" smtClean="0"/>
-              <a:t>Package it up ;)</a:t>
-            </a:r>
-            <a:endParaRPr lang="en-US"/>
+              <a:t>your feedback </a:t>
+            </a:r>
+            <a:r>
+              <a:rPr lang="en-US" dirty="0" smtClean="0"/>
+              <a:t>via the above link.  All negative or positive comments are appreciated.  FYI, rating me (or any other teachers at BCIT) will most likely *NOT* effect their salary / status in any way.  Its strictly a social networking site used to help teachers improve their course and raise awareness for other students.  I *know* some of you have either suffered or breezed through this course.  Your comments will help future students in the way they take this course.  For the Horde!!!   I mean – for BCIT!!!</a:t>
+            </a:r>
+            <a:endParaRPr lang="en-US" dirty="0"/>
           </a:p>
         </p:txBody>
       </p:sp>
@@ -15958,11 +16004,7 @@
             </a:r>
             <a:r>
               <a:rPr lang="en-US" smtClean="0"/>
-              <a:t>&lt;</a:t>
-            </a:r>
-            <a:r>
-              <a:rPr lang="en-US" smtClean="0"/>
-              <a:t>dependency</a:t>
+              <a:t>&lt;dependency</a:t>
             </a:r>
             <a:r>
               <a:rPr lang="en-US" dirty="0" smtClean="0"/>
@@ -20005,7 +20047,7 @@
         <p:spPr/>
         <p:txBody>
           <a:bodyPr>
-            <a:normAutofit fontScale="92500" lnSpcReduction="10000"/>
+            <a:normAutofit fontScale="85000" lnSpcReduction="20000"/>
           </a:bodyPr>
           <a:lstStyle/>
           <a:p>
@@ -20061,15 +20103,17 @@
           <a:p>
             <a:r>
               <a:rPr lang="en-US" dirty="0" smtClean="0"/>
-              <a:t>Prove it!!!  …  Sorry, no can </a:t>
-            </a:r>
-            <a:r>
-              <a:rPr lang="en-US" smtClean="0"/>
-              <a:t>do - that </a:t>
-            </a:r>
-            <a:r>
-              <a:rPr lang="en-US" dirty="0" smtClean="0"/>
-              <a:t>was an in memory DB</a:t>
+              <a:t>Prove it!!!  …  Sorry, no can do - that was an in memory </a:t>
+            </a:r>
+            <a:r>
+              <a:rPr lang="en-US" dirty="0" smtClean="0"/>
+              <a:t>DB</a:t>
+            </a:r>
+          </a:p>
+          <a:p>
+            <a:r>
+              <a:rPr lang="en-US" dirty="0" smtClean="0"/>
+              <a:t>Actually – I’m lying (I can prove it if I block my program from exiting and viewing the H2 DB from a browser … see H2Config)</a:t>
             </a:r>
             <a:endParaRPr lang="en-US" dirty="0"/>
           </a:p>

--- a/coursePresentation.pptx
+++ b/coursePresentation.pptx
@@ -243,7 +243,7 @@
   </p:defaultTextStyle>
   <p:extLst>
     <p:ext uri="{EFAFB233-063F-42B5-8137-9DF3F51BA10A}">
-      <p15:sldGuideLst xmlns:p15="http://schemas.microsoft.com/office/powerpoint/2012/main" xmlns="">
+      <p15:sldGuideLst xmlns="" xmlns:p15="http://schemas.microsoft.com/office/powerpoint/2012/main">
         <p15:guide id="1" orient="horz" pos="4029">
           <p15:clr>
             <a:srgbClr val="A4A3A4"/>
@@ -6935,7 +6935,7 @@
         <p:spPr/>
         <p:txBody>
           <a:bodyPr>
-            <a:normAutofit fontScale="70000" lnSpcReduction="20000"/>
+            <a:normAutofit fontScale="62500" lnSpcReduction="20000"/>
           </a:bodyPr>
           <a:lstStyle/>
           <a:p>
@@ -6947,11 +6947,7 @@
           <a:p>
             <a:r>
               <a:rPr lang="en-US" dirty="0" smtClean="0"/>
-              <a:t>Package it up </a:t>
-            </a:r>
-            <a:r>
-              <a:rPr lang="en-US" dirty="0" smtClean="0"/>
-              <a:t>;)</a:t>
+              <a:t>Package it up ;)</a:t>
             </a:r>
           </a:p>
           <a:p>
@@ -6983,15 +6979,31 @@
             </a:r>
             <a:r>
               <a:rPr lang="en-US" dirty="0" smtClean="0"/>
-              <a:t> and rate me (and the course) – much appreciated.  If there is anything about the way I teach or course you would like to see changed, post </a:t>
+              <a:t> and rate me (and the course) – much appreciated.  If there is anything about the way I teach or course you would like to see changed, post your feedback via the above link.  All negative or positive comments are appreciated.  FYI, rating me (or any other teachers at BCIT) will most likely *NOT* effect their salary / status in any way.  </a:t>
+            </a:r>
+            <a:r>
+              <a:rPr lang="en-US" dirty="0" smtClean="0"/>
+              <a:t>The reverse is also true … if you take any of my other classes in the future, your comments will not affect your score for that class.  </a:t>
+            </a:r>
+            <a:r>
+              <a:rPr lang="en-US" dirty="0" smtClean="0"/>
+              <a:t>Its </a:t>
+            </a:r>
+            <a:r>
+              <a:rPr lang="en-US" dirty="0" smtClean="0"/>
+              <a:t>strictly a social networking site used to help teachers improve their course and raise awareness for other students.  I *know* some of you have either suffered or breezed through this course.  </a:t>
+            </a:r>
+            <a:r>
+              <a:rPr lang="en-US" dirty="0" smtClean="0"/>
+              <a:t>Think of your comments as a way to help shape this course and help students in the future – pay </a:t>
             </a:r>
             <a:r>
               <a:rPr lang="en-US" smtClean="0"/>
-              <a:t>your feedback </a:t>
-            </a:r>
-            <a:r>
-              <a:rPr lang="en-US" dirty="0" smtClean="0"/>
-              <a:t>via the above link.  All negative or positive comments are appreciated.  FYI, rating me (or any other teachers at BCIT) will most likely *NOT* effect their salary / status in any way.  Its strictly a social networking site used to help teachers improve their course and raise awareness for other students.  I *know* some of you have either suffered or breezed through this course.  Your comments will help future students in the way they take this course.  For the Horde!!!   I mean – for BCIT!!!</a:t>
+              <a:t>it forward.  </a:t>
+            </a:r>
+            <a:r>
+              <a:rPr lang="en-US" dirty="0" smtClean="0"/>
+              <a:t>For the Horde!!!   I mean – for BCIT!!!</a:t>
             </a:r>
             <a:endParaRPr lang="en-US" dirty="0"/>
           </a:p>
@@ -20103,11 +20115,7 @@
           <a:p>
             <a:r>
               <a:rPr lang="en-US" dirty="0" smtClean="0"/>
-              <a:t>Prove it!!!  …  Sorry, no can do - that was an in memory </a:t>
-            </a:r>
-            <a:r>
-              <a:rPr lang="en-US" dirty="0" smtClean="0"/>
-              <a:t>DB</a:t>
+              <a:t>Prove it!!!  …  Sorry, no can do - that was an in memory DB</a:t>
             </a:r>
           </a:p>
           <a:p>

--- a/coursePresentation.pptx
+++ b/coursePresentation.pptx
@@ -5,10 +5,10 @@
     <p:sldMasterId id="2147484906" r:id="rId1"/>
   </p:sldMasterIdLst>
   <p:notesMasterIdLst>
-    <p:notesMasterId r:id="rId104"/>
+    <p:notesMasterId r:id="rId105"/>
   </p:notesMasterIdLst>
   <p:handoutMasterIdLst>
-    <p:handoutMasterId r:id="rId105"/>
+    <p:handoutMasterId r:id="rId106"/>
   </p:handoutMasterIdLst>
   <p:sldIdLst>
     <p:sldId id="257" r:id="rId2"/>
@@ -112,7 +112,8 @@
     <p:sldId id="452" r:id="rId100"/>
     <p:sldId id="453" r:id="rId101"/>
     <p:sldId id="450" r:id="rId102"/>
-    <p:sldId id="394" r:id="rId103"/>
+    <p:sldId id="454" r:id="rId103"/>
+    <p:sldId id="394" r:id="rId104"/>
   </p:sldIdLst>
   <p:sldSz cx="9144000" cy="6858000" type="screen4x3"/>
   <p:notesSz cx="6858000" cy="9144000"/>
@@ -6792,7 +6793,15 @@
             </a:r>
             <a:r>
               <a:rPr lang="en-US" dirty="0" smtClean="0"/>
-              <a:t> pages, just create a branch called </a:t>
+              <a:t> </a:t>
+            </a:r>
+            <a:r>
+              <a:rPr lang="en-US" dirty="0" smtClean="0"/>
+              <a:t>Pages</a:t>
+            </a:r>
+            <a:r>
+              <a:rPr lang="en-US" dirty="0" smtClean="0"/>
+              <a:t>, just create a branch called </a:t>
             </a:r>
             <a:r>
               <a:rPr lang="en-US" dirty="0" err="1" smtClean="0"/>
@@ -6833,7 +6842,7 @@
               <a:t>github</a:t>
             </a:r>
             <a:r>
-              <a:rPr lang="en-US" smtClean="0"/>
+              <a:rPr lang="en-US" dirty="0" smtClean="0"/>
               <a:t> webpage URL</a:t>
             </a:r>
             <a:endParaRPr lang="en-US" dirty="0"/>
@@ -6935,7 +6944,7 @@
         <p:spPr/>
         <p:txBody>
           <a:bodyPr>
-            <a:normAutofit fontScale="62500" lnSpcReduction="20000"/>
+            <a:normAutofit/>
           </a:bodyPr>
           <a:lstStyle/>
           <a:p>
@@ -6947,65 +6956,46 @@
           <a:p>
             <a:r>
               <a:rPr lang="en-US" dirty="0" smtClean="0"/>
-              <a:t>Package it up ;)</a:t>
-            </a:r>
-          </a:p>
-          <a:p>
-            <a:r>
-              <a:rPr lang="en-US" dirty="0" smtClean="0"/>
-              <a:t>Optional (and I would REALLY, REALLY, REALLY appreciate it you did this …): </a:t>
-            </a:r>
-          </a:p>
-          <a:p>
+              <a:t>Package it up </a:t>
+            </a:r>
+            <a:r>
+              <a:rPr lang="en-US" dirty="0" smtClean="0"/>
+              <a:t>;)</a:t>
+            </a:r>
+          </a:p>
+          <a:p>
+            <a:r>
+              <a:rPr lang="en-US" dirty="0" smtClean="0"/>
+              <a:t>Optional: put your </a:t>
+            </a:r>
             <a:r>
               <a:rPr lang="en-US" dirty="0" err="1" smtClean="0"/>
-              <a:t>Goto</a:t>
-            </a:r>
-            <a:r>
-              <a:rPr lang="en-US" dirty="0"/>
-              <a:t>: </a:t>
-            </a:r>
-            <a:r>
-              <a:rPr lang="en-US" dirty="0">
-                <a:hlinkClick r:id="rId2"/>
-              </a:rPr>
-              <a:t>http://</a:t>
-            </a:r>
-            <a:r>
-              <a:rPr lang="en-US" dirty="0" smtClean="0">
-                <a:hlinkClick r:id="rId2"/>
-              </a:rPr>
-              <a:t>www.ratemyprofessors.com</a:t>
-            </a:r>
-            <a:r>
-              <a:rPr lang="en-US" dirty="0" smtClean="0"/>
-              <a:t> and rate me (and the course) – much appreciated.  If there is anything about the way I teach or course you would like to see changed, post your feedback via the above link.  All negative or positive comments are appreciated.  FYI, rating me (or any other teachers at BCIT) will most likely *NOT* effect their salary / status in any way.  </a:t>
-            </a:r>
-            <a:r>
-              <a:rPr lang="en-US" dirty="0" smtClean="0"/>
-              <a:t>The reverse is also true … if you take any of my other classes in the future, your comments will not affect your score for that class.  </a:t>
-            </a:r>
-            <a:r>
-              <a:rPr lang="en-US" dirty="0" smtClean="0"/>
-              <a:t>Its </a:t>
-            </a:r>
-            <a:r>
-              <a:rPr lang="en-US" dirty="0" smtClean="0"/>
-              <a:t>strictly a social networking site used to help teachers improve their course and raise awareness for other students.  I *know* some of you have either suffered or breezed through this course.  </a:t>
-            </a:r>
-            <a:r>
-              <a:rPr lang="en-US" dirty="0" smtClean="0"/>
-              <a:t>Think of your comments as a way to help shape this course and help students in the future – pay </a:t>
-            </a:r>
-            <a:r>
-              <a:rPr lang="en-US" smtClean="0"/>
-              <a:t>it forward.  </a:t>
-            </a:r>
-            <a:r>
-              <a:rPr lang="en-US" dirty="0" smtClean="0"/>
-              <a:t>For the Horde!!!   I mean – for BCIT!!!</a:t>
-            </a:r>
-            <a:endParaRPr lang="en-US" dirty="0"/>
+              <a:t>GitHub</a:t>
+            </a:r>
+            <a:r>
+              <a:rPr lang="en-US" dirty="0" smtClean="0"/>
+              <a:t> / </a:t>
+            </a:r>
+            <a:r>
+              <a:rPr lang="en-US" dirty="0" err="1" smtClean="0"/>
+              <a:t>GitHub</a:t>
+            </a:r>
+            <a:r>
+              <a:rPr lang="en-US" dirty="0" smtClean="0"/>
+              <a:t> Pages URL on your resume … or you can wipe it out completely.  Believe it or not, some employers ask if you have a </a:t>
+            </a:r>
+            <a:r>
+              <a:rPr lang="en-US" dirty="0" err="1" smtClean="0"/>
+              <a:t>GitHub</a:t>
+            </a:r>
+            <a:r>
+              <a:rPr lang="en-US" dirty="0" smtClean="0"/>
+              <a:t> account.</a:t>
+            </a:r>
+            <a:endParaRPr lang="en-US" dirty="0" smtClean="0"/>
+          </a:p>
+          <a:p>
+            <a:endParaRPr lang="en-US" dirty="0" smtClean="0"/>
           </a:p>
         </p:txBody>
       </p:sp>
@@ -7085,6 +7075,169 @@
           <a:p>
             <a:r>
               <a:rPr lang="en-US" dirty="0" smtClean="0"/>
+              <a:t>Homework Optional </a:t>
+            </a:r>
+            <a:r>
+              <a:rPr lang="en-US" dirty="0" err="1" smtClean="0"/>
+              <a:t>Cont</a:t>
+            </a:r>
+            <a:endParaRPr lang="en-US" dirty="0"/>
+          </a:p>
+        </p:txBody>
+      </p:sp>
+      <p:sp>
+        <p:nvSpPr>
+          <p:cNvPr id="3" name="Content Placeholder 2"/>
+          <p:cNvSpPr>
+            <a:spLocks noGrp="1"/>
+          </p:cNvSpPr>
+          <p:nvPr>
+            <p:ph idx="1"/>
+          </p:nvPr>
+        </p:nvSpPr>
+        <p:spPr/>
+        <p:txBody>
+          <a:bodyPr>
+            <a:normAutofit fontScale="55000" lnSpcReduction="20000"/>
+          </a:bodyPr>
+          <a:lstStyle/>
+          <a:p>
+            <a:r>
+              <a:rPr lang="en-US" dirty="0"/>
+              <a:t>Optional (and I would REALLY, REALLY, REALLY appreciate it you did this …): </a:t>
+            </a:r>
+          </a:p>
+          <a:p>
+            <a:r>
+              <a:rPr lang="en-US" dirty="0" err="1"/>
+              <a:t>Goto</a:t>
+            </a:r>
+            <a:r>
+              <a:rPr lang="en-US" dirty="0"/>
+              <a:t>: </a:t>
+            </a:r>
+            <a:r>
+              <a:rPr lang="en-US" dirty="0">
+                <a:hlinkClick r:id="rId2"/>
+              </a:rPr>
+              <a:t>http://www.ratemyprofessors.com/AddRating.jsp?tid=1906738</a:t>
+            </a:r>
+            <a:endParaRPr lang="en-US" dirty="0"/>
+          </a:p>
+          <a:p>
+            <a:r>
+              <a:rPr lang="en-US" dirty="0"/>
+              <a:t>and rate me (and the course) – much appreciated.  If there is anything about the way I teach or course you would like to see changed, post your feedback via the above link.  All negative or positive comments are appreciated.  FYI, rating me (or any other teachers at BCIT) will most likely *NOT* effect their salary / status in any way.  The reverse is also true … if you take any of my other classes in the future, your comments will not affect your score for that class.  Its strictly a social networking site used to help teachers improve their course and raise awareness for other students.  I *know* some of you have either suffered or breezed through this course.  Think of your comments as a way to help shape this course and help students in the future – pay it forward.  For the Horde!!!   I mean – for BCIT!!!</a:t>
+            </a:r>
+          </a:p>
+          <a:p>
+            <a:r>
+              <a:rPr lang="en-US" dirty="0"/>
+              <a:t>Hint – if you have the extra time, you might want to rate other teachers you had at BCIT and/or search by teachers in case you are interested in taking their courses</a:t>
+            </a:r>
+            <a:r>
+              <a:rPr lang="en-US" dirty="0" smtClean="0"/>
+              <a:t>.  Its also great fun to read about some of the comments of professors who got a score of &lt; 1.5 (out of 5).  </a:t>
+            </a:r>
+            <a:r>
+              <a:rPr lang="en-US" dirty="0" err="1" smtClean="0"/>
+              <a:t>Kinda</a:t>
+            </a:r>
+            <a:r>
+              <a:rPr lang="en-US" dirty="0" smtClean="0"/>
+              <a:t> funny ;)  Some of those comments were BRUTAL.  </a:t>
+            </a:r>
+            <a:r>
+              <a:rPr lang="en-US" dirty="0" err="1" smtClean="0"/>
+              <a:t>Eeesh</a:t>
+            </a:r>
+            <a:r>
+              <a:rPr lang="en-US" dirty="0" smtClean="0"/>
+              <a:t>, I hope I’m not going to be one of those profs!</a:t>
+            </a:r>
+            <a:endParaRPr lang="en-US" dirty="0"/>
+          </a:p>
+          <a:p>
+            <a:endParaRPr lang="en-US" dirty="0"/>
+          </a:p>
+        </p:txBody>
+      </p:sp>
+      <p:sp>
+        <p:nvSpPr>
+          <p:cNvPr id="4" name="Slide Number Placeholder 3"/>
+          <p:cNvSpPr>
+            <a:spLocks noGrp="1"/>
+          </p:cNvSpPr>
+          <p:nvPr>
+            <p:ph type="sldNum" sz="quarter" idx="12"/>
+          </p:nvPr>
+        </p:nvSpPr>
+        <p:spPr/>
+        <p:txBody>
+          <a:bodyPr/>
+          <a:lstStyle/>
+          <a:p>
+            <a:pPr>
+              <a:defRPr/>
+            </a:pPr>
+            <a:fld id="{8B8B984A-5AFF-7643-AE60-6D8D11294076}" type="slidenum">
+              <a:rPr lang="en-US" smtClean="0"/>
+              <a:pPr>
+                <a:defRPr/>
+              </a:pPr>
+              <a:t>102</a:t>
+            </a:fld>
+            <a:endParaRPr lang="en-US"/>
+          </a:p>
+        </p:txBody>
+      </p:sp>
+    </p:spTree>
+    <p:extLst>
+      <p:ext uri="{BB962C8B-B14F-4D97-AF65-F5344CB8AC3E}">
+        <p14:creationId xmlns:p14="http://schemas.microsoft.com/office/powerpoint/2010/main" val="3489728803"/>
+      </p:ext>
+    </p:extLst>
+  </p:cSld>
+  <p:clrMapOvr>
+    <a:masterClrMapping/>
+  </p:clrMapOvr>
+</p:sld>
+</file>
+
+<file path=ppt/slides/slide103.xml><?xml version="1.0" encoding="utf-8"?>
+<p:sld xmlns:a="http://schemas.openxmlformats.org/drawingml/2006/main" xmlns:r="http://schemas.openxmlformats.org/officeDocument/2006/relationships" xmlns:p="http://schemas.openxmlformats.org/presentationml/2006/main">
+  <p:cSld>
+    <p:spTree>
+      <p:nvGrpSpPr>
+        <p:cNvPr id="1" name=""/>
+        <p:cNvGrpSpPr/>
+        <p:nvPr/>
+      </p:nvGrpSpPr>
+      <p:grpSpPr>
+        <a:xfrm>
+          <a:off x="0" y="0"/>
+          <a:ext cx="0" cy="0"/>
+          <a:chOff x="0" y="0"/>
+          <a:chExt cx="0" cy="0"/>
+        </a:xfrm>
+      </p:grpSpPr>
+      <p:sp>
+        <p:nvSpPr>
+          <p:cNvPr id="2" name="Title 1"/>
+          <p:cNvSpPr>
+            <a:spLocks noGrp="1"/>
+          </p:cNvSpPr>
+          <p:nvPr>
+            <p:ph type="title"/>
+          </p:nvPr>
+        </p:nvSpPr>
+        <p:spPr/>
+        <p:txBody>
+          <a:bodyPr/>
+          <a:lstStyle/>
+          <a:p>
+            <a:r>
+              <a:rPr lang="en-US" dirty="0" smtClean="0"/>
               <a:t>The End</a:t>
             </a:r>
             <a:endParaRPr lang="en-US" dirty="0"/>
@@ -7114,7 +7267,7 @@
               <a:pPr>
                 <a:defRPr/>
               </a:pPr>
-              <a:t>102</a:t>
+              <a:t>103</a:t>
             </a:fld>
             <a:endParaRPr lang="en-CA"/>
           </a:p>
@@ -7129,7 +7282,7 @@
         <p:spPr>
           <a:xfrm>
             <a:off x="1295400" y="2590800"/>
-            <a:ext cx="6070893" cy="830997"/>
+            <a:ext cx="6965368" cy="2677656"/>
           </a:xfrm>
           <a:prstGeom prst="rect">
             <a:avLst/>
@@ -7144,14 +7297,56 @@
           <a:p>
             <a:r>
               <a:rPr lang="en-US" dirty="0" smtClean="0"/>
-              <a:t>Thank-you very much for taking this course</a:t>
-            </a:r>
-          </a:p>
-          <a:p>
-            <a:r>
-              <a:rPr lang="en-US" dirty="0" smtClean="0"/>
-              <a:t>I really hope you all had a great time</a:t>
-            </a:r>
+              <a:t>Thank-you </a:t>
+            </a:r>
+            <a:r>
+              <a:rPr lang="en-US" dirty="0" smtClean="0"/>
+              <a:t>very much </a:t>
+            </a:r>
+            <a:r>
+              <a:rPr lang="en-US" smtClean="0"/>
+              <a:t>for attending.</a:t>
+            </a:r>
+            <a:endParaRPr lang="en-US" dirty="0" smtClean="0"/>
+          </a:p>
+          <a:p>
+            <a:r>
+              <a:rPr lang="en-US" dirty="0" smtClean="0"/>
+              <a:t>I really hope you </a:t>
+            </a:r>
+            <a:r>
+              <a:rPr lang="en-US" dirty="0" smtClean="0"/>
+              <a:t>learned something in this course</a:t>
+            </a:r>
+          </a:p>
+          <a:p>
+            <a:endParaRPr lang="en-US" dirty="0"/>
+          </a:p>
+          <a:p>
+            <a:endParaRPr lang="en-US" dirty="0" smtClean="0"/>
+          </a:p>
+          <a:p>
+            <a:r>
+              <a:rPr lang="en-US" dirty="0" smtClean="0"/>
+              <a:t>Henry Chan </a:t>
+            </a:r>
+            <a:r>
+              <a:rPr lang="en-US" dirty="0" smtClean="0">
+                <a:hlinkClick r:id="rId2"/>
+              </a:rPr>
+              <a:t>hchan@apache.org</a:t>
+            </a:r>
+            <a:endParaRPr lang="en-US" dirty="0" smtClean="0"/>
+          </a:p>
+          <a:p>
+            <a:r>
+              <a:rPr lang="en-US" dirty="0"/>
+              <a:t>http://people.apache.org/~hchan/</a:t>
+            </a:r>
+            <a:endParaRPr lang="en-US" dirty="0" smtClean="0"/>
+          </a:p>
+          <a:p>
+            <a:endParaRPr lang="en-US" dirty="0" smtClean="0"/>
           </a:p>
         </p:txBody>
       </p:sp>
@@ -23959,7 +24154,11 @@
           <a:p>
             <a:r>
               <a:rPr lang="en-US" dirty="0" smtClean="0"/>
-              <a:t>Or you can publish it to the web?</a:t>
+              <a:t>Or you can publish it to the </a:t>
+            </a:r>
+            <a:r>
+              <a:rPr lang="en-US" dirty="0" smtClean="0"/>
+              <a:t>web…</a:t>
             </a:r>
             <a:endParaRPr lang="en-US" dirty="0"/>
           </a:p>

--- a/coursePresentation.pptx
+++ b/coursePresentation.pptx
@@ -6992,6 +6992,16 @@
               <a:rPr lang="en-US" dirty="0" smtClean="0"/>
               <a:t> account.</a:t>
             </a:r>
+          </a:p>
+          <a:p>
+            <a:r>
+              <a:rPr lang="en-US" dirty="0" smtClean="0"/>
+              <a:t>Study for the Final Exam (hint: For </a:t>
+            </a:r>
+            <a:r>
+              <a:rPr lang="en-US" smtClean="0"/>
+              <a:t>The Horde)</a:t>
+            </a:r>
             <a:endParaRPr lang="en-US" dirty="0" smtClean="0"/>
           </a:p>
           <a:p>
@@ -7301,11 +7311,7 @@
             </a:r>
             <a:r>
               <a:rPr lang="en-US" dirty="0" smtClean="0"/>
-              <a:t>very much </a:t>
-            </a:r>
-            <a:r>
-              <a:rPr lang="en-US" smtClean="0"/>
-              <a:t>for attending.</a:t>
+              <a:t>very much for attending.</a:t>
             </a:r>
             <a:endParaRPr lang="en-US" dirty="0" smtClean="0"/>
           </a:p>

--- a/coursePresentation.pptx
+++ b/coursePresentation.pptx
@@ -6996,11 +6996,7 @@
           <a:p>
             <a:r>
               <a:rPr lang="en-US" dirty="0" smtClean="0"/>
-              <a:t>Study for the Final Exam (hint: For </a:t>
-            </a:r>
-            <a:r>
-              <a:rPr lang="en-US" smtClean="0"/>
-              <a:t>The Horde)</a:t>
+              <a:t>Study for the Final Exam (hint: For The Horde)</a:t>
             </a:r>
             <a:endParaRPr lang="en-US" dirty="0" smtClean="0"/>
           </a:p>
@@ -18433,7 +18429,19 @@
           <a:p>
             <a:r>
               <a:rPr lang="en-US" dirty="0" smtClean="0"/>
-              <a:t>See if you can run my application first.  If so, copy and paste as much from my app to yours, but obviously changing a “</a:t>
+              <a:t>See if you can run my application first.  If so, copy and paste as much from my app to yours, but obviously </a:t>
+            </a:r>
+            <a:r>
+              <a:rPr lang="en-US" smtClean="0"/>
+              <a:t>changing </a:t>
+            </a:r>
+            <a:r>
+              <a:rPr lang="en-US" smtClean="0"/>
+              <a:t>your </a:t>
+            </a:r>
+            <a:r>
+              <a:rPr lang="en-US" dirty="0" smtClean="0"/>
+              <a:t>“</a:t>
             </a:r>
             <a:r>
               <a:rPr lang="en-US" dirty="0" err="1" smtClean="0"/>

--- a/coursePresentation.pptx
+++ b/coursePresentation.pptx
@@ -5,10 +5,10 @@
     <p:sldMasterId id="2147484906" r:id="rId1"/>
   </p:sldMasterIdLst>
   <p:notesMasterIdLst>
-    <p:notesMasterId r:id="rId105"/>
+    <p:notesMasterId r:id="rId110"/>
   </p:notesMasterIdLst>
   <p:handoutMasterIdLst>
-    <p:handoutMasterId r:id="rId106"/>
+    <p:handoutMasterId r:id="rId111"/>
   </p:handoutMasterIdLst>
   <p:sldIdLst>
     <p:sldId id="257" r:id="rId2"/>
@@ -79,41 +79,46 @@
     <p:sldId id="379" r:id="rId67"/>
     <p:sldId id="447" r:id="rId68"/>
     <p:sldId id="387" r:id="rId69"/>
-    <p:sldId id="422" r:id="rId70"/>
-    <p:sldId id="423" r:id="rId71"/>
-    <p:sldId id="406" r:id="rId72"/>
-    <p:sldId id="407" r:id="rId73"/>
-    <p:sldId id="428" r:id="rId74"/>
-    <p:sldId id="429" r:id="rId75"/>
-    <p:sldId id="430" r:id="rId76"/>
-    <p:sldId id="431" r:id="rId77"/>
-    <p:sldId id="432" r:id="rId78"/>
-    <p:sldId id="433" r:id="rId79"/>
-    <p:sldId id="434" r:id="rId80"/>
-    <p:sldId id="435" r:id="rId81"/>
-    <p:sldId id="436" r:id="rId82"/>
-    <p:sldId id="437" r:id="rId83"/>
-    <p:sldId id="439" r:id="rId84"/>
-    <p:sldId id="446" r:id="rId85"/>
-    <p:sldId id="440" r:id="rId86"/>
-    <p:sldId id="441" r:id="rId87"/>
-    <p:sldId id="443" r:id="rId88"/>
-    <p:sldId id="444" r:id="rId89"/>
-    <p:sldId id="445" r:id="rId90"/>
-    <p:sldId id="409" r:id="rId91"/>
-    <p:sldId id="448" r:id="rId92"/>
-    <p:sldId id="411" r:id="rId93"/>
-    <p:sldId id="425" r:id="rId94"/>
-    <p:sldId id="426" r:id="rId95"/>
-    <p:sldId id="442" r:id="rId96"/>
-    <p:sldId id="449" r:id="rId97"/>
-    <p:sldId id="427" r:id="rId98"/>
-    <p:sldId id="451" r:id="rId99"/>
-    <p:sldId id="452" r:id="rId100"/>
-    <p:sldId id="453" r:id="rId101"/>
-    <p:sldId id="450" r:id="rId102"/>
-    <p:sldId id="454" r:id="rId103"/>
-    <p:sldId id="394" r:id="rId104"/>
+    <p:sldId id="406" r:id="rId70"/>
+    <p:sldId id="422" r:id="rId71"/>
+    <p:sldId id="457" r:id="rId72"/>
+    <p:sldId id="458" r:id="rId73"/>
+    <p:sldId id="459" r:id="rId74"/>
+    <p:sldId id="460" r:id="rId75"/>
+    <p:sldId id="461" r:id="rId76"/>
+    <p:sldId id="423" r:id="rId77"/>
+    <p:sldId id="407" r:id="rId78"/>
+    <p:sldId id="428" r:id="rId79"/>
+    <p:sldId id="429" r:id="rId80"/>
+    <p:sldId id="430" r:id="rId81"/>
+    <p:sldId id="431" r:id="rId82"/>
+    <p:sldId id="432" r:id="rId83"/>
+    <p:sldId id="433" r:id="rId84"/>
+    <p:sldId id="434" r:id="rId85"/>
+    <p:sldId id="435" r:id="rId86"/>
+    <p:sldId id="436" r:id="rId87"/>
+    <p:sldId id="437" r:id="rId88"/>
+    <p:sldId id="439" r:id="rId89"/>
+    <p:sldId id="446" r:id="rId90"/>
+    <p:sldId id="440" r:id="rId91"/>
+    <p:sldId id="441" r:id="rId92"/>
+    <p:sldId id="443" r:id="rId93"/>
+    <p:sldId id="444" r:id="rId94"/>
+    <p:sldId id="445" r:id="rId95"/>
+    <p:sldId id="409" r:id="rId96"/>
+    <p:sldId id="448" r:id="rId97"/>
+    <p:sldId id="411" r:id="rId98"/>
+    <p:sldId id="425" r:id="rId99"/>
+    <p:sldId id="426" r:id="rId100"/>
+    <p:sldId id="442" r:id="rId101"/>
+    <p:sldId id="449" r:id="rId102"/>
+    <p:sldId id="427" r:id="rId103"/>
+    <p:sldId id="451" r:id="rId104"/>
+    <p:sldId id="452" r:id="rId105"/>
+    <p:sldId id="453" r:id="rId106"/>
+    <p:sldId id="450" r:id="rId107"/>
+    <p:sldId id="454" r:id="rId108"/>
+    <p:sldId id="394" r:id="rId109"/>
   </p:sldIdLst>
   <p:sldSz cx="9144000" cy="6858000" type="screen4x3"/>
   <p:notesSz cx="6858000" cy="9144000"/>
@@ -6730,12 +6735,8 @@
           <a:lstStyle/>
           <a:p>
             <a:r>
-              <a:rPr lang="en-US" dirty="0" err="1" smtClean="0"/>
-              <a:t>GitHub</a:t>
-            </a:r>
-            <a:r>
-              <a:rPr lang="en-US" dirty="0" smtClean="0"/>
-              <a:t> Pages</a:t>
+              <a:rPr lang="en-US" dirty="0" smtClean="0"/>
+              <a:t>What now?</a:t>
             </a:r>
             <a:endParaRPr lang="en-US" dirty="0"/>
           </a:p>
@@ -6754,96 +6755,67 @@
         <p:spPr/>
         <p:txBody>
           <a:bodyPr>
-            <a:normAutofit fontScale="92500" lnSpcReduction="20000"/>
+            <a:normAutofit fontScale="70000" lnSpcReduction="20000"/>
           </a:bodyPr>
           <a:lstStyle/>
           <a:p>
             <a:r>
               <a:rPr lang="en-US" dirty="0" smtClean="0"/>
-              <a:t>So we are already using </a:t>
-            </a:r>
-            <a:r>
-              <a:rPr lang="en-US" dirty="0" err="1" smtClean="0"/>
-              <a:t>GitHub</a:t>
-            </a:r>
-            <a:r>
-              <a:rPr lang="en-US" dirty="0"/>
-              <a:t> </a:t>
-            </a:r>
-            <a:r>
-              <a:rPr lang="en-US" dirty="0" smtClean="0"/>
-              <a:t>…</a:t>
-            </a:r>
-          </a:p>
-          <a:p>
-            <a:r>
-              <a:rPr lang="en-US" dirty="0"/>
-              <a:t>Now let’s use https://pages.github.com/</a:t>
-            </a:r>
-            <a:endParaRPr lang="en-US" dirty="0" smtClean="0"/>
-          </a:p>
-          <a:p>
-            <a:r>
-              <a:rPr lang="en-US" dirty="0" smtClean="0"/>
-              <a:t>To use </a:t>
-            </a:r>
-            <a:r>
-              <a:rPr lang="en-US" dirty="0" err="1" smtClean="0"/>
-              <a:t>GitHub</a:t>
-            </a:r>
-            <a:r>
-              <a:rPr lang="en-US" dirty="0" smtClean="0"/>
-              <a:t> </a:t>
-            </a:r>
-            <a:r>
-              <a:rPr lang="en-US" dirty="0" smtClean="0"/>
-              <a:t>Pages</a:t>
-            </a:r>
-            <a:r>
-              <a:rPr lang="en-US" dirty="0" smtClean="0"/>
-              <a:t>, just create a branch called </a:t>
-            </a:r>
-            <a:r>
-              <a:rPr lang="en-US" dirty="0" err="1" smtClean="0"/>
-              <a:t>gh</a:t>
-            </a:r>
-            <a:r>
-              <a:rPr lang="en-US" dirty="0" smtClean="0"/>
-              <a:t>-pages</a:t>
-            </a:r>
-          </a:p>
-          <a:p>
-            <a:r>
-              <a:rPr lang="en-US" dirty="0" smtClean="0"/>
-              <a:t>Before that, make sure you created your zip file in root and write an index.html that will have an anchor reference to it (you can refer to my index.html)</a:t>
-            </a:r>
-          </a:p>
-          <a:p>
-            <a:r>
-              <a:rPr lang="en-US" dirty="0" smtClean="0"/>
-              <a:t>After that, just create a </a:t>
-            </a:r>
-            <a:r>
-              <a:rPr lang="en-US" dirty="0" err="1" smtClean="0"/>
-              <a:t>gh</a:t>
-            </a:r>
-            <a:r>
-              <a:rPr lang="en-US" dirty="0" smtClean="0"/>
-              <a:t>-pages branch and push</a:t>
-            </a:r>
-          </a:p>
-          <a:p>
-            <a:r>
-              <a:rPr lang="en-US" dirty="0" smtClean="0"/>
-              <a:t>OPTIONAL: modify you </a:t>
-            </a:r>
-            <a:r>
-              <a:rPr lang="en-US" dirty="0" err="1" smtClean="0"/>
-              <a:t>github</a:t>
-            </a:r>
-            <a:r>
-              <a:rPr lang="en-US" dirty="0" smtClean="0"/>
-              <a:t> webpage URL</a:t>
+              <a:t>Not going to lie, the previous class was pretty *tough*.  There’s the technical code part, the *magic of annotations* and just the new train of thought with Java ORM</a:t>
+            </a:r>
+          </a:p>
+          <a:p>
+            <a:r>
+              <a:rPr lang="en-US" dirty="0" smtClean="0"/>
+              <a:t>Show of hands … how many people were </a:t>
+            </a:r>
+          </a:p>
+          <a:p>
+            <a:pPr marL="912114" lvl="1" indent="-514350">
+              <a:buFont typeface="+mj-lt"/>
+              <a:buAutoNum type="arabicPeriod"/>
+            </a:pPr>
+            <a:r>
+              <a:rPr lang="en-US" dirty="0" smtClean="0"/>
+              <a:t>Very confused about Database ORM</a:t>
+            </a:r>
+          </a:p>
+          <a:p>
+            <a:pPr marL="912114" lvl="1" indent="-514350">
+              <a:buFont typeface="+mj-lt"/>
+              <a:buAutoNum type="arabicPeriod"/>
+            </a:pPr>
+            <a:r>
+              <a:rPr lang="en-US" dirty="0" smtClean="0"/>
+              <a:t>Semi-confused</a:t>
+            </a:r>
+          </a:p>
+          <a:p>
+            <a:pPr marL="912114" lvl="1" indent="-514350">
+              <a:buFont typeface="+mj-lt"/>
+              <a:buAutoNum type="arabicPeriod"/>
+            </a:pPr>
+            <a:r>
+              <a:rPr lang="en-US" dirty="0" smtClean="0"/>
+              <a:t>Heck – easy stuff</a:t>
+            </a:r>
+          </a:p>
+          <a:p>
+            <a:r>
+              <a:rPr lang="en-US" dirty="0" smtClean="0"/>
+              <a:t>Also the lecture about Databases is by FAR one of the most important lectures.  Without databases, you will have NO Web Service, no Web app.  The concepts of DB alone is a course by itself.</a:t>
+            </a:r>
+          </a:p>
+          <a:p>
+            <a:r>
+              <a:rPr lang="en-US" dirty="0" smtClean="0"/>
+              <a:t>If no other questions, I’m going to repeat the last class again (and possibly again in the next class if I see a lot of blank faces)</a:t>
+            </a:r>
+          </a:p>
+          <a:p>
+            <a:r>
+              <a:rPr lang="en-US" dirty="0" smtClean="0"/>
+              <a:t>If you understand ORM inside out, feel free to work on your assignment or take off early</a:t>
             </a:r>
             <a:endParaRPr lang="en-US" dirty="0"/>
           </a:p>
@@ -6881,7 +6853,7 @@
     </p:spTree>
     <p:extLst>
       <p:ext uri="{BB962C8B-B14F-4D97-AF65-F5344CB8AC3E}">
-        <p14:creationId xmlns:p14="http://schemas.microsoft.com/office/powerpoint/2010/main" val="3984643317"/>
+        <p14:creationId xmlns:p14="http://schemas.microsoft.com/office/powerpoint/2010/main" val="3611507398"/>
       </p:ext>
     </p:extLst>
   </p:cSld>
@@ -6943,65 +6915,18 @@
         </p:nvSpPr>
         <p:spPr/>
         <p:txBody>
-          <a:bodyPr>
-            <a:normAutofit/>
-          </a:bodyPr>
-          <a:lstStyle/>
-          <a:p>
-            <a:r>
-              <a:rPr lang="en-US" dirty="0" smtClean="0"/>
-              <a:t>Assignment11/Final Project</a:t>
-            </a:r>
-          </a:p>
-          <a:p>
-            <a:r>
-              <a:rPr lang="en-US" dirty="0" smtClean="0"/>
-              <a:t>Package it up </a:t>
-            </a:r>
-            <a:r>
-              <a:rPr lang="en-US" dirty="0" smtClean="0"/>
-              <a:t>;)</a:t>
-            </a:r>
-          </a:p>
-          <a:p>
-            <a:r>
-              <a:rPr lang="en-US" dirty="0" smtClean="0"/>
-              <a:t>Optional: put your </a:t>
-            </a:r>
-            <a:r>
-              <a:rPr lang="en-US" dirty="0" err="1" smtClean="0"/>
-              <a:t>GitHub</a:t>
-            </a:r>
-            <a:r>
-              <a:rPr lang="en-US" dirty="0" smtClean="0"/>
-              <a:t> / </a:t>
-            </a:r>
-            <a:r>
-              <a:rPr lang="en-US" dirty="0" err="1" smtClean="0"/>
-              <a:t>GitHub</a:t>
-            </a:r>
-            <a:r>
-              <a:rPr lang="en-US" dirty="0" smtClean="0"/>
-              <a:t> Pages URL on your resume … or you can wipe it out completely.  Believe it or not, some employers ask if you have a </a:t>
-            </a:r>
-            <a:r>
-              <a:rPr lang="en-US" dirty="0" err="1" smtClean="0"/>
-              <a:t>GitHub</a:t>
-            </a:r>
-            <a:r>
-              <a:rPr lang="en-US" dirty="0" smtClean="0"/>
-              <a:t> account.</a:t>
-            </a:r>
-          </a:p>
-          <a:p>
-            <a:r>
-              <a:rPr lang="en-US" dirty="0" smtClean="0"/>
-              <a:t>Study for the Final Exam (hint: For The Horde)</a:t>
-            </a:r>
-            <a:endParaRPr lang="en-US" dirty="0" smtClean="0"/>
-          </a:p>
-          <a:p>
-            <a:endParaRPr lang="en-US" dirty="0" smtClean="0"/>
+          <a:bodyPr/>
+          <a:lstStyle/>
+          <a:p>
+            <a:r>
+              <a:rPr lang="en-US" dirty="0" smtClean="0"/>
+              <a:t>Assignment </a:t>
+            </a:r>
+            <a:r>
+              <a:rPr lang="en-US" dirty="0" smtClean="0"/>
+              <a:t>10 (yup)</a:t>
+            </a:r>
+            <a:endParaRPr lang="en-US" dirty="0"/>
           </a:p>
         </p:txBody>
       </p:sp>
@@ -7037,7 +6962,7 @@
     </p:spTree>
     <p:extLst>
       <p:ext uri="{BB962C8B-B14F-4D97-AF65-F5344CB8AC3E}">
-        <p14:creationId xmlns:p14="http://schemas.microsoft.com/office/powerpoint/2010/main" val="518232887"/>
+        <p14:creationId xmlns:p14="http://schemas.microsoft.com/office/powerpoint/2010/main" val="3259690146"/>
       </p:ext>
     </p:extLst>
   </p:cSld>
@@ -7081,87 +7006,109 @@
           <a:p>
             <a:r>
               <a:rPr lang="en-US" dirty="0" smtClean="0"/>
-              <a:t>Homework Optional </a:t>
+              <a:t>MVC (Model-View-Controller)</a:t>
+            </a:r>
+            <a:endParaRPr lang="en-US" dirty="0"/>
+          </a:p>
+        </p:txBody>
+      </p:sp>
+      <p:sp>
+        <p:nvSpPr>
+          <p:cNvPr id="3" name="Content Placeholder 2"/>
+          <p:cNvSpPr>
+            <a:spLocks noGrp="1"/>
+          </p:cNvSpPr>
+          <p:nvPr>
+            <p:ph idx="1"/>
+          </p:nvPr>
+        </p:nvSpPr>
+        <p:spPr/>
+        <p:txBody>
+          <a:bodyPr>
+            <a:normAutofit fontScale="77500" lnSpcReduction="20000"/>
+          </a:bodyPr>
+          <a:lstStyle/>
+          <a:p>
+            <a:r>
+              <a:rPr lang="en-US" dirty="0" smtClean="0"/>
+              <a:t>You already used it ;)</a:t>
+            </a:r>
+          </a:p>
+          <a:p>
+            <a:r>
+              <a:rPr lang="en-US" dirty="0" smtClean="0"/>
+              <a:t>Which was the Model? (hint model </a:t>
             </a:r>
             <a:r>
               <a:rPr lang="en-US" dirty="0" err="1" smtClean="0"/>
-              <a:t>Cont</a:t>
-            </a:r>
-            <a:endParaRPr lang="en-US" dirty="0"/>
-          </a:p>
-        </p:txBody>
-      </p:sp>
-      <p:sp>
-        <p:nvSpPr>
-          <p:cNvPr id="3" name="Content Placeholder 2"/>
-          <p:cNvSpPr>
-            <a:spLocks noGrp="1"/>
-          </p:cNvSpPr>
-          <p:nvPr>
-            <p:ph idx="1"/>
-          </p:nvPr>
-        </p:nvSpPr>
-        <p:spPr/>
-        <p:txBody>
-          <a:bodyPr>
-            <a:normAutofit fontScale="55000" lnSpcReduction="20000"/>
-          </a:bodyPr>
-          <a:lstStyle/>
-          <a:p>
-            <a:r>
-              <a:rPr lang="en-US" dirty="0"/>
-              <a:t>Optional (and I would REALLY, REALLY, REALLY appreciate it you did this …): </a:t>
-            </a:r>
-          </a:p>
-          <a:p>
-            <a:r>
-              <a:rPr lang="en-US" dirty="0" err="1"/>
-              <a:t>Goto</a:t>
-            </a:r>
-            <a:r>
-              <a:rPr lang="en-US" dirty="0"/>
-              <a:t>: </a:t>
-            </a:r>
-            <a:r>
-              <a:rPr lang="en-US" dirty="0">
-                <a:hlinkClick r:id="rId2"/>
-              </a:rPr>
-              <a:t>http://www.ratemyprofessors.com/AddRating.jsp?tid=1906738</a:t>
-            </a:r>
-            <a:endParaRPr lang="en-US" dirty="0"/>
-          </a:p>
-          <a:p>
-            <a:r>
-              <a:rPr lang="en-US" dirty="0"/>
-              <a:t>and rate me (and the course) – much appreciated.  If there is anything about the way I teach or course you would like to see changed, post your feedback via the above link.  All negative or positive comments are appreciated.  FYI, rating me (or any other teachers at BCIT) will most likely *NOT* effect their salary / status in any way.  The reverse is also true … if you take any of my other classes in the future, your comments will not affect your score for that class.  Its strictly a social networking site used to help teachers improve their course and raise awareness for other students.  I *know* some of you have either suffered or breezed through this course.  Think of your comments as a way to help shape this course and help students in the future – pay it forward.  For the Horde!!!   I mean – for BCIT!!!</a:t>
-            </a:r>
-          </a:p>
-          <a:p>
-            <a:r>
-              <a:rPr lang="en-US" dirty="0"/>
-              <a:t>Hint – if you have the extra time, you might want to rate other teachers you had at BCIT and/or search by teachers in case you are interested in taking their courses</a:t>
-            </a:r>
-            <a:r>
-              <a:rPr lang="en-US" dirty="0" smtClean="0"/>
-              <a:t>.  Its also great fun to read about some of the comments of professors who got a score of &lt; 1.5 (out of 5).  </a:t>
+              <a:t>clases</a:t>
+            </a:r>
+            <a:r>
+              <a:rPr lang="en-US" dirty="0" smtClean="0"/>
+              <a:t>)</a:t>
+            </a:r>
+          </a:p>
+          <a:p>
+            <a:r>
+              <a:rPr lang="en-US" dirty="0" smtClean="0"/>
+              <a:t>View? (</a:t>
             </a:r>
             <a:r>
               <a:rPr lang="en-US" dirty="0" err="1" smtClean="0"/>
-              <a:t>Kinda</a:t>
-            </a:r>
-            <a:r>
-              <a:rPr lang="en-US" dirty="0" smtClean="0"/>
-              <a:t> funny ;)  Some of those comments were BRUTAL.  </a:t>
+              <a:t>JButton</a:t>
+            </a:r>
+            <a:r>
+              <a:rPr lang="en-US" dirty="0" smtClean="0"/>
+              <a:t>, </a:t>
             </a:r>
             <a:r>
               <a:rPr lang="en-US" dirty="0" err="1" smtClean="0"/>
-              <a:t>Eeesh</a:t>
-            </a:r>
-            <a:r>
-              <a:rPr lang="en-US" dirty="0" smtClean="0"/>
-              <a:t>, I hope I’m not going to be one of those profs!</a:t>
-            </a:r>
-            <a:endParaRPr lang="en-US" dirty="0"/>
+              <a:t>JFrame</a:t>
+            </a:r>
+            <a:r>
+              <a:rPr lang="en-US" dirty="0" smtClean="0"/>
+              <a:t>, </a:t>
+            </a:r>
+            <a:r>
+              <a:rPr lang="en-US" dirty="0" err="1" smtClean="0"/>
+              <a:t>JTable</a:t>
+            </a:r>
+            <a:r>
+              <a:rPr lang="en-US" dirty="0" smtClean="0"/>
+              <a:t>, </a:t>
+            </a:r>
+            <a:r>
+              <a:rPr lang="en-US" dirty="0" err="1" smtClean="0"/>
+              <a:t>JLabel</a:t>
+            </a:r>
+            <a:r>
+              <a:rPr lang="en-US" dirty="0" smtClean="0"/>
+              <a:t>)</a:t>
+            </a:r>
+          </a:p>
+          <a:p>
+            <a:r>
+              <a:rPr lang="en-US" dirty="0" smtClean="0"/>
+              <a:t>Controller? (all the code for button clicks)</a:t>
+            </a:r>
+          </a:p>
+          <a:p>
+            <a:r>
+              <a:rPr lang="en-US" dirty="0" smtClean="0"/>
+              <a:t>Admittedly, the separation of Controller and View is quite weak in Swing, but this design pattern is used throughout software engineering</a:t>
+            </a:r>
+          </a:p>
+          <a:p>
+            <a:r>
+              <a:rPr lang="en-US" dirty="0" smtClean="0"/>
+              <a:t>Admittedly, MVC (a somewhat 2000’ish design pattern) isn’t always the best design pattern, but very commonly used.  Pretty good, but not always the best.</a:t>
+            </a:r>
+          </a:p>
+          <a:p>
+            <a:r>
+              <a:rPr lang="en-US" dirty="0" smtClean="0"/>
+              <a:t>Lots of other ones out there like MVP, MVVM, and now there’s a category called MVW – whatever!</a:t>
+            </a:r>
           </a:p>
           <a:p>
             <a:endParaRPr lang="en-US" dirty="0"/>
@@ -7200,7 +7147,7 @@
     </p:spTree>
     <p:extLst>
       <p:ext uri="{BB962C8B-B14F-4D97-AF65-F5344CB8AC3E}">
-        <p14:creationId xmlns:p14="http://schemas.microsoft.com/office/powerpoint/2010/main" val="3489728803"/>
+        <p14:creationId xmlns:p14="http://schemas.microsoft.com/office/powerpoint/2010/main" val="3238898663"/>
       </p:ext>
     </p:extLst>
   </p:cSld>
@@ -7244,6 +7191,940 @@
           <a:p>
             <a:r>
               <a:rPr lang="en-US" dirty="0" smtClean="0"/>
+              <a:t>Packaging it up</a:t>
+            </a:r>
+            <a:endParaRPr lang="en-US" dirty="0"/>
+          </a:p>
+        </p:txBody>
+      </p:sp>
+      <p:sp>
+        <p:nvSpPr>
+          <p:cNvPr id="3" name="Content Placeholder 2"/>
+          <p:cNvSpPr>
+            <a:spLocks noGrp="1"/>
+          </p:cNvSpPr>
+          <p:nvPr>
+            <p:ph idx="1"/>
+          </p:nvPr>
+        </p:nvSpPr>
+        <p:spPr/>
+        <p:txBody>
+          <a:bodyPr>
+            <a:normAutofit fontScale="92500" lnSpcReduction="20000"/>
+          </a:bodyPr>
+          <a:lstStyle/>
+          <a:p>
+            <a:r>
+              <a:rPr lang="en-US" dirty="0" smtClean="0"/>
+              <a:t>Refer to pom.xml</a:t>
+            </a:r>
+          </a:p>
+          <a:p>
+            <a:r>
+              <a:rPr lang="en-US" dirty="0" smtClean="0"/>
+              <a:t>maven-jar-plugin </a:t>
+            </a:r>
+          </a:p>
+          <a:p>
+            <a:pPr lvl="1"/>
+            <a:r>
+              <a:rPr lang="en-US" dirty="0" smtClean="0"/>
+              <a:t>(makes the main jar and puts in the in target folder)</a:t>
+            </a:r>
+          </a:p>
+          <a:p>
+            <a:pPr lvl="1"/>
+            <a:r>
+              <a:rPr lang="en-US" dirty="0" smtClean="0"/>
+              <a:t>You should specify the main class here</a:t>
+            </a:r>
+          </a:p>
+          <a:p>
+            <a:pPr lvl="1"/>
+            <a:r>
+              <a:rPr lang="en-US" dirty="0" err="1" smtClean="0"/>
+              <a:t>i.e</a:t>
+            </a:r>
+            <a:r>
+              <a:rPr lang="en-US" dirty="0" smtClean="0"/>
+              <a:t>: </a:t>
+            </a:r>
+            <a:r>
+              <a:rPr lang="en-US" dirty="0" smtClean="0">
+                <a:solidFill>
+                  <a:srgbClr val="FF0000"/>
+                </a:solidFill>
+              </a:rPr>
+              <a:t>&lt;</a:t>
+            </a:r>
+            <a:r>
+              <a:rPr lang="en-US" dirty="0" err="1" smtClean="0">
+                <a:solidFill>
+                  <a:srgbClr val="FF0000"/>
+                </a:solidFill>
+              </a:rPr>
+              <a:t>mainClass</a:t>
+            </a:r>
+            <a:r>
+              <a:rPr lang="en-US" dirty="0" smtClean="0">
+                <a:solidFill>
+                  <a:srgbClr val="FF0000"/>
+                </a:solidFill>
+              </a:rPr>
+              <a:t>&gt;ca.bcit.comp2613.coursematerial.day09.TeacherSwingApplication</a:t>
+            </a:r>
+            <a:r>
+              <a:rPr lang="en-US" dirty="0">
+                <a:solidFill>
+                  <a:srgbClr val="FF0000"/>
+                </a:solidFill>
+              </a:rPr>
+              <a:t>&lt;/</a:t>
+            </a:r>
+            <a:r>
+              <a:rPr lang="en-US" dirty="0" err="1">
+                <a:solidFill>
+                  <a:srgbClr val="FF0000"/>
+                </a:solidFill>
+              </a:rPr>
+              <a:t>mainClass</a:t>
+            </a:r>
+            <a:r>
+              <a:rPr lang="en-US" dirty="0" smtClean="0">
+                <a:solidFill>
+                  <a:srgbClr val="FF0000"/>
+                </a:solidFill>
+              </a:rPr>
+              <a:t>&gt;</a:t>
+            </a:r>
+          </a:p>
+          <a:p>
+            <a:r>
+              <a:rPr lang="en-US" dirty="0" smtClean="0"/>
+              <a:t>maven-dependency-plugin</a:t>
+            </a:r>
+          </a:p>
+          <a:p>
+            <a:pPr lvl="1"/>
+            <a:r>
+              <a:rPr lang="en-US" dirty="0" smtClean="0"/>
+              <a:t>Copies the jars (</a:t>
+            </a:r>
+            <a:r>
+              <a:rPr lang="en-US" dirty="0"/>
+              <a:t>&lt;goal&gt;copy-dependencies&lt;/goal</a:t>
+            </a:r>
+            <a:r>
+              <a:rPr lang="en-US" dirty="0" smtClean="0"/>
+              <a:t>&gt;) to the target/lib folder</a:t>
+            </a:r>
+          </a:p>
+          <a:p>
+            <a:r>
+              <a:rPr lang="en-US" dirty="0" smtClean="0"/>
+              <a:t>maven-</a:t>
+            </a:r>
+            <a:r>
+              <a:rPr lang="en-US" dirty="0" err="1" smtClean="0"/>
+              <a:t>antrun</a:t>
+            </a:r>
+            <a:r>
+              <a:rPr lang="en-US" dirty="0" smtClean="0"/>
+              <a:t>-plugin</a:t>
+            </a:r>
+          </a:p>
+          <a:p>
+            <a:pPr lvl="1"/>
+            <a:r>
+              <a:rPr lang="en-US" dirty="0" smtClean="0"/>
+              <a:t>Zip it up and puts the final artifact in the root folder</a:t>
+            </a:r>
+          </a:p>
+          <a:p>
+            <a:endParaRPr lang="en-US" dirty="0" smtClean="0"/>
+          </a:p>
+          <a:p>
+            <a:endParaRPr lang="en-US" dirty="0"/>
+          </a:p>
+        </p:txBody>
+      </p:sp>
+      <p:sp>
+        <p:nvSpPr>
+          <p:cNvPr id="4" name="Slide Number Placeholder 3"/>
+          <p:cNvSpPr>
+            <a:spLocks noGrp="1"/>
+          </p:cNvSpPr>
+          <p:nvPr>
+            <p:ph type="sldNum" sz="quarter" idx="12"/>
+          </p:nvPr>
+        </p:nvSpPr>
+        <p:spPr/>
+        <p:txBody>
+          <a:bodyPr/>
+          <a:lstStyle/>
+          <a:p>
+            <a:pPr>
+              <a:defRPr/>
+            </a:pPr>
+            <a:fld id="{8B8B984A-5AFF-7643-AE60-6D8D11294076}" type="slidenum">
+              <a:rPr lang="en-US" smtClean="0"/>
+              <a:pPr>
+                <a:defRPr/>
+              </a:pPr>
+              <a:t>103</a:t>
+            </a:fld>
+            <a:endParaRPr lang="en-US"/>
+          </a:p>
+        </p:txBody>
+      </p:sp>
+    </p:spTree>
+    <p:extLst>
+      <p:ext uri="{BB962C8B-B14F-4D97-AF65-F5344CB8AC3E}">
+        <p14:creationId xmlns:p14="http://schemas.microsoft.com/office/powerpoint/2010/main" val="3566519747"/>
+      </p:ext>
+    </p:extLst>
+  </p:cSld>
+  <p:clrMapOvr>
+    <a:masterClrMapping/>
+  </p:clrMapOvr>
+</p:sld>
+</file>
+
+<file path=ppt/slides/slide104.xml><?xml version="1.0" encoding="utf-8"?>
+<p:sld xmlns:a="http://schemas.openxmlformats.org/drawingml/2006/main" xmlns:r="http://schemas.openxmlformats.org/officeDocument/2006/relationships" xmlns:p="http://schemas.openxmlformats.org/presentationml/2006/main">
+  <p:cSld>
+    <p:spTree>
+      <p:nvGrpSpPr>
+        <p:cNvPr id="1" name=""/>
+        <p:cNvGrpSpPr/>
+        <p:nvPr/>
+      </p:nvGrpSpPr>
+      <p:grpSpPr>
+        <a:xfrm>
+          <a:off x="0" y="0"/>
+          <a:ext cx="0" cy="0"/>
+          <a:chOff x="0" y="0"/>
+          <a:chExt cx="0" cy="0"/>
+        </a:xfrm>
+      </p:grpSpPr>
+      <p:sp>
+        <p:nvSpPr>
+          <p:cNvPr id="2" name="Title 1"/>
+          <p:cNvSpPr>
+            <a:spLocks noGrp="1"/>
+          </p:cNvSpPr>
+          <p:nvPr>
+            <p:ph type="title"/>
+          </p:nvPr>
+        </p:nvSpPr>
+        <p:spPr/>
+        <p:txBody>
+          <a:bodyPr/>
+          <a:lstStyle/>
+          <a:p>
+            <a:r>
+              <a:rPr lang="en-US" dirty="0" smtClean="0"/>
+              <a:t>Great I got a zip file now – now what?</a:t>
+            </a:r>
+            <a:endParaRPr lang="en-US" dirty="0"/>
+          </a:p>
+        </p:txBody>
+      </p:sp>
+      <p:sp>
+        <p:nvSpPr>
+          <p:cNvPr id="3" name="Content Placeholder 2"/>
+          <p:cNvSpPr>
+            <a:spLocks noGrp="1"/>
+          </p:cNvSpPr>
+          <p:nvPr>
+            <p:ph idx="1"/>
+          </p:nvPr>
+        </p:nvSpPr>
+        <p:spPr/>
+        <p:txBody>
+          <a:bodyPr/>
+          <a:lstStyle/>
+          <a:p>
+            <a:r>
+              <a:rPr lang="en-US" dirty="0" smtClean="0"/>
+              <a:t>Well you can send that zip file to a friend via email (</a:t>
+            </a:r>
+            <a:r>
+              <a:rPr lang="en-US" dirty="0" err="1" smtClean="0"/>
+              <a:t>tho</a:t>
+            </a:r>
+            <a:r>
+              <a:rPr lang="en-US" dirty="0" smtClean="0"/>
+              <a:t> it might be a bit large) …</a:t>
+            </a:r>
+          </a:p>
+          <a:p>
+            <a:r>
+              <a:rPr lang="en-US" dirty="0" smtClean="0"/>
+              <a:t>Or you can publish it to the </a:t>
+            </a:r>
+            <a:r>
+              <a:rPr lang="en-US" dirty="0" smtClean="0"/>
+              <a:t>web…</a:t>
+            </a:r>
+            <a:endParaRPr lang="en-US" dirty="0"/>
+          </a:p>
+        </p:txBody>
+      </p:sp>
+      <p:sp>
+        <p:nvSpPr>
+          <p:cNvPr id="4" name="Slide Number Placeholder 3"/>
+          <p:cNvSpPr>
+            <a:spLocks noGrp="1"/>
+          </p:cNvSpPr>
+          <p:nvPr>
+            <p:ph type="sldNum" sz="quarter" idx="12"/>
+          </p:nvPr>
+        </p:nvSpPr>
+        <p:spPr/>
+        <p:txBody>
+          <a:bodyPr/>
+          <a:lstStyle/>
+          <a:p>
+            <a:pPr>
+              <a:defRPr/>
+            </a:pPr>
+            <a:fld id="{8B8B984A-5AFF-7643-AE60-6D8D11294076}" type="slidenum">
+              <a:rPr lang="en-US" smtClean="0"/>
+              <a:pPr>
+                <a:defRPr/>
+              </a:pPr>
+              <a:t>104</a:t>
+            </a:fld>
+            <a:endParaRPr lang="en-US"/>
+          </a:p>
+        </p:txBody>
+      </p:sp>
+    </p:spTree>
+    <p:extLst>
+      <p:ext uri="{BB962C8B-B14F-4D97-AF65-F5344CB8AC3E}">
+        <p14:creationId xmlns:p14="http://schemas.microsoft.com/office/powerpoint/2010/main" val="3392294601"/>
+      </p:ext>
+    </p:extLst>
+  </p:cSld>
+  <p:clrMapOvr>
+    <a:masterClrMapping/>
+  </p:clrMapOvr>
+</p:sld>
+</file>
+
+<file path=ppt/slides/slide105.xml><?xml version="1.0" encoding="utf-8"?>
+<p:sld xmlns:a="http://schemas.openxmlformats.org/drawingml/2006/main" xmlns:r="http://schemas.openxmlformats.org/officeDocument/2006/relationships" xmlns:p="http://schemas.openxmlformats.org/presentationml/2006/main">
+  <p:cSld>
+    <p:spTree>
+      <p:nvGrpSpPr>
+        <p:cNvPr id="1" name=""/>
+        <p:cNvGrpSpPr/>
+        <p:nvPr/>
+      </p:nvGrpSpPr>
+      <p:grpSpPr>
+        <a:xfrm>
+          <a:off x="0" y="0"/>
+          <a:ext cx="0" cy="0"/>
+          <a:chOff x="0" y="0"/>
+          <a:chExt cx="0" cy="0"/>
+        </a:xfrm>
+      </p:grpSpPr>
+      <p:sp>
+        <p:nvSpPr>
+          <p:cNvPr id="2" name="Title 1"/>
+          <p:cNvSpPr>
+            <a:spLocks noGrp="1"/>
+          </p:cNvSpPr>
+          <p:nvPr>
+            <p:ph type="title"/>
+          </p:nvPr>
+        </p:nvSpPr>
+        <p:spPr/>
+        <p:txBody>
+          <a:bodyPr/>
+          <a:lstStyle/>
+          <a:p>
+            <a:r>
+              <a:rPr lang="en-US" dirty="0" err="1" smtClean="0"/>
+              <a:t>GitHub</a:t>
+            </a:r>
+            <a:r>
+              <a:rPr lang="en-US" dirty="0" smtClean="0"/>
+              <a:t> Pages</a:t>
+            </a:r>
+            <a:endParaRPr lang="en-US" dirty="0"/>
+          </a:p>
+        </p:txBody>
+      </p:sp>
+      <p:sp>
+        <p:nvSpPr>
+          <p:cNvPr id="3" name="Content Placeholder 2"/>
+          <p:cNvSpPr>
+            <a:spLocks noGrp="1"/>
+          </p:cNvSpPr>
+          <p:nvPr>
+            <p:ph idx="1"/>
+          </p:nvPr>
+        </p:nvSpPr>
+        <p:spPr/>
+        <p:txBody>
+          <a:bodyPr>
+            <a:normAutofit fontScale="92500" lnSpcReduction="20000"/>
+          </a:bodyPr>
+          <a:lstStyle/>
+          <a:p>
+            <a:r>
+              <a:rPr lang="en-US" dirty="0" smtClean="0"/>
+              <a:t>So we are already using </a:t>
+            </a:r>
+            <a:r>
+              <a:rPr lang="en-US" dirty="0" err="1" smtClean="0"/>
+              <a:t>GitHub</a:t>
+            </a:r>
+            <a:r>
+              <a:rPr lang="en-US" dirty="0"/>
+              <a:t> </a:t>
+            </a:r>
+            <a:r>
+              <a:rPr lang="en-US" dirty="0" smtClean="0"/>
+              <a:t>…</a:t>
+            </a:r>
+          </a:p>
+          <a:p>
+            <a:r>
+              <a:rPr lang="en-US" dirty="0"/>
+              <a:t>Now let’s use https://pages.github.com/</a:t>
+            </a:r>
+            <a:endParaRPr lang="en-US" dirty="0" smtClean="0"/>
+          </a:p>
+          <a:p>
+            <a:r>
+              <a:rPr lang="en-US" dirty="0" smtClean="0"/>
+              <a:t>To use </a:t>
+            </a:r>
+            <a:r>
+              <a:rPr lang="en-US" dirty="0" err="1" smtClean="0"/>
+              <a:t>GitHub</a:t>
+            </a:r>
+            <a:r>
+              <a:rPr lang="en-US" dirty="0" smtClean="0"/>
+              <a:t> </a:t>
+            </a:r>
+            <a:r>
+              <a:rPr lang="en-US" dirty="0" smtClean="0"/>
+              <a:t>Pages</a:t>
+            </a:r>
+            <a:r>
+              <a:rPr lang="en-US" dirty="0" smtClean="0"/>
+              <a:t>, just create a branch called </a:t>
+            </a:r>
+            <a:r>
+              <a:rPr lang="en-US" dirty="0" err="1" smtClean="0"/>
+              <a:t>gh</a:t>
+            </a:r>
+            <a:r>
+              <a:rPr lang="en-US" dirty="0" smtClean="0"/>
+              <a:t>-pages</a:t>
+            </a:r>
+          </a:p>
+          <a:p>
+            <a:r>
+              <a:rPr lang="en-US" dirty="0" smtClean="0"/>
+              <a:t>Before that, make sure you created your zip file in root and write an index.html that will have an anchor reference to it (you can refer to my index.html)</a:t>
+            </a:r>
+          </a:p>
+          <a:p>
+            <a:r>
+              <a:rPr lang="en-US" dirty="0" smtClean="0"/>
+              <a:t>After that, just create a </a:t>
+            </a:r>
+            <a:r>
+              <a:rPr lang="en-US" dirty="0" err="1" smtClean="0"/>
+              <a:t>gh</a:t>
+            </a:r>
+            <a:r>
+              <a:rPr lang="en-US" dirty="0" smtClean="0"/>
+              <a:t>-pages branch and push</a:t>
+            </a:r>
+          </a:p>
+          <a:p>
+            <a:r>
+              <a:rPr lang="en-US" dirty="0" smtClean="0"/>
+              <a:t>OPTIONAL: modify you </a:t>
+            </a:r>
+            <a:r>
+              <a:rPr lang="en-US" dirty="0" err="1" smtClean="0"/>
+              <a:t>github</a:t>
+            </a:r>
+            <a:r>
+              <a:rPr lang="en-US" dirty="0" smtClean="0"/>
+              <a:t> webpage URL</a:t>
+            </a:r>
+            <a:endParaRPr lang="en-US" dirty="0"/>
+          </a:p>
+        </p:txBody>
+      </p:sp>
+      <p:sp>
+        <p:nvSpPr>
+          <p:cNvPr id="4" name="Slide Number Placeholder 3"/>
+          <p:cNvSpPr>
+            <a:spLocks noGrp="1"/>
+          </p:cNvSpPr>
+          <p:nvPr>
+            <p:ph type="sldNum" sz="quarter" idx="12"/>
+          </p:nvPr>
+        </p:nvSpPr>
+        <p:spPr/>
+        <p:txBody>
+          <a:bodyPr/>
+          <a:lstStyle/>
+          <a:p>
+            <a:pPr>
+              <a:defRPr/>
+            </a:pPr>
+            <a:fld id="{8B8B984A-5AFF-7643-AE60-6D8D11294076}" type="slidenum">
+              <a:rPr lang="en-US" smtClean="0"/>
+              <a:pPr>
+                <a:defRPr/>
+              </a:pPr>
+              <a:t>105</a:t>
+            </a:fld>
+            <a:endParaRPr lang="en-US"/>
+          </a:p>
+        </p:txBody>
+      </p:sp>
+    </p:spTree>
+    <p:extLst>
+      <p:ext uri="{BB962C8B-B14F-4D97-AF65-F5344CB8AC3E}">
+        <p14:creationId xmlns:p14="http://schemas.microsoft.com/office/powerpoint/2010/main" val="3984643317"/>
+      </p:ext>
+    </p:extLst>
+  </p:cSld>
+  <p:clrMapOvr>
+    <a:masterClrMapping/>
+  </p:clrMapOvr>
+</p:sld>
+</file>
+
+<file path=ppt/slides/slide106.xml><?xml version="1.0" encoding="utf-8"?>
+<p:sld xmlns:a="http://schemas.openxmlformats.org/drawingml/2006/main" xmlns:r="http://schemas.openxmlformats.org/officeDocument/2006/relationships" xmlns:p="http://schemas.openxmlformats.org/presentationml/2006/main">
+  <p:cSld>
+    <p:spTree>
+      <p:nvGrpSpPr>
+        <p:cNvPr id="1" name=""/>
+        <p:cNvGrpSpPr/>
+        <p:nvPr/>
+      </p:nvGrpSpPr>
+      <p:grpSpPr>
+        <a:xfrm>
+          <a:off x="0" y="0"/>
+          <a:ext cx="0" cy="0"/>
+          <a:chOff x="0" y="0"/>
+          <a:chExt cx="0" cy="0"/>
+        </a:xfrm>
+      </p:grpSpPr>
+      <p:sp>
+        <p:nvSpPr>
+          <p:cNvPr id="2" name="Title 1"/>
+          <p:cNvSpPr>
+            <a:spLocks noGrp="1"/>
+          </p:cNvSpPr>
+          <p:nvPr>
+            <p:ph type="title"/>
+          </p:nvPr>
+        </p:nvSpPr>
+        <p:spPr/>
+        <p:txBody>
+          <a:bodyPr/>
+          <a:lstStyle/>
+          <a:p>
+            <a:r>
+              <a:rPr lang="en-US" dirty="0" smtClean="0"/>
+              <a:t>Homework</a:t>
+            </a:r>
+            <a:endParaRPr lang="en-US" dirty="0"/>
+          </a:p>
+        </p:txBody>
+      </p:sp>
+      <p:sp>
+        <p:nvSpPr>
+          <p:cNvPr id="3" name="Content Placeholder 2"/>
+          <p:cNvSpPr>
+            <a:spLocks noGrp="1"/>
+          </p:cNvSpPr>
+          <p:nvPr>
+            <p:ph idx="1"/>
+          </p:nvPr>
+        </p:nvSpPr>
+        <p:spPr/>
+        <p:txBody>
+          <a:bodyPr>
+            <a:normAutofit fontScale="55000" lnSpcReduction="20000"/>
+          </a:bodyPr>
+          <a:lstStyle/>
+          <a:p>
+            <a:r>
+              <a:rPr lang="en-US" dirty="0" smtClean="0"/>
+              <a:t>Final </a:t>
+            </a:r>
+            <a:r>
+              <a:rPr lang="en-US" dirty="0" smtClean="0"/>
+              <a:t>Project</a:t>
+            </a:r>
+          </a:p>
+          <a:p>
+            <a:r>
+              <a:rPr lang="en-US" dirty="0" smtClean="0"/>
+              <a:t>Package it up </a:t>
+            </a:r>
+            <a:r>
+              <a:rPr lang="en-US" dirty="0" smtClean="0"/>
+              <a:t>;)</a:t>
+            </a:r>
+          </a:p>
+          <a:p>
+            <a:r>
+              <a:rPr lang="en-US" dirty="0" smtClean="0"/>
+              <a:t>Include an index.html (which may have links to changes.html … a description of how to view the in-memory DB via your browser </a:t>
+            </a:r>
+            <a:r>
+              <a:rPr lang="en-US" dirty="0"/>
+              <a:t> </a:t>
+            </a:r>
+            <a:r>
+              <a:rPr lang="en-US" dirty="0">
+                <a:hlinkClick r:id="rId2"/>
+              </a:rPr>
+              <a:t>http://</a:t>
+            </a:r>
+            <a:r>
+              <a:rPr lang="en-US" dirty="0" smtClean="0">
+                <a:hlinkClick r:id="rId2"/>
+              </a:rPr>
+              <a:t>localhost:8082</a:t>
+            </a:r>
+            <a:r>
+              <a:rPr lang="en-US" dirty="0" smtClean="0"/>
+              <a:t>), a link to zip artifact they can download</a:t>
+            </a:r>
+          </a:p>
+          <a:p>
+            <a:r>
+              <a:rPr lang="en-US" dirty="0" smtClean="0"/>
+              <a:t>Think of index.html as part of your show-off page.  They will most likely take a look at your final product (run the zip file, maybe look at your DB schema and quite possibly look at your coding style).  This alone says a few important things about you</a:t>
+            </a:r>
+          </a:p>
+          <a:p>
+            <a:pPr lvl="1"/>
+            <a:r>
+              <a:rPr lang="en-US" dirty="0" smtClean="0"/>
+              <a:t>I know how to use </a:t>
+            </a:r>
+            <a:r>
+              <a:rPr lang="en-US" dirty="0" err="1" smtClean="0"/>
+              <a:t>Git</a:t>
+            </a:r>
+            <a:r>
+              <a:rPr lang="en-US" dirty="0" smtClean="0"/>
+              <a:t> (important, because no matter HOW good of a programmer you are, if you can’t hand-in / merge your code to your future technical leader / project manager via a SCM, your code is as good as **useless (no joke)** to the team)</a:t>
+            </a:r>
+          </a:p>
+          <a:p>
+            <a:pPr lvl="1"/>
+            <a:r>
+              <a:rPr lang="en-US" dirty="0" smtClean="0"/>
+              <a:t>I finished at least one product that communicates to a DB (and can show them the DB Schema)</a:t>
+            </a:r>
+          </a:p>
+          <a:p>
+            <a:pPr lvl="1"/>
+            <a:r>
+              <a:rPr lang="en-US" dirty="0" smtClean="0"/>
+              <a:t>I have a link to well documented source code (or at least, let’s hope so ;))</a:t>
+            </a:r>
+          </a:p>
+          <a:p>
+            <a:r>
+              <a:rPr lang="en-US" dirty="0" smtClean="0"/>
+              <a:t>Optional: put your </a:t>
+            </a:r>
+            <a:r>
+              <a:rPr lang="en-US" dirty="0" err="1" smtClean="0"/>
+              <a:t>GitHub</a:t>
+            </a:r>
+            <a:r>
+              <a:rPr lang="en-US" dirty="0" smtClean="0"/>
+              <a:t> / </a:t>
+            </a:r>
+            <a:r>
+              <a:rPr lang="en-US" dirty="0" err="1" smtClean="0"/>
+              <a:t>GitHub</a:t>
+            </a:r>
+            <a:r>
+              <a:rPr lang="en-US" dirty="0" smtClean="0"/>
+              <a:t> Pages URL on your resume … or you can wipe it out completely.  Believe it or not, some employers ask if you have a </a:t>
+            </a:r>
+            <a:r>
+              <a:rPr lang="en-US" dirty="0" err="1" smtClean="0"/>
+              <a:t>GitHub</a:t>
+            </a:r>
+            <a:r>
+              <a:rPr lang="en-US" dirty="0" smtClean="0"/>
+              <a:t> account.</a:t>
+            </a:r>
+          </a:p>
+          <a:p>
+            <a:r>
+              <a:rPr lang="en-US" dirty="0" smtClean="0"/>
+              <a:t>Study for the Final Exam (hint: For The Horde)</a:t>
+            </a:r>
+            <a:endParaRPr lang="en-US" dirty="0" smtClean="0"/>
+          </a:p>
+          <a:p>
+            <a:endParaRPr lang="en-US" dirty="0" smtClean="0"/>
+          </a:p>
+        </p:txBody>
+      </p:sp>
+      <p:sp>
+        <p:nvSpPr>
+          <p:cNvPr id="4" name="Slide Number Placeholder 3"/>
+          <p:cNvSpPr>
+            <a:spLocks noGrp="1"/>
+          </p:cNvSpPr>
+          <p:nvPr>
+            <p:ph type="sldNum" sz="quarter" idx="12"/>
+          </p:nvPr>
+        </p:nvSpPr>
+        <p:spPr/>
+        <p:txBody>
+          <a:bodyPr/>
+          <a:lstStyle/>
+          <a:p>
+            <a:pPr>
+              <a:defRPr/>
+            </a:pPr>
+            <a:fld id="{8B8B984A-5AFF-7643-AE60-6D8D11294076}" type="slidenum">
+              <a:rPr lang="en-US" smtClean="0"/>
+              <a:pPr>
+                <a:defRPr/>
+              </a:pPr>
+              <a:t>106</a:t>
+            </a:fld>
+            <a:endParaRPr lang="en-US"/>
+          </a:p>
+        </p:txBody>
+      </p:sp>
+    </p:spTree>
+    <p:extLst>
+      <p:ext uri="{BB962C8B-B14F-4D97-AF65-F5344CB8AC3E}">
+        <p14:creationId xmlns:p14="http://schemas.microsoft.com/office/powerpoint/2010/main" val="518232887"/>
+      </p:ext>
+    </p:extLst>
+  </p:cSld>
+  <p:clrMapOvr>
+    <a:masterClrMapping/>
+  </p:clrMapOvr>
+</p:sld>
+</file>
+
+<file path=ppt/slides/slide107.xml><?xml version="1.0" encoding="utf-8"?>
+<p:sld xmlns:a="http://schemas.openxmlformats.org/drawingml/2006/main" xmlns:r="http://schemas.openxmlformats.org/officeDocument/2006/relationships" xmlns:p="http://schemas.openxmlformats.org/presentationml/2006/main">
+  <p:cSld>
+    <p:spTree>
+      <p:nvGrpSpPr>
+        <p:cNvPr id="1" name=""/>
+        <p:cNvGrpSpPr/>
+        <p:nvPr/>
+      </p:nvGrpSpPr>
+      <p:grpSpPr>
+        <a:xfrm>
+          <a:off x="0" y="0"/>
+          <a:ext cx="0" cy="0"/>
+          <a:chOff x="0" y="0"/>
+          <a:chExt cx="0" cy="0"/>
+        </a:xfrm>
+      </p:grpSpPr>
+      <p:sp>
+        <p:nvSpPr>
+          <p:cNvPr id="2" name="Title 1"/>
+          <p:cNvSpPr>
+            <a:spLocks noGrp="1"/>
+          </p:cNvSpPr>
+          <p:nvPr>
+            <p:ph type="title"/>
+          </p:nvPr>
+        </p:nvSpPr>
+        <p:spPr/>
+        <p:txBody>
+          <a:bodyPr/>
+          <a:lstStyle/>
+          <a:p>
+            <a:r>
+              <a:rPr lang="en-US" dirty="0" smtClean="0"/>
+              <a:t>Homework Optional </a:t>
+            </a:r>
+            <a:r>
+              <a:rPr lang="en-US" dirty="0" err="1" smtClean="0"/>
+              <a:t>Cont</a:t>
+            </a:r>
+            <a:endParaRPr lang="en-US" dirty="0"/>
+          </a:p>
+        </p:txBody>
+      </p:sp>
+      <p:sp>
+        <p:nvSpPr>
+          <p:cNvPr id="3" name="Content Placeholder 2"/>
+          <p:cNvSpPr>
+            <a:spLocks noGrp="1"/>
+          </p:cNvSpPr>
+          <p:nvPr>
+            <p:ph idx="1"/>
+          </p:nvPr>
+        </p:nvSpPr>
+        <p:spPr/>
+        <p:txBody>
+          <a:bodyPr>
+            <a:normAutofit fontScale="55000" lnSpcReduction="20000"/>
+          </a:bodyPr>
+          <a:lstStyle/>
+          <a:p>
+            <a:r>
+              <a:rPr lang="en-US" dirty="0"/>
+              <a:t>Optional (and I would REALLY, REALLY, REALLY appreciate it you did this …): </a:t>
+            </a:r>
+          </a:p>
+          <a:p>
+            <a:r>
+              <a:rPr lang="en-US" dirty="0" err="1"/>
+              <a:t>Goto</a:t>
+            </a:r>
+            <a:r>
+              <a:rPr lang="en-US" dirty="0"/>
+              <a:t>: </a:t>
+            </a:r>
+            <a:r>
+              <a:rPr lang="en-US" dirty="0">
+                <a:hlinkClick r:id="rId2"/>
+              </a:rPr>
+              <a:t>http://www.ratemyprofessors.com/AddRating.jsp?tid=1906738</a:t>
+            </a:r>
+            <a:endParaRPr lang="en-US" dirty="0"/>
+          </a:p>
+          <a:p>
+            <a:r>
+              <a:rPr lang="en-US" dirty="0"/>
+              <a:t>and rate me (and the course) – much appreciated.  If there is anything about the way I teach or course you would like to see changed, post your feedback via the above link.  All negative or positive comments are appreciated.  FYI, rating me (or any other teachers at BCIT) will most likely *NOT* effect their salary / status in any way.  The reverse is also true … if you take any of my other classes in the future, your comments will not affect your score for that class.  Its strictly a social networking site used to help teachers improve their course and raise awareness for other students.  I *know* some of you have either suffered or breezed through this course.  Think of your comments as a way to help shape this course and help students in the future – pay it forward.  For the Horde!!!   I mean – for BCIT!!!</a:t>
+            </a:r>
+          </a:p>
+          <a:p>
+            <a:r>
+              <a:rPr lang="en-US" dirty="0"/>
+              <a:t>Hint – if you have the extra time, you might want to rate other teachers you had at BCIT and/or search by teachers in case you are interested in taking their courses</a:t>
+            </a:r>
+            <a:r>
+              <a:rPr lang="en-US" dirty="0" smtClean="0"/>
+              <a:t>.  Its also great fun to read about some of the comments of professors who got a score of &lt; 1.5 (out of 5).  </a:t>
+            </a:r>
+            <a:r>
+              <a:rPr lang="en-US" dirty="0" err="1" smtClean="0"/>
+              <a:t>Kinda</a:t>
+            </a:r>
+            <a:r>
+              <a:rPr lang="en-US" dirty="0" smtClean="0"/>
+              <a:t> funny ;)  Some of those comments were BRUTAL.  </a:t>
+            </a:r>
+            <a:r>
+              <a:rPr lang="en-US" dirty="0" err="1" smtClean="0"/>
+              <a:t>Eeesh</a:t>
+            </a:r>
+            <a:r>
+              <a:rPr lang="en-US" dirty="0" smtClean="0"/>
+              <a:t>, I hope I’m not going to be one of those profs!</a:t>
+            </a:r>
+            <a:endParaRPr lang="en-US" dirty="0"/>
+          </a:p>
+          <a:p>
+            <a:endParaRPr lang="en-US" dirty="0"/>
+          </a:p>
+        </p:txBody>
+      </p:sp>
+      <p:sp>
+        <p:nvSpPr>
+          <p:cNvPr id="4" name="Slide Number Placeholder 3"/>
+          <p:cNvSpPr>
+            <a:spLocks noGrp="1"/>
+          </p:cNvSpPr>
+          <p:nvPr>
+            <p:ph type="sldNum" sz="quarter" idx="12"/>
+          </p:nvPr>
+        </p:nvSpPr>
+        <p:spPr/>
+        <p:txBody>
+          <a:bodyPr/>
+          <a:lstStyle/>
+          <a:p>
+            <a:pPr>
+              <a:defRPr/>
+            </a:pPr>
+            <a:fld id="{8B8B984A-5AFF-7643-AE60-6D8D11294076}" type="slidenum">
+              <a:rPr lang="en-US" smtClean="0"/>
+              <a:pPr>
+                <a:defRPr/>
+              </a:pPr>
+              <a:t>107</a:t>
+            </a:fld>
+            <a:endParaRPr lang="en-US"/>
+          </a:p>
+        </p:txBody>
+      </p:sp>
+    </p:spTree>
+    <p:extLst>
+      <p:ext uri="{BB962C8B-B14F-4D97-AF65-F5344CB8AC3E}">
+        <p14:creationId xmlns:p14="http://schemas.microsoft.com/office/powerpoint/2010/main" val="3489728803"/>
+      </p:ext>
+    </p:extLst>
+  </p:cSld>
+  <p:clrMapOvr>
+    <a:masterClrMapping/>
+  </p:clrMapOvr>
+</p:sld>
+</file>
+
+<file path=ppt/slides/slide108.xml><?xml version="1.0" encoding="utf-8"?>
+<p:sld xmlns:a="http://schemas.openxmlformats.org/drawingml/2006/main" xmlns:r="http://schemas.openxmlformats.org/officeDocument/2006/relationships" xmlns:p="http://schemas.openxmlformats.org/presentationml/2006/main">
+  <p:cSld>
+    <p:spTree>
+      <p:nvGrpSpPr>
+        <p:cNvPr id="1" name=""/>
+        <p:cNvGrpSpPr/>
+        <p:nvPr/>
+      </p:nvGrpSpPr>
+      <p:grpSpPr>
+        <a:xfrm>
+          <a:off x="0" y="0"/>
+          <a:ext cx="0" cy="0"/>
+          <a:chOff x="0" y="0"/>
+          <a:chExt cx="0" cy="0"/>
+        </a:xfrm>
+      </p:grpSpPr>
+      <p:sp>
+        <p:nvSpPr>
+          <p:cNvPr id="2" name="Title 1"/>
+          <p:cNvSpPr>
+            <a:spLocks noGrp="1"/>
+          </p:cNvSpPr>
+          <p:nvPr>
+            <p:ph type="title"/>
+          </p:nvPr>
+        </p:nvSpPr>
+        <p:spPr/>
+        <p:txBody>
+          <a:bodyPr/>
+          <a:lstStyle/>
+          <a:p>
+            <a:r>
+              <a:rPr lang="en-US" dirty="0" smtClean="0"/>
               <a:t>The End</a:t>
             </a:r>
             <a:endParaRPr lang="en-US" dirty="0"/>
@@ -7273,7 +8154,7 @@
               <a:pPr>
                 <a:defRPr/>
               </a:pPr>
-              <a:t>103</a:t>
+              <a:t>108</a:t>
             </a:fld>
             <a:endParaRPr lang="en-CA"/>
           </a:p>
@@ -18429,14 +19310,10 @@
           <a:p>
             <a:r>
               <a:rPr lang="en-US" dirty="0" smtClean="0"/>
-              <a:t>See if you can run my application first.  If so, copy and paste as much from my app to yours, but obviously </a:t>
-            </a:r>
-            <a:r>
-              <a:rPr lang="en-US" smtClean="0"/>
-              <a:t>changing </a:t>
-            </a:r>
-            <a:r>
-              <a:rPr lang="en-US" smtClean="0"/>
+              <a:t>See if you can run my application first.  If so, copy and paste as much from my app to yours, but obviously changing </a:t>
+            </a:r>
+            <a:r>
+              <a:rPr lang="en-US" dirty="0" smtClean="0"/>
               <a:t>your </a:t>
             </a:r>
             <a:r>
@@ -18498,43 +19375,25 @@
           <a:p>
             <a:r>
               <a:rPr lang="en-US" dirty="0" smtClean="0"/>
-              <a:t>This is where the course becomes … “your” project</a:t>
-            </a:r>
+              <a:t>Any questions so far</a:t>
+            </a:r>
+            <a:br>
+              <a:rPr lang="en-US" dirty="0" smtClean="0"/>
+            </a:br>
+            <a:r>
+              <a:rPr lang="en-US" dirty="0"/>
+              <a:t/>
+            </a:r>
+            <a:br>
+              <a:rPr lang="en-US" dirty="0"/>
+            </a:br>
             <a:endParaRPr lang="en-US" dirty="0"/>
           </a:p>
         </p:txBody>
       </p:sp>
       <p:sp>
         <p:nvSpPr>
-          <p:cNvPr id="3" name="Content Placeholder 2"/>
-          <p:cNvSpPr>
-            <a:spLocks noGrp="1"/>
-          </p:cNvSpPr>
-          <p:nvPr>
-            <p:ph idx="1"/>
-          </p:nvPr>
-        </p:nvSpPr>
-        <p:spPr>
-          <a:xfrm>
-            <a:off x="533400" y="2438400"/>
-            <a:ext cx="8153400" cy="3917160"/>
-          </a:xfrm>
-        </p:spPr>
-        <p:txBody>
-          <a:bodyPr/>
-          <a:lstStyle/>
-          <a:p>
-            <a:r>
-              <a:rPr lang="en-US" dirty="0" smtClean="0"/>
-              <a:t>Each project may use a different Swing widget, experiment and have fun.</a:t>
-            </a:r>
-            <a:endParaRPr lang="en-US" dirty="0"/>
-          </a:p>
-        </p:txBody>
-      </p:sp>
-      <p:sp>
-        <p:nvSpPr>
-          <p:cNvPr id="4" name="Slide Number Placeholder 3"/>
+          <p:cNvPr id="3" name="Slide Number Placeholder 2"/>
           <p:cNvSpPr>
             <a:spLocks noGrp="1"/>
           </p:cNvSpPr>
@@ -18550,21 +19409,75 @@
             <a:pPr>
               <a:defRPr/>
             </a:pPr>
-            <a:fld id="{8B8B984A-5AFF-7643-AE60-6D8D11294076}" type="slidenum">
-              <a:rPr lang="en-US" smtClean="0"/>
+            <a:fld id="{B2451C39-31DD-6D4B-9BED-758CF6C1BA6A}" type="slidenum">
+              <a:rPr lang="en-CA" smtClean="0"/>
               <a:pPr>
                 <a:defRPr/>
               </a:pPr>
               <a:t>69</a:t>
             </a:fld>
-            <a:endParaRPr lang="en-US"/>
+            <a:endParaRPr lang="en-CA"/>
+          </a:p>
+        </p:txBody>
+      </p:sp>
+      <p:sp>
+        <p:nvSpPr>
+          <p:cNvPr id="4" name="TextBox 3"/>
+          <p:cNvSpPr txBox="1"/>
+          <p:nvPr/>
+        </p:nvSpPr>
+        <p:spPr>
+          <a:xfrm>
+            <a:off x="2362200" y="2438400"/>
+            <a:ext cx="5884944" cy="1938992"/>
+          </a:xfrm>
+          <a:prstGeom prst="rect">
+            <a:avLst/>
+          </a:prstGeom>
+          <a:noFill/>
+        </p:spPr>
+        <p:txBody>
+          <a:bodyPr wrap="none" rtlCol="0">
+            <a:spAutoFit/>
+          </a:bodyPr>
+          <a:lstStyle/>
+          <a:p>
+            <a:r>
+              <a:rPr lang="en-US" dirty="0" smtClean="0"/>
+              <a:t>This is where the class becomes more</a:t>
+            </a:r>
+          </a:p>
+          <a:p>
+            <a:r>
+              <a:rPr lang="en-US" dirty="0" smtClean="0"/>
+              <a:t>Hands-on – I’ll be speaking less, and</a:t>
+            </a:r>
+          </a:p>
+          <a:p>
+            <a:r>
+              <a:rPr lang="en-US" dirty="0" smtClean="0"/>
+              <a:t>You’ll be coding in class more ;)</a:t>
+            </a:r>
+          </a:p>
+          <a:p>
+            <a:r>
+              <a:rPr lang="en-US" dirty="0" smtClean="0"/>
+              <a:t>Spend rest of class working on homework</a:t>
+            </a:r>
+          </a:p>
+          <a:p>
+            <a:r>
+              <a:rPr lang="en-US" dirty="0" smtClean="0"/>
+              <a:t>Oh what’s homework? (see next slide)</a:t>
+            </a:r>
+            <a:endParaRPr lang="en-US" dirty="0"/>
           </a:p>
         </p:txBody>
       </p:sp>
     </p:spTree>
     <p:extLst>
       <p:ext uri="{BB962C8B-B14F-4D97-AF65-F5344CB8AC3E}">
-        <p14:creationId xmlns:p14="http://schemas.microsoft.com/office/powerpoint/2010/main" val="1526618300"/>
+        <p14:creationId xmlns:p14="http://schemas.microsoft.com/office/powerpoint/2010/main" val="4219736894"/>
       </p:ext>
     </p:extLst>
   </p:cSld>
@@ -18754,7 +19667,7 @@
           <a:p>
             <a:r>
               <a:rPr lang="en-US" dirty="0" smtClean="0"/>
-              <a:t>Homework</a:t>
+              <a:t>This is where the course becomes … “your” project</a:t>
             </a:r>
             <a:endParaRPr lang="en-US" dirty="0"/>
           </a:p>
@@ -18770,14 +19683,19 @@
             <p:ph idx="1"/>
           </p:nvPr>
         </p:nvSpPr>
-        <p:spPr/>
-        <p:txBody>
-          <a:bodyPr/>
-          <a:lstStyle/>
-          <a:p>
-            <a:r>
-              <a:rPr lang="en-US" dirty="0" smtClean="0"/>
-              <a:t>Assignment 7</a:t>
+        <p:spPr>
+          <a:xfrm>
+            <a:off x="533400" y="2438400"/>
+            <a:ext cx="8153400" cy="3917160"/>
+          </a:xfrm>
+        </p:spPr>
+        <p:txBody>
+          <a:bodyPr/>
+          <a:lstStyle/>
+          <a:p>
+            <a:r>
+              <a:rPr lang="en-US" dirty="0" smtClean="0"/>
+              <a:t>Each project may use a different Swing widget, experiment and have fun.</a:t>
             </a:r>
             <a:endParaRPr lang="en-US" dirty="0"/>
           </a:p>
@@ -18815,7 +19733,7 @@
     </p:spTree>
     <p:extLst>
       <p:ext uri="{BB962C8B-B14F-4D97-AF65-F5344CB8AC3E}">
-        <p14:creationId xmlns:p14="http://schemas.microsoft.com/office/powerpoint/2010/main" val="3094578132"/>
+        <p14:creationId xmlns:p14="http://schemas.microsoft.com/office/powerpoint/2010/main" val="1526618300"/>
       </p:ext>
     </p:extLst>
   </p:cSld>
@@ -18859,25 +19777,178 @@
           <a:p>
             <a:r>
               <a:rPr lang="en-US" dirty="0" smtClean="0"/>
-              <a:t>Any questions so far</a:t>
-            </a:r>
-            <a:br>
-              <a:rPr lang="en-US" dirty="0" smtClean="0"/>
-            </a:br>
-            <a:r>
-              <a:rPr lang="en-US" dirty="0"/>
-              <a:t/>
-            </a:r>
-            <a:br>
-              <a:rPr lang="en-US" dirty="0"/>
-            </a:br>
+              <a:t>Bit of Review</a:t>
+            </a:r>
             <a:endParaRPr lang="en-US" dirty="0"/>
           </a:p>
         </p:txBody>
       </p:sp>
       <p:sp>
         <p:nvSpPr>
-          <p:cNvPr id="3" name="Slide Number Placeholder 2"/>
+          <p:cNvPr id="3" name="Content Placeholder 2"/>
+          <p:cNvSpPr>
+            <a:spLocks noGrp="1"/>
+          </p:cNvSpPr>
+          <p:nvPr>
+            <p:ph idx="1"/>
+          </p:nvPr>
+        </p:nvSpPr>
+        <p:spPr/>
+        <p:txBody>
+          <a:bodyPr>
+            <a:normAutofit fontScale="47500" lnSpcReduction="20000"/>
+          </a:bodyPr>
+          <a:lstStyle/>
+          <a:p>
+            <a:r>
+              <a:rPr lang="en-US" dirty="0" err="1" smtClean="0"/>
+              <a:t>Git</a:t>
+            </a:r>
+            <a:r>
+              <a:rPr lang="en-US" dirty="0" smtClean="0"/>
+              <a:t> – love it or hate it.  No matter how good of a programmer you are – if you can’t hand-in/merge your code, you’re not very useful to the team as a programmer.  </a:t>
+            </a:r>
+            <a:r>
+              <a:rPr lang="en-US" dirty="0" err="1" smtClean="0"/>
+              <a:t>Unsubmitted</a:t>
+            </a:r>
+            <a:r>
+              <a:rPr lang="en-US" dirty="0" smtClean="0"/>
+              <a:t> code is useless code (not a learning outcome for this course – then again it was the same jury that voted that Swing *IS* a learning outcome for this course and this course is a *core* course for the CST program)</a:t>
+            </a:r>
+          </a:p>
+          <a:p>
+            <a:r>
+              <a:rPr lang="en-US" dirty="0" smtClean="0"/>
+              <a:t>Another popular SCM is SVN.  Anyone want to see a demo?  The combo of SVN/</a:t>
+            </a:r>
+            <a:r>
+              <a:rPr lang="en-US" dirty="0" err="1" smtClean="0"/>
+              <a:t>Git</a:t>
+            </a:r>
+            <a:r>
+              <a:rPr lang="en-US" dirty="0" smtClean="0"/>
+              <a:t> use probably constitutes &gt; 75% of all the combined repositories in the open source world.  </a:t>
+            </a:r>
+            <a:r>
+              <a:rPr lang="en-US" dirty="0" err="1" smtClean="0"/>
+              <a:t>Git</a:t>
+            </a:r>
+            <a:r>
+              <a:rPr lang="en-US" dirty="0" smtClean="0"/>
+              <a:t> has more features by far than SVN.  Also </a:t>
+            </a:r>
+            <a:r>
+              <a:rPr lang="en-US" dirty="0" err="1" smtClean="0"/>
+              <a:t>Git</a:t>
+            </a:r>
+            <a:r>
+              <a:rPr lang="en-US" dirty="0" smtClean="0"/>
+              <a:t> has pretty popular Hosting Site.  Its called </a:t>
+            </a:r>
+            <a:r>
+              <a:rPr lang="en-US" dirty="0" err="1" smtClean="0"/>
+              <a:t>GitHub</a:t>
+            </a:r>
+            <a:r>
+              <a:rPr lang="en-US" dirty="0" smtClean="0"/>
+              <a:t> ;)  There is *NO* such thing as </a:t>
+            </a:r>
+            <a:r>
+              <a:rPr lang="en-US" dirty="0" err="1" smtClean="0"/>
+              <a:t>SVNHub</a:t>
+            </a:r>
+            <a:r>
+              <a:rPr lang="en-US" dirty="0" smtClean="0"/>
+              <a:t>.  </a:t>
+            </a:r>
+            <a:r>
+              <a:rPr lang="en-US" dirty="0" err="1" smtClean="0"/>
+              <a:t>Git</a:t>
+            </a:r>
+            <a:r>
+              <a:rPr lang="en-US" dirty="0" smtClean="0"/>
+              <a:t> FTW (For The Win)?  Also </a:t>
+            </a:r>
+            <a:r>
+              <a:rPr lang="en-US" dirty="0" err="1" smtClean="0"/>
+              <a:t>GitHub</a:t>
+            </a:r>
+            <a:r>
+              <a:rPr lang="en-US" dirty="0" smtClean="0"/>
+              <a:t> has something called </a:t>
+            </a:r>
+            <a:r>
+              <a:rPr lang="en-US" dirty="0" err="1" smtClean="0"/>
+              <a:t>GitPages</a:t>
+            </a:r>
+            <a:r>
+              <a:rPr lang="en-US" dirty="0" smtClean="0"/>
+              <a:t> (you’ll be using this later on, but anyone want to see it)?</a:t>
+            </a:r>
+          </a:p>
+          <a:p>
+            <a:r>
+              <a:rPr lang="en-US" dirty="0" smtClean="0"/>
+              <a:t>You also learned a bit about Comparators.  In </a:t>
+            </a:r>
+            <a:r>
+              <a:rPr lang="en-US" dirty="0" err="1" smtClean="0"/>
+              <a:t>hindsind</a:t>
+            </a:r>
+            <a:r>
+              <a:rPr lang="en-US" dirty="0" smtClean="0"/>
+              <a:t>, Comparators are pretty much useless (same jury that decided Swing was core to this course, that decided Comparators should be a learning outcome).  I’ve been programming Java for over 10years.  I’ve only used Comparators *maybe* 3 or 4 times ever?  Comparison on the server is best done with a DB.  On the client-side, use </a:t>
+            </a:r>
+            <a:r>
+              <a:rPr lang="en-US" dirty="0" err="1" smtClean="0"/>
+              <a:t>jQuery</a:t>
+            </a:r>
+            <a:r>
+              <a:rPr lang="en-US" dirty="0" smtClean="0"/>
+              <a:t>.</a:t>
+            </a:r>
+          </a:p>
+          <a:p>
+            <a:r>
+              <a:rPr lang="en-US" dirty="0" smtClean="0"/>
+              <a:t>Code conventions.  My bad, I didn’t really talk about this too much.  I seem to see quite a bit of package names with mixed case.  Proper convention is lowercase.  Also try to use a FULLY qualified package name.  i.e. “</a:t>
+            </a:r>
+            <a:r>
+              <a:rPr lang="en-US" dirty="0" err="1" smtClean="0"/>
+              <a:t>ca.bcit.xxxx</a:t>
+            </a:r>
+            <a:r>
+              <a:rPr lang="en-US" dirty="0" smtClean="0"/>
+              <a:t>”  Take a look at some libraries (say … under Maven dependencies) and see what names they use.  </a:t>
+            </a:r>
+          </a:p>
+          <a:p>
+            <a:pPr lvl="1"/>
+            <a:r>
+              <a:rPr lang="en-US" dirty="0" smtClean="0"/>
+              <a:t>Package name such as “a00788076” is a poor name.  </a:t>
+            </a:r>
+          </a:p>
+          <a:p>
+            <a:pPr lvl="1"/>
+            <a:r>
+              <a:rPr lang="en-US" dirty="0" smtClean="0"/>
+              <a:t>Also member variables should NOT start with “_” (underscore)</a:t>
+            </a:r>
+          </a:p>
+          <a:p>
+            <a:pPr lvl="2"/>
+            <a:r>
+              <a:rPr lang="en-US" dirty="0" smtClean="0"/>
+              <a:t>(you’d be surprised that some students *AND* teachers break the above 2 points)</a:t>
+            </a:r>
+          </a:p>
+        </p:txBody>
+      </p:sp>
+      <p:sp>
+        <p:nvSpPr>
+          <p:cNvPr id="4" name="Slide Number Placeholder 3"/>
           <p:cNvSpPr>
             <a:spLocks noGrp="1"/>
           </p:cNvSpPr>
@@ -18893,75 +19964,21 @@
             <a:pPr>
               <a:defRPr/>
             </a:pPr>
-            <a:fld id="{B2451C39-31DD-6D4B-9BED-758CF6C1BA6A}" type="slidenum">
-              <a:rPr lang="en-CA" smtClean="0"/>
+            <a:fld id="{8B8B984A-5AFF-7643-AE60-6D8D11294076}" type="slidenum">
+              <a:rPr lang="en-US" smtClean="0"/>
               <a:pPr>
                 <a:defRPr/>
               </a:pPr>
               <a:t>71</a:t>
             </a:fld>
-            <a:endParaRPr lang="en-CA"/>
-          </a:p>
-        </p:txBody>
-      </p:sp>
-      <p:sp>
-        <p:nvSpPr>
-          <p:cNvPr id="4" name="TextBox 3"/>
-          <p:cNvSpPr txBox="1"/>
-          <p:nvPr/>
-        </p:nvSpPr>
-        <p:spPr>
-          <a:xfrm>
-            <a:off x="2362200" y="2438400"/>
-            <a:ext cx="5884944" cy="1938992"/>
-          </a:xfrm>
-          <a:prstGeom prst="rect">
-            <a:avLst/>
-          </a:prstGeom>
-          <a:noFill/>
-        </p:spPr>
-        <p:txBody>
-          <a:bodyPr wrap="none" rtlCol="0">
-            <a:spAutoFit/>
-          </a:bodyPr>
-          <a:lstStyle/>
-          <a:p>
-            <a:r>
-              <a:rPr lang="en-US" dirty="0" smtClean="0"/>
-              <a:t>This is where the class becomes more</a:t>
-            </a:r>
-          </a:p>
-          <a:p>
-            <a:r>
-              <a:rPr lang="en-US" dirty="0" smtClean="0"/>
-              <a:t>Hands-on – I’ll be speaking less, and</a:t>
-            </a:r>
-          </a:p>
-          <a:p>
-            <a:r>
-              <a:rPr lang="en-US" dirty="0" smtClean="0"/>
-              <a:t>You’ll be coding in class more ;)</a:t>
-            </a:r>
-          </a:p>
-          <a:p>
-            <a:r>
-              <a:rPr lang="en-US" dirty="0" smtClean="0"/>
-              <a:t>Spend rest of class working on homework</a:t>
-            </a:r>
-          </a:p>
-          <a:p>
-            <a:r>
-              <a:rPr lang="en-US" dirty="0" smtClean="0"/>
-              <a:t>Oh what’s homework? (see next slide)</a:t>
-            </a:r>
-            <a:endParaRPr lang="en-US" dirty="0"/>
+            <a:endParaRPr lang="en-US"/>
           </a:p>
         </p:txBody>
       </p:sp>
     </p:spTree>
     <p:extLst>
       <p:ext uri="{BB962C8B-B14F-4D97-AF65-F5344CB8AC3E}">
-        <p14:creationId xmlns:p14="http://schemas.microsoft.com/office/powerpoint/2010/main" val="4219736894"/>
+        <p14:creationId xmlns:p14="http://schemas.microsoft.com/office/powerpoint/2010/main" val="1514958308"/>
       </p:ext>
     </p:extLst>
   </p:cSld>
@@ -19005,7 +20022,15 @@
           <a:p>
             <a:r>
               <a:rPr lang="en-US" dirty="0" smtClean="0"/>
-              <a:t>Homework</a:t>
+              <a:t>Bit of Review (</a:t>
+            </a:r>
+            <a:r>
+              <a:rPr lang="en-US" dirty="0" err="1" smtClean="0"/>
+              <a:t>cont</a:t>
+            </a:r>
+            <a:r>
+              <a:rPr lang="en-US" dirty="0" smtClean="0"/>
+              <a:t>)</a:t>
             </a:r>
             <a:endParaRPr lang="en-US" dirty="0"/>
           </a:p>
@@ -19013,7 +20038,102 @@
       </p:sp>
       <p:sp>
         <p:nvSpPr>
-          <p:cNvPr id="3" name="Slide Number Placeholder 2"/>
+          <p:cNvPr id="3" name="Content Placeholder 2"/>
+          <p:cNvSpPr>
+            <a:spLocks noGrp="1"/>
+          </p:cNvSpPr>
+          <p:nvPr>
+            <p:ph idx="1"/>
+          </p:nvPr>
+        </p:nvSpPr>
+        <p:spPr/>
+        <p:txBody>
+          <a:bodyPr>
+            <a:normAutofit fontScale="62500" lnSpcReduction="20000"/>
+          </a:bodyPr>
+          <a:lstStyle/>
+          <a:p>
+            <a:r>
+              <a:rPr lang="en-US" dirty="0"/>
+              <a:t>Code conventions.  My bad, I didn’t really talk about this too much.  I seem to see quite a bit of package names with mixed case.  Proper convention is lowercase.  Also try to use a FULLY qualified package name.  i.e. “</a:t>
+            </a:r>
+            <a:r>
+              <a:rPr lang="en-US" dirty="0" err="1"/>
+              <a:t>ca.bcit.xxxx</a:t>
+            </a:r>
+            <a:r>
+              <a:rPr lang="en-US" dirty="0"/>
+              <a:t>”  Take a look at some libraries (say … under Maven dependencies) and see what names they use.  </a:t>
+            </a:r>
+          </a:p>
+          <a:p>
+            <a:pPr lvl="1"/>
+            <a:r>
+              <a:rPr lang="en-US" dirty="0"/>
+              <a:t>Package name such as “a00788076” is a poor name.  </a:t>
+            </a:r>
+          </a:p>
+          <a:p>
+            <a:pPr lvl="1"/>
+            <a:r>
+              <a:rPr lang="en-US" dirty="0"/>
+              <a:t>Also member variables should NOT start with “_” (underscore)</a:t>
+            </a:r>
+          </a:p>
+          <a:p>
+            <a:pPr lvl="2"/>
+            <a:r>
+              <a:rPr lang="en-US" dirty="0"/>
+              <a:t>(you’d be surprised that some students *AND* teachers break the above 2 points</a:t>
+            </a:r>
+            <a:r>
+              <a:rPr lang="en-US" dirty="0" smtClean="0"/>
+              <a:t>)</a:t>
+            </a:r>
+          </a:p>
+          <a:p>
+            <a:r>
+              <a:rPr lang="en-US" dirty="0" smtClean="0"/>
+              <a:t>Maven … serves 2 (maybe more) purposes</a:t>
+            </a:r>
+          </a:p>
+          <a:p>
+            <a:pPr lvl="1"/>
+            <a:r>
+              <a:rPr lang="en-US" dirty="0" smtClean="0"/>
+              <a:t>Helps with downloading dependencies.  If you are building a mini-application like </a:t>
+            </a:r>
+            <a:r>
+              <a:rPr lang="en-US" dirty="0" err="1" smtClean="0"/>
+              <a:t>HelloWorld</a:t>
+            </a:r>
+            <a:r>
+              <a:rPr lang="en-US" dirty="0" smtClean="0"/>
+              <a:t> – who needs libraries right?  In the real world, some projects have hundreds of jar dependencies (it gets quite messy when one library has dependencies on another library which has dependency on another library).  In the beginning of time (the obsolete days), people would download one library at a time and import it into their project.  Those days are long gone</a:t>
+            </a:r>
+          </a:p>
+          <a:p>
+            <a:pPr lvl="1"/>
+            <a:r>
+              <a:rPr lang="en-US" dirty="0" smtClean="0"/>
+              <a:t>Maven is also a pretty powerful “package” up tool.  You’ll actually be packaging up your Final Project with Maven as a deliverable to me (or as a demo to your future employer so s/he can see your work)</a:t>
+            </a:r>
+          </a:p>
+          <a:p>
+            <a:pPr lvl="2"/>
+            <a:endParaRPr lang="en-US" dirty="0"/>
+          </a:p>
+          <a:p>
+            <a:pPr marL="182880" indent="0">
+              <a:buNone/>
+            </a:pPr>
+            <a:endParaRPr lang="en-US" dirty="0"/>
+          </a:p>
+        </p:txBody>
+      </p:sp>
+      <p:sp>
+        <p:nvSpPr>
+          <p:cNvPr id="4" name="Slide Number Placeholder 3"/>
           <p:cNvSpPr>
             <a:spLocks noGrp="1"/>
           </p:cNvSpPr>
@@ -19029,51 +20149,21 @@
             <a:pPr>
               <a:defRPr/>
             </a:pPr>
-            <a:fld id="{B2451C39-31DD-6D4B-9BED-758CF6C1BA6A}" type="slidenum">
-              <a:rPr lang="en-CA" smtClean="0"/>
+            <a:fld id="{8B8B984A-5AFF-7643-AE60-6D8D11294076}" type="slidenum">
+              <a:rPr lang="en-US" smtClean="0"/>
               <a:pPr>
                 <a:defRPr/>
               </a:pPr>
               <a:t>72</a:t>
             </a:fld>
-            <a:endParaRPr lang="en-CA"/>
-          </a:p>
-        </p:txBody>
-      </p:sp>
-      <p:sp>
-        <p:nvSpPr>
-          <p:cNvPr id="4" name="TextBox 3"/>
-          <p:cNvSpPr txBox="1"/>
-          <p:nvPr/>
-        </p:nvSpPr>
-        <p:spPr>
-          <a:xfrm>
-            <a:off x="1371600" y="1981200"/>
-            <a:ext cx="1965603" cy="461665"/>
-          </a:xfrm>
-          <a:prstGeom prst="rect">
-            <a:avLst/>
-          </a:prstGeom>
-          <a:noFill/>
-        </p:spPr>
-        <p:txBody>
-          <a:bodyPr wrap="none" rtlCol="0">
-            <a:spAutoFit/>
-          </a:bodyPr>
-          <a:lstStyle/>
-          <a:p>
-            <a:r>
-              <a:rPr lang="en-US" dirty="0" smtClean="0"/>
-              <a:t>Assignment7</a:t>
-            </a:r>
-            <a:endParaRPr lang="en-US" dirty="0"/>
+            <a:endParaRPr lang="en-US"/>
           </a:p>
         </p:txBody>
       </p:sp>
     </p:spTree>
     <p:extLst>
       <p:ext uri="{BB962C8B-B14F-4D97-AF65-F5344CB8AC3E}">
-        <p14:creationId xmlns:p14="http://schemas.microsoft.com/office/powerpoint/2010/main" val="1591026668"/>
+        <p14:creationId xmlns:p14="http://schemas.microsoft.com/office/powerpoint/2010/main" val="1987957180"/>
       </p:ext>
     </p:extLst>
   </p:cSld>
@@ -19116,10 +20206,17 @@
           <a:lstStyle/>
           <a:p>
             <a:r>
-              <a:rPr lang="en-US" dirty="0" smtClean="0"/>
-              <a:t>JDBC / JPA / ORM</a:t>
-            </a:r>
-            <a:endParaRPr lang="en-US" dirty="0"/>
+              <a:rPr lang="en-US" dirty="0"/>
+              <a:t>Bit of Review (</a:t>
+            </a:r>
+            <a:r>
+              <a:rPr lang="en-US" dirty="0" err="1"/>
+              <a:t>cont</a:t>
+            </a:r>
+            <a:r>
+              <a:rPr lang="en-US" dirty="0"/>
+              <a:t>)</a:t>
+            </a:r>
           </a:p>
         </p:txBody>
       </p:sp>
@@ -19136,41 +20233,108 @@
         <p:spPr/>
         <p:txBody>
           <a:bodyPr>
-            <a:normAutofit lnSpcReduction="10000"/>
+            <a:normAutofit fontScale="55000" lnSpcReduction="20000"/>
           </a:bodyPr>
           <a:lstStyle/>
           <a:p>
             <a:r>
               <a:rPr lang="en-US" dirty="0" smtClean="0"/>
-              <a:t>There is the long version and then the short version</a:t>
-            </a:r>
-          </a:p>
-          <a:p>
-            <a:r>
-              <a:rPr lang="en-US" dirty="0" smtClean="0"/>
-              <a:t>Vanilla JDBC Java </a:t>
+              <a:t>File IO … </a:t>
             </a:r>
             <a:r>
               <a:rPr lang="en-US" dirty="0" err="1" smtClean="0"/>
-              <a:t>DataBase</a:t>
-            </a:r>
-            <a:r>
-              <a:rPr lang="en-US" dirty="0" smtClean="0"/>
-              <a:t> Connectivity – if you can avoid programming with vanilla JDBC directly, that’s a good thing</a:t>
-            </a:r>
-          </a:p>
-          <a:p>
-            <a:r>
-              <a:rPr lang="en-US" dirty="0" smtClean="0"/>
-              <a:t>ORM is EASIER to learn because it doesn’t require you to write SQL (or so that’s the theory …)</a:t>
-            </a:r>
-          </a:p>
-          <a:p>
-            <a:r>
-              <a:rPr lang="en-US" dirty="0" smtClean="0"/>
-              <a:t>ORM -&gt; Object Relational Mapping.  Means transforming a Java Data Model</a:t>
-            </a:r>
-            <a:endParaRPr lang="en-US" dirty="0"/>
+              <a:t>kinda</a:t>
+            </a:r>
+            <a:r>
+              <a:rPr lang="en-US" dirty="0" smtClean="0"/>
+              <a:t> important in Java.  At the end of the day, try to keep use a library to do as much File IO for you.  In hindsight, I just realized, I don’t do that much </a:t>
+            </a:r>
+            <a:r>
+              <a:rPr lang="en-US" dirty="0" err="1" smtClean="0"/>
+              <a:t>FileIO</a:t>
+            </a:r>
+            <a:r>
+              <a:rPr lang="en-US" dirty="0" smtClean="0"/>
+              <a:t> myself period with Java.  All my logging to a file is done via Log4J.  When I really need to persist large chunks of data, I use a DB.</a:t>
+            </a:r>
+          </a:p>
+          <a:p>
+            <a:r>
+              <a:rPr lang="en-US" dirty="0" smtClean="0"/>
+              <a:t>Log4j … a very common logging tool used in the real world.  Quite important ;)</a:t>
+            </a:r>
+          </a:p>
+          <a:p>
+            <a:r>
+              <a:rPr lang="en-US" dirty="0" smtClean="0"/>
+              <a:t>Java &lt;-&gt; JSON conversion (Jackson).  The more I think about it, the more important it is.  I know I spent more time talk about </a:t>
+            </a:r>
+            <a:r>
+              <a:rPr lang="en-US" strike="sngStrike" dirty="0" smtClean="0"/>
+              <a:t>useless</a:t>
+            </a:r>
+            <a:r>
+              <a:rPr lang="en-US" dirty="0" smtClean="0"/>
+              <a:t> things like Comparators.  But in truth, JSON (and XML) is a pretty important concept in the real world.  Look at Google (or </a:t>
+            </a:r>
+            <a:r>
+              <a:rPr lang="en-US" dirty="0" err="1" smtClean="0"/>
+              <a:t>Wowhead</a:t>
+            </a:r>
+            <a:r>
+              <a:rPr lang="en-US" dirty="0" smtClean="0"/>
+              <a:t> if you are a </a:t>
+            </a:r>
+            <a:r>
+              <a:rPr lang="en-US" dirty="0" err="1" smtClean="0"/>
+              <a:t>Warcraft</a:t>
+            </a:r>
+            <a:r>
+              <a:rPr lang="en-US" dirty="0" smtClean="0"/>
+              <a:t> gamer) for example.  Type in a search world, and turn on the trace (say Firebug).  What do you see going through as HTTP traffic?  -  answer: JSON.  JSON serialization (serialization is just a fancy word for binding or transformation or conversion) is FUNDAMENTAL in any work you do with Web2.0 Single Page Applications (if you never heard of AJAX, good idea to read up about it – probably more important than this course outline period ;))</a:t>
+            </a:r>
+          </a:p>
+          <a:p>
+            <a:r>
+              <a:rPr lang="en-US" dirty="0" smtClean="0"/>
+              <a:t>Even if you never intend on using Java + Web together, JSON is a GREAT reporting format).  Format you say?  Some of you may have used that obfuscated </a:t>
+            </a:r>
+            <a:r>
+              <a:rPr lang="en-US" dirty="0" err="1" smtClean="0"/>
+              <a:t>printf</a:t>
+            </a:r>
+            <a:r>
+              <a:rPr lang="en-US" dirty="0" smtClean="0"/>
+              <a:t> (</a:t>
+            </a:r>
+            <a:r>
+              <a:rPr lang="en-US" dirty="0" err="1" smtClean="0"/>
+              <a:t>System.out.printlnf</a:t>
+            </a:r>
+            <a:r>
+              <a:rPr lang="en-US" dirty="0"/>
+              <a:t> </a:t>
+            </a:r>
+            <a:r>
+              <a:rPr lang="en-US" dirty="0" smtClean="0"/>
+              <a:t>or in some other language like C).  This is obsolete.  Remember </a:t>
+            </a:r>
+            <a:r>
+              <a:rPr lang="en-US" dirty="0" err="1" smtClean="0"/>
+              <a:t>toString</a:t>
+            </a:r>
+            <a:r>
+              <a:rPr lang="en-US" dirty="0" smtClean="0"/>
+              <a:t>() ?  What if you add another member variable to your class.  Do you have to update your </a:t>
+            </a:r>
+            <a:r>
+              <a:rPr lang="en-US" dirty="0" err="1" smtClean="0"/>
+              <a:t>toString</a:t>
+            </a:r>
+            <a:r>
+              <a:rPr lang="en-US" dirty="0" smtClean="0"/>
+              <a:t>() method</a:t>
+            </a:r>
           </a:p>
         </p:txBody>
       </p:sp>
@@ -19206,7 +20370,7 @@
     </p:spTree>
     <p:extLst>
       <p:ext uri="{BB962C8B-B14F-4D97-AF65-F5344CB8AC3E}">
-        <p14:creationId xmlns:p14="http://schemas.microsoft.com/office/powerpoint/2010/main" val="4184031010"/>
+        <p14:creationId xmlns:p14="http://schemas.microsoft.com/office/powerpoint/2010/main" val="3792723933"/>
       </p:ext>
     </p:extLst>
   </p:cSld>
@@ -19250,7 +20414,7 @@
           <a:p>
             <a:r>
               <a:rPr lang="en-US" dirty="0" smtClean="0"/>
-              <a:t>JPA – Annotation heavy</a:t>
+              <a:t>Common Questions?</a:t>
             </a:r>
             <a:endParaRPr lang="en-US" dirty="0"/>
           </a:p>
@@ -19269,81 +20433,99 @@
         <p:spPr/>
         <p:txBody>
           <a:bodyPr>
-            <a:normAutofit/>
+            <a:normAutofit fontScale="55000" lnSpcReduction="20000"/>
           </a:bodyPr>
           <a:lstStyle/>
           <a:p>
             <a:r>
               <a:rPr lang="en-US" dirty="0" smtClean="0"/>
-              <a:t>ORM in Java == JPA (</a:t>
-            </a:r>
-            <a:r>
-              <a:rPr lang="en-US" b="1" i="1" dirty="0">
-                <a:hlinkClick r:id="rId2"/>
-              </a:rPr>
-              <a:t>Java Persistence </a:t>
-            </a:r>
-            <a:r>
-              <a:rPr lang="en-US" b="1" i="1" dirty="0" smtClean="0">
-                <a:hlinkClick r:id="rId2"/>
-              </a:rPr>
-              <a:t>API</a:t>
-            </a:r>
-            <a:r>
-              <a:rPr lang="en-US" dirty="0" smtClean="0"/>
-              <a:t>) … that’s what tools are for right?</a:t>
-            </a:r>
-          </a:p>
-          <a:p>
-            <a:r>
-              <a:rPr lang="en-US" b="1" dirty="0" smtClean="0"/>
-              <a:t>JPA is an API</a:t>
-            </a:r>
-          </a:p>
-          <a:p>
-            <a:r>
-              <a:rPr lang="en-US" b="1" dirty="0" smtClean="0"/>
-              <a:t>Implementations: Spring Data and Hibernate</a:t>
-            </a:r>
-          </a:p>
-          <a:p>
-            <a:r>
-              <a:rPr lang="en-US" b="1" dirty="0" smtClean="0"/>
-              <a:t>ORM is also used in other languages such as Ruby (</a:t>
-            </a:r>
-            <a:r>
-              <a:rPr lang="en-US" b="1" dirty="0" err="1" smtClean="0"/>
-              <a:t>ActiveRecords</a:t>
-            </a:r>
-            <a:r>
-              <a:rPr lang="en-US" b="1" dirty="0" smtClean="0"/>
-              <a:t>), C++ (</a:t>
-            </a:r>
-            <a:r>
-              <a:rPr lang="en-US" b="1" dirty="0" err="1" smtClean="0"/>
-              <a:t>nHibernate</a:t>
-            </a:r>
-            <a:r>
-              <a:rPr lang="en-US" b="1" dirty="0" smtClean="0"/>
-              <a:t> – which borrows a lot from Java’s Hibernate), </a:t>
-            </a:r>
-            <a:r>
-              <a:rPr lang="en-US" b="1" dirty="0" err="1" smtClean="0"/>
-              <a:t>PerlORM</a:t>
-            </a:r>
-            <a:r>
-              <a:rPr lang="en-US" b="1" dirty="0" smtClean="0"/>
-              <a:t>, Python (</a:t>
-            </a:r>
-            <a:r>
-              <a:rPr lang="en-US" b="1" dirty="0" err="1" smtClean="0"/>
-              <a:t>Django</a:t>
-            </a:r>
-            <a:r>
-              <a:rPr lang="en-US" b="1" dirty="0" smtClean="0"/>
-              <a:t>/built-in ORM)</a:t>
-            </a:r>
-            <a:endParaRPr lang="en-US" b="1" dirty="0"/>
+              <a:t>Will it be on the Final?</a:t>
+            </a:r>
+          </a:p>
+          <a:p>
+            <a:pPr lvl="1"/>
+            <a:r>
+              <a:rPr lang="en-US" dirty="0" smtClean="0"/>
+              <a:t>2 part answer to that.  Let’s say you ace the final (which is quite possible in my class) and eventually achieve a certification (in the form of paper) from BCIT.  My question back: what asset do you have to show to your future employer besides that piece of paper?</a:t>
+            </a:r>
+          </a:p>
+          <a:p>
+            <a:pPr lvl="1"/>
+            <a:r>
+              <a:rPr lang="en-US" dirty="0" smtClean="0"/>
+              <a:t>Second part of that question (in case you didn’t like my first part).  If you read my hints carefully and snoop around the course repository, all your questions to the final will be found.</a:t>
+            </a:r>
+          </a:p>
+          <a:p>
+            <a:r>
+              <a:rPr lang="en-US" dirty="0" smtClean="0"/>
+              <a:t>What’s the real asset of this course?</a:t>
+            </a:r>
+          </a:p>
+          <a:p>
+            <a:pPr lvl="1"/>
+            <a:r>
+              <a:rPr lang="en-US" dirty="0" smtClean="0"/>
+              <a:t>I believe that BCIT should try helping students build a portfolio.  A piece of paper at the end says something, but a portfolio says something MUCH </a:t>
+            </a:r>
+            <a:r>
+              <a:rPr lang="en-US" dirty="0" err="1" smtClean="0"/>
+              <a:t>MUCH</a:t>
+            </a:r>
+            <a:r>
+              <a:rPr lang="en-US" dirty="0" smtClean="0"/>
+              <a:t> more.</a:t>
+            </a:r>
+          </a:p>
+          <a:p>
+            <a:pPr lvl="1"/>
+            <a:r>
+              <a:rPr lang="en-US" dirty="0" smtClean="0"/>
+              <a:t>It would be great if you could walk away from each course with a finished product that you can demo. </a:t>
+            </a:r>
+          </a:p>
+          <a:p>
+            <a:pPr lvl="1"/>
+            <a:r>
+              <a:rPr lang="en-US" dirty="0" smtClean="0"/>
+              <a:t>My attempt (and I apologize profusely if I did a bad job at this), is for you to build a project you can show your future employer.  S/he will download your application (via </a:t>
+            </a:r>
+            <a:r>
+              <a:rPr lang="en-US" dirty="0" err="1" smtClean="0"/>
+              <a:t>GitHub</a:t>
+            </a:r>
+            <a:r>
+              <a:rPr lang="en-US" dirty="0" smtClean="0"/>
+              <a:t> pages) and be able to</a:t>
+            </a:r>
+          </a:p>
+          <a:p>
+            <a:pPr lvl="2"/>
+            <a:r>
+              <a:rPr lang="en-US" dirty="0" smtClean="0"/>
+              <a:t>Play around with it</a:t>
+            </a:r>
+          </a:p>
+          <a:p>
+            <a:pPr lvl="2"/>
+            <a:r>
+              <a:rPr lang="en-US" dirty="0" smtClean="0"/>
+              <a:t>See your DB Schema (via the H2 Console) – Yup if you want to show your DB skills, this is a good place to do it!!!</a:t>
+            </a:r>
+          </a:p>
+          <a:p>
+            <a:pPr lvl="2"/>
+            <a:r>
+              <a:rPr lang="en-US" dirty="0" smtClean="0"/>
+              <a:t>See your code</a:t>
+            </a:r>
+          </a:p>
+          <a:p>
+            <a:pPr lvl="2"/>
+            <a:r>
+              <a:rPr lang="en-US" dirty="0" smtClean="0"/>
+              <a:t>See your comments / documentation (index.html (yup!!), changes.html).  Show off your HTML / documentation skills here if you want ;)</a:t>
+            </a:r>
           </a:p>
         </p:txBody>
       </p:sp>
@@ -19379,7 +20561,7 @@
     </p:spTree>
     <p:extLst>
       <p:ext uri="{BB962C8B-B14F-4D97-AF65-F5344CB8AC3E}">
-        <p14:creationId xmlns:p14="http://schemas.microsoft.com/office/powerpoint/2010/main" val="472122866"/>
+        <p14:creationId xmlns:p14="http://schemas.microsoft.com/office/powerpoint/2010/main" val="4216673936"/>
       </p:ext>
     </p:extLst>
   </p:cSld>
@@ -19423,7 +20605,7 @@
           <a:p>
             <a:r>
               <a:rPr lang="en-US" dirty="0" smtClean="0"/>
-              <a:t>First, add the following dependencies</a:t>
+              <a:t>Anything you want to ask?</a:t>
             </a:r>
             <a:endParaRPr lang="en-US" dirty="0"/>
           </a:p>
@@ -19441,309 +20623,26 @@
         </p:nvSpPr>
         <p:spPr/>
         <p:txBody>
-          <a:bodyPr>
-            <a:normAutofit fontScale="32500" lnSpcReduction="20000"/>
-          </a:bodyPr>
-          <a:lstStyle/>
-          <a:p>
-            <a:endParaRPr lang="en-US" dirty="0" smtClean="0"/>
-          </a:p>
-          <a:p>
-            <a:r>
-              <a:rPr lang="en-US" dirty="0" smtClean="0"/>
-              <a:t>If all fails, copy my pom.xml</a:t>
-            </a:r>
-          </a:p>
-          <a:p>
+          <a:bodyPr/>
+          <a:lstStyle/>
+          <a:p>
+            <a:r>
+              <a:rPr lang="en-US" dirty="0" smtClean="0"/>
+              <a:t>Politics?</a:t>
+            </a:r>
+          </a:p>
+          <a:p>
+            <a:r>
+              <a:rPr lang="en-US" dirty="0" smtClean="0"/>
+              <a:t>Java questions?</a:t>
+            </a:r>
+          </a:p>
+          <a:p>
+            <a:r>
+              <a:rPr lang="en-US" dirty="0" smtClean="0"/>
+              <a:t>Here’s your chance to ask</a:t>
+            </a:r>
             <a:endParaRPr lang="en-US" dirty="0"/>
-          </a:p>
-          <a:p>
-            <a:r>
-              <a:rPr lang="en-US" dirty="0" smtClean="0"/>
-              <a:t>&lt;</a:t>
-            </a:r>
-            <a:r>
-              <a:rPr lang="en-US" dirty="0"/>
-              <a:t>dependency&gt;</a:t>
-            </a:r>
-          </a:p>
-          <a:p>
-            <a:r>
-              <a:rPr lang="en-US" dirty="0"/>
-              <a:t>&lt;</a:t>
-            </a:r>
-            <a:r>
-              <a:rPr lang="en-US" dirty="0" err="1"/>
-              <a:t>groupId</a:t>
-            </a:r>
-            <a:r>
-              <a:rPr lang="en-US" dirty="0"/>
-              <a:t>&gt;</a:t>
-            </a:r>
-            <a:r>
-              <a:rPr lang="en-US" dirty="0" err="1"/>
-              <a:t>org.springframework.boot</a:t>
-            </a:r>
-            <a:r>
-              <a:rPr lang="en-US" dirty="0"/>
-              <a:t>&lt;/</a:t>
-            </a:r>
-            <a:r>
-              <a:rPr lang="en-US" dirty="0" err="1"/>
-              <a:t>groupId</a:t>
-            </a:r>
-            <a:r>
-              <a:rPr lang="en-US" dirty="0"/>
-              <a:t>&gt;</a:t>
-            </a:r>
-          </a:p>
-          <a:p>
-            <a:r>
-              <a:rPr lang="en-US" dirty="0"/>
-              <a:t>&lt;</a:t>
-            </a:r>
-            <a:r>
-              <a:rPr lang="en-US" dirty="0" err="1"/>
-              <a:t>artifactId</a:t>
-            </a:r>
-            <a:r>
-              <a:rPr lang="en-US" dirty="0"/>
-              <a:t>&gt;spring-boot-starter-data-</a:t>
-            </a:r>
-            <a:r>
-              <a:rPr lang="en-US" u="sng" dirty="0" err="1"/>
-              <a:t>jpa</a:t>
-            </a:r>
-            <a:r>
-              <a:rPr lang="en-US" u="sng" dirty="0"/>
-              <a:t>&lt;/</a:t>
-            </a:r>
-            <a:r>
-              <a:rPr lang="en-US" u="sng" dirty="0" err="1"/>
-              <a:t>artifactId</a:t>
-            </a:r>
-            <a:r>
-              <a:rPr lang="en-US" u="sng" dirty="0"/>
-              <a:t>&gt;</a:t>
-            </a:r>
-          </a:p>
-          <a:p>
-            <a:r>
-              <a:rPr lang="en-US" dirty="0"/>
-              <a:t>&lt;/dependency&gt;</a:t>
-            </a:r>
-          </a:p>
-          <a:p>
-            <a:r>
-              <a:rPr lang="en-US" dirty="0"/>
-              <a:t>&lt;dependency&gt;</a:t>
-            </a:r>
-          </a:p>
-          <a:p>
-            <a:r>
-              <a:rPr lang="en-US" dirty="0"/>
-              <a:t>&lt;</a:t>
-            </a:r>
-            <a:r>
-              <a:rPr lang="en-US" dirty="0" err="1"/>
-              <a:t>groupId</a:t>
-            </a:r>
-            <a:r>
-              <a:rPr lang="en-US" dirty="0"/>
-              <a:t>&gt;com.h2database&lt;/</a:t>
-            </a:r>
-            <a:r>
-              <a:rPr lang="en-US" dirty="0" err="1"/>
-              <a:t>groupId</a:t>
-            </a:r>
-            <a:r>
-              <a:rPr lang="en-US" dirty="0"/>
-              <a:t>&gt;</a:t>
-            </a:r>
-          </a:p>
-          <a:p>
-            <a:r>
-              <a:rPr lang="en-US" dirty="0"/>
-              <a:t>&lt;</a:t>
-            </a:r>
-            <a:r>
-              <a:rPr lang="en-US" dirty="0" err="1"/>
-              <a:t>artifactId</a:t>
-            </a:r>
-            <a:r>
-              <a:rPr lang="en-US" dirty="0"/>
-              <a:t>&gt;h2&lt;/</a:t>
-            </a:r>
-            <a:r>
-              <a:rPr lang="en-US" dirty="0" err="1"/>
-              <a:t>artifactId</a:t>
-            </a:r>
-            <a:r>
-              <a:rPr lang="en-US" dirty="0"/>
-              <a:t>&gt;</a:t>
-            </a:r>
-          </a:p>
-          <a:p>
-            <a:r>
-              <a:rPr lang="en-US" dirty="0"/>
-              <a:t>&lt;/dependency&gt;</a:t>
-            </a:r>
-          </a:p>
-          <a:p>
-            <a:r>
-              <a:rPr lang="en-US" dirty="0"/>
-              <a:t>&lt;dependency&gt;</a:t>
-            </a:r>
-          </a:p>
-          <a:p>
-            <a:r>
-              <a:rPr lang="en-US" dirty="0"/>
-              <a:t>&lt;</a:t>
-            </a:r>
-            <a:r>
-              <a:rPr lang="en-US" dirty="0" err="1"/>
-              <a:t>groupId</a:t>
-            </a:r>
-            <a:r>
-              <a:rPr lang="en-US" dirty="0"/>
-              <a:t>&gt;</a:t>
-            </a:r>
-            <a:r>
-              <a:rPr lang="en-US" u="sng" dirty="0" err="1"/>
-              <a:t>mysql</a:t>
-            </a:r>
-            <a:r>
-              <a:rPr lang="en-US" u="sng" dirty="0"/>
-              <a:t>&lt;/</a:t>
-            </a:r>
-            <a:r>
-              <a:rPr lang="en-US" u="sng" dirty="0" err="1"/>
-              <a:t>groupId</a:t>
-            </a:r>
-            <a:r>
-              <a:rPr lang="en-US" u="sng" dirty="0"/>
-              <a:t>&gt;</a:t>
-            </a:r>
-          </a:p>
-          <a:p>
-            <a:r>
-              <a:rPr lang="en-US" dirty="0"/>
-              <a:t>&lt;</a:t>
-            </a:r>
-            <a:r>
-              <a:rPr lang="en-US" dirty="0" err="1"/>
-              <a:t>artifactId</a:t>
-            </a:r>
-            <a:r>
-              <a:rPr lang="en-US" dirty="0"/>
-              <a:t>&gt;</a:t>
-            </a:r>
-            <a:r>
-              <a:rPr lang="en-US" u="sng" dirty="0" err="1"/>
-              <a:t>mysql</a:t>
-            </a:r>
-            <a:r>
-              <a:rPr lang="en-US" u="sng" dirty="0"/>
-              <a:t>-connector-java&lt;/</a:t>
-            </a:r>
-            <a:r>
-              <a:rPr lang="en-US" u="sng" dirty="0" err="1"/>
-              <a:t>artifactId</a:t>
-            </a:r>
-            <a:r>
-              <a:rPr lang="en-US" u="sng" dirty="0"/>
-              <a:t>&gt;</a:t>
-            </a:r>
-          </a:p>
-          <a:p>
-            <a:r>
-              <a:rPr lang="en-US" u="sng" dirty="0"/>
-              <a:t>&lt;version&gt;5.1.30&lt;/version&gt;</a:t>
-            </a:r>
-          </a:p>
-          <a:p>
-            <a:r>
-              <a:rPr lang="en-US" dirty="0"/>
-              <a:t>&lt;/dependency&gt;</a:t>
-            </a:r>
-          </a:p>
-          <a:p>
-            <a:r>
-              <a:rPr lang="en-US" dirty="0"/>
-              <a:t>&lt;dependency&gt;</a:t>
-            </a:r>
-          </a:p>
-          <a:p>
-            <a:r>
-              <a:rPr lang="en-US" dirty="0"/>
-              <a:t>&lt;</a:t>
-            </a:r>
-            <a:r>
-              <a:rPr lang="en-US" dirty="0" err="1"/>
-              <a:t>groupId</a:t>
-            </a:r>
-            <a:r>
-              <a:rPr lang="en-US" dirty="0"/>
-              <a:t>&gt;</a:t>
-            </a:r>
-            <a:r>
-              <a:rPr lang="en-US" dirty="0" err="1"/>
-              <a:t>org.hsqldb</a:t>
-            </a:r>
-            <a:r>
-              <a:rPr lang="en-US" dirty="0"/>
-              <a:t>&lt;/</a:t>
-            </a:r>
-            <a:r>
-              <a:rPr lang="en-US" dirty="0" err="1"/>
-              <a:t>groupId</a:t>
-            </a:r>
-            <a:r>
-              <a:rPr lang="en-US" dirty="0"/>
-              <a:t>&gt;</a:t>
-            </a:r>
-          </a:p>
-          <a:p>
-            <a:r>
-              <a:rPr lang="en-US" dirty="0"/>
-              <a:t>&lt;</a:t>
-            </a:r>
-            <a:r>
-              <a:rPr lang="en-US" dirty="0" err="1"/>
-              <a:t>artifactId</a:t>
-            </a:r>
-            <a:r>
-              <a:rPr lang="en-US" dirty="0"/>
-              <a:t>&gt;</a:t>
-            </a:r>
-            <a:r>
-              <a:rPr lang="en-US" u="sng" dirty="0" err="1"/>
-              <a:t>hsqldb</a:t>
-            </a:r>
-            <a:r>
-              <a:rPr lang="en-US" u="sng" dirty="0"/>
-              <a:t>&lt;/</a:t>
-            </a:r>
-            <a:r>
-              <a:rPr lang="en-US" u="sng" dirty="0" err="1"/>
-              <a:t>artifactId</a:t>
-            </a:r>
-            <a:r>
-              <a:rPr lang="en-US" u="sng" dirty="0"/>
-              <a:t>&gt;</a:t>
-            </a:r>
-          </a:p>
-          <a:p>
-            <a:r>
-              <a:rPr lang="en-US" u="sng" dirty="0"/>
-              <a:t>&lt;version&gt;2.2.8&lt;/version&gt;</a:t>
-            </a:r>
-          </a:p>
-          <a:p>
-            <a:r>
-              <a:rPr lang="en-US" dirty="0"/>
-              <a:t>&lt;/dependency&gt;</a:t>
-            </a:r>
           </a:p>
         </p:txBody>
       </p:sp>
@@ -19779,7 +20678,7 @@
     </p:spTree>
     <p:extLst>
       <p:ext uri="{BB962C8B-B14F-4D97-AF65-F5344CB8AC3E}">
-        <p14:creationId xmlns:p14="http://schemas.microsoft.com/office/powerpoint/2010/main" val="488670267"/>
+        <p14:creationId xmlns:p14="http://schemas.microsoft.com/office/powerpoint/2010/main" val="708702910"/>
       </p:ext>
     </p:extLst>
   </p:cSld>
@@ -19823,7 +20722,7 @@
           <a:p>
             <a:r>
               <a:rPr lang="en-US" dirty="0" smtClean="0"/>
-              <a:t>Also in pom.xml</a:t>
+              <a:t>Homework</a:t>
             </a:r>
             <a:endParaRPr lang="en-US" dirty="0"/>
           </a:p>
@@ -19841,91 +20740,12 @@
         </p:nvSpPr>
         <p:spPr/>
         <p:txBody>
-          <a:bodyPr>
-            <a:normAutofit lnSpcReduction="10000"/>
-          </a:bodyPr>
-          <a:lstStyle/>
-          <a:p>
-            <a:r>
-              <a:rPr lang="en-US" dirty="0"/>
-              <a:t>&lt;parent&gt;</a:t>
-            </a:r>
-          </a:p>
-          <a:p>
-            <a:r>
-              <a:rPr lang="en-US" dirty="0"/>
-              <a:t>&lt;</a:t>
-            </a:r>
-            <a:r>
-              <a:rPr lang="en-US" dirty="0" err="1"/>
-              <a:t>groupId</a:t>
-            </a:r>
-            <a:r>
-              <a:rPr lang="en-US" dirty="0"/>
-              <a:t>&gt;</a:t>
-            </a:r>
-            <a:r>
-              <a:rPr lang="en-US" dirty="0" err="1"/>
-              <a:t>org.springframework.boot</a:t>
-            </a:r>
-            <a:r>
-              <a:rPr lang="en-US" dirty="0"/>
-              <a:t>&lt;/</a:t>
-            </a:r>
-            <a:r>
-              <a:rPr lang="en-US" dirty="0" err="1"/>
-              <a:t>groupId</a:t>
-            </a:r>
-            <a:r>
-              <a:rPr lang="en-US" dirty="0"/>
-              <a:t>&gt;</a:t>
-            </a:r>
-          </a:p>
-          <a:p>
-            <a:r>
-              <a:rPr lang="en-US" dirty="0"/>
-              <a:t>&lt;</a:t>
-            </a:r>
-            <a:r>
-              <a:rPr lang="en-US" dirty="0" err="1"/>
-              <a:t>artifactId</a:t>
-            </a:r>
-            <a:r>
-              <a:rPr lang="en-US" dirty="0"/>
-              <a:t>&gt;spring-boot-starter-parent&lt;/</a:t>
-            </a:r>
-            <a:r>
-              <a:rPr lang="en-US" dirty="0" err="1"/>
-              <a:t>artifactId</a:t>
-            </a:r>
-            <a:r>
-              <a:rPr lang="en-US" dirty="0"/>
-              <a:t>&gt;</a:t>
-            </a:r>
-          </a:p>
-          <a:p>
-            <a:r>
-              <a:rPr lang="en-US" dirty="0"/>
-              <a:t>&lt;version&gt;1.0.2.RELEASE&lt;/version&gt;</a:t>
-            </a:r>
-          </a:p>
-          <a:p>
-            <a:r>
-              <a:rPr lang="en-US" dirty="0"/>
-              <a:t>&lt;/parent</a:t>
-            </a:r>
-            <a:r>
-              <a:rPr lang="en-US" dirty="0" smtClean="0"/>
-              <a:t>&gt;</a:t>
-            </a:r>
-          </a:p>
-          <a:p>
-            <a:endParaRPr lang="en-US" dirty="0"/>
-          </a:p>
-          <a:p>
-            <a:r>
-              <a:rPr lang="en-US" dirty="0" smtClean="0"/>
-              <a:t>And then Maven Update</a:t>
+          <a:bodyPr/>
+          <a:lstStyle/>
+          <a:p>
+            <a:r>
+              <a:rPr lang="en-US" dirty="0" smtClean="0"/>
+              <a:t>Assignment 7</a:t>
             </a:r>
             <a:endParaRPr lang="en-US" dirty="0"/>
           </a:p>
@@ -19963,7 +20783,7 @@
     </p:spTree>
     <p:extLst>
       <p:ext uri="{BB962C8B-B14F-4D97-AF65-F5344CB8AC3E}">
-        <p14:creationId xmlns:p14="http://schemas.microsoft.com/office/powerpoint/2010/main" val="1514528855"/>
+        <p14:creationId xmlns:p14="http://schemas.microsoft.com/office/powerpoint/2010/main" val="3094578132"/>
       </p:ext>
     </p:extLst>
   </p:cSld>
@@ -20007,7 +20827,7 @@
           <a:p>
             <a:r>
               <a:rPr lang="en-US" dirty="0" smtClean="0"/>
-              <a:t>Modify our model Classes</a:t>
+              <a:t>Homework</a:t>
             </a:r>
             <a:endParaRPr lang="en-US" dirty="0"/>
           </a:p>
@@ -20015,58 +20835,7 @@
       </p:sp>
       <p:sp>
         <p:nvSpPr>
-          <p:cNvPr id="3" name="Content Placeholder 2"/>
-          <p:cNvSpPr>
-            <a:spLocks noGrp="1"/>
-          </p:cNvSpPr>
-          <p:nvPr>
-            <p:ph idx="1"/>
-          </p:nvPr>
-        </p:nvSpPr>
-        <p:spPr/>
-        <p:txBody>
-          <a:bodyPr>
-            <a:normAutofit/>
-          </a:bodyPr>
-          <a:lstStyle/>
-          <a:p>
-            <a:r>
-              <a:rPr lang="en-US" dirty="0" smtClean="0"/>
-              <a:t>Annotate with @Entity (pretty important)</a:t>
-            </a:r>
-          </a:p>
-          <a:p>
-            <a:r>
-              <a:rPr lang="en-US" dirty="0" smtClean="0"/>
-              <a:t>Add a @Id to the primary key</a:t>
-            </a:r>
-          </a:p>
-          <a:p>
-            <a:r>
-              <a:rPr lang="en-US" dirty="0" smtClean="0"/>
-              <a:t>Add @</a:t>
-            </a:r>
-            <a:r>
-              <a:rPr lang="en-US" dirty="0" err="1" smtClean="0"/>
-              <a:t>ManyToMany</a:t>
-            </a:r>
-            <a:r>
-              <a:rPr lang="en-US" dirty="0" smtClean="0"/>
-              <a:t> relationship</a:t>
-            </a:r>
-          </a:p>
-          <a:p>
-            <a:r>
-              <a:rPr lang="en-US" dirty="0" smtClean="0"/>
-              <a:t>See day08.model.Teacher</a:t>
-            </a:r>
-            <a:endParaRPr lang="en-US" dirty="0"/>
-          </a:p>
-        </p:txBody>
-      </p:sp>
-      <p:sp>
-        <p:nvSpPr>
-          <p:cNvPr id="4" name="Slide Number Placeholder 3"/>
+          <p:cNvPr id="3" name="Slide Number Placeholder 2"/>
           <p:cNvSpPr>
             <a:spLocks noGrp="1"/>
           </p:cNvSpPr>
@@ -20082,21 +20851,51 @@
             <a:pPr>
               <a:defRPr/>
             </a:pPr>
-            <a:fld id="{8B8B984A-5AFF-7643-AE60-6D8D11294076}" type="slidenum">
-              <a:rPr lang="en-US" smtClean="0"/>
+            <a:fld id="{B2451C39-31DD-6D4B-9BED-758CF6C1BA6A}" type="slidenum">
+              <a:rPr lang="en-CA" smtClean="0"/>
               <a:pPr>
                 <a:defRPr/>
               </a:pPr>
               <a:t>77</a:t>
             </a:fld>
-            <a:endParaRPr lang="en-US"/>
+            <a:endParaRPr lang="en-CA"/>
+          </a:p>
+        </p:txBody>
+      </p:sp>
+      <p:sp>
+        <p:nvSpPr>
+          <p:cNvPr id="4" name="TextBox 3"/>
+          <p:cNvSpPr txBox="1"/>
+          <p:nvPr/>
+        </p:nvSpPr>
+        <p:spPr>
+          <a:xfrm>
+            <a:off x="1371600" y="1981200"/>
+            <a:ext cx="1965603" cy="461665"/>
+          </a:xfrm>
+          <a:prstGeom prst="rect">
+            <a:avLst/>
+          </a:prstGeom>
+          <a:noFill/>
+        </p:spPr>
+        <p:txBody>
+          <a:bodyPr wrap="none" rtlCol="0">
+            <a:spAutoFit/>
+          </a:bodyPr>
+          <a:lstStyle/>
+          <a:p>
+            <a:r>
+              <a:rPr lang="en-US" dirty="0" smtClean="0"/>
+              <a:t>Assignment8</a:t>
+            </a:r>
+            <a:endParaRPr lang="en-US" dirty="0"/>
           </a:p>
         </p:txBody>
       </p:sp>
     </p:spTree>
     <p:extLst>
       <p:ext uri="{BB962C8B-B14F-4D97-AF65-F5344CB8AC3E}">
-        <p14:creationId xmlns:p14="http://schemas.microsoft.com/office/powerpoint/2010/main" val="1704108685"/>
+        <p14:creationId xmlns:p14="http://schemas.microsoft.com/office/powerpoint/2010/main" val="1591026668"/>
       </p:ext>
     </p:extLst>
   </p:cSld>
@@ -20140,7 +20939,7 @@
           <a:p>
             <a:r>
               <a:rPr lang="en-US" dirty="0" smtClean="0"/>
-              <a:t>Create a Repository Interface</a:t>
+              <a:t>JDBC / JPA / ORM</a:t>
             </a:r>
             <a:endParaRPr lang="en-US" dirty="0"/>
           </a:p>
@@ -20158,12 +20957,40 @@
         </p:nvSpPr>
         <p:spPr/>
         <p:txBody>
-          <a:bodyPr/>
-          <a:lstStyle/>
-          <a:p>
-            <a:r>
-              <a:rPr lang="en-US" dirty="0" smtClean="0"/>
-              <a:t>See day08.TeacherRepository</a:t>
+          <a:bodyPr>
+            <a:normAutofit lnSpcReduction="10000"/>
+          </a:bodyPr>
+          <a:lstStyle/>
+          <a:p>
+            <a:r>
+              <a:rPr lang="en-US" dirty="0" smtClean="0"/>
+              <a:t>There is the long version and then the short version</a:t>
+            </a:r>
+          </a:p>
+          <a:p>
+            <a:r>
+              <a:rPr lang="en-US" dirty="0" smtClean="0"/>
+              <a:t>Vanilla JDBC Java </a:t>
+            </a:r>
+            <a:r>
+              <a:rPr lang="en-US" dirty="0" err="1" smtClean="0"/>
+              <a:t>DataBase</a:t>
+            </a:r>
+            <a:r>
+              <a:rPr lang="en-US" dirty="0" smtClean="0"/>
+              <a:t> Connectivity – if you can avoid programming with vanilla JDBC directly, that’s a good thing</a:t>
+            </a:r>
+          </a:p>
+          <a:p>
+            <a:r>
+              <a:rPr lang="en-US" dirty="0" smtClean="0"/>
+              <a:t>ORM is EASIER to learn because it doesn’t require you to write SQL (or so that’s the theory …)</a:t>
+            </a:r>
+          </a:p>
+          <a:p>
+            <a:r>
+              <a:rPr lang="en-US" dirty="0" smtClean="0"/>
+              <a:t>ORM -&gt; Object Relational Mapping.  Means transforming a Java Data Model</a:t>
             </a:r>
             <a:endParaRPr lang="en-US" dirty="0"/>
           </a:p>
@@ -20201,7 +21028,7 @@
     </p:spTree>
     <p:extLst>
       <p:ext uri="{BB962C8B-B14F-4D97-AF65-F5344CB8AC3E}">
-        <p14:creationId xmlns:p14="http://schemas.microsoft.com/office/powerpoint/2010/main" val="372240711"/>
+        <p14:creationId xmlns:p14="http://schemas.microsoft.com/office/powerpoint/2010/main" val="4184031010"/>
       </p:ext>
     </p:extLst>
   </p:cSld>
@@ -20245,11 +21072,7 @@
           <a:p>
             <a:r>
               <a:rPr lang="en-US" dirty="0" smtClean="0"/>
-              <a:t>Create a </a:t>
-            </a:r>
-            <a:r>
-              <a:rPr lang="en-US" dirty="0" err="1" smtClean="0"/>
-              <a:t>TestDriver</a:t>
+              <a:t>JPA – Annotation heavy</a:t>
             </a:r>
             <a:endParaRPr lang="en-US" dirty="0"/>
           </a:p>
@@ -20268,71 +21091,105 @@
         <p:spPr/>
         <p:txBody>
           <a:bodyPr>
-            <a:normAutofit fontScale="85000" lnSpcReduction="20000"/>
+            <a:normAutofit fontScale="62500" lnSpcReduction="20000"/>
           </a:bodyPr>
           <a:lstStyle/>
           <a:p>
             <a:r>
               <a:rPr lang="en-US" dirty="0" smtClean="0"/>
-              <a:t>A lot of the magic is in: </a:t>
-            </a:r>
-            <a:r>
-              <a:rPr lang="en-US" dirty="0"/>
-              <a:t>@</a:t>
-            </a:r>
-            <a:r>
-              <a:rPr lang="en-US" dirty="0" err="1" smtClean="0"/>
-              <a:t>EnableAutoConfiguration</a:t>
-            </a:r>
-            <a:endParaRPr lang="en-US" dirty="0" smtClean="0"/>
-          </a:p>
-          <a:p>
-            <a:r>
-              <a:rPr lang="en-US" dirty="0" smtClean="0"/>
-              <a:t>See: </a:t>
-            </a:r>
-            <a:r>
-              <a:rPr lang="en-US" dirty="0" err="1" smtClean="0"/>
-              <a:t>TestDriverWithInMemoryDB</a:t>
-            </a:r>
-            <a:endParaRPr lang="en-US" dirty="0" smtClean="0"/>
-          </a:p>
-          <a:p>
-            <a:r>
-              <a:rPr lang="en-US" dirty="0" smtClean="0"/>
-              <a:t>Run it …</a:t>
-            </a:r>
-          </a:p>
-          <a:p>
-            <a:r>
-              <a:rPr lang="en-US" dirty="0" smtClean="0"/>
-              <a:t>What just happened?  Well, first thing is that it created an in memory database</a:t>
-            </a:r>
-          </a:p>
-          <a:p>
-            <a:r>
-              <a:rPr lang="en-US" dirty="0" smtClean="0"/>
-              <a:t>Then a Table called Teacher</a:t>
-            </a:r>
-          </a:p>
-          <a:p>
-            <a:r>
-              <a:rPr lang="en-US" dirty="0" smtClean="0"/>
-              <a:t>And then an insert</a:t>
-            </a:r>
-          </a:p>
-          <a:p>
-            <a:r>
-              <a:rPr lang="en-US" dirty="0" smtClean="0"/>
-              <a:t>Prove it!!!  …  Sorry, no can do - that was an in memory DB</a:t>
-            </a:r>
-          </a:p>
-          <a:p>
-            <a:r>
-              <a:rPr lang="en-US" dirty="0" smtClean="0"/>
-              <a:t>Actually – I’m lying (I can prove it if I block my program from exiting and viewing the H2 DB from a browser … see H2Config)</a:t>
-            </a:r>
-            <a:endParaRPr lang="en-US" dirty="0"/>
+              <a:t>ORM in Java == JPA (</a:t>
+            </a:r>
+            <a:r>
+              <a:rPr lang="en-US" b="1" i="1" dirty="0">
+                <a:hlinkClick r:id="rId2"/>
+              </a:rPr>
+              <a:t>Java Persistence </a:t>
+            </a:r>
+            <a:r>
+              <a:rPr lang="en-US" b="1" i="1" dirty="0" smtClean="0">
+                <a:hlinkClick r:id="rId2"/>
+              </a:rPr>
+              <a:t>API</a:t>
+            </a:r>
+            <a:r>
+              <a:rPr lang="en-US" dirty="0" smtClean="0"/>
+              <a:t>) … that’s what tools are for right?</a:t>
+            </a:r>
+          </a:p>
+          <a:p>
+            <a:r>
+              <a:rPr lang="en-US" b="1" dirty="0" smtClean="0"/>
+              <a:t>JPA is an API</a:t>
+            </a:r>
+          </a:p>
+          <a:p>
+            <a:r>
+              <a:rPr lang="en-US" b="1" dirty="0" smtClean="0"/>
+              <a:t>Implementations: Spring Data and Hibernate</a:t>
+            </a:r>
+          </a:p>
+          <a:p>
+            <a:r>
+              <a:rPr lang="en-US" b="1" dirty="0" smtClean="0"/>
+              <a:t>ORM is also used in other languages such as Ruby (</a:t>
+            </a:r>
+            <a:r>
+              <a:rPr lang="en-US" b="1" dirty="0" err="1" smtClean="0"/>
+              <a:t>ActiveRecords</a:t>
+            </a:r>
+            <a:r>
+              <a:rPr lang="en-US" b="1" dirty="0" smtClean="0"/>
+              <a:t>), C++ (</a:t>
+            </a:r>
+            <a:r>
+              <a:rPr lang="en-US" b="1" dirty="0" err="1" smtClean="0"/>
+              <a:t>nHibernate</a:t>
+            </a:r>
+            <a:r>
+              <a:rPr lang="en-US" b="1" dirty="0" smtClean="0"/>
+              <a:t> – which borrows a lot from Java’s Hibernate), </a:t>
+            </a:r>
+            <a:r>
+              <a:rPr lang="en-US" b="1" dirty="0" err="1" smtClean="0"/>
+              <a:t>PerlORM</a:t>
+            </a:r>
+            <a:r>
+              <a:rPr lang="en-US" b="1" dirty="0" smtClean="0"/>
+              <a:t>, Python (</a:t>
+            </a:r>
+            <a:r>
+              <a:rPr lang="en-US" b="1" dirty="0" err="1" smtClean="0"/>
+              <a:t>Django</a:t>
+            </a:r>
+            <a:r>
+              <a:rPr lang="en-US" b="1" dirty="0" smtClean="0"/>
+              <a:t>/built-in ORM</a:t>
+            </a:r>
+            <a:r>
+              <a:rPr lang="en-US" b="1" dirty="0" smtClean="0"/>
+              <a:t>)</a:t>
+            </a:r>
+          </a:p>
+          <a:p>
+            <a:r>
+              <a:rPr lang="en-US" b="1" dirty="0" smtClean="0"/>
+              <a:t>ORM – is a binding from Java Objects to a Relational DB Table</a:t>
+            </a:r>
+          </a:p>
+          <a:p>
+            <a:r>
+              <a:rPr lang="en-US" b="1" dirty="0" smtClean="0"/>
+              <a:t>Have we seen any other type of Java Bindings?  Hint Jackson.  Java&lt;-&gt;JSON.  Hint: Java&lt;-&gt;XML is any common type of binding.  Not </a:t>
+            </a:r>
+            <a:r>
+              <a:rPr lang="en-US" b="1" dirty="0" smtClean="0"/>
+              <a:t>a learning outcome for this course, but extremely important.  </a:t>
+            </a:r>
+            <a:r>
+              <a:rPr lang="en-US" b="1" dirty="0" smtClean="0"/>
+              <a:t>How common / important is this type binding?  On a scale from 1 to 10 where 1 is useless (like Swing) and 10 is useful, its about a 8 or 9.  Something like learning Comparator (which is an learning outcome is a 3 out of 10).  Learn your Java &lt;-&gt; Bindings!</a:t>
+            </a:r>
+            <a:endParaRPr lang="en-US" b="1" dirty="0"/>
           </a:p>
         </p:txBody>
       </p:sp>
@@ -20368,7 +21225,7 @@
     </p:spTree>
     <p:extLst>
       <p:ext uri="{BB962C8B-B14F-4D97-AF65-F5344CB8AC3E}">
-        <p14:creationId xmlns:p14="http://schemas.microsoft.com/office/powerpoint/2010/main" val="37891769"/>
+        <p14:creationId xmlns:p14="http://schemas.microsoft.com/office/powerpoint/2010/main" val="472122866"/>
       </p:ext>
     </p:extLst>
   </p:cSld>
@@ -20801,7 +21658,7 @@
           <a:p>
             <a:r>
               <a:rPr lang="en-US" dirty="0" smtClean="0"/>
-              <a:t>I know – let’s use MySQL!</a:t>
+              <a:t>First, add the following dependencies</a:t>
             </a:r>
             <a:endParaRPr lang="en-US" dirty="0"/>
           </a:p>
@@ -20820,82 +21677,308 @@
         <p:spPr/>
         <p:txBody>
           <a:bodyPr>
-            <a:normAutofit fontScale="85000" lnSpcReduction="20000"/>
+            <a:normAutofit fontScale="32500" lnSpcReduction="20000"/>
           </a:bodyPr>
           <a:lstStyle/>
           <a:p>
-            <a:r>
-              <a:rPr lang="en-US" dirty="0" smtClean="0"/>
-              <a:t>Via your browser, </a:t>
-            </a:r>
-            <a:r>
-              <a:rPr lang="en-US" dirty="0" err="1" smtClean="0"/>
-              <a:t>goto</a:t>
-            </a:r>
-            <a:r>
-              <a:rPr lang="en-US" dirty="0" smtClean="0"/>
-              <a:t>: </a:t>
-            </a:r>
-            <a:r>
-              <a:rPr lang="en-US" i="1" dirty="0" smtClean="0"/>
-              <a:t>freemysqlhosting.net</a:t>
-            </a:r>
-          </a:p>
-          <a:p>
-            <a:r>
-              <a:rPr lang="en-US" dirty="0" smtClean="0"/>
-              <a:t>(alright, I know, I know … its not hosted by BCIT) … but damn it – BCIT doesn’t use MySQL, they use a funny creature called SQL Server</a:t>
-            </a:r>
-          </a:p>
-          <a:p>
-            <a:r>
-              <a:rPr lang="en-US" dirty="0" smtClean="0"/>
-              <a:t>Alright, after you register, you’ll get a</a:t>
-            </a:r>
-          </a:p>
-          <a:p>
-            <a:pPr marL="582930" indent="-514350">
-              <a:buFont typeface="+mj-lt"/>
-              <a:buAutoNum type="arabicPeriod"/>
-            </a:pPr>
-            <a:r>
-              <a:rPr lang="en-US" dirty="0" smtClean="0"/>
-              <a:t>Hostname for your DB</a:t>
-            </a:r>
-          </a:p>
-          <a:p>
-            <a:pPr marL="582930" indent="-514350">
-              <a:buFont typeface="+mj-lt"/>
-              <a:buAutoNum type="arabicPeriod"/>
-            </a:pPr>
-            <a:r>
-              <a:rPr lang="en-US" dirty="0" smtClean="0"/>
-              <a:t>Username / password</a:t>
-            </a:r>
-          </a:p>
-          <a:p>
-            <a:pPr marL="582930" indent="-514350">
-              <a:buFont typeface="+mj-lt"/>
-              <a:buAutoNum type="arabicPeriod"/>
-            </a:pPr>
-            <a:r>
-              <a:rPr lang="en-US" dirty="0" smtClean="0"/>
-              <a:t>Database name</a:t>
-            </a:r>
-          </a:p>
-          <a:p>
-            <a:pPr marL="582930" indent="-514350">
-              <a:buFont typeface="+mj-lt"/>
-              <a:buAutoNum type="arabicPeriod"/>
-            </a:pPr>
+            <a:endParaRPr lang="en-US" dirty="0" smtClean="0"/>
+          </a:p>
+          <a:p>
+            <a:r>
+              <a:rPr lang="en-US" dirty="0" smtClean="0"/>
+              <a:t>If all fails, copy my pom.xml</a:t>
+            </a:r>
+          </a:p>
+          <a:p>
             <a:endParaRPr lang="en-US" dirty="0"/>
           </a:p>
           <a:p>
             <a:r>
               <a:rPr lang="en-US" dirty="0" smtClean="0"/>
-              <a:t>Convert that information you have above to an applicationContext.xml as is follows:</a:t>
-            </a:r>
-            <a:endParaRPr lang="en-US" dirty="0"/>
+              <a:t>&lt;</a:t>
+            </a:r>
+            <a:r>
+              <a:rPr lang="en-US" dirty="0"/>
+              <a:t>dependency&gt;</a:t>
+            </a:r>
+          </a:p>
+          <a:p>
+            <a:r>
+              <a:rPr lang="en-US" dirty="0"/>
+              <a:t>&lt;</a:t>
+            </a:r>
+            <a:r>
+              <a:rPr lang="en-US" dirty="0" err="1"/>
+              <a:t>groupId</a:t>
+            </a:r>
+            <a:r>
+              <a:rPr lang="en-US" dirty="0"/>
+              <a:t>&gt;</a:t>
+            </a:r>
+            <a:r>
+              <a:rPr lang="en-US" dirty="0" err="1"/>
+              <a:t>org.springframework.boot</a:t>
+            </a:r>
+            <a:r>
+              <a:rPr lang="en-US" dirty="0"/>
+              <a:t>&lt;/</a:t>
+            </a:r>
+            <a:r>
+              <a:rPr lang="en-US" dirty="0" err="1"/>
+              <a:t>groupId</a:t>
+            </a:r>
+            <a:r>
+              <a:rPr lang="en-US" dirty="0"/>
+              <a:t>&gt;</a:t>
+            </a:r>
+          </a:p>
+          <a:p>
+            <a:r>
+              <a:rPr lang="en-US" dirty="0"/>
+              <a:t>&lt;</a:t>
+            </a:r>
+            <a:r>
+              <a:rPr lang="en-US" dirty="0" err="1"/>
+              <a:t>artifactId</a:t>
+            </a:r>
+            <a:r>
+              <a:rPr lang="en-US" dirty="0"/>
+              <a:t>&gt;spring-boot-starter-data-</a:t>
+            </a:r>
+            <a:r>
+              <a:rPr lang="en-US" u="sng" dirty="0" err="1"/>
+              <a:t>jpa</a:t>
+            </a:r>
+            <a:r>
+              <a:rPr lang="en-US" u="sng" dirty="0"/>
+              <a:t>&lt;/</a:t>
+            </a:r>
+            <a:r>
+              <a:rPr lang="en-US" u="sng" dirty="0" err="1"/>
+              <a:t>artifactId</a:t>
+            </a:r>
+            <a:r>
+              <a:rPr lang="en-US" u="sng" dirty="0"/>
+              <a:t>&gt;</a:t>
+            </a:r>
+          </a:p>
+          <a:p>
+            <a:r>
+              <a:rPr lang="en-US" dirty="0"/>
+              <a:t>&lt;/dependency&gt;</a:t>
+            </a:r>
+          </a:p>
+          <a:p>
+            <a:r>
+              <a:rPr lang="en-US" dirty="0"/>
+              <a:t>&lt;dependency&gt;</a:t>
+            </a:r>
+          </a:p>
+          <a:p>
+            <a:r>
+              <a:rPr lang="en-US" dirty="0"/>
+              <a:t>&lt;</a:t>
+            </a:r>
+            <a:r>
+              <a:rPr lang="en-US" dirty="0" err="1"/>
+              <a:t>groupId</a:t>
+            </a:r>
+            <a:r>
+              <a:rPr lang="en-US" dirty="0"/>
+              <a:t>&gt;com.h2database&lt;/</a:t>
+            </a:r>
+            <a:r>
+              <a:rPr lang="en-US" dirty="0" err="1"/>
+              <a:t>groupId</a:t>
+            </a:r>
+            <a:r>
+              <a:rPr lang="en-US" dirty="0"/>
+              <a:t>&gt;</a:t>
+            </a:r>
+          </a:p>
+          <a:p>
+            <a:r>
+              <a:rPr lang="en-US" dirty="0"/>
+              <a:t>&lt;</a:t>
+            </a:r>
+            <a:r>
+              <a:rPr lang="en-US" dirty="0" err="1"/>
+              <a:t>artifactId</a:t>
+            </a:r>
+            <a:r>
+              <a:rPr lang="en-US" dirty="0"/>
+              <a:t>&gt;h2&lt;/</a:t>
+            </a:r>
+            <a:r>
+              <a:rPr lang="en-US" dirty="0" err="1"/>
+              <a:t>artifactId</a:t>
+            </a:r>
+            <a:r>
+              <a:rPr lang="en-US" dirty="0"/>
+              <a:t>&gt;</a:t>
+            </a:r>
+          </a:p>
+          <a:p>
+            <a:r>
+              <a:rPr lang="en-US" dirty="0"/>
+              <a:t>&lt;/dependency&gt;</a:t>
+            </a:r>
+          </a:p>
+          <a:p>
+            <a:r>
+              <a:rPr lang="en-US" dirty="0"/>
+              <a:t>&lt;dependency&gt;</a:t>
+            </a:r>
+          </a:p>
+          <a:p>
+            <a:r>
+              <a:rPr lang="en-US" dirty="0"/>
+              <a:t>&lt;</a:t>
+            </a:r>
+            <a:r>
+              <a:rPr lang="en-US" dirty="0" err="1"/>
+              <a:t>groupId</a:t>
+            </a:r>
+            <a:r>
+              <a:rPr lang="en-US" dirty="0"/>
+              <a:t>&gt;</a:t>
+            </a:r>
+            <a:r>
+              <a:rPr lang="en-US" u="sng" dirty="0" err="1"/>
+              <a:t>mysql</a:t>
+            </a:r>
+            <a:r>
+              <a:rPr lang="en-US" u="sng" dirty="0"/>
+              <a:t>&lt;/</a:t>
+            </a:r>
+            <a:r>
+              <a:rPr lang="en-US" u="sng" dirty="0" err="1"/>
+              <a:t>groupId</a:t>
+            </a:r>
+            <a:r>
+              <a:rPr lang="en-US" u="sng" dirty="0"/>
+              <a:t>&gt;</a:t>
+            </a:r>
+          </a:p>
+          <a:p>
+            <a:r>
+              <a:rPr lang="en-US" dirty="0"/>
+              <a:t>&lt;</a:t>
+            </a:r>
+            <a:r>
+              <a:rPr lang="en-US" dirty="0" err="1"/>
+              <a:t>artifactId</a:t>
+            </a:r>
+            <a:r>
+              <a:rPr lang="en-US" dirty="0"/>
+              <a:t>&gt;</a:t>
+            </a:r>
+            <a:r>
+              <a:rPr lang="en-US" u="sng" dirty="0" err="1"/>
+              <a:t>mysql</a:t>
+            </a:r>
+            <a:r>
+              <a:rPr lang="en-US" u="sng" dirty="0"/>
+              <a:t>-connector-java&lt;/</a:t>
+            </a:r>
+            <a:r>
+              <a:rPr lang="en-US" u="sng" dirty="0" err="1"/>
+              <a:t>artifactId</a:t>
+            </a:r>
+            <a:r>
+              <a:rPr lang="en-US" u="sng" dirty="0"/>
+              <a:t>&gt;</a:t>
+            </a:r>
+          </a:p>
+          <a:p>
+            <a:r>
+              <a:rPr lang="en-US" u="sng" dirty="0"/>
+              <a:t>&lt;version&gt;5.1.30&lt;/version&gt;</a:t>
+            </a:r>
+          </a:p>
+          <a:p>
+            <a:r>
+              <a:rPr lang="en-US" dirty="0"/>
+              <a:t>&lt;/dependency&gt;</a:t>
+            </a:r>
+          </a:p>
+          <a:p>
+            <a:r>
+              <a:rPr lang="en-US" dirty="0"/>
+              <a:t>&lt;dependency&gt;</a:t>
+            </a:r>
+          </a:p>
+          <a:p>
+            <a:r>
+              <a:rPr lang="en-US" dirty="0"/>
+              <a:t>&lt;</a:t>
+            </a:r>
+            <a:r>
+              <a:rPr lang="en-US" dirty="0" err="1"/>
+              <a:t>groupId</a:t>
+            </a:r>
+            <a:r>
+              <a:rPr lang="en-US" dirty="0"/>
+              <a:t>&gt;</a:t>
+            </a:r>
+            <a:r>
+              <a:rPr lang="en-US" dirty="0" err="1"/>
+              <a:t>org.hsqldb</a:t>
+            </a:r>
+            <a:r>
+              <a:rPr lang="en-US" dirty="0"/>
+              <a:t>&lt;/</a:t>
+            </a:r>
+            <a:r>
+              <a:rPr lang="en-US" dirty="0" err="1"/>
+              <a:t>groupId</a:t>
+            </a:r>
+            <a:r>
+              <a:rPr lang="en-US" dirty="0"/>
+              <a:t>&gt;</a:t>
+            </a:r>
+          </a:p>
+          <a:p>
+            <a:r>
+              <a:rPr lang="en-US" dirty="0"/>
+              <a:t>&lt;</a:t>
+            </a:r>
+            <a:r>
+              <a:rPr lang="en-US" dirty="0" err="1"/>
+              <a:t>artifactId</a:t>
+            </a:r>
+            <a:r>
+              <a:rPr lang="en-US" dirty="0"/>
+              <a:t>&gt;</a:t>
+            </a:r>
+            <a:r>
+              <a:rPr lang="en-US" u="sng" dirty="0" err="1"/>
+              <a:t>hsqldb</a:t>
+            </a:r>
+            <a:r>
+              <a:rPr lang="en-US" u="sng" dirty="0"/>
+              <a:t>&lt;/</a:t>
+            </a:r>
+            <a:r>
+              <a:rPr lang="en-US" u="sng" dirty="0" err="1"/>
+              <a:t>artifactId</a:t>
+            </a:r>
+            <a:r>
+              <a:rPr lang="en-US" u="sng" dirty="0"/>
+              <a:t>&gt;</a:t>
+            </a:r>
+          </a:p>
+          <a:p>
+            <a:r>
+              <a:rPr lang="en-US" u="sng" dirty="0"/>
+              <a:t>&lt;version&gt;2.2.8&lt;/version&gt;</a:t>
+            </a:r>
+          </a:p>
+          <a:p>
+            <a:r>
+              <a:rPr lang="en-US" dirty="0"/>
+              <a:t>&lt;/dependency&gt;</a:t>
+            </a:r>
           </a:p>
         </p:txBody>
       </p:sp>
@@ -20931,7 +22014,7 @@
     </p:spTree>
     <p:extLst>
       <p:ext uri="{BB962C8B-B14F-4D97-AF65-F5344CB8AC3E}">
-        <p14:creationId xmlns:p14="http://schemas.microsoft.com/office/powerpoint/2010/main" val="3106512701"/>
+        <p14:creationId xmlns:p14="http://schemas.microsoft.com/office/powerpoint/2010/main" val="488670267"/>
       </p:ext>
     </p:extLst>
   </p:cSld>
@@ -20975,11 +22058,7 @@
           <a:p>
             <a:r>
               <a:rPr lang="en-US" dirty="0" smtClean="0"/>
-              <a:t>application.xml  and </a:t>
-            </a:r>
-            <a:r>
-              <a:rPr lang="en-US" dirty="0" err="1" smtClean="0"/>
-              <a:t>hibenate.properties</a:t>
+              <a:t>Also in pom.xml</a:t>
             </a:r>
             <a:endParaRPr lang="en-US" dirty="0"/>
           </a:p>
@@ -20998,277 +22077,91 @@
         <p:spPr/>
         <p:txBody>
           <a:bodyPr>
-            <a:normAutofit fontScale="25000" lnSpcReduction="20000"/>
+            <a:normAutofit lnSpcReduction="10000"/>
           </a:bodyPr>
           <a:lstStyle/>
           <a:p>
+            <a:r>
+              <a:rPr lang="en-US" dirty="0"/>
+              <a:t>&lt;parent&gt;</a:t>
+            </a:r>
+          </a:p>
+          <a:p>
+            <a:r>
+              <a:rPr lang="en-US" dirty="0"/>
+              <a:t>&lt;</a:t>
+            </a:r>
+            <a:r>
+              <a:rPr lang="en-US" dirty="0" err="1"/>
+              <a:t>groupId</a:t>
+            </a:r>
+            <a:r>
+              <a:rPr lang="en-US" dirty="0"/>
+              <a:t>&gt;</a:t>
+            </a:r>
+            <a:r>
+              <a:rPr lang="en-US" dirty="0" err="1"/>
+              <a:t>org.springframework.boot</a:t>
+            </a:r>
+            <a:r>
+              <a:rPr lang="en-US" dirty="0"/>
+              <a:t>&lt;/</a:t>
+            </a:r>
+            <a:r>
+              <a:rPr lang="en-US" dirty="0" err="1"/>
+              <a:t>groupId</a:t>
+            </a:r>
+            <a:r>
+              <a:rPr lang="en-US" dirty="0"/>
+              <a:t>&gt;</a:t>
+            </a:r>
+          </a:p>
+          <a:p>
+            <a:r>
+              <a:rPr lang="en-US" dirty="0"/>
+              <a:t>&lt;</a:t>
+            </a:r>
+            <a:r>
+              <a:rPr lang="en-US" dirty="0" err="1"/>
+              <a:t>artifactId</a:t>
+            </a:r>
+            <a:r>
+              <a:rPr lang="en-US" dirty="0"/>
+              <a:t>&gt;spring-boot-starter-parent&lt;/</a:t>
+            </a:r>
+            <a:r>
+              <a:rPr lang="en-US" dirty="0" err="1"/>
+              <a:t>artifactId</a:t>
+            </a:r>
+            <a:r>
+              <a:rPr lang="en-US" dirty="0"/>
+              <a:t>&gt;</a:t>
+            </a:r>
+          </a:p>
+          <a:p>
+            <a:r>
+              <a:rPr lang="en-US" dirty="0"/>
+              <a:t>&lt;version&gt;1.0.2.RELEASE&lt;/version&gt;</a:t>
+            </a:r>
+          </a:p>
+          <a:p>
+            <a:r>
+              <a:rPr lang="en-US" dirty="0"/>
+              <a:t>&lt;/parent</a:t>
+            </a:r>
+            <a:r>
+              <a:rPr lang="en-US" dirty="0" smtClean="0"/>
+              <a:t>&gt;</a:t>
+            </a:r>
+          </a:p>
+          <a:p>
             <a:endParaRPr lang="en-US" dirty="0"/>
           </a:p>
           <a:p>
             <a:r>
               <a:rPr lang="en-US" dirty="0" smtClean="0"/>
-              <a:t>If all fails, copy my application.xml (in root directory)</a:t>
-            </a:r>
-          </a:p>
-          <a:p>
-            <a:endParaRPr lang="en-US" dirty="0" smtClean="0"/>
-          </a:p>
-          <a:p>
-            <a:r>
-              <a:rPr lang="en-US" dirty="0" smtClean="0"/>
-              <a:t>&lt;</a:t>
-            </a:r>
-            <a:r>
-              <a:rPr lang="en-US" dirty="0"/>
-              <a:t>beans </a:t>
-            </a:r>
-            <a:r>
-              <a:rPr lang="en-US" dirty="0" err="1"/>
-              <a:t>xmlns</a:t>
-            </a:r>
-            <a:r>
-              <a:rPr lang="en-US" dirty="0"/>
-              <a:t>=</a:t>
-            </a:r>
-            <a:r>
-              <a:rPr lang="en-US" i="1" dirty="0"/>
-              <a:t>"http://www.springframework.org/schema/beans"</a:t>
-            </a:r>
-          </a:p>
-          <a:p>
-            <a:r>
-              <a:rPr lang="en-US" dirty="0" err="1"/>
-              <a:t>xmlns:jpa</a:t>
-            </a:r>
-            <a:r>
-              <a:rPr lang="en-US" dirty="0"/>
-              <a:t>=</a:t>
-            </a:r>
-            <a:r>
-              <a:rPr lang="en-US" i="1" dirty="0"/>
-              <a:t>"http://www.springframework.org/schema/data/jpa" </a:t>
-            </a:r>
-            <a:r>
-              <a:rPr lang="en-US" i="1" dirty="0" err="1"/>
-              <a:t>xmlns:xsi</a:t>
-            </a:r>
-            <a:r>
-              <a:rPr lang="en-US" i="1" dirty="0"/>
-              <a:t>="http://www.w3.org/2001/XMLSchema-instance"</a:t>
-            </a:r>
-          </a:p>
-          <a:p>
-            <a:r>
-              <a:rPr lang="en-US" dirty="0" err="1"/>
-              <a:t>xsi:schemaLocation</a:t>
-            </a:r>
-            <a:r>
-              <a:rPr lang="en-US" dirty="0"/>
-              <a:t>=</a:t>
-            </a:r>
-            <a:r>
-              <a:rPr lang="en-US" i="1" dirty="0"/>
-              <a:t>"http://www.springframework.org/schema/beans</a:t>
-            </a:r>
-          </a:p>
-          <a:p>
-            <a:r>
-              <a:rPr lang="en-US" i="1" dirty="0"/>
-              <a:t>http://www.springframework.org/schema/beans/spring-beans-2.5.xsd</a:t>
-            </a:r>
-          </a:p>
-          <a:p>
-            <a:r>
-              <a:rPr lang="en-US" i="1" dirty="0"/>
-              <a:t>http://www.springframework.org/schema/data/jpa</a:t>
-            </a:r>
-          </a:p>
-          <a:p>
-            <a:r>
-              <a:rPr lang="en-US" i="1" dirty="0"/>
-              <a:t>   http://www.springframework.org/schema/data/jpa/spring-jpa-1.0.xsd"&gt;</a:t>
-            </a:r>
-          </a:p>
-          <a:p>
-            <a:endParaRPr lang="en-US" dirty="0"/>
-          </a:p>
-          <a:p>
-            <a:r>
-              <a:rPr lang="en-US" dirty="0"/>
-              <a:t>&lt;bean id=</a:t>
-            </a:r>
-            <a:r>
-              <a:rPr lang="en-US" i="1" dirty="0"/>
-              <a:t>"</a:t>
-            </a:r>
-            <a:r>
-              <a:rPr lang="en-US" i="1" dirty="0" err="1"/>
-              <a:t>dataSource</a:t>
-            </a:r>
-            <a:r>
-              <a:rPr lang="en-US" i="1" dirty="0"/>
-              <a:t>" class="</a:t>
-            </a:r>
-            <a:r>
-              <a:rPr lang="en-US" i="1" dirty="0" err="1"/>
-              <a:t>org.springframework.jdbc.datasource.DriverManagerDataSource</a:t>
-            </a:r>
-            <a:r>
-              <a:rPr lang="en-US" i="1" dirty="0"/>
-              <a:t>"&gt;</a:t>
-            </a:r>
-          </a:p>
-          <a:p>
-            <a:r>
-              <a:rPr lang="en-US" dirty="0"/>
-              <a:t>&lt;property name=</a:t>
-            </a:r>
-            <a:r>
-              <a:rPr lang="en-US" i="1" dirty="0"/>
-              <a:t>"</a:t>
-            </a:r>
-            <a:r>
-              <a:rPr lang="en-US" i="1" dirty="0" err="1"/>
-              <a:t>driverClassName</a:t>
-            </a:r>
-            <a:r>
-              <a:rPr lang="en-US" i="1" dirty="0"/>
-              <a:t>" value="</a:t>
-            </a:r>
-            <a:r>
-              <a:rPr lang="en-US" i="1" dirty="0" err="1"/>
-              <a:t>com.mysql.jdbc.Driver</a:t>
-            </a:r>
-            <a:r>
-              <a:rPr lang="en-US" i="1" dirty="0"/>
-              <a:t>" /&gt;</a:t>
-            </a:r>
-          </a:p>
-          <a:p>
-            <a:r>
-              <a:rPr lang="en-US" dirty="0"/>
-              <a:t>&lt;property name=</a:t>
-            </a:r>
-            <a:r>
-              <a:rPr lang="en-US" i="1" dirty="0"/>
-              <a:t>"</a:t>
-            </a:r>
-            <a:r>
-              <a:rPr lang="en-US" i="1" dirty="0" err="1"/>
-              <a:t>url</a:t>
-            </a:r>
-            <a:r>
-              <a:rPr lang="en-US" i="1" dirty="0"/>
-              <a:t>"</a:t>
-            </a:r>
-          </a:p>
-          <a:p>
-            <a:r>
-              <a:rPr lang="en-US" dirty="0"/>
-              <a:t>value=</a:t>
-            </a:r>
-            <a:r>
-              <a:rPr lang="en-US" i="1" dirty="0"/>
-              <a:t>"</a:t>
-            </a:r>
-            <a:r>
-              <a:rPr lang="en-US" i="1" dirty="0" err="1"/>
-              <a:t>jdbc:mysql</a:t>
-            </a:r>
-            <a:r>
-              <a:rPr lang="en-US" i="1" dirty="0"/>
-              <a:t>://sql3.freemysqlhosting.net/sql340330" /&gt;</a:t>
-            </a:r>
-          </a:p>
-          <a:p>
-            <a:r>
-              <a:rPr lang="en-US" dirty="0"/>
-              <a:t>&lt;property name=</a:t>
-            </a:r>
-            <a:r>
-              <a:rPr lang="en-US" i="1" dirty="0"/>
-              <a:t>"username" value="sql340330" /&gt;</a:t>
-            </a:r>
-          </a:p>
-          <a:p>
-            <a:r>
-              <a:rPr lang="en-US" dirty="0"/>
-              <a:t>&lt;property name=</a:t>
-            </a:r>
-            <a:r>
-              <a:rPr lang="en-US" i="1" dirty="0"/>
-              <a:t>"password" value="dR5!xA3!" /&gt;</a:t>
-            </a:r>
-          </a:p>
-          <a:p>
-            <a:r>
-              <a:rPr lang="en-US" dirty="0"/>
-              <a:t>&lt;/bean&gt;</a:t>
-            </a:r>
-          </a:p>
-          <a:p>
-            <a:r>
-              <a:rPr lang="en-US" dirty="0"/>
-              <a:t>&lt;/beans</a:t>
-            </a:r>
-            <a:r>
-              <a:rPr lang="en-US" dirty="0" smtClean="0"/>
-              <a:t>&gt;</a:t>
-            </a:r>
-          </a:p>
-          <a:p>
-            <a:endParaRPr lang="en-US" dirty="0"/>
-          </a:p>
-          <a:p>
-            <a:r>
-              <a:rPr lang="en-US" dirty="0" err="1" smtClean="0"/>
-              <a:t>hibernate.properties</a:t>
-            </a:r>
-            <a:r>
-              <a:rPr lang="en-US" dirty="0" smtClean="0"/>
-              <a:t>:</a:t>
-            </a:r>
-          </a:p>
-          <a:p>
-            <a:r>
-              <a:rPr lang="en-US" dirty="0" err="1"/>
-              <a:t>hibernate.show_sql</a:t>
-            </a:r>
-            <a:r>
-              <a:rPr lang="en-US" dirty="0"/>
-              <a:t>=true</a:t>
-            </a:r>
-          </a:p>
-          <a:p>
-            <a:r>
-              <a:rPr lang="en-US" dirty="0" err="1"/>
-              <a:t>hibernate.format_sql</a:t>
-            </a:r>
-            <a:r>
-              <a:rPr lang="en-US" dirty="0"/>
-              <a:t>=true</a:t>
-            </a:r>
-          </a:p>
-          <a:p>
-            <a:r>
-              <a:rPr lang="en-US" dirty="0"/>
-              <a:t>#hibernate.hbm2ddl.auto=validate | update | create | create-drop</a:t>
-            </a:r>
-          </a:p>
-          <a:p>
-            <a:r>
-              <a:rPr lang="en-US" dirty="0"/>
-              <a:t>#hibernate.hbm2ddl.auto=update</a:t>
-            </a:r>
-          </a:p>
-          <a:p>
-            <a:r>
-              <a:rPr lang="en-US" dirty="0"/>
-              <a:t>hibernate.hbm2ddl.auto=update</a:t>
-            </a:r>
-            <a:endParaRPr lang="en-US" dirty="0" smtClean="0"/>
-          </a:p>
-          <a:p>
+              <a:t>And then Maven Update</a:t>
+            </a:r>
             <a:endParaRPr lang="en-US" dirty="0"/>
           </a:p>
         </p:txBody>
@@ -21305,7 +22198,7 @@
     </p:spTree>
     <p:extLst>
       <p:ext uri="{BB962C8B-B14F-4D97-AF65-F5344CB8AC3E}">
-        <p14:creationId xmlns:p14="http://schemas.microsoft.com/office/powerpoint/2010/main" val="551329592"/>
+        <p14:creationId xmlns:p14="http://schemas.microsoft.com/office/powerpoint/2010/main" val="1514528855"/>
       </p:ext>
     </p:extLst>
   </p:cSld>
@@ -21349,11 +22242,7 @@
           <a:p>
             <a:r>
               <a:rPr lang="en-US" dirty="0" smtClean="0"/>
-              <a:t>Create another Test Driver for </a:t>
-            </a:r>
-            <a:r>
-              <a:rPr lang="en-US" dirty="0" err="1" smtClean="0"/>
-              <a:t>MyDB</a:t>
+              <a:t>Modify our model Classes</a:t>
             </a:r>
             <a:endParaRPr lang="en-US" dirty="0"/>
           </a:p>
@@ -21378,8 +22267,35 @@
           <a:p>
             <a:r>
               <a:rPr lang="en-US" dirty="0" smtClean="0"/>
-              <a:t>See: day08.TestDriverWithMySQLDB</a:t>
-            </a:r>
+              <a:t>Annotate with @Entity (pretty important)</a:t>
+            </a:r>
+          </a:p>
+          <a:p>
+            <a:r>
+              <a:rPr lang="en-US" dirty="0" smtClean="0"/>
+              <a:t>Add a @Id to the primary key</a:t>
+            </a:r>
+          </a:p>
+          <a:p>
+            <a:r>
+              <a:rPr lang="en-US" dirty="0" smtClean="0"/>
+              <a:t>Add @</a:t>
+            </a:r>
+            <a:r>
+              <a:rPr lang="en-US" dirty="0" err="1" smtClean="0"/>
+              <a:t>ManyToMany</a:t>
+            </a:r>
+            <a:r>
+              <a:rPr lang="en-US" dirty="0" smtClean="0"/>
+              <a:t> relationship</a:t>
+            </a:r>
+          </a:p>
+          <a:p>
+            <a:r>
+              <a:rPr lang="en-US" dirty="0" smtClean="0"/>
+              <a:t>See day08.model.Teacher</a:t>
+            </a:r>
+            <a:endParaRPr lang="en-US" dirty="0"/>
           </a:p>
         </p:txBody>
       </p:sp>
@@ -21415,7 +22331,7 @@
     </p:spTree>
     <p:extLst>
       <p:ext uri="{BB962C8B-B14F-4D97-AF65-F5344CB8AC3E}">
-        <p14:creationId xmlns:p14="http://schemas.microsoft.com/office/powerpoint/2010/main" val="3864201953"/>
+        <p14:creationId xmlns:p14="http://schemas.microsoft.com/office/powerpoint/2010/main" val="1704108685"/>
       </p:ext>
     </p:extLst>
   </p:cSld>
@@ -21459,11 +22375,7 @@
           <a:p>
             <a:r>
               <a:rPr lang="en-US" dirty="0" smtClean="0"/>
-              <a:t>Run </a:t>
-            </a:r>
-            <a:r>
-              <a:rPr lang="en-US" dirty="0" err="1"/>
-              <a:t>TestDriverWithMySQLDB</a:t>
+              <a:t>Create a Repository Interface</a:t>
             </a:r>
             <a:endParaRPr lang="en-US" dirty="0"/>
           </a:p>
@@ -21486,27 +22398,7 @@
           <a:p>
             <a:r>
               <a:rPr lang="en-US" dirty="0" smtClean="0"/>
-              <a:t>No errors right?</a:t>
-            </a:r>
-          </a:p>
-          <a:p>
-            <a:r>
-              <a:rPr lang="en-US" dirty="0" smtClean="0"/>
-              <a:t>But where did my data go?</a:t>
-            </a:r>
-          </a:p>
-          <a:p>
-            <a:r>
-              <a:rPr lang="en-US" dirty="0" smtClean="0"/>
-              <a:t>Well … let’s take a look at the </a:t>
-            </a:r>
-            <a:r>
-              <a:rPr lang="en-US" dirty="0" err="1" smtClean="0"/>
-              <a:t>MySQLDB</a:t>
-            </a:r>
-            <a:r>
-              <a:rPr lang="en-US" dirty="0" smtClean="0"/>
-              <a:t> directly</a:t>
+              <a:t>See day08.TeacherRepository</a:t>
             </a:r>
             <a:endParaRPr lang="en-US" dirty="0"/>
           </a:p>
@@ -21544,7 +22436,7 @@
     </p:spTree>
     <p:extLst>
       <p:ext uri="{BB962C8B-B14F-4D97-AF65-F5344CB8AC3E}">
-        <p14:creationId xmlns:p14="http://schemas.microsoft.com/office/powerpoint/2010/main" val="2614185090"/>
+        <p14:creationId xmlns:p14="http://schemas.microsoft.com/office/powerpoint/2010/main" val="372240711"/>
       </p:ext>
     </p:extLst>
   </p:cSld>
@@ -21587,16 +22479,95 @@
           <a:lstStyle/>
           <a:p>
             <a:r>
+              <a:rPr lang="en-US" dirty="0" smtClean="0"/>
+              <a:t>Create a </a:t>
+            </a:r>
+            <a:r>
+              <a:rPr lang="en-US" dirty="0" err="1" smtClean="0"/>
+              <a:t>TestDriver</a:t>
+            </a:r>
+            <a:endParaRPr lang="en-US" dirty="0"/>
+          </a:p>
+        </p:txBody>
+      </p:sp>
+      <p:sp>
+        <p:nvSpPr>
+          <p:cNvPr id="3" name="Content Placeholder 2"/>
+          <p:cNvSpPr>
+            <a:spLocks noGrp="1"/>
+          </p:cNvSpPr>
+          <p:nvPr>
+            <p:ph idx="1"/>
+          </p:nvPr>
+        </p:nvSpPr>
+        <p:spPr/>
+        <p:txBody>
+          <a:bodyPr>
+            <a:normAutofit fontScale="85000" lnSpcReduction="20000"/>
+          </a:bodyPr>
+          <a:lstStyle/>
+          <a:p>
+            <a:r>
+              <a:rPr lang="en-US" dirty="0" smtClean="0"/>
+              <a:t>A lot of the magic is in: </a:t>
+            </a:r>
+            <a:r>
               <a:rPr lang="en-US" dirty="0"/>
-              <a:t>Browser view</a:t>
-            </a:r>
-            <a:br>
-              <a:rPr lang="en-US" dirty="0"/>
-            </a:br>
-            <a:r>
-              <a:rPr lang="en-US" dirty="0"/>
-              <a:t>http://www.phpmyadmin.co/</a:t>
-            </a:r>
+              <a:t>@</a:t>
+            </a:r>
+            <a:r>
+              <a:rPr lang="en-US" dirty="0" err="1" smtClean="0"/>
+              <a:t>EnableAutoConfiguration</a:t>
+            </a:r>
+            <a:endParaRPr lang="en-US" dirty="0" smtClean="0"/>
+          </a:p>
+          <a:p>
+            <a:r>
+              <a:rPr lang="en-US" dirty="0" smtClean="0"/>
+              <a:t>See: </a:t>
+            </a:r>
+            <a:r>
+              <a:rPr lang="en-US" dirty="0" err="1" smtClean="0"/>
+              <a:t>TestDriverWithInMemoryDB</a:t>
+            </a:r>
+            <a:endParaRPr lang="en-US" dirty="0" smtClean="0"/>
+          </a:p>
+          <a:p>
+            <a:r>
+              <a:rPr lang="en-US" dirty="0" smtClean="0"/>
+              <a:t>Run it …</a:t>
+            </a:r>
+          </a:p>
+          <a:p>
+            <a:r>
+              <a:rPr lang="en-US" dirty="0" smtClean="0"/>
+              <a:t>What just happened?  Well, first thing is that it created an in memory database</a:t>
+            </a:r>
+          </a:p>
+          <a:p>
+            <a:r>
+              <a:rPr lang="en-US" dirty="0" smtClean="0"/>
+              <a:t>Then a Table called Teacher</a:t>
+            </a:r>
+          </a:p>
+          <a:p>
+            <a:r>
+              <a:rPr lang="en-US" dirty="0" smtClean="0"/>
+              <a:t>And then an insert</a:t>
+            </a:r>
+          </a:p>
+          <a:p>
+            <a:r>
+              <a:rPr lang="en-US" dirty="0" smtClean="0"/>
+              <a:t>Prove it!!!  …  Sorry, no can do - that was an in memory DB</a:t>
+            </a:r>
+          </a:p>
+          <a:p>
+            <a:r>
+              <a:rPr lang="en-US" dirty="0" smtClean="0"/>
+              <a:t>Actually – I’m lying (I can prove it if I block my program from exiting and viewing the H2 DB from a browser … see H2Config)</a:t>
+            </a:r>
+            <a:endParaRPr lang="en-US" dirty="0"/>
           </a:p>
         </p:txBody>
       </p:sp>
@@ -21624,6 +22595,881 @@
                 <a:defRPr/>
               </a:pPr>
               <a:t>84</a:t>
+            </a:fld>
+            <a:endParaRPr lang="en-US"/>
+          </a:p>
+        </p:txBody>
+      </p:sp>
+    </p:spTree>
+    <p:extLst>
+      <p:ext uri="{BB962C8B-B14F-4D97-AF65-F5344CB8AC3E}">
+        <p14:creationId xmlns:p14="http://schemas.microsoft.com/office/powerpoint/2010/main" val="37891769"/>
+      </p:ext>
+    </p:extLst>
+  </p:cSld>
+  <p:clrMapOvr>
+    <a:masterClrMapping/>
+  </p:clrMapOvr>
+</p:sld>
+</file>
+
+<file path=ppt/slides/slide85.xml><?xml version="1.0" encoding="utf-8"?>
+<p:sld xmlns:a="http://schemas.openxmlformats.org/drawingml/2006/main" xmlns:r="http://schemas.openxmlformats.org/officeDocument/2006/relationships" xmlns:p="http://schemas.openxmlformats.org/presentationml/2006/main">
+  <p:cSld>
+    <p:spTree>
+      <p:nvGrpSpPr>
+        <p:cNvPr id="1" name=""/>
+        <p:cNvGrpSpPr/>
+        <p:nvPr/>
+      </p:nvGrpSpPr>
+      <p:grpSpPr>
+        <a:xfrm>
+          <a:off x="0" y="0"/>
+          <a:ext cx="0" cy="0"/>
+          <a:chOff x="0" y="0"/>
+          <a:chExt cx="0" cy="0"/>
+        </a:xfrm>
+      </p:grpSpPr>
+      <p:sp>
+        <p:nvSpPr>
+          <p:cNvPr id="2" name="Title 1"/>
+          <p:cNvSpPr>
+            <a:spLocks noGrp="1"/>
+          </p:cNvSpPr>
+          <p:nvPr>
+            <p:ph type="title"/>
+          </p:nvPr>
+        </p:nvSpPr>
+        <p:spPr/>
+        <p:txBody>
+          <a:bodyPr/>
+          <a:lstStyle/>
+          <a:p>
+            <a:r>
+              <a:rPr lang="en-US" dirty="0" smtClean="0"/>
+              <a:t>I know – let’s use MySQL!</a:t>
+            </a:r>
+            <a:endParaRPr lang="en-US" dirty="0"/>
+          </a:p>
+        </p:txBody>
+      </p:sp>
+      <p:sp>
+        <p:nvSpPr>
+          <p:cNvPr id="3" name="Content Placeholder 2"/>
+          <p:cNvSpPr>
+            <a:spLocks noGrp="1"/>
+          </p:cNvSpPr>
+          <p:nvPr>
+            <p:ph idx="1"/>
+          </p:nvPr>
+        </p:nvSpPr>
+        <p:spPr/>
+        <p:txBody>
+          <a:bodyPr>
+            <a:normAutofit fontScale="85000" lnSpcReduction="20000"/>
+          </a:bodyPr>
+          <a:lstStyle/>
+          <a:p>
+            <a:r>
+              <a:rPr lang="en-US" dirty="0" smtClean="0"/>
+              <a:t>Via your browser, </a:t>
+            </a:r>
+            <a:r>
+              <a:rPr lang="en-US" dirty="0" err="1" smtClean="0"/>
+              <a:t>goto</a:t>
+            </a:r>
+            <a:r>
+              <a:rPr lang="en-US" dirty="0" smtClean="0"/>
+              <a:t>: </a:t>
+            </a:r>
+            <a:r>
+              <a:rPr lang="en-US" i="1" dirty="0" smtClean="0"/>
+              <a:t>freemysqlhosting.net</a:t>
+            </a:r>
+          </a:p>
+          <a:p>
+            <a:r>
+              <a:rPr lang="en-US" dirty="0" smtClean="0"/>
+              <a:t>(alright, I know, I know … its not hosted by BCIT) … but damn it – BCIT doesn’t use MySQL, they use a funny creature called SQL Server</a:t>
+            </a:r>
+          </a:p>
+          <a:p>
+            <a:r>
+              <a:rPr lang="en-US" dirty="0" smtClean="0"/>
+              <a:t>Alright, after you register, you’ll get a</a:t>
+            </a:r>
+          </a:p>
+          <a:p>
+            <a:pPr marL="582930" indent="-514350">
+              <a:buFont typeface="+mj-lt"/>
+              <a:buAutoNum type="arabicPeriod"/>
+            </a:pPr>
+            <a:r>
+              <a:rPr lang="en-US" dirty="0" smtClean="0"/>
+              <a:t>Hostname for your DB</a:t>
+            </a:r>
+          </a:p>
+          <a:p>
+            <a:pPr marL="582930" indent="-514350">
+              <a:buFont typeface="+mj-lt"/>
+              <a:buAutoNum type="arabicPeriod"/>
+            </a:pPr>
+            <a:r>
+              <a:rPr lang="en-US" dirty="0" smtClean="0"/>
+              <a:t>Username / password</a:t>
+            </a:r>
+          </a:p>
+          <a:p>
+            <a:pPr marL="582930" indent="-514350">
+              <a:buFont typeface="+mj-lt"/>
+              <a:buAutoNum type="arabicPeriod"/>
+            </a:pPr>
+            <a:r>
+              <a:rPr lang="en-US" dirty="0" smtClean="0"/>
+              <a:t>Database name</a:t>
+            </a:r>
+          </a:p>
+          <a:p>
+            <a:pPr marL="582930" indent="-514350">
+              <a:buFont typeface="+mj-lt"/>
+              <a:buAutoNum type="arabicPeriod"/>
+            </a:pPr>
+            <a:endParaRPr lang="en-US" dirty="0"/>
+          </a:p>
+          <a:p>
+            <a:r>
+              <a:rPr lang="en-US" dirty="0" smtClean="0"/>
+              <a:t>Convert that information you have above to an applicationContext.xml as is follows:</a:t>
+            </a:r>
+            <a:endParaRPr lang="en-US" dirty="0"/>
+          </a:p>
+        </p:txBody>
+      </p:sp>
+      <p:sp>
+        <p:nvSpPr>
+          <p:cNvPr id="4" name="Slide Number Placeholder 3"/>
+          <p:cNvSpPr>
+            <a:spLocks noGrp="1"/>
+          </p:cNvSpPr>
+          <p:nvPr>
+            <p:ph type="sldNum" sz="quarter" idx="12"/>
+          </p:nvPr>
+        </p:nvSpPr>
+        <p:spPr/>
+        <p:txBody>
+          <a:bodyPr/>
+          <a:lstStyle/>
+          <a:p>
+            <a:pPr>
+              <a:defRPr/>
+            </a:pPr>
+            <a:fld id="{8B8B984A-5AFF-7643-AE60-6D8D11294076}" type="slidenum">
+              <a:rPr lang="en-US" smtClean="0"/>
+              <a:pPr>
+                <a:defRPr/>
+              </a:pPr>
+              <a:t>85</a:t>
+            </a:fld>
+            <a:endParaRPr lang="en-US"/>
+          </a:p>
+        </p:txBody>
+      </p:sp>
+    </p:spTree>
+    <p:extLst>
+      <p:ext uri="{BB962C8B-B14F-4D97-AF65-F5344CB8AC3E}">
+        <p14:creationId xmlns:p14="http://schemas.microsoft.com/office/powerpoint/2010/main" val="3106512701"/>
+      </p:ext>
+    </p:extLst>
+  </p:cSld>
+  <p:clrMapOvr>
+    <a:masterClrMapping/>
+  </p:clrMapOvr>
+</p:sld>
+</file>
+
+<file path=ppt/slides/slide86.xml><?xml version="1.0" encoding="utf-8"?>
+<p:sld xmlns:a="http://schemas.openxmlformats.org/drawingml/2006/main" xmlns:r="http://schemas.openxmlformats.org/officeDocument/2006/relationships" xmlns:p="http://schemas.openxmlformats.org/presentationml/2006/main">
+  <p:cSld>
+    <p:spTree>
+      <p:nvGrpSpPr>
+        <p:cNvPr id="1" name=""/>
+        <p:cNvGrpSpPr/>
+        <p:nvPr/>
+      </p:nvGrpSpPr>
+      <p:grpSpPr>
+        <a:xfrm>
+          <a:off x="0" y="0"/>
+          <a:ext cx="0" cy="0"/>
+          <a:chOff x="0" y="0"/>
+          <a:chExt cx="0" cy="0"/>
+        </a:xfrm>
+      </p:grpSpPr>
+      <p:sp>
+        <p:nvSpPr>
+          <p:cNvPr id="2" name="Title 1"/>
+          <p:cNvSpPr>
+            <a:spLocks noGrp="1"/>
+          </p:cNvSpPr>
+          <p:nvPr>
+            <p:ph type="title"/>
+          </p:nvPr>
+        </p:nvSpPr>
+        <p:spPr/>
+        <p:txBody>
+          <a:bodyPr/>
+          <a:lstStyle/>
+          <a:p>
+            <a:r>
+              <a:rPr lang="en-US" dirty="0" smtClean="0"/>
+              <a:t>application.xml  and </a:t>
+            </a:r>
+            <a:r>
+              <a:rPr lang="en-US" dirty="0" err="1" smtClean="0"/>
+              <a:t>hibenate.properties</a:t>
+            </a:r>
+            <a:endParaRPr lang="en-US" dirty="0"/>
+          </a:p>
+        </p:txBody>
+      </p:sp>
+      <p:sp>
+        <p:nvSpPr>
+          <p:cNvPr id="3" name="Content Placeholder 2"/>
+          <p:cNvSpPr>
+            <a:spLocks noGrp="1"/>
+          </p:cNvSpPr>
+          <p:nvPr>
+            <p:ph idx="1"/>
+          </p:nvPr>
+        </p:nvSpPr>
+        <p:spPr/>
+        <p:txBody>
+          <a:bodyPr>
+            <a:normAutofit fontScale="25000" lnSpcReduction="20000"/>
+          </a:bodyPr>
+          <a:lstStyle/>
+          <a:p>
+            <a:endParaRPr lang="en-US" dirty="0"/>
+          </a:p>
+          <a:p>
+            <a:r>
+              <a:rPr lang="en-US" dirty="0" smtClean="0"/>
+              <a:t>If all fails, copy my application.xml (in root directory)</a:t>
+            </a:r>
+          </a:p>
+          <a:p>
+            <a:endParaRPr lang="en-US" dirty="0" smtClean="0"/>
+          </a:p>
+          <a:p>
+            <a:r>
+              <a:rPr lang="en-US" dirty="0" smtClean="0"/>
+              <a:t>&lt;</a:t>
+            </a:r>
+            <a:r>
+              <a:rPr lang="en-US" dirty="0"/>
+              <a:t>beans </a:t>
+            </a:r>
+            <a:r>
+              <a:rPr lang="en-US" dirty="0" err="1"/>
+              <a:t>xmlns</a:t>
+            </a:r>
+            <a:r>
+              <a:rPr lang="en-US" dirty="0"/>
+              <a:t>=</a:t>
+            </a:r>
+            <a:r>
+              <a:rPr lang="en-US" i="1" dirty="0"/>
+              <a:t>"http://www.springframework.org/schema/beans"</a:t>
+            </a:r>
+          </a:p>
+          <a:p>
+            <a:r>
+              <a:rPr lang="en-US" dirty="0" err="1"/>
+              <a:t>xmlns:jpa</a:t>
+            </a:r>
+            <a:r>
+              <a:rPr lang="en-US" dirty="0"/>
+              <a:t>=</a:t>
+            </a:r>
+            <a:r>
+              <a:rPr lang="en-US" i="1" dirty="0"/>
+              <a:t>"http://www.springframework.org/schema/data/jpa" </a:t>
+            </a:r>
+            <a:r>
+              <a:rPr lang="en-US" i="1" dirty="0" err="1"/>
+              <a:t>xmlns:xsi</a:t>
+            </a:r>
+            <a:r>
+              <a:rPr lang="en-US" i="1" dirty="0"/>
+              <a:t>="http://www.w3.org/2001/XMLSchema-instance"</a:t>
+            </a:r>
+          </a:p>
+          <a:p>
+            <a:r>
+              <a:rPr lang="en-US" dirty="0" err="1"/>
+              <a:t>xsi:schemaLocation</a:t>
+            </a:r>
+            <a:r>
+              <a:rPr lang="en-US" dirty="0"/>
+              <a:t>=</a:t>
+            </a:r>
+            <a:r>
+              <a:rPr lang="en-US" i="1" dirty="0"/>
+              <a:t>"http://www.springframework.org/schema/beans</a:t>
+            </a:r>
+          </a:p>
+          <a:p>
+            <a:r>
+              <a:rPr lang="en-US" i="1" dirty="0"/>
+              <a:t>http://www.springframework.org/schema/beans/spring-beans-2.5.xsd</a:t>
+            </a:r>
+          </a:p>
+          <a:p>
+            <a:r>
+              <a:rPr lang="en-US" i="1" dirty="0"/>
+              <a:t>http://www.springframework.org/schema/data/jpa</a:t>
+            </a:r>
+          </a:p>
+          <a:p>
+            <a:r>
+              <a:rPr lang="en-US" i="1" dirty="0"/>
+              <a:t>   http://www.springframework.org/schema/data/jpa/spring-jpa-1.0.xsd"&gt;</a:t>
+            </a:r>
+          </a:p>
+          <a:p>
+            <a:endParaRPr lang="en-US" dirty="0"/>
+          </a:p>
+          <a:p>
+            <a:r>
+              <a:rPr lang="en-US" dirty="0"/>
+              <a:t>&lt;bean id=</a:t>
+            </a:r>
+            <a:r>
+              <a:rPr lang="en-US" i="1" dirty="0"/>
+              <a:t>"</a:t>
+            </a:r>
+            <a:r>
+              <a:rPr lang="en-US" i="1" dirty="0" err="1"/>
+              <a:t>dataSource</a:t>
+            </a:r>
+            <a:r>
+              <a:rPr lang="en-US" i="1" dirty="0"/>
+              <a:t>" class="</a:t>
+            </a:r>
+            <a:r>
+              <a:rPr lang="en-US" i="1" dirty="0" err="1"/>
+              <a:t>org.springframework.jdbc.datasource.DriverManagerDataSource</a:t>
+            </a:r>
+            <a:r>
+              <a:rPr lang="en-US" i="1" dirty="0"/>
+              <a:t>"&gt;</a:t>
+            </a:r>
+          </a:p>
+          <a:p>
+            <a:r>
+              <a:rPr lang="en-US" dirty="0"/>
+              <a:t>&lt;property name=</a:t>
+            </a:r>
+            <a:r>
+              <a:rPr lang="en-US" i="1" dirty="0"/>
+              <a:t>"</a:t>
+            </a:r>
+            <a:r>
+              <a:rPr lang="en-US" i="1" dirty="0" err="1"/>
+              <a:t>driverClassName</a:t>
+            </a:r>
+            <a:r>
+              <a:rPr lang="en-US" i="1" dirty="0"/>
+              <a:t>" value="</a:t>
+            </a:r>
+            <a:r>
+              <a:rPr lang="en-US" i="1" dirty="0" err="1"/>
+              <a:t>com.mysql.jdbc.Driver</a:t>
+            </a:r>
+            <a:r>
+              <a:rPr lang="en-US" i="1" dirty="0"/>
+              <a:t>" /&gt;</a:t>
+            </a:r>
+          </a:p>
+          <a:p>
+            <a:r>
+              <a:rPr lang="en-US" dirty="0"/>
+              <a:t>&lt;property name=</a:t>
+            </a:r>
+            <a:r>
+              <a:rPr lang="en-US" i="1" dirty="0"/>
+              <a:t>"</a:t>
+            </a:r>
+            <a:r>
+              <a:rPr lang="en-US" i="1" dirty="0" err="1"/>
+              <a:t>url</a:t>
+            </a:r>
+            <a:r>
+              <a:rPr lang="en-US" i="1" dirty="0"/>
+              <a:t>"</a:t>
+            </a:r>
+          </a:p>
+          <a:p>
+            <a:r>
+              <a:rPr lang="en-US" dirty="0"/>
+              <a:t>value=</a:t>
+            </a:r>
+            <a:r>
+              <a:rPr lang="en-US" i="1" dirty="0"/>
+              <a:t>"</a:t>
+            </a:r>
+            <a:r>
+              <a:rPr lang="en-US" i="1" dirty="0" err="1"/>
+              <a:t>jdbc:mysql</a:t>
+            </a:r>
+            <a:r>
+              <a:rPr lang="en-US" i="1" dirty="0"/>
+              <a:t>://sql3.freemysqlhosting.net/sql340330" /&gt;</a:t>
+            </a:r>
+          </a:p>
+          <a:p>
+            <a:r>
+              <a:rPr lang="en-US" dirty="0"/>
+              <a:t>&lt;property name=</a:t>
+            </a:r>
+            <a:r>
+              <a:rPr lang="en-US" i="1" dirty="0"/>
+              <a:t>"username" value="sql340330" /&gt;</a:t>
+            </a:r>
+          </a:p>
+          <a:p>
+            <a:r>
+              <a:rPr lang="en-US" dirty="0"/>
+              <a:t>&lt;property name=</a:t>
+            </a:r>
+            <a:r>
+              <a:rPr lang="en-US" i="1" dirty="0"/>
+              <a:t>"password" value="dR5!xA3!" /&gt;</a:t>
+            </a:r>
+          </a:p>
+          <a:p>
+            <a:r>
+              <a:rPr lang="en-US" dirty="0"/>
+              <a:t>&lt;/bean&gt;</a:t>
+            </a:r>
+          </a:p>
+          <a:p>
+            <a:r>
+              <a:rPr lang="en-US" dirty="0"/>
+              <a:t>&lt;/beans</a:t>
+            </a:r>
+            <a:r>
+              <a:rPr lang="en-US" dirty="0" smtClean="0"/>
+              <a:t>&gt;</a:t>
+            </a:r>
+          </a:p>
+          <a:p>
+            <a:endParaRPr lang="en-US" dirty="0"/>
+          </a:p>
+          <a:p>
+            <a:r>
+              <a:rPr lang="en-US" dirty="0" err="1" smtClean="0"/>
+              <a:t>hibernate.properties</a:t>
+            </a:r>
+            <a:r>
+              <a:rPr lang="en-US" dirty="0" smtClean="0"/>
+              <a:t>:</a:t>
+            </a:r>
+          </a:p>
+          <a:p>
+            <a:r>
+              <a:rPr lang="en-US" dirty="0" err="1"/>
+              <a:t>hibernate.show_sql</a:t>
+            </a:r>
+            <a:r>
+              <a:rPr lang="en-US" dirty="0"/>
+              <a:t>=true</a:t>
+            </a:r>
+          </a:p>
+          <a:p>
+            <a:r>
+              <a:rPr lang="en-US" dirty="0" err="1"/>
+              <a:t>hibernate.format_sql</a:t>
+            </a:r>
+            <a:r>
+              <a:rPr lang="en-US" dirty="0"/>
+              <a:t>=true</a:t>
+            </a:r>
+          </a:p>
+          <a:p>
+            <a:r>
+              <a:rPr lang="en-US" dirty="0"/>
+              <a:t>#hibernate.hbm2ddl.auto=validate | update | create | create-drop</a:t>
+            </a:r>
+          </a:p>
+          <a:p>
+            <a:r>
+              <a:rPr lang="en-US" dirty="0"/>
+              <a:t>#hibernate.hbm2ddl.auto=update</a:t>
+            </a:r>
+          </a:p>
+          <a:p>
+            <a:r>
+              <a:rPr lang="en-US" dirty="0"/>
+              <a:t>hibernate.hbm2ddl.auto=update</a:t>
+            </a:r>
+            <a:endParaRPr lang="en-US" dirty="0" smtClean="0"/>
+          </a:p>
+          <a:p>
+            <a:endParaRPr lang="en-US" dirty="0"/>
+          </a:p>
+        </p:txBody>
+      </p:sp>
+      <p:sp>
+        <p:nvSpPr>
+          <p:cNvPr id="4" name="Slide Number Placeholder 3"/>
+          <p:cNvSpPr>
+            <a:spLocks noGrp="1"/>
+          </p:cNvSpPr>
+          <p:nvPr>
+            <p:ph type="sldNum" sz="quarter" idx="12"/>
+          </p:nvPr>
+        </p:nvSpPr>
+        <p:spPr/>
+        <p:txBody>
+          <a:bodyPr/>
+          <a:lstStyle/>
+          <a:p>
+            <a:pPr>
+              <a:defRPr/>
+            </a:pPr>
+            <a:fld id="{8B8B984A-5AFF-7643-AE60-6D8D11294076}" type="slidenum">
+              <a:rPr lang="en-US" smtClean="0"/>
+              <a:pPr>
+                <a:defRPr/>
+              </a:pPr>
+              <a:t>86</a:t>
+            </a:fld>
+            <a:endParaRPr lang="en-US"/>
+          </a:p>
+        </p:txBody>
+      </p:sp>
+    </p:spTree>
+    <p:extLst>
+      <p:ext uri="{BB962C8B-B14F-4D97-AF65-F5344CB8AC3E}">
+        <p14:creationId xmlns:p14="http://schemas.microsoft.com/office/powerpoint/2010/main" val="551329592"/>
+      </p:ext>
+    </p:extLst>
+  </p:cSld>
+  <p:clrMapOvr>
+    <a:masterClrMapping/>
+  </p:clrMapOvr>
+</p:sld>
+</file>
+
+<file path=ppt/slides/slide87.xml><?xml version="1.0" encoding="utf-8"?>
+<p:sld xmlns:a="http://schemas.openxmlformats.org/drawingml/2006/main" xmlns:r="http://schemas.openxmlformats.org/officeDocument/2006/relationships" xmlns:p="http://schemas.openxmlformats.org/presentationml/2006/main">
+  <p:cSld>
+    <p:spTree>
+      <p:nvGrpSpPr>
+        <p:cNvPr id="1" name=""/>
+        <p:cNvGrpSpPr/>
+        <p:nvPr/>
+      </p:nvGrpSpPr>
+      <p:grpSpPr>
+        <a:xfrm>
+          <a:off x="0" y="0"/>
+          <a:ext cx="0" cy="0"/>
+          <a:chOff x="0" y="0"/>
+          <a:chExt cx="0" cy="0"/>
+        </a:xfrm>
+      </p:grpSpPr>
+      <p:sp>
+        <p:nvSpPr>
+          <p:cNvPr id="2" name="Title 1"/>
+          <p:cNvSpPr>
+            <a:spLocks noGrp="1"/>
+          </p:cNvSpPr>
+          <p:nvPr>
+            <p:ph type="title"/>
+          </p:nvPr>
+        </p:nvSpPr>
+        <p:spPr/>
+        <p:txBody>
+          <a:bodyPr/>
+          <a:lstStyle/>
+          <a:p>
+            <a:r>
+              <a:rPr lang="en-US" dirty="0" smtClean="0"/>
+              <a:t>Create another Test Driver for </a:t>
+            </a:r>
+            <a:r>
+              <a:rPr lang="en-US" dirty="0" err="1" smtClean="0"/>
+              <a:t>MyDB</a:t>
+            </a:r>
+            <a:endParaRPr lang="en-US" dirty="0"/>
+          </a:p>
+        </p:txBody>
+      </p:sp>
+      <p:sp>
+        <p:nvSpPr>
+          <p:cNvPr id="3" name="Content Placeholder 2"/>
+          <p:cNvSpPr>
+            <a:spLocks noGrp="1"/>
+          </p:cNvSpPr>
+          <p:nvPr>
+            <p:ph idx="1"/>
+          </p:nvPr>
+        </p:nvSpPr>
+        <p:spPr/>
+        <p:txBody>
+          <a:bodyPr>
+            <a:normAutofit/>
+          </a:bodyPr>
+          <a:lstStyle/>
+          <a:p>
+            <a:r>
+              <a:rPr lang="en-US" dirty="0" smtClean="0"/>
+              <a:t>See: day08.TestDriverWithMySQLDB</a:t>
+            </a:r>
+          </a:p>
+        </p:txBody>
+      </p:sp>
+      <p:sp>
+        <p:nvSpPr>
+          <p:cNvPr id="4" name="Slide Number Placeholder 3"/>
+          <p:cNvSpPr>
+            <a:spLocks noGrp="1"/>
+          </p:cNvSpPr>
+          <p:nvPr>
+            <p:ph type="sldNum" sz="quarter" idx="12"/>
+          </p:nvPr>
+        </p:nvSpPr>
+        <p:spPr/>
+        <p:txBody>
+          <a:bodyPr/>
+          <a:lstStyle/>
+          <a:p>
+            <a:pPr>
+              <a:defRPr/>
+            </a:pPr>
+            <a:fld id="{8B8B984A-5AFF-7643-AE60-6D8D11294076}" type="slidenum">
+              <a:rPr lang="en-US" smtClean="0"/>
+              <a:pPr>
+                <a:defRPr/>
+              </a:pPr>
+              <a:t>87</a:t>
+            </a:fld>
+            <a:endParaRPr lang="en-US"/>
+          </a:p>
+        </p:txBody>
+      </p:sp>
+    </p:spTree>
+    <p:extLst>
+      <p:ext uri="{BB962C8B-B14F-4D97-AF65-F5344CB8AC3E}">
+        <p14:creationId xmlns:p14="http://schemas.microsoft.com/office/powerpoint/2010/main" val="3864201953"/>
+      </p:ext>
+    </p:extLst>
+  </p:cSld>
+  <p:clrMapOvr>
+    <a:masterClrMapping/>
+  </p:clrMapOvr>
+</p:sld>
+</file>
+
+<file path=ppt/slides/slide88.xml><?xml version="1.0" encoding="utf-8"?>
+<p:sld xmlns:a="http://schemas.openxmlformats.org/drawingml/2006/main" xmlns:r="http://schemas.openxmlformats.org/officeDocument/2006/relationships" xmlns:p="http://schemas.openxmlformats.org/presentationml/2006/main">
+  <p:cSld>
+    <p:spTree>
+      <p:nvGrpSpPr>
+        <p:cNvPr id="1" name=""/>
+        <p:cNvGrpSpPr/>
+        <p:nvPr/>
+      </p:nvGrpSpPr>
+      <p:grpSpPr>
+        <a:xfrm>
+          <a:off x="0" y="0"/>
+          <a:ext cx="0" cy="0"/>
+          <a:chOff x="0" y="0"/>
+          <a:chExt cx="0" cy="0"/>
+        </a:xfrm>
+      </p:grpSpPr>
+      <p:sp>
+        <p:nvSpPr>
+          <p:cNvPr id="2" name="Title 1"/>
+          <p:cNvSpPr>
+            <a:spLocks noGrp="1"/>
+          </p:cNvSpPr>
+          <p:nvPr>
+            <p:ph type="title"/>
+          </p:nvPr>
+        </p:nvSpPr>
+        <p:spPr/>
+        <p:txBody>
+          <a:bodyPr/>
+          <a:lstStyle/>
+          <a:p>
+            <a:r>
+              <a:rPr lang="en-US" dirty="0" smtClean="0"/>
+              <a:t>Run </a:t>
+            </a:r>
+            <a:r>
+              <a:rPr lang="en-US" dirty="0" err="1"/>
+              <a:t>TestDriverWithMySQLDB</a:t>
+            </a:r>
+            <a:endParaRPr lang="en-US" dirty="0"/>
+          </a:p>
+        </p:txBody>
+      </p:sp>
+      <p:sp>
+        <p:nvSpPr>
+          <p:cNvPr id="3" name="Content Placeholder 2"/>
+          <p:cNvSpPr>
+            <a:spLocks noGrp="1"/>
+          </p:cNvSpPr>
+          <p:nvPr>
+            <p:ph idx="1"/>
+          </p:nvPr>
+        </p:nvSpPr>
+        <p:spPr/>
+        <p:txBody>
+          <a:bodyPr/>
+          <a:lstStyle/>
+          <a:p>
+            <a:r>
+              <a:rPr lang="en-US" dirty="0" smtClean="0"/>
+              <a:t>No errors right?</a:t>
+            </a:r>
+          </a:p>
+          <a:p>
+            <a:r>
+              <a:rPr lang="en-US" dirty="0" smtClean="0"/>
+              <a:t>But where did my data go?</a:t>
+            </a:r>
+          </a:p>
+          <a:p>
+            <a:r>
+              <a:rPr lang="en-US" dirty="0" smtClean="0"/>
+              <a:t>Well … let’s take a look at the </a:t>
+            </a:r>
+            <a:r>
+              <a:rPr lang="en-US" dirty="0" err="1" smtClean="0"/>
+              <a:t>MySQLDB</a:t>
+            </a:r>
+            <a:r>
+              <a:rPr lang="en-US" dirty="0" smtClean="0"/>
+              <a:t> directly</a:t>
+            </a:r>
+            <a:endParaRPr lang="en-US" dirty="0"/>
+          </a:p>
+        </p:txBody>
+      </p:sp>
+      <p:sp>
+        <p:nvSpPr>
+          <p:cNvPr id="4" name="Slide Number Placeholder 3"/>
+          <p:cNvSpPr>
+            <a:spLocks noGrp="1"/>
+          </p:cNvSpPr>
+          <p:nvPr>
+            <p:ph type="sldNum" sz="quarter" idx="12"/>
+          </p:nvPr>
+        </p:nvSpPr>
+        <p:spPr/>
+        <p:txBody>
+          <a:bodyPr/>
+          <a:lstStyle/>
+          <a:p>
+            <a:pPr>
+              <a:defRPr/>
+            </a:pPr>
+            <a:fld id="{8B8B984A-5AFF-7643-AE60-6D8D11294076}" type="slidenum">
+              <a:rPr lang="en-US" smtClean="0"/>
+              <a:pPr>
+                <a:defRPr/>
+              </a:pPr>
+              <a:t>88</a:t>
+            </a:fld>
+            <a:endParaRPr lang="en-US"/>
+          </a:p>
+        </p:txBody>
+      </p:sp>
+    </p:spTree>
+    <p:extLst>
+      <p:ext uri="{BB962C8B-B14F-4D97-AF65-F5344CB8AC3E}">
+        <p14:creationId xmlns:p14="http://schemas.microsoft.com/office/powerpoint/2010/main" val="2614185090"/>
+      </p:ext>
+    </p:extLst>
+  </p:cSld>
+  <p:clrMapOvr>
+    <a:masterClrMapping/>
+  </p:clrMapOvr>
+</p:sld>
+</file>
+
+<file path=ppt/slides/slide89.xml><?xml version="1.0" encoding="utf-8"?>
+<p:sld xmlns:a="http://schemas.openxmlformats.org/drawingml/2006/main" xmlns:r="http://schemas.openxmlformats.org/officeDocument/2006/relationships" xmlns:p="http://schemas.openxmlformats.org/presentationml/2006/main">
+  <p:cSld>
+    <p:spTree>
+      <p:nvGrpSpPr>
+        <p:cNvPr id="1" name=""/>
+        <p:cNvGrpSpPr/>
+        <p:nvPr/>
+      </p:nvGrpSpPr>
+      <p:grpSpPr>
+        <a:xfrm>
+          <a:off x="0" y="0"/>
+          <a:ext cx="0" cy="0"/>
+          <a:chOff x="0" y="0"/>
+          <a:chExt cx="0" cy="0"/>
+        </a:xfrm>
+      </p:grpSpPr>
+      <p:sp>
+        <p:nvSpPr>
+          <p:cNvPr id="2" name="Title 1"/>
+          <p:cNvSpPr>
+            <a:spLocks noGrp="1"/>
+          </p:cNvSpPr>
+          <p:nvPr>
+            <p:ph type="title"/>
+          </p:nvPr>
+        </p:nvSpPr>
+        <p:spPr/>
+        <p:txBody>
+          <a:bodyPr/>
+          <a:lstStyle/>
+          <a:p>
+            <a:r>
+              <a:rPr lang="en-US" dirty="0"/>
+              <a:t>Browser view</a:t>
+            </a:r>
+            <a:br>
+              <a:rPr lang="en-US" dirty="0"/>
+            </a:br>
+            <a:r>
+              <a:rPr lang="en-US" dirty="0"/>
+              <a:t>http://www.phpmyadmin.co/</a:t>
+            </a:r>
+          </a:p>
+        </p:txBody>
+      </p:sp>
+      <p:sp>
+        <p:nvSpPr>
+          <p:cNvPr id="4" name="Slide Number Placeholder 3"/>
+          <p:cNvSpPr>
+            <a:spLocks noGrp="1"/>
+          </p:cNvSpPr>
+          <p:nvPr>
+            <p:ph type="sldNum" sz="quarter" idx="12"/>
+          </p:nvPr>
+        </p:nvSpPr>
+        <p:spPr/>
+        <p:txBody>
+          <a:bodyPr/>
+          <a:lstStyle/>
+          <a:p>
+            <a:pPr>
+              <a:defRPr/>
+            </a:pPr>
+            <a:fld id="{8B8B984A-5AFF-7643-AE60-6D8D11294076}" type="slidenum">
+              <a:rPr lang="en-US" smtClean="0"/>
+              <a:pPr>
+                <a:defRPr/>
+              </a:pPr>
+              <a:t>89</a:t>
             </a:fld>
             <a:endParaRPr lang="en-US"/>
           </a:p>
@@ -21708,7 +23554,7 @@
 </p:sld>
 </file>
 
-<file path=ppt/slides/slide85.xml><?xml version="1.0" encoding="utf-8"?>
+<file path=ppt/slides/slide9.xml><?xml version="1.0" encoding="utf-8"?>
 <p:sld xmlns:a="http://schemas.openxmlformats.org/drawingml/2006/main" xmlns:r="http://schemas.openxmlformats.org/officeDocument/2006/relationships" xmlns:p="http://schemas.openxmlformats.org/presentationml/2006/main">
   <p:cSld>
     <p:spTree>
@@ -21742,6 +23588,282 @@
           <a:p>
             <a:r>
               <a:rPr lang="en-US" dirty="0" smtClean="0"/>
+              <a:t>Hello World in Eclipse</a:t>
+            </a:r>
+            <a:endParaRPr lang="en-US" dirty="0"/>
+          </a:p>
+        </p:txBody>
+      </p:sp>
+      <p:sp>
+        <p:nvSpPr>
+          <p:cNvPr id="3" name="Slide Number Placeholder 2"/>
+          <p:cNvSpPr>
+            <a:spLocks noGrp="1"/>
+          </p:cNvSpPr>
+          <p:nvPr>
+            <p:ph type="sldNum" sz="quarter" idx="12"/>
+          </p:nvPr>
+        </p:nvSpPr>
+        <p:spPr/>
+        <p:txBody>
+          <a:bodyPr/>
+          <a:lstStyle/>
+          <a:p>
+            <a:pPr>
+              <a:defRPr/>
+            </a:pPr>
+            <a:fld id="{B2451C39-31DD-6D4B-9BED-758CF6C1BA6A}" type="slidenum">
+              <a:rPr lang="en-CA" smtClean="0"/>
+              <a:pPr>
+                <a:defRPr/>
+              </a:pPr>
+              <a:t>9</a:t>
+            </a:fld>
+            <a:endParaRPr lang="en-CA"/>
+          </a:p>
+        </p:txBody>
+      </p:sp>
+      <p:sp>
+        <p:nvSpPr>
+          <p:cNvPr id="5" name="Rectangle 4"/>
+          <p:cNvSpPr/>
+          <p:nvPr/>
+        </p:nvSpPr>
+        <p:spPr>
+          <a:xfrm>
+            <a:off x="609600" y="1447800"/>
+            <a:ext cx="7772400" cy="2308324"/>
+          </a:xfrm>
+          <a:prstGeom prst="rect">
+            <a:avLst/>
+          </a:prstGeom>
+        </p:spPr>
+        <p:txBody>
+          <a:bodyPr wrap="square">
+            <a:spAutoFit/>
+          </a:bodyPr>
+          <a:lstStyle/>
+          <a:p>
+            <a:pPr lvl="1"/>
+            <a:endParaRPr lang="en-US" dirty="0"/>
+          </a:p>
+          <a:p>
+            <a:pPr lvl="1"/>
+            <a:endParaRPr lang="en-US" dirty="0" smtClean="0"/>
+          </a:p>
+          <a:p>
+            <a:pPr lvl="1"/>
+            <a:endParaRPr lang="en-US" dirty="0"/>
+          </a:p>
+          <a:p>
+            <a:pPr lvl="1"/>
+            <a:endParaRPr lang="en-US" dirty="0" smtClean="0"/>
+          </a:p>
+          <a:p>
+            <a:pPr lvl="1"/>
+            <a:endParaRPr lang="en-US" dirty="0"/>
+          </a:p>
+          <a:p>
+            <a:pPr lvl="1"/>
+            <a:endParaRPr lang="en-US" dirty="0"/>
+          </a:p>
+        </p:txBody>
+      </p:sp>
+      <p:sp>
+        <p:nvSpPr>
+          <p:cNvPr id="6" name="Rectangle 5"/>
+          <p:cNvSpPr/>
+          <p:nvPr/>
+        </p:nvSpPr>
+        <p:spPr>
+          <a:xfrm>
+            <a:off x="685800" y="1720840"/>
+            <a:ext cx="7696200" cy="4893647"/>
+          </a:xfrm>
+          <a:prstGeom prst="rect">
+            <a:avLst/>
+          </a:prstGeom>
+        </p:spPr>
+        <p:txBody>
+          <a:bodyPr wrap="square">
+            <a:spAutoFit/>
+          </a:bodyPr>
+          <a:lstStyle/>
+          <a:p>
+            <a:pPr marL="342900" indent="-342900">
+              <a:buFont typeface="Arial" pitchFamily="34" charset="0"/>
+              <a:buChar char="•"/>
+            </a:pPr>
+            <a:r>
+              <a:rPr lang="en-US" dirty="0" smtClean="0"/>
+              <a:t>Download Eclipse</a:t>
+            </a:r>
+          </a:p>
+          <a:p>
+            <a:pPr marL="342900" indent="-342900">
+              <a:buFont typeface="Arial" pitchFamily="34" charset="0"/>
+              <a:buChar char="•"/>
+            </a:pPr>
+            <a:r>
+              <a:rPr lang="en-US" dirty="0" smtClean="0"/>
+              <a:t>Download JDK1.7</a:t>
+            </a:r>
+          </a:p>
+          <a:p>
+            <a:pPr marL="342900" indent="-342900">
+              <a:buFont typeface="Arial" pitchFamily="34" charset="0"/>
+              <a:buChar char="•"/>
+            </a:pPr>
+            <a:r>
+              <a:rPr lang="en-US" dirty="0" smtClean="0"/>
+              <a:t>Start Eclipse (take note of the workspace directory)</a:t>
+            </a:r>
+          </a:p>
+          <a:p>
+            <a:pPr marL="342900" indent="-342900">
+              <a:buFont typeface="Arial" pitchFamily="34" charset="0"/>
+              <a:buChar char="•"/>
+            </a:pPr>
+            <a:r>
+              <a:rPr lang="en-US" dirty="0" smtClean="0"/>
+              <a:t>While you are waiting for the download take a look at: </a:t>
+            </a:r>
+          </a:p>
+          <a:p>
+            <a:pPr marL="342900" indent="-342900">
+              <a:buFont typeface="Arial" pitchFamily="34" charset="0"/>
+              <a:buChar char="•"/>
+            </a:pPr>
+            <a:r>
+              <a:rPr lang="en-US" dirty="0">
+                <a:hlinkClick r:id="rId2"/>
+              </a:rPr>
+              <a:t>https://</a:t>
+            </a:r>
+            <a:r>
+              <a:rPr lang="en-US" dirty="0" smtClean="0">
+                <a:hlinkClick r:id="rId2"/>
+              </a:rPr>
+              <a:t>github.com/hchan/comp2613</a:t>
+            </a:r>
+            <a:endParaRPr lang="en-US" dirty="0" smtClean="0"/>
+          </a:p>
+          <a:p>
+            <a:pPr marL="342900" indent="-342900">
+              <a:buFont typeface="Arial" pitchFamily="34" charset="0"/>
+              <a:buChar char="•"/>
+            </a:pPr>
+            <a:r>
+              <a:rPr lang="en-US" dirty="0" smtClean="0"/>
+              <a:t>After Eclipse and JDK are downloaded …</a:t>
+            </a:r>
+          </a:p>
+          <a:p>
+            <a:pPr marL="342900" indent="-342900">
+              <a:buFont typeface="Arial" pitchFamily="34" charset="0"/>
+              <a:buChar char="•"/>
+            </a:pPr>
+            <a:r>
+              <a:rPr lang="en-US" dirty="0" smtClean="0"/>
+              <a:t>Start Eclipse -&gt; </a:t>
+            </a:r>
+            <a:r>
+              <a:rPr lang="en-US" dirty="0" err="1" smtClean="0"/>
+              <a:t>Prefences</a:t>
+            </a:r>
+            <a:r>
+              <a:rPr lang="en-US" dirty="0" smtClean="0"/>
+              <a:t>-(type JRE)</a:t>
+            </a:r>
+          </a:p>
+          <a:p>
+            <a:pPr marL="800100" lvl="1" indent="-342900">
+              <a:buFont typeface="Arial" pitchFamily="34" charset="0"/>
+              <a:buChar char="•"/>
+            </a:pPr>
+            <a:r>
+              <a:rPr lang="en-US" dirty="0" smtClean="0"/>
+              <a:t>Modify both Installed JREs</a:t>
+            </a:r>
+          </a:p>
+          <a:p>
+            <a:pPr marL="800100" lvl="1" indent="-342900">
+              <a:buFont typeface="Arial" pitchFamily="34" charset="0"/>
+              <a:buChar char="•"/>
+            </a:pPr>
+            <a:r>
+              <a:rPr lang="en-US" dirty="0" smtClean="0"/>
+              <a:t>And Execution environment to point to your </a:t>
+            </a:r>
+            <a:r>
+              <a:rPr lang="en-US" smtClean="0"/>
+              <a:t>JDK download</a:t>
+            </a:r>
+            <a:endParaRPr lang="en-US" dirty="0" smtClean="0"/>
+          </a:p>
+          <a:p>
+            <a:pPr marL="342900" indent="-342900">
+              <a:buFont typeface="Arial" pitchFamily="34" charset="0"/>
+              <a:buChar char="•"/>
+            </a:pPr>
+            <a:endParaRPr lang="en-US" dirty="0" smtClean="0"/>
+          </a:p>
+          <a:p>
+            <a:pPr marL="342900" indent="-342900">
+              <a:buFont typeface="Arial" pitchFamily="34" charset="0"/>
+              <a:buChar char="•"/>
+            </a:pPr>
+            <a:endParaRPr lang="en-US" dirty="0"/>
+          </a:p>
+        </p:txBody>
+      </p:sp>
+    </p:spTree>
+    <p:extLst>
+      <p:ext uri="{BB962C8B-B14F-4D97-AF65-F5344CB8AC3E}">
+        <p14:creationId xmlns:p14="http://schemas.microsoft.com/office/powerpoint/2010/main" val="1211317435"/>
+      </p:ext>
+    </p:extLst>
+  </p:cSld>
+  <p:clrMapOvr>
+    <a:masterClrMapping/>
+  </p:clrMapOvr>
+</p:sld>
+</file>
+
+<file path=ppt/slides/slide90.xml><?xml version="1.0" encoding="utf-8"?>
+<p:sld xmlns:a="http://schemas.openxmlformats.org/drawingml/2006/main" xmlns:r="http://schemas.openxmlformats.org/officeDocument/2006/relationships" xmlns:p="http://schemas.openxmlformats.org/presentationml/2006/main">
+  <p:cSld>
+    <p:spTree>
+      <p:nvGrpSpPr>
+        <p:cNvPr id="1" name=""/>
+        <p:cNvGrpSpPr/>
+        <p:nvPr/>
+      </p:nvGrpSpPr>
+      <p:grpSpPr>
+        <a:xfrm>
+          <a:off x="0" y="0"/>
+          <a:ext cx="0" cy="0"/>
+          <a:chOff x="0" y="0"/>
+          <a:chExt cx="0" cy="0"/>
+        </a:xfrm>
+      </p:grpSpPr>
+      <p:sp>
+        <p:nvSpPr>
+          <p:cNvPr id="2" name="Title 1"/>
+          <p:cNvSpPr>
+            <a:spLocks noGrp="1"/>
+          </p:cNvSpPr>
+          <p:nvPr>
+            <p:ph type="title"/>
+          </p:nvPr>
+        </p:nvSpPr>
+        <p:spPr/>
+        <p:txBody>
+          <a:bodyPr/>
+          <a:lstStyle/>
+          <a:p>
+            <a:r>
+              <a:rPr lang="en-US" dirty="0" smtClean="0"/>
               <a:t>MySQL Workbench (the </a:t>
             </a:r>
             <a:r>
@@ -21840,7 +23962,7 @@
               <a:pPr>
                 <a:defRPr/>
               </a:pPr>
-              <a:t>85</a:t>
+              <a:t>90</a:t>
             </a:fld>
             <a:endParaRPr lang="en-US"/>
           </a:p>
@@ -21883,7 +24005,7 @@
 </p:sld>
 </file>
 
-<file path=ppt/slides/slide86.xml><?xml version="1.0" encoding="utf-8"?>
+<file path=ppt/slides/slide91.xml><?xml version="1.0" encoding="utf-8"?>
 <p:sld xmlns:a="http://schemas.openxmlformats.org/drawingml/2006/main" xmlns:r="http://schemas.openxmlformats.org/officeDocument/2006/relationships" xmlns:p="http://schemas.openxmlformats.org/presentationml/2006/main">
   <p:cSld>
     <p:spTree>
@@ -21972,7 +24094,7 @@
               <a:pPr>
                 <a:defRPr/>
               </a:pPr>
-              <a:t>86</a:t>
+              <a:t>91</a:t>
             </a:fld>
             <a:endParaRPr lang="en-US"/>
           </a:p>
@@ -21982,980 +24104,6 @@
     <p:extLst>
       <p:ext uri="{BB962C8B-B14F-4D97-AF65-F5344CB8AC3E}">
         <p14:creationId xmlns:p14="http://schemas.microsoft.com/office/powerpoint/2010/main" val="3091410012"/>
-      </p:ext>
-    </p:extLst>
-  </p:cSld>
-  <p:clrMapOvr>
-    <a:masterClrMapping/>
-  </p:clrMapOvr>
-</p:sld>
-</file>
-
-<file path=ppt/slides/slide87.xml><?xml version="1.0" encoding="utf-8"?>
-<p:sld xmlns:a="http://schemas.openxmlformats.org/drawingml/2006/main" xmlns:r="http://schemas.openxmlformats.org/officeDocument/2006/relationships" xmlns:p="http://schemas.openxmlformats.org/presentationml/2006/main">
-  <p:cSld>
-    <p:spTree>
-      <p:nvGrpSpPr>
-        <p:cNvPr id="1" name=""/>
-        <p:cNvGrpSpPr/>
-        <p:nvPr/>
-      </p:nvGrpSpPr>
-      <p:grpSpPr>
-        <a:xfrm>
-          <a:off x="0" y="0"/>
-          <a:ext cx="0" cy="0"/>
-          <a:chOff x="0" y="0"/>
-          <a:chExt cx="0" cy="0"/>
-        </a:xfrm>
-      </p:grpSpPr>
-      <p:sp>
-        <p:nvSpPr>
-          <p:cNvPr id="2" name="Title 1"/>
-          <p:cNvSpPr>
-            <a:spLocks noGrp="1"/>
-          </p:cNvSpPr>
-          <p:nvPr>
-            <p:ph type="title"/>
-          </p:nvPr>
-        </p:nvSpPr>
-        <p:spPr/>
-        <p:txBody>
-          <a:bodyPr/>
-          <a:lstStyle/>
-          <a:p>
-            <a:r>
-              <a:rPr lang="en-US" dirty="0" smtClean="0"/>
-              <a:t>DB relationships (</a:t>
-            </a:r>
-            <a:r>
-              <a:rPr lang="en-US" dirty="0" err="1" smtClean="0"/>
-              <a:t>cont</a:t>
-            </a:r>
-            <a:r>
-              <a:rPr lang="en-US" dirty="0" smtClean="0"/>
-              <a:t>)</a:t>
-            </a:r>
-            <a:endParaRPr lang="en-US" dirty="0"/>
-          </a:p>
-        </p:txBody>
-      </p:sp>
-      <p:sp>
-        <p:nvSpPr>
-          <p:cNvPr id="3" name="Content Placeholder 2"/>
-          <p:cNvSpPr>
-            <a:spLocks noGrp="1"/>
-          </p:cNvSpPr>
-          <p:nvPr>
-            <p:ph idx="1"/>
-          </p:nvPr>
-        </p:nvSpPr>
-        <p:spPr/>
-        <p:txBody>
-          <a:bodyPr/>
-          <a:lstStyle/>
-          <a:p>
-            <a:r>
-              <a:rPr lang="en-US" dirty="0" smtClean="0"/>
-              <a:t>See: </a:t>
-            </a:r>
-            <a:r>
-              <a:rPr lang="en-US" dirty="0" err="1" smtClean="0"/>
-              <a:t>TestDriverInsertsWithMySQLDB</a:t>
-            </a:r>
-            <a:endParaRPr lang="en-US" dirty="0" smtClean="0"/>
-          </a:p>
-          <a:p>
-            <a:r>
-              <a:rPr lang="en-US" dirty="0" smtClean="0"/>
-              <a:t>See: </a:t>
-            </a:r>
-            <a:r>
-              <a:rPr lang="en-US" dirty="0" err="1" smtClean="0"/>
-              <a:t>TestDriverSearchesWithMySQLDB</a:t>
-            </a:r>
-            <a:endParaRPr lang="en-US" dirty="0"/>
-          </a:p>
-        </p:txBody>
-      </p:sp>
-      <p:sp>
-        <p:nvSpPr>
-          <p:cNvPr id="4" name="Slide Number Placeholder 3"/>
-          <p:cNvSpPr>
-            <a:spLocks noGrp="1"/>
-          </p:cNvSpPr>
-          <p:nvPr>
-            <p:ph type="sldNum" sz="quarter" idx="12"/>
-          </p:nvPr>
-        </p:nvSpPr>
-        <p:spPr/>
-        <p:txBody>
-          <a:bodyPr/>
-          <a:lstStyle/>
-          <a:p>
-            <a:pPr>
-              <a:defRPr/>
-            </a:pPr>
-            <a:fld id="{8B8B984A-5AFF-7643-AE60-6D8D11294076}" type="slidenum">
-              <a:rPr lang="en-US" smtClean="0"/>
-              <a:pPr>
-                <a:defRPr/>
-              </a:pPr>
-              <a:t>87</a:t>
-            </a:fld>
-            <a:endParaRPr lang="en-US"/>
-          </a:p>
-        </p:txBody>
-      </p:sp>
-    </p:spTree>
-    <p:extLst>
-      <p:ext uri="{BB962C8B-B14F-4D97-AF65-F5344CB8AC3E}">
-        <p14:creationId xmlns:p14="http://schemas.microsoft.com/office/powerpoint/2010/main" val="2656205412"/>
-      </p:ext>
-    </p:extLst>
-  </p:cSld>
-  <p:clrMapOvr>
-    <a:masterClrMapping/>
-  </p:clrMapOvr>
-</p:sld>
-</file>
-
-<file path=ppt/slides/slide88.xml><?xml version="1.0" encoding="utf-8"?>
-<p:sld xmlns:a="http://schemas.openxmlformats.org/drawingml/2006/main" xmlns:r="http://schemas.openxmlformats.org/officeDocument/2006/relationships" xmlns:p="http://schemas.openxmlformats.org/presentationml/2006/main">
-  <p:cSld>
-    <p:spTree>
-      <p:nvGrpSpPr>
-        <p:cNvPr id="1" name=""/>
-        <p:cNvGrpSpPr/>
-        <p:nvPr/>
-      </p:nvGrpSpPr>
-      <p:grpSpPr>
-        <a:xfrm>
-          <a:off x="0" y="0"/>
-          <a:ext cx="0" cy="0"/>
-          <a:chOff x="0" y="0"/>
-          <a:chExt cx="0" cy="0"/>
-        </a:xfrm>
-      </p:grpSpPr>
-      <p:sp>
-        <p:nvSpPr>
-          <p:cNvPr id="2" name="Title 1"/>
-          <p:cNvSpPr>
-            <a:spLocks noGrp="1"/>
-          </p:cNvSpPr>
-          <p:nvPr>
-            <p:ph type="title"/>
-          </p:nvPr>
-        </p:nvSpPr>
-        <p:spPr/>
-        <p:txBody>
-          <a:bodyPr/>
-          <a:lstStyle/>
-          <a:p>
-            <a:r>
-              <a:rPr lang="en-US" dirty="0" smtClean="0"/>
-              <a:t>What can go wrong?</a:t>
-            </a:r>
-            <a:endParaRPr lang="en-US" dirty="0"/>
-          </a:p>
-        </p:txBody>
-      </p:sp>
-      <p:sp>
-        <p:nvSpPr>
-          <p:cNvPr id="3" name="Content Placeholder 2"/>
-          <p:cNvSpPr>
-            <a:spLocks noGrp="1"/>
-          </p:cNvSpPr>
-          <p:nvPr>
-            <p:ph idx="1"/>
-          </p:nvPr>
-        </p:nvSpPr>
-        <p:spPr/>
-        <p:txBody>
-          <a:bodyPr>
-            <a:normAutofit fontScale="77500" lnSpcReduction="20000"/>
-          </a:bodyPr>
-          <a:lstStyle/>
-          <a:p>
-            <a:r>
-              <a:rPr lang="en-US" dirty="0" smtClean="0"/>
-              <a:t>When playing around with power magic, you can get burned pretty fast.  Or if you’re a fan of </a:t>
-            </a:r>
-            <a:r>
-              <a:rPr lang="en-US" dirty="0" err="1" smtClean="0"/>
-              <a:t>spiderman</a:t>
-            </a:r>
-            <a:r>
-              <a:rPr lang="en-US" dirty="0"/>
-              <a:t>:</a:t>
-            </a:r>
-            <a:r>
-              <a:rPr lang="en-US" dirty="0" smtClean="0"/>
-              <a:t> </a:t>
-            </a:r>
-            <a:r>
-              <a:rPr lang="en-US" b="1" dirty="0"/>
-              <a:t>With great power, comes great </a:t>
-            </a:r>
-            <a:r>
-              <a:rPr lang="en-US" b="1" dirty="0" smtClean="0"/>
-              <a:t>responsibility.  JPA / Spring Data / Hibernate is one of the most powerful features (if not the most powerful feature) of </a:t>
-            </a:r>
-            <a:r>
-              <a:rPr lang="en-US" b="1" dirty="0" err="1" smtClean="0"/>
-              <a:t>JavaEE</a:t>
-            </a:r>
-            <a:r>
-              <a:rPr lang="en-US" b="1" dirty="0" smtClean="0"/>
-              <a:t>.  If you learn to master this, you’ll see other design patterns (which are annotations-based) come to play. </a:t>
-            </a:r>
-            <a:endParaRPr lang="en-US" dirty="0" smtClean="0"/>
-          </a:p>
-          <a:p>
-            <a:r>
-              <a:rPr lang="en-US" dirty="0" smtClean="0"/>
-              <a:t>Make sure to commit your code often when it is in a stable state</a:t>
-            </a:r>
-          </a:p>
-          <a:p>
-            <a:r>
-              <a:rPr lang="en-US" dirty="0" smtClean="0"/>
-              <a:t>If you Java Model class is out of sync with the DB, then go to your DB and drop the tables</a:t>
-            </a:r>
-          </a:p>
-          <a:p>
-            <a:r>
-              <a:rPr lang="en-US" dirty="0" smtClean="0"/>
-              <a:t>Play around with the hibernate.hbm2ddl.auto field in </a:t>
-            </a:r>
-            <a:r>
-              <a:rPr lang="en-US" dirty="0" err="1" smtClean="0"/>
-              <a:t>hibernate.properties</a:t>
-            </a:r>
-            <a:endParaRPr lang="en-US" dirty="0"/>
-          </a:p>
-        </p:txBody>
-      </p:sp>
-      <p:sp>
-        <p:nvSpPr>
-          <p:cNvPr id="4" name="Slide Number Placeholder 3"/>
-          <p:cNvSpPr>
-            <a:spLocks noGrp="1"/>
-          </p:cNvSpPr>
-          <p:nvPr>
-            <p:ph type="sldNum" sz="quarter" idx="12"/>
-          </p:nvPr>
-        </p:nvSpPr>
-        <p:spPr/>
-        <p:txBody>
-          <a:bodyPr/>
-          <a:lstStyle/>
-          <a:p>
-            <a:pPr>
-              <a:defRPr/>
-            </a:pPr>
-            <a:fld id="{8B8B984A-5AFF-7643-AE60-6D8D11294076}" type="slidenum">
-              <a:rPr lang="en-US" smtClean="0"/>
-              <a:pPr>
-                <a:defRPr/>
-              </a:pPr>
-              <a:t>88</a:t>
-            </a:fld>
-            <a:endParaRPr lang="en-US"/>
-          </a:p>
-        </p:txBody>
-      </p:sp>
-    </p:spTree>
-    <p:extLst>
-      <p:ext uri="{BB962C8B-B14F-4D97-AF65-F5344CB8AC3E}">
-        <p14:creationId xmlns:p14="http://schemas.microsoft.com/office/powerpoint/2010/main" val="2737400390"/>
-      </p:ext>
-    </p:extLst>
-  </p:cSld>
-  <p:clrMapOvr>
-    <a:masterClrMapping/>
-  </p:clrMapOvr>
-</p:sld>
-</file>
-
-<file path=ppt/slides/slide89.xml><?xml version="1.0" encoding="utf-8"?>
-<p:sld xmlns:a="http://schemas.openxmlformats.org/drawingml/2006/main" xmlns:r="http://schemas.openxmlformats.org/officeDocument/2006/relationships" xmlns:p="http://schemas.openxmlformats.org/presentationml/2006/main">
-  <p:cSld>
-    <p:spTree>
-      <p:nvGrpSpPr>
-        <p:cNvPr id="1" name=""/>
-        <p:cNvGrpSpPr/>
-        <p:nvPr/>
-      </p:nvGrpSpPr>
-      <p:grpSpPr>
-        <a:xfrm>
-          <a:off x="0" y="0"/>
-          <a:ext cx="0" cy="0"/>
-          <a:chOff x="0" y="0"/>
-          <a:chExt cx="0" cy="0"/>
-        </a:xfrm>
-      </p:grpSpPr>
-      <p:sp>
-        <p:nvSpPr>
-          <p:cNvPr id="2" name="Title 1"/>
-          <p:cNvSpPr>
-            <a:spLocks noGrp="1"/>
-          </p:cNvSpPr>
-          <p:nvPr>
-            <p:ph type="title"/>
-          </p:nvPr>
-        </p:nvSpPr>
-        <p:spPr/>
-        <p:txBody>
-          <a:bodyPr/>
-          <a:lstStyle/>
-          <a:p>
-            <a:r>
-              <a:rPr lang="en-US" dirty="0" smtClean="0"/>
-              <a:t>Power of Spring</a:t>
-            </a:r>
-            <a:endParaRPr lang="en-US" dirty="0"/>
-          </a:p>
-        </p:txBody>
-      </p:sp>
-      <p:sp>
-        <p:nvSpPr>
-          <p:cNvPr id="3" name="Content Placeholder 2"/>
-          <p:cNvSpPr>
-            <a:spLocks noGrp="1"/>
-          </p:cNvSpPr>
-          <p:nvPr>
-            <p:ph idx="1"/>
-          </p:nvPr>
-        </p:nvSpPr>
-        <p:spPr/>
-        <p:txBody>
-          <a:bodyPr>
-            <a:normAutofit fontScale="62500" lnSpcReduction="20000"/>
-          </a:bodyPr>
-          <a:lstStyle/>
-          <a:p>
-            <a:r>
-              <a:rPr lang="en-US" dirty="0" smtClean="0"/>
-              <a:t>So unknowingly, you have also tapped in to the power of Spring (we’re using Spring Data for JPA).  We’ve also covered Spring IOC (Inversion Of Control – the annotation magic)</a:t>
-            </a:r>
-          </a:p>
-          <a:p>
-            <a:r>
-              <a:rPr lang="en-US" dirty="0" smtClean="0"/>
-              <a:t>It is a piece of a much larger </a:t>
-            </a:r>
-            <a:r>
-              <a:rPr lang="en-US" dirty="0" err="1" smtClean="0"/>
-              <a:t>soln</a:t>
-            </a:r>
-            <a:r>
-              <a:rPr lang="en-US" dirty="0" smtClean="0"/>
-              <a:t> (beyond the scope of this course).  But if you understand Spring Data, the rest of the features the Spring will be “familiar”</a:t>
-            </a:r>
-          </a:p>
-          <a:p>
-            <a:r>
-              <a:rPr lang="en-US" dirty="0" smtClean="0"/>
-              <a:t>One of the features that Spring Data already uses is Connection Pooling … and then there is Paging (getting the first 10 results of Page1)</a:t>
-            </a:r>
-          </a:p>
-          <a:p>
-            <a:r>
-              <a:rPr lang="en-US" dirty="0" smtClean="0"/>
-              <a:t>Spring is definitely one of the largest frameworks within Java.</a:t>
-            </a:r>
-          </a:p>
-          <a:p>
-            <a:r>
-              <a:rPr lang="en-US" dirty="0" smtClean="0"/>
-              <a:t>One of the buzzes these days is to convert JPA -&gt; REST Services.  And then use </a:t>
-            </a:r>
-            <a:r>
-              <a:rPr lang="en-US" dirty="0" err="1" smtClean="0"/>
-              <a:t>BackboneJS</a:t>
-            </a:r>
-            <a:r>
-              <a:rPr lang="en-US" dirty="0" smtClean="0"/>
-              <a:t>, or </a:t>
-            </a:r>
-            <a:r>
-              <a:rPr lang="en-US" dirty="0" err="1" smtClean="0"/>
-              <a:t>AngularJS</a:t>
-            </a:r>
-            <a:r>
-              <a:rPr lang="en-US" dirty="0" smtClean="0"/>
-              <a:t> or </a:t>
-            </a:r>
-            <a:r>
-              <a:rPr lang="en-US" dirty="0" err="1" smtClean="0"/>
-              <a:t>EmberJS</a:t>
-            </a:r>
-            <a:r>
-              <a:rPr lang="en-US" dirty="0" smtClean="0"/>
-              <a:t>, </a:t>
-            </a:r>
-            <a:r>
-              <a:rPr lang="en-US" dirty="0" err="1" smtClean="0"/>
-              <a:t>etc</a:t>
-            </a:r>
-            <a:r>
-              <a:rPr lang="en-US" dirty="0" smtClean="0"/>
-              <a:t> to consume the REST Service.  Old way in Java was to do HTML rendering on the server side.  Newer way embraces the “JS” families.</a:t>
-            </a:r>
-          </a:p>
-          <a:p>
-            <a:r>
-              <a:rPr lang="en-US" dirty="0" smtClean="0"/>
-              <a:t>Most of the features of Spring are beyond the scope of this course, but Spring Data / Spring IOC are skills that you have at least *touched* on.</a:t>
-            </a:r>
-            <a:endParaRPr lang="en-US" dirty="0"/>
-          </a:p>
-        </p:txBody>
-      </p:sp>
-      <p:sp>
-        <p:nvSpPr>
-          <p:cNvPr id="4" name="Slide Number Placeholder 3"/>
-          <p:cNvSpPr>
-            <a:spLocks noGrp="1"/>
-          </p:cNvSpPr>
-          <p:nvPr>
-            <p:ph type="sldNum" sz="quarter" idx="12"/>
-          </p:nvPr>
-        </p:nvSpPr>
-        <p:spPr/>
-        <p:txBody>
-          <a:bodyPr/>
-          <a:lstStyle/>
-          <a:p>
-            <a:pPr>
-              <a:defRPr/>
-            </a:pPr>
-            <a:fld id="{8B8B984A-5AFF-7643-AE60-6D8D11294076}" type="slidenum">
-              <a:rPr lang="en-US" smtClean="0"/>
-              <a:pPr>
-                <a:defRPr/>
-              </a:pPr>
-              <a:t>89</a:t>
-            </a:fld>
-            <a:endParaRPr lang="en-US"/>
-          </a:p>
-        </p:txBody>
-      </p:sp>
-    </p:spTree>
-    <p:extLst>
-      <p:ext uri="{BB962C8B-B14F-4D97-AF65-F5344CB8AC3E}">
-        <p14:creationId xmlns:p14="http://schemas.microsoft.com/office/powerpoint/2010/main" val="3725324018"/>
-      </p:ext>
-    </p:extLst>
-  </p:cSld>
-  <p:clrMapOvr>
-    <a:masterClrMapping/>
-  </p:clrMapOvr>
-</p:sld>
-</file>
-
-<file path=ppt/slides/slide9.xml><?xml version="1.0" encoding="utf-8"?>
-<p:sld xmlns:a="http://schemas.openxmlformats.org/drawingml/2006/main" xmlns:r="http://schemas.openxmlformats.org/officeDocument/2006/relationships" xmlns:p="http://schemas.openxmlformats.org/presentationml/2006/main">
-  <p:cSld>
-    <p:spTree>
-      <p:nvGrpSpPr>
-        <p:cNvPr id="1" name=""/>
-        <p:cNvGrpSpPr/>
-        <p:nvPr/>
-      </p:nvGrpSpPr>
-      <p:grpSpPr>
-        <a:xfrm>
-          <a:off x="0" y="0"/>
-          <a:ext cx="0" cy="0"/>
-          <a:chOff x="0" y="0"/>
-          <a:chExt cx="0" cy="0"/>
-        </a:xfrm>
-      </p:grpSpPr>
-      <p:sp>
-        <p:nvSpPr>
-          <p:cNvPr id="2" name="Title 1"/>
-          <p:cNvSpPr>
-            <a:spLocks noGrp="1"/>
-          </p:cNvSpPr>
-          <p:nvPr>
-            <p:ph type="title"/>
-          </p:nvPr>
-        </p:nvSpPr>
-        <p:spPr/>
-        <p:txBody>
-          <a:bodyPr/>
-          <a:lstStyle/>
-          <a:p>
-            <a:r>
-              <a:rPr lang="en-US" dirty="0" smtClean="0"/>
-              <a:t>Hello World in Eclipse</a:t>
-            </a:r>
-            <a:endParaRPr lang="en-US" dirty="0"/>
-          </a:p>
-        </p:txBody>
-      </p:sp>
-      <p:sp>
-        <p:nvSpPr>
-          <p:cNvPr id="3" name="Slide Number Placeholder 2"/>
-          <p:cNvSpPr>
-            <a:spLocks noGrp="1"/>
-          </p:cNvSpPr>
-          <p:nvPr>
-            <p:ph type="sldNum" sz="quarter" idx="12"/>
-          </p:nvPr>
-        </p:nvSpPr>
-        <p:spPr/>
-        <p:txBody>
-          <a:bodyPr/>
-          <a:lstStyle/>
-          <a:p>
-            <a:pPr>
-              <a:defRPr/>
-            </a:pPr>
-            <a:fld id="{B2451C39-31DD-6D4B-9BED-758CF6C1BA6A}" type="slidenum">
-              <a:rPr lang="en-CA" smtClean="0"/>
-              <a:pPr>
-                <a:defRPr/>
-              </a:pPr>
-              <a:t>9</a:t>
-            </a:fld>
-            <a:endParaRPr lang="en-CA"/>
-          </a:p>
-        </p:txBody>
-      </p:sp>
-      <p:sp>
-        <p:nvSpPr>
-          <p:cNvPr id="5" name="Rectangle 4"/>
-          <p:cNvSpPr/>
-          <p:nvPr/>
-        </p:nvSpPr>
-        <p:spPr>
-          <a:xfrm>
-            <a:off x="609600" y="1447800"/>
-            <a:ext cx="7772400" cy="2308324"/>
-          </a:xfrm>
-          <a:prstGeom prst="rect">
-            <a:avLst/>
-          </a:prstGeom>
-        </p:spPr>
-        <p:txBody>
-          <a:bodyPr wrap="square">
-            <a:spAutoFit/>
-          </a:bodyPr>
-          <a:lstStyle/>
-          <a:p>
-            <a:pPr lvl="1"/>
-            <a:endParaRPr lang="en-US" dirty="0"/>
-          </a:p>
-          <a:p>
-            <a:pPr lvl="1"/>
-            <a:endParaRPr lang="en-US" dirty="0" smtClean="0"/>
-          </a:p>
-          <a:p>
-            <a:pPr lvl="1"/>
-            <a:endParaRPr lang="en-US" dirty="0"/>
-          </a:p>
-          <a:p>
-            <a:pPr lvl="1"/>
-            <a:endParaRPr lang="en-US" dirty="0" smtClean="0"/>
-          </a:p>
-          <a:p>
-            <a:pPr lvl="1"/>
-            <a:endParaRPr lang="en-US" dirty="0"/>
-          </a:p>
-          <a:p>
-            <a:pPr lvl="1"/>
-            <a:endParaRPr lang="en-US" dirty="0"/>
-          </a:p>
-        </p:txBody>
-      </p:sp>
-      <p:sp>
-        <p:nvSpPr>
-          <p:cNvPr id="6" name="Rectangle 5"/>
-          <p:cNvSpPr/>
-          <p:nvPr/>
-        </p:nvSpPr>
-        <p:spPr>
-          <a:xfrm>
-            <a:off x="685800" y="1720840"/>
-            <a:ext cx="7696200" cy="4893647"/>
-          </a:xfrm>
-          <a:prstGeom prst="rect">
-            <a:avLst/>
-          </a:prstGeom>
-        </p:spPr>
-        <p:txBody>
-          <a:bodyPr wrap="square">
-            <a:spAutoFit/>
-          </a:bodyPr>
-          <a:lstStyle/>
-          <a:p>
-            <a:pPr marL="342900" indent="-342900">
-              <a:buFont typeface="Arial" pitchFamily="34" charset="0"/>
-              <a:buChar char="•"/>
-            </a:pPr>
-            <a:r>
-              <a:rPr lang="en-US" dirty="0" smtClean="0"/>
-              <a:t>Download Eclipse</a:t>
-            </a:r>
-          </a:p>
-          <a:p>
-            <a:pPr marL="342900" indent="-342900">
-              <a:buFont typeface="Arial" pitchFamily="34" charset="0"/>
-              <a:buChar char="•"/>
-            </a:pPr>
-            <a:r>
-              <a:rPr lang="en-US" dirty="0" smtClean="0"/>
-              <a:t>Download JDK1.7</a:t>
-            </a:r>
-          </a:p>
-          <a:p>
-            <a:pPr marL="342900" indent="-342900">
-              <a:buFont typeface="Arial" pitchFamily="34" charset="0"/>
-              <a:buChar char="•"/>
-            </a:pPr>
-            <a:r>
-              <a:rPr lang="en-US" dirty="0" smtClean="0"/>
-              <a:t>Start Eclipse (take note of the workspace directory)</a:t>
-            </a:r>
-          </a:p>
-          <a:p>
-            <a:pPr marL="342900" indent="-342900">
-              <a:buFont typeface="Arial" pitchFamily="34" charset="0"/>
-              <a:buChar char="•"/>
-            </a:pPr>
-            <a:r>
-              <a:rPr lang="en-US" dirty="0" smtClean="0"/>
-              <a:t>While you are waiting for the download take a look at: </a:t>
-            </a:r>
-          </a:p>
-          <a:p>
-            <a:pPr marL="342900" indent="-342900">
-              <a:buFont typeface="Arial" pitchFamily="34" charset="0"/>
-              <a:buChar char="•"/>
-            </a:pPr>
-            <a:r>
-              <a:rPr lang="en-US" dirty="0">
-                <a:hlinkClick r:id="rId2"/>
-              </a:rPr>
-              <a:t>https://</a:t>
-            </a:r>
-            <a:r>
-              <a:rPr lang="en-US" dirty="0" smtClean="0">
-                <a:hlinkClick r:id="rId2"/>
-              </a:rPr>
-              <a:t>github.com/hchan/comp2613</a:t>
-            </a:r>
-            <a:endParaRPr lang="en-US" dirty="0" smtClean="0"/>
-          </a:p>
-          <a:p>
-            <a:pPr marL="342900" indent="-342900">
-              <a:buFont typeface="Arial" pitchFamily="34" charset="0"/>
-              <a:buChar char="•"/>
-            </a:pPr>
-            <a:r>
-              <a:rPr lang="en-US" dirty="0" smtClean="0"/>
-              <a:t>After Eclipse and JDK are downloaded …</a:t>
-            </a:r>
-          </a:p>
-          <a:p>
-            <a:pPr marL="342900" indent="-342900">
-              <a:buFont typeface="Arial" pitchFamily="34" charset="0"/>
-              <a:buChar char="•"/>
-            </a:pPr>
-            <a:r>
-              <a:rPr lang="en-US" dirty="0" smtClean="0"/>
-              <a:t>Start Eclipse -&gt; </a:t>
-            </a:r>
-            <a:r>
-              <a:rPr lang="en-US" dirty="0" err="1" smtClean="0"/>
-              <a:t>Prefences</a:t>
-            </a:r>
-            <a:r>
-              <a:rPr lang="en-US" dirty="0" smtClean="0"/>
-              <a:t>-(type JRE)</a:t>
-            </a:r>
-          </a:p>
-          <a:p>
-            <a:pPr marL="800100" lvl="1" indent="-342900">
-              <a:buFont typeface="Arial" pitchFamily="34" charset="0"/>
-              <a:buChar char="•"/>
-            </a:pPr>
-            <a:r>
-              <a:rPr lang="en-US" dirty="0" smtClean="0"/>
-              <a:t>Modify both Installed JREs</a:t>
-            </a:r>
-          </a:p>
-          <a:p>
-            <a:pPr marL="800100" lvl="1" indent="-342900">
-              <a:buFont typeface="Arial" pitchFamily="34" charset="0"/>
-              <a:buChar char="•"/>
-            </a:pPr>
-            <a:r>
-              <a:rPr lang="en-US" dirty="0" smtClean="0"/>
-              <a:t>And Execution environment to point to your </a:t>
-            </a:r>
-            <a:r>
-              <a:rPr lang="en-US" smtClean="0"/>
-              <a:t>JDK download</a:t>
-            </a:r>
-            <a:endParaRPr lang="en-US" dirty="0" smtClean="0"/>
-          </a:p>
-          <a:p>
-            <a:pPr marL="342900" indent="-342900">
-              <a:buFont typeface="Arial" pitchFamily="34" charset="0"/>
-              <a:buChar char="•"/>
-            </a:pPr>
-            <a:endParaRPr lang="en-US" dirty="0" smtClean="0"/>
-          </a:p>
-          <a:p>
-            <a:pPr marL="342900" indent="-342900">
-              <a:buFont typeface="Arial" pitchFamily="34" charset="0"/>
-              <a:buChar char="•"/>
-            </a:pPr>
-            <a:endParaRPr lang="en-US" dirty="0"/>
-          </a:p>
-        </p:txBody>
-      </p:sp>
-    </p:spTree>
-    <p:extLst>
-      <p:ext uri="{BB962C8B-B14F-4D97-AF65-F5344CB8AC3E}">
-        <p14:creationId xmlns:p14="http://schemas.microsoft.com/office/powerpoint/2010/main" val="1211317435"/>
-      </p:ext>
-    </p:extLst>
-  </p:cSld>
-  <p:clrMapOvr>
-    <a:masterClrMapping/>
-  </p:clrMapOvr>
-</p:sld>
-</file>
-
-<file path=ppt/slides/slide90.xml><?xml version="1.0" encoding="utf-8"?>
-<p:sld xmlns:a="http://schemas.openxmlformats.org/drawingml/2006/main" xmlns:r="http://schemas.openxmlformats.org/officeDocument/2006/relationships" xmlns:p="http://schemas.openxmlformats.org/presentationml/2006/main">
-  <p:cSld>
-    <p:spTree>
-      <p:nvGrpSpPr>
-        <p:cNvPr id="1" name=""/>
-        <p:cNvGrpSpPr/>
-        <p:nvPr/>
-      </p:nvGrpSpPr>
-      <p:grpSpPr>
-        <a:xfrm>
-          <a:off x="0" y="0"/>
-          <a:ext cx="0" cy="0"/>
-          <a:chOff x="0" y="0"/>
-          <a:chExt cx="0" cy="0"/>
-        </a:xfrm>
-      </p:grpSpPr>
-      <p:sp>
-        <p:nvSpPr>
-          <p:cNvPr id="2" name="Title 1"/>
-          <p:cNvSpPr>
-            <a:spLocks noGrp="1"/>
-          </p:cNvSpPr>
-          <p:nvPr>
-            <p:ph type="title"/>
-          </p:nvPr>
-        </p:nvSpPr>
-        <p:spPr/>
-        <p:txBody>
-          <a:bodyPr/>
-          <a:lstStyle/>
-          <a:p>
-            <a:r>
-              <a:rPr lang="en-US" dirty="0" smtClean="0"/>
-              <a:t>Homework</a:t>
-            </a:r>
-            <a:endParaRPr lang="en-US" dirty="0"/>
-          </a:p>
-        </p:txBody>
-      </p:sp>
-      <p:sp>
-        <p:nvSpPr>
-          <p:cNvPr id="3" name="Slide Number Placeholder 2"/>
-          <p:cNvSpPr>
-            <a:spLocks noGrp="1"/>
-          </p:cNvSpPr>
-          <p:nvPr>
-            <p:ph type="sldNum" sz="quarter" idx="12"/>
-          </p:nvPr>
-        </p:nvSpPr>
-        <p:spPr/>
-        <p:txBody>
-          <a:bodyPr/>
-          <a:lstStyle/>
-          <a:p>
-            <a:pPr>
-              <a:defRPr/>
-            </a:pPr>
-            <a:fld id="{B2451C39-31DD-6D4B-9BED-758CF6C1BA6A}" type="slidenum">
-              <a:rPr lang="en-CA" smtClean="0"/>
-              <a:pPr>
-                <a:defRPr/>
-              </a:pPr>
-              <a:t>90</a:t>
-            </a:fld>
-            <a:endParaRPr lang="en-CA"/>
-          </a:p>
-        </p:txBody>
-      </p:sp>
-      <p:sp>
-        <p:nvSpPr>
-          <p:cNvPr id="4" name="TextBox 3"/>
-          <p:cNvSpPr txBox="1"/>
-          <p:nvPr/>
-        </p:nvSpPr>
-        <p:spPr>
-          <a:xfrm>
-            <a:off x="1676400" y="2286000"/>
-            <a:ext cx="1965603" cy="461665"/>
-          </a:xfrm>
-          <a:prstGeom prst="rect">
-            <a:avLst/>
-          </a:prstGeom>
-          <a:noFill/>
-        </p:spPr>
-        <p:txBody>
-          <a:bodyPr wrap="none" rtlCol="0">
-            <a:spAutoFit/>
-          </a:bodyPr>
-          <a:lstStyle/>
-          <a:p>
-            <a:r>
-              <a:rPr lang="en-US" dirty="0" smtClean="0"/>
-              <a:t>Assignment8</a:t>
-            </a:r>
-            <a:endParaRPr lang="en-US" dirty="0"/>
-          </a:p>
-        </p:txBody>
-      </p:sp>
-    </p:spTree>
-    <p:extLst>
-      <p:ext uri="{BB962C8B-B14F-4D97-AF65-F5344CB8AC3E}">
-        <p14:creationId xmlns:p14="http://schemas.microsoft.com/office/powerpoint/2010/main" val="2352623320"/>
-      </p:ext>
-    </p:extLst>
-  </p:cSld>
-  <p:clrMapOvr>
-    <a:masterClrMapping/>
-  </p:clrMapOvr>
-</p:sld>
-</file>
-
-<file path=ppt/slides/slide91.xml><?xml version="1.0" encoding="utf-8"?>
-<p:sld xmlns:a="http://schemas.openxmlformats.org/drawingml/2006/main" xmlns:r="http://schemas.openxmlformats.org/officeDocument/2006/relationships" xmlns:p="http://schemas.openxmlformats.org/presentationml/2006/main">
-  <p:cSld>
-    <p:spTree>
-      <p:nvGrpSpPr>
-        <p:cNvPr id="1" name=""/>
-        <p:cNvGrpSpPr/>
-        <p:nvPr/>
-      </p:nvGrpSpPr>
-      <p:grpSpPr>
-        <a:xfrm>
-          <a:off x="0" y="0"/>
-          <a:ext cx="0" cy="0"/>
-          <a:chOff x="0" y="0"/>
-          <a:chExt cx="0" cy="0"/>
-        </a:xfrm>
-      </p:grpSpPr>
-      <p:sp>
-        <p:nvSpPr>
-          <p:cNvPr id="2" name="Title 1"/>
-          <p:cNvSpPr>
-            <a:spLocks noGrp="1"/>
-          </p:cNvSpPr>
-          <p:nvPr>
-            <p:ph type="title"/>
-          </p:nvPr>
-        </p:nvSpPr>
-        <p:spPr/>
-        <p:txBody>
-          <a:bodyPr/>
-          <a:lstStyle/>
-          <a:p>
-            <a:r>
-              <a:rPr lang="en-US" dirty="0" smtClean="0"/>
-              <a:t>So how was that intro to databases?</a:t>
-            </a:r>
-            <a:endParaRPr lang="en-US" dirty="0"/>
-          </a:p>
-        </p:txBody>
-      </p:sp>
-      <p:sp>
-        <p:nvSpPr>
-          <p:cNvPr id="3" name="Content Placeholder 2"/>
-          <p:cNvSpPr>
-            <a:spLocks noGrp="1"/>
-          </p:cNvSpPr>
-          <p:nvPr>
-            <p:ph idx="1"/>
-          </p:nvPr>
-        </p:nvSpPr>
-        <p:spPr/>
-        <p:txBody>
-          <a:bodyPr/>
-          <a:lstStyle/>
-          <a:p>
-            <a:r>
-              <a:rPr lang="en-US" 